--- a/cpp_240708.pptx
+++ b/cpp_240708.pptx
@@ -6,6 +6,14 @@
   </p:sldMasterIdLst>
   <p:sldIdLst>
     <p:sldId id="256" r:id="rId2"/>
+    <p:sldId id="257" r:id="rId3"/>
+    <p:sldId id="258" r:id="rId4"/>
+    <p:sldId id="259" r:id="rId5"/>
+    <p:sldId id="260" r:id="rId6"/>
+    <p:sldId id="261" r:id="rId7"/>
+    <p:sldId id="262" r:id="rId8"/>
+    <p:sldId id="263" r:id="rId9"/>
+    <p:sldId id="264" r:id="rId10"/>
   </p:sldIdLst>
   <p:sldSz cx="12192000" cy="6858000"/>
   <p:notesSz cx="6858000" cy="9144000"/>
@@ -104,6 +112,11 @@
       </a:defRPr>
     </a:lvl9pPr>
   </p:defaultTextStyle>
+  <p:extLst>
+    <p:ext uri="{EFAFB233-063F-42B5-8137-9DF3F51BA10A}">
+      <p15:sldGuideLst xmlns:p15="http://schemas.microsoft.com/office/powerpoint/2012/main"/>
+    </p:ext>
+  </p:extLst>
 </p:presentation>
 </file>
 
@@ -3321,10 +3334,4263 @@
           <a:chExt cx="0" cy="0"/>
         </a:xfrm>
       </p:grpSpPr>
+      <p:sp>
+        <p:nvSpPr>
+          <p:cNvPr id="3" name="TextBox 2">
+            <a:extLst>
+              <a:ext uri="{FF2B5EF4-FFF2-40B4-BE49-F238E27FC236}">
+                <a16:creationId xmlns:a16="http://schemas.microsoft.com/office/drawing/2014/main" id="{C2EDBE95-6575-BEE5-5686-3B6D70F2F8CD}"/>
+              </a:ext>
+            </a:extLst>
+          </p:cNvPr>
+          <p:cNvSpPr txBox="1"/>
+          <p:nvPr/>
+        </p:nvSpPr>
+        <p:spPr>
+          <a:xfrm>
+            <a:off x="281940" y="608737"/>
+            <a:ext cx="4785360" cy="1754326"/>
+          </a:xfrm>
+          <a:prstGeom prst="rect">
+            <a:avLst/>
+          </a:prstGeom>
+          <a:noFill/>
+        </p:spPr>
+        <p:txBody>
+          <a:bodyPr wrap="square">
+            <a:spAutoFit/>
+          </a:bodyPr>
+          <a:lstStyle/>
+          <a:p>
+            <a:r>
+              <a:rPr lang="ko-KR" altLang="en-US" dirty="0" err="1">
+                <a:solidFill>
+                  <a:srgbClr val="FF0000"/>
+                </a:solidFill>
+                <a:latin typeface="Cascadia Code" pitchFamily="49" charset="0"/>
+                <a:cs typeface="Cascadia Code" pitchFamily="49" charset="0"/>
+              </a:rPr>
+              <a:t>int</a:t>
+            </a:r>
+            <a:r>
+              <a:rPr lang="ko-KR" altLang="en-US" dirty="0">
+                <a:solidFill>
+                  <a:srgbClr val="FF0000"/>
+                </a:solidFill>
+                <a:latin typeface="Cascadia Code" pitchFamily="49" charset="0"/>
+                <a:cs typeface="Cascadia Code" pitchFamily="49" charset="0"/>
+              </a:rPr>
+              <a:t> </a:t>
+            </a:r>
+            <a:r>
+              <a:rPr lang="ko-KR" altLang="en-US" dirty="0" err="1">
+                <a:solidFill>
+                  <a:srgbClr val="FF0000"/>
+                </a:solidFill>
+                <a:latin typeface="Cascadia Code" pitchFamily="49" charset="0"/>
+                <a:cs typeface="Cascadia Code" pitchFamily="49" charset="0"/>
+              </a:rPr>
+              <a:t>n</a:t>
+            </a:r>
+            <a:r>
+              <a:rPr lang="ko-KR" altLang="en-US" dirty="0">
+                <a:solidFill>
+                  <a:srgbClr val="FF0000"/>
+                </a:solidFill>
+                <a:latin typeface="Cascadia Code" pitchFamily="49" charset="0"/>
+                <a:cs typeface="Cascadia Code" pitchFamily="49" charset="0"/>
+              </a:rPr>
+              <a:t> = 100;</a:t>
+            </a:r>
+          </a:p>
+          <a:p>
+            <a:endParaRPr lang="ko-KR" altLang="en-US" dirty="0">
+              <a:latin typeface="Cascadia Code" pitchFamily="49" charset="0"/>
+              <a:cs typeface="Cascadia Code" pitchFamily="49" charset="0"/>
+            </a:endParaRPr>
+          </a:p>
+          <a:p>
+            <a:r>
+              <a:rPr lang="ko-KR" altLang="en-US" dirty="0" err="1">
+                <a:latin typeface="Cascadia Code" pitchFamily="49" charset="0"/>
+                <a:cs typeface="Cascadia Code" pitchFamily="49" charset="0"/>
+              </a:rPr>
+              <a:t>int</a:t>
+            </a:r>
+            <a:r>
+              <a:rPr lang="ko-KR" altLang="en-US" dirty="0">
+                <a:latin typeface="Cascadia Code" pitchFamily="49" charset="0"/>
+                <a:cs typeface="Cascadia Code" pitchFamily="49" charset="0"/>
+              </a:rPr>
+              <a:t>* </a:t>
+            </a:r>
+            <a:r>
+              <a:rPr lang="ko-KR" altLang="en-US" dirty="0" err="1">
+                <a:latin typeface="Cascadia Code" pitchFamily="49" charset="0"/>
+                <a:cs typeface="Cascadia Code" pitchFamily="49" charset="0"/>
+              </a:rPr>
+              <a:t>pn</a:t>
+            </a:r>
+            <a:r>
+              <a:rPr lang="ko-KR" altLang="en-US" dirty="0">
+                <a:latin typeface="Cascadia Code" pitchFamily="49" charset="0"/>
+                <a:cs typeface="Cascadia Code" pitchFamily="49" charset="0"/>
+              </a:rPr>
+              <a:t> = &amp;</a:t>
+            </a:r>
+            <a:r>
+              <a:rPr lang="ko-KR" altLang="en-US" dirty="0" err="1">
+                <a:latin typeface="Cascadia Code" pitchFamily="49" charset="0"/>
+                <a:cs typeface="Cascadia Code" pitchFamily="49" charset="0"/>
+              </a:rPr>
+              <a:t>n</a:t>
+            </a:r>
+            <a:r>
+              <a:rPr lang="ko-KR" altLang="en-US" dirty="0">
+                <a:latin typeface="Cascadia Code" pitchFamily="49" charset="0"/>
+                <a:cs typeface="Cascadia Code" pitchFamily="49" charset="0"/>
+              </a:rPr>
+              <a:t>;</a:t>
+            </a:r>
+          </a:p>
+          <a:p>
+            <a:endParaRPr lang="ko-KR" altLang="en-US" dirty="0">
+              <a:latin typeface="Cascadia Code" pitchFamily="49" charset="0"/>
+              <a:cs typeface="Cascadia Code" pitchFamily="49" charset="0"/>
+            </a:endParaRPr>
+          </a:p>
+          <a:p>
+            <a:r>
+              <a:rPr lang="ko-KR" altLang="en-US" dirty="0">
+                <a:latin typeface="Cascadia Code" pitchFamily="49" charset="0"/>
+                <a:cs typeface="Cascadia Code" pitchFamily="49" charset="0"/>
+              </a:rPr>
+              <a:t>*</a:t>
+            </a:r>
+            <a:r>
+              <a:rPr lang="ko-KR" altLang="en-US" dirty="0" err="1">
+                <a:latin typeface="Cascadia Code" pitchFamily="49" charset="0"/>
+                <a:cs typeface="Cascadia Code" pitchFamily="49" charset="0"/>
+              </a:rPr>
+              <a:t>pn</a:t>
+            </a:r>
+            <a:r>
+              <a:rPr lang="ko-KR" altLang="en-US" dirty="0">
+                <a:latin typeface="Cascadia Code" pitchFamily="49" charset="0"/>
+                <a:cs typeface="Cascadia Code" pitchFamily="49" charset="0"/>
+              </a:rPr>
+              <a:t> = 42;</a:t>
+            </a:r>
+          </a:p>
+          <a:p>
+            <a:r>
+              <a:rPr lang="ko-KR" altLang="en-US" dirty="0" err="1">
+                <a:latin typeface="Cascadia Code" pitchFamily="49" charset="0"/>
+                <a:cs typeface="Cascadia Code" pitchFamily="49" charset="0"/>
+              </a:rPr>
+              <a:t>std</a:t>
+            </a:r>
+            <a:r>
+              <a:rPr lang="ko-KR" altLang="en-US" dirty="0">
+                <a:latin typeface="Cascadia Code" pitchFamily="49" charset="0"/>
+                <a:cs typeface="Cascadia Code" pitchFamily="49" charset="0"/>
+              </a:rPr>
+              <a:t>::</a:t>
+            </a:r>
+            <a:r>
+              <a:rPr lang="ko-KR" altLang="en-US" dirty="0" err="1">
+                <a:latin typeface="Cascadia Code" pitchFamily="49" charset="0"/>
+                <a:cs typeface="Cascadia Code" pitchFamily="49" charset="0"/>
+              </a:rPr>
+              <a:t>cout</a:t>
+            </a:r>
+            <a:r>
+              <a:rPr lang="ko-KR" altLang="en-US" dirty="0">
+                <a:latin typeface="Cascadia Code" pitchFamily="49" charset="0"/>
+                <a:cs typeface="Cascadia Code" pitchFamily="49" charset="0"/>
+              </a:rPr>
+              <a:t> &lt;&lt; *</a:t>
+            </a:r>
+            <a:r>
+              <a:rPr lang="ko-KR" altLang="en-US" dirty="0" err="1">
+                <a:latin typeface="Cascadia Code" pitchFamily="49" charset="0"/>
+                <a:cs typeface="Cascadia Code" pitchFamily="49" charset="0"/>
+              </a:rPr>
+              <a:t>pn</a:t>
+            </a:r>
+            <a:r>
+              <a:rPr lang="ko-KR" altLang="en-US" dirty="0">
+                <a:latin typeface="Cascadia Code" pitchFamily="49" charset="0"/>
+                <a:cs typeface="Cascadia Code" pitchFamily="49" charset="0"/>
+              </a:rPr>
+              <a:t> &lt;&lt; </a:t>
+            </a:r>
+            <a:r>
+              <a:rPr lang="ko-KR" altLang="en-US" dirty="0" err="1">
+                <a:latin typeface="Cascadia Code" pitchFamily="49" charset="0"/>
+                <a:cs typeface="Cascadia Code" pitchFamily="49" charset="0"/>
+              </a:rPr>
+              <a:t>std</a:t>
+            </a:r>
+            <a:r>
+              <a:rPr lang="ko-KR" altLang="en-US" dirty="0">
+                <a:latin typeface="Cascadia Code" pitchFamily="49" charset="0"/>
+                <a:cs typeface="Cascadia Code" pitchFamily="49" charset="0"/>
+              </a:rPr>
+              <a:t>::</a:t>
+            </a:r>
+            <a:r>
+              <a:rPr lang="ko-KR" altLang="en-US" dirty="0" err="1">
+                <a:latin typeface="Cascadia Code" pitchFamily="49" charset="0"/>
+                <a:cs typeface="Cascadia Code" pitchFamily="49" charset="0"/>
+              </a:rPr>
+              <a:t>endl</a:t>
+            </a:r>
+            <a:r>
+              <a:rPr lang="ko-KR" altLang="en-US" dirty="0">
+                <a:latin typeface="Cascadia Code" pitchFamily="49" charset="0"/>
+                <a:cs typeface="Cascadia Code" pitchFamily="49" charset="0"/>
+              </a:rPr>
+              <a:t>;</a:t>
+            </a:r>
+          </a:p>
+        </p:txBody>
+      </p:sp>
+      <p:sp>
+        <p:nvSpPr>
+          <p:cNvPr id="4" name="직사각형 3">
+            <a:extLst>
+              <a:ext uri="{FF2B5EF4-FFF2-40B4-BE49-F238E27FC236}">
+                <a16:creationId xmlns:a16="http://schemas.microsoft.com/office/drawing/2014/main" id="{23928E8E-5638-E01A-614B-B6065F23E918}"/>
+              </a:ext>
+            </a:extLst>
+          </p:cNvPr>
+          <p:cNvSpPr/>
+          <p:nvPr/>
+        </p:nvSpPr>
+        <p:spPr>
+          <a:xfrm>
+            <a:off x="6842760" y="1752600"/>
+            <a:ext cx="1120140" cy="610463"/>
+          </a:xfrm>
+          <a:prstGeom prst="rect">
+            <a:avLst/>
+          </a:prstGeom>
+          <a:solidFill>
+            <a:srgbClr val="FFFF00"/>
+          </a:solidFill>
+        </p:spPr>
+        <p:style>
+          <a:lnRef idx="2">
+            <a:schemeClr val="accent1">
+              <a:shade val="15000"/>
+            </a:schemeClr>
+          </a:lnRef>
+          <a:fillRef idx="1">
+            <a:schemeClr val="accent1"/>
+          </a:fillRef>
+          <a:effectRef idx="0">
+            <a:schemeClr val="accent1"/>
+          </a:effectRef>
+          <a:fontRef idx="minor">
+            <a:schemeClr val="lt1"/>
+          </a:fontRef>
+        </p:style>
+        <p:txBody>
+          <a:bodyPr rtlCol="0" anchor="ctr"/>
+          <a:lstStyle/>
+          <a:p>
+            <a:pPr algn="ctr"/>
+            <a:r>
+              <a:rPr kumimoji="1" lang="en-US" altLang="ko-KR" sz="1600" dirty="0">
+                <a:solidFill>
+                  <a:schemeClr val="tx1"/>
+                </a:solidFill>
+                <a:latin typeface="Cascadia Code" pitchFamily="49" charset="0"/>
+                <a:cs typeface="Cascadia Code" pitchFamily="49" charset="0"/>
+              </a:rPr>
+              <a:t>100</a:t>
+            </a:r>
+            <a:endParaRPr kumimoji="1" lang="ko-KR" altLang="en-US" sz="1600" dirty="0">
+              <a:solidFill>
+                <a:schemeClr val="tx1"/>
+              </a:solidFill>
+              <a:latin typeface="Cascadia Code" pitchFamily="49" charset="0"/>
+              <a:cs typeface="Cascadia Code" pitchFamily="49" charset="0"/>
+            </a:endParaRPr>
+          </a:p>
+        </p:txBody>
+      </p:sp>
+      <p:sp>
+        <p:nvSpPr>
+          <p:cNvPr id="5" name="TextBox 4">
+            <a:extLst>
+              <a:ext uri="{FF2B5EF4-FFF2-40B4-BE49-F238E27FC236}">
+                <a16:creationId xmlns:a16="http://schemas.microsoft.com/office/drawing/2014/main" id="{768E307F-81A5-FA04-96B9-8CD0C767A005}"/>
+              </a:ext>
+            </a:extLst>
+          </p:cNvPr>
+          <p:cNvSpPr txBox="1"/>
+          <p:nvPr/>
+        </p:nvSpPr>
+        <p:spPr>
+          <a:xfrm>
+            <a:off x="6576060" y="1888554"/>
+            <a:ext cx="236220" cy="338554"/>
+          </a:xfrm>
+          <a:prstGeom prst="rect">
+            <a:avLst/>
+          </a:prstGeom>
+          <a:noFill/>
+        </p:spPr>
+        <p:txBody>
+          <a:bodyPr wrap="square" rtlCol="0">
+            <a:spAutoFit/>
+          </a:bodyPr>
+          <a:lstStyle/>
+          <a:p>
+            <a:pPr algn="ctr"/>
+            <a:r>
+              <a:rPr kumimoji="1" lang="en-US" altLang="ko-KR" sz="1600" dirty="0">
+                <a:latin typeface="Cascadia Code" pitchFamily="49" charset="0"/>
+                <a:ea typeface="Cascadia Code" pitchFamily="49" charset="0"/>
+                <a:cs typeface="Cascadia Code" pitchFamily="49" charset="0"/>
+              </a:rPr>
+              <a:t>n</a:t>
+            </a:r>
+            <a:endParaRPr kumimoji="1" lang="ko-KR" altLang="en-US" sz="1600" dirty="0">
+              <a:latin typeface="Cascadia Code" pitchFamily="49" charset="0"/>
+              <a:ea typeface="Cascadia Code" pitchFamily="49" charset="0"/>
+              <a:cs typeface="Cascadia Code" pitchFamily="49" charset="0"/>
+            </a:endParaRPr>
+          </a:p>
+        </p:txBody>
+      </p:sp>
+      <p:sp>
+        <p:nvSpPr>
+          <p:cNvPr id="7" name="TextBox 6">
+            <a:extLst>
+              <a:ext uri="{FF2B5EF4-FFF2-40B4-BE49-F238E27FC236}">
+                <a16:creationId xmlns:a16="http://schemas.microsoft.com/office/drawing/2014/main" id="{FEADA19A-3293-AC69-362E-5BB75D6DD353}"/>
+              </a:ext>
+            </a:extLst>
+          </p:cNvPr>
+          <p:cNvSpPr txBox="1"/>
+          <p:nvPr/>
+        </p:nvSpPr>
+        <p:spPr>
+          <a:xfrm>
+            <a:off x="6416040" y="1475601"/>
+            <a:ext cx="1089660" cy="276999"/>
+          </a:xfrm>
+          <a:prstGeom prst="rect">
+            <a:avLst/>
+          </a:prstGeom>
+          <a:noFill/>
+        </p:spPr>
+        <p:txBody>
+          <a:bodyPr wrap="square">
+            <a:spAutoFit/>
+          </a:bodyPr>
+          <a:lstStyle/>
+          <a:p>
+            <a:r>
+              <a:rPr kumimoji="1" lang="en-US" altLang="ko-KR" sz="1200" dirty="0">
+                <a:solidFill>
+                  <a:schemeClr val="tx1"/>
+                </a:solidFill>
+                <a:latin typeface="Cascadia Code" pitchFamily="49" charset="0"/>
+                <a:cs typeface="Cascadia Code" pitchFamily="49" charset="0"/>
+              </a:rPr>
+              <a:t>0x2000</a:t>
+            </a:r>
+            <a:endParaRPr lang="ko-KR" altLang="en-US" sz="1200" dirty="0"/>
+          </a:p>
+        </p:txBody>
+      </p:sp>
     </p:spTree>
     <p:extLst>
       <p:ext uri="{BB962C8B-B14F-4D97-AF65-F5344CB8AC3E}">
         <p14:creationId xmlns:p14="http://schemas.microsoft.com/office/powerpoint/2010/main" val="3445630556"/>
+      </p:ext>
+    </p:extLst>
+  </p:cSld>
+  <p:clrMapOvr>
+    <a:masterClrMapping/>
+  </p:clrMapOvr>
+</p:sld>
+</file>
+
+<file path=ppt/slides/slide2.xml><?xml version="1.0" encoding="utf-8"?>
+<p:sld xmlns:a="http://schemas.openxmlformats.org/drawingml/2006/main" xmlns:r="http://schemas.openxmlformats.org/officeDocument/2006/relationships" xmlns:p="http://schemas.openxmlformats.org/presentationml/2006/main">
+  <p:cSld>
+    <p:spTree>
+      <p:nvGrpSpPr>
+        <p:cNvPr id="1" name=""/>
+        <p:cNvGrpSpPr/>
+        <p:nvPr/>
+      </p:nvGrpSpPr>
+      <p:grpSpPr>
+        <a:xfrm>
+          <a:off x="0" y="0"/>
+          <a:ext cx="0" cy="0"/>
+          <a:chOff x="0" y="0"/>
+          <a:chExt cx="0" cy="0"/>
+        </a:xfrm>
+      </p:grpSpPr>
+      <p:sp>
+        <p:nvSpPr>
+          <p:cNvPr id="3" name="TextBox 2">
+            <a:extLst>
+              <a:ext uri="{FF2B5EF4-FFF2-40B4-BE49-F238E27FC236}">
+                <a16:creationId xmlns:a16="http://schemas.microsoft.com/office/drawing/2014/main" id="{C2EDBE95-6575-BEE5-5686-3B6D70F2F8CD}"/>
+              </a:ext>
+            </a:extLst>
+          </p:cNvPr>
+          <p:cNvSpPr txBox="1"/>
+          <p:nvPr/>
+        </p:nvSpPr>
+        <p:spPr>
+          <a:xfrm>
+            <a:off x="281940" y="608737"/>
+            <a:ext cx="4785360" cy="1754326"/>
+          </a:xfrm>
+          <a:prstGeom prst="rect">
+            <a:avLst/>
+          </a:prstGeom>
+          <a:noFill/>
+        </p:spPr>
+        <p:txBody>
+          <a:bodyPr wrap="square">
+            <a:spAutoFit/>
+          </a:bodyPr>
+          <a:lstStyle/>
+          <a:p>
+            <a:r>
+              <a:rPr lang="ko-KR" altLang="en-US" dirty="0" err="1">
+                <a:latin typeface="Cascadia Code" pitchFamily="49" charset="0"/>
+                <a:cs typeface="Cascadia Code" pitchFamily="49" charset="0"/>
+              </a:rPr>
+              <a:t>int</a:t>
+            </a:r>
+            <a:r>
+              <a:rPr lang="ko-KR" altLang="en-US" dirty="0">
+                <a:latin typeface="Cascadia Code" pitchFamily="49" charset="0"/>
+                <a:cs typeface="Cascadia Code" pitchFamily="49" charset="0"/>
+              </a:rPr>
+              <a:t> </a:t>
+            </a:r>
+            <a:r>
+              <a:rPr lang="ko-KR" altLang="en-US" dirty="0" err="1">
+                <a:latin typeface="Cascadia Code" pitchFamily="49" charset="0"/>
+                <a:cs typeface="Cascadia Code" pitchFamily="49" charset="0"/>
+              </a:rPr>
+              <a:t>n</a:t>
+            </a:r>
+            <a:r>
+              <a:rPr lang="ko-KR" altLang="en-US" dirty="0">
+                <a:latin typeface="Cascadia Code" pitchFamily="49" charset="0"/>
+                <a:cs typeface="Cascadia Code" pitchFamily="49" charset="0"/>
+              </a:rPr>
+              <a:t> = 100;</a:t>
+            </a:r>
+          </a:p>
+          <a:p>
+            <a:endParaRPr lang="ko-KR" altLang="en-US" dirty="0">
+              <a:latin typeface="Cascadia Code" pitchFamily="49" charset="0"/>
+              <a:cs typeface="Cascadia Code" pitchFamily="49" charset="0"/>
+            </a:endParaRPr>
+          </a:p>
+          <a:p>
+            <a:r>
+              <a:rPr lang="ko-KR" altLang="en-US" dirty="0" err="1">
+                <a:solidFill>
+                  <a:srgbClr val="FF0000"/>
+                </a:solidFill>
+                <a:latin typeface="Cascadia Code" pitchFamily="49" charset="0"/>
+                <a:cs typeface="Cascadia Code" pitchFamily="49" charset="0"/>
+              </a:rPr>
+              <a:t>int</a:t>
+            </a:r>
+            <a:r>
+              <a:rPr lang="ko-KR" altLang="en-US" dirty="0">
+                <a:solidFill>
+                  <a:srgbClr val="FF0000"/>
+                </a:solidFill>
+                <a:latin typeface="Cascadia Code" pitchFamily="49" charset="0"/>
+                <a:cs typeface="Cascadia Code" pitchFamily="49" charset="0"/>
+              </a:rPr>
+              <a:t>* </a:t>
+            </a:r>
+            <a:r>
+              <a:rPr lang="ko-KR" altLang="en-US" dirty="0" err="1">
+                <a:solidFill>
+                  <a:srgbClr val="FF0000"/>
+                </a:solidFill>
+                <a:latin typeface="Cascadia Code" pitchFamily="49" charset="0"/>
+                <a:cs typeface="Cascadia Code" pitchFamily="49" charset="0"/>
+              </a:rPr>
+              <a:t>pn</a:t>
+            </a:r>
+            <a:r>
+              <a:rPr lang="ko-KR" altLang="en-US" dirty="0">
+                <a:solidFill>
+                  <a:srgbClr val="FF0000"/>
+                </a:solidFill>
+                <a:latin typeface="Cascadia Code" pitchFamily="49" charset="0"/>
+                <a:cs typeface="Cascadia Code" pitchFamily="49" charset="0"/>
+              </a:rPr>
+              <a:t> = &amp;</a:t>
+            </a:r>
+            <a:r>
+              <a:rPr lang="ko-KR" altLang="en-US" dirty="0" err="1">
+                <a:solidFill>
+                  <a:srgbClr val="FF0000"/>
+                </a:solidFill>
+                <a:latin typeface="Cascadia Code" pitchFamily="49" charset="0"/>
+                <a:cs typeface="Cascadia Code" pitchFamily="49" charset="0"/>
+              </a:rPr>
+              <a:t>n</a:t>
+            </a:r>
+            <a:r>
+              <a:rPr lang="ko-KR" altLang="en-US" dirty="0">
+                <a:solidFill>
+                  <a:srgbClr val="FF0000"/>
+                </a:solidFill>
+                <a:latin typeface="Cascadia Code" pitchFamily="49" charset="0"/>
+                <a:cs typeface="Cascadia Code" pitchFamily="49" charset="0"/>
+              </a:rPr>
+              <a:t>;</a:t>
+            </a:r>
+          </a:p>
+          <a:p>
+            <a:endParaRPr lang="ko-KR" altLang="en-US" dirty="0">
+              <a:latin typeface="Cascadia Code" pitchFamily="49" charset="0"/>
+              <a:cs typeface="Cascadia Code" pitchFamily="49" charset="0"/>
+            </a:endParaRPr>
+          </a:p>
+          <a:p>
+            <a:r>
+              <a:rPr lang="ko-KR" altLang="en-US" dirty="0">
+                <a:latin typeface="Cascadia Code" pitchFamily="49" charset="0"/>
+                <a:cs typeface="Cascadia Code" pitchFamily="49" charset="0"/>
+              </a:rPr>
+              <a:t>*</a:t>
+            </a:r>
+            <a:r>
+              <a:rPr lang="ko-KR" altLang="en-US" dirty="0" err="1">
+                <a:latin typeface="Cascadia Code" pitchFamily="49" charset="0"/>
+                <a:cs typeface="Cascadia Code" pitchFamily="49" charset="0"/>
+              </a:rPr>
+              <a:t>pn</a:t>
+            </a:r>
+            <a:r>
+              <a:rPr lang="ko-KR" altLang="en-US" dirty="0">
+                <a:latin typeface="Cascadia Code" pitchFamily="49" charset="0"/>
+                <a:cs typeface="Cascadia Code" pitchFamily="49" charset="0"/>
+              </a:rPr>
+              <a:t> = 42;</a:t>
+            </a:r>
+          </a:p>
+          <a:p>
+            <a:r>
+              <a:rPr lang="ko-KR" altLang="en-US" dirty="0" err="1">
+                <a:latin typeface="Cascadia Code" pitchFamily="49" charset="0"/>
+                <a:cs typeface="Cascadia Code" pitchFamily="49" charset="0"/>
+              </a:rPr>
+              <a:t>std</a:t>
+            </a:r>
+            <a:r>
+              <a:rPr lang="ko-KR" altLang="en-US" dirty="0">
+                <a:latin typeface="Cascadia Code" pitchFamily="49" charset="0"/>
+                <a:cs typeface="Cascadia Code" pitchFamily="49" charset="0"/>
+              </a:rPr>
+              <a:t>::</a:t>
+            </a:r>
+            <a:r>
+              <a:rPr lang="ko-KR" altLang="en-US" dirty="0" err="1">
+                <a:latin typeface="Cascadia Code" pitchFamily="49" charset="0"/>
+                <a:cs typeface="Cascadia Code" pitchFamily="49" charset="0"/>
+              </a:rPr>
+              <a:t>cout</a:t>
+            </a:r>
+            <a:r>
+              <a:rPr lang="ko-KR" altLang="en-US" dirty="0">
+                <a:latin typeface="Cascadia Code" pitchFamily="49" charset="0"/>
+                <a:cs typeface="Cascadia Code" pitchFamily="49" charset="0"/>
+              </a:rPr>
+              <a:t> &lt;&lt; *</a:t>
+            </a:r>
+            <a:r>
+              <a:rPr lang="ko-KR" altLang="en-US" dirty="0" err="1">
+                <a:latin typeface="Cascadia Code" pitchFamily="49" charset="0"/>
+                <a:cs typeface="Cascadia Code" pitchFamily="49" charset="0"/>
+              </a:rPr>
+              <a:t>pn</a:t>
+            </a:r>
+            <a:r>
+              <a:rPr lang="ko-KR" altLang="en-US" dirty="0">
+                <a:latin typeface="Cascadia Code" pitchFamily="49" charset="0"/>
+                <a:cs typeface="Cascadia Code" pitchFamily="49" charset="0"/>
+              </a:rPr>
+              <a:t> &lt;&lt; </a:t>
+            </a:r>
+            <a:r>
+              <a:rPr lang="ko-KR" altLang="en-US" dirty="0" err="1">
+                <a:latin typeface="Cascadia Code" pitchFamily="49" charset="0"/>
+                <a:cs typeface="Cascadia Code" pitchFamily="49" charset="0"/>
+              </a:rPr>
+              <a:t>std</a:t>
+            </a:r>
+            <a:r>
+              <a:rPr lang="ko-KR" altLang="en-US" dirty="0">
+                <a:latin typeface="Cascadia Code" pitchFamily="49" charset="0"/>
+                <a:cs typeface="Cascadia Code" pitchFamily="49" charset="0"/>
+              </a:rPr>
+              <a:t>::</a:t>
+            </a:r>
+            <a:r>
+              <a:rPr lang="ko-KR" altLang="en-US" dirty="0" err="1">
+                <a:latin typeface="Cascadia Code" pitchFamily="49" charset="0"/>
+                <a:cs typeface="Cascadia Code" pitchFamily="49" charset="0"/>
+              </a:rPr>
+              <a:t>endl</a:t>
+            </a:r>
+            <a:r>
+              <a:rPr lang="ko-KR" altLang="en-US" dirty="0">
+                <a:latin typeface="Cascadia Code" pitchFamily="49" charset="0"/>
+                <a:cs typeface="Cascadia Code" pitchFamily="49" charset="0"/>
+              </a:rPr>
+              <a:t>;</a:t>
+            </a:r>
+          </a:p>
+        </p:txBody>
+      </p:sp>
+      <p:sp>
+        <p:nvSpPr>
+          <p:cNvPr id="4" name="직사각형 3">
+            <a:extLst>
+              <a:ext uri="{FF2B5EF4-FFF2-40B4-BE49-F238E27FC236}">
+                <a16:creationId xmlns:a16="http://schemas.microsoft.com/office/drawing/2014/main" id="{23928E8E-5638-E01A-614B-B6065F23E918}"/>
+              </a:ext>
+            </a:extLst>
+          </p:cNvPr>
+          <p:cNvSpPr/>
+          <p:nvPr/>
+        </p:nvSpPr>
+        <p:spPr>
+          <a:xfrm>
+            <a:off x="6842760" y="1752600"/>
+            <a:ext cx="1120140" cy="610463"/>
+          </a:xfrm>
+          <a:prstGeom prst="rect">
+            <a:avLst/>
+          </a:prstGeom>
+          <a:solidFill>
+            <a:srgbClr val="FFFF00"/>
+          </a:solidFill>
+        </p:spPr>
+        <p:style>
+          <a:lnRef idx="2">
+            <a:schemeClr val="accent1">
+              <a:shade val="15000"/>
+            </a:schemeClr>
+          </a:lnRef>
+          <a:fillRef idx="1">
+            <a:schemeClr val="accent1"/>
+          </a:fillRef>
+          <a:effectRef idx="0">
+            <a:schemeClr val="accent1"/>
+          </a:effectRef>
+          <a:fontRef idx="minor">
+            <a:schemeClr val="lt1"/>
+          </a:fontRef>
+        </p:style>
+        <p:txBody>
+          <a:bodyPr rtlCol="0" anchor="ctr"/>
+          <a:lstStyle/>
+          <a:p>
+            <a:pPr algn="ctr"/>
+            <a:r>
+              <a:rPr kumimoji="1" lang="en-US" altLang="ko-KR" sz="1600" dirty="0">
+                <a:solidFill>
+                  <a:schemeClr val="tx1"/>
+                </a:solidFill>
+                <a:latin typeface="Cascadia Code" pitchFamily="49" charset="0"/>
+                <a:cs typeface="Cascadia Code" pitchFamily="49" charset="0"/>
+              </a:rPr>
+              <a:t>100</a:t>
+            </a:r>
+            <a:endParaRPr kumimoji="1" lang="ko-KR" altLang="en-US" sz="1600" dirty="0">
+              <a:solidFill>
+                <a:schemeClr val="tx1"/>
+              </a:solidFill>
+              <a:latin typeface="Cascadia Code" pitchFamily="49" charset="0"/>
+              <a:cs typeface="Cascadia Code" pitchFamily="49" charset="0"/>
+            </a:endParaRPr>
+          </a:p>
+        </p:txBody>
+      </p:sp>
+      <p:sp>
+        <p:nvSpPr>
+          <p:cNvPr id="5" name="TextBox 4">
+            <a:extLst>
+              <a:ext uri="{FF2B5EF4-FFF2-40B4-BE49-F238E27FC236}">
+                <a16:creationId xmlns:a16="http://schemas.microsoft.com/office/drawing/2014/main" id="{768E307F-81A5-FA04-96B9-8CD0C767A005}"/>
+              </a:ext>
+            </a:extLst>
+          </p:cNvPr>
+          <p:cNvSpPr txBox="1"/>
+          <p:nvPr/>
+        </p:nvSpPr>
+        <p:spPr>
+          <a:xfrm>
+            <a:off x="6576060" y="1888554"/>
+            <a:ext cx="236220" cy="338554"/>
+          </a:xfrm>
+          <a:prstGeom prst="rect">
+            <a:avLst/>
+          </a:prstGeom>
+          <a:noFill/>
+        </p:spPr>
+        <p:txBody>
+          <a:bodyPr wrap="square" rtlCol="0">
+            <a:spAutoFit/>
+          </a:bodyPr>
+          <a:lstStyle/>
+          <a:p>
+            <a:pPr algn="ctr"/>
+            <a:r>
+              <a:rPr kumimoji="1" lang="en-US" altLang="ko-KR" sz="1600" dirty="0">
+                <a:latin typeface="Cascadia Code" pitchFamily="49" charset="0"/>
+                <a:ea typeface="Cascadia Code" pitchFamily="49" charset="0"/>
+                <a:cs typeface="Cascadia Code" pitchFamily="49" charset="0"/>
+              </a:rPr>
+              <a:t>n</a:t>
+            </a:r>
+            <a:endParaRPr kumimoji="1" lang="ko-KR" altLang="en-US" sz="1600" dirty="0">
+              <a:latin typeface="Cascadia Code" pitchFamily="49" charset="0"/>
+              <a:ea typeface="Cascadia Code" pitchFamily="49" charset="0"/>
+              <a:cs typeface="Cascadia Code" pitchFamily="49" charset="0"/>
+            </a:endParaRPr>
+          </a:p>
+        </p:txBody>
+      </p:sp>
+      <p:sp>
+        <p:nvSpPr>
+          <p:cNvPr id="7" name="TextBox 6">
+            <a:extLst>
+              <a:ext uri="{FF2B5EF4-FFF2-40B4-BE49-F238E27FC236}">
+                <a16:creationId xmlns:a16="http://schemas.microsoft.com/office/drawing/2014/main" id="{FEADA19A-3293-AC69-362E-5BB75D6DD353}"/>
+              </a:ext>
+            </a:extLst>
+          </p:cNvPr>
+          <p:cNvSpPr txBox="1"/>
+          <p:nvPr/>
+        </p:nvSpPr>
+        <p:spPr>
+          <a:xfrm>
+            <a:off x="6416040" y="1475601"/>
+            <a:ext cx="1089660" cy="276999"/>
+          </a:xfrm>
+          <a:prstGeom prst="rect">
+            <a:avLst/>
+          </a:prstGeom>
+          <a:noFill/>
+        </p:spPr>
+        <p:txBody>
+          <a:bodyPr wrap="square">
+            <a:spAutoFit/>
+          </a:bodyPr>
+          <a:lstStyle/>
+          <a:p>
+            <a:r>
+              <a:rPr kumimoji="1" lang="en-US" altLang="ko-KR" sz="1200" dirty="0">
+                <a:solidFill>
+                  <a:schemeClr val="tx1"/>
+                </a:solidFill>
+                <a:latin typeface="Cascadia Code" pitchFamily="49" charset="0"/>
+                <a:cs typeface="Cascadia Code" pitchFamily="49" charset="0"/>
+              </a:rPr>
+              <a:t>0x2000</a:t>
+            </a:r>
+            <a:endParaRPr lang="ko-KR" altLang="en-US" sz="1200" dirty="0"/>
+          </a:p>
+        </p:txBody>
+      </p:sp>
+      <p:sp>
+        <p:nvSpPr>
+          <p:cNvPr id="2" name="직사각형 1">
+            <a:extLst>
+              <a:ext uri="{FF2B5EF4-FFF2-40B4-BE49-F238E27FC236}">
+                <a16:creationId xmlns:a16="http://schemas.microsoft.com/office/drawing/2014/main" id="{3D4CD2E3-80B3-C38C-C998-650EDDC1F0A0}"/>
+              </a:ext>
+            </a:extLst>
+          </p:cNvPr>
+          <p:cNvSpPr/>
+          <p:nvPr/>
+        </p:nvSpPr>
+        <p:spPr>
+          <a:xfrm>
+            <a:off x="6842760" y="3200400"/>
+            <a:ext cx="2621280" cy="610463"/>
+          </a:xfrm>
+          <a:prstGeom prst="rect">
+            <a:avLst/>
+          </a:prstGeom>
+          <a:solidFill>
+            <a:srgbClr val="FFFF00"/>
+          </a:solidFill>
+        </p:spPr>
+        <p:style>
+          <a:lnRef idx="2">
+            <a:schemeClr val="accent1">
+              <a:shade val="15000"/>
+            </a:schemeClr>
+          </a:lnRef>
+          <a:fillRef idx="1">
+            <a:schemeClr val="accent1"/>
+          </a:fillRef>
+          <a:effectRef idx="0">
+            <a:schemeClr val="accent1"/>
+          </a:effectRef>
+          <a:fontRef idx="minor">
+            <a:schemeClr val="lt1"/>
+          </a:fontRef>
+        </p:style>
+        <p:txBody>
+          <a:bodyPr rtlCol="0" anchor="ctr"/>
+          <a:lstStyle/>
+          <a:p>
+            <a:pPr algn="ctr"/>
+            <a:r>
+              <a:rPr kumimoji="1" lang="en-US" altLang="ko-KR" sz="1600" dirty="0">
+                <a:solidFill>
+                  <a:schemeClr val="tx1"/>
+                </a:solidFill>
+                <a:latin typeface="Cascadia Code" pitchFamily="49" charset="0"/>
+                <a:cs typeface="Cascadia Code" pitchFamily="49" charset="0"/>
+              </a:rPr>
+              <a:t>0x2000</a:t>
+            </a:r>
+            <a:endParaRPr kumimoji="1" lang="ko-KR" altLang="en-US" sz="1600" dirty="0">
+              <a:solidFill>
+                <a:schemeClr val="tx1"/>
+              </a:solidFill>
+              <a:latin typeface="Cascadia Code" pitchFamily="49" charset="0"/>
+              <a:cs typeface="Cascadia Code" pitchFamily="49" charset="0"/>
+            </a:endParaRPr>
+          </a:p>
+        </p:txBody>
+      </p:sp>
+      <p:sp>
+        <p:nvSpPr>
+          <p:cNvPr id="6" name="TextBox 5">
+            <a:extLst>
+              <a:ext uri="{FF2B5EF4-FFF2-40B4-BE49-F238E27FC236}">
+                <a16:creationId xmlns:a16="http://schemas.microsoft.com/office/drawing/2014/main" id="{6257C621-344A-CD01-B621-2EEC9C8201C3}"/>
+              </a:ext>
+            </a:extLst>
+          </p:cNvPr>
+          <p:cNvSpPr txBox="1"/>
+          <p:nvPr/>
+        </p:nvSpPr>
+        <p:spPr>
+          <a:xfrm>
+            <a:off x="6324600" y="3336354"/>
+            <a:ext cx="487680" cy="338554"/>
+          </a:xfrm>
+          <a:prstGeom prst="rect">
+            <a:avLst/>
+          </a:prstGeom>
+          <a:noFill/>
+        </p:spPr>
+        <p:txBody>
+          <a:bodyPr wrap="square" rtlCol="0">
+            <a:spAutoFit/>
+          </a:bodyPr>
+          <a:lstStyle/>
+          <a:p>
+            <a:pPr algn="ctr"/>
+            <a:r>
+              <a:rPr kumimoji="1" lang="en-US" altLang="ko-KR" sz="1600" dirty="0" err="1">
+                <a:latin typeface="Cascadia Code" pitchFamily="49" charset="0"/>
+                <a:ea typeface="Cascadia Code" pitchFamily="49" charset="0"/>
+                <a:cs typeface="Cascadia Code" pitchFamily="49" charset="0"/>
+              </a:rPr>
+              <a:t>pn</a:t>
+            </a:r>
+            <a:endParaRPr kumimoji="1" lang="ko-KR" altLang="en-US" sz="1600" dirty="0">
+              <a:latin typeface="Cascadia Code" pitchFamily="49" charset="0"/>
+              <a:ea typeface="Cascadia Code" pitchFamily="49" charset="0"/>
+              <a:cs typeface="Cascadia Code" pitchFamily="49" charset="0"/>
+            </a:endParaRPr>
+          </a:p>
+        </p:txBody>
+      </p:sp>
+      <p:cxnSp>
+        <p:nvCxnSpPr>
+          <p:cNvPr id="9" name="구부러진 연결선[U] 8">
+            <a:extLst>
+              <a:ext uri="{FF2B5EF4-FFF2-40B4-BE49-F238E27FC236}">
+                <a16:creationId xmlns:a16="http://schemas.microsoft.com/office/drawing/2014/main" id="{40F66600-3B76-D96B-4B82-546FDA478778}"/>
+              </a:ext>
+            </a:extLst>
+          </p:cNvPr>
+          <p:cNvCxnSpPr>
+            <a:endCxn id="4" idx="2"/>
+          </p:cNvCxnSpPr>
+          <p:nvPr/>
+        </p:nvCxnSpPr>
+        <p:spPr>
+          <a:xfrm rot="16200000" flipV="1">
+            <a:off x="7264197" y="2501697"/>
+            <a:ext cx="837337" cy="560070"/>
+          </a:xfrm>
+          <a:prstGeom prst="curvedConnector3">
+            <a:avLst/>
+          </a:prstGeom>
+          <a:ln>
+            <a:tailEnd type="triangle"/>
+          </a:ln>
+        </p:spPr>
+        <p:style>
+          <a:lnRef idx="2">
+            <a:schemeClr val="dk1"/>
+          </a:lnRef>
+          <a:fillRef idx="0">
+            <a:schemeClr val="dk1"/>
+          </a:fillRef>
+          <a:effectRef idx="1">
+            <a:schemeClr val="dk1"/>
+          </a:effectRef>
+          <a:fontRef idx="minor">
+            <a:schemeClr val="tx1"/>
+          </a:fontRef>
+        </p:style>
+      </p:cxnSp>
+    </p:spTree>
+    <p:extLst>
+      <p:ext uri="{BB962C8B-B14F-4D97-AF65-F5344CB8AC3E}">
+        <p14:creationId xmlns:p14="http://schemas.microsoft.com/office/powerpoint/2010/main" val="3030058635"/>
+      </p:ext>
+    </p:extLst>
+  </p:cSld>
+  <p:clrMapOvr>
+    <a:masterClrMapping/>
+  </p:clrMapOvr>
+</p:sld>
+</file>
+
+<file path=ppt/slides/slide3.xml><?xml version="1.0" encoding="utf-8"?>
+<p:sld xmlns:a="http://schemas.openxmlformats.org/drawingml/2006/main" xmlns:r="http://schemas.openxmlformats.org/officeDocument/2006/relationships" xmlns:p="http://schemas.openxmlformats.org/presentationml/2006/main">
+  <p:cSld>
+    <p:spTree>
+      <p:nvGrpSpPr>
+        <p:cNvPr id="1" name=""/>
+        <p:cNvGrpSpPr/>
+        <p:nvPr/>
+      </p:nvGrpSpPr>
+      <p:grpSpPr>
+        <a:xfrm>
+          <a:off x="0" y="0"/>
+          <a:ext cx="0" cy="0"/>
+          <a:chOff x="0" y="0"/>
+          <a:chExt cx="0" cy="0"/>
+        </a:xfrm>
+      </p:grpSpPr>
+      <p:sp>
+        <p:nvSpPr>
+          <p:cNvPr id="3" name="TextBox 2">
+            <a:extLst>
+              <a:ext uri="{FF2B5EF4-FFF2-40B4-BE49-F238E27FC236}">
+                <a16:creationId xmlns:a16="http://schemas.microsoft.com/office/drawing/2014/main" id="{C2EDBE95-6575-BEE5-5686-3B6D70F2F8CD}"/>
+              </a:ext>
+            </a:extLst>
+          </p:cNvPr>
+          <p:cNvSpPr txBox="1"/>
+          <p:nvPr/>
+        </p:nvSpPr>
+        <p:spPr>
+          <a:xfrm>
+            <a:off x="281940" y="608737"/>
+            <a:ext cx="4785360" cy="1754326"/>
+          </a:xfrm>
+          <a:prstGeom prst="rect">
+            <a:avLst/>
+          </a:prstGeom>
+          <a:noFill/>
+        </p:spPr>
+        <p:txBody>
+          <a:bodyPr wrap="square">
+            <a:spAutoFit/>
+          </a:bodyPr>
+          <a:lstStyle/>
+          <a:p>
+            <a:r>
+              <a:rPr lang="ko-KR" altLang="en-US" dirty="0" err="1">
+                <a:latin typeface="Cascadia Code" pitchFamily="49" charset="0"/>
+                <a:cs typeface="Cascadia Code" pitchFamily="49" charset="0"/>
+              </a:rPr>
+              <a:t>int</a:t>
+            </a:r>
+            <a:r>
+              <a:rPr lang="ko-KR" altLang="en-US" dirty="0">
+                <a:latin typeface="Cascadia Code" pitchFamily="49" charset="0"/>
+                <a:cs typeface="Cascadia Code" pitchFamily="49" charset="0"/>
+              </a:rPr>
+              <a:t> </a:t>
+            </a:r>
+            <a:r>
+              <a:rPr lang="ko-KR" altLang="en-US" dirty="0" err="1">
+                <a:latin typeface="Cascadia Code" pitchFamily="49" charset="0"/>
+                <a:cs typeface="Cascadia Code" pitchFamily="49" charset="0"/>
+              </a:rPr>
+              <a:t>n</a:t>
+            </a:r>
+            <a:r>
+              <a:rPr lang="ko-KR" altLang="en-US" dirty="0">
+                <a:latin typeface="Cascadia Code" pitchFamily="49" charset="0"/>
+                <a:cs typeface="Cascadia Code" pitchFamily="49" charset="0"/>
+              </a:rPr>
+              <a:t> = 100;</a:t>
+            </a:r>
+          </a:p>
+          <a:p>
+            <a:endParaRPr lang="ko-KR" altLang="en-US" dirty="0">
+              <a:latin typeface="Cascadia Code" pitchFamily="49" charset="0"/>
+              <a:cs typeface="Cascadia Code" pitchFamily="49" charset="0"/>
+            </a:endParaRPr>
+          </a:p>
+          <a:p>
+            <a:r>
+              <a:rPr lang="ko-KR" altLang="en-US" dirty="0" err="1">
+                <a:latin typeface="Cascadia Code" pitchFamily="49" charset="0"/>
+                <a:cs typeface="Cascadia Code" pitchFamily="49" charset="0"/>
+              </a:rPr>
+              <a:t>int</a:t>
+            </a:r>
+            <a:r>
+              <a:rPr lang="ko-KR" altLang="en-US" dirty="0">
+                <a:latin typeface="Cascadia Code" pitchFamily="49" charset="0"/>
+                <a:cs typeface="Cascadia Code" pitchFamily="49" charset="0"/>
+              </a:rPr>
+              <a:t>* </a:t>
+            </a:r>
+            <a:r>
+              <a:rPr lang="ko-KR" altLang="en-US" dirty="0" err="1">
+                <a:latin typeface="Cascadia Code" pitchFamily="49" charset="0"/>
+                <a:cs typeface="Cascadia Code" pitchFamily="49" charset="0"/>
+              </a:rPr>
+              <a:t>pn</a:t>
+            </a:r>
+            <a:r>
+              <a:rPr lang="ko-KR" altLang="en-US" dirty="0">
+                <a:latin typeface="Cascadia Code" pitchFamily="49" charset="0"/>
+                <a:cs typeface="Cascadia Code" pitchFamily="49" charset="0"/>
+              </a:rPr>
+              <a:t> = &amp;</a:t>
+            </a:r>
+            <a:r>
+              <a:rPr lang="ko-KR" altLang="en-US" dirty="0" err="1">
+                <a:latin typeface="Cascadia Code" pitchFamily="49" charset="0"/>
+                <a:cs typeface="Cascadia Code" pitchFamily="49" charset="0"/>
+              </a:rPr>
+              <a:t>n</a:t>
+            </a:r>
+            <a:r>
+              <a:rPr lang="ko-KR" altLang="en-US" dirty="0">
+                <a:latin typeface="Cascadia Code" pitchFamily="49" charset="0"/>
+                <a:cs typeface="Cascadia Code" pitchFamily="49" charset="0"/>
+              </a:rPr>
+              <a:t>;</a:t>
+            </a:r>
+          </a:p>
+          <a:p>
+            <a:endParaRPr lang="ko-KR" altLang="en-US" dirty="0">
+              <a:latin typeface="Cascadia Code" pitchFamily="49" charset="0"/>
+              <a:cs typeface="Cascadia Code" pitchFamily="49" charset="0"/>
+            </a:endParaRPr>
+          </a:p>
+          <a:p>
+            <a:r>
+              <a:rPr lang="ko-KR" altLang="en-US" dirty="0">
+                <a:solidFill>
+                  <a:srgbClr val="FF0000"/>
+                </a:solidFill>
+                <a:latin typeface="Cascadia Code" pitchFamily="49" charset="0"/>
+                <a:cs typeface="Cascadia Code" pitchFamily="49" charset="0"/>
+              </a:rPr>
+              <a:t>*</a:t>
+            </a:r>
+            <a:r>
+              <a:rPr lang="ko-KR" altLang="en-US" dirty="0" err="1">
+                <a:solidFill>
+                  <a:srgbClr val="FF0000"/>
+                </a:solidFill>
+                <a:latin typeface="Cascadia Code" pitchFamily="49" charset="0"/>
+                <a:cs typeface="Cascadia Code" pitchFamily="49" charset="0"/>
+              </a:rPr>
+              <a:t>pn</a:t>
+            </a:r>
+            <a:r>
+              <a:rPr lang="ko-KR" altLang="en-US" dirty="0">
+                <a:solidFill>
+                  <a:srgbClr val="FF0000"/>
+                </a:solidFill>
+                <a:latin typeface="Cascadia Code" pitchFamily="49" charset="0"/>
+                <a:cs typeface="Cascadia Code" pitchFamily="49" charset="0"/>
+              </a:rPr>
+              <a:t> = 42;</a:t>
+            </a:r>
+          </a:p>
+          <a:p>
+            <a:r>
+              <a:rPr lang="ko-KR" altLang="en-US" dirty="0" err="1">
+                <a:latin typeface="Cascadia Code" pitchFamily="49" charset="0"/>
+                <a:cs typeface="Cascadia Code" pitchFamily="49" charset="0"/>
+              </a:rPr>
+              <a:t>std</a:t>
+            </a:r>
+            <a:r>
+              <a:rPr lang="ko-KR" altLang="en-US" dirty="0">
+                <a:latin typeface="Cascadia Code" pitchFamily="49" charset="0"/>
+                <a:cs typeface="Cascadia Code" pitchFamily="49" charset="0"/>
+              </a:rPr>
+              <a:t>::</a:t>
+            </a:r>
+            <a:r>
+              <a:rPr lang="ko-KR" altLang="en-US" dirty="0" err="1">
+                <a:latin typeface="Cascadia Code" pitchFamily="49" charset="0"/>
+                <a:cs typeface="Cascadia Code" pitchFamily="49" charset="0"/>
+              </a:rPr>
+              <a:t>cout</a:t>
+            </a:r>
+            <a:r>
+              <a:rPr lang="ko-KR" altLang="en-US" dirty="0">
+                <a:latin typeface="Cascadia Code" pitchFamily="49" charset="0"/>
+                <a:cs typeface="Cascadia Code" pitchFamily="49" charset="0"/>
+              </a:rPr>
+              <a:t> &lt;&lt; *</a:t>
+            </a:r>
+            <a:r>
+              <a:rPr lang="ko-KR" altLang="en-US" dirty="0" err="1">
+                <a:latin typeface="Cascadia Code" pitchFamily="49" charset="0"/>
+                <a:cs typeface="Cascadia Code" pitchFamily="49" charset="0"/>
+              </a:rPr>
+              <a:t>pn</a:t>
+            </a:r>
+            <a:r>
+              <a:rPr lang="ko-KR" altLang="en-US" dirty="0">
+                <a:latin typeface="Cascadia Code" pitchFamily="49" charset="0"/>
+                <a:cs typeface="Cascadia Code" pitchFamily="49" charset="0"/>
+              </a:rPr>
+              <a:t> &lt;&lt; </a:t>
+            </a:r>
+            <a:r>
+              <a:rPr lang="ko-KR" altLang="en-US" dirty="0" err="1">
+                <a:latin typeface="Cascadia Code" pitchFamily="49" charset="0"/>
+                <a:cs typeface="Cascadia Code" pitchFamily="49" charset="0"/>
+              </a:rPr>
+              <a:t>std</a:t>
+            </a:r>
+            <a:r>
+              <a:rPr lang="ko-KR" altLang="en-US" dirty="0">
+                <a:latin typeface="Cascadia Code" pitchFamily="49" charset="0"/>
+                <a:cs typeface="Cascadia Code" pitchFamily="49" charset="0"/>
+              </a:rPr>
+              <a:t>::</a:t>
+            </a:r>
+            <a:r>
+              <a:rPr lang="ko-KR" altLang="en-US" dirty="0" err="1">
+                <a:latin typeface="Cascadia Code" pitchFamily="49" charset="0"/>
+                <a:cs typeface="Cascadia Code" pitchFamily="49" charset="0"/>
+              </a:rPr>
+              <a:t>endl</a:t>
+            </a:r>
+            <a:r>
+              <a:rPr lang="ko-KR" altLang="en-US" dirty="0">
+                <a:latin typeface="Cascadia Code" pitchFamily="49" charset="0"/>
+                <a:cs typeface="Cascadia Code" pitchFamily="49" charset="0"/>
+              </a:rPr>
+              <a:t>;</a:t>
+            </a:r>
+          </a:p>
+        </p:txBody>
+      </p:sp>
+      <p:sp>
+        <p:nvSpPr>
+          <p:cNvPr id="4" name="직사각형 3">
+            <a:extLst>
+              <a:ext uri="{FF2B5EF4-FFF2-40B4-BE49-F238E27FC236}">
+                <a16:creationId xmlns:a16="http://schemas.microsoft.com/office/drawing/2014/main" id="{23928E8E-5638-E01A-614B-B6065F23E918}"/>
+              </a:ext>
+            </a:extLst>
+          </p:cNvPr>
+          <p:cNvSpPr/>
+          <p:nvPr/>
+        </p:nvSpPr>
+        <p:spPr>
+          <a:xfrm>
+            <a:off x="6842760" y="1752600"/>
+            <a:ext cx="1120140" cy="610463"/>
+          </a:xfrm>
+          <a:prstGeom prst="rect">
+            <a:avLst/>
+          </a:prstGeom>
+          <a:solidFill>
+            <a:srgbClr val="FFFF00"/>
+          </a:solidFill>
+        </p:spPr>
+        <p:style>
+          <a:lnRef idx="2">
+            <a:schemeClr val="accent1">
+              <a:shade val="15000"/>
+            </a:schemeClr>
+          </a:lnRef>
+          <a:fillRef idx="1">
+            <a:schemeClr val="accent1"/>
+          </a:fillRef>
+          <a:effectRef idx="0">
+            <a:schemeClr val="accent1"/>
+          </a:effectRef>
+          <a:fontRef idx="minor">
+            <a:schemeClr val="lt1"/>
+          </a:fontRef>
+        </p:style>
+        <p:txBody>
+          <a:bodyPr rtlCol="0" anchor="ctr"/>
+          <a:lstStyle/>
+          <a:p>
+            <a:pPr algn="ctr"/>
+            <a:r>
+              <a:rPr kumimoji="1" lang="en-US" altLang="ko-KR" sz="1600" dirty="0">
+                <a:solidFill>
+                  <a:srgbClr val="FF0000"/>
+                </a:solidFill>
+                <a:latin typeface="Cascadia Code" pitchFamily="49" charset="0"/>
+                <a:cs typeface="Cascadia Code" pitchFamily="49" charset="0"/>
+              </a:rPr>
+              <a:t>42</a:t>
+            </a:r>
+            <a:endParaRPr kumimoji="1" lang="ko-KR" altLang="en-US" sz="1600" dirty="0">
+              <a:solidFill>
+                <a:srgbClr val="FF0000"/>
+              </a:solidFill>
+              <a:latin typeface="Cascadia Code" pitchFamily="49" charset="0"/>
+              <a:cs typeface="Cascadia Code" pitchFamily="49" charset="0"/>
+            </a:endParaRPr>
+          </a:p>
+        </p:txBody>
+      </p:sp>
+      <p:sp>
+        <p:nvSpPr>
+          <p:cNvPr id="5" name="TextBox 4">
+            <a:extLst>
+              <a:ext uri="{FF2B5EF4-FFF2-40B4-BE49-F238E27FC236}">
+                <a16:creationId xmlns:a16="http://schemas.microsoft.com/office/drawing/2014/main" id="{768E307F-81A5-FA04-96B9-8CD0C767A005}"/>
+              </a:ext>
+            </a:extLst>
+          </p:cNvPr>
+          <p:cNvSpPr txBox="1"/>
+          <p:nvPr/>
+        </p:nvSpPr>
+        <p:spPr>
+          <a:xfrm>
+            <a:off x="6576060" y="1888554"/>
+            <a:ext cx="236220" cy="338554"/>
+          </a:xfrm>
+          <a:prstGeom prst="rect">
+            <a:avLst/>
+          </a:prstGeom>
+          <a:noFill/>
+        </p:spPr>
+        <p:txBody>
+          <a:bodyPr wrap="square" rtlCol="0">
+            <a:spAutoFit/>
+          </a:bodyPr>
+          <a:lstStyle/>
+          <a:p>
+            <a:pPr algn="ctr"/>
+            <a:r>
+              <a:rPr kumimoji="1" lang="en-US" altLang="ko-KR" sz="1600" dirty="0">
+                <a:latin typeface="Cascadia Code" pitchFamily="49" charset="0"/>
+                <a:ea typeface="Cascadia Code" pitchFamily="49" charset="0"/>
+                <a:cs typeface="Cascadia Code" pitchFamily="49" charset="0"/>
+              </a:rPr>
+              <a:t>n</a:t>
+            </a:r>
+            <a:endParaRPr kumimoji="1" lang="ko-KR" altLang="en-US" sz="1600" dirty="0">
+              <a:latin typeface="Cascadia Code" pitchFamily="49" charset="0"/>
+              <a:ea typeface="Cascadia Code" pitchFamily="49" charset="0"/>
+              <a:cs typeface="Cascadia Code" pitchFamily="49" charset="0"/>
+            </a:endParaRPr>
+          </a:p>
+        </p:txBody>
+      </p:sp>
+      <p:sp>
+        <p:nvSpPr>
+          <p:cNvPr id="7" name="TextBox 6">
+            <a:extLst>
+              <a:ext uri="{FF2B5EF4-FFF2-40B4-BE49-F238E27FC236}">
+                <a16:creationId xmlns:a16="http://schemas.microsoft.com/office/drawing/2014/main" id="{FEADA19A-3293-AC69-362E-5BB75D6DD353}"/>
+              </a:ext>
+            </a:extLst>
+          </p:cNvPr>
+          <p:cNvSpPr txBox="1"/>
+          <p:nvPr/>
+        </p:nvSpPr>
+        <p:spPr>
+          <a:xfrm>
+            <a:off x="6416040" y="1475601"/>
+            <a:ext cx="1089660" cy="276999"/>
+          </a:xfrm>
+          <a:prstGeom prst="rect">
+            <a:avLst/>
+          </a:prstGeom>
+          <a:noFill/>
+        </p:spPr>
+        <p:txBody>
+          <a:bodyPr wrap="square">
+            <a:spAutoFit/>
+          </a:bodyPr>
+          <a:lstStyle/>
+          <a:p>
+            <a:r>
+              <a:rPr kumimoji="1" lang="en-US" altLang="ko-KR" sz="1200" dirty="0">
+                <a:solidFill>
+                  <a:schemeClr val="tx1"/>
+                </a:solidFill>
+                <a:latin typeface="Cascadia Code" pitchFamily="49" charset="0"/>
+                <a:cs typeface="Cascadia Code" pitchFamily="49" charset="0"/>
+              </a:rPr>
+              <a:t>0x2000</a:t>
+            </a:r>
+            <a:endParaRPr lang="ko-KR" altLang="en-US" sz="1200" dirty="0"/>
+          </a:p>
+        </p:txBody>
+      </p:sp>
+      <p:sp>
+        <p:nvSpPr>
+          <p:cNvPr id="2" name="직사각형 1">
+            <a:extLst>
+              <a:ext uri="{FF2B5EF4-FFF2-40B4-BE49-F238E27FC236}">
+                <a16:creationId xmlns:a16="http://schemas.microsoft.com/office/drawing/2014/main" id="{3D4CD2E3-80B3-C38C-C998-650EDDC1F0A0}"/>
+              </a:ext>
+            </a:extLst>
+          </p:cNvPr>
+          <p:cNvSpPr/>
+          <p:nvPr/>
+        </p:nvSpPr>
+        <p:spPr>
+          <a:xfrm>
+            <a:off x="6842760" y="3200400"/>
+            <a:ext cx="2621280" cy="610463"/>
+          </a:xfrm>
+          <a:prstGeom prst="rect">
+            <a:avLst/>
+          </a:prstGeom>
+          <a:solidFill>
+            <a:srgbClr val="FFFF00"/>
+          </a:solidFill>
+        </p:spPr>
+        <p:style>
+          <a:lnRef idx="2">
+            <a:schemeClr val="accent1">
+              <a:shade val="15000"/>
+            </a:schemeClr>
+          </a:lnRef>
+          <a:fillRef idx="1">
+            <a:schemeClr val="accent1"/>
+          </a:fillRef>
+          <a:effectRef idx="0">
+            <a:schemeClr val="accent1"/>
+          </a:effectRef>
+          <a:fontRef idx="minor">
+            <a:schemeClr val="lt1"/>
+          </a:fontRef>
+        </p:style>
+        <p:txBody>
+          <a:bodyPr rtlCol="0" anchor="ctr"/>
+          <a:lstStyle/>
+          <a:p>
+            <a:pPr algn="ctr"/>
+            <a:r>
+              <a:rPr kumimoji="1" lang="en-US" altLang="ko-KR" sz="1600" dirty="0">
+                <a:solidFill>
+                  <a:srgbClr val="FF0000"/>
+                </a:solidFill>
+                <a:latin typeface="Cascadia Code" pitchFamily="49" charset="0"/>
+                <a:cs typeface="Cascadia Code" pitchFamily="49" charset="0"/>
+              </a:rPr>
+              <a:t>0x2000</a:t>
+            </a:r>
+            <a:endParaRPr kumimoji="1" lang="ko-KR" altLang="en-US" sz="1600" dirty="0">
+              <a:solidFill>
+                <a:srgbClr val="FF0000"/>
+              </a:solidFill>
+              <a:latin typeface="Cascadia Code" pitchFamily="49" charset="0"/>
+              <a:cs typeface="Cascadia Code" pitchFamily="49" charset="0"/>
+            </a:endParaRPr>
+          </a:p>
+        </p:txBody>
+      </p:sp>
+      <p:sp>
+        <p:nvSpPr>
+          <p:cNvPr id="6" name="TextBox 5">
+            <a:extLst>
+              <a:ext uri="{FF2B5EF4-FFF2-40B4-BE49-F238E27FC236}">
+                <a16:creationId xmlns:a16="http://schemas.microsoft.com/office/drawing/2014/main" id="{6257C621-344A-CD01-B621-2EEC9C8201C3}"/>
+              </a:ext>
+            </a:extLst>
+          </p:cNvPr>
+          <p:cNvSpPr txBox="1"/>
+          <p:nvPr/>
+        </p:nvSpPr>
+        <p:spPr>
+          <a:xfrm>
+            <a:off x="6324600" y="3336354"/>
+            <a:ext cx="487680" cy="338554"/>
+          </a:xfrm>
+          <a:prstGeom prst="rect">
+            <a:avLst/>
+          </a:prstGeom>
+          <a:noFill/>
+        </p:spPr>
+        <p:txBody>
+          <a:bodyPr wrap="square" rtlCol="0">
+            <a:spAutoFit/>
+          </a:bodyPr>
+          <a:lstStyle/>
+          <a:p>
+            <a:pPr algn="ctr"/>
+            <a:r>
+              <a:rPr kumimoji="1" lang="en-US" altLang="ko-KR" sz="1600" dirty="0" err="1">
+                <a:latin typeface="Cascadia Code" pitchFamily="49" charset="0"/>
+                <a:ea typeface="Cascadia Code" pitchFamily="49" charset="0"/>
+                <a:cs typeface="Cascadia Code" pitchFamily="49" charset="0"/>
+              </a:rPr>
+              <a:t>pn</a:t>
+            </a:r>
+            <a:endParaRPr kumimoji="1" lang="ko-KR" altLang="en-US" sz="1600" dirty="0">
+              <a:latin typeface="Cascadia Code" pitchFamily="49" charset="0"/>
+              <a:ea typeface="Cascadia Code" pitchFamily="49" charset="0"/>
+              <a:cs typeface="Cascadia Code" pitchFamily="49" charset="0"/>
+            </a:endParaRPr>
+          </a:p>
+        </p:txBody>
+      </p:sp>
+      <p:cxnSp>
+        <p:nvCxnSpPr>
+          <p:cNvPr id="9" name="구부러진 연결선[U] 8">
+            <a:extLst>
+              <a:ext uri="{FF2B5EF4-FFF2-40B4-BE49-F238E27FC236}">
+                <a16:creationId xmlns:a16="http://schemas.microsoft.com/office/drawing/2014/main" id="{40F66600-3B76-D96B-4B82-546FDA478778}"/>
+              </a:ext>
+            </a:extLst>
+          </p:cNvPr>
+          <p:cNvCxnSpPr>
+            <a:endCxn id="4" idx="2"/>
+          </p:cNvCxnSpPr>
+          <p:nvPr/>
+        </p:nvCxnSpPr>
+        <p:spPr>
+          <a:xfrm rot="16200000" flipV="1">
+            <a:off x="7264197" y="2501697"/>
+            <a:ext cx="837337" cy="560070"/>
+          </a:xfrm>
+          <a:prstGeom prst="curvedConnector3">
+            <a:avLst/>
+          </a:prstGeom>
+          <a:ln>
+            <a:solidFill>
+              <a:srgbClr val="FF0000"/>
+            </a:solidFill>
+            <a:tailEnd type="triangle"/>
+          </a:ln>
+        </p:spPr>
+        <p:style>
+          <a:lnRef idx="2">
+            <a:schemeClr val="dk1"/>
+          </a:lnRef>
+          <a:fillRef idx="0">
+            <a:schemeClr val="dk1"/>
+          </a:fillRef>
+          <a:effectRef idx="1">
+            <a:schemeClr val="dk1"/>
+          </a:effectRef>
+          <a:fontRef idx="minor">
+            <a:schemeClr val="tx1"/>
+          </a:fontRef>
+        </p:style>
+      </p:cxnSp>
+    </p:spTree>
+    <p:extLst>
+      <p:ext uri="{BB962C8B-B14F-4D97-AF65-F5344CB8AC3E}">
+        <p14:creationId xmlns:p14="http://schemas.microsoft.com/office/powerpoint/2010/main" val="135514536"/>
+      </p:ext>
+    </p:extLst>
+  </p:cSld>
+  <p:clrMapOvr>
+    <a:masterClrMapping/>
+  </p:clrMapOvr>
+</p:sld>
+</file>
+
+<file path=ppt/slides/slide4.xml><?xml version="1.0" encoding="utf-8"?>
+<p:sld xmlns:a="http://schemas.openxmlformats.org/drawingml/2006/main" xmlns:r="http://schemas.openxmlformats.org/officeDocument/2006/relationships" xmlns:p="http://schemas.openxmlformats.org/presentationml/2006/main">
+  <p:cSld>
+    <p:spTree>
+      <p:nvGrpSpPr>
+        <p:cNvPr id="1" name=""/>
+        <p:cNvGrpSpPr/>
+        <p:nvPr/>
+      </p:nvGrpSpPr>
+      <p:grpSpPr>
+        <a:xfrm>
+          <a:off x="0" y="0"/>
+          <a:ext cx="0" cy="0"/>
+          <a:chOff x="0" y="0"/>
+          <a:chExt cx="0" cy="0"/>
+        </a:xfrm>
+      </p:grpSpPr>
+      <p:sp>
+        <p:nvSpPr>
+          <p:cNvPr id="3" name="TextBox 2">
+            <a:extLst>
+              <a:ext uri="{FF2B5EF4-FFF2-40B4-BE49-F238E27FC236}">
+                <a16:creationId xmlns:a16="http://schemas.microsoft.com/office/drawing/2014/main" id="{C2EDBE95-6575-BEE5-5686-3B6D70F2F8CD}"/>
+              </a:ext>
+            </a:extLst>
+          </p:cNvPr>
+          <p:cNvSpPr txBox="1"/>
+          <p:nvPr/>
+        </p:nvSpPr>
+        <p:spPr>
+          <a:xfrm>
+            <a:off x="281940" y="608737"/>
+            <a:ext cx="4785360" cy="1754326"/>
+          </a:xfrm>
+          <a:prstGeom prst="rect">
+            <a:avLst/>
+          </a:prstGeom>
+          <a:noFill/>
+        </p:spPr>
+        <p:txBody>
+          <a:bodyPr wrap="square">
+            <a:spAutoFit/>
+          </a:bodyPr>
+          <a:lstStyle/>
+          <a:p>
+            <a:r>
+              <a:rPr lang="ko-KR" altLang="en-US" dirty="0" err="1">
+                <a:latin typeface="Cascadia Code" pitchFamily="49" charset="0"/>
+                <a:cs typeface="Cascadia Code" pitchFamily="49" charset="0"/>
+              </a:rPr>
+              <a:t>int</a:t>
+            </a:r>
+            <a:r>
+              <a:rPr lang="ko-KR" altLang="en-US" dirty="0">
+                <a:latin typeface="Cascadia Code" pitchFamily="49" charset="0"/>
+                <a:cs typeface="Cascadia Code" pitchFamily="49" charset="0"/>
+              </a:rPr>
+              <a:t> </a:t>
+            </a:r>
+            <a:r>
+              <a:rPr lang="ko-KR" altLang="en-US" dirty="0" err="1">
+                <a:latin typeface="Cascadia Code" pitchFamily="49" charset="0"/>
+                <a:cs typeface="Cascadia Code" pitchFamily="49" charset="0"/>
+              </a:rPr>
+              <a:t>n</a:t>
+            </a:r>
+            <a:r>
+              <a:rPr lang="ko-KR" altLang="en-US" dirty="0">
+                <a:latin typeface="Cascadia Code" pitchFamily="49" charset="0"/>
+                <a:cs typeface="Cascadia Code" pitchFamily="49" charset="0"/>
+              </a:rPr>
+              <a:t> = 100;</a:t>
+            </a:r>
+          </a:p>
+          <a:p>
+            <a:endParaRPr lang="ko-KR" altLang="en-US" dirty="0">
+              <a:latin typeface="Cascadia Code" pitchFamily="49" charset="0"/>
+              <a:cs typeface="Cascadia Code" pitchFamily="49" charset="0"/>
+            </a:endParaRPr>
+          </a:p>
+          <a:p>
+            <a:r>
+              <a:rPr lang="ko-KR" altLang="en-US" dirty="0" err="1">
+                <a:latin typeface="Cascadia Code" pitchFamily="49" charset="0"/>
+                <a:cs typeface="Cascadia Code" pitchFamily="49" charset="0"/>
+              </a:rPr>
+              <a:t>int</a:t>
+            </a:r>
+            <a:r>
+              <a:rPr lang="ko-KR" altLang="en-US" dirty="0">
+                <a:latin typeface="Cascadia Code" pitchFamily="49" charset="0"/>
+                <a:cs typeface="Cascadia Code" pitchFamily="49" charset="0"/>
+              </a:rPr>
+              <a:t>* </a:t>
+            </a:r>
+            <a:r>
+              <a:rPr lang="ko-KR" altLang="en-US" dirty="0" err="1">
+                <a:latin typeface="Cascadia Code" pitchFamily="49" charset="0"/>
+                <a:cs typeface="Cascadia Code" pitchFamily="49" charset="0"/>
+              </a:rPr>
+              <a:t>pn</a:t>
+            </a:r>
+            <a:r>
+              <a:rPr lang="ko-KR" altLang="en-US" dirty="0">
+                <a:latin typeface="Cascadia Code" pitchFamily="49" charset="0"/>
+                <a:cs typeface="Cascadia Code" pitchFamily="49" charset="0"/>
+              </a:rPr>
+              <a:t> = &amp;</a:t>
+            </a:r>
+            <a:r>
+              <a:rPr lang="ko-KR" altLang="en-US" dirty="0" err="1">
+                <a:latin typeface="Cascadia Code" pitchFamily="49" charset="0"/>
+                <a:cs typeface="Cascadia Code" pitchFamily="49" charset="0"/>
+              </a:rPr>
+              <a:t>n</a:t>
+            </a:r>
+            <a:r>
+              <a:rPr lang="ko-KR" altLang="en-US" dirty="0">
+                <a:latin typeface="Cascadia Code" pitchFamily="49" charset="0"/>
+                <a:cs typeface="Cascadia Code" pitchFamily="49" charset="0"/>
+              </a:rPr>
+              <a:t>;</a:t>
+            </a:r>
+          </a:p>
+          <a:p>
+            <a:endParaRPr lang="ko-KR" altLang="en-US" dirty="0">
+              <a:latin typeface="Cascadia Code" pitchFamily="49" charset="0"/>
+              <a:cs typeface="Cascadia Code" pitchFamily="49" charset="0"/>
+            </a:endParaRPr>
+          </a:p>
+          <a:p>
+            <a:r>
+              <a:rPr lang="ko-KR" altLang="en-US" dirty="0">
+                <a:latin typeface="Cascadia Code" pitchFamily="49" charset="0"/>
+                <a:cs typeface="Cascadia Code" pitchFamily="49" charset="0"/>
+              </a:rPr>
+              <a:t>*</a:t>
+            </a:r>
+            <a:r>
+              <a:rPr lang="ko-KR" altLang="en-US" dirty="0" err="1">
+                <a:latin typeface="Cascadia Code" pitchFamily="49" charset="0"/>
+                <a:cs typeface="Cascadia Code" pitchFamily="49" charset="0"/>
+              </a:rPr>
+              <a:t>pn</a:t>
+            </a:r>
+            <a:r>
+              <a:rPr lang="ko-KR" altLang="en-US" dirty="0">
+                <a:latin typeface="Cascadia Code" pitchFamily="49" charset="0"/>
+                <a:cs typeface="Cascadia Code" pitchFamily="49" charset="0"/>
+              </a:rPr>
+              <a:t> = 42;</a:t>
+            </a:r>
+          </a:p>
+          <a:p>
+            <a:r>
+              <a:rPr lang="ko-KR" altLang="en-US" dirty="0" err="1">
+                <a:solidFill>
+                  <a:srgbClr val="FF0000"/>
+                </a:solidFill>
+                <a:latin typeface="Cascadia Code" pitchFamily="49" charset="0"/>
+                <a:cs typeface="Cascadia Code" pitchFamily="49" charset="0"/>
+              </a:rPr>
+              <a:t>std</a:t>
+            </a:r>
+            <a:r>
+              <a:rPr lang="ko-KR" altLang="en-US" dirty="0">
+                <a:solidFill>
+                  <a:srgbClr val="FF0000"/>
+                </a:solidFill>
+                <a:latin typeface="Cascadia Code" pitchFamily="49" charset="0"/>
+                <a:cs typeface="Cascadia Code" pitchFamily="49" charset="0"/>
+              </a:rPr>
+              <a:t>::</a:t>
+            </a:r>
+            <a:r>
+              <a:rPr lang="ko-KR" altLang="en-US" dirty="0" err="1">
+                <a:solidFill>
+                  <a:srgbClr val="FF0000"/>
+                </a:solidFill>
+                <a:latin typeface="Cascadia Code" pitchFamily="49" charset="0"/>
+                <a:cs typeface="Cascadia Code" pitchFamily="49" charset="0"/>
+              </a:rPr>
+              <a:t>cout</a:t>
+            </a:r>
+            <a:r>
+              <a:rPr lang="ko-KR" altLang="en-US" dirty="0">
+                <a:solidFill>
+                  <a:srgbClr val="FF0000"/>
+                </a:solidFill>
+                <a:latin typeface="Cascadia Code" pitchFamily="49" charset="0"/>
+                <a:cs typeface="Cascadia Code" pitchFamily="49" charset="0"/>
+              </a:rPr>
+              <a:t> &lt;&lt; *</a:t>
+            </a:r>
+            <a:r>
+              <a:rPr lang="ko-KR" altLang="en-US" dirty="0" err="1">
+                <a:solidFill>
+                  <a:srgbClr val="FF0000"/>
+                </a:solidFill>
+                <a:latin typeface="Cascadia Code" pitchFamily="49" charset="0"/>
+                <a:cs typeface="Cascadia Code" pitchFamily="49" charset="0"/>
+              </a:rPr>
+              <a:t>pn</a:t>
+            </a:r>
+            <a:r>
+              <a:rPr lang="ko-KR" altLang="en-US" dirty="0">
+                <a:solidFill>
+                  <a:srgbClr val="FF0000"/>
+                </a:solidFill>
+                <a:latin typeface="Cascadia Code" pitchFamily="49" charset="0"/>
+                <a:cs typeface="Cascadia Code" pitchFamily="49" charset="0"/>
+              </a:rPr>
+              <a:t> &lt;&lt; </a:t>
+            </a:r>
+            <a:r>
+              <a:rPr lang="ko-KR" altLang="en-US" dirty="0" err="1">
+                <a:solidFill>
+                  <a:srgbClr val="FF0000"/>
+                </a:solidFill>
+                <a:latin typeface="Cascadia Code" pitchFamily="49" charset="0"/>
+                <a:cs typeface="Cascadia Code" pitchFamily="49" charset="0"/>
+              </a:rPr>
+              <a:t>std</a:t>
+            </a:r>
+            <a:r>
+              <a:rPr lang="ko-KR" altLang="en-US" dirty="0">
+                <a:solidFill>
+                  <a:srgbClr val="FF0000"/>
+                </a:solidFill>
+                <a:latin typeface="Cascadia Code" pitchFamily="49" charset="0"/>
+                <a:cs typeface="Cascadia Code" pitchFamily="49" charset="0"/>
+              </a:rPr>
+              <a:t>::</a:t>
+            </a:r>
+            <a:r>
+              <a:rPr lang="ko-KR" altLang="en-US" dirty="0" err="1">
+                <a:solidFill>
+                  <a:srgbClr val="FF0000"/>
+                </a:solidFill>
+                <a:latin typeface="Cascadia Code" pitchFamily="49" charset="0"/>
+                <a:cs typeface="Cascadia Code" pitchFamily="49" charset="0"/>
+              </a:rPr>
+              <a:t>endl</a:t>
+            </a:r>
+            <a:r>
+              <a:rPr lang="ko-KR" altLang="en-US" dirty="0">
+                <a:solidFill>
+                  <a:srgbClr val="FF0000"/>
+                </a:solidFill>
+                <a:latin typeface="Cascadia Code" pitchFamily="49" charset="0"/>
+                <a:cs typeface="Cascadia Code" pitchFamily="49" charset="0"/>
+              </a:rPr>
+              <a:t>;</a:t>
+            </a:r>
+          </a:p>
+        </p:txBody>
+      </p:sp>
+      <p:sp>
+        <p:nvSpPr>
+          <p:cNvPr id="4" name="직사각형 3">
+            <a:extLst>
+              <a:ext uri="{FF2B5EF4-FFF2-40B4-BE49-F238E27FC236}">
+                <a16:creationId xmlns:a16="http://schemas.microsoft.com/office/drawing/2014/main" id="{23928E8E-5638-E01A-614B-B6065F23E918}"/>
+              </a:ext>
+            </a:extLst>
+          </p:cNvPr>
+          <p:cNvSpPr/>
+          <p:nvPr/>
+        </p:nvSpPr>
+        <p:spPr>
+          <a:xfrm>
+            <a:off x="6842760" y="1752600"/>
+            <a:ext cx="1120140" cy="610463"/>
+          </a:xfrm>
+          <a:prstGeom prst="rect">
+            <a:avLst/>
+          </a:prstGeom>
+          <a:solidFill>
+            <a:srgbClr val="FFFF00"/>
+          </a:solidFill>
+        </p:spPr>
+        <p:style>
+          <a:lnRef idx="2">
+            <a:schemeClr val="accent1">
+              <a:shade val="15000"/>
+            </a:schemeClr>
+          </a:lnRef>
+          <a:fillRef idx="1">
+            <a:schemeClr val="accent1"/>
+          </a:fillRef>
+          <a:effectRef idx="0">
+            <a:schemeClr val="accent1"/>
+          </a:effectRef>
+          <a:fontRef idx="minor">
+            <a:schemeClr val="lt1"/>
+          </a:fontRef>
+        </p:style>
+        <p:txBody>
+          <a:bodyPr rtlCol="0" anchor="ctr"/>
+          <a:lstStyle/>
+          <a:p>
+            <a:pPr algn="ctr"/>
+            <a:r>
+              <a:rPr kumimoji="1" lang="en-US" altLang="ko-KR" sz="1600" dirty="0">
+                <a:solidFill>
+                  <a:srgbClr val="FF0000"/>
+                </a:solidFill>
+                <a:latin typeface="Cascadia Code" pitchFamily="49" charset="0"/>
+                <a:cs typeface="Cascadia Code" pitchFamily="49" charset="0"/>
+              </a:rPr>
+              <a:t>42</a:t>
+            </a:r>
+            <a:endParaRPr kumimoji="1" lang="ko-KR" altLang="en-US" sz="1600" dirty="0">
+              <a:solidFill>
+                <a:srgbClr val="FF0000"/>
+              </a:solidFill>
+              <a:latin typeface="Cascadia Code" pitchFamily="49" charset="0"/>
+              <a:cs typeface="Cascadia Code" pitchFamily="49" charset="0"/>
+            </a:endParaRPr>
+          </a:p>
+        </p:txBody>
+      </p:sp>
+      <p:sp>
+        <p:nvSpPr>
+          <p:cNvPr id="5" name="TextBox 4">
+            <a:extLst>
+              <a:ext uri="{FF2B5EF4-FFF2-40B4-BE49-F238E27FC236}">
+                <a16:creationId xmlns:a16="http://schemas.microsoft.com/office/drawing/2014/main" id="{768E307F-81A5-FA04-96B9-8CD0C767A005}"/>
+              </a:ext>
+            </a:extLst>
+          </p:cNvPr>
+          <p:cNvSpPr txBox="1"/>
+          <p:nvPr/>
+        </p:nvSpPr>
+        <p:spPr>
+          <a:xfrm>
+            <a:off x="6576060" y="1888554"/>
+            <a:ext cx="236220" cy="338554"/>
+          </a:xfrm>
+          <a:prstGeom prst="rect">
+            <a:avLst/>
+          </a:prstGeom>
+          <a:noFill/>
+        </p:spPr>
+        <p:txBody>
+          <a:bodyPr wrap="square" rtlCol="0">
+            <a:spAutoFit/>
+          </a:bodyPr>
+          <a:lstStyle/>
+          <a:p>
+            <a:pPr algn="ctr"/>
+            <a:r>
+              <a:rPr kumimoji="1" lang="en-US" altLang="ko-KR" sz="1600" dirty="0">
+                <a:latin typeface="Cascadia Code" pitchFamily="49" charset="0"/>
+                <a:ea typeface="Cascadia Code" pitchFamily="49" charset="0"/>
+                <a:cs typeface="Cascadia Code" pitchFamily="49" charset="0"/>
+              </a:rPr>
+              <a:t>n</a:t>
+            </a:r>
+            <a:endParaRPr kumimoji="1" lang="ko-KR" altLang="en-US" sz="1600" dirty="0">
+              <a:latin typeface="Cascadia Code" pitchFamily="49" charset="0"/>
+              <a:ea typeface="Cascadia Code" pitchFamily="49" charset="0"/>
+              <a:cs typeface="Cascadia Code" pitchFamily="49" charset="0"/>
+            </a:endParaRPr>
+          </a:p>
+        </p:txBody>
+      </p:sp>
+      <p:sp>
+        <p:nvSpPr>
+          <p:cNvPr id="7" name="TextBox 6">
+            <a:extLst>
+              <a:ext uri="{FF2B5EF4-FFF2-40B4-BE49-F238E27FC236}">
+                <a16:creationId xmlns:a16="http://schemas.microsoft.com/office/drawing/2014/main" id="{FEADA19A-3293-AC69-362E-5BB75D6DD353}"/>
+              </a:ext>
+            </a:extLst>
+          </p:cNvPr>
+          <p:cNvSpPr txBox="1"/>
+          <p:nvPr/>
+        </p:nvSpPr>
+        <p:spPr>
+          <a:xfrm>
+            <a:off x="6416040" y="1475601"/>
+            <a:ext cx="1089660" cy="276999"/>
+          </a:xfrm>
+          <a:prstGeom prst="rect">
+            <a:avLst/>
+          </a:prstGeom>
+          <a:noFill/>
+        </p:spPr>
+        <p:txBody>
+          <a:bodyPr wrap="square">
+            <a:spAutoFit/>
+          </a:bodyPr>
+          <a:lstStyle/>
+          <a:p>
+            <a:r>
+              <a:rPr kumimoji="1" lang="en-US" altLang="ko-KR" sz="1200" dirty="0">
+                <a:solidFill>
+                  <a:schemeClr val="tx1"/>
+                </a:solidFill>
+                <a:latin typeface="Cascadia Code" pitchFamily="49" charset="0"/>
+                <a:cs typeface="Cascadia Code" pitchFamily="49" charset="0"/>
+              </a:rPr>
+              <a:t>0x2000</a:t>
+            </a:r>
+            <a:endParaRPr lang="ko-KR" altLang="en-US" sz="1200" dirty="0"/>
+          </a:p>
+        </p:txBody>
+      </p:sp>
+      <p:sp>
+        <p:nvSpPr>
+          <p:cNvPr id="2" name="직사각형 1">
+            <a:extLst>
+              <a:ext uri="{FF2B5EF4-FFF2-40B4-BE49-F238E27FC236}">
+                <a16:creationId xmlns:a16="http://schemas.microsoft.com/office/drawing/2014/main" id="{3D4CD2E3-80B3-C38C-C998-650EDDC1F0A0}"/>
+              </a:ext>
+            </a:extLst>
+          </p:cNvPr>
+          <p:cNvSpPr/>
+          <p:nvPr/>
+        </p:nvSpPr>
+        <p:spPr>
+          <a:xfrm>
+            <a:off x="6842760" y="3200400"/>
+            <a:ext cx="2621280" cy="610463"/>
+          </a:xfrm>
+          <a:prstGeom prst="rect">
+            <a:avLst/>
+          </a:prstGeom>
+          <a:solidFill>
+            <a:srgbClr val="FFFF00"/>
+          </a:solidFill>
+        </p:spPr>
+        <p:style>
+          <a:lnRef idx="2">
+            <a:schemeClr val="accent1">
+              <a:shade val="15000"/>
+            </a:schemeClr>
+          </a:lnRef>
+          <a:fillRef idx="1">
+            <a:schemeClr val="accent1"/>
+          </a:fillRef>
+          <a:effectRef idx="0">
+            <a:schemeClr val="accent1"/>
+          </a:effectRef>
+          <a:fontRef idx="minor">
+            <a:schemeClr val="lt1"/>
+          </a:fontRef>
+        </p:style>
+        <p:txBody>
+          <a:bodyPr rtlCol="0" anchor="ctr"/>
+          <a:lstStyle/>
+          <a:p>
+            <a:pPr algn="ctr"/>
+            <a:r>
+              <a:rPr kumimoji="1" lang="en-US" altLang="ko-KR" sz="1600" dirty="0">
+                <a:solidFill>
+                  <a:srgbClr val="FF0000"/>
+                </a:solidFill>
+                <a:latin typeface="Cascadia Code" pitchFamily="49" charset="0"/>
+                <a:cs typeface="Cascadia Code" pitchFamily="49" charset="0"/>
+              </a:rPr>
+              <a:t>0x2000</a:t>
+            </a:r>
+            <a:endParaRPr kumimoji="1" lang="ko-KR" altLang="en-US" sz="1600" dirty="0">
+              <a:solidFill>
+                <a:srgbClr val="FF0000"/>
+              </a:solidFill>
+              <a:latin typeface="Cascadia Code" pitchFamily="49" charset="0"/>
+              <a:cs typeface="Cascadia Code" pitchFamily="49" charset="0"/>
+            </a:endParaRPr>
+          </a:p>
+        </p:txBody>
+      </p:sp>
+      <p:sp>
+        <p:nvSpPr>
+          <p:cNvPr id="6" name="TextBox 5">
+            <a:extLst>
+              <a:ext uri="{FF2B5EF4-FFF2-40B4-BE49-F238E27FC236}">
+                <a16:creationId xmlns:a16="http://schemas.microsoft.com/office/drawing/2014/main" id="{6257C621-344A-CD01-B621-2EEC9C8201C3}"/>
+              </a:ext>
+            </a:extLst>
+          </p:cNvPr>
+          <p:cNvSpPr txBox="1"/>
+          <p:nvPr/>
+        </p:nvSpPr>
+        <p:spPr>
+          <a:xfrm>
+            <a:off x="6324600" y="3336354"/>
+            <a:ext cx="487680" cy="338554"/>
+          </a:xfrm>
+          <a:prstGeom prst="rect">
+            <a:avLst/>
+          </a:prstGeom>
+          <a:noFill/>
+        </p:spPr>
+        <p:txBody>
+          <a:bodyPr wrap="square" rtlCol="0">
+            <a:spAutoFit/>
+          </a:bodyPr>
+          <a:lstStyle/>
+          <a:p>
+            <a:pPr algn="ctr"/>
+            <a:r>
+              <a:rPr kumimoji="1" lang="en-US" altLang="ko-KR" sz="1600" dirty="0" err="1">
+                <a:latin typeface="Cascadia Code" pitchFamily="49" charset="0"/>
+                <a:ea typeface="Cascadia Code" pitchFamily="49" charset="0"/>
+                <a:cs typeface="Cascadia Code" pitchFamily="49" charset="0"/>
+              </a:rPr>
+              <a:t>pn</a:t>
+            </a:r>
+            <a:endParaRPr kumimoji="1" lang="ko-KR" altLang="en-US" sz="1600" dirty="0">
+              <a:latin typeface="Cascadia Code" pitchFamily="49" charset="0"/>
+              <a:ea typeface="Cascadia Code" pitchFamily="49" charset="0"/>
+              <a:cs typeface="Cascadia Code" pitchFamily="49" charset="0"/>
+            </a:endParaRPr>
+          </a:p>
+        </p:txBody>
+      </p:sp>
+      <p:cxnSp>
+        <p:nvCxnSpPr>
+          <p:cNvPr id="9" name="구부러진 연결선[U] 8">
+            <a:extLst>
+              <a:ext uri="{FF2B5EF4-FFF2-40B4-BE49-F238E27FC236}">
+                <a16:creationId xmlns:a16="http://schemas.microsoft.com/office/drawing/2014/main" id="{40F66600-3B76-D96B-4B82-546FDA478778}"/>
+              </a:ext>
+            </a:extLst>
+          </p:cNvPr>
+          <p:cNvCxnSpPr>
+            <a:endCxn id="4" idx="2"/>
+          </p:cNvCxnSpPr>
+          <p:nvPr/>
+        </p:nvCxnSpPr>
+        <p:spPr>
+          <a:xfrm rot="16200000" flipV="1">
+            <a:off x="7264197" y="2501697"/>
+            <a:ext cx="837337" cy="560070"/>
+          </a:xfrm>
+          <a:prstGeom prst="curvedConnector3">
+            <a:avLst/>
+          </a:prstGeom>
+          <a:ln>
+            <a:solidFill>
+              <a:srgbClr val="FF0000"/>
+            </a:solidFill>
+            <a:tailEnd type="triangle"/>
+          </a:ln>
+        </p:spPr>
+        <p:style>
+          <a:lnRef idx="2">
+            <a:schemeClr val="dk1"/>
+          </a:lnRef>
+          <a:fillRef idx="0">
+            <a:schemeClr val="dk1"/>
+          </a:fillRef>
+          <a:effectRef idx="1">
+            <a:schemeClr val="dk1"/>
+          </a:effectRef>
+          <a:fontRef idx="minor">
+            <a:schemeClr val="tx1"/>
+          </a:fontRef>
+        </p:style>
+      </p:cxnSp>
+    </p:spTree>
+    <p:extLst>
+      <p:ext uri="{BB962C8B-B14F-4D97-AF65-F5344CB8AC3E}">
+        <p14:creationId xmlns:p14="http://schemas.microsoft.com/office/powerpoint/2010/main" val="3565041779"/>
+      </p:ext>
+    </p:extLst>
+  </p:cSld>
+  <p:clrMapOvr>
+    <a:masterClrMapping/>
+  </p:clrMapOvr>
+</p:sld>
+</file>
+
+<file path=ppt/slides/slide5.xml><?xml version="1.0" encoding="utf-8"?>
+<p:sld xmlns:a="http://schemas.openxmlformats.org/drawingml/2006/main" xmlns:r="http://schemas.openxmlformats.org/officeDocument/2006/relationships" xmlns:p="http://schemas.openxmlformats.org/presentationml/2006/main">
+  <p:cSld>
+    <p:spTree>
+      <p:nvGrpSpPr>
+        <p:cNvPr id="1" name=""/>
+        <p:cNvGrpSpPr/>
+        <p:nvPr/>
+      </p:nvGrpSpPr>
+      <p:grpSpPr>
+        <a:xfrm>
+          <a:off x="0" y="0"/>
+          <a:ext cx="0" cy="0"/>
+          <a:chOff x="0" y="0"/>
+          <a:chExt cx="0" cy="0"/>
+        </a:xfrm>
+      </p:grpSpPr>
+      <p:sp>
+        <p:nvSpPr>
+          <p:cNvPr id="3" name="TextBox 2">
+            <a:extLst>
+              <a:ext uri="{FF2B5EF4-FFF2-40B4-BE49-F238E27FC236}">
+                <a16:creationId xmlns:a16="http://schemas.microsoft.com/office/drawing/2014/main" id="{C2EDBE95-6575-BEE5-5686-3B6D70F2F8CD}"/>
+              </a:ext>
+            </a:extLst>
+          </p:cNvPr>
+          <p:cNvSpPr txBox="1"/>
+          <p:nvPr/>
+        </p:nvSpPr>
+        <p:spPr>
+          <a:xfrm>
+            <a:off x="281940" y="608737"/>
+            <a:ext cx="4785360" cy="2585323"/>
+          </a:xfrm>
+          <a:prstGeom prst="rect">
+            <a:avLst/>
+          </a:prstGeom>
+          <a:noFill/>
+        </p:spPr>
+        <p:txBody>
+          <a:bodyPr wrap="square">
+            <a:spAutoFit/>
+          </a:bodyPr>
+          <a:lstStyle/>
+          <a:p>
+            <a:r>
+              <a:rPr lang="en-US" altLang="ko-KR" dirty="0">
+                <a:solidFill>
+                  <a:srgbClr val="FF0000"/>
+                </a:solidFill>
+                <a:latin typeface="Cascadia Code" pitchFamily="49" charset="0"/>
+                <a:cs typeface="Cascadia Code" pitchFamily="49" charset="0"/>
+              </a:rPr>
+              <a:t>int n = 100;</a:t>
+            </a:r>
+          </a:p>
+          <a:p>
+            <a:endParaRPr lang="en-US" altLang="ko-KR" dirty="0">
+              <a:latin typeface="Cascadia Code" pitchFamily="49" charset="0"/>
+              <a:cs typeface="Cascadia Code" pitchFamily="49" charset="0"/>
+            </a:endParaRPr>
+          </a:p>
+          <a:p>
+            <a:r>
+              <a:rPr lang="en-US" altLang="ko-KR" dirty="0">
+                <a:latin typeface="Cascadia Code" pitchFamily="49" charset="0"/>
+                <a:cs typeface="Cascadia Code" pitchFamily="49" charset="0"/>
+              </a:rPr>
+              <a:t>int&amp; </a:t>
+            </a:r>
+            <a:r>
+              <a:rPr lang="en-US" altLang="ko-KR" dirty="0" err="1">
+                <a:latin typeface="Cascadia Code" pitchFamily="49" charset="0"/>
+                <a:cs typeface="Cascadia Code" pitchFamily="49" charset="0"/>
+              </a:rPr>
+              <a:t>rn</a:t>
+            </a:r>
+            <a:r>
+              <a:rPr lang="en-US" altLang="ko-KR" dirty="0">
+                <a:latin typeface="Cascadia Code" pitchFamily="49" charset="0"/>
+                <a:cs typeface="Cascadia Code" pitchFamily="49" charset="0"/>
+              </a:rPr>
+              <a:t> = n;</a:t>
+            </a:r>
+          </a:p>
+          <a:p>
+            <a:endParaRPr lang="en-US" altLang="ko-KR" dirty="0">
+              <a:latin typeface="Cascadia Code" pitchFamily="49" charset="0"/>
+              <a:cs typeface="Cascadia Code" pitchFamily="49" charset="0"/>
+            </a:endParaRPr>
+          </a:p>
+          <a:p>
+            <a:r>
+              <a:rPr lang="en-US" altLang="ko-KR" dirty="0" err="1">
+                <a:latin typeface="Cascadia Code" pitchFamily="49" charset="0"/>
+                <a:cs typeface="Cascadia Code" pitchFamily="49" charset="0"/>
+              </a:rPr>
+              <a:t>rn</a:t>
+            </a:r>
+            <a:r>
+              <a:rPr lang="en-US" altLang="ko-KR" dirty="0">
+                <a:latin typeface="Cascadia Code" pitchFamily="49" charset="0"/>
+                <a:cs typeface="Cascadia Code" pitchFamily="49" charset="0"/>
+              </a:rPr>
+              <a:t> = 42;</a:t>
+            </a:r>
+          </a:p>
+          <a:p>
+            <a:r>
+              <a:rPr lang="en-US" altLang="ko-KR" dirty="0">
+                <a:latin typeface="Cascadia Code" pitchFamily="49" charset="0"/>
+                <a:cs typeface="Cascadia Code" pitchFamily="49" charset="0"/>
+              </a:rPr>
+              <a:t>std::</a:t>
+            </a:r>
+            <a:r>
+              <a:rPr lang="en-US" altLang="ko-KR" dirty="0" err="1">
+                <a:latin typeface="Cascadia Code" pitchFamily="49" charset="0"/>
+                <a:cs typeface="Cascadia Code" pitchFamily="49" charset="0"/>
+              </a:rPr>
+              <a:t>cout</a:t>
+            </a:r>
+            <a:r>
+              <a:rPr lang="en-US" altLang="ko-KR" dirty="0">
+                <a:latin typeface="Cascadia Code" pitchFamily="49" charset="0"/>
+                <a:cs typeface="Cascadia Code" pitchFamily="49" charset="0"/>
+              </a:rPr>
+              <a:t> &lt;&lt; n &lt;&lt; std::</a:t>
+            </a:r>
+            <a:r>
+              <a:rPr lang="en-US" altLang="ko-KR" dirty="0" err="1">
+                <a:latin typeface="Cascadia Code" pitchFamily="49" charset="0"/>
+                <a:cs typeface="Cascadia Code" pitchFamily="49" charset="0"/>
+              </a:rPr>
+              <a:t>endl</a:t>
+            </a:r>
+            <a:r>
+              <a:rPr lang="en-US" altLang="ko-KR" dirty="0">
+                <a:latin typeface="Cascadia Code" pitchFamily="49" charset="0"/>
+                <a:cs typeface="Cascadia Code" pitchFamily="49" charset="0"/>
+              </a:rPr>
+              <a:t>;</a:t>
+            </a:r>
+          </a:p>
+          <a:p>
+            <a:endParaRPr lang="en-US" altLang="ko-KR" dirty="0">
+              <a:latin typeface="Cascadia Code" pitchFamily="49" charset="0"/>
+              <a:cs typeface="Cascadia Code" pitchFamily="49" charset="0"/>
+            </a:endParaRPr>
+          </a:p>
+          <a:p>
+            <a:r>
+              <a:rPr lang="en-US" altLang="ko-KR" dirty="0">
+                <a:latin typeface="Cascadia Code" pitchFamily="49" charset="0"/>
+                <a:cs typeface="Cascadia Code" pitchFamily="49" charset="0"/>
+              </a:rPr>
+              <a:t>n = 200;</a:t>
+            </a:r>
+          </a:p>
+          <a:p>
+            <a:r>
+              <a:rPr lang="en-US" altLang="ko-KR" dirty="0">
+                <a:latin typeface="Cascadia Code" pitchFamily="49" charset="0"/>
+                <a:cs typeface="Cascadia Code" pitchFamily="49" charset="0"/>
+              </a:rPr>
+              <a:t>std::</a:t>
+            </a:r>
+            <a:r>
+              <a:rPr lang="en-US" altLang="ko-KR" dirty="0" err="1">
+                <a:latin typeface="Cascadia Code" pitchFamily="49" charset="0"/>
+                <a:cs typeface="Cascadia Code" pitchFamily="49" charset="0"/>
+              </a:rPr>
+              <a:t>cout</a:t>
+            </a:r>
+            <a:r>
+              <a:rPr lang="en-US" altLang="ko-KR" dirty="0">
+                <a:latin typeface="Cascadia Code" pitchFamily="49" charset="0"/>
+                <a:cs typeface="Cascadia Code" pitchFamily="49" charset="0"/>
+              </a:rPr>
+              <a:t> &lt;&lt; </a:t>
+            </a:r>
+            <a:r>
+              <a:rPr lang="en-US" altLang="ko-KR" dirty="0" err="1">
+                <a:latin typeface="Cascadia Code" pitchFamily="49" charset="0"/>
+                <a:cs typeface="Cascadia Code" pitchFamily="49" charset="0"/>
+              </a:rPr>
+              <a:t>rn</a:t>
+            </a:r>
+            <a:r>
+              <a:rPr lang="en-US" altLang="ko-KR" dirty="0">
+                <a:latin typeface="Cascadia Code" pitchFamily="49" charset="0"/>
+                <a:cs typeface="Cascadia Code" pitchFamily="49" charset="0"/>
+              </a:rPr>
+              <a:t> &lt;&lt; std::</a:t>
+            </a:r>
+            <a:r>
+              <a:rPr lang="en-US" altLang="ko-KR" dirty="0" err="1">
+                <a:latin typeface="Cascadia Code" pitchFamily="49" charset="0"/>
+                <a:cs typeface="Cascadia Code" pitchFamily="49" charset="0"/>
+              </a:rPr>
+              <a:t>endl</a:t>
+            </a:r>
+            <a:r>
+              <a:rPr lang="en-US" altLang="ko-KR" dirty="0">
+                <a:latin typeface="Cascadia Code" pitchFamily="49" charset="0"/>
+                <a:cs typeface="Cascadia Code" pitchFamily="49" charset="0"/>
+              </a:rPr>
+              <a:t>;</a:t>
+            </a:r>
+            <a:endParaRPr lang="ko-KR" altLang="en-US" dirty="0">
+              <a:latin typeface="Cascadia Code" pitchFamily="49" charset="0"/>
+              <a:cs typeface="Cascadia Code" pitchFamily="49" charset="0"/>
+            </a:endParaRPr>
+          </a:p>
+        </p:txBody>
+      </p:sp>
+      <p:sp>
+        <p:nvSpPr>
+          <p:cNvPr id="4" name="직사각형 3">
+            <a:extLst>
+              <a:ext uri="{FF2B5EF4-FFF2-40B4-BE49-F238E27FC236}">
+                <a16:creationId xmlns:a16="http://schemas.microsoft.com/office/drawing/2014/main" id="{23928E8E-5638-E01A-614B-B6065F23E918}"/>
+              </a:ext>
+            </a:extLst>
+          </p:cNvPr>
+          <p:cNvSpPr/>
+          <p:nvPr/>
+        </p:nvSpPr>
+        <p:spPr>
+          <a:xfrm>
+            <a:off x="6842760" y="1752600"/>
+            <a:ext cx="1120140" cy="610463"/>
+          </a:xfrm>
+          <a:prstGeom prst="rect">
+            <a:avLst/>
+          </a:prstGeom>
+          <a:solidFill>
+            <a:srgbClr val="FFFF00"/>
+          </a:solidFill>
+        </p:spPr>
+        <p:style>
+          <a:lnRef idx="2">
+            <a:schemeClr val="accent1">
+              <a:shade val="15000"/>
+            </a:schemeClr>
+          </a:lnRef>
+          <a:fillRef idx="1">
+            <a:schemeClr val="accent1"/>
+          </a:fillRef>
+          <a:effectRef idx="0">
+            <a:schemeClr val="accent1"/>
+          </a:effectRef>
+          <a:fontRef idx="minor">
+            <a:schemeClr val="lt1"/>
+          </a:fontRef>
+        </p:style>
+        <p:txBody>
+          <a:bodyPr rtlCol="0" anchor="ctr"/>
+          <a:lstStyle/>
+          <a:p>
+            <a:pPr algn="ctr"/>
+            <a:r>
+              <a:rPr kumimoji="1" lang="en-US" altLang="ko-KR" sz="1600" dirty="0">
+                <a:solidFill>
+                  <a:schemeClr val="tx1"/>
+                </a:solidFill>
+                <a:latin typeface="Cascadia Code" pitchFamily="49" charset="0"/>
+                <a:cs typeface="Cascadia Code" pitchFamily="49" charset="0"/>
+              </a:rPr>
+              <a:t>100</a:t>
+            </a:r>
+            <a:endParaRPr kumimoji="1" lang="ko-KR" altLang="en-US" sz="1600" dirty="0">
+              <a:solidFill>
+                <a:schemeClr val="tx1"/>
+              </a:solidFill>
+              <a:latin typeface="Cascadia Code" pitchFamily="49" charset="0"/>
+              <a:cs typeface="Cascadia Code" pitchFamily="49" charset="0"/>
+            </a:endParaRPr>
+          </a:p>
+        </p:txBody>
+      </p:sp>
+      <p:sp>
+        <p:nvSpPr>
+          <p:cNvPr id="5" name="TextBox 4">
+            <a:extLst>
+              <a:ext uri="{FF2B5EF4-FFF2-40B4-BE49-F238E27FC236}">
+                <a16:creationId xmlns:a16="http://schemas.microsoft.com/office/drawing/2014/main" id="{768E307F-81A5-FA04-96B9-8CD0C767A005}"/>
+              </a:ext>
+            </a:extLst>
+          </p:cNvPr>
+          <p:cNvSpPr txBox="1"/>
+          <p:nvPr/>
+        </p:nvSpPr>
+        <p:spPr>
+          <a:xfrm>
+            <a:off x="6576060" y="1888554"/>
+            <a:ext cx="236220" cy="338554"/>
+          </a:xfrm>
+          <a:prstGeom prst="rect">
+            <a:avLst/>
+          </a:prstGeom>
+          <a:noFill/>
+        </p:spPr>
+        <p:txBody>
+          <a:bodyPr wrap="square" rtlCol="0">
+            <a:spAutoFit/>
+          </a:bodyPr>
+          <a:lstStyle/>
+          <a:p>
+            <a:pPr algn="ctr"/>
+            <a:r>
+              <a:rPr kumimoji="1" lang="en-US" altLang="ko-KR" sz="1600" dirty="0">
+                <a:latin typeface="Cascadia Code" pitchFamily="49" charset="0"/>
+                <a:ea typeface="Cascadia Code" pitchFamily="49" charset="0"/>
+                <a:cs typeface="Cascadia Code" pitchFamily="49" charset="0"/>
+              </a:rPr>
+              <a:t>n</a:t>
+            </a:r>
+            <a:endParaRPr kumimoji="1" lang="ko-KR" altLang="en-US" sz="1600" dirty="0">
+              <a:latin typeface="Cascadia Code" pitchFamily="49" charset="0"/>
+              <a:ea typeface="Cascadia Code" pitchFamily="49" charset="0"/>
+              <a:cs typeface="Cascadia Code" pitchFamily="49" charset="0"/>
+            </a:endParaRPr>
+          </a:p>
+        </p:txBody>
+      </p:sp>
+      <p:sp>
+        <p:nvSpPr>
+          <p:cNvPr id="7" name="TextBox 6">
+            <a:extLst>
+              <a:ext uri="{FF2B5EF4-FFF2-40B4-BE49-F238E27FC236}">
+                <a16:creationId xmlns:a16="http://schemas.microsoft.com/office/drawing/2014/main" id="{FEADA19A-3293-AC69-362E-5BB75D6DD353}"/>
+              </a:ext>
+            </a:extLst>
+          </p:cNvPr>
+          <p:cNvSpPr txBox="1"/>
+          <p:nvPr/>
+        </p:nvSpPr>
+        <p:spPr>
+          <a:xfrm>
+            <a:off x="6416040" y="1475601"/>
+            <a:ext cx="1089660" cy="276999"/>
+          </a:xfrm>
+          <a:prstGeom prst="rect">
+            <a:avLst/>
+          </a:prstGeom>
+          <a:noFill/>
+        </p:spPr>
+        <p:txBody>
+          <a:bodyPr wrap="square">
+            <a:spAutoFit/>
+          </a:bodyPr>
+          <a:lstStyle/>
+          <a:p>
+            <a:r>
+              <a:rPr kumimoji="1" lang="en-US" altLang="ko-KR" sz="1200" dirty="0">
+                <a:solidFill>
+                  <a:schemeClr val="tx1"/>
+                </a:solidFill>
+                <a:latin typeface="Cascadia Code" pitchFamily="49" charset="0"/>
+                <a:cs typeface="Cascadia Code" pitchFamily="49" charset="0"/>
+              </a:rPr>
+              <a:t>0x2000</a:t>
+            </a:r>
+            <a:endParaRPr lang="ko-KR" altLang="en-US" sz="1200" dirty="0"/>
+          </a:p>
+        </p:txBody>
+      </p:sp>
+    </p:spTree>
+    <p:extLst>
+      <p:ext uri="{BB962C8B-B14F-4D97-AF65-F5344CB8AC3E}">
+        <p14:creationId xmlns:p14="http://schemas.microsoft.com/office/powerpoint/2010/main" val="3130728054"/>
+      </p:ext>
+    </p:extLst>
+  </p:cSld>
+  <p:clrMapOvr>
+    <a:masterClrMapping/>
+  </p:clrMapOvr>
+</p:sld>
+</file>
+
+<file path=ppt/slides/slide6.xml><?xml version="1.0" encoding="utf-8"?>
+<p:sld xmlns:a="http://schemas.openxmlformats.org/drawingml/2006/main" xmlns:r="http://schemas.openxmlformats.org/officeDocument/2006/relationships" xmlns:p="http://schemas.openxmlformats.org/presentationml/2006/main">
+  <p:cSld>
+    <p:spTree>
+      <p:nvGrpSpPr>
+        <p:cNvPr id="1" name=""/>
+        <p:cNvGrpSpPr/>
+        <p:nvPr/>
+      </p:nvGrpSpPr>
+      <p:grpSpPr>
+        <a:xfrm>
+          <a:off x="0" y="0"/>
+          <a:ext cx="0" cy="0"/>
+          <a:chOff x="0" y="0"/>
+          <a:chExt cx="0" cy="0"/>
+        </a:xfrm>
+      </p:grpSpPr>
+      <p:sp>
+        <p:nvSpPr>
+          <p:cNvPr id="3" name="TextBox 2">
+            <a:extLst>
+              <a:ext uri="{FF2B5EF4-FFF2-40B4-BE49-F238E27FC236}">
+                <a16:creationId xmlns:a16="http://schemas.microsoft.com/office/drawing/2014/main" id="{C2EDBE95-6575-BEE5-5686-3B6D70F2F8CD}"/>
+              </a:ext>
+            </a:extLst>
+          </p:cNvPr>
+          <p:cNvSpPr txBox="1"/>
+          <p:nvPr/>
+        </p:nvSpPr>
+        <p:spPr>
+          <a:xfrm>
+            <a:off x="281940" y="608737"/>
+            <a:ext cx="4785360" cy="2585323"/>
+          </a:xfrm>
+          <a:prstGeom prst="rect">
+            <a:avLst/>
+          </a:prstGeom>
+          <a:noFill/>
+        </p:spPr>
+        <p:txBody>
+          <a:bodyPr wrap="square">
+            <a:spAutoFit/>
+          </a:bodyPr>
+          <a:lstStyle/>
+          <a:p>
+            <a:r>
+              <a:rPr lang="en-US" altLang="ko-KR" dirty="0">
+                <a:latin typeface="Cascadia Code" pitchFamily="49" charset="0"/>
+                <a:cs typeface="Cascadia Code" pitchFamily="49" charset="0"/>
+              </a:rPr>
+              <a:t>int n = 100;</a:t>
+            </a:r>
+          </a:p>
+          <a:p>
+            <a:endParaRPr lang="en-US" altLang="ko-KR" dirty="0">
+              <a:latin typeface="Cascadia Code" pitchFamily="49" charset="0"/>
+              <a:cs typeface="Cascadia Code" pitchFamily="49" charset="0"/>
+            </a:endParaRPr>
+          </a:p>
+          <a:p>
+            <a:r>
+              <a:rPr lang="en-US" altLang="ko-KR" dirty="0">
+                <a:solidFill>
+                  <a:srgbClr val="FF0000"/>
+                </a:solidFill>
+                <a:latin typeface="Cascadia Code" pitchFamily="49" charset="0"/>
+                <a:cs typeface="Cascadia Code" pitchFamily="49" charset="0"/>
+              </a:rPr>
+              <a:t>int&amp; </a:t>
+            </a:r>
+            <a:r>
+              <a:rPr lang="en-US" altLang="ko-KR" dirty="0" err="1">
+                <a:solidFill>
+                  <a:srgbClr val="FF0000"/>
+                </a:solidFill>
+                <a:latin typeface="Cascadia Code" pitchFamily="49" charset="0"/>
+                <a:cs typeface="Cascadia Code" pitchFamily="49" charset="0"/>
+              </a:rPr>
+              <a:t>rn</a:t>
+            </a:r>
+            <a:r>
+              <a:rPr lang="en-US" altLang="ko-KR" dirty="0">
+                <a:solidFill>
+                  <a:srgbClr val="FF0000"/>
+                </a:solidFill>
+                <a:latin typeface="Cascadia Code" pitchFamily="49" charset="0"/>
+                <a:cs typeface="Cascadia Code" pitchFamily="49" charset="0"/>
+              </a:rPr>
+              <a:t> = n;</a:t>
+            </a:r>
+          </a:p>
+          <a:p>
+            <a:endParaRPr lang="en-US" altLang="ko-KR" dirty="0">
+              <a:latin typeface="Cascadia Code" pitchFamily="49" charset="0"/>
+              <a:cs typeface="Cascadia Code" pitchFamily="49" charset="0"/>
+            </a:endParaRPr>
+          </a:p>
+          <a:p>
+            <a:r>
+              <a:rPr lang="en-US" altLang="ko-KR" dirty="0" err="1">
+                <a:latin typeface="Cascadia Code" pitchFamily="49" charset="0"/>
+                <a:cs typeface="Cascadia Code" pitchFamily="49" charset="0"/>
+              </a:rPr>
+              <a:t>rn</a:t>
+            </a:r>
+            <a:r>
+              <a:rPr lang="en-US" altLang="ko-KR" dirty="0">
+                <a:latin typeface="Cascadia Code" pitchFamily="49" charset="0"/>
+                <a:cs typeface="Cascadia Code" pitchFamily="49" charset="0"/>
+              </a:rPr>
+              <a:t> = 42;</a:t>
+            </a:r>
+          </a:p>
+          <a:p>
+            <a:r>
+              <a:rPr lang="en-US" altLang="ko-KR" dirty="0">
+                <a:latin typeface="Cascadia Code" pitchFamily="49" charset="0"/>
+                <a:cs typeface="Cascadia Code" pitchFamily="49" charset="0"/>
+              </a:rPr>
+              <a:t>std::</a:t>
+            </a:r>
+            <a:r>
+              <a:rPr lang="en-US" altLang="ko-KR" dirty="0" err="1">
+                <a:latin typeface="Cascadia Code" pitchFamily="49" charset="0"/>
+                <a:cs typeface="Cascadia Code" pitchFamily="49" charset="0"/>
+              </a:rPr>
+              <a:t>cout</a:t>
+            </a:r>
+            <a:r>
+              <a:rPr lang="en-US" altLang="ko-KR" dirty="0">
+                <a:latin typeface="Cascadia Code" pitchFamily="49" charset="0"/>
+                <a:cs typeface="Cascadia Code" pitchFamily="49" charset="0"/>
+              </a:rPr>
+              <a:t> &lt;&lt; n &lt;&lt; std::</a:t>
+            </a:r>
+            <a:r>
+              <a:rPr lang="en-US" altLang="ko-KR" dirty="0" err="1">
+                <a:latin typeface="Cascadia Code" pitchFamily="49" charset="0"/>
+                <a:cs typeface="Cascadia Code" pitchFamily="49" charset="0"/>
+              </a:rPr>
+              <a:t>endl</a:t>
+            </a:r>
+            <a:r>
+              <a:rPr lang="en-US" altLang="ko-KR" dirty="0">
+                <a:latin typeface="Cascadia Code" pitchFamily="49" charset="0"/>
+                <a:cs typeface="Cascadia Code" pitchFamily="49" charset="0"/>
+              </a:rPr>
+              <a:t>;</a:t>
+            </a:r>
+          </a:p>
+          <a:p>
+            <a:endParaRPr lang="en-US" altLang="ko-KR" dirty="0">
+              <a:latin typeface="Cascadia Code" pitchFamily="49" charset="0"/>
+              <a:cs typeface="Cascadia Code" pitchFamily="49" charset="0"/>
+            </a:endParaRPr>
+          </a:p>
+          <a:p>
+            <a:r>
+              <a:rPr lang="en-US" altLang="ko-KR" dirty="0">
+                <a:latin typeface="Cascadia Code" pitchFamily="49" charset="0"/>
+                <a:cs typeface="Cascadia Code" pitchFamily="49" charset="0"/>
+              </a:rPr>
+              <a:t>n = 200;</a:t>
+            </a:r>
+          </a:p>
+          <a:p>
+            <a:r>
+              <a:rPr lang="en-US" altLang="ko-KR" dirty="0">
+                <a:latin typeface="Cascadia Code" pitchFamily="49" charset="0"/>
+                <a:cs typeface="Cascadia Code" pitchFamily="49" charset="0"/>
+              </a:rPr>
+              <a:t>std::</a:t>
+            </a:r>
+            <a:r>
+              <a:rPr lang="en-US" altLang="ko-KR" dirty="0" err="1">
+                <a:latin typeface="Cascadia Code" pitchFamily="49" charset="0"/>
+                <a:cs typeface="Cascadia Code" pitchFamily="49" charset="0"/>
+              </a:rPr>
+              <a:t>cout</a:t>
+            </a:r>
+            <a:r>
+              <a:rPr lang="en-US" altLang="ko-KR" dirty="0">
+                <a:latin typeface="Cascadia Code" pitchFamily="49" charset="0"/>
+                <a:cs typeface="Cascadia Code" pitchFamily="49" charset="0"/>
+              </a:rPr>
+              <a:t> &lt;&lt; </a:t>
+            </a:r>
+            <a:r>
+              <a:rPr lang="en-US" altLang="ko-KR" dirty="0" err="1">
+                <a:latin typeface="Cascadia Code" pitchFamily="49" charset="0"/>
+                <a:cs typeface="Cascadia Code" pitchFamily="49" charset="0"/>
+              </a:rPr>
+              <a:t>rn</a:t>
+            </a:r>
+            <a:r>
+              <a:rPr lang="en-US" altLang="ko-KR" dirty="0">
+                <a:latin typeface="Cascadia Code" pitchFamily="49" charset="0"/>
+                <a:cs typeface="Cascadia Code" pitchFamily="49" charset="0"/>
+              </a:rPr>
+              <a:t> &lt;&lt; std::</a:t>
+            </a:r>
+            <a:r>
+              <a:rPr lang="en-US" altLang="ko-KR" dirty="0" err="1">
+                <a:latin typeface="Cascadia Code" pitchFamily="49" charset="0"/>
+                <a:cs typeface="Cascadia Code" pitchFamily="49" charset="0"/>
+              </a:rPr>
+              <a:t>endl</a:t>
+            </a:r>
+            <a:r>
+              <a:rPr lang="en-US" altLang="ko-KR" dirty="0">
+                <a:latin typeface="Cascadia Code" pitchFamily="49" charset="0"/>
+                <a:cs typeface="Cascadia Code" pitchFamily="49" charset="0"/>
+              </a:rPr>
+              <a:t>;</a:t>
+            </a:r>
+            <a:endParaRPr lang="ko-KR" altLang="en-US" dirty="0">
+              <a:latin typeface="Cascadia Code" pitchFamily="49" charset="0"/>
+              <a:cs typeface="Cascadia Code" pitchFamily="49" charset="0"/>
+            </a:endParaRPr>
+          </a:p>
+        </p:txBody>
+      </p:sp>
+      <p:sp>
+        <p:nvSpPr>
+          <p:cNvPr id="4" name="직사각형 3">
+            <a:extLst>
+              <a:ext uri="{FF2B5EF4-FFF2-40B4-BE49-F238E27FC236}">
+                <a16:creationId xmlns:a16="http://schemas.microsoft.com/office/drawing/2014/main" id="{23928E8E-5638-E01A-614B-B6065F23E918}"/>
+              </a:ext>
+            </a:extLst>
+          </p:cNvPr>
+          <p:cNvSpPr/>
+          <p:nvPr/>
+        </p:nvSpPr>
+        <p:spPr>
+          <a:xfrm>
+            <a:off x="6842760" y="1752600"/>
+            <a:ext cx="1120140" cy="610463"/>
+          </a:xfrm>
+          <a:prstGeom prst="rect">
+            <a:avLst/>
+          </a:prstGeom>
+          <a:solidFill>
+            <a:srgbClr val="FFFF00"/>
+          </a:solidFill>
+        </p:spPr>
+        <p:style>
+          <a:lnRef idx="2">
+            <a:schemeClr val="accent1">
+              <a:shade val="15000"/>
+            </a:schemeClr>
+          </a:lnRef>
+          <a:fillRef idx="1">
+            <a:schemeClr val="accent1"/>
+          </a:fillRef>
+          <a:effectRef idx="0">
+            <a:schemeClr val="accent1"/>
+          </a:effectRef>
+          <a:fontRef idx="minor">
+            <a:schemeClr val="lt1"/>
+          </a:fontRef>
+        </p:style>
+        <p:txBody>
+          <a:bodyPr rtlCol="0" anchor="ctr"/>
+          <a:lstStyle/>
+          <a:p>
+            <a:pPr algn="ctr"/>
+            <a:r>
+              <a:rPr kumimoji="1" lang="en-US" altLang="ko-KR" sz="1600" dirty="0">
+                <a:solidFill>
+                  <a:schemeClr val="tx1"/>
+                </a:solidFill>
+                <a:latin typeface="Cascadia Code" pitchFamily="49" charset="0"/>
+                <a:cs typeface="Cascadia Code" pitchFamily="49" charset="0"/>
+              </a:rPr>
+              <a:t>100</a:t>
+            </a:r>
+            <a:endParaRPr kumimoji="1" lang="ko-KR" altLang="en-US" sz="1600" dirty="0">
+              <a:solidFill>
+                <a:schemeClr val="tx1"/>
+              </a:solidFill>
+              <a:latin typeface="Cascadia Code" pitchFamily="49" charset="0"/>
+              <a:cs typeface="Cascadia Code" pitchFamily="49" charset="0"/>
+            </a:endParaRPr>
+          </a:p>
+        </p:txBody>
+      </p:sp>
+      <p:sp>
+        <p:nvSpPr>
+          <p:cNvPr id="5" name="TextBox 4">
+            <a:extLst>
+              <a:ext uri="{FF2B5EF4-FFF2-40B4-BE49-F238E27FC236}">
+                <a16:creationId xmlns:a16="http://schemas.microsoft.com/office/drawing/2014/main" id="{768E307F-81A5-FA04-96B9-8CD0C767A005}"/>
+              </a:ext>
+            </a:extLst>
+          </p:cNvPr>
+          <p:cNvSpPr txBox="1"/>
+          <p:nvPr/>
+        </p:nvSpPr>
+        <p:spPr>
+          <a:xfrm>
+            <a:off x="6606540" y="1691045"/>
+            <a:ext cx="236220" cy="338554"/>
+          </a:xfrm>
+          <a:prstGeom prst="rect">
+            <a:avLst/>
+          </a:prstGeom>
+          <a:noFill/>
+        </p:spPr>
+        <p:txBody>
+          <a:bodyPr wrap="square" rtlCol="0">
+            <a:spAutoFit/>
+          </a:bodyPr>
+          <a:lstStyle/>
+          <a:p>
+            <a:pPr algn="ctr"/>
+            <a:r>
+              <a:rPr kumimoji="1" lang="en-US" altLang="ko-KR" sz="1600" dirty="0">
+                <a:latin typeface="Cascadia Code" pitchFamily="49" charset="0"/>
+                <a:ea typeface="Cascadia Code" pitchFamily="49" charset="0"/>
+                <a:cs typeface="Cascadia Code" pitchFamily="49" charset="0"/>
+              </a:rPr>
+              <a:t>n</a:t>
+            </a:r>
+            <a:endParaRPr kumimoji="1" lang="ko-KR" altLang="en-US" sz="1600" dirty="0">
+              <a:latin typeface="Cascadia Code" pitchFamily="49" charset="0"/>
+              <a:ea typeface="Cascadia Code" pitchFamily="49" charset="0"/>
+              <a:cs typeface="Cascadia Code" pitchFamily="49" charset="0"/>
+            </a:endParaRPr>
+          </a:p>
+        </p:txBody>
+      </p:sp>
+      <p:sp>
+        <p:nvSpPr>
+          <p:cNvPr id="7" name="TextBox 6">
+            <a:extLst>
+              <a:ext uri="{FF2B5EF4-FFF2-40B4-BE49-F238E27FC236}">
+                <a16:creationId xmlns:a16="http://schemas.microsoft.com/office/drawing/2014/main" id="{FEADA19A-3293-AC69-362E-5BB75D6DD353}"/>
+              </a:ext>
+            </a:extLst>
+          </p:cNvPr>
+          <p:cNvSpPr txBox="1"/>
+          <p:nvPr/>
+        </p:nvSpPr>
+        <p:spPr>
+          <a:xfrm>
+            <a:off x="6416040" y="1475601"/>
+            <a:ext cx="1089660" cy="276999"/>
+          </a:xfrm>
+          <a:prstGeom prst="rect">
+            <a:avLst/>
+          </a:prstGeom>
+          <a:noFill/>
+        </p:spPr>
+        <p:txBody>
+          <a:bodyPr wrap="square">
+            <a:spAutoFit/>
+          </a:bodyPr>
+          <a:lstStyle/>
+          <a:p>
+            <a:r>
+              <a:rPr kumimoji="1" lang="en-US" altLang="ko-KR" sz="1200" dirty="0">
+                <a:solidFill>
+                  <a:schemeClr val="tx1"/>
+                </a:solidFill>
+                <a:latin typeface="Cascadia Code" pitchFamily="49" charset="0"/>
+                <a:cs typeface="Cascadia Code" pitchFamily="49" charset="0"/>
+              </a:rPr>
+              <a:t>0x2000</a:t>
+            </a:r>
+            <a:endParaRPr lang="ko-KR" altLang="en-US" sz="1200" dirty="0"/>
+          </a:p>
+        </p:txBody>
+      </p:sp>
+      <p:sp>
+        <p:nvSpPr>
+          <p:cNvPr id="6" name="TextBox 5">
+            <a:extLst>
+              <a:ext uri="{FF2B5EF4-FFF2-40B4-BE49-F238E27FC236}">
+                <a16:creationId xmlns:a16="http://schemas.microsoft.com/office/drawing/2014/main" id="{3E42C2CB-AFB7-8050-6F79-73193AF9AC14}"/>
+              </a:ext>
+            </a:extLst>
+          </p:cNvPr>
+          <p:cNvSpPr txBox="1"/>
+          <p:nvPr/>
+        </p:nvSpPr>
+        <p:spPr>
+          <a:xfrm>
+            <a:off x="6416040" y="2027054"/>
+            <a:ext cx="426720" cy="338554"/>
+          </a:xfrm>
+          <a:prstGeom prst="rect">
+            <a:avLst/>
+          </a:prstGeom>
+          <a:noFill/>
+        </p:spPr>
+        <p:txBody>
+          <a:bodyPr wrap="square" rtlCol="0">
+            <a:spAutoFit/>
+          </a:bodyPr>
+          <a:lstStyle/>
+          <a:p>
+            <a:pPr algn="ctr"/>
+            <a:r>
+              <a:rPr kumimoji="1" lang="en-US" altLang="ko-KR" sz="1600" dirty="0" err="1">
+                <a:solidFill>
+                  <a:srgbClr val="FF0000"/>
+                </a:solidFill>
+                <a:latin typeface="Cascadia Code" pitchFamily="49" charset="0"/>
+                <a:ea typeface="Cascadia Code" pitchFamily="49" charset="0"/>
+                <a:cs typeface="Cascadia Code" pitchFamily="49" charset="0"/>
+              </a:rPr>
+              <a:t>rn</a:t>
+            </a:r>
+            <a:endParaRPr kumimoji="1" lang="ko-KR" altLang="en-US" sz="1600" dirty="0">
+              <a:solidFill>
+                <a:srgbClr val="FF0000"/>
+              </a:solidFill>
+              <a:latin typeface="Cascadia Code" pitchFamily="49" charset="0"/>
+              <a:ea typeface="Cascadia Code" pitchFamily="49" charset="0"/>
+              <a:cs typeface="Cascadia Code" pitchFamily="49" charset="0"/>
+            </a:endParaRPr>
+          </a:p>
+        </p:txBody>
+      </p:sp>
+    </p:spTree>
+    <p:extLst>
+      <p:ext uri="{BB962C8B-B14F-4D97-AF65-F5344CB8AC3E}">
+        <p14:creationId xmlns:p14="http://schemas.microsoft.com/office/powerpoint/2010/main" val="1313452060"/>
+      </p:ext>
+    </p:extLst>
+  </p:cSld>
+  <p:clrMapOvr>
+    <a:masterClrMapping/>
+  </p:clrMapOvr>
+</p:sld>
+</file>
+
+<file path=ppt/slides/slide7.xml><?xml version="1.0" encoding="utf-8"?>
+<p:sld xmlns:a="http://schemas.openxmlformats.org/drawingml/2006/main" xmlns:r="http://schemas.openxmlformats.org/officeDocument/2006/relationships" xmlns:p="http://schemas.openxmlformats.org/presentationml/2006/main">
+  <p:cSld>
+    <p:spTree>
+      <p:nvGrpSpPr>
+        <p:cNvPr id="1" name=""/>
+        <p:cNvGrpSpPr/>
+        <p:nvPr/>
+      </p:nvGrpSpPr>
+      <p:grpSpPr>
+        <a:xfrm>
+          <a:off x="0" y="0"/>
+          <a:ext cx="0" cy="0"/>
+          <a:chOff x="0" y="0"/>
+          <a:chExt cx="0" cy="0"/>
+        </a:xfrm>
+      </p:grpSpPr>
+      <p:sp>
+        <p:nvSpPr>
+          <p:cNvPr id="3" name="TextBox 2">
+            <a:extLst>
+              <a:ext uri="{FF2B5EF4-FFF2-40B4-BE49-F238E27FC236}">
+                <a16:creationId xmlns:a16="http://schemas.microsoft.com/office/drawing/2014/main" id="{C2EDBE95-6575-BEE5-5686-3B6D70F2F8CD}"/>
+              </a:ext>
+            </a:extLst>
+          </p:cNvPr>
+          <p:cNvSpPr txBox="1"/>
+          <p:nvPr/>
+        </p:nvSpPr>
+        <p:spPr>
+          <a:xfrm>
+            <a:off x="281940" y="608737"/>
+            <a:ext cx="4785360" cy="2585323"/>
+          </a:xfrm>
+          <a:prstGeom prst="rect">
+            <a:avLst/>
+          </a:prstGeom>
+          <a:noFill/>
+        </p:spPr>
+        <p:txBody>
+          <a:bodyPr wrap="square">
+            <a:spAutoFit/>
+          </a:bodyPr>
+          <a:lstStyle/>
+          <a:p>
+            <a:r>
+              <a:rPr lang="en-US" altLang="ko-KR" dirty="0">
+                <a:latin typeface="Cascadia Code" pitchFamily="49" charset="0"/>
+                <a:cs typeface="Cascadia Code" pitchFamily="49" charset="0"/>
+              </a:rPr>
+              <a:t>int n = 100;</a:t>
+            </a:r>
+          </a:p>
+          <a:p>
+            <a:endParaRPr lang="en-US" altLang="ko-KR" dirty="0">
+              <a:latin typeface="Cascadia Code" pitchFamily="49" charset="0"/>
+              <a:cs typeface="Cascadia Code" pitchFamily="49" charset="0"/>
+            </a:endParaRPr>
+          </a:p>
+          <a:p>
+            <a:r>
+              <a:rPr lang="en-US" altLang="ko-KR" dirty="0">
+                <a:latin typeface="Cascadia Code" pitchFamily="49" charset="0"/>
+                <a:cs typeface="Cascadia Code" pitchFamily="49" charset="0"/>
+              </a:rPr>
+              <a:t>int&amp; </a:t>
+            </a:r>
+            <a:r>
+              <a:rPr lang="en-US" altLang="ko-KR" dirty="0" err="1">
+                <a:latin typeface="Cascadia Code" pitchFamily="49" charset="0"/>
+                <a:cs typeface="Cascadia Code" pitchFamily="49" charset="0"/>
+              </a:rPr>
+              <a:t>rn</a:t>
+            </a:r>
+            <a:r>
+              <a:rPr lang="en-US" altLang="ko-KR" dirty="0">
+                <a:latin typeface="Cascadia Code" pitchFamily="49" charset="0"/>
+                <a:cs typeface="Cascadia Code" pitchFamily="49" charset="0"/>
+              </a:rPr>
+              <a:t> = n;</a:t>
+            </a:r>
+          </a:p>
+          <a:p>
+            <a:endParaRPr lang="en-US" altLang="ko-KR" dirty="0">
+              <a:latin typeface="Cascadia Code" pitchFamily="49" charset="0"/>
+              <a:cs typeface="Cascadia Code" pitchFamily="49" charset="0"/>
+            </a:endParaRPr>
+          </a:p>
+          <a:p>
+            <a:r>
+              <a:rPr lang="en-US" altLang="ko-KR" dirty="0" err="1">
+                <a:solidFill>
+                  <a:srgbClr val="FF0000"/>
+                </a:solidFill>
+                <a:latin typeface="Cascadia Code" pitchFamily="49" charset="0"/>
+                <a:cs typeface="Cascadia Code" pitchFamily="49" charset="0"/>
+              </a:rPr>
+              <a:t>rn</a:t>
+            </a:r>
+            <a:r>
+              <a:rPr lang="en-US" altLang="ko-KR" dirty="0">
+                <a:solidFill>
+                  <a:srgbClr val="FF0000"/>
+                </a:solidFill>
+                <a:latin typeface="Cascadia Code" pitchFamily="49" charset="0"/>
+                <a:cs typeface="Cascadia Code" pitchFamily="49" charset="0"/>
+              </a:rPr>
+              <a:t> = 42;</a:t>
+            </a:r>
+          </a:p>
+          <a:p>
+            <a:r>
+              <a:rPr lang="en-US" altLang="ko-KR" dirty="0">
+                <a:solidFill>
+                  <a:srgbClr val="FF0000"/>
+                </a:solidFill>
+                <a:latin typeface="Cascadia Code" pitchFamily="49" charset="0"/>
+                <a:cs typeface="Cascadia Code" pitchFamily="49" charset="0"/>
+              </a:rPr>
+              <a:t>std::</a:t>
+            </a:r>
+            <a:r>
+              <a:rPr lang="en-US" altLang="ko-KR" dirty="0" err="1">
+                <a:solidFill>
+                  <a:srgbClr val="FF0000"/>
+                </a:solidFill>
+                <a:latin typeface="Cascadia Code" pitchFamily="49" charset="0"/>
+                <a:cs typeface="Cascadia Code" pitchFamily="49" charset="0"/>
+              </a:rPr>
+              <a:t>cout</a:t>
+            </a:r>
+            <a:r>
+              <a:rPr lang="en-US" altLang="ko-KR" dirty="0">
+                <a:solidFill>
+                  <a:srgbClr val="FF0000"/>
+                </a:solidFill>
+                <a:latin typeface="Cascadia Code" pitchFamily="49" charset="0"/>
+                <a:cs typeface="Cascadia Code" pitchFamily="49" charset="0"/>
+              </a:rPr>
+              <a:t> &lt;&lt; n &lt;&lt; std::</a:t>
+            </a:r>
+            <a:r>
+              <a:rPr lang="en-US" altLang="ko-KR" dirty="0" err="1">
+                <a:solidFill>
+                  <a:srgbClr val="FF0000"/>
+                </a:solidFill>
+                <a:latin typeface="Cascadia Code" pitchFamily="49" charset="0"/>
+                <a:cs typeface="Cascadia Code" pitchFamily="49" charset="0"/>
+              </a:rPr>
+              <a:t>endl</a:t>
+            </a:r>
+            <a:r>
+              <a:rPr lang="en-US" altLang="ko-KR" dirty="0">
+                <a:solidFill>
+                  <a:srgbClr val="FF0000"/>
+                </a:solidFill>
+                <a:latin typeface="Cascadia Code" pitchFamily="49" charset="0"/>
+                <a:cs typeface="Cascadia Code" pitchFamily="49" charset="0"/>
+              </a:rPr>
+              <a:t>;</a:t>
+            </a:r>
+          </a:p>
+          <a:p>
+            <a:endParaRPr lang="en-US" altLang="ko-KR" dirty="0">
+              <a:latin typeface="Cascadia Code" pitchFamily="49" charset="0"/>
+              <a:cs typeface="Cascadia Code" pitchFamily="49" charset="0"/>
+            </a:endParaRPr>
+          </a:p>
+          <a:p>
+            <a:r>
+              <a:rPr lang="en-US" altLang="ko-KR" dirty="0">
+                <a:latin typeface="Cascadia Code" pitchFamily="49" charset="0"/>
+                <a:cs typeface="Cascadia Code" pitchFamily="49" charset="0"/>
+              </a:rPr>
+              <a:t>n = 200;</a:t>
+            </a:r>
+          </a:p>
+          <a:p>
+            <a:r>
+              <a:rPr lang="en-US" altLang="ko-KR" dirty="0">
+                <a:latin typeface="Cascadia Code" pitchFamily="49" charset="0"/>
+                <a:cs typeface="Cascadia Code" pitchFamily="49" charset="0"/>
+              </a:rPr>
+              <a:t>std::</a:t>
+            </a:r>
+            <a:r>
+              <a:rPr lang="en-US" altLang="ko-KR" dirty="0" err="1">
+                <a:latin typeface="Cascadia Code" pitchFamily="49" charset="0"/>
+                <a:cs typeface="Cascadia Code" pitchFamily="49" charset="0"/>
+              </a:rPr>
+              <a:t>cout</a:t>
+            </a:r>
+            <a:r>
+              <a:rPr lang="en-US" altLang="ko-KR" dirty="0">
+                <a:latin typeface="Cascadia Code" pitchFamily="49" charset="0"/>
+                <a:cs typeface="Cascadia Code" pitchFamily="49" charset="0"/>
+              </a:rPr>
+              <a:t> &lt;&lt; </a:t>
+            </a:r>
+            <a:r>
+              <a:rPr lang="en-US" altLang="ko-KR" dirty="0" err="1">
+                <a:latin typeface="Cascadia Code" pitchFamily="49" charset="0"/>
+                <a:cs typeface="Cascadia Code" pitchFamily="49" charset="0"/>
+              </a:rPr>
+              <a:t>rn</a:t>
+            </a:r>
+            <a:r>
+              <a:rPr lang="en-US" altLang="ko-KR" dirty="0">
+                <a:latin typeface="Cascadia Code" pitchFamily="49" charset="0"/>
+                <a:cs typeface="Cascadia Code" pitchFamily="49" charset="0"/>
+              </a:rPr>
+              <a:t> &lt;&lt; std::</a:t>
+            </a:r>
+            <a:r>
+              <a:rPr lang="en-US" altLang="ko-KR" dirty="0" err="1">
+                <a:latin typeface="Cascadia Code" pitchFamily="49" charset="0"/>
+                <a:cs typeface="Cascadia Code" pitchFamily="49" charset="0"/>
+              </a:rPr>
+              <a:t>endl</a:t>
+            </a:r>
+            <a:r>
+              <a:rPr lang="en-US" altLang="ko-KR" dirty="0">
+                <a:latin typeface="Cascadia Code" pitchFamily="49" charset="0"/>
+                <a:cs typeface="Cascadia Code" pitchFamily="49" charset="0"/>
+              </a:rPr>
+              <a:t>;</a:t>
+            </a:r>
+            <a:endParaRPr lang="ko-KR" altLang="en-US" dirty="0">
+              <a:latin typeface="Cascadia Code" pitchFamily="49" charset="0"/>
+              <a:cs typeface="Cascadia Code" pitchFamily="49" charset="0"/>
+            </a:endParaRPr>
+          </a:p>
+        </p:txBody>
+      </p:sp>
+      <p:sp>
+        <p:nvSpPr>
+          <p:cNvPr id="4" name="직사각형 3">
+            <a:extLst>
+              <a:ext uri="{FF2B5EF4-FFF2-40B4-BE49-F238E27FC236}">
+                <a16:creationId xmlns:a16="http://schemas.microsoft.com/office/drawing/2014/main" id="{23928E8E-5638-E01A-614B-B6065F23E918}"/>
+              </a:ext>
+            </a:extLst>
+          </p:cNvPr>
+          <p:cNvSpPr/>
+          <p:nvPr/>
+        </p:nvSpPr>
+        <p:spPr>
+          <a:xfrm>
+            <a:off x="6842760" y="1752600"/>
+            <a:ext cx="1120140" cy="610463"/>
+          </a:xfrm>
+          <a:prstGeom prst="rect">
+            <a:avLst/>
+          </a:prstGeom>
+          <a:solidFill>
+            <a:srgbClr val="FFFF00"/>
+          </a:solidFill>
+        </p:spPr>
+        <p:style>
+          <a:lnRef idx="2">
+            <a:schemeClr val="accent1">
+              <a:shade val="15000"/>
+            </a:schemeClr>
+          </a:lnRef>
+          <a:fillRef idx="1">
+            <a:schemeClr val="accent1"/>
+          </a:fillRef>
+          <a:effectRef idx="0">
+            <a:schemeClr val="accent1"/>
+          </a:effectRef>
+          <a:fontRef idx="minor">
+            <a:schemeClr val="lt1"/>
+          </a:fontRef>
+        </p:style>
+        <p:txBody>
+          <a:bodyPr rtlCol="0" anchor="ctr"/>
+          <a:lstStyle/>
+          <a:p>
+            <a:pPr algn="ctr"/>
+            <a:r>
+              <a:rPr kumimoji="1" lang="en-US" altLang="ko-KR" sz="1600" dirty="0">
+                <a:solidFill>
+                  <a:srgbClr val="FF0000"/>
+                </a:solidFill>
+                <a:latin typeface="Cascadia Code" pitchFamily="49" charset="0"/>
+                <a:cs typeface="Cascadia Code" pitchFamily="49" charset="0"/>
+              </a:rPr>
+              <a:t>42</a:t>
+            </a:r>
+            <a:endParaRPr kumimoji="1" lang="ko-KR" altLang="en-US" sz="1600" dirty="0">
+              <a:solidFill>
+                <a:srgbClr val="FF0000"/>
+              </a:solidFill>
+              <a:latin typeface="Cascadia Code" pitchFamily="49" charset="0"/>
+              <a:cs typeface="Cascadia Code" pitchFamily="49" charset="0"/>
+            </a:endParaRPr>
+          </a:p>
+        </p:txBody>
+      </p:sp>
+      <p:sp>
+        <p:nvSpPr>
+          <p:cNvPr id="5" name="TextBox 4">
+            <a:extLst>
+              <a:ext uri="{FF2B5EF4-FFF2-40B4-BE49-F238E27FC236}">
+                <a16:creationId xmlns:a16="http://schemas.microsoft.com/office/drawing/2014/main" id="{768E307F-81A5-FA04-96B9-8CD0C767A005}"/>
+              </a:ext>
+            </a:extLst>
+          </p:cNvPr>
+          <p:cNvSpPr txBox="1"/>
+          <p:nvPr/>
+        </p:nvSpPr>
+        <p:spPr>
+          <a:xfrm>
+            <a:off x="6606540" y="1691045"/>
+            <a:ext cx="236220" cy="338554"/>
+          </a:xfrm>
+          <a:prstGeom prst="rect">
+            <a:avLst/>
+          </a:prstGeom>
+          <a:noFill/>
+        </p:spPr>
+        <p:txBody>
+          <a:bodyPr wrap="square" rtlCol="0">
+            <a:spAutoFit/>
+          </a:bodyPr>
+          <a:lstStyle/>
+          <a:p>
+            <a:pPr algn="ctr"/>
+            <a:r>
+              <a:rPr kumimoji="1" lang="en-US" altLang="ko-KR" sz="1600" dirty="0">
+                <a:latin typeface="Cascadia Code" pitchFamily="49" charset="0"/>
+                <a:ea typeface="Cascadia Code" pitchFamily="49" charset="0"/>
+                <a:cs typeface="Cascadia Code" pitchFamily="49" charset="0"/>
+              </a:rPr>
+              <a:t>n</a:t>
+            </a:r>
+            <a:endParaRPr kumimoji="1" lang="ko-KR" altLang="en-US" sz="1600" dirty="0">
+              <a:latin typeface="Cascadia Code" pitchFamily="49" charset="0"/>
+              <a:ea typeface="Cascadia Code" pitchFamily="49" charset="0"/>
+              <a:cs typeface="Cascadia Code" pitchFamily="49" charset="0"/>
+            </a:endParaRPr>
+          </a:p>
+        </p:txBody>
+      </p:sp>
+      <p:sp>
+        <p:nvSpPr>
+          <p:cNvPr id="7" name="TextBox 6">
+            <a:extLst>
+              <a:ext uri="{FF2B5EF4-FFF2-40B4-BE49-F238E27FC236}">
+                <a16:creationId xmlns:a16="http://schemas.microsoft.com/office/drawing/2014/main" id="{FEADA19A-3293-AC69-362E-5BB75D6DD353}"/>
+              </a:ext>
+            </a:extLst>
+          </p:cNvPr>
+          <p:cNvSpPr txBox="1"/>
+          <p:nvPr/>
+        </p:nvSpPr>
+        <p:spPr>
+          <a:xfrm>
+            <a:off x="6416040" y="1475601"/>
+            <a:ext cx="1089660" cy="276999"/>
+          </a:xfrm>
+          <a:prstGeom prst="rect">
+            <a:avLst/>
+          </a:prstGeom>
+          <a:noFill/>
+        </p:spPr>
+        <p:txBody>
+          <a:bodyPr wrap="square">
+            <a:spAutoFit/>
+          </a:bodyPr>
+          <a:lstStyle/>
+          <a:p>
+            <a:r>
+              <a:rPr kumimoji="1" lang="en-US" altLang="ko-KR" sz="1200" dirty="0">
+                <a:solidFill>
+                  <a:schemeClr val="tx1"/>
+                </a:solidFill>
+                <a:latin typeface="Cascadia Code" pitchFamily="49" charset="0"/>
+                <a:cs typeface="Cascadia Code" pitchFamily="49" charset="0"/>
+              </a:rPr>
+              <a:t>0x2000</a:t>
+            </a:r>
+            <a:endParaRPr lang="ko-KR" altLang="en-US" sz="1200" dirty="0"/>
+          </a:p>
+        </p:txBody>
+      </p:sp>
+      <p:sp>
+        <p:nvSpPr>
+          <p:cNvPr id="6" name="TextBox 5">
+            <a:extLst>
+              <a:ext uri="{FF2B5EF4-FFF2-40B4-BE49-F238E27FC236}">
+                <a16:creationId xmlns:a16="http://schemas.microsoft.com/office/drawing/2014/main" id="{3E42C2CB-AFB7-8050-6F79-73193AF9AC14}"/>
+              </a:ext>
+            </a:extLst>
+          </p:cNvPr>
+          <p:cNvSpPr txBox="1"/>
+          <p:nvPr/>
+        </p:nvSpPr>
+        <p:spPr>
+          <a:xfrm>
+            <a:off x="6416040" y="2027054"/>
+            <a:ext cx="426720" cy="338554"/>
+          </a:xfrm>
+          <a:prstGeom prst="rect">
+            <a:avLst/>
+          </a:prstGeom>
+          <a:noFill/>
+        </p:spPr>
+        <p:txBody>
+          <a:bodyPr wrap="square" rtlCol="0">
+            <a:spAutoFit/>
+          </a:bodyPr>
+          <a:lstStyle/>
+          <a:p>
+            <a:pPr algn="ctr"/>
+            <a:r>
+              <a:rPr kumimoji="1" lang="en-US" altLang="ko-KR" sz="1600" dirty="0" err="1">
+                <a:solidFill>
+                  <a:srgbClr val="FF0000"/>
+                </a:solidFill>
+                <a:latin typeface="Cascadia Code" pitchFamily="49" charset="0"/>
+                <a:ea typeface="Cascadia Code" pitchFamily="49" charset="0"/>
+                <a:cs typeface="Cascadia Code" pitchFamily="49" charset="0"/>
+              </a:rPr>
+              <a:t>rn</a:t>
+            </a:r>
+            <a:endParaRPr kumimoji="1" lang="ko-KR" altLang="en-US" sz="1600" dirty="0">
+              <a:solidFill>
+                <a:srgbClr val="FF0000"/>
+              </a:solidFill>
+              <a:latin typeface="Cascadia Code" pitchFamily="49" charset="0"/>
+              <a:ea typeface="Cascadia Code" pitchFamily="49" charset="0"/>
+              <a:cs typeface="Cascadia Code" pitchFamily="49" charset="0"/>
+            </a:endParaRPr>
+          </a:p>
+        </p:txBody>
+      </p:sp>
+    </p:spTree>
+    <p:extLst>
+      <p:ext uri="{BB962C8B-B14F-4D97-AF65-F5344CB8AC3E}">
+        <p14:creationId xmlns:p14="http://schemas.microsoft.com/office/powerpoint/2010/main" val="2974520925"/>
+      </p:ext>
+    </p:extLst>
+  </p:cSld>
+  <p:clrMapOvr>
+    <a:masterClrMapping/>
+  </p:clrMapOvr>
+</p:sld>
+</file>
+
+<file path=ppt/slides/slide8.xml><?xml version="1.0" encoding="utf-8"?>
+<p:sld xmlns:a="http://schemas.openxmlformats.org/drawingml/2006/main" xmlns:r="http://schemas.openxmlformats.org/officeDocument/2006/relationships" xmlns:p="http://schemas.openxmlformats.org/presentationml/2006/main">
+  <p:cSld>
+    <p:spTree>
+      <p:nvGrpSpPr>
+        <p:cNvPr id="1" name=""/>
+        <p:cNvGrpSpPr/>
+        <p:nvPr/>
+      </p:nvGrpSpPr>
+      <p:grpSpPr>
+        <a:xfrm>
+          <a:off x="0" y="0"/>
+          <a:ext cx="0" cy="0"/>
+          <a:chOff x="0" y="0"/>
+          <a:chExt cx="0" cy="0"/>
+        </a:xfrm>
+      </p:grpSpPr>
+      <p:sp>
+        <p:nvSpPr>
+          <p:cNvPr id="3" name="TextBox 2">
+            <a:extLst>
+              <a:ext uri="{FF2B5EF4-FFF2-40B4-BE49-F238E27FC236}">
+                <a16:creationId xmlns:a16="http://schemas.microsoft.com/office/drawing/2014/main" id="{C2EDBE95-6575-BEE5-5686-3B6D70F2F8CD}"/>
+              </a:ext>
+            </a:extLst>
+          </p:cNvPr>
+          <p:cNvSpPr txBox="1"/>
+          <p:nvPr/>
+        </p:nvSpPr>
+        <p:spPr>
+          <a:xfrm>
+            <a:off x="281940" y="608737"/>
+            <a:ext cx="4785360" cy="2585323"/>
+          </a:xfrm>
+          <a:prstGeom prst="rect">
+            <a:avLst/>
+          </a:prstGeom>
+          <a:noFill/>
+        </p:spPr>
+        <p:txBody>
+          <a:bodyPr wrap="square">
+            <a:spAutoFit/>
+          </a:bodyPr>
+          <a:lstStyle/>
+          <a:p>
+            <a:r>
+              <a:rPr lang="en-US" altLang="ko-KR" dirty="0">
+                <a:latin typeface="Cascadia Code" pitchFamily="49" charset="0"/>
+                <a:cs typeface="Cascadia Code" pitchFamily="49" charset="0"/>
+              </a:rPr>
+              <a:t>int n = 100;</a:t>
+            </a:r>
+          </a:p>
+          <a:p>
+            <a:endParaRPr lang="en-US" altLang="ko-KR" dirty="0">
+              <a:latin typeface="Cascadia Code" pitchFamily="49" charset="0"/>
+              <a:cs typeface="Cascadia Code" pitchFamily="49" charset="0"/>
+            </a:endParaRPr>
+          </a:p>
+          <a:p>
+            <a:r>
+              <a:rPr lang="en-US" altLang="ko-KR" dirty="0">
+                <a:latin typeface="Cascadia Code" pitchFamily="49" charset="0"/>
+                <a:cs typeface="Cascadia Code" pitchFamily="49" charset="0"/>
+              </a:rPr>
+              <a:t>int&amp; </a:t>
+            </a:r>
+            <a:r>
+              <a:rPr lang="en-US" altLang="ko-KR" dirty="0" err="1">
+                <a:latin typeface="Cascadia Code" pitchFamily="49" charset="0"/>
+                <a:cs typeface="Cascadia Code" pitchFamily="49" charset="0"/>
+              </a:rPr>
+              <a:t>rn</a:t>
+            </a:r>
+            <a:r>
+              <a:rPr lang="en-US" altLang="ko-KR" dirty="0">
+                <a:latin typeface="Cascadia Code" pitchFamily="49" charset="0"/>
+                <a:cs typeface="Cascadia Code" pitchFamily="49" charset="0"/>
+              </a:rPr>
+              <a:t> = n;</a:t>
+            </a:r>
+          </a:p>
+          <a:p>
+            <a:endParaRPr lang="en-US" altLang="ko-KR" dirty="0">
+              <a:latin typeface="Cascadia Code" pitchFamily="49" charset="0"/>
+              <a:cs typeface="Cascadia Code" pitchFamily="49" charset="0"/>
+            </a:endParaRPr>
+          </a:p>
+          <a:p>
+            <a:r>
+              <a:rPr lang="en-US" altLang="ko-KR" dirty="0" err="1">
+                <a:latin typeface="Cascadia Code" pitchFamily="49" charset="0"/>
+                <a:cs typeface="Cascadia Code" pitchFamily="49" charset="0"/>
+              </a:rPr>
+              <a:t>rn</a:t>
+            </a:r>
+            <a:r>
+              <a:rPr lang="en-US" altLang="ko-KR" dirty="0">
+                <a:latin typeface="Cascadia Code" pitchFamily="49" charset="0"/>
+                <a:cs typeface="Cascadia Code" pitchFamily="49" charset="0"/>
+              </a:rPr>
+              <a:t> = 42;</a:t>
+            </a:r>
+          </a:p>
+          <a:p>
+            <a:r>
+              <a:rPr lang="en-US" altLang="ko-KR" dirty="0">
+                <a:latin typeface="Cascadia Code" pitchFamily="49" charset="0"/>
+                <a:cs typeface="Cascadia Code" pitchFamily="49" charset="0"/>
+              </a:rPr>
+              <a:t>std::</a:t>
+            </a:r>
+            <a:r>
+              <a:rPr lang="en-US" altLang="ko-KR" dirty="0" err="1">
+                <a:latin typeface="Cascadia Code" pitchFamily="49" charset="0"/>
+                <a:cs typeface="Cascadia Code" pitchFamily="49" charset="0"/>
+              </a:rPr>
+              <a:t>cout</a:t>
+            </a:r>
+            <a:r>
+              <a:rPr lang="en-US" altLang="ko-KR" dirty="0">
+                <a:latin typeface="Cascadia Code" pitchFamily="49" charset="0"/>
+                <a:cs typeface="Cascadia Code" pitchFamily="49" charset="0"/>
+              </a:rPr>
+              <a:t> &lt;&lt; n &lt;&lt; std::</a:t>
+            </a:r>
+            <a:r>
+              <a:rPr lang="en-US" altLang="ko-KR" dirty="0" err="1">
+                <a:latin typeface="Cascadia Code" pitchFamily="49" charset="0"/>
+                <a:cs typeface="Cascadia Code" pitchFamily="49" charset="0"/>
+              </a:rPr>
+              <a:t>endl</a:t>
+            </a:r>
+            <a:r>
+              <a:rPr lang="en-US" altLang="ko-KR" dirty="0">
+                <a:latin typeface="Cascadia Code" pitchFamily="49" charset="0"/>
+                <a:cs typeface="Cascadia Code" pitchFamily="49" charset="0"/>
+              </a:rPr>
+              <a:t>;</a:t>
+            </a:r>
+          </a:p>
+          <a:p>
+            <a:endParaRPr lang="en-US" altLang="ko-KR" dirty="0">
+              <a:latin typeface="Cascadia Code" pitchFamily="49" charset="0"/>
+              <a:cs typeface="Cascadia Code" pitchFamily="49" charset="0"/>
+            </a:endParaRPr>
+          </a:p>
+          <a:p>
+            <a:r>
+              <a:rPr lang="en-US" altLang="ko-KR" dirty="0">
+                <a:solidFill>
+                  <a:srgbClr val="FF0000"/>
+                </a:solidFill>
+                <a:latin typeface="Cascadia Code" pitchFamily="49" charset="0"/>
+                <a:cs typeface="Cascadia Code" pitchFamily="49" charset="0"/>
+              </a:rPr>
+              <a:t>n = 200;</a:t>
+            </a:r>
+          </a:p>
+          <a:p>
+            <a:r>
+              <a:rPr lang="en-US" altLang="ko-KR" dirty="0">
+                <a:solidFill>
+                  <a:srgbClr val="FF0000"/>
+                </a:solidFill>
+                <a:latin typeface="Cascadia Code" pitchFamily="49" charset="0"/>
+                <a:cs typeface="Cascadia Code" pitchFamily="49" charset="0"/>
+              </a:rPr>
+              <a:t>std::</a:t>
+            </a:r>
+            <a:r>
+              <a:rPr lang="en-US" altLang="ko-KR" dirty="0" err="1">
+                <a:solidFill>
+                  <a:srgbClr val="FF0000"/>
+                </a:solidFill>
+                <a:latin typeface="Cascadia Code" pitchFamily="49" charset="0"/>
+                <a:cs typeface="Cascadia Code" pitchFamily="49" charset="0"/>
+              </a:rPr>
+              <a:t>cout</a:t>
+            </a:r>
+            <a:r>
+              <a:rPr lang="en-US" altLang="ko-KR" dirty="0">
+                <a:solidFill>
+                  <a:srgbClr val="FF0000"/>
+                </a:solidFill>
+                <a:latin typeface="Cascadia Code" pitchFamily="49" charset="0"/>
+                <a:cs typeface="Cascadia Code" pitchFamily="49" charset="0"/>
+              </a:rPr>
+              <a:t> &lt;&lt; </a:t>
+            </a:r>
+            <a:r>
+              <a:rPr lang="en-US" altLang="ko-KR" dirty="0" err="1">
+                <a:solidFill>
+                  <a:srgbClr val="FF0000"/>
+                </a:solidFill>
+                <a:latin typeface="Cascadia Code" pitchFamily="49" charset="0"/>
+                <a:cs typeface="Cascadia Code" pitchFamily="49" charset="0"/>
+              </a:rPr>
+              <a:t>rn</a:t>
+            </a:r>
+            <a:r>
+              <a:rPr lang="en-US" altLang="ko-KR" dirty="0">
+                <a:solidFill>
+                  <a:srgbClr val="FF0000"/>
+                </a:solidFill>
+                <a:latin typeface="Cascadia Code" pitchFamily="49" charset="0"/>
+                <a:cs typeface="Cascadia Code" pitchFamily="49" charset="0"/>
+              </a:rPr>
+              <a:t> &lt;&lt; std::</a:t>
+            </a:r>
+            <a:r>
+              <a:rPr lang="en-US" altLang="ko-KR" dirty="0" err="1">
+                <a:solidFill>
+                  <a:srgbClr val="FF0000"/>
+                </a:solidFill>
+                <a:latin typeface="Cascadia Code" pitchFamily="49" charset="0"/>
+                <a:cs typeface="Cascadia Code" pitchFamily="49" charset="0"/>
+              </a:rPr>
+              <a:t>endl</a:t>
+            </a:r>
+            <a:r>
+              <a:rPr lang="en-US" altLang="ko-KR" dirty="0">
+                <a:solidFill>
+                  <a:srgbClr val="FF0000"/>
+                </a:solidFill>
+                <a:latin typeface="Cascadia Code" pitchFamily="49" charset="0"/>
+                <a:cs typeface="Cascadia Code" pitchFamily="49" charset="0"/>
+              </a:rPr>
+              <a:t>;</a:t>
+            </a:r>
+            <a:endParaRPr lang="ko-KR" altLang="en-US" dirty="0">
+              <a:solidFill>
+                <a:srgbClr val="FF0000"/>
+              </a:solidFill>
+              <a:latin typeface="Cascadia Code" pitchFamily="49" charset="0"/>
+              <a:cs typeface="Cascadia Code" pitchFamily="49" charset="0"/>
+            </a:endParaRPr>
+          </a:p>
+        </p:txBody>
+      </p:sp>
+      <p:sp>
+        <p:nvSpPr>
+          <p:cNvPr id="4" name="직사각형 3">
+            <a:extLst>
+              <a:ext uri="{FF2B5EF4-FFF2-40B4-BE49-F238E27FC236}">
+                <a16:creationId xmlns:a16="http://schemas.microsoft.com/office/drawing/2014/main" id="{23928E8E-5638-E01A-614B-B6065F23E918}"/>
+              </a:ext>
+            </a:extLst>
+          </p:cNvPr>
+          <p:cNvSpPr/>
+          <p:nvPr/>
+        </p:nvSpPr>
+        <p:spPr>
+          <a:xfrm>
+            <a:off x="6842760" y="1752600"/>
+            <a:ext cx="1120140" cy="610463"/>
+          </a:xfrm>
+          <a:prstGeom prst="rect">
+            <a:avLst/>
+          </a:prstGeom>
+          <a:solidFill>
+            <a:srgbClr val="FFFF00"/>
+          </a:solidFill>
+        </p:spPr>
+        <p:style>
+          <a:lnRef idx="2">
+            <a:schemeClr val="accent1">
+              <a:shade val="15000"/>
+            </a:schemeClr>
+          </a:lnRef>
+          <a:fillRef idx="1">
+            <a:schemeClr val="accent1"/>
+          </a:fillRef>
+          <a:effectRef idx="0">
+            <a:schemeClr val="accent1"/>
+          </a:effectRef>
+          <a:fontRef idx="minor">
+            <a:schemeClr val="lt1"/>
+          </a:fontRef>
+        </p:style>
+        <p:txBody>
+          <a:bodyPr rtlCol="0" anchor="ctr"/>
+          <a:lstStyle/>
+          <a:p>
+            <a:pPr algn="ctr"/>
+            <a:r>
+              <a:rPr kumimoji="1" lang="en-US" altLang="ko-KR" sz="1600" dirty="0">
+                <a:solidFill>
+                  <a:srgbClr val="FF0000"/>
+                </a:solidFill>
+                <a:latin typeface="Cascadia Code" pitchFamily="49" charset="0"/>
+                <a:cs typeface="Cascadia Code" pitchFamily="49" charset="0"/>
+              </a:rPr>
+              <a:t>200</a:t>
+            </a:r>
+            <a:endParaRPr kumimoji="1" lang="ko-KR" altLang="en-US" sz="1600" dirty="0">
+              <a:solidFill>
+                <a:srgbClr val="FF0000"/>
+              </a:solidFill>
+              <a:latin typeface="Cascadia Code" pitchFamily="49" charset="0"/>
+              <a:cs typeface="Cascadia Code" pitchFamily="49" charset="0"/>
+            </a:endParaRPr>
+          </a:p>
+        </p:txBody>
+      </p:sp>
+      <p:sp>
+        <p:nvSpPr>
+          <p:cNvPr id="5" name="TextBox 4">
+            <a:extLst>
+              <a:ext uri="{FF2B5EF4-FFF2-40B4-BE49-F238E27FC236}">
+                <a16:creationId xmlns:a16="http://schemas.microsoft.com/office/drawing/2014/main" id="{768E307F-81A5-FA04-96B9-8CD0C767A005}"/>
+              </a:ext>
+            </a:extLst>
+          </p:cNvPr>
+          <p:cNvSpPr txBox="1"/>
+          <p:nvPr/>
+        </p:nvSpPr>
+        <p:spPr>
+          <a:xfrm>
+            <a:off x="6606540" y="1691045"/>
+            <a:ext cx="236220" cy="338554"/>
+          </a:xfrm>
+          <a:prstGeom prst="rect">
+            <a:avLst/>
+          </a:prstGeom>
+          <a:noFill/>
+        </p:spPr>
+        <p:txBody>
+          <a:bodyPr wrap="square" rtlCol="0">
+            <a:spAutoFit/>
+          </a:bodyPr>
+          <a:lstStyle/>
+          <a:p>
+            <a:pPr algn="ctr"/>
+            <a:r>
+              <a:rPr kumimoji="1" lang="en-US" altLang="ko-KR" sz="1600" dirty="0">
+                <a:solidFill>
+                  <a:srgbClr val="FF0000"/>
+                </a:solidFill>
+                <a:latin typeface="Cascadia Code" pitchFamily="49" charset="0"/>
+                <a:ea typeface="Cascadia Code" pitchFamily="49" charset="0"/>
+                <a:cs typeface="Cascadia Code" pitchFamily="49" charset="0"/>
+              </a:rPr>
+              <a:t>n</a:t>
+            </a:r>
+            <a:endParaRPr kumimoji="1" lang="ko-KR" altLang="en-US" sz="1600" dirty="0">
+              <a:solidFill>
+                <a:srgbClr val="FF0000"/>
+              </a:solidFill>
+              <a:latin typeface="Cascadia Code" pitchFamily="49" charset="0"/>
+              <a:ea typeface="Cascadia Code" pitchFamily="49" charset="0"/>
+              <a:cs typeface="Cascadia Code" pitchFamily="49" charset="0"/>
+            </a:endParaRPr>
+          </a:p>
+        </p:txBody>
+      </p:sp>
+      <p:sp>
+        <p:nvSpPr>
+          <p:cNvPr id="7" name="TextBox 6">
+            <a:extLst>
+              <a:ext uri="{FF2B5EF4-FFF2-40B4-BE49-F238E27FC236}">
+                <a16:creationId xmlns:a16="http://schemas.microsoft.com/office/drawing/2014/main" id="{FEADA19A-3293-AC69-362E-5BB75D6DD353}"/>
+              </a:ext>
+            </a:extLst>
+          </p:cNvPr>
+          <p:cNvSpPr txBox="1"/>
+          <p:nvPr/>
+        </p:nvSpPr>
+        <p:spPr>
+          <a:xfrm>
+            <a:off x="6416040" y="1475601"/>
+            <a:ext cx="1089660" cy="276999"/>
+          </a:xfrm>
+          <a:prstGeom prst="rect">
+            <a:avLst/>
+          </a:prstGeom>
+          <a:noFill/>
+        </p:spPr>
+        <p:txBody>
+          <a:bodyPr wrap="square">
+            <a:spAutoFit/>
+          </a:bodyPr>
+          <a:lstStyle/>
+          <a:p>
+            <a:r>
+              <a:rPr kumimoji="1" lang="en-US" altLang="ko-KR" sz="1200" dirty="0">
+                <a:solidFill>
+                  <a:schemeClr val="tx1"/>
+                </a:solidFill>
+                <a:latin typeface="Cascadia Code" pitchFamily="49" charset="0"/>
+                <a:cs typeface="Cascadia Code" pitchFamily="49" charset="0"/>
+              </a:rPr>
+              <a:t>0x2000</a:t>
+            </a:r>
+            <a:endParaRPr lang="ko-KR" altLang="en-US" sz="1200" dirty="0"/>
+          </a:p>
+        </p:txBody>
+      </p:sp>
+      <p:sp>
+        <p:nvSpPr>
+          <p:cNvPr id="6" name="TextBox 5">
+            <a:extLst>
+              <a:ext uri="{FF2B5EF4-FFF2-40B4-BE49-F238E27FC236}">
+                <a16:creationId xmlns:a16="http://schemas.microsoft.com/office/drawing/2014/main" id="{3E42C2CB-AFB7-8050-6F79-73193AF9AC14}"/>
+              </a:ext>
+            </a:extLst>
+          </p:cNvPr>
+          <p:cNvSpPr txBox="1"/>
+          <p:nvPr/>
+        </p:nvSpPr>
+        <p:spPr>
+          <a:xfrm>
+            <a:off x="6416040" y="2027054"/>
+            <a:ext cx="426720" cy="338554"/>
+          </a:xfrm>
+          <a:prstGeom prst="rect">
+            <a:avLst/>
+          </a:prstGeom>
+          <a:noFill/>
+        </p:spPr>
+        <p:txBody>
+          <a:bodyPr wrap="square" rtlCol="0">
+            <a:spAutoFit/>
+          </a:bodyPr>
+          <a:lstStyle/>
+          <a:p>
+            <a:pPr algn="ctr"/>
+            <a:r>
+              <a:rPr kumimoji="1" lang="en-US" altLang="ko-KR" sz="1600" dirty="0" err="1">
+                <a:latin typeface="Cascadia Code" pitchFamily="49" charset="0"/>
+                <a:ea typeface="Cascadia Code" pitchFamily="49" charset="0"/>
+                <a:cs typeface="Cascadia Code" pitchFamily="49" charset="0"/>
+              </a:rPr>
+              <a:t>rn</a:t>
+            </a:r>
+            <a:endParaRPr kumimoji="1" lang="ko-KR" altLang="en-US" sz="1600" dirty="0">
+              <a:latin typeface="Cascadia Code" pitchFamily="49" charset="0"/>
+              <a:ea typeface="Cascadia Code" pitchFamily="49" charset="0"/>
+              <a:cs typeface="Cascadia Code" pitchFamily="49" charset="0"/>
+            </a:endParaRPr>
+          </a:p>
+        </p:txBody>
+      </p:sp>
+    </p:spTree>
+    <p:extLst>
+      <p:ext uri="{BB962C8B-B14F-4D97-AF65-F5344CB8AC3E}">
+        <p14:creationId xmlns:p14="http://schemas.microsoft.com/office/powerpoint/2010/main" val="528905071"/>
+      </p:ext>
+    </p:extLst>
+  </p:cSld>
+  <p:clrMapOvr>
+    <a:masterClrMapping/>
+  </p:clrMapOvr>
+</p:sld>
+</file>
+
+<file path=ppt/slides/slide9.xml><?xml version="1.0" encoding="utf-8"?>
+<p:sld xmlns:a="http://schemas.openxmlformats.org/drawingml/2006/main" xmlns:r="http://schemas.openxmlformats.org/officeDocument/2006/relationships" xmlns:p="http://schemas.openxmlformats.org/presentationml/2006/main">
+  <p:cSld>
+    <p:spTree>
+      <p:nvGrpSpPr>
+        <p:cNvPr id="1" name=""/>
+        <p:cNvGrpSpPr/>
+        <p:nvPr/>
+      </p:nvGrpSpPr>
+      <p:grpSpPr>
+        <a:xfrm>
+          <a:off x="0" y="0"/>
+          <a:ext cx="0" cy="0"/>
+          <a:chOff x="0" y="0"/>
+          <a:chExt cx="0" cy="0"/>
+        </a:xfrm>
+      </p:grpSpPr>
+      <p:sp>
+        <p:nvSpPr>
+          <p:cNvPr id="3" name="TextBox 2">
+            <a:extLst>
+              <a:ext uri="{FF2B5EF4-FFF2-40B4-BE49-F238E27FC236}">
+                <a16:creationId xmlns:a16="http://schemas.microsoft.com/office/drawing/2014/main" id="{C2EDBE95-6575-BEE5-5686-3B6D70F2F8CD}"/>
+              </a:ext>
+            </a:extLst>
+          </p:cNvPr>
+          <p:cNvSpPr txBox="1"/>
+          <p:nvPr/>
+        </p:nvSpPr>
+        <p:spPr>
+          <a:xfrm>
+            <a:off x="281940" y="608737"/>
+            <a:ext cx="4785360" cy="2585323"/>
+          </a:xfrm>
+          <a:prstGeom prst="rect">
+            <a:avLst/>
+          </a:prstGeom>
+          <a:noFill/>
+        </p:spPr>
+        <p:txBody>
+          <a:bodyPr wrap="square">
+            <a:spAutoFit/>
+          </a:bodyPr>
+          <a:lstStyle/>
+          <a:p>
+            <a:r>
+              <a:rPr lang="en-US" altLang="ko-KR" dirty="0">
+                <a:latin typeface="Cascadia Code" pitchFamily="49" charset="0"/>
+                <a:cs typeface="Cascadia Code" pitchFamily="49" charset="0"/>
+              </a:rPr>
+              <a:t>int n = 100;</a:t>
+            </a:r>
+          </a:p>
+          <a:p>
+            <a:endParaRPr lang="en-US" altLang="ko-KR" dirty="0">
+              <a:latin typeface="Cascadia Code" pitchFamily="49" charset="0"/>
+              <a:cs typeface="Cascadia Code" pitchFamily="49" charset="0"/>
+            </a:endParaRPr>
+          </a:p>
+          <a:p>
+            <a:r>
+              <a:rPr lang="en-US" altLang="ko-KR" dirty="0">
+                <a:latin typeface="Cascadia Code" pitchFamily="49" charset="0"/>
+                <a:cs typeface="Cascadia Code" pitchFamily="49" charset="0"/>
+              </a:rPr>
+              <a:t>int&amp; </a:t>
+            </a:r>
+            <a:r>
+              <a:rPr lang="en-US" altLang="ko-KR" dirty="0" err="1">
+                <a:latin typeface="Cascadia Code" pitchFamily="49" charset="0"/>
+                <a:cs typeface="Cascadia Code" pitchFamily="49" charset="0"/>
+              </a:rPr>
+              <a:t>rn</a:t>
+            </a:r>
+            <a:r>
+              <a:rPr lang="en-US" altLang="ko-KR" dirty="0">
+                <a:latin typeface="Cascadia Code" pitchFamily="49" charset="0"/>
+                <a:cs typeface="Cascadia Code" pitchFamily="49" charset="0"/>
+              </a:rPr>
+              <a:t> = n;</a:t>
+            </a:r>
+          </a:p>
+          <a:p>
+            <a:endParaRPr lang="en-US" altLang="ko-KR" dirty="0">
+              <a:latin typeface="Cascadia Code" pitchFamily="49" charset="0"/>
+              <a:cs typeface="Cascadia Code" pitchFamily="49" charset="0"/>
+            </a:endParaRPr>
+          </a:p>
+          <a:p>
+            <a:r>
+              <a:rPr lang="en-US" altLang="ko-KR" dirty="0" err="1">
+                <a:latin typeface="Cascadia Code" pitchFamily="49" charset="0"/>
+                <a:cs typeface="Cascadia Code" pitchFamily="49" charset="0"/>
+              </a:rPr>
+              <a:t>rn</a:t>
+            </a:r>
+            <a:r>
+              <a:rPr lang="en-US" altLang="ko-KR" dirty="0">
+                <a:latin typeface="Cascadia Code" pitchFamily="49" charset="0"/>
+                <a:cs typeface="Cascadia Code" pitchFamily="49" charset="0"/>
+              </a:rPr>
+              <a:t> = 42;</a:t>
+            </a:r>
+          </a:p>
+          <a:p>
+            <a:r>
+              <a:rPr lang="en-US" altLang="ko-KR" dirty="0">
+                <a:latin typeface="Cascadia Code" pitchFamily="49" charset="0"/>
+                <a:cs typeface="Cascadia Code" pitchFamily="49" charset="0"/>
+              </a:rPr>
+              <a:t>std::</a:t>
+            </a:r>
+            <a:r>
+              <a:rPr lang="en-US" altLang="ko-KR" dirty="0" err="1">
+                <a:latin typeface="Cascadia Code" pitchFamily="49" charset="0"/>
+                <a:cs typeface="Cascadia Code" pitchFamily="49" charset="0"/>
+              </a:rPr>
+              <a:t>cout</a:t>
+            </a:r>
+            <a:r>
+              <a:rPr lang="en-US" altLang="ko-KR" dirty="0">
+                <a:latin typeface="Cascadia Code" pitchFamily="49" charset="0"/>
+                <a:cs typeface="Cascadia Code" pitchFamily="49" charset="0"/>
+              </a:rPr>
+              <a:t> &lt;&lt; n &lt;&lt; std::</a:t>
+            </a:r>
+            <a:r>
+              <a:rPr lang="en-US" altLang="ko-KR" dirty="0" err="1">
+                <a:latin typeface="Cascadia Code" pitchFamily="49" charset="0"/>
+                <a:cs typeface="Cascadia Code" pitchFamily="49" charset="0"/>
+              </a:rPr>
+              <a:t>endl</a:t>
+            </a:r>
+            <a:r>
+              <a:rPr lang="en-US" altLang="ko-KR" dirty="0">
+                <a:latin typeface="Cascadia Code" pitchFamily="49" charset="0"/>
+                <a:cs typeface="Cascadia Code" pitchFamily="49" charset="0"/>
+              </a:rPr>
+              <a:t>;</a:t>
+            </a:r>
+          </a:p>
+          <a:p>
+            <a:endParaRPr lang="en-US" altLang="ko-KR" dirty="0">
+              <a:latin typeface="Cascadia Code" pitchFamily="49" charset="0"/>
+              <a:cs typeface="Cascadia Code" pitchFamily="49" charset="0"/>
+            </a:endParaRPr>
+          </a:p>
+          <a:p>
+            <a:r>
+              <a:rPr lang="en-US" altLang="ko-KR" dirty="0">
+                <a:solidFill>
+                  <a:srgbClr val="FF0000"/>
+                </a:solidFill>
+                <a:latin typeface="Cascadia Code" pitchFamily="49" charset="0"/>
+                <a:cs typeface="Cascadia Code" pitchFamily="49" charset="0"/>
+              </a:rPr>
+              <a:t>n = 200;</a:t>
+            </a:r>
+          </a:p>
+          <a:p>
+            <a:r>
+              <a:rPr lang="en-US" altLang="ko-KR" dirty="0">
+                <a:solidFill>
+                  <a:srgbClr val="FF0000"/>
+                </a:solidFill>
+                <a:latin typeface="Cascadia Code" pitchFamily="49" charset="0"/>
+                <a:cs typeface="Cascadia Code" pitchFamily="49" charset="0"/>
+              </a:rPr>
+              <a:t>std::</a:t>
+            </a:r>
+            <a:r>
+              <a:rPr lang="en-US" altLang="ko-KR" dirty="0" err="1">
+                <a:solidFill>
+                  <a:srgbClr val="FF0000"/>
+                </a:solidFill>
+                <a:latin typeface="Cascadia Code" pitchFamily="49" charset="0"/>
+                <a:cs typeface="Cascadia Code" pitchFamily="49" charset="0"/>
+              </a:rPr>
+              <a:t>cout</a:t>
+            </a:r>
+            <a:r>
+              <a:rPr lang="en-US" altLang="ko-KR" dirty="0">
+                <a:solidFill>
+                  <a:srgbClr val="FF0000"/>
+                </a:solidFill>
+                <a:latin typeface="Cascadia Code" pitchFamily="49" charset="0"/>
+                <a:cs typeface="Cascadia Code" pitchFamily="49" charset="0"/>
+              </a:rPr>
+              <a:t> &lt;&lt; </a:t>
+            </a:r>
+            <a:r>
+              <a:rPr lang="en-US" altLang="ko-KR" dirty="0" err="1">
+                <a:solidFill>
+                  <a:srgbClr val="FF0000"/>
+                </a:solidFill>
+                <a:latin typeface="Cascadia Code" pitchFamily="49" charset="0"/>
+                <a:cs typeface="Cascadia Code" pitchFamily="49" charset="0"/>
+              </a:rPr>
+              <a:t>rn</a:t>
+            </a:r>
+            <a:r>
+              <a:rPr lang="en-US" altLang="ko-KR" dirty="0">
+                <a:solidFill>
+                  <a:srgbClr val="FF0000"/>
+                </a:solidFill>
+                <a:latin typeface="Cascadia Code" pitchFamily="49" charset="0"/>
+                <a:cs typeface="Cascadia Code" pitchFamily="49" charset="0"/>
+              </a:rPr>
+              <a:t> &lt;&lt; std::</a:t>
+            </a:r>
+            <a:r>
+              <a:rPr lang="en-US" altLang="ko-KR" dirty="0" err="1">
+                <a:solidFill>
+                  <a:srgbClr val="FF0000"/>
+                </a:solidFill>
+                <a:latin typeface="Cascadia Code" pitchFamily="49" charset="0"/>
+                <a:cs typeface="Cascadia Code" pitchFamily="49" charset="0"/>
+              </a:rPr>
+              <a:t>endl</a:t>
+            </a:r>
+            <a:r>
+              <a:rPr lang="en-US" altLang="ko-KR" dirty="0">
+                <a:solidFill>
+                  <a:srgbClr val="FF0000"/>
+                </a:solidFill>
+                <a:latin typeface="Cascadia Code" pitchFamily="49" charset="0"/>
+                <a:cs typeface="Cascadia Code" pitchFamily="49" charset="0"/>
+              </a:rPr>
+              <a:t>;</a:t>
+            </a:r>
+            <a:endParaRPr lang="ko-KR" altLang="en-US" dirty="0">
+              <a:solidFill>
+                <a:srgbClr val="FF0000"/>
+              </a:solidFill>
+              <a:latin typeface="Cascadia Code" pitchFamily="49" charset="0"/>
+              <a:cs typeface="Cascadia Code" pitchFamily="49" charset="0"/>
+            </a:endParaRPr>
+          </a:p>
+        </p:txBody>
+      </p:sp>
+      <p:sp>
+        <p:nvSpPr>
+          <p:cNvPr id="4" name="직사각형 3">
+            <a:extLst>
+              <a:ext uri="{FF2B5EF4-FFF2-40B4-BE49-F238E27FC236}">
+                <a16:creationId xmlns:a16="http://schemas.microsoft.com/office/drawing/2014/main" id="{23928E8E-5638-E01A-614B-B6065F23E918}"/>
+              </a:ext>
+            </a:extLst>
+          </p:cNvPr>
+          <p:cNvSpPr/>
+          <p:nvPr/>
+        </p:nvSpPr>
+        <p:spPr>
+          <a:xfrm>
+            <a:off x="6842760" y="1752600"/>
+            <a:ext cx="1120140" cy="610463"/>
+          </a:xfrm>
+          <a:prstGeom prst="rect">
+            <a:avLst/>
+          </a:prstGeom>
+          <a:solidFill>
+            <a:srgbClr val="FFFF00"/>
+          </a:solidFill>
+        </p:spPr>
+        <p:style>
+          <a:lnRef idx="2">
+            <a:schemeClr val="accent1">
+              <a:shade val="15000"/>
+            </a:schemeClr>
+          </a:lnRef>
+          <a:fillRef idx="1">
+            <a:schemeClr val="accent1"/>
+          </a:fillRef>
+          <a:effectRef idx="0">
+            <a:schemeClr val="accent1"/>
+          </a:effectRef>
+          <a:fontRef idx="minor">
+            <a:schemeClr val="lt1"/>
+          </a:fontRef>
+        </p:style>
+        <p:txBody>
+          <a:bodyPr rtlCol="0" anchor="ctr"/>
+          <a:lstStyle/>
+          <a:p>
+            <a:pPr algn="ctr"/>
+            <a:r>
+              <a:rPr kumimoji="1" lang="en-US" altLang="ko-KR" sz="1600" dirty="0">
+                <a:solidFill>
+                  <a:srgbClr val="FF0000"/>
+                </a:solidFill>
+                <a:latin typeface="Cascadia Code" pitchFamily="49" charset="0"/>
+                <a:cs typeface="Cascadia Code" pitchFamily="49" charset="0"/>
+              </a:rPr>
+              <a:t>200</a:t>
+            </a:r>
+            <a:endParaRPr kumimoji="1" lang="ko-KR" altLang="en-US" sz="1600" dirty="0">
+              <a:solidFill>
+                <a:srgbClr val="FF0000"/>
+              </a:solidFill>
+              <a:latin typeface="Cascadia Code" pitchFamily="49" charset="0"/>
+              <a:cs typeface="Cascadia Code" pitchFamily="49" charset="0"/>
+            </a:endParaRPr>
+          </a:p>
+        </p:txBody>
+      </p:sp>
+      <p:sp>
+        <p:nvSpPr>
+          <p:cNvPr id="5" name="TextBox 4">
+            <a:extLst>
+              <a:ext uri="{FF2B5EF4-FFF2-40B4-BE49-F238E27FC236}">
+                <a16:creationId xmlns:a16="http://schemas.microsoft.com/office/drawing/2014/main" id="{768E307F-81A5-FA04-96B9-8CD0C767A005}"/>
+              </a:ext>
+            </a:extLst>
+          </p:cNvPr>
+          <p:cNvSpPr txBox="1"/>
+          <p:nvPr/>
+        </p:nvSpPr>
+        <p:spPr>
+          <a:xfrm>
+            <a:off x="6606540" y="1691045"/>
+            <a:ext cx="236220" cy="338554"/>
+          </a:xfrm>
+          <a:prstGeom prst="rect">
+            <a:avLst/>
+          </a:prstGeom>
+          <a:noFill/>
+        </p:spPr>
+        <p:txBody>
+          <a:bodyPr wrap="square" rtlCol="0">
+            <a:spAutoFit/>
+          </a:bodyPr>
+          <a:lstStyle/>
+          <a:p>
+            <a:pPr algn="ctr"/>
+            <a:r>
+              <a:rPr kumimoji="1" lang="en-US" altLang="ko-KR" sz="1600" dirty="0">
+                <a:solidFill>
+                  <a:srgbClr val="FF0000"/>
+                </a:solidFill>
+                <a:latin typeface="Cascadia Code" pitchFamily="49" charset="0"/>
+                <a:ea typeface="Cascadia Code" pitchFamily="49" charset="0"/>
+                <a:cs typeface="Cascadia Code" pitchFamily="49" charset="0"/>
+              </a:rPr>
+              <a:t>n</a:t>
+            </a:r>
+            <a:endParaRPr kumimoji="1" lang="ko-KR" altLang="en-US" sz="1600" dirty="0">
+              <a:solidFill>
+                <a:srgbClr val="FF0000"/>
+              </a:solidFill>
+              <a:latin typeface="Cascadia Code" pitchFamily="49" charset="0"/>
+              <a:ea typeface="Cascadia Code" pitchFamily="49" charset="0"/>
+              <a:cs typeface="Cascadia Code" pitchFamily="49" charset="0"/>
+            </a:endParaRPr>
+          </a:p>
+        </p:txBody>
+      </p:sp>
+      <p:sp>
+        <p:nvSpPr>
+          <p:cNvPr id="7" name="TextBox 6">
+            <a:extLst>
+              <a:ext uri="{FF2B5EF4-FFF2-40B4-BE49-F238E27FC236}">
+                <a16:creationId xmlns:a16="http://schemas.microsoft.com/office/drawing/2014/main" id="{FEADA19A-3293-AC69-362E-5BB75D6DD353}"/>
+              </a:ext>
+            </a:extLst>
+          </p:cNvPr>
+          <p:cNvSpPr txBox="1"/>
+          <p:nvPr/>
+        </p:nvSpPr>
+        <p:spPr>
+          <a:xfrm>
+            <a:off x="6416040" y="1475601"/>
+            <a:ext cx="1089660" cy="276999"/>
+          </a:xfrm>
+          <a:prstGeom prst="rect">
+            <a:avLst/>
+          </a:prstGeom>
+          <a:noFill/>
+        </p:spPr>
+        <p:txBody>
+          <a:bodyPr wrap="square">
+            <a:spAutoFit/>
+          </a:bodyPr>
+          <a:lstStyle/>
+          <a:p>
+            <a:r>
+              <a:rPr kumimoji="1" lang="en-US" altLang="ko-KR" sz="1200" dirty="0">
+                <a:solidFill>
+                  <a:schemeClr val="tx1"/>
+                </a:solidFill>
+                <a:latin typeface="Cascadia Code" pitchFamily="49" charset="0"/>
+                <a:cs typeface="Cascadia Code" pitchFamily="49" charset="0"/>
+              </a:rPr>
+              <a:t>0x2000</a:t>
+            </a:r>
+            <a:endParaRPr lang="ko-KR" altLang="en-US" sz="1200" dirty="0"/>
+          </a:p>
+        </p:txBody>
+      </p:sp>
+      <p:sp>
+        <p:nvSpPr>
+          <p:cNvPr id="6" name="TextBox 5">
+            <a:extLst>
+              <a:ext uri="{FF2B5EF4-FFF2-40B4-BE49-F238E27FC236}">
+                <a16:creationId xmlns:a16="http://schemas.microsoft.com/office/drawing/2014/main" id="{3E42C2CB-AFB7-8050-6F79-73193AF9AC14}"/>
+              </a:ext>
+            </a:extLst>
+          </p:cNvPr>
+          <p:cNvSpPr txBox="1"/>
+          <p:nvPr/>
+        </p:nvSpPr>
+        <p:spPr>
+          <a:xfrm>
+            <a:off x="6416040" y="2027054"/>
+            <a:ext cx="426720" cy="338554"/>
+          </a:xfrm>
+          <a:prstGeom prst="rect">
+            <a:avLst/>
+          </a:prstGeom>
+          <a:noFill/>
+        </p:spPr>
+        <p:txBody>
+          <a:bodyPr wrap="square" rtlCol="0">
+            <a:spAutoFit/>
+          </a:bodyPr>
+          <a:lstStyle/>
+          <a:p>
+            <a:pPr algn="ctr"/>
+            <a:r>
+              <a:rPr kumimoji="1" lang="en-US" altLang="ko-KR" sz="1600" dirty="0" err="1">
+                <a:solidFill>
+                  <a:srgbClr val="FF0000"/>
+                </a:solidFill>
+                <a:latin typeface="Cascadia Code" pitchFamily="49" charset="0"/>
+                <a:ea typeface="Cascadia Code" pitchFamily="49" charset="0"/>
+                <a:cs typeface="Cascadia Code" pitchFamily="49" charset="0"/>
+              </a:rPr>
+              <a:t>rn</a:t>
+            </a:r>
+            <a:endParaRPr kumimoji="1" lang="ko-KR" altLang="en-US" sz="1600" dirty="0">
+              <a:solidFill>
+                <a:srgbClr val="FF0000"/>
+              </a:solidFill>
+              <a:latin typeface="Cascadia Code" pitchFamily="49" charset="0"/>
+              <a:ea typeface="Cascadia Code" pitchFamily="49" charset="0"/>
+              <a:cs typeface="Cascadia Code" pitchFamily="49" charset="0"/>
+            </a:endParaRPr>
+          </a:p>
+        </p:txBody>
+      </p:sp>
+    </p:spTree>
+    <p:extLst>
+      <p:ext uri="{BB962C8B-B14F-4D97-AF65-F5344CB8AC3E}">
+        <p14:creationId xmlns:p14="http://schemas.microsoft.com/office/powerpoint/2010/main" val="2727578914"/>
       </p:ext>
     </p:extLst>
   </p:cSld>

--- a/cpp_240708.pptx
+++ b/cpp_240708.pptx
@@ -14,6 +14,14 @@
     <p:sldId id="262" r:id="rId8"/>
     <p:sldId id="263" r:id="rId9"/>
     <p:sldId id="264" r:id="rId10"/>
+    <p:sldId id="265" r:id="rId11"/>
+    <p:sldId id="266" r:id="rId12"/>
+    <p:sldId id="267" r:id="rId13"/>
+    <p:sldId id="268" r:id="rId14"/>
+    <p:sldId id="269" r:id="rId15"/>
+    <p:sldId id="270" r:id="rId16"/>
+    <p:sldId id="271" r:id="rId17"/>
+    <p:sldId id="272" r:id="rId18"/>
   </p:sldIdLst>
   <p:sldSz cx="12192000" cy="6858000"/>
   <p:notesSz cx="6858000" cy="9144000"/>
@@ -3712,6 +3720,5913 @@
     <p:extLst>
       <p:ext uri="{BB962C8B-B14F-4D97-AF65-F5344CB8AC3E}">
         <p14:creationId xmlns:p14="http://schemas.microsoft.com/office/powerpoint/2010/main" val="3445630556"/>
+      </p:ext>
+    </p:extLst>
+  </p:cSld>
+  <p:clrMapOvr>
+    <a:masterClrMapping/>
+  </p:clrMapOvr>
+</p:sld>
+</file>
+
+<file path=ppt/slides/slide10.xml><?xml version="1.0" encoding="utf-8"?>
+<p:sld xmlns:a="http://schemas.openxmlformats.org/drawingml/2006/main" xmlns:r="http://schemas.openxmlformats.org/officeDocument/2006/relationships" xmlns:p="http://schemas.openxmlformats.org/presentationml/2006/main">
+  <p:cSld>
+    <p:spTree>
+      <p:nvGrpSpPr>
+        <p:cNvPr id="1" name=""/>
+        <p:cNvGrpSpPr/>
+        <p:nvPr/>
+      </p:nvGrpSpPr>
+      <p:grpSpPr>
+        <a:xfrm>
+          <a:off x="0" y="0"/>
+          <a:ext cx="0" cy="0"/>
+          <a:chOff x="0" y="0"/>
+          <a:chExt cx="0" cy="0"/>
+        </a:xfrm>
+      </p:grpSpPr>
+      <p:sp>
+        <p:nvSpPr>
+          <p:cNvPr id="5" name="TextBox 4">
+            <a:extLst>
+              <a:ext uri="{FF2B5EF4-FFF2-40B4-BE49-F238E27FC236}">
+                <a16:creationId xmlns:a16="http://schemas.microsoft.com/office/drawing/2014/main" id="{872A3B39-03C4-8246-D0A3-C0F1B2CF91B8}"/>
+              </a:ext>
+            </a:extLst>
+          </p:cNvPr>
+          <p:cNvSpPr txBox="1"/>
+          <p:nvPr/>
+        </p:nvSpPr>
+        <p:spPr>
+          <a:xfrm>
+            <a:off x="572654" y="522421"/>
+            <a:ext cx="6096000" cy="3416320"/>
+          </a:xfrm>
+          <a:prstGeom prst="rect">
+            <a:avLst/>
+          </a:prstGeom>
+          <a:noFill/>
+        </p:spPr>
+        <p:txBody>
+          <a:bodyPr wrap="square">
+            <a:spAutoFit/>
+          </a:bodyPr>
+          <a:lstStyle/>
+          <a:p>
+            <a:r>
+              <a:rPr lang="ko-KR" altLang="en-US" dirty="0" err="1">
+                <a:latin typeface="Cascadia Code" pitchFamily="49" charset="0"/>
+                <a:cs typeface="Cascadia Code" pitchFamily="49" charset="0"/>
+              </a:rPr>
+              <a:t>void</a:t>
+            </a:r>
+            <a:r>
+              <a:rPr lang="ko-KR" altLang="en-US" dirty="0">
+                <a:latin typeface="Cascadia Code" pitchFamily="49" charset="0"/>
+                <a:cs typeface="Cascadia Code" pitchFamily="49" charset="0"/>
+              </a:rPr>
+              <a:t> </a:t>
+            </a:r>
+            <a:r>
+              <a:rPr lang="ko-KR" altLang="en-US" dirty="0" err="1">
+                <a:latin typeface="Cascadia Code" pitchFamily="49" charset="0"/>
+                <a:cs typeface="Cascadia Code" pitchFamily="49" charset="0"/>
+              </a:rPr>
+              <a:t>increment</a:t>
+            </a:r>
+            <a:r>
+              <a:rPr lang="ko-KR" altLang="en-US" dirty="0">
+                <a:latin typeface="Cascadia Code" pitchFamily="49" charset="0"/>
+                <a:cs typeface="Cascadia Code" pitchFamily="49" charset="0"/>
+              </a:rPr>
+              <a:t>(</a:t>
+            </a:r>
+            <a:r>
+              <a:rPr lang="ko-KR" altLang="en-US" dirty="0" err="1">
+                <a:latin typeface="Cascadia Code" pitchFamily="49" charset="0"/>
+                <a:cs typeface="Cascadia Code" pitchFamily="49" charset="0"/>
+              </a:rPr>
+              <a:t>int</a:t>
+            </a:r>
+            <a:r>
+              <a:rPr lang="ko-KR" altLang="en-US" dirty="0">
+                <a:latin typeface="Cascadia Code" pitchFamily="49" charset="0"/>
+                <a:cs typeface="Cascadia Code" pitchFamily="49" charset="0"/>
+              </a:rPr>
+              <a:t> </a:t>
+            </a:r>
+            <a:r>
+              <a:rPr lang="ko-KR" altLang="en-US" dirty="0" err="1">
+                <a:latin typeface="Cascadia Code" pitchFamily="49" charset="0"/>
+                <a:cs typeface="Cascadia Code" pitchFamily="49" charset="0"/>
+              </a:rPr>
+              <a:t>x</a:t>
+            </a:r>
+            <a:r>
+              <a:rPr lang="ko-KR" altLang="en-US" dirty="0">
+                <a:latin typeface="Cascadia Code" pitchFamily="49" charset="0"/>
+                <a:cs typeface="Cascadia Code" pitchFamily="49" charset="0"/>
+              </a:rPr>
+              <a:t>)</a:t>
+            </a:r>
+          </a:p>
+          <a:p>
+            <a:r>
+              <a:rPr lang="ko-KR" altLang="en-US" dirty="0">
+                <a:latin typeface="Cascadia Code" pitchFamily="49" charset="0"/>
+                <a:cs typeface="Cascadia Code" pitchFamily="49" charset="0"/>
+              </a:rPr>
+              <a:t>{</a:t>
+            </a:r>
+          </a:p>
+          <a:p>
+            <a:r>
+              <a:rPr lang="ko-KR" altLang="en-US" dirty="0">
+                <a:latin typeface="Cascadia Code" pitchFamily="49" charset="0"/>
+                <a:cs typeface="Cascadia Code" pitchFamily="49" charset="0"/>
+              </a:rPr>
+              <a:t>    ++</a:t>
+            </a:r>
+            <a:r>
+              <a:rPr lang="ko-KR" altLang="en-US" dirty="0" err="1">
+                <a:latin typeface="Cascadia Code" pitchFamily="49" charset="0"/>
+                <a:cs typeface="Cascadia Code" pitchFamily="49" charset="0"/>
+              </a:rPr>
+              <a:t>x</a:t>
+            </a:r>
+            <a:r>
+              <a:rPr lang="ko-KR" altLang="en-US" dirty="0">
+                <a:latin typeface="Cascadia Code" pitchFamily="49" charset="0"/>
+                <a:cs typeface="Cascadia Code" pitchFamily="49" charset="0"/>
+              </a:rPr>
+              <a:t>;</a:t>
+            </a:r>
+          </a:p>
+          <a:p>
+            <a:r>
+              <a:rPr lang="ko-KR" altLang="en-US" dirty="0">
+                <a:latin typeface="Cascadia Code" pitchFamily="49" charset="0"/>
+                <a:cs typeface="Cascadia Code" pitchFamily="49" charset="0"/>
+              </a:rPr>
+              <a:t>}</a:t>
+            </a:r>
+          </a:p>
+          <a:p>
+            <a:endParaRPr lang="ko-KR" altLang="en-US" dirty="0">
+              <a:latin typeface="Cascadia Code" pitchFamily="49" charset="0"/>
+              <a:cs typeface="Cascadia Code" pitchFamily="49" charset="0"/>
+            </a:endParaRPr>
+          </a:p>
+          <a:p>
+            <a:r>
+              <a:rPr lang="ko-KR" altLang="en-US" dirty="0" err="1">
+                <a:latin typeface="Cascadia Code" pitchFamily="49" charset="0"/>
+                <a:cs typeface="Cascadia Code" pitchFamily="49" charset="0"/>
+              </a:rPr>
+              <a:t>int</a:t>
+            </a:r>
+            <a:r>
+              <a:rPr lang="ko-KR" altLang="en-US" dirty="0">
+                <a:latin typeface="Cascadia Code" pitchFamily="49" charset="0"/>
+                <a:cs typeface="Cascadia Code" pitchFamily="49" charset="0"/>
+              </a:rPr>
+              <a:t> </a:t>
+            </a:r>
+            <a:r>
+              <a:rPr lang="ko-KR" altLang="en-US" dirty="0" err="1">
+                <a:latin typeface="Cascadia Code" pitchFamily="49" charset="0"/>
+                <a:cs typeface="Cascadia Code" pitchFamily="49" charset="0"/>
+              </a:rPr>
+              <a:t>main</a:t>
+            </a:r>
+            <a:r>
+              <a:rPr lang="ko-KR" altLang="en-US" dirty="0">
+                <a:latin typeface="Cascadia Code" pitchFamily="49" charset="0"/>
+                <a:cs typeface="Cascadia Code" pitchFamily="49" charset="0"/>
+              </a:rPr>
+              <a:t>()</a:t>
+            </a:r>
+          </a:p>
+          <a:p>
+            <a:r>
+              <a:rPr lang="ko-KR" altLang="en-US" dirty="0">
+                <a:latin typeface="Cascadia Code" pitchFamily="49" charset="0"/>
+                <a:cs typeface="Cascadia Code" pitchFamily="49" charset="0"/>
+              </a:rPr>
+              <a:t>{</a:t>
+            </a:r>
+          </a:p>
+          <a:p>
+            <a:r>
+              <a:rPr lang="ko-KR" altLang="en-US" dirty="0">
+                <a:solidFill>
+                  <a:srgbClr val="FF0000"/>
+                </a:solidFill>
+                <a:latin typeface="Cascadia Code" pitchFamily="49" charset="0"/>
+                <a:cs typeface="Cascadia Code" pitchFamily="49" charset="0"/>
+              </a:rPr>
+              <a:t>    </a:t>
+            </a:r>
+            <a:r>
+              <a:rPr lang="ko-KR" altLang="en-US" dirty="0" err="1">
+                <a:solidFill>
+                  <a:srgbClr val="FF0000"/>
+                </a:solidFill>
+                <a:latin typeface="Cascadia Code" pitchFamily="49" charset="0"/>
+                <a:cs typeface="Cascadia Code" pitchFamily="49" charset="0"/>
+              </a:rPr>
+              <a:t>int</a:t>
+            </a:r>
+            <a:r>
+              <a:rPr lang="ko-KR" altLang="en-US" dirty="0">
+                <a:solidFill>
+                  <a:srgbClr val="FF0000"/>
+                </a:solidFill>
+                <a:latin typeface="Cascadia Code" pitchFamily="49" charset="0"/>
+                <a:cs typeface="Cascadia Code" pitchFamily="49" charset="0"/>
+              </a:rPr>
+              <a:t> </a:t>
+            </a:r>
+            <a:r>
+              <a:rPr lang="ko-KR" altLang="en-US" dirty="0" err="1">
+                <a:solidFill>
+                  <a:srgbClr val="FF0000"/>
+                </a:solidFill>
+                <a:latin typeface="Cascadia Code" pitchFamily="49" charset="0"/>
+                <a:cs typeface="Cascadia Code" pitchFamily="49" charset="0"/>
+              </a:rPr>
+              <a:t>n</a:t>
+            </a:r>
+            <a:r>
+              <a:rPr lang="ko-KR" altLang="en-US" dirty="0">
+                <a:solidFill>
+                  <a:srgbClr val="FF0000"/>
+                </a:solidFill>
+                <a:latin typeface="Cascadia Code" pitchFamily="49" charset="0"/>
+                <a:cs typeface="Cascadia Code" pitchFamily="49" charset="0"/>
+              </a:rPr>
+              <a:t> = 10;</a:t>
+            </a:r>
+          </a:p>
+          <a:p>
+            <a:r>
+              <a:rPr lang="ko-KR" altLang="en-US" dirty="0">
+                <a:latin typeface="Cascadia Code" pitchFamily="49" charset="0"/>
+                <a:cs typeface="Cascadia Code" pitchFamily="49" charset="0"/>
+              </a:rPr>
+              <a:t>    </a:t>
+            </a:r>
+            <a:r>
+              <a:rPr lang="ko-KR" altLang="en-US" dirty="0" err="1">
+                <a:latin typeface="Cascadia Code" pitchFamily="49" charset="0"/>
+                <a:cs typeface="Cascadia Code" pitchFamily="49" charset="0"/>
+              </a:rPr>
+              <a:t>increment</a:t>
+            </a:r>
+            <a:r>
+              <a:rPr lang="ko-KR" altLang="en-US" dirty="0">
+                <a:latin typeface="Cascadia Code" pitchFamily="49" charset="0"/>
+                <a:cs typeface="Cascadia Code" pitchFamily="49" charset="0"/>
+              </a:rPr>
+              <a:t>(</a:t>
+            </a:r>
+            <a:r>
+              <a:rPr lang="ko-KR" altLang="en-US" dirty="0" err="1">
+                <a:latin typeface="Cascadia Code" pitchFamily="49" charset="0"/>
+                <a:cs typeface="Cascadia Code" pitchFamily="49" charset="0"/>
+              </a:rPr>
+              <a:t>n</a:t>
+            </a:r>
+            <a:r>
+              <a:rPr lang="ko-KR" altLang="en-US" dirty="0">
+                <a:latin typeface="Cascadia Code" pitchFamily="49" charset="0"/>
+                <a:cs typeface="Cascadia Code" pitchFamily="49" charset="0"/>
+              </a:rPr>
+              <a:t>);</a:t>
+            </a:r>
+          </a:p>
+          <a:p>
+            <a:endParaRPr lang="ko-KR" altLang="en-US" dirty="0">
+              <a:latin typeface="Cascadia Code" pitchFamily="49" charset="0"/>
+              <a:cs typeface="Cascadia Code" pitchFamily="49" charset="0"/>
+            </a:endParaRPr>
+          </a:p>
+          <a:p>
+            <a:r>
+              <a:rPr lang="ko-KR" altLang="en-US" dirty="0">
+                <a:latin typeface="Cascadia Code" pitchFamily="49" charset="0"/>
+                <a:cs typeface="Cascadia Code" pitchFamily="49" charset="0"/>
+              </a:rPr>
+              <a:t>    </a:t>
+            </a:r>
+            <a:r>
+              <a:rPr lang="ko-KR" altLang="en-US" dirty="0" err="1">
+                <a:latin typeface="Cascadia Code" pitchFamily="49" charset="0"/>
+                <a:cs typeface="Cascadia Code" pitchFamily="49" charset="0"/>
+              </a:rPr>
+              <a:t>std</a:t>
+            </a:r>
+            <a:r>
+              <a:rPr lang="ko-KR" altLang="en-US" dirty="0">
+                <a:latin typeface="Cascadia Code" pitchFamily="49" charset="0"/>
+                <a:cs typeface="Cascadia Code" pitchFamily="49" charset="0"/>
+              </a:rPr>
+              <a:t>::</a:t>
+            </a:r>
+            <a:r>
+              <a:rPr lang="ko-KR" altLang="en-US" dirty="0" err="1">
+                <a:latin typeface="Cascadia Code" pitchFamily="49" charset="0"/>
+                <a:cs typeface="Cascadia Code" pitchFamily="49" charset="0"/>
+              </a:rPr>
+              <a:t>cout</a:t>
+            </a:r>
+            <a:r>
+              <a:rPr lang="ko-KR" altLang="en-US" dirty="0">
+                <a:latin typeface="Cascadia Code" pitchFamily="49" charset="0"/>
+                <a:cs typeface="Cascadia Code" pitchFamily="49" charset="0"/>
+              </a:rPr>
+              <a:t> &lt;&lt; </a:t>
+            </a:r>
+            <a:r>
+              <a:rPr lang="ko-KR" altLang="en-US" dirty="0" err="1">
+                <a:latin typeface="Cascadia Code" pitchFamily="49" charset="0"/>
+                <a:cs typeface="Cascadia Code" pitchFamily="49" charset="0"/>
+              </a:rPr>
+              <a:t>n</a:t>
+            </a:r>
+            <a:r>
+              <a:rPr lang="ko-KR" altLang="en-US" dirty="0">
+                <a:latin typeface="Cascadia Code" pitchFamily="49" charset="0"/>
+                <a:cs typeface="Cascadia Code" pitchFamily="49" charset="0"/>
+              </a:rPr>
+              <a:t> &lt;&lt; </a:t>
+            </a:r>
+            <a:r>
+              <a:rPr lang="ko-KR" altLang="en-US" dirty="0" err="1">
+                <a:latin typeface="Cascadia Code" pitchFamily="49" charset="0"/>
+                <a:cs typeface="Cascadia Code" pitchFamily="49" charset="0"/>
+              </a:rPr>
+              <a:t>std</a:t>
+            </a:r>
+            <a:r>
+              <a:rPr lang="ko-KR" altLang="en-US" dirty="0">
+                <a:latin typeface="Cascadia Code" pitchFamily="49" charset="0"/>
+                <a:cs typeface="Cascadia Code" pitchFamily="49" charset="0"/>
+              </a:rPr>
+              <a:t>::</a:t>
+            </a:r>
+            <a:r>
+              <a:rPr lang="ko-KR" altLang="en-US" dirty="0" err="1">
+                <a:latin typeface="Cascadia Code" pitchFamily="49" charset="0"/>
+                <a:cs typeface="Cascadia Code" pitchFamily="49" charset="0"/>
+              </a:rPr>
+              <a:t>endl</a:t>
+            </a:r>
+            <a:r>
+              <a:rPr lang="ko-KR" altLang="en-US" dirty="0">
+                <a:latin typeface="Cascadia Code" pitchFamily="49" charset="0"/>
+                <a:cs typeface="Cascadia Code" pitchFamily="49" charset="0"/>
+              </a:rPr>
+              <a:t>;</a:t>
+            </a:r>
+          </a:p>
+          <a:p>
+            <a:r>
+              <a:rPr lang="ko-KR" altLang="en-US" dirty="0">
+                <a:latin typeface="Cascadia Code" pitchFamily="49" charset="0"/>
+                <a:cs typeface="Cascadia Code" pitchFamily="49" charset="0"/>
+              </a:rPr>
+              <a:t>}</a:t>
+            </a:r>
+          </a:p>
+        </p:txBody>
+      </p:sp>
+      <p:sp>
+        <p:nvSpPr>
+          <p:cNvPr id="6" name="직사각형 5">
+            <a:extLst>
+              <a:ext uri="{FF2B5EF4-FFF2-40B4-BE49-F238E27FC236}">
+                <a16:creationId xmlns:a16="http://schemas.microsoft.com/office/drawing/2014/main" id="{8A4CE615-C745-E6A9-9D3C-C28D50BF4004}"/>
+              </a:ext>
+            </a:extLst>
+          </p:cNvPr>
+          <p:cNvSpPr/>
+          <p:nvPr/>
+        </p:nvSpPr>
+        <p:spPr>
+          <a:xfrm>
+            <a:off x="1385454" y="4516016"/>
+            <a:ext cx="3870037" cy="1819563"/>
+          </a:xfrm>
+          <a:prstGeom prst="rect">
+            <a:avLst/>
+          </a:prstGeom>
+          <a:solidFill>
+            <a:schemeClr val="bg1"/>
+          </a:solidFill>
+        </p:spPr>
+        <p:style>
+          <a:lnRef idx="2">
+            <a:schemeClr val="accent1">
+              <a:shade val="15000"/>
+            </a:schemeClr>
+          </a:lnRef>
+          <a:fillRef idx="1">
+            <a:schemeClr val="accent1"/>
+          </a:fillRef>
+          <a:effectRef idx="0">
+            <a:schemeClr val="accent1"/>
+          </a:effectRef>
+          <a:fontRef idx="minor">
+            <a:schemeClr val="lt1"/>
+          </a:fontRef>
+        </p:style>
+        <p:txBody>
+          <a:bodyPr rtlCol="0" anchor="ctr"/>
+          <a:lstStyle/>
+          <a:p>
+            <a:pPr algn="ctr"/>
+            <a:endParaRPr kumimoji="1" lang="ko-KR" altLang="en-US" sz="1600" dirty="0">
+              <a:solidFill>
+                <a:schemeClr val="tx1"/>
+              </a:solidFill>
+              <a:latin typeface="Cascadia Code" pitchFamily="49" charset="0"/>
+              <a:cs typeface="Cascadia Code" pitchFamily="49" charset="0"/>
+            </a:endParaRPr>
+          </a:p>
+        </p:txBody>
+      </p:sp>
+      <p:sp>
+        <p:nvSpPr>
+          <p:cNvPr id="8" name="TextBox 7">
+            <a:extLst>
+              <a:ext uri="{FF2B5EF4-FFF2-40B4-BE49-F238E27FC236}">
+                <a16:creationId xmlns:a16="http://schemas.microsoft.com/office/drawing/2014/main" id="{B4CF22DA-3D8E-BF3B-D329-EFD0B396FA87}"/>
+              </a:ext>
+            </a:extLst>
+          </p:cNvPr>
+          <p:cNvSpPr txBox="1"/>
+          <p:nvPr/>
+        </p:nvSpPr>
+        <p:spPr>
+          <a:xfrm>
+            <a:off x="2724726" y="4146684"/>
+            <a:ext cx="1191491" cy="369332"/>
+          </a:xfrm>
+          <a:prstGeom prst="rect">
+            <a:avLst/>
+          </a:prstGeom>
+          <a:noFill/>
+        </p:spPr>
+        <p:txBody>
+          <a:bodyPr wrap="square">
+            <a:spAutoFit/>
+          </a:bodyPr>
+          <a:lstStyle/>
+          <a:p>
+            <a:pPr algn="ctr"/>
+            <a:r>
+              <a:rPr lang="ko-KR" altLang="en-US" dirty="0" err="1">
+                <a:latin typeface="Cascadia Code" pitchFamily="49" charset="0"/>
+                <a:cs typeface="Cascadia Code" pitchFamily="49" charset="0"/>
+              </a:rPr>
+              <a:t>main</a:t>
+            </a:r>
+            <a:endParaRPr lang="ko-KR" altLang="en-US" dirty="0"/>
+          </a:p>
+        </p:txBody>
+      </p:sp>
+      <p:sp>
+        <p:nvSpPr>
+          <p:cNvPr id="9" name="직사각형 8">
+            <a:extLst>
+              <a:ext uri="{FF2B5EF4-FFF2-40B4-BE49-F238E27FC236}">
+                <a16:creationId xmlns:a16="http://schemas.microsoft.com/office/drawing/2014/main" id="{5C6718BB-70DE-F30C-F436-2F31CADE5EDE}"/>
+              </a:ext>
+            </a:extLst>
+          </p:cNvPr>
+          <p:cNvSpPr/>
+          <p:nvPr/>
+        </p:nvSpPr>
+        <p:spPr>
+          <a:xfrm>
+            <a:off x="2796077" y="4982066"/>
+            <a:ext cx="1120140" cy="610463"/>
+          </a:xfrm>
+          <a:prstGeom prst="rect">
+            <a:avLst/>
+          </a:prstGeom>
+          <a:solidFill>
+            <a:srgbClr val="FFFF00"/>
+          </a:solidFill>
+        </p:spPr>
+        <p:style>
+          <a:lnRef idx="2">
+            <a:schemeClr val="accent1">
+              <a:shade val="15000"/>
+            </a:schemeClr>
+          </a:lnRef>
+          <a:fillRef idx="1">
+            <a:schemeClr val="accent1"/>
+          </a:fillRef>
+          <a:effectRef idx="0">
+            <a:schemeClr val="accent1"/>
+          </a:effectRef>
+          <a:fontRef idx="minor">
+            <a:schemeClr val="lt1"/>
+          </a:fontRef>
+        </p:style>
+        <p:txBody>
+          <a:bodyPr rtlCol="0" anchor="ctr"/>
+          <a:lstStyle/>
+          <a:p>
+            <a:pPr algn="ctr"/>
+            <a:r>
+              <a:rPr kumimoji="1" lang="en-US" altLang="ko-KR" sz="1600" dirty="0">
+                <a:solidFill>
+                  <a:schemeClr val="tx1"/>
+                </a:solidFill>
+                <a:latin typeface="Cascadia Code" pitchFamily="49" charset="0"/>
+                <a:cs typeface="Cascadia Code" pitchFamily="49" charset="0"/>
+              </a:rPr>
+              <a:t>10</a:t>
+            </a:r>
+            <a:endParaRPr kumimoji="1" lang="ko-KR" altLang="en-US" sz="1600" dirty="0">
+              <a:solidFill>
+                <a:schemeClr val="tx1"/>
+              </a:solidFill>
+              <a:latin typeface="Cascadia Code" pitchFamily="49" charset="0"/>
+              <a:cs typeface="Cascadia Code" pitchFamily="49" charset="0"/>
+            </a:endParaRPr>
+          </a:p>
+        </p:txBody>
+      </p:sp>
+      <p:sp>
+        <p:nvSpPr>
+          <p:cNvPr id="10" name="TextBox 9">
+            <a:extLst>
+              <a:ext uri="{FF2B5EF4-FFF2-40B4-BE49-F238E27FC236}">
+                <a16:creationId xmlns:a16="http://schemas.microsoft.com/office/drawing/2014/main" id="{A2D3F6B6-7747-1550-9A2C-C4F85AC21BC5}"/>
+              </a:ext>
+            </a:extLst>
+          </p:cNvPr>
+          <p:cNvSpPr txBox="1"/>
+          <p:nvPr/>
+        </p:nvSpPr>
+        <p:spPr>
+          <a:xfrm>
+            <a:off x="2529377" y="5118020"/>
+            <a:ext cx="236220" cy="338554"/>
+          </a:xfrm>
+          <a:prstGeom prst="rect">
+            <a:avLst/>
+          </a:prstGeom>
+          <a:noFill/>
+        </p:spPr>
+        <p:txBody>
+          <a:bodyPr wrap="square" rtlCol="0">
+            <a:spAutoFit/>
+          </a:bodyPr>
+          <a:lstStyle/>
+          <a:p>
+            <a:pPr algn="ctr"/>
+            <a:r>
+              <a:rPr kumimoji="1" lang="en-US" altLang="ko-KR" sz="1600" dirty="0">
+                <a:latin typeface="Cascadia Code" pitchFamily="49" charset="0"/>
+                <a:ea typeface="Cascadia Code" pitchFamily="49" charset="0"/>
+                <a:cs typeface="Cascadia Code" pitchFamily="49" charset="0"/>
+              </a:rPr>
+              <a:t>n</a:t>
+            </a:r>
+            <a:endParaRPr kumimoji="1" lang="ko-KR" altLang="en-US" sz="1600" dirty="0">
+              <a:latin typeface="Cascadia Code" pitchFamily="49" charset="0"/>
+              <a:ea typeface="Cascadia Code" pitchFamily="49" charset="0"/>
+              <a:cs typeface="Cascadia Code" pitchFamily="49" charset="0"/>
+            </a:endParaRPr>
+          </a:p>
+        </p:txBody>
+      </p:sp>
+      <p:sp>
+        <p:nvSpPr>
+          <p:cNvPr id="11" name="TextBox 10">
+            <a:extLst>
+              <a:ext uri="{FF2B5EF4-FFF2-40B4-BE49-F238E27FC236}">
+                <a16:creationId xmlns:a16="http://schemas.microsoft.com/office/drawing/2014/main" id="{0C20494E-83DA-E9EA-46C4-DFFFE2F73F96}"/>
+              </a:ext>
+            </a:extLst>
+          </p:cNvPr>
+          <p:cNvSpPr txBox="1"/>
+          <p:nvPr/>
+        </p:nvSpPr>
+        <p:spPr>
+          <a:xfrm>
+            <a:off x="2369357" y="4705067"/>
+            <a:ext cx="1089660" cy="276999"/>
+          </a:xfrm>
+          <a:prstGeom prst="rect">
+            <a:avLst/>
+          </a:prstGeom>
+          <a:noFill/>
+        </p:spPr>
+        <p:txBody>
+          <a:bodyPr wrap="square">
+            <a:spAutoFit/>
+          </a:bodyPr>
+          <a:lstStyle/>
+          <a:p>
+            <a:r>
+              <a:rPr kumimoji="1" lang="en-US" altLang="ko-KR" sz="1200" dirty="0">
+                <a:solidFill>
+                  <a:schemeClr val="tx1"/>
+                </a:solidFill>
+                <a:latin typeface="Cascadia Code" pitchFamily="49" charset="0"/>
+                <a:cs typeface="Cascadia Code" pitchFamily="49" charset="0"/>
+              </a:rPr>
+              <a:t>0x2000</a:t>
+            </a:r>
+            <a:endParaRPr lang="ko-KR" altLang="en-US" sz="1200" dirty="0"/>
+          </a:p>
+        </p:txBody>
+      </p:sp>
+    </p:spTree>
+    <p:extLst>
+      <p:ext uri="{BB962C8B-B14F-4D97-AF65-F5344CB8AC3E}">
+        <p14:creationId xmlns:p14="http://schemas.microsoft.com/office/powerpoint/2010/main" val="1918962395"/>
+      </p:ext>
+    </p:extLst>
+  </p:cSld>
+  <p:clrMapOvr>
+    <a:masterClrMapping/>
+  </p:clrMapOvr>
+</p:sld>
+</file>
+
+<file path=ppt/slides/slide11.xml><?xml version="1.0" encoding="utf-8"?>
+<p:sld xmlns:a="http://schemas.openxmlformats.org/drawingml/2006/main" xmlns:r="http://schemas.openxmlformats.org/officeDocument/2006/relationships" xmlns:p="http://schemas.openxmlformats.org/presentationml/2006/main">
+  <p:cSld>
+    <p:spTree>
+      <p:nvGrpSpPr>
+        <p:cNvPr id="1" name=""/>
+        <p:cNvGrpSpPr/>
+        <p:nvPr/>
+      </p:nvGrpSpPr>
+      <p:grpSpPr>
+        <a:xfrm>
+          <a:off x="0" y="0"/>
+          <a:ext cx="0" cy="0"/>
+          <a:chOff x="0" y="0"/>
+          <a:chExt cx="0" cy="0"/>
+        </a:xfrm>
+      </p:grpSpPr>
+      <p:sp>
+        <p:nvSpPr>
+          <p:cNvPr id="5" name="TextBox 4">
+            <a:extLst>
+              <a:ext uri="{FF2B5EF4-FFF2-40B4-BE49-F238E27FC236}">
+                <a16:creationId xmlns:a16="http://schemas.microsoft.com/office/drawing/2014/main" id="{872A3B39-03C4-8246-D0A3-C0F1B2CF91B8}"/>
+              </a:ext>
+            </a:extLst>
+          </p:cNvPr>
+          <p:cNvSpPr txBox="1"/>
+          <p:nvPr/>
+        </p:nvSpPr>
+        <p:spPr>
+          <a:xfrm>
+            <a:off x="572654" y="522421"/>
+            <a:ext cx="6096000" cy="3416320"/>
+          </a:xfrm>
+          <a:prstGeom prst="rect">
+            <a:avLst/>
+          </a:prstGeom>
+          <a:noFill/>
+        </p:spPr>
+        <p:txBody>
+          <a:bodyPr wrap="square">
+            <a:spAutoFit/>
+          </a:bodyPr>
+          <a:lstStyle/>
+          <a:p>
+            <a:r>
+              <a:rPr lang="ko-KR" altLang="en-US" dirty="0" err="1">
+                <a:latin typeface="Cascadia Code" pitchFamily="49" charset="0"/>
+                <a:cs typeface="Cascadia Code" pitchFamily="49" charset="0"/>
+              </a:rPr>
+              <a:t>void</a:t>
+            </a:r>
+            <a:r>
+              <a:rPr lang="ko-KR" altLang="en-US" dirty="0">
+                <a:latin typeface="Cascadia Code" pitchFamily="49" charset="0"/>
+                <a:cs typeface="Cascadia Code" pitchFamily="49" charset="0"/>
+              </a:rPr>
+              <a:t> </a:t>
+            </a:r>
+            <a:r>
+              <a:rPr lang="ko-KR" altLang="en-US" dirty="0" err="1">
+                <a:latin typeface="Cascadia Code" pitchFamily="49" charset="0"/>
+                <a:cs typeface="Cascadia Code" pitchFamily="49" charset="0"/>
+              </a:rPr>
+              <a:t>increment</a:t>
+            </a:r>
+            <a:r>
+              <a:rPr lang="ko-KR" altLang="en-US" dirty="0">
+                <a:latin typeface="Cascadia Code" pitchFamily="49" charset="0"/>
+                <a:cs typeface="Cascadia Code" pitchFamily="49" charset="0"/>
+              </a:rPr>
+              <a:t>(</a:t>
+            </a:r>
+            <a:r>
+              <a:rPr lang="ko-KR" altLang="en-US" dirty="0" err="1">
+                <a:latin typeface="Cascadia Code" pitchFamily="49" charset="0"/>
+                <a:cs typeface="Cascadia Code" pitchFamily="49" charset="0"/>
+              </a:rPr>
+              <a:t>int</a:t>
+            </a:r>
+            <a:r>
+              <a:rPr lang="ko-KR" altLang="en-US" dirty="0">
+                <a:latin typeface="Cascadia Code" pitchFamily="49" charset="0"/>
+                <a:cs typeface="Cascadia Code" pitchFamily="49" charset="0"/>
+              </a:rPr>
+              <a:t> </a:t>
+            </a:r>
+            <a:r>
+              <a:rPr lang="ko-KR" altLang="en-US" dirty="0" err="1">
+                <a:latin typeface="Cascadia Code" pitchFamily="49" charset="0"/>
+                <a:cs typeface="Cascadia Code" pitchFamily="49" charset="0"/>
+              </a:rPr>
+              <a:t>x</a:t>
+            </a:r>
+            <a:r>
+              <a:rPr lang="ko-KR" altLang="en-US" dirty="0">
+                <a:latin typeface="Cascadia Code" pitchFamily="49" charset="0"/>
+                <a:cs typeface="Cascadia Code" pitchFamily="49" charset="0"/>
+              </a:rPr>
+              <a:t>)</a:t>
+            </a:r>
+          </a:p>
+          <a:p>
+            <a:r>
+              <a:rPr lang="ko-KR" altLang="en-US" dirty="0">
+                <a:latin typeface="Cascadia Code" pitchFamily="49" charset="0"/>
+                <a:cs typeface="Cascadia Code" pitchFamily="49" charset="0"/>
+              </a:rPr>
+              <a:t>{</a:t>
+            </a:r>
+          </a:p>
+          <a:p>
+            <a:r>
+              <a:rPr lang="ko-KR" altLang="en-US" dirty="0">
+                <a:latin typeface="Cascadia Code" pitchFamily="49" charset="0"/>
+                <a:cs typeface="Cascadia Code" pitchFamily="49" charset="0"/>
+              </a:rPr>
+              <a:t>    ++</a:t>
+            </a:r>
+            <a:r>
+              <a:rPr lang="ko-KR" altLang="en-US" dirty="0" err="1">
+                <a:latin typeface="Cascadia Code" pitchFamily="49" charset="0"/>
+                <a:cs typeface="Cascadia Code" pitchFamily="49" charset="0"/>
+              </a:rPr>
+              <a:t>x</a:t>
+            </a:r>
+            <a:r>
+              <a:rPr lang="ko-KR" altLang="en-US" dirty="0">
+                <a:latin typeface="Cascadia Code" pitchFamily="49" charset="0"/>
+                <a:cs typeface="Cascadia Code" pitchFamily="49" charset="0"/>
+              </a:rPr>
+              <a:t>;</a:t>
+            </a:r>
+          </a:p>
+          <a:p>
+            <a:r>
+              <a:rPr lang="ko-KR" altLang="en-US" dirty="0">
+                <a:latin typeface="Cascadia Code" pitchFamily="49" charset="0"/>
+                <a:cs typeface="Cascadia Code" pitchFamily="49" charset="0"/>
+              </a:rPr>
+              <a:t>}</a:t>
+            </a:r>
+          </a:p>
+          <a:p>
+            <a:endParaRPr lang="ko-KR" altLang="en-US" dirty="0">
+              <a:latin typeface="Cascadia Code" pitchFamily="49" charset="0"/>
+              <a:cs typeface="Cascadia Code" pitchFamily="49" charset="0"/>
+            </a:endParaRPr>
+          </a:p>
+          <a:p>
+            <a:r>
+              <a:rPr lang="ko-KR" altLang="en-US" dirty="0" err="1">
+                <a:latin typeface="Cascadia Code" pitchFamily="49" charset="0"/>
+                <a:cs typeface="Cascadia Code" pitchFamily="49" charset="0"/>
+              </a:rPr>
+              <a:t>int</a:t>
+            </a:r>
+            <a:r>
+              <a:rPr lang="ko-KR" altLang="en-US" dirty="0">
+                <a:latin typeface="Cascadia Code" pitchFamily="49" charset="0"/>
+                <a:cs typeface="Cascadia Code" pitchFamily="49" charset="0"/>
+              </a:rPr>
+              <a:t> </a:t>
+            </a:r>
+            <a:r>
+              <a:rPr lang="ko-KR" altLang="en-US" dirty="0" err="1">
+                <a:latin typeface="Cascadia Code" pitchFamily="49" charset="0"/>
+                <a:cs typeface="Cascadia Code" pitchFamily="49" charset="0"/>
+              </a:rPr>
+              <a:t>main</a:t>
+            </a:r>
+            <a:r>
+              <a:rPr lang="ko-KR" altLang="en-US" dirty="0">
+                <a:latin typeface="Cascadia Code" pitchFamily="49" charset="0"/>
+                <a:cs typeface="Cascadia Code" pitchFamily="49" charset="0"/>
+              </a:rPr>
+              <a:t>()</a:t>
+            </a:r>
+          </a:p>
+          <a:p>
+            <a:r>
+              <a:rPr lang="ko-KR" altLang="en-US" dirty="0">
+                <a:latin typeface="Cascadia Code" pitchFamily="49" charset="0"/>
+                <a:cs typeface="Cascadia Code" pitchFamily="49" charset="0"/>
+              </a:rPr>
+              <a:t>{</a:t>
+            </a:r>
+          </a:p>
+          <a:p>
+            <a:r>
+              <a:rPr lang="ko-KR" altLang="en-US" dirty="0">
+                <a:latin typeface="Cascadia Code" pitchFamily="49" charset="0"/>
+                <a:cs typeface="Cascadia Code" pitchFamily="49" charset="0"/>
+              </a:rPr>
+              <a:t>    </a:t>
+            </a:r>
+            <a:r>
+              <a:rPr lang="ko-KR" altLang="en-US" dirty="0" err="1">
+                <a:latin typeface="Cascadia Code" pitchFamily="49" charset="0"/>
+                <a:cs typeface="Cascadia Code" pitchFamily="49" charset="0"/>
+              </a:rPr>
+              <a:t>int</a:t>
+            </a:r>
+            <a:r>
+              <a:rPr lang="ko-KR" altLang="en-US" dirty="0">
+                <a:latin typeface="Cascadia Code" pitchFamily="49" charset="0"/>
+                <a:cs typeface="Cascadia Code" pitchFamily="49" charset="0"/>
+              </a:rPr>
+              <a:t> </a:t>
+            </a:r>
+            <a:r>
+              <a:rPr lang="ko-KR" altLang="en-US" dirty="0" err="1">
+                <a:latin typeface="Cascadia Code" pitchFamily="49" charset="0"/>
+                <a:cs typeface="Cascadia Code" pitchFamily="49" charset="0"/>
+              </a:rPr>
+              <a:t>n</a:t>
+            </a:r>
+            <a:r>
+              <a:rPr lang="ko-KR" altLang="en-US" dirty="0">
+                <a:latin typeface="Cascadia Code" pitchFamily="49" charset="0"/>
+                <a:cs typeface="Cascadia Code" pitchFamily="49" charset="0"/>
+              </a:rPr>
+              <a:t> = 10;</a:t>
+            </a:r>
+          </a:p>
+          <a:p>
+            <a:r>
+              <a:rPr lang="ko-KR" altLang="en-US" dirty="0">
+                <a:solidFill>
+                  <a:srgbClr val="FF0000"/>
+                </a:solidFill>
+                <a:latin typeface="Cascadia Code" pitchFamily="49" charset="0"/>
+                <a:cs typeface="Cascadia Code" pitchFamily="49" charset="0"/>
+              </a:rPr>
+              <a:t>    </a:t>
+            </a:r>
+            <a:r>
+              <a:rPr lang="ko-KR" altLang="en-US" dirty="0" err="1">
+                <a:solidFill>
+                  <a:srgbClr val="FF0000"/>
+                </a:solidFill>
+                <a:latin typeface="Cascadia Code" pitchFamily="49" charset="0"/>
+                <a:cs typeface="Cascadia Code" pitchFamily="49" charset="0"/>
+              </a:rPr>
+              <a:t>increment</a:t>
+            </a:r>
+            <a:r>
+              <a:rPr lang="ko-KR" altLang="en-US" dirty="0">
+                <a:solidFill>
+                  <a:srgbClr val="FF0000"/>
+                </a:solidFill>
+                <a:latin typeface="Cascadia Code" pitchFamily="49" charset="0"/>
+                <a:cs typeface="Cascadia Code" pitchFamily="49" charset="0"/>
+              </a:rPr>
+              <a:t>(</a:t>
+            </a:r>
+            <a:r>
+              <a:rPr lang="ko-KR" altLang="en-US" dirty="0" err="1">
+                <a:solidFill>
+                  <a:srgbClr val="FF0000"/>
+                </a:solidFill>
+                <a:latin typeface="Cascadia Code" pitchFamily="49" charset="0"/>
+                <a:cs typeface="Cascadia Code" pitchFamily="49" charset="0"/>
+              </a:rPr>
+              <a:t>n</a:t>
+            </a:r>
+            <a:r>
+              <a:rPr lang="ko-KR" altLang="en-US" dirty="0">
+                <a:solidFill>
+                  <a:srgbClr val="FF0000"/>
+                </a:solidFill>
+                <a:latin typeface="Cascadia Code" pitchFamily="49" charset="0"/>
+                <a:cs typeface="Cascadia Code" pitchFamily="49" charset="0"/>
+              </a:rPr>
+              <a:t>);</a:t>
+            </a:r>
+          </a:p>
+          <a:p>
+            <a:endParaRPr lang="ko-KR" altLang="en-US" dirty="0">
+              <a:latin typeface="Cascadia Code" pitchFamily="49" charset="0"/>
+              <a:cs typeface="Cascadia Code" pitchFamily="49" charset="0"/>
+            </a:endParaRPr>
+          </a:p>
+          <a:p>
+            <a:r>
+              <a:rPr lang="ko-KR" altLang="en-US" dirty="0">
+                <a:latin typeface="Cascadia Code" pitchFamily="49" charset="0"/>
+                <a:cs typeface="Cascadia Code" pitchFamily="49" charset="0"/>
+              </a:rPr>
+              <a:t>    </a:t>
+            </a:r>
+            <a:r>
+              <a:rPr lang="ko-KR" altLang="en-US" dirty="0" err="1">
+                <a:latin typeface="Cascadia Code" pitchFamily="49" charset="0"/>
+                <a:cs typeface="Cascadia Code" pitchFamily="49" charset="0"/>
+              </a:rPr>
+              <a:t>std</a:t>
+            </a:r>
+            <a:r>
+              <a:rPr lang="ko-KR" altLang="en-US" dirty="0">
+                <a:latin typeface="Cascadia Code" pitchFamily="49" charset="0"/>
+                <a:cs typeface="Cascadia Code" pitchFamily="49" charset="0"/>
+              </a:rPr>
+              <a:t>::</a:t>
+            </a:r>
+            <a:r>
+              <a:rPr lang="ko-KR" altLang="en-US" dirty="0" err="1">
+                <a:latin typeface="Cascadia Code" pitchFamily="49" charset="0"/>
+                <a:cs typeface="Cascadia Code" pitchFamily="49" charset="0"/>
+              </a:rPr>
+              <a:t>cout</a:t>
+            </a:r>
+            <a:r>
+              <a:rPr lang="ko-KR" altLang="en-US" dirty="0">
+                <a:latin typeface="Cascadia Code" pitchFamily="49" charset="0"/>
+                <a:cs typeface="Cascadia Code" pitchFamily="49" charset="0"/>
+              </a:rPr>
+              <a:t> &lt;&lt; </a:t>
+            </a:r>
+            <a:r>
+              <a:rPr lang="ko-KR" altLang="en-US" dirty="0" err="1">
+                <a:latin typeface="Cascadia Code" pitchFamily="49" charset="0"/>
+                <a:cs typeface="Cascadia Code" pitchFamily="49" charset="0"/>
+              </a:rPr>
+              <a:t>n</a:t>
+            </a:r>
+            <a:r>
+              <a:rPr lang="ko-KR" altLang="en-US" dirty="0">
+                <a:latin typeface="Cascadia Code" pitchFamily="49" charset="0"/>
+                <a:cs typeface="Cascadia Code" pitchFamily="49" charset="0"/>
+              </a:rPr>
+              <a:t> &lt;&lt; </a:t>
+            </a:r>
+            <a:r>
+              <a:rPr lang="ko-KR" altLang="en-US" dirty="0" err="1">
+                <a:latin typeface="Cascadia Code" pitchFamily="49" charset="0"/>
+                <a:cs typeface="Cascadia Code" pitchFamily="49" charset="0"/>
+              </a:rPr>
+              <a:t>std</a:t>
+            </a:r>
+            <a:r>
+              <a:rPr lang="ko-KR" altLang="en-US" dirty="0">
+                <a:latin typeface="Cascadia Code" pitchFamily="49" charset="0"/>
+                <a:cs typeface="Cascadia Code" pitchFamily="49" charset="0"/>
+              </a:rPr>
+              <a:t>::</a:t>
+            </a:r>
+            <a:r>
+              <a:rPr lang="ko-KR" altLang="en-US" dirty="0" err="1">
+                <a:latin typeface="Cascadia Code" pitchFamily="49" charset="0"/>
+                <a:cs typeface="Cascadia Code" pitchFamily="49" charset="0"/>
+              </a:rPr>
+              <a:t>endl</a:t>
+            </a:r>
+            <a:r>
+              <a:rPr lang="ko-KR" altLang="en-US" dirty="0">
+                <a:latin typeface="Cascadia Code" pitchFamily="49" charset="0"/>
+                <a:cs typeface="Cascadia Code" pitchFamily="49" charset="0"/>
+              </a:rPr>
+              <a:t>;</a:t>
+            </a:r>
+          </a:p>
+          <a:p>
+            <a:r>
+              <a:rPr lang="ko-KR" altLang="en-US" dirty="0">
+                <a:latin typeface="Cascadia Code" pitchFamily="49" charset="0"/>
+                <a:cs typeface="Cascadia Code" pitchFamily="49" charset="0"/>
+              </a:rPr>
+              <a:t>}</a:t>
+            </a:r>
+          </a:p>
+        </p:txBody>
+      </p:sp>
+      <p:sp>
+        <p:nvSpPr>
+          <p:cNvPr id="6" name="직사각형 5">
+            <a:extLst>
+              <a:ext uri="{FF2B5EF4-FFF2-40B4-BE49-F238E27FC236}">
+                <a16:creationId xmlns:a16="http://schemas.microsoft.com/office/drawing/2014/main" id="{8A4CE615-C745-E6A9-9D3C-C28D50BF4004}"/>
+              </a:ext>
+            </a:extLst>
+          </p:cNvPr>
+          <p:cNvSpPr/>
+          <p:nvPr/>
+        </p:nvSpPr>
+        <p:spPr>
+          <a:xfrm>
+            <a:off x="1385454" y="4516016"/>
+            <a:ext cx="3870037" cy="1819563"/>
+          </a:xfrm>
+          <a:prstGeom prst="rect">
+            <a:avLst/>
+          </a:prstGeom>
+          <a:solidFill>
+            <a:schemeClr val="bg1"/>
+          </a:solidFill>
+        </p:spPr>
+        <p:style>
+          <a:lnRef idx="2">
+            <a:schemeClr val="accent1">
+              <a:shade val="15000"/>
+            </a:schemeClr>
+          </a:lnRef>
+          <a:fillRef idx="1">
+            <a:schemeClr val="accent1"/>
+          </a:fillRef>
+          <a:effectRef idx="0">
+            <a:schemeClr val="accent1"/>
+          </a:effectRef>
+          <a:fontRef idx="minor">
+            <a:schemeClr val="lt1"/>
+          </a:fontRef>
+        </p:style>
+        <p:txBody>
+          <a:bodyPr rtlCol="0" anchor="ctr"/>
+          <a:lstStyle/>
+          <a:p>
+            <a:pPr algn="ctr"/>
+            <a:endParaRPr kumimoji="1" lang="ko-KR" altLang="en-US" sz="1600" dirty="0">
+              <a:solidFill>
+                <a:schemeClr val="tx1"/>
+              </a:solidFill>
+              <a:latin typeface="Cascadia Code" pitchFamily="49" charset="0"/>
+              <a:cs typeface="Cascadia Code" pitchFamily="49" charset="0"/>
+            </a:endParaRPr>
+          </a:p>
+        </p:txBody>
+      </p:sp>
+      <p:sp>
+        <p:nvSpPr>
+          <p:cNvPr id="8" name="TextBox 7">
+            <a:extLst>
+              <a:ext uri="{FF2B5EF4-FFF2-40B4-BE49-F238E27FC236}">
+                <a16:creationId xmlns:a16="http://schemas.microsoft.com/office/drawing/2014/main" id="{B4CF22DA-3D8E-BF3B-D329-EFD0B396FA87}"/>
+              </a:ext>
+            </a:extLst>
+          </p:cNvPr>
+          <p:cNvSpPr txBox="1"/>
+          <p:nvPr/>
+        </p:nvSpPr>
+        <p:spPr>
+          <a:xfrm>
+            <a:off x="2724726" y="4146684"/>
+            <a:ext cx="1191491" cy="369332"/>
+          </a:xfrm>
+          <a:prstGeom prst="rect">
+            <a:avLst/>
+          </a:prstGeom>
+          <a:noFill/>
+        </p:spPr>
+        <p:txBody>
+          <a:bodyPr wrap="square">
+            <a:spAutoFit/>
+          </a:bodyPr>
+          <a:lstStyle/>
+          <a:p>
+            <a:pPr algn="ctr"/>
+            <a:r>
+              <a:rPr lang="ko-KR" altLang="en-US" dirty="0" err="1">
+                <a:latin typeface="Cascadia Code" pitchFamily="49" charset="0"/>
+                <a:cs typeface="Cascadia Code" pitchFamily="49" charset="0"/>
+              </a:rPr>
+              <a:t>main</a:t>
+            </a:r>
+            <a:endParaRPr lang="ko-KR" altLang="en-US" dirty="0"/>
+          </a:p>
+        </p:txBody>
+      </p:sp>
+      <p:sp>
+        <p:nvSpPr>
+          <p:cNvPr id="9" name="직사각형 8">
+            <a:extLst>
+              <a:ext uri="{FF2B5EF4-FFF2-40B4-BE49-F238E27FC236}">
+                <a16:creationId xmlns:a16="http://schemas.microsoft.com/office/drawing/2014/main" id="{5C6718BB-70DE-F30C-F436-2F31CADE5EDE}"/>
+              </a:ext>
+            </a:extLst>
+          </p:cNvPr>
+          <p:cNvSpPr/>
+          <p:nvPr/>
+        </p:nvSpPr>
+        <p:spPr>
+          <a:xfrm>
+            <a:off x="2796077" y="4982066"/>
+            <a:ext cx="1120140" cy="610463"/>
+          </a:xfrm>
+          <a:prstGeom prst="rect">
+            <a:avLst/>
+          </a:prstGeom>
+          <a:solidFill>
+            <a:srgbClr val="FFFF00"/>
+          </a:solidFill>
+        </p:spPr>
+        <p:style>
+          <a:lnRef idx="2">
+            <a:schemeClr val="accent1">
+              <a:shade val="15000"/>
+            </a:schemeClr>
+          </a:lnRef>
+          <a:fillRef idx="1">
+            <a:schemeClr val="accent1"/>
+          </a:fillRef>
+          <a:effectRef idx="0">
+            <a:schemeClr val="accent1"/>
+          </a:effectRef>
+          <a:fontRef idx="minor">
+            <a:schemeClr val="lt1"/>
+          </a:fontRef>
+        </p:style>
+        <p:txBody>
+          <a:bodyPr rtlCol="0" anchor="ctr"/>
+          <a:lstStyle/>
+          <a:p>
+            <a:pPr algn="ctr"/>
+            <a:r>
+              <a:rPr kumimoji="1" lang="en-US" altLang="ko-KR" sz="1600" dirty="0">
+                <a:solidFill>
+                  <a:schemeClr val="tx1"/>
+                </a:solidFill>
+                <a:latin typeface="Cascadia Code" pitchFamily="49" charset="0"/>
+                <a:cs typeface="Cascadia Code" pitchFamily="49" charset="0"/>
+              </a:rPr>
+              <a:t>10</a:t>
+            </a:r>
+            <a:endParaRPr kumimoji="1" lang="ko-KR" altLang="en-US" sz="1600" dirty="0">
+              <a:solidFill>
+                <a:schemeClr val="tx1"/>
+              </a:solidFill>
+              <a:latin typeface="Cascadia Code" pitchFamily="49" charset="0"/>
+              <a:cs typeface="Cascadia Code" pitchFamily="49" charset="0"/>
+            </a:endParaRPr>
+          </a:p>
+        </p:txBody>
+      </p:sp>
+      <p:sp>
+        <p:nvSpPr>
+          <p:cNvPr id="10" name="TextBox 9">
+            <a:extLst>
+              <a:ext uri="{FF2B5EF4-FFF2-40B4-BE49-F238E27FC236}">
+                <a16:creationId xmlns:a16="http://schemas.microsoft.com/office/drawing/2014/main" id="{A2D3F6B6-7747-1550-9A2C-C4F85AC21BC5}"/>
+              </a:ext>
+            </a:extLst>
+          </p:cNvPr>
+          <p:cNvSpPr txBox="1"/>
+          <p:nvPr/>
+        </p:nvSpPr>
+        <p:spPr>
+          <a:xfrm>
+            <a:off x="2529377" y="5118020"/>
+            <a:ext cx="236220" cy="338554"/>
+          </a:xfrm>
+          <a:prstGeom prst="rect">
+            <a:avLst/>
+          </a:prstGeom>
+          <a:noFill/>
+        </p:spPr>
+        <p:txBody>
+          <a:bodyPr wrap="square" rtlCol="0">
+            <a:spAutoFit/>
+          </a:bodyPr>
+          <a:lstStyle/>
+          <a:p>
+            <a:pPr algn="ctr"/>
+            <a:r>
+              <a:rPr kumimoji="1" lang="en-US" altLang="ko-KR" sz="1600" dirty="0">
+                <a:latin typeface="Cascadia Code" pitchFamily="49" charset="0"/>
+                <a:ea typeface="Cascadia Code" pitchFamily="49" charset="0"/>
+                <a:cs typeface="Cascadia Code" pitchFamily="49" charset="0"/>
+              </a:rPr>
+              <a:t>n</a:t>
+            </a:r>
+            <a:endParaRPr kumimoji="1" lang="ko-KR" altLang="en-US" sz="1600" dirty="0">
+              <a:latin typeface="Cascadia Code" pitchFamily="49" charset="0"/>
+              <a:ea typeface="Cascadia Code" pitchFamily="49" charset="0"/>
+              <a:cs typeface="Cascadia Code" pitchFamily="49" charset="0"/>
+            </a:endParaRPr>
+          </a:p>
+        </p:txBody>
+      </p:sp>
+      <p:sp>
+        <p:nvSpPr>
+          <p:cNvPr id="11" name="TextBox 10">
+            <a:extLst>
+              <a:ext uri="{FF2B5EF4-FFF2-40B4-BE49-F238E27FC236}">
+                <a16:creationId xmlns:a16="http://schemas.microsoft.com/office/drawing/2014/main" id="{0C20494E-83DA-E9EA-46C4-DFFFE2F73F96}"/>
+              </a:ext>
+            </a:extLst>
+          </p:cNvPr>
+          <p:cNvSpPr txBox="1"/>
+          <p:nvPr/>
+        </p:nvSpPr>
+        <p:spPr>
+          <a:xfrm>
+            <a:off x="2369357" y="4705067"/>
+            <a:ext cx="1089660" cy="276999"/>
+          </a:xfrm>
+          <a:prstGeom prst="rect">
+            <a:avLst/>
+          </a:prstGeom>
+          <a:noFill/>
+        </p:spPr>
+        <p:txBody>
+          <a:bodyPr wrap="square">
+            <a:spAutoFit/>
+          </a:bodyPr>
+          <a:lstStyle/>
+          <a:p>
+            <a:r>
+              <a:rPr kumimoji="1" lang="en-US" altLang="ko-KR" sz="1200" dirty="0">
+                <a:solidFill>
+                  <a:schemeClr val="tx1"/>
+                </a:solidFill>
+                <a:latin typeface="Cascadia Code" pitchFamily="49" charset="0"/>
+                <a:cs typeface="Cascadia Code" pitchFamily="49" charset="0"/>
+              </a:rPr>
+              <a:t>0x2000</a:t>
+            </a:r>
+            <a:endParaRPr lang="ko-KR" altLang="en-US" sz="1200" dirty="0"/>
+          </a:p>
+        </p:txBody>
+      </p:sp>
+      <p:sp>
+        <p:nvSpPr>
+          <p:cNvPr id="2" name="직사각형 1">
+            <a:extLst>
+              <a:ext uri="{FF2B5EF4-FFF2-40B4-BE49-F238E27FC236}">
+                <a16:creationId xmlns:a16="http://schemas.microsoft.com/office/drawing/2014/main" id="{8F60A888-B71C-12D6-0C5F-CB2D2D3C8DDE}"/>
+              </a:ext>
+            </a:extLst>
+          </p:cNvPr>
+          <p:cNvSpPr/>
+          <p:nvPr/>
+        </p:nvSpPr>
+        <p:spPr>
+          <a:xfrm>
+            <a:off x="6830290" y="992343"/>
+            <a:ext cx="3870037" cy="1819563"/>
+          </a:xfrm>
+          <a:prstGeom prst="rect">
+            <a:avLst/>
+          </a:prstGeom>
+          <a:solidFill>
+            <a:schemeClr val="bg1"/>
+          </a:solidFill>
+        </p:spPr>
+        <p:style>
+          <a:lnRef idx="2">
+            <a:schemeClr val="accent1">
+              <a:shade val="15000"/>
+            </a:schemeClr>
+          </a:lnRef>
+          <a:fillRef idx="1">
+            <a:schemeClr val="accent1"/>
+          </a:fillRef>
+          <a:effectRef idx="0">
+            <a:schemeClr val="accent1"/>
+          </a:effectRef>
+          <a:fontRef idx="minor">
+            <a:schemeClr val="lt1"/>
+          </a:fontRef>
+        </p:style>
+        <p:txBody>
+          <a:bodyPr rtlCol="0" anchor="ctr"/>
+          <a:lstStyle/>
+          <a:p>
+            <a:pPr algn="ctr"/>
+            <a:endParaRPr kumimoji="1" lang="ko-KR" altLang="en-US" sz="1600" dirty="0">
+              <a:solidFill>
+                <a:schemeClr val="tx1"/>
+              </a:solidFill>
+              <a:latin typeface="Cascadia Code" pitchFamily="49" charset="0"/>
+              <a:cs typeface="Cascadia Code" pitchFamily="49" charset="0"/>
+            </a:endParaRPr>
+          </a:p>
+        </p:txBody>
+      </p:sp>
+      <p:sp>
+        <p:nvSpPr>
+          <p:cNvPr id="3" name="TextBox 2">
+            <a:extLst>
+              <a:ext uri="{FF2B5EF4-FFF2-40B4-BE49-F238E27FC236}">
+                <a16:creationId xmlns:a16="http://schemas.microsoft.com/office/drawing/2014/main" id="{C767C6B6-16F5-0617-BA40-9C8483E87360}"/>
+              </a:ext>
+            </a:extLst>
+          </p:cNvPr>
+          <p:cNvSpPr txBox="1"/>
+          <p:nvPr/>
+        </p:nvSpPr>
+        <p:spPr>
+          <a:xfrm>
+            <a:off x="7970983" y="522421"/>
+            <a:ext cx="1408544" cy="369332"/>
+          </a:xfrm>
+          <a:prstGeom prst="rect">
+            <a:avLst/>
+          </a:prstGeom>
+          <a:noFill/>
+        </p:spPr>
+        <p:txBody>
+          <a:bodyPr wrap="square">
+            <a:spAutoFit/>
+          </a:bodyPr>
+          <a:lstStyle/>
+          <a:p>
+            <a:pPr algn="ctr"/>
+            <a:r>
+              <a:rPr lang="ko-KR" altLang="en-US" dirty="0" err="1">
+                <a:latin typeface="Cascadia Code" pitchFamily="49" charset="0"/>
+                <a:cs typeface="Cascadia Code" pitchFamily="49" charset="0"/>
+              </a:rPr>
+              <a:t>increment</a:t>
+            </a:r>
+            <a:endParaRPr lang="ko-KR" altLang="en-US" dirty="0"/>
+          </a:p>
+        </p:txBody>
+      </p:sp>
+      <p:sp>
+        <p:nvSpPr>
+          <p:cNvPr id="4" name="직사각형 3">
+            <a:extLst>
+              <a:ext uri="{FF2B5EF4-FFF2-40B4-BE49-F238E27FC236}">
+                <a16:creationId xmlns:a16="http://schemas.microsoft.com/office/drawing/2014/main" id="{6832F745-C5C4-5396-5E13-939F462052A5}"/>
+              </a:ext>
+            </a:extLst>
+          </p:cNvPr>
+          <p:cNvSpPr/>
+          <p:nvPr/>
+        </p:nvSpPr>
+        <p:spPr>
+          <a:xfrm>
+            <a:off x="8228445" y="1366030"/>
+            <a:ext cx="1120140" cy="610463"/>
+          </a:xfrm>
+          <a:prstGeom prst="rect">
+            <a:avLst/>
+          </a:prstGeom>
+          <a:solidFill>
+            <a:srgbClr val="FFFF00"/>
+          </a:solidFill>
+        </p:spPr>
+        <p:style>
+          <a:lnRef idx="2">
+            <a:schemeClr val="accent1">
+              <a:shade val="15000"/>
+            </a:schemeClr>
+          </a:lnRef>
+          <a:fillRef idx="1">
+            <a:schemeClr val="accent1"/>
+          </a:fillRef>
+          <a:effectRef idx="0">
+            <a:schemeClr val="accent1"/>
+          </a:effectRef>
+          <a:fontRef idx="minor">
+            <a:schemeClr val="lt1"/>
+          </a:fontRef>
+        </p:style>
+        <p:txBody>
+          <a:bodyPr rtlCol="0" anchor="ctr"/>
+          <a:lstStyle/>
+          <a:p>
+            <a:pPr algn="ctr"/>
+            <a:r>
+              <a:rPr kumimoji="1" lang="en-US" altLang="ko-KR" sz="1600" dirty="0">
+                <a:solidFill>
+                  <a:schemeClr val="tx1"/>
+                </a:solidFill>
+                <a:latin typeface="Cascadia Code" pitchFamily="49" charset="0"/>
+                <a:cs typeface="Cascadia Code" pitchFamily="49" charset="0"/>
+              </a:rPr>
+              <a:t>10</a:t>
+            </a:r>
+            <a:endParaRPr kumimoji="1" lang="ko-KR" altLang="en-US" sz="1600" dirty="0">
+              <a:solidFill>
+                <a:schemeClr val="tx1"/>
+              </a:solidFill>
+              <a:latin typeface="Cascadia Code" pitchFamily="49" charset="0"/>
+              <a:cs typeface="Cascadia Code" pitchFamily="49" charset="0"/>
+            </a:endParaRPr>
+          </a:p>
+        </p:txBody>
+      </p:sp>
+      <p:sp>
+        <p:nvSpPr>
+          <p:cNvPr id="7" name="TextBox 6">
+            <a:extLst>
+              <a:ext uri="{FF2B5EF4-FFF2-40B4-BE49-F238E27FC236}">
+                <a16:creationId xmlns:a16="http://schemas.microsoft.com/office/drawing/2014/main" id="{944D880B-7D89-C5C0-51A8-44E10627DA08}"/>
+              </a:ext>
+            </a:extLst>
+          </p:cNvPr>
+          <p:cNvSpPr txBox="1"/>
+          <p:nvPr/>
+        </p:nvSpPr>
+        <p:spPr>
+          <a:xfrm>
+            <a:off x="7961745" y="1501984"/>
+            <a:ext cx="236220" cy="338554"/>
+          </a:xfrm>
+          <a:prstGeom prst="rect">
+            <a:avLst/>
+          </a:prstGeom>
+          <a:noFill/>
+        </p:spPr>
+        <p:txBody>
+          <a:bodyPr wrap="square" rtlCol="0">
+            <a:spAutoFit/>
+          </a:bodyPr>
+          <a:lstStyle/>
+          <a:p>
+            <a:pPr algn="ctr"/>
+            <a:r>
+              <a:rPr kumimoji="1" lang="en-US" altLang="ko-KR" sz="1600" dirty="0">
+                <a:latin typeface="Cascadia Code" pitchFamily="49" charset="0"/>
+                <a:ea typeface="Cascadia Code" pitchFamily="49" charset="0"/>
+                <a:cs typeface="Cascadia Code" pitchFamily="49" charset="0"/>
+              </a:rPr>
+              <a:t>x</a:t>
+            </a:r>
+            <a:endParaRPr kumimoji="1" lang="ko-KR" altLang="en-US" sz="1600" dirty="0">
+              <a:latin typeface="Cascadia Code" pitchFamily="49" charset="0"/>
+              <a:ea typeface="Cascadia Code" pitchFamily="49" charset="0"/>
+              <a:cs typeface="Cascadia Code" pitchFamily="49" charset="0"/>
+            </a:endParaRPr>
+          </a:p>
+        </p:txBody>
+      </p:sp>
+      <p:cxnSp>
+        <p:nvCxnSpPr>
+          <p:cNvPr id="13" name="구부러진 연결선[U] 12">
+            <a:extLst>
+              <a:ext uri="{FF2B5EF4-FFF2-40B4-BE49-F238E27FC236}">
+                <a16:creationId xmlns:a16="http://schemas.microsoft.com/office/drawing/2014/main" id="{5A6D550E-BA77-D0F5-483B-7D078AF935D1}"/>
+              </a:ext>
+            </a:extLst>
+          </p:cNvPr>
+          <p:cNvCxnSpPr>
+            <a:cxnSpLocks/>
+            <a:stCxn id="9" idx="3"/>
+            <a:endCxn id="4" idx="2"/>
+          </p:cNvCxnSpPr>
+          <p:nvPr/>
+        </p:nvCxnSpPr>
+        <p:spPr>
+          <a:xfrm flipV="1">
+            <a:off x="3916217" y="1976493"/>
+            <a:ext cx="4872298" cy="3310805"/>
+          </a:xfrm>
+          <a:prstGeom prst="curvedConnector2">
+            <a:avLst/>
+          </a:prstGeom>
+          <a:ln>
+            <a:tailEnd type="triangle"/>
+          </a:ln>
+        </p:spPr>
+        <p:style>
+          <a:lnRef idx="2">
+            <a:schemeClr val="dk1"/>
+          </a:lnRef>
+          <a:fillRef idx="0">
+            <a:schemeClr val="dk1"/>
+          </a:fillRef>
+          <a:effectRef idx="1">
+            <a:schemeClr val="dk1"/>
+          </a:effectRef>
+          <a:fontRef idx="minor">
+            <a:schemeClr val="tx1"/>
+          </a:fontRef>
+        </p:style>
+      </p:cxnSp>
+      <p:sp>
+        <p:nvSpPr>
+          <p:cNvPr id="16" name="TextBox 15">
+            <a:extLst>
+              <a:ext uri="{FF2B5EF4-FFF2-40B4-BE49-F238E27FC236}">
+                <a16:creationId xmlns:a16="http://schemas.microsoft.com/office/drawing/2014/main" id="{60F7FBE8-FF5C-E8E6-2702-42038200BF07}"/>
+              </a:ext>
+            </a:extLst>
+          </p:cNvPr>
+          <p:cNvSpPr txBox="1"/>
+          <p:nvPr/>
+        </p:nvSpPr>
+        <p:spPr>
+          <a:xfrm>
+            <a:off x="6822324" y="4520401"/>
+            <a:ext cx="1927860" cy="369332"/>
+          </a:xfrm>
+          <a:prstGeom prst="rect">
+            <a:avLst/>
+          </a:prstGeom>
+          <a:noFill/>
+        </p:spPr>
+        <p:txBody>
+          <a:bodyPr wrap="square">
+            <a:spAutoFit/>
+          </a:bodyPr>
+          <a:lstStyle/>
+          <a:p>
+            <a:r>
+              <a:rPr kumimoji="1" lang="ko-KR" altLang="en-US" dirty="0">
+                <a:latin typeface="Cascadia Code" pitchFamily="49" charset="0"/>
+                <a:cs typeface="Cascadia Code" pitchFamily="49" charset="0"/>
+              </a:rPr>
+              <a:t>복사</a:t>
+            </a:r>
+            <a:endParaRPr lang="ko-KR" altLang="en-US" dirty="0"/>
+          </a:p>
+        </p:txBody>
+      </p:sp>
+    </p:spTree>
+    <p:extLst>
+      <p:ext uri="{BB962C8B-B14F-4D97-AF65-F5344CB8AC3E}">
+        <p14:creationId xmlns:p14="http://schemas.microsoft.com/office/powerpoint/2010/main" val="2413612591"/>
+      </p:ext>
+    </p:extLst>
+  </p:cSld>
+  <p:clrMapOvr>
+    <a:masterClrMapping/>
+  </p:clrMapOvr>
+</p:sld>
+</file>
+
+<file path=ppt/slides/slide12.xml><?xml version="1.0" encoding="utf-8"?>
+<p:sld xmlns:a="http://schemas.openxmlformats.org/drawingml/2006/main" xmlns:r="http://schemas.openxmlformats.org/officeDocument/2006/relationships" xmlns:p="http://schemas.openxmlformats.org/presentationml/2006/main">
+  <p:cSld>
+    <p:spTree>
+      <p:nvGrpSpPr>
+        <p:cNvPr id="1" name=""/>
+        <p:cNvGrpSpPr/>
+        <p:nvPr/>
+      </p:nvGrpSpPr>
+      <p:grpSpPr>
+        <a:xfrm>
+          <a:off x="0" y="0"/>
+          <a:ext cx="0" cy="0"/>
+          <a:chOff x="0" y="0"/>
+          <a:chExt cx="0" cy="0"/>
+        </a:xfrm>
+      </p:grpSpPr>
+      <p:sp>
+        <p:nvSpPr>
+          <p:cNvPr id="5" name="TextBox 4">
+            <a:extLst>
+              <a:ext uri="{FF2B5EF4-FFF2-40B4-BE49-F238E27FC236}">
+                <a16:creationId xmlns:a16="http://schemas.microsoft.com/office/drawing/2014/main" id="{872A3B39-03C4-8246-D0A3-C0F1B2CF91B8}"/>
+              </a:ext>
+            </a:extLst>
+          </p:cNvPr>
+          <p:cNvSpPr txBox="1"/>
+          <p:nvPr/>
+        </p:nvSpPr>
+        <p:spPr>
+          <a:xfrm>
+            <a:off x="572654" y="522421"/>
+            <a:ext cx="6096000" cy="3416320"/>
+          </a:xfrm>
+          <a:prstGeom prst="rect">
+            <a:avLst/>
+          </a:prstGeom>
+          <a:noFill/>
+        </p:spPr>
+        <p:txBody>
+          <a:bodyPr wrap="square">
+            <a:spAutoFit/>
+          </a:bodyPr>
+          <a:lstStyle/>
+          <a:p>
+            <a:r>
+              <a:rPr lang="ko-KR" altLang="en-US" dirty="0" err="1">
+                <a:latin typeface="Cascadia Code" pitchFamily="49" charset="0"/>
+                <a:cs typeface="Cascadia Code" pitchFamily="49" charset="0"/>
+              </a:rPr>
+              <a:t>void</a:t>
+            </a:r>
+            <a:r>
+              <a:rPr lang="ko-KR" altLang="en-US" dirty="0">
+                <a:latin typeface="Cascadia Code" pitchFamily="49" charset="0"/>
+                <a:cs typeface="Cascadia Code" pitchFamily="49" charset="0"/>
+              </a:rPr>
+              <a:t> </a:t>
+            </a:r>
+            <a:r>
+              <a:rPr lang="ko-KR" altLang="en-US" dirty="0" err="1">
+                <a:latin typeface="Cascadia Code" pitchFamily="49" charset="0"/>
+                <a:cs typeface="Cascadia Code" pitchFamily="49" charset="0"/>
+              </a:rPr>
+              <a:t>increment</a:t>
+            </a:r>
+            <a:r>
+              <a:rPr lang="ko-KR" altLang="en-US" dirty="0">
+                <a:latin typeface="Cascadia Code" pitchFamily="49" charset="0"/>
+                <a:cs typeface="Cascadia Code" pitchFamily="49" charset="0"/>
+              </a:rPr>
+              <a:t>(</a:t>
+            </a:r>
+            <a:r>
+              <a:rPr lang="ko-KR" altLang="en-US" dirty="0" err="1">
+                <a:latin typeface="Cascadia Code" pitchFamily="49" charset="0"/>
+                <a:cs typeface="Cascadia Code" pitchFamily="49" charset="0"/>
+              </a:rPr>
+              <a:t>int</a:t>
+            </a:r>
+            <a:r>
+              <a:rPr lang="ko-KR" altLang="en-US" dirty="0">
+                <a:latin typeface="Cascadia Code" pitchFamily="49" charset="0"/>
+                <a:cs typeface="Cascadia Code" pitchFamily="49" charset="0"/>
+              </a:rPr>
+              <a:t> </a:t>
+            </a:r>
+            <a:r>
+              <a:rPr lang="ko-KR" altLang="en-US" dirty="0" err="1">
+                <a:latin typeface="Cascadia Code" pitchFamily="49" charset="0"/>
+                <a:cs typeface="Cascadia Code" pitchFamily="49" charset="0"/>
+              </a:rPr>
+              <a:t>x</a:t>
+            </a:r>
+            <a:r>
+              <a:rPr lang="ko-KR" altLang="en-US" dirty="0">
+                <a:latin typeface="Cascadia Code" pitchFamily="49" charset="0"/>
+                <a:cs typeface="Cascadia Code" pitchFamily="49" charset="0"/>
+              </a:rPr>
+              <a:t>)</a:t>
+            </a:r>
+          </a:p>
+          <a:p>
+            <a:r>
+              <a:rPr lang="ko-KR" altLang="en-US" dirty="0">
+                <a:latin typeface="Cascadia Code" pitchFamily="49" charset="0"/>
+                <a:cs typeface="Cascadia Code" pitchFamily="49" charset="0"/>
+              </a:rPr>
+              <a:t>{</a:t>
+            </a:r>
+          </a:p>
+          <a:p>
+            <a:r>
+              <a:rPr lang="ko-KR" altLang="en-US" dirty="0">
+                <a:solidFill>
+                  <a:srgbClr val="FF0000"/>
+                </a:solidFill>
+                <a:latin typeface="Cascadia Code" pitchFamily="49" charset="0"/>
+                <a:cs typeface="Cascadia Code" pitchFamily="49" charset="0"/>
+              </a:rPr>
+              <a:t>    ++</a:t>
+            </a:r>
+            <a:r>
+              <a:rPr lang="ko-KR" altLang="en-US" dirty="0" err="1">
+                <a:solidFill>
+                  <a:srgbClr val="FF0000"/>
+                </a:solidFill>
+                <a:latin typeface="Cascadia Code" pitchFamily="49" charset="0"/>
+                <a:cs typeface="Cascadia Code" pitchFamily="49" charset="0"/>
+              </a:rPr>
+              <a:t>x</a:t>
+            </a:r>
+            <a:r>
+              <a:rPr lang="ko-KR" altLang="en-US" dirty="0">
+                <a:solidFill>
+                  <a:srgbClr val="FF0000"/>
+                </a:solidFill>
+                <a:latin typeface="Cascadia Code" pitchFamily="49" charset="0"/>
+                <a:cs typeface="Cascadia Code" pitchFamily="49" charset="0"/>
+              </a:rPr>
+              <a:t>;</a:t>
+            </a:r>
+          </a:p>
+          <a:p>
+            <a:r>
+              <a:rPr lang="ko-KR" altLang="en-US" dirty="0">
+                <a:latin typeface="Cascadia Code" pitchFamily="49" charset="0"/>
+                <a:cs typeface="Cascadia Code" pitchFamily="49" charset="0"/>
+              </a:rPr>
+              <a:t>}</a:t>
+            </a:r>
+          </a:p>
+          <a:p>
+            <a:endParaRPr lang="ko-KR" altLang="en-US" dirty="0">
+              <a:latin typeface="Cascadia Code" pitchFamily="49" charset="0"/>
+              <a:cs typeface="Cascadia Code" pitchFamily="49" charset="0"/>
+            </a:endParaRPr>
+          </a:p>
+          <a:p>
+            <a:r>
+              <a:rPr lang="ko-KR" altLang="en-US" dirty="0" err="1">
+                <a:latin typeface="Cascadia Code" pitchFamily="49" charset="0"/>
+                <a:cs typeface="Cascadia Code" pitchFamily="49" charset="0"/>
+              </a:rPr>
+              <a:t>int</a:t>
+            </a:r>
+            <a:r>
+              <a:rPr lang="ko-KR" altLang="en-US" dirty="0">
+                <a:latin typeface="Cascadia Code" pitchFamily="49" charset="0"/>
+                <a:cs typeface="Cascadia Code" pitchFamily="49" charset="0"/>
+              </a:rPr>
+              <a:t> </a:t>
+            </a:r>
+            <a:r>
+              <a:rPr lang="ko-KR" altLang="en-US" dirty="0" err="1">
+                <a:latin typeface="Cascadia Code" pitchFamily="49" charset="0"/>
+                <a:cs typeface="Cascadia Code" pitchFamily="49" charset="0"/>
+              </a:rPr>
+              <a:t>main</a:t>
+            </a:r>
+            <a:r>
+              <a:rPr lang="ko-KR" altLang="en-US" dirty="0">
+                <a:latin typeface="Cascadia Code" pitchFamily="49" charset="0"/>
+                <a:cs typeface="Cascadia Code" pitchFamily="49" charset="0"/>
+              </a:rPr>
+              <a:t>()</a:t>
+            </a:r>
+          </a:p>
+          <a:p>
+            <a:r>
+              <a:rPr lang="ko-KR" altLang="en-US" dirty="0">
+                <a:latin typeface="Cascadia Code" pitchFamily="49" charset="0"/>
+                <a:cs typeface="Cascadia Code" pitchFamily="49" charset="0"/>
+              </a:rPr>
+              <a:t>{</a:t>
+            </a:r>
+          </a:p>
+          <a:p>
+            <a:r>
+              <a:rPr lang="ko-KR" altLang="en-US" dirty="0">
+                <a:latin typeface="Cascadia Code" pitchFamily="49" charset="0"/>
+                <a:cs typeface="Cascadia Code" pitchFamily="49" charset="0"/>
+              </a:rPr>
+              <a:t>    </a:t>
+            </a:r>
+            <a:r>
+              <a:rPr lang="ko-KR" altLang="en-US" dirty="0" err="1">
+                <a:latin typeface="Cascadia Code" pitchFamily="49" charset="0"/>
+                <a:cs typeface="Cascadia Code" pitchFamily="49" charset="0"/>
+              </a:rPr>
+              <a:t>int</a:t>
+            </a:r>
+            <a:r>
+              <a:rPr lang="ko-KR" altLang="en-US" dirty="0">
+                <a:latin typeface="Cascadia Code" pitchFamily="49" charset="0"/>
+                <a:cs typeface="Cascadia Code" pitchFamily="49" charset="0"/>
+              </a:rPr>
+              <a:t> </a:t>
+            </a:r>
+            <a:r>
+              <a:rPr lang="ko-KR" altLang="en-US" dirty="0" err="1">
+                <a:latin typeface="Cascadia Code" pitchFamily="49" charset="0"/>
+                <a:cs typeface="Cascadia Code" pitchFamily="49" charset="0"/>
+              </a:rPr>
+              <a:t>n</a:t>
+            </a:r>
+            <a:r>
+              <a:rPr lang="ko-KR" altLang="en-US" dirty="0">
+                <a:latin typeface="Cascadia Code" pitchFamily="49" charset="0"/>
+                <a:cs typeface="Cascadia Code" pitchFamily="49" charset="0"/>
+              </a:rPr>
+              <a:t> = 10;</a:t>
+            </a:r>
+          </a:p>
+          <a:p>
+            <a:r>
+              <a:rPr lang="ko-KR" altLang="en-US" dirty="0">
+                <a:solidFill>
+                  <a:srgbClr val="FF0000"/>
+                </a:solidFill>
+                <a:latin typeface="Cascadia Code" pitchFamily="49" charset="0"/>
+                <a:cs typeface="Cascadia Code" pitchFamily="49" charset="0"/>
+              </a:rPr>
+              <a:t>    </a:t>
+            </a:r>
+            <a:r>
+              <a:rPr lang="ko-KR" altLang="en-US" dirty="0" err="1">
+                <a:solidFill>
+                  <a:srgbClr val="FF0000"/>
+                </a:solidFill>
+                <a:latin typeface="Cascadia Code" pitchFamily="49" charset="0"/>
+                <a:cs typeface="Cascadia Code" pitchFamily="49" charset="0"/>
+              </a:rPr>
+              <a:t>increment</a:t>
+            </a:r>
+            <a:r>
+              <a:rPr lang="ko-KR" altLang="en-US" dirty="0">
+                <a:solidFill>
+                  <a:srgbClr val="FF0000"/>
+                </a:solidFill>
+                <a:latin typeface="Cascadia Code" pitchFamily="49" charset="0"/>
+                <a:cs typeface="Cascadia Code" pitchFamily="49" charset="0"/>
+              </a:rPr>
+              <a:t>(</a:t>
+            </a:r>
+            <a:r>
+              <a:rPr lang="ko-KR" altLang="en-US" dirty="0" err="1">
+                <a:solidFill>
+                  <a:srgbClr val="FF0000"/>
+                </a:solidFill>
+                <a:latin typeface="Cascadia Code" pitchFamily="49" charset="0"/>
+                <a:cs typeface="Cascadia Code" pitchFamily="49" charset="0"/>
+              </a:rPr>
+              <a:t>n</a:t>
+            </a:r>
+            <a:r>
+              <a:rPr lang="ko-KR" altLang="en-US" dirty="0">
+                <a:solidFill>
+                  <a:srgbClr val="FF0000"/>
+                </a:solidFill>
+                <a:latin typeface="Cascadia Code" pitchFamily="49" charset="0"/>
+                <a:cs typeface="Cascadia Code" pitchFamily="49" charset="0"/>
+              </a:rPr>
+              <a:t>);</a:t>
+            </a:r>
+          </a:p>
+          <a:p>
+            <a:endParaRPr lang="ko-KR" altLang="en-US" dirty="0">
+              <a:latin typeface="Cascadia Code" pitchFamily="49" charset="0"/>
+              <a:cs typeface="Cascadia Code" pitchFamily="49" charset="0"/>
+            </a:endParaRPr>
+          </a:p>
+          <a:p>
+            <a:r>
+              <a:rPr lang="ko-KR" altLang="en-US" dirty="0">
+                <a:latin typeface="Cascadia Code" pitchFamily="49" charset="0"/>
+                <a:cs typeface="Cascadia Code" pitchFamily="49" charset="0"/>
+              </a:rPr>
+              <a:t>    </a:t>
+            </a:r>
+            <a:r>
+              <a:rPr lang="ko-KR" altLang="en-US" dirty="0" err="1">
+                <a:latin typeface="Cascadia Code" pitchFamily="49" charset="0"/>
+                <a:cs typeface="Cascadia Code" pitchFamily="49" charset="0"/>
+              </a:rPr>
+              <a:t>std</a:t>
+            </a:r>
+            <a:r>
+              <a:rPr lang="ko-KR" altLang="en-US" dirty="0">
+                <a:latin typeface="Cascadia Code" pitchFamily="49" charset="0"/>
+                <a:cs typeface="Cascadia Code" pitchFamily="49" charset="0"/>
+              </a:rPr>
+              <a:t>::</a:t>
+            </a:r>
+            <a:r>
+              <a:rPr lang="ko-KR" altLang="en-US" dirty="0" err="1">
+                <a:latin typeface="Cascadia Code" pitchFamily="49" charset="0"/>
+                <a:cs typeface="Cascadia Code" pitchFamily="49" charset="0"/>
+              </a:rPr>
+              <a:t>cout</a:t>
+            </a:r>
+            <a:r>
+              <a:rPr lang="ko-KR" altLang="en-US" dirty="0">
+                <a:latin typeface="Cascadia Code" pitchFamily="49" charset="0"/>
+                <a:cs typeface="Cascadia Code" pitchFamily="49" charset="0"/>
+              </a:rPr>
+              <a:t> &lt;&lt; </a:t>
+            </a:r>
+            <a:r>
+              <a:rPr lang="ko-KR" altLang="en-US" dirty="0" err="1">
+                <a:latin typeface="Cascadia Code" pitchFamily="49" charset="0"/>
+                <a:cs typeface="Cascadia Code" pitchFamily="49" charset="0"/>
+              </a:rPr>
+              <a:t>n</a:t>
+            </a:r>
+            <a:r>
+              <a:rPr lang="ko-KR" altLang="en-US" dirty="0">
+                <a:latin typeface="Cascadia Code" pitchFamily="49" charset="0"/>
+                <a:cs typeface="Cascadia Code" pitchFamily="49" charset="0"/>
+              </a:rPr>
+              <a:t> &lt;&lt; </a:t>
+            </a:r>
+            <a:r>
+              <a:rPr lang="ko-KR" altLang="en-US" dirty="0" err="1">
+                <a:latin typeface="Cascadia Code" pitchFamily="49" charset="0"/>
+                <a:cs typeface="Cascadia Code" pitchFamily="49" charset="0"/>
+              </a:rPr>
+              <a:t>std</a:t>
+            </a:r>
+            <a:r>
+              <a:rPr lang="ko-KR" altLang="en-US" dirty="0">
+                <a:latin typeface="Cascadia Code" pitchFamily="49" charset="0"/>
+                <a:cs typeface="Cascadia Code" pitchFamily="49" charset="0"/>
+              </a:rPr>
+              <a:t>::</a:t>
+            </a:r>
+            <a:r>
+              <a:rPr lang="ko-KR" altLang="en-US" dirty="0" err="1">
+                <a:latin typeface="Cascadia Code" pitchFamily="49" charset="0"/>
+                <a:cs typeface="Cascadia Code" pitchFamily="49" charset="0"/>
+              </a:rPr>
+              <a:t>endl</a:t>
+            </a:r>
+            <a:r>
+              <a:rPr lang="ko-KR" altLang="en-US" dirty="0">
+                <a:latin typeface="Cascadia Code" pitchFamily="49" charset="0"/>
+                <a:cs typeface="Cascadia Code" pitchFamily="49" charset="0"/>
+              </a:rPr>
+              <a:t>;</a:t>
+            </a:r>
+          </a:p>
+          <a:p>
+            <a:r>
+              <a:rPr lang="ko-KR" altLang="en-US" dirty="0">
+                <a:latin typeface="Cascadia Code" pitchFamily="49" charset="0"/>
+                <a:cs typeface="Cascadia Code" pitchFamily="49" charset="0"/>
+              </a:rPr>
+              <a:t>}</a:t>
+            </a:r>
+          </a:p>
+        </p:txBody>
+      </p:sp>
+      <p:sp>
+        <p:nvSpPr>
+          <p:cNvPr id="6" name="직사각형 5">
+            <a:extLst>
+              <a:ext uri="{FF2B5EF4-FFF2-40B4-BE49-F238E27FC236}">
+                <a16:creationId xmlns:a16="http://schemas.microsoft.com/office/drawing/2014/main" id="{8A4CE615-C745-E6A9-9D3C-C28D50BF4004}"/>
+              </a:ext>
+            </a:extLst>
+          </p:cNvPr>
+          <p:cNvSpPr/>
+          <p:nvPr/>
+        </p:nvSpPr>
+        <p:spPr>
+          <a:xfrm>
+            <a:off x="1385454" y="4516016"/>
+            <a:ext cx="3870037" cy="1819563"/>
+          </a:xfrm>
+          <a:prstGeom prst="rect">
+            <a:avLst/>
+          </a:prstGeom>
+          <a:solidFill>
+            <a:schemeClr val="bg1"/>
+          </a:solidFill>
+        </p:spPr>
+        <p:style>
+          <a:lnRef idx="2">
+            <a:schemeClr val="accent1">
+              <a:shade val="15000"/>
+            </a:schemeClr>
+          </a:lnRef>
+          <a:fillRef idx="1">
+            <a:schemeClr val="accent1"/>
+          </a:fillRef>
+          <a:effectRef idx="0">
+            <a:schemeClr val="accent1"/>
+          </a:effectRef>
+          <a:fontRef idx="minor">
+            <a:schemeClr val="lt1"/>
+          </a:fontRef>
+        </p:style>
+        <p:txBody>
+          <a:bodyPr rtlCol="0" anchor="ctr"/>
+          <a:lstStyle/>
+          <a:p>
+            <a:pPr algn="ctr"/>
+            <a:endParaRPr kumimoji="1" lang="ko-KR" altLang="en-US" sz="1600" dirty="0">
+              <a:solidFill>
+                <a:schemeClr val="tx1"/>
+              </a:solidFill>
+              <a:latin typeface="Cascadia Code" pitchFamily="49" charset="0"/>
+              <a:cs typeface="Cascadia Code" pitchFamily="49" charset="0"/>
+            </a:endParaRPr>
+          </a:p>
+        </p:txBody>
+      </p:sp>
+      <p:sp>
+        <p:nvSpPr>
+          <p:cNvPr id="8" name="TextBox 7">
+            <a:extLst>
+              <a:ext uri="{FF2B5EF4-FFF2-40B4-BE49-F238E27FC236}">
+                <a16:creationId xmlns:a16="http://schemas.microsoft.com/office/drawing/2014/main" id="{B4CF22DA-3D8E-BF3B-D329-EFD0B396FA87}"/>
+              </a:ext>
+            </a:extLst>
+          </p:cNvPr>
+          <p:cNvSpPr txBox="1"/>
+          <p:nvPr/>
+        </p:nvSpPr>
+        <p:spPr>
+          <a:xfrm>
+            <a:off x="2724726" y="4146684"/>
+            <a:ext cx="1191491" cy="369332"/>
+          </a:xfrm>
+          <a:prstGeom prst="rect">
+            <a:avLst/>
+          </a:prstGeom>
+          <a:noFill/>
+        </p:spPr>
+        <p:txBody>
+          <a:bodyPr wrap="square">
+            <a:spAutoFit/>
+          </a:bodyPr>
+          <a:lstStyle/>
+          <a:p>
+            <a:pPr algn="ctr"/>
+            <a:r>
+              <a:rPr lang="ko-KR" altLang="en-US" dirty="0" err="1">
+                <a:latin typeface="Cascadia Code" pitchFamily="49" charset="0"/>
+                <a:cs typeface="Cascadia Code" pitchFamily="49" charset="0"/>
+              </a:rPr>
+              <a:t>main</a:t>
+            </a:r>
+            <a:endParaRPr lang="ko-KR" altLang="en-US" dirty="0"/>
+          </a:p>
+        </p:txBody>
+      </p:sp>
+      <p:sp>
+        <p:nvSpPr>
+          <p:cNvPr id="9" name="직사각형 8">
+            <a:extLst>
+              <a:ext uri="{FF2B5EF4-FFF2-40B4-BE49-F238E27FC236}">
+                <a16:creationId xmlns:a16="http://schemas.microsoft.com/office/drawing/2014/main" id="{5C6718BB-70DE-F30C-F436-2F31CADE5EDE}"/>
+              </a:ext>
+            </a:extLst>
+          </p:cNvPr>
+          <p:cNvSpPr/>
+          <p:nvPr/>
+        </p:nvSpPr>
+        <p:spPr>
+          <a:xfrm>
+            <a:off x="2796077" y="4982066"/>
+            <a:ext cx="1120140" cy="610463"/>
+          </a:xfrm>
+          <a:prstGeom prst="rect">
+            <a:avLst/>
+          </a:prstGeom>
+          <a:solidFill>
+            <a:srgbClr val="FFFF00"/>
+          </a:solidFill>
+        </p:spPr>
+        <p:style>
+          <a:lnRef idx="2">
+            <a:schemeClr val="accent1">
+              <a:shade val="15000"/>
+            </a:schemeClr>
+          </a:lnRef>
+          <a:fillRef idx="1">
+            <a:schemeClr val="accent1"/>
+          </a:fillRef>
+          <a:effectRef idx="0">
+            <a:schemeClr val="accent1"/>
+          </a:effectRef>
+          <a:fontRef idx="minor">
+            <a:schemeClr val="lt1"/>
+          </a:fontRef>
+        </p:style>
+        <p:txBody>
+          <a:bodyPr rtlCol="0" anchor="ctr"/>
+          <a:lstStyle/>
+          <a:p>
+            <a:pPr algn="ctr"/>
+            <a:r>
+              <a:rPr kumimoji="1" lang="en-US" altLang="ko-KR" sz="1600" dirty="0">
+                <a:solidFill>
+                  <a:schemeClr val="tx1"/>
+                </a:solidFill>
+                <a:latin typeface="Cascadia Code" pitchFamily="49" charset="0"/>
+                <a:cs typeface="Cascadia Code" pitchFamily="49" charset="0"/>
+              </a:rPr>
+              <a:t>10</a:t>
+            </a:r>
+            <a:endParaRPr kumimoji="1" lang="ko-KR" altLang="en-US" sz="1600" dirty="0">
+              <a:solidFill>
+                <a:schemeClr val="tx1"/>
+              </a:solidFill>
+              <a:latin typeface="Cascadia Code" pitchFamily="49" charset="0"/>
+              <a:cs typeface="Cascadia Code" pitchFamily="49" charset="0"/>
+            </a:endParaRPr>
+          </a:p>
+        </p:txBody>
+      </p:sp>
+      <p:sp>
+        <p:nvSpPr>
+          <p:cNvPr id="10" name="TextBox 9">
+            <a:extLst>
+              <a:ext uri="{FF2B5EF4-FFF2-40B4-BE49-F238E27FC236}">
+                <a16:creationId xmlns:a16="http://schemas.microsoft.com/office/drawing/2014/main" id="{A2D3F6B6-7747-1550-9A2C-C4F85AC21BC5}"/>
+              </a:ext>
+            </a:extLst>
+          </p:cNvPr>
+          <p:cNvSpPr txBox="1"/>
+          <p:nvPr/>
+        </p:nvSpPr>
+        <p:spPr>
+          <a:xfrm>
+            <a:off x="2529377" y="5118020"/>
+            <a:ext cx="236220" cy="338554"/>
+          </a:xfrm>
+          <a:prstGeom prst="rect">
+            <a:avLst/>
+          </a:prstGeom>
+          <a:noFill/>
+        </p:spPr>
+        <p:txBody>
+          <a:bodyPr wrap="square" rtlCol="0">
+            <a:spAutoFit/>
+          </a:bodyPr>
+          <a:lstStyle/>
+          <a:p>
+            <a:pPr algn="ctr"/>
+            <a:r>
+              <a:rPr kumimoji="1" lang="en-US" altLang="ko-KR" sz="1600" dirty="0">
+                <a:latin typeface="Cascadia Code" pitchFamily="49" charset="0"/>
+                <a:ea typeface="Cascadia Code" pitchFamily="49" charset="0"/>
+                <a:cs typeface="Cascadia Code" pitchFamily="49" charset="0"/>
+              </a:rPr>
+              <a:t>n</a:t>
+            </a:r>
+            <a:endParaRPr kumimoji="1" lang="ko-KR" altLang="en-US" sz="1600" dirty="0">
+              <a:latin typeface="Cascadia Code" pitchFamily="49" charset="0"/>
+              <a:ea typeface="Cascadia Code" pitchFamily="49" charset="0"/>
+              <a:cs typeface="Cascadia Code" pitchFamily="49" charset="0"/>
+            </a:endParaRPr>
+          </a:p>
+        </p:txBody>
+      </p:sp>
+      <p:sp>
+        <p:nvSpPr>
+          <p:cNvPr id="11" name="TextBox 10">
+            <a:extLst>
+              <a:ext uri="{FF2B5EF4-FFF2-40B4-BE49-F238E27FC236}">
+                <a16:creationId xmlns:a16="http://schemas.microsoft.com/office/drawing/2014/main" id="{0C20494E-83DA-E9EA-46C4-DFFFE2F73F96}"/>
+              </a:ext>
+            </a:extLst>
+          </p:cNvPr>
+          <p:cNvSpPr txBox="1"/>
+          <p:nvPr/>
+        </p:nvSpPr>
+        <p:spPr>
+          <a:xfrm>
+            <a:off x="2369357" y="4705067"/>
+            <a:ext cx="1089660" cy="276999"/>
+          </a:xfrm>
+          <a:prstGeom prst="rect">
+            <a:avLst/>
+          </a:prstGeom>
+          <a:noFill/>
+        </p:spPr>
+        <p:txBody>
+          <a:bodyPr wrap="square">
+            <a:spAutoFit/>
+          </a:bodyPr>
+          <a:lstStyle/>
+          <a:p>
+            <a:r>
+              <a:rPr kumimoji="1" lang="en-US" altLang="ko-KR" sz="1200" dirty="0">
+                <a:solidFill>
+                  <a:schemeClr val="tx1"/>
+                </a:solidFill>
+                <a:latin typeface="Cascadia Code" pitchFamily="49" charset="0"/>
+                <a:cs typeface="Cascadia Code" pitchFamily="49" charset="0"/>
+              </a:rPr>
+              <a:t>0x2000</a:t>
+            </a:r>
+            <a:endParaRPr lang="ko-KR" altLang="en-US" sz="1200" dirty="0"/>
+          </a:p>
+        </p:txBody>
+      </p:sp>
+      <p:sp>
+        <p:nvSpPr>
+          <p:cNvPr id="2" name="직사각형 1">
+            <a:extLst>
+              <a:ext uri="{FF2B5EF4-FFF2-40B4-BE49-F238E27FC236}">
+                <a16:creationId xmlns:a16="http://schemas.microsoft.com/office/drawing/2014/main" id="{8F60A888-B71C-12D6-0C5F-CB2D2D3C8DDE}"/>
+              </a:ext>
+            </a:extLst>
+          </p:cNvPr>
+          <p:cNvSpPr/>
+          <p:nvPr/>
+        </p:nvSpPr>
+        <p:spPr>
+          <a:xfrm>
+            <a:off x="6830290" y="992343"/>
+            <a:ext cx="3870037" cy="1819563"/>
+          </a:xfrm>
+          <a:prstGeom prst="rect">
+            <a:avLst/>
+          </a:prstGeom>
+          <a:solidFill>
+            <a:schemeClr val="bg1"/>
+          </a:solidFill>
+        </p:spPr>
+        <p:style>
+          <a:lnRef idx="2">
+            <a:schemeClr val="accent1">
+              <a:shade val="15000"/>
+            </a:schemeClr>
+          </a:lnRef>
+          <a:fillRef idx="1">
+            <a:schemeClr val="accent1"/>
+          </a:fillRef>
+          <a:effectRef idx="0">
+            <a:schemeClr val="accent1"/>
+          </a:effectRef>
+          <a:fontRef idx="minor">
+            <a:schemeClr val="lt1"/>
+          </a:fontRef>
+        </p:style>
+        <p:txBody>
+          <a:bodyPr rtlCol="0" anchor="ctr"/>
+          <a:lstStyle/>
+          <a:p>
+            <a:pPr algn="ctr"/>
+            <a:endParaRPr kumimoji="1" lang="ko-KR" altLang="en-US" sz="1600" dirty="0">
+              <a:solidFill>
+                <a:schemeClr val="tx1"/>
+              </a:solidFill>
+              <a:latin typeface="Cascadia Code" pitchFamily="49" charset="0"/>
+              <a:cs typeface="Cascadia Code" pitchFamily="49" charset="0"/>
+            </a:endParaRPr>
+          </a:p>
+        </p:txBody>
+      </p:sp>
+      <p:sp>
+        <p:nvSpPr>
+          <p:cNvPr id="3" name="TextBox 2">
+            <a:extLst>
+              <a:ext uri="{FF2B5EF4-FFF2-40B4-BE49-F238E27FC236}">
+                <a16:creationId xmlns:a16="http://schemas.microsoft.com/office/drawing/2014/main" id="{C767C6B6-16F5-0617-BA40-9C8483E87360}"/>
+              </a:ext>
+            </a:extLst>
+          </p:cNvPr>
+          <p:cNvSpPr txBox="1"/>
+          <p:nvPr/>
+        </p:nvSpPr>
+        <p:spPr>
+          <a:xfrm>
+            <a:off x="7970983" y="522421"/>
+            <a:ext cx="1408544" cy="369332"/>
+          </a:xfrm>
+          <a:prstGeom prst="rect">
+            <a:avLst/>
+          </a:prstGeom>
+          <a:noFill/>
+        </p:spPr>
+        <p:txBody>
+          <a:bodyPr wrap="square">
+            <a:spAutoFit/>
+          </a:bodyPr>
+          <a:lstStyle/>
+          <a:p>
+            <a:pPr algn="ctr"/>
+            <a:r>
+              <a:rPr lang="ko-KR" altLang="en-US" dirty="0" err="1">
+                <a:latin typeface="Cascadia Code" pitchFamily="49" charset="0"/>
+                <a:cs typeface="Cascadia Code" pitchFamily="49" charset="0"/>
+              </a:rPr>
+              <a:t>increment</a:t>
+            </a:r>
+            <a:endParaRPr lang="ko-KR" altLang="en-US" dirty="0"/>
+          </a:p>
+        </p:txBody>
+      </p:sp>
+      <p:sp>
+        <p:nvSpPr>
+          <p:cNvPr id="4" name="직사각형 3">
+            <a:extLst>
+              <a:ext uri="{FF2B5EF4-FFF2-40B4-BE49-F238E27FC236}">
+                <a16:creationId xmlns:a16="http://schemas.microsoft.com/office/drawing/2014/main" id="{6832F745-C5C4-5396-5E13-939F462052A5}"/>
+              </a:ext>
+            </a:extLst>
+          </p:cNvPr>
+          <p:cNvSpPr/>
+          <p:nvPr/>
+        </p:nvSpPr>
+        <p:spPr>
+          <a:xfrm>
+            <a:off x="8228445" y="1366030"/>
+            <a:ext cx="1120140" cy="610463"/>
+          </a:xfrm>
+          <a:prstGeom prst="rect">
+            <a:avLst/>
+          </a:prstGeom>
+          <a:solidFill>
+            <a:srgbClr val="FFFF00"/>
+          </a:solidFill>
+        </p:spPr>
+        <p:style>
+          <a:lnRef idx="2">
+            <a:schemeClr val="accent1">
+              <a:shade val="15000"/>
+            </a:schemeClr>
+          </a:lnRef>
+          <a:fillRef idx="1">
+            <a:schemeClr val="accent1"/>
+          </a:fillRef>
+          <a:effectRef idx="0">
+            <a:schemeClr val="accent1"/>
+          </a:effectRef>
+          <a:fontRef idx="minor">
+            <a:schemeClr val="lt1"/>
+          </a:fontRef>
+        </p:style>
+        <p:txBody>
+          <a:bodyPr rtlCol="0" anchor="ctr"/>
+          <a:lstStyle/>
+          <a:p>
+            <a:pPr algn="ctr"/>
+            <a:r>
+              <a:rPr kumimoji="1" lang="en-US" altLang="ko-KR" sz="1600" dirty="0">
+                <a:solidFill>
+                  <a:srgbClr val="FF0000"/>
+                </a:solidFill>
+                <a:latin typeface="Cascadia Code" pitchFamily="49" charset="0"/>
+                <a:cs typeface="Cascadia Code" pitchFamily="49" charset="0"/>
+              </a:rPr>
+              <a:t>11</a:t>
+            </a:r>
+            <a:endParaRPr kumimoji="1" lang="ko-KR" altLang="en-US" sz="1600" dirty="0">
+              <a:solidFill>
+                <a:srgbClr val="FF0000"/>
+              </a:solidFill>
+              <a:latin typeface="Cascadia Code" pitchFamily="49" charset="0"/>
+              <a:cs typeface="Cascadia Code" pitchFamily="49" charset="0"/>
+            </a:endParaRPr>
+          </a:p>
+        </p:txBody>
+      </p:sp>
+      <p:sp>
+        <p:nvSpPr>
+          <p:cNvPr id="7" name="TextBox 6">
+            <a:extLst>
+              <a:ext uri="{FF2B5EF4-FFF2-40B4-BE49-F238E27FC236}">
+                <a16:creationId xmlns:a16="http://schemas.microsoft.com/office/drawing/2014/main" id="{944D880B-7D89-C5C0-51A8-44E10627DA08}"/>
+              </a:ext>
+            </a:extLst>
+          </p:cNvPr>
+          <p:cNvSpPr txBox="1"/>
+          <p:nvPr/>
+        </p:nvSpPr>
+        <p:spPr>
+          <a:xfrm>
+            <a:off x="7961745" y="1501984"/>
+            <a:ext cx="236220" cy="338554"/>
+          </a:xfrm>
+          <a:prstGeom prst="rect">
+            <a:avLst/>
+          </a:prstGeom>
+          <a:noFill/>
+        </p:spPr>
+        <p:txBody>
+          <a:bodyPr wrap="square" rtlCol="0">
+            <a:spAutoFit/>
+          </a:bodyPr>
+          <a:lstStyle/>
+          <a:p>
+            <a:pPr algn="ctr"/>
+            <a:r>
+              <a:rPr kumimoji="1" lang="en-US" altLang="ko-KR" sz="1600" dirty="0">
+                <a:latin typeface="Cascadia Code" pitchFamily="49" charset="0"/>
+                <a:ea typeface="Cascadia Code" pitchFamily="49" charset="0"/>
+                <a:cs typeface="Cascadia Code" pitchFamily="49" charset="0"/>
+              </a:rPr>
+              <a:t>x</a:t>
+            </a:r>
+            <a:endParaRPr kumimoji="1" lang="ko-KR" altLang="en-US" sz="1600" dirty="0">
+              <a:latin typeface="Cascadia Code" pitchFamily="49" charset="0"/>
+              <a:ea typeface="Cascadia Code" pitchFamily="49" charset="0"/>
+              <a:cs typeface="Cascadia Code" pitchFamily="49" charset="0"/>
+            </a:endParaRPr>
+          </a:p>
+        </p:txBody>
+      </p:sp>
+      <p:cxnSp>
+        <p:nvCxnSpPr>
+          <p:cNvPr id="13" name="구부러진 연결선[U] 12">
+            <a:extLst>
+              <a:ext uri="{FF2B5EF4-FFF2-40B4-BE49-F238E27FC236}">
+                <a16:creationId xmlns:a16="http://schemas.microsoft.com/office/drawing/2014/main" id="{5A6D550E-BA77-D0F5-483B-7D078AF935D1}"/>
+              </a:ext>
+            </a:extLst>
+          </p:cNvPr>
+          <p:cNvCxnSpPr>
+            <a:cxnSpLocks/>
+            <a:stCxn id="9" idx="3"/>
+            <a:endCxn id="4" idx="2"/>
+          </p:cNvCxnSpPr>
+          <p:nvPr/>
+        </p:nvCxnSpPr>
+        <p:spPr>
+          <a:xfrm flipV="1">
+            <a:off x="3916217" y="1976493"/>
+            <a:ext cx="4872298" cy="3310805"/>
+          </a:xfrm>
+          <a:prstGeom prst="curvedConnector2">
+            <a:avLst/>
+          </a:prstGeom>
+          <a:ln>
+            <a:tailEnd type="triangle"/>
+          </a:ln>
+        </p:spPr>
+        <p:style>
+          <a:lnRef idx="2">
+            <a:schemeClr val="dk1"/>
+          </a:lnRef>
+          <a:fillRef idx="0">
+            <a:schemeClr val="dk1"/>
+          </a:fillRef>
+          <a:effectRef idx="1">
+            <a:schemeClr val="dk1"/>
+          </a:effectRef>
+          <a:fontRef idx="minor">
+            <a:schemeClr val="tx1"/>
+          </a:fontRef>
+        </p:style>
+      </p:cxnSp>
+      <p:sp>
+        <p:nvSpPr>
+          <p:cNvPr id="16" name="TextBox 15">
+            <a:extLst>
+              <a:ext uri="{FF2B5EF4-FFF2-40B4-BE49-F238E27FC236}">
+                <a16:creationId xmlns:a16="http://schemas.microsoft.com/office/drawing/2014/main" id="{60F7FBE8-FF5C-E8E6-2702-42038200BF07}"/>
+              </a:ext>
+            </a:extLst>
+          </p:cNvPr>
+          <p:cNvSpPr txBox="1"/>
+          <p:nvPr/>
+        </p:nvSpPr>
+        <p:spPr>
+          <a:xfrm>
+            <a:off x="6822324" y="4520401"/>
+            <a:ext cx="1927860" cy="369332"/>
+          </a:xfrm>
+          <a:prstGeom prst="rect">
+            <a:avLst/>
+          </a:prstGeom>
+          <a:noFill/>
+        </p:spPr>
+        <p:txBody>
+          <a:bodyPr wrap="square">
+            <a:spAutoFit/>
+          </a:bodyPr>
+          <a:lstStyle/>
+          <a:p>
+            <a:r>
+              <a:rPr kumimoji="1" lang="ko-KR" altLang="en-US" dirty="0">
+                <a:latin typeface="Cascadia Code" pitchFamily="49" charset="0"/>
+                <a:cs typeface="Cascadia Code" pitchFamily="49" charset="0"/>
+              </a:rPr>
+              <a:t>복사</a:t>
+            </a:r>
+            <a:endParaRPr lang="ko-KR" altLang="en-US" dirty="0"/>
+          </a:p>
+        </p:txBody>
+      </p:sp>
+    </p:spTree>
+    <p:extLst>
+      <p:ext uri="{BB962C8B-B14F-4D97-AF65-F5344CB8AC3E}">
+        <p14:creationId xmlns:p14="http://schemas.microsoft.com/office/powerpoint/2010/main" val="624113256"/>
+      </p:ext>
+    </p:extLst>
+  </p:cSld>
+  <p:clrMapOvr>
+    <a:masterClrMapping/>
+  </p:clrMapOvr>
+</p:sld>
+</file>
+
+<file path=ppt/slides/slide13.xml><?xml version="1.0" encoding="utf-8"?>
+<p:sld xmlns:a="http://schemas.openxmlformats.org/drawingml/2006/main" xmlns:r="http://schemas.openxmlformats.org/officeDocument/2006/relationships" xmlns:p="http://schemas.openxmlformats.org/presentationml/2006/main">
+  <p:cSld>
+    <p:spTree>
+      <p:nvGrpSpPr>
+        <p:cNvPr id="1" name=""/>
+        <p:cNvGrpSpPr/>
+        <p:nvPr/>
+      </p:nvGrpSpPr>
+      <p:grpSpPr>
+        <a:xfrm>
+          <a:off x="0" y="0"/>
+          <a:ext cx="0" cy="0"/>
+          <a:chOff x="0" y="0"/>
+          <a:chExt cx="0" cy="0"/>
+        </a:xfrm>
+      </p:grpSpPr>
+      <p:sp>
+        <p:nvSpPr>
+          <p:cNvPr id="5" name="TextBox 4">
+            <a:extLst>
+              <a:ext uri="{FF2B5EF4-FFF2-40B4-BE49-F238E27FC236}">
+                <a16:creationId xmlns:a16="http://schemas.microsoft.com/office/drawing/2014/main" id="{872A3B39-03C4-8246-D0A3-C0F1B2CF91B8}"/>
+              </a:ext>
+            </a:extLst>
+          </p:cNvPr>
+          <p:cNvSpPr txBox="1"/>
+          <p:nvPr/>
+        </p:nvSpPr>
+        <p:spPr>
+          <a:xfrm>
+            <a:off x="572654" y="522421"/>
+            <a:ext cx="6096000" cy="3416320"/>
+          </a:xfrm>
+          <a:prstGeom prst="rect">
+            <a:avLst/>
+          </a:prstGeom>
+          <a:noFill/>
+        </p:spPr>
+        <p:txBody>
+          <a:bodyPr wrap="square">
+            <a:spAutoFit/>
+          </a:bodyPr>
+          <a:lstStyle/>
+          <a:p>
+            <a:r>
+              <a:rPr lang="ko-KR" altLang="en-US" dirty="0" err="1">
+                <a:latin typeface="Cascadia Code" pitchFamily="49" charset="0"/>
+                <a:cs typeface="Cascadia Code" pitchFamily="49" charset="0"/>
+              </a:rPr>
+              <a:t>void</a:t>
+            </a:r>
+            <a:r>
+              <a:rPr lang="ko-KR" altLang="en-US" dirty="0">
+                <a:latin typeface="Cascadia Code" pitchFamily="49" charset="0"/>
+                <a:cs typeface="Cascadia Code" pitchFamily="49" charset="0"/>
+              </a:rPr>
+              <a:t> </a:t>
+            </a:r>
+            <a:r>
+              <a:rPr lang="ko-KR" altLang="en-US" dirty="0" err="1">
+                <a:latin typeface="Cascadia Code" pitchFamily="49" charset="0"/>
+                <a:cs typeface="Cascadia Code" pitchFamily="49" charset="0"/>
+              </a:rPr>
+              <a:t>increment</a:t>
+            </a:r>
+            <a:r>
+              <a:rPr lang="ko-KR" altLang="en-US" dirty="0">
+                <a:latin typeface="Cascadia Code" pitchFamily="49" charset="0"/>
+                <a:cs typeface="Cascadia Code" pitchFamily="49" charset="0"/>
+              </a:rPr>
+              <a:t>(</a:t>
+            </a:r>
+            <a:r>
+              <a:rPr lang="ko-KR" altLang="en-US" dirty="0" err="1">
+                <a:latin typeface="Cascadia Code" pitchFamily="49" charset="0"/>
+                <a:cs typeface="Cascadia Code" pitchFamily="49" charset="0"/>
+              </a:rPr>
+              <a:t>int</a:t>
+            </a:r>
+            <a:r>
+              <a:rPr lang="ko-KR" altLang="en-US" dirty="0">
+                <a:latin typeface="Cascadia Code" pitchFamily="49" charset="0"/>
+                <a:cs typeface="Cascadia Code" pitchFamily="49" charset="0"/>
+              </a:rPr>
+              <a:t> </a:t>
+            </a:r>
+            <a:r>
+              <a:rPr lang="ko-KR" altLang="en-US" dirty="0" err="1">
+                <a:latin typeface="Cascadia Code" pitchFamily="49" charset="0"/>
+                <a:cs typeface="Cascadia Code" pitchFamily="49" charset="0"/>
+              </a:rPr>
+              <a:t>x</a:t>
+            </a:r>
+            <a:r>
+              <a:rPr lang="ko-KR" altLang="en-US" dirty="0">
+                <a:latin typeface="Cascadia Code" pitchFamily="49" charset="0"/>
+                <a:cs typeface="Cascadia Code" pitchFamily="49" charset="0"/>
+              </a:rPr>
+              <a:t>)</a:t>
+            </a:r>
+          </a:p>
+          <a:p>
+            <a:r>
+              <a:rPr lang="ko-KR" altLang="en-US" dirty="0">
+                <a:latin typeface="Cascadia Code" pitchFamily="49" charset="0"/>
+                <a:cs typeface="Cascadia Code" pitchFamily="49" charset="0"/>
+              </a:rPr>
+              <a:t>{</a:t>
+            </a:r>
+          </a:p>
+          <a:p>
+            <a:r>
+              <a:rPr lang="ko-KR" altLang="en-US" dirty="0">
+                <a:latin typeface="Cascadia Code" pitchFamily="49" charset="0"/>
+                <a:cs typeface="Cascadia Code" pitchFamily="49" charset="0"/>
+              </a:rPr>
+              <a:t>    ++</a:t>
+            </a:r>
+            <a:r>
+              <a:rPr lang="ko-KR" altLang="en-US" dirty="0" err="1">
+                <a:latin typeface="Cascadia Code" pitchFamily="49" charset="0"/>
+                <a:cs typeface="Cascadia Code" pitchFamily="49" charset="0"/>
+              </a:rPr>
+              <a:t>x</a:t>
+            </a:r>
+            <a:r>
+              <a:rPr lang="ko-KR" altLang="en-US" dirty="0">
+                <a:latin typeface="Cascadia Code" pitchFamily="49" charset="0"/>
+                <a:cs typeface="Cascadia Code" pitchFamily="49" charset="0"/>
+              </a:rPr>
+              <a:t>;</a:t>
+            </a:r>
+          </a:p>
+          <a:p>
+            <a:r>
+              <a:rPr lang="ko-KR" altLang="en-US" dirty="0">
+                <a:latin typeface="Cascadia Code" pitchFamily="49" charset="0"/>
+                <a:cs typeface="Cascadia Code" pitchFamily="49" charset="0"/>
+              </a:rPr>
+              <a:t>}</a:t>
+            </a:r>
+          </a:p>
+          <a:p>
+            <a:endParaRPr lang="ko-KR" altLang="en-US" dirty="0">
+              <a:latin typeface="Cascadia Code" pitchFamily="49" charset="0"/>
+              <a:cs typeface="Cascadia Code" pitchFamily="49" charset="0"/>
+            </a:endParaRPr>
+          </a:p>
+          <a:p>
+            <a:r>
+              <a:rPr lang="ko-KR" altLang="en-US" dirty="0" err="1">
+                <a:latin typeface="Cascadia Code" pitchFamily="49" charset="0"/>
+                <a:cs typeface="Cascadia Code" pitchFamily="49" charset="0"/>
+              </a:rPr>
+              <a:t>int</a:t>
+            </a:r>
+            <a:r>
+              <a:rPr lang="ko-KR" altLang="en-US" dirty="0">
+                <a:latin typeface="Cascadia Code" pitchFamily="49" charset="0"/>
+                <a:cs typeface="Cascadia Code" pitchFamily="49" charset="0"/>
+              </a:rPr>
+              <a:t> </a:t>
+            </a:r>
+            <a:r>
+              <a:rPr lang="ko-KR" altLang="en-US" dirty="0" err="1">
+                <a:latin typeface="Cascadia Code" pitchFamily="49" charset="0"/>
+                <a:cs typeface="Cascadia Code" pitchFamily="49" charset="0"/>
+              </a:rPr>
+              <a:t>main</a:t>
+            </a:r>
+            <a:r>
+              <a:rPr lang="ko-KR" altLang="en-US" dirty="0">
+                <a:latin typeface="Cascadia Code" pitchFamily="49" charset="0"/>
+                <a:cs typeface="Cascadia Code" pitchFamily="49" charset="0"/>
+              </a:rPr>
+              <a:t>()</a:t>
+            </a:r>
+          </a:p>
+          <a:p>
+            <a:r>
+              <a:rPr lang="ko-KR" altLang="en-US" dirty="0">
+                <a:latin typeface="Cascadia Code" pitchFamily="49" charset="0"/>
+                <a:cs typeface="Cascadia Code" pitchFamily="49" charset="0"/>
+              </a:rPr>
+              <a:t>{</a:t>
+            </a:r>
+          </a:p>
+          <a:p>
+            <a:r>
+              <a:rPr lang="ko-KR" altLang="en-US" dirty="0">
+                <a:latin typeface="Cascadia Code" pitchFamily="49" charset="0"/>
+                <a:cs typeface="Cascadia Code" pitchFamily="49" charset="0"/>
+              </a:rPr>
+              <a:t>    </a:t>
+            </a:r>
+            <a:r>
+              <a:rPr lang="ko-KR" altLang="en-US" dirty="0" err="1">
+                <a:latin typeface="Cascadia Code" pitchFamily="49" charset="0"/>
+                <a:cs typeface="Cascadia Code" pitchFamily="49" charset="0"/>
+              </a:rPr>
+              <a:t>int</a:t>
+            </a:r>
+            <a:r>
+              <a:rPr lang="ko-KR" altLang="en-US" dirty="0">
+                <a:latin typeface="Cascadia Code" pitchFamily="49" charset="0"/>
+                <a:cs typeface="Cascadia Code" pitchFamily="49" charset="0"/>
+              </a:rPr>
+              <a:t> </a:t>
+            </a:r>
+            <a:r>
+              <a:rPr lang="ko-KR" altLang="en-US" dirty="0" err="1">
+                <a:latin typeface="Cascadia Code" pitchFamily="49" charset="0"/>
+                <a:cs typeface="Cascadia Code" pitchFamily="49" charset="0"/>
+              </a:rPr>
+              <a:t>n</a:t>
+            </a:r>
+            <a:r>
+              <a:rPr lang="ko-KR" altLang="en-US" dirty="0">
+                <a:latin typeface="Cascadia Code" pitchFamily="49" charset="0"/>
+                <a:cs typeface="Cascadia Code" pitchFamily="49" charset="0"/>
+              </a:rPr>
+              <a:t> = 10;</a:t>
+            </a:r>
+          </a:p>
+          <a:p>
+            <a:r>
+              <a:rPr lang="ko-KR" altLang="en-US" dirty="0">
+                <a:latin typeface="Cascadia Code" pitchFamily="49" charset="0"/>
+                <a:cs typeface="Cascadia Code" pitchFamily="49" charset="0"/>
+              </a:rPr>
+              <a:t>    </a:t>
+            </a:r>
+            <a:r>
+              <a:rPr lang="ko-KR" altLang="en-US" dirty="0" err="1">
+                <a:latin typeface="Cascadia Code" pitchFamily="49" charset="0"/>
+                <a:cs typeface="Cascadia Code" pitchFamily="49" charset="0"/>
+              </a:rPr>
+              <a:t>increment</a:t>
+            </a:r>
+            <a:r>
+              <a:rPr lang="ko-KR" altLang="en-US" dirty="0">
+                <a:latin typeface="Cascadia Code" pitchFamily="49" charset="0"/>
+                <a:cs typeface="Cascadia Code" pitchFamily="49" charset="0"/>
+              </a:rPr>
+              <a:t>(</a:t>
+            </a:r>
+            <a:r>
+              <a:rPr lang="ko-KR" altLang="en-US" dirty="0" err="1">
+                <a:latin typeface="Cascadia Code" pitchFamily="49" charset="0"/>
+                <a:cs typeface="Cascadia Code" pitchFamily="49" charset="0"/>
+              </a:rPr>
+              <a:t>n</a:t>
+            </a:r>
+            <a:r>
+              <a:rPr lang="ko-KR" altLang="en-US" dirty="0">
+                <a:latin typeface="Cascadia Code" pitchFamily="49" charset="0"/>
+                <a:cs typeface="Cascadia Code" pitchFamily="49" charset="0"/>
+              </a:rPr>
+              <a:t>);</a:t>
+            </a:r>
+          </a:p>
+          <a:p>
+            <a:endParaRPr lang="ko-KR" altLang="en-US" dirty="0">
+              <a:latin typeface="Cascadia Code" pitchFamily="49" charset="0"/>
+              <a:cs typeface="Cascadia Code" pitchFamily="49" charset="0"/>
+            </a:endParaRPr>
+          </a:p>
+          <a:p>
+            <a:r>
+              <a:rPr lang="ko-KR" altLang="en-US" dirty="0">
+                <a:solidFill>
+                  <a:srgbClr val="FF0000"/>
+                </a:solidFill>
+                <a:latin typeface="Cascadia Code" pitchFamily="49" charset="0"/>
+                <a:cs typeface="Cascadia Code" pitchFamily="49" charset="0"/>
+              </a:rPr>
+              <a:t>    </a:t>
+            </a:r>
+            <a:r>
+              <a:rPr lang="ko-KR" altLang="en-US" dirty="0" err="1">
+                <a:solidFill>
+                  <a:srgbClr val="FF0000"/>
+                </a:solidFill>
+                <a:latin typeface="Cascadia Code" pitchFamily="49" charset="0"/>
+                <a:cs typeface="Cascadia Code" pitchFamily="49" charset="0"/>
+              </a:rPr>
+              <a:t>std</a:t>
+            </a:r>
+            <a:r>
+              <a:rPr lang="ko-KR" altLang="en-US" dirty="0">
+                <a:solidFill>
+                  <a:srgbClr val="FF0000"/>
+                </a:solidFill>
+                <a:latin typeface="Cascadia Code" pitchFamily="49" charset="0"/>
+                <a:cs typeface="Cascadia Code" pitchFamily="49" charset="0"/>
+              </a:rPr>
+              <a:t>::</a:t>
+            </a:r>
+            <a:r>
+              <a:rPr lang="ko-KR" altLang="en-US" dirty="0" err="1">
+                <a:solidFill>
+                  <a:srgbClr val="FF0000"/>
+                </a:solidFill>
+                <a:latin typeface="Cascadia Code" pitchFamily="49" charset="0"/>
+                <a:cs typeface="Cascadia Code" pitchFamily="49" charset="0"/>
+              </a:rPr>
+              <a:t>cout</a:t>
+            </a:r>
+            <a:r>
+              <a:rPr lang="ko-KR" altLang="en-US" dirty="0">
+                <a:solidFill>
+                  <a:srgbClr val="FF0000"/>
+                </a:solidFill>
+                <a:latin typeface="Cascadia Code" pitchFamily="49" charset="0"/>
+                <a:cs typeface="Cascadia Code" pitchFamily="49" charset="0"/>
+              </a:rPr>
+              <a:t> &lt;&lt; </a:t>
+            </a:r>
+            <a:r>
+              <a:rPr lang="ko-KR" altLang="en-US" dirty="0" err="1">
+                <a:solidFill>
+                  <a:srgbClr val="FF0000"/>
+                </a:solidFill>
+                <a:latin typeface="Cascadia Code" pitchFamily="49" charset="0"/>
+                <a:cs typeface="Cascadia Code" pitchFamily="49" charset="0"/>
+              </a:rPr>
+              <a:t>n</a:t>
+            </a:r>
+            <a:r>
+              <a:rPr lang="ko-KR" altLang="en-US" dirty="0">
+                <a:solidFill>
+                  <a:srgbClr val="FF0000"/>
+                </a:solidFill>
+                <a:latin typeface="Cascadia Code" pitchFamily="49" charset="0"/>
+                <a:cs typeface="Cascadia Code" pitchFamily="49" charset="0"/>
+              </a:rPr>
+              <a:t> &lt;&lt; </a:t>
+            </a:r>
+            <a:r>
+              <a:rPr lang="ko-KR" altLang="en-US" dirty="0" err="1">
+                <a:solidFill>
+                  <a:srgbClr val="FF0000"/>
+                </a:solidFill>
+                <a:latin typeface="Cascadia Code" pitchFamily="49" charset="0"/>
+                <a:cs typeface="Cascadia Code" pitchFamily="49" charset="0"/>
+              </a:rPr>
+              <a:t>std</a:t>
+            </a:r>
+            <a:r>
+              <a:rPr lang="ko-KR" altLang="en-US" dirty="0">
+                <a:solidFill>
+                  <a:srgbClr val="FF0000"/>
+                </a:solidFill>
+                <a:latin typeface="Cascadia Code" pitchFamily="49" charset="0"/>
+                <a:cs typeface="Cascadia Code" pitchFamily="49" charset="0"/>
+              </a:rPr>
+              <a:t>::</a:t>
+            </a:r>
+            <a:r>
+              <a:rPr lang="ko-KR" altLang="en-US" dirty="0" err="1">
+                <a:solidFill>
+                  <a:srgbClr val="FF0000"/>
+                </a:solidFill>
+                <a:latin typeface="Cascadia Code" pitchFamily="49" charset="0"/>
+                <a:cs typeface="Cascadia Code" pitchFamily="49" charset="0"/>
+              </a:rPr>
+              <a:t>endl</a:t>
+            </a:r>
+            <a:r>
+              <a:rPr lang="ko-KR" altLang="en-US" dirty="0">
+                <a:solidFill>
+                  <a:srgbClr val="FF0000"/>
+                </a:solidFill>
+                <a:latin typeface="Cascadia Code" pitchFamily="49" charset="0"/>
+                <a:cs typeface="Cascadia Code" pitchFamily="49" charset="0"/>
+              </a:rPr>
+              <a:t>;</a:t>
+            </a:r>
+          </a:p>
+          <a:p>
+            <a:r>
+              <a:rPr lang="ko-KR" altLang="en-US" dirty="0">
+                <a:latin typeface="Cascadia Code" pitchFamily="49" charset="0"/>
+                <a:cs typeface="Cascadia Code" pitchFamily="49" charset="0"/>
+              </a:rPr>
+              <a:t>}</a:t>
+            </a:r>
+          </a:p>
+        </p:txBody>
+      </p:sp>
+      <p:sp>
+        <p:nvSpPr>
+          <p:cNvPr id="6" name="직사각형 5">
+            <a:extLst>
+              <a:ext uri="{FF2B5EF4-FFF2-40B4-BE49-F238E27FC236}">
+                <a16:creationId xmlns:a16="http://schemas.microsoft.com/office/drawing/2014/main" id="{8A4CE615-C745-E6A9-9D3C-C28D50BF4004}"/>
+              </a:ext>
+            </a:extLst>
+          </p:cNvPr>
+          <p:cNvSpPr/>
+          <p:nvPr/>
+        </p:nvSpPr>
+        <p:spPr>
+          <a:xfrm>
+            <a:off x="1385454" y="4516016"/>
+            <a:ext cx="3870037" cy="1819563"/>
+          </a:xfrm>
+          <a:prstGeom prst="rect">
+            <a:avLst/>
+          </a:prstGeom>
+          <a:solidFill>
+            <a:schemeClr val="bg1"/>
+          </a:solidFill>
+        </p:spPr>
+        <p:style>
+          <a:lnRef idx="2">
+            <a:schemeClr val="accent1">
+              <a:shade val="15000"/>
+            </a:schemeClr>
+          </a:lnRef>
+          <a:fillRef idx="1">
+            <a:schemeClr val="accent1"/>
+          </a:fillRef>
+          <a:effectRef idx="0">
+            <a:schemeClr val="accent1"/>
+          </a:effectRef>
+          <a:fontRef idx="minor">
+            <a:schemeClr val="lt1"/>
+          </a:fontRef>
+        </p:style>
+        <p:txBody>
+          <a:bodyPr rtlCol="0" anchor="ctr"/>
+          <a:lstStyle/>
+          <a:p>
+            <a:pPr algn="ctr"/>
+            <a:endParaRPr kumimoji="1" lang="ko-KR" altLang="en-US" sz="1600" dirty="0">
+              <a:solidFill>
+                <a:schemeClr val="tx1"/>
+              </a:solidFill>
+              <a:latin typeface="Cascadia Code" pitchFamily="49" charset="0"/>
+              <a:cs typeface="Cascadia Code" pitchFamily="49" charset="0"/>
+            </a:endParaRPr>
+          </a:p>
+        </p:txBody>
+      </p:sp>
+      <p:sp>
+        <p:nvSpPr>
+          <p:cNvPr id="8" name="TextBox 7">
+            <a:extLst>
+              <a:ext uri="{FF2B5EF4-FFF2-40B4-BE49-F238E27FC236}">
+                <a16:creationId xmlns:a16="http://schemas.microsoft.com/office/drawing/2014/main" id="{B4CF22DA-3D8E-BF3B-D329-EFD0B396FA87}"/>
+              </a:ext>
+            </a:extLst>
+          </p:cNvPr>
+          <p:cNvSpPr txBox="1"/>
+          <p:nvPr/>
+        </p:nvSpPr>
+        <p:spPr>
+          <a:xfrm>
+            <a:off x="2724726" y="4146684"/>
+            <a:ext cx="1191491" cy="369332"/>
+          </a:xfrm>
+          <a:prstGeom prst="rect">
+            <a:avLst/>
+          </a:prstGeom>
+          <a:noFill/>
+        </p:spPr>
+        <p:txBody>
+          <a:bodyPr wrap="square">
+            <a:spAutoFit/>
+          </a:bodyPr>
+          <a:lstStyle/>
+          <a:p>
+            <a:pPr algn="ctr"/>
+            <a:r>
+              <a:rPr lang="ko-KR" altLang="en-US" dirty="0" err="1">
+                <a:latin typeface="Cascadia Code" pitchFamily="49" charset="0"/>
+                <a:cs typeface="Cascadia Code" pitchFamily="49" charset="0"/>
+              </a:rPr>
+              <a:t>main</a:t>
+            </a:r>
+            <a:endParaRPr lang="ko-KR" altLang="en-US" dirty="0"/>
+          </a:p>
+        </p:txBody>
+      </p:sp>
+      <p:sp>
+        <p:nvSpPr>
+          <p:cNvPr id="9" name="직사각형 8">
+            <a:extLst>
+              <a:ext uri="{FF2B5EF4-FFF2-40B4-BE49-F238E27FC236}">
+                <a16:creationId xmlns:a16="http://schemas.microsoft.com/office/drawing/2014/main" id="{5C6718BB-70DE-F30C-F436-2F31CADE5EDE}"/>
+              </a:ext>
+            </a:extLst>
+          </p:cNvPr>
+          <p:cNvSpPr/>
+          <p:nvPr/>
+        </p:nvSpPr>
+        <p:spPr>
+          <a:xfrm>
+            <a:off x="2796077" y="4982066"/>
+            <a:ext cx="1120140" cy="610463"/>
+          </a:xfrm>
+          <a:prstGeom prst="rect">
+            <a:avLst/>
+          </a:prstGeom>
+          <a:solidFill>
+            <a:srgbClr val="FFFF00"/>
+          </a:solidFill>
+        </p:spPr>
+        <p:style>
+          <a:lnRef idx="2">
+            <a:schemeClr val="accent1">
+              <a:shade val="15000"/>
+            </a:schemeClr>
+          </a:lnRef>
+          <a:fillRef idx="1">
+            <a:schemeClr val="accent1"/>
+          </a:fillRef>
+          <a:effectRef idx="0">
+            <a:schemeClr val="accent1"/>
+          </a:effectRef>
+          <a:fontRef idx="minor">
+            <a:schemeClr val="lt1"/>
+          </a:fontRef>
+        </p:style>
+        <p:txBody>
+          <a:bodyPr rtlCol="0" anchor="ctr"/>
+          <a:lstStyle/>
+          <a:p>
+            <a:pPr algn="ctr"/>
+            <a:r>
+              <a:rPr kumimoji="1" lang="en-US" altLang="ko-KR" sz="1600" dirty="0">
+                <a:solidFill>
+                  <a:schemeClr val="tx1"/>
+                </a:solidFill>
+                <a:latin typeface="Cascadia Code" pitchFamily="49" charset="0"/>
+                <a:cs typeface="Cascadia Code" pitchFamily="49" charset="0"/>
+              </a:rPr>
+              <a:t>10</a:t>
+            </a:r>
+            <a:endParaRPr kumimoji="1" lang="ko-KR" altLang="en-US" sz="1600" dirty="0">
+              <a:solidFill>
+                <a:schemeClr val="tx1"/>
+              </a:solidFill>
+              <a:latin typeface="Cascadia Code" pitchFamily="49" charset="0"/>
+              <a:cs typeface="Cascadia Code" pitchFamily="49" charset="0"/>
+            </a:endParaRPr>
+          </a:p>
+        </p:txBody>
+      </p:sp>
+      <p:sp>
+        <p:nvSpPr>
+          <p:cNvPr id="10" name="TextBox 9">
+            <a:extLst>
+              <a:ext uri="{FF2B5EF4-FFF2-40B4-BE49-F238E27FC236}">
+                <a16:creationId xmlns:a16="http://schemas.microsoft.com/office/drawing/2014/main" id="{A2D3F6B6-7747-1550-9A2C-C4F85AC21BC5}"/>
+              </a:ext>
+            </a:extLst>
+          </p:cNvPr>
+          <p:cNvSpPr txBox="1"/>
+          <p:nvPr/>
+        </p:nvSpPr>
+        <p:spPr>
+          <a:xfrm>
+            <a:off x="2529377" y="5118020"/>
+            <a:ext cx="236220" cy="338554"/>
+          </a:xfrm>
+          <a:prstGeom prst="rect">
+            <a:avLst/>
+          </a:prstGeom>
+          <a:noFill/>
+        </p:spPr>
+        <p:txBody>
+          <a:bodyPr wrap="square" rtlCol="0">
+            <a:spAutoFit/>
+          </a:bodyPr>
+          <a:lstStyle/>
+          <a:p>
+            <a:pPr algn="ctr"/>
+            <a:r>
+              <a:rPr kumimoji="1" lang="en-US" altLang="ko-KR" sz="1600" dirty="0">
+                <a:latin typeface="Cascadia Code" pitchFamily="49" charset="0"/>
+                <a:ea typeface="Cascadia Code" pitchFamily="49" charset="0"/>
+                <a:cs typeface="Cascadia Code" pitchFamily="49" charset="0"/>
+              </a:rPr>
+              <a:t>n</a:t>
+            </a:r>
+            <a:endParaRPr kumimoji="1" lang="ko-KR" altLang="en-US" sz="1600" dirty="0">
+              <a:latin typeface="Cascadia Code" pitchFamily="49" charset="0"/>
+              <a:ea typeface="Cascadia Code" pitchFamily="49" charset="0"/>
+              <a:cs typeface="Cascadia Code" pitchFamily="49" charset="0"/>
+            </a:endParaRPr>
+          </a:p>
+        </p:txBody>
+      </p:sp>
+      <p:sp>
+        <p:nvSpPr>
+          <p:cNvPr id="11" name="TextBox 10">
+            <a:extLst>
+              <a:ext uri="{FF2B5EF4-FFF2-40B4-BE49-F238E27FC236}">
+                <a16:creationId xmlns:a16="http://schemas.microsoft.com/office/drawing/2014/main" id="{0C20494E-83DA-E9EA-46C4-DFFFE2F73F96}"/>
+              </a:ext>
+            </a:extLst>
+          </p:cNvPr>
+          <p:cNvSpPr txBox="1"/>
+          <p:nvPr/>
+        </p:nvSpPr>
+        <p:spPr>
+          <a:xfrm>
+            <a:off x="2369357" y="4705067"/>
+            <a:ext cx="1089660" cy="276999"/>
+          </a:xfrm>
+          <a:prstGeom prst="rect">
+            <a:avLst/>
+          </a:prstGeom>
+          <a:noFill/>
+        </p:spPr>
+        <p:txBody>
+          <a:bodyPr wrap="square">
+            <a:spAutoFit/>
+          </a:bodyPr>
+          <a:lstStyle/>
+          <a:p>
+            <a:r>
+              <a:rPr kumimoji="1" lang="en-US" altLang="ko-KR" sz="1200" dirty="0">
+                <a:solidFill>
+                  <a:schemeClr val="tx1"/>
+                </a:solidFill>
+                <a:latin typeface="Cascadia Code" pitchFamily="49" charset="0"/>
+                <a:cs typeface="Cascadia Code" pitchFamily="49" charset="0"/>
+              </a:rPr>
+              <a:t>0x2000</a:t>
+            </a:r>
+            <a:endParaRPr lang="ko-KR" altLang="en-US" sz="1200" dirty="0"/>
+          </a:p>
+        </p:txBody>
+      </p:sp>
+    </p:spTree>
+    <p:extLst>
+      <p:ext uri="{BB962C8B-B14F-4D97-AF65-F5344CB8AC3E}">
+        <p14:creationId xmlns:p14="http://schemas.microsoft.com/office/powerpoint/2010/main" val="765797970"/>
+      </p:ext>
+    </p:extLst>
+  </p:cSld>
+  <p:clrMapOvr>
+    <a:masterClrMapping/>
+  </p:clrMapOvr>
+</p:sld>
+</file>
+
+<file path=ppt/slides/slide14.xml><?xml version="1.0" encoding="utf-8"?>
+<p:sld xmlns:a="http://schemas.openxmlformats.org/drawingml/2006/main" xmlns:r="http://schemas.openxmlformats.org/officeDocument/2006/relationships" xmlns:p="http://schemas.openxmlformats.org/presentationml/2006/main">
+  <p:cSld>
+    <p:spTree>
+      <p:nvGrpSpPr>
+        <p:cNvPr id="1" name=""/>
+        <p:cNvGrpSpPr/>
+        <p:nvPr/>
+      </p:nvGrpSpPr>
+      <p:grpSpPr>
+        <a:xfrm>
+          <a:off x="0" y="0"/>
+          <a:ext cx="0" cy="0"/>
+          <a:chOff x="0" y="0"/>
+          <a:chExt cx="0" cy="0"/>
+        </a:xfrm>
+      </p:grpSpPr>
+      <p:sp>
+        <p:nvSpPr>
+          <p:cNvPr id="5" name="TextBox 4">
+            <a:extLst>
+              <a:ext uri="{FF2B5EF4-FFF2-40B4-BE49-F238E27FC236}">
+                <a16:creationId xmlns:a16="http://schemas.microsoft.com/office/drawing/2014/main" id="{872A3B39-03C4-8246-D0A3-C0F1B2CF91B8}"/>
+              </a:ext>
+            </a:extLst>
+          </p:cNvPr>
+          <p:cNvSpPr txBox="1"/>
+          <p:nvPr/>
+        </p:nvSpPr>
+        <p:spPr>
+          <a:xfrm>
+            <a:off x="572654" y="522421"/>
+            <a:ext cx="6096000" cy="3416320"/>
+          </a:xfrm>
+          <a:prstGeom prst="rect">
+            <a:avLst/>
+          </a:prstGeom>
+          <a:noFill/>
+        </p:spPr>
+        <p:txBody>
+          <a:bodyPr wrap="square">
+            <a:spAutoFit/>
+          </a:bodyPr>
+          <a:lstStyle/>
+          <a:p>
+            <a:r>
+              <a:rPr lang="en-US" altLang="ko-KR" dirty="0">
+                <a:latin typeface="Cascadia Code" pitchFamily="49" charset="0"/>
+                <a:cs typeface="Cascadia Code" pitchFamily="49" charset="0"/>
+              </a:rPr>
+              <a:t>void </a:t>
+            </a:r>
+            <a:r>
+              <a:rPr lang="en-US" altLang="ko-KR" dirty="0" err="1">
+                <a:latin typeface="Cascadia Code" pitchFamily="49" charset="0"/>
+                <a:cs typeface="Cascadia Code" pitchFamily="49" charset="0"/>
+              </a:rPr>
+              <a:t>increment_pointer</a:t>
+            </a:r>
+            <a:r>
+              <a:rPr lang="en-US" altLang="ko-KR" dirty="0">
+                <a:latin typeface="Cascadia Code" pitchFamily="49" charset="0"/>
+                <a:cs typeface="Cascadia Code" pitchFamily="49" charset="0"/>
+              </a:rPr>
+              <a:t>(int* p)</a:t>
+            </a:r>
+          </a:p>
+          <a:p>
+            <a:r>
+              <a:rPr lang="en-US" altLang="ko-KR" dirty="0">
+                <a:latin typeface="Cascadia Code" pitchFamily="49" charset="0"/>
+                <a:cs typeface="Cascadia Code" pitchFamily="49" charset="0"/>
+              </a:rPr>
+              <a:t>{</a:t>
+            </a:r>
+          </a:p>
+          <a:p>
+            <a:r>
+              <a:rPr lang="en-US" altLang="ko-KR" dirty="0">
+                <a:latin typeface="Cascadia Code" pitchFamily="49" charset="0"/>
+                <a:cs typeface="Cascadia Code" pitchFamily="49" charset="0"/>
+              </a:rPr>
+              <a:t>    ++(*p);</a:t>
+            </a:r>
+          </a:p>
+          <a:p>
+            <a:r>
+              <a:rPr lang="en-US" altLang="ko-KR" dirty="0">
+                <a:latin typeface="Cascadia Code" pitchFamily="49" charset="0"/>
+                <a:cs typeface="Cascadia Code" pitchFamily="49" charset="0"/>
+              </a:rPr>
+              <a:t>}</a:t>
+            </a:r>
+          </a:p>
+          <a:p>
+            <a:endParaRPr lang="en-US" altLang="ko-KR" dirty="0">
+              <a:latin typeface="Cascadia Code" pitchFamily="49" charset="0"/>
+              <a:cs typeface="Cascadia Code" pitchFamily="49" charset="0"/>
+            </a:endParaRPr>
+          </a:p>
+          <a:p>
+            <a:r>
+              <a:rPr lang="en-US" altLang="ko-KR" dirty="0">
+                <a:latin typeface="Cascadia Code" pitchFamily="49" charset="0"/>
+                <a:cs typeface="Cascadia Code" pitchFamily="49" charset="0"/>
+              </a:rPr>
+              <a:t>int main()</a:t>
+            </a:r>
+          </a:p>
+          <a:p>
+            <a:r>
+              <a:rPr lang="en-US" altLang="ko-KR" dirty="0">
+                <a:latin typeface="Cascadia Code" pitchFamily="49" charset="0"/>
+                <a:cs typeface="Cascadia Code" pitchFamily="49" charset="0"/>
+              </a:rPr>
+              <a:t>{</a:t>
+            </a:r>
+          </a:p>
+          <a:p>
+            <a:r>
+              <a:rPr lang="en-US" altLang="ko-KR" dirty="0">
+                <a:latin typeface="Cascadia Code" pitchFamily="49" charset="0"/>
+                <a:cs typeface="Cascadia Code" pitchFamily="49" charset="0"/>
+              </a:rPr>
+              <a:t>    int n = 10;</a:t>
+            </a:r>
+          </a:p>
+          <a:p>
+            <a:r>
+              <a:rPr lang="en-US" altLang="ko-KR" dirty="0">
+                <a:solidFill>
+                  <a:srgbClr val="FF0000"/>
+                </a:solidFill>
+                <a:latin typeface="Cascadia Code" pitchFamily="49" charset="0"/>
+                <a:cs typeface="Cascadia Code" pitchFamily="49" charset="0"/>
+              </a:rPr>
+              <a:t>    </a:t>
+            </a:r>
+            <a:r>
+              <a:rPr lang="en-US" altLang="ko-KR" dirty="0" err="1">
+                <a:solidFill>
+                  <a:srgbClr val="FF0000"/>
+                </a:solidFill>
+                <a:latin typeface="Cascadia Code" pitchFamily="49" charset="0"/>
+                <a:cs typeface="Cascadia Code" pitchFamily="49" charset="0"/>
+              </a:rPr>
+              <a:t>increment_pointer</a:t>
+            </a:r>
+            <a:r>
+              <a:rPr lang="en-US" altLang="ko-KR" dirty="0">
+                <a:solidFill>
+                  <a:srgbClr val="FF0000"/>
+                </a:solidFill>
+                <a:latin typeface="Cascadia Code" pitchFamily="49" charset="0"/>
+                <a:cs typeface="Cascadia Code" pitchFamily="49" charset="0"/>
+              </a:rPr>
+              <a:t>(&amp;n);</a:t>
+            </a:r>
+          </a:p>
+          <a:p>
+            <a:endParaRPr lang="en-US" altLang="ko-KR" dirty="0">
+              <a:latin typeface="Cascadia Code" pitchFamily="49" charset="0"/>
+              <a:cs typeface="Cascadia Code" pitchFamily="49" charset="0"/>
+            </a:endParaRPr>
+          </a:p>
+          <a:p>
+            <a:r>
+              <a:rPr lang="en-US" altLang="ko-KR" dirty="0">
+                <a:latin typeface="Cascadia Code" pitchFamily="49" charset="0"/>
+                <a:cs typeface="Cascadia Code" pitchFamily="49" charset="0"/>
+              </a:rPr>
+              <a:t>    std::</a:t>
+            </a:r>
+            <a:r>
+              <a:rPr lang="en-US" altLang="ko-KR" dirty="0" err="1">
+                <a:latin typeface="Cascadia Code" pitchFamily="49" charset="0"/>
+                <a:cs typeface="Cascadia Code" pitchFamily="49" charset="0"/>
+              </a:rPr>
+              <a:t>cout</a:t>
+            </a:r>
+            <a:r>
+              <a:rPr lang="en-US" altLang="ko-KR" dirty="0">
+                <a:latin typeface="Cascadia Code" pitchFamily="49" charset="0"/>
+                <a:cs typeface="Cascadia Code" pitchFamily="49" charset="0"/>
+              </a:rPr>
+              <a:t> &lt;&lt; n &lt;&lt; std::</a:t>
+            </a:r>
+            <a:r>
+              <a:rPr lang="en-US" altLang="ko-KR" dirty="0" err="1">
+                <a:latin typeface="Cascadia Code" pitchFamily="49" charset="0"/>
+                <a:cs typeface="Cascadia Code" pitchFamily="49" charset="0"/>
+              </a:rPr>
+              <a:t>endl</a:t>
+            </a:r>
+            <a:r>
+              <a:rPr lang="en-US" altLang="ko-KR" dirty="0">
+                <a:latin typeface="Cascadia Code" pitchFamily="49" charset="0"/>
+                <a:cs typeface="Cascadia Code" pitchFamily="49" charset="0"/>
+              </a:rPr>
+              <a:t>;</a:t>
+            </a:r>
+          </a:p>
+          <a:p>
+            <a:r>
+              <a:rPr lang="en-US" altLang="ko-KR" dirty="0">
+                <a:latin typeface="Cascadia Code" pitchFamily="49" charset="0"/>
+                <a:cs typeface="Cascadia Code" pitchFamily="49" charset="0"/>
+              </a:rPr>
+              <a:t>}</a:t>
+            </a:r>
+          </a:p>
+        </p:txBody>
+      </p:sp>
+      <p:sp>
+        <p:nvSpPr>
+          <p:cNvPr id="6" name="직사각형 5">
+            <a:extLst>
+              <a:ext uri="{FF2B5EF4-FFF2-40B4-BE49-F238E27FC236}">
+                <a16:creationId xmlns:a16="http://schemas.microsoft.com/office/drawing/2014/main" id="{8A4CE615-C745-E6A9-9D3C-C28D50BF4004}"/>
+              </a:ext>
+            </a:extLst>
+          </p:cNvPr>
+          <p:cNvSpPr/>
+          <p:nvPr/>
+        </p:nvSpPr>
+        <p:spPr>
+          <a:xfrm>
+            <a:off x="1385454" y="4516016"/>
+            <a:ext cx="3870037" cy="1819563"/>
+          </a:xfrm>
+          <a:prstGeom prst="rect">
+            <a:avLst/>
+          </a:prstGeom>
+          <a:solidFill>
+            <a:schemeClr val="bg1"/>
+          </a:solidFill>
+        </p:spPr>
+        <p:style>
+          <a:lnRef idx="2">
+            <a:schemeClr val="accent1">
+              <a:shade val="15000"/>
+            </a:schemeClr>
+          </a:lnRef>
+          <a:fillRef idx="1">
+            <a:schemeClr val="accent1"/>
+          </a:fillRef>
+          <a:effectRef idx="0">
+            <a:schemeClr val="accent1"/>
+          </a:effectRef>
+          <a:fontRef idx="minor">
+            <a:schemeClr val="lt1"/>
+          </a:fontRef>
+        </p:style>
+        <p:txBody>
+          <a:bodyPr rtlCol="0" anchor="ctr"/>
+          <a:lstStyle/>
+          <a:p>
+            <a:pPr algn="ctr"/>
+            <a:endParaRPr kumimoji="1" lang="ko-KR" altLang="en-US" sz="1600" dirty="0">
+              <a:solidFill>
+                <a:schemeClr val="tx1"/>
+              </a:solidFill>
+              <a:latin typeface="Cascadia Code" pitchFamily="49" charset="0"/>
+              <a:cs typeface="Cascadia Code" pitchFamily="49" charset="0"/>
+            </a:endParaRPr>
+          </a:p>
+        </p:txBody>
+      </p:sp>
+      <p:sp>
+        <p:nvSpPr>
+          <p:cNvPr id="8" name="TextBox 7">
+            <a:extLst>
+              <a:ext uri="{FF2B5EF4-FFF2-40B4-BE49-F238E27FC236}">
+                <a16:creationId xmlns:a16="http://schemas.microsoft.com/office/drawing/2014/main" id="{B4CF22DA-3D8E-BF3B-D329-EFD0B396FA87}"/>
+              </a:ext>
+            </a:extLst>
+          </p:cNvPr>
+          <p:cNvSpPr txBox="1"/>
+          <p:nvPr/>
+        </p:nvSpPr>
+        <p:spPr>
+          <a:xfrm>
+            <a:off x="2724726" y="4146684"/>
+            <a:ext cx="1191491" cy="369332"/>
+          </a:xfrm>
+          <a:prstGeom prst="rect">
+            <a:avLst/>
+          </a:prstGeom>
+          <a:noFill/>
+        </p:spPr>
+        <p:txBody>
+          <a:bodyPr wrap="square">
+            <a:spAutoFit/>
+          </a:bodyPr>
+          <a:lstStyle/>
+          <a:p>
+            <a:pPr algn="ctr"/>
+            <a:r>
+              <a:rPr lang="ko-KR" altLang="en-US" dirty="0" err="1">
+                <a:latin typeface="Cascadia Code" pitchFamily="49" charset="0"/>
+                <a:cs typeface="Cascadia Code" pitchFamily="49" charset="0"/>
+              </a:rPr>
+              <a:t>main</a:t>
+            </a:r>
+            <a:endParaRPr lang="ko-KR" altLang="en-US" dirty="0"/>
+          </a:p>
+        </p:txBody>
+      </p:sp>
+      <p:sp>
+        <p:nvSpPr>
+          <p:cNvPr id="9" name="직사각형 8">
+            <a:extLst>
+              <a:ext uri="{FF2B5EF4-FFF2-40B4-BE49-F238E27FC236}">
+                <a16:creationId xmlns:a16="http://schemas.microsoft.com/office/drawing/2014/main" id="{5C6718BB-70DE-F30C-F436-2F31CADE5EDE}"/>
+              </a:ext>
+            </a:extLst>
+          </p:cNvPr>
+          <p:cNvSpPr/>
+          <p:nvPr/>
+        </p:nvSpPr>
+        <p:spPr>
+          <a:xfrm>
+            <a:off x="2796077" y="4982066"/>
+            <a:ext cx="1120140" cy="610463"/>
+          </a:xfrm>
+          <a:prstGeom prst="rect">
+            <a:avLst/>
+          </a:prstGeom>
+          <a:solidFill>
+            <a:srgbClr val="FFFF00"/>
+          </a:solidFill>
+        </p:spPr>
+        <p:style>
+          <a:lnRef idx="2">
+            <a:schemeClr val="accent1">
+              <a:shade val="15000"/>
+            </a:schemeClr>
+          </a:lnRef>
+          <a:fillRef idx="1">
+            <a:schemeClr val="accent1"/>
+          </a:fillRef>
+          <a:effectRef idx="0">
+            <a:schemeClr val="accent1"/>
+          </a:effectRef>
+          <a:fontRef idx="minor">
+            <a:schemeClr val="lt1"/>
+          </a:fontRef>
+        </p:style>
+        <p:txBody>
+          <a:bodyPr rtlCol="0" anchor="ctr"/>
+          <a:lstStyle/>
+          <a:p>
+            <a:pPr algn="ctr"/>
+            <a:r>
+              <a:rPr kumimoji="1" lang="en-US" altLang="ko-KR" sz="1600" dirty="0">
+                <a:solidFill>
+                  <a:schemeClr val="tx1"/>
+                </a:solidFill>
+                <a:latin typeface="Cascadia Code" pitchFamily="49" charset="0"/>
+                <a:cs typeface="Cascadia Code" pitchFamily="49" charset="0"/>
+              </a:rPr>
+              <a:t>10</a:t>
+            </a:r>
+            <a:endParaRPr kumimoji="1" lang="ko-KR" altLang="en-US" sz="1600" dirty="0">
+              <a:solidFill>
+                <a:schemeClr val="tx1"/>
+              </a:solidFill>
+              <a:latin typeface="Cascadia Code" pitchFamily="49" charset="0"/>
+              <a:cs typeface="Cascadia Code" pitchFamily="49" charset="0"/>
+            </a:endParaRPr>
+          </a:p>
+        </p:txBody>
+      </p:sp>
+      <p:sp>
+        <p:nvSpPr>
+          <p:cNvPr id="10" name="TextBox 9">
+            <a:extLst>
+              <a:ext uri="{FF2B5EF4-FFF2-40B4-BE49-F238E27FC236}">
+                <a16:creationId xmlns:a16="http://schemas.microsoft.com/office/drawing/2014/main" id="{A2D3F6B6-7747-1550-9A2C-C4F85AC21BC5}"/>
+              </a:ext>
+            </a:extLst>
+          </p:cNvPr>
+          <p:cNvSpPr txBox="1"/>
+          <p:nvPr/>
+        </p:nvSpPr>
+        <p:spPr>
+          <a:xfrm>
+            <a:off x="2529377" y="5118020"/>
+            <a:ext cx="236220" cy="338554"/>
+          </a:xfrm>
+          <a:prstGeom prst="rect">
+            <a:avLst/>
+          </a:prstGeom>
+          <a:noFill/>
+        </p:spPr>
+        <p:txBody>
+          <a:bodyPr wrap="square" rtlCol="0">
+            <a:spAutoFit/>
+          </a:bodyPr>
+          <a:lstStyle/>
+          <a:p>
+            <a:pPr algn="ctr"/>
+            <a:r>
+              <a:rPr kumimoji="1" lang="en-US" altLang="ko-KR" sz="1600" dirty="0">
+                <a:latin typeface="Cascadia Code" pitchFamily="49" charset="0"/>
+                <a:ea typeface="Cascadia Code" pitchFamily="49" charset="0"/>
+                <a:cs typeface="Cascadia Code" pitchFamily="49" charset="0"/>
+              </a:rPr>
+              <a:t>n</a:t>
+            </a:r>
+            <a:endParaRPr kumimoji="1" lang="ko-KR" altLang="en-US" sz="1600" dirty="0">
+              <a:latin typeface="Cascadia Code" pitchFamily="49" charset="0"/>
+              <a:ea typeface="Cascadia Code" pitchFamily="49" charset="0"/>
+              <a:cs typeface="Cascadia Code" pitchFamily="49" charset="0"/>
+            </a:endParaRPr>
+          </a:p>
+        </p:txBody>
+      </p:sp>
+      <p:sp>
+        <p:nvSpPr>
+          <p:cNvPr id="11" name="TextBox 10">
+            <a:extLst>
+              <a:ext uri="{FF2B5EF4-FFF2-40B4-BE49-F238E27FC236}">
+                <a16:creationId xmlns:a16="http://schemas.microsoft.com/office/drawing/2014/main" id="{0C20494E-83DA-E9EA-46C4-DFFFE2F73F96}"/>
+              </a:ext>
+            </a:extLst>
+          </p:cNvPr>
+          <p:cNvSpPr txBox="1"/>
+          <p:nvPr/>
+        </p:nvSpPr>
+        <p:spPr>
+          <a:xfrm>
+            <a:off x="2369357" y="4705067"/>
+            <a:ext cx="1089660" cy="276999"/>
+          </a:xfrm>
+          <a:prstGeom prst="rect">
+            <a:avLst/>
+          </a:prstGeom>
+          <a:noFill/>
+        </p:spPr>
+        <p:txBody>
+          <a:bodyPr wrap="square">
+            <a:spAutoFit/>
+          </a:bodyPr>
+          <a:lstStyle/>
+          <a:p>
+            <a:r>
+              <a:rPr kumimoji="1" lang="en-US" altLang="ko-KR" sz="1200" dirty="0">
+                <a:solidFill>
+                  <a:srgbClr val="FF0000"/>
+                </a:solidFill>
+                <a:latin typeface="Cascadia Code" pitchFamily="49" charset="0"/>
+                <a:cs typeface="Cascadia Code" pitchFamily="49" charset="0"/>
+              </a:rPr>
+              <a:t>0x2000</a:t>
+            </a:r>
+            <a:endParaRPr lang="ko-KR" altLang="en-US" sz="1200" dirty="0">
+              <a:solidFill>
+                <a:srgbClr val="FF0000"/>
+              </a:solidFill>
+            </a:endParaRPr>
+          </a:p>
+        </p:txBody>
+      </p:sp>
+      <p:sp>
+        <p:nvSpPr>
+          <p:cNvPr id="2" name="직사각형 1">
+            <a:extLst>
+              <a:ext uri="{FF2B5EF4-FFF2-40B4-BE49-F238E27FC236}">
+                <a16:creationId xmlns:a16="http://schemas.microsoft.com/office/drawing/2014/main" id="{3598B260-FE16-A777-607B-19714979F6D5}"/>
+              </a:ext>
+            </a:extLst>
+          </p:cNvPr>
+          <p:cNvSpPr/>
+          <p:nvPr/>
+        </p:nvSpPr>
+        <p:spPr>
+          <a:xfrm>
+            <a:off x="6830290" y="992343"/>
+            <a:ext cx="3870037" cy="1819563"/>
+          </a:xfrm>
+          <a:prstGeom prst="rect">
+            <a:avLst/>
+          </a:prstGeom>
+          <a:solidFill>
+            <a:schemeClr val="bg1"/>
+          </a:solidFill>
+        </p:spPr>
+        <p:style>
+          <a:lnRef idx="2">
+            <a:schemeClr val="accent1">
+              <a:shade val="15000"/>
+            </a:schemeClr>
+          </a:lnRef>
+          <a:fillRef idx="1">
+            <a:schemeClr val="accent1"/>
+          </a:fillRef>
+          <a:effectRef idx="0">
+            <a:schemeClr val="accent1"/>
+          </a:effectRef>
+          <a:fontRef idx="minor">
+            <a:schemeClr val="lt1"/>
+          </a:fontRef>
+        </p:style>
+        <p:txBody>
+          <a:bodyPr rtlCol="0" anchor="ctr"/>
+          <a:lstStyle/>
+          <a:p>
+            <a:pPr algn="ctr"/>
+            <a:endParaRPr kumimoji="1" lang="ko-KR" altLang="en-US" sz="1600" dirty="0">
+              <a:solidFill>
+                <a:schemeClr val="tx1"/>
+              </a:solidFill>
+              <a:latin typeface="Cascadia Code" pitchFamily="49" charset="0"/>
+              <a:cs typeface="Cascadia Code" pitchFamily="49" charset="0"/>
+            </a:endParaRPr>
+          </a:p>
+        </p:txBody>
+      </p:sp>
+      <p:sp>
+        <p:nvSpPr>
+          <p:cNvPr id="3" name="TextBox 2">
+            <a:extLst>
+              <a:ext uri="{FF2B5EF4-FFF2-40B4-BE49-F238E27FC236}">
+                <a16:creationId xmlns:a16="http://schemas.microsoft.com/office/drawing/2014/main" id="{FF800A89-50F9-FBCA-E191-7EB0E40A4914}"/>
+              </a:ext>
+            </a:extLst>
+          </p:cNvPr>
+          <p:cNvSpPr txBox="1"/>
+          <p:nvPr/>
+        </p:nvSpPr>
+        <p:spPr>
+          <a:xfrm>
+            <a:off x="7409871" y="564551"/>
+            <a:ext cx="2710873" cy="369332"/>
+          </a:xfrm>
+          <a:prstGeom prst="rect">
+            <a:avLst/>
+          </a:prstGeom>
+          <a:noFill/>
+        </p:spPr>
+        <p:txBody>
+          <a:bodyPr wrap="square">
+            <a:spAutoFit/>
+          </a:bodyPr>
+          <a:lstStyle/>
+          <a:p>
+            <a:pPr algn="ctr"/>
+            <a:r>
+              <a:rPr lang="en-US" altLang="ko-KR" dirty="0" err="1">
+                <a:latin typeface="Cascadia Code" pitchFamily="49" charset="0"/>
+                <a:cs typeface="Cascadia Code" pitchFamily="49" charset="0"/>
+              </a:rPr>
+              <a:t>increment_pointer</a:t>
+            </a:r>
+            <a:endParaRPr lang="ko-KR" altLang="en-US" dirty="0"/>
+          </a:p>
+        </p:txBody>
+      </p:sp>
+      <p:sp>
+        <p:nvSpPr>
+          <p:cNvPr id="4" name="직사각형 3">
+            <a:extLst>
+              <a:ext uri="{FF2B5EF4-FFF2-40B4-BE49-F238E27FC236}">
+                <a16:creationId xmlns:a16="http://schemas.microsoft.com/office/drawing/2014/main" id="{E9F87224-59A4-DB5A-32D1-313203D0208A}"/>
+              </a:ext>
+            </a:extLst>
+          </p:cNvPr>
+          <p:cNvSpPr/>
+          <p:nvPr/>
+        </p:nvSpPr>
+        <p:spPr>
+          <a:xfrm>
+            <a:off x="8228445" y="1366030"/>
+            <a:ext cx="1120140" cy="610463"/>
+          </a:xfrm>
+          <a:prstGeom prst="rect">
+            <a:avLst/>
+          </a:prstGeom>
+          <a:solidFill>
+            <a:srgbClr val="FFFF00"/>
+          </a:solidFill>
+        </p:spPr>
+        <p:style>
+          <a:lnRef idx="2">
+            <a:schemeClr val="accent1">
+              <a:shade val="15000"/>
+            </a:schemeClr>
+          </a:lnRef>
+          <a:fillRef idx="1">
+            <a:schemeClr val="accent1"/>
+          </a:fillRef>
+          <a:effectRef idx="0">
+            <a:schemeClr val="accent1"/>
+          </a:effectRef>
+          <a:fontRef idx="minor">
+            <a:schemeClr val="lt1"/>
+          </a:fontRef>
+        </p:style>
+        <p:txBody>
+          <a:bodyPr rtlCol="0" anchor="ctr"/>
+          <a:lstStyle/>
+          <a:p>
+            <a:pPr algn="ctr"/>
+            <a:r>
+              <a:rPr kumimoji="1" lang="en-US" altLang="ko-KR" sz="1600" dirty="0">
+                <a:solidFill>
+                  <a:srgbClr val="FF0000"/>
+                </a:solidFill>
+                <a:latin typeface="Cascadia Code" pitchFamily="49" charset="0"/>
+                <a:cs typeface="Cascadia Code" pitchFamily="49" charset="0"/>
+              </a:rPr>
+              <a:t>0x2000</a:t>
+            </a:r>
+            <a:endParaRPr kumimoji="1" lang="ko-KR" altLang="en-US" sz="1600" dirty="0">
+              <a:solidFill>
+                <a:srgbClr val="FF0000"/>
+              </a:solidFill>
+              <a:latin typeface="Cascadia Code" pitchFamily="49" charset="0"/>
+              <a:cs typeface="Cascadia Code" pitchFamily="49" charset="0"/>
+            </a:endParaRPr>
+          </a:p>
+        </p:txBody>
+      </p:sp>
+      <p:sp>
+        <p:nvSpPr>
+          <p:cNvPr id="7" name="TextBox 6">
+            <a:extLst>
+              <a:ext uri="{FF2B5EF4-FFF2-40B4-BE49-F238E27FC236}">
+                <a16:creationId xmlns:a16="http://schemas.microsoft.com/office/drawing/2014/main" id="{BFA11E99-6A56-D9B5-B941-01256054FEE2}"/>
+              </a:ext>
+            </a:extLst>
+          </p:cNvPr>
+          <p:cNvSpPr txBox="1"/>
+          <p:nvPr/>
+        </p:nvSpPr>
+        <p:spPr>
+          <a:xfrm>
+            <a:off x="7961745" y="1501984"/>
+            <a:ext cx="236220" cy="338554"/>
+          </a:xfrm>
+          <a:prstGeom prst="rect">
+            <a:avLst/>
+          </a:prstGeom>
+          <a:noFill/>
+        </p:spPr>
+        <p:txBody>
+          <a:bodyPr wrap="square" rtlCol="0">
+            <a:spAutoFit/>
+          </a:bodyPr>
+          <a:lstStyle/>
+          <a:p>
+            <a:pPr algn="ctr"/>
+            <a:r>
+              <a:rPr kumimoji="1" lang="en-US" altLang="ko-KR" sz="1600" dirty="0">
+                <a:latin typeface="Cascadia Code" pitchFamily="49" charset="0"/>
+                <a:ea typeface="Cascadia Code" pitchFamily="49" charset="0"/>
+                <a:cs typeface="Cascadia Code" pitchFamily="49" charset="0"/>
+              </a:rPr>
+              <a:t>p</a:t>
+            </a:r>
+            <a:endParaRPr kumimoji="1" lang="ko-KR" altLang="en-US" sz="1600" dirty="0">
+              <a:latin typeface="Cascadia Code" pitchFamily="49" charset="0"/>
+              <a:ea typeface="Cascadia Code" pitchFamily="49" charset="0"/>
+              <a:cs typeface="Cascadia Code" pitchFamily="49" charset="0"/>
+            </a:endParaRPr>
+          </a:p>
+        </p:txBody>
+      </p:sp>
+      <p:cxnSp>
+        <p:nvCxnSpPr>
+          <p:cNvPr id="12" name="구부러진 연결선[U] 11">
+            <a:extLst>
+              <a:ext uri="{FF2B5EF4-FFF2-40B4-BE49-F238E27FC236}">
+                <a16:creationId xmlns:a16="http://schemas.microsoft.com/office/drawing/2014/main" id="{87281D38-9A2A-14F7-1CC6-E4870CDDC0F8}"/>
+              </a:ext>
+            </a:extLst>
+          </p:cNvPr>
+          <p:cNvCxnSpPr>
+            <a:cxnSpLocks/>
+            <a:endCxn id="4" idx="2"/>
+          </p:cNvCxnSpPr>
+          <p:nvPr/>
+        </p:nvCxnSpPr>
+        <p:spPr>
+          <a:xfrm flipV="1">
+            <a:off x="3916217" y="1976493"/>
+            <a:ext cx="4872298" cy="3310805"/>
+          </a:xfrm>
+          <a:prstGeom prst="curvedConnector2">
+            <a:avLst/>
+          </a:prstGeom>
+          <a:ln>
+            <a:tailEnd type="triangle"/>
+          </a:ln>
+        </p:spPr>
+        <p:style>
+          <a:lnRef idx="2">
+            <a:schemeClr val="dk1"/>
+          </a:lnRef>
+          <a:fillRef idx="0">
+            <a:schemeClr val="dk1"/>
+          </a:fillRef>
+          <a:effectRef idx="1">
+            <a:schemeClr val="dk1"/>
+          </a:effectRef>
+          <a:fontRef idx="minor">
+            <a:schemeClr val="tx1"/>
+          </a:fontRef>
+        </p:style>
+      </p:cxnSp>
+    </p:spTree>
+    <p:extLst>
+      <p:ext uri="{BB962C8B-B14F-4D97-AF65-F5344CB8AC3E}">
+        <p14:creationId xmlns:p14="http://schemas.microsoft.com/office/powerpoint/2010/main" val="3833454129"/>
+      </p:ext>
+    </p:extLst>
+  </p:cSld>
+  <p:clrMapOvr>
+    <a:masterClrMapping/>
+  </p:clrMapOvr>
+</p:sld>
+</file>
+
+<file path=ppt/slides/slide15.xml><?xml version="1.0" encoding="utf-8"?>
+<p:sld xmlns:a="http://schemas.openxmlformats.org/drawingml/2006/main" xmlns:r="http://schemas.openxmlformats.org/officeDocument/2006/relationships" xmlns:p="http://schemas.openxmlformats.org/presentationml/2006/main">
+  <p:cSld>
+    <p:spTree>
+      <p:nvGrpSpPr>
+        <p:cNvPr id="1" name=""/>
+        <p:cNvGrpSpPr/>
+        <p:nvPr/>
+      </p:nvGrpSpPr>
+      <p:grpSpPr>
+        <a:xfrm>
+          <a:off x="0" y="0"/>
+          <a:ext cx="0" cy="0"/>
+          <a:chOff x="0" y="0"/>
+          <a:chExt cx="0" cy="0"/>
+        </a:xfrm>
+      </p:grpSpPr>
+      <p:sp>
+        <p:nvSpPr>
+          <p:cNvPr id="5" name="TextBox 4">
+            <a:extLst>
+              <a:ext uri="{FF2B5EF4-FFF2-40B4-BE49-F238E27FC236}">
+                <a16:creationId xmlns:a16="http://schemas.microsoft.com/office/drawing/2014/main" id="{872A3B39-03C4-8246-D0A3-C0F1B2CF91B8}"/>
+              </a:ext>
+            </a:extLst>
+          </p:cNvPr>
+          <p:cNvSpPr txBox="1"/>
+          <p:nvPr/>
+        </p:nvSpPr>
+        <p:spPr>
+          <a:xfrm>
+            <a:off x="572654" y="522421"/>
+            <a:ext cx="6096000" cy="3416320"/>
+          </a:xfrm>
+          <a:prstGeom prst="rect">
+            <a:avLst/>
+          </a:prstGeom>
+          <a:noFill/>
+        </p:spPr>
+        <p:txBody>
+          <a:bodyPr wrap="square">
+            <a:spAutoFit/>
+          </a:bodyPr>
+          <a:lstStyle/>
+          <a:p>
+            <a:r>
+              <a:rPr lang="en-US" altLang="ko-KR" dirty="0">
+                <a:latin typeface="Cascadia Code" pitchFamily="49" charset="0"/>
+                <a:cs typeface="Cascadia Code" pitchFamily="49" charset="0"/>
+              </a:rPr>
+              <a:t>void </a:t>
+            </a:r>
+            <a:r>
+              <a:rPr lang="en-US" altLang="ko-KR" dirty="0" err="1">
+                <a:latin typeface="Cascadia Code" pitchFamily="49" charset="0"/>
+                <a:cs typeface="Cascadia Code" pitchFamily="49" charset="0"/>
+              </a:rPr>
+              <a:t>increment_pointer</a:t>
+            </a:r>
+            <a:r>
+              <a:rPr lang="en-US" altLang="ko-KR" dirty="0">
+                <a:latin typeface="Cascadia Code" pitchFamily="49" charset="0"/>
+                <a:cs typeface="Cascadia Code" pitchFamily="49" charset="0"/>
+              </a:rPr>
+              <a:t>(int* p)</a:t>
+            </a:r>
+          </a:p>
+          <a:p>
+            <a:r>
+              <a:rPr lang="en-US" altLang="ko-KR" dirty="0">
+                <a:latin typeface="Cascadia Code" pitchFamily="49" charset="0"/>
+                <a:cs typeface="Cascadia Code" pitchFamily="49" charset="0"/>
+              </a:rPr>
+              <a:t>{</a:t>
+            </a:r>
+          </a:p>
+          <a:p>
+            <a:r>
+              <a:rPr lang="en-US" altLang="ko-KR" dirty="0">
+                <a:solidFill>
+                  <a:srgbClr val="FF0000"/>
+                </a:solidFill>
+                <a:latin typeface="Cascadia Code" pitchFamily="49" charset="0"/>
+                <a:cs typeface="Cascadia Code" pitchFamily="49" charset="0"/>
+              </a:rPr>
+              <a:t>    ++(*p);</a:t>
+            </a:r>
+          </a:p>
+          <a:p>
+            <a:r>
+              <a:rPr lang="en-US" altLang="ko-KR" dirty="0">
+                <a:latin typeface="Cascadia Code" pitchFamily="49" charset="0"/>
+                <a:cs typeface="Cascadia Code" pitchFamily="49" charset="0"/>
+              </a:rPr>
+              <a:t>}</a:t>
+            </a:r>
+          </a:p>
+          <a:p>
+            <a:endParaRPr lang="en-US" altLang="ko-KR" dirty="0">
+              <a:latin typeface="Cascadia Code" pitchFamily="49" charset="0"/>
+              <a:cs typeface="Cascadia Code" pitchFamily="49" charset="0"/>
+            </a:endParaRPr>
+          </a:p>
+          <a:p>
+            <a:r>
+              <a:rPr lang="en-US" altLang="ko-KR" dirty="0">
+                <a:latin typeface="Cascadia Code" pitchFamily="49" charset="0"/>
+                <a:cs typeface="Cascadia Code" pitchFamily="49" charset="0"/>
+              </a:rPr>
+              <a:t>int main()</a:t>
+            </a:r>
+          </a:p>
+          <a:p>
+            <a:r>
+              <a:rPr lang="en-US" altLang="ko-KR" dirty="0">
+                <a:latin typeface="Cascadia Code" pitchFamily="49" charset="0"/>
+                <a:cs typeface="Cascadia Code" pitchFamily="49" charset="0"/>
+              </a:rPr>
+              <a:t>{</a:t>
+            </a:r>
+          </a:p>
+          <a:p>
+            <a:r>
+              <a:rPr lang="en-US" altLang="ko-KR" dirty="0">
+                <a:latin typeface="Cascadia Code" pitchFamily="49" charset="0"/>
+                <a:cs typeface="Cascadia Code" pitchFamily="49" charset="0"/>
+              </a:rPr>
+              <a:t>    int n = 10;</a:t>
+            </a:r>
+          </a:p>
+          <a:p>
+            <a:r>
+              <a:rPr lang="en-US" altLang="ko-KR" dirty="0">
+                <a:solidFill>
+                  <a:srgbClr val="FF0000"/>
+                </a:solidFill>
+                <a:latin typeface="Cascadia Code" pitchFamily="49" charset="0"/>
+                <a:cs typeface="Cascadia Code" pitchFamily="49" charset="0"/>
+              </a:rPr>
+              <a:t>    </a:t>
+            </a:r>
+            <a:r>
+              <a:rPr lang="en-US" altLang="ko-KR" dirty="0" err="1">
+                <a:solidFill>
+                  <a:srgbClr val="FF0000"/>
+                </a:solidFill>
+                <a:latin typeface="Cascadia Code" pitchFamily="49" charset="0"/>
+                <a:cs typeface="Cascadia Code" pitchFamily="49" charset="0"/>
+              </a:rPr>
+              <a:t>increment_pointer</a:t>
+            </a:r>
+            <a:r>
+              <a:rPr lang="en-US" altLang="ko-KR" dirty="0">
+                <a:solidFill>
+                  <a:srgbClr val="FF0000"/>
+                </a:solidFill>
+                <a:latin typeface="Cascadia Code" pitchFamily="49" charset="0"/>
+                <a:cs typeface="Cascadia Code" pitchFamily="49" charset="0"/>
+              </a:rPr>
+              <a:t>(&amp;n);</a:t>
+            </a:r>
+          </a:p>
+          <a:p>
+            <a:endParaRPr lang="en-US" altLang="ko-KR" dirty="0">
+              <a:latin typeface="Cascadia Code" pitchFamily="49" charset="0"/>
+              <a:cs typeface="Cascadia Code" pitchFamily="49" charset="0"/>
+            </a:endParaRPr>
+          </a:p>
+          <a:p>
+            <a:r>
+              <a:rPr lang="en-US" altLang="ko-KR" dirty="0">
+                <a:latin typeface="Cascadia Code" pitchFamily="49" charset="0"/>
+                <a:cs typeface="Cascadia Code" pitchFamily="49" charset="0"/>
+              </a:rPr>
+              <a:t>    std::</a:t>
+            </a:r>
+            <a:r>
+              <a:rPr lang="en-US" altLang="ko-KR" dirty="0" err="1">
+                <a:latin typeface="Cascadia Code" pitchFamily="49" charset="0"/>
+                <a:cs typeface="Cascadia Code" pitchFamily="49" charset="0"/>
+              </a:rPr>
+              <a:t>cout</a:t>
+            </a:r>
+            <a:r>
+              <a:rPr lang="en-US" altLang="ko-KR" dirty="0">
+                <a:latin typeface="Cascadia Code" pitchFamily="49" charset="0"/>
+                <a:cs typeface="Cascadia Code" pitchFamily="49" charset="0"/>
+              </a:rPr>
+              <a:t> &lt;&lt; n &lt;&lt; std::</a:t>
+            </a:r>
+            <a:r>
+              <a:rPr lang="en-US" altLang="ko-KR" dirty="0" err="1">
+                <a:latin typeface="Cascadia Code" pitchFamily="49" charset="0"/>
+                <a:cs typeface="Cascadia Code" pitchFamily="49" charset="0"/>
+              </a:rPr>
+              <a:t>endl</a:t>
+            </a:r>
+            <a:r>
+              <a:rPr lang="en-US" altLang="ko-KR" dirty="0">
+                <a:latin typeface="Cascadia Code" pitchFamily="49" charset="0"/>
+                <a:cs typeface="Cascadia Code" pitchFamily="49" charset="0"/>
+              </a:rPr>
+              <a:t>;</a:t>
+            </a:r>
+          </a:p>
+          <a:p>
+            <a:r>
+              <a:rPr lang="en-US" altLang="ko-KR" dirty="0">
+                <a:latin typeface="Cascadia Code" pitchFamily="49" charset="0"/>
+                <a:cs typeface="Cascadia Code" pitchFamily="49" charset="0"/>
+              </a:rPr>
+              <a:t>}</a:t>
+            </a:r>
+          </a:p>
+        </p:txBody>
+      </p:sp>
+      <p:sp>
+        <p:nvSpPr>
+          <p:cNvPr id="6" name="직사각형 5">
+            <a:extLst>
+              <a:ext uri="{FF2B5EF4-FFF2-40B4-BE49-F238E27FC236}">
+                <a16:creationId xmlns:a16="http://schemas.microsoft.com/office/drawing/2014/main" id="{8A4CE615-C745-E6A9-9D3C-C28D50BF4004}"/>
+              </a:ext>
+            </a:extLst>
+          </p:cNvPr>
+          <p:cNvSpPr/>
+          <p:nvPr/>
+        </p:nvSpPr>
+        <p:spPr>
+          <a:xfrm>
+            <a:off x="1385454" y="4516016"/>
+            <a:ext cx="3870037" cy="1819563"/>
+          </a:xfrm>
+          <a:prstGeom prst="rect">
+            <a:avLst/>
+          </a:prstGeom>
+          <a:solidFill>
+            <a:schemeClr val="bg1"/>
+          </a:solidFill>
+        </p:spPr>
+        <p:style>
+          <a:lnRef idx="2">
+            <a:schemeClr val="accent1">
+              <a:shade val="15000"/>
+            </a:schemeClr>
+          </a:lnRef>
+          <a:fillRef idx="1">
+            <a:schemeClr val="accent1"/>
+          </a:fillRef>
+          <a:effectRef idx="0">
+            <a:schemeClr val="accent1"/>
+          </a:effectRef>
+          <a:fontRef idx="minor">
+            <a:schemeClr val="lt1"/>
+          </a:fontRef>
+        </p:style>
+        <p:txBody>
+          <a:bodyPr rtlCol="0" anchor="ctr"/>
+          <a:lstStyle/>
+          <a:p>
+            <a:pPr algn="ctr"/>
+            <a:endParaRPr kumimoji="1" lang="ko-KR" altLang="en-US" sz="1600" dirty="0">
+              <a:solidFill>
+                <a:schemeClr val="tx1"/>
+              </a:solidFill>
+              <a:latin typeface="Cascadia Code" pitchFamily="49" charset="0"/>
+              <a:cs typeface="Cascadia Code" pitchFamily="49" charset="0"/>
+            </a:endParaRPr>
+          </a:p>
+        </p:txBody>
+      </p:sp>
+      <p:sp>
+        <p:nvSpPr>
+          <p:cNvPr id="8" name="TextBox 7">
+            <a:extLst>
+              <a:ext uri="{FF2B5EF4-FFF2-40B4-BE49-F238E27FC236}">
+                <a16:creationId xmlns:a16="http://schemas.microsoft.com/office/drawing/2014/main" id="{B4CF22DA-3D8E-BF3B-D329-EFD0B396FA87}"/>
+              </a:ext>
+            </a:extLst>
+          </p:cNvPr>
+          <p:cNvSpPr txBox="1"/>
+          <p:nvPr/>
+        </p:nvSpPr>
+        <p:spPr>
+          <a:xfrm>
+            <a:off x="2724726" y="4146684"/>
+            <a:ext cx="1191491" cy="369332"/>
+          </a:xfrm>
+          <a:prstGeom prst="rect">
+            <a:avLst/>
+          </a:prstGeom>
+          <a:noFill/>
+        </p:spPr>
+        <p:txBody>
+          <a:bodyPr wrap="square">
+            <a:spAutoFit/>
+          </a:bodyPr>
+          <a:lstStyle/>
+          <a:p>
+            <a:pPr algn="ctr"/>
+            <a:r>
+              <a:rPr lang="ko-KR" altLang="en-US" dirty="0" err="1">
+                <a:latin typeface="Cascadia Code" pitchFamily="49" charset="0"/>
+                <a:cs typeface="Cascadia Code" pitchFamily="49" charset="0"/>
+              </a:rPr>
+              <a:t>main</a:t>
+            </a:r>
+            <a:endParaRPr lang="ko-KR" altLang="en-US" dirty="0"/>
+          </a:p>
+        </p:txBody>
+      </p:sp>
+      <p:sp>
+        <p:nvSpPr>
+          <p:cNvPr id="9" name="직사각형 8">
+            <a:extLst>
+              <a:ext uri="{FF2B5EF4-FFF2-40B4-BE49-F238E27FC236}">
+                <a16:creationId xmlns:a16="http://schemas.microsoft.com/office/drawing/2014/main" id="{5C6718BB-70DE-F30C-F436-2F31CADE5EDE}"/>
+              </a:ext>
+            </a:extLst>
+          </p:cNvPr>
+          <p:cNvSpPr/>
+          <p:nvPr/>
+        </p:nvSpPr>
+        <p:spPr>
+          <a:xfrm>
+            <a:off x="2796077" y="4982066"/>
+            <a:ext cx="1120140" cy="610463"/>
+          </a:xfrm>
+          <a:prstGeom prst="rect">
+            <a:avLst/>
+          </a:prstGeom>
+          <a:solidFill>
+            <a:srgbClr val="FFFF00"/>
+          </a:solidFill>
+        </p:spPr>
+        <p:style>
+          <a:lnRef idx="2">
+            <a:schemeClr val="accent1">
+              <a:shade val="15000"/>
+            </a:schemeClr>
+          </a:lnRef>
+          <a:fillRef idx="1">
+            <a:schemeClr val="accent1"/>
+          </a:fillRef>
+          <a:effectRef idx="0">
+            <a:schemeClr val="accent1"/>
+          </a:effectRef>
+          <a:fontRef idx="minor">
+            <a:schemeClr val="lt1"/>
+          </a:fontRef>
+        </p:style>
+        <p:txBody>
+          <a:bodyPr rtlCol="0" anchor="ctr"/>
+          <a:lstStyle/>
+          <a:p>
+            <a:pPr algn="ctr"/>
+            <a:r>
+              <a:rPr kumimoji="1" lang="en-US" altLang="ko-KR" sz="1600" dirty="0">
+                <a:solidFill>
+                  <a:srgbClr val="FF0000"/>
+                </a:solidFill>
+                <a:latin typeface="Cascadia Code" pitchFamily="49" charset="0"/>
+                <a:cs typeface="Cascadia Code" pitchFamily="49" charset="0"/>
+              </a:rPr>
+              <a:t>11</a:t>
+            </a:r>
+            <a:endParaRPr kumimoji="1" lang="ko-KR" altLang="en-US" sz="1600" dirty="0">
+              <a:solidFill>
+                <a:srgbClr val="FF0000"/>
+              </a:solidFill>
+              <a:latin typeface="Cascadia Code" pitchFamily="49" charset="0"/>
+              <a:cs typeface="Cascadia Code" pitchFamily="49" charset="0"/>
+            </a:endParaRPr>
+          </a:p>
+        </p:txBody>
+      </p:sp>
+      <p:sp>
+        <p:nvSpPr>
+          <p:cNvPr id="10" name="TextBox 9">
+            <a:extLst>
+              <a:ext uri="{FF2B5EF4-FFF2-40B4-BE49-F238E27FC236}">
+                <a16:creationId xmlns:a16="http://schemas.microsoft.com/office/drawing/2014/main" id="{A2D3F6B6-7747-1550-9A2C-C4F85AC21BC5}"/>
+              </a:ext>
+            </a:extLst>
+          </p:cNvPr>
+          <p:cNvSpPr txBox="1"/>
+          <p:nvPr/>
+        </p:nvSpPr>
+        <p:spPr>
+          <a:xfrm>
+            <a:off x="2529377" y="5118020"/>
+            <a:ext cx="236220" cy="338554"/>
+          </a:xfrm>
+          <a:prstGeom prst="rect">
+            <a:avLst/>
+          </a:prstGeom>
+          <a:noFill/>
+        </p:spPr>
+        <p:txBody>
+          <a:bodyPr wrap="square" rtlCol="0">
+            <a:spAutoFit/>
+          </a:bodyPr>
+          <a:lstStyle/>
+          <a:p>
+            <a:pPr algn="ctr"/>
+            <a:r>
+              <a:rPr kumimoji="1" lang="en-US" altLang="ko-KR" sz="1600" dirty="0">
+                <a:latin typeface="Cascadia Code" pitchFamily="49" charset="0"/>
+                <a:ea typeface="Cascadia Code" pitchFamily="49" charset="0"/>
+                <a:cs typeface="Cascadia Code" pitchFamily="49" charset="0"/>
+              </a:rPr>
+              <a:t>n</a:t>
+            </a:r>
+            <a:endParaRPr kumimoji="1" lang="ko-KR" altLang="en-US" sz="1600" dirty="0">
+              <a:latin typeface="Cascadia Code" pitchFamily="49" charset="0"/>
+              <a:ea typeface="Cascadia Code" pitchFamily="49" charset="0"/>
+              <a:cs typeface="Cascadia Code" pitchFamily="49" charset="0"/>
+            </a:endParaRPr>
+          </a:p>
+        </p:txBody>
+      </p:sp>
+      <p:sp>
+        <p:nvSpPr>
+          <p:cNvPr id="11" name="TextBox 10">
+            <a:extLst>
+              <a:ext uri="{FF2B5EF4-FFF2-40B4-BE49-F238E27FC236}">
+                <a16:creationId xmlns:a16="http://schemas.microsoft.com/office/drawing/2014/main" id="{0C20494E-83DA-E9EA-46C4-DFFFE2F73F96}"/>
+              </a:ext>
+            </a:extLst>
+          </p:cNvPr>
+          <p:cNvSpPr txBox="1"/>
+          <p:nvPr/>
+        </p:nvSpPr>
+        <p:spPr>
+          <a:xfrm>
+            <a:off x="2369357" y="4705067"/>
+            <a:ext cx="1089660" cy="276999"/>
+          </a:xfrm>
+          <a:prstGeom prst="rect">
+            <a:avLst/>
+          </a:prstGeom>
+          <a:noFill/>
+        </p:spPr>
+        <p:txBody>
+          <a:bodyPr wrap="square">
+            <a:spAutoFit/>
+          </a:bodyPr>
+          <a:lstStyle/>
+          <a:p>
+            <a:r>
+              <a:rPr kumimoji="1" lang="en-US" altLang="ko-KR" sz="1200" dirty="0">
+                <a:solidFill>
+                  <a:srgbClr val="FF0000"/>
+                </a:solidFill>
+                <a:latin typeface="Cascadia Code" pitchFamily="49" charset="0"/>
+                <a:cs typeface="Cascadia Code" pitchFamily="49" charset="0"/>
+              </a:rPr>
+              <a:t>0x2000</a:t>
+            </a:r>
+            <a:endParaRPr lang="ko-KR" altLang="en-US" sz="1200" dirty="0">
+              <a:solidFill>
+                <a:srgbClr val="FF0000"/>
+              </a:solidFill>
+            </a:endParaRPr>
+          </a:p>
+        </p:txBody>
+      </p:sp>
+      <p:sp>
+        <p:nvSpPr>
+          <p:cNvPr id="2" name="직사각형 1">
+            <a:extLst>
+              <a:ext uri="{FF2B5EF4-FFF2-40B4-BE49-F238E27FC236}">
+                <a16:creationId xmlns:a16="http://schemas.microsoft.com/office/drawing/2014/main" id="{3598B260-FE16-A777-607B-19714979F6D5}"/>
+              </a:ext>
+            </a:extLst>
+          </p:cNvPr>
+          <p:cNvSpPr/>
+          <p:nvPr/>
+        </p:nvSpPr>
+        <p:spPr>
+          <a:xfrm>
+            <a:off x="6830290" y="992343"/>
+            <a:ext cx="3870037" cy="1819563"/>
+          </a:xfrm>
+          <a:prstGeom prst="rect">
+            <a:avLst/>
+          </a:prstGeom>
+          <a:solidFill>
+            <a:schemeClr val="bg1"/>
+          </a:solidFill>
+        </p:spPr>
+        <p:style>
+          <a:lnRef idx="2">
+            <a:schemeClr val="accent1">
+              <a:shade val="15000"/>
+            </a:schemeClr>
+          </a:lnRef>
+          <a:fillRef idx="1">
+            <a:schemeClr val="accent1"/>
+          </a:fillRef>
+          <a:effectRef idx="0">
+            <a:schemeClr val="accent1"/>
+          </a:effectRef>
+          <a:fontRef idx="minor">
+            <a:schemeClr val="lt1"/>
+          </a:fontRef>
+        </p:style>
+        <p:txBody>
+          <a:bodyPr rtlCol="0" anchor="ctr"/>
+          <a:lstStyle/>
+          <a:p>
+            <a:pPr algn="ctr"/>
+            <a:endParaRPr kumimoji="1" lang="ko-KR" altLang="en-US" sz="1600" dirty="0">
+              <a:solidFill>
+                <a:schemeClr val="tx1"/>
+              </a:solidFill>
+              <a:latin typeface="Cascadia Code" pitchFamily="49" charset="0"/>
+              <a:cs typeface="Cascadia Code" pitchFamily="49" charset="0"/>
+            </a:endParaRPr>
+          </a:p>
+        </p:txBody>
+      </p:sp>
+      <p:sp>
+        <p:nvSpPr>
+          <p:cNvPr id="3" name="TextBox 2">
+            <a:extLst>
+              <a:ext uri="{FF2B5EF4-FFF2-40B4-BE49-F238E27FC236}">
+                <a16:creationId xmlns:a16="http://schemas.microsoft.com/office/drawing/2014/main" id="{FF800A89-50F9-FBCA-E191-7EB0E40A4914}"/>
+              </a:ext>
+            </a:extLst>
+          </p:cNvPr>
+          <p:cNvSpPr txBox="1"/>
+          <p:nvPr/>
+        </p:nvSpPr>
+        <p:spPr>
+          <a:xfrm>
+            <a:off x="7409871" y="564551"/>
+            <a:ext cx="2710873" cy="369332"/>
+          </a:xfrm>
+          <a:prstGeom prst="rect">
+            <a:avLst/>
+          </a:prstGeom>
+          <a:noFill/>
+        </p:spPr>
+        <p:txBody>
+          <a:bodyPr wrap="square">
+            <a:spAutoFit/>
+          </a:bodyPr>
+          <a:lstStyle/>
+          <a:p>
+            <a:pPr algn="ctr"/>
+            <a:r>
+              <a:rPr lang="en-US" altLang="ko-KR" dirty="0" err="1">
+                <a:latin typeface="Cascadia Code" pitchFamily="49" charset="0"/>
+                <a:cs typeface="Cascadia Code" pitchFamily="49" charset="0"/>
+              </a:rPr>
+              <a:t>increment_pointer</a:t>
+            </a:r>
+            <a:endParaRPr lang="ko-KR" altLang="en-US" dirty="0"/>
+          </a:p>
+        </p:txBody>
+      </p:sp>
+      <p:sp>
+        <p:nvSpPr>
+          <p:cNvPr id="4" name="직사각형 3">
+            <a:extLst>
+              <a:ext uri="{FF2B5EF4-FFF2-40B4-BE49-F238E27FC236}">
+                <a16:creationId xmlns:a16="http://schemas.microsoft.com/office/drawing/2014/main" id="{E9F87224-59A4-DB5A-32D1-313203D0208A}"/>
+              </a:ext>
+            </a:extLst>
+          </p:cNvPr>
+          <p:cNvSpPr/>
+          <p:nvPr/>
+        </p:nvSpPr>
+        <p:spPr>
+          <a:xfrm>
+            <a:off x="8228445" y="1366030"/>
+            <a:ext cx="1120140" cy="610463"/>
+          </a:xfrm>
+          <a:prstGeom prst="rect">
+            <a:avLst/>
+          </a:prstGeom>
+          <a:solidFill>
+            <a:srgbClr val="FFFF00"/>
+          </a:solidFill>
+        </p:spPr>
+        <p:style>
+          <a:lnRef idx="2">
+            <a:schemeClr val="accent1">
+              <a:shade val="15000"/>
+            </a:schemeClr>
+          </a:lnRef>
+          <a:fillRef idx="1">
+            <a:schemeClr val="accent1"/>
+          </a:fillRef>
+          <a:effectRef idx="0">
+            <a:schemeClr val="accent1"/>
+          </a:effectRef>
+          <a:fontRef idx="minor">
+            <a:schemeClr val="lt1"/>
+          </a:fontRef>
+        </p:style>
+        <p:txBody>
+          <a:bodyPr rtlCol="0" anchor="ctr"/>
+          <a:lstStyle/>
+          <a:p>
+            <a:pPr algn="ctr"/>
+            <a:r>
+              <a:rPr kumimoji="1" lang="en-US" altLang="ko-KR" sz="1600" dirty="0">
+                <a:solidFill>
+                  <a:srgbClr val="FF0000"/>
+                </a:solidFill>
+                <a:latin typeface="Cascadia Code" pitchFamily="49" charset="0"/>
+                <a:cs typeface="Cascadia Code" pitchFamily="49" charset="0"/>
+              </a:rPr>
+              <a:t>0x2000</a:t>
+            </a:r>
+            <a:endParaRPr kumimoji="1" lang="ko-KR" altLang="en-US" sz="1600" dirty="0">
+              <a:solidFill>
+                <a:srgbClr val="FF0000"/>
+              </a:solidFill>
+              <a:latin typeface="Cascadia Code" pitchFamily="49" charset="0"/>
+              <a:cs typeface="Cascadia Code" pitchFamily="49" charset="0"/>
+            </a:endParaRPr>
+          </a:p>
+        </p:txBody>
+      </p:sp>
+      <p:sp>
+        <p:nvSpPr>
+          <p:cNvPr id="7" name="TextBox 6">
+            <a:extLst>
+              <a:ext uri="{FF2B5EF4-FFF2-40B4-BE49-F238E27FC236}">
+                <a16:creationId xmlns:a16="http://schemas.microsoft.com/office/drawing/2014/main" id="{BFA11E99-6A56-D9B5-B941-01256054FEE2}"/>
+              </a:ext>
+            </a:extLst>
+          </p:cNvPr>
+          <p:cNvSpPr txBox="1"/>
+          <p:nvPr/>
+        </p:nvSpPr>
+        <p:spPr>
+          <a:xfrm>
+            <a:off x="7961745" y="1501984"/>
+            <a:ext cx="236220" cy="338554"/>
+          </a:xfrm>
+          <a:prstGeom prst="rect">
+            <a:avLst/>
+          </a:prstGeom>
+          <a:noFill/>
+        </p:spPr>
+        <p:txBody>
+          <a:bodyPr wrap="square" rtlCol="0">
+            <a:spAutoFit/>
+          </a:bodyPr>
+          <a:lstStyle/>
+          <a:p>
+            <a:pPr algn="ctr"/>
+            <a:r>
+              <a:rPr kumimoji="1" lang="en-US" altLang="ko-KR" sz="1600" dirty="0">
+                <a:latin typeface="Cascadia Code" pitchFamily="49" charset="0"/>
+                <a:ea typeface="Cascadia Code" pitchFamily="49" charset="0"/>
+                <a:cs typeface="Cascadia Code" pitchFamily="49" charset="0"/>
+              </a:rPr>
+              <a:t>p</a:t>
+            </a:r>
+            <a:endParaRPr kumimoji="1" lang="ko-KR" altLang="en-US" sz="1600" dirty="0">
+              <a:latin typeface="Cascadia Code" pitchFamily="49" charset="0"/>
+              <a:ea typeface="Cascadia Code" pitchFamily="49" charset="0"/>
+              <a:cs typeface="Cascadia Code" pitchFamily="49" charset="0"/>
+            </a:endParaRPr>
+          </a:p>
+        </p:txBody>
+      </p:sp>
+      <p:cxnSp>
+        <p:nvCxnSpPr>
+          <p:cNvPr id="12" name="구부러진 연결선[U] 11">
+            <a:extLst>
+              <a:ext uri="{FF2B5EF4-FFF2-40B4-BE49-F238E27FC236}">
+                <a16:creationId xmlns:a16="http://schemas.microsoft.com/office/drawing/2014/main" id="{87281D38-9A2A-14F7-1CC6-E4870CDDC0F8}"/>
+              </a:ext>
+            </a:extLst>
+          </p:cNvPr>
+          <p:cNvCxnSpPr>
+            <a:cxnSpLocks/>
+            <a:endCxn id="4" idx="2"/>
+          </p:cNvCxnSpPr>
+          <p:nvPr/>
+        </p:nvCxnSpPr>
+        <p:spPr>
+          <a:xfrm flipV="1">
+            <a:off x="3916217" y="1976493"/>
+            <a:ext cx="4872298" cy="3310805"/>
+          </a:xfrm>
+          <a:prstGeom prst="curvedConnector2">
+            <a:avLst/>
+          </a:prstGeom>
+          <a:ln>
+            <a:tailEnd type="triangle"/>
+          </a:ln>
+        </p:spPr>
+        <p:style>
+          <a:lnRef idx="2">
+            <a:schemeClr val="dk1"/>
+          </a:lnRef>
+          <a:fillRef idx="0">
+            <a:schemeClr val="dk1"/>
+          </a:fillRef>
+          <a:effectRef idx="1">
+            <a:schemeClr val="dk1"/>
+          </a:effectRef>
+          <a:fontRef idx="minor">
+            <a:schemeClr val="tx1"/>
+          </a:fontRef>
+        </p:style>
+      </p:cxnSp>
+    </p:spTree>
+    <p:extLst>
+      <p:ext uri="{BB962C8B-B14F-4D97-AF65-F5344CB8AC3E}">
+        <p14:creationId xmlns:p14="http://schemas.microsoft.com/office/powerpoint/2010/main" val="3560047571"/>
+      </p:ext>
+    </p:extLst>
+  </p:cSld>
+  <p:clrMapOvr>
+    <a:masterClrMapping/>
+  </p:clrMapOvr>
+</p:sld>
+</file>
+
+<file path=ppt/slides/slide16.xml><?xml version="1.0" encoding="utf-8"?>
+<p:sld xmlns:a="http://schemas.openxmlformats.org/drawingml/2006/main" xmlns:r="http://schemas.openxmlformats.org/officeDocument/2006/relationships" xmlns:p="http://schemas.openxmlformats.org/presentationml/2006/main">
+  <p:cSld>
+    <p:spTree>
+      <p:nvGrpSpPr>
+        <p:cNvPr id="1" name=""/>
+        <p:cNvGrpSpPr/>
+        <p:nvPr/>
+      </p:nvGrpSpPr>
+      <p:grpSpPr>
+        <a:xfrm>
+          <a:off x="0" y="0"/>
+          <a:ext cx="0" cy="0"/>
+          <a:chOff x="0" y="0"/>
+          <a:chExt cx="0" cy="0"/>
+        </a:xfrm>
+      </p:grpSpPr>
+      <p:sp>
+        <p:nvSpPr>
+          <p:cNvPr id="5" name="TextBox 4">
+            <a:extLst>
+              <a:ext uri="{FF2B5EF4-FFF2-40B4-BE49-F238E27FC236}">
+                <a16:creationId xmlns:a16="http://schemas.microsoft.com/office/drawing/2014/main" id="{872A3B39-03C4-8246-D0A3-C0F1B2CF91B8}"/>
+              </a:ext>
+            </a:extLst>
+          </p:cNvPr>
+          <p:cNvSpPr txBox="1"/>
+          <p:nvPr/>
+        </p:nvSpPr>
+        <p:spPr>
+          <a:xfrm>
+            <a:off x="572654" y="522421"/>
+            <a:ext cx="6096000" cy="3416320"/>
+          </a:xfrm>
+          <a:prstGeom prst="rect">
+            <a:avLst/>
+          </a:prstGeom>
+          <a:noFill/>
+        </p:spPr>
+        <p:txBody>
+          <a:bodyPr wrap="square">
+            <a:spAutoFit/>
+          </a:bodyPr>
+          <a:lstStyle/>
+          <a:p>
+            <a:r>
+              <a:rPr lang="en-US" altLang="ko-KR" dirty="0">
+                <a:latin typeface="Cascadia Code" pitchFamily="49" charset="0"/>
+                <a:cs typeface="Cascadia Code" pitchFamily="49" charset="0"/>
+              </a:rPr>
+              <a:t>void </a:t>
+            </a:r>
+            <a:r>
+              <a:rPr lang="en-US" altLang="ko-KR" dirty="0" err="1">
+                <a:latin typeface="Cascadia Code" pitchFamily="49" charset="0"/>
+                <a:cs typeface="Cascadia Code" pitchFamily="49" charset="0"/>
+              </a:rPr>
+              <a:t>increment_reference</a:t>
+            </a:r>
+            <a:r>
+              <a:rPr lang="en-US" altLang="ko-KR" dirty="0">
+                <a:latin typeface="Cascadia Code" pitchFamily="49" charset="0"/>
+                <a:cs typeface="Cascadia Code" pitchFamily="49" charset="0"/>
+              </a:rPr>
+              <a:t>(int&amp; r)</a:t>
+            </a:r>
+          </a:p>
+          <a:p>
+            <a:r>
+              <a:rPr lang="en-US" altLang="ko-KR" dirty="0">
+                <a:latin typeface="Cascadia Code" pitchFamily="49" charset="0"/>
+                <a:cs typeface="Cascadia Code" pitchFamily="49" charset="0"/>
+              </a:rPr>
+              <a:t>{</a:t>
+            </a:r>
+          </a:p>
+          <a:p>
+            <a:r>
+              <a:rPr lang="en-US" altLang="ko-KR" dirty="0">
+                <a:latin typeface="Cascadia Code" pitchFamily="49" charset="0"/>
+                <a:cs typeface="Cascadia Code" pitchFamily="49" charset="0"/>
+              </a:rPr>
+              <a:t>    ++r;</a:t>
+            </a:r>
+          </a:p>
+          <a:p>
+            <a:r>
+              <a:rPr lang="en-US" altLang="ko-KR" dirty="0">
+                <a:latin typeface="Cascadia Code" pitchFamily="49" charset="0"/>
+                <a:cs typeface="Cascadia Code" pitchFamily="49" charset="0"/>
+              </a:rPr>
+              <a:t>}</a:t>
+            </a:r>
+          </a:p>
+          <a:p>
+            <a:endParaRPr lang="en-US" altLang="ko-KR" dirty="0">
+              <a:latin typeface="Cascadia Code" pitchFamily="49" charset="0"/>
+              <a:cs typeface="Cascadia Code" pitchFamily="49" charset="0"/>
+            </a:endParaRPr>
+          </a:p>
+          <a:p>
+            <a:r>
+              <a:rPr lang="en-US" altLang="ko-KR" dirty="0">
+                <a:latin typeface="Cascadia Code" pitchFamily="49" charset="0"/>
+                <a:cs typeface="Cascadia Code" pitchFamily="49" charset="0"/>
+              </a:rPr>
+              <a:t>int main()</a:t>
+            </a:r>
+          </a:p>
+          <a:p>
+            <a:r>
+              <a:rPr lang="en-US" altLang="ko-KR" dirty="0">
+                <a:latin typeface="Cascadia Code" pitchFamily="49" charset="0"/>
+                <a:cs typeface="Cascadia Code" pitchFamily="49" charset="0"/>
+              </a:rPr>
+              <a:t>{</a:t>
+            </a:r>
+          </a:p>
+          <a:p>
+            <a:r>
+              <a:rPr lang="en-US" altLang="ko-KR" dirty="0">
+                <a:latin typeface="Cascadia Code" pitchFamily="49" charset="0"/>
+                <a:cs typeface="Cascadia Code" pitchFamily="49" charset="0"/>
+              </a:rPr>
+              <a:t>    int n = 10;</a:t>
+            </a:r>
+          </a:p>
+          <a:p>
+            <a:r>
+              <a:rPr lang="en-US" altLang="ko-KR" dirty="0">
+                <a:solidFill>
+                  <a:srgbClr val="FF0000"/>
+                </a:solidFill>
+                <a:latin typeface="Cascadia Code" pitchFamily="49" charset="0"/>
+                <a:cs typeface="Cascadia Code" pitchFamily="49" charset="0"/>
+              </a:rPr>
+              <a:t>    </a:t>
+            </a:r>
+            <a:r>
+              <a:rPr lang="en-US" altLang="ko-KR" dirty="0" err="1">
+                <a:solidFill>
+                  <a:srgbClr val="FF0000"/>
+                </a:solidFill>
+                <a:latin typeface="Cascadia Code" pitchFamily="49" charset="0"/>
+                <a:cs typeface="Cascadia Code" pitchFamily="49" charset="0"/>
+              </a:rPr>
+              <a:t>increment_reference</a:t>
+            </a:r>
+            <a:r>
+              <a:rPr lang="en-US" altLang="ko-KR" dirty="0">
+                <a:solidFill>
+                  <a:srgbClr val="FF0000"/>
+                </a:solidFill>
+                <a:latin typeface="Cascadia Code" pitchFamily="49" charset="0"/>
+                <a:cs typeface="Cascadia Code" pitchFamily="49" charset="0"/>
+              </a:rPr>
+              <a:t>(n);</a:t>
+            </a:r>
+          </a:p>
+          <a:p>
+            <a:endParaRPr lang="en-US" altLang="ko-KR" dirty="0">
+              <a:latin typeface="Cascadia Code" pitchFamily="49" charset="0"/>
+              <a:cs typeface="Cascadia Code" pitchFamily="49" charset="0"/>
+            </a:endParaRPr>
+          </a:p>
+          <a:p>
+            <a:r>
+              <a:rPr lang="en-US" altLang="ko-KR" dirty="0">
+                <a:latin typeface="Cascadia Code" pitchFamily="49" charset="0"/>
+                <a:cs typeface="Cascadia Code" pitchFamily="49" charset="0"/>
+              </a:rPr>
+              <a:t>    std::</a:t>
+            </a:r>
+            <a:r>
+              <a:rPr lang="en-US" altLang="ko-KR" dirty="0" err="1">
+                <a:latin typeface="Cascadia Code" pitchFamily="49" charset="0"/>
+                <a:cs typeface="Cascadia Code" pitchFamily="49" charset="0"/>
+              </a:rPr>
+              <a:t>cout</a:t>
+            </a:r>
+            <a:r>
+              <a:rPr lang="en-US" altLang="ko-KR" dirty="0">
+                <a:latin typeface="Cascadia Code" pitchFamily="49" charset="0"/>
+                <a:cs typeface="Cascadia Code" pitchFamily="49" charset="0"/>
+              </a:rPr>
+              <a:t> &lt;&lt; n &lt;&lt; std::</a:t>
+            </a:r>
+            <a:r>
+              <a:rPr lang="en-US" altLang="ko-KR" dirty="0" err="1">
+                <a:latin typeface="Cascadia Code" pitchFamily="49" charset="0"/>
+                <a:cs typeface="Cascadia Code" pitchFamily="49" charset="0"/>
+              </a:rPr>
+              <a:t>endl</a:t>
+            </a:r>
+            <a:r>
+              <a:rPr lang="en-US" altLang="ko-KR" dirty="0">
+                <a:latin typeface="Cascadia Code" pitchFamily="49" charset="0"/>
+                <a:cs typeface="Cascadia Code" pitchFamily="49" charset="0"/>
+              </a:rPr>
+              <a:t>;</a:t>
+            </a:r>
+          </a:p>
+          <a:p>
+            <a:r>
+              <a:rPr lang="en-US" altLang="ko-KR" dirty="0">
+                <a:latin typeface="Cascadia Code" pitchFamily="49" charset="0"/>
+                <a:cs typeface="Cascadia Code" pitchFamily="49" charset="0"/>
+              </a:rPr>
+              <a:t>}</a:t>
+            </a:r>
+          </a:p>
+        </p:txBody>
+      </p:sp>
+      <p:sp>
+        <p:nvSpPr>
+          <p:cNvPr id="6" name="직사각형 5">
+            <a:extLst>
+              <a:ext uri="{FF2B5EF4-FFF2-40B4-BE49-F238E27FC236}">
+                <a16:creationId xmlns:a16="http://schemas.microsoft.com/office/drawing/2014/main" id="{8A4CE615-C745-E6A9-9D3C-C28D50BF4004}"/>
+              </a:ext>
+            </a:extLst>
+          </p:cNvPr>
+          <p:cNvSpPr/>
+          <p:nvPr/>
+        </p:nvSpPr>
+        <p:spPr>
+          <a:xfrm>
+            <a:off x="1385454" y="4516016"/>
+            <a:ext cx="3870037" cy="1819563"/>
+          </a:xfrm>
+          <a:prstGeom prst="rect">
+            <a:avLst/>
+          </a:prstGeom>
+          <a:solidFill>
+            <a:schemeClr val="bg1"/>
+          </a:solidFill>
+        </p:spPr>
+        <p:style>
+          <a:lnRef idx="2">
+            <a:schemeClr val="accent1">
+              <a:shade val="15000"/>
+            </a:schemeClr>
+          </a:lnRef>
+          <a:fillRef idx="1">
+            <a:schemeClr val="accent1"/>
+          </a:fillRef>
+          <a:effectRef idx="0">
+            <a:schemeClr val="accent1"/>
+          </a:effectRef>
+          <a:fontRef idx="minor">
+            <a:schemeClr val="lt1"/>
+          </a:fontRef>
+        </p:style>
+        <p:txBody>
+          <a:bodyPr rtlCol="0" anchor="ctr"/>
+          <a:lstStyle/>
+          <a:p>
+            <a:pPr algn="ctr"/>
+            <a:endParaRPr kumimoji="1" lang="ko-KR" altLang="en-US" sz="1600" dirty="0">
+              <a:solidFill>
+                <a:schemeClr val="tx1"/>
+              </a:solidFill>
+              <a:latin typeface="Cascadia Code" pitchFamily="49" charset="0"/>
+              <a:cs typeface="Cascadia Code" pitchFamily="49" charset="0"/>
+            </a:endParaRPr>
+          </a:p>
+        </p:txBody>
+      </p:sp>
+      <p:sp>
+        <p:nvSpPr>
+          <p:cNvPr id="8" name="TextBox 7">
+            <a:extLst>
+              <a:ext uri="{FF2B5EF4-FFF2-40B4-BE49-F238E27FC236}">
+                <a16:creationId xmlns:a16="http://schemas.microsoft.com/office/drawing/2014/main" id="{B4CF22DA-3D8E-BF3B-D329-EFD0B396FA87}"/>
+              </a:ext>
+            </a:extLst>
+          </p:cNvPr>
+          <p:cNvSpPr txBox="1"/>
+          <p:nvPr/>
+        </p:nvSpPr>
+        <p:spPr>
+          <a:xfrm>
+            <a:off x="2724726" y="4146684"/>
+            <a:ext cx="1191491" cy="369332"/>
+          </a:xfrm>
+          <a:prstGeom prst="rect">
+            <a:avLst/>
+          </a:prstGeom>
+          <a:noFill/>
+        </p:spPr>
+        <p:txBody>
+          <a:bodyPr wrap="square">
+            <a:spAutoFit/>
+          </a:bodyPr>
+          <a:lstStyle/>
+          <a:p>
+            <a:pPr algn="ctr"/>
+            <a:r>
+              <a:rPr lang="ko-KR" altLang="en-US" dirty="0" err="1">
+                <a:latin typeface="Cascadia Code" pitchFamily="49" charset="0"/>
+                <a:cs typeface="Cascadia Code" pitchFamily="49" charset="0"/>
+              </a:rPr>
+              <a:t>main</a:t>
+            </a:r>
+            <a:endParaRPr lang="ko-KR" altLang="en-US" dirty="0"/>
+          </a:p>
+        </p:txBody>
+      </p:sp>
+      <p:sp>
+        <p:nvSpPr>
+          <p:cNvPr id="9" name="직사각형 8">
+            <a:extLst>
+              <a:ext uri="{FF2B5EF4-FFF2-40B4-BE49-F238E27FC236}">
+                <a16:creationId xmlns:a16="http://schemas.microsoft.com/office/drawing/2014/main" id="{5C6718BB-70DE-F30C-F436-2F31CADE5EDE}"/>
+              </a:ext>
+            </a:extLst>
+          </p:cNvPr>
+          <p:cNvSpPr/>
+          <p:nvPr/>
+        </p:nvSpPr>
+        <p:spPr>
+          <a:xfrm>
+            <a:off x="2796077" y="4982066"/>
+            <a:ext cx="1120140" cy="610463"/>
+          </a:xfrm>
+          <a:prstGeom prst="rect">
+            <a:avLst/>
+          </a:prstGeom>
+          <a:solidFill>
+            <a:srgbClr val="FFFF00"/>
+          </a:solidFill>
+        </p:spPr>
+        <p:style>
+          <a:lnRef idx="2">
+            <a:schemeClr val="accent1">
+              <a:shade val="15000"/>
+            </a:schemeClr>
+          </a:lnRef>
+          <a:fillRef idx="1">
+            <a:schemeClr val="accent1"/>
+          </a:fillRef>
+          <a:effectRef idx="0">
+            <a:schemeClr val="accent1"/>
+          </a:effectRef>
+          <a:fontRef idx="minor">
+            <a:schemeClr val="lt1"/>
+          </a:fontRef>
+        </p:style>
+        <p:txBody>
+          <a:bodyPr rtlCol="0" anchor="ctr"/>
+          <a:lstStyle/>
+          <a:p>
+            <a:pPr algn="ctr"/>
+            <a:r>
+              <a:rPr kumimoji="1" lang="en-US" altLang="ko-KR" sz="1600" dirty="0">
+                <a:solidFill>
+                  <a:srgbClr val="FF0000"/>
+                </a:solidFill>
+                <a:latin typeface="Cascadia Code" pitchFamily="49" charset="0"/>
+                <a:cs typeface="Cascadia Code" pitchFamily="49" charset="0"/>
+              </a:rPr>
+              <a:t>10</a:t>
+            </a:r>
+            <a:endParaRPr kumimoji="1" lang="ko-KR" altLang="en-US" sz="1600" dirty="0">
+              <a:solidFill>
+                <a:srgbClr val="FF0000"/>
+              </a:solidFill>
+              <a:latin typeface="Cascadia Code" pitchFamily="49" charset="0"/>
+              <a:cs typeface="Cascadia Code" pitchFamily="49" charset="0"/>
+            </a:endParaRPr>
+          </a:p>
+        </p:txBody>
+      </p:sp>
+      <p:sp>
+        <p:nvSpPr>
+          <p:cNvPr id="10" name="TextBox 9">
+            <a:extLst>
+              <a:ext uri="{FF2B5EF4-FFF2-40B4-BE49-F238E27FC236}">
+                <a16:creationId xmlns:a16="http://schemas.microsoft.com/office/drawing/2014/main" id="{A2D3F6B6-7747-1550-9A2C-C4F85AC21BC5}"/>
+              </a:ext>
+            </a:extLst>
+          </p:cNvPr>
+          <p:cNvSpPr txBox="1"/>
+          <p:nvPr/>
+        </p:nvSpPr>
+        <p:spPr>
+          <a:xfrm>
+            <a:off x="2529377" y="5118020"/>
+            <a:ext cx="236220" cy="338554"/>
+          </a:xfrm>
+          <a:prstGeom prst="rect">
+            <a:avLst/>
+          </a:prstGeom>
+          <a:noFill/>
+        </p:spPr>
+        <p:txBody>
+          <a:bodyPr wrap="square" rtlCol="0">
+            <a:spAutoFit/>
+          </a:bodyPr>
+          <a:lstStyle/>
+          <a:p>
+            <a:pPr algn="ctr"/>
+            <a:r>
+              <a:rPr kumimoji="1" lang="en-US" altLang="ko-KR" sz="1600" dirty="0">
+                <a:latin typeface="Cascadia Code" pitchFamily="49" charset="0"/>
+                <a:ea typeface="Cascadia Code" pitchFamily="49" charset="0"/>
+                <a:cs typeface="Cascadia Code" pitchFamily="49" charset="0"/>
+              </a:rPr>
+              <a:t>n</a:t>
+            </a:r>
+            <a:endParaRPr kumimoji="1" lang="ko-KR" altLang="en-US" sz="1600" dirty="0">
+              <a:latin typeface="Cascadia Code" pitchFamily="49" charset="0"/>
+              <a:ea typeface="Cascadia Code" pitchFamily="49" charset="0"/>
+              <a:cs typeface="Cascadia Code" pitchFamily="49" charset="0"/>
+            </a:endParaRPr>
+          </a:p>
+        </p:txBody>
+      </p:sp>
+      <p:sp>
+        <p:nvSpPr>
+          <p:cNvPr id="11" name="TextBox 10">
+            <a:extLst>
+              <a:ext uri="{FF2B5EF4-FFF2-40B4-BE49-F238E27FC236}">
+                <a16:creationId xmlns:a16="http://schemas.microsoft.com/office/drawing/2014/main" id="{0C20494E-83DA-E9EA-46C4-DFFFE2F73F96}"/>
+              </a:ext>
+            </a:extLst>
+          </p:cNvPr>
+          <p:cNvSpPr txBox="1"/>
+          <p:nvPr/>
+        </p:nvSpPr>
+        <p:spPr>
+          <a:xfrm>
+            <a:off x="2369357" y="4705067"/>
+            <a:ext cx="1089660" cy="276999"/>
+          </a:xfrm>
+          <a:prstGeom prst="rect">
+            <a:avLst/>
+          </a:prstGeom>
+          <a:noFill/>
+        </p:spPr>
+        <p:txBody>
+          <a:bodyPr wrap="square">
+            <a:spAutoFit/>
+          </a:bodyPr>
+          <a:lstStyle/>
+          <a:p>
+            <a:r>
+              <a:rPr kumimoji="1" lang="en-US" altLang="ko-KR" sz="1200" dirty="0">
+                <a:solidFill>
+                  <a:srgbClr val="FF0000"/>
+                </a:solidFill>
+                <a:latin typeface="Cascadia Code" pitchFamily="49" charset="0"/>
+                <a:cs typeface="Cascadia Code" pitchFamily="49" charset="0"/>
+              </a:rPr>
+              <a:t>0x2000</a:t>
+            </a:r>
+            <a:endParaRPr lang="ko-KR" altLang="en-US" sz="1200" dirty="0">
+              <a:solidFill>
+                <a:srgbClr val="FF0000"/>
+              </a:solidFill>
+            </a:endParaRPr>
+          </a:p>
+        </p:txBody>
+      </p:sp>
+      <p:sp>
+        <p:nvSpPr>
+          <p:cNvPr id="2" name="직사각형 1">
+            <a:extLst>
+              <a:ext uri="{FF2B5EF4-FFF2-40B4-BE49-F238E27FC236}">
+                <a16:creationId xmlns:a16="http://schemas.microsoft.com/office/drawing/2014/main" id="{3598B260-FE16-A777-607B-19714979F6D5}"/>
+              </a:ext>
+            </a:extLst>
+          </p:cNvPr>
+          <p:cNvSpPr/>
+          <p:nvPr/>
+        </p:nvSpPr>
+        <p:spPr>
+          <a:xfrm>
+            <a:off x="6830290" y="992343"/>
+            <a:ext cx="3870037" cy="1819563"/>
+          </a:xfrm>
+          <a:prstGeom prst="rect">
+            <a:avLst/>
+          </a:prstGeom>
+          <a:solidFill>
+            <a:schemeClr val="bg1"/>
+          </a:solidFill>
+        </p:spPr>
+        <p:style>
+          <a:lnRef idx="2">
+            <a:schemeClr val="accent1">
+              <a:shade val="15000"/>
+            </a:schemeClr>
+          </a:lnRef>
+          <a:fillRef idx="1">
+            <a:schemeClr val="accent1"/>
+          </a:fillRef>
+          <a:effectRef idx="0">
+            <a:schemeClr val="accent1"/>
+          </a:effectRef>
+          <a:fontRef idx="minor">
+            <a:schemeClr val="lt1"/>
+          </a:fontRef>
+        </p:style>
+        <p:txBody>
+          <a:bodyPr rtlCol="0" anchor="ctr"/>
+          <a:lstStyle/>
+          <a:p>
+            <a:pPr algn="ctr"/>
+            <a:endParaRPr kumimoji="1" lang="ko-KR" altLang="en-US" sz="1600" dirty="0">
+              <a:solidFill>
+                <a:schemeClr val="tx1"/>
+              </a:solidFill>
+              <a:latin typeface="Cascadia Code" pitchFamily="49" charset="0"/>
+              <a:cs typeface="Cascadia Code" pitchFamily="49" charset="0"/>
+            </a:endParaRPr>
+          </a:p>
+        </p:txBody>
+      </p:sp>
+      <p:sp>
+        <p:nvSpPr>
+          <p:cNvPr id="3" name="TextBox 2">
+            <a:extLst>
+              <a:ext uri="{FF2B5EF4-FFF2-40B4-BE49-F238E27FC236}">
+                <a16:creationId xmlns:a16="http://schemas.microsoft.com/office/drawing/2014/main" id="{FF800A89-50F9-FBCA-E191-7EB0E40A4914}"/>
+              </a:ext>
+            </a:extLst>
+          </p:cNvPr>
+          <p:cNvSpPr txBox="1"/>
+          <p:nvPr/>
+        </p:nvSpPr>
+        <p:spPr>
+          <a:xfrm>
+            <a:off x="7409871" y="564551"/>
+            <a:ext cx="2851729" cy="369332"/>
+          </a:xfrm>
+          <a:prstGeom prst="rect">
+            <a:avLst/>
+          </a:prstGeom>
+          <a:noFill/>
+        </p:spPr>
+        <p:txBody>
+          <a:bodyPr wrap="square">
+            <a:spAutoFit/>
+          </a:bodyPr>
+          <a:lstStyle/>
+          <a:p>
+            <a:pPr algn="ctr"/>
+            <a:r>
+              <a:rPr lang="en-US" altLang="ko-KR" dirty="0" err="1">
+                <a:latin typeface="Cascadia Code" pitchFamily="49" charset="0"/>
+                <a:cs typeface="Cascadia Code" pitchFamily="49" charset="0"/>
+              </a:rPr>
+              <a:t>increment_reference</a:t>
+            </a:r>
+            <a:endParaRPr lang="ko-KR" altLang="en-US" dirty="0"/>
+          </a:p>
+        </p:txBody>
+      </p:sp>
+      <p:sp>
+        <p:nvSpPr>
+          <p:cNvPr id="7" name="TextBox 6">
+            <a:extLst>
+              <a:ext uri="{FF2B5EF4-FFF2-40B4-BE49-F238E27FC236}">
+                <a16:creationId xmlns:a16="http://schemas.microsoft.com/office/drawing/2014/main" id="{BFA11E99-6A56-D9B5-B941-01256054FEE2}"/>
+              </a:ext>
+            </a:extLst>
+          </p:cNvPr>
+          <p:cNvSpPr txBox="1"/>
+          <p:nvPr/>
+        </p:nvSpPr>
+        <p:spPr>
+          <a:xfrm>
+            <a:off x="7961745" y="1501984"/>
+            <a:ext cx="236220" cy="338554"/>
+          </a:xfrm>
+          <a:prstGeom prst="rect">
+            <a:avLst/>
+          </a:prstGeom>
+          <a:noFill/>
+        </p:spPr>
+        <p:txBody>
+          <a:bodyPr wrap="square" rtlCol="0">
+            <a:spAutoFit/>
+          </a:bodyPr>
+          <a:lstStyle/>
+          <a:p>
+            <a:pPr algn="ctr"/>
+            <a:r>
+              <a:rPr kumimoji="1" lang="en-US" altLang="ko-KR" sz="1600" dirty="0">
+                <a:latin typeface="Cascadia Code" pitchFamily="49" charset="0"/>
+                <a:ea typeface="Cascadia Code" pitchFamily="49" charset="0"/>
+                <a:cs typeface="Cascadia Code" pitchFamily="49" charset="0"/>
+              </a:rPr>
+              <a:t>r</a:t>
+            </a:r>
+            <a:endParaRPr kumimoji="1" lang="ko-KR" altLang="en-US" sz="1600" dirty="0">
+              <a:latin typeface="Cascadia Code" pitchFamily="49" charset="0"/>
+              <a:ea typeface="Cascadia Code" pitchFamily="49" charset="0"/>
+              <a:cs typeface="Cascadia Code" pitchFamily="49" charset="0"/>
+            </a:endParaRPr>
+          </a:p>
+        </p:txBody>
+      </p:sp>
+      <p:cxnSp>
+        <p:nvCxnSpPr>
+          <p:cNvPr id="14" name="구부러진 연결선[U] 13">
+            <a:extLst>
+              <a:ext uri="{FF2B5EF4-FFF2-40B4-BE49-F238E27FC236}">
+                <a16:creationId xmlns:a16="http://schemas.microsoft.com/office/drawing/2014/main" id="{08473738-82F7-AAFE-6503-F264FDCF86E7}"/>
+              </a:ext>
+            </a:extLst>
+          </p:cNvPr>
+          <p:cNvCxnSpPr>
+            <a:cxnSpLocks/>
+            <a:stCxn id="7" idx="1"/>
+            <a:endCxn id="9" idx="0"/>
+          </p:cNvCxnSpPr>
+          <p:nvPr/>
+        </p:nvCxnSpPr>
+        <p:spPr>
+          <a:xfrm rot="10800000" flipV="1">
+            <a:off x="3356147" y="1671260"/>
+            <a:ext cx="4605598" cy="3310805"/>
+          </a:xfrm>
+          <a:prstGeom prst="curvedConnector2">
+            <a:avLst/>
+          </a:prstGeom>
+          <a:ln>
+            <a:tailEnd type="triangle"/>
+          </a:ln>
+        </p:spPr>
+        <p:style>
+          <a:lnRef idx="2">
+            <a:schemeClr val="dk1"/>
+          </a:lnRef>
+          <a:fillRef idx="0">
+            <a:schemeClr val="dk1"/>
+          </a:fillRef>
+          <a:effectRef idx="1">
+            <a:schemeClr val="dk1"/>
+          </a:effectRef>
+          <a:fontRef idx="minor">
+            <a:schemeClr val="tx1"/>
+          </a:fontRef>
+        </p:style>
+      </p:cxnSp>
+    </p:spTree>
+    <p:extLst>
+      <p:ext uri="{BB962C8B-B14F-4D97-AF65-F5344CB8AC3E}">
+        <p14:creationId xmlns:p14="http://schemas.microsoft.com/office/powerpoint/2010/main" val="781646521"/>
+      </p:ext>
+    </p:extLst>
+  </p:cSld>
+  <p:clrMapOvr>
+    <a:masterClrMapping/>
+  </p:clrMapOvr>
+</p:sld>
+</file>
+
+<file path=ppt/slides/slide17.xml><?xml version="1.0" encoding="utf-8"?>
+<p:sld xmlns:a="http://schemas.openxmlformats.org/drawingml/2006/main" xmlns:r="http://schemas.openxmlformats.org/officeDocument/2006/relationships" xmlns:p="http://schemas.openxmlformats.org/presentationml/2006/main">
+  <p:cSld>
+    <p:spTree>
+      <p:nvGrpSpPr>
+        <p:cNvPr id="1" name=""/>
+        <p:cNvGrpSpPr/>
+        <p:nvPr/>
+      </p:nvGrpSpPr>
+      <p:grpSpPr>
+        <a:xfrm>
+          <a:off x="0" y="0"/>
+          <a:ext cx="0" cy="0"/>
+          <a:chOff x="0" y="0"/>
+          <a:chExt cx="0" cy="0"/>
+        </a:xfrm>
+      </p:grpSpPr>
+      <p:sp>
+        <p:nvSpPr>
+          <p:cNvPr id="5" name="TextBox 4">
+            <a:extLst>
+              <a:ext uri="{FF2B5EF4-FFF2-40B4-BE49-F238E27FC236}">
+                <a16:creationId xmlns:a16="http://schemas.microsoft.com/office/drawing/2014/main" id="{872A3B39-03C4-8246-D0A3-C0F1B2CF91B8}"/>
+              </a:ext>
+            </a:extLst>
+          </p:cNvPr>
+          <p:cNvSpPr txBox="1"/>
+          <p:nvPr/>
+        </p:nvSpPr>
+        <p:spPr>
+          <a:xfrm>
+            <a:off x="572654" y="522421"/>
+            <a:ext cx="6096000" cy="3416320"/>
+          </a:xfrm>
+          <a:prstGeom prst="rect">
+            <a:avLst/>
+          </a:prstGeom>
+          <a:noFill/>
+        </p:spPr>
+        <p:txBody>
+          <a:bodyPr wrap="square">
+            <a:spAutoFit/>
+          </a:bodyPr>
+          <a:lstStyle/>
+          <a:p>
+            <a:r>
+              <a:rPr lang="en-US" altLang="ko-KR" dirty="0">
+                <a:latin typeface="Cascadia Code" pitchFamily="49" charset="0"/>
+                <a:cs typeface="Cascadia Code" pitchFamily="49" charset="0"/>
+              </a:rPr>
+              <a:t>void </a:t>
+            </a:r>
+            <a:r>
+              <a:rPr lang="en-US" altLang="ko-KR" dirty="0" err="1">
+                <a:latin typeface="Cascadia Code" pitchFamily="49" charset="0"/>
+                <a:cs typeface="Cascadia Code" pitchFamily="49" charset="0"/>
+              </a:rPr>
+              <a:t>increment_reference</a:t>
+            </a:r>
+            <a:r>
+              <a:rPr lang="en-US" altLang="ko-KR" dirty="0">
+                <a:latin typeface="Cascadia Code" pitchFamily="49" charset="0"/>
+                <a:cs typeface="Cascadia Code" pitchFamily="49" charset="0"/>
+              </a:rPr>
+              <a:t>(int&amp; r)</a:t>
+            </a:r>
+          </a:p>
+          <a:p>
+            <a:r>
+              <a:rPr lang="en-US" altLang="ko-KR" dirty="0">
+                <a:latin typeface="Cascadia Code" pitchFamily="49" charset="0"/>
+                <a:cs typeface="Cascadia Code" pitchFamily="49" charset="0"/>
+              </a:rPr>
+              <a:t>{</a:t>
+            </a:r>
+          </a:p>
+          <a:p>
+            <a:r>
+              <a:rPr lang="en-US" altLang="ko-KR" dirty="0">
+                <a:solidFill>
+                  <a:srgbClr val="FF0000"/>
+                </a:solidFill>
+                <a:latin typeface="Cascadia Code" pitchFamily="49" charset="0"/>
+                <a:cs typeface="Cascadia Code" pitchFamily="49" charset="0"/>
+              </a:rPr>
+              <a:t>    ++r;</a:t>
+            </a:r>
+          </a:p>
+          <a:p>
+            <a:r>
+              <a:rPr lang="en-US" altLang="ko-KR" dirty="0">
+                <a:latin typeface="Cascadia Code" pitchFamily="49" charset="0"/>
+                <a:cs typeface="Cascadia Code" pitchFamily="49" charset="0"/>
+              </a:rPr>
+              <a:t>}</a:t>
+            </a:r>
+          </a:p>
+          <a:p>
+            <a:endParaRPr lang="en-US" altLang="ko-KR" dirty="0">
+              <a:latin typeface="Cascadia Code" pitchFamily="49" charset="0"/>
+              <a:cs typeface="Cascadia Code" pitchFamily="49" charset="0"/>
+            </a:endParaRPr>
+          </a:p>
+          <a:p>
+            <a:r>
+              <a:rPr lang="en-US" altLang="ko-KR" dirty="0">
+                <a:latin typeface="Cascadia Code" pitchFamily="49" charset="0"/>
+                <a:cs typeface="Cascadia Code" pitchFamily="49" charset="0"/>
+              </a:rPr>
+              <a:t>int main()</a:t>
+            </a:r>
+          </a:p>
+          <a:p>
+            <a:r>
+              <a:rPr lang="en-US" altLang="ko-KR" dirty="0">
+                <a:latin typeface="Cascadia Code" pitchFamily="49" charset="0"/>
+                <a:cs typeface="Cascadia Code" pitchFamily="49" charset="0"/>
+              </a:rPr>
+              <a:t>{</a:t>
+            </a:r>
+          </a:p>
+          <a:p>
+            <a:r>
+              <a:rPr lang="en-US" altLang="ko-KR" dirty="0">
+                <a:latin typeface="Cascadia Code" pitchFamily="49" charset="0"/>
+                <a:cs typeface="Cascadia Code" pitchFamily="49" charset="0"/>
+              </a:rPr>
+              <a:t>    int n = 10;</a:t>
+            </a:r>
+          </a:p>
+          <a:p>
+            <a:r>
+              <a:rPr lang="en-US" altLang="ko-KR" dirty="0">
+                <a:solidFill>
+                  <a:srgbClr val="FF0000"/>
+                </a:solidFill>
+                <a:latin typeface="Cascadia Code" pitchFamily="49" charset="0"/>
+                <a:cs typeface="Cascadia Code" pitchFamily="49" charset="0"/>
+              </a:rPr>
+              <a:t>    </a:t>
+            </a:r>
+            <a:r>
+              <a:rPr lang="en-US" altLang="ko-KR" dirty="0" err="1">
+                <a:solidFill>
+                  <a:srgbClr val="FF0000"/>
+                </a:solidFill>
+                <a:latin typeface="Cascadia Code" pitchFamily="49" charset="0"/>
+                <a:cs typeface="Cascadia Code" pitchFamily="49" charset="0"/>
+              </a:rPr>
+              <a:t>increment_reference</a:t>
+            </a:r>
+            <a:r>
+              <a:rPr lang="en-US" altLang="ko-KR" dirty="0">
+                <a:solidFill>
+                  <a:srgbClr val="FF0000"/>
+                </a:solidFill>
+                <a:latin typeface="Cascadia Code" pitchFamily="49" charset="0"/>
+                <a:cs typeface="Cascadia Code" pitchFamily="49" charset="0"/>
+              </a:rPr>
+              <a:t>(n);</a:t>
+            </a:r>
+          </a:p>
+          <a:p>
+            <a:endParaRPr lang="en-US" altLang="ko-KR" dirty="0">
+              <a:latin typeface="Cascadia Code" pitchFamily="49" charset="0"/>
+              <a:cs typeface="Cascadia Code" pitchFamily="49" charset="0"/>
+            </a:endParaRPr>
+          </a:p>
+          <a:p>
+            <a:r>
+              <a:rPr lang="en-US" altLang="ko-KR" dirty="0">
+                <a:latin typeface="Cascadia Code" pitchFamily="49" charset="0"/>
+                <a:cs typeface="Cascadia Code" pitchFamily="49" charset="0"/>
+              </a:rPr>
+              <a:t>    std::</a:t>
+            </a:r>
+            <a:r>
+              <a:rPr lang="en-US" altLang="ko-KR" dirty="0" err="1">
+                <a:latin typeface="Cascadia Code" pitchFamily="49" charset="0"/>
+                <a:cs typeface="Cascadia Code" pitchFamily="49" charset="0"/>
+              </a:rPr>
+              <a:t>cout</a:t>
+            </a:r>
+            <a:r>
+              <a:rPr lang="en-US" altLang="ko-KR" dirty="0">
+                <a:latin typeface="Cascadia Code" pitchFamily="49" charset="0"/>
+                <a:cs typeface="Cascadia Code" pitchFamily="49" charset="0"/>
+              </a:rPr>
+              <a:t> &lt;&lt; n &lt;&lt; std::</a:t>
+            </a:r>
+            <a:r>
+              <a:rPr lang="en-US" altLang="ko-KR" dirty="0" err="1">
+                <a:latin typeface="Cascadia Code" pitchFamily="49" charset="0"/>
+                <a:cs typeface="Cascadia Code" pitchFamily="49" charset="0"/>
+              </a:rPr>
+              <a:t>endl</a:t>
+            </a:r>
+            <a:r>
+              <a:rPr lang="en-US" altLang="ko-KR" dirty="0">
+                <a:latin typeface="Cascadia Code" pitchFamily="49" charset="0"/>
+                <a:cs typeface="Cascadia Code" pitchFamily="49" charset="0"/>
+              </a:rPr>
+              <a:t>;</a:t>
+            </a:r>
+          </a:p>
+          <a:p>
+            <a:r>
+              <a:rPr lang="en-US" altLang="ko-KR" dirty="0">
+                <a:latin typeface="Cascadia Code" pitchFamily="49" charset="0"/>
+                <a:cs typeface="Cascadia Code" pitchFamily="49" charset="0"/>
+              </a:rPr>
+              <a:t>}</a:t>
+            </a:r>
+          </a:p>
+        </p:txBody>
+      </p:sp>
+      <p:sp>
+        <p:nvSpPr>
+          <p:cNvPr id="6" name="직사각형 5">
+            <a:extLst>
+              <a:ext uri="{FF2B5EF4-FFF2-40B4-BE49-F238E27FC236}">
+                <a16:creationId xmlns:a16="http://schemas.microsoft.com/office/drawing/2014/main" id="{8A4CE615-C745-E6A9-9D3C-C28D50BF4004}"/>
+              </a:ext>
+            </a:extLst>
+          </p:cNvPr>
+          <p:cNvSpPr/>
+          <p:nvPr/>
+        </p:nvSpPr>
+        <p:spPr>
+          <a:xfrm>
+            <a:off x="1385454" y="4516016"/>
+            <a:ext cx="3870037" cy="1819563"/>
+          </a:xfrm>
+          <a:prstGeom prst="rect">
+            <a:avLst/>
+          </a:prstGeom>
+          <a:solidFill>
+            <a:schemeClr val="bg1"/>
+          </a:solidFill>
+        </p:spPr>
+        <p:style>
+          <a:lnRef idx="2">
+            <a:schemeClr val="accent1">
+              <a:shade val="15000"/>
+            </a:schemeClr>
+          </a:lnRef>
+          <a:fillRef idx="1">
+            <a:schemeClr val="accent1"/>
+          </a:fillRef>
+          <a:effectRef idx="0">
+            <a:schemeClr val="accent1"/>
+          </a:effectRef>
+          <a:fontRef idx="minor">
+            <a:schemeClr val="lt1"/>
+          </a:fontRef>
+        </p:style>
+        <p:txBody>
+          <a:bodyPr rtlCol="0" anchor="ctr"/>
+          <a:lstStyle/>
+          <a:p>
+            <a:pPr algn="ctr"/>
+            <a:endParaRPr kumimoji="1" lang="ko-KR" altLang="en-US" sz="1600" dirty="0">
+              <a:solidFill>
+                <a:schemeClr val="tx1"/>
+              </a:solidFill>
+              <a:latin typeface="Cascadia Code" pitchFamily="49" charset="0"/>
+              <a:cs typeface="Cascadia Code" pitchFamily="49" charset="0"/>
+            </a:endParaRPr>
+          </a:p>
+        </p:txBody>
+      </p:sp>
+      <p:sp>
+        <p:nvSpPr>
+          <p:cNvPr id="8" name="TextBox 7">
+            <a:extLst>
+              <a:ext uri="{FF2B5EF4-FFF2-40B4-BE49-F238E27FC236}">
+                <a16:creationId xmlns:a16="http://schemas.microsoft.com/office/drawing/2014/main" id="{B4CF22DA-3D8E-BF3B-D329-EFD0B396FA87}"/>
+              </a:ext>
+            </a:extLst>
+          </p:cNvPr>
+          <p:cNvSpPr txBox="1"/>
+          <p:nvPr/>
+        </p:nvSpPr>
+        <p:spPr>
+          <a:xfrm>
+            <a:off x="2724726" y="4146684"/>
+            <a:ext cx="1191491" cy="369332"/>
+          </a:xfrm>
+          <a:prstGeom prst="rect">
+            <a:avLst/>
+          </a:prstGeom>
+          <a:noFill/>
+        </p:spPr>
+        <p:txBody>
+          <a:bodyPr wrap="square">
+            <a:spAutoFit/>
+          </a:bodyPr>
+          <a:lstStyle/>
+          <a:p>
+            <a:pPr algn="ctr"/>
+            <a:r>
+              <a:rPr lang="ko-KR" altLang="en-US" dirty="0" err="1">
+                <a:latin typeface="Cascadia Code" pitchFamily="49" charset="0"/>
+                <a:cs typeface="Cascadia Code" pitchFamily="49" charset="0"/>
+              </a:rPr>
+              <a:t>main</a:t>
+            </a:r>
+            <a:endParaRPr lang="ko-KR" altLang="en-US" dirty="0"/>
+          </a:p>
+        </p:txBody>
+      </p:sp>
+      <p:sp>
+        <p:nvSpPr>
+          <p:cNvPr id="9" name="직사각형 8">
+            <a:extLst>
+              <a:ext uri="{FF2B5EF4-FFF2-40B4-BE49-F238E27FC236}">
+                <a16:creationId xmlns:a16="http://schemas.microsoft.com/office/drawing/2014/main" id="{5C6718BB-70DE-F30C-F436-2F31CADE5EDE}"/>
+              </a:ext>
+            </a:extLst>
+          </p:cNvPr>
+          <p:cNvSpPr/>
+          <p:nvPr/>
+        </p:nvSpPr>
+        <p:spPr>
+          <a:xfrm>
+            <a:off x="2796077" y="4982066"/>
+            <a:ext cx="1120140" cy="610463"/>
+          </a:xfrm>
+          <a:prstGeom prst="rect">
+            <a:avLst/>
+          </a:prstGeom>
+          <a:solidFill>
+            <a:srgbClr val="FFFF00"/>
+          </a:solidFill>
+        </p:spPr>
+        <p:style>
+          <a:lnRef idx="2">
+            <a:schemeClr val="accent1">
+              <a:shade val="15000"/>
+            </a:schemeClr>
+          </a:lnRef>
+          <a:fillRef idx="1">
+            <a:schemeClr val="accent1"/>
+          </a:fillRef>
+          <a:effectRef idx="0">
+            <a:schemeClr val="accent1"/>
+          </a:effectRef>
+          <a:fontRef idx="minor">
+            <a:schemeClr val="lt1"/>
+          </a:fontRef>
+        </p:style>
+        <p:txBody>
+          <a:bodyPr rtlCol="0" anchor="ctr"/>
+          <a:lstStyle/>
+          <a:p>
+            <a:pPr algn="ctr"/>
+            <a:r>
+              <a:rPr kumimoji="1" lang="en-US" altLang="ko-KR" sz="1600" dirty="0">
+                <a:solidFill>
+                  <a:srgbClr val="FF0000"/>
+                </a:solidFill>
+                <a:latin typeface="Cascadia Code" pitchFamily="49" charset="0"/>
+                <a:cs typeface="Cascadia Code" pitchFamily="49" charset="0"/>
+              </a:rPr>
+              <a:t>11</a:t>
+            </a:r>
+            <a:endParaRPr kumimoji="1" lang="ko-KR" altLang="en-US" sz="1600" dirty="0">
+              <a:solidFill>
+                <a:srgbClr val="FF0000"/>
+              </a:solidFill>
+              <a:latin typeface="Cascadia Code" pitchFamily="49" charset="0"/>
+              <a:cs typeface="Cascadia Code" pitchFamily="49" charset="0"/>
+            </a:endParaRPr>
+          </a:p>
+        </p:txBody>
+      </p:sp>
+      <p:sp>
+        <p:nvSpPr>
+          <p:cNvPr id="10" name="TextBox 9">
+            <a:extLst>
+              <a:ext uri="{FF2B5EF4-FFF2-40B4-BE49-F238E27FC236}">
+                <a16:creationId xmlns:a16="http://schemas.microsoft.com/office/drawing/2014/main" id="{A2D3F6B6-7747-1550-9A2C-C4F85AC21BC5}"/>
+              </a:ext>
+            </a:extLst>
+          </p:cNvPr>
+          <p:cNvSpPr txBox="1"/>
+          <p:nvPr/>
+        </p:nvSpPr>
+        <p:spPr>
+          <a:xfrm>
+            <a:off x="2529377" y="5118020"/>
+            <a:ext cx="236220" cy="338554"/>
+          </a:xfrm>
+          <a:prstGeom prst="rect">
+            <a:avLst/>
+          </a:prstGeom>
+          <a:noFill/>
+        </p:spPr>
+        <p:txBody>
+          <a:bodyPr wrap="square" rtlCol="0">
+            <a:spAutoFit/>
+          </a:bodyPr>
+          <a:lstStyle/>
+          <a:p>
+            <a:pPr algn="ctr"/>
+            <a:r>
+              <a:rPr kumimoji="1" lang="en-US" altLang="ko-KR" sz="1600" dirty="0">
+                <a:latin typeface="Cascadia Code" pitchFamily="49" charset="0"/>
+                <a:ea typeface="Cascadia Code" pitchFamily="49" charset="0"/>
+                <a:cs typeface="Cascadia Code" pitchFamily="49" charset="0"/>
+              </a:rPr>
+              <a:t>n</a:t>
+            </a:r>
+            <a:endParaRPr kumimoji="1" lang="ko-KR" altLang="en-US" sz="1600" dirty="0">
+              <a:latin typeface="Cascadia Code" pitchFamily="49" charset="0"/>
+              <a:ea typeface="Cascadia Code" pitchFamily="49" charset="0"/>
+              <a:cs typeface="Cascadia Code" pitchFamily="49" charset="0"/>
+            </a:endParaRPr>
+          </a:p>
+        </p:txBody>
+      </p:sp>
+      <p:sp>
+        <p:nvSpPr>
+          <p:cNvPr id="11" name="TextBox 10">
+            <a:extLst>
+              <a:ext uri="{FF2B5EF4-FFF2-40B4-BE49-F238E27FC236}">
+                <a16:creationId xmlns:a16="http://schemas.microsoft.com/office/drawing/2014/main" id="{0C20494E-83DA-E9EA-46C4-DFFFE2F73F96}"/>
+              </a:ext>
+            </a:extLst>
+          </p:cNvPr>
+          <p:cNvSpPr txBox="1"/>
+          <p:nvPr/>
+        </p:nvSpPr>
+        <p:spPr>
+          <a:xfrm>
+            <a:off x="2369357" y="4705067"/>
+            <a:ext cx="1089660" cy="276999"/>
+          </a:xfrm>
+          <a:prstGeom prst="rect">
+            <a:avLst/>
+          </a:prstGeom>
+          <a:noFill/>
+        </p:spPr>
+        <p:txBody>
+          <a:bodyPr wrap="square">
+            <a:spAutoFit/>
+          </a:bodyPr>
+          <a:lstStyle/>
+          <a:p>
+            <a:r>
+              <a:rPr kumimoji="1" lang="en-US" altLang="ko-KR" sz="1200" dirty="0">
+                <a:solidFill>
+                  <a:srgbClr val="FF0000"/>
+                </a:solidFill>
+                <a:latin typeface="Cascadia Code" pitchFamily="49" charset="0"/>
+                <a:cs typeface="Cascadia Code" pitchFamily="49" charset="0"/>
+              </a:rPr>
+              <a:t>0x2000</a:t>
+            </a:r>
+            <a:endParaRPr lang="ko-KR" altLang="en-US" sz="1200" dirty="0">
+              <a:solidFill>
+                <a:srgbClr val="FF0000"/>
+              </a:solidFill>
+            </a:endParaRPr>
+          </a:p>
+        </p:txBody>
+      </p:sp>
+      <p:sp>
+        <p:nvSpPr>
+          <p:cNvPr id="2" name="직사각형 1">
+            <a:extLst>
+              <a:ext uri="{FF2B5EF4-FFF2-40B4-BE49-F238E27FC236}">
+                <a16:creationId xmlns:a16="http://schemas.microsoft.com/office/drawing/2014/main" id="{3598B260-FE16-A777-607B-19714979F6D5}"/>
+              </a:ext>
+            </a:extLst>
+          </p:cNvPr>
+          <p:cNvSpPr/>
+          <p:nvPr/>
+        </p:nvSpPr>
+        <p:spPr>
+          <a:xfrm>
+            <a:off x="6830290" y="992343"/>
+            <a:ext cx="3870037" cy="1819563"/>
+          </a:xfrm>
+          <a:prstGeom prst="rect">
+            <a:avLst/>
+          </a:prstGeom>
+          <a:solidFill>
+            <a:schemeClr val="bg1"/>
+          </a:solidFill>
+        </p:spPr>
+        <p:style>
+          <a:lnRef idx="2">
+            <a:schemeClr val="accent1">
+              <a:shade val="15000"/>
+            </a:schemeClr>
+          </a:lnRef>
+          <a:fillRef idx="1">
+            <a:schemeClr val="accent1"/>
+          </a:fillRef>
+          <a:effectRef idx="0">
+            <a:schemeClr val="accent1"/>
+          </a:effectRef>
+          <a:fontRef idx="minor">
+            <a:schemeClr val="lt1"/>
+          </a:fontRef>
+        </p:style>
+        <p:txBody>
+          <a:bodyPr rtlCol="0" anchor="ctr"/>
+          <a:lstStyle/>
+          <a:p>
+            <a:pPr algn="ctr"/>
+            <a:endParaRPr kumimoji="1" lang="ko-KR" altLang="en-US" sz="1600" dirty="0">
+              <a:solidFill>
+                <a:schemeClr val="tx1"/>
+              </a:solidFill>
+              <a:latin typeface="Cascadia Code" pitchFamily="49" charset="0"/>
+              <a:cs typeface="Cascadia Code" pitchFamily="49" charset="0"/>
+            </a:endParaRPr>
+          </a:p>
+        </p:txBody>
+      </p:sp>
+      <p:sp>
+        <p:nvSpPr>
+          <p:cNvPr id="3" name="TextBox 2">
+            <a:extLst>
+              <a:ext uri="{FF2B5EF4-FFF2-40B4-BE49-F238E27FC236}">
+                <a16:creationId xmlns:a16="http://schemas.microsoft.com/office/drawing/2014/main" id="{FF800A89-50F9-FBCA-E191-7EB0E40A4914}"/>
+              </a:ext>
+            </a:extLst>
+          </p:cNvPr>
+          <p:cNvSpPr txBox="1"/>
+          <p:nvPr/>
+        </p:nvSpPr>
+        <p:spPr>
+          <a:xfrm>
+            <a:off x="7409871" y="564551"/>
+            <a:ext cx="2851729" cy="369332"/>
+          </a:xfrm>
+          <a:prstGeom prst="rect">
+            <a:avLst/>
+          </a:prstGeom>
+          <a:noFill/>
+        </p:spPr>
+        <p:txBody>
+          <a:bodyPr wrap="square">
+            <a:spAutoFit/>
+          </a:bodyPr>
+          <a:lstStyle/>
+          <a:p>
+            <a:pPr algn="ctr"/>
+            <a:r>
+              <a:rPr lang="en-US" altLang="ko-KR" dirty="0" err="1">
+                <a:latin typeface="Cascadia Code" pitchFamily="49" charset="0"/>
+                <a:cs typeface="Cascadia Code" pitchFamily="49" charset="0"/>
+              </a:rPr>
+              <a:t>increment_reference</a:t>
+            </a:r>
+            <a:endParaRPr lang="ko-KR" altLang="en-US" dirty="0"/>
+          </a:p>
+        </p:txBody>
+      </p:sp>
+      <p:sp>
+        <p:nvSpPr>
+          <p:cNvPr id="7" name="TextBox 6">
+            <a:extLst>
+              <a:ext uri="{FF2B5EF4-FFF2-40B4-BE49-F238E27FC236}">
+                <a16:creationId xmlns:a16="http://schemas.microsoft.com/office/drawing/2014/main" id="{BFA11E99-6A56-D9B5-B941-01256054FEE2}"/>
+              </a:ext>
+            </a:extLst>
+          </p:cNvPr>
+          <p:cNvSpPr txBox="1"/>
+          <p:nvPr/>
+        </p:nvSpPr>
+        <p:spPr>
+          <a:xfrm>
+            <a:off x="7961745" y="1501984"/>
+            <a:ext cx="236220" cy="338554"/>
+          </a:xfrm>
+          <a:prstGeom prst="rect">
+            <a:avLst/>
+          </a:prstGeom>
+          <a:noFill/>
+        </p:spPr>
+        <p:txBody>
+          <a:bodyPr wrap="square" rtlCol="0">
+            <a:spAutoFit/>
+          </a:bodyPr>
+          <a:lstStyle/>
+          <a:p>
+            <a:pPr algn="ctr"/>
+            <a:r>
+              <a:rPr kumimoji="1" lang="en-US" altLang="ko-KR" sz="1600" dirty="0">
+                <a:latin typeface="Cascadia Code" pitchFamily="49" charset="0"/>
+                <a:ea typeface="Cascadia Code" pitchFamily="49" charset="0"/>
+                <a:cs typeface="Cascadia Code" pitchFamily="49" charset="0"/>
+              </a:rPr>
+              <a:t>r</a:t>
+            </a:r>
+            <a:endParaRPr kumimoji="1" lang="ko-KR" altLang="en-US" sz="1600" dirty="0">
+              <a:latin typeface="Cascadia Code" pitchFamily="49" charset="0"/>
+              <a:ea typeface="Cascadia Code" pitchFamily="49" charset="0"/>
+              <a:cs typeface="Cascadia Code" pitchFamily="49" charset="0"/>
+            </a:endParaRPr>
+          </a:p>
+        </p:txBody>
+      </p:sp>
+      <p:cxnSp>
+        <p:nvCxnSpPr>
+          <p:cNvPr id="14" name="구부러진 연결선[U] 13">
+            <a:extLst>
+              <a:ext uri="{FF2B5EF4-FFF2-40B4-BE49-F238E27FC236}">
+                <a16:creationId xmlns:a16="http://schemas.microsoft.com/office/drawing/2014/main" id="{08473738-82F7-AAFE-6503-F264FDCF86E7}"/>
+              </a:ext>
+            </a:extLst>
+          </p:cNvPr>
+          <p:cNvCxnSpPr>
+            <a:cxnSpLocks/>
+            <a:stCxn id="7" idx="1"/>
+            <a:endCxn id="9" idx="0"/>
+          </p:cNvCxnSpPr>
+          <p:nvPr/>
+        </p:nvCxnSpPr>
+        <p:spPr>
+          <a:xfrm rot="10800000" flipV="1">
+            <a:off x="3356147" y="1671260"/>
+            <a:ext cx="4605598" cy="3310805"/>
+          </a:xfrm>
+          <a:prstGeom prst="curvedConnector2">
+            <a:avLst/>
+          </a:prstGeom>
+          <a:ln>
+            <a:tailEnd type="triangle"/>
+          </a:ln>
+        </p:spPr>
+        <p:style>
+          <a:lnRef idx="2">
+            <a:schemeClr val="dk1"/>
+          </a:lnRef>
+          <a:fillRef idx="0">
+            <a:schemeClr val="dk1"/>
+          </a:fillRef>
+          <a:effectRef idx="1">
+            <a:schemeClr val="dk1"/>
+          </a:effectRef>
+          <a:fontRef idx="minor">
+            <a:schemeClr val="tx1"/>
+          </a:fontRef>
+        </p:style>
+      </p:cxnSp>
+    </p:spTree>
+    <p:extLst>
+      <p:ext uri="{BB962C8B-B14F-4D97-AF65-F5344CB8AC3E}">
+        <p14:creationId xmlns:p14="http://schemas.microsoft.com/office/powerpoint/2010/main" val="1787168982"/>
       </p:ext>
     </p:extLst>
   </p:cSld>

--- a/cpp_240708.pptx
+++ b/cpp_240708.pptx
@@ -22,6 +22,8 @@
     <p:sldId id="270" r:id="rId16"/>
     <p:sldId id="271" r:id="rId17"/>
     <p:sldId id="272" r:id="rId18"/>
+    <p:sldId id="273" r:id="rId19"/>
+    <p:sldId id="274" r:id="rId20"/>
   </p:sldIdLst>
   <p:sldSz cx="12192000" cy="6858000"/>
   <p:notesSz cx="6858000" cy="9144000"/>
@@ -9627,6 +9629,805 @@
     <p:extLst>
       <p:ext uri="{BB962C8B-B14F-4D97-AF65-F5344CB8AC3E}">
         <p14:creationId xmlns:p14="http://schemas.microsoft.com/office/powerpoint/2010/main" val="1787168982"/>
+      </p:ext>
+    </p:extLst>
+  </p:cSld>
+  <p:clrMapOvr>
+    <a:masterClrMapping/>
+  </p:clrMapOvr>
+</p:sld>
+</file>
+
+<file path=ppt/slides/slide18.xml><?xml version="1.0" encoding="utf-8"?>
+<p:sld xmlns:a="http://schemas.openxmlformats.org/drawingml/2006/main" xmlns:r="http://schemas.openxmlformats.org/officeDocument/2006/relationships" xmlns:p="http://schemas.openxmlformats.org/presentationml/2006/main">
+  <p:cSld>
+    <p:spTree>
+      <p:nvGrpSpPr>
+        <p:cNvPr id="1" name=""/>
+        <p:cNvGrpSpPr/>
+        <p:nvPr/>
+      </p:nvGrpSpPr>
+      <p:grpSpPr>
+        <a:xfrm>
+          <a:off x="0" y="0"/>
+          <a:ext cx="0" cy="0"/>
+          <a:chOff x="0" y="0"/>
+          <a:chExt cx="0" cy="0"/>
+        </a:xfrm>
+      </p:grpSpPr>
+      <p:sp>
+        <p:nvSpPr>
+          <p:cNvPr id="4" name="직사각형 3">
+            <a:extLst>
+              <a:ext uri="{FF2B5EF4-FFF2-40B4-BE49-F238E27FC236}">
+                <a16:creationId xmlns:a16="http://schemas.microsoft.com/office/drawing/2014/main" id="{711CF190-CE81-ED35-B531-2A56EBFE01C1}"/>
+              </a:ext>
+            </a:extLst>
+          </p:cNvPr>
+          <p:cNvSpPr/>
+          <p:nvPr/>
+        </p:nvSpPr>
+        <p:spPr>
+          <a:xfrm>
+            <a:off x="952500" y="601980"/>
+            <a:ext cx="2286000" cy="632460"/>
+          </a:xfrm>
+          <a:prstGeom prst="rect">
+            <a:avLst/>
+          </a:prstGeom>
+          <a:solidFill>
+            <a:srgbClr val="FFFF00"/>
+          </a:solidFill>
+        </p:spPr>
+        <p:style>
+          <a:lnRef idx="2">
+            <a:schemeClr val="accent1">
+              <a:shade val="15000"/>
+            </a:schemeClr>
+          </a:lnRef>
+          <a:fillRef idx="1">
+            <a:schemeClr val="accent1"/>
+          </a:fillRef>
+          <a:effectRef idx="0">
+            <a:schemeClr val="accent1"/>
+          </a:effectRef>
+          <a:fontRef idx="minor">
+            <a:schemeClr val="lt1"/>
+          </a:fontRef>
+        </p:style>
+        <p:txBody>
+          <a:bodyPr rtlCol="0" anchor="ctr"/>
+          <a:lstStyle/>
+          <a:p>
+            <a:pPr algn="ctr"/>
+            <a:r>
+              <a:rPr kumimoji="1" lang="en-US" altLang="ko-KR" sz="1600" dirty="0">
+                <a:solidFill>
+                  <a:schemeClr val="tx1"/>
+                </a:solidFill>
+                <a:latin typeface="Cascadia Code" pitchFamily="49" charset="0"/>
+                <a:cs typeface="Cascadia Code" pitchFamily="49" charset="0"/>
+              </a:rPr>
+              <a:t>.TEXT</a:t>
+            </a:r>
+            <a:endParaRPr kumimoji="1" lang="ko-KR" altLang="en-US" sz="1600" dirty="0">
+              <a:solidFill>
+                <a:schemeClr val="tx1"/>
+              </a:solidFill>
+              <a:latin typeface="Cascadia Code" pitchFamily="49" charset="0"/>
+              <a:cs typeface="Cascadia Code" pitchFamily="49" charset="0"/>
+            </a:endParaRPr>
+          </a:p>
+        </p:txBody>
+      </p:sp>
+      <p:sp>
+        <p:nvSpPr>
+          <p:cNvPr id="12" name="직사각형 11">
+            <a:extLst>
+              <a:ext uri="{FF2B5EF4-FFF2-40B4-BE49-F238E27FC236}">
+                <a16:creationId xmlns:a16="http://schemas.microsoft.com/office/drawing/2014/main" id="{4DADEA58-3448-5726-B8B8-040744DCE3CD}"/>
+              </a:ext>
+            </a:extLst>
+          </p:cNvPr>
+          <p:cNvSpPr/>
+          <p:nvPr/>
+        </p:nvSpPr>
+        <p:spPr>
+          <a:xfrm>
+            <a:off x="952500" y="1234440"/>
+            <a:ext cx="2286000" cy="632460"/>
+          </a:xfrm>
+          <a:prstGeom prst="rect">
+            <a:avLst/>
+          </a:prstGeom>
+          <a:solidFill>
+            <a:srgbClr val="FFFF00"/>
+          </a:solidFill>
+        </p:spPr>
+        <p:style>
+          <a:lnRef idx="2">
+            <a:schemeClr val="accent1">
+              <a:shade val="15000"/>
+            </a:schemeClr>
+          </a:lnRef>
+          <a:fillRef idx="1">
+            <a:schemeClr val="accent1"/>
+          </a:fillRef>
+          <a:effectRef idx="0">
+            <a:schemeClr val="accent1"/>
+          </a:effectRef>
+          <a:fontRef idx="minor">
+            <a:schemeClr val="lt1"/>
+          </a:fontRef>
+        </p:style>
+        <p:txBody>
+          <a:bodyPr rtlCol="0" anchor="ctr"/>
+          <a:lstStyle/>
+          <a:p>
+            <a:pPr algn="ctr"/>
+            <a:r>
+              <a:rPr kumimoji="1" lang="en-US" altLang="ko-KR" sz="1600" dirty="0">
+                <a:solidFill>
+                  <a:schemeClr val="tx1"/>
+                </a:solidFill>
+                <a:latin typeface="Cascadia Code" pitchFamily="49" charset="0"/>
+                <a:cs typeface="Cascadia Code" pitchFamily="49" charset="0"/>
+              </a:rPr>
+              <a:t>.DATA</a:t>
+            </a:r>
+            <a:endParaRPr kumimoji="1" lang="ko-KR" altLang="en-US" sz="1600" dirty="0">
+              <a:solidFill>
+                <a:schemeClr val="tx1"/>
+              </a:solidFill>
+              <a:latin typeface="Cascadia Code" pitchFamily="49" charset="0"/>
+              <a:cs typeface="Cascadia Code" pitchFamily="49" charset="0"/>
+            </a:endParaRPr>
+          </a:p>
+        </p:txBody>
+      </p:sp>
+      <p:sp>
+        <p:nvSpPr>
+          <p:cNvPr id="13" name="직사각형 12">
+            <a:extLst>
+              <a:ext uri="{FF2B5EF4-FFF2-40B4-BE49-F238E27FC236}">
+                <a16:creationId xmlns:a16="http://schemas.microsoft.com/office/drawing/2014/main" id="{3406A491-80AA-72D3-C66E-2BB8D32306F6}"/>
+              </a:ext>
+            </a:extLst>
+          </p:cNvPr>
+          <p:cNvSpPr/>
+          <p:nvPr/>
+        </p:nvSpPr>
+        <p:spPr>
+          <a:xfrm>
+            <a:off x="952500" y="1866900"/>
+            <a:ext cx="2286000" cy="632460"/>
+          </a:xfrm>
+          <a:prstGeom prst="rect">
+            <a:avLst/>
+          </a:prstGeom>
+          <a:solidFill>
+            <a:srgbClr val="FFFF00"/>
+          </a:solidFill>
+        </p:spPr>
+        <p:style>
+          <a:lnRef idx="2">
+            <a:schemeClr val="accent1">
+              <a:shade val="15000"/>
+            </a:schemeClr>
+          </a:lnRef>
+          <a:fillRef idx="1">
+            <a:schemeClr val="accent1"/>
+          </a:fillRef>
+          <a:effectRef idx="0">
+            <a:schemeClr val="accent1"/>
+          </a:effectRef>
+          <a:fontRef idx="minor">
+            <a:schemeClr val="lt1"/>
+          </a:fontRef>
+        </p:style>
+        <p:txBody>
+          <a:bodyPr rtlCol="0" anchor="ctr"/>
+          <a:lstStyle/>
+          <a:p>
+            <a:pPr algn="ctr"/>
+            <a:r>
+              <a:rPr kumimoji="1" lang="en-US" altLang="ko-KR" sz="1600" dirty="0">
+                <a:solidFill>
+                  <a:schemeClr val="tx1"/>
+                </a:solidFill>
+                <a:latin typeface="Cascadia Code" pitchFamily="49" charset="0"/>
+                <a:cs typeface="Cascadia Code" pitchFamily="49" charset="0"/>
+              </a:rPr>
+              <a:t>.HEAP</a:t>
+            </a:r>
+            <a:endParaRPr kumimoji="1" lang="ko-KR" altLang="en-US" sz="1600" dirty="0">
+              <a:solidFill>
+                <a:schemeClr val="tx1"/>
+              </a:solidFill>
+              <a:latin typeface="Cascadia Code" pitchFamily="49" charset="0"/>
+              <a:cs typeface="Cascadia Code" pitchFamily="49" charset="0"/>
+            </a:endParaRPr>
+          </a:p>
+        </p:txBody>
+      </p:sp>
+      <p:sp>
+        <p:nvSpPr>
+          <p:cNvPr id="15" name="직사각형 14">
+            <a:extLst>
+              <a:ext uri="{FF2B5EF4-FFF2-40B4-BE49-F238E27FC236}">
+                <a16:creationId xmlns:a16="http://schemas.microsoft.com/office/drawing/2014/main" id="{306212E4-7613-E81B-A9E3-C02D1F1160CC}"/>
+              </a:ext>
+            </a:extLst>
+          </p:cNvPr>
+          <p:cNvSpPr/>
+          <p:nvPr/>
+        </p:nvSpPr>
+        <p:spPr>
+          <a:xfrm>
+            <a:off x="952500" y="2499360"/>
+            <a:ext cx="2286000" cy="632460"/>
+          </a:xfrm>
+          <a:prstGeom prst="rect">
+            <a:avLst/>
+          </a:prstGeom>
+          <a:solidFill>
+            <a:srgbClr val="FFFF00"/>
+          </a:solidFill>
+        </p:spPr>
+        <p:style>
+          <a:lnRef idx="2">
+            <a:schemeClr val="accent1">
+              <a:shade val="15000"/>
+            </a:schemeClr>
+          </a:lnRef>
+          <a:fillRef idx="1">
+            <a:schemeClr val="accent1"/>
+          </a:fillRef>
+          <a:effectRef idx="0">
+            <a:schemeClr val="accent1"/>
+          </a:effectRef>
+          <a:fontRef idx="minor">
+            <a:schemeClr val="lt1"/>
+          </a:fontRef>
+        </p:style>
+        <p:txBody>
+          <a:bodyPr rtlCol="0" anchor="ctr"/>
+          <a:lstStyle/>
+          <a:p>
+            <a:pPr algn="ctr"/>
+            <a:r>
+              <a:rPr kumimoji="1" lang="en-US" altLang="ko-KR" sz="1600" dirty="0">
+                <a:solidFill>
+                  <a:schemeClr val="tx1"/>
+                </a:solidFill>
+                <a:latin typeface="Cascadia Code" pitchFamily="49" charset="0"/>
+                <a:cs typeface="Cascadia Code" pitchFamily="49" charset="0"/>
+              </a:rPr>
+              <a:t>.STACK</a:t>
+            </a:r>
+            <a:endParaRPr kumimoji="1" lang="ko-KR" altLang="en-US" sz="1600" dirty="0">
+              <a:solidFill>
+                <a:schemeClr val="tx1"/>
+              </a:solidFill>
+              <a:latin typeface="Cascadia Code" pitchFamily="49" charset="0"/>
+              <a:cs typeface="Cascadia Code" pitchFamily="49" charset="0"/>
+            </a:endParaRPr>
+          </a:p>
+        </p:txBody>
+      </p:sp>
+    </p:spTree>
+    <p:extLst>
+      <p:ext uri="{BB962C8B-B14F-4D97-AF65-F5344CB8AC3E}">
+        <p14:creationId xmlns:p14="http://schemas.microsoft.com/office/powerpoint/2010/main" val="2176656759"/>
+      </p:ext>
+    </p:extLst>
+  </p:cSld>
+  <p:clrMapOvr>
+    <a:masterClrMapping/>
+  </p:clrMapOvr>
+</p:sld>
+</file>
+
+<file path=ppt/slides/slide19.xml><?xml version="1.0" encoding="utf-8"?>
+<p:sld xmlns:a="http://schemas.openxmlformats.org/drawingml/2006/main" xmlns:r="http://schemas.openxmlformats.org/officeDocument/2006/relationships" xmlns:p="http://schemas.openxmlformats.org/presentationml/2006/main">
+  <p:cSld>
+    <p:spTree>
+      <p:nvGrpSpPr>
+        <p:cNvPr id="1" name=""/>
+        <p:cNvGrpSpPr/>
+        <p:nvPr/>
+      </p:nvGrpSpPr>
+      <p:grpSpPr>
+        <a:xfrm>
+          <a:off x="0" y="0"/>
+          <a:ext cx="0" cy="0"/>
+          <a:chOff x="0" y="0"/>
+          <a:chExt cx="0" cy="0"/>
+        </a:xfrm>
+      </p:grpSpPr>
+      <p:sp>
+        <p:nvSpPr>
+          <p:cNvPr id="5" name="TextBox 4">
+            <a:extLst>
+              <a:ext uri="{FF2B5EF4-FFF2-40B4-BE49-F238E27FC236}">
+                <a16:creationId xmlns:a16="http://schemas.microsoft.com/office/drawing/2014/main" id="{26E8836A-C5A9-AF3E-830D-AC3187CE181F}"/>
+              </a:ext>
+            </a:extLst>
+          </p:cNvPr>
+          <p:cNvSpPr txBox="1"/>
+          <p:nvPr/>
+        </p:nvSpPr>
+        <p:spPr>
+          <a:xfrm>
+            <a:off x="594360" y="444699"/>
+            <a:ext cx="6096000" cy="2585323"/>
+          </a:xfrm>
+          <a:prstGeom prst="rect">
+            <a:avLst/>
+          </a:prstGeom>
+          <a:noFill/>
+        </p:spPr>
+        <p:txBody>
+          <a:bodyPr wrap="square">
+            <a:spAutoFit/>
+          </a:bodyPr>
+          <a:lstStyle/>
+          <a:p>
+            <a:r>
+              <a:rPr lang="ko-KR" altLang="en-US" dirty="0" err="1">
+                <a:latin typeface="Cascadia Code" pitchFamily="49" charset="0"/>
+                <a:cs typeface="Cascadia Code" pitchFamily="49" charset="0"/>
+              </a:rPr>
+              <a:t>struct</a:t>
+            </a:r>
+            <a:r>
+              <a:rPr lang="ko-KR" altLang="en-US" dirty="0">
+                <a:latin typeface="Cascadia Code" pitchFamily="49" charset="0"/>
+                <a:cs typeface="Cascadia Code" pitchFamily="49" charset="0"/>
+              </a:rPr>
+              <a:t> </a:t>
+            </a:r>
+            <a:r>
+              <a:rPr lang="ko-KR" altLang="en-US" dirty="0" err="1">
+                <a:latin typeface="Cascadia Code" pitchFamily="49" charset="0"/>
+                <a:cs typeface="Cascadia Code" pitchFamily="49" charset="0"/>
+              </a:rPr>
+              <a:t>Point</a:t>
+            </a:r>
+            <a:r>
+              <a:rPr lang="ko-KR" altLang="en-US" dirty="0">
+                <a:latin typeface="Cascadia Code" pitchFamily="49" charset="0"/>
+                <a:cs typeface="Cascadia Code" pitchFamily="49" charset="0"/>
+              </a:rPr>
+              <a:t> {</a:t>
+            </a:r>
+          </a:p>
+          <a:p>
+            <a:r>
+              <a:rPr lang="ko-KR" altLang="en-US" dirty="0">
+                <a:latin typeface="Cascadia Code" pitchFamily="49" charset="0"/>
+                <a:cs typeface="Cascadia Code" pitchFamily="49" charset="0"/>
+              </a:rPr>
+              <a:t>    </a:t>
+            </a:r>
+            <a:r>
+              <a:rPr lang="ko-KR" altLang="en-US" dirty="0" err="1">
+                <a:latin typeface="Cascadia Code" pitchFamily="49" charset="0"/>
+                <a:cs typeface="Cascadia Code" pitchFamily="49" charset="0"/>
+              </a:rPr>
+              <a:t>int</a:t>
+            </a:r>
+            <a:r>
+              <a:rPr lang="ko-KR" altLang="en-US" dirty="0">
+                <a:latin typeface="Cascadia Code" pitchFamily="49" charset="0"/>
+                <a:cs typeface="Cascadia Code" pitchFamily="49" charset="0"/>
+              </a:rPr>
+              <a:t> </a:t>
+            </a:r>
+            <a:r>
+              <a:rPr lang="ko-KR" altLang="en-US" dirty="0" err="1">
+                <a:latin typeface="Cascadia Code" pitchFamily="49" charset="0"/>
+                <a:cs typeface="Cascadia Code" pitchFamily="49" charset="0"/>
+              </a:rPr>
+              <a:t>x</a:t>
+            </a:r>
+            <a:r>
+              <a:rPr lang="ko-KR" altLang="en-US" dirty="0">
+                <a:latin typeface="Cascadia Code" pitchFamily="49" charset="0"/>
+                <a:cs typeface="Cascadia Code" pitchFamily="49" charset="0"/>
+              </a:rPr>
+              <a:t>;</a:t>
+            </a:r>
+          </a:p>
+          <a:p>
+            <a:r>
+              <a:rPr lang="ko-KR" altLang="en-US" dirty="0">
+                <a:latin typeface="Cascadia Code" pitchFamily="49" charset="0"/>
+                <a:cs typeface="Cascadia Code" pitchFamily="49" charset="0"/>
+              </a:rPr>
+              <a:t>    </a:t>
+            </a:r>
+            <a:r>
+              <a:rPr lang="ko-KR" altLang="en-US" dirty="0" err="1">
+                <a:latin typeface="Cascadia Code" pitchFamily="49" charset="0"/>
+                <a:cs typeface="Cascadia Code" pitchFamily="49" charset="0"/>
+              </a:rPr>
+              <a:t>int</a:t>
+            </a:r>
+            <a:r>
+              <a:rPr lang="ko-KR" altLang="en-US" dirty="0">
+                <a:latin typeface="Cascadia Code" pitchFamily="49" charset="0"/>
+                <a:cs typeface="Cascadia Code" pitchFamily="49" charset="0"/>
+              </a:rPr>
+              <a:t> </a:t>
+            </a:r>
+            <a:r>
+              <a:rPr lang="ko-KR" altLang="en-US" dirty="0" err="1">
+                <a:latin typeface="Cascadia Code" pitchFamily="49" charset="0"/>
+                <a:cs typeface="Cascadia Code" pitchFamily="49" charset="0"/>
+              </a:rPr>
+              <a:t>y</a:t>
+            </a:r>
+            <a:r>
+              <a:rPr lang="ko-KR" altLang="en-US" dirty="0">
+                <a:latin typeface="Cascadia Code" pitchFamily="49" charset="0"/>
+                <a:cs typeface="Cascadia Code" pitchFamily="49" charset="0"/>
+              </a:rPr>
+              <a:t>;</a:t>
+            </a:r>
+          </a:p>
+          <a:p>
+            <a:r>
+              <a:rPr lang="ko-KR" altLang="en-US" dirty="0">
+                <a:latin typeface="Cascadia Code" pitchFamily="49" charset="0"/>
+                <a:cs typeface="Cascadia Code" pitchFamily="49" charset="0"/>
+              </a:rPr>
+              <a:t>};</a:t>
+            </a:r>
+          </a:p>
+          <a:p>
+            <a:endParaRPr lang="ko-KR" altLang="en-US" dirty="0">
+              <a:latin typeface="Cascadia Code" pitchFamily="49" charset="0"/>
+              <a:cs typeface="Cascadia Code" pitchFamily="49" charset="0"/>
+            </a:endParaRPr>
+          </a:p>
+          <a:p>
+            <a:r>
+              <a:rPr lang="ko-KR" altLang="en-US" dirty="0" err="1">
+                <a:latin typeface="Cascadia Code" pitchFamily="49" charset="0"/>
+                <a:cs typeface="Cascadia Code" pitchFamily="49" charset="0"/>
+              </a:rPr>
+              <a:t>int</a:t>
+            </a:r>
+            <a:r>
+              <a:rPr lang="ko-KR" altLang="en-US" dirty="0">
+                <a:latin typeface="Cascadia Code" pitchFamily="49" charset="0"/>
+                <a:cs typeface="Cascadia Code" pitchFamily="49" charset="0"/>
+              </a:rPr>
+              <a:t> </a:t>
+            </a:r>
+            <a:r>
+              <a:rPr lang="ko-KR" altLang="en-US" dirty="0" err="1">
+                <a:latin typeface="Cascadia Code" pitchFamily="49" charset="0"/>
+                <a:cs typeface="Cascadia Code" pitchFamily="49" charset="0"/>
+              </a:rPr>
+              <a:t>main</a:t>
+            </a:r>
+            <a:r>
+              <a:rPr lang="ko-KR" altLang="en-US" dirty="0">
+                <a:latin typeface="Cascadia Code" pitchFamily="49" charset="0"/>
+                <a:cs typeface="Cascadia Code" pitchFamily="49" charset="0"/>
+              </a:rPr>
+              <a:t>()</a:t>
+            </a:r>
+          </a:p>
+          <a:p>
+            <a:r>
+              <a:rPr lang="ko-KR" altLang="en-US" dirty="0">
+                <a:latin typeface="Cascadia Code" pitchFamily="49" charset="0"/>
+                <a:cs typeface="Cascadia Code" pitchFamily="49" charset="0"/>
+              </a:rPr>
+              <a:t>{</a:t>
+            </a:r>
+          </a:p>
+          <a:p>
+            <a:r>
+              <a:rPr lang="ko-KR" altLang="en-US" dirty="0">
+                <a:latin typeface="Cascadia Code" pitchFamily="49" charset="0"/>
+                <a:cs typeface="Cascadia Code" pitchFamily="49" charset="0"/>
+              </a:rPr>
+              <a:t>    </a:t>
+            </a:r>
+            <a:r>
+              <a:rPr lang="ko-KR" altLang="en-US" dirty="0" err="1">
+                <a:latin typeface="Cascadia Code" pitchFamily="49" charset="0"/>
+                <a:cs typeface="Cascadia Code" pitchFamily="49" charset="0"/>
+              </a:rPr>
+              <a:t>Point</a:t>
+            </a:r>
+            <a:r>
+              <a:rPr lang="ko-KR" altLang="en-US" dirty="0">
+                <a:latin typeface="Cascadia Code" pitchFamily="49" charset="0"/>
+                <a:cs typeface="Cascadia Code" pitchFamily="49" charset="0"/>
+              </a:rPr>
+              <a:t> pt1;</a:t>
+            </a:r>
+          </a:p>
+          <a:p>
+            <a:r>
+              <a:rPr lang="ko-KR" altLang="en-US" dirty="0">
+                <a:latin typeface="Cascadia Code" pitchFamily="49" charset="0"/>
+                <a:cs typeface="Cascadia Code" pitchFamily="49" charset="0"/>
+              </a:rPr>
+              <a:t>}</a:t>
+            </a:r>
+          </a:p>
+        </p:txBody>
+      </p:sp>
+      <p:sp>
+        <p:nvSpPr>
+          <p:cNvPr id="6" name="직사각형 5">
+            <a:extLst>
+              <a:ext uri="{FF2B5EF4-FFF2-40B4-BE49-F238E27FC236}">
+                <a16:creationId xmlns:a16="http://schemas.microsoft.com/office/drawing/2014/main" id="{B951263F-6B05-2781-DFED-DB3D1580AA58}"/>
+              </a:ext>
+            </a:extLst>
+          </p:cNvPr>
+          <p:cNvSpPr/>
+          <p:nvPr/>
+        </p:nvSpPr>
+        <p:spPr>
+          <a:xfrm>
+            <a:off x="3885737" y="3217516"/>
+            <a:ext cx="1120140" cy="610463"/>
+          </a:xfrm>
+          <a:prstGeom prst="rect">
+            <a:avLst/>
+          </a:prstGeom>
+          <a:solidFill>
+            <a:srgbClr val="FFFF00"/>
+          </a:solidFill>
+        </p:spPr>
+        <p:style>
+          <a:lnRef idx="2">
+            <a:schemeClr val="accent1">
+              <a:shade val="15000"/>
+            </a:schemeClr>
+          </a:lnRef>
+          <a:fillRef idx="1">
+            <a:schemeClr val="accent1"/>
+          </a:fillRef>
+          <a:effectRef idx="0">
+            <a:schemeClr val="accent1"/>
+          </a:effectRef>
+          <a:fontRef idx="minor">
+            <a:schemeClr val="lt1"/>
+          </a:fontRef>
+        </p:style>
+        <p:txBody>
+          <a:bodyPr rtlCol="0" anchor="ctr"/>
+          <a:lstStyle/>
+          <a:p>
+            <a:pPr algn="ctr"/>
+            <a:r>
+              <a:rPr kumimoji="1" lang="en-US" altLang="ko-KR" sz="1600" dirty="0">
+                <a:solidFill>
+                  <a:srgbClr val="FF0000"/>
+                </a:solidFill>
+                <a:latin typeface="Cascadia Code" pitchFamily="49" charset="0"/>
+                <a:cs typeface="Cascadia Code" pitchFamily="49" charset="0"/>
+              </a:rPr>
+              <a:t>100</a:t>
+            </a:r>
+            <a:endParaRPr kumimoji="1" lang="ko-KR" altLang="en-US" sz="1600" dirty="0">
+              <a:solidFill>
+                <a:srgbClr val="FF0000"/>
+              </a:solidFill>
+              <a:latin typeface="Cascadia Code" pitchFamily="49" charset="0"/>
+              <a:cs typeface="Cascadia Code" pitchFamily="49" charset="0"/>
+            </a:endParaRPr>
+          </a:p>
+        </p:txBody>
+      </p:sp>
+      <p:sp>
+        <p:nvSpPr>
+          <p:cNvPr id="7" name="TextBox 6">
+            <a:extLst>
+              <a:ext uri="{FF2B5EF4-FFF2-40B4-BE49-F238E27FC236}">
+                <a16:creationId xmlns:a16="http://schemas.microsoft.com/office/drawing/2014/main" id="{CF84CDA7-47C0-47A5-C9AD-F9B479F98D0B}"/>
+              </a:ext>
+            </a:extLst>
+          </p:cNvPr>
+          <p:cNvSpPr txBox="1"/>
+          <p:nvPr/>
+        </p:nvSpPr>
+        <p:spPr>
+          <a:xfrm>
+            <a:off x="3619037" y="3353470"/>
+            <a:ext cx="236220" cy="338554"/>
+          </a:xfrm>
+          <a:prstGeom prst="rect">
+            <a:avLst/>
+          </a:prstGeom>
+          <a:noFill/>
+        </p:spPr>
+        <p:txBody>
+          <a:bodyPr wrap="square" rtlCol="0">
+            <a:spAutoFit/>
+          </a:bodyPr>
+          <a:lstStyle/>
+          <a:p>
+            <a:pPr algn="ctr"/>
+            <a:r>
+              <a:rPr kumimoji="1" lang="en-US" altLang="ko-KR" sz="1600" dirty="0">
+                <a:latin typeface="Cascadia Code" pitchFamily="49" charset="0"/>
+                <a:ea typeface="Cascadia Code" pitchFamily="49" charset="0"/>
+                <a:cs typeface="Cascadia Code" pitchFamily="49" charset="0"/>
+              </a:rPr>
+              <a:t>x</a:t>
+            </a:r>
+            <a:endParaRPr kumimoji="1" lang="ko-KR" altLang="en-US" sz="1600" dirty="0">
+              <a:latin typeface="Cascadia Code" pitchFamily="49" charset="0"/>
+              <a:ea typeface="Cascadia Code" pitchFamily="49" charset="0"/>
+              <a:cs typeface="Cascadia Code" pitchFamily="49" charset="0"/>
+            </a:endParaRPr>
+          </a:p>
+        </p:txBody>
+      </p:sp>
+      <p:sp>
+        <p:nvSpPr>
+          <p:cNvPr id="8" name="직사각형 7">
+            <a:extLst>
+              <a:ext uri="{FF2B5EF4-FFF2-40B4-BE49-F238E27FC236}">
+                <a16:creationId xmlns:a16="http://schemas.microsoft.com/office/drawing/2014/main" id="{15B126A3-7E82-2173-018D-C0C9F7EE52C5}"/>
+              </a:ext>
+            </a:extLst>
+          </p:cNvPr>
+          <p:cNvSpPr/>
+          <p:nvPr/>
+        </p:nvSpPr>
+        <p:spPr>
+          <a:xfrm>
+            <a:off x="3885737" y="3827979"/>
+            <a:ext cx="1120140" cy="610463"/>
+          </a:xfrm>
+          <a:prstGeom prst="rect">
+            <a:avLst/>
+          </a:prstGeom>
+          <a:solidFill>
+            <a:srgbClr val="FFFF00"/>
+          </a:solidFill>
+        </p:spPr>
+        <p:style>
+          <a:lnRef idx="2">
+            <a:schemeClr val="accent1">
+              <a:shade val="15000"/>
+            </a:schemeClr>
+          </a:lnRef>
+          <a:fillRef idx="1">
+            <a:schemeClr val="accent1"/>
+          </a:fillRef>
+          <a:effectRef idx="0">
+            <a:schemeClr val="accent1"/>
+          </a:effectRef>
+          <a:fontRef idx="minor">
+            <a:schemeClr val="lt1"/>
+          </a:fontRef>
+        </p:style>
+        <p:txBody>
+          <a:bodyPr rtlCol="0" anchor="ctr"/>
+          <a:lstStyle/>
+          <a:p>
+            <a:pPr algn="ctr"/>
+            <a:r>
+              <a:rPr kumimoji="1" lang="en-US" altLang="ko-KR" sz="1600">
+                <a:solidFill>
+                  <a:srgbClr val="FF0000"/>
+                </a:solidFill>
+                <a:latin typeface="Cascadia Code" pitchFamily="49" charset="0"/>
+                <a:cs typeface="Cascadia Code" pitchFamily="49" charset="0"/>
+              </a:rPr>
+              <a:t>200</a:t>
+            </a:r>
+            <a:endParaRPr kumimoji="1" lang="ko-KR" altLang="en-US" sz="1600" dirty="0">
+              <a:solidFill>
+                <a:srgbClr val="FF0000"/>
+              </a:solidFill>
+              <a:latin typeface="Cascadia Code" pitchFamily="49" charset="0"/>
+              <a:cs typeface="Cascadia Code" pitchFamily="49" charset="0"/>
+            </a:endParaRPr>
+          </a:p>
+        </p:txBody>
+      </p:sp>
+      <p:sp>
+        <p:nvSpPr>
+          <p:cNvPr id="9" name="TextBox 8">
+            <a:extLst>
+              <a:ext uri="{FF2B5EF4-FFF2-40B4-BE49-F238E27FC236}">
+                <a16:creationId xmlns:a16="http://schemas.microsoft.com/office/drawing/2014/main" id="{FF5AAA7B-9C8B-294B-B26B-4B563BE59B61}"/>
+              </a:ext>
+            </a:extLst>
+          </p:cNvPr>
+          <p:cNvSpPr txBox="1"/>
+          <p:nvPr/>
+        </p:nvSpPr>
+        <p:spPr>
+          <a:xfrm>
+            <a:off x="3619037" y="3963933"/>
+            <a:ext cx="236220" cy="338554"/>
+          </a:xfrm>
+          <a:prstGeom prst="rect">
+            <a:avLst/>
+          </a:prstGeom>
+          <a:noFill/>
+        </p:spPr>
+        <p:txBody>
+          <a:bodyPr wrap="square" rtlCol="0">
+            <a:spAutoFit/>
+          </a:bodyPr>
+          <a:lstStyle/>
+          <a:p>
+            <a:pPr algn="ctr"/>
+            <a:r>
+              <a:rPr kumimoji="1" lang="en-US" altLang="ko-KR" sz="1600" dirty="0">
+                <a:latin typeface="Cascadia Code" pitchFamily="49" charset="0"/>
+                <a:ea typeface="Cascadia Code" pitchFamily="49" charset="0"/>
+                <a:cs typeface="Cascadia Code" pitchFamily="49" charset="0"/>
+              </a:rPr>
+              <a:t>y</a:t>
+            </a:r>
+            <a:endParaRPr kumimoji="1" lang="ko-KR" altLang="en-US" sz="1600" dirty="0">
+              <a:latin typeface="Cascadia Code" pitchFamily="49" charset="0"/>
+              <a:ea typeface="Cascadia Code" pitchFamily="49" charset="0"/>
+              <a:cs typeface="Cascadia Code" pitchFamily="49" charset="0"/>
+            </a:endParaRPr>
+          </a:p>
+        </p:txBody>
+      </p:sp>
+      <p:sp>
+        <p:nvSpPr>
+          <p:cNvPr id="11" name="TextBox 10">
+            <a:extLst>
+              <a:ext uri="{FF2B5EF4-FFF2-40B4-BE49-F238E27FC236}">
+                <a16:creationId xmlns:a16="http://schemas.microsoft.com/office/drawing/2014/main" id="{1E89C5AC-A43D-665C-8160-B73EF1175E06}"/>
+              </a:ext>
+            </a:extLst>
+          </p:cNvPr>
+          <p:cNvSpPr txBox="1"/>
+          <p:nvPr/>
+        </p:nvSpPr>
+        <p:spPr>
+          <a:xfrm>
+            <a:off x="3992648" y="2822414"/>
+            <a:ext cx="906317" cy="369332"/>
+          </a:xfrm>
+          <a:prstGeom prst="rect">
+            <a:avLst/>
+          </a:prstGeom>
+          <a:noFill/>
+        </p:spPr>
+        <p:txBody>
+          <a:bodyPr wrap="square">
+            <a:spAutoFit/>
+          </a:bodyPr>
+          <a:lstStyle/>
+          <a:p>
+            <a:pPr algn="ctr"/>
+            <a:r>
+              <a:rPr lang="ko-KR" altLang="en-US" dirty="0">
+                <a:latin typeface="Cascadia Code" pitchFamily="49" charset="0"/>
+                <a:cs typeface="Cascadia Code" pitchFamily="49" charset="0"/>
+              </a:rPr>
+              <a:t>pt1</a:t>
+            </a:r>
+            <a:endParaRPr lang="ko-KR" altLang="en-US" dirty="0"/>
+          </a:p>
+        </p:txBody>
+      </p:sp>
+    </p:spTree>
+    <p:extLst>
+      <p:ext uri="{BB962C8B-B14F-4D97-AF65-F5344CB8AC3E}">
+        <p14:creationId xmlns:p14="http://schemas.microsoft.com/office/powerpoint/2010/main" val="1632259026"/>
       </p:ext>
     </p:extLst>
   </p:cSld>

--- a/cpp_240708.pptx
+++ b/cpp_240708.pptx
@@ -10320,7 +10320,7 @@
           <a:p>
             <a:pPr algn="ctr"/>
             <a:r>
-              <a:rPr kumimoji="1" lang="en-US" altLang="ko-KR" sz="1600">
+              <a:rPr kumimoji="1" lang="en-US" altLang="ko-KR" sz="1600" dirty="0">
                 <a:solidFill>
                   <a:srgbClr val="FF0000"/>
                 </a:solidFill>

--- a/cpp_240708.pptx
+++ b/cpp_240708.pptx
@@ -24,6 +24,13 @@
     <p:sldId id="272" r:id="rId18"/>
     <p:sldId id="273" r:id="rId19"/>
     <p:sldId id="274" r:id="rId20"/>
+    <p:sldId id="275" r:id="rId21"/>
+    <p:sldId id="276" r:id="rId22"/>
+    <p:sldId id="277" r:id="rId23"/>
+    <p:sldId id="278" r:id="rId24"/>
+    <p:sldId id="279" r:id="rId25"/>
+    <p:sldId id="280" r:id="rId26"/>
+    <p:sldId id="281" r:id="rId27"/>
   </p:sldIdLst>
   <p:sldSz cx="12192000" cy="6858000"/>
   <p:notesSz cx="6858000" cy="9144000"/>
@@ -10989,6 +10996,8863 @@
     <p:extLst>
       <p:ext uri="{BB962C8B-B14F-4D97-AF65-F5344CB8AC3E}">
         <p14:creationId xmlns:p14="http://schemas.microsoft.com/office/powerpoint/2010/main" val="3030058635"/>
+      </p:ext>
+    </p:extLst>
+  </p:cSld>
+  <p:clrMapOvr>
+    <a:masterClrMapping/>
+  </p:clrMapOvr>
+</p:sld>
+</file>
+
+<file path=ppt/slides/slide20.xml><?xml version="1.0" encoding="utf-8"?>
+<p:sld xmlns:a="http://schemas.openxmlformats.org/drawingml/2006/main" xmlns:r="http://schemas.openxmlformats.org/officeDocument/2006/relationships" xmlns:p="http://schemas.openxmlformats.org/presentationml/2006/main">
+  <p:cSld>
+    <p:spTree>
+      <p:nvGrpSpPr>
+        <p:cNvPr id="1" name=""/>
+        <p:cNvGrpSpPr/>
+        <p:nvPr/>
+      </p:nvGrpSpPr>
+      <p:grpSpPr>
+        <a:xfrm>
+          <a:off x="0" y="0"/>
+          <a:ext cx="0" cy="0"/>
+          <a:chOff x="0" y="0"/>
+          <a:chExt cx="0" cy="0"/>
+        </a:xfrm>
+      </p:grpSpPr>
+      <p:sp>
+        <p:nvSpPr>
+          <p:cNvPr id="5" name="TextBox 4">
+            <a:extLst>
+              <a:ext uri="{FF2B5EF4-FFF2-40B4-BE49-F238E27FC236}">
+                <a16:creationId xmlns:a16="http://schemas.microsoft.com/office/drawing/2014/main" id="{E94142E9-8ECF-CA02-32B6-E4500B24CE62}"/>
+              </a:ext>
+            </a:extLst>
+          </p:cNvPr>
+          <p:cNvSpPr txBox="1"/>
+          <p:nvPr/>
+        </p:nvSpPr>
+        <p:spPr>
+          <a:xfrm>
+            <a:off x="443345" y="421144"/>
+            <a:ext cx="6096000" cy="4924425"/>
+          </a:xfrm>
+          <a:prstGeom prst="rect">
+            <a:avLst/>
+          </a:prstGeom>
+          <a:noFill/>
+        </p:spPr>
+        <p:txBody>
+          <a:bodyPr wrap="square">
+            <a:spAutoFit/>
+          </a:bodyPr>
+          <a:lstStyle/>
+          <a:p>
+            <a:r>
+              <a:rPr lang="ko-KR" altLang="en-US" sz="1600" dirty="0" err="1">
+                <a:latin typeface="Cascadia Code" pitchFamily="49" charset="0"/>
+                <a:cs typeface="Cascadia Code" pitchFamily="49" charset="0"/>
+              </a:rPr>
+              <a:t>class</a:t>
+            </a:r>
+            <a:r>
+              <a:rPr lang="ko-KR" altLang="en-US" sz="1600" dirty="0">
+                <a:latin typeface="Cascadia Code" pitchFamily="49" charset="0"/>
+                <a:cs typeface="Cascadia Code" pitchFamily="49" charset="0"/>
+              </a:rPr>
+              <a:t> </a:t>
+            </a:r>
+            <a:r>
+              <a:rPr lang="ko-KR" altLang="en-US" sz="1600" dirty="0" err="1">
+                <a:latin typeface="Cascadia Code" pitchFamily="49" charset="0"/>
+                <a:cs typeface="Cascadia Code" pitchFamily="49" charset="0"/>
+              </a:rPr>
+              <a:t>Point</a:t>
+            </a:r>
+            <a:r>
+              <a:rPr lang="ko-KR" altLang="en-US" sz="1600" dirty="0">
+                <a:latin typeface="Cascadia Code" pitchFamily="49" charset="0"/>
+                <a:cs typeface="Cascadia Code" pitchFamily="49" charset="0"/>
+              </a:rPr>
+              <a:t> {</a:t>
+            </a:r>
+          </a:p>
+          <a:p>
+            <a:r>
+              <a:rPr lang="ko-KR" altLang="en-US" sz="1600" dirty="0">
+                <a:latin typeface="Cascadia Code" pitchFamily="49" charset="0"/>
+                <a:cs typeface="Cascadia Code" pitchFamily="49" charset="0"/>
+              </a:rPr>
+              <a:t>    </a:t>
+            </a:r>
+            <a:r>
+              <a:rPr lang="ko-KR" altLang="en-US" sz="1600" dirty="0" err="1">
+                <a:latin typeface="Cascadia Code" pitchFamily="49" charset="0"/>
+                <a:cs typeface="Cascadia Code" pitchFamily="49" charset="0"/>
+              </a:rPr>
+              <a:t>int</a:t>
+            </a:r>
+            <a:r>
+              <a:rPr lang="ko-KR" altLang="en-US" sz="1600" dirty="0">
+                <a:latin typeface="Cascadia Code" pitchFamily="49" charset="0"/>
+                <a:cs typeface="Cascadia Code" pitchFamily="49" charset="0"/>
+              </a:rPr>
+              <a:t> </a:t>
+            </a:r>
+            <a:r>
+              <a:rPr lang="ko-KR" altLang="en-US" sz="1600" dirty="0" err="1">
+                <a:latin typeface="Cascadia Code" pitchFamily="49" charset="0"/>
+                <a:cs typeface="Cascadia Code" pitchFamily="49" charset="0"/>
+              </a:rPr>
+              <a:t>x</a:t>
+            </a:r>
+            <a:r>
+              <a:rPr lang="ko-KR" altLang="en-US" sz="1600" dirty="0">
+                <a:latin typeface="Cascadia Code" pitchFamily="49" charset="0"/>
+                <a:cs typeface="Cascadia Code" pitchFamily="49" charset="0"/>
+              </a:rPr>
+              <a:t>;</a:t>
+            </a:r>
+          </a:p>
+          <a:p>
+            <a:r>
+              <a:rPr lang="ko-KR" altLang="en-US" sz="1600" dirty="0">
+                <a:latin typeface="Cascadia Code" pitchFamily="49" charset="0"/>
+                <a:cs typeface="Cascadia Code" pitchFamily="49" charset="0"/>
+              </a:rPr>
+              <a:t>    </a:t>
+            </a:r>
+            <a:r>
+              <a:rPr lang="ko-KR" altLang="en-US" sz="1600" dirty="0" err="1">
+                <a:latin typeface="Cascadia Code" pitchFamily="49" charset="0"/>
+                <a:cs typeface="Cascadia Code" pitchFamily="49" charset="0"/>
+              </a:rPr>
+              <a:t>int</a:t>
+            </a:r>
+            <a:r>
+              <a:rPr lang="ko-KR" altLang="en-US" sz="1600" dirty="0">
+                <a:latin typeface="Cascadia Code" pitchFamily="49" charset="0"/>
+                <a:cs typeface="Cascadia Code" pitchFamily="49" charset="0"/>
+              </a:rPr>
+              <a:t> </a:t>
+            </a:r>
+            <a:r>
+              <a:rPr lang="ko-KR" altLang="en-US" sz="1600" dirty="0" err="1">
+                <a:latin typeface="Cascadia Code" pitchFamily="49" charset="0"/>
+                <a:cs typeface="Cascadia Code" pitchFamily="49" charset="0"/>
+              </a:rPr>
+              <a:t>y</a:t>
+            </a:r>
+            <a:r>
+              <a:rPr lang="ko-KR" altLang="en-US" sz="1600" dirty="0">
+                <a:latin typeface="Cascadia Code" pitchFamily="49" charset="0"/>
+                <a:cs typeface="Cascadia Code" pitchFamily="49" charset="0"/>
+              </a:rPr>
+              <a:t>;</a:t>
+            </a:r>
+          </a:p>
+          <a:p>
+            <a:endParaRPr lang="ko-KR" altLang="en-US" sz="1600" dirty="0">
+              <a:latin typeface="Cascadia Code" pitchFamily="49" charset="0"/>
+              <a:cs typeface="Cascadia Code" pitchFamily="49" charset="0"/>
+            </a:endParaRPr>
+          </a:p>
+          <a:p>
+            <a:r>
+              <a:rPr lang="ko-KR" altLang="en-US" sz="1600" dirty="0" err="1">
+                <a:latin typeface="Cascadia Code" pitchFamily="49" charset="0"/>
+                <a:cs typeface="Cascadia Code" pitchFamily="49" charset="0"/>
+              </a:rPr>
+              <a:t>public</a:t>
+            </a:r>
+            <a:r>
+              <a:rPr lang="ko-KR" altLang="en-US" sz="1600" dirty="0">
+                <a:latin typeface="Cascadia Code" pitchFamily="49" charset="0"/>
+                <a:cs typeface="Cascadia Code" pitchFamily="49" charset="0"/>
+              </a:rPr>
+              <a:t>:</a:t>
+            </a:r>
+          </a:p>
+          <a:p>
+            <a:r>
+              <a:rPr lang="ko-KR" altLang="en-US" sz="1600" dirty="0">
+                <a:latin typeface="Cascadia Code" pitchFamily="49" charset="0"/>
+                <a:cs typeface="Cascadia Code" pitchFamily="49" charset="0"/>
+              </a:rPr>
+              <a:t>    </a:t>
+            </a:r>
+            <a:r>
+              <a:rPr lang="ko-KR" altLang="en-US" sz="1600" dirty="0" err="1">
+                <a:latin typeface="Cascadia Code" pitchFamily="49" charset="0"/>
+                <a:cs typeface="Cascadia Code" pitchFamily="49" charset="0"/>
+              </a:rPr>
+              <a:t>void</a:t>
+            </a:r>
+            <a:r>
+              <a:rPr lang="ko-KR" altLang="en-US" sz="1600" dirty="0">
+                <a:latin typeface="Cascadia Code" pitchFamily="49" charset="0"/>
+                <a:cs typeface="Cascadia Code" pitchFamily="49" charset="0"/>
+              </a:rPr>
+              <a:t> </a:t>
+            </a:r>
+            <a:r>
+              <a:rPr lang="ko-KR" altLang="en-US" sz="1600" dirty="0" err="1">
+                <a:latin typeface="Cascadia Code" pitchFamily="49" charset="0"/>
+                <a:cs typeface="Cascadia Code" pitchFamily="49" charset="0"/>
+              </a:rPr>
+              <a:t>Set</a:t>
+            </a:r>
+            <a:r>
+              <a:rPr lang="ko-KR" altLang="en-US" sz="1600" dirty="0">
+                <a:latin typeface="Cascadia Code" pitchFamily="49" charset="0"/>
+                <a:cs typeface="Cascadia Code" pitchFamily="49" charset="0"/>
+              </a:rPr>
+              <a:t>(</a:t>
+            </a:r>
+            <a:r>
+              <a:rPr lang="ko-KR" altLang="en-US" sz="1600" dirty="0" err="1">
+                <a:latin typeface="Cascadia Code" pitchFamily="49" charset="0"/>
+                <a:cs typeface="Cascadia Code" pitchFamily="49" charset="0"/>
+              </a:rPr>
+              <a:t>int</a:t>
+            </a:r>
+            <a:r>
+              <a:rPr lang="ko-KR" altLang="en-US" sz="1600" dirty="0">
+                <a:latin typeface="Cascadia Code" pitchFamily="49" charset="0"/>
+                <a:cs typeface="Cascadia Code" pitchFamily="49" charset="0"/>
+              </a:rPr>
+              <a:t> </a:t>
+            </a:r>
+            <a:r>
+              <a:rPr lang="ko-KR" altLang="en-US" sz="1600" dirty="0" err="1">
+                <a:latin typeface="Cascadia Code" pitchFamily="49" charset="0"/>
+                <a:cs typeface="Cascadia Code" pitchFamily="49" charset="0"/>
+              </a:rPr>
+              <a:t>a</a:t>
+            </a:r>
+            <a:r>
+              <a:rPr lang="ko-KR" altLang="en-US" sz="1600" dirty="0">
+                <a:latin typeface="Cascadia Code" pitchFamily="49" charset="0"/>
+                <a:cs typeface="Cascadia Code" pitchFamily="49" charset="0"/>
+              </a:rPr>
+              <a:t>, </a:t>
+            </a:r>
+            <a:r>
+              <a:rPr lang="ko-KR" altLang="en-US" sz="1600" dirty="0" err="1">
+                <a:latin typeface="Cascadia Code" pitchFamily="49" charset="0"/>
+                <a:cs typeface="Cascadia Code" pitchFamily="49" charset="0"/>
+              </a:rPr>
+              <a:t>int</a:t>
+            </a:r>
+            <a:r>
+              <a:rPr lang="ko-KR" altLang="en-US" sz="1600" dirty="0">
+                <a:latin typeface="Cascadia Code" pitchFamily="49" charset="0"/>
+                <a:cs typeface="Cascadia Code" pitchFamily="49" charset="0"/>
+              </a:rPr>
+              <a:t> </a:t>
+            </a:r>
+            <a:r>
+              <a:rPr lang="ko-KR" altLang="en-US" sz="1600" dirty="0" err="1">
+                <a:latin typeface="Cascadia Code" pitchFamily="49" charset="0"/>
+                <a:cs typeface="Cascadia Code" pitchFamily="49" charset="0"/>
+              </a:rPr>
+              <a:t>b</a:t>
+            </a:r>
+            <a:r>
+              <a:rPr lang="ko-KR" altLang="en-US" sz="1600" dirty="0">
+                <a:latin typeface="Cascadia Code" pitchFamily="49" charset="0"/>
+                <a:cs typeface="Cascadia Code" pitchFamily="49" charset="0"/>
+              </a:rPr>
+              <a:t>)</a:t>
+            </a:r>
+          </a:p>
+          <a:p>
+            <a:r>
+              <a:rPr lang="ko-KR" altLang="en-US" sz="1600" dirty="0">
+                <a:latin typeface="Cascadia Code" pitchFamily="49" charset="0"/>
+                <a:cs typeface="Cascadia Code" pitchFamily="49" charset="0"/>
+              </a:rPr>
+              <a:t>    {</a:t>
+            </a:r>
+          </a:p>
+          <a:p>
+            <a:r>
+              <a:rPr lang="ko-KR" altLang="en-US" sz="1600" dirty="0">
+                <a:latin typeface="Cascadia Code" pitchFamily="49" charset="0"/>
+                <a:cs typeface="Cascadia Code" pitchFamily="49" charset="0"/>
+              </a:rPr>
+              <a:t>        </a:t>
+            </a:r>
+            <a:r>
+              <a:rPr lang="ko-KR" altLang="en-US" sz="1600" dirty="0" err="1">
+                <a:latin typeface="Cascadia Code" pitchFamily="49" charset="0"/>
+                <a:cs typeface="Cascadia Code" pitchFamily="49" charset="0"/>
+              </a:rPr>
+              <a:t>x</a:t>
+            </a:r>
+            <a:r>
+              <a:rPr lang="ko-KR" altLang="en-US" sz="1600" dirty="0">
+                <a:latin typeface="Cascadia Code" pitchFamily="49" charset="0"/>
+                <a:cs typeface="Cascadia Code" pitchFamily="49" charset="0"/>
+              </a:rPr>
+              <a:t> = </a:t>
+            </a:r>
+            <a:r>
+              <a:rPr lang="ko-KR" altLang="en-US" sz="1600" dirty="0" err="1">
+                <a:latin typeface="Cascadia Code" pitchFamily="49" charset="0"/>
+                <a:cs typeface="Cascadia Code" pitchFamily="49" charset="0"/>
+              </a:rPr>
+              <a:t>a</a:t>
+            </a:r>
+            <a:r>
+              <a:rPr lang="ko-KR" altLang="en-US" sz="1600" dirty="0">
+                <a:latin typeface="Cascadia Code" pitchFamily="49" charset="0"/>
+                <a:cs typeface="Cascadia Code" pitchFamily="49" charset="0"/>
+              </a:rPr>
+              <a:t>;</a:t>
+            </a:r>
+          </a:p>
+          <a:p>
+            <a:r>
+              <a:rPr lang="ko-KR" altLang="en-US" sz="1600" dirty="0">
+                <a:latin typeface="Cascadia Code" pitchFamily="49" charset="0"/>
+                <a:cs typeface="Cascadia Code" pitchFamily="49" charset="0"/>
+              </a:rPr>
+              <a:t>        </a:t>
+            </a:r>
+            <a:r>
+              <a:rPr lang="ko-KR" altLang="en-US" sz="1600" dirty="0" err="1">
+                <a:latin typeface="Cascadia Code" pitchFamily="49" charset="0"/>
+                <a:cs typeface="Cascadia Code" pitchFamily="49" charset="0"/>
+              </a:rPr>
+              <a:t>y</a:t>
+            </a:r>
+            <a:r>
+              <a:rPr lang="ko-KR" altLang="en-US" sz="1600" dirty="0">
+                <a:latin typeface="Cascadia Code" pitchFamily="49" charset="0"/>
+                <a:cs typeface="Cascadia Code" pitchFamily="49" charset="0"/>
+              </a:rPr>
+              <a:t> = </a:t>
+            </a:r>
+            <a:r>
+              <a:rPr lang="ko-KR" altLang="en-US" sz="1600" dirty="0" err="1">
+                <a:latin typeface="Cascadia Code" pitchFamily="49" charset="0"/>
+                <a:cs typeface="Cascadia Code" pitchFamily="49" charset="0"/>
+              </a:rPr>
+              <a:t>b</a:t>
+            </a:r>
+            <a:r>
+              <a:rPr lang="ko-KR" altLang="en-US" sz="1600" dirty="0">
+                <a:latin typeface="Cascadia Code" pitchFamily="49" charset="0"/>
+                <a:cs typeface="Cascadia Code" pitchFamily="49" charset="0"/>
+              </a:rPr>
+              <a:t>;</a:t>
+            </a:r>
+          </a:p>
+          <a:p>
+            <a:r>
+              <a:rPr lang="ko-KR" altLang="en-US" sz="1600" dirty="0">
+                <a:latin typeface="Cascadia Code" pitchFamily="49" charset="0"/>
+                <a:cs typeface="Cascadia Code" pitchFamily="49" charset="0"/>
+              </a:rPr>
+              <a:t>    }</a:t>
+            </a:r>
+          </a:p>
+          <a:p>
+            <a:r>
+              <a:rPr lang="ko-KR" altLang="en-US" sz="1600" dirty="0">
+                <a:latin typeface="Cascadia Code" pitchFamily="49" charset="0"/>
+                <a:cs typeface="Cascadia Code" pitchFamily="49" charset="0"/>
+              </a:rPr>
+              <a:t>};</a:t>
+            </a:r>
+          </a:p>
+          <a:p>
+            <a:endParaRPr lang="ko-KR" altLang="en-US" sz="1600" dirty="0">
+              <a:latin typeface="Cascadia Code" pitchFamily="49" charset="0"/>
+              <a:cs typeface="Cascadia Code" pitchFamily="49" charset="0"/>
+            </a:endParaRPr>
+          </a:p>
+          <a:p>
+            <a:r>
+              <a:rPr lang="ko-KR" altLang="en-US" sz="1600" dirty="0" err="1">
+                <a:latin typeface="Cascadia Code" pitchFamily="49" charset="0"/>
+                <a:cs typeface="Cascadia Code" pitchFamily="49" charset="0"/>
+              </a:rPr>
+              <a:t>int</a:t>
+            </a:r>
+            <a:r>
+              <a:rPr lang="ko-KR" altLang="en-US" sz="1600" dirty="0">
+                <a:latin typeface="Cascadia Code" pitchFamily="49" charset="0"/>
+                <a:cs typeface="Cascadia Code" pitchFamily="49" charset="0"/>
+              </a:rPr>
+              <a:t> </a:t>
+            </a:r>
+            <a:r>
+              <a:rPr lang="ko-KR" altLang="en-US" sz="1600" dirty="0" err="1">
+                <a:latin typeface="Cascadia Code" pitchFamily="49" charset="0"/>
+                <a:cs typeface="Cascadia Code" pitchFamily="49" charset="0"/>
+              </a:rPr>
+              <a:t>main</a:t>
+            </a:r>
+            <a:r>
+              <a:rPr lang="ko-KR" altLang="en-US" sz="1600" dirty="0">
+                <a:latin typeface="Cascadia Code" pitchFamily="49" charset="0"/>
+                <a:cs typeface="Cascadia Code" pitchFamily="49" charset="0"/>
+              </a:rPr>
+              <a:t>()</a:t>
+            </a:r>
+          </a:p>
+          <a:p>
+            <a:r>
+              <a:rPr lang="ko-KR" altLang="en-US" sz="1600" dirty="0">
+                <a:latin typeface="Cascadia Code" pitchFamily="49" charset="0"/>
+                <a:cs typeface="Cascadia Code" pitchFamily="49" charset="0"/>
+              </a:rPr>
+              <a:t>{</a:t>
+            </a:r>
+          </a:p>
+          <a:p>
+            <a:r>
+              <a:rPr lang="ko-KR" altLang="en-US" sz="1600" dirty="0">
+                <a:solidFill>
+                  <a:srgbClr val="FF0000"/>
+                </a:solidFill>
+                <a:latin typeface="Cascadia Code" pitchFamily="49" charset="0"/>
+                <a:cs typeface="Cascadia Code" pitchFamily="49" charset="0"/>
+              </a:rPr>
+              <a:t>    </a:t>
+            </a:r>
+            <a:r>
+              <a:rPr lang="ko-KR" altLang="en-US" sz="1600" dirty="0" err="1">
+                <a:solidFill>
+                  <a:srgbClr val="FF0000"/>
+                </a:solidFill>
+                <a:latin typeface="Cascadia Code" pitchFamily="49" charset="0"/>
+                <a:cs typeface="Cascadia Code" pitchFamily="49" charset="0"/>
+              </a:rPr>
+              <a:t>Point</a:t>
+            </a:r>
+            <a:r>
+              <a:rPr lang="ko-KR" altLang="en-US" sz="1600" dirty="0">
+                <a:solidFill>
+                  <a:srgbClr val="FF0000"/>
+                </a:solidFill>
+                <a:latin typeface="Cascadia Code" pitchFamily="49" charset="0"/>
+                <a:cs typeface="Cascadia Code" pitchFamily="49" charset="0"/>
+              </a:rPr>
+              <a:t> pt1, pt2;</a:t>
+            </a:r>
+          </a:p>
+          <a:p>
+            <a:endParaRPr lang="ko-KR" altLang="en-US" sz="1600" dirty="0">
+              <a:latin typeface="Cascadia Code" pitchFamily="49" charset="0"/>
+              <a:cs typeface="Cascadia Code" pitchFamily="49" charset="0"/>
+            </a:endParaRPr>
+          </a:p>
+          <a:p>
+            <a:r>
+              <a:rPr lang="ko-KR" altLang="en-US" sz="1600" dirty="0">
+                <a:latin typeface="Cascadia Code" pitchFamily="49" charset="0"/>
+                <a:cs typeface="Cascadia Code" pitchFamily="49" charset="0"/>
+              </a:rPr>
+              <a:t>    pt1.Set(10, 20);</a:t>
+            </a:r>
+          </a:p>
+          <a:p>
+            <a:r>
+              <a:rPr lang="ko-KR" altLang="en-US" sz="1600" dirty="0">
+                <a:latin typeface="Cascadia Code" pitchFamily="49" charset="0"/>
+                <a:cs typeface="Cascadia Code" pitchFamily="49" charset="0"/>
+              </a:rPr>
+              <a:t>    pt2.Set(100, 200);</a:t>
+            </a:r>
+          </a:p>
+          <a:p>
+            <a:r>
+              <a:rPr lang="ko-KR" altLang="en-US" sz="1600" dirty="0">
+                <a:latin typeface="Cascadia Code" pitchFamily="49" charset="0"/>
+                <a:cs typeface="Cascadia Code" pitchFamily="49" charset="0"/>
+              </a:rPr>
+              <a:t>}</a:t>
+            </a:r>
+          </a:p>
+        </p:txBody>
+      </p:sp>
+      <p:sp>
+        <p:nvSpPr>
+          <p:cNvPr id="6" name="직사각형 5">
+            <a:extLst>
+              <a:ext uri="{FF2B5EF4-FFF2-40B4-BE49-F238E27FC236}">
+                <a16:creationId xmlns:a16="http://schemas.microsoft.com/office/drawing/2014/main" id="{BB5B35A2-7DF0-625E-7CEB-232D0C094D3A}"/>
+              </a:ext>
+            </a:extLst>
+          </p:cNvPr>
+          <p:cNvSpPr/>
+          <p:nvPr/>
+        </p:nvSpPr>
+        <p:spPr>
+          <a:xfrm>
+            <a:off x="5280428" y="4279698"/>
+            <a:ext cx="1120140" cy="610463"/>
+          </a:xfrm>
+          <a:prstGeom prst="rect">
+            <a:avLst/>
+          </a:prstGeom>
+          <a:solidFill>
+            <a:srgbClr val="FFFF00"/>
+          </a:solidFill>
+        </p:spPr>
+        <p:style>
+          <a:lnRef idx="2">
+            <a:schemeClr val="accent1">
+              <a:shade val="15000"/>
+            </a:schemeClr>
+          </a:lnRef>
+          <a:fillRef idx="1">
+            <a:schemeClr val="accent1"/>
+          </a:fillRef>
+          <a:effectRef idx="0">
+            <a:schemeClr val="accent1"/>
+          </a:effectRef>
+          <a:fontRef idx="minor">
+            <a:schemeClr val="lt1"/>
+          </a:fontRef>
+        </p:style>
+        <p:txBody>
+          <a:bodyPr rtlCol="0" anchor="ctr"/>
+          <a:lstStyle/>
+          <a:p>
+            <a:pPr algn="ctr"/>
+            <a:endParaRPr kumimoji="1" lang="ko-KR" altLang="en-US" sz="1600" dirty="0">
+              <a:solidFill>
+                <a:srgbClr val="FF0000"/>
+              </a:solidFill>
+              <a:latin typeface="Cascadia Code" pitchFamily="49" charset="0"/>
+              <a:cs typeface="Cascadia Code" pitchFamily="49" charset="0"/>
+            </a:endParaRPr>
+          </a:p>
+        </p:txBody>
+      </p:sp>
+      <p:sp>
+        <p:nvSpPr>
+          <p:cNvPr id="7" name="TextBox 6">
+            <a:extLst>
+              <a:ext uri="{FF2B5EF4-FFF2-40B4-BE49-F238E27FC236}">
+                <a16:creationId xmlns:a16="http://schemas.microsoft.com/office/drawing/2014/main" id="{6CEE5D95-E64C-B6EE-94C1-602473EC3528}"/>
+              </a:ext>
+            </a:extLst>
+          </p:cNvPr>
+          <p:cNvSpPr txBox="1"/>
+          <p:nvPr/>
+        </p:nvSpPr>
+        <p:spPr>
+          <a:xfrm>
+            <a:off x="5013728" y="4415652"/>
+            <a:ext cx="236220" cy="338554"/>
+          </a:xfrm>
+          <a:prstGeom prst="rect">
+            <a:avLst/>
+          </a:prstGeom>
+          <a:noFill/>
+        </p:spPr>
+        <p:txBody>
+          <a:bodyPr wrap="square" rtlCol="0">
+            <a:spAutoFit/>
+          </a:bodyPr>
+          <a:lstStyle/>
+          <a:p>
+            <a:pPr algn="ctr"/>
+            <a:r>
+              <a:rPr kumimoji="1" lang="en-US" altLang="ko-KR" sz="1600" dirty="0">
+                <a:latin typeface="Cascadia Code" pitchFamily="49" charset="0"/>
+                <a:ea typeface="Cascadia Code" pitchFamily="49" charset="0"/>
+                <a:cs typeface="Cascadia Code" pitchFamily="49" charset="0"/>
+              </a:rPr>
+              <a:t>x</a:t>
+            </a:r>
+            <a:endParaRPr kumimoji="1" lang="ko-KR" altLang="en-US" sz="1600" dirty="0">
+              <a:latin typeface="Cascadia Code" pitchFamily="49" charset="0"/>
+              <a:ea typeface="Cascadia Code" pitchFamily="49" charset="0"/>
+              <a:cs typeface="Cascadia Code" pitchFamily="49" charset="0"/>
+            </a:endParaRPr>
+          </a:p>
+        </p:txBody>
+      </p:sp>
+      <p:sp>
+        <p:nvSpPr>
+          <p:cNvPr id="8" name="직사각형 7">
+            <a:extLst>
+              <a:ext uri="{FF2B5EF4-FFF2-40B4-BE49-F238E27FC236}">
+                <a16:creationId xmlns:a16="http://schemas.microsoft.com/office/drawing/2014/main" id="{2ADF19F1-7365-F6E6-30F8-DE8DAC861251}"/>
+              </a:ext>
+            </a:extLst>
+          </p:cNvPr>
+          <p:cNvSpPr/>
+          <p:nvPr/>
+        </p:nvSpPr>
+        <p:spPr>
+          <a:xfrm>
+            <a:off x="5280428" y="4890161"/>
+            <a:ext cx="1120140" cy="610463"/>
+          </a:xfrm>
+          <a:prstGeom prst="rect">
+            <a:avLst/>
+          </a:prstGeom>
+          <a:solidFill>
+            <a:srgbClr val="FFFF00"/>
+          </a:solidFill>
+        </p:spPr>
+        <p:style>
+          <a:lnRef idx="2">
+            <a:schemeClr val="accent1">
+              <a:shade val="15000"/>
+            </a:schemeClr>
+          </a:lnRef>
+          <a:fillRef idx="1">
+            <a:schemeClr val="accent1"/>
+          </a:fillRef>
+          <a:effectRef idx="0">
+            <a:schemeClr val="accent1"/>
+          </a:effectRef>
+          <a:fontRef idx="minor">
+            <a:schemeClr val="lt1"/>
+          </a:fontRef>
+        </p:style>
+        <p:txBody>
+          <a:bodyPr rtlCol="0" anchor="ctr"/>
+          <a:lstStyle/>
+          <a:p>
+            <a:pPr algn="ctr"/>
+            <a:endParaRPr kumimoji="1" lang="ko-KR" altLang="en-US" sz="1600" dirty="0">
+              <a:solidFill>
+                <a:srgbClr val="FF0000"/>
+              </a:solidFill>
+              <a:latin typeface="Cascadia Code" pitchFamily="49" charset="0"/>
+              <a:cs typeface="Cascadia Code" pitchFamily="49" charset="0"/>
+            </a:endParaRPr>
+          </a:p>
+        </p:txBody>
+      </p:sp>
+      <p:sp>
+        <p:nvSpPr>
+          <p:cNvPr id="9" name="TextBox 8">
+            <a:extLst>
+              <a:ext uri="{FF2B5EF4-FFF2-40B4-BE49-F238E27FC236}">
+                <a16:creationId xmlns:a16="http://schemas.microsoft.com/office/drawing/2014/main" id="{72738311-484F-2AE4-9D83-EAC231DE5AA5}"/>
+              </a:ext>
+            </a:extLst>
+          </p:cNvPr>
+          <p:cNvSpPr txBox="1"/>
+          <p:nvPr/>
+        </p:nvSpPr>
+        <p:spPr>
+          <a:xfrm>
+            <a:off x="5013728" y="5026115"/>
+            <a:ext cx="236220" cy="338554"/>
+          </a:xfrm>
+          <a:prstGeom prst="rect">
+            <a:avLst/>
+          </a:prstGeom>
+          <a:noFill/>
+        </p:spPr>
+        <p:txBody>
+          <a:bodyPr wrap="square" rtlCol="0">
+            <a:spAutoFit/>
+          </a:bodyPr>
+          <a:lstStyle/>
+          <a:p>
+            <a:pPr algn="ctr"/>
+            <a:r>
+              <a:rPr kumimoji="1" lang="en-US" altLang="ko-KR" sz="1600" dirty="0">
+                <a:latin typeface="Cascadia Code" pitchFamily="49" charset="0"/>
+                <a:ea typeface="Cascadia Code" pitchFamily="49" charset="0"/>
+                <a:cs typeface="Cascadia Code" pitchFamily="49" charset="0"/>
+              </a:rPr>
+              <a:t>y</a:t>
+            </a:r>
+            <a:endParaRPr kumimoji="1" lang="ko-KR" altLang="en-US" sz="1600" dirty="0">
+              <a:latin typeface="Cascadia Code" pitchFamily="49" charset="0"/>
+              <a:ea typeface="Cascadia Code" pitchFamily="49" charset="0"/>
+              <a:cs typeface="Cascadia Code" pitchFamily="49" charset="0"/>
+            </a:endParaRPr>
+          </a:p>
+        </p:txBody>
+      </p:sp>
+      <p:sp>
+        <p:nvSpPr>
+          <p:cNvPr id="10" name="TextBox 9">
+            <a:extLst>
+              <a:ext uri="{FF2B5EF4-FFF2-40B4-BE49-F238E27FC236}">
+                <a16:creationId xmlns:a16="http://schemas.microsoft.com/office/drawing/2014/main" id="{DA5AE5A1-8719-6C4B-370B-31E476F7D442}"/>
+              </a:ext>
+            </a:extLst>
+          </p:cNvPr>
+          <p:cNvSpPr txBox="1"/>
+          <p:nvPr/>
+        </p:nvSpPr>
+        <p:spPr>
+          <a:xfrm>
+            <a:off x="5387339" y="3884596"/>
+            <a:ext cx="906317" cy="369332"/>
+          </a:xfrm>
+          <a:prstGeom prst="rect">
+            <a:avLst/>
+          </a:prstGeom>
+          <a:noFill/>
+        </p:spPr>
+        <p:txBody>
+          <a:bodyPr wrap="square">
+            <a:spAutoFit/>
+          </a:bodyPr>
+          <a:lstStyle/>
+          <a:p>
+            <a:pPr algn="ctr"/>
+            <a:r>
+              <a:rPr lang="ko-KR" altLang="en-US" dirty="0">
+                <a:latin typeface="Cascadia Code" pitchFamily="49" charset="0"/>
+                <a:cs typeface="Cascadia Code" pitchFamily="49" charset="0"/>
+              </a:rPr>
+              <a:t>pt1</a:t>
+            </a:r>
+            <a:endParaRPr lang="ko-KR" altLang="en-US" dirty="0"/>
+          </a:p>
+        </p:txBody>
+      </p:sp>
+      <p:sp>
+        <p:nvSpPr>
+          <p:cNvPr id="11" name="직사각형 10">
+            <a:extLst>
+              <a:ext uri="{FF2B5EF4-FFF2-40B4-BE49-F238E27FC236}">
+                <a16:creationId xmlns:a16="http://schemas.microsoft.com/office/drawing/2014/main" id="{7155CB18-EE4F-24C0-F1B5-7699DED820C9}"/>
+              </a:ext>
+            </a:extLst>
+          </p:cNvPr>
+          <p:cNvSpPr/>
+          <p:nvPr/>
+        </p:nvSpPr>
+        <p:spPr>
+          <a:xfrm>
+            <a:off x="8120610" y="4253928"/>
+            <a:ext cx="1120140" cy="610463"/>
+          </a:xfrm>
+          <a:prstGeom prst="rect">
+            <a:avLst/>
+          </a:prstGeom>
+          <a:solidFill>
+            <a:srgbClr val="FFFF00"/>
+          </a:solidFill>
+        </p:spPr>
+        <p:style>
+          <a:lnRef idx="2">
+            <a:schemeClr val="accent1">
+              <a:shade val="15000"/>
+            </a:schemeClr>
+          </a:lnRef>
+          <a:fillRef idx="1">
+            <a:schemeClr val="accent1"/>
+          </a:fillRef>
+          <a:effectRef idx="0">
+            <a:schemeClr val="accent1"/>
+          </a:effectRef>
+          <a:fontRef idx="minor">
+            <a:schemeClr val="lt1"/>
+          </a:fontRef>
+        </p:style>
+        <p:txBody>
+          <a:bodyPr rtlCol="0" anchor="ctr"/>
+          <a:lstStyle/>
+          <a:p>
+            <a:pPr algn="ctr"/>
+            <a:endParaRPr kumimoji="1" lang="ko-KR" altLang="en-US" sz="1600" dirty="0">
+              <a:solidFill>
+                <a:srgbClr val="FF0000"/>
+              </a:solidFill>
+              <a:latin typeface="Cascadia Code" pitchFamily="49" charset="0"/>
+              <a:cs typeface="Cascadia Code" pitchFamily="49" charset="0"/>
+            </a:endParaRPr>
+          </a:p>
+        </p:txBody>
+      </p:sp>
+      <p:sp>
+        <p:nvSpPr>
+          <p:cNvPr id="12" name="TextBox 11">
+            <a:extLst>
+              <a:ext uri="{FF2B5EF4-FFF2-40B4-BE49-F238E27FC236}">
+                <a16:creationId xmlns:a16="http://schemas.microsoft.com/office/drawing/2014/main" id="{868CE8FC-5B7E-B504-D2AF-2F71FA249F23}"/>
+              </a:ext>
+            </a:extLst>
+          </p:cNvPr>
+          <p:cNvSpPr txBox="1"/>
+          <p:nvPr/>
+        </p:nvSpPr>
+        <p:spPr>
+          <a:xfrm>
+            <a:off x="7853910" y="4389882"/>
+            <a:ext cx="236220" cy="338554"/>
+          </a:xfrm>
+          <a:prstGeom prst="rect">
+            <a:avLst/>
+          </a:prstGeom>
+          <a:noFill/>
+        </p:spPr>
+        <p:txBody>
+          <a:bodyPr wrap="square" rtlCol="0">
+            <a:spAutoFit/>
+          </a:bodyPr>
+          <a:lstStyle/>
+          <a:p>
+            <a:pPr algn="ctr"/>
+            <a:r>
+              <a:rPr kumimoji="1" lang="en-US" altLang="ko-KR" sz="1600" dirty="0">
+                <a:latin typeface="Cascadia Code" pitchFamily="49" charset="0"/>
+                <a:ea typeface="Cascadia Code" pitchFamily="49" charset="0"/>
+                <a:cs typeface="Cascadia Code" pitchFamily="49" charset="0"/>
+              </a:rPr>
+              <a:t>x</a:t>
+            </a:r>
+            <a:endParaRPr kumimoji="1" lang="ko-KR" altLang="en-US" sz="1600" dirty="0">
+              <a:latin typeface="Cascadia Code" pitchFamily="49" charset="0"/>
+              <a:ea typeface="Cascadia Code" pitchFamily="49" charset="0"/>
+              <a:cs typeface="Cascadia Code" pitchFamily="49" charset="0"/>
+            </a:endParaRPr>
+          </a:p>
+        </p:txBody>
+      </p:sp>
+      <p:sp>
+        <p:nvSpPr>
+          <p:cNvPr id="13" name="직사각형 12">
+            <a:extLst>
+              <a:ext uri="{FF2B5EF4-FFF2-40B4-BE49-F238E27FC236}">
+                <a16:creationId xmlns:a16="http://schemas.microsoft.com/office/drawing/2014/main" id="{1E9A923E-05E3-E060-E5E8-EF354EF110AF}"/>
+              </a:ext>
+            </a:extLst>
+          </p:cNvPr>
+          <p:cNvSpPr/>
+          <p:nvPr/>
+        </p:nvSpPr>
+        <p:spPr>
+          <a:xfrm>
+            <a:off x="8120610" y="4864391"/>
+            <a:ext cx="1120140" cy="610463"/>
+          </a:xfrm>
+          <a:prstGeom prst="rect">
+            <a:avLst/>
+          </a:prstGeom>
+          <a:solidFill>
+            <a:srgbClr val="FFFF00"/>
+          </a:solidFill>
+        </p:spPr>
+        <p:style>
+          <a:lnRef idx="2">
+            <a:schemeClr val="accent1">
+              <a:shade val="15000"/>
+            </a:schemeClr>
+          </a:lnRef>
+          <a:fillRef idx="1">
+            <a:schemeClr val="accent1"/>
+          </a:fillRef>
+          <a:effectRef idx="0">
+            <a:schemeClr val="accent1"/>
+          </a:effectRef>
+          <a:fontRef idx="minor">
+            <a:schemeClr val="lt1"/>
+          </a:fontRef>
+        </p:style>
+        <p:txBody>
+          <a:bodyPr rtlCol="0" anchor="ctr"/>
+          <a:lstStyle/>
+          <a:p>
+            <a:pPr algn="ctr"/>
+            <a:endParaRPr kumimoji="1" lang="ko-KR" altLang="en-US" sz="1600" dirty="0">
+              <a:solidFill>
+                <a:srgbClr val="FF0000"/>
+              </a:solidFill>
+              <a:latin typeface="Cascadia Code" pitchFamily="49" charset="0"/>
+              <a:cs typeface="Cascadia Code" pitchFamily="49" charset="0"/>
+            </a:endParaRPr>
+          </a:p>
+        </p:txBody>
+      </p:sp>
+      <p:sp>
+        <p:nvSpPr>
+          <p:cNvPr id="14" name="TextBox 13">
+            <a:extLst>
+              <a:ext uri="{FF2B5EF4-FFF2-40B4-BE49-F238E27FC236}">
+                <a16:creationId xmlns:a16="http://schemas.microsoft.com/office/drawing/2014/main" id="{78C77A4A-1DD4-2FAA-0A96-3DD6DEB52EFA}"/>
+              </a:ext>
+            </a:extLst>
+          </p:cNvPr>
+          <p:cNvSpPr txBox="1"/>
+          <p:nvPr/>
+        </p:nvSpPr>
+        <p:spPr>
+          <a:xfrm>
+            <a:off x="7853910" y="5000345"/>
+            <a:ext cx="236220" cy="338554"/>
+          </a:xfrm>
+          <a:prstGeom prst="rect">
+            <a:avLst/>
+          </a:prstGeom>
+          <a:noFill/>
+        </p:spPr>
+        <p:txBody>
+          <a:bodyPr wrap="square" rtlCol="0">
+            <a:spAutoFit/>
+          </a:bodyPr>
+          <a:lstStyle/>
+          <a:p>
+            <a:pPr algn="ctr"/>
+            <a:r>
+              <a:rPr kumimoji="1" lang="en-US" altLang="ko-KR" sz="1600" dirty="0">
+                <a:latin typeface="Cascadia Code" pitchFamily="49" charset="0"/>
+                <a:ea typeface="Cascadia Code" pitchFamily="49" charset="0"/>
+                <a:cs typeface="Cascadia Code" pitchFamily="49" charset="0"/>
+              </a:rPr>
+              <a:t>y</a:t>
+            </a:r>
+            <a:endParaRPr kumimoji="1" lang="ko-KR" altLang="en-US" sz="1600" dirty="0">
+              <a:latin typeface="Cascadia Code" pitchFamily="49" charset="0"/>
+              <a:ea typeface="Cascadia Code" pitchFamily="49" charset="0"/>
+              <a:cs typeface="Cascadia Code" pitchFamily="49" charset="0"/>
+            </a:endParaRPr>
+          </a:p>
+        </p:txBody>
+      </p:sp>
+      <p:sp>
+        <p:nvSpPr>
+          <p:cNvPr id="15" name="TextBox 14">
+            <a:extLst>
+              <a:ext uri="{FF2B5EF4-FFF2-40B4-BE49-F238E27FC236}">
+                <a16:creationId xmlns:a16="http://schemas.microsoft.com/office/drawing/2014/main" id="{833398FA-38CF-1711-73F5-519DB15760C9}"/>
+              </a:ext>
+            </a:extLst>
+          </p:cNvPr>
+          <p:cNvSpPr txBox="1"/>
+          <p:nvPr/>
+        </p:nvSpPr>
+        <p:spPr>
+          <a:xfrm>
+            <a:off x="8227521" y="3858826"/>
+            <a:ext cx="906317" cy="369332"/>
+          </a:xfrm>
+          <a:prstGeom prst="rect">
+            <a:avLst/>
+          </a:prstGeom>
+          <a:noFill/>
+        </p:spPr>
+        <p:txBody>
+          <a:bodyPr wrap="square">
+            <a:spAutoFit/>
+          </a:bodyPr>
+          <a:lstStyle/>
+          <a:p>
+            <a:pPr algn="ctr"/>
+            <a:r>
+              <a:rPr lang="ko-KR" altLang="en-US" dirty="0" err="1">
+                <a:latin typeface="Cascadia Code" pitchFamily="49" charset="0"/>
+                <a:cs typeface="Cascadia Code" pitchFamily="49" charset="0"/>
+              </a:rPr>
+              <a:t>pt</a:t>
+            </a:r>
+            <a:r>
+              <a:rPr lang="en-US" altLang="ko-KR" dirty="0">
+                <a:latin typeface="Cascadia Code" pitchFamily="49" charset="0"/>
+                <a:cs typeface="Cascadia Code" pitchFamily="49" charset="0"/>
+              </a:rPr>
+              <a:t>2</a:t>
+            </a:r>
+            <a:endParaRPr lang="ko-KR" altLang="en-US" dirty="0"/>
+          </a:p>
+        </p:txBody>
+      </p:sp>
+    </p:spTree>
+    <p:extLst>
+      <p:ext uri="{BB962C8B-B14F-4D97-AF65-F5344CB8AC3E}">
+        <p14:creationId xmlns:p14="http://schemas.microsoft.com/office/powerpoint/2010/main" val="820158627"/>
+      </p:ext>
+    </p:extLst>
+  </p:cSld>
+  <p:clrMapOvr>
+    <a:masterClrMapping/>
+  </p:clrMapOvr>
+</p:sld>
+</file>
+
+<file path=ppt/slides/slide21.xml><?xml version="1.0" encoding="utf-8"?>
+<p:sld xmlns:a="http://schemas.openxmlformats.org/drawingml/2006/main" xmlns:r="http://schemas.openxmlformats.org/officeDocument/2006/relationships" xmlns:p="http://schemas.openxmlformats.org/presentationml/2006/main">
+  <p:cSld>
+    <p:spTree>
+      <p:nvGrpSpPr>
+        <p:cNvPr id="1" name=""/>
+        <p:cNvGrpSpPr/>
+        <p:nvPr/>
+      </p:nvGrpSpPr>
+      <p:grpSpPr>
+        <a:xfrm>
+          <a:off x="0" y="0"/>
+          <a:ext cx="0" cy="0"/>
+          <a:chOff x="0" y="0"/>
+          <a:chExt cx="0" cy="0"/>
+        </a:xfrm>
+      </p:grpSpPr>
+      <p:sp>
+        <p:nvSpPr>
+          <p:cNvPr id="5" name="TextBox 4">
+            <a:extLst>
+              <a:ext uri="{FF2B5EF4-FFF2-40B4-BE49-F238E27FC236}">
+                <a16:creationId xmlns:a16="http://schemas.microsoft.com/office/drawing/2014/main" id="{E94142E9-8ECF-CA02-32B6-E4500B24CE62}"/>
+              </a:ext>
+            </a:extLst>
+          </p:cNvPr>
+          <p:cNvSpPr txBox="1"/>
+          <p:nvPr/>
+        </p:nvSpPr>
+        <p:spPr>
+          <a:xfrm>
+            <a:off x="443345" y="421144"/>
+            <a:ext cx="3628046" cy="4924425"/>
+          </a:xfrm>
+          <a:prstGeom prst="rect">
+            <a:avLst/>
+          </a:prstGeom>
+          <a:noFill/>
+        </p:spPr>
+        <p:txBody>
+          <a:bodyPr wrap="square">
+            <a:spAutoFit/>
+          </a:bodyPr>
+          <a:lstStyle/>
+          <a:p>
+            <a:r>
+              <a:rPr lang="ko-KR" altLang="en-US" sz="1600" dirty="0" err="1">
+                <a:latin typeface="Cascadia Code" pitchFamily="49" charset="0"/>
+                <a:cs typeface="Cascadia Code" pitchFamily="49" charset="0"/>
+              </a:rPr>
+              <a:t>class</a:t>
+            </a:r>
+            <a:r>
+              <a:rPr lang="ko-KR" altLang="en-US" sz="1600" dirty="0">
+                <a:latin typeface="Cascadia Code" pitchFamily="49" charset="0"/>
+                <a:cs typeface="Cascadia Code" pitchFamily="49" charset="0"/>
+              </a:rPr>
+              <a:t> </a:t>
+            </a:r>
+            <a:r>
+              <a:rPr lang="ko-KR" altLang="en-US" sz="1600" dirty="0" err="1">
+                <a:latin typeface="Cascadia Code" pitchFamily="49" charset="0"/>
+                <a:cs typeface="Cascadia Code" pitchFamily="49" charset="0"/>
+              </a:rPr>
+              <a:t>Point</a:t>
+            </a:r>
+            <a:r>
+              <a:rPr lang="ko-KR" altLang="en-US" sz="1600" dirty="0">
+                <a:latin typeface="Cascadia Code" pitchFamily="49" charset="0"/>
+                <a:cs typeface="Cascadia Code" pitchFamily="49" charset="0"/>
+              </a:rPr>
+              <a:t> {</a:t>
+            </a:r>
+          </a:p>
+          <a:p>
+            <a:r>
+              <a:rPr lang="ko-KR" altLang="en-US" sz="1600" dirty="0">
+                <a:latin typeface="Cascadia Code" pitchFamily="49" charset="0"/>
+                <a:cs typeface="Cascadia Code" pitchFamily="49" charset="0"/>
+              </a:rPr>
+              <a:t>    </a:t>
+            </a:r>
+            <a:r>
+              <a:rPr lang="ko-KR" altLang="en-US" sz="1600" dirty="0" err="1">
+                <a:latin typeface="Cascadia Code" pitchFamily="49" charset="0"/>
+                <a:cs typeface="Cascadia Code" pitchFamily="49" charset="0"/>
+              </a:rPr>
+              <a:t>int</a:t>
+            </a:r>
+            <a:r>
+              <a:rPr lang="ko-KR" altLang="en-US" sz="1600" dirty="0">
+                <a:latin typeface="Cascadia Code" pitchFamily="49" charset="0"/>
+                <a:cs typeface="Cascadia Code" pitchFamily="49" charset="0"/>
+              </a:rPr>
+              <a:t> </a:t>
+            </a:r>
+            <a:r>
+              <a:rPr lang="ko-KR" altLang="en-US" sz="1600" dirty="0" err="1">
+                <a:latin typeface="Cascadia Code" pitchFamily="49" charset="0"/>
+                <a:cs typeface="Cascadia Code" pitchFamily="49" charset="0"/>
+              </a:rPr>
+              <a:t>x</a:t>
+            </a:r>
+            <a:r>
+              <a:rPr lang="ko-KR" altLang="en-US" sz="1600" dirty="0">
+                <a:latin typeface="Cascadia Code" pitchFamily="49" charset="0"/>
+                <a:cs typeface="Cascadia Code" pitchFamily="49" charset="0"/>
+              </a:rPr>
+              <a:t>;</a:t>
+            </a:r>
+          </a:p>
+          <a:p>
+            <a:r>
+              <a:rPr lang="ko-KR" altLang="en-US" sz="1600" dirty="0">
+                <a:latin typeface="Cascadia Code" pitchFamily="49" charset="0"/>
+                <a:cs typeface="Cascadia Code" pitchFamily="49" charset="0"/>
+              </a:rPr>
+              <a:t>    </a:t>
+            </a:r>
+            <a:r>
+              <a:rPr lang="ko-KR" altLang="en-US" sz="1600" dirty="0" err="1">
+                <a:latin typeface="Cascadia Code" pitchFamily="49" charset="0"/>
+                <a:cs typeface="Cascadia Code" pitchFamily="49" charset="0"/>
+              </a:rPr>
+              <a:t>int</a:t>
+            </a:r>
+            <a:r>
+              <a:rPr lang="ko-KR" altLang="en-US" sz="1600" dirty="0">
+                <a:latin typeface="Cascadia Code" pitchFamily="49" charset="0"/>
+                <a:cs typeface="Cascadia Code" pitchFamily="49" charset="0"/>
+              </a:rPr>
+              <a:t> </a:t>
+            </a:r>
+            <a:r>
+              <a:rPr lang="ko-KR" altLang="en-US" sz="1600" dirty="0" err="1">
+                <a:latin typeface="Cascadia Code" pitchFamily="49" charset="0"/>
+                <a:cs typeface="Cascadia Code" pitchFamily="49" charset="0"/>
+              </a:rPr>
+              <a:t>y</a:t>
+            </a:r>
+            <a:r>
+              <a:rPr lang="ko-KR" altLang="en-US" sz="1600" dirty="0">
+                <a:latin typeface="Cascadia Code" pitchFamily="49" charset="0"/>
+                <a:cs typeface="Cascadia Code" pitchFamily="49" charset="0"/>
+              </a:rPr>
+              <a:t>;</a:t>
+            </a:r>
+          </a:p>
+          <a:p>
+            <a:endParaRPr lang="ko-KR" altLang="en-US" sz="1600" dirty="0">
+              <a:latin typeface="Cascadia Code" pitchFamily="49" charset="0"/>
+              <a:cs typeface="Cascadia Code" pitchFamily="49" charset="0"/>
+            </a:endParaRPr>
+          </a:p>
+          <a:p>
+            <a:r>
+              <a:rPr lang="ko-KR" altLang="en-US" sz="1600" dirty="0" err="1">
+                <a:latin typeface="Cascadia Code" pitchFamily="49" charset="0"/>
+                <a:cs typeface="Cascadia Code" pitchFamily="49" charset="0"/>
+              </a:rPr>
+              <a:t>public</a:t>
+            </a:r>
+            <a:r>
+              <a:rPr lang="ko-KR" altLang="en-US" sz="1600" dirty="0">
+                <a:latin typeface="Cascadia Code" pitchFamily="49" charset="0"/>
+                <a:cs typeface="Cascadia Code" pitchFamily="49" charset="0"/>
+              </a:rPr>
+              <a:t>:</a:t>
+            </a:r>
+          </a:p>
+          <a:p>
+            <a:r>
+              <a:rPr lang="ko-KR" altLang="en-US" sz="1600" dirty="0">
+                <a:latin typeface="Cascadia Code" pitchFamily="49" charset="0"/>
+                <a:cs typeface="Cascadia Code" pitchFamily="49" charset="0"/>
+              </a:rPr>
+              <a:t>    </a:t>
+            </a:r>
+            <a:r>
+              <a:rPr lang="ko-KR" altLang="en-US" sz="1600" dirty="0" err="1">
+                <a:latin typeface="Cascadia Code" pitchFamily="49" charset="0"/>
+                <a:cs typeface="Cascadia Code" pitchFamily="49" charset="0"/>
+              </a:rPr>
+              <a:t>void</a:t>
+            </a:r>
+            <a:r>
+              <a:rPr lang="ko-KR" altLang="en-US" sz="1600" dirty="0">
+                <a:latin typeface="Cascadia Code" pitchFamily="49" charset="0"/>
+                <a:cs typeface="Cascadia Code" pitchFamily="49" charset="0"/>
+              </a:rPr>
+              <a:t> </a:t>
+            </a:r>
+            <a:r>
+              <a:rPr lang="ko-KR" altLang="en-US" sz="1600" dirty="0" err="1">
+                <a:latin typeface="Cascadia Code" pitchFamily="49" charset="0"/>
+                <a:cs typeface="Cascadia Code" pitchFamily="49" charset="0"/>
+              </a:rPr>
+              <a:t>Set</a:t>
+            </a:r>
+            <a:r>
+              <a:rPr lang="ko-KR" altLang="en-US" sz="1600" dirty="0">
+                <a:latin typeface="Cascadia Code" pitchFamily="49" charset="0"/>
+                <a:cs typeface="Cascadia Code" pitchFamily="49" charset="0"/>
+              </a:rPr>
+              <a:t>(</a:t>
+            </a:r>
+            <a:r>
+              <a:rPr lang="ko-KR" altLang="en-US" sz="1600" dirty="0" err="1">
+                <a:latin typeface="Cascadia Code" pitchFamily="49" charset="0"/>
+                <a:cs typeface="Cascadia Code" pitchFamily="49" charset="0"/>
+              </a:rPr>
+              <a:t>int</a:t>
+            </a:r>
+            <a:r>
+              <a:rPr lang="ko-KR" altLang="en-US" sz="1600" dirty="0">
+                <a:latin typeface="Cascadia Code" pitchFamily="49" charset="0"/>
+                <a:cs typeface="Cascadia Code" pitchFamily="49" charset="0"/>
+              </a:rPr>
+              <a:t> </a:t>
+            </a:r>
+            <a:r>
+              <a:rPr lang="ko-KR" altLang="en-US" sz="1600" dirty="0" err="1">
+                <a:latin typeface="Cascadia Code" pitchFamily="49" charset="0"/>
+                <a:cs typeface="Cascadia Code" pitchFamily="49" charset="0"/>
+              </a:rPr>
+              <a:t>a</a:t>
+            </a:r>
+            <a:r>
+              <a:rPr lang="ko-KR" altLang="en-US" sz="1600" dirty="0">
+                <a:latin typeface="Cascadia Code" pitchFamily="49" charset="0"/>
+                <a:cs typeface="Cascadia Code" pitchFamily="49" charset="0"/>
+              </a:rPr>
+              <a:t>, </a:t>
+            </a:r>
+            <a:r>
+              <a:rPr lang="ko-KR" altLang="en-US" sz="1600" dirty="0" err="1">
+                <a:latin typeface="Cascadia Code" pitchFamily="49" charset="0"/>
+                <a:cs typeface="Cascadia Code" pitchFamily="49" charset="0"/>
+              </a:rPr>
+              <a:t>int</a:t>
+            </a:r>
+            <a:r>
+              <a:rPr lang="ko-KR" altLang="en-US" sz="1600" dirty="0">
+                <a:latin typeface="Cascadia Code" pitchFamily="49" charset="0"/>
+                <a:cs typeface="Cascadia Code" pitchFamily="49" charset="0"/>
+              </a:rPr>
+              <a:t> </a:t>
+            </a:r>
+            <a:r>
+              <a:rPr lang="ko-KR" altLang="en-US" sz="1600" dirty="0" err="1">
+                <a:latin typeface="Cascadia Code" pitchFamily="49" charset="0"/>
+                <a:cs typeface="Cascadia Code" pitchFamily="49" charset="0"/>
+              </a:rPr>
+              <a:t>b</a:t>
+            </a:r>
+            <a:r>
+              <a:rPr lang="ko-KR" altLang="en-US" sz="1600" dirty="0">
+                <a:latin typeface="Cascadia Code" pitchFamily="49" charset="0"/>
+                <a:cs typeface="Cascadia Code" pitchFamily="49" charset="0"/>
+              </a:rPr>
+              <a:t>)</a:t>
+            </a:r>
+          </a:p>
+          <a:p>
+            <a:r>
+              <a:rPr lang="ko-KR" altLang="en-US" sz="1600" dirty="0">
+                <a:latin typeface="Cascadia Code" pitchFamily="49" charset="0"/>
+                <a:cs typeface="Cascadia Code" pitchFamily="49" charset="0"/>
+              </a:rPr>
+              <a:t>    {</a:t>
+            </a:r>
+          </a:p>
+          <a:p>
+            <a:r>
+              <a:rPr lang="ko-KR" altLang="en-US" sz="1600" dirty="0">
+                <a:latin typeface="Cascadia Code" pitchFamily="49" charset="0"/>
+                <a:cs typeface="Cascadia Code" pitchFamily="49" charset="0"/>
+              </a:rPr>
+              <a:t>        </a:t>
+            </a:r>
+            <a:r>
+              <a:rPr lang="ko-KR" altLang="en-US" sz="1600" dirty="0" err="1">
+                <a:latin typeface="Cascadia Code" pitchFamily="49" charset="0"/>
+                <a:cs typeface="Cascadia Code" pitchFamily="49" charset="0"/>
+              </a:rPr>
+              <a:t>x</a:t>
+            </a:r>
+            <a:r>
+              <a:rPr lang="ko-KR" altLang="en-US" sz="1600" dirty="0">
+                <a:latin typeface="Cascadia Code" pitchFamily="49" charset="0"/>
+                <a:cs typeface="Cascadia Code" pitchFamily="49" charset="0"/>
+              </a:rPr>
+              <a:t> = </a:t>
+            </a:r>
+            <a:r>
+              <a:rPr lang="ko-KR" altLang="en-US" sz="1600" dirty="0" err="1">
+                <a:latin typeface="Cascadia Code" pitchFamily="49" charset="0"/>
+                <a:cs typeface="Cascadia Code" pitchFamily="49" charset="0"/>
+              </a:rPr>
+              <a:t>a</a:t>
+            </a:r>
+            <a:r>
+              <a:rPr lang="ko-KR" altLang="en-US" sz="1600" dirty="0">
+                <a:latin typeface="Cascadia Code" pitchFamily="49" charset="0"/>
+                <a:cs typeface="Cascadia Code" pitchFamily="49" charset="0"/>
+              </a:rPr>
+              <a:t>;</a:t>
+            </a:r>
+          </a:p>
+          <a:p>
+            <a:r>
+              <a:rPr lang="ko-KR" altLang="en-US" sz="1600" dirty="0">
+                <a:latin typeface="Cascadia Code" pitchFamily="49" charset="0"/>
+                <a:cs typeface="Cascadia Code" pitchFamily="49" charset="0"/>
+              </a:rPr>
+              <a:t>        </a:t>
+            </a:r>
+            <a:r>
+              <a:rPr lang="ko-KR" altLang="en-US" sz="1600" dirty="0" err="1">
+                <a:latin typeface="Cascadia Code" pitchFamily="49" charset="0"/>
+                <a:cs typeface="Cascadia Code" pitchFamily="49" charset="0"/>
+              </a:rPr>
+              <a:t>y</a:t>
+            </a:r>
+            <a:r>
+              <a:rPr lang="ko-KR" altLang="en-US" sz="1600" dirty="0">
+                <a:latin typeface="Cascadia Code" pitchFamily="49" charset="0"/>
+                <a:cs typeface="Cascadia Code" pitchFamily="49" charset="0"/>
+              </a:rPr>
+              <a:t> = </a:t>
+            </a:r>
+            <a:r>
+              <a:rPr lang="ko-KR" altLang="en-US" sz="1600" dirty="0" err="1">
+                <a:latin typeface="Cascadia Code" pitchFamily="49" charset="0"/>
+                <a:cs typeface="Cascadia Code" pitchFamily="49" charset="0"/>
+              </a:rPr>
+              <a:t>b</a:t>
+            </a:r>
+            <a:r>
+              <a:rPr lang="ko-KR" altLang="en-US" sz="1600" dirty="0">
+                <a:latin typeface="Cascadia Code" pitchFamily="49" charset="0"/>
+                <a:cs typeface="Cascadia Code" pitchFamily="49" charset="0"/>
+              </a:rPr>
+              <a:t>;</a:t>
+            </a:r>
+          </a:p>
+          <a:p>
+            <a:r>
+              <a:rPr lang="ko-KR" altLang="en-US" sz="1600" dirty="0">
+                <a:latin typeface="Cascadia Code" pitchFamily="49" charset="0"/>
+                <a:cs typeface="Cascadia Code" pitchFamily="49" charset="0"/>
+              </a:rPr>
+              <a:t>    }</a:t>
+            </a:r>
+          </a:p>
+          <a:p>
+            <a:r>
+              <a:rPr lang="ko-KR" altLang="en-US" sz="1600" dirty="0">
+                <a:latin typeface="Cascadia Code" pitchFamily="49" charset="0"/>
+                <a:cs typeface="Cascadia Code" pitchFamily="49" charset="0"/>
+              </a:rPr>
+              <a:t>};</a:t>
+            </a:r>
+          </a:p>
+          <a:p>
+            <a:endParaRPr lang="ko-KR" altLang="en-US" sz="1600" dirty="0">
+              <a:latin typeface="Cascadia Code" pitchFamily="49" charset="0"/>
+              <a:cs typeface="Cascadia Code" pitchFamily="49" charset="0"/>
+            </a:endParaRPr>
+          </a:p>
+          <a:p>
+            <a:r>
+              <a:rPr lang="ko-KR" altLang="en-US" sz="1600" dirty="0" err="1">
+                <a:latin typeface="Cascadia Code" pitchFamily="49" charset="0"/>
+                <a:cs typeface="Cascadia Code" pitchFamily="49" charset="0"/>
+              </a:rPr>
+              <a:t>int</a:t>
+            </a:r>
+            <a:r>
+              <a:rPr lang="ko-KR" altLang="en-US" sz="1600" dirty="0">
+                <a:latin typeface="Cascadia Code" pitchFamily="49" charset="0"/>
+                <a:cs typeface="Cascadia Code" pitchFamily="49" charset="0"/>
+              </a:rPr>
+              <a:t> </a:t>
+            </a:r>
+            <a:r>
+              <a:rPr lang="ko-KR" altLang="en-US" sz="1600" dirty="0" err="1">
+                <a:latin typeface="Cascadia Code" pitchFamily="49" charset="0"/>
+                <a:cs typeface="Cascadia Code" pitchFamily="49" charset="0"/>
+              </a:rPr>
+              <a:t>main</a:t>
+            </a:r>
+            <a:r>
+              <a:rPr lang="ko-KR" altLang="en-US" sz="1600" dirty="0">
+                <a:latin typeface="Cascadia Code" pitchFamily="49" charset="0"/>
+                <a:cs typeface="Cascadia Code" pitchFamily="49" charset="0"/>
+              </a:rPr>
+              <a:t>()</a:t>
+            </a:r>
+          </a:p>
+          <a:p>
+            <a:r>
+              <a:rPr lang="ko-KR" altLang="en-US" sz="1600" dirty="0">
+                <a:latin typeface="Cascadia Code" pitchFamily="49" charset="0"/>
+                <a:cs typeface="Cascadia Code" pitchFamily="49" charset="0"/>
+              </a:rPr>
+              <a:t>{</a:t>
+            </a:r>
+          </a:p>
+          <a:p>
+            <a:r>
+              <a:rPr lang="ko-KR" altLang="en-US" sz="1600" dirty="0">
+                <a:latin typeface="Cascadia Code" pitchFamily="49" charset="0"/>
+                <a:cs typeface="Cascadia Code" pitchFamily="49" charset="0"/>
+              </a:rPr>
+              <a:t>    </a:t>
+            </a:r>
+            <a:r>
+              <a:rPr lang="ko-KR" altLang="en-US" sz="1600" dirty="0" err="1">
+                <a:latin typeface="Cascadia Code" pitchFamily="49" charset="0"/>
+                <a:cs typeface="Cascadia Code" pitchFamily="49" charset="0"/>
+              </a:rPr>
+              <a:t>Point</a:t>
+            </a:r>
+            <a:r>
+              <a:rPr lang="ko-KR" altLang="en-US" sz="1600" dirty="0">
+                <a:latin typeface="Cascadia Code" pitchFamily="49" charset="0"/>
+                <a:cs typeface="Cascadia Code" pitchFamily="49" charset="0"/>
+              </a:rPr>
+              <a:t> pt1, pt2;</a:t>
+            </a:r>
+          </a:p>
+          <a:p>
+            <a:endParaRPr lang="ko-KR" altLang="en-US" sz="1600" dirty="0">
+              <a:latin typeface="Cascadia Code" pitchFamily="49" charset="0"/>
+              <a:cs typeface="Cascadia Code" pitchFamily="49" charset="0"/>
+            </a:endParaRPr>
+          </a:p>
+          <a:p>
+            <a:r>
+              <a:rPr lang="ko-KR" altLang="en-US" sz="1600" dirty="0">
+                <a:latin typeface="Cascadia Code" pitchFamily="49" charset="0"/>
+                <a:cs typeface="Cascadia Code" pitchFamily="49" charset="0"/>
+              </a:rPr>
+              <a:t>    pt1.Set(10, 20);</a:t>
+            </a:r>
+          </a:p>
+          <a:p>
+            <a:r>
+              <a:rPr lang="ko-KR" altLang="en-US" sz="1600" dirty="0">
+                <a:latin typeface="Cascadia Code" pitchFamily="49" charset="0"/>
+                <a:cs typeface="Cascadia Code" pitchFamily="49" charset="0"/>
+              </a:rPr>
+              <a:t>    pt2.Set(100, 200);</a:t>
+            </a:r>
+          </a:p>
+          <a:p>
+            <a:r>
+              <a:rPr lang="ko-KR" altLang="en-US" sz="1600" dirty="0">
+                <a:latin typeface="Cascadia Code" pitchFamily="49" charset="0"/>
+                <a:cs typeface="Cascadia Code" pitchFamily="49" charset="0"/>
+              </a:rPr>
+              <a:t>}</a:t>
+            </a:r>
+          </a:p>
+        </p:txBody>
+      </p:sp>
+      <p:sp>
+        <p:nvSpPr>
+          <p:cNvPr id="6" name="직사각형 5">
+            <a:extLst>
+              <a:ext uri="{FF2B5EF4-FFF2-40B4-BE49-F238E27FC236}">
+                <a16:creationId xmlns:a16="http://schemas.microsoft.com/office/drawing/2014/main" id="{BB5B35A2-7DF0-625E-7CEB-232D0C094D3A}"/>
+              </a:ext>
+            </a:extLst>
+          </p:cNvPr>
+          <p:cNvSpPr/>
+          <p:nvPr/>
+        </p:nvSpPr>
+        <p:spPr>
+          <a:xfrm>
+            <a:off x="5280428" y="4279698"/>
+            <a:ext cx="1120140" cy="610463"/>
+          </a:xfrm>
+          <a:prstGeom prst="rect">
+            <a:avLst/>
+          </a:prstGeom>
+          <a:solidFill>
+            <a:srgbClr val="FFFF00"/>
+          </a:solidFill>
+        </p:spPr>
+        <p:style>
+          <a:lnRef idx="2">
+            <a:schemeClr val="accent1">
+              <a:shade val="15000"/>
+            </a:schemeClr>
+          </a:lnRef>
+          <a:fillRef idx="1">
+            <a:schemeClr val="accent1"/>
+          </a:fillRef>
+          <a:effectRef idx="0">
+            <a:schemeClr val="accent1"/>
+          </a:effectRef>
+          <a:fontRef idx="minor">
+            <a:schemeClr val="lt1"/>
+          </a:fontRef>
+        </p:style>
+        <p:txBody>
+          <a:bodyPr rtlCol="0" anchor="ctr"/>
+          <a:lstStyle/>
+          <a:p>
+            <a:pPr algn="ctr"/>
+            <a:endParaRPr kumimoji="1" lang="ko-KR" altLang="en-US" sz="1600" dirty="0">
+              <a:solidFill>
+                <a:srgbClr val="FF0000"/>
+              </a:solidFill>
+              <a:latin typeface="Cascadia Code" pitchFamily="49" charset="0"/>
+              <a:cs typeface="Cascadia Code" pitchFamily="49" charset="0"/>
+            </a:endParaRPr>
+          </a:p>
+        </p:txBody>
+      </p:sp>
+      <p:sp>
+        <p:nvSpPr>
+          <p:cNvPr id="7" name="TextBox 6">
+            <a:extLst>
+              <a:ext uri="{FF2B5EF4-FFF2-40B4-BE49-F238E27FC236}">
+                <a16:creationId xmlns:a16="http://schemas.microsoft.com/office/drawing/2014/main" id="{6CEE5D95-E64C-B6EE-94C1-602473EC3528}"/>
+              </a:ext>
+            </a:extLst>
+          </p:cNvPr>
+          <p:cNvSpPr txBox="1"/>
+          <p:nvPr/>
+        </p:nvSpPr>
+        <p:spPr>
+          <a:xfrm>
+            <a:off x="5013728" y="4415652"/>
+            <a:ext cx="236220" cy="338554"/>
+          </a:xfrm>
+          <a:prstGeom prst="rect">
+            <a:avLst/>
+          </a:prstGeom>
+          <a:noFill/>
+        </p:spPr>
+        <p:txBody>
+          <a:bodyPr wrap="square" rtlCol="0">
+            <a:spAutoFit/>
+          </a:bodyPr>
+          <a:lstStyle/>
+          <a:p>
+            <a:pPr algn="ctr"/>
+            <a:r>
+              <a:rPr kumimoji="1" lang="en-US" altLang="ko-KR" sz="1600" dirty="0">
+                <a:latin typeface="Cascadia Code" pitchFamily="49" charset="0"/>
+                <a:ea typeface="Cascadia Code" pitchFamily="49" charset="0"/>
+                <a:cs typeface="Cascadia Code" pitchFamily="49" charset="0"/>
+              </a:rPr>
+              <a:t>x</a:t>
+            </a:r>
+            <a:endParaRPr kumimoji="1" lang="ko-KR" altLang="en-US" sz="1600" dirty="0">
+              <a:latin typeface="Cascadia Code" pitchFamily="49" charset="0"/>
+              <a:ea typeface="Cascadia Code" pitchFamily="49" charset="0"/>
+              <a:cs typeface="Cascadia Code" pitchFamily="49" charset="0"/>
+            </a:endParaRPr>
+          </a:p>
+        </p:txBody>
+      </p:sp>
+      <p:sp>
+        <p:nvSpPr>
+          <p:cNvPr id="8" name="직사각형 7">
+            <a:extLst>
+              <a:ext uri="{FF2B5EF4-FFF2-40B4-BE49-F238E27FC236}">
+                <a16:creationId xmlns:a16="http://schemas.microsoft.com/office/drawing/2014/main" id="{2ADF19F1-7365-F6E6-30F8-DE8DAC861251}"/>
+              </a:ext>
+            </a:extLst>
+          </p:cNvPr>
+          <p:cNvSpPr/>
+          <p:nvPr/>
+        </p:nvSpPr>
+        <p:spPr>
+          <a:xfrm>
+            <a:off x="5280428" y="4890161"/>
+            <a:ext cx="1120140" cy="610463"/>
+          </a:xfrm>
+          <a:prstGeom prst="rect">
+            <a:avLst/>
+          </a:prstGeom>
+          <a:solidFill>
+            <a:srgbClr val="FFFF00"/>
+          </a:solidFill>
+        </p:spPr>
+        <p:style>
+          <a:lnRef idx="2">
+            <a:schemeClr val="accent1">
+              <a:shade val="15000"/>
+            </a:schemeClr>
+          </a:lnRef>
+          <a:fillRef idx="1">
+            <a:schemeClr val="accent1"/>
+          </a:fillRef>
+          <a:effectRef idx="0">
+            <a:schemeClr val="accent1"/>
+          </a:effectRef>
+          <a:fontRef idx="minor">
+            <a:schemeClr val="lt1"/>
+          </a:fontRef>
+        </p:style>
+        <p:txBody>
+          <a:bodyPr rtlCol="0" anchor="ctr"/>
+          <a:lstStyle/>
+          <a:p>
+            <a:pPr algn="ctr"/>
+            <a:endParaRPr kumimoji="1" lang="ko-KR" altLang="en-US" sz="1600" dirty="0">
+              <a:solidFill>
+                <a:srgbClr val="FF0000"/>
+              </a:solidFill>
+              <a:latin typeface="Cascadia Code" pitchFamily="49" charset="0"/>
+              <a:cs typeface="Cascadia Code" pitchFamily="49" charset="0"/>
+            </a:endParaRPr>
+          </a:p>
+        </p:txBody>
+      </p:sp>
+      <p:sp>
+        <p:nvSpPr>
+          <p:cNvPr id="9" name="TextBox 8">
+            <a:extLst>
+              <a:ext uri="{FF2B5EF4-FFF2-40B4-BE49-F238E27FC236}">
+                <a16:creationId xmlns:a16="http://schemas.microsoft.com/office/drawing/2014/main" id="{72738311-484F-2AE4-9D83-EAC231DE5AA5}"/>
+              </a:ext>
+            </a:extLst>
+          </p:cNvPr>
+          <p:cNvSpPr txBox="1"/>
+          <p:nvPr/>
+        </p:nvSpPr>
+        <p:spPr>
+          <a:xfrm>
+            <a:off x="5013728" y="5026115"/>
+            <a:ext cx="236220" cy="338554"/>
+          </a:xfrm>
+          <a:prstGeom prst="rect">
+            <a:avLst/>
+          </a:prstGeom>
+          <a:noFill/>
+        </p:spPr>
+        <p:txBody>
+          <a:bodyPr wrap="square" rtlCol="0">
+            <a:spAutoFit/>
+          </a:bodyPr>
+          <a:lstStyle/>
+          <a:p>
+            <a:pPr algn="ctr"/>
+            <a:r>
+              <a:rPr kumimoji="1" lang="en-US" altLang="ko-KR" sz="1600" dirty="0">
+                <a:latin typeface="Cascadia Code" pitchFamily="49" charset="0"/>
+                <a:ea typeface="Cascadia Code" pitchFamily="49" charset="0"/>
+                <a:cs typeface="Cascadia Code" pitchFamily="49" charset="0"/>
+              </a:rPr>
+              <a:t>y</a:t>
+            </a:r>
+            <a:endParaRPr kumimoji="1" lang="ko-KR" altLang="en-US" sz="1600" dirty="0">
+              <a:latin typeface="Cascadia Code" pitchFamily="49" charset="0"/>
+              <a:ea typeface="Cascadia Code" pitchFamily="49" charset="0"/>
+              <a:cs typeface="Cascadia Code" pitchFamily="49" charset="0"/>
+            </a:endParaRPr>
+          </a:p>
+        </p:txBody>
+      </p:sp>
+      <p:sp>
+        <p:nvSpPr>
+          <p:cNvPr id="10" name="TextBox 9">
+            <a:extLst>
+              <a:ext uri="{FF2B5EF4-FFF2-40B4-BE49-F238E27FC236}">
+                <a16:creationId xmlns:a16="http://schemas.microsoft.com/office/drawing/2014/main" id="{DA5AE5A1-8719-6C4B-370B-31E476F7D442}"/>
+              </a:ext>
+            </a:extLst>
+          </p:cNvPr>
+          <p:cNvSpPr txBox="1"/>
+          <p:nvPr/>
+        </p:nvSpPr>
+        <p:spPr>
+          <a:xfrm>
+            <a:off x="5387339" y="3884596"/>
+            <a:ext cx="906317" cy="369332"/>
+          </a:xfrm>
+          <a:prstGeom prst="rect">
+            <a:avLst/>
+          </a:prstGeom>
+          <a:noFill/>
+        </p:spPr>
+        <p:txBody>
+          <a:bodyPr wrap="square">
+            <a:spAutoFit/>
+          </a:bodyPr>
+          <a:lstStyle/>
+          <a:p>
+            <a:pPr algn="ctr"/>
+            <a:r>
+              <a:rPr lang="ko-KR" altLang="en-US" dirty="0">
+                <a:latin typeface="Cascadia Code" pitchFamily="49" charset="0"/>
+                <a:cs typeface="Cascadia Code" pitchFamily="49" charset="0"/>
+              </a:rPr>
+              <a:t>pt1</a:t>
+            </a:r>
+            <a:endParaRPr lang="ko-KR" altLang="en-US" dirty="0"/>
+          </a:p>
+        </p:txBody>
+      </p:sp>
+      <p:sp>
+        <p:nvSpPr>
+          <p:cNvPr id="11" name="직사각형 10">
+            <a:extLst>
+              <a:ext uri="{FF2B5EF4-FFF2-40B4-BE49-F238E27FC236}">
+                <a16:creationId xmlns:a16="http://schemas.microsoft.com/office/drawing/2014/main" id="{7155CB18-EE4F-24C0-F1B5-7699DED820C9}"/>
+              </a:ext>
+            </a:extLst>
+          </p:cNvPr>
+          <p:cNvSpPr/>
+          <p:nvPr/>
+        </p:nvSpPr>
+        <p:spPr>
+          <a:xfrm>
+            <a:off x="8120610" y="4253928"/>
+            <a:ext cx="1120140" cy="610463"/>
+          </a:xfrm>
+          <a:prstGeom prst="rect">
+            <a:avLst/>
+          </a:prstGeom>
+          <a:solidFill>
+            <a:srgbClr val="FFFF00"/>
+          </a:solidFill>
+        </p:spPr>
+        <p:style>
+          <a:lnRef idx="2">
+            <a:schemeClr val="accent1">
+              <a:shade val="15000"/>
+            </a:schemeClr>
+          </a:lnRef>
+          <a:fillRef idx="1">
+            <a:schemeClr val="accent1"/>
+          </a:fillRef>
+          <a:effectRef idx="0">
+            <a:schemeClr val="accent1"/>
+          </a:effectRef>
+          <a:fontRef idx="minor">
+            <a:schemeClr val="lt1"/>
+          </a:fontRef>
+        </p:style>
+        <p:txBody>
+          <a:bodyPr rtlCol="0" anchor="ctr"/>
+          <a:lstStyle/>
+          <a:p>
+            <a:pPr algn="ctr"/>
+            <a:endParaRPr kumimoji="1" lang="ko-KR" altLang="en-US" sz="1600" dirty="0">
+              <a:solidFill>
+                <a:srgbClr val="FF0000"/>
+              </a:solidFill>
+              <a:latin typeface="Cascadia Code" pitchFamily="49" charset="0"/>
+              <a:cs typeface="Cascadia Code" pitchFamily="49" charset="0"/>
+            </a:endParaRPr>
+          </a:p>
+        </p:txBody>
+      </p:sp>
+      <p:sp>
+        <p:nvSpPr>
+          <p:cNvPr id="12" name="TextBox 11">
+            <a:extLst>
+              <a:ext uri="{FF2B5EF4-FFF2-40B4-BE49-F238E27FC236}">
+                <a16:creationId xmlns:a16="http://schemas.microsoft.com/office/drawing/2014/main" id="{868CE8FC-5B7E-B504-D2AF-2F71FA249F23}"/>
+              </a:ext>
+            </a:extLst>
+          </p:cNvPr>
+          <p:cNvSpPr txBox="1"/>
+          <p:nvPr/>
+        </p:nvSpPr>
+        <p:spPr>
+          <a:xfrm>
+            <a:off x="7853910" y="4389882"/>
+            <a:ext cx="236220" cy="338554"/>
+          </a:xfrm>
+          <a:prstGeom prst="rect">
+            <a:avLst/>
+          </a:prstGeom>
+          <a:noFill/>
+        </p:spPr>
+        <p:txBody>
+          <a:bodyPr wrap="square" rtlCol="0">
+            <a:spAutoFit/>
+          </a:bodyPr>
+          <a:lstStyle/>
+          <a:p>
+            <a:pPr algn="ctr"/>
+            <a:r>
+              <a:rPr kumimoji="1" lang="en-US" altLang="ko-KR" sz="1600" dirty="0">
+                <a:latin typeface="Cascadia Code" pitchFamily="49" charset="0"/>
+                <a:ea typeface="Cascadia Code" pitchFamily="49" charset="0"/>
+                <a:cs typeface="Cascadia Code" pitchFamily="49" charset="0"/>
+              </a:rPr>
+              <a:t>x</a:t>
+            </a:r>
+            <a:endParaRPr kumimoji="1" lang="ko-KR" altLang="en-US" sz="1600" dirty="0">
+              <a:latin typeface="Cascadia Code" pitchFamily="49" charset="0"/>
+              <a:ea typeface="Cascadia Code" pitchFamily="49" charset="0"/>
+              <a:cs typeface="Cascadia Code" pitchFamily="49" charset="0"/>
+            </a:endParaRPr>
+          </a:p>
+        </p:txBody>
+      </p:sp>
+      <p:sp>
+        <p:nvSpPr>
+          <p:cNvPr id="13" name="직사각형 12">
+            <a:extLst>
+              <a:ext uri="{FF2B5EF4-FFF2-40B4-BE49-F238E27FC236}">
+                <a16:creationId xmlns:a16="http://schemas.microsoft.com/office/drawing/2014/main" id="{1E9A923E-05E3-E060-E5E8-EF354EF110AF}"/>
+              </a:ext>
+            </a:extLst>
+          </p:cNvPr>
+          <p:cNvSpPr/>
+          <p:nvPr/>
+        </p:nvSpPr>
+        <p:spPr>
+          <a:xfrm>
+            <a:off x="8120610" y="4864391"/>
+            <a:ext cx="1120140" cy="610463"/>
+          </a:xfrm>
+          <a:prstGeom prst="rect">
+            <a:avLst/>
+          </a:prstGeom>
+          <a:solidFill>
+            <a:srgbClr val="FFFF00"/>
+          </a:solidFill>
+        </p:spPr>
+        <p:style>
+          <a:lnRef idx="2">
+            <a:schemeClr val="accent1">
+              <a:shade val="15000"/>
+            </a:schemeClr>
+          </a:lnRef>
+          <a:fillRef idx="1">
+            <a:schemeClr val="accent1"/>
+          </a:fillRef>
+          <a:effectRef idx="0">
+            <a:schemeClr val="accent1"/>
+          </a:effectRef>
+          <a:fontRef idx="minor">
+            <a:schemeClr val="lt1"/>
+          </a:fontRef>
+        </p:style>
+        <p:txBody>
+          <a:bodyPr rtlCol="0" anchor="ctr"/>
+          <a:lstStyle/>
+          <a:p>
+            <a:pPr algn="ctr"/>
+            <a:endParaRPr kumimoji="1" lang="ko-KR" altLang="en-US" sz="1600" dirty="0">
+              <a:solidFill>
+                <a:srgbClr val="FF0000"/>
+              </a:solidFill>
+              <a:latin typeface="Cascadia Code" pitchFamily="49" charset="0"/>
+              <a:cs typeface="Cascadia Code" pitchFamily="49" charset="0"/>
+            </a:endParaRPr>
+          </a:p>
+        </p:txBody>
+      </p:sp>
+      <p:sp>
+        <p:nvSpPr>
+          <p:cNvPr id="14" name="TextBox 13">
+            <a:extLst>
+              <a:ext uri="{FF2B5EF4-FFF2-40B4-BE49-F238E27FC236}">
+                <a16:creationId xmlns:a16="http://schemas.microsoft.com/office/drawing/2014/main" id="{78C77A4A-1DD4-2FAA-0A96-3DD6DEB52EFA}"/>
+              </a:ext>
+            </a:extLst>
+          </p:cNvPr>
+          <p:cNvSpPr txBox="1"/>
+          <p:nvPr/>
+        </p:nvSpPr>
+        <p:spPr>
+          <a:xfrm>
+            <a:off x="7853910" y="5000345"/>
+            <a:ext cx="236220" cy="338554"/>
+          </a:xfrm>
+          <a:prstGeom prst="rect">
+            <a:avLst/>
+          </a:prstGeom>
+          <a:noFill/>
+        </p:spPr>
+        <p:txBody>
+          <a:bodyPr wrap="square" rtlCol="0">
+            <a:spAutoFit/>
+          </a:bodyPr>
+          <a:lstStyle/>
+          <a:p>
+            <a:pPr algn="ctr"/>
+            <a:r>
+              <a:rPr kumimoji="1" lang="en-US" altLang="ko-KR" sz="1600" dirty="0">
+                <a:latin typeface="Cascadia Code" pitchFamily="49" charset="0"/>
+                <a:ea typeface="Cascadia Code" pitchFamily="49" charset="0"/>
+                <a:cs typeface="Cascadia Code" pitchFamily="49" charset="0"/>
+              </a:rPr>
+              <a:t>y</a:t>
+            </a:r>
+            <a:endParaRPr kumimoji="1" lang="ko-KR" altLang="en-US" sz="1600" dirty="0">
+              <a:latin typeface="Cascadia Code" pitchFamily="49" charset="0"/>
+              <a:ea typeface="Cascadia Code" pitchFamily="49" charset="0"/>
+              <a:cs typeface="Cascadia Code" pitchFamily="49" charset="0"/>
+            </a:endParaRPr>
+          </a:p>
+        </p:txBody>
+      </p:sp>
+      <p:sp>
+        <p:nvSpPr>
+          <p:cNvPr id="15" name="TextBox 14">
+            <a:extLst>
+              <a:ext uri="{FF2B5EF4-FFF2-40B4-BE49-F238E27FC236}">
+                <a16:creationId xmlns:a16="http://schemas.microsoft.com/office/drawing/2014/main" id="{833398FA-38CF-1711-73F5-519DB15760C9}"/>
+              </a:ext>
+            </a:extLst>
+          </p:cNvPr>
+          <p:cNvSpPr txBox="1"/>
+          <p:nvPr/>
+        </p:nvSpPr>
+        <p:spPr>
+          <a:xfrm>
+            <a:off x="8227521" y="3858826"/>
+            <a:ext cx="906317" cy="369332"/>
+          </a:xfrm>
+          <a:prstGeom prst="rect">
+            <a:avLst/>
+          </a:prstGeom>
+          <a:noFill/>
+        </p:spPr>
+        <p:txBody>
+          <a:bodyPr wrap="square">
+            <a:spAutoFit/>
+          </a:bodyPr>
+          <a:lstStyle/>
+          <a:p>
+            <a:pPr algn="ctr"/>
+            <a:r>
+              <a:rPr lang="ko-KR" altLang="en-US" dirty="0" err="1">
+                <a:latin typeface="Cascadia Code" pitchFamily="49" charset="0"/>
+                <a:cs typeface="Cascadia Code" pitchFamily="49" charset="0"/>
+              </a:rPr>
+              <a:t>pt</a:t>
+            </a:r>
+            <a:r>
+              <a:rPr lang="en-US" altLang="ko-KR" dirty="0">
+                <a:latin typeface="Cascadia Code" pitchFamily="49" charset="0"/>
+                <a:cs typeface="Cascadia Code" pitchFamily="49" charset="0"/>
+              </a:rPr>
+              <a:t>2</a:t>
+            </a:r>
+            <a:endParaRPr lang="ko-KR" altLang="en-US" dirty="0"/>
+          </a:p>
+        </p:txBody>
+      </p:sp>
+      <p:sp>
+        <p:nvSpPr>
+          <p:cNvPr id="3" name="TextBox 2">
+            <a:extLst>
+              <a:ext uri="{FF2B5EF4-FFF2-40B4-BE49-F238E27FC236}">
+                <a16:creationId xmlns:a16="http://schemas.microsoft.com/office/drawing/2014/main" id="{76E2CC32-54AE-85F3-EB07-264C01ED1231}"/>
+              </a:ext>
+            </a:extLst>
+          </p:cNvPr>
+          <p:cNvSpPr txBox="1"/>
+          <p:nvPr/>
+        </p:nvSpPr>
+        <p:spPr>
+          <a:xfrm>
+            <a:off x="4113759" y="2212193"/>
+            <a:ext cx="3453475" cy="1477328"/>
+          </a:xfrm>
+          <a:prstGeom prst="rect">
+            <a:avLst/>
+          </a:prstGeom>
+          <a:noFill/>
+        </p:spPr>
+        <p:txBody>
+          <a:bodyPr wrap="square">
+            <a:spAutoFit/>
+          </a:bodyPr>
+          <a:lstStyle/>
+          <a:p>
+            <a:r>
+              <a:rPr lang="ko-KR" altLang="en-US" sz="1800" dirty="0" err="1">
+                <a:latin typeface="Cascadia Code" pitchFamily="49" charset="0"/>
+                <a:cs typeface="Cascadia Code" pitchFamily="49" charset="0"/>
+              </a:rPr>
+              <a:t>void</a:t>
+            </a:r>
+            <a:r>
+              <a:rPr lang="ko-KR" altLang="en-US" sz="1800" dirty="0">
+                <a:latin typeface="Cascadia Code" pitchFamily="49" charset="0"/>
+                <a:cs typeface="Cascadia Code" pitchFamily="49" charset="0"/>
+              </a:rPr>
+              <a:t> </a:t>
+            </a:r>
+            <a:r>
+              <a:rPr lang="ko-KR" altLang="en-US" sz="1800" dirty="0" err="1">
+                <a:latin typeface="Cascadia Code" pitchFamily="49" charset="0"/>
+                <a:cs typeface="Cascadia Code" pitchFamily="49" charset="0"/>
+              </a:rPr>
+              <a:t>Set</a:t>
+            </a:r>
+            <a:r>
+              <a:rPr lang="ko-KR" altLang="en-US" sz="1800" dirty="0">
+                <a:latin typeface="Cascadia Code" pitchFamily="49" charset="0"/>
+                <a:cs typeface="Cascadia Code" pitchFamily="49" charset="0"/>
+              </a:rPr>
+              <a:t>(</a:t>
+            </a:r>
+            <a:r>
+              <a:rPr lang="ko-KR" altLang="en-US" sz="1800" dirty="0" err="1">
+                <a:latin typeface="Cascadia Code" pitchFamily="49" charset="0"/>
+                <a:cs typeface="Cascadia Code" pitchFamily="49" charset="0"/>
+              </a:rPr>
+              <a:t>int</a:t>
+            </a:r>
+            <a:r>
+              <a:rPr lang="ko-KR" altLang="en-US" sz="1800" dirty="0">
+                <a:latin typeface="Cascadia Code" pitchFamily="49" charset="0"/>
+                <a:cs typeface="Cascadia Code" pitchFamily="49" charset="0"/>
+              </a:rPr>
+              <a:t> </a:t>
+            </a:r>
+            <a:r>
+              <a:rPr lang="ko-KR" altLang="en-US" sz="1800" dirty="0" err="1">
+                <a:latin typeface="Cascadia Code" pitchFamily="49" charset="0"/>
+                <a:cs typeface="Cascadia Code" pitchFamily="49" charset="0"/>
+              </a:rPr>
+              <a:t>a</a:t>
+            </a:r>
+            <a:r>
+              <a:rPr lang="ko-KR" altLang="en-US" sz="1800" dirty="0">
+                <a:latin typeface="Cascadia Code" pitchFamily="49" charset="0"/>
+                <a:cs typeface="Cascadia Code" pitchFamily="49" charset="0"/>
+              </a:rPr>
+              <a:t>, </a:t>
+            </a:r>
+            <a:r>
+              <a:rPr lang="ko-KR" altLang="en-US" sz="1800" dirty="0" err="1">
+                <a:latin typeface="Cascadia Code" pitchFamily="49" charset="0"/>
+                <a:cs typeface="Cascadia Code" pitchFamily="49" charset="0"/>
+              </a:rPr>
+              <a:t>int</a:t>
+            </a:r>
+            <a:r>
+              <a:rPr lang="ko-KR" altLang="en-US" sz="1800" dirty="0">
+                <a:latin typeface="Cascadia Code" pitchFamily="49" charset="0"/>
+                <a:cs typeface="Cascadia Code" pitchFamily="49" charset="0"/>
+              </a:rPr>
+              <a:t> </a:t>
+            </a:r>
+            <a:r>
+              <a:rPr lang="ko-KR" altLang="en-US" sz="1800" dirty="0" err="1">
+                <a:latin typeface="Cascadia Code" pitchFamily="49" charset="0"/>
+                <a:cs typeface="Cascadia Code" pitchFamily="49" charset="0"/>
+              </a:rPr>
+              <a:t>b</a:t>
+            </a:r>
+            <a:r>
+              <a:rPr lang="ko-KR" altLang="en-US" sz="1800" dirty="0">
+                <a:latin typeface="Cascadia Code" pitchFamily="49" charset="0"/>
+                <a:cs typeface="Cascadia Code" pitchFamily="49" charset="0"/>
+              </a:rPr>
+              <a:t>)</a:t>
+            </a:r>
+          </a:p>
+          <a:p>
+            <a:r>
+              <a:rPr lang="ko-KR" altLang="en-US" sz="1800" dirty="0">
+                <a:latin typeface="Cascadia Code" pitchFamily="49" charset="0"/>
+                <a:cs typeface="Cascadia Code" pitchFamily="49" charset="0"/>
+              </a:rPr>
+              <a:t>{</a:t>
+            </a:r>
+          </a:p>
+          <a:p>
+            <a:r>
+              <a:rPr lang="ko-KR" altLang="en-US" sz="1800" dirty="0">
+                <a:latin typeface="Cascadia Code" pitchFamily="49" charset="0"/>
+                <a:cs typeface="Cascadia Code" pitchFamily="49" charset="0"/>
+              </a:rPr>
+              <a:t>    </a:t>
+            </a:r>
+            <a:r>
+              <a:rPr lang="ko-KR" altLang="en-US" sz="1800" dirty="0" err="1">
+                <a:latin typeface="Cascadia Code" pitchFamily="49" charset="0"/>
+                <a:cs typeface="Cascadia Code" pitchFamily="49" charset="0"/>
+              </a:rPr>
+              <a:t>x</a:t>
+            </a:r>
+            <a:r>
+              <a:rPr lang="ko-KR" altLang="en-US" sz="1800" dirty="0">
+                <a:latin typeface="Cascadia Code" pitchFamily="49" charset="0"/>
+                <a:cs typeface="Cascadia Code" pitchFamily="49" charset="0"/>
+              </a:rPr>
+              <a:t> = </a:t>
+            </a:r>
+            <a:r>
+              <a:rPr lang="ko-KR" altLang="en-US" sz="1800" dirty="0" err="1">
+                <a:latin typeface="Cascadia Code" pitchFamily="49" charset="0"/>
+                <a:cs typeface="Cascadia Code" pitchFamily="49" charset="0"/>
+              </a:rPr>
+              <a:t>a</a:t>
+            </a:r>
+            <a:r>
+              <a:rPr lang="ko-KR" altLang="en-US" sz="1800" dirty="0">
+                <a:latin typeface="Cascadia Code" pitchFamily="49" charset="0"/>
+                <a:cs typeface="Cascadia Code" pitchFamily="49" charset="0"/>
+              </a:rPr>
+              <a:t>;</a:t>
+            </a:r>
+          </a:p>
+          <a:p>
+            <a:r>
+              <a:rPr lang="ko-KR" altLang="en-US" sz="1800" dirty="0">
+                <a:latin typeface="Cascadia Code" pitchFamily="49" charset="0"/>
+                <a:cs typeface="Cascadia Code" pitchFamily="49" charset="0"/>
+              </a:rPr>
+              <a:t>    </a:t>
+            </a:r>
+            <a:r>
+              <a:rPr lang="ko-KR" altLang="en-US" sz="1800" dirty="0" err="1">
+                <a:latin typeface="Cascadia Code" pitchFamily="49" charset="0"/>
+                <a:cs typeface="Cascadia Code" pitchFamily="49" charset="0"/>
+              </a:rPr>
+              <a:t>y</a:t>
+            </a:r>
+            <a:r>
+              <a:rPr lang="ko-KR" altLang="en-US" sz="1800" dirty="0">
+                <a:latin typeface="Cascadia Code" pitchFamily="49" charset="0"/>
+                <a:cs typeface="Cascadia Code" pitchFamily="49" charset="0"/>
+              </a:rPr>
+              <a:t> = </a:t>
+            </a:r>
+            <a:r>
+              <a:rPr lang="ko-KR" altLang="en-US" sz="1800" dirty="0" err="1">
+                <a:latin typeface="Cascadia Code" pitchFamily="49" charset="0"/>
+                <a:cs typeface="Cascadia Code" pitchFamily="49" charset="0"/>
+              </a:rPr>
+              <a:t>b</a:t>
+            </a:r>
+            <a:r>
+              <a:rPr lang="ko-KR" altLang="en-US" sz="1800" dirty="0">
+                <a:latin typeface="Cascadia Code" pitchFamily="49" charset="0"/>
+                <a:cs typeface="Cascadia Code" pitchFamily="49" charset="0"/>
+              </a:rPr>
+              <a:t>;</a:t>
+            </a:r>
+          </a:p>
+          <a:p>
+            <a:r>
+              <a:rPr lang="ko-KR" altLang="en-US" sz="1800" dirty="0">
+                <a:latin typeface="Cascadia Code" pitchFamily="49" charset="0"/>
+                <a:cs typeface="Cascadia Code" pitchFamily="49" charset="0"/>
+              </a:rPr>
+              <a:t>}</a:t>
+            </a:r>
+            <a:endParaRPr lang="ko-KR" altLang="en-US" dirty="0"/>
+          </a:p>
+        </p:txBody>
+      </p:sp>
+      <p:sp>
+        <p:nvSpPr>
+          <p:cNvPr id="4" name="TextBox 3">
+            <a:extLst>
+              <a:ext uri="{FF2B5EF4-FFF2-40B4-BE49-F238E27FC236}">
+                <a16:creationId xmlns:a16="http://schemas.microsoft.com/office/drawing/2014/main" id="{7ACFAF94-40BD-5FF7-8C5E-16549E103AD5}"/>
+              </a:ext>
+            </a:extLst>
+          </p:cNvPr>
+          <p:cNvSpPr txBox="1"/>
+          <p:nvPr/>
+        </p:nvSpPr>
+        <p:spPr>
+          <a:xfrm>
+            <a:off x="7567234" y="2173828"/>
+            <a:ext cx="3453475" cy="1477328"/>
+          </a:xfrm>
+          <a:prstGeom prst="rect">
+            <a:avLst/>
+          </a:prstGeom>
+          <a:noFill/>
+        </p:spPr>
+        <p:txBody>
+          <a:bodyPr wrap="square">
+            <a:spAutoFit/>
+          </a:bodyPr>
+          <a:lstStyle/>
+          <a:p>
+            <a:r>
+              <a:rPr lang="ko-KR" altLang="en-US" sz="1800" dirty="0" err="1">
+                <a:latin typeface="Cascadia Code" pitchFamily="49" charset="0"/>
+                <a:cs typeface="Cascadia Code" pitchFamily="49" charset="0"/>
+              </a:rPr>
+              <a:t>void</a:t>
+            </a:r>
+            <a:r>
+              <a:rPr lang="ko-KR" altLang="en-US" sz="1800" dirty="0">
+                <a:latin typeface="Cascadia Code" pitchFamily="49" charset="0"/>
+                <a:cs typeface="Cascadia Code" pitchFamily="49" charset="0"/>
+              </a:rPr>
+              <a:t> </a:t>
+            </a:r>
+            <a:r>
+              <a:rPr lang="ko-KR" altLang="en-US" sz="1800" dirty="0" err="1">
+                <a:latin typeface="Cascadia Code" pitchFamily="49" charset="0"/>
+                <a:cs typeface="Cascadia Code" pitchFamily="49" charset="0"/>
+              </a:rPr>
+              <a:t>Set</a:t>
+            </a:r>
+            <a:r>
+              <a:rPr lang="ko-KR" altLang="en-US" sz="1800" dirty="0">
+                <a:latin typeface="Cascadia Code" pitchFamily="49" charset="0"/>
+                <a:cs typeface="Cascadia Code" pitchFamily="49" charset="0"/>
+              </a:rPr>
+              <a:t>(</a:t>
+            </a:r>
+            <a:r>
+              <a:rPr lang="ko-KR" altLang="en-US" sz="1800" dirty="0" err="1">
+                <a:latin typeface="Cascadia Code" pitchFamily="49" charset="0"/>
+                <a:cs typeface="Cascadia Code" pitchFamily="49" charset="0"/>
+              </a:rPr>
+              <a:t>int</a:t>
+            </a:r>
+            <a:r>
+              <a:rPr lang="ko-KR" altLang="en-US" sz="1800" dirty="0">
+                <a:latin typeface="Cascadia Code" pitchFamily="49" charset="0"/>
+                <a:cs typeface="Cascadia Code" pitchFamily="49" charset="0"/>
+              </a:rPr>
+              <a:t> </a:t>
+            </a:r>
+            <a:r>
+              <a:rPr lang="ko-KR" altLang="en-US" sz="1800" dirty="0" err="1">
+                <a:latin typeface="Cascadia Code" pitchFamily="49" charset="0"/>
+                <a:cs typeface="Cascadia Code" pitchFamily="49" charset="0"/>
+              </a:rPr>
+              <a:t>a</a:t>
+            </a:r>
+            <a:r>
+              <a:rPr lang="ko-KR" altLang="en-US" sz="1800" dirty="0">
+                <a:latin typeface="Cascadia Code" pitchFamily="49" charset="0"/>
+                <a:cs typeface="Cascadia Code" pitchFamily="49" charset="0"/>
+              </a:rPr>
+              <a:t>, </a:t>
+            </a:r>
+            <a:r>
+              <a:rPr lang="ko-KR" altLang="en-US" sz="1800" dirty="0" err="1">
+                <a:latin typeface="Cascadia Code" pitchFamily="49" charset="0"/>
+                <a:cs typeface="Cascadia Code" pitchFamily="49" charset="0"/>
+              </a:rPr>
+              <a:t>int</a:t>
+            </a:r>
+            <a:r>
+              <a:rPr lang="ko-KR" altLang="en-US" sz="1800" dirty="0">
+                <a:latin typeface="Cascadia Code" pitchFamily="49" charset="0"/>
+                <a:cs typeface="Cascadia Code" pitchFamily="49" charset="0"/>
+              </a:rPr>
+              <a:t> </a:t>
+            </a:r>
+            <a:r>
+              <a:rPr lang="ko-KR" altLang="en-US" sz="1800" dirty="0" err="1">
+                <a:latin typeface="Cascadia Code" pitchFamily="49" charset="0"/>
+                <a:cs typeface="Cascadia Code" pitchFamily="49" charset="0"/>
+              </a:rPr>
+              <a:t>b</a:t>
+            </a:r>
+            <a:r>
+              <a:rPr lang="ko-KR" altLang="en-US" sz="1800" dirty="0">
+                <a:latin typeface="Cascadia Code" pitchFamily="49" charset="0"/>
+                <a:cs typeface="Cascadia Code" pitchFamily="49" charset="0"/>
+              </a:rPr>
+              <a:t>)</a:t>
+            </a:r>
+          </a:p>
+          <a:p>
+            <a:r>
+              <a:rPr lang="ko-KR" altLang="en-US" sz="1800" dirty="0">
+                <a:latin typeface="Cascadia Code" pitchFamily="49" charset="0"/>
+                <a:cs typeface="Cascadia Code" pitchFamily="49" charset="0"/>
+              </a:rPr>
+              <a:t>{</a:t>
+            </a:r>
+          </a:p>
+          <a:p>
+            <a:r>
+              <a:rPr lang="ko-KR" altLang="en-US" sz="1800" dirty="0">
+                <a:latin typeface="Cascadia Code" pitchFamily="49" charset="0"/>
+                <a:cs typeface="Cascadia Code" pitchFamily="49" charset="0"/>
+              </a:rPr>
+              <a:t>    </a:t>
+            </a:r>
+            <a:r>
+              <a:rPr lang="ko-KR" altLang="en-US" sz="1800" dirty="0" err="1">
+                <a:latin typeface="Cascadia Code" pitchFamily="49" charset="0"/>
+                <a:cs typeface="Cascadia Code" pitchFamily="49" charset="0"/>
+              </a:rPr>
+              <a:t>x</a:t>
+            </a:r>
+            <a:r>
+              <a:rPr lang="ko-KR" altLang="en-US" sz="1800" dirty="0">
+                <a:latin typeface="Cascadia Code" pitchFamily="49" charset="0"/>
+                <a:cs typeface="Cascadia Code" pitchFamily="49" charset="0"/>
+              </a:rPr>
+              <a:t> = </a:t>
+            </a:r>
+            <a:r>
+              <a:rPr lang="ko-KR" altLang="en-US" sz="1800" dirty="0" err="1">
+                <a:latin typeface="Cascadia Code" pitchFamily="49" charset="0"/>
+                <a:cs typeface="Cascadia Code" pitchFamily="49" charset="0"/>
+              </a:rPr>
+              <a:t>a</a:t>
+            </a:r>
+            <a:r>
+              <a:rPr lang="ko-KR" altLang="en-US" sz="1800" dirty="0">
+                <a:latin typeface="Cascadia Code" pitchFamily="49" charset="0"/>
+                <a:cs typeface="Cascadia Code" pitchFamily="49" charset="0"/>
+              </a:rPr>
+              <a:t>;</a:t>
+            </a:r>
+          </a:p>
+          <a:p>
+            <a:r>
+              <a:rPr lang="ko-KR" altLang="en-US" sz="1800" dirty="0">
+                <a:latin typeface="Cascadia Code" pitchFamily="49" charset="0"/>
+                <a:cs typeface="Cascadia Code" pitchFamily="49" charset="0"/>
+              </a:rPr>
+              <a:t>    </a:t>
+            </a:r>
+            <a:r>
+              <a:rPr lang="ko-KR" altLang="en-US" sz="1800" dirty="0" err="1">
+                <a:latin typeface="Cascadia Code" pitchFamily="49" charset="0"/>
+                <a:cs typeface="Cascadia Code" pitchFamily="49" charset="0"/>
+              </a:rPr>
+              <a:t>y</a:t>
+            </a:r>
+            <a:r>
+              <a:rPr lang="ko-KR" altLang="en-US" sz="1800" dirty="0">
+                <a:latin typeface="Cascadia Code" pitchFamily="49" charset="0"/>
+                <a:cs typeface="Cascadia Code" pitchFamily="49" charset="0"/>
+              </a:rPr>
+              <a:t> = </a:t>
+            </a:r>
+            <a:r>
+              <a:rPr lang="ko-KR" altLang="en-US" sz="1800" dirty="0" err="1">
+                <a:latin typeface="Cascadia Code" pitchFamily="49" charset="0"/>
+                <a:cs typeface="Cascadia Code" pitchFamily="49" charset="0"/>
+              </a:rPr>
+              <a:t>b</a:t>
+            </a:r>
+            <a:r>
+              <a:rPr lang="ko-KR" altLang="en-US" sz="1800" dirty="0">
+                <a:latin typeface="Cascadia Code" pitchFamily="49" charset="0"/>
+                <a:cs typeface="Cascadia Code" pitchFamily="49" charset="0"/>
+              </a:rPr>
+              <a:t>;</a:t>
+            </a:r>
+          </a:p>
+          <a:p>
+            <a:r>
+              <a:rPr lang="ko-KR" altLang="en-US" sz="1800" dirty="0">
+                <a:latin typeface="Cascadia Code" pitchFamily="49" charset="0"/>
+                <a:cs typeface="Cascadia Code" pitchFamily="49" charset="0"/>
+              </a:rPr>
+              <a:t>}</a:t>
+            </a:r>
+            <a:endParaRPr lang="ko-KR" altLang="en-US" dirty="0"/>
+          </a:p>
+        </p:txBody>
+      </p:sp>
+    </p:spTree>
+    <p:extLst>
+      <p:ext uri="{BB962C8B-B14F-4D97-AF65-F5344CB8AC3E}">
+        <p14:creationId xmlns:p14="http://schemas.microsoft.com/office/powerpoint/2010/main" val="790842297"/>
+      </p:ext>
+    </p:extLst>
+  </p:cSld>
+  <p:clrMapOvr>
+    <a:masterClrMapping/>
+  </p:clrMapOvr>
+</p:sld>
+</file>
+
+<file path=ppt/slides/slide22.xml><?xml version="1.0" encoding="utf-8"?>
+<p:sld xmlns:a="http://schemas.openxmlformats.org/drawingml/2006/main" xmlns:r="http://schemas.openxmlformats.org/officeDocument/2006/relationships" xmlns:p="http://schemas.openxmlformats.org/presentationml/2006/main">
+  <p:cSld>
+    <p:spTree>
+      <p:nvGrpSpPr>
+        <p:cNvPr id="1" name=""/>
+        <p:cNvGrpSpPr/>
+        <p:nvPr/>
+      </p:nvGrpSpPr>
+      <p:grpSpPr>
+        <a:xfrm>
+          <a:off x="0" y="0"/>
+          <a:ext cx="0" cy="0"/>
+          <a:chOff x="0" y="0"/>
+          <a:chExt cx="0" cy="0"/>
+        </a:xfrm>
+      </p:grpSpPr>
+      <p:sp>
+        <p:nvSpPr>
+          <p:cNvPr id="5" name="TextBox 4">
+            <a:extLst>
+              <a:ext uri="{FF2B5EF4-FFF2-40B4-BE49-F238E27FC236}">
+                <a16:creationId xmlns:a16="http://schemas.microsoft.com/office/drawing/2014/main" id="{E94142E9-8ECF-CA02-32B6-E4500B24CE62}"/>
+              </a:ext>
+            </a:extLst>
+          </p:cNvPr>
+          <p:cNvSpPr txBox="1"/>
+          <p:nvPr/>
+        </p:nvSpPr>
+        <p:spPr>
+          <a:xfrm>
+            <a:off x="443345" y="421144"/>
+            <a:ext cx="3628046" cy="4924425"/>
+          </a:xfrm>
+          <a:prstGeom prst="rect">
+            <a:avLst/>
+          </a:prstGeom>
+          <a:noFill/>
+        </p:spPr>
+        <p:txBody>
+          <a:bodyPr wrap="square">
+            <a:spAutoFit/>
+          </a:bodyPr>
+          <a:lstStyle/>
+          <a:p>
+            <a:r>
+              <a:rPr lang="ko-KR" altLang="en-US" sz="1600" dirty="0" err="1">
+                <a:latin typeface="Cascadia Code" pitchFamily="49" charset="0"/>
+                <a:cs typeface="Cascadia Code" pitchFamily="49" charset="0"/>
+              </a:rPr>
+              <a:t>class</a:t>
+            </a:r>
+            <a:r>
+              <a:rPr lang="ko-KR" altLang="en-US" sz="1600" dirty="0">
+                <a:latin typeface="Cascadia Code" pitchFamily="49" charset="0"/>
+                <a:cs typeface="Cascadia Code" pitchFamily="49" charset="0"/>
+              </a:rPr>
+              <a:t> </a:t>
+            </a:r>
+            <a:r>
+              <a:rPr lang="ko-KR" altLang="en-US" sz="1600" dirty="0" err="1">
+                <a:latin typeface="Cascadia Code" pitchFamily="49" charset="0"/>
+                <a:cs typeface="Cascadia Code" pitchFamily="49" charset="0"/>
+              </a:rPr>
+              <a:t>Point</a:t>
+            </a:r>
+            <a:r>
+              <a:rPr lang="ko-KR" altLang="en-US" sz="1600" dirty="0">
+                <a:latin typeface="Cascadia Code" pitchFamily="49" charset="0"/>
+                <a:cs typeface="Cascadia Code" pitchFamily="49" charset="0"/>
+              </a:rPr>
+              <a:t> {</a:t>
+            </a:r>
+          </a:p>
+          <a:p>
+            <a:r>
+              <a:rPr lang="ko-KR" altLang="en-US" sz="1600" dirty="0">
+                <a:latin typeface="Cascadia Code" pitchFamily="49" charset="0"/>
+                <a:cs typeface="Cascadia Code" pitchFamily="49" charset="0"/>
+              </a:rPr>
+              <a:t>    </a:t>
+            </a:r>
+            <a:r>
+              <a:rPr lang="ko-KR" altLang="en-US" sz="1600" dirty="0" err="1">
+                <a:latin typeface="Cascadia Code" pitchFamily="49" charset="0"/>
+                <a:cs typeface="Cascadia Code" pitchFamily="49" charset="0"/>
+              </a:rPr>
+              <a:t>int</a:t>
+            </a:r>
+            <a:r>
+              <a:rPr lang="ko-KR" altLang="en-US" sz="1600" dirty="0">
+                <a:latin typeface="Cascadia Code" pitchFamily="49" charset="0"/>
+                <a:cs typeface="Cascadia Code" pitchFamily="49" charset="0"/>
+              </a:rPr>
+              <a:t> </a:t>
+            </a:r>
+            <a:r>
+              <a:rPr lang="ko-KR" altLang="en-US" sz="1600" dirty="0" err="1">
+                <a:latin typeface="Cascadia Code" pitchFamily="49" charset="0"/>
+                <a:cs typeface="Cascadia Code" pitchFamily="49" charset="0"/>
+              </a:rPr>
+              <a:t>x</a:t>
+            </a:r>
+            <a:r>
+              <a:rPr lang="ko-KR" altLang="en-US" sz="1600" dirty="0">
+                <a:latin typeface="Cascadia Code" pitchFamily="49" charset="0"/>
+                <a:cs typeface="Cascadia Code" pitchFamily="49" charset="0"/>
+              </a:rPr>
+              <a:t>;</a:t>
+            </a:r>
+          </a:p>
+          <a:p>
+            <a:r>
+              <a:rPr lang="ko-KR" altLang="en-US" sz="1600" dirty="0">
+                <a:latin typeface="Cascadia Code" pitchFamily="49" charset="0"/>
+                <a:cs typeface="Cascadia Code" pitchFamily="49" charset="0"/>
+              </a:rPr>
+              <a:t>    </a:t>
+            </a:r>
+            <a:r>
+              <a:rPr lang="ko-KR" altLang="en-US" sz="1600" dirty="0" err="1">
+                <a:latin typeface="Cascadia Code" pitchFamily="49" charset="0"/>
+                <a:cs typeface="Cascadia Code" pitchFamily="49" charset="0"/>
+              </a:rPr>
+              <a:t>int</a:t>
+            </a:r>
+            <a:r>
+              <a:rPr lang="ko-KR" altLang="en-US" sz="1600" dirty="0">
+                <a:latin typeface="Cascadia Code" pitchFamily="49" charset="0"/>
+                <a:cs typeface="Cascadia Code" pitchFamily="49" charset="0"/>
+              </a:rPr>
+              <a:t> </a:t>
+            </a:r>
+            <a:r>
+              <a:rPr lang="ko-KR" altLang="en-US" sz="1600" dirty="0" err="1">
+                <a:latin typeface="Cascadia Code" pitchFamily="49" charset="0"/>
+                <a:cs typeface="Cascadia Code" pitchFamily="49" charset="0"/>
+              </a:rPr>
+              <a:t>y</a:t>
+            </a:r>
+            <a:r>
+              <a:rPr lang="ko-KR" altLang="en-US" sz="1600" dirty="0">
+                <a:latin typeface="Cascadia Code" pitchFamily="49" charset="0"/>
+                <a:cs typeface="Cascadia Code" pitchFamily="49" charset="0"/>
+              </a:rPr>
+              <a:t>;</a:t>
+            </a:r>
+          </a:p>
+          <a:p>
+            <a:endParaRPr lang="ko-KR" altLang="en-US" sz="1600" dirty="0">
+              <a:latin typeface="Cascadia Code" pitchFamily="49" charset="0"/>
+              <a:cs typeface="Cascadia Code" pitchFamily="49" charset="0"/>
+            </a:endParaRPr>
+          </a:p>
+          <a:p>
+            <a:r>
+              <a:rPr lang="ko-KR" altLang="en-US" sz="1600" dirty="0" err="1">
+                <a:latin typeface="Cascadia Code" pitchFamily="49" charset="0"/>
+                <a:cs typeface="Cascadia Code" pitchFamily="49" charset="0"/>
+              </a:rPr>
+              <a:t>public</a:t>
+            </a:r>
+            <a:r>
+              <a:rPr lang="ko-KR" altLang="en-US" sz="1600" dirty="0">
+                <a:latin typeface="Cascadia Code" pitchFamily="49" charset="0"/>
+                <a:cs typeface="Cascadia Code" pitchFamily="49" charset="0"/>
+              </a:rPr>
+              <a:t>:</a:t>
+            </a:r>
+          </a:p>
+          <a:p>
+            <a:r>
+              <a:rPr lang="ko-KR" altLang="en-US" sz="1600" dirty="0">
+                <a:latin typeface="Cascadia Code" pitchFamily="49" charset="0"/>
+                <a:cs typeface="Cascadia Code" pitchFamily="49" charset="0"/>
+              </a:rPr>
+              <a:t>    </a:t>
+            </a:r>
+            <a:r>
+              <a:rPr lang="ko-KR" altLang="en-US" sz="1600" dirty="0" err="1">
+                <a:latin typeface="Cascadia Code" pitchFamily="49" charset="0"/>
+                <a:cs typeface="Cascadia Code" pitchFamily="49" charset="0"/>
+              </a:rPr>
+              <a:t>void</a:t>
+            </a:r>
+            <a:r>
+              <a:rPr lang="ko-KR" altLang="en-US" sz="1600" dirty="0">
+                <a:latin typeface="Cascadia Code" pitchFamily="49" charset="0"/>
+                <a:cs typeface="Cascadia Code" pitchFamily="49" charset="0"/>
+              </a:rPr>
+              <a:t> </a:t>
+            </a:r>
+            <a:r>
+              <a:rPr lang="ko-KR" altLang="en-US" sz="1600" dirty="0" err="1">
+                <a:latin typeface="Cascadia Code" pitchFamily="49" charset="0"/>
+                <a:cs typeface="Cascadia Code" pitchFamily="49" charset="0"/>
+              </a:rPr>
+              <a:t>Set</a:t>
+            </a:r>
+            <a:r>
+              <a:rPr lang="ko-KR" altLang="en-US" sz="1600" dirty="0">
+                <a:latin typeface="Cascadia Code" pitchFamily="49" charset="0"/>
+                <a:cs typeface="Cascadia Code" pitchFamily="49" charset="0"/>
+              </a:rPr>
+              <a:t>(</a:t>
+            </a:r>
+            <a:r>
+              <a:rPr lang="ko-KR" altLang="en-US" sz="1600" dirty="0" err="1">
+                <a:latin typeface="Cascadia Code" pitchFamily="49" charset="0"/>
+                <a:cs typeface="Cascadia Code" pitchFamily="49" charset="0"/>
+              </a:rPr>
+              <a:t>int</a:t>
+            </a:r>
+            <a:r>
+              <a:rPr lang="ko-KR" altLang="en-US" sz="1600" dirty="0">
+                <a:latin typeface="Cascadia Code" pitchFamily="49" charset="0"/>
+                <a:cs typeface="Cascadia Code" pitchFamily="49" charset="0"/>
+              </a:rPr>
+              <a:t> </a:t>
+            </a:r>
+            <a:r>
+              <a:rPr lang="ko-KR" altLang="en-US" sz="1600" dirty="0" err="1">
+                <a:latin typeface="Cascadia Code" pitchFamily="49" charset="0"/>
+                <a:cs typeface="Cascadia Code" pitchFamily="49" charset="0"/>
+              </a:rPr>
+              <a:t>a</a:t>
+            </a:r>
+            <a:r>
+              <a:rPr lang="ko-KR" altLang="en-US" sz="1600" dirty="0">
+                <a:latin typeface="Cascadia Code" pitchFamily="49" charset="0"/>
+                <a:cs typeface="Cascadia Code" pitchFamily="49" charset="0"/>
+              </a:rPr>
+              <a:t>, </a:t>
+            </a:r>
+            <a:r>
+              <a:rPr lang="ko-KR" altLang="en-US" sz="1600" dirty="0" err="1">
+                <a:latin typeface="Cascadia Code" pitchFamily="49" charset="0"/>
+                <a:cs typeface="Cascadia Code" pitchFamily="49" charset="0"/>
+              </a:rPr>
+              <a:t>int</a:t>
+            </a:r>
+            <a:r>
+              <a:rPr lang="ko-KR" altLang="en-US" sz="1600" dirty="0">
+                <a:latin typeface="Cascadia Code" pitchFamily="49" charset="0"/>
+                <a:cs typeface="Cascadia Code" pitchFamily="49" charset="0"/>
+              </a:rPr>
+              <a:t> </a:t>
+            </a:r>
+            <a:r>
+              <a:rPr lang="ko-KR" altLang="en-US" sz="1600" dirty="0" err="1">
+                <a:latin typeface="Cascadia Code" pitchFamily="49" charset="0"/>
+                <a:cs typeface="Cascadia Code" pitchFamily="49" charset="0"/>
+              </a:rPr>
+              <a:t>b</a:t>
+            </a:r>
+            <a:r>
+              <a:rPr lang="ko-KR" altLang="en-US" sz="1600" dirty="0">
+                <a:latin typeface="Cascadia Code" pitchFamily="49" charset="0"/>
+                <a:cs typeface="Cascadia Code" pitchFamily="49" charset="0"/>
+              </a:rPr>
+              <a:t>)</a:t>
+            </a:r>
+          </a:p>
+          <a:p>
+            <a:r>
+              <a:rPr lang="ko-KR" altLang="en-US" sz="1600" dirty="0">
+                <a:latin typeface="Cascadia Code" pitchFamily="49" charset="0"/>
+                <a:cs typeface="Cascadia Code" pitchFamily="49" charset="0"/>
+              </a:rPr>
+              <a:t>    {</a:t>
+            </a:r>
+          </a:p>
+          <a:p>
+            <a:r>
+              <a:rPr lang="ko-KR" altLang="en-US" sz="1600" dirty="0">
+                <a:latin typeface="Cascadia Code" pitchFamily="49" charset="0"/>
+                <a:cs typeface="Cascadia Code" pitchFamily="49" charset="0"/>
+              </a:rPr>
+              <a:t>        </a:t>
+            </a:r>
+            <a:r>
+              <a:rPr lang="ko-KR" altLang="en-US" sz="1600" dirty="0" err="1">
+                <a:latin typeface="Cascadia Code" pitchFamily="49" charset="0"/>
+                <a:cs typeface="Cascadia Code" pitchFamily="49" charset="0"/>
+              </a:rPr>
+              <a:t>x</a:t>
+            </a:r>
+            <a:r>
+              <a:rPr lang="ko-KR" altLang="en-US" sz="1600" dirty="0">
+                <a:latin typeface="Cascadia Code" pitchFamily="49" charset="0"/>
+                <a:cs typeface="Cascadia Code" pitchFamily="49" charset="0"/>
+              </a:rPr>
+              <a:t> = </a:t>
+            </a:r>
+            <a:r>
+              <a:rPr lang="ko-KR" altLang="en-US" sz="1600" dirty="0" err="1">
+                <a:latin typeface="Cascadia Code" pitchFamily="49" charset="0"/>
+                <a:cs typeface="Cascadia Code" pitchFamily="49" charset="0"/>
+              </a:rPr>
+              <a:t>a</a:t>
+            </a:r>
+            <a:r>
+              <a:rPr lang="ko-KR" altLang="en-US" sz="1600" dirty="0">
+                <a:latin typeface="Cascadia Code" pitchFamily="49" charset="0"/>
+                <a:cs typeface="Cascadia Code" pitchFamily="49" charset="0"/>
+              </a:rPr>
+              <a:t>;</a:t>
+            </a:r>
+          </a:p>
+          <a:p>
+            <a:r>
+              <a:rPr lang="ko-KR" altLang="en-US" sz="1600" dirty="0">
+                <a:latin typeface="Cascadia Code" pitchFamily="49" charset="0"/>
+                <a:cs typeface="Cascadia Code" pitchFamily="49" charset="0"/>
+              </a:rPr>
+              <a:t>        </a:t>
+            </a:r>
+            <a:r>
+              <a:rPr lang="ko-KR" altLang="en-US" sz="1600" dirty="0" err="1">
+                <a:latin typeface="Cascadia Code" pitchFamily="49" charset="0"/>
+                <a:cs typeface="Cascadia Code" pitchFamily="49" charset="0"/>
+              </a:rPr>
+              <a:t>y</a:t>
+            </a:r>
+            <a:r>
+              <a:rPr lang="ko-KR" altLang="en-US" sz="1600" dirty="0">
+                <a:latin typeface="Cascadia Code" pitchFamily="49" charset="0"/>
+                <a:cs typeface="Cascadia Code" pitchFamily="49" charset="0"/>
+              </a:rPr>
+              <a:t> = </a:t>
+            </a:r>
+            <a:r>
+              <a:rPr lang="ko-KR" altLang="en-US" sz="1600" dirty="0" err="1">
+                <a:latin typeface="Cascadia Code" pitchFamily="49" charset="0"/>
+                <a:cs typeface="Cascadia Code" pitchFamily="49" charset="0"/>
+              </a:rPr>
+              <a:t>b</a:t>
+            </a:r>
+            <a:r>
+              <a:rPr lang="ko-KR" altLang="en-US" sz="1600" dirty="0">
+                <a:latin typeface="Cascadia Code" pitchFamily="49" charset="0"/>
+                <a:cs typeface="Cascadia Code" pitchFamily="49" charset="0"/>
+              </a:rPr>
+              <a:t>;</a:t>
+            </a:r>
+          </a:p>
+          <a:p>
+            <a:r>
+              <a:rPr lang="ko-KR" altLang="en-US" sz="1600" dirty="0">
+                <a:latin typeface="Cascadia Code" pitchFamily="49" charset="0"/>
+                <a:cs typeface="Cascadia Code" pitchFamily="49" charset="0"/>
+              </a:rPr>
+              <a:t>    }</a:t>
+            </a:r>
+          </a:p>
+          <a:p>
+            <a:r>
+              <a:rPr lang="ko-KR" altLang="en-US" sz="1600" dirty="0">
+                <a:latin typeface="Cascadia Code" pitchFamily="49" charset="0"/>
+                <a:cs typeface="Cascadia Code" pitchFamily="49" charset="0"/>
+              </a:rPr>
+              <a:t>};</a:t>
+            </a:r>
+          </a:p>
+          <a:p>
+            <a:endParaRPr lang="ko-KR" altLang="en-US" sz="1600" dirty="0">
+              <a:latin typeface="Cascadia Code" pitchFamily="49" charset="0"/>
+              <a:cs typeface="Cascadia Code" pitchFamily="49" charset="0"/>
+            </a:endParaRPr>
+          </a:p>
+          <a:p>
+            <a:r>
+              <a:rPr lang="ko-KR" altLang="en-US" sz="1600" dirty="0" err="1">
+                <a:latin typeface="Cascadia Code" pitchFamily="49" charset="0"/>
+                <a:cs typeface="Cascadia Code" pitchFamily="49" charset="0"/>
+              </a:rPr>
+              <a:t>int</a:t>
+            </a:r>
+            <a:r>
+              <a:rPr lang="ko-KR" altLang="en-US" sz="1600" dirty="0">
+                <a:latin typeface="Cascadia Code" pitchFamily="49" charset="0"/>
+                <a:cs typeface="Cascadia Code" pitchFamily="49" charset="0"/>
+              </a:rPr>
+              <a:t> </a:t>
+            </a:r>
+            <a:r>
+              <a:rPr lang="ko-KR" altLang="en-US" sz="1600" dirty="0" err="1">
+                <a:latin typeface="Cascadia Code" pitchFamily="49" charset="0"/>
+                <a:cs typeface="Cascadia Code" pitchFamily="49" charset="0"/>
+              </a:rPr>
+              <a:t>main</a:t>
+            </a:r>
+            <a:r>
+              <a:rPr lang="ko-KR" altLang="en-US" sz="1600" dirty="0">
+                <a:latin typeface="Cascadia Code" pitchFamily="49" charset="0"/>
+                <a:cs typeface="Cascadia Code" pitchFamily="49" charset="0"/>
+              </a:rPr>
+              <a:t>()</a:t>
+            </a:r>
+          </a:p>
+          <a:p>
+            <a:r>
+              <a:rPr lang="ko-KR" altLang="en-US" sz="1600" dirty="0">
+                <a:latin typeface="Cascadia Code" pitchFamily="49" charset="0"/>
+                <a:cs typeface="Cascadia Code" pitchFamily="49" charset="0"/>
+              </a:rPr>
+              <a:t>{</a:t>
+            </a:r>
+          </a:p>
+          <a:p>
+            <a:r>
+              <a:rPr lang="ko-KR" altLang="en-US" sz="1600" dirty="0">
+                <a:latin typeface="Cascadia Code" pitchFamily="49" charset="0"/>
+                <a:cs typeface="Cascadia Code" pitchFamily="49" charset="0"/>
+              </a:rPr>
+              <a:t>    </a:t>
+            </a:r>
+            <a:r>
+              <a:rPr lang="ko-KR" altLang="en-US" sz="1600" dirty="0" err="1">
+                <a:latin typeface="Cascadia Code" pitchFamily="49" charset="0"/>
+                <a:cs typeface="Cascadia Code" pitchFamily="49" charset="0"/>
+              </a:rPr>
+              <a:t>Point</a:t>
+            </a:r>
+            <a:r>
+              <a:rPr lang="ko-KR" altLang="en-US" sz="1600" dirty="0">
+                <a:latin typeface="Cascadia Code" pitchFamily="49" charset="0"/>
+                <a:cs typeface="Cascadia Code" pitchFamily="49" charset="0"/>
+              </a:rPr>
+              <a:t> pt1, pt2;</a:t>
+            </a:r>
+          </a:p>
+          <a:p>
+            <a:endParaRPr lang="ko-KR" altLang="en-US" sz="1600" dirty="0">
+              <a:latin typeface="Cascadia Code" pitchFamily="49" charset="0"/>
+              <a:cs typeface="Cascadia Code" pitchFamily="49" charset="0"/>
+            </a:endParaRPr>
+          </a:p>
+          <a:p>
+            <a:r>
+              <a:rPr lang="ko-KR" altLang="en-US" sz="1600" dirty="0">
+                <a:latin typeface="Cascadia Code" pitchFamily="49" charset="0"/>
+                <a:cs typeface="Cascadia Code" pitchFamily="49" charset="0"/>
+              </a:rPr>
+              <a:t>    pt1.Set(10, 20);</a:t>
+            </a:r>
+          </a:p>
+          <a:p>
+            <a:r>
+              <a:rPr lang="ko-KR" altLang="en-US" sz="1600" dirty="0">
+                <a:latin typeface="Cascadia Code" pitchFamily="49" charset="0"/>
+                <a:cs typeface="Cascadia Code" pitchFamily="49" charset="0"/>
+              </a:rPr>
+              <a:t>    pt2.Set(100, 200);</a:t>
+            </a:r>
+          </a:p>
+          <a:p>
+            <a:r>
+              <a:rPr lang="ko-KR" altLang="en-US" sz="1600" dirty="0">
+                <a:latin typeface="Cascadia Code" pitchFamily="49" charset="0"/>
+                <a:cs typeface="Cascadia Code" pitchFamily="49" charset="0"/>
+              </a:rPr>
+              <a:t>}</a:t>
+            </a:r>
+          </a:p>
+        </p:txBody>
+      </p:sp>
+      <p:sp>
+        <p:nvSpPr>
+          <p:cNvPr id="6" name="직사각형 5">
+            <a:extLst>
+              <a:ext uri="{FF2B5EF4-FFF2-40B4-BE49-F238E27FC236}">
+                <a16:creationId xmlns:a16="http://schemas.microsoft.com/office/drawing/2014/main" id="{BB5B35A2-7DF0-625E-7CEB-232D0C094D3A}"/>
+              </a:ext>
+            </a:extLst>
+          </p:cNvPr>
+          <p:cNvSpPr/>
+          <p:nvPr/>
+        </p:nvSpPr>
+        <p:spPr>
+          <a:xfrm>
+            <a:off x="5280428" y="4279698"/>
+            <a:ext cx="1120140" cy="610463"/>
+          </a:xfrm>
+          <a:prstGeom prst="rect">
+            <a:avLst/>
+          </a:prstGeom>
+          <a:solidFill>
+            <a:srgbClr val="FFFF00"/>
+          </a:solidFill>
+        </p:spPr>
+        <p:style>
+          <a:lnRef idx="2">
+            <a:schemeClr val="accent1">
+              <a:shade val="15000"/>
+            </a:schemeClr>
+          </a:lnRef>
+          <a:fillRef idx="1">
+            <a:schemeClr val="accent1"/>
+          </a:fillRef>
+          <a:effectRef idx="0">
+            <a:schemeClr val="accent1"/>
+          </a:effectRef>
+          <a:fontRef idx="minor">
+            <a:schemeClr val="lt1"/>
+          </a:fontRef>
+        </p:style>
+        <p:txBody>
+          <a:bodyPr rtlCol="0" anchor="ctr"/>
+          <a:lstStyle/>
+          <a:p>
+            <a:pPr algn="ctr"/>
+            <a:endParaRPr kumimoji="1" lang="ko-KR" altLang="en-US" sz="1600" dirty="0">
+              <a:solidFill>
+                <a:srgbClr val="FF0000"/>
+              </a:solidFill>
+              <a:latin typeface="Cascadia Code" pitchFamily="49" charset="0"/>
+              <a:cs typeface="Cascadia Code" pitchFamily="49" charset="0"/>
+            </a:endParaRPr>
+          </a:p>
+        </p:txBody>
+      </p:sp>
+      <p:sp>
+        <p:nvSpPr>
+          <p:cNvPr id="7" name="TextBox 6">
+            <a:extLst>
+              <a:ext uri="{FF2B5EF4-FFF2-40B4-BE49-F238E27FC236}">
+                <a16:creationId xmlns:a16="http://schemas.microsoft.com/office/drawing/2014/main" id="{6CEE5D95-E64C-B6EE-94C1-602473EC3528}"/>
+              </a:ext>
+            </a:extLst>
+          </p:cNvPr>
+          <p:cNvSpPr txBox="1"/>
+          <p:nvPr/>
+        </p:nvSpPr>
+        <p:spPr>
+          <a:xfrm>
+            <a:off x="5013728" y="4415652"/>
+            <a:ext cx="236220" cy="338554"/>
+          </a:xfrm>
+          <a:prstGeom prst="rect">
+            <a:avLst/>
+          </a:prstGeom>
+          <a:noFill/>
+        </p:spPr>
+        <p:txBody>
+          <a:bodyPr wrap="square" rtlCol="0">
+            <a:spAutoFit/>
+          </a:bodyPr>
+          <a:lstStyle/>
+          <a:p>
+            <a:pPr algn="ctr"/>
+            <a:r>
+              <a:rPr kumimoji="1" lang="en-US" altLang="ko-KR" sz="1600" dirty="0">
+                <a:latin typeface="Cascadia Code" pitchFamily="49" charset="0"/>
+                <a:ea typeface="Cascadia Code" pitchFamily="49" charset="0"/>
+                <a:cs typeface="Cascadia Code" pitchFamily="49" charset="0"/>
+              </a:rPr>
+              <a:t>x</a:t>
+            </a:r>
+            <a:endParaRPr kumimoji="1" lang="ko-KR" altLang="en-US" sz="1600" dirty="0">
+              <a:latin typeface="Cascadia Code" pitchFamily="49" charset="0"/>
+              <a:ea typeface="Cascadia Code" pitchFamily="49" charset="0"/>
+              <a:cs typeface="Cascadia Code" pitchFamily="49" charset="0"/>
+            </a:endParaRPr>
+          </a:p>
+        </p:txBody>
+      </p:sp>
+      <p:sp>
+        <p:nvSpPr>
+          <p:cNvPr id="8" name="직사각형 7">
+            <a:extLst>
+              <a:ext uri="{FF2B5EF4-FFF2-40B4-BE49-F238E27FC236}">
+                <a16:creationId xmlns:a16="http://schemas.microsoft.com/office/drawing/2014/main" id="{2ADF19F1-7365-F6E6-30F8-DE8DAC861251}"/>
+              </a:ext>
+            </a:extLst>
+          </p:cNvPr>
+          <p:cNvSpPr/>
+          <p:nvPr/>
+        </p:nvSpPr>
+        <p:spPr>
+          <a:xfrm>
+            <a:off x="5280428" y="4890161"/>
+            <a:ext cx="1120140" cy="610463"/>
+          </a:xfrm>
+          <a:prstGeom prst="rect">
+            <a:avLst/>
+          </a:prstGeom>
+          <a:solidFill>
+            <a:srgbClr val="FFFF00"/>
+          </a:solidFill>
+        </p:spPr>
+        <p:style>
+          <a:lnRef idx="2">
+            <a:schemeClr val="accent1">
+              <a:shade val="15000"/>
+            </a:schemeClr>
+          </a:lnRef>
+          <a:fillRef idx="1">
+            <a:schemeClr val="accent1"/>
+          </a:fillRef>
+          <a:effectRef idx="0">
+            <a:schemeClr val="accent1"/>
+          </a:effectRef>
+          <a:fontRef idx="minor">
+            <a:schemeClr val="lt1"/>
+          </a:fontRef>
+        </p:style>
+        <p:txBody>
+          <a:bodyPr rtlCol="0" anchor="ctr"/>
+          <a:lstStyle/>
+          <a:p>
+            <a:pPr algn="ctr"/>
+            <a:endParaRPr kumimoji="1" lang="ko-KR" altLang="en-US" sz="1600" dirty="0">
+              <a:solidFill>
+                <a:srgbClr val="FF0000"/>
+              </a:solidFill>
+              <a:latin typeface="Cascadia Code" pitchFamily="49" charset="0"/>
+              <a:cs typeface="Cascadia Code" pitchFamily="49" charset="0"/>
+            </a:endParaRPr>
+          </a:p>
+        </p:txBody>
+      </p:sp>
+      <p:sp>
+        <p:nvSpPr>
+          <p:cNvPr id="9" name="TextBox 8">
+            <a:extLst>
+              <a:ext uri="{FF2B5EF4-FFF2-40B4-BE49-F238E27FC236}">
+                <a16:creationId xmlns:a16="http://schemas.microsoft.com/office/drawing/2014/main" id="{72738311-484F-2AE4-9D83-EAC231DE5AA5}"/>
+              </a:ext>
+            </a:extLst>
+          </p:cNvPr>
+          <p:cNvSpPr txBox="1"/>
+          <p:nvPr/>
+        </p:nvSpPr>
+        <p:spPr>
+          <a:xfrm>
+            <a:off x="5013728" y="5026115"/>
+            <a:ext cx="236220" cy="338554"/>
+          </a:xfrm>
+          <a:prstGeom prst="rect">
+            <a:avLst/>
+          </a:prstGeom>
+          <a:noFill/>
+        </p:spPr>
+        <p:txBody>
+          <a:bodyPr wrap="square" rtlCol="0">
+            <a:spAutoFit/>
+          </a:bodyPr>
+          <a:lstStyle/>
+          <a:p>
+            <a:pPr algn="ctr"/>
+            <a:r>
+              <a:rPr kumimoji="1" lang="en-US" altLang="ko-KR" sz="1600" dirty="0">
+                <a:latin typeface="Cascadia Code" pitchFamily="49" charset="0"/>
+                <a:ea typeface="Cascadia Code" pitchFamily="49" charset="0"/>
+                <a:cs typeface="Cascadia Code" pitchFamily="49" charset="0"/>
+              </a:rPr>
+              <a:t>y</a:t>
+            </a:r>
+            <a:endParaRPr kumimoji="1" lang="ko-KR" altLang="en-US" sz="1600" dirty="0">
+              <a:latin typeface="Cascadia Code" pitchFamily="49" charset="0"/>
+              <a:ea typeface="Cascadia Code" pitchFamily="49" charset="0"/>
+              <a:cs typeface="Cascadia Code" pitchFamily="49" charset="0"/>
+            </a:endParaRPr>
+          </a:p>
+        </p:txBody>
+      </p:sp>
+      <p:sp>
+        <p:nvSpPr>
+          <p:cNvPr id="10" name="TextBox 9">
+            <a:extLst>
+              <a:ext uri="{FF2B5EF4-FFF2-40B4-BE49-F238E27FC236}">
+                <a16:creationId xmlns:a16="http://schemas.microsoft.com/office/drawing/2014/main" id="{DA5AE5A1-8719-6C4B-370B-31E476F7D442}"/>
+              </a:ext>
+            </a:extLst>
+          </p:cNvPr>
+          <p:cNvSpPr txBox="1"/>
+          <p:nvPr/>
+        </p:nvSpPr>
+        <p:spPr>
+          <a:xfrm>
+            <a:off x="5387339" y="3884596"/>
+            <a:ext cx="906317" cy="369332"/>
+          </a:xfrm>
+          <a:prstGeom prst="rect">
+            <a:avLst/>
+          </a:prstGeom>
+          <a:noFill/>
+        </p:spPr>
+        <p:txBody>
+          <a:bodyPr wrap="square">
+            <a:spAutoFit/>
+          </a:bodyPr>
+          <a:lstStyle/>
+          <a:p>
+            <a:pPr algn="ctr"/>
+            <a:r>
+              <a:rPr lang="ko-KR" altLang="en-US" dirty="0">
+                <a:latin typeface="Cascadia Code" pitchFamily="49" charset="0"/>
+                <a:cs typeface="Cascadia Code" pitchFamily="49" charset="0"/>
+              </a:rPr>
+              <a:t>pt1</a:t>
+            </a:r>
+            <a:endParaRPr lang="ko-KR" altLang="en-US" dirty="0"/>
+          </a:p>
+        </p:txBody>
+      </p:sp>
+      <p:sp>
+        <p:nvSpPr>
+          <p:cNvPr id="11" name="직사각형 10">
+            <a:extLst>
+              <a:ext uri="{FF2B5EF4-FFF2-40B4-BE49-F238E27FC236}">
+                <a16:creationId xmlns:a16="http://schemas.microsoft.com/office/drawing/2014/main" id="{7155CB18-EE4F-24C0-F1B5-7699DED820C9}"/>
+              </a:ext>
+            </a:extLst>
+          </p:cNvPr>
+          <p:cNvSpPr/>
+          <p:nvPr/>
+        </p:nvSpPr>
+        <p:spPr>
+          <a:xfrm>
+            <a:off x="8120610" y="4253928"/>
+            <a:ext cx="1120140" cy="610463"/>
+          </a:xfrm>
+          <a:prstGeom prst="rect">
+            <a:avLst/>
+          </a:prstGeom>
+          <a:solidFill>
+            <a:srgbClr val="FFFF00"/>
+          </a:solidFill>
+        </p:spPr>
+        <p:style>
+          <a:lnRef idx="2">
+            <a:schemeClr val="accent1">
+              <a:shade val="15000"/>
+            </a:schemeClr>
+          </a:lnRef>
+          <a:fillRef idx="1">
+            <a:schemeClr val="accent1"/>
+          </a:fillRef>
+          <a:effectRef idx="0">
+            <a:schemeClr val="accent1"/>
+          </a:effectRef>
+          <a:fontRef idx="minor">
+            <a:schemeClr val="lt1"/>
+          </a:fontRef>
+        </p:style>
+        <p:txBody>
+          <a:bodyPr rtlCol="0" anchor="ctr"/>
+          <a:lstStyle/>
+          <a:p>
+            <a:pPr algn="ctr"/>
+            <a:endParaRPr kumimoji="1" lang="ko-KR" altLang="en-US" sz="1600" dirty="0">
+              <a:solidFill>
+                <a:srgbClr val="FF0000"/>
+              </a:solidFill>
+              <a:latin typeface="Cascadia Code" pitchFamily="49" charset="0"/>
+              <a:cs typeface="Cascadia Code" pitchFamily="49" charset="0"/>
+            </a:endParaRPr>
+          </a:p>
+        </p:txBody>
+      </p:sp>
+      <p:sp>
+        <p:nvSpPr>
+          <p:cNvPr id="12" name="TextBox 11">
+            <a:extLst>
+              <a:ext uri="{FF2B5EF4-FFF2-40B4-BE49-F238E27FC236}">
+                <a16:creationId xmlns:a16="http://schemas.microsoft.com/office/drawing/2014/main" id="{868CE8FC-5B7E-B504-D2AF-2F71FA249F23}"/>
+              </a:ext>
+            </a:extLst>
+          </p:cNvPr>
+          <p:cNvSpPr txBox="1"/>
+          <p:nvPr/>
+        </p:nvSpPr>
+        <p:spPr>
+          <a:xfrm>
+            <a:off x="7853910" y="4389882"/>
+            <a:ext cx="236220" cy="338554"/>
+          </a:xfrm>
+          <a:prstGeom prst="rect">
+            <a:avLst/>
+          </a:prstGeom>
+          <a:noFill/>
+        </p:spPr>
+        <p:txBody>
+          <a:bodyPr wrap="square" rtlCol="0">
+            <a:spAutoFit/>
+          </a:bodyPr>
+          <a:lstStyle/>
+          <a:p>
+            <a:pPr algn="ctr"/>
+            <a:r>
+              <a:rPr kumimoji="1" lang="en-US" altLang="ko-KR" sz="1600" dirty="0">
+                <a:latin typeface="Cascadia Code" pitchFamily="49" charset="0"/>
+                <a:ea typeface="Cascadia Code" pitchFamily="49" charset="0"/>
+                <a:cs typeface="Cascadia Code" pitchFamily="49" charset="0"/>
+              </a:rPr>
+              <a:t>x</a:t>
+            </a:r>
+            <a:endParaRPr kumimoji="1" lang="ko-KR" altLang="en-US" sz="1600" dirty="0">
+              <a:latin typeface="Cascadia Code" pitchFamily="49" charset="0"/>
+              <a:ea typeface="Cascadia Code" pitchFamily="49" charset="0"/>
+              <a:cs typeface="Cascadia Code" pitchFamily="49" charset="0"/>
+            </a:endParaRPr>
+          </a:p>
+        </p:txBody>
+      </p:sp>
+      <p:sp>
+        <p:nvSpPr>
+          <p:cNvPr id="13" name="직사각형 12">
+            <a:extLst>
+              <a:ext uri="{FF2B5EF4-FFF2-40B4-BE49-F238E27FC236}">
+                <a16:creationId xmlns:a16="http://schemas.microsoft.com/office/drawing/2014/main" id="{1E9A923E-05E3-E060-E5E8-EF354EF110AF}"/>
+              </a:ext>
+            </a:extLst>
+          </p:cNvPr>
+          <p:cNvSpPr/>
+          <p:nvPr/>
+        </p:nvSpPr>
+        <p:spPr>
+          <a:xfrm>
+            <a:off x="8120610" y="4864391"/>
+            <a:ext cx="1120140" cy="610463"/>
+          </a:xfrm>
+          <a:prstGeom prst="rect">
+            <a:avLst/>
+          </a:prstGeom>
+          <a:solidFill>
+            <a:srgbClr val="FFFF00"/>
+          </a:solidFill>
+        </p:spPr>
+        <p:style>
+          <a:lnRef idx="2">
+            <a:schemeClr val="accent1">
+              <a:shade val="15000"/>
+            </a:schemeClr>
+          </a:lnRef>
+          <a:fillRef idx="1">
+            <a:schemeClr val="accent1"/>
+          </a:fillRef>
+          <a:effectRef idx="0">
+            <a:schemeClr val="accent1"/>
+          </a:effectRef>
+          <a:fontRef idx="minor">
+            <a:schemeClr val="lt1"/>
+          </a:fontRef>
+        </p:style>
+        <p:txBody>
+          <a:bodyPr rtlCol="0" anchor="ctr"/>
+          <a:lstStyle/>
+          <a:p>
+            <a:pPr algn="ctr"/>
+            <a:endParaRPr kumimoji="1" lang="ko-KR" altLang="en-US" sz="1600" dirty="0">
+              <a:solidFill>
+                <a:srgbClr val="FF0000"/>
+              </a:solidFill>
+              <a:latin typeface="Cascadia Code" pitchFamily="49" charset="0"/>
+              <a:cs typeface="Cascadia Code" pitchFamily="49" charset="0"/>
+            </a:endParaRPr>
+          </a:p>
+        </p:txBody>
+      </p:sp>
+      <p:sp>
+        <p:nvSpPr>
+          <p:cNvPr id="14" name="TextBox 13">
+            <a:extLst>
+              <a:ext uri="{FF2B5EF4-FFF2-40B4-BE49-F238E27FC236}">
+                <a16:creationId xmlns:a16="http://schemas.microsoft.com/office/drawing/2014/main" id="{78C77A4A-1DD4-2FAA-0A96-3DD6DEB52EFA}"/>
+              </a:ext>
+            </a:extLst>
+          </p:cNvPr>
+          <p:cNvSpPr txBox="1"/>
+          <p:nvPr/>
+        </p:nvSpPr>
+        <p:spPr>
+          <a:xfrm>
+            <a:off x="7853910" y="5000345"/>
+            <a:ext cx="236220" cy="338554"/>
+          </a:xfrm>
+          <a:prstGeom prst="rect">
+            <a:avLst/>
+          </a:prstGeom>
+          <a:noFill/>
+        </p:spPr>
+        <p:txBody>
+          <a:bodyPr wrap="square" rtlCol="0">
+            <a:spAutoFit/>
+          </a:bodyPr>
+          <a:lstStyle/>
+          <a:p>
+            <a:pPr algn="ctr"/>
+            <a:r>
+              <a:rPr kumimoji="1" lang="en-US" altLang="ko-KR" sz="1600" dirty="0">
+                <a:latin typeface="Cascadia Code" pitchFamily="49" charset="0"/>
+                <a:ea typeface="Cascadia Code" pitchFamily="49" charset="0"/>
+                <a:cs typeface="Cascadia Code" pitchFamily="49" charset="0"/>
+              </a:rPr>
+              <a:t>y</a:t>
+            </a:r>
+            <a:endParaRPr kumimoji="1" lang="ko-KR" altLang="en-US" sz="1600" dirty="0">
+              <a:latin typeface="Cascadia Code" pitchFamily="49" charset="0"/>
+              <a:ea typeface="Cascadia Code" pitchFamily="49" charset="0"/>
+              <a:cs typeface="Cascadia Code" pitchFamily="49" charset="0"/>
+            </a:endParaRPr>
+          </a:p>
+        </p:txBody>
+      </p:sp>
+      <p:sp>
+        <p:nvSpPr>
+          <p:cNvPr id="15" name="TextBox 14">
+            <a:extLst>
+              <a:ext uri="{FF2B5EF4-FFF2-40B4-BE49-F238E27FC236}">
+                <a16:creationId xmlns:a16="http://schemas.microsoft.com/office/drawing/2014/main" id="{833398FA-38CF-1711-73F5-519DB15760C9}"/>
+              </a:ext>
+            </a:extLst>
+          </p:cNvPr>
+          <p:cNvSpPr txBox="1"/>
+          <p:nvPr/>
+        </p:nvSpPr>
+        <p:spPr>
+          <a:xfrm>
+            <a:off x="8227521" y="3858826"/>
+            <a:ext cx="906317" cy="369332"/>
+          </a:xfrm>
+          <a:prstGeom prst="rect">
+            <a:avLst/>
+          </a:prstGeom>
+          <a:noFill/>
+        </p:spPr>
+        <p:txBody>
+          <a:bodyPr wrap="square">
+            <a:spAutoFit/>
+          </a:bodyPr>
+          <a:lstStyle/>
+          <a:p>
+            <a:pPr algn="ctr"/>
+            <a:r>
+              <a:rPr lang="ko-KR" altLang="en-US" dirty="0" err="1">
+                <a:latin typeface="Cascadia Code" pitchFamily="49" charset="0"/>
+                <a:cs typeface="Cascadia Code" pitchFamily="49" charset="0"/>
+              </a:rPr>
+              <a:t>pt</a:t>
+            </a:r>
+            <a:r>
+              <a:rPr lang="en-US" altLang="ko-KR" dirty="0">
+                <a:latin typeface="Cascadia Code" pitchFamily="49" charset="0"/>
+                <a:cs typeface="Cascadia Code" pitchFamily="49" charset="0"/>
+              </a:rPr>
+              <a:t>2</a:t>
+            </a:r>
+            <a:endParaRPr lang="ko-KR" altLang="en-US" dirty="0"/>
+          </a:p>
+        </p:txBody>
+      </p:sp>
+      <p:sp>
+        <p:nvSpPr>
+          <p:cNvPr id="3" name="TextBox 2">
+            <a:extLst>
+              <a:ext uri="{FF2B5EF4-FFF2-40B4-BE49-F238E27FC236}">
+                <a16:creationId xmlns:a16="http://schemas.microsoft.com/office/drawing/2014/main" id="{76E2CC32-54AE-85F3-EB07-264C01ED1231}"/>
+              </a:ext>
+            </a:extLst>
+          </p:cNvPr>
+          <p:cNvSpPr txBox="1"/>
+          <p:nvPr/>
+        </p:nvSpPr>
+        <p:spPr>
+          <a:xfrm>
+            <a:off x="4774046" y="990790"/>
+            <a:ext cx="6004790" cy="1477328"/>
+          </a:xfrm>
+          <a:prstGeom prst="rect">
+            <a:avLst/>
+          </a:prstGeom>
+          <a:noFill/>
+        </p:spPr>
+        <p:txBody>
+          <a:bodyPr wrap="square">
+            <a:spAutoFit/>
+          </a:bodyPr>
+          <a:lstStyle/>
+          <a:p>
+            <a:r>
+              <a:rPr lang="ko-KR" altLang="en-US" sz="1800" dirty="0" err="1">
+                <a:latin typeface="Cascadia Code" pitchFamily="49" charset="0"/>
+                <a:cs typeface="Cascadia Code" pitchFamily="49" charset="0"/>
+              </a:rPr>
+              <a:t>void</a:t>
+            </a:r>
+            <a:r>
+              <a:rPr lang="ko-KR" altLang="en-US" sz="1800" dirty="0">
+                <a:latin typeface="Cascadia Code" pitchFamily="49" charset="0"/>
+                <a:cs typeface="Cascadia Code" pitchFamily="49" charset="0"/>
+              </a:rPr>
+              <a:t> </a:t>
+            </a:r>
+            <a:r>
+              <a:rPr lang="ko-KR" altLang="en-US" sz="1800" dirty="0" err="1">
+                <a:latin typeface="Cascadia Code" pitchFamily="49" charset="0"/>
+                <a:cs typeface="Cascadia Code" pitchFamily="49" charset="0"/>
+              </a:rPr>
+              <a:t>Set</a:t>
+            </a:r>
+            <a:r>
+              <a:rPr lang="ko-KR" altLang="en-US" sz="1800" dirty="0">
+                <a:latin typeface="Cascadia Code" pitchFamily="49" charset="0"/>
+                <a:cs typeface="Cascadia Code" pitchFamily="49" charset="0"/>
+              </a:rPr>
+              <a:t>(</a:t>
+            </a:r>
+            <a:r>
+              <a:rPr lang="ko-KR" altLang="en-US" sz="1800" dirty="0" err="1">
+                <a:latin typeface="Cascadia Code" pitchFamily="49" charset="0"/>
+                <a:cs typeface="Cascadia Code" pitchFamily="49" charset="0"/>
+              </a:rPr>
+              <a:t>int</a:t>
+            </a:r>
+            <a:r>
+              <a:rPr lang="ko-KR" altLang="en-US" sz="1800" dirty="0">
+                <a:latin typeface="Cascadia Code" pitchFamily="49" charset="0"/>
+                <a:cs typeface="Cascadia Code" pitchFamily="49" charset="0"/>
+              </a:rPr>
+              <a:t> </a:t>
+            </a:r>
+            <a:r>
+              <a:rPr lang="ko-KR" altLang="en-US" sz="1800" dirty="0" err="1">
+                <a:latin typeface="Cascadia Code" pitchFamily="49" charset="0"/>
+                <a:cs typeface="Cascadia Code" pitchFamily="49" charset="0"/>
+              </a:rPr>
+              <a:t>a</a:t>
+            </a:r>
+            <a:r>
+              <a:rPr lang="ko-KR" altLang="en-US" sz="1800" dirty="0">
+                <a:latin typeface="Cascadia Code" pitchFamily="49" charset="0"/>
+                <a:cs typeface="Cascadia Code" pitchFamily="49" charset="0"/>
+              </a:rPr>
+              <a:t>, </a:t>
+            </a:r>
+            <a:r>
+              <a:rPr lang="ko-KR" altLang="en-US" sz="1800" dirty="0" err="1">
+                <a:latin typeface="Cascadia Code" pitchFamily="49" charset="0"/>
+                <a:cs typeface="Cascadia Code" pitchFamily="49" charset="0"/>
+              </a:rPr>
+              <a:t>int</a:t>
+            </a:r>
+            <a:r>
+              <a:rPr lang="ko-KR" altLang="en-US" sz="1800" dirty="0">
+                <a:latin typeface="Cascadia Code" pitchFamily="49" charset="0"/>
+                <a:cs typeface="Cascadia Code" pitchFamily="49" charset="0"/>
+              </a:rPr>
+              <a:t> </a:t>
+            </a:r>
+            <a:r>
+              <a:rPr lang="ko-KR" altLang="en-US" sz="1800" dirty="0" err="1">
+                <a:latin typeface="Cascadia Code" pitchFamily="49" charset="0"/>
+                <a:cs typeface="Cascadia Code" pitchFamily="49" charset="0"/>
+              </a:rPr>
+              <a:t>b</a:t>
+            </a:r>
+            <a:r>
+              <a:rPr lang="ko-KR" altLang="en-US" sz="1800" dirty="0">
+                <a:latin typeface="Cascadia Code" pitchFamily="49" charset="0"/>
+                <a:cs typeface="Cascadia Code" pitchFamily="49" charset="0"/>
+              </a:rPr>
+              <a:t>)</a:t>
+            </a:r>
+          </a:p>
+          <a:p>
+            <a:r>
+              <a:rPr lang="ko-KR" altLang="en-US" sz="1800" dirty="0">
+                <a:latin typeface="Cascadia Code" pitchFamily="49" charset="0"/>
+                <a:cs typeface="Cascadia Code" pitchFamily="49" charset="0"/>
+              </a:rPr>
+              <a:t>{</a:t>
+            </a:r>
+          </a:p>
+          <a:p>
+            <a:r>
+              <a:rPr lang="ko-KR" altLang="en-US" sz="1800" dirty="0">
+                <a:latin typeface="Cascadia Code" pitchFamily="49" charset="0"/>
+                <a:cs typeface="Cascadia Code" pitchFamily="49" charset="0"/>
+              </a:rPr>
+              <a:t>    </a:t>
+            </a:r>
+            <a:r>
+              <a:rPr lang="ko-KR" altLang="en-US" sz="1800" dirty="0" err="1">
+                <a:latin typeface="Cascadia Code" pitchFamily="49" charset="0"/>
+                <a:cs typeface="Cascadia Code" pitchFamily="49" charset="0"/>
+              </a:rPr>
+              <a:t>x</a:t>
+            </a:r>
+            <a:r>
+              <a:rPr lang="ko-KR" altLang="en-US" sz="1800" dirty="0">
+                <a:latin typeface="Cascadia Code" pitchFamily="49" charset="0"/>
+                <a:cs typeface="Cascadia Code" pitchFamily="49" charset="0"/>
+              </a:rPr>
+              <a:t> = </a:t>
+            </a:r>
+            <a:r>
+              <a:rPr lang="ko-KR" altLang="en-US" sz="1800" dirty="0" err="1">
+                <a:latin typeface="Cascadia Code" pitchFamily="49" charset="0"/>
+                <a:cs typeface="Cascadia Code" pitchFamily="49" charset="0"/>
+              </a:rPr>
+              <a:t>a</a:t>
+            </a:r>
+            <a:r>
+              <a:rPr lang="ko-KR" altLang="en-US" sz="1800" dirty="0">
+                <a:latin typeface="Cascadia Code" pitchFamily="49" charset="0"/>
+                <a:cs typeface="Cascadia Code" pitchFamily="49" charset="0"/>
+              </a:rPr>
+              <a:t>;</a:t>
+            </a:r>
+          </a:p>
+          <a:p>
+            <a:r>
+              <a:rPr lang="ko-KR" altLang="en-US" sz="1800" dirty="0">
+                <a:latin typeface="Cascadia Code" pitchFamily="49" charset="0"/>
+                <a:cs typeface="Cascadia Code" pitchFamily="49" charset="0"/>
+              </a:rPr>
+              <a:t>    </a:t>
+            </a:r>
+            <a:r>
+              <a:rPr lang="ko-KR" altLang="en-US" sz="1800" dirty="0" err="1">
+                <a:latin typeface="Cascadia Code" pitchFamily="49" charset="0"/>
+                <a:cs typeface="Cascadia Code" pitchFamily="49" charset="0"/>
+              </a:rPr>
+              <a:t>y</a:t>
+            </a:r>
+            <a:r>
+              <a:rPr lang="ko-KR" altLang="en-US" sz="1800" dirty="0">
+                <a:latin typeface="Cascadia Code" pitchFamily="49" charset="0"/>
+                <a:cs typeface="Cascadia Code" pitchFamily="49" charset="0"/>
+              </a:rPr>
+              <a:t> = </a:t>
+            </a:r>
+            <a:r>
+              <a:rPr lang="ko-KR" altLang="en-US" sz="1800" dirty="0" err="1">
+                <a:latin typeface="Cascadia Code" pitchFamily="49" charset="0"/>
+                <a:cs typeface="Cascadia Code" pitchFamily="49" charset="0"/>
+              </a:rPr>
+              <a:t>b</a:t>
+            </a:r>
+            <a:r>
+              <a:rPr lang="ko-KR" altLang="en-US" sz="1800" dirty="0">
+                <a:latin typeface="Cascadia Code" pitchFamily="49" charset="0"/>
+                <a:cs typeface="Cascadia Code" pitchFamily="49" charset="0"/>
+              </a:rPr>
+              <a:t>;</a:t>
+            </a:r>
+          </a:p>
+          <a:p>
+            <a:r>
+              <a:rPr lang="ko-KR" altLang="en-US" sz="1800" dirty="0">
+                <a:latin typeface="Cascadia Code" pitchFamily="49" charset="0"/>
+                <a:cs typeface="Cascadia Code" pitchFamily="49" charset="0"/>
+              </a:rPr>
+              <a:t>}</a:t>
+            </a:r>
+            <a:endParaRPr lang="ko-KR" altLang="en-US" dirty="0"/>
+          </a:p>
+        </p:txBody>
+      </p:sp>
+    </p:spTree>
+    <p:extLst>
+      <p:ext uri="{BB962C8B-B14F-4D97-AF65-F5344CB8AC3E}">
+        <p14:creationId xmlns:p14="http://schemas.microsoft.com/office/powerpoint/2010/main" val="704473289"/>
+      </p:ext>
+    </p:extLst>
+  </p:cSld>
+  <p:clrMapOvr>
+    <a:masterClrMapping/>
+  </p:clrMapOvr>
+</p:sld>
+</file>
+
+<file path=ppt/slides/slide23.xml><?xml version="1.0" encoding="utf-8"?>
+<p:sld xmlns:a="http://schemas.openxmlformats.org/drawingml/2006/main" xmlns:r="http://schemas.openxmlformats.org/officeDocument/2006/relationships" xmlns:p="http://schemas.openxmlformats.org/presentationml/2006/main">
+  <p:cSld>
+    <p:spTree>
+      <p:nvGrpSpPr>
+        <p:cNvPr id="1" name=""/>
+        <p:cNvGrpSpPr/>
+        <p:nvPr/>
+      </p:nvGrpSpPr>
+      <p:grpSpPr>
+        <a:xfrm>
+          <a:off x="0" y="0"/>
+          <a:ext cx="0" cy="0"/>
+          <a:chOff x="0" y="0"/>
+          <a:chExt cx="0" cy="0"/>
+        </a:xfrm>
+      </p:grpSpPr>
+      <p:sp>
+        <p:nvSpPr>
+          <p:cNvPr id="5" name="TextBox 4">
+            <a:extLst>
+              <a:ext uri="{FF2B5EF4-FFF2-40B4-BE49-F238E27FC236}">
+                <a16:creationId xmlns:a16="http://schemas.microsoft.com/office/drawing/2014/main" id="{E94142E9-8ECF-CA02-32B6-E4500B24CE62}"/>
+              </a:ext>
+            </a:extLst>
+          </p:cNvPr>
+          <p:cNvSpPr txBox="1"/>
+          <p:nvPr/>
+        </p:nvSpPr>
+        <p:spPr>
+          <a:xfrm>
+            <a:off x="443345" y="421144"/>
+            <a:ext cx="3628046" cy="4924425"/>
+          </a:xfrm>
+          <a:prstGeom prst="rect">
+            <a:avLst/>
+          </a:prstGeom>
+          <a:noFill/>
+        </p:spPr>
+        <p:txBody>
+          <a:bodyPr wrap="square">
+            <a:spAutoFit/>
+          </a:bodyPr>
+          <a:lstStyle/>
+          <a:p>
+            <a:r>
+              <a:rPr lang="ko-KR" altLang="en-US" sz="1600" dirty="0" err="1">
+                <a:latin typeface="Cascadia Code" pitchFamily="49" charset="0"/>
+                <a:cs typeface="Cascadia Code" pitchFamily="49" charset="0"/>
+              </a:rPr>
+              <a:t>class</a:t>
+            </a:r>
+            <a:r>
+              <a:rPr lang="ko-KR" altLang="en-US" sz="1600" dirty="0">
+                <a:latin typeface="Cascadia Code" pitchFamily="49" charset="0"/>
+                <a:cs typeface="Cascadia Code" pitchFamily="49" charset="0"/>
+              </a:rPr>
+              <a:t> </a:t>
+            </a:r>
+            <a:r>
+              <a:rPr lang="ko-KR" altLang="en-US" sz="1600" dirty="0" err="1">
+                <a:latin typeface="Cascadia Code" pitchFamily="49" charset="0"/>
+                <a:cs typeface="Cascadia Code" pitchFamily="49" charset="0"/>
+              </a:rPr>
+              <a:t>Point</a:t>
+            </a:r>
+            <a:r>
+              <a:rPr lang="ko-KR" altLang="en-US" sz="1600" dirty="0">
+                <a:latin typeface="Cascadia Code" pitchFamily="49" charset="0"/>
+                <a:cs typeface="Cascadia Code" pitchFamily="49" charset="0"/>
+              </a:rPr>
+              <a:t> {</a:t>
+            </a:r>
+          </a:p>
+          <a:p>
+            <a:r>
+              <a:rPr lang="ko-KR" altLang="en-US" sz="1600" dirty="0">
+                <a:latin typeface="Cascadia Code" pitchFamily="49" charset="0"/>
+                <a:cs typeface="Cascadia Code" pitchFamily="49" charset="0"/>
+              </a:rPr>
+              <a:t>    </a:t>
+            </a:r>
+            <a:r>
+              <a:rPr lang="ko-KR" altLang="en-US" sz="1600" dirty="0" err="1">
+                <a:latin typeface="Cascadia Code" pitchFamily="49" charset="0"/>
+                <a:cs typeface="Cascadia Code" pitchFamily="49" charset="0"/>
+              </a:rPr>
+              <a:t>int</a:t>
+            </a:r>
+            <a:r>
+              <a:rPr lang="ko-KR" altLang="en-US" sz="1600" dirty="0">
+                <a:latin typeface="Cascadia Code" pitchFamily="49" charset="0"/>
+                <a:cs typeface="Cascadia Code" pitchFamily="49" charset="0"/>
+              </a:rPr>
+              <a:t> </a:t>
+            </a:r>
+            <a:r>
+              <a:rPr lang="ko-KR" altLang="en-US" sz="1600" dirty="0" err="1">
+                <a:latin typeface="Cascadia Code" pitchFamily="49" charset="0"/>
+                <a:cs typeface="Cascadia Code" pitchFamily="49" charset="0"/>
+              </a:rPr>
+              <a:t>x</a:t>
+            </a:r>
+            <a:r>
+              <a:rPr lang="ko-KR" altLang="en-US" sz="1600" dirty="0">
+                <a:latin typeface="Cascadia Code" pitchFamily="49" charset="0"/>
+                <a:cs typeface="Cascadia Code" pitchFamily="49" charset="0"/>
+              </a:rPr>
+              <a:t>;</a:t>
+            </a:r>
+          </a:p>
+          <a:p>
+            <a:r>
+              <a:rPr lang="ko-KR" altLang="en-US" sz="1600" dirty="0">
+                <a:latin typeface="Cascadia Code" pitchFamily="49" charset="0"/>
+                <a:cs typeface="Cascadia Code" pitchFamily="49" charset="0"/>
+              </a:rPr>
+              <a:t>    </a:t>
+            </a:r>
+            <a:r>
+              <a:rPr lang="ko-KR" altLang="en-US" sz="1600" dirty="0" err="1">
+                <a:latin typeface="Cascadia Code" pitchFamily="49" charset="0"/>
+                <a:cs typeface="Cascadia Code" pitchFamily="49" charset="0"/>
+              </a:rPr>
+              <a:t>int</a:t>
+            </a:r>
+            <a:r>
+              <a:rPr lang="ko-KR" altLang="en-US" sz="1600" dirty="0">
+                <a:latin typeface="Cascadia Code" pitchFamily="49" charset="0"/>
+                <a:cs typeface="Cascadia Code" pitchFamily="49" charset="0"/>
+              </a:rPr>
+              <a:t> </a:t>
+            </a:r>
+            <a:r>
+              <a:rPr lang="ko-KR" altLang="en-US" sz="1600" dirty="0" err="1">
+                <a:latin typeface="Cascadia Code" pitchFamily="49" charset="0"/>
+                <a:cs typeface="Cascadia Code" pitchFamily="49" charset="0"/>
+              </a:rPr>
+              <a:t>y</a:t>
+            </a:r>
+            <a:r>
+              <a:rPr lang="ko-KR" altLang="en-US" sz="1600" dirty="0">
+                <a:latin typeface="Cascadia Code" pitchFamily="49" charset="0"/>
+                <a:cs typeface="Cascadia Code" pitchFamily="49" charset="0"/>
+              </a:rPr>
+              <a:t>;</a:t>
+            </a:r>
+          </a:p>
+          <a:p>
+            <a:endParaRPr lang="ko-KR" altLang="en-US" sz="1600" dirty="0">
+              <a:latin typeface="Cascadia Code" pitchFamily="49" charset="0"/>
+              <a:cs typeface="Cascadia Code" pitchFamily="49" charset="0"/>
+            </a:endParaRPr>
+          </a:p>
+          <a:p>
+            <a:r>
+              <a:rPr lang="ko-KR" altLang="en-US" sz="1600" dirty="0" err="1">
+                <a:latin typeface="Cascadia Code" pitchFamily="49" charset="0"/>
+                <a:cs typeface="Cascadia Code" pitchFamily="49" charset="0"/>
+              </a:rPr>
+              <a:t>public</a:t>
+            </a:r>
+            <a:r>
+              <a:rPr lang="ko-KR" altLang="en-US" sz="1600" dirty="0">
+                <a:latin typeface="Cascadia Code" pitchFamily="49" charset="0"/>
+                <a:cs typeface="Cascadia Code" pitchFamily="49" charset="0"/>
+              </a:rPr>
+              <a:t>:</a:t>
+            </a:r>
+          </a:p>
+          <a:p>
+            <a:r>
+              <a:rPr lang="ko-KR" altLang="en-US" sz="1600" dirty="0">
+                <a:latin typeface="Cascadia Code" pitchFamily="49" charset="0"/>
+                <a:cs typeface="Cascadia Code" pitchFamily="49" charset="0"/>
+              </a:rPr>
+              <a:t>    </a:t>
+            </a:r>
+            <a:r>
+              <a:rPr lang="ko-KR" altLang="en-US" sz="1600" dirty="0" err="1">
+                <a:latin typeface="Cascadia Code" pitchFamily="49" charset="0"/>
+                <a:cs typeface="Cascadia Code" pitchFamily="49" charset="0"/>
+              </a:rPr>
+              <a:t>void</a:t>
+            </a:r>
+            <a:r>
+              <a:rPr lang="ko-KR" altLang="en-US" sz="1600" dirty="0">
+                <a:latin typeface="Cascadia Code" pitchFamily="49" charset="0"/>
+                <a:cs typeface="Cascadia Code" pitchFamily="49" charset="0"/>
+              </a:rPr>
+              <a:t> </a:t>
+            </a:r>
+            <a:r>
+              <a:rPr lang="ko-KR" altLang="en-US" sz="1600" dirty="0" err="1">
+                <a:latin typeface="Cascadia Code" pitchFamily="49" charset="0"/>
+                <a:cs typeface="Cascadia Code" pitchFamily="49" charset="0"/>
+              </a:rPr>
+              <a:t>Set</a:t>
+            </a:r>
+            <a:r>
+              <a:rPr lang="ko-KR" altLang="en-US" sz="1600" dirty="0">
+                <a:latin typeface="Cascadia Code" pitchFamily="49" charset="0"/>
+                <a:cs typeface="Cascadia Code" pitchFamily="49" charset="0"/>
+              </a:rPr>
+              <a:t>(</a:t>
+            </a:r>
+            <a:r>
+              <a:rPr lang="ko-KR" altLang="en-US" sz="1600" dirty="0" err="1">
+                <a:latin typeface="Cascadia Code" pitchFamily="49" charset="0"/>
+                <a:cs typeface="Cascadia Code" pitchFamily="49" charset="0"/>
+              </a:rPr>
+              <a:t>int</a:t>
+            </a:r>
+            <a:r>
+              <a:rPr lang="ko-KR" altLang="en-US" sz="1600" dirty="0">
+                <a:latin typeface="Cascadia Code" pitchFamily="49" charset="0"/>
+                <a:cs typeface="Cascadia Code" pitchFamily="49" charset="0"/>
+              </a:rPr>
+              <a:t> </a:t>
+            </a:r>
+            <a:r>
+              <a:rPr lang="ko-KR" altLang="en-US" sz="1600" dirty="0" err="1">
+                <a:latin typeface="Cascadia Code" pitchFamily="49" charset="0"/>
+                <a:cs typeface="Cascadia Code" pitchFamily="49" charset="0"/>
+              </a:rPr>
+              <a:t>a</a:t>
+            </a:r>
+            <a:r>
+              <a:rPr lang="ko-KR" altLang="en-US" sz="1600" dirty="0">
+                <a:latin typeface="Cascadia Code" pitchFamily="49" charset="0"/>
+                <a:cs typeface="Cascadia Code" pitchFamily="49" charset="0"/>
+              </a:rPr>
+              <a:t>, </a:t>
+            </a:r>
+            <a:r>
+              <a:rPr lang="ko-KR" altLang="en-US" sz="1600" dirty="0" err="1">
+                <a:latin typeface="Cascadia Code" pitchFamily="49" charset="0"/>
+                <a:cs typeface="Cascadia Code" pitchFamily="49" charset="0"/>
+              </a:rPr>
+              <a:t>int</a:t>
+            </a:r>
+            <a:r>
+              <a:rPr lang="ko-KR" altLang="en-US" sz="1600" dirty="0">
+                <a:latin typeface="Cascadia Code" pitchFamily="49" charset="0"/>
+                <a:cs typeface="Cascadia Code" pitchFamily="49" charset="0"/>
+              </a:rPr>
+              <a:t> </a:t>
+            </a:r>
+            <a:r>
+              <a:rPr lang="ko-KR" altLang="en-US" sz="1600" dirty="0" err="1">
+                <a:latin typeface="Cascadia Code" pitchFamily="49" charset="0"/>
+                <a:cs typeface="Cascadia Code" pitchFamily="49" charset="0"/>
+              </a:rPr>
+              <a:t>b</a:t>
+            </a:r>
+            <a:r>
+              <a:rPr lang="ko-KR" altLang="en-US" sz="1600" dirty="0">
+                <a:latin typeface="Cascadia Code" pitchFamily="49" charset="0"/>
+                <a:cs typeface="Cascadia Code" pitchFamily="49" charset="0"/>
+              </a:rPr>
+              <a:t>)</a:t>
+            </a:r>
+          </a:p>
+          <a:p>
+            <a:r>
+              <a:rPr lang="ko-KR" altLang="en-US" sz="1600" dirty="0">
+                <a:latin typeface="Cascadia Code" pitchFamily="49" charset="0"/>
+                <a:cs typeface="Cascadia Code" pitchFamily="49" charset="0"/>
+              </a:rPr>
+              <a:t>    {</a:t>
+            </a:r>
+          </a:p>
+          <a:p>
+            <a:r>
+              <a:rPr lang="ko-KR" altLang="en-US" sz="1600" dirty="0">
+                <a:latin typeface="Cascadia Code" pitchFamily="49" charset="0"/>
+                <a:cs typeface="Cascadia Code" pitchFamily="49" charset="0"/>
+              </a:rPr>
+              <a:t>        </a:t>
+            </a:r>
+            <a:r>
+              <a:rPr lang="ko-KR" altLang="en-US" sz="1600" dirty="0" err="1">
+                <a:latin typeface="Cascadia Code" pitchFamily="49" charset="0"/>
+                <a:cs typeface="Cascadia Code" pitchFamily="49" charset="0"/>
+              </a:rPr>
+              <a:t>x</a:t>
+            </a:r>
+            <a:r>
+              <a:rPr lang="ko-KR" altLang="en-US" sz="1600" dirty="0">
+                <a:latin typeface="Cascadia Code" pitchFamily="49" charset="0"/>
+                <a:cs typeface="Cascadia Code" pitchFamily="49" charset="0"/>
+              </a:rPr>
+              <a:t> = </a:t>
+            </a:r>
+            <a:r>
+              <a:rPr lang="ko-KR" altLang="en-US" sz="1600" dirty="0" err="1">
+                <a:latin typeface="Cascadia Code" pitchFamily="49" charset="0"/>
+                <a:cs typeface="Cascadia Code" pitchFamily="49" charset="0"/>
+              </a:rPr>
+              <a:t>a</a:t>
+            </a:r>
+            <a:r>
+              <a:rPr lang="ko-KR" altLang="en-US" sz="1600" dirty="0">
+                <a:latin typeface="Cascadia Code" pitchFamily="49" charset="0"/>
+                <a:cs typeface="Cascadia Code" pitchFamily="49" charset="0"/>
+              </a:rPr>
+              <a:t>;</a:t>
+            </a:r>
+          </a:p>
+          <a:p>
+            <a:r>
+              <a:rPr lang="ko-KR" altLang="en-US" sz="1600" dirty="0">
+                <a:latin typeface="Cascadia Code" pitchFamily="49" charset="0"/>
+                <a:cs typeface="Cascadia Code" pitchFamily="49" charset="0"/>
+              </a:rPr>
+              <a:t>        </a:t>
+            </a:r>
+            <a:r>
+              <a:rPr lang="ko-KR" altLang="en-US" sz="1600" dirty="0" err="1">
+                <a:latin typeface="Cascadia Code" pitchFamily="49" charset="0"/>
+                <a:cs typeface="Cascadia Code" pitchFamily="49" charset="0"/>
+              </a:rPr>
+              <a:t>y</a:t>
+            </a:r>
+            <a:r>
+              <a:rPr lang="ko-KR" altLang="en-US" sz="1600" dirty="0">
+                <a:latin typeface="Cascadia Code" pitchFamily="49" charset="0"/>
+                <a:cs typeface="Cascadia Code" pitchFamily="49" charset="0"/>
+              </a:rPr>
+              <a:t> = </a:t>
+            </a:r>
+            <a:r>
+              <a:rPr lang="ko-KR" altLang="en-US" sz="1600" dirty="0" err="1">
+                <a:latin typeface="Cascadia Code" pitchFamily="49" charset="0"/>
+                <a:cs typeface="Cascadia Code" pitchFamily="49" charset="0"/>
+              </a:rPr>
+              <a:t>b</a:t>
+            </a:r>
+            <a:r>
+              <a:rPr lang="ko-KR" altLang="en-US" sz="1600" dirty="0">
+                <a:latin typeface="Cascadia Code" pitchFamily="49" charset="0"/>
+                <a:cs typeface="Cascadia Code" pitchFamily="49" charset="0"/>
+              </a:rPr>
+              <a:t>;</a:t>
+            </a:r>
+          </a:p>
+          <a:p>
+            <a:r>
+              <a:rPr lang="ko-KR" altLang="en-US" sz="1600" dirty="0">
+                <a:latin typeface="Cascadia Code" pitchFamily="49" charset="0"/>
+                <a:cs typeface="Cascadia Code" pitchFamily="49" charset="0"/>
+              </a:rPr>
+              <a:t>    }</a:t>
+            </a:r>
+          </a:p>
+          <a:p>
+            <a:r>
+              <a:rPr lang="ko-KR" altLang="en-US" sz="1600" dirty="0">
+                <a:latin typeface="Cascadia Code" pitchFamily="49" charset="0"/>
+                <a:cs typeface="Cascadia Code" pitchFamily="49" charset="0"/>
+              </a:rPr>
+              <a:t>};</a:t>
+            </a:r>
+          </a:p>
+          <a:p>
+            <a:endParaRPr lang="ko-KR" altLang="en-US" sz="1600" dirty="0">
+              <a:latin typeface="Cascadia Code" pitchFamily="49" charset="0"/>
+              <a:cs typeface="Cascadia Code" pitchFamily="49" charset="0"/>
+            </a:endParaRPr>
+          </a:p>
+          <a:p>
+            <a:r>
+              <a:rPr lang="ko-KR" altLang="en-US" sz="1600" dirty="0" err="1">
+                <a:latin typeface="Cascadia Code" pitchFamily="49" charset="0"/>
+                <a:cs typeface="Cascadia Code" pitchFamily="49" charset="0"/>
+              </a:rPr>
+              <a:t>int</a:t>
+            </a:r>
+            <a:r>
+              <a:rPr lang="ko-KR" altLang="en-US" sz="1600" dirty="0">
+                <a:latin typeface="Cascadia Code" pitchFamily="49" charset="0"/>
+                <a:cs typeface="Cascadia Code" pitchFamily="49" charset="0"/>
+              </a:rPr>
+              <a:t> </a:t>
+            </a:r>
+            <a:r>
+              <a:rPr lang="ko-KR" altLang="en-US" sz="1600" dirty="0" err="1">
+                <a:latin typeface="Cascadia Code" pitchFamily="49" charset="0"/>
+                <a:cs typeface="Cascadia Code" pitchFamily="49" charset="0"/>
+              </a:rPr>
+              <a:t>main</a:t>
+            </a:r>
+            <a:r>
+              <a:rPr lang="ko-KR" altLang="en-US" sz="1600" dirty="0">
+                <a:latin typeface="Cascadia Code" pitchFamily="49" charset="0"/>
+                <a:cs typeface="Cascadia Code" pitchFamily="49" charset="0"/>
+              </a:rPr>
+              <a:t>()</a:t>
+            </a:r>
+          </a:p>
+          <a:p>
+            <a:r>
+              <a:rPr lang="ko-KR" altLang="en-US" sz="1600" dirty="0">
+                <a:latin typeface="Cascadia Code" pitchFamily="49" charset="0"/>
+                <a:cs typeface="Cascadia Code" pitchFamily="49" charset="0"/>
+              </a:rPr>
+              <a:t>{</a:t>
+            </a:r>
+          </a:p>
+          <a:p>
+            <a:r>
+              <a:rPr lang="ko-KR" altLang="en-US" sz="1600" dirty="0">
+                <a:latin typeface="Cascadia Code" pitchFamily="49" charset="0"/>
+                <a:cs typeface="Cascadia Code" pitchFamily="49" charset="0"/>
+              </a:rPr>
+              <a:t>    </a:t>
+            </a:r>
+            <a:r>
+              <a:rPr lang="ko-KR" altLang="en-US" sz="1600" dirty="0" err="1">
+                <a:latin typeface="Cascadia Code" pitchFamily="49" charset="0"/>
+                <a:cs typeface="Cascadia Code" pitchFamily="49" charset="0"/>
+              </a:rPr>
+              <a:t>Point</a:t>
+            </a:r>
+            <a:r>
+              <a:rPr lang="ko-KR" altLang="en-US" sz="1600" dirty="0">
+                <a:latin typeface="Cascadia Code" pitchFamily="49" charset="0"/>
+                <a:cs typeface="Cascadia Code" pitchFamily="49" charset="0"/>
+              </a:rPr>
+              <a:t> pt1, pt2;</a:t>
+            </a:r>
+          </a:p>
+          <a:p>
+            <a:endParaRPr lang="ko-KR" altLang="en-US" sz="1600" dirty="0">
+              <a:latin typeface="Cascadia Code" pitchFamily="49" charset="0"/>
+              <a:cs typeface="Cascadia Code" pitchFamily="49" charset="0"/>
+            </a:endParaRPr>
+          </a:p>
+          <a:p>
+            <a:r>
+              <a:rPr lang="ko-KR" altLang="en-US" sz="1600" dirty="0">
+                <a:latin typeface="Cascadia Code" pitchFamily="49" charset="0"/>
+                <a:cs typeface="Cascadia Code" pitchFamily="49" charset="0"/>
+              </a:rPr>
+              <a:t>    pt1.Set(10, 20);</a:t>
+            </a:r>
+          </a:p>
+          <a:p>
+            <a:r>
+              <a:rPr lang="ko-KR" altLang="en-US" sz="1600" dirty="0">
+                <a:latin typeface="Cascadia Code" pitchFamily="49" charset="0"/>
+                <a:cs typeface="Cascadia Code" pitchFamily="49" charset="0"/>
+              </a:rPr>
+              <a:t>    pt2.Set(100, 200);</a:t>
+            </a:r>
+          </a:p>
+          <a:p>
+            <a:r>
+              <a:rPr lang="ko-KR" altLang="en-US" sz="1600" dirty="0">
+                <a:latin typeface="Cascadia Code" pitchFamily="49" charset="0"/>
+                <a:cs typeface="Cascadia Code" pitchFamily="49" charset="0"/>
+              </a:rPr>
+              <a:t>}</a:t>
+            </a:r>
+          </a:p>
+        </p:txBody>
+      </p:sp>
+      <p:sp>
+        <p:nvSpPr>
+          <p:cNvPr id="6" name="직사각형 5">
+            <a:extLst>
+              <a:ext uri="{FF2B5EF4-FFF2-40B4-BE49-F238E27FC236}">
+                <a16:creationId xmlns:a16="http://schemas.microsoft.com/office/drawing/2014/main" id="{BB5B35A2-7DF0-625E-7CEB-232D0C094D3A}"/>
+              </a:ext>
+            </a:extLst>
+          </p:cNvPr>
+          <p:cNvSpPr/>
+          <p:nvPr/>
+        </p:nvSpPr>
+        <p:spPr>
+          <a:xfrm>
+            <a:off x="5280428" y="4279698"/>
+            <a:ext cx="1120140" cy="610463"/>
+          </a:xfrm>
+          <a:prstGeom prst="rect">
+            <a:avLst/>
+          </a:prstGeom>
+          <a:solidFill>
+            <a:srgbClr val="FFFF00"/>
+          </a:solidFill>
+        </p:spPr>
+        <p:style>
+          <a:lnRef idx="2">
+            <a:schemeClr val="accent1">
+              <a:shade val="15000"/>
+            </a:schemeClr>
+          </a:lnRef>
+          <a:fillRef idx="1">
+            <a:schemeClr val="accent1"/>
+          </a:fillRef>
+          <a:effectRef idx="0">
+            <a:schemeClr val="accent1"/>
+          </a:effectRef>
+          <a:fontRef idx="minor">
+            <a:schemeClr val="lt1"/>
+          </a:fontRef>
+        </p:style>
+        <p:txBody>
+          <a:bodyPr rtlCol="0" anchor="ctr"/>
+          <a:lstStyle/>
+          <a:p>
+            <a:pPr algn="ctr"/>
+            <a:endParaRPr kumimoji="1" lang="ko-KR" altLang="en-US" sz="1600" dirty="0">
+              <a:solidFill>
+                <a:srgbClr val="FF0000"/>
+              </a:solidFill>
+              <a:latin typeface="Cascadia Code" pitchFamily="49" charset="0"/>
+              <a:cs typeface="Cascadia Code" pitchFamily="49" charset="0"/>
+            </a:endParaRPr>
+          </a:p>
+        </p:txBody>
+      </p:sp>
+      <p:sp>
+        <p:nvSpPr>
+          <p:cNvPr id="7" name="TextBox 6">
+            <a:extLst>
+              <a:ext uri="{FF2B5EF4-FFF2-40B4-BE49-F238E27FC236}">
+                <a16:creationId xmlns:a16="http://schemas.microsoft.com/office/drawing/2014/main" id="{6CEE5D95-E64C-B6EE-94C1-602473EC3528}"/>
+              </a:ext>
+            </a:extLst>
+          </p:cNvPr>
+          <p:cNvSpPr txBox="1"/>
+          <p:nvPr/>
+        </p:nvSpPr>
+        <p:spPr>
+          <a:xfrm>
+            <a:off x="5013728" y="4415652"/>
+            <a:ext cx="236220" cy="338554"/>
+          </a:xfrm>
+          <a:prstGeom prst="rect">
+            <a:avLst/>
+          </a:prstGeom>
+          <a:noFill/>
+        </p:spPr>
+        <p:txBody>
+          <a:bodyPr wrap="square" rtlCol="0">
+            <a:spAutoFit/>
+          </a:bodyPr>
+          <a:lstStyle/>
+          <a:p>
+            <a:pPr algn="ctr"/>
+            <a:r>
+              <a:rPr kumimoji="1" lang="en-US" altLang="ko-KR" sz="1600" dirty="0">
+                <a:latin typeface="Cascadia Code" pitchFamily="49" charset="0"/>
+                <a:ea typeface="Cascadia Code" pitchFamily="49" charset="0"/>
+                <a:cs typeface="Cascadia Code" pitchFamily="49" charset="0"/>
+              </a:rPr>
+              <a:t>x</a:t>
+            </a:r>
+            <a:endParaRPr kumimoji="1" lang="ko-KR" altLang="en-US" sz="1600" dirty="0">
+              <a:latin typeface="Cascadia Code" pitchFamily="49" charset="0"/>
+              <a:ea typeface="Cascadia Code" pitchFamily="49" charset="0"/>
+              <a:cs typeface="Cascadia Code" pitchFamily="49" charset="0"/>
+            </a:endParaRPr>
+          </a:p>
+        </p:txBody>
+      </p:sp>
+      <p:sp>
+        <p:nvSpPr>
+          <p:cNvPr id="8" name="직사각형 7">
+            <a:extLst>
+              <a:ext uri="{FF2B5EF4-FFF2-40B4-BE49-F238E27FC236}">
+                <a16:creationId xmlns:a16="http://schemas.microsoft.com/office/drawing/2014/main" id="{2ADF19F1-7365-F6E6-30F8-DE8DAC861251}"/>
+              </a:ext>
+            </a:extLst>
+          </p:cNvPr>
+          <p:cNvSpPr/>
+          <p:nvPr/>
+        </p:nvSpPr>
+        <p:spPr>
+          <a:xfrm>
+            <a:off x="5280428" y="4890161"/>
+            <a:ext cx="1120140" cy="610463"/>
+          </a:xfrm>
+          <a:prstGeom prst="rect">
+            <a:avLst/>
+          </a:prstGeom>
+          <a:solidFill>
+            <a:srgbClr val="FFFF00"/>
+          </a:solidFill>
+        </p:spPr>
+        <p:style>
+          <a:lnRef idx="2">
+            <a:schemeClr val="accent1">
+              <a:shade val="15000"/>
+            </a:schemeClr>
+          </a:lnRef>
+          <a:fillRef idx="1">
+            <a:schemeClr val="accent1"/>
+          </a:fillRef>
+          <a:effectRef idx="0">
+            <a:schemeClr val="accent1"/>
+          </a:effectRef>
+          <a:fontRef idx="minor">
+            <a:schemeClr val="lt1"/>
+          </a:fontRef>
+        </p:style>
+        <p:txBody>
+          <a:bodyPr rtlCol="0" anchor="ctr"/>
+          <a:lstStyle/>
+          <a:p>
+            <a:pPr algn="ctr"/>
+            <a:endParaRPr kumimoji="1" lang="ko-KR" altLang="en-US" sz="1600" dirty="0">
+              <a:solidFill>
+                <a:srgbClr val="FF0000"/>
+              </a:solidFill>
+              <a:latin typeface="Cascadia Code" pitchFamily="49" charset="0"/>
+              <a:cs typeface="Cascadia Code" pitchFamily="49" charset="0"/>
+            </a:endParaRPr>
+          </a:p>
+        </p:txBody>
+      </p:sp>
+      <p:sp>
+        <p:nvSpPr>
+          <p:cNvPr id="9" name="TextBox 8">
+            <a:extLst>
+              <a:ext uri="{FF2B5EF4-FFF2-40B4-BE49-F238E27FC236}">
+                <a16:creationId xmlns:a16="http://schemas.microsoft.com/office/drawing/2014/main" id="{72738311-484F-2AE4-9D83-EAC231DE5AA5}"/>
+              </a:ext>
+            </a:extLst>
+          </p:cNvPr>
+          <p:cNvSpPr txBox="1"/>
+          <p:nvPr/>
+        </p:nvSpPr>
+        <p:spPr>
+          <a:xfrm>
+            <a:off x="5013728" y="5026115"/>
+            <a:ext cx="236220" cy="338554"/>
+          </a:xfrm>
+          <a:prstGeom prst="rect">
+            <a:avLst/>
+          </a:prstGeom>
+          <a:noFill/>
+        </p:spPr>
+        <p:txBody>
+          <a:bodyPr wrap="square" rtlCol="0">
+            <a:spAutoFit/>
+          </a:bodyPr>
+          <a:lstStyle/>
+          <a:p>
+            <a:pPr algn="ctr"/>
+            <a:r>
+              <a:rPr kumimoji="1" lang="en-US" altLang="ko-KR" sz="1600" dirty="0">
+                <a:latin typeface="Cascadia Code" pitchFamily="49" charset="0"/>
+                <a:ea typeface="Cascadia Code" pitchFamily="49" charset="0"/>
+                <a:cs typeface="Cascadia Code" pitchFamily="49" charset="0"/>
+              </a:rPr>
+              <a:t>y</a:t>
+            </a:r>
+            <a:endParaRPr kumimoji="1" lang="ko-KR" altLang="en-US" sz="1600" dirty="0">
+              <a:latin typeface="Cascadia Code" pitchFamily="49" charset="0"/>
+              <a:ea typeface="Cascadia Code" pitchFamily="49" charset="0"/>
+              <a:cs typeface="Cascadia Code" pitchFamily="49" charset="0"/>
+            </a:endParaRPr>
+          </a:p>
+        </p:txBody>
+      </p:sp>
+      <p:sp>
+        <p:nvSpPr>
+          <p:cNvPr id="10" name="TextBox 9">
+            <a:extLst>
+              <a:ext uri="{FF2B5EF4-FFF2-40B4-BE49-F238E27FC236}">
+                <a16:creationId xmlns:a16="http://schemas.microsoft.com/office/drawing/2014/main" id="{DA5AE5A1-8719-6C4B-370B-31E476F7D442}"/>
+              </a:ext>
+            </a:extLst>
+          </p:cNvPr>
+          <p:cNvSpPr txBox="1"/>
+          <p:nvPr/>
+        </p:nvSpPr>
+        <p:spPr>
+          <a:xfrm>
+            <a:off x="5387339" y="3884596"/>
+            <a:ext cx="906317" cy="369332"/>
+          </a:xfrm>
+          <a:prstGeom prst="rect">
+            <a:avLst/>
+          </a:prstGeom>
+          <a:noFill/>
+        </p:spPr>
+        <p:txBody>
+          <a:bodyPr wrap="square">
+            <a:spAutoFit/>
+          </a:bodyPr>
+          <a:lstStyle/>
+          <a:p>
+            <a:pPr algn="ctr"/>
+            <a:r>
+              <a:rPr lang="ko-KR" altLang="en-US" dirty="0">
+                <a:latin typeface="Cascadia Code" pitchFamily="49" charset="0"/>
+                <a:cs typeface="Cascadia Code" pitchFamily="49" charset="0"/>
+              </a:rPr>
+              <a:t>pt1</a:t>
+            </a:r>
+            <a:endParaRPr lang="ko-KR" altLang="en-US" dirty="0"/>
+          </a:p>
+        </p:txBody>
+      </p:sp>
+      <p:sp>
+        <p:nvSpPr>
+          <p:cNvPr id="11" name="직사각형 10">
+            <a:extLst>
+              <a:ext uri="{FF2B5EF4-FFF2-40B4-BE49-F238E27FC236}">
+                <a16:creationId xmlns:a16="http://schemas.microsoft.com/office/drawing/2014/main" id="{7155CB18-EE4F-24C0-F1B5-7699DED820C9}"/>
+              </a:ext>
+            </a:extLst>
+          </p:cNvPr>
+          <p:cNvSpPr/>
+          <p:nvPr/>
+        </p:nvSpPr>
+        <p:spPr>
+          <a:xfrm>
+            <a:off x="8120610" y="4253928"/>
+            <a:ext cx="1120140" cy="610463"/>
+          </a:xfrm>
+          <a:prstGeom prst="rect">
+            <a:avLst/>
+          </a:prstGeom>
+          <a:solidFill>
+            <a:srgbClr val="FFFF00"/>
+          </a:solidFill>
+        </p:spPr>
+        <p:style>
+          <a:lnRef idx="2">
+            <a:schemeClr val="accent1">
+              <a:shade val="15000"/>
+            </a:schemeClr>
+          </a:lnRef>
+          <a:fillRef idx="1">
+            <a:schemeClr val="accent1"/>
+          </a:fillRef>
+          <a:effectRef idx="0">
+            <a:schemeClr val="accent1"/>
+          </a:effectRef>
+          <a:fontRef idx="minor">
+            <a:schemeClr val="lt1"/>
+          </a:fontRef>
+        </p:style>
+        <p:txBody>
+          <a:bodyPr rtlCol="0" anchor="ctr"/>
+          <a:lstStyle/>
+          <a:p>
+            <a:pPr algn="ctr"/>
+            <a:endParaRPr kumimoji="1" lang="ko-KR" altLang="en-US" sz="1600" dirty="0">
+              <a:solidFill>
+                <a:srgbClr val="FF0000"/>
+              </a:solidFill>
+              <a:latin typeface="Cascadia Code" pitchFamily="49" charset="0"/>
+              <a:cs typeface="Cascadia Code" pitchFamily="49" charset="0"/>
+            </a:endParaRPr>
+          </a:p>
+        </p:txBody>
+      </p:sp>
+      <p:sp>
+        <p:nvSpPr>
+          <p:cNvPr id="12" name="TextBox 11">
+            <a:extLst>
+              <a:ext uri="{FF2B5EF4-FFF2-40B4-BE49-F238E27FC236}">
+                <a16:creationId xmlns:a16="http://schemas.microsoft.com/office/drawing/2014/main" id="{868CE8FC-5B7E-B504-D2AF-2F71FA249F23}"/>
+              </a:ext>
+            </a:extLst>
+          </p:cNvPr>
+          <p:cNvSpPr txBox="1"/>
+          <p:nvPr/>
+        </p:nvSpPr>
+        <p:spPr>
+          <a:xfrm>
+            <a:off x="7853910" y="4389882"/>
+            <a:ext cx="236220" cy="338554"/>
+          </a:xfrm>
+          <a:prstGeom prst="rect">
+            <a:avLst/>
+          </a:prstGeom>
+          <a:noFill/>
+        </p:spPr>
+        <p:txBody>
+          <a:bodyPr wrap="square" rtlCol="0">
+            <a:spAutoFit/>
+          </a:bodyPr>
+          <a:lstStyle/>
+          <a:p>
+            <a:pPr algn="ctr"/>
+            <a:r>
+              <a:rPr kumimoji="1" lang="en-US" altLang="ko-KR" sz="1600" dirty="0">
+                <a:latin typeface="Cascadia Code" pitchFamily="49" charset="0"/>
+                <a:ea typeface="Cascadia Code" pitchFamily="49" charset="0"/>
+                <a:cs typeface="Cascadia Code" pitchFamily="49" charset="0"/>
+              </a:rPr>
+              <a:t>x</a:t>
+            </a:r>
+            <a:endParaRPr kumimoji="1" lang="ko-KR" altLang="en-US" sz="1600" dirty="0">
+              <a:latin typeface="Cascadia Code" pitchFamily="49" charset="0"/>
+              <a:ea typeface="Cascadia Code" pitchFamily="49" charset="0"/>
+              <a:cs typeface="Cascadia Code" pitchFamily="49" charset="0"/>
+            </a:endParaRPr>
+          </a:p>
+        </p:txBody>
+      </p:sp>
+      <p:sp>
+        <p:nvSpPr>
+          <p:cNvPr id="13" name="직사각형 12">
+            <a:extLst>
+              <a:ext uri="{FF2B5EF4-FFF2-40B4-BE49-F238E27FC236}">
+                <a16:creationId xmlns:a16="http://schemas.microsoft.com/office/drawing/2014/main" id="{1E9A923E-05E3-E060-E5E8-EF354EF110AF}"/>
+              </a:ext>
+            </a:extLst>
+          </p:cNvPr>
+          <p:cNvSpPr/>
+          <p:nvPr/>
+        </p:nvSpPr>
+        <p:spPr>
+          <a:xfrm>
+            <a:off x="8120610" y="4864391"/>
+            <a:ext cx="1120140" cy="610463"/>
+          </a:xfrm>
+          <a:prstGeom prst="rect">
+            <a:avLst/>
+          </a:prstGeom>
+          <a:solidFill>
+            <a:srgbClr val="FFFF00"/>
+          </a:solidFill>
+        </p:spPr>
+        <p:style>
+          <a:lnRef idx="2">
+            <a:schemeClr val="accent1">
+              <a:shade val="15000"/>
+            </a:schemeClr>
+          </a:lnRef>
+          <a:fillRef idx="1">
+            <a:schemeClr val="accent1"/>
+          </a:fillRef>
+          <a:effectRef idx="0">
+            <a:schemeClr val="accent1"/>
+          </a:effectRef>
+          <a:fontRef idx="minor">
+            <a:schemeClr val="lt1"/>
+          </a:fontRef>
+        </p:style>
+        <p:txBody>
+          <a:bodyPr rtlCol="0" anchor="ctr"/>
+          <a:lstStyle/>
+          <a:p>
+            <a:pPr algn="ctr"/>
+            <a:endParaRPr kumimoji="1" lang="ko-KR" altLang="en-US" sz="1600" dirty="0">
+              <a:solidFill>
+                <a:srgbClr val="FF0000"/>
+              </a:solidFill>
+              <a:latin typeface="Cascadia Code" pitchFamily="49" charset="0"/>
+              <a:cs typeface="Cascadia Code" pitchFamily="49" charset="0"/>
+            </a:endParaRPr>
+          </a:p>
+        </p:txBody>
+      </p:sp>
+      <p:sp>
+        <p:nvSpPr>
+          <p:cNvPr id="14" name="TextBox 13">
+            <a:extLst>
+              <a:ext uri="{FF2B5EF4-FFF2-40B4-BE49-F238E27FC236}">
+                <a16:creationId xmlns:a16="http://schemas.microsoft.com/office/drawing/2014/main" id="{78C77A4A-1DD4-2FAA-0A96-3DD6DEB52EFA}"/>
+              </a:ext>
+            </a:extLst>
+          </p:cNvPr>
+          <p:cNvSpPr txBox="1"/>
+          <p:nvPr/>
+        </p:nvSpPr>
+        <p:spPr>
+          <a:xfrm>
+            <a:off x="7853910" y="5000345"/>
+            <a:ext cx="236220" cy="338554"/>
+          </a:xfrm>
+          <a:prstGeom prst="rect">
+            <a:avLst/>
+          </a:prstGeom>
+          <a:noFill/>
+        </p:spPr>
+        <p:txBody>
+          <a:bodyPr wrap="square" rtlCol="0">
+            <a:spAutoFit/>
+          </a:bodyPr>
+          <a:lstStyle/>
+          <a:p>
+            <a:pPr algn="ctr"/>
+            <a:r>
+              <a:rPr kumimoji="1" lang="en-US" altLang="ko-KR" sz="1600" dirty="0">
+                <a:latin typeface="Cascadia Code" pitchFamily="49" charset="0"/>
+                <a:ea typeface="Cascadia Code" pitchFamily="49" charset="0"/>
+                <a:cs typeface="Cascadia Code" pitchFamily="49" charset="0"/>
+              </a:rPr>
+              <a:t>y</a:t>
+            </a:r>
+            <a:endParaRPr kumimoji="1" lang="ko-KR" altLang="en-US" sz="1600" dirty="0">
+              <a:latin typeface="Cascadia Code" pitchFamily="49" charset="0"/>
+              <a:ea typeface="Cascadia Code" pitchFamily="49" charset="0"/>
+              <a:cs typeface="Cascadia Code" pitchFamily="49" charset="0"/>
+            </a:endParaRPr>
+          </a:p>
+        </p:txBody>
+      </p:sp>
+      <p:sp>
+        <p:nvSpPr>
+          <p:cNvPr id="15" name="TextBox 14">
+            <a:extLst>
+              <a:ext uri="{FF2B5EF4-FFF2-40B4-BE49-F238E27FC236}">
+                <a16:creationId xmlns:a16="http://schemas.microsoft.com/office/drawing/2014/main" id="{833398FA-38CF-1711-73F5-519DB15760C9}"/>
+              </a:ext>
+            </a:extLst>
+          </p:cNvPr>
+          <p:cNvSpPr txBox="1"/>
+          <p:nvPr/>
+        </p:nvSpPr>
+        <p:spPr>
+          <a:xfrm>
+            <a:off x="8227521" y="3858826"/>
+            <a:ext cx="906317" cy="369332"/>
+          </a:xfrm>
+          <a:prstGeom prst="rect">
+            <a:avLst/>
+          </a:prstGeom>
+          <a:noFill/>
+        </p:spPr>
+        <p:txBody>
+          <a:bodyPr wrap="square">
+            <a:spAutoFit/>
+          </a:bodyPr>
+          <a:lstStyle/>
+          <a:p>
+            <a:pPr algn="ctr"/>
+            <a:r>
+              <a:rPr lang="ko-KR" altLang="en-US" dirty="0" err="1">
+                <a:latin typeface="Cascadia Code" pitchFamily="49" charset="0"/>
+                <a:cs typeface="Cascadia Code" pitchFamily="49" charset="0"/>
+              </a:rPr>
+              <a:t>pt</a:t>
+            </a:r>
+            <a:r>
+              <a:rPr lang="en-US" altLang="ko-KR" dirty="0">
+                <a:latin typeface="Cascadia Code" pitchFamily="49" charset="0"/>
+                <a:cs typeface="Cascadia Code" pitchFamily="49" charset="0"/>
+              </a:rPr>
+              <a:t>2</a:t>
+            </a:r>
+            <a:endParaRPr lang="ko-KR" altLang="en-US" dirty="0"/>
+          </a:p>
+        </p:txBody>
+      </p:sp>
+      <p:sp>
+        <p:nvSpPr>
+          <p:cNvPr id="3" name="TextBox 2">
+            <a:extLst>
+              <a:ext uri="{FF2B5EF4-FFF2-40B4-BE49-F238E27FC236}">
+                <a16:creationId xmlns:a16="http://schemas.microsoft.com/office/drawing/2014/main" id="{76E2CC32-54AE-85F3-EB07-264C01ED1231}"/>
+              </a:ext>
+            </a:extLst>
+          </p:cNvPr>
+          <p:cNvSpPr txBox="1"/>
+          <p:nvPr/>
+        </p:nvSpPr>
+        <p:spPr>
+          <a:xfrm>
+            <a:off x="4774046" y="990790"/>
+            <a:ext cx="6004790" cy="1477328"/>
+          </a:xfrm>
+          <a:prstGeom prst="rect">
+            <a:avLst/>
+          </a:prstGeom>
+          <a:noFill/>
+        </p:spPr>
+        <p:txBody>
+          <a:bodyPr wrap="square">
+            <a:spAutoFit/>
+          </a:bodyPr>
+          <a:lstStyle/>
+          <a:p>
+            <a:r>
+              <a:rPr lang="ko-KR" altLang="en-US" sz="1800" dirty="0" err="1">
+                <a:latin typeface="Cascadia Code" pitchFamily="49" charset="0"/>
+                <a:cs typeface="Cascadia Code" pitchFamily="49" charset="0"/>
+              </a:rPr>
+              <a:t>void</a:t>
+            </a:r>
+            <a:r>
+              <a:rPr lang="ko-KR" altLang="en-US" sz="1800" dirty="0">
+                <a:latin typeface="Cascadia Code" pitchFamily="49" charset="0"/>
+                <a:cs typeface="Cascadia Code" pitchFamily="49" charset="0"/>
+              </a:rPr>
+              <a:t> </a:t>
+            </a:r>
+            <a:r>
+              <a:rPr lang="ko-KR" altLang="en-US" sz="1800" dirty="0" err="1">
+                <a:latin typeface="Cascadia Code" pitchFamily="49" charset="0"/>
+                <a:cs typeface="Cascadia Code" pitchFamily="49" charset="0"/>
+              </a:rPr>
+              <a:t>Set</a:t>
+            </a:r>
+            <a:r>
+              <a:rPr lang="ko-KR" altLang="en-US" sz="1800" dirty="0">
+                <a:latin typeface="Cascadia Code" pitchFamily="49" charset="0"/>
+                <a:cs typeface="Cascadia Code" pitchFamily="49" charset="0"/>
+              </a:rPr>
+              <a:t>(</a:t>
+            </a:r>
+            <a:r>
+              <a:rPr lang="en-US" altLang="ko-KR" sz="1800" dirty="0">
+                <a:solidFill>
+                  <a:srgbClr val="FF0000"/>
+                </a:solidFill>
+                <a:latin typeface="Cascadia Code" pitchFamily="49" charset="0"/>
+                <a:cs typeface="Cascadia Code" pitchFamily="49" charset="0"/>
+              </a:rPr>
+              <a:t>Point* this,</a:t>
+            </a:r>
+            <a:r>
+              <a:rPr lang="en-US" altLang="ko-KR" sz="1800" dirty="0">
+                <a:latin typeface="Cascadia Code" pitchFamily="49" charset="0"/>
+                <a:cs typeface="Cascadia Code" pitchFamily="49" charset="0"/>
+              </a:rPr>
+              <a:t> </a:t>
+            </a:r>
+            <a:r>
+              <a:rPr lang="ko-KR" altLang="en-US" sz="1800" dirty="0" err="1">
+                <a:latin typeface="Cascadia Code" pitchFamily="49" charset="0"/>
+                <a:cs typeface="Cascadia Code" pitchFamily="49" charset="0"/>
+              </a:rPr>
+              <a:t>int</a:t>
+            </a:r>
+            <a:r>
+              <a:rPr lang="ko-KR" altLang="en-US" sz="1800" dirty="0">
+                <a:latin typeface="Cascadia Code" pitchFamily="49" charset="0"/>
+                <a:cs typeface="Cascadia Code" pitchFamily="49" charset="0"/>
+              </a:rPr>
+              <a:t> </a:t>
+            </a:r>
+            <a:r>
+              <a:rPr lang="ko-KR" altLang="en-US" sz="1800" dirty="0" err="1">
+                <a:latin typeface="Cascadia Code" pitchFamily="49" charset="0"/>
+                <a:cs typeface="Cascadia Code" pitchFamily="49" charset="0"/>
+              </a:rPr>
+              <a:t>a</a:t>
+            </a:r>
+            <a:r>
+              <a:rPr lang="ko-KR" altLang="en-US" sz="1800" dirty="0">
+                <a:latin typeface="Cascadia Code" pitchFamily="49" charset="0"/>
+                <a:cs typeface="Cascadia Code" pitchFamily="49" charset="0"/>
+              </a:rPr>
+              <a:t>, </a:t>
+            </a:r>
+            <a:r>
+              <a:rPr lang="ko-KR" altLang="en-US" sz="1800" dirty="0" err="1">
+                <a:latin typeface="Cascadia Code" pitchFamily="49" charset="0"/>
+                <a:cs typeface="Cascadia Code" pitchFamily="49" charset="0"/>
+              </a:rPr>
+              <a:t>int</a:t>
+            </a:r>
+            <a:r>
+              <a:rPr lang="ko-KR" altLang="en-US" sz="1800" dirty="0">
+                <a:latin typeface="Cascadia Code" pitchFamily="49" charset="0"/>
+                <a:cs typeface="Cascadia Code" pitchFamily="49" charset="0"/>
+              </a:rPr>
+              <a:t> </a:t>
+            </a:r>
+            <a:r>
+              <a:rPr lang="ko-KR" altLang="en-US" sz="1800" dirty="0" err="1">
+                <a:latin typeface="Cascadia Code" pitchFamily="49" charset="0"/>
+                <a:cs typeface="Cascadia Code" pitchFamily="49" charset="0"/>
+              </a:rPr>
+              <a:t>b</a:t>
+            </a:r>
+            <a:r>
+              <a:rPr lang="ko-KR" altLang="en-US" sz="1800" dirty="0">
+                <a:latin typeface="Cascadia Code" pitchFamily="49" charset="0"/>
+                <a:cs typeface="Cascadia Code" pitchFamily="49" charset="0"/>
+              </a:rPr>
+              <a:t>)</a:t>
+            </a:r>
+          </a:p>
+          <a:p>
+            <a:r>
+              <a:rPr lang="ko-KR" altLang="en-US" sz="1800" dirty="0">
+                <a:latin typeface="Cascadia Code" pitchFamily="49" charset="0"/>
+                <a:cs typeface="Cascadia Code" pitchFamily="49" charset="0"/>
+              </a:rPr>
+              <a:t>{</a:t>
+            </a:r>
+          </a:p>
+          <a:p>
+            <a:r>
+              <a:rPr lang="ko-KR" altLang="en-US" sz="1800" dirty="0">
+                <a:latin typeface="Cascadia Code" pitchFamily="49" charset="0"/>
+                <a:cs typeface="Cascadia Code" pitchFamily="49" charset="0"/>
+              </a:rPr>
+              <a:t>    </a:t>
+            </a:r>
+            <a:r>
+              <a:rPr lang="en-US" altLang="ko-KR" dirty="0">
+                <a:solidFill>
+                  <a:srgbClr val="FF0000"/>
+                </a:solidFill>
+                <a:latin typeface="Cascadia Code" pitchFamily="49" charset="0"/>
+                <a:cs typeface="Cascadia Code" pitchFamily="49" charset="0"/>
+              </a:rPr>
+              <a:t>this-&gt;</a:t>
+            </a:r>
+            <a:r>
+              <a:rPr lang="ko-KR" altLang="en-US" sz="1800" dirty="0" err="1">
+                <a:latin typeface="Cascadia Code" pitchFamily="49" charset="0"/>
+                <a:cs typeface="Cascadia Code" pitchFamily="49" charset="0"/>
+              </a:rPr>
+              <a:t>x</a:t>
+            </a:r>
+            <a:r>
+              <a:rPr lang="ko-KR" altLang="en-US" sz="1800" dirty="0">
+                <a:latin typeface="Cascadia Code" pitchFamily="49" charset="0"/>
+                <a:cs typeface="Cascadia Code" pitchFamily="49" charset="0"/>
+              </a:rPr>
+              <a:t> = </a:t>
+            </a:r>
+            <a:r>
+              <a:rPr lang="ko-KR" altLang="en-US" sz="1800" dirty="0" err="1">
+                <a:latin typeface="Cascadia Code" pitchFamily="49" charset="0"/>
+                <a:cs typeface="Cascadia Code" pitchFamily="49" charset="0"/>
+              </a:rPr>
+              <a:t>a</a:t>
+            </a:r>
+            <a:r>
+              <a:rPr lang="ko-KR" altLang="en-US" sz="1800" dirty="0">
+                <a:latin typeface="Cascadia Code" pitchFamily="49" charset="0"/>
+                <a:cs typeface="Cascadia Code" pitchFamily="49" charset="0"/>
+              </a:rPr>
+              <a:t>;</a:t>
+            </a:r>
+          </a:p>
+          <a:p>
+            <a:r>
+              <a:rPr lang="en-US" altLang="ko-KR" sz="1800" dirty="0">
+                <a:latin typeface="Cascadia Code" pitchFamily="49" charset="0"/>
+                <a:cs typeface="Cascadia Code" pitchFamily="49" charset="0"/>
+              </a:rPr>
+              <a:t>   </a:t>
+            </a:r>
+            <a:r>
+              <a:rPr lang="ko-KR" altLang="en-US" sz="1800" dirty="0">
+                <a:latin typeface="Cascadia Code" pitchFamily="49" charset="0"/>
+                <a:cs typeface="Cascadia Code" pitchFamily="49" charset="0"/>
+              </a:rPr>
+              <a:t> </a:t>
+            </a:r>
+            <a:r>
+              <a:rPr lang="en-US" altLang="ko-KR" dirty="0">
+                <a:solidFill>
+                  <a:srgbClr val="FF0000"/>
+                </a:solidFill>
+                <a:latin typeface="Cascadia Code" pitchFamily="49" charset="0"/>
+                <a:cs typeface="Cascadia Code" pitchFamily="49" charset="0"/>
+              </a:rPr>
+              <a:t>this-&gt;</a:t>
+            </a:r>
+            <a:r>
+              <a:rPr lang="ko-KR" altLang="en-US" sz="1800" dirty="0" err="1">
+                <a:latin typeface="Cascadia Code" pitchFamily="49" charset="0"/>
+                <a:cs typeface="Cascadia Code" pitchFamily="49" charset="0"/>
+              </a:rPr>
+              <a:t>y</a:t>
+            </a:r>
+            <a:r>
+              <a:rPr lang="ko-KR" altLang="en-US" sz="1800" dirty="0">
+                <a:latin typeface="Cascadia Code" pitchFamily="49" charset="0"/>
+                <a:cs typeface="Cascadia Code" pitchFamily="49" charset="0"/>
+              </a:rPr>
+              <a:t> = </a:t>
+            </a:r>
+            <a:r>
+              <a:rPr lang="ko-KR" altLang="en-US" sz="1800" dirty="0" err="1">
+                <a:latin typeface="Cascadia Code" pitchFamily="49" charset="0"/>
+                <a:cs typeface="Cascadia Code" pitchFamily="49" charset="0"/>
+              </a:rPr>
+              <a:t>b</a:t>
+            </a:r>
+            <a:r>
+              <a:rPr lang="ko-KR" altLang="en-US" sz="1800" dirty="0">
+                <a:latin typeface="Cascadia Code" pitchFamily="49" charset="0"/>
+                <a:cs typeface="Cascadia Code" pitchFamily="49" charset="0"/>
+              </a:rPr>
+              <a:t>;</a:t>
+            </a:r>
+          </a:p>
+          <a:p>
+            <a:r>
+              <a:rPr lang="ko-KR" altLang="en-US" sz="1800" dirty="0">
+                <a:latin typeface="Cascadia Code" pitchFamily="49" charset="0"/>
+                <a:cs typeface="Cascadia Code" pitchFamily="49" charset="0"/>
+              </a:rPr>
+              <a:t>}</a:t>
+            </a:r>
+            <a:endParaRPr lang="ko-KR" altLang="en-US" dirty="0"/>
+          </a:p>
+        </p:txBody>
+      </p:sp>
+    </p:spTree>
+    <p:extLst>
+      <p:ext uri="{BB962C8B-B14F-4D97-AF65-F5344CB8AC3E}">
+        <p14:creationId xmlns:p14="http://schemas.microsoft.com/office/powerpoint/2010/main" val="3486571600"/>
+      </p:ext>
+    </p:extLst>
+  </p:cSld>
+  <p:clrMapOvr>
+    <a:masterClrMapping/>
+  </p:clrMapOvr>
+</p:sld>
+</file>
+
+<file path=ppt/slides/slide24.xml><?xml version="1.0" encoding="utf-8"?>
+<p:sld xmlns:a="http://schemas.openxmlformats.org/drawingml/2006/main" xmlns:r="http://schemas.openxmlformats.org/officeDocument/2006/relationships" xmlns:p="http://schemas.openxmlformats.org/presentationml/2006/main">
+  <p:cSld>
+    <p:spTree>
+      <p:nvGrpSpPr>
+        <p:cNvPr id="1" name=""/>
+        <p:cNvGrpSpPr/>
+        <p:nvPr/>
+      </p:nvGrpSpPr>
+      <p:grpSpPr>
+        <a:xfrm>
+          <a:off x="0" y="0"/>
+          <a:ext cx="0" cy="0"/>
+          <a:chOff x="0" y="0"/>
+          <a:chExt cx="0" cy="0"/>
+        </a:xfrm>
+      </p:grpSpPr>
+      <p:sp>
+        <p:nvSpPr>
+          <p:cNvPr id="5" name="TextBox 4">
+            <a:extLst>
+              <a:ext uri="{FF2B5EF4-FFF2-40B4-BE49-F238E27FC236}">
+                <a16:creationId xmlns:a16="http://schemas.microsoft.com/office/drawing/2014/main" id="{E94142E9-8ECF-CA02-32B6-E4500B24CE62}"/>
+              </a:ext>
+            </a:extLst>
+          </p:cNvPr>
+          <p:cNvSpPr txBox="1"/>
+          <p:nvPr/>
+        </p:nvSpPr>
+        <p:spPr>
+          <a:xfrm>
+            <a:off x="443345" y="421144"/>
+            <a:ext cx="3805382" cy="5509200"/>
+          </a:xfrm>
+          <a:prstGeom prst="rect">
+            <a:avLst/>
+          </a:prstGeom>
+          <a:noFill/>
+        </p:spPr>
+        <p:txBody>
+          <a:bodyPr wrap="square">
+            <a:spAutoFit/>
+          </a:bodyPr>
+          <a:lstStyle/>
+          <a:p>
+            <a:r>
+              <a:rPr lang="ko-KR" altLang="en-US" sz="1600" dirty="0" err="1">
+                <a:latin typeface="Cascadia Code" pitchFamily="49" charset="0"/>
+                <a:cs typeface="Cascadia Code" pitchFamily="49" charset="0"/>
+              </a:rPr>
+              <a:t>class</a:t>
+            </a:r>
+            <a:r>
+              <a:rPr lang="ko-KR" altLang="en-US" sz="1600" dirty="0">
+                <a:latin typeface="Cascadia Code" pitchFamily="49" charset="0"/>
+                <a:cs typeface="Cascadia Code" pitchFamily="49" charset="0"/>
+              </a:rPr>
+              <a:t> </a:t>
+            </a:r>
+            <a:r>
+              <a:rPr lang="ko-KR" altLang="en-US" sz="1600" dirty="0" err="1">
+                <a:latin typeface="Cascadia Code" pitchFamily="49" charset="0"/>
+                <a:cs typeface="Cascadia Code" pitchFamily="49" charset="0"/>
+              </a:rPr>
+              <a:t>Point</a:t>
+            </a:r>
+            <a:r>
+              <a:rPr lang="ko-KR" altLang="en-US" sz="1600" dirty="0">
+                <a:latin typeface="Cascadia Code" pitchFamily="49" charset="0"/>
+                <a:cs typeface="Cascadia Code" pitchFamily="49" charset="0"/>
+              </a:rPr>
+              <a:t> {</a:t>
+            </a:r>
+          </a:p>
+          <a:p>
+            <a:r>
+              <a:rPr lang="ko-KR" altLang="en-US" sz="1600" dirty="0">
+                <a:latin typeface="Cascadia Code" pitchFamily="49" charset="0"/>
+                <a:cs typeface="Cascadia Code" pitchFamily="49" charset="0"/>
+              </a:rPr>
+              <a:t>    </a:t>
+            </a:r>
+            <a:r>
+              <a:rPr lang="ko-KR" altLang="en-US" sz="1600" dirty="0" err="1">
+                <a:latin typeface="Cascadia Code" pitchFamily="49" charset="0"/>
+                <a:cs typeface="Cascadia Code" pitchFamily="49" charset="0"/>
+              </a:rPr>
+              <a:t>int</a:t>
+            </a:r>
+            <a:r>
+              <a:rPr lang="ko-KR" altLang="en-US" sz="1600" dirty="0">
+                <a:latin typeface="Cascadia Code" pitchFamily="49" charset="0"/>
+                <a:cs typeface="Cascadia Code" pitchFamily="49" charset="0"/>
+              </a:rPr>
+              <a:t> </a:t>
+            </a:r>
+            <a:r>
+              <a:rPr lang="ko-KR" altLang="en-US" sz="1600" dirty="0" err="1">
+                <a:latin typeface="Cascadia Code" pitchFamily="49" charset="0"/>
+                <a:cs typeface="Cascadia Code" pitchFamily="49" charset="0"/>
+              </a:rPr>
+              <a:t>x</a:t>
+            </a:r>
+            <a:r>
+              <a:rPr lang="ko-KR" altLang="en-US" sz="1600" dirty="0">
+                <a:latin typeface="Cascadia Code" pitchFamily="49" charset="0"/>
+                <a:cs typeface="Cascadia Code" pitchFamily="49" charset="0"/>
+              </a:rPr>
+              <a:t>;</a:t>
+            </a:r>
+          </a:p>
+          <a:p>
+            <a:r>
+              <a:rPr lang="ko-KR" altLang="en-US" sz="1600" dirty="0">
+                <a:latin typeface="Cascadia Code" pitchFamily="49" charset="0"/>
+                <a:cs typeface="Cascadia Code" pitchFamily="49" charset="0"/>
+              </a:rPr>
+              <a:t>    </a:t>
+            </a:r>
+            <a:r>
+              <a:rPr lang="ko-KR" altLang="en-US" sz="1600" dirty="0" err="1">
+                <a:latin typeface="Cascadia Code" pitchFamily="49" charset="0"/>
+                <a:cs typeface="Cascadia Code" pitchFamily="49" charset="0"/>
+              </a:rPr>
+              <a:t>int</a:t>
+            </a:r>
+            <a:r>
+              <a:rPr lang="ko-KR" altLang="en-US" sz="1600" dirty="0">
+                <a:latin typeface="Cascadia Code" pitchFamily="49" charset="0"/>
+                <a:cs typeface="Cascadia Code" pitchFamily="49" charset="0"/>
+              </a:rPr>
+              <a:t> </a:t>
+            </a:r>
+            <a:r>
+              <a:rPr lang="ko-KR" altLang="en-US" sz="1600" dirty="0" err="1">
+                <a:latin typeface="Cascadia Code" pitchFamily="49" charset="0"/>
+                <a:cs typeface="Cascadia Code" pitchFamily="49" charset="0"/>
+              </a:rPr>
+              <a:t>y</a:t>
+            </a:r>
+            <a:r>
+              <a:rPr lang="ko-KR" altLang="en-US" sz="1600" dirty="0">
+                <a:latin typeface="Cascadia Code" pitchFamily="49" charset="0"/>
+                <a:cs typeface="Cascadia Code" pitchFamily="49" charset="0"/>
+              </a:rPr>
+              <a:t>;</a:t>
+            </a:r>
+          </a:p>
+          <a:p>
+            <a:endParaRPr lang="ko-KR" altLang="en-US" sz="1600" dirty="0">
+              <a:latin typeface="Cascadia Code" pitchFamily="49" charset="0"/>
+              <a:cs typeface="Cascadia Code" pitchFamily="49" charset="0"/>
+            </a:endParaRPr>
+          </a:p>
+          <a:p>
+            <a:r>
+              <a:rPr lang="ko-KR" altLang="en-US" sz="1600" dirty="0" err="1">
+                <a:latin typeface="Cascadia Code" pitchFamily="49" charset="0"/>
+                <a:cs typeface="Cascadia Code" pitchFamily="49" charset="0"/>
+              </a:rPr>
+              <a:t>public</a:t>
+            </a:r>
+            <a:r>
+              <a:rPr lang="ko-KR" altLang="en-US" sz="1600" dirty="0">
+                <a:latin typeface="Cascadia Code" pitchFamily="49" charset="0"/>
+                <a:cs typeface="Cascadia Code" pitchFamily="49" charset="0"/>
+              </a:rPr>
+              <a:t>:</a:t>
+            </a:r>
+          </a:p>
+          <a:p>
+            <a:r>
+              <a:rPr lang="ko-KR" altLang="en-US" sz="1600" dirty="0">
+                <a:latin typeface="Cascadia Code" pitchFamily="49" charset="0"/>
+                <a:cs typeface="Cascadia Code" pitchFamily="49" charset="0"/>
+              </a:rPr>
+              <a:t>    </a:t>
+            </a:r>
+            <a:r>
+              <a:rPr lang="ko-KR" altLang="en-US" sz="1600" dirty="0" err="1">
+                <a:latin typeface="Cascadia Code" pitchFamily="49" charset="0"/>
+                <a:cs typeface="Cascadia Code" pitchFamily="49" charset="0"/>
+              </a:rPr>
+              <a:t>void</a:t>
+            </a:r>
+            <a:r>
+              <a:rPr lang="ko-KR" altLang="en-US" sz="1600" dirty="0">
+                <a:latin typeface="Cascadia Code" pitchFamily="49" charset="0"/>
+                <a:cs typeface="Cascadia Code" pitchFamily="49" charset="0"/>
+              </a:rPr>
+              <a:t> </a:t>
+            </a:r>
+            <a:r>
+              <a:rPr lang="ko-KR" altLang="en-US" sz="1600" dirty="0" err="1">
+                <a:latin typeface="Cascadia Code" pitchFamily="49" charset="0"/>
+                <a:cs typeface="Cascadia Code" pitchFamily="49" charset="0"/>
+              </a:rPr>
+              <a:t>Set</a:t>
+            </a:r>
+            <a:r>
+              <a:rPr lang="ko-KR" altLang="en-US" sz="1600" dirty="0">
+                <a:latin typeface="Cascadia Code" pitchFamily="49" charset="0"/>
+                <a:cs typeface="Cascadia Code" pitchFamily="49" charset="0"/>
+              </a:rPr>
+              <a:t>(</a:t>
+            </a:r>
+            <a:r>
+              <a:rPr lang="ko-KR" altLang="en-US" sz="1600" dirty="0" err="1">
+                <a:latin typeface="Cascadia Code" pitchFamily="49" charset="0"/>
+                <a:cs typeface="Cascadia Code" pitchFamily="49" charset="0"/>
+              </a:rPr>
+              <a:t>int</a:t>
+            </a:r>
+            <a:r>
+              <a:rPr lang="ko-KR" altLang="en-US" sz="1600" dirty="0">
+                <a:latin typeface="Cascadia Code" pitchFamily="49" charset="0"/>
+                <a:cs typeface="Cascadia Code" pitchFamily="49" charset="0"/>
+              </a:rPr>
+              <a:t> </a:t>
+            </a:r>
+            <a:r>
+              <a:rPr lang="ko-KR" altLang="en-US" sz="1600" dirty="0" err="1">
+                <a:latin typeface="Cascadia Code" pitchFamily="49" charset="0"/>
+                <a:cs typeface="Cascadia Code" pitchFamily="49" charset="0"/>
+              </a:rPr>
+              <a:t>a</a:t>
+            </a:r>
+            <a:r>
+              <a:rPr lang="ko-KR" altLang="en-US" sz="1600" dirty="0">
+                <a:latin typeface="Cascadia Code" pitchFamily="49" charset="0"/>
+                <a:cs typeface="Cascadia Code" pitchFamily="49" charset="0"/>
+              </a:rPr>
+              <a:t>, </a:t>
+            </a:r>
+            <a:r>
+              <a:rPr lang="ko-KR" altLang="en-US" sz="1600" dirty="0" err="1">
+                <a:latin typeface="Cascadia Code" pitchFamily="49" charset="0"/>
+                <a:cs typeface="Cascadia Code" pitchFamily="49" charset="0"/>
+              </a:rPr>
+              <a:t>int</a:t>
+            </a:r>
+            <a:r>
+              <a:rPr lang="ko-KR" altLang="en-US" sz="1600" dirty="0">
+                <a:latin typeface="Cascadia Code" pitchFamily="49" charset="0"/>
+                <a:cs typeface="Cascadia Code" pitchFamily="49" charset="0"/>
+              </a:rPr>
+              <a:t> </a:t>
+            </a:r>
+            <a:r>
+              <a:rPr lang="ko-KR" altLang="en-US" sz="1600" dirty="0" err="1">
+                <a:latin typeface="Cascadia Code" pitchFamily="49" charset="0"/>
+                <a:cs typeface="Cascadia Code" pitchFamily="49" charset="0"/>
+              </a:rPr>
+              <a:t>b</a:t>
+            </a:r>
+            <a:r>
+              <a:rPr lang="ko-KR" altLang="en-US" sz="1600" dirty="0">
+                <a:latin typeface="Cascadia Code" pitchFamily="49" charset="0"/>
+                <a:cs typeface="Cascadia Code" pitchFamily="49" charset="0"/>
+              </a:rPr>
+              <a:t>)</a:t>
+            </a:r>
+          </a:p>
+          <a:p>
+            <a:r>
+              <a:rPr lang="ko-KR" altLang="en-US" sz="1600" dirty="0">
+                <a:latin typeface="Cascadia Code" pitchFamily="49" charset="0"/>
+                <a:cs typeface="Cascadia Code" pitchFamily="49" charset="0"/>
+              </a:rPr>
+              <a:t>    {</a:t>
+            </a:r>
+          </a:p>
+          <a:p>
+            <a:r>
+              <a:rPr lang="ko-KR" altLang="en-US" sz="1600" dirty="0">
+                <a:latin typeface="Cascadia Code" pitchFamily="49" charset="0"/>
+                <a:cs typeface="Cascadia Code" pitchFamily="49" charset="0"/>
+              </a:rPr>
+              <a:t>        </a:t>
+            </a:r>
+            <a:r>
+              <a:rPr lang="ko-KR" altLang="en-US" sz="1600" dirty="0" err="1">
+                <a:latin typeface="Cascadia Code" pitchFamily="49" charset="0"/>
+                <a:cs typeface="Cascadia Code" pitchFamily="49" charset="0"/>
+              </a:rPr>
+              <a:t>x</a:t>
+            </a:r>
+            <a:r>
+              <a:rPr lang="ko-KR" altLang="en-US" sz="1600" dirty="0">
+                <a:latin typeface="Cascadia Code" pitchFamily="49" charset="0"/>
+                <a:cs typeface="Cascadia Code" pitchFamily="49" charset="0"/>
+              </a:rPr>
+              <a:t> = </a:t>
+            </a:r>
+            <a:r>
+              <a:rPr lang="ko-KR" altLang="en-US" sz="1600" dirty="0" err="1">
+                <a:latin typeface="Cascadia Code" pitchFamily="49" charset="0"/>
+                <a:cs typeface="Cascadia Code" pitchFamily="49" charset="0"/>
+              </a:rPr>
+              <a:t>a</a:t>
+            </a:r>
+            <a:r>
+              <a:rPr lang="ko-KR" altLang="en-US" sz="1600" dirty="0">
+                <a:latin typeface="Cascadia Code" pitchFamily="49" charset="0"/>
+                <a:cs typeface="Cascadia Code" pitchFamily="49" charset="0"/>
+              </a:rPr>
+              <a:t>;</a:t>
+            </a:r>
+          </a:p>
+          <a:p>
+            <a:r>
+              <a:rPr lang="ko-KR" altLang="en-US" sz="1600" dirty="0">
+                <a:latin typeface="Cascadia Code" pitchFamily="49" charset="0"/>
+                <a:cs typeface="Cascadia Code" pitchFamily="49" charset="0"/>
+              </a:rPr>
+              <a:t>        </a:t>
+            </a:r>
+            <a:r>
+              <a:rPr lang="ko-KR" altLang="en-US" sz="1600" dirty="0" err="1">
+                <a:latin typeface="Cascadia Code" pitchFamily="49" charset="0"/>
+                <a:cs typeface="Cascadia Code" pitchFamily="49" charset="0"/>
+              </a:rPr>
+              <a:t>y</a:t>
+            </a:r>
+            <a:r>
+              <a:rPr lang="ko-KR" altLang="en-US" sz="1600" dirty="0">
+                <a:latin typeface="Cascadia Code" pitchFamily="49" charset="0"/>
+                <a:cs typeface="Cascadia Code" pitchFamily="49" charset="0"/>
+              </a:rPr>
+              <a:t> = </a:t>
+            </a:r>
+            <a:r>
+              <a:rPr lang="ko-KR" altLang="en-US" sz="1600" dirty="0" err="1">
+                <a:latin typeface="Cascadia Code" pitchFamily="49" charset="0"/>
+                <a:cs typeface="Cascadia Code" pitchFamily="49" charset="0"/>
+              </a:rPr>
+              <a:t>b</a:t>
+            </a:r>
+            <a:r>
+              <a:rPr lang="ko-KR" altLang="en-US" sz="1600" dirty="0">
+                <a:latin typeface="Cascadia Code" pitchFamily="49" charset="0"/>
+                <a:cs typeface="Cascadia Code" pitchFamily="49" charset="0"/>
+              </a:rPr>
+              <a:t>;</a:t>
+            </a:r>
+          </a:p>
+          <a:p>
+            <a:r>
+              <a:rPr lang="ko-KR" altLang="en-US" sz="1600" dirty="0">
+                <a:latin typeface="Cascadia Code" pitchFamily="49" charset="0"/>
+                <a:cs typeface="Cascadia Code" pitchFamily="49" charset="0"/>
+              </a:rPr>
+              <a:t>    }</a:t>
+            </a:r>
+          </a:p>
+          <a:p>
+            <a:r>
+              <a:rPr lang="ko-KR" altLang="en-US" sz="1600" dirty="0">
+                <a:latin typeface="Cascadia Code" pitchFamily="49" charset="0"/>
+                <a:cs typeface="Cascadia Code" pitchFamily="49" charset="0"/>
+              </a:rPr>
+              <a:t>};</a:t>
+            </a:r>
+          </a:p>
+          <a:p>
+            <a:endParaRPr lang="ko-KR" altLang="en-US" sz="1600" dirty="0">
+              <a:latin typeface="Cascadia Code" pitchFamily="49" charset="0"/>
+              <a:cs typeface="Cascadia Code" pitchFamily="49" charset="0"/>
+            </a:endParaRPr>
+          </a:p>
+          <a:p>
+            <a:r>
+              <a:rPr lang="ko-KR" altLang="en-US" sz="1600" dirty="0" err="1">
+                <a:latin typeface="Cascadia Code" pitchFamily="49" charset="0"/>
+                <a:cs typeface="Cascadia Code" pitchFamily="49" charset="0"/>
+              </a:rPr>
+              <a:t>int</a:t>
+            </a:r>
+            <a:r>
+              <a:rPr lang="ko-KR" altLang="en-US" sz="1600" dirty="0">
+                <a:latin typeface="Cascadia Code" pitchFamily="49" charset="0"/>
+                <a:cs typeface="Cascadia Code" pitchFamily="49" charset="0"/>
+              </a:rPr>
+              <a:t> </a:t>
+            </a:r>
+            <a:r>
+              <a:rPr lang="ko-KR" altLang="en-US" sz="1600" dirty="0" err="1">
+                <a:latin typeface="Cascadia Code" pitchFamily="49" charset="0"/>
+                <a:cs typeface="Cascadia Code" pitchFamily="49" charset="0"/>
+              </a:rPr>
+              <a:t>main</a:t>
+            </a:r>
+            <a:r>
+              <a:rPr lang="ko-KR" altLang="en-US" sz="1600" dirty="0">
+                <a:latin typeface="Cascadia Code" pitchFamily="49" charset="0"/>
+                <a:cs typeface="Cascadia Code" pitchFamily="49" charset="0"/>
+              </a:rPr>
+              <a:t>()</a:t>
+            </a:r>
+          </a:p>
+          <a:p>
+            <a:r>
+              <a:rPr lang="ko-KR" altLang="en-US" sz="1600" dirty="0">
+                <a:latin typeface="Cascadia Code" pitchFamily="49" charset="0"/>
+                <a:cs typeface="Cascadia Code" pitchFamily="49" charset="0"/>
+              </a:rPr>
+              <a:t>{</a:t>
+            </a:r>
+          </a:p>
+          <a:p>
+            <a:r>
+              <a:rPr lang="ko-KR" altLang="en-US" sz="1600" dirty="0">
+                <a:latin typeface="Cascadia Code" pitchFamily="49" charset="0"/>
+                <a:cs typeface="Cascadia Code" pitchFamily="49" charset="0"/>
+              </a:rPr>
+              <a:t>    </a:t>
+            </a:r>
+            <a:r>
+              <a:rPr lang="ko-KR" altLang="en-US" sz="1600" dirty="0" err="1">
+                <a:latin typeface="Cascadia Code" pitchFamily="49" charset="0"/>
+                <a:cs typeface="Cascadia Code" pitchFamily="49" charset="0"/>
+              </a:rPr>
+              <a:t>Point</a:t>
+            </a:r>
+            <a:r>
+              <a:rPr lang="ko-KR" altLang="en-US" sz="1600" dirty="0">
+                <a:latin typeface="Cascadia Code" pitchFamily="49" charset="0"/>
+                <a:cs typeface="Cascadia Code" pitchFamily="49" charset="0"/>
+              </a:rPr>
+              <a:t> pt1, pt2;</a:t>
+            </a:r>
+          </a:p>
+          <a:p>
+            <a:endParaRPr lang="ko-KR" altLang="en-US" sz="1600" dirty="0">
+              <a:latin typeface="Cascadia Code" pitchFamily="49" charset="0"/>
+              <a:cs typeface="Cascadia Code" pitchFamily="49" charset="0"/>
+            </a:endParaRPr>
+          </a:p>
+          <a:p>
+            <a:r>
+              <a:rPr lang="ko-KR" altLang="en-US" sz="1600" dirty="0">
+                <a:latin typeface="Cascadia Code" pitchFamily="49" charset="0"/>
+                <a:cs typeface="Cascadia Code" pitchFamily="49" charset="0"/>
+              </a:rPr>
+              <a:t>    pt1.Set(10, 20);</a:t>
+            </a:r>
+            <a:endParaRPr lang="en-US" altLang="ko-KR" sz="1600" dirty="0">
+              <a:latin typeface="Cascadia Code" pitchFamily="49" charset="0"/>
+              <a:cs typeface="Cascadia Code" pitchFamily="49" charset="0"/>
+            </a:endParaRPr>
+          </a:p>
+          <a:p>
+            <a:r>
+              <a:rPr lang="en-US" altLang="ko-KR" sz="1600" dirty="0">
+                <a:latin typeface="Cascadia Code" pitchFamily="49" charset="0"/>
+                <a:cs typeface="Cascadia Code" pitchFamily="49" charset="0"/>
+              </a:rPr>
+              <a:t>    </a:t>
+            </a:r>
+            <a:r>
+              <a:rPr lang="en-US" altLang="ko-KR" sz="1600" dirty="0">
+                <a:solidFill>
+                  <a:srgbClr val="FF0000"/>
+                </a:solidFill>
+                <a:latin typeface="Cascadia Code" pitchFamily="49" charset="0"/>
+                <a:cs typeface="Cascadia Code" pitchFamily="49" charset="0"/>
+              </a:rPr>
+              <a:t>Point::Set(&amp;pt1, 10, 20)</a:t>
+            </a:r>
+          </a:p>
+          <a:p>
+            <a:endParaRPr lang="ko-KR" altLang="en-US" sz="1600" dirty="0">
+              <a:latin typeface="Cascadia Code" pitchFamily="49" charset="0"/>
+              <a:cs typeface="Cascadia Code" pitchFamily="49" charset="0"/>
+            </a:endParaRPr>
+          </a:p>
+          <a:p>
+            <a:r>
+              <a:rPr lang="ko-KR" altLang="en-US" sz="1600" dirty="0">
+                <a:latin typeface="Cascadia Code" pitchFamily="49" charset="0"/>
+                <a:cs typeface="Cascadia Code" pitchFamily="49" charset="0"/>
+              </a:rPr>
+              <a:t>    pt2.Set(100, 200);</a:t>
+            </a:r>
+            <a:endParaRPr lang="en-US" altLang="ko-KR" sz="1600" dirty="0">
+              <a:latin typeface="Cascadia Code" pitchFamily="49" charset="0"/>
+              <a:cs typeface="Cascadia Code" pitchFamily="49" charset="0"/>
+            </a:endParaRPr>
+          </a:p>
+          <a:p>
+            <a:r>
+              <a:rPr lang="en-US" altLang="ko-KR" sz="1600" dirty="0">
+                <a:latin typeface="Cascadia Code" pitchFamily="49" charset="0"/>
+                <a:cs typeface="Cascadia Code" pitchFamily="49" charset="0"/>
+              </a:rPr>
+              <a:t>    </a:t>
+            </a:r>
+            <a:r>
+              <a:rPr lang="en-US" altLang="ko-KR" sz="1600" dirty="0">
+                <a:solidFill>
+                  <a:srgbClr val="FF0000"/>
+                </a:solidFill>
+                <a:latin typeface="Cascadia Code" pitchFamily="49" charset="0"/>
+                <a:cs typeface="Cascadia Code" pitchFamily="49" charset="0"/>
+              </a:rPr>
+              <a:t>Point::Set(&amp;pt2, 100, 200)</a:t>
+            </a:r>
+            <a:endParaRPr lang="ko-KR" altLang="en-US" sz="1600" dirty="0">
+              <a:latin typeface="Cascadia Code" pitchFamily="49" charset="0"/>
+              <a:cs typeface="Cascadia Code" pitchFamily="49" charset="0"/>
+            </a:endParaRPr>
+          </a:p>
+          <a:p>
+            <a:r>
+              <a:rPr lang="ko-KR" altLang="en-US" sz="1600" dirty="0">
+                <a:latin typeface="Cascadia Code" pitchFamily="49" charset="0"/>
+                <a:cs typeface="Cascadia Code" pitchFamily="49" charset="0"/>
+              </a:rPr>
+              <a:t>}</a:t>
+            </a:r>
+          </a:p>
+        </p:txBody>
+      </p:sp>
+      <p:sp>
+        <p:nvSpPr>
+          <p:cNvPr id="6" name="직사각형 5">
+            <a:extLst>
+              <a:ext uri="{FF2B5EF4-FFF2-40B4-BE49-F238E27FC236}">
+                <a16:creationId xmlns:a16="http://schemas.microsoft.com/office/drawing/2014/main" id="{BB5B35A2-7DF0-625E-7CEB-232D0C094D3A}"/>
+              </a:ext>
+            </a:extLst>
+          </p:cNvPr>
+          <p:cNvSpPr/>
+          <p:nvPr/>
+        </p:nvSpPr>
+        <p:spPr>
+          <a:xfrm>
+            <a:off x="5280428" y="4279698"/>
+            <a:ext cx="1120140" cy="610463"/>
+          </a:xfrm>
+          <a:prstGeom prst="rect">
+            <a:avLst/>
+          </a:prstGeom>
+          <a:solidFill>
+            <a:srgbClr val="FFFF00"/>
+          </a:solidFill>
+        </p:spPr>
+        <p:style>
+          <a:lnRef idx="2">
+            <a:schemeClr val="accent1">
+              <a:shade val="15000"/>
+            </a:schemeClr>
+          </a:lnRef>
+          <a:fillRef idx="1">
+            <a:schemeClr val="accent1"/>
+          </a:fillRef>
+          <a:effectRef idx="0">
+            <a:schemeClr val="accent1"/>
+          </a:effectRef>
+          <a:fontRef idx="minor">
+            <a:schemeClr val="lt1"/>
+          </a:fontRef>
+        </p:style>
+        <p:txBody>
+          <a:bodyPr rtlCol="0" anchor="ctr"/>
+          <a:lstStyle/>
+          <a:p>
+            <a:pPr algn="ctr"/>
+            <a:endParaRPr kumimoji="1" lang="ko-KR" altLang="en-US" sz="1600" dirty="0">
+              <a:solidFill>
+                <a:srgbClr val="FF0000"/>
+              </a:solidFill>
+              <a:latin typeface="Cascadia Code" pitchFamily="49" charset="0"/>
+              <a:cs typeface="Cascadia Code" pitchFamily="49" charset="0"/>
+            </a:endParaRPr>
+          </a:p>
+        </p:txBody>
+      </p:sp>
+      <p:sp>
+        <p:nvSpPr>
+          <p:cNvPr id="7" name="TextBox 6">
+            <a:extLst>
+              <a:ext uri="{FF2B5EF4-FFF2-40B4-BE49-F238E27FC236}">
+                <a16:creationId xmlns:a16="http://schemas.microsoft.com/office/drawing/2014/main" id="{6CEE5D95-E64C-B6EE-94C1-602473EC3528}"/>
+              </a:ext>
+            </a:extLst>
+          </p:cNvPr>
+          <p:cNvSpPr txBox="1"/>
+          <p:nvPr/>
+        </p:nvSpPr>
+        <p:spPr>
+          <a:xfrm>
+            <a:off x="5013728" y="4415652"/>
+            <a:ext cx="236220" cy="338554"/>
+          </a:xfrm>
+          <a:prstGeom prst="rect">
+            <a:avLst/>
+          </a:prstGeom>
+          <a:noFill/>
+        </p:spPr>
+        <p:txBody>
+          <a:bodyPr wrap="square" rtlCol="0">
+            <a:spAutoFit/>
+          </a:bodyPr>
+          <a:lstStyle/>
+          <a:p>
+            <a:pPr algn="ctr"/>
+            <a:r>
+              <a:rPr kumimoji="1" lang="en-US" altLang="ko-KR" sz="1600" dirty="0">
+                <a:latin typeface="Cascadia Code" pitchFamily="49" charset="0"/>
+                <a:ea typeface="Cascadia Code" pitchFamily="49" charset="0"/>
+                <a:cs typeface="Cascadia Code" pitchFamily="49" charset="0"/>
+              </a:rPr>
+              <a:t>x</a:t>
+            </a:r>
+            <a:endParaRPr kumimoji="1" lang="ko-KR" altLang="en-US" sz="1600" dirty="0">
+              <a:latin typeface="Cascadia Code" pitchFamily="49" charset="0"/>
+              <a:ea typeface="Cascadia Code" pitchFamily="49" charset="0"/>
+              <a:cs typeface="Cascadia Code" pitchFamily="49" charset="0"/>
+            </a:endParaRPr>
+          </a:p>
+        </p:txBody>
+      </p:sp>
+      <p:sp>
+        <p:nvSpPr>
+          <p:cNvPr id="8" name="직사각형 7">
+            <a:extLst>
+              <a:ext uri="{FF2B5EF4-FFF2-40B4-BE49-F238E27FC236}">
+                <a16:creationId xmlns:a16="http://schemas.microsoft.com/office/drawing/2014/main" id="{2ADF19F1-7365-F6E6-30F8-DE8DAC861251}"/>
+              </a:ext>
+            </a:extLst>
+          </p:cNvPr>
+          <p:cNvSpPr/>
+          <p:nvPr/>
+        </p:nvSpPr>
+        <p:spPr>
+          <a:xfrm>
+            <a:off x="5280428" y="4890161"/>
+            <a:ext cx="1120140" cy="610463"/>
+          </a:xfrm>
+          <a:prstGeom prst="rect">
+            <a:avLst/>
+          </a:prstGeom>
+          <a:solidFill>
+            <a:srgbClr val="FFFF00"/>
+          </a:solidFill>
+        </p:spPr>
+        <p:style>
+          <a:lnRef idx="2">
+            <a:schemeClr val="accent1">
+              <a:shade val="15000"/>
+            </a:schemeClr>
+          </a:lnRef>
+          <a:fillRef idx="1">
+            <a:schemeClr val="accent1"/>
+          </a:fillRef>
+          <a:effectRef idx="0">
+            <a:schemeClr val="accent1"/>
+          </a:effectRef>
+          <a:fontRef idx="minor">
+            <a:schemeClr val="lt1"/>
+          </a:fontRef>
+        </p:style>
+        <p:txBody>
+          <a:bodyPr rtlCol="0" anchor="ctr"/>
+          <a:lstStyle/>
+          <a:p>
+            <a:pPr algn="ctr"/>
+            <a:endParaRPr kumimoji="1" lang="ko-KR" altLang="en-US" sz="1600" dirty="0">
+              <a:solidFill>
+                <a:srgbClr val="FF0000"/>
+              </a:solidFill>
+              <a:latin typeface="Cascadia Code" pitchFamily="49" charset="0"/>
+              <a:cs typeface="Cascadia Code" pitchFamily="49" charset="0"/>
+            </a:endParaRPr>
+          </a:p>
+        </p:txBody>
+      </p:sp>
+      <p:sp>
+        <p:nvSpPr>
+          <p:cNvPr id="9" name="TextBox 8">
+            <a:extLst>
+              <a:ext uri="{FF2B5EF4-FFF2-40B4-BE49-F238E27FC236}">
+                <a16:creationId xmlns:a16="http://schemas.microsoft.com/office/drawing/2014/main" id="{72738311-484F-2AE4-9D83-EAC231DE5AA5}"/>
+              </a:ext>
+            </a:extLst>
+          </p:cNvPr>
+          <p:cNvSpPr txBox="1"/>
+          <p:nvPr/>
+        </p:nvSpPr>
+        <p:spPr>
+          <a:xfrm>
+            <a:off x="5013728" y="5026115"/>
+            <a:ext cx="236220" cy="338554"/>
+          </a:xfrm>
+          <a:prstGeom prst="rect">
+            <a:avLst/>
+          </a:prstGeom>
+          <a:noFill/>
+        </p:spPr>
+        <p:txBody>
+          <a:bodyPr wrap="square" rtlCol="0">
+            <a:spAutoFit/>
+          </a:bodyPr>
+          <a:lstStyle/>
+          <a:p>
+            <a:pPr algn="ctr"/>
+            <a:r>
+              <a:rPr kumimoji="1" lang="en-US" altLang="ko-KR" sz="1600" dirty="0">
+                <a:latin typeface="Cascadia Code" pitchFamily="49" charset="0"/>
+                <a:ea typeface="Cascadia Code" pitchFamily="49" charset="0"/>
+                <a:cs typeface="Cascadia Code" pitchFamily="49" charset="0"/>
+              </a:rPr>
+              <a:t>y</a:t>
+            </a:r>
+            <a:endParaRPr kumimoji="1" lang="ko-KR" altLang="en-US" sz="1600" dirty="0">
+              <a:latin typeface="Cascadia Code" pitchFamily="49" charset="0"/>
+              <a:ea typeface="Cascadia Code" pitchFamily="49" charset="0"/>
+              <a:cs typeface="Cascadia Code" pitchFamily="49" charset="0"/>
+            </a:endParaRPr>
+          </a:p>
+        </p:txBody>
+      </p:sp>
+      <p:sp>
+        <p:nvSpPr>
+          <p:cNvPr id="10" name="TextBox 9">
+            <a:extLst>
+              <a:ext uri="{FF2B5EF4-FFF2-40B4-BE49-F238E27FC236}">
+                <a16:creationId xmlns:a16="http://schemas.microsoft.com/office/drawing/2014/main" id="{DA5AE5A1-8719-6C4B-370B-31E476F7D442}"/>
+              </a:ext>
+            </a:extLst>
+          </p:cNvPr>
+          <p:cNvSpPr txBox="1"/>
+          <p:nvPr/>
+        </p:nvSpPr>
+        <p:spPr>
+          <a:xfrm>
+            <a:off x="5387339" y="3884596"/>
+            <a:ext cx="906317" cy="369332"/>
+          </a:xfrm>
+          <a:prstGeom prst="rect">
+            <a:avLst/>
+          </a:prstGeom>
+          <a:noFill/>
+        </p:spPr>
+        <p:txBody>
+          <a:bodyPr wrap="square">
+            <a:spAutoFit/>
+          </a:bodyPr>
+          <a:lstStyle/>
+          <a:p>
+            <a:pPr algn="ctr"/>
+            <a:r>
+              <a:rPr lang="ko-KR" altLang="en-US" dirty="0">
+                <a:latin typeface="Cascadia Code" pitchFamily="49" charset="0"/>
+                <a:cs typeface="Cascadia Code" pitchFamily="49" charset="0"/>
+              </a:rPr>
+              <a:t>pt1</a:t>
+            </a:r>
+            <a:endParaRPr lang="ko-KR" altLang="en-US" dirty="0"/>
+          </a:p>
+        </p:txBody>
+      </p:sp>
+      <p:sp>
+        <p:nvSpPr>
+          <p:cNvPr id="11" name="직사각형 10">
+            <a:extLst>
+              <a:ext uri="{FF2B5EF4-FFF2-40B4-BE49-F238E27FC236}">
+                <a16:creationId xmlns:a16="http://schemas.microsoft.com/office/drawing/2014/main" id="{7155CB18-EE4F-24C0-F1B5-7699DED820C9}"/>
+              </a:ext>
+            </a:extLst>
+          </p:cNvPr>
+          <p:cNvSpPr/>
+          <p:nvPr/>
+        </p:nvSpPr>
+        <p:spPr>
+          <a:xfrm>
+            <a:off x="8120610" y="4253928"/>
+            <a:ext cx="1120140" cy="610463"/>
+          </a:xfrm>
+          <a:prstGeom prst="rect">
+            <a:avLst/>
+          </a:prstGeom>
+          <a:solidFill>
+            <a:srgbClr val="FFFF00"/>
+          </a:solidFill>
+        </p:spPr>
+        <p:style>
+          <a:lnRef idx="2">
+            <a:schemeClr val="accent1">
+              <a:shade val="15000"/>
+            </a:schemeClr>
+          </a:lnRef>
+          <a:fillRef idx="1">
+            <a:schemeClr val="accent1"/>
+          </a:fillRef>
+          <a:effectRef idx="0">
+            <a:schemeClr val="accent1"/>
+          </a:effectRef>
+          <a:fontRef idx="minor">
+            <a:schemeClr val="lt1"/>
+          </a:fontRef>
+        </p:style>
+        <p:txBody>
+          <a:bodyPr rtlCol="0" anchor="ctr"/>
+          <a:lstStyle/>
+          <a:p>
+            <a:pPr algn="ctr"/>
+            <a:endParaRPr kumimoji="1" lang="ko-KR" altLang="en-US" sz="1600" dirty="0">
+              <a:solidFill>
+                <a:srgbClr val="FF0000"/>
+              </a:solidFill>
+              <a:latin typeface="Cascadia Code" pitchFamily="49" charset="0"/>
+              <a:cs typeface="Cascadia Code" pitchFamily="49" charset="0"/>
+            </a:endParaRPr>
+          </a:p>
+        </p:txBody>
+      </p:sp>
+      <p:sp>
+        <p:nvSpPr>
+          <p:cNvPr id="12" name="TextBox 11">
+            <a:extLst>
+              <a:ext uri="{FF2B5EF4-FFF2-40B4-BE49-F238E27FC236}">
+                <a16:creationId xmlns:a16="http://schemas.microsoft.com/office/drawing/2014/main" id="{868CE8FC-5B7E-B504-D2AF-2F71FA249F23}"/>
+              </a:ext>
+            </a:extLst>
+          </p:cNvPr>
+          <p:cNvSpPr txBox="1"/>
+          <p:nvPr/>
+        </p:nvSpPr>
+        <p:spPr>
+          <a:xfrm>
+            <a:off x="7853910" y="4389882"/>
+            <a:ext cx="236220" cy="338554"/>
+          </a:xfrm>
+          <a:prstGeom prst="rect">
+            <a:avLst/>
+          </a:prstGeom>
+          <a:noFill/>
+        </p:spPr>
+        <p:txBody>
+          <a:bodyPr wrap="square" rtlCol="0">
+            <a:spAutoFit/>
+          </a:bodyPr>
+          <a:lstStyle/>
+          <a:p>
+            <a:pPr algn="ctr"/>
+            <a:r>
+              <a:rPr kumimoji="1" lang="en-US" altLang="ko-KR" sz="1600" dirty="0">
+                <a:latin typeface="Cascadia Code" pitchFamily="49" charset="0"/>
+                <a:ea typeface="Cascadia Code" pitchFamily="49" charset="0"/>
+                <a:cs typeface="Cascadia Code" pitchFamily="49" charset="0"/>
+              </a:rPr>
+              <a:t>x</a:t>
+            </a:r>
+            <a:endParaRPr kumimoji="1" lang="ko-KR" altLang="en-US" sz="1600" dirty="0">
+              <a:latin typeface="Cascadia Code" pitchFamily="49" charset="0"/>
+              <a:ea typeface="Cascadia Code" pitchFamily="49" charset="0"/>
+              <a:cs typeface="Cascadia Code" pitchFamily="49" charset="0"/>
+            </a:endParaRPr>
+          </a:p>
+        </p:txBody>
+      </p:sp>
+      <p:sp>
+        <p:nvSpPr>
+          <p:cNvPr id="13" name="직사각형 12">
+            <a:extLst>
+              <a:ext uri="{FF2B5EF4-FFF2-40B4-BE49-F238E27FC236}">
+                <a16:creationId xmlns:a16="http://schemas.microsoft.com/office/drawing/2014/main" id="{1E9A923E-05E3-E060-E5E8-EF354EF110AF}"/>
+              </a:ext>
+            </a:extLst>
+          </p:cNvPr>
+          <p:cNvSpPr/>
+          <p:nvPr/>
+        </p:nvSpPr>
+        <p:spPr>
+          <a:xfrm>
+            <a:off x="8120610" y="4864391"/>
+            <a:ext cx="1120140" cy="610463"/>
+          </a:xfrm>
+          <a:prstGeom prst="rect">
+            <a:avLst/>
+          </a:prstGeom>
+          <a:solidFill>
+            <a:srgbClr val="FFFF00"/>
+          </a:solidFill>
+        </p:spPr>
+        <p:style>
+          <a:lnRef idx="2">
+            <a:schemeClr val="accent1">
+              <a:shade val="15000"/>
+            </a:schemeClr>
+          </a:lnRef>
+          <a:fillRef idx="1">
+            <a:schemeClr val="accent1"/>
+          </a:fillRef>
+          <a:effectRef idx="0">
+            <a:schemeClr val="accent1"/>
+          </a:effectRef>
+          <a:fontRef idx="minor">
+            <a:schemeClr val="lt1"/>
+          </a:fontRef>
+        </p:style>
+        <p:txBody>
+          <a:bodyPr rtlCol="0" anchor="ctr"/>
+          <a:lstStyle/>
+          <a:p>
+            <a:pPr algn="ctr"/>
+            <a:endParaRPr kumimoji="1" lang="ko-KR" altLang="en-US" sz="1600" dirty="0">
+              <a:solidFill>
+                <a:srgbClr val="FF0000"/>
+              </a:solidFill>
+              <a:latin typeface="Cascadia Code" pitchFamily="49" charset="0"/>
+              <a:cs typeface="Cascadia Code" pitchFamily="49" charset="0"/>
+            </a:endParaRPr>
+          </a:p>
+        </p:txBody>
+      </p:sp>
+      <p:sp>
+        <p:nvSpPr>
+          <p:cNvPr id="14" name="TextBox 13">
+            <a:extLst>
+              <a:ext uri="{FF2B5EF4-FFF2-40B4-BE49-F238E27FC236}">
+                <a16:creationId xmlns:a16="http://schemas.microsoft.com/office/drawing/2014/main" id="{78C77A4A-1DD4-2FAA-0A96-3DD6DEB52EFA}"/>
+              </a:ext>
+            </a:extLst>
+          </p:cNvPr>
+          <p:cNvSpPr txBox="1"/>
+          <p:nvPr/>
+        </p:nvSpPr>
+        <p:spPr>
+          <a:xfrm>
+            <a:off x="7853910" y="5000345"/>
+            <a:ext cx="236220" cy="338554"/>
+          </a:xfrm>
+          <a:prstGeom prst="rect">
+            <a:avLst/>
+          </a:prstGeom>
+          <a:noFill/>
+        </p:spPr>
+        <p:txBody>
+          <a:bodyPr wrap="square" rtlCol="0">
+            <a:spAutoFit/>
+          </a:bodyPr>
+          <a:lstStyle/>
+          <a:p>
+            <a:pPr algn="ctr"/>
+            <a:r>
+              <a:rPr kumimoji="1" lang="en-US" altLang="ko-KR" sz="1600" dirty="0">
+                <a:latin typeface="Cascadia Code" pitchFamily="49" charset="0"/>
+                <a:ea typeface="Cascadia Code" pitchFamily="49" charset="0"/>
+                <a:cs typeface="Cascadia Code" pitchFamily="49" charset="0"/>
+              </a:rPr>
+              <a:t>y</a:t>
+            </a:r>
+            <a:endParaRPr kumimoji="1" lang="ko-KR" altLang="en-US" sz="1600" dirty="0">
+              <a:latin typeface="Cascadia Code" pitchFamily="49" charset="0"/>
+              <a:ea typeface="Cascadia Code" pitchFamily="49" charset="0"/>
+              <a:cs typeface="Cascadia Code" pitchFamily="49" charset="0"/>
+            </a:endParaRPr>
+          </a:p>
+        </p:txBody>
+      </p:sp>
+      <p:sp>
+        <p:nvSpPr>
+          <p:cNvPr id="15" name="TextBox 14">
+            <a:extLst>
+              <a:ext uri="{FF2B5EF4-FFF2-40B4-BE49-F238E27FC236}">
+                <a16:creationId xmlns:a16="http://schemas.microsoft.com/office/drawing/2014/main" id="{833398FA-38CF-1711-73F5-519DB15760C9}"/>
+              </a:ext>
+            </a:extLst>
+          </p:cNvPr>
+          <p:cNvSpPr txBox="1"/>
+          <p:nvPr/>
+        </p:nvSpPr>
+        <p:spPr>
+          <a:xfrm>
+            <a:off x="8227521" y="3858826"/>
+            <a:ext cx="906317" cy="369332"/>
+          </a:xfrm>
+          <a:prstGeom prst="rect">
+            <a:avLst/>
+          </a:prstGeom>
+          <a:noFill/>
+        </p:spPr>
+        <p:txBody>
+          <a:bodyPr wrap="square">
+            <a:spAutoFit/>
+          </a:bodyPr>
+          <a:lstStyle/>
+          <a:p>
+            <a:pPr algn="ctr"/>
+            <a:r>
+              <a:rPr lang="ko-KR" altLang="en-US" dirty="0" err="1">
+                <a:latin typeface="Cascadia Code" pitchFamily="49" charset="0"/>
+                <a:cs typeface="Cascadia Code" pitchFamily="49" charset="0"/>
+              </a:rPr>
+              <a:t>pt</a:t>
+            </a:r>
+            <a:r>
+              <a:rPr lang="en-US" altLang="ko-KR" dirty="0">
+                <a:latin typeface="Cascadia Code" pitchFamily="49" charset="0"/>
+                <a:cs typeface="Cascadia Code" pitchFamily="49" charset="0"/>
+              </a:rPr>
+              <a:t>2</a:t>
+            </a:r>
+            <a:endParaRPr lang="ko-KR" altLang="en-US" dirty="0"/>
+          </a:p>
+        </p:txBody>
+      </p:sp>
+      <p:sp>
+        <p:nvSpPr>
+          <p:cNvPr id="3" name="TextBox 2">
+            <a:extLst>
+              <a:ext uri="{FF2B5EF4-FFF2-40B4-BE49-F238E27FC236}">
+                <a16:creationId xmlns:a16="http://schemas.microsoft.com/office/drawing/2014/main" id="{76E2CC32-54AE-85F3-EB07-264C01ED1231}"/>
+              </a:ext>
+            </a:extLst>
+          </p:cNvPr>
+          <p:cNvSpPr txBox="1"/>
+          <p:nvPr/>
+        </p:nvSpPr>
+        <p:spPr>
+          <a:xfrm>
+            <a:off x="4774046" y="990790"/>
+            <a:ext cx="6004790" cy="1477328"/>
+          </a:xfrm>
+          <a:prstGeom prst="rect">
+            <a:avLst/>
+          </a:prstGeom>
+          <a:noFill/>
+        </p:spPr>
+        <p:txBody>
+          <a:bodyPr wrap="square">
+            <a:spAutoFit/>
+          </a:bodyPr>
+          <a:lstStyle/>
+          <a:p>
+            <a:r>
+              <a:rPr lang="ko-KR" altLang="en-US" sz="1800" dirty="0" err="1">
+                <a:latin typeface="Cascadia Code" pitchFamily="49" charset="0"/>
+                <a:cs typeface="Cascadia Code" pitchFamily="49" charset="0"/>
+              </a:rPr>
+              <a:t>void</a:t>
+            </a:r>
+            <a:r>
+              <a:rPr lang="ko-KR" altLang="en-US" sz="1800" dirty="0">
+                <a:latin typeface="Cascadia Code" pitchFamily="49" charset="0"/>
+                <a:cs typeface="Cascadia Code" pitchFamily="49" charset="0"/>
+              </a:rPr>
+              <a:t> </a:t>
+            </a:r>
+            <a:r>
+              <a:rPr lang="en-US" altLang="ko-KR" sz="1800" dirty="0">
+                <a:solidFill>
+                  <a:srgbClr val="FF0000"/>
+                </a:solidFill>
+                <a:latin typeface="Cascadia Code" pitchFamily="49" charset="0"/>
+                <a:cs typeface="Cascadia Code" pitchFamily="49" charset="0"/>
+              </a:rPr>
+              <a:t>Point::</a:t>
+            </a:r>
+            <a:r>
+              <a:rPr lang="ko-KR" altLang="en-US" sz="1800" dirty="0" err="1">
+                <a:latin typeface="Cascadia Code" pitchFamily="49" charset="0"/>
+                <a:cs typeface="Cascadia Code" pitchFamily="49" charset="0"/>
+              </a:rPr>
+              <a:t>Set</a:t>
+            </a:r>
+            <a:r>
+              <a:rPr lang="ko-KR" altLang="en-US" sz="1800" dirty="0">
+                <a:latin typeface="Cascadia Code" pitchFamily="49" charset="0"/>
+                <a:cs typeface="Cascadia Code" pitchFamily="49" charset="0"/>
+              </a:rPr>
+              <a:t>(</a:t>
+            </a:r>
+            <a:r>
+              <a:rPr lang="en-US" altLang="ko-KR" sz="1800" dirty="0">
+                <a:solidFill>
+                  <a:srgbClr val="FF0000"/>
+                </a:solidFill>
+                <a:latin typeface="Cascadia Code" pitchFamily="49" charset="0"/>
+                <a:cs typeface="Cascadia Code" pitchFamily="49" charset="0"/>
+              </a:rPr>
+              <a:t>Point* this,</a:t>
+            </a:r>
+            <a:r>
+              <a:rPr lang="en-US" altLang="ko-KR" sz="1800" dirty="0">
+                <a:latin typeface="Cascadia Code" pitchFamily="49" charset="0"/>
+                <a:cs typeface="Cascadia Code" pitchFamily="49" charset="0"/>
+              </a:rPr>
+              <a:t> </a:t>
+            </a:r>
+            <a:r>
+              <a:rPr lang="ko-KR" altLang="en-US" sz="1800" dirty="0" err="1">
+                <a:latin typeface="Cascadia Code" pitchFamily="49" charset="0"/>
+                <a:cs typeface="Cascadia Code" pitchFamily="49" charset="0"/>
+              </a:rPr>
+              <a:t>int</a:t>
+            </a:r>
+            <a:r>
+              <a:rPr lang="ko-KR" altLang="en-US" sz="1800" dirty="0">
+                <a:latin typeface="Cascadia Code" pitchFamily="49" charset="0"/>
+                <a:cs typeface="Cascadia Code" pitchFamily="49" charset="0"/>
+              </a:rPr>
+              <a:t> </a:t>
+            </a:r>
+            <a:r>
+              <a:rPr lang="ko-KR" altLang="en-US" sz="1800" dirty="0" err="1">
+                <a:latin typeface="Cascadia Code" pitchFamily="49" charset="0"/>
+                <a:cs typeface="Cascadia Code" pitchFamily="49" charset="0"/>
+              </a:rPr>
+              <a:t>a</a:t>
+            </a:r>
+            <a:r>
+              <a:rPr lang="ko-KR" altLang="en-US" sz="1800" dirty="0">
+                <a:latin typeface="Cascadia Code" pitchFamily="49" charset="0"/>
+                <a:cs typeface="Cascadia Code" pitchFamily="49" charset="0"/>
+              </a:rPr>
+              <a:t>, </a:t>
+            </a:r>
+            <a:r>
+              <a:rPr lang="ko-KR" altLang="en-US" sz="1800" dirty="0" err="1">
+                <a:latin typeface="Cascadia Code" pitchFamily="49" charset="0"/>
+                <a:cs typeface="Cascadia Code" pitchFamily="49" charset="0"/>
+              </a:rPr>
+              <a:t>int</a:t>
+            </a:r>
+            <a:r>
+              <a:rPr lang="ko-KR" altLang="en-US" sz="1800" dirty="0">
+                <a:latin typeface="Cascadia Code" pitchFamily="49" charset="0"/>
+                <a:cs typeface="Cascadia Code" pitchFamily="49" charset="0"/>
+              </a:rPr>
+              <a:t> </a:t>
+            </a:r>
+            <a:r>
+              <a:rPr lang="ko-KR" altLang="en-US" sz="1800" dirty="0" err="1">
+                <a:latin typeface="Cascadia Code" pitchFamily="49" charset="0"/>
+                <a:cs typeface="Cascadia Code" pitchFamily="49" charset="0"/>
+              </a:rPr>
+              <a:t>b</a:t>
+            </a:r>
+            <a:r>
+              <a:rPr lang="ko-KR" altLang="en-US" sz="1800" dirty="0">
+                <a:latin typeface="Cascadia Code" pitchFamily="49" charset="0"/>
+                <a:cs typeface="Cascadia Code" pitchFamily="49" charset="0"/>
+              </a:rPr>
+              <a:t>)</a:t>
+            </a:r>
+          </a:p>
+          <a:p>
+            <a:r>
+              <a:rPr lang="ko-KR" altLang="en-US" sz="1800" dirty="0">
+                <a:latin typeface="Cascadia Code" pitchFamily="49" charset="0"/>
+                <a:cs typeface="Cascadia Code" pitchFamily="49" charset="0"/>
+              </a:rPr>
+              <a:t>{</a:t>
+            </a:r>
+          </a:p>
+          <a:p>
+            <a:r>
+              <a:rPr lang="ko-KR" altLang="en-US" sz="1800" dirty="0">
+                <a:latin typeface="Cascadia Code" pitchFamily="49" charset="0"/>
+                <a:cs typeface="Cascadia Code" pitchFamily="49" charset="0"/>
+              </a:rPr>
+              <a:t>    </a:t>
+            </a:r>
+            <a:r>
+              <a:rPr lang="en-US" altLang="ko-KR" dirty="0">
+                <a:solidFill>
+                  <a:srgbClr val="FF0000"/>
+                </a:solidFill>
+                <a:latin typeface="Cascadia Code" pitchFamily="49" charset="0"/>
+                <a:cs typeface="Cascadia Code" pitchFamily="49" charset="0"/>
+              </a:rPr>
+              <a:t>this-&gt;</a:t>
+            </a:r>
+            <a:r>
+              <a:rPr lang="ko-KR" altLang="en-US" sz="1800" dirty="0" err="1">
+                <a:latin typeface="Cascadia Code" pitchFamily="49" charset="0"/>
+                <a:cs typeface="Cascadia Code" pitchFamily="49" charset="0"/>
+              </a:rPr>
+              <a:t>x</a:t>
+            </a:r>
+            <a:r>
+              <a:rPr lang="ko-KR" altLang="en-US" sz="1800" dirty="0">
+                <a:latin typeface="Cascadia Code" pitchFamily="49" charset="0"/>
+                <a:cs typeface="Cascadia Code" pitchFamily="49" charset="0"/>
+              </a:rPr>
+              <a:t> = </a:t>
+            </a:r>
+            <a:r>
+              <a:rPr lang="ko-KR" altLang="en-US" sz="1800" dirty="0" err="1">
+                <a:latin typeface="Cascadia Code" pitchFamily="49" charset="0"/>
+                <a:cs typeface="Cascadia Code" pitchFamily="49" charset="0"/>
+              </a:rPr>
+              <a:t>a</a:t>
+            </a:r>
+            <a:r>
+              <a:rPr lang="ko-KR" altLang="en-US" sz="1800" dirty="0">
+                <a:latin typeface="Cascadia Code" pitchFamily="49" charset="0"/>
+                <a:cs typeface="Cascadia Code" pitchFamily="49" charset="0"/>
+              </a:rPr>
+              <a:t>;</a:t>
+            </a:r>
+          </a:p>
+          <a:p>
+            <a:r>
+              <a:rPr lang="en-US" altLang="ko-KR" sz="1800" dirty="0">
+                <a:latin typeface="Cascadia Code" pitchFamily="49" charset="0"/>
+                <a:cs typeface="Cascadia Code" pitchFamily="49" charset="0"/>
+              </a:rPr>
+              <a:t>   </a:t>
+            </a:r>
+            <a:r>
+              <a:rPr lang="ko-KR" altLang="en-US" sz="1800" dirty="0">
+                <a:latin typeface="Cascadia Code" pitchFamily="49" charset="0"/>
+                <a:cs typeface="Cascadia Code" pitchFamily="49" charset="0"/>
+              </a:rPr>
+              <a:t> </a:t>
+            </a:r>
+            <a:r>
+              <a:rPr lang="en-US" altLang="ko-KR" dirty="0">
+                <a:solidFill>
+                  <a:srgbClr val="FF0000"/>
+                </a:solidFill>
+                <a:latin typeface="Cascadia Code" pitchFamily="49" charset="0"/>
+                <a:cs typeface="Cascadia Code" pitchFamily="49" charset="0"/>
+              </a:rPr>
+              <a:t>this-&gt;</a:t>
+            </a:r>
+            <a:r>
+              <a:rPr lang="ko-KR" altLang="en-US" sz="1800" dirty="0" err="1">
+                <a:latin typeface="Cascadia Code" pitchFamily="49" charset="0"/>
+                <a:cs typeface="Cascadia Code" pitchFamily="49" charset="0"/>
+              </a:rPr>
+              <a:t>y</a:t>
+            </a:r>
+            <a:r>
+              <a:rPr lang="ko-KR" altLang="en-US" sz="1800" dirty="0">
+                <a:latin typeface="Cascadia Code" pitchFamily="49" charset="0"/>
+                <a:cs typeface="Cascadia Code" pitchFamily="49" charset="0"/>
+              </a:rPr>
+              <a:t> = </a:t>
+            </a:r>
+            <a:r>
+              <a:rPr lang="ko-KR" altLang="en-US" sz="1800" dirty="0" err="1">
+                <a:latin typeface="Cascadia Code" pitchFamily="49" charset="0"/>
+                <a:cs typeface="Cascadia Code" pitchFamily="49" charset="0"/>
+              </a:rPr>
+              <a:t>b</a:t>
+            </a:r>
+            <a:r>
+              <a:rPr lang="ko-KR" altLang="en-US" sz="1800" dirty="0">
+                <a:latin typeface="Cascadia Code" pitchFamily="49" charset="0"/>
+                <a:cs typeface="Cascadia Code" pitchFamily="49" charset="0"/>
+              </a:rPr>
+              <a:t>;</a:t>
+            </a:r>
+          </a:p>
+          <a:p>
+            <a:r>
+              <a:rPr lang="ko-KR" altLang="en-US" sz="1800" dirty="0">
+                <a:latin typeface="Cascadia Code" pitchFamily="49" charset="0"/>
+                <a:cs typeface="Cascadia Code" pitchFamily="49" charset="0"/>
+              </a:rPr>
+              <a:t>}</a:t>
+            </a:r>
+            <a:endParaRPr lang="ko-KR" altLang="en-US" dirty="0"/>
+          </a:p>
+        </p:txBody>
+      </p:sp>
+    </p:spTree>
+    <p:extLst>
+      <p:ext uri="{BB962C8B-B14F-4D97-AF65-F5344CB8AC3E}">
+        <p14:creationId xmlns:p14="http://schemas.microsoft.com/office/powerpoint/2010/main" val="2564095271"/>
+      </p:ext>
+    </p:extLst>
+  </p:cSld>
+  <p:clrMapOvr>
+    <a:masterClrMapping/>
+  </p:clrMapOvr>
+</p:sld>
+</file>
+
+<file path=ppt/slides/slide25.xml><?xml version="1.0" encoding="utf-8"?>
+<p:sld xmlns:a="http://schemas.openxmlformats.org/drawingml/2006/main" xmlns:r="http://schemas.openxmlformats.org/officeDocument/2006/relationships" xmlns:p="http://schemas.openxmlformats.org/presentationml/2006/main">
+  <p:cSld>
+    <p:spTree>
+      <p:nvGrpSpPr>
+        <p:cNvPr id="1" name=""/>
+        <p:cNvGrpSpPr/>
+        <p:nvPr/>
+      </p:nvGrpSpPr>
+      <p:grpSpPr>
+        <a:xfrm>
+          <a:off x="0" y="0"/>
+          <a:ext cx="0" cy="0"/>
+          <a:chOff x="0" y="0"/>
+          <a:chExt cx="0" cy="0"/>
+        </a:xfrm>
+      </p:grpSpPr>
+      <p:sp>
+        <p:nvSpPr>
+          <p:cNvPr id="5" name="TextBox 4">
+            <a:extLst>
+              <a:ext uri="{FF2B5EF4-FFF2-40B4-BE49-F238E27FC236}">
+                <a16:creationId xmlns:a16="http://schemas.microsoft.com/office/drawing/2014/main" id="{E94142E9-8ECF-CA02-32B6-E4500B24CE62}"/>
+              </a:ext>
+            </a:extLst>
+          </p:cNvPr>
+          <p:cNvSpPr txBox="1"/>
+          <p:nvPr/>
+        </p:nvSpPr>
+        <p:spPr>
+          <a:xfrm>
+            <a:off x="443345" y="421144"/>
+            <a:ext cx="3805382" cy="5509200"/>
+          </a:xfrm>
+          <a:prstGeom prst="rect">
+            <a:avLst/>
+          </a:prstGeom>
+          <a:noFill/>
+        </p:spPr>
+        <p:txBody>
+          <a:bodyPr wrap="square">
+            <a:spAutoFit/>
+          </a:bodyPr>
+          <a:lstStyle/>
+          <a:p>
+            <a:r>
+              <a:rPr lang="ko-KR" altLang="en-US" sz="1600" dirty="0" err="1">
+                <a:latin typeface="Cascadia Code" pitchFamily="49" charset="0"/>
+                <a:cs typeface="Cascadia Code" pitchFamily="49" charset="0"/>
+              </a:rPr>
+              <a:t>class</a:t>
+            </a:r>
+            <a:r>
+              <a:rPr lang="ko-KR" altLang="en-US" sz="1600" dirty="0">
+                <a:latin typeface="Cascadia Code" pitchFamily="49" charset="0"/>
+                <a:cs typeface="Cascadia Code" pitchFamily="49" charset="0"/>
+              </a:rPr>
+              <a:t> </a:t>
+            </a:r>
+            <a:r>
+              <a:rPr lang="ko-KR" altLang="en-US" sz="1600" dirty="0" err="1">
+                <a:latin typeface="Cascadia Code" pitchFamily="49" charset="0"/>
+                <a:cs typeface="Cascadia Code" pitchFamily="49" charset="0"/>
+              </a:rPr>
+              <a:t>Point</a:t>
+            </a:r>
+            <a:r>
+              <a:rPr lang="ko-KR" altLang="en-US" sz="1600" dirty="0">
+                <a:latin typeface="Cascadia Code" pitchFamily="49" charset="0"/>
+                <a:cs typeface="Cascadia Code" pitchFamily="49" charset="0"/>
+              </a:rPr>
+              <a:t> {</a:t>
+            </a:r>
+          </a:p>
+          <a:p>
+            <a:r>
+              <a:rPr lang="ko-KR" altLang="en-US" sz="1600" dirty="0">
+                <a:latin typeface="Cascadia Code" pitchFamily="49" charset="0"/>
+                <a:cs typeface="Cascadia Code" pitchFamily="49" charset="0"/>
+              </a:rPr>
+              <a:t>    </a:t>
+            </a:r>
+            <a:r>
+              <a:rPr lang="ko-KR" altLang="en-US" sz="1600" dirty="0" err="1">
+                <a:latin typeface="Cascadia Code" pitchFamily="49" charset="0"/>
+                <a:cs typeface="Cascadia Code" pitchFamily="49" charset="0"/>
+              </a:rPr>
+              <a:t>int</a:t>
+            </a:r>
+            <a:r>
+              <a:rPr lang="ko-KR" altLang="en-US" sz="1600" dirty="0">
+                <a:latin typeface="Cascadia Code" pitchFamily="49" charset="0"/>
+                <a:cs typeface="Cascadia Code" pitchFamily="49" charset="0"/>
+              </a:rPr>
+              <a:t> </a:t>
+            </a:r>
+            <a:r>
+              <a:rPr lang="ko-KR" altLang="en-US" sz="1600" dirty="0" err="1">
+                <a:latin typeface="Cascadia Code" pitchFamily="49" charset="0"/>
+                <a:cs typeface="Cascadia Code" pitchFamily="49" charset="0"/>
+              </a:rPr>
+              <a:t>x</a:t>
+            </a:r>
+            <a:r>
+              <a:rPr lang="ko-KR" altLang="en-US" sz="1600" dirty="0">
+                <a:latin typeface="Cascadia Code" pitchFamily="49" charset="0"/>
+                <a:cs typeface="Cascadia Code" pitchFamily="49" charset="0"/>
+              </a:rPr>
+              <a:t>;</a:t>
+            </a:r>
+          </a:p>
+          <a:p>
+            <a:r>
+              <a:rPr lang="ko-KR" altLang="en-US" sz="1600" dirty="0">
+                <a:latin typeface="Cascadia Code" pitchFamily="49" charset="0"/>
+                <a:cs typeface="Cascadia Code" pitchFamily="49" charset="0"/>
+              </a:rPr>
+              <a:t>    </a:t>
+            </a:r>
+            <a:r>
+              <a:rPr lang="ko-KR" altLang="en-US" sz="1600" dirty="0" err="1">
+                <a:latin typeface="Cascadia Code" pitchFamily="49" charset="0"/>
+                <a:cs typeface="Cascadia Code" pitchFamily="49" charset="0"/>
+              </a:rPr>
+              <a:t>int</a:t>
+            </a:r>
+            <a:r>
+              <a:rPr lang="ko-KR" altLang="en-US" sz="1600" dirty="0">
+                <a:latin typeface="Cascadia Code" pitchFamily="49" charset="0"/>
+                <a:cs typeface="Cascadia Code" pitchFamily="49" charset="0"/>
+              </a:rPr>
+              <a:t> </a:t>
+            </a:r>
+            <a:r>
+              <a:rPr lang="ko-KR" altLang="en-US" sz="1600" dirty="0" err="1">
+                <a:latin typeface="Cascadia Code" pitchFamily="49" charset="0"/>
+                <a:cs typeface="Cascadia Code" pitchFamily="49" charset="0"/>
+              </a:rPr>
+              <a:t>y</a:t>
+            </a:r>
+            <a:r>
+              <a:rPr lang="ko-KR" altLang="en-US" sz="1600" dirty="0">
+                <a:latin typeface="Cascadia Code" pitchFamily="49" charset="0"/>
+                <a:cs typeface="Cascadia Code" pitchFamily="49" charset="0"/>
+              </a:rPr>
+              <a:t>;</a:t>
+            </a:r>
+          </a:p>
+          <a:p>
+            <a:endParaRPr lang="ko-KR" altLang="en-US" sz="1600" dirty="0">
+              <a:latin typeface="Cascadia Code" pitchFamily="49" charset="0"/>
+              <a:cs typeface="Cascadia Code" pitchFamily="49" charset="0"/>
+            </a:endParaRPr>
+          </a:p>
+          <a:p>
+            <a:r>
+              <a:rPr lang="ko-KR" altLang="en-US" sz="1600" dirty="0" err="1">
+                <a:latin typeface="Cascadia Code" pitchFamily="49" charset="0"/>
+                <a:cs typeface="Cascadia Code" pitchFamily="49" charset="0"/>
+              </a:rPr>
+              <a:t>public</a:t>
+            </a:r>
+            <a:r>
+              <a:rPr lang="ko-KR" altLang="en-US" sz="1600" dirty="0">
+                <a:latin typeface="Cascadia Code" pitchFamily="49" charset="0"/>
+                <a:cs typeface="Cascadia Code" pitchFamily="49" charset="0"/>
+              </a:rPr>
+              <a:t>:</a:t>
+            </a:r>
+          </a:p>
+          <a:p>
+            <a:r>
+              <a:rPr lang="ko-KR" altLang="en-US" sz="1600" dirty="0">
+                <a:latin typeface="Cascadia Code" pitchFamily="49" charset="0"/>
+                <a:cs typeface="Cascadia Code" pitchFamily="49" charset="0"/>
+              </a:rPr>
+              <a:t>    </a:t>
+            </a:r>
+            <a:r>
+              <a:rPr lang="ko-KR" altLang="en-US" sz="1600" dirty="0" err="1">
+                <a:latin typeface="Cascadia Code" pitchFamily="49" charset="0"/>
+                <a:cs typeface="Cascadia Code" pitchFamily="49" charset="0"/>
+              </a:rPr>
+              <a:t>void</a:t>
+            </a:r>
+            <a:r>
+              <a:rPr lang="ko-KR" altLang="en-US" sz="1600" dirty="0">
+                <a:latin typeface="Cascadia Code" pitchFamily="49" charset="0"/>
+                <a:cs typeface="Cascadia Code" pitchFamily="49" charset="0"/>
+              </a:rPr>
+              <a:t> </a:t>
+            </a:r>
+            <a:r>
+              <a:rPr lang="ko-KR" altLang="en-US" sz="1600" dirty="0" err="1">
+                <a:latin typeface="Cascadia Code" pitchFamily="49" charset="0"/>
+                <a:cs typeface="Cascadia Code" pitchFamily="49" charset="0"/>
+              </a:rPr>
+              <a:t>Set</a:t>
+            </a:r>
+            <a:r>
+              <a:rPr lang="ko-KR" altLang="en-US" sz="1600" dirty="0">
+                <a:latin typeface="Cascadia Code" pitchFamily="49" charset="0"/>
+                <a:cs typeface="Cascadia Code" pitchFamily="49" charset="0"/>
+              </a:rPr>
+              <a:t>(</a:t>
+            </a:r>
+            <a:r>
+              <a:rPr lang="ko-KR" altLang="en-US" sz="1600" dirty="0" err="1">
+                <a:latin typeface="Cascadia Code" pitchFamily="49" charset="0"/>
+                <a:cs typeface="Cascadia Code" pitchFamily="49" charset="0"/>
+              </a:rPr>
+              <a:t>int</a:t>
+            </a:r>
+            <a:r>
+              <a:rPr lang="ko-KR" altLang="en-US" sz="1600" dirty="0">
+                <a:latin typeface="Cascadia Code" pitchFamily="49" charset="0"/>
+                <a:cs typeface="Cascadia Code" pitchFamily="49" charset="0"/>
+              </a:rPr>
+              <a:t> </a:t>
+            </a:r>
+            <a:r>
+              <a:rPr lang="ko-KR" altLang="en-US" sz="1600" dirty="0" err="1">
+                <a:latin typeface="Cascadia Code" pitchFamily="49" charset="0"/>
+                <a:cs typeface="Cascadia Code" pitchFamily="49" charset="0"/>
+              </a:rPr>
+              <a:t>a</a:t>
+            </a:r>
+            <a:r>
+              <a:rPr lang="ko-KR" altLang="en-US" sz="1600" dirty="0">
+                <a:latin typeface="Cascadia Code" pitchFamily="49" charset="0"/>
+                <a:cs typeface="Cascadia Code" pitchFamily="49" charset="0"/>
+              </a:rPr>
+              <a:t>, </a:t>
+            </a:r>
+            <a:r>
+              <a:rPr lang="ko-KR" altLang="en-US" sz="1600" dirty="0" err="1">
+                <a:latin typeface="Cascadia Code" pitchFamily="49" charset="0"/>
+                <a:cs typeface="Cascadia Code" pitchFamily="49" charset="0"/>
+              </a:rPr>
+              <a:t>int</a:t>
+            </a:r>
+            <a:r>
+              <a:rPr lang="ko-KR" altLang="en-US" sz="1600" dirty="0">
+                <a:latin typeface="Cascadia Code" pitchFamily="49" charset="0"/>
+                <a:cs typeface="Cascadia Code" pitchFamily="49" charset="0"/>
+              </a:rPr>
+              <a:t> </a:t>
+            </a:r>
+            <a:r>
+              <a:rPr lang="ko-KR" altLang="en-US" sz="1600" dirty="0" err="1">
+                <a:latin typeface="Cascadia Code" pitchFamily="49" charset="0"/>
+                <a:cs typeface="Cascadia Code" pitchFamily="49" charset="0"/>
+              </a:rPr>
+              <a:t>b</a:t>
+            </a:r>
+            <a:r>
+              <a:rPr lang="ko-KR" altLang="en-US" sz="1600" dirty="0">
+                <a:latin typeface="Cascadia Code" pitchFamily="49" charset="0"/>
+                <a:cs typeface="Cascadia Code" pitchFamily="49" charset="0"/>
+              </a:rPr>
+              <a:t>)</a:t>
+            </a:r>
+          </a:p>
+          <a:p>
+            <a:r>
+              <a:rPr lang="ko-KR" altLang="en-US" sz="1600" dirty="0">
+                <a:latin typeface="Cascadia Code" pitchFamily="49" charset="0"/>
+                <a:cs typeface="Cascadia Code" pitchFamily="49" charset="0"/>
+              </a:rPr>
+              <a:t>    {</a:t>
+            </a:r>
+          </a:p>
+          <a:p>
+            <a:r>
+              <a:rPr lang="ko-KR" altLang="en-US" sz="1600" dirty="0">
+                <a:latin typeface="Cascadia Code" pitchFamily="49" charset="0"/>
+                <a:cs typeface="Cascadia Code" pitchFamily="49" charset="0"/>
+              </a:rPr>
+              <a:t>        </a:t>
+            </a:r>
+            <a:r>
+              <a:rPr lang="ko-KR" altLang="en-US" sz="1600" dirty="0" err="1">
+                <a:latin typeface="Cascadia Code" pitchFamily="49" charset="0"/>
+                <a:cs typeface="Cascadia Code" pitchFamily="49" charset="0"/>
+              </a:rPr>
+              <a:t>x</a:t>
+            </a:r>
+            <a:r>
+              <a:rPr lang="ko-KR" altLang="en-US" sz="1600" dirty="0">
+                <a:latin typeface="Cascadia Code" pitchFamily="49" charset="0"/>
+                <a:cs typeface="Cascadia Code" pitchFamily="49" charset="0"/>
+              </a:rPr>
+              <a:t> = </a:t>
+            </a:r>
+            <a:r>
+              <a:rPr lang="ko-KR" altLang="en-US" sz="1600" dirty="0" err="1">
+                <a:latin typeface="Cascadia Code" pitchFamily="49" charset="0"/>
+                <a:cs typeface="Cascadia Code" pitchFamily="49" charset="0"/>
+              </a:rPr>
+              <a:t>a</a:t>
+            </a:r>
+            <a:r>
+              <a:rPr lang="ko-KR" altLang="en-US" sz="1600" dirty="0">
+                <a:latin typeface="Cascadia Code" pitchFamily="49" charset="0"/>
+                <a:cs typeface="Cascadia Code" pitchFamily="49" charset="0"/>
+              </a:rPr>
+              <a:t>;</a:t>
+            </a:r>
+          </a:p>
+          <a:p>
+            <a:r>
+              <a:rPr lang="ko-KR" altLang="en-US" sz="1600" dirty="0">
+                <a:latin typeface="Cascadia Code" pitchFamily="49" charset="0"/>
+                <a:cs typeface="Cascadia Code" pitchFamily="49" charset="0"/>
+              </a:rPr>
+              <a:t>        </a:t>
+            </a:r>
+            <a:r>
+              <a:rPr lang="ko-KR" altLang="en-US" sz="1600" dirty="0" err="1">
+                <a:latin typeface="Cascadia Code" pitchFamily="49" charset="0"/>
+                <a:cs typeface="Cascadia Code" pitchFamily="49" charset="0"/>
+              </a:rPr>
+              <a:t>y</a:t>
+            </a:r>
+            <a:r>
+              <a:rPr lang="ko-KR" altLang="en-US" sz="1600" dirty="0">
+                <a:latin typeface="Cascadia Code" pitchFamily="49" charset="0"/>
+                <a:cs typeface="Cascadia Code" pitchFamily="49" charset="0"/>
+              </a:rPr>
+              <a:t> = </a:t>
+            </a:r>
+            <a:r>
+              <a:rPr lang="ko-KR" altLang="en-US" sz="1600" dirty="0" err="1">
+                <a:latin typeface="Cascadia Code" pitchFamily="49" charset="0"/>
+                <a:cs typeface="Cascadia Code" pitchFamily="49" charset="0"/>
+              </a:rPr>
+              <a:t>b</a:t>
+            </a:r>
+            <a:r>
+              <a:rPr lang="ko-KR" altLang="en-US" sz="1600" dirty="0">
+                <a:latin typeface="Cascadia Code" pitchFamily="49" charset="0"/>
+                <a:cs typeface="Cascadia Code" pitchFamily="49" charset="0"/>
+              </a:rPr>
+              <a:t>;</a:t>
+            </a:r>
+          </a:p>
+          <a:p>
+            <a:r>
+              <a:rPr lang="ko-KR" altLang="en-US" sz="1600" dirty="0">
+                <a:latin typeface="Cascadia Code" pitchFamily="49" charset="0"/>
+                <a:cs typeface="Cascadia Code" pitchFamily="49" charset="0"/>
+              </a:rPr>
+              <a:t>    }</a:t>
+            </a:r>
+          </a:p>
+          <a:p>
+            <a:r>
+              <a:rPr lang="ko-KR" altLang="en-US" sz="1600" dirty="0">
+                <a:latin typeface="Cascadia Code" pitchFamily="49" charset="0"/>
+                <a:cs typeface="Cascadia Code" pitchFamily="49" charset="0"/>
+              </a:rPr>
+              <a:t>};</a:t>
+            </a:r>
+          </a:p>
+          <a:p>
+            <a:endParaRPr lang="ko-KR" altLang="en-US" sz="1600" dirty="0">
+              <a:latin typeface="Cascadia Code" pitchFamily="49" charset="0"/>
+              <a:cs typeface="Cascadia Code" pitchFamily="49" charset="0"/>
+            </a:endParaRPr>
+          </a:p>
+          <a:p>
+            <a:r>
+              <a:rPr lang="ko-KR" altLang="en-US" sz="1600" dirty="0" err="1">
+                <a:latin typeface="Cascadia Code" pitchFamily="49" charset="0"/>
+                <a:cs typeface="Cascadia Code" pitchFamily="49" charset="0"/>
+              </a:rPr>
+              <a:t>int</a:t>
+            </a:r>
+            <a:r>
+              <a:rPr lang="ko-KR" altLang="en-US" sz="1600" dirty="0">
+                <a:latin typeface="Cascadia Code" pitchFamily="49" charset="0"/>
+                <a:cs typeface="Cascadia Code" pitchFamily="49" charset="0"/>
+              </a:rPr>
+              <a:t> </a:t>
+            </a:r>
+            <a:r>
+              <a:rPr lang="ko-KR" altLang="en-US" sz="1600" dirty="0" err="1">
+                <a:latin typeface="Cascadia Code" pitchFamily="49" charset="0"/>
+                <a:cs typeface="Cascadia Code" pitchFamily="49" charset="0"/>
+              </a:rPr>
+              <a:t>main</a:t>
+            </a:r>
+            <a:r>
+              <a:rPr lang="ko-KR" altLang="en-US" sz="1600" dirty="0">
+                <a:latin typeface="Cascadia Code" pitchFamily="49" charset="0"/>
+                <a:cs typeface="Cascadia Code" pitchFamily="49" charset="0"/>
+              </a:rPr>
+              <a:t>()</a:t>
+            </a:r>
+          </a:p>
+          <a:p>
+            <a:r>
+              <a:rPr lang="ko-KR" altLang="en-US" sz="1600" dirty="0">
+                <a:latin typeface="Cascadia Code" pitchFamily="49" charset="0"/>
+                <a:cs typeface="Cascadia Code" pitchFamily="49" charset="0"/>
+              </a:rPr>
+              <a:t>{</a:t>
+            </a:r>
+          </a:p>
+          <a:p>
+            <a:r>
+              <a:rPr lang="ko-KR" altLang="en-US" sz="1600" dirty="0">
+                <a:latin typeface="Cascadia Code" pitchFamily="49" charset="0"/>
+                <a:cs typeface="Cascadia Code" pitchFamily="49" charset="0"/>
+              </a:rPr>
+              <a:t>    </a:t>
+            </a:r>
+            <a:r>
+              <a:rPr lang="ko-KR" altLang="en-US" sz="1600" dirty="0" err="1">
+                <a:latin typeface="Cascadia Code" pitchFamily="49" charset="0"/>
+                <a:cs typeface="Cascadia Code" pitchFamily="49" charset="0"/>
+              </a:rPr>
+              <a:t>Point</a:t>
+            </a:r>
+            <a:r>
+              <a:rPr lang="ko-KR" altLang="en-US" sz="1600" dirty="0">
+                <a:latin typeface="Cascadia Code" pitchFamily="49" charset="0"/>
+                <a:cs typeface="Cascadia Code" pitchFamily="49" charset="0"/>
+              </a:rPr>
+              <a:t> pt1, pt2;</a:t>
+            </a:r>
+          </a:p>
+          <a:p>
+            <a:endParaRPr lang="ko-KR" altLang="en-US" sz="1600" dirty="0">
+              <a:latin typeface="Cascadia Code" pitchFamily="49" charset="0"/>
+              <a:cs typeface="Cascadia Code" pitchFamily="49" charset="0"/>
+            </a:endParaRPr>
+          </a:p>
+          <a:p>
+            <a:r>
+              <a:rPr lang="ko-KR" altLang="en-US" sz="1600" dirty="0">
+                <a:latin typeface="Cascadia Code" pitchFamily="49" charset="0"/>
+                <a:cs typeface="Cascadia Code" pitchFamily="49" charset="0"/>
+              </a:rPr>
+              <a:t>    pt1.Set(10, 20);</a:t>
+            </a:r>
+            <a:endParaRPr lang="en-US" altLang="ko-KR" sz="1600" dirty="0">
+              <a:latin typeface="Cascadia Code" pitchFamily="49" charset="0"/>
+              <a:cs typeface="Cascadia Code" pitchFamily="49" charset="0"/>
+            </a:endParaRPr>
+          </a:p>
+          <a:p>
+            <a:r>
+              <a:rPr lang="en-US" altLang="ko-KR" sz="1600" dirty="0">
+                <a:latin typeface="Cascadia Code" pitchFamily="49" charset="0"/>
+                <a:cs typeface="Cascadia Code" pitchFamily="49" charset="0"/>
+              </a:rPr>
+              <a:t>    </a:t>
+            </a:r>
+            <a:r>
+              <a:rPr lang="en-US" altLang="ko-KR" sz="1600" dirty="0">
+                <a:solidFill>
+                  <a:srgbClr val="FF0000"/>
+                </a:solidFill>
+                <a:latin typeface="Cascadia Code" pitchFamily="49" charset="0"/>
+                <a:cs typeface="Cascadia Code" pitchFamily="49" charset="0"/>
+              </a:rPr>
+              <a:t>Point::Set(&amp;pt1, 10, 20)</a:t>
+            </a:r>
+          </a:p>
+          <a:p>
+            <a:endParaRPr lang="ko-KR" altLang="en-US" sz="1600" dirty="0">
+              <a:latin typeface="Cascadia Code" pitchFamily="49" charset="0"/>
+              <a:cs typeface="Cascadia Code" pitchFamily="49" charset="0"/>
+            </a:endParaRPr>
+          </a:p>
+          <a:p>
+            <a:r>
+              <a:rPr lang="ko-KR" altLang="en-US" sz="1600" dirty="0">
+                <a:latin typeface="Cascadia Code" pitchFamily="49" charset="0"/>
+                <a:cs typeface="Cascadia Code" pitchFamily="49" charset="0"/>
+              </a:rPr>
+              <a:t>    pt2.Set(100, 200);</a:t>
+            </a:r>
+            <a:endParaRPr lang="en-US" altLang="ko-KR" sz="1600" dirty="0">
+              <a:latin typeface="Cascadia Code" pitchFamily="49" charset="0"/>
+              <a:cs typeface="Cascadia Code" pitchFamily="49" charset="0"/>
+            </a:endParaRPr>
+          </a:p>
+          <a:p>
+            <a:r>
+              <a:rPr lang="en-US" altLang="ko-KR" sz="1600" dirty="0">
+                <a:latin typeface="Cascadia Code" pitchFamily="49" charset="0"/>
+                <a:cs typeface="Cascadia Code" pitchFamily="49" charset="0"/>
+              </a:rPr>
+              <a:t>    </a:t>
+            </a:r>
+            <a:r>
+              <a:rPr lang="en-US" altLang="ko-KR" sz="1600" dirty="0">
+                <a:solidFill>
+                  <a:srgbClr val="FF0000"/>
+                </a:solidFill>
+                <a:latin typeface="Cascadia Code" pitchFamily="49" charset="0"/>
+                <a:cs typeface="Cascadia Code" pitchFamily="49" charset="0"/>
+              </a:rPr>
+              <a:t>Point::Set(&amp;pt2, 100, 200)</a:t>
+            </a:r>
+            <a:endParaRPr lang="ko-KR" altLang="en-US" sz="1600" dirty="0">
+              <a:latin typeface="Cascadia Code" pitchFamily="49" charset="0"/>
+              <a:cs typeface="Cascadia Code" pitchFamily="49" charset="0"/>
+            </a:endParaRPr>
+          </a:p>
+          <a:p>
+            <a:r>
+              <a:rPr lang="ko-KR" altLang="en-US" sz="1600" dirty="0">
+                <a:latin typeface="Cascadia Code" pitchFamily="49" charset="0"/>
+                <a:cs typeface="Cascadia Code" pitchFamily="49" charset="0"/>
+              </a:rPr>
+              <a:t>}</a:t>
+            </a:r>
+          </a:p>
+        </p:txBody>
+      </p:sp>
+      <p:sp>
+        <p:nvSpPr>
+          <p:cNvPr id="6" name="직사각형 5">
+            <a:extLst>
+              <a:ext uri="{FF2B5EF4-FFF2-40B4-BE49-F238E27FC236}">
+                <a16:creationId xmlns:a16="http://schemas.microsoft.com/office/drawing/2014/main" id="{BB5B35A2-7DF0-625E-7CEB-232D0C094D3A}"/>
+              </a:ext>
+            </a:extLst>
+          </p:cNvPr>
+          <p:cNvSpPr/>
+          <p:nvPr/>
+        </p:nvSpPr>
+        <p:spPr>
+          <a:xfrm>
+            <a:off x="5280428" y="4279698"/>
+            <a:ext cx="1120140" cy="610463"/>
+          </a:xfrm>
+          <a:prstGeom prst="rect">
+            <a:avLst/>
+          </a:prstGeom>
+          <a:solidFill>
+            <a:srgbClr val="FFFF00"/>
+          </a:solidFill>
+        </p:spPr>
+        <p:style>
+          <a:lnRef idx="2">
+            <a:schemeClr val="accent1">
+              <a:shade val="15000"/>
+            </a:schemeClr>
+          </a:lnRef>
+          <a:fillRef idx="1">
+            <a:schemeClr val="accent1"/>
+          </a:fillRef>
+          <a:effectRef idx="0">
+            <a:schemeClr val="accent1"/>
+          </a:effectRef>
+          <a:fontRef idx="minor">
+            <a:schemeClr val="lt1"/>
+          </a:fontRef>
+        </p:style>
+        <p:txBody>
+          <a:bodyPr rtlCol="0" anchor="ctr"/>
+          <a:lstStyle/>
+          <a:p>
+            <a:pPr algn="ctr"/>
+            <a:r>
+              <a:rPr kumimoji="1" lang="en-US" altLang="ko-KR" sz="1600" dirty="0">
+                <a:solidFill>
+                  <a:srgbClr val="FF0000"/>
+                </a:solidFill>
+                <a:latin typeface="Cascadia Code" pitchFamily="49" charset="0"/>
+                <a:cs typeface="Cascadia Code" pitchFamily="49" charset="0"/>
+              </a:rPr>
+              <a:t>10</a:t>
+            </a:r>
+            <a:endParaRPr kumimoji="1" lang="ko-KR" altLang="en-US" sz="1600" dirty="0">
+              <a:solidFill>
+                <a:srgbClr val="FF0000"/>
+              </a:solidFill>
+              <a:latin typeface="Cascadia Code" pitchFamily="49" charset="0"/>
+              <a:cs typeface="Cascadia Code" pitchFamily="49" charset="0"/>
+            </a:endParaRPr>
+          </a:p>
+        </p:txBody>
+      </p:sp>
+      <p:sp>
+        <p:nvSpPr>
+          <p:cNvPr id="7" name="TextBox 6">
+            <a:extLst>
+              <a:ext uri="{FF2B5EF4-FFF2-40B4-BE49-F238E27FC236}">
+                <a16:creationId xmlns:a16="http://schemas.microsoft.com/office/drawing/2014/main" id="{6CEE5D95-E64C-B6EE-94C1-602473EC3528}"/>
+              </a:ext>
+            </a:extLst>
+          </p:cNvPr>
+          <p:cNvSpPr txBox="1"/>
+          <p:nvPr/>
+        </p:nvSpPr>
+        <p:spPr>
+          <a:xfrm>
+            <a:off x="5013728" y="4415652"/>
+            <a:ext cx="236220" cy="338554"/>
+          </a:xfrm>
+          <a:prstGeom prst="rect">
+            <a:avLst/>
+          </a:prstGeom>
+          <a:noFill/>
+        </p:spPr>
+        <p:txBody>
+          <a:bodyPr wrap="square" rtlCol="0">
+            <a:spAutoFit/>
+          </a:bodyPr>
+          <a:lstStyle/>
+          <a:p>
+            <a:pPr algn="ctr"/>
+            <a:r>
+              <a:rPr kumimoji="1" lang="en-US" altLang="ko-KR" sz="1600" dirty="0">
+                <a:latin typeface="Cascadia Code" pitchFamily="49" charset="0"/>
+                <a:ea typeface="Cascadia Code" pitchFamily="49" charset="0"/>
+                <a:cs typeface="Cascadia Code" pitchFamily="49" charset="0"/>
+              </a:rPr>
+              <a:t>x</a:t>
+            </a:r>
+            <a:endParaRPr kumimoji="1" lang="ko-KR" altLang="en-US" sz="1600" dirty="0">
+              <a:latin typeface="Cascadia Code" pitchFamily="49" charset="0"/>
+              <a:ea typeface="Cascadia Code" pitchFamily="49" charset="0"/>
+              <a:cs typeface="Cascadia Code" pitchFamily="49" charset="0"/>
+            </a:endParaRPr>
+          </a:p>
+        </p:txBody>
+      </p:sp>
+      <p:sp>
+        <p:nvSpPr>
+          <p:cNvPr id="8" name="직사각형 7">
+            <a:extLst>
+              <a:ext uri="{FF2B5EF4-FFF2-40B4-BE49-F238E27FC236}">
+                <a16:creationId xmlns:a16="http://schemas.microsoft.com/office/drawing/2014/main" id="{2ADF19F1-7365-F6E6-30F8-DE8DAC861251}"/>
+              </a:ext>
+            </a:extLst>
+          </p:cNvPr>
+          <p:cNvSpPr/>
+          <p:nvPr/>
+        </p:nvSpPr>
+        <p:spPr>
+          <a:xfrm>
+            <a:off x="5280428" y="4890161"/>
+            <a:ext cx="1120140" cy="610463"/>
+          </a:xfrm>
+          <a:prstGeom prst="rect">
+            <a:avLst/>
+          </a:prstGeom>
+          <a:solidFill>
+            <a:srgbClr val="FFFF00"/>
+          </a:solidFill>
+        </p:spPr>
+        <p:style>
+          <a:lnRef idx="2">
+            <a:schemeClr val="accent1">
+              <a:shade val="15000"/>
+            </a:schemeClr>
+          </a:lnRef>
+          <a:fillRef idx="1">
+            <a:schemeClr val="accent1"/>
+          </a:fillRef>
+          <a:effectRef idx="0">
+            <a:schemeClr val="accent1"/>
+          </a:effectRef>
+          <a:fontRef idx="minor">
+            <a:schemeClr val="lt1"/>
+          </a:fontRef>
+        </p:style>
+        <p:txBody>
+          <a:bodyPr rtlCol="0" anchor="ctr"/>
+          <a:lstStyle/>
+          <a:p>
+            <a:pPr algn="ctr"/>
+            <a:r>
+              <a:rPr kumimoji="1" lang="en-US" altLang="ko-KR" sz="1600" dirty="0">
+                <a:solidFill>
+                  <a:srgbClr val="FF0000"/>
+                </a:solidFill>
+                <a:latin typeface="Cascadia Code" pitchFamily="49" charset="0"/>
+                <a:cs typeface="Cascadia Code" pitchFamily="49" charset="0"/>
+              </a:rPr>
+              <a:t>20</a:t>
+            </a:r>
+            <a:endParaRPr kumimoji="1" lang="ko-KR" altLang="en-US" sz="1600" dirty="0">
+              <a:solidFill>
+                <a:srgbClr val="FF0000"/>
+              </a:solidFill>
+              <a:latin typeface="Cascadia Code" pitchFamily="49" charset="0"/>
+              <a:cs typeface="Cascadia Code" pitchFamily="49" charset="0"/>
+            </a:endParaRPr>
+          </a:p>
+        </p:txBody>
+      </p:sp>
+      <p:sp>
+        <p:nvSpPr>
+          <p:cNvPr id="9" name="TextBox 8">
+            <a:extLst>
+              <a:ext uri="{FF2B5EF4-FFF2-40B4-BE49-F238E27FC236}">
+                <a16:creationId xmlns:a16="http://schemas.microsoft.com/office/drawing/2014/main" id="{72738311-484F-2AE4-9D83-EAC231DE5AA5}"/>
+              </a:ext>
+            </a:extLst>
+          </p:cNvPr>
+          <p:cNvSpPr txBox="1"/>
+          <p:nvPr/>
+        </p:nvSpPr>
+        <p:spPr>
+          <a:xfrm>
+            <a:off x="5013728" y="5026115"/>
+            <a:ext cx="236220" cy="338554"/>
+          </a:xfrm>
+          <a:prstGeom prst="rect">
+            <a:avLst/>
+          </a:prstGeom>
+          <a:noFill/>
+        </p:spPr>
+        <p:txBody>
+          <a:bodyPr wrap="square" rtlCol="0">
+            <a:spAutoFit/>
+          </a:bodyPr>
+          <a:lstStyle/>
+          <a:p>
+            <a:pPr algn="ctr"/>
+            <a:r>
+              <a:rPr kumimoji="1" lang="en-US" altLang="ko-KR" sz="1600" dirty="0">
+                <a:latin typeface="Cascadia Code" pitchFamily="49" charset="0"/>
+                <a:ea typeface="Cascadia Code" pitchFamily="49" charset="0"/>
+                <a:cs typeface="Cascadia Code" pitchFamily="49" charset="0"/>
+              </a:rPr>
+              <a:t>y</a:t>
+            </a:r>
+            <a:endParaRPr kumimoji="1" lang="ko-KR" altLang="en-US" sz="1600" dirty="0">
+              <a:latin typeface="Cascadia Code" pitchFamily="49" charset="0"/>
+              <a:ea typeface="Cascadia Code" pitchFamily="49" charset="0"/>
+              <a:cs typeface="Cascadia Code" pitchFamily="49" charset="0"/>
+            </a:endParaRPr>
+          </a:p>
+        </p:txBody>
+      </p:sp>
+      <p:sp>
+        <p:nvSpPr>
+          <p:cNvPr id="10" name="TextBox 9">
+            <a:extLst>
+              <a:ext uri="{FF2B5EF4-FFF2-40B4-BE49-F238E27FC236}">
+                <a16:creationId xmlns:a16="http://schemas.microsoft.com/office/drawing/2014/main" id="{DA5AE5A1-8719-6C4B-370B-31E476F7D442}"/>
+              </a:ext>
+            </a:extLst>
+          </p:cNvPr>
+          <p:cNvSpPr txBox="1"/>
+          <p:nvPr/>
+        </p:nvSpPr>
+        <p:spPr>
+          <a:xfrm>
+            <a:off x="5387339" y="3884596"/>
+            <a:ext cx="906317" cy="369332"/>
+          </a:xfrm>
+          <a:prstGeom prst="rect">
+            <a:avLst/>
+          </a:prstGeom>
+          <a:noFill/>
+        </p:spPr>
+        <p:txBody>
+          <a:bodyPr wrap="square">
+            <a:spAutoFit/>
+          </a:bodyPr>
+          <a:lstStyle/>
+          <a:p>
+            <a:pPr algn="ctr"/>
+            <a:r>
+              <a:rPr lang="ko-KR" altLang="en-US" dirty="0">
+                <a:latin typeface="Cascadia Code" pitchFamily="49" charset="0"/>
+                <a:cs typeface="Cascadia Code" pitchFamily="49" charset="0"/>
+              </a:rPr>
+              <a:t>pt1</a:t>
+            </a:r>
+            <a:endParaRPr lang="ko-KR" altLang="en-US" dirty="0"/>
+          </a:p>
+        </p:txBody>
+      </p:sp>
+      <p:sp>
+        <p:nvSpPr>
+          <p:cNvPr id="11" name="직사각형 10">
+            <a:extLst>
+              <a:ext uri="{FF2B5EF4-FFF2-40B4-BE49-F238E27FC236}">
+                <a16:creationId xmlns:a16="http://schemas.microsoft.com/office/drawing/2014/main" id="{7155CB18-EE4F-24C0-F1B5-7699DED820C9}"/>
+              </a:ext>
+            </a:extLst>
+          </p:cNvPr>
+          <p:cNvSpPr/>
+          <p:nvPr/>
+        </p:nvSpPr>
+        <p:spPr>
+          <a:xfrm>
+            <a:off x="8120610" y="4253928"/>
+            <a:ext cx="1120140" cy="610463"/>
+          </a:xfrm>
+          <a:prstGeom prst="rect">
+            <a:avLst/>
+          </a:prstGeom>
+          <a:solidFill>
+            <a:srgbClr val="FFFF00"/>
+          </a:solidFill>
+        </p:spPr>
+        <p:style>
+          <a:lnRef idx="2">
+            <a:schemeClr val="accent1">
+              <a:shade val="15000"/>
+            </a:schemeClr>
+          </a:lnRef>
+          <a:fillRef idx="1">
+            <a:schemeClr val="accent1"/>
+          </a:fillRef>
+          <a:effectRef idx="0">
+            <a:schemeClr val="accent1"/>
+          </a:effectRef>
+          <a:fontRef idx="minor">
+            <a:schemeClr val="lt1"/>
+          </a:fontRef>
+        </p:style>
+        <p:txBody>
+          <a:bodyPr rtlCol="0" anchor="ctr"/>
+          <a:lstStyle/>
+          <a:p>
+            <a:pPr algn="ctr"/>
+            <a:endParaRPr kumimoji="1" lang="ko-KR" altLang="en-US" sz="1600" dirty="0">
+              <a:solidFill>
+                <a:srgbClr val="FF0000"/>
+              </a:solidFill>
+              <a:latin typeface="Cascadia Code" pitchFamily="49" charset="0"/>
+              <a:cs typeface="Cascadia Code" pitchFamily="49" charset="0"/>
+            </a:endParaRPr>
+          </a:p>
+        </p:txBody>
+      </p:sp>
+      <p:sp>
+        <p:nvSpPr>
+          <p:cNvPr id="12" name="TextBox 11">
+            <a:extLst>
+              <a:ext uri="{FF2B5EF4-FFF2-40B4-BE49-F238E27FC236}">
+                <a16:creationId xmlns:a16="http://schemas.microsoft.com/office/drawing/2014/main" id="{868CE8FC-5B7E-B504-D2AF-2F71FA249F23}"/>
+              </a:ext>
+            </a:extLst>
+          </p:cNvPr>
+          <p:cNvSpPr txBox="1"/>
+          <p:nvPr/>
+        </p:nvSpPr>
+        <p:spPr>
+          <a:xfrm>
+            <a:off x="7853910" y="4389882"/>
+            <a:ext cx="236220" cy="338554"/>
+          </a:xfrm>
+          <a:prstGeom prst="rect">
+            <a:avLst/>
+          </a:prstGeom>
+          <a:noFill/>
+        </p:spPr>
+        <p:txBody>
+          <a:bodyPr wrap="square" rtlCol="0">
+            <a:spAutoFit/>
+          </a:bodyPr>
+          <a:lstStyle/>
+          <a:p>
+            <a:pPr algn="ctr"/>
+            <a:r>
+              <a:rPr kumimoji="1" lang="en-US" altLang="ko-KR" sz="1600" dirty="0">
+                <a:latin typeface="Cascadia Code" pitchFamily="49" charset="0"/>
+                <a:ea typeface="Cascadia Code" pitchFamily="49" charset="0"/>
+                <a:cs typeface="Cascadia Code" pitchFamily="49" charset="0"/>
+              </a:rPr>
+              <a:t>x</a:t>
+            </a:r>
+            <a:endParaRPr kumimoji="1" lang="ko-KR" altLang="en-US" sz="1600" dirty="0">
+              <a:latin typeface="Cascadia Code" pitchFamily="49" charset="0"/>
+              <a:ea typeface="Cascadia Code" pitchFamily="49" charset="0"/>
+              <a:cs typeface="Cascadia Code" pitchFamily="49" charset="0"/>
+            </a:endParaRPr>
+          </a:p>
+        </p:txBody>
+      </p:sp>
+      <p:sp>
+        <p:nvSpPr>
+          <p:cNvPr id="13" name="직사각형 12">
+            <a:extLst>
+              <a:ext uri="{FF2B5EF4-FFF2-40B4-BE49-F238E27FC236}">
+                <a16:creationId xmlns:a16="http://schemas.microsoft.com/office/drawing/2014/main" id="{1E9A923E-05E3-E060-E5E8-EF354EF110AF}"/>
+              </a:ext>
+            </a:extLst>
+          </p:cNvPr>
+          <p:cNvSpPr/>
+          <p:nvPr/>
+        </p:nvSpPr>
+        <p:spPr>
+          <a:xfrm>
+            <a:off x="8120610" y="4864391"/>
+            <a:ext cx="1120140" cy="610463"/>
+          </a:xfrm>
+          <a:prstGeom prst="rect">
+            <a:avLst/>
+          </a:prstGeom>
+          <a:solidFill>
+            <a:srgbClr val="FFFF00"/>
+          </a:solidFill>
+        </p:spPr>
+        <p:style>
+          <a:lnRef idx="2">
+            <a:schemeClr val="accent1">
+              <a:shade val="15000"/>
+            </a:schemeClr>
+          </a:lnRef>
+          <a:fillRef idx="1">
+            <a:schemeClr val="accent1"/>
+          </a:fillRef>
+          <a:effectRef idx="0">
+            <a:schemeClr val="accent1"/>
+          </a:effectRef>
+          <a:fontRef idx="minor">
+            <a:schemeClr val="lt1"/>
+          </a:fontRef>
+        </p:style>
+        <p:txBody>
+          <a:bodyPr rtlCol="0" anchor="ctr"/>
+          <a:lstStyle/>
+          <a:p>
+            <a:pPr algn="ctr"/>
+            <a:endParaRPr kumimoji="1" lang="ko-KR" altLang="en-US" sz="1600" dirty="0">
+              <a:solidFill>
+                <a:srgbClr val="FF0000"/>
+              </a:solidFill>
+              <a:latin typeface="Cascadia Code" pitchFamily="49" charset="0"/>
+              <a:cs typeface="Cascadia Code" pitchFamily="49" charset="0"/>
+            </a:endParaRPr>
+          </a:p>
+        </p:txBody>
+      </p:sp>
+      <p:sp>
+        <p:nvSpPr>
+          <p:cNvPr id="14" name="TextBox 13">
+            <a:extLst>
+              <a:ext uri="{FF2B5EF4-FFF2-40B4-BE49-F238E27FC236}">
+                <a16:creationId xmlns:a16="http://schemas.microsoft.com/office/drawing/2014/main" id="{78C77A4A-1DD4-2FAA-0A96-3DD6DEB52EFA}"/>
+              </a:ext>
+            </a:extLst>
+          </p:cNvPr>
+          <p:cNvSpPr txBox="1"/>
+          <p:nvPr/>
+        </p:nvSpPr>
+        <p:spPr>
+          <a:xfrm>
+            <a:off x="7853910" y="5000345"/>
+            <a:ext cx="236220" cy="338554"/>
+          </a:xfrm>
+          <a:prstGeom prst="rect">
+            <a:avLst/>
+          </a:prstGeom>
+          <a:noFill/>
+        </p:spPr>
+        <p:txBody>
+          <a:bodyPr wrap="square" rtlCol="0">
+            <a:spAutoFit/>
+          </a:bodyPr>
+          <a:lstStyle/>
+          <a:p>
+            <a:pPr algn="ctr"/>
+            <a:r>
+              <a:rPr kumimoji="1" lang="en-US" altLang="ko-KR" sz="1600" dirty="0">
+                <a:latin typeface="Cascadia Code" pitchFamily="49" charset="0"/>
+                <a:ea typeface="Cascadia Code" pitchFamily="49" charset="0"/>
+                <a:cs typeface="Cascadia Code" pitchFamily="49" charset="0"/>
+              </a:rPr>
+              <a:t>y</a:t>
+            </a:r>
+            <a:endParaRPr kumimoji="1" lang="ko-KR" altLang="en-US" sz="1600" dirty="0">
+              <a:latin typeface="Cascadia Code" pitchFamily="49" charset="0"/>
+              <a:ea typeface="Cascadia Code" pitchFamily="49" charset="0"/>
+              <a:cs typeface="Cascadia Code" pitchFamily="49" charset="0"/>
+            </a:endParaRPr>
+          </a:p>
+        </p:txBody>
+      </p:sp>
+      <p:sp>
+        <p:nvSpPr>
+          <p:cNvPr id="15" name="TextBox 14">
+            <a:extLst>
+              <a:ext uri="{FF2B5EF4-FFF2-40B4-BE49-F238E27FC236}">
+                <a16:creationId xmlns:a16="http://schemas.microsoft.com/office/drawing/2014/main" id="{833398FA-38CF-1711-73F5-519DB15760C9}"/>
+              </a:ext>
+            </a:extLst>
+          </p:cNvPr>
+          <p:cNvSpPr txBox="1"/>
+          <p:nvPr/>
+        </p:nvSpPr>
+        <p:spPr>
+          <a:xfrm>
+            <a:off x="8227521" y="3858826"/>
+            <a:ext cx="906317" cy="369332"/>
+          </a:xfrm>
+          <a:prstGeom prst="rect">
+            <a:avLst/>
+          </a:prstGeom>
+          <a:noFill/>
+        </p:spPr>
+        <p:txBody>
+          <a:bodyPr wrap="square">
+            <a:spAutoFit/>
+          </a:bodyPr>
+          <a:lstStyle/>
+          <a:p>
+            <a:pPr algn="ctr"/>
+            <a:r>
+              <a:rPr lang="ko-KR" altLang="en-US" dirty="0" err="1">
+                <a:latin typeface="Cascadia Code" pitchFamily="49" charset="0"/>
+                <a:cs typeface="Cascadia Code" pitchFamily="49" charset="0"/>
+              </a:rPr>
+              <a:t>pt</a:t>
+            </a:r>
+            <a:r>
+              <a:rPr lang="en-US" altLang="ko-KR" dirty="0">
+                <a:latin typeface="Cascadia Code" pitchFamily="49" charset="0"/>
+                <a:cs typeface="Cascadia Code" pitchFamily="49" charset="0"/>
+              </a:rPr>
+              <a:t>2</a:t>
+            </a:r>
+            <a:endParaRPr lang="ko-KR" altLang="en-US" dirty="0"/>
+          </a:p>
+        </p:txBody>
+      </p:sp>
+      <p:sp>
+        <p:nvSpPr>
+          <p:cNvPr id="3" name="TextBox 2">
+            <a:extLst>
+              <a:ext uri="{FF2B5EF4-FFF2-40B4-BE49-F238E27FC236}">
+                <a16:creationId xmlns:a16="http://schemas.microsoft.com/office/drawing/2014/main" id="{76E2CC32-54AE-85F3-EB07-264C01ED1231}"/>
+              </a:ext>
+            </a:extLst>
+          </p:cNvPr>
+          <p:cNvSpPr txBox="1"/>
+          <p:nvPr/>
+        </p:nvSpPr>
+        <p:spPr>
+          <a:xfrm>
+            <a:off x="4774046" y="990790"/>
+            <a:ext cx="6004790" cy="1477328"/>
+          </a:xfrm>
+          <a:prstGeom prst="rect">
+            <a:avLst/>
+          </a:prstGeom>
+          <a:noFill/>
+        </p:spPr>
+        <p:txBody>
+          <a:bodyPr wrap="square">
+            <a:spAutoFit/>
+          </a:bodyPr>
+          <a:lstStyle/>
+          <a:p>
+            <a:r>
+              <a:rPr lang="ko-KR" altLang="en-US" sz="1800" dirty="0" err="1">
+                <a:latin typeface="Cascadia Code" pitchFamily="49" charset="0"/>
+                <a:cs typeface="Cascadia Code" pitchFamily="49" charset="0"/>
+              </a:rPr>
+              <a:t>void</a:t>
+            </a:r>
+            <a:r>
+              <a:rPr lang="ko-KR" altLang="en-US" sz="1800" dirty="0">
+                <a:latin typeface="Cascadia Code" pitchFamily="49" charset="0"/>
+                <a:cs typeface="Cascadia Code" pitchFamily="49" charset="0"/>
+              </a:rPr>
+              <a:t> </a:t>
+            </a:r>
+            <a:r>
+              <a:rPr lang="en-US" altLang="ko-KR" sz="1800" dirty="0">
+                <a:solidFill>
+                  <a:srgbClr val="FF0000"/>
+                </a:solidFill>
+                <a:latin typeface="Cascadia Code" pitchFamily="49" charset="0"/>
+                <a:cs typeface="Cascadia Code" pitchFamily="49" charset="0"/>
+              </a:rPr>
+              <a:t>Point::</a:t>
+            </a:r>
+            <a:r>
+              <a:rPr lang="ko-KR" altLang="en-US" sz="1800" dirty="0" err="1">
+                <a:latin typeface="Cascadia Code" pitchFamily="49" charset="0"/>
+                <a:cs typeface="Cascadia Code" pitchFamily="49" charset="0"/>
+              </a:rPr>
+              <a:t>Set</a:t>
+            </a:r>
+            <a:r>
+              <a:rPr lang="ko-KR" altLang="en-US" sz="1800" dirty="0">
+                <a:latin typeface="Cascadia Code" pitchFamily="49" charset="0"/>
+                <a:cs typeface="Cascadia Code" pitchFamily="49" charset="0"/>
+              </a:rPr>
+              <a:t>(</a:t>
+            </a:r>
+            <a:r>
+              <a:rPr lang="en-US" altLang="ko-KR" sz="1800" dirty="0">
+                <a:solidFill>
+                  <a:srgbClr val="FF0000"/>
+                </a:solidFill>
+                <a:latin typeface="Cascadia Code" pitchFamily="49" charset="0"/>
+                <a:cs typeface="Cascadia Code" pitchFamily="49" charset="0"/>
+              </a:rPr>
+              <a:t>Point* this,</a:t>
+            </a:r>
+            <a:r>
+              <a:rPr lang="en-US" altLang="ko-KR" sz="1800" dirty="0">
+                <a:latin typeface="Cascadia Code" pitchFamily="49" charset="0"/>
+                <a:cs typeface="Cascadia Code" pitchFamily="49" charset="0"/>
+              </a:rPr>
+              <a:t> </a:t>
+            </a:r>
+            <a:r>
+              <a:rPr lang="ko-KR" altLang="en-US" sz="1800" dirty="0" err="1">
+                <a:latin typeface="Cascadia Code" pitchFamily="49" charset="0"/>
+                <a:cs typeface="Cascadia Code" pitchFamily="49" charset="0"/>
+              </a:rPr>
+              <a:t>int</a:t>
+            </a:r>
+            <a:r>
+              <a:rPr lang="ko-KR" altLang="en-US" sz="1800" dirty="0">
+                <a:latin typeface="Cascadia Code" pitchFamily="49" charset="0"/>
+                <a:cs typeface="Cascadia Code" pitchFamily="49" charset="0"/>
+              </a:rPr>
+              <a:t> </a:t>
+            </a:r>
+            <a:r>
+              <a:rPr lang="ko-KR" altLang="en-US" sz="1800" dirty="0" err="1">
+                <a:latin typeface="Cascadia Code" pitchFamily="49" charset="0"/>
+                <a:cs typeface="Cascadia Code" pitchFamily="49" charset="0"/>
+              </a:rPr>
+              <a:t>a</a:t>
+            </a:r>
+            <a:r>
+              <a:rPr lang="ko-KR" altLang="en-US" sz="1800" dirty="0">
+                <a:latin typeface="Cascadia Code" pitchFamily="49" charset="0"/>
+                <a:cs typeface="Cascadia Code" pitchFamily="49" charset="0"/>
+              </a:rPr>
+              <a:t>, </a:t>
+            </a:r>
+            <a:r>
+              <a:rPr lang="ko-KR" altLang="en-US" sz="1800" dirty="0" err="1">
+                <a:latin typeface="Cascadia Code" pitchFamily="49" charset="0"/>
+                <a:cs typeface="Cascadia Code" pitchFamily="49" charset="0"/>
+              </a:rPr>
+              <a:t>int</a:t>
+            </a:r>
+            <a:r>
+              <a:rPr lang="ko-KR" altLang="en-US" sz="1800" dirty="0">
+                <a:latin typeface="Cascadia Code" pitchFamily="49" charset="0"/>
+                <a:cs typeface="Cascadia Code" pitchFamily="49" charset="0"/>
+              </a:rPr>
+              <a:t> </a:t>
+            </a:r>
+            <a:r>
+              <a:rPr lang="ko-KR" altLang="en-US" sz="1800" dirty="0" err="1">
+                <a:latin typeface="Cascadia Code" pitchFamily="49" charset="0"/>
+                <a:cs typeface="Cascadia Code" pitchFamily="49" charset="0"/>
+              </a:rPr>
+              <a:t>b</a:t>
+            </a:r>
+            <a:r>
+              <a:rPr lang="ko-KR" altLang="en-US" sz="1800" dirty="0">
+                <a:latin typeface="Cascadia Code" pitchFamily="49" charset="0"/>
+                <a:cs typeface="Cascadia Code" pitchFamily="49" charset="0"/>
+              </a:rPr>
+              <a:t>)</a:t>
+            </a:r>
+          </a:p>
+          <a:p>
+            <a:r>
+              <a:rPr lang="ko-KR" altLang="en-US" sz="1800" dirty="0">
+                <a:latin typeface="Cascadia Code" pitchFamily="49" charset="0"/>
+                <a:cs typeface="Cascadia Code" pitchFamily="49" charset="0"/>
+              </a:rPr>
+              <a:t>{</a:t>
+            </a:r>
+          </a:p>
+          <a:p>
+            <a:r>
+              <a:rPr lang="ko-KR" altLang="en-US" sz="1800" dirty="0">
+                <a:latin typeface="Cascadia Code" pitchFamily="49" charset="0"/>
+                <a:cs typeface="Cascadia Code" pitchFamily="49" charset="0"/>
+              </a:rPr>
+              <a:t>    </a:t>
+            </a:r>
+            <a:r>
+              <a:rPr lang="en-US" altLang="ko-KR" dirty="0">
+                <a:solidFill>
+                  <a:srgbClr val="FF0000"/>
+                </a:solidFill>
+                <a:latin typeface="Cascadia Code" pitchFamily="49" charset="0"/>
+                <a:cs typeface="Cascadia Code" pitchFamily="49" charset="0"/>
+              </a:rPr>
+              <a:t>this-&gt;</a:t>
+            </a:r>
+            <a:r>
+              <a:rPr lang="ko-KR" altLang="en-US" sz="1800" dirty="0" err="1">
+                <a:latin typeface="Cascadia Code" pitchFamily="49" charset="0"/>
+                <a:cs typeface="Cascadia Code" pitchFamily="49" charset="0"/>
+              </a:rPr>
+              <a:t>x</a:t>
+            </a:r>
+            <a:r>
+              <a:rPr lang="ko-KR" altLang="en-US" sz="1800" dirty="0">
+                <a:latin typeface="Cascadia Code" pitchFamily="49" charset="0"/>
+                <a:cs typeface="Cascadia Code" pitchFamily="49" charset="0"/>
+              </a:rPr>
+              <a:t> = </a:t>
+            </a:r>
+            <a:r>
+              <a:rPr lang="ko-KR" altLang="en-US" sz="1800" dirty="0" err="1">
+                <a:latin typeface="Cascadia Code" pitchFamily="49" charset="0"/>
+                <a:cs typeface="Cascadia Code" pitchFamily="49" charset="0"/>
+              </a:rPr>
+              <a:t>a</a:t>
+            </a:r>
+            <a:r>
+              <a:rPr lang="ko-KR" altLang="en-US" sz="1800" dirty="0">
+                <a:latin typeface="Cascadia Code" pitchFamily="49" charset="0"/>
+                <a:cs typeface="Cascadia Code" pitchFamily="49" charset="0"/>
+              </a:rPr>
+              <a:t>;</a:t>
+            </a:r>
+          </a:p>
+          <a:p>
+            <a:r>
+              <a:rPr lang="en-US" altLang="ko-KR" sz="1800" dirty="0">
+                <a:latin typeface="Cascadia Code" pitchFamily="49" charset="0"/>
+                <a:cs typeface="Cascadia Code" pitchFamily="49" charset="0"/>
+              </a:rPr>
+              <a:t>   </a:t>
+            </a:r>
+            <a:r>
+              <a:rPr lang="ko-KR" altLang="en-US" sz="1800" dirty="0">
+                <a:latin typeface="Cascadia Code" pitchFamily="49" charset="0"/>
+                <a:cs typeface="Cascadia Code" pitchFamily="49" charset="0"/>
+              </a:rPr>
+              <a:t> </a:t>
+            </a:r>
+            <a:r>
+              <a:rPr lang="en-US" altLang="ko-KR" dirty="0">
+                <a:solidFill>
+                  <a:srgbClr val="FF0000"/>
+                </a:solidFill>
+                <a:latin typeface="Cascadia Code" pitchFamily="49" charset="0"/>
+                <a:cs typeface="Cascadia Code" pitchFamily="49" charset="0"/>
+              </a:rPr>
+              <a:t>this-&gt;</a:t>
+            </a:r>
+            <a:r>
+              <a:rPr lang="ko-KR" altLang="en-US" sz="1800" dirty="0" err="1">
+                <a:latin typeface="Cascadia Code" pitchFamily="49" charset="0"/>
+                <a:cs typeface="Cascadia Code" pitchFamily="49" charset="0"/>
+              </a:rPr>
+              <a:t>y</a:t>
+            </a:r>
+            <a:r>
+              <a:rPr lang="ko-KR" altLang="en-US" sz="1800" dirty="0">
+                <a:latin typeface="Cascadia Code" pitchFamily="49" charset="0"/>
+                <a:cs typeface="Cascadia Code" pitchFamily="49" charset="0"/>
+              </a:rPr>
+              <a:t> = </a:t>
+            </a:r>
+            <a:r>
+              <a:rPr lang="ko-KR" altLang="en-US" sz="1800" dirty="0" err="1">
+                <a:latin typeface="Cascadia Code" pitchFamily="49" charset="0"/>
+                <a:cs typeface="Cascadia Code" pitchFamily="49" charset="0"/>
+              </a:rPr>
+              <a:t>b</a:t>
+            </a:r>
+            <a:r>
+              <a:rPr lang="ko-KR" altLang="en-US" sz="1800" dirty="0">
+                <a:latin typeface="Cascadia Code" pitchFamily="49" charset="0"/>
+                <a:cs typeface="Cascadia Code" pitchFamily="49" charset="0"/>
+              </a:rPr>
+              <a:t>;</a:t>
+            </a:r>
+          </a:p>
+          <a:p>
+            <a:r>
+              <a:rPr lang="ko-KR" altLang="en-US" sz="1800" dirty="0">
+                <a:latin typeface="Cascadia Code" pitchFamily="49" charset="0"/>
+                <a:cs typeface="Cascadia Code" pitchFamily="49" charset="0"/>
+              </a:rPr>
+              <a:t>}</a:t>
+            </a:r>
+            <a:endParaRPr lang="ko-KR" altLang="en-US" dirty="0"/>
+          </a:p>
+        </p:txBody>
+      </p:sp>
+      <p:sp>
+        <p:nvSpPr>
+          <p:cNvPr id="2" name="직사각형 1">
+            <a:extLst>
+              <a:ext uri="{FF2B5EF4-FFF2-40B4-BE49-F238E27FC236}">
+                <a16:creationId xmlns:a16="http://schemas.microsoft.com/office/drawing/2014/main" id="{EE42C992-CABE-4EDE-476E-4CC77851B39F}"/>
+              </a:ext>
+            </a:extLst>
+          </p:cNvPr>
+          <p:cNvSpPr/>
+          <p:nvPr/>
+        </p:nvSpPr>
+        <p:spPr>
+          <a:xfrm>
+            <a:off x="7853910" y="965020"/>
+            <a:ext cx="726672" cy="418126"/>
+          </a:xfrm>
+          <a:prstGeom prst="rect">
+            <a:avLst/>
+          </a:prstGeom>
+          <a:noFill/>
+        </p:spPr>
+        <p:style>
+          <a:lnRef idx="2">
+            <a:schemeClr val="accent1">
+              <a:shade val="15000"/>
+            </a:schemeClr>
+          </a:lnRef>
+          <a:fillRef idx="1">
+            <a:schemeClr val="accent1"/>
+          </a:fillRef>
+          <a:effectRef idx="0">
+            <a:schemeClr val="accent1"/>
+          </a:effectRef>
+          <a:fontRef idx="minor">
+            <a:schemeClr val="lt1"/>
+          </a:fontRef>
+        </p:style>
+        <p:txBody>
+          <a:bodyPr rtlCol="0" anchor="ctr"/>
+          <a:lstStyle/>
+          <a:p>
+            <a:pPr algn="ctr"/>
+            <a:endParaRPr kumimoji="1" lang="ko-KR" altLang="en-US" sz="1600" dirty="0">
+              <a:solidFill>
+                <a:schemeClr val="tx1"/>
+              </a:solidFill>
+              <a:latin typeface="Cascadia Code" pitchFamily="49" charset="0"/>
+              <a:cs typeface="Cascadia Code" pitchFamily="49" charset="0"/>
+            </a:endParaRPr>
+          </a:p>
+        </p:txBody>
+      </p:sp>
+      <p:cxnSp>
+        <p:nvCxnSpPr>
+          <p:cNvPr id="16" name="구부러진 연결선[U] 15">
+            <a:extLst>
+              <a:ext uri="{FF2B5EF4-FFF2-40B4-BE49-F238E27FC236}">
+                <a16:creationId xmlns:a16="http://schemas.microsoft.com/office/drawing/2014/main" id="{F9156F51-95C3-A881-5947-7B2BA17B9E40}"/>
+              </a:ext>
+            </a:extLst>
+          </p:cNvPr>
+          <p:cNvCxnSpPr>
+            <a:endCxn id="10" idx="0"/>
+          </p:cNvCxnSpPr>
+          <p:nvPr/>
+        </p:nvCxnSpPr>
+        <p:spPr>
+          <a:xfrm rot="5400000">
+            <a:off x="5783285" y="1440360"/>
+            <a:ext cx="2501450" cy="2387023"/>
+          </a:xfrm>
+          <a:prstGeom prst="curvedConnector3">
+            <a:avLst/>
+          </a:prstGeom>
+          <a:ln>
+            <a:tailEnd type="triangle"/>
+          </a:ln>
+        </p:spPr>
+        <p:style>
+          <a:lnRef idx="2">
+            <a:schemeClr val="dk1"/>
+          </a:lnRef>
+          <a:fillRef idx="0">
+            <a:schemeClr val="dk1"/>
+          </a:fillRef>
+          <a:effectRef idx="1">
+            <a:schemeClr val="dk1"/>
+          </a:effectRef>
+          <a:fontRef idx="minor">
+            <a:schemeClr val="tx1"/>
+          </a:fontRef>
+        </p:style>
+      </p:cxnSp>
+    </p:spTree>
+    <p:extLst>
+      <p:ext uri="{BB962C8B-B14F-4D97-AF65-F5344CB8AC3E}">
+        <p14:creationId xmlns:p14="http://schemas.microsoft.com/office/powerpoint/2010/main" val="2932568410"/>
+      </p:ext>
+    </p:extLst>
+  </p:cSld>
+  <p:clrMapOvr>
+    <a:masterClrMapping/>
+  </p:clrMapOvr>
+</p:sld>
+</file>
+
+<file path=ppt/slides/slide26.xml><?xml version="1.0" encoding="utf-8"?>
+<p:sld xmlns:a="http://schemas.openxmlformats.org/drawingml/2006/main" xmlns:r="http://schemas.openxmlformats.org/officeDocument/2006/relationships" xmlns:p="http://schemas.openxmlformats.org/presentationml/2006/main">
+  <p:cSld>
+    <p:spTree>
+      <p:nvGrpSpPr>
+        <p:cNvPr id="1" name=""/>
+        <p:cNvGrpSpPr/>
+        <p:nvPr/>
+      </p:nvGrpSpPr>
+      <p:grpSpPr>
+        <a:xfrm>
+          <a:off x="0" y="0"/>
+          <a:ext cx="0" cy="0"/>
+          <a:chOff x="0" y="0"/>
+          <a:chExt cx="0" cy="0"/>
+        </a:xfrm>
+      </p:grpSpPr>
+      <p:sp>
+        <p:nvSpPr>
+          <p:cNvPr id="5" name="TextBox 4">
+            <a:extLst>
+              <a:ext uri="{FF2B5EF4-FFF2-40B4-BE49-F238E27FC236}">
+                <a16:creationId xmlns:a16="http://schemas.microsoft.com/office/drawing/2014/main" id="{E94142E9-8ECF-CA02-32B6-E4500B24CE62}"/>
+              </a:ext>
+            </a:extLst>
+          </p:cNvPr>
+          <p:cNvSpPr txBox="1"/>
+          <p:nvPr/>
+        </p:nvSpPr>
+        <p:spPr>
+          <a:xfrm>
+            <a:off x="443345" y="421144"/>
+            <a:ext cx="3805382" cy="5509200"/>
+          </a:xfrm>
+          <a:prstGeom prst="rect">
+            <a:avLst/>
+          </a:prstGeom>
+          <a:noFill/>
+        </p:spPr>
+        <p:txBody>
+          <a:bodyPr wrap="square">
+            <a:spAutoFit/>
+          </a:bodyPr>
+          <a:lstStyle/>
+          <a:p>
+            <a:r>
+              <a:rPr lang="ko-KR" altLang="en-US" sz="1600" dirty="0" err="1">
+                <a:latin typeface="Cascadia Code" pitchFamily="49" charset="0"/>
+                <a:cs typeface="Cascadia Code" pitchFamily="49" charset="0"/>
+              </a:rPr>
+              <a:t>class</a:t>
+            </a:r>
+            <a:r>
+              <a:rPr lang="ko-KR" altLang="en-US" sz="1600" dirty="0">
+                <a:latin typeface="Cascadia Code" pitchFamily="49" charset="0"/>
+                <a:cs typeface="Cascadia Code" pitchFamily="49" charset="0"/>
+              </a:rPr>
+              <a:t> </a:t>
+            </a:r>
+            <a:r>
+              <a:rPr lang="ko-KR" altLang="en-US" sz="1600" dirty="0" err="1">
+                <a:latin typeface="Cascadia Code" pitchFamily="49" charset="0"/>
+                <a:cs typeface="Cascadia Code" pitchFamily="49" charset="0"/>
+              </a:rPr>
+              <a:t>Point</a:t>
+            </a:r>
+            <a:r>
+              <a:rPr lang="ko-KR" altLang="en-US" sz="1600" dirty="0">
+                <a:latin typeface="Cascadia Code" pitchFamily="49" charset="0"/>
+                <a:cs typeface="Cascadia Code" pitchFamily="49" charset="0"/>
+              </a:rPr>
+              <a:t> {</a:t>
+            </a:r>
+          </a:p>
+          <a:p>
+            <a:r>
+              <a:rPr lang="ko-KR" altLang="en-US" sz="1600" dirty="0">
+                <a:latin typeface="Cascadia Code" pitchFamily="49" charset="0"/>
+                <a:cs typeface="Cascadia Code" pitchFamily="49" charset="0"/>
+              </a:rPr>
+              <a:t>    </a:t>
+            </a:r>
+            <a:r>
+              <a:rPr lang="ko-KR" altLang="en-US" sz="1600" dirty="0" err="1">
+                <a:latin typeface="Cascadia Code" pitchFamily="49" charset="0"/>
+                <a:cs typeface="Cascadia Code" pitchFamily="49" charset="0"/>
+              </a:rPr>
+              <a:t>int</a:t>
+            </a:r>
+            <a:r>
+              <a:rPr lang="ko-KR" altLang="en-US" sz="1600" dirty="0">
+                <a:latin typeface="Cascadia Code" pitchFamily="49" charset="0"/>
+                <a:cs typeface="Cascadia Code" pitchFamily="49" charset="0"/>
+              </a:rPr>
+              <a:t> </a:t>
+            </a:r>
+            <a:r>
+              <a:rPr lang="ko-KR" altLang="en-US" sz="1600" dirty="0" err="1">
+                <a:latin typeface="Cascadia Code" pitchFamily="49" charset="0"/>
+                <a:cs typeface="Cascadia Code" pitchFamily="49" charset="0"/>
+              </a:rPr>
+              <a:t>x</a:t>
+            </a:r>
+            <a:r>
+              <a:rPr lang="ko-KR" altLang="en-US" sz="1600" dirty="0">
+                <a:latin typeface="Cascadia Code" pitchFamily="49" charset="0"/>
+                <a:cs typeface="Cascadia Code" pitchFamily="49" charset="0"/>
+              </a:rPr>
+              <a:t>;</a:t>
+            </a:r>
+          </a:p>
+          <a:p>
+            <a:r>
+              <a:rPr lang="ko-KR" altLang="en-US" sz="1600" dirty="0">
+                <a:latin typeface="Cascadia Code" pitchFamily="49" charset="0"/>
+                <a:cs typeface="Cascadia Code" pitchFamily="49" charset="0"/>
+              </a:rPr>
+              <a:t>    </a:t>
+            </a:r>
+            <a:r>
+              <a:rPr lang="ko-KR" altLang="en-US" sz="1600" dirty="0" err="1">
+                <a:latin typeface="Cascadia Code" pitchFamily="49" charset="0"/>
+                <a:cs typeface="Cascadia Code" pitchFamily="49" charset="0"/>
+              </a:rPr>
+              <a:t>int</a:t>
+            </a:r>
+            <a:r>
+              <a:rPr lang="ko-KR" altLang="en-US" sz="1600" dirty="0">
+                <a:latin typeface="Cascadia Code" pitchFamily="49" charset="0"/>
+                <a:cs typeface="Cascadia Code" pitchFamily="49" charset="0"/>
+              </a:rPr>
+              <a:t> </a:t>
+            </a:r>
+            <a:r>
+              <a:rPr lang="ko-KR" altLang="en-US" sz="1600" dirty="0" err="1">
+                <a:latin typeface="Cascadia Code" pitchFamily="49" charset="0"/>
+                <a:cs typeface="Cascadia Code" pitchFamily="49" charset="0"/>
+              </a:rPr>
+              <a:t>y</a:t>
+            </a:r>
+            <a:r>
+              <a:rPr lang="ko-KR" altLang="en-US" sz="1600" dirty="0">
+                <a:latin typeface="Cascadia Code" pitchFamily="49" charset="0"/>
+                <a:cs typeface="Cascadia Code" pitchFamily="49" charset="0"/>
+              </a:rPr>
+              <a:t>;</a:t>
+            </a:r>
+          </a:p>
+          <a:p>
+            <a:endParaRPr lang="ko-KR" altLang="en-US" sz="1600" dirty="0">
+              <a:latin typeface="Cascadia Code" pitchFamily="49" charset="0"/>
+              <a:cs typeface="Cascadia Code" pitchFamily="49" charset="0"/>
+            </a:endParaRPr>
+          </a:p>
+          <a:p>
+            <a:r>
+              <a:rPr lang="ko-KR" altLang="en-US" sz="1600" dirty="0" err="1">
+                <a:latin typeface="Cascadia Code" pitchFamily="49" charset="0"/>
+                <a:cs typeface="Cascadia Code" pitchFamily="49" charset="0"/>
+              </a:rPr>
+              <a:t>public</a:t>
+            </a:r>
+            <a:r>
+              <a:rPr lang="ko-KR" altLang="en-US" sz="1600" dirty="0">
+                <a:latin typeface="Cascadia Code" pitchFamily="49" charset="0"/>
+                <a:cs typeface="Cascadia Code" pitchFamily="49" charset="0"/>
+              </a:rPr>
+              <a:t>:</a:t>
+            </a:r>
+          </a:p>
+          <a:p>
+            <a:r>
+              <a:rPr lang="ko-KR" altLang="en-US" sz="1600" dirty="0">
+                <a:latin typeface="Cascadia Code" pitchFamily="49" charset="0"/>
+                <a:cs typeface="Cascadia Code" pitchFamily="49" charset="0"/>
+              </a:rPr>
+              <a:t>    </a:t>
+            </a:r>
+            <a:r>
+              <a:rPr lang="ko-KR" altLang="en-US" sz="1600" dirty="0" err="1">
+                <a:latin typeface="Cascadia Code" pitchFamily="49" charset="0"/>
+                <a:cs typeface="Cascadia Code" pitchFamily="49" charset="0"/>
+              </a:rPr>
+              <a:t>void</a:t>
+            </a:r>
+            <a:r>
+              <a:rPr lang="ko-KR" altLang="en-US" sz="1600" dirty="0">
+                <a:latin typeface="Cascadia Code" pitchFamily="49" charset="0"/>
+                <a:cs typeface="Cascadia Code" pitchFamily="49" charset="0"/>
+              </a:rPr>
+              <a:t> </a:t>
+            </a:r>
+            <a:r>
+              <a:rPr lang="ko-KR" altLang="en-US" sz="1600" dirty="0" err="1">
+                <a:latin typeface="Cascadia Code" pitchFamily="49" charset="0"/>
+                <a:cs typeface="Cascadia Code" pitchFamily="49" charset="0"/>
+              </a:rPr>
+              <a:t>Set</a:t>
+            </a:r>
+            <a:r>
+              <a:rPr lang="ko-KR" altLang="en-US" sz="1600" dirty="0">
+                <a:latin typeface="Cascadia Code" pitchFamily="49" charset="0"/>
+                <a:cs typeface="Cascadia Code" pitchFamily="49" charset="0"/>
+              </a:rPr>
+              <a:t>(</a:t>
+            </a:r>
+            <a:r>
+              <a:rPr lang="ko-KR" altLang="en-US" sz="1600" dirty="0" err="1">
+                <a:latin typeface="Cascadia Code" pitchFamily="49" charset="0"/>
+                <a:cs typeface="Cascadia Code" pitchFamily="49" charset="0"/>
+              </a:rPr>
+              <a:t>int</a:t>
+            </a:r>
+            <a:r>
+              <a:rPr lang="ko-KR" altLang="en-US" sz="1600" dirty="0">
+                <a:latin typeface="Cascadia Code" pitchFamily="49" charset="0"/>
+                <a:cs typeface="Cascadia Code" pitchFamily="49" charset="0"/>
+              </a:rPr>
+              <a:t> </a:t>
+            </a:r>
+            <a:r>
+              <a:rPr lang="ko-KR" altLang="en-US" sz="1600" dirty="0" err="1">
+                <a:latin typeface="Cascadia Code" pitchFamily="49" charset="0"/>
+                <a:cs typeface="Cascadia Code" pitchFamily="49" charset="0"/>
+              </a:rPr>
+              <a:t>a</a:t>
+            </a:r>
+            <a:r>
+              <a:rPr lang="ko-KR" altLang="en-US" sz="1600" dirty="0">
+                <a:latin typeface="Cascadia Code" pitchFamily="49" charset="0"/>
+                <a:cs typeface="Cascadia Code" pitchFamily="49" charset="0"/>
+              </a:rPr>
+              <a:t>, </a:t>
+            </a:r>
+            <a:r>
+              <a:rPr lang="ko-KR" altLang="en-US" sz="1600" dirty="0" err="1">
+                <a:latin typeface="Cascadia Code" pitchFamily="49" charset="0"/>
+                <a:cs typeface="Cascadia Code" pitchFamily="49" charset="0"/>
+              </a:rPr>
+              <a:t>int</a:t>
+            </a:r>
+            <a:r>
+              <a:rPr lang="ko-KR" altLang="en-US" sz="1600" dirty="0">
+                <a:latin typeface="Cascadia Code" pitchFamily="49" charset="0"/>
+                <a:cs typeface="Cascadia Code" pitchFamily="49" charset="0"/>
+              </a:rPr>
+              <a:t> </a:t>
+            </a:r>
+            <a:r>
+              <a:rPr lang="ko-KR" altLang="en-US" sz="1600" dirty="0" err="1">
+                <a:latin typeface="Cascadia Code" pitchFamily="49" charset="0"/>
+                <a:cs typeface="Cascadia Code" pitchFamily="49" charset="0"/>
+              </a:rPr>
+              <a:t>b</a:t>
+            </a:r>
+            <a:r>
+              <a:rPr lang="ko-KR" altLang="en-US" sz="1600" dirty="0">
+                <a:latin typeface="Cascadia Code" pitchFamily="49" charset="0"/>
+                <a:cs typeface="Cascadia Code" pitchFamily="49" charset="0"/>
+              </a:rPr>
+              <a:t>)</a:t>
+            </a:r>
+          </a:p>
+          <a:p>
+            <a:r>
+              <a:rPr lang="ko-KR" altLang="en-US" sz="1600" dirty="0">
+                <a:latin typeface="Cascadia Code" pitchFamily="49" charset="0"/>
+                <a:cs typeface="Cascadia Code" pitchFamily="49" charset="0"/>
+              </a:rPr>
+              <a:t>    {</a:t>
+            </a:r>
+          </a:p>
+          <a:p>
+            <a:r>
+              <a:rPr lang="ko-KR" altLang="en-US" sz="1600" dirty="0">
+                <a:latin typeface="Cascadia Code" pitchFamily="49" charset="0"/>
+                <a:cs typeface="Cascadia Code" pitchFamily="49" charset="0"/>
+              </a:rPr>
+              <a:t>        </a:t>
+            </a:r>
+            <a:r>
+              <a:rPr lang="ko-KR" altLang="en-US" sz="1600" dirty="0" err="1">
+                <a:latin typeface="Cascadia Code" pitchFamily="49" charset="0"/>
+                <a:cs typeface="Cascadia Code" pitchFamily="49" charset="0"/>
+              </a:rPr>
+              <a:t>x</a:t>
+            </a:r>
+            <a:r>
+              <a:rPr lang="ko-KR" altLang="en-US" sz="1600" dirty="0">
+                <a:latin typeface="Cascadia Code" pitchFamily="49" charset="0"/>
+                <a:cs typeface="Cascadia Code" pitchFamily="49" charset="0"/>
+              </a:rPr>
+              <a:t> = </a:t>
+            </a:r>
+            <a:r>
+              <a:rPr lang="ko-KR" altLang="en-US" sz="1600" dirty="0" err="1">
+                <a:latin typeface="Cascadia Code" pitchFamily="49" charset="0"/>
+                <a:cs typeface="Cascadia Code" pitchFamily="49" charset="0"/>
+              </a:rPr>
+              <a:t>a</a:t>
+            </a:r>
+            <a:r>
+              <a:rPr lang="ko-KR" altLang="en-US" sz="1600" dirty="0">
+                <a:latin typeface="Cascadia Code" pitchFamily="49" charset="0"/>
+                <a:cs typeface="Cascadia Code" pitchFamily="49" charset="0"/>
+              </a:rPr>
+              <a:t>;</a:t>
+            </a:r>
+          </a:p>
+          <a:p>
+            <a:r>
+              <a:rPr lang="ko-KR" altLang="en-US" sz="1600" dirty="0">
+                <a:latin typeface="Cascadia Code" pitchFamily="49" charset="0"/>
+                <a:cs typeface="Cascadia Code" pitchFamily="49" charset="0"/>
+              </a:rPr>
+              <a:t>        </a:t>
+            </a:r>
+            <a:r>
+              <a:rPr lang="ko-KR" altLang="en-US" sz="1600" dirty="0" err="1">
+                <a:latin typeface="Cascadia Code" pitchFamily="49" charset="0"/>
+                <a:cs typeface="Cascadia Code" pitchFamily="49" charset="0"/>
+              </a:rPr>
+              <a:t>y</a:t>
+            </a:r>
+            <a:r>
+              <a:rPr lang="ko-KR" altLang="en-US" sz="1600" dirty="0">
+                <a:latin typeface="Cascadia Code" pitchFamily="49" charset="0"/>
+                <a:cs typeface="Cascadia Code" pitchFamily="49" charset="0"/>
+              </a:rPr>
+              <a:t> = </a:t>
+            </a:r>
+            <a:r>
+              <a:rPr lang="ko-KR" altLang="en-US" sz="1600" dirty="0" err="1">
+                <a:latin typeface="Cascadia Code" pitchFamily="49" charset="0"/>
+                <a:cs typeface="Cascadia Code" pitchFamily="49" charset="0"/>
+              </a:rPr>
+              <a:t>b</a:t>
+            </a:r>
+            <a:r>
+              <a:rPr lang="ko-KR" altLang="en-US" sz="1600" dirty="0">
+                <a:latin typeface="Cascadia Code" pitchFamily="49" charset="0"/>
+                <a:cs typeface="Cascadia Code" pitchFamily="49" charset="0"/>
+              </a:rPr>
+              <a:t>;</a:t>
+            </a:r>
+          </a:p>
+          <a:p>
+            <a:r>
+              <a:rPr lang="ko-KR" altLang="en-US" sz="1600" dirty="0">
+                <a:latin typeface="Cascadia Code" pitchFamily="49" charset="0"/>
+                <a:cs typeface="Cascadia Code" pitchFamily="49" charset="0"/>
+              </a:rPr>
+              <a:t>    }</a:t>
+            </a:r>
+          </a:p>
+          <a:p>
+            <a:r>
+              <a:rPr lang="ko-KR" altLang="en-US" sz="1600" dirty="0">
+                <a:latin typeface="Cascadia Code" pitchFamily="49" charset="0"/>
+                <a:cs typeface="Cascadia Code" pitchFamily="49" charset="0"/>
+              </a:rPr>
+              <a:t>};</a:t>
+            </a:r>
+          </a:p>
+          <a:p>
+            <a:endParaRPr lang="ko-KR" altLang="en-US" sz="1600" dirty="0">
+              <a:latin typeface="Cascadia Code" pitchFamily="49" charset="0"/>
+              <a:cs typeface="Cascadia Code" pitchFamily="49" charset="0"/>
+            </a:endParaRPr>
+          </a:p>
+          <a:p>
+            <a:r>
+              <a:rPr lang="ko-KR" altLang="en-US" sz="1600" dirty="0" err="1">
+                <a:latin typeface="Cascadia Code" pitchFamily="49" charset="0"/>
+                <a:cs typeface="Cascadia Code" pitchFamily="49" charset="0"/>
+              </a:rPr>
+              <a:t>int</a:t>
+            </a:r>
+            <a:r>
+              <a:rPr lang="ko-KR" altLang="en-US" sz="1600" dirty="0">
+                <a:latin typeface="Cascadia Code" pitchFamily="49" charset="0"/>
+                <a:cs typeface="Cascadia Code" pitchFamily="49" charset="0"/>
+              </a:rPr>
+              <a:t> </a:t>
+            </a:r>
+            <a:r>
+              <a:rPr lang="ko-KR" altLang="en-US" sz="1600" dirty="0" err="1">
+                <a:latin typeface="Cascadia Code" pitchFamily="49" charset="0"/>
+                <a:cs typeface="Cascadia Code" pitchFamily="49" charset="0"/>
+              </a:rPr>
+              <a:t>main</a:t>
+            </a:r>
+            <a:r>
+              <a:rPr lang="ko-KR" altLang="en-US" sz="1600" dirty="0">
+                <a:latin typeface="Cascadia Code" pitchFamily="49" charset="0"/>
+                <a:cs typeface="Cascadia Code" pitchFamily="49" charset="0"/>
+              </a:rPr>
+              <a:t>()</a:t>
+            </a:r>
+          </a:p>
+          <a:p>
+            <a:r>
+              <a:rPr lang="ko-KR" altLang="en-US" sz="1600" dirty="0">
+                <a:latin typeface="Cascadia Code" pitchFamily="49" charset="0"/>
+                <a:cs typeface="Cascadia Code" pitchFamily="49" charset="0"/>
+              </a:rPr>
+              <a:t>{</a:t>
+            </a:r>
+          </a:p>
+          <a:p>
+            <a:r>
+              <a:rPr lang="ko-KR" altLang="en-US" sz="1600" dirty="0">
+                <a:latin typeface="Cascadia Code" pitchFamily="49" charset="0"/>
+                <a:cs typeface="Cascadia Code" pitchFamily="49" charset="0"/>
+              </a:rPr>
+              <a:t>    </a:t>
+            </a:r>
+            <a:r>
+              <a:rPr lang="ko-KR" altLang="en-US" sz="1600" dirty="0" err="1">
+                <a:latin typeface="Cascadia Code" pitchFamily="49" charset="0"/>
+                <a:cs typeface="Cascadia Code" pitchFamily="49" charset="0"/>
+              </a:rPr>
+              <a:t>Point</a:t>
+            </a:r>
+            <a:r>
+              <a:rPr lang="ko-KR" altLang="en-US" sz="1600" dirty="0">
+                <a:latin typeface="Cascadia Code" pitchFamily="49" charset="0"/>
+                <a:cs typeface="Cascadia Code" pitchFamily="49" charset="0"/>
+              </a:rPr>
+              <a:t> pt1, pt2;</a:t>
+            </a:r>
+          </a:p>
+          <a:p>
+            <a:endParaRPr lang="ko-KR" altLang="en-US" sz="1600" dirty="0">
+              <a:latin typeface="Cascadia Code" pitchFamily="49" charset="0"/>
+              <a:cs typeface="Cascadia Code" pitchFamily="49" charset="0"/>
+            </a:endParaRPr>
+          </a:p>
+          <a:p>
+            <a:r>
+              <a:rPr lang="ko-KR" altLang="en-US" sz="1600" dirty="0">
+                <a:latin typeface="Cascadia Code" pitchFamily="49" charset="0"/>
+                <a:cs typeface="Cascadia Code" pitchFamily="49" charset="0"/>
+              </a:rPr>
+              <a:t>    pt1.Set(10, 20);</a:t>
+            </a:r>
+            <a:endParaRPr lang="en-US" altLang="ko-KR" sz="1600" dirty="0">
+              <a:latin typeface="Cascadia Code" pitchFamily="49" charset="0"/>
+              <a:cs typeface="Cascadia Code" pitchFamily="49" charset="0"/>
+            </a:endParaRPr>
+          </a:p>
+          <a:p>
+            <a:r>
+              <a:rPr lang="en-US" altLang="ko-KR" sz="1600" dirty="0">
+                <a:latin typeface="Cascadia Code" pitchFamily="49" charset="0"/>
+                <a:cs typeface="Cascadia Code" pitchFamily="49" charset="0"/>
+              </a:rPr>
+              <a:t>    </a:t>
+            </a:r>
+            <a:r>
+              <a:rPr lang="en-US" altLang="ko-KR" sz="1600" dirty="0">
+                <a:solidFill>
+                  <a:srgbClr val="FF0000"/>
+                </a:solidFill>
+                <a:latin typeface="Cascadia Code" pitchFamily="49" charset="0"/>
+                <a:cs typeface="Cascadia Code" pitchFamily="49" charset="0"/>
+              </a:rPr>
+              <a:t>Point::Set(&amp;pt1, 10, 20)</a:t>
+            </a:r>
+          </a:p>
+          <a:p>
+            <a:endParaRPr lang="ko-KR" altLang="en-US" sz="1600" dirty="0">
+              <a:latin typeface="Cascadia Code" pitchFamily="49" charset="0"/>
+              <a:cs typeface="Cascadia Code" pitchFamily="49" charset="0"/>
+            </a:endParaRPr>
+          </a:p>
+          <a:p>
+            <a:r>
+              <a:rPr lang="ko-KR" altLang="en-US" sz="1600" dirty="0">
+                <a:latin typeface="Cascadia Code" pitchFamily="49" charset="0"/>
+                <a:cs typeface="Cascadia Code" pitchFamily="49" charset="0"/>
+              </a:rPr>
+              <a:t>    pt2.Set(100, 200);</a:t>
+            </a:r>
+            <a:endParaRPr lang="en-US" altLang="ko-KR" sz="1600" dirty="0">
+              <a:latin typeface="Cascadia Code" pitchFamily="49" charset="0"/>
+              <a:cs typeface="Cascadia Code" pitchFamily="49" charset="0"/>
+            </a:endParaRPr>
+          </a:p>
+          <a:p>
+            <a:r>
+              <a:rPr lang="en-US" altLang="ko-KR" sz="1600" dirty="0">
+                <a:latin typeface="Cascadia Code" pitchFamily="49" charset="0"/>
+                <a:cs typeface="Cascadia Code" pitchFamily="49" charset="0"/>
+              </a:rPr>
+              <a:t>    </a:t>
+            </a:r>
+            <a:r>
+              <a:rPr lang="en-US" altLang="ko-KR" sz="1600" dirty="0">
+                <a:solidFill>
+                  <a:srgbClr val="FF0000"/>
+                </a:solidFill>
+                <a:latin typeface="Cascadia Code" pitchFamily="49" charset="0"/>
+                <a:cs typeface="Cascadia Code" pitchFamily="49" charset="0"/>
+              </a:rPr>
+              <a:t>Point::Set(&amp;pt2, 100, 200)</a:t>
+            </a:r>
+            <a:endParaRPr lang="ko-KR" altLang="en-US" sz="1600" dirty="0">
+              <a:latin typeface="Cascadia Code" pitchFamily="49" charset="0"/>
+              <a:cs typeface="Cascadia Code" pitchFamily="49" charset="0"/>
+            </a:endParaRPr>
+          </a:p>
+          <a:p>
+            <a:r>
+              <a:rPr lang="ko-KR" altLang="en-US" sz="1600" dirty="0">
+                <a:latin typeface="Cascadia Code" pitchFamily="49" charset="0"/>
+                <a:cs typeface="Cascadia Code" pitchFamily="49" charset="0"/>
+              </a:rPr>
+              <a:t>}</a:t>
+            </a:r>
+          </a:p>
+        </p:txBody>
+      </p:sp>
+      <p:sp>
+        <p:nvSpPr>
+          <p:cNvPr id="6" name="직사각형 5">
+            <a:extLst>
+              <a:ext uri="{FF2B5EF4-FFF2-40B4-BE49-F238E27FC236}">
+                <a16:creationId xmlns:a16="http://schemas.microsoft.com/office/drawing/2014/main" id="{BB5B35A2-7DF0-625E-7CEB-232D0C094D3A}"/>
+              </a:ext>
+            </a:extLst>
+          </p:cNvPr>
+          <p:cNvSpPr/>
+          <p:nvPr/>
+        </p:nvSpPr>
+        <p:spPr>
+          <a:xfrm>
+            <a:off x="5280428" y="4279698"/>
+            <a:ext cx="1120140" cy="610463"/>
+          </a:xfrm>
+          <a:prstGeom prst="rect">
+            <a:avLst/>
+          </a:prstGeom>
+          <a:solidFill>
+            <a:srgbClr val="FFFF00"/>
+          </a:solidFill>
+        </p:spPr>
+        <p:style>
+          <a:lnRef idx="2">
+            <a:schemeClr val="accent1">
+              <a:shade val="15000"/>
+            </a:schemeClr>
+          </a:lnRef>
+          <a:fillRef idx="1">
+            <a:schemeClr val="accent1"/>
+          </a:fillRef>
+          <a:effectRef idx="0">
+            <a:schemeClr val="accent1"/>
+          </a:effectRef>
+          <a:fontRef idx="minor">
+            <a:schemeClr val="lt1"/>
+          </a:fontRef>
+        </p:style>
+        <p:txBody>
+          <a:bodyPr rtlCol="0" anchor="ctr"/>
+          <a:lstStyle/>
+          <a:p>
+            <a:pPr algn="ctr"/>
+            <a:r>
+              <a:rPr kumimoji="1" lang="en-US" altLang="ko-KR" sz="1600" dirty="0">
+                <a:solidFill>
+                  <a:srgbClr val="FF0000"/>
+                </a:solidFill>
+                <a:latin typeface="Cascadia Code" pitchFamily="49" charset="0"/>
+                <a:cs typeface="Cascadia Code" pitchFamily="49" charset="0"/>
+              </a:rPr>
+              <a:t>10</a:t>
+            </a:r>
+            <a:endParaRPr kumimoji="1" lang="ko-KR" altLang="en-US" sz="1600" dirty="0">
+              <a:solidFill>
+                <a:srgbClr val="FF0000"/>
+              </a:solidFill>
+              <a:latin typeface="Cascadia Code" pitchFamily="49" charset="0"/>
+              <a:cs typeface="Cascadia Code" pitchFamily="49" charset="0"/>
+            </a:endParaRPr>
+          </a:p>
+        </p:txBody>
+      </p:sp>
+      <p:sp>
+        <p:nvSpPr>
+          <p:cNvPr id="7" name="TextBox 6">
+            <a:extLst>
+              <a:ext uri="{FF2B5EF4-FFF2-40B4-BE49-F238E27FC236}">
+                <a16:creationId xmlns:a16="http://schemas.microsoft.com/office/drawing/2014/main" id="{6CEE5D95-E64C-B6EE-94C1-602473EC3528}"/>
+              </a:ext>
+            </a:extLst>
+          </p:cNvPr>
+          <p:cNvSpPr txBox="1"/>
+          <p:nvPr/>
+        </p:nvSpPr>
+        <p:spPr>
+          <a:xfrm>
+            <a:off x="5013728" y="4415652"/>
+            <a:ext cx="236220" cy="338554"/>
+          </a:xfrm>
+          <a:prstGeom prst="rect">
+            <a:avLst/>
+          </a:prstGeom>
+          <a:noFill/>
+        </p:spPr>
+        <p:txBody>
+          <a:bodyPr wrap="square" rtlCol="0">
+            <a:spAutoFit/>
+          </a:bodyPr>
+          <a:lstStyle/>
+          <a:p>
+            <a:pPr algn="ctr"/>
+            <a:r>
+              <a:rPr kumimoji="1" lang="en-US" altLang="ko-KR" sz="1600" dirty="0">
+                <a:latin typeface="Cascadia Code" pitchFamily="49" charset="0"/>
+                <a:ea typeface="Cascadia Code" pitchFamily="49" charset="0"/>
+                <a:cs typeface="Cascadia Code" pitchFamily="49" charset="0"/>
+              </a:rPr>
+              <a:t>x</a:t>
+            </a:r>
+            <a:endParaRPr kumimoji="1" lang="ko-KR" altLang="en-US" sz="1600" dirty="0">
+              <a:latin typeface="Cascadia Code" pitchFamily="49" charset="0"/>
+              <a:ea typeface="Cascadia Code" pitchFamily="49" charset="0"/>
+              <a:cs typeface="Cascadia Code" pitchFamily="49" charset="0"/>
+            </a:endParaRPr>
+          </a:p>
+        </p:txBody>
+      </p:sp>
+      <p:sp>
+        <p:nvSpPr>
+          <p:cNvPr id="8" name="직사각형 7">
+            <a:extLst>
+              <a:ext uri="{FF2B5EF4-FFF2-40B4-BE49-F238E27FC236}">
+                <a16:creationId xmlns:a16="http://schemas.microsoft.com/office/drawing/2014/main" id="{2ADF19F1-7365-F6E6-30F8-DE8DAC861251}"/>
+              </a:ext>
+            </a:extLst>
+          </p:cNvPr>
+          <p:cNvSpPr/>
+          <p:nvPr/>
+        </p:nvSpPr>
+        <p:spPr>
+          <a:xfrm>
+            <a:off x="5280428" y="4890161"/>
+            <a:ext cx="1120140" cy="610463"/>
+          </a:xfrm>
+          <a:prstGeom prst="rect">
+            <a:avLst/>
+          </a:prstGeom>
+          <a:solidFill>
+            <a:srgbClr val="FFFF00"/>
+          </a:solidFill>
+        </p:spPr>
+        <p:style>
+          <a:lnRef idx="2">
+            <a:schemeClr val="accent1">
+              <a:shade val="15000"/>
+            </a:schemeClr>
+          </a:lnRef>
+          <a:fillRef idx="1">
+            <a:schemeClr val="accent1"/>
+          </a:fillRef>
+          <a:effectRef idx="0">
+            <a:schemeClr val="accent1"/>
+          </a:effectRef>
+          <a:fontRef idx="minor">
+            <a:schemeClr val="lt1"/>
+          </a:fontRef>
+        </p:style>
+        <p:txBody>
+          <a:bodyPr rtlCol="0" anchor="ctr"/>
+          <a:lstStyle/>
+          <a:p>
+            <a:pPr algn="ctr"/>
+            <a:r>
+              <a:rPr kumimoji="1" lang="en-US" altLang="ko-KR" sz="1600" dirty="0">
+                <a:solidFill>
+                  <a:srgbClr val="FF0000"/>
+                </a:solidFill>
+                <a:latin typeface="Cascadia Code" pitchFamily="49" charset="0"/>
+                <a:cs typeface="Cascadia Code" pitchFamily="49" charset="0"/>
+              </a:rPr>
+              <a:t>20</a:t>
+            </a:r>
+            <a:endParaRPr kumimoji="1" lang="ko-KR" altLang="en-US" sz="1600" dirty="0">
+              <a:solidFill>
+                <a:srgbClr val="FF0000"/>
+              </a:solidFill>
+              <a:latin typeface="Cascadia Code" pitchFamily="49" charset="0"/>
+              <a:cs typeface="Cascadia Code" pitchFamily="49" charset="0"/>
+            </a:endParaRPr>
+          </a:p>
+        </p:txBody>
+      </p:sp>
+      <p:sp>
+        <p:nvSpPr>
+          <p:cNvPr id="9" name="TextBox 8">
+            <a:extLst>
+              <a:ext uri="{FF2B5EF4-FFF2-40B4-BE49-F238E27FC236}">
+                <a16:creationId xmlns:a16="http://schemas.microsoft.com/office/drawing/2014/main" id="{72738311-484F-2AE4-9D83-EAC231DE5AA5}"/>
+              </a:ext>
+            </a:extLst>
+          </p:cNvPr>
+          <p:cNvSpPr txBox="1"/>
+          <p:nvPr/>
+        </p:nvSpPr>
+        <p:spPr>
+          <a:xfrm>
+            <a:off x="5013728" y="5026115"/>
+            <a:ext cx="236220" cy="338554"/>
+          </a:xfrm>
+          <a:prstGeom prst="rect">
+            <a:avLst/>
+          </a:prstGeom>
+          <a:noFill/>
+        </p:spPr>
+        <p:txBody>
+          <a:bodyPr wrap="square" rtlCol="0">
+            <a:spAutoFit/>
+          </a:bodyPr>
+          <a:lstStyle/>
+          <a:p>
+            <a:pPr algn="ctr"/>
+            <a:r>
+              <a:rPr kumimoji="1" lang="en-US" altLang="ko-KR" sz="1600" dirty="0">
+                <a:latin typeface="Cascadia Code" pitchFamily="49" charset="0"/>
+                <a:ea typeface="Cascadia Code" pitchFamily="49" charset="0"/>
+                <a:cs typeface="Cascadia Code" pitchFamily="49" charset="0"/>
+              </a:rPr>
+              <a:t>y</a:t>
+            </a:r>
+            <a:endParaRPr kumimoji="1" lang="ko-KR" altLang="en-US" sz="1600" dirty="0">
+              <a:latin typeface="Cascadia Code" pitchFamily="49" charset="0"/>
+              <a:ea typeface="Cascadia Code" pitchFamily="49" charset="0"/>
+              <a:cs typeface="Cascadia Code" pitchFamily="49" charset="0"/>
+            </a:endParaRPr>
+          </a:p>
+        </p:txBody>
+      </p:sp>
+      <p:sp>
+        <p:nvSpPr>
+          <p:cNvPr id="10" name="TextBox 9">
+            <a:extLst>
+              <a:ext uri="{FF2B5EF4-FFF2-40B4-BE49-F238E27FC236}">
+                <a16:creationId xmlns:a16="http://schemas.microsoft.com/office/drawing/2014/main" id="{DA5AE5A1-8719-6C4B-370B-31E476F7D442}"/>
+              </a:ext>
+            </a:extLst>
+          </p:cNvPr>
+          <p:cNvSpPr txBox="1"/>
+          <p:nvPr/>
+        </p:nvSpPr>
+        <p:spPr>
+          <a:xfrm>
+            <a:off x="5387339" y="3884596"/>
+            <a:ext cx="906317" cy="369332"/>
+          </a:xfrm>
+          <a:prstGeom prst="rect">
+            <a:avLst/>
+          </a:prstGeom>
+          <a:noFill/>
+        </p:spPr>
+        <p:txBody>
+          <a:bodyPr wrap="square">
+            <a:spAutoFit/>
+          </a:bodyPr>
+          <a:lstStyle/>
+          <a:p>
+            <a:pPr algn="ctr"/>
+            <a:r>
+              <a:rPr lang="ko-KR" altLang="en-US" dirty="0">
+                <a:latin typeface="Cascadia Code" pitchFamily="49" charset="0"/>
+                <a:cs typeface="Cascadia Code" pitchFamily="49" charset="0"/>
+              </a:rPr>
+              <a:t>pt1</a:t>
+            </a:r>
+            <a:endParaRPr lang="ko-KR" altLang="en-US" dirty="0"/>
+          </a:p>
+        </p:txBody>
+      </p:sp>
+      <p:sp>
+        <p:nvSpPr>
+          <p:cNvPr id="11" name="직사각형 10">
+            <a:extLst>
+              <a:ext uri="{FF2B5EF4-FFF2-40B4-BE49-F238E27FC236}">
+                <a16:creationId xmlns:a16="http://schemas.microsoft.com/office/drawing/2014/main" id="{7155CB18-EE4F-24C0-F1B5-7699DED820C9}"/>
+              </a:ext>
+            </a:extLst>
+          </p:cNvPr>
+          <p:cNvSpPr/>
+          <p:nvPr/>
+        </p:nvSpPr>
+        <p:spPr>
+          <a:xfrm>
+            <a:off x="8120610" y="4253928"/>
+            <a:ext cx="1120140" cy="610463"/>
+          </a:xfrm>
+          <a:prstGeom prst="rect">
+            <a:avLst/>
+          </a:prstGeom>
+          <a:solidFill>
+            <a:srgbClr val="FFFF00"/>
+          </a:solidFill>
+        </p:spPr>
+        <p:style>
+          <a:lnRef idx="2">
+            <a:schemeClr val="accent1">
+              <a:shade val="15000"/>
+            </a:schemeClr>
+          </a:lnRef>
+          <a:fillRef idx="1">
+            <a:schemeClr val="accent1"/>
+          </a:fillRef>
+          <a:effectRef idx="0">
+            <a:schemeClr val="accent1"/>
+          </a:effectRef>
+          <a:fontRef idx="minor">
+            <a:schemeClr val="lt1"/>
+          </a:fontRef>
+        </p:style>
+        <p:txBody>
+          <a:bodyPr rtlCol="0" anchor="ctr"/>
+          <a:lstStyle/>
+          <a:p>
+            <a:pPr algn="ctr"/>
+            <a:r>
+              <a:rPr kumimoji="1" lang="en-US" altLang="ko-KR" sz="1600" dirty="0">
+                <a:solidFill>
+                  <a:srgbClr val="FF0000"/>
+                </a:solidFill>
+                <a:latin typeface="Cascadia Code" pitchFamily="49" charset="0"/>
+                <a:cs typeface="Cascadia Code" pitchFamily="49" charset="0"/>
+              </a:rPr>
+              <a:t>100</a:t>
+            </a:r>
+            <a:endParaRPr kumimoji="1" lang="ko-KR" altLang="en-US" sz="1600" dirty="0">
+              <a:solidFill>
+                <a:srgbClr val="FF0000"/>
+              </a:solidFill>
+              <a:latin typeface="Cascadia Code" pitchFamily="49" charset="0"/>
+              <a:cs typeface="Cascadia Code" pitchFamily="49" charset="0"/>
+            </a:endParaRPr>
+          </a:p>
+        </p:txBody>
+      </p:sp>
+      <p:sp>
+        <p:nvSpPr>
+          <p:cNvPr id="12" name="TextBox 11">
+            <a:extLst>
+              <a:ext uri="{FF2B5EF4-FFF2-40B4-BE49-F238E27FC236}">
+                <a16:creationId xmlns:a16="http://schemas.microsoft.com/office/drawing/2014/main" id="{868CE8FC-5B7E-B504-D2AF-2F71FA249F23}"/>
+              </a:ext>
+            </a:extLst>
+          </p:cNvPr>
+          <p:cNvSpPr txBox="1"/>
+          <p:nvPr/>
+        </p:nvSpPr>
+        <p:spPr>
+          <a:xfrm>
+            <a:off x="7853910" y="4389882"/>
+            <a:ext cx="236220" cy="338554"/>
+          </a:xfrm>
+          <a:prstGeom prst="rect">
+            <a:avLst/>
+          </a:prstGeom>
+          <a:noFill/>
+        </p:spPr>
+        <p:txBody>
+          <a:bodyPr wrap="square" rtlCol="0">
+            <a:spAutoFit/>
+          </a:bodyPr>
+          <a:lstStyle/>
+          <a:p>
+            <a:pPr algn="ctr"/>
+            <a:r>
+              <a:rPr kumimoji="1" lang="en-US" altLang="ko-KR" sz="1600" dirty="0">
+                <a:latin typeface="Cascadia Code" pitchFamily="49" charset="0"/>
+                <a:ea typeface="Cascadia Code" pitchFamily="49" charset="0"/>
+                <a:cs typeface="Cascadia Code" pitchFamily="49" charset="0"/>
+              </a:rPr>
+              <a:t>x</a:t>
+            </a:r>
+            <a:endParaRPr kumimoji="1" lang="ko-KR" altLang="en-US" sz="1600" dirty="0">
+              <a:latin typeface="Cascadia Code" pitchFamily="49" charset="0"/>
+              <a:ea typeface="Cascadia Code" pitchFamily="49" charset="0"/>
+              <a:cs typeface="Cascadia Code" pitchFamily="49" charset="0"/>
+            </a:endParaRPr>
+          </a:p>
+        </p:txBody>
+      </p:sp>
+      <p:sp>
+        <p:nvSpPr>
+          <p:cNvPr id="13" name="직사각형 12">
+            <a:extLst>
+              <a:ext uri="{FF2B5EF4-FFF2-40B4-BE49-F238E27FC236}">
+                <a16:creationId xmlns:a16="http://schemas.microsoft.com/office/drawing/2014/main" id="{1E9A923E-05E3-E060-E5E8-EF354EF110AF}"/>
+              </a:ext>
+            </a:extLst>
+          </p:cNvPr>
+          <p:cNvSpPr/>
+          <p:nvPr/>
+        </p:nvSpPr>
+        <p:spPr>
+          <a:xfrm>
+            <a:off x="8120610" y="4864391"/>
+            <a:ext cx="1120140" cy="610463"/>
+          </a:xfrm>
+          <a:prstGeom prst="rect">
+            <a:avLst/>
+          </a:prstGeom>
+          <a:solidFill>
+            <a:srgbClr val="FFFF00"/>
+          </a:solidFill>
+        </p:spPr>
+        <p:style>
+          <a:lnRef idx="2">
+            <a:schemeClr val="accent1">
+              <a:shade val="15000"/>
+            </a:schemeClr>
+          </a:lnRef>
+          <a:fillRef idx="1">
+            <a:schemeClr val="accent1"/>
+          </a:fillRef>
+          <a:effectRef idx="0">
+            <a:schemeClr val="accent1"/>
+          </a:effectRef>
+          <a:fontRef idx="minor">
+            <a:schemeClr val="lt1"/>
+          </a:fontRef>
+        </p:style>
+        <p:txBody>
+          <a:bodyPr rtlCol="0" anchor="ctr"/>
+          <a:lstStyle/>
+          <a:p>
+            <a:pPr algn="ctr"/>
+            <a:r>
+              <a:rPr kumimoji="1" lang="en-US" altLang="ko-KR" sz="1600" dirty="0">
+                <a:solidFill>
+                  <a:srgbClr val="FF0000"/>
+                </a:solidFill>
+                <a:latin typeface="Cascadia Code" pitchFamily="49" charset="0"/>
+                <a:cs typeface="Cascadia Code" pitchFamily="49" charset="0"/>
+              </a:rPr>
+              <a:t>200</a:t>
+            </a:r>
+            <a:endParaRPr kumimoji="1" lang="ko-KR" altLang="en-US" sz="1600" dirty="0">
+              <a:solidFill>
+                <a:srgbClr val="FF0000"/>
+              </a:solidFill>
+              <a:latin typeface="Cascadia Code" pitchFamily="49" charset="0"/>
+              <a:cs typeface="Cascadia Code" pitchFamily="49" charset="0"/>
+            </a:endParaRPr>
+          </a:p>
+        </p:txBody>
+      </p:sp>
+      <p:sp>
+        <p:nvSpPr>
+          <p:cNvPr id="14" name="TextBox 13">
+            <a:extLst>
+              <a:ext uri="{FF2B5EF4-FFF2-40B4-BE49-F238E27FC236}">
+                <a16:creationId xmlns:a16="http://schemas.microsoft.com/office/drawing/2014/main" id="{78C77A4A-1DD4-2FAA-0A96-3DD6DEB52EFA}"/>
+              </a:ext>
+            </a:extLst>
+          </p:cNvPr>
+          <p:cNvSpPr txBox="1"/>
+          <p:nvPr/>
+        </p:nvSpPr>
+        <p:spPr>
+          <a:xfrm>
+            <a:off x="7853910" y="5000345"/>
+            <a:ext cx="236220" cy="338554"/>
+          </a:xfrm>
+          <a:prstGeom prst="rect">
+            <a:avLst/>
+          </a:prstGeom>
+          <a:noFill/>
+        </p:spPr>
+        <p:txBody>
+          <a:bodyPr wrap="square" rtlCol="0">
+            <a:spAutoFit/>
+          </a:bodyPr>
+          <a:lstStyle/>
+          <a:p>
+            <a:pPr algn="ctr"/>
+            <a:r>
+              <a:rPr kumimoji="1" lang="en-US" altLang="ko-KR" sz="1600" dirty="0">
+                <a:latin typeface="Cascadia Code" pitchFamily="49" charset="0"/>
+                <a:ea typeface="Cascadia Code" pitchFamily="49" charset="0"/>
+                <a:cs typeface="Cascadia Code" pitchFamily="49" charset="0"/>
+              </a:rPr>
+              <a:t>y</a:t>
+            </a:r>
+            <a:endParaRPr kumimoji="1" lang="ko-KR" altLang="en-US" sz="1600" dirty="0">
+              <a:latin typeface="Cascadia Code" pitchFamily="49" charset="0"/>
+              <a:ea typeface="Cascadia Code" pitchFamily="49" charset="0"/>
+              <a:cs typeface="Cascadia Code" pitchFamily="49" charset="0"/>
+            </a:endParaRPr>
+          </a:p>
+        </p:txBody>
+      </p:sp>
+      <p:sp>
+        <p:nvSpPr>
+          <p:cNvPr id="15" name="TextBox 14">
+            <a:extLst>
+              <a:ext uri="{FF2B5EF4-FFF2-40B4-BE49-F238E27FC236}">
+                <a16:creationId xmlns:a16="http://schemas.microsoft.com/office/drawing/2014/main" id="{833398FA-38CF-1711-73F5-519DB15760C9}"/>
+              </a:ext>
+            </a:extLst>
+          </p:cNvPr>
+          <p:cNvSpPr txBox="1"/>
+          <p:nvPr/>
+        </p:nvSpPr>
+        <p:spPr>
+          <a:xfrm>
+            <a:off x="8227521" y="3858826"/>
+            <a:ext cx="906317" cy="369332"/>
+          </a:xfrm>
+          <a:prstGeom prst="rect">
+            <a:avLst/>
+          </a:prstGeom>
+          <a:noFill/>
+        </p:spPr>
+        <p:txBody>
+          <a:bodyPr wrap="square">
+            <a:spAutoFit/>
+          </a:bodyPr>
+          <a:lstStyle/>
+          <a:p>
+            <a:pPr algn="ctr"/>
+            <a:r>
+              <a:rPr lang="ko-KR" altLang="en-US" dirty="0" err="1">
+                <a:latin typeface="Cascadia Code" pitchFamily="49" charset="0"/>
+                <a:cs typeface="Cascadia Code" pitchFamily="49" charset="0"/>
+              </a:rPr>
+              <a:t>pt</a:t>
+            </a:r>
+            <a:r>
+              <a:rPr lang="en-US" altLang="ko-KR" dirty="0">
+                <a:latin typeface="Cascadia Code" pitchFamily="49" charset="0"/>
+                <a:cs typeface="Cascadia Code" pitchFamily="49" charset="0"/>
+              </a:rPr>
+              <a:t>2</a:t>
+            </a:r>
+            <a:endParaRPr lang="ko-KR" altLang="en-US" dirty="0"/>
+          </a:p>
+        </p:txBody>
+      </p:sp>
+      <p:sp>
+        <p:nvSpPr>
+          <p:cNvPr id="3" name="TextBox 2">
+            <a:extLst>
+              <a:ext uri="{FF2B5EF4-FFF2-40B4-BE49-F238E27FC236}">
+                <a16:creationId xmlns:a16="http://schemas.microsoft.com/office/drawing/2014/main" id="{76E2CC32-54AE-85F3-EB07-264C01ED1231}"/>
+              </a:ext>
+            </a:extLst>
+          </p:cNvPr>
+          <p:cNvSpPr txBox="1"/>
+          <p:nvPr/>
+        </p:nvSpPr>
+        <p:spPr>
+          <a:xfrm>
+            <a:off x="4774046" y="990790"/>
+            <a:ext cx="6004790" cy="1477328"/>
+          </a:xfrm>
+          <a:prstGeom prst="rect">
+            <a:avLst/>
+          </a:prstGeom>
+          <a:noFill/>
+        </p:spPr>
+        <p:txBody>
+          <a:bodyPr wrap="square">
+            <a:spAutoFit/>
+          </a:bodyPr>
+          <a:lstStyle/>
+          <a:p>
+            <a:r>
+              <a:rPr lang="ko-KR" altLang="en-US" sz="1800" dirty="0" err="1">
+                <a:latin typeface="Cascadia Code" pitchFamily="49" charset="0"/>
+                <a:cs typeface="Cascadia Code" pitchFamily="49" charset="0"/>
+              </a:rPr>
+              <a:t>void</a:t>
+            </a:r>
+            <a:r>
+              <a:rPr lang="ko-KR" altLang="en-US" sz="1800" dirty="0">
+                <a:latin typeface="Cascadia Code" pitchFamily="49" charset="0"/>
+                <a:cs typeface="Cascadia Code" pitchFamily="49" charset="0"/>
+              </a:rPr>
+              <a:t> </a:t>
+            </a:r>
+            <a:r>
+              <a:rPr lang="en-US" altLang="ko-KR" sz="1800" dirty="0">
+                <a:solidFill>
+                  <a:srgbClr val="FF0000"/>
+                </a:solidFill>
+                <a:latin typeface="Cascadia Code" pitchFamily="49" charset="0"/>
+                <a:cs typeface="Cascadia Code" pitchFamily="49" charset="0"/>
+              </a:rPr>
+              <a:t>Point::</a:t>
+            </a:r>
+            <a:r>
+              <a:rPr lang="ko-KR" altLang="en-US" sz="1800" dirty="0" err="1">
+                <a:latin typeface="Cascadia Code" pitchFamily="49" charset="0"/>
+                <a:cs typeface="Cascadia Code" pitchFamily="49" charset="0"/>
+              </a:rPr>
+              <a:t>Set</a:t>
+            </a:r>
+            <a:r>
+              <a:rPr lang="ko-KR" altLang="en-US" sz="1800" dirty="0">
+                <a:latin typeface="Cascadia Code" pitchFamily="49" charset="0"/>
+                <a:cs typeface="Cascadia Code" pitchFamily="49" charset="0"/>
+              </a:rPr>
+              <a:t>(</a:t>
+            </a:r>
+            <a:r>
+              <a:rPr lang="en-US" altLang="ko-KR" sz="1800" dirty="0">
+                <a:solidFill>
+                  <a:srgbClr val="FF0000"/>
+                </a:solidFill>
+                <a:latin typeface="Cascadia Code" pitchFamily="49" charset="0"/>
+                <a:cs typeface="Cascadia Code" pitchFamily="49" charset="0"/>
+              </a:rPr>
+              <a:t>Point* this,</a:t>
+            </a:r>
+            <a:r>
+              <a:rPr lang="en-US" altLang="ko-KR" sz="1800" dirty="0">
+                <a:latin typeface="Cascadia Code" pitchFamily="49" charset="0"/>
+                <a:cs typeface="Cascadia Code" pitchFamily="49" charset="0"/>
+              </a:rPr>
+              <a:t> </a:t>
+            </a:r>
+            <a:r>
+              <a:rPr lang="ko-KR" altLang="en-US" sz="1800" dirty="0" err="1">
+                <a:latin typeface="Cascadia Code" pitchFamily="49" charset="0"/>
+                <a:cs typeface="Cascadia Code" pitchFamily="49" charset="0"/>
+              </a:rPr>
+              <a:t>int</a:t>
+            </a:r>
+            <a:r>
+              <a:rPr lang="ko-KR" altLang="en-US" sz="1800" dirty="0">
+                <a:latin typeface="Cascadia Code" pitchFamily="49" charset="0"/>
+                <a:cs typeface="Cascadia Code" pitchFamily="49" charset="0"/>
+              </a:rPr>
+              <a:t> </a:t>
+            </a:r>
+            <a:r>
+              <a:rPr lang="ko-KR" altLang="en-US" sz="1800" dirty="0" err="1">
+                <a:latin typeface="Cascadia Code" pitchFamily="49" charset="0"/>
+                <a:cs typeface="Cascadia Code" pitchFamily="49" charset="0"/>
+              </a:rPr>
+              <a:t>a</a:t>
+            </a:r>
+            <a:r>
+              <a:rPr lang="ko-KR" altLang="en-US" sz="1800" dirty="0">
+                <a:latin typeface="Cascadia Code" pitchFamily="49" charset="0"/>
+                <a:cs typeface="Cascadia Code" pitchFamily="49" charset="0"/>
+              </a:rPr>
+              <a:t>, </a:t>
+            </a:r>
+            <a:r>
+              <a:rPr lang="ko-KR" altLang="en-US" sz="1800" dirty="0" err="1">
+                <a:latin typeface="Cascadia Code" pitchFamily="49" charset="0"/>
+                <a:cs typeface="Cascadia Code" pitchFamily="49" charset="0"/>
+              </a:rPr>
+              <a:t>int</a:t>
+            </a:r>
+            <a:r>
+              <a:rPr lang="ko-KR" altLang="en-US" sz="1800" dirty="0">
+                <a:latin typeface="Cascadia Code" pitchFamily="49" charset="0"/>
+                <a:cs typeface="Cascadia Code" pitchFamily="49" charset="0"/>
+              </a:rPr>
+              <a:t> </a:t>
+            </a:r>
+            <a:r>
+              <a:rPr lang="ko-KR" altLang="en-US" sz="1800" dirty="0" err="1">
+                <a:latin typeface="Cascadia Code" pitchFamily="49" charset="0"/>
+                <a:cs typeface="Cascadia Code" pitchFamily="49" charset="0"/>
+              </a:rPr>
+              <a:t>b</a:t>
+            </a:r>
+            <a:r>
+              <a:rPr lang="ko-KR" altLang="en-US" sz="1800" dirty="0">
+                <a:latin typeface="Cascadia Code" pitchFamily="49" charset="0"/>
+                <a:cs typeface="Cascadia Code" pitchFamily="49" charset="0"/>
+              </a:rPr>
+              <a:t>)</a:t>
+            </a:r>
+          </a:p>
+          <a:p>
+            <a:r>
+              <a:rPr lang="ko-KR" altLang="en-US" sz="1800" dirty="0">
+                <a:latin typeface="Cascadia Code" pitchFamily="49" charset="0"/>
+                <a:cs typeface="Cascadia Code" pitchFamily="49" charset="0"/>
+              </a:rPr>
+              <a:t>{</a:t>
+            </a:r>
+          </a:p>
+          <a:p>
+            <a:r>
+              <a:rPr lang="ko-KR" altLang="en-US" sz="1800" dirty="0">
+                <a:latin typeface="Cascadia Code" pitchFamily="49" charset="0"/>
+                <a:cs typeface="Cascadia Code" pitchFamily="49" charset="0"/>
+              </a:rPr>
+              <a:t>    </a:t>
+            </a:r>
+            <a:r>
+              <a:rPr lang="en-US" altLang="ko-KR" dirty="0">
+                <a:solidFill>
+                  <a:srgbClr val="FF0000"/>
+                </a:solidFill>
+                <a:latin typeface="Cascadia Code" pitchFamily="49" charset="0"/>
+                <a:cs typeface="Cascadia Code" pitchFamily="49" charset="0"/>
+              </a:rPr>
+              <a:t>this-&gt;</a:t>
+            </a:r>
+            <a:r>
+              <a:rPr lang="ko-KR" altLang="en-US" sz="1800" dirty="0" err="1">
+                <a:latin typeface="Cascadia Code" pitchFamily="49" charset="0"/>
+                <a:cs typeface="Cascadia Code" pitchFamily="49" charset="0"/>
+              </a:rPr>
+              <a:t>x</a:t>
+            </a:r>
+            <a:r>
+              <a:rPr lang="ko-KR" altLang="en-US" sz="1800" dirty="0">
+                <a:latin typeface="Cascadia Code" pitchFamily="49" charset="0"/>
+                <a:cs typeface="Cascadia Code" pitchFamily="49" charset="0"/>
+              </a:rPr>
+              <a:t> = </a:t>
+            </a:r>
+            <a:r>
+              <a:rPr lang="ko-KR" altLang="en-US" sz="1800" dirty="0" err="1">
+                <a:latin typeface="Cascadia Code" pitchFamily="49" charset="0"/>
+                <a:cs typeface="Cascadia Code" pitchFamily="49" charset="0"/>
+              </a:rPr>
+              <a:t>a</a:t>
+            </a:r>
+            <a:r>
+              <a:rPr lang="ko-KR" altLang="en-US" sz="1800" dirty="0">
+                <a:latin typeface="Cascadia Code" pitchFamily="49" charset="0"/>
+                <a:cs typeface="Cascadia Code" pitchFamily="49" charset="0"/>
+              </a:rPr>
+              <a:t>;</a:t>
+            </a:r>
+          </a:p>
+          <a:p>
+            <a:r>
+              <a:rPr lang="en-US" altLang="ko-KR" sz="1800" dirty="0">
+                <a:latin typeface="Cascadia Code" pitchFamily="49" charset="0"/>
+                <a:cs typeface="Cascadia Code" pitchFamily="49" charset="0"/>
+              </a:rPr>
+              <a:t>   </a:t>
+            </a:r>
+            <a:r>
+              <a:rPr lang="ko-KR" altLang="en-US" sz="1800" dirty="0">
+                <a:latin typeface="Cascadia Code" pitchFamily="49" charset="0"/>
+                <a:cs typeface="Cascadia Code" pitchFamily="49" charset="0"/>
+              </a:rPr>
+              <a:t> </a:t>
+            </a:r>
+            <a:r>
+              <a:rPr lang="en-US" altLang="ko-KR" dirty="0">
+                <a:solidFill>
+                  <a:srgbClr val="FF0000"/>
+                </a:solidFill>
+                <a:latin typeface="Cascadia Code" pitchFamily="49" charset="0"/>
+                <a:cs typeface="Cascadia Code" pitchFamily="49" charset="0"/>
+              </a:rPr>
+              <a:t>this-&gt;</a:t>
+            </a:r>
+            <a:r>
+              <a:rPr lang="ko-KR" altLang="en-US" sz="1800" dirty="0" err="1">
+                <a:latin typeface="Cascadia Code" pitchFamily="49" charset="0"/>
+                <a:cs typeface="Cascadia Code" pitchFamily="49" charset="0"/>
+              </a:rPr>
+              <a:t>y</a:t>
+            </a:r>
+            <a:r>
+              <a:rPr lang="ko-KR" altLang="en-US" sz="1800" dirty="0">
+                <a:latin typeface="Cascadia Code" pitchFamily="49" charset="0"/>
+                <a:cs typeface="Cascadia Code" pitchFamily="49" charset="0"/>
+              </a:rPr>
+              <a:t> = </a:t>
+            </a:r>
+            <a:r>
+              <a:rPr lang="ko-KR" altLang="en-US" sz="1800" dirty="0" err="1">
+                <a:latin typeface="Cascadia Code" pitchFamily="49" charset="0"/>
+                <a:cs typeface="Cascadia Code" pitchFamily="49" charset="0"/>
+              </a:rPr>
+              <a:t>b</a:t>
+            </a:r>
+            <a:r>
+              <a:rPr lang="ko-KR" altLang="en-US" sz="1800" dirty="0">
+                <a:latin typeface="Cascadia Code" pitchFamily="49" charset="0"/>
+                <a:cs typeface="Cascadia Code" pitchFamily="49" charset="0"/>
+              </a:rPr>
+              <a:t>;</a:t>
+            </a:r>
+          </a:p>
+          <a:p>
+            <a:r>
+              <a:rPr lang="ko-KR" altLang="en-US" sz="1800" dirty="0">
+                <a:latin typeface="Cascadia Code" pitchFamily="49" charset="0"/>
+                <a:cs typeface="Cascadia Code" pitchFamily="49" charset="0"/>
+              </a:rPr>
+              <a:t>}</a:t>
+            </a:r>
+            <a:endParaRPr lang="ko-KR" altLang="en-US" dirty="0"/>
+          </a:p>
+        </p:txBody>
+      </p:sp>
+      <p:sp>
+        <p:nvSpPr>
+          <p:cNvPr id="2" name="직사각형 1">
+            <a:extLst>
+              <a:ext uri="{FF2B5EF4-FFF2-40B4-BE49-F238E27FC236}">
+                <a16:creationId xmlns:a16="http://schemas.microsoft.com/office/drawing/2014/main" id="{EE42C992-CABE-4EDE-476E-4CC77851B39F}"/>
+              </a:ext>
+            </a:extLst>
+          </p:cNvPr>
+          <p:cNvSpPr/>
+          <p:nvPr/>
+        </p:nvSpPr>
+        <p:spPr>
+          <a:xfrm>
+            <a:off x="7853910" y="965020"/>
+            <a:ext cx="726672" cy="418126"/>
+          </a:xfrm>
+          <a:prstGeom prst="rect">
+            <a:avLst/>
+          </a:prstGeom>
+          <a:noFill/>
+        </p:spPr>
+        <p:style>
+          <a:lnRef idx="2">
+            <a:schemeClr val="accent1">
+              <a:shade val="15000"/>
+            </a:schemeClr>
+          </a:lnRef>
+          <a:fillRef idx="1">
+            <a:schemeClr val="accent1"/>
+          </a:fillRef>
+          <a:effectRef idx="0">
+            <a:schemeClr val="accent1"/>
+          </a:effectRef>
+          <a:fontRef idx="minor">
+            <a:schemeClr val="lt1"/>
+          </a:fontRef>
+        </p:style>
+        <p:txBody>
+          <a:bodyPr rtlCol="0" anchor="ctr"/>
+          <a:lstStyle/>
+          <a:p>
+            <a:pPr algn="ctr"/>
+            <a:endParaRPr kumimoji="1" lang="ko-KR" altLang="en-US" sz="1600" dirty="0">
+              <a:solidFill>
+                <a:schemeClr val="tx1"/>
+              </a:solidFill>
+              <a:latin typeface="Cascadia Code" pitchFamily="49" charset="0"/>
+              <a:cs typeface="Cascadia Code" pitchFamily="49" charset="0"/>
+            </a:endParaRPr>
+          </a:p>
+        </p:txBody>
+      </p:sp>
+      <p:cxnSp>
+        <p:nvCxnSpPr>
+          <p:cNvPr id="16" name="구부러진 연결선[U] 15">
+            <a:extLst>
+              <a:ext uri="{FF2B5EF4-FFF2-40B4-BE49-F238E27FC236}">
+                <a16:creationId xmlns:a16="http://schemas.microsoft.com/office/drawing/2014/main" id="{F9156F51-95C3-A881-5947-7B2BA17B9E40}"/>
+              </a:ext>
+            </a:extLst>
+          </p:cNvPr>
+          <p:cNvCxnSpPr>
+            <a:cxnSpLocks/>
+            <a:endCxn id="15" idx="0"/>
+          </p:cNvCxnSpPr>
+          <p:nvPr/>
+        </p:nvCxnSpPr>
+        <p:spPr>
+          <a:xfrm rot="16200000" flipH="1">
+            <a:off x="7216261" y="2394407"/>
+            <a:ext cx="2475680" cy="453158"/>
+          </a:xfrm>
+          <a:prstGeom prst="curvedConnector3">
+            <a:avLst/>
+          </a:prstGeom>
+          <a:ln>
+            <a:tailEnd type="triangle"/>
+          </a:ln>
+        </p:spPr>
+        <p:style>
+          <a:lnRef idx="2">
+            <a:schemeClr val="dk1"/>
+          </a:lnRef>
+          <a:fillRef idx="0">
+            <a:schemeClr val="dk1"/>
+          </a:fillRef>
+          <a:effectRef idx="1">
+            <a:schemeClr val="dk1"/>
+          </a:effectRef>
+          <a:fontRef idx="minor">
+            <a:schemeClr val="tx1"/>
+          </a:fontRef>
+        </p:style>
+      </p:cxnSp>
+    </p:spTree>
+    <p:extLst>
+      <p:ext uri="{BB962C8B-B14F-4D97-AF65-F5344CB8AC3E}">
+        <p14:creationId xmlns:p14="http://schemas.microsoft.com/office/powerpoint/2010/main" val="2813446590"/>
       </p:ext>
     </p:extLst>
   </p:cSld>

--- a/cpp_240708.pptx
+++ b/cpp_240708.pptx
@@ -31,6 +31,11 @@
     <p:sldId id="279" r:id="rId25"/>
     <p:sldId id="280" r:id="rId26"/>
     <p:sldId id="281" r:id="rId27"/>
+    <p:sldId id="282" r:id="rId28"/>
+    <p:sldId id="283" r:id="rId29"/>
+    <p:sldId id="284" r:id="rId30"/>
+    <p:sldId id="285" r:id="rId31"/>
+    <p:sldId id="286" r:id="rId32"/>
   </p:sldIdLst>
   <p:sldSz cx="12192000" cy="6858000"/>
   <p:notesSz cx="6858000" cy="9144000"/>
@@ -19862,6 +19867,3212 @@
 </p:sld>
 </file>
 
+<file path=ppt/slides/slide27.xml><?xml version="1.0" encoding="utf-8"?>
+<p:sld xmlns:a="http://schemas.openxmlformats.org/drawingml/2006/main" xmlns:r="http://schemas.openxmlformats.org/officeDocument/2006/relationships" xmlns:p="http://schemas.openxmlformats.org/presentationml/2006/main">
+  <p:cSld>
+    <p:spTree>
+      <p:nvGrpSpPr>
+        <p:cNvPr id="1" name=""/>
+        <p:cNvGrpSpPr/>
+        <p:nvPr/>
+      </p:nvGrpSpPr>
+      <p:grpSpPr>
+        <a:xfrm>
+          <a:off x="0" y="0"/>
+          <a:ext cx="0" cy="0"/>
+          <a:chOff x="0" y="0"/>
+          <a:chExt cx="0" cy="0"/>
+        </a:xfrm>
+      </p:grpSpPr>
+      <p:sp>
+        <p:nvSpPr>
+          <p:cNvPr id="5" name="TextBox 4">
+            <a:extLst>
+              <a:ext uri="{FF2B5EF4-FFF2-40B4-BE49-F238E27FC236}">
+                <a16:creationId xmlns:a16="http://schemas.microsoft.com/office/drawing/2014/main" id="{18B6C708-21AD-7581-BFE3-DE7C1075C89B}"/>
+              </a:ext>
+            </a:extLst>
+          </p:cNvPr>
+          <p:cNvSpPr txBox="1"/>
+          <p:nvPr/>
+        </p:nvSpPr>
+        <p:spPr>
+          <a:xfrm>
+            <a:off x="406400" y="302076"/>
+            <a:ext cx="4922982" cy="5755422"/>
+          </a:xfrm>
+          <a:prstGeom prst="rect">
+            <a:avLst/>
+          </a:prstGeom>
+          <a:noFill/>
+        </p:spPr>
+        <p:txBody>
+          <a:bodyPr wrap="square">
+            <a:spAutoFit/>
+          </a:bodyPr>
+          <a:lstStyle/>
+          <a:p>
+            <a:r>
+              <a:rPr lang="ko-KR" altLang="en-US" sz="1600" dirty="0" err="1">
+                <a:latin typeface="Cascadia Code" pitchFamily="49" charset="0"/>
+                <a:cs typeface="Cascadia Code" pitchFamily="49" charset="0"/>
+              </a:rPr>
+              <a:t>class</a:t>
+            </a:r>
+            <a:r>
+              <a:rPr lang="ko-KR" altLang="en-US" sz="1600" dirty="0">
+                <a:latin typeface="Cascadia Code" pitchFamily="49" charset="0"/>
+                <a:cs typeface="Cascadia Code" pitchFamily="49" charset="0"/>
+              </a:rPr>
+              <a:t> </a:t>
+            </a:r>
+            <a:r>
+              <a:rPr lang="ko-KR" altLang="en-US" sz="1600" dirty="0" err="1">
+                <a:latin typeface="Cascadia Code" pitchFamily="49" charset="0"/>
+                <a:cs typeface="Cascadia Code" pitchFamily="49" charset="0"/>
+              </a:rPr>
+              <a:t>User</a:t>
+            </a:r>
+            <a:r>
+              <a:rPr lang="ko-KR" altLang="en-US" sz="1600" dirty="0">
+                <a:latin typeface="Cascadia Code" pitchFamily="49" charset="0"/>
+                <a:cs typeface="Cascadia Code" pitchFamily="49" charset="0"/>
+              </a:rPr>
+              <a:t> {</a:t>
+            </a:r>
+          </a:p>
+          <a:p>
+            <a:r>
+              <a:rPr lang="ko-KR" altLang="en-US" sz="1600" dirty="0">
+                <a:latin typeface="Cascadia Code" pitchFamily="49" charset="0"/>
+                <a:cs typeface="Cascadia Code" pitchFamily="49" charset="0"/>
+              </a:rPr>
+              <a:t>    </a:t>
+            </a:r>
+            <a:r>
+              <a:rPr lang="ko-KR" altLang="en-US" sz="1600" dirty="0" err="1">
+                <a:latin typeface="Cascadia Code" pitchFamily="49" charset="0"/>
+                <a:cs typeface="Cascadia Code" pitchFamily="49" charset="0"/>
+              </a:rPr>
+              <a:t>char</a:t>
+            </a:r>
+            <a:r>
+              <a:rPr lang="ko-KR" altLang="en-US" sz="1600" dirty="0">
+                <a:latin typeface="Cascadia Code" pitchFamily="49" charset="0"/>
+                <a:cs typeface="Cascadia Code" pitchFamily="49" charset="0"/>
+              </a:rPr>
+              <a:t>* </a:t>
+            </a:r>
+            <a:r>
+              <a:rPr lang="ko-KR" altLang="en-US" sz="1600" dirty="0" err="1">
+                <a:latin typeface="Cascadia Code" pitchFamily="49" charset="0"/>
+                <a:cs typeface="Cascadia Code" pitchFamily="49" charset="0"/>
+              </a:rPr>
+              <a:t>name</a:t>
+            </a:r>
+            <a:r>
+              <a:rPr lang="ko-KR" altLang="en-US" sz="1600" dirty="0">
+                <a:latin typeface="Cascadia Code" pitchFamily="49" charset="0"/>
+                <a:cs typeface="Cascadia Code" pitchFamily="49" charset="0"/>
+              </a:rPr>
+              <a:t>;</a:t>
+            </a:r>
+          </a:p>
+          <a:p>
+            <a:r>
+              <a:rPr lang="ko-KR" altLang="en-US" sz="1600" dirty="0">
+                <a:latin typeface="Cascadia Code" pitchFamily="49" charset="0"/>
+                <a:cs typeface="Cascadia Code" pitchFamily="49" charset="0"/>
+              </a:rPr>
+              <a:t>    </a:t>
+            </a:r>
+            <a:r>
+              <a:rPr lang="ko-KR" altLang="en-US" sz="1600" dirty="0" err="1">
+                <a:latin typeface="Cascadia Code" pitchFamily="49" charset="0"/>
+                <a:cs typeface="Cascadia Code" pitchFamily="49" charset="0"/>
+              </a:rPr>
+              <a:t>int</a:t>
+            </a:r>
+            <a:r>
+              <a:rPr lang="ko-KR" altLang="en-US" sz="1600" dirty="0">
+                <a:latin typeface="Cascadia Code" pitchFamily="49" charset="0"/>
+                <a:cs typeface="Cascadia Code" pitchFamily="49" charset="0"/>
+              </a:rPr>
+              <a:t> </a:t>
+            </a:r>
+            <a:r>
+              <a:rPr lang="ko-KR" altLang="en-US" sz="1600" dirty="0" err="1">
+                <a:latin typeface="Cascadia Code" pitchFamily="49" charset="0"/>
+                <a:cs typeface="Cascadia Code" pitchFamily="49" charset="0"/>
+              </a:rPr>
+              <a:t>age</a:t>
+            </a:r>
+            <a:r>
+              <a:rPr lang="ko-KR" altLang="en-US" sz="1600" dirty="0">
+                <a:latin typeface="Cascadia Code" pitchFamily="49" charset="0"/>
+                <a:cs typeface="Cascadia Code" pitchFamily="49" charset="0"/>
+              </a:rPr>
+              <a:t>;</a:t>
+            </a:r>
+          </a:p>
+          <a:p>
+            <a:endParaRPr lang="ko-KR" altLang="en-US" sz="1600" dirty="0">
+              <a:latin typeface="Cascadia Code" pitchFamily="49" charset="0"/>
+              <a:cs typeface="Cascadia Code" pitchFamily="49" charset="0"/>
+            </a:endParaRPr>
+          </a:p>
+          <a:p>
+            <a:r>
+              <a:rPr lang="ko-KR" altLang="en-US" sz="1600" dirty="0" err="1">
+                <a:latin typeface="Cascadia Code" pitchFamily="49" charset="0"/>
+                <a:cs typeface="Cascadia Code" pitchFamily="49" charset="0"/>
+              </a:rPr>
+              <a:t>public</a:t>
+            </a:r>
+            <a:r>
+              <a:rPr lang="ko-KR" altLang="en-US" sz="1600" dirty="0">
+                <a:latin typeface="Cascadia Code" pitchFamily="49" charset="0"/>
+                <a:cs typeface="Cascadia Code" pitchFamily="49" charset="0"/>
+              </a:rPr>
+              <a:t>:</a:t>
+            </a:r>
+          </a:p>
+          <a:p>
+            <a:r>
+              <a:rPr lang="ko-KR" altLang="en-US" sz="1600" dirty="0">
+                <a:latin typeface="Cascadia Code" pitchFamily="49" charset="0"/>
+                <a:cs typeface="Cascadia Code" pitchFamily="49" charset="0"/>
+              </a:rPr>
+              <a:t>    </a:t>
+            </a:r>
+            <a:r>
+              <a:rPr lang="ko-KR" altLang="en-US" sz="1600" dirty="0" err="1">
+                <a:latin typeface="Cascadia Code" pitchFamily="49" charset="0"/>
+                <a:cs typeface="Cascadia Code" pitchFamily="49" charset="0"/>
+              </a:rPr>
+              <a:t>User</a:t>
+            </a:r>
+            <a:r>
+              <a:rPr lang="ko-KR" altLang="en-US" sz="1600" dirty="0">
+                <a:latin typeface="Cascadia Code" pitchFamily="49" charset="0"/>
+                <a:cs typeface="Cascadia Code" pitchFamily="49" charset="0"/>
+              </a:rPr>
+              <a:t>(</a:t>
+            </a:r>
+            <a:r>
+              <a:rPr lang="ko-KR" altLang="en-US" sz="1600" dirty="0" err="1">
+                <a:latin typeface="Cascadia Code" pitchFamily="49" charset="0"/>
+                <a:cs typeface="Cascadia Code" pitchFamily="49" charset="0"/>
+              </a:rPr>
+              <a:t>const</a:t>
+            </a:r>
+            <a:r>
+              <a:rPr lang="ko-KR" altLang="en-US" sz="1600" dirty="0">
+                <a:latin typeface="Cascadia Code" pitchFamily="49" charset="0"/>
+                <a:cs typeface="Cascadia Code" pitchFamily="49" charset="0"/>
+              </a:rPr>
+              <a:t> </a:t>
+            </a:r>
+            <a:r>
+              <a:rPr lang="ko-KR" altLang="en-US" sz="1600" dirty="0" err="1">
+                <a:latin typeface="Cascadia Code" pitchFamily="49" charset="0"/>
+                <a:cs typeface="Cascadia Code" pitchFamily="49" charset="0"/>
+              </a:rPr>
+              <a:t>char</a:t>
+            </a:r>
+            <a:r>
+              <a:rPr lang="ko-KR" altLang="en-US" sz="1600" dirty="0">
+                <a:latin typeface="Cascadia Code" pitchFamily="49" charset="0"/>
+                <a:cs typeface="Cascadia Code" pitchFamily="49" charset="0"/>
+              </a:rPr>
+              <a:t>* </a:t>
+            </a:r>
+            <a:r>
+              <a:rPr lang="ko-KR" altLang="en-US" sz="1600" dirty="0" err="1">
+                <a:latin typeface="Cascadia Code" pitchFamily="49" charset="0"/>
+                <a:cs typeface="Cascadia Code" pitchFamily="49" charset="0"/>
+              </a:rPr>
+              <a:t>s</a:t>
+            </a:r>
+            <a:r>
+              <a:rPr lang="ko-KR" altLang="en-US" sz="1600" dirty="0">
+                <a:latin typeface="Cascadia Code" pitchFamily="49" charset="0"/>
+                <a:cs typeface="Cascadia Code" pitchFamily="49" charset="0"/>
+              </a:rPr>
+              <a:t>, </a:t>
+            </a:r>
+            <a:r>
+              <a:rPr lang="ko-KR" altLang="en-US" sz="1600" dirty="0" err="1">
+                <a:latin typeface="Cascadia Code" pitchFamily="49" charset="0"/>
+                <a:cs typeface="Cascadia Code" pitchFamily="49" charset="0"/>
+              </a:rPr>
+              <a:t>int</a:t>
+            </a:r>
+            <a:r>
+              <a:rPr lang="ko-KR" altLang="en-US" sz="1600" dirty="0">
+                <a:latin typeface="Cascadia Code" pitchFamily="49" charset="0"/>
+                <a:cs typeface="Cascadia Code" pitchFamily="49" charset="0"/>
+              </a:rPr>
+              <a:t> </a:t>
+            </a:r>
+            <a:r>
+              <a:rPr lang="ko-KR" altLang="en-US" sz="1600" dirty="0" err="1">
+                <a:latin typeface="Cascadia Code" pitchFamily="49" charset="0"/>
+                <a:cs typeface="Cascadia Code" pitchFamily="49" charset="0"/>
+              </a:rPr>
+              <a:t>n</a:t>
+            </a:r>
+            <a:r>
+              <a:rPr lang="ko-KR" altLang="en-US" sz="1600" dirty="0">
+                <a:latin typeface="Cascadia Code" pitchFamily="49" charset="0"/>
+                <a:cs typeface="Cascadia Code" pitchFamily="49" charset="0"/>
+              </a:rPr>
+              <a:t>)</a:t>
+            </a:r>
+          </a:p>
+          <a:p>
+            <a:r>
+              <a:rPr lang="ko-KR" altLang="en-US" sz="1600" dirty="0">
+                <a:latin typeface="Cascadia Code" pitchFamily="49" charset="0"/>
+                <a:cs typeface="Cascadia Code" pitchFamily="49" charset="0"/>
+              </a:rPr>
+              <a:t>        : </a:t>
+            </a:r>
+            <a:r>
+              <a:rPr lang="ko-KR" altLang="en-US" sz="1600" dirty="0" err="1">
+                <a:latin typeface="Cascadia Code" pitchFamily="49" charset="0"/>
+                <a:cs typeface="Cascadia Code" pitchFamily="49" charset="0"/>
+              </a:rPr>
+              <a:t>age</a:t>
+            </a:r>
+            <a:r>
+              <a:rPr lang="ko-KR" altLang="en-US" sz="1600" dirty="0">
+                <a:latin typeface="Cascadia Code" pitchFamily="49" charset="0"/>
+                <a:cs typeface="Cascadia Code" pitchFamily="49" charset="0"/>
+              </a:rPr>
+              <a:t> { </a:t>
+            </a:r>
+            <a:r>
+              <a:rPr lang="ko-KR" altLang="en-US" sz="1600" dirty="0" err="1">
+                <a:latin typeface="Cascadia Code" pitchFamily="49" charset="0"/>
+                <a:cs typeface="Cascadia Code" pitchFamily="49" charset="0"/>
+              </a:rPr>
+              <a:t>n</a:t>
+            </a:r>
+            <a:r>
+              <a:rPr lang="ko-KR" altLang="en-US" sz="1600" dirty="0">
+                <a:latin typeface="Cascadia Code" pitchFamily="49" charset="0"/>
+                <a:cs typeface="Cascadia Code" pitchFamily="49" charset="0"/>
+              </a:rPr>
+              <a:t> }</a:t>
+            </a:r>
+          </a:p>
+          <a:p>
+            <a:r>
+              <a:rPr lang="ko-KR" altLang="en-US" sz="1600" dirty="0">
+                <a:latin typeface="Cascadia Code" pitchFamily="49" charset="0"/>
+                <a:cs typeface="Cascadia Code" pitchFamily="49" charset="0"/>
+              </a:rPr>
+              <a:t>    {</a:t>
+            </a:r>
+          </a:p>
+          <a:p>
+            <a:r>
+              <a:rPr lang="ko-KR" altLang="en-US" sz="1600" dirty="0">
+                <a:latin typeface="Cascadia Code" pitchFamily="49" charset="0"/>
+                <a:cs typeface="Cascadia Code" pitchFamily="49" charset="0"/>
+              </a:rPr>
+              <a:t>        </a:t>
+            </a:r>
+            <a:r>
+              <a:rPr lang="ko-KR" altLang="en-US" sz="1600" dirty="0" err="1">
+                <a:latin typeface="Cascadia Code" pitchFamily="49" charset="0"/>
+                <a:cs typeface="Cascadia Code" pitchFamily="49" charset="0"/>
+              </a:rPr>
+              <a:t>name</a:t>
+            </a:r>
+            <a:r>
+              <a:rPr lang="ko-KR" altLang="en-US" sz="1600" dirty="0">
+                <a:latin typeface="Cascadia Code" pitchFamily="49" charset="0"/>
+                <a:cs typeface="Cascadia Code" pitchFamily="49" charset="0"/>
+              </a:rPr>
+              <a:t> = </a:t>
+            </a:r>
+            <a:r>
+              <a:rPr lang="ko-KR" altLang="en-US" sz="1600" dirty="0" err="1">
+                <a:latin typeface="Cascadia Code" pitchFamily="49" charset="0"/>
+                <a:cs typeface="Cascadia Code" pitchFamily="49" charset="0"/>
+              </a:rPr>
+              <a:t>new</a:t>
+            </a:r>
+            <a:r>
+              <a:rPr lang="ko-KR" altLang="en-US" sz="1600" dirty="0">
+                <a:latin typeface="Cascadia Code" pitchFamily="49" charset="0"/>
+                <a:cs typeface="Cascadia Code" pitchFamily="49" charset="0"/>
+              </a:rPr>
+              <a:t> </a:t>
+            </a:r>
+            <a:r>
+              <a:rPr lang="ko-KR" altLang="en-US" sz="1600" dirty="0" err="1">
+                <a:latin typeface="Cascadia Code" pitchFamily="49" charset="0"/>
+                <a:cs typeface="Cascadia Code" pitchFamily="49" charset="0"/>
+              </a:rPr>
+              <a:t>char</a:t>
+            </a:r>
+            <a:r>
+              <a:rPr lang="ko-KR" altLang="en-US" sz="1600" dirty="0">
+                <a:latin typeface="Cascadia Code" pitchFamily="49" charset="0"/>
+                <a:cs typeface="Cascadia Code" pitchFamily="49" charset="0"/>
+              </a:rPr>
+              <a:t>[</a:t>
+            </a:r>
+            <a:r>
+              <a:rPr lang="ko-KR" altLang="en-US" sz="1600" dirty="0" err="1">
+                <a:latin typeface="Cascadia Code" pitchFamily="49" charset="0"/>
+                <a:cs typeface="Cascadia Code" pitchFamily="49" charset="0"/>
+              </a:rPr>
+              <a:t>strlen</a:t>
+            </a:r>
+            <a:r>
+              <a:rPr lang="ko-KR" altLang="en-US" sz="1600" dirty="0">
+                <a:latin typeface="Cascadia Code" pitchFamily="49" charset="0"/>
+                <a:cs typeface="Cascadia Code" pitchFamily="49" charset="0"/>
+              </a:rPr>
+              <a:t>(</a:t>
+            </a:r>
+            <a:r>
+              <a:rPr lang="ko-KR" altLang="en-US" sz="1600" dirty="0" err="1">
+                <a:latin typeface="Cascadia Code" pitchFamily="49" charset="0"/>
+                <a:cs typeface="Cascadia Code" pitchFamily="49" charset="0"/>
+              </a:rPr>
+              <a:t>s</a:t>
+            </a:r>
+            <a:r>
+              <a:rPr lang="ko-KR" altLang="en-US" sz="1600" dirty="0">
+                <a:latin typeface="Cascadia Code" pitchFamily="49" charset="0"/>
+                <a:cs typeface="Cascadia Code" pitchFamily="49" charset="0"/>
+              </a:rPr>
+              <a:t>) + 1];</a:t>
+            </a:r>
+          </a:p>
+          <a:p>
+            <a:r>
+              <a:rPr lang="ko-KR" altLang="en-US" sz="1600" dirty="0">
+                <a:latin typeface="Cascadia Code" pitchFamily="49" charset="0"/>
+                <a:cs typeface="Cascadia Code" pitchFamily="49" charset="0"/>
+              </a:rPr>
+              <a:t>        </a:t>
+            </a:r>
+            <a:r>
+              <a:rPr lang="ko-KR" altLang="en-US" sz="1600" dirty="0" err="1">
+                <a:latin typeface="Cascadia Code" pitchFamily="49" charset="0"/>
+                <a:cs typeface="Cascadia Code" pitchFamily="49" charset="0"/>
+              </a:rPr>
+              <a:t>strcpy</a:t>
+            </a:r>
+            <a:r>
+              <a:rPr lang="ko-KR" altLang="en-US" sz="1600" dirty="0">
+                <a:latin typeface="Cascadia Code" pitchFamily="49" charset="0"/>
+                <a:cs typeface="Cascadia Code" pitchFamily="49" charset="0"/>
+              </a:rPr>
+              <a:t>(</a:t>
+            </a:r>
+            <a:r>
+              <a:rPr lang="ko-KR" altLang="en-US" sz="1600" dirty="0" err="1">
+                <a:latin typeface="Cascadia Code" pitchFamily="49" charset="0"/>
+                <a:cs typeface="Cascadia Code" pitchFamily="49" charset="0"/>
+              </a:rPr>
+              <a:t>name</a:t>
+            </a:r>
+            <a:r>
+              <a:rPr lang="ko-KR" altLang="en-US" sz="1600" dirty="0">
+                <a:latin typeface="Cascadia Code" pitchFamily="49" charset="0"/>
+                <a:cs typeface="Cascadia Code" pitchFamily="49" charset="0"/>
+              </a:rPr>
+              <a:t>, </a:t>
+            </a:r>
+            <a:r>
+              <a:rPr lang="ko-KR" altLang="en-US" sz="1600" dirty="0" err="1">
+                <a:latin typeface="Cascadia Code" pitchFamily="49" charset="0"/>
+                <a:cs typeface="Cascadia Code" pitchFamily="49" charset="0"/>
+              </a:rPr>
+              <a:t>s</a:t>
+            </a:r>
+            <a:r>
+              <a:rPr lang="ko-KR" altLang="en-US" sz="1600" dirty="0">
+                <a:latin typeface="Cascadia Code" pitchFamily="49" charset="0"/>
+                <a:cs typeface="Cascadia Code" pitchFamily="49" charset="0"/>
+              </a:rPr>
+              <a:t>);</a:t>
+            </a:r>
+          </a:p>
+          <a:p>
+            <a:r>
+              <a:rPr lang="ko-KR" altLang="en-US" sz="1600" dirty="0">
+                <a:latin typeface="Cascadia Code" pitchFamily="49" charset="0"/>
+                <a:cs typeface="Cascadia Code" pitchFamily="49" charset="0"/>
+              </a:rPr>
+              <a:t>    }</a:t>
+            </a:r>
+          </a:p>
+          <a:p>
+            <a:endParaRPr lang="ko-KR" altLang="en-US" sz="1600" dirty="0">
+              <a:latin typeface="Cascadia Code" pitchFamily="49" charset="0"/>
+              <a:cs typeface="Cascadia Code" pitchFamily="49" charset="0"/>
+            </a:endParaRPr>
+          </a:p>
+          <a:p>
+            <a:r>
+              <a:rPr lang="ko-KR" altLang="en-US" sz="1600" dirty="0">
+                <a:latin typeface="Cascadia Code" pitchFamily="49" charset="0"/>
+                <a:cs typeface="Cascadia Code" pitchFamily="49" charset="0"/>
+              </a:rPr>
+              <a:t>    ~</a:t>
+            </a:r>
+            <a:r>
+              <a:rPr lang="ko-KR" altLang="en-US" sz="1600" dirty="0" err="1">
+                <a:latin typeface="Cascadia Code" pitchFamily="49" charset="0"/>
+                <a:cs typeface="Cascadia Code" pitchFamily="49" charset="0"/>
+              </a:rPr>
+              <a:t>User</a:t>
+            </a:r>
+            <a:r>
+              <a:rPr lang="ko-KR" altLang="en-US" sz="1600" dirty="0">
+                <a:latin typeface="Cascadia Code" pitchFamily="49" charset="0"/>
+                <a:cs typeface="Cascadia Code" pitchFamily="49" charset="0"/>
+              </a:rPr>
+              <a:t>()</a:t>
+            </a:r>
+          </a:p>
+          <a:p>
+            <a:r>
+              <a:rPr lang="ko-KR" altLang="en-US" sz="1600" dirty="0">
+                <a:latin typeface="Cascadia Code" pitchFamily="49" charset="0"/>
+                <a:cs typeface="Cascadia Code" pitchFamily="49" charset="0"/>
+              </a:rPr>
+              <a:t>    {</a:t>
+            </a:r>
+          </a:p>
+          <a:p>
+            <a:r>
+              <a:rPr lang="ko-KR" altLang="en-US" sz="1600" dirty="0">
+                <a:latin typeface="Cascadia Code" pitchFamily="49" charset="0"/>
+                <a:cs typeface="Cascadia Code" pitchFamily="49" charset="0"/>
+              </a:rPr>
+              <a:t>        </a:t>
+            </a:r>
+            <a:r>
+              <a:rPr lang="ko-KR" altLang="en-US" sz="1600" dirty="0" err="1">
+                <a:latin typeface="Cascadia Code" pitchFamily="49" charset="0"/>
+                <a:cs typeface="Cascadia Code" pitchFamily="49" charset="0"/>
+              </a:rPr>
+              <a:t>delete</a:t>
+            </a:r>
+            <a:r>
+              <a:rPr lang="ko-KR" altLang="en-US" sz="1600" dirty="0">
+                <a:latin typeface="Cascadia Code" pitchFamily="49" charset="0"/>
+                <a:cs typeface="Cascadia Code" pitchFamily="49" charset="0"/>
+              </a:rPr>
+              <a:t>[] </a:t>
+            </a:r>
+            <a:r>
+              <a:rPr lang="ko-KR" altLang="en-US" sz="1600" dirty="0" err="1">
+                <a:latin typeface="Cascadia Code" pitchFamily="49" charset="0"/>
+                <a:cs typeface="Cascadia Code" pitchFamily="49" charset="0"/>
+              </a:rPr>
+              <a:t>name</a:t>
+            </a:r>
+            <a:r>
+              <a:rPr lang="ko-KR" altLang="en-US" sz="1600" dirty="0">
+                <a:latin typeface="Cascadia Code" pitchFamily="49" charset="0"/>
+                <a:cs typeface="Cascadia Code" pitchFamily="49" charset="0"/>
+              </a:rPr>
+              <a:t>;</a:t>
+            </a:r>
+          </a:p>
+          <a:p>
+            <a:r>
+              <a:rPr lang="ko-KR" altLang="en-US" sz="1600" dirty="0">
+                <a:latin typeface="Cascadia Code" pitchFamily="49" charset="0"/>
+                <a:cs typeface="Cascadia Code" pitchFamily="49" charset="0"/>
+              </a:rPr>
+              <a:t>    }</a:t>
+            </a:r>
+          </a:p>
+          <a:p>
+            <a:r>
+              <a:rPr lang="ko-KR" altLang="en-US" sz="1600" dirty="0">
+                <a:latin typeface="Cascadia Code" pitchFamily="49" charset="0"/>
+                <a:cs typeface="Cascadia Code" pitchFamily="49" charset="0"/>
+              </a:rPr>
+              <a:t>};</a:t>
+            </a:r>
+          </a:p>
+          <a:p>
+            <a:endParaRPr lang="ko-KR" altLang="en-US" sz="1600" dirty="0">
+              <a:latin typeface="Cascadia Code" pitchFamily="49" charset="0"/>
+              <a:cs typeface="Cascadia Code" pitchFamily="49" charset="0"/>
+            </a:endParaRPr>
+          </a:p>
+          <a:p>
+            <a:r>
+              <a:rPr lang="ko-KR" altLang="en-US" sz="1600" dirty="0" err="1">
+                <a:latin typeface="Cascadia Code" pitchFamily="49" charset="0"/>
+                <a:cs typeface="Cascadia Code" pitchFamily="49" charset="0"/>
+              </a:rPr>
+              <a:t>int</a:t>
+            </a:r>
+            <a:r>
+              <a:rPr lang="ko-KR" altLang="en-US" sz="1600" dirty="0">
+                <a:latin typeface="Cascadia Code" pitchFamily="49" charset="0"/>
+                <a:cs typeface="Cascadia Code" pitchFamily="49" charset="0"/>
+              </a:rPr>
+              <a:t> </a:t>
+            </a:r>
+            <a:r>
+              <a:rPr lang="ko-KR" altLang="en-US" sz="1600" dirty="0" err="1">
+                <a:latin typeface="Cascadia Code" pitchFamily="49" charset="0"/>
+                <a:cs typeface="Cascadia Code" pitchFamily="49" charset="0"/>
+              </a:rPr>
+              <a:t>main</a:t>
+            </a:r>
+            <a:r>
+              <a:rPr lang="ko-KR" altLang="en-US" sz="1600" dirty="0">
+                <a:latin typeface="Cascadia Code" pitchFamily="49" charset="0"/>
+                <a:cs typeface="Cascadia Code" pitchFamily="49" charset="0"/>
+              </a:rPr>
+              <a:t>()</a:t>
+            </a:r>
+          </a:p>
+          <a:p>
+            <a:r>
+              <a:rPr lang="ko-KR" altLang="en-US" sz="1600" dirty="0">
+                <a:latin typeface="Cascadia Code" pitchFamily="49" charset="0"/>
+                <a:cs typeface="Cascadia Code" pitchFamily="49" charset="0"/>
+              </a:rPr>
+              <a:t>{</a:t>
+            </a:r>
+          </a:p>
+          <a:p>
+            <a:r>
+              <a:rPr lang="ko-KR" altLang="en-US" sz="1600" dirty="0">
+                <a:solidFill>
+                  <a:srgbClr val="FF0000"/>
+                </a:solidFill>
+                <a:latin typeface="Cascadia Code" pitchFamily="49" charset="0"/>
+                <a:cs typeface="Cascadia Code" pitchFamily="49" charset="0"/>
+              </a:rPr>
+              <a:t>    </a:t>
+            </a:r>
+            <a:r>
+              <a:rPr lang="ko-KR" altLang="en-US" sz="1600" dirty="0" err="1">
+                <a:solidFill>
+                  <a:srgbClr val="FF0000"/>
+                </a:solidFill>
+                <a:latin typeface="Cascadia Code" pitchFamily="49" charset="0"/>
+                <a:cs typeface="Cascadia Code" pitchFamily="49" charset="0"/>
+              </a:rPr>
+              <a:t>User</a:t>
+            </a:r>
+            <a:r>
+              <a:rPr lang="ko-KR" altLang="en-US" sz="1600" dirty="0">
+                <a:solidFill>
+                  <a:srgbClr val="FF0000"/>
+                </a:solidFill>
+                <a:latin typeface="Cascadia Code" pitchFamily="49" charset="0"/>
+                <a:cs typeface="Cascadia Code" pitchFamily="49" charset="0"/>
+              </a:rPr>
+              <a:t> </a:t>
+            </a:r>
+            <a:r>
+              <a:rPr lang="ko-KR" altLang="en-US" sz="1600" dirty="0" err="1">
+                <a:solidFill>
+                  <a:srgbClr val="FF0000"/>
+                </a:solidFill>
+                <a:latin typeface="Cascadia Code" pitchFamily="49" charset="0"/>
+                <a:cs typeface="Cascadia Code" pitchFamily="49" charset="0"/>
+              </a:rPr>
+              <a:t>user</a:t>
+            </a:r>
+            <a:r>
+              <a:rPr lang="ko-KR" altLang="en-US" sz="1600" dirty="0">
+                <a:solidFill>
+                  <a:srgbClr val="FF0000"/>
+                </a:solidFill>
+                <a:latin typeface="Cascadia Code" pitchFamily="49" charset="0"/>
+                <a:cs typeface="Cascadia Code" pitchFamily="49" charset="0"/>
+              </a:rPr>
+              <a:t> { "</a:t>
+            </a:r>
+            <a:r>
+              <a:rPr lang="ko-KR" altLang="en-US" sz="1600" dirty="0" err="1">
+                <a:solidFill>
+                  <a:srgbClr val="FF0000"/>
+                </a:solidFill>
+                <a:latin typeface="Cascadia Code" pitchFamily="49" charset="0"/>
+                <a:cs typeface="Cascadia Code" pitchFamily="49" charset="0"/>
+              </a:rPr>
+              <a:t>Tom</a:t>
+            </a:r>
+            <a:r>
+              <a:rPr lang="ko-KR" altLang="en-US" sz="1600" dirty="0">
+                <a:solidFill>
+                  <a:srgbClr val="FF0000"/>
+                </a:solidFill>
+                <a:latin typeface="Cascadia Code" pitchFamily="49" charset="0"/>
+                <a:cs typeface="Cascadia Code" pitchFamily="49" charset="0"/>
+              </a:rPr>
+              <a:t>", 42 };</a:t>
+            </a:r>
+          </a:p>
+          <a:p>
+            <a:r>
+              <a:rPr lang="ko-KR" altLang="en-US" sz="1600" dirty="0">
+                <a:latin typeface="Cascadia Code" pitchFamily="49" charset="0"/>
+                <a:cs typeface="Cascadia Code" pitchFamily="49" charset="0"/>
+              </a:rPr>
+              <a:t>    </a:t>
+            </a:r>
+            <a:r>
+              <a:rPr lang="ko-KR" altLang="en-US" sz="1600" dirty="0" err="1">
+                <a:latin typeface="Cascadia Code" pitchFamily="49" charset="0"/>
+                <a:cs typeface="Cascadia Code" pitchFamily="49" charset="0"/>
+              </a:rPr>
+              <a:t>User</a:t>
+            </a:r>
+            <a:r>
+              <a:rPr lang="ko-KR" altLang="en-US" sz="1600" dirty="0">
+                <a:latin typeface="Cascadia Code" pitchFamily="49" charset="0"/>
+                <a:cs typeface="Cascadia Code" pitchFamily="49" charset="0"/>
+              </a:rPr>
+              <a:t> </a:t>
+            </a:r>
+            <a:r>
+              <a:rPr lang="ko-KR" altLang="en-US" sz="1600" dirty="0" err="1">
+                <a:latin typeface="Cascadia Code" pitchFamily="49" charset="0"/>
+                <a:cs typeface="Cascadia Code" pitchFamily="49" charset="0"/>
+              </a:rPr>
+              <a:t>other</a:t>
+            </a:r>
+            <a:r>
+              <a:rPr lang="ko-KR" altLang="en-US" sz="1600" dirty="0">
+                <a:latin typeface="Cascadia Code" pitchFamily="49" charset="0"/>
+                <a:cs typeface="Cascadia Code" pitchFamily="49" charset="0"/>
+              </a:rPr>
+              <a:t> { </a:t>
+            </a:r>
+            <a:r>
+              <a:rPr lang="ko-KR" altLang="en-US" sz="1600" dirty="0" err="1">
+                <a:latin typeface="Cascadia Code" pitchFamily="49" charset="0"/>
+                <a:cs typeface="Cascadia Code" pitchFamily="49" charset="0"/>
+              </a:rPr>
+              <a:t>user</a:t>
+            </a:r>
+            <a:r>
+              <a:rPr lang="ko-KR" altLang="en-US" sz="1600" dirty="0">
+                <a:latin typeface="Cascadia Code" pitchFamily="49" charset="0"/>
+                <a:cs typeface="Cascadia Code" pitchFamily="49" charset="0"/>
+              </a:rPr>
+              <a:t> };</a:t>
+            </a:r>
+          </a:p>
+          <a:p>
+            <a:r>
+              <a:rPr lang="ko-KR" altLang="en-US" sz="1600" dirty="0">
+                <a:latin typeface="Cascadia Code" pitchFamily="49" charset="0"/>
+                <a:cs typeface="Cascadia Code" pitchFamily="49" charset="0"/>
+              </a:rPr>
+              <a:t>}</a:t>
+            </a:r>
+          </a:p>
+        </p:txBody>
+      </p:sp>
+      <p:sp>
+        <p:nvSpPr>
+          <p:cNvPr id="6" name="직사각형 5">
+            <a:extLst>
+              <a:ext uri="{FF2B5EF4-FFF2-40B4-BE49-F238E27FC236}">
+                <a16:creationId xmlns:a16="http://schemas.microsoft.com/office/drawing/2014/main" id="{86325650-4E19-E736-B1CB-78EA4E1BEF14}"/>
+              </a:ext>
+            </a:extLst>
+          </p:cNvPr>
+          <p:cNvSpPr/>
+          <p:nvPr/>
+        </p:nvSpPr>
+        <p:spPr>
+          <a:xfrm>
+            <a:off x="7515630" y="936135"/>
+            <a:ext cx="1120140" cy="610463"/>
+          </a:xfrm>
+          <a:prstGeom prst="rect">
+            <a:avLst/>
+          </a:prstGeom>
+          <a:solidFill>
+            <a:srgbClr val="FFFF00"/>
+          </a:solidFill>
+        </p:spPr>
+        <p:style>
+          <a:lnRef idx="2">
+            <a:schemeClr val="accent1">
+              <a:shade val="15000"/>
+            </a:schemeClr>
+          </a:lnRef>
+          <a:fillRef idx="1">
+            <a:schemeClr val="accent1"/>
+          </a:fillRef>
+          <a:effectRef idx="0">
+            <a:schemeClr val="accent1"/>
+          </a:effectRef>
+          <a:fontRef idx="minor">
+            <a:schemeClr val="lt1"/>
+          </a:fontRef>
+        </p:style>
+        <p:txBody>
+          <a:bodyPr rtlCol="0" anchor="ctr"/>
+          <a:lstStyle/>
+          <a:p>
+            <a:pPr algn="ctr"/>
+            <a:endParaRPr kumimoji="1" lang="ko-KR" altLang="en-US" sz="1600" dirty="0">
+              <a:solidFill>
+                <a:schemeClr val="tx1"/>
+              </a:solidFill>
+              <a:latin typeface="Cascadia Code" pitchFamily="49" charset="0"/>
+              <a:cs typeface="Cascadia Code" pitchFamily="49" charset="0"/>
+            </a:endParaRPr>
+          </a:p>
+        </p:txBody>
+      </p:sp>
+      <p:sp>
+        <p:nvSpPr>
+          <p:cNvPr id="7" name="TextBox 6">
+            <a:extLst>
+              <a:ext uri="{FF2B5EF4-FFF2-40B4-BE49-F238E27FC236}">
+                <a16:creationId xmlns:a16="http://schemas.microsoft.com/office/drawing/2014/main" id="{C65D11FB-A63A-F2E5-6956-F1ABAE008627}"/>
+              </a:ext>
+            </a:extLst>
+          </p:cNvPr>
+          <p:cNvSpPr txBox="1"/>
+          <p:nvPr/>
+        </p:nvSpPr>
+        <p:spPr>
+          <a:xfrm>
+            <a:off x="6807202" y="1072089"/>
+            <a:ext cx="677948" cy="338554"/>
+          </a:xfrm>
+          <a:prstGeom prst="rect">
+            <a:avLst/>
+          </a:prstGeom>
+          <a:noFill/>
+        </p:spPr>
+        <p:txBody>
+          <a:bodyPr wrap="square" rtlCol="0">
+            <a:spAutoFit/>
+          </a:bodyPr>
+          <a:lstStyle/>
+          <a:p>
+            <a:pPr algn="ctr"/>
+            <a:r>
+              <a:rPr kumimoji="1" lang="en-US" altLang="ko-KR" sz="1600" dirty="0">
+                <a:latin typeface="Cascadia Code" pitchFamily="49" charset="0"/>
+                <a:ea typeface="Cascadia Code" pitchFamily="49" charset="0"/>
+                <a:cs typeface="Cascadia Code" pitchFamily="49" charset="0"/>
+              </a:rPr>
+              <a:t>name</a:t>
+            </a:r>
+            <a:endParaRPr kumimoji="1" lang="ko-KR" altLang="en-US" sz="1600" dirty="0">
+              <a:latin typeface="Cascadia Code" pitchFamily="49" charset="0"/>
+              <a:ea typeface="Cascadia Code" pitchFamily="49" charset="0"/>
+              <a:cs typeface="Cascadia Code" pitchFamily="49" charset="0"/>
+            </a:endParaRPr>
+          </a:p>
+        </p:txBody>
+      </p:sp>
+      <p:sp>
+        <p:nvSpPr>
+          <p:cNvPr id="8" name="직사각형 7">
+            <a:extLst>
+              <a:ext uri="{FF2B5EF4-FFF2-40B4-BE49-F238E27FC236}">
+                <a16:creationId xmlns:a16="http://schemas.microsoft.com/office/drawing/2014/main" id="{B20E6156-15E8-B73E-EB16-ECEB9B07D0DA}"/>
+              </a:ext>
+            </a:extLst>
+          </p:cNvPr>
+          <p:cNvSpPr/>
+          <p:nvPr/>
+        </p:nvSpPr>
+        <p:spPr>
+          <a:xfrm>
+            <a:off x="7515630" y="1546598"/>
+            <a:ext cx="1120140" cy="610463"/>
+          </a:xfrm>
+          <a:prstGeom prst="rect">
+            <a:avLst/>
+          </a:prstGeom>
+          <a:solidFill>
+            <a:srgbClr val="FFFF00"/>
+          </a:solidFill>
+        </p:spPr>
+        <p:style>
+          <a:lnRef idx="2">
+            <a:schemeClr val="accent1">
+              <a:shade val="15000"/>
+            </a:schemeClr>
+          </a:lnRef>
+          <a:fillRef idx="1">
+            <a:schemeClr val="accent1"/>
+          </a:fillRef>
+          <a:effectRef idx="0">
+            <a:schemeClr val="accent1"/>
+          </a:effectRef>
+          <a:fontRef idx="minor">
+            <a:schemeClr val="lt1"/>
+          </a:fontRef>
+        </p:style>
+        <p:txBody>
+          <a:bodyPr rtlCol="0" anchor="ctr"/>
+          <a:lstStyle/>
+          <a:p>
+            <a:pPr algn="ctr"/>
+            <a:r>
+              <a:rPr kumimoji="1" lang="en-US" altLang="ko-KR" sz="1600" dirty="0">
+                <a:solidFill>
+                  <a:schemeClr val="tx1"/>
+                </a:solidFill>
+                <a:latin typeface="Cascadia Code" pitchFamily="49" charset="0"/>
+                <a:cs typeface="Cascadia Code" pitchFamily="49" charset="0"/>
+              </a:rPr>
+              <a:t>42</a:t>
+            </a:r>
+            <a:endParaRPr kumimoji="1" lang="ko-KR" altLang="en-US" sz="1600" dirty="0">
+              <a:solidFill>
+                <a:schemeClr val="tx1"/>
+              </a:solidFill>
+              <a:latin typeface="Cascadia Code" pitchFamily="49" charset="0"/>
+              <a:cs typeface="Cascadia Code" pitchFamily="49" charset="0"/>
+            </a:endParaRPr>
+          </a:p>
+        </p:txBody>
+      </p:sp>
+      <p:sp>
+        <p:nvSpPr>
+          <p:cNvPr id="9" name="TextBox 8">
+            <a:extLst>
+              <a:ext uri="{FF2B5EF4-FFF2-40B4-BE49-F238E27FC236}">
+                <a16:creationId xmlns:a16="http://schemas.microsoft.com/office/drawing/2014/main" id="{55DE0C4D-1C6C-E4AE-AD8D-6431FD2F7AD1}"/>
+              </a:ext>
+            </a:extLst>
+          </p:cNvPr>
+          <p:cNvSpPr txBox="1"/>
+          <p:nvPr/>
+        </p:nvSpPr>
+        <p:spPr>
+          <a:xfrm>
+            <a:off x="6927275" y="1682552"/>
+            <a:ext cx="557875" cy="338554"/>
+          </a:xfrm>
+          <a:prstGeom prst="rect">
+            <a:avLst/>
+          </a:prstGeom>
+          <a:noFill/>
+        </p:spPr>
+        <p:txBody>
+          <a:bodyPr wrap="square" rtlCol="0">
+            <a:spAutoFit/>
+          </a:bodyPr>
+          <a:lstStyle/>
+          <a:p>
+            <a:pPr algn="ctr"/>
+            <a:r>
+              <a:rPr kumimoji="1" lang="en-US" altLang="ko-KR" sz="1600" dirty="0">
+                <a:latin typeface="Cascadia Code" pitchFamily="49" charset="0"/>
+                <a:ea typeface="Cascadia Code" pitchFamily="49" charset="0"/>
+                <a:cs typeface="Cascadia Code" pitchFamily="49" charset="0"/>
+              </a:rPr>
+              <a:t>age</a:t>
+            </a:r>
+            <a:endParaRPr kumimoji="1" lang="ko-KR" altLang="en-US" sz="1600" dirty="0">
+              <a:latin typeface="Cascadia Code" pitchFamily="49" charset="0"/>
+              <a:ea typeface="Cascadia Code" pitchFamily="49" charset="0"/>
+              <a:cs typeface="Cascadia Code" pitchFamily="49" charset="0"/>
+            </a:endParaRPr>
+          </a:p>
+        </p:txBody>
+      </p:sp>
+      <p:sp>
+        <p:nvSpPr>
+          <p:cNvPr id="10" name="TextBox 9">
+            <a:extLst>
+              <a:ext uri="{FF2B5EF4-FFF2-40B4-BE49-F238E27FC236}">
+                <a16:creationId xmlns:a16="http://schemas.microsoft.com/office/drawing/2014/main" id="{6D042A22-E39C-0F8D-3385-9DF791F16320}"/>
+              </a:ext>
+            </a:extLst>
+          </p:cNvPr>
+          <p:cNvSpPr txBox="1"/>
+          <p:nvPr/>
+        </p:nvSpPr>
+        <p:spPr>
+          <a:xfrm>
+            <a:off x="7622541" y="541033"/>
+            <a:ext cx="906317" cy="369332"/>
+          </a:xfrm>
+          <a:prstGeom prst="rect">
+            <a:avLst/>
+          </a:prstGeom>
+          <a:noFill/>
+        </p:spPr>
+        <p:txBody>
+          <a:bodyPr wrap="square">
+            <a:spAutoFit/>
+          </a:bodyPr>
+          <a:lstStyle/>
+          <a:p>
+            <a:pPr algn="ctr"/>
+            <a:r>
+              <a:rPr lang="en-US" altLang="ko-KR" dirty="0">
+                <a:latin typeface="Cascadia Code" pitchFamily="49" charset="0"/>
+                <a:cs typeface="Cascadia Code" pitchFamily="49" charset="0"/>
+              </a:rPr>
+              <a:t>user</a:t>
+            </a:r>
+            <a:endParaRPr lang="ko-KR" altLang="en-US" dirty="0"/>
+          </a:p>
+        </p:txBody>
+      </p:sp>
+      <p:sp>
+        <p:nvSpPr>
+          <p:cNvPr id="11" name="직사각형 10">
+            <a:extLst>
+              <a:ext uri="{FF2B5EF4-FFF2-40B4-BE49-F238E27FC236}">
+                <a16:creationId xmlns:a16="http://schemas.microsoft.com/office/drawing/2014/main" id="{2BF08293-E6C8-D699-8F8E-FBFD89498CF0}"/>
+              </a:ext>
+            </a:extLst>
+          </p:cNvPr>
+          <p:cNvSpPr/>
+          <p:nvPr/>
+        </p:nvSpPr>
+        <p:spPr>
+          <a:xfrm>
+            <a:off x="9993745" y="1546599"/>
+            <a:ext cx="1528388" cy="474508"/>
+          </a:xfrm>
+          <a:prstGeom prst="rect">
+            <a:avLst/>
+          </a:prstGeom>
+          <a:solidFill>
+            <a:srgbClr val="FFFF00"/>
+          </a:solidFill>
+        </p:spPr>
+        <p:style>
+          <a:lnRef idx="2">
+            <a:schemeClr val="accent1">
+              <a:shade val="15000"/>
+            </a:schemeClr>
+          </a:lnRef>
+          <a:fillRef idx="1">
+            <a:schemeClr val="accent1"/>
+          </a:fillRef>
+          <a:effectRef idx="0">
+            <a:schemeClr val="accent1"/>
+          </a:effectRef>
+          <a:fontRef idx="minor">
+            <a:schemeClr val="lt1"/>
+          </a:fontRef>
+        </p:style>
+        <p:txBody>
+          <a:bodyPr rtlCol="0" anchor="ctr"/>
+          <a:lstStyle/>
+          <a:p>
+            <a:pPr algn="ctr"/>
+            <a:r>
+              <a:rPr kumimoji="1" lang="en-US" altLang="ko-KR" sz="1600" dirty="0">
+                <a:solidFill>
+                  <a:schemeClr val="tx1"/>
+                </a:solidFill>
+                <a:latin typeface="Cascadia Code" pitchFamily="49" charset="0"/>
+                <a:cs typeface="Cascadia Code" pitchFamily="49" charset="0"/>
+              </a:rPr>
+              <a:t>“Tom”</a:t>
+            </a:r>
+            <a:endParaRPr kumimoji="1" lang="ko-KR" altLang="en-US" sz="1600" dirty="0">
+              <a:solidFill>
+                <a:schemeClr val="tx1"/>
+              </a:solidFill>
+              <a:latin typeface="Cascadia Code" pitchFamily="49" charset="0"/>
+              <a:cs typeface="Cascadia Code" pitchFamily="49" charset="0"/>
+            </a:endParaRPr>
+          </a:p>
+        </p:txBody>
+      </p:sp>
+      <p:cxnSp>
+        <p:nvCxnSpPr>
+          <p:cNvPr id="13" name="구부러진 연결선[U] 12">
+            <a:extLst>
+              <a:ext uri="{FF2B5EF4-FFF2-40B4-BE49-F238E27FC236}">
+                <a16:creationId xmlns:a16="http://schemas.microsoft.com/office/drawing/2014/main" id="{2016A6E4-83DA-2C7A-6215-579B6CF803AE}"/>
+              </a:ext>
+            </a:extLst>
+          </p:cNvPr>
+          <p:cNvCxnSpPr>
+            <a:stCxn id="6" idx="3"/>
+            <a:endCxn id="11" idx="1"/>
+          </p:cNvCxnSpPr>
+          <p:nvPr/>
+        </p:nvCxnSpPr>
+        <p:spPr>
+          <a:xfrm>
+            <a:off x="8635770" y="1241367"/>
+            <a:ext cx="1357975" cy="542486"/>
+          </a:xfrm>
+          <a:prstGeom prst="curvedConnector3">
+            <a:avLst/>
+          </a:prstGeom>
+          <a:ln>
+            <a:tailEnd type="triangle"/>
+          </a:ln>
+        </p:spPr>
+        <p:style>
+          <a:lnRef idx="2">
+            <a:schemeClr val="dk1"/>
+          </a:lnRef>
+          <a:fillRef idx="0">
+            <a:schemeClr val="dk1"/>
+          </a:fillRef>
+          <a:effectRef idx="1">
+            <a:schemeClr val="dk1"/>
+          </a:effectRef>
+          <a:fontRef idx="minor">
+            <a:schemeClr val="tx1"/>
+          </a:fontRef>
+        </p:style>
+      </p:cxnSp>
+    </p:spTree>
+    <p:extLst>
+      <p:ext uri="{BB962C8B-B14F-4D97-AF65-F5344CB8AC3E}">
+        <p14:creationId xmlns:p14="http://schemas.microsoft.com/office/powerpoint/2010/main" val="596649771"/>
+      </p:ext>
+    </p:extLst>
+  </p:cSld>
+  <p:clrMapOvr>
+    <a:masterClrMapping/>
+  </p:clrMapOvr>
+</p:sld>
+</file>
+
+<file path=ppt/slides/slide28.xml><?xml version="1.0" encoding="utf-8"?>
+<p:sld xmlns:a="http://schemas.openxmlformats.org/drawingml/2006/main" xmlns:r="http://schemas.openxmlformats.org/officeDocument/2006/relationships" xmlns:p="http://schemas.openxmlformats.org/presentationml/2006/main">
+  <p:cSld>
+    <p:spTree>
+      <p:nvGrpSpPr>
+        <p:cNvPr id="1" name=""/>
+        <p:cNvGrpSpPr/>
+        <p:nvPr/>
+      </p:nvGrpSpPr>
+      <p:grpSpPr>
+        <a:xfrm>
+          <a:off x="0" y="0"/>
+          <a:ext cx="0" cy="0"/>
+          <a:chOff x="0" y="0"/>
+          <a:chExt cx="0" cy="0"/>
+        </a:xfrm>
+      </p:grpSpPr>
+      <p:sp>
+        <p:nvSpPr>
+          <p:cNvPr id="5" name="TextBox 4">
+            <a:extLst>
+              <a:ext uri="{FF2B5EF4-FFF2-40B4-BE49-F238E27FC236}">
+                <a16:creationId xmlns:a16="http://schemas.microsoft.com/office/drawing/2014/main" id="{18B6C708-21AD-7581-BFE3-DE7C1075C89B}"/>
+              </a:ext>
+            </a:extLst>
+          </p:cNvPr>
+          <p:cNvSpPr txBox="1"/>
+          <p:nvPr/>
+        </p:nvSpPr>
+        <p:spPr>
+          <a:xfrm>
+            <a:off x="406400" y="302076"/>
+            <a:ext cx="4922982" cy="3046988"/>
+          </a:xfrm>
+          <a:prstGeom prst="rect">
+            <a:avLst/>
+          </a:prstGeom>
+          <a:noFill/>
+        </p:spPr>
+        <p:txBody>
+          <a:bodyPr wrap="square">
+            <a:spAutoFit/>
+          </a:bodyPr>
+          <a:lstStyle/>
+          <a:p>
+            <a:r>
+              <a:rPr lang="en-US" altLang="ko-KR" sz="1600" dirty="0">
+                <a:latin typeface="Cascadia Code" pitchFamily="49" charset="0"/>
+                <a:cs typeface="Cascadia Code" pitchFamily="49" charset="0"/>
+              </a:rPr>
+              <a:t>User(const User&amp; </a:t>
+            </a:r>
+            <a:r>
+              <a:rPr lang="en-US" altLang="ko-KR" sz="1600" dirty="0" err="1">
+                <a:latin typeface="Cascadia Code" pitchFamily="49" charset="0"/>
+                <a:cs typeface="Cascadia Code" pitchFamily="49" charset="0"/>
+              </a:rPr>
+              <a:t>rhs</a:t>
+            </a:r>
+            <a:r>
+              <a:rPr lang="en-US" altLang="ko-KR" sz="1600" dirty="0">
+                <a:latin typeface="Cascadia Code" pitchFamily="49" charset="0"/>
+                <a:cs typeface="Cascadia Code" pitchFamily="49" charset="0"/>
+              </a:rPr>
+              <a:t>)</a:t>
+            </a:r>
+          </a:p>
+          <a:p>
+            <a:r>
+              <a:rPr lang="en-US" altLang="ko-KR" sz="1600" dirty="0">
+                <a:latin typeface="Cascadia Code" pitchFamily="49" charset="0"/>
+                <a:cs typeface="Cascadia Code" pitchFamily="49" charset="0"/>
+              </a:rPr>
+              <a:t>        : name { </a:t>
+            </a:r>
+            <a:r>
+              <a:rPr lang="en-US" altLang="ko-KR" sz="1600" dirty="0" err="1">
+                <a:latin typeface="Cascadia Code" pitchFamily="49" charset="0"/>
+                <a:cs typeface="Cascadia Code" pitchFamily="49" charset="0"/>
+              </a:rPr>
+              <a:t>rhs.name</a:t>
+            </a:r>
+            <a:r>
+              <a:rPr lang="en-US" altLang="ko-KR" sz="1600" dirty="0">
+                <a:latin typeface="Cascadia Code" pitchFamily="49" charset="0"/>
+                <a:cs typeface="Cascadia Code" pitchFamily="49" charset="0"/>
+              </a:rPr>
+              <a:t> }</a:t>
+            </a:r>
+          </a:p>
+          <a:p>
+            <a:r>
+              <a:rPr lang="en-US" altLang="ko-KR" sz="1600" dirty="0">
+                <a:latin typeface="Cascadia Code" pitchFamily="49" charset="0"/>
+                <a:cs typeface="Cascadia Code" pitchFamily="49" charset="0"/>
+              </a:rPr>
+              <a:t>        , age { </a:t>
+            </a:r>
+            <a:r>
+              <a:rPr lang="en-US" altLang="ko-KR" sz="1600" dirty="0" err="1">
+                <a:latin typeface="Cascadia Code" pitchFamily="49" charset="0"/>
+                <a:cs typeface="Cascadia Code" pitchFamily="49" charset="0"/>
+              </a:rPr>
+              <a:t>rhs.age</a:t>
+            </a:r>
+            <a:r>
+              <a:rPr lang="en-US" altLang="ko-KR" sz="1600" dirty="0">
+                <a:latin typeface="Cascadia Code" pitchFamily="49" charset="0"/>
+                <a:cs typeface="Cascadia Code" pitchFamily="49" charset="0"/>
+              </a:rPr>
+              <a:t> }</a:t>
+            </a:r>
+          </a:p>
+          <a:p>
+            <a:r>
+              <a:rPr lang="en-US" altLang="ko-KR" sz="1600" dirty="0">
+                <a:latin typeface="Cascadia Code" pitchFamily="49" charset="0"/>
+                <a:cs typeface="Cascadia Code" pitchFamily="49" charset="0"/>
+              </a:rPr>
+              <a:t>{</a:t>
+            </a:r>
+          </a:p>
+          <a:p>
+            <a:r>
+              <a:rPr lang="en-US" altLang="ko-KR" sz="1600" dirty="0">
+                <a:latin typeface="Cascadia Code" pitchFamily="49" charset="0"/>
+                <a:cs typeface="Cascadia Code" pitchFamily="49" charset="0"/>
+              </a:rPr>
+              <a:t>}</a:t>
+            </a:r>
+          </a:p>
+          <a:p>
+            <a:endParaRPr lang="en-US" altLang="ko-KR" sz="1600" dirty="0">
+              <a:latin typeface="Cascadia Code" pitchFamily="49" charset="0"/>
+              <a:cs typeface="Cascadia Code" pitchFamily="49" charset="0"/>
+            </a:endParaRPr>
+          </a:p>
+          <a:p>
+            <a:endParaRPr lang="ko-KR" altLang="en-US" sz="1600" dirty="0">
+              <a:latin typeface="Cascadia Code" pitchFamily="49" charset="0"/>
+              <a:cs typeface="Cascadia Code" pitchFamily="49" charset="0"/>
+            </a:endParaRPr>
+          </a:p>
+          <a:p>
+            <a:r>
+              <a:rPr lang="ko-KR" altLang="en-US" sz="1600" dirty="0" err="1">
+                <a:latin typeface="Cascadia Code" pitchFamily="49" charset="0"/>
+                <a:cs typeface="Cascadia Code" pitchFamily="49" charset="0"/>
+              </a:rPr>
+              <a:t>int</a:t>
+            </a:r>
+            <a:r>
+              <a:rPr lang="ko-KR" altLang="en-US" sz="1600" dirty="0">
+                <a:latin typeface="Cascadia Code" pitchFamily="49" charset="0"/>
+                <a:cs typeface="Cascadia Code" pitchFamily="49" charset="0"/>
+              </a:rPr>
+              <a:t> </a:t>
+            </a:r>
+            <a:r>
+              <a:rPr lang="ko-KR" altLang="en-US" sz="1600" dirty="0" err="1">
+                <a:latin typeface="Cascadia Code" pitchFamily="49" charset="0"/>
+                <a:cs typeface="Cascadia Code" pitchFamily="49" charset="0"/>
+              </a:rPr>
+              <a:t>main</a:t>
+            </a:r>
+            <a:r>
+              <a:rPr lang="ko-KR" altLang="en-US" sz="1600" dirty="0">
+                <a:latin typeface="Cascadia Code" pitchFamily="49" charset="0"/>
+                <a:cs typeface="Cascadia Code" pitchFamily="49" charset="0"/>
+              </a:rPr>
+              <a:t>()</a:t>
+            </a:r>
+          </a:p>
+          <a:p>
+            <a:r>
+              <a:rPr lang="ko-KR" altLang="en-US" sz="1600" dirty="0">
+                <a:latin typeface="Cascadia Code" pitchFamily="49" charset="0"/>
+                <a:cs typeface="Cascadia Code" pitchFamily="49" charset="0"/>
+              </a:rPr>
+              <a:t>{</a:t>
+            </a:r>
+          </a:p>
+          <a:p>
+            <a:r>
+              <a:rPr lang="ko-KR" altLang="en-US" sz="1600" dirty="0">
+                <a:latin typeface="Cascadia Code" pitchFamily="49" charset="0"/>
+                <a:cs typeface="Cascadia Code" pitchFamily="49" charset="0"/>
+              </a:rPr>
+              <a:t>    </a:t>
+            </a:r>
+            <a:r>
+              <a:rPr lang="ko-KR" altLang="en-US" sz="1600" dirty="0" err="1">
+                <a:latin typeface="Cascadia Code" pitchFamily="49" charset="0"/>
+                <a:cs typeface="Cascadia Code" pitchFamily="49" charset="0"/>
+              </a:rPr>
+              <a:t>User</a:t>
+            </a:r>
+            <a:r>
+              <a:rPr lang="ko-KR" altLang="en-US" sz="1600" dirty="0">
+                <a:latin typeface="Cascadia Code" pitchFamily="49" charset="0"/>
+                <a:cs typeface="Cascadia Code" pitchFamily="49" charset="0"/>
+              </a:rPr>
+              <a:t> </a:t>
+            </a:r>
+            <a:r>
+              <a:rPr lang="ko-KR" altLang="en-US" sz="1600" dirty="0" err="1">
+                <a:latin typeface="Cascadia Code" pitchFamily="49" charset="0"/>
+                <a:cs typeface="Cascadia Code" pitchFamily="49" charset="0"/>
+              </a:rPr>
+              <a:t>user</a:t>
+            </a:r>
+            <a:r>
+              <a:rPr lang="ko-KR" altLang="en-US" sz="1600" dirty="0">
+                <a:latin typeface="Cascadia Code" pitchFamily="49" charset="0"/>
+                <a:cs typeface="Cascadia Code" pitchFamily="49" charset="0"/>
+              </a:rPr>
+              <a:t> { "</a:t>
+            </a:r>
+            <a:r>
+              <a:rPr lang="ko-KR" altLang="en-US" sz="1600" dirty="0" err="1">
+                <a:latin typeface="Cascadia Code" pitchFamily="49" charset="0"/>
+                <a:cs typeface="Cascadia Code" pitchFamily="49" charset="0"/>
+              </a:rPr>
+              <a:t>Tom</a:t>
+            </a:r>
+            <a:r>
+              <a:rPr lang="ko-KR" altLang="en-US" sz="1600" dirty="0">
+                <a:latin typeface="Cascadia Code" pitchFamily="49" charset="0"/>
+                <a:cs typeface="Cascadia Code" pitchFamily="49" charset="0"/>
+              </a:rPr>
+              <a:t>", 42 };</a:t>
+            </a:r>
+          </a:p>
+          <a:p>
+            <a:r>
+              <a:rPr lang="ko-KR" altLang="en-US" sz="1600" dirty="0">
+                <a:solidFill>
+                  <a:srgbClr val="FF0000"/>
+                </a:solidFill>
+                <a:latin typeface="Cascadia Code" pitchFamily="49" charset="0"/>
+                <a:cs typeface="Cascadia Code" pitchFamily="49" charset="0"/>
+              </a:rPr>
+              <a:t>    </a:t>
+            </a:r>
+            <a:r>
+              <a:rPr lang="ko-KR" altLang="en-US" sz="1600" dirty="0" err="1">
+                <a:solidFill>
+                  <a:srgbClr val="FF0000"/>
+                </a:solidFill>
+                <a:latin typeface="Cascadia Code" pitchFamily="49" charset="0"/>
+                <a:cs typeface="Cascadia Code" pitchFamily="49" charset="0"/>
+              </a:rPr>
+              <a:t>User</a:t>
+            </a:r>
+            <a:r>
+              <a:rPr lang="ko-KR" altLang="en-US" sz="1600" dirty="0">
+                <a:solidFill>
+                  <a:srgbClr val="FF0000"/>
+                </a:solidFill>
+                <a:latin typeface="Cascadia Code" pitchFamily="49" charset="0"/>
+                <a:cs typeface="Cascadia Code" pitchFamily="49" charset="0"/>
+              </a:rPr>
+              <a:t> </a:t>
+            </a:r>
+            <a:r>
+              <a:rPr lang="ko-KR" altLang="en-US" sz="1600" dirty="0" err="1">
+                <a:solidFill>
+                  <a:srgbClr val="FF0000"/>
+                </a:solidFill>
+                <a:latin typeface="Cascadia Code" pitchFamily="49" charset="0"/>
+                <a:cs typeface="Cascadia Code" pitchFamily="49" charset="0"/>
+              </a:rPr>
+              <a:t>other</a:t>
+            </a:r>
+            <a:r>
+              <a:rPr lang="ko-KR" altLang="en-US" sz="1600" dirty="0">
+                <a:solidFill>
+                  <a:srgbClr val="FF0000"/>
+                </a:solidFill>
+                <a:latin typeface="Cascadia Code" pitchFamily="49" charset="0"/>
+                <a:cs typeface="Cascadia Code" pitchFamily="49" charset="0"/>
+              </a:rPr>
+              <a:t> { </a:t>
+            </a:r>
+            <a:r>
+              <a:rPr lang="ko-KR" altLang="en-US" sz="1600" dirty="0" err="1">
+                <a:solidFill>
+                  <a:srgbClr val="FF0000"/>
+                </a:solidFill>
+                <a:latin typeface="Cascadia Code" pitchFamily="49" charset="0"/>
+                <a:cs typeface="Cascadia Code" pitchFamily="49" charset="0"/>
+              </a:rPr>
+              <a:t>user</a:t>
+            </a:r>
+            <a:r>
+              <a:rPr lang="ko-KR" altLang="en-US" sz="1600" dirty="0">
+                <a:solidFill>
+                  <a:srgbClr val="FF0000"/>
+                </a:solidFill>
+                <a:latin typeface="Cascadia Code" pitchFamily="49" charset="0"/>
+                <a:cs typeface="Cascadia Code" pitchFamily="49" charset="0"/>
+              </a:rPr>
+              <a:t> };</a:t>
+            </a:r>
+          </a:p>
+          <a:p>
+            <a:r>
+              <a:rPr lang="ko-KR" altLang="en-US" sz="1600" dirty="0">
+                <a:latin typeface="Cascadia Code" pitchFamily="49" charset="0"/>
+                <a:cs typeface="Cascadia Code" pitchFamily="49" charset="0"/>
+              </a:rPr>
+              <a:t>}</a:t>
+            </a:r>
+          </a:p>
+        </p:txBody>
+      </p:sp>
+      <p:sp>
+        <p:nvSpPr>
+          <p:cNvPr id="6" name="직사각형 5">
+            <a:extLst>
+              <a:ext uri="{FF2B5EF4-FFF2-40B4-BE49-F238E27FC236}">
+                <a16:creationId xmlns:a16="http://schemas.microsoft.com/office/drawing/2014/main" id="{86325650-4E19-E736-B1CB-78EA4E1BEF14}"/>
+              </a:ext>
+            </a:extLst>
+          </p:cNvPr>
+          <p:cNvSpPr/>
+          <p:nvPr/>
+        </p:nvSpPr>
+        <p:spPr>
+          <a:xfrm>
+            <a:off x="7515630" y="936135"/>
+            <a:ext cx="1120140" cy="610463"/>
+          </a:xfrm>
+          <a:prstGeom prst="rect">
+            <a:avLst/>
+          </a:prstGeom>
+          <a:solidFill>
+            <a:srgbClr val="FFFF00"/>
+          </a:solidFill>
+        </p:spPr>
+        <p:style>
+          <a:lnRef idx="2">
+            <a:schemeClr val="accent1">
+              <a:shade val="15000"/>
+            </a:schemeClr>
+          </a:lnRef>
+          <a:fillRef idx="1">
+            <a:schemeClr val="accent1"/>
+          </a:fillRef>
+          <a:effectRef idx="0">
+            <a:schemeClr val="accent1"/>
+          </a:effectRef>
+          <a:fontRef idx="minor">
+            <a:schemeClr val="lt1"/>
+          </a:fontRef>
+        </p:style>
+        <p:txBody>
+          <a:bodyPr rtlCol="0" anchor="ctr"/>
+          <a:lstStyle/>
+          <a:p>
+            <a:pPr algn="ctr"/>
+            <a:r>
+              <a:rPr kumimoji="1" lang="en-US" altLang="ko-KR" sz="1600" dirty="0">
+                <a:solidFill>
+                  <a:schemeClr val="tx1"/>
+                </a:solidFill>
+                <a:latin typeface="Cascadia Code" pitchFamily="49" charset="0"/>
+                <a:cs typeface="Cascadia Code" pitchFamily="49" charset="0"/>
+              </a:rPr>
+              <a:t>0x100</a:t>
+            </a:r>
+            <a:endParaRPr kumimoji="1" lang="ko-KR" altLang="en-US" sz="1600" dirty="0">
+              <a:solidFill>
+                <a:schemeClr val="tx1"/>
+              </a:solidFill>
+              <a:latin typeface="Cascadia Code" pitchFamily="49" charset="0"/>
+              <a:cs typeface="Cascadia Code" pitchFamily="49" charset="0"/>
+            </a:endParaRPr>
+          </a:p>
+        </p:txBody>
+      </p:sp>
+      <p:sp>
+        <p:nvSpPr>
+          <p:cNvPr id="7" name="TextBox 6">
+            <a:extLst>
+              <a:ext uri="{FF2B5EF4-FFF2-40B4-BE49-F238E27FC236}">
+                <a16:creationId xmlns:a16="http://schemas.microsoft.com/office/drawing/2014/main" id="{C65D11FB-A63A-F2E5-6956-F1ABAE008627}"/>
+              </a:ext>
+            </a:extLst>
+          </p:cNvPr>
+          <p:cNvSpPr txBox="1"/>
+          <p:nvPr/>
+        </p:nvSpPr>
+        <p:spPr>
+          <a:xfrm>
+            <a:off x="6807202" y="1072089"/>
+            <a:ext cx="677948" cy="338554"/>
+          </a:xfrm>
+          <a:prstGeom prst="rect">
+            <a:avLst/>
+          </a:prstGeom>
+          <a:noFill/>
+        </p:spPr>
+        <p:txBody>
+          <a:bodyPr wrap="square" rtlCol="0">
+            <a:spAutoFit/>
+          </a:bodyPr>
+          <a:lstStyle/>
+          <a:p>
+            <a:pPr algn="ctr"/>
+            <a:r>
+              <a:rPr kumimoji="1" lang="en-US" altLang="ko-KR" sz="1600" dirty="0">
+                <a:latin typeface="Cascadia Code" pitchFamily="49" charset="0"/>
+                <a:ea typeface="Cascadia Code" pitchFamily="49" charset="0"/>
+                <a:cs typeface="Cascadia Code" pitchFamily="49" charset="0"/>
+              </a:rPr>
+              <a:t>name</a:t>
+            </a:r>
+            <a:endParaRPr kumimoji="1" lang="ko-KR" altLang="en-US" sz="1600" dirty="0">
+              <a:latin typeface="Cascadia Code" pitchFamily="49" charset="0"/>
+              <a:ea typeface="Cascadia Code" pitchFamily="49" charset="0"/>
+              <a:cs typeface="Cascadia Code" pitchFamily="49" charset="0"/>
+            </a:endParaRPr>
+          </a:p>
+        </p:txBody>
+      </p:sp>
+      <p:sp>
+        <p:nvSpPr>
+          <p:cNvPr id="8" name="직사각형 7">
+            <a:extLst>
+              <a:ext uri="{FF2B5EF4-FFF2-40B4-BE49-F238E27FC236}">
+                <a16:creationId xmlns:a16="http://schemas.microsoft.com/office/drawing/2014/main" id="{B20E6156-15E8-B73E-EB16-ECEB9B07D0DA}"/>
+              </a:ext>
+            </a:extLst>
+          </p:cNvPr>
+          <p:cNvSpPr/>
+          <p:nvPr/>
+        </p:nvSpPr>
+        <p:spPr>
+          <a:xfrm>
+            <a:off x="7515630" y="1546598"/>
+            <a:ext cx="1120140" cy="610463"/>
+          </a:xfrm>
+          <a:prstGeom prst="rect">
+            <a:avLst/>
+          </a:prstGeom>
+          <a:solidFill>
+            <a:srgbClr val="FFFF00"/>
+          </a:solidFill>
+        </p:spPr>
+        <p:style>
+          <a:lnRef idx="2">
+            <a:schemeClr val="accent1">
+              <a:shade val="15000"/>
+            </a:schemeClr>
+          </a:lnRef>
+          <a:fillRef idx="1">
+            <a:schemeClr val="accent1"/>
+          </a:fillRef>
+          <a:effectRef idx="0">
+            <a:schemeClr val="accent1"/>
+          </a:effectRef>
+          <a:fontRef idx="minor">
+            <a:schemeClr val="lt1"/>
+          </a:fontRef>
+        </p:style>
+        <p:txBody>
+          <a:bodyPr rtlCol="0" anchor="ctr"/>
+          <a:lstStyle/>
+          <a:p>
+            <a:pPr algn="ctr"/>
+            <a:r>
+              <a:rPr kumimoji="1" lang="en-US" altLang="ko-KR" sz="1600" dirty="0">
+                <a:solidFill>
+                  <a:schemeClr val="tx1"/>
+                </a:solidFill>
+                <a:latin typeface="Cascadia Code" pitchFamily="49" charset="0"/>
+                <a:cs typeface="Cascadia Code" pitchFamily="49" charset="0"/>
+              </a:rPr>
+              <a:t>42</a:t>
+            </a:r>
+            <a:endParaRPr kumimoji="1" lang="ko-KR" altLang="en-US" sz="1600" dirty="0">
+              <a:solidFill>
+                <a:schemeClr val="tx1"/>
+              </a:solidFill>
+              <a:latin typeface="Cascadia Code" pitchFamily="49" charset="0"/>
+              <a:cs typeface="Cascadia Code" pitchFamily="49" charset="0"/>
+            </a:endParaRPr>
+          </a:p>
+        </p:txBody>
+      </p:sp>
+      <p:sp>
+        <p:nvSpPr>
+          <p:cNvPr id="9" name="TextBox 8">
+            <a:extLst>
+              <a:ext uri="{FF2B5EF4-FFF2-40B4-BE49-F238E27FC236}">
+                <a16:creationId xmlns:a16="http://schemas.microsoft.com/office/drawing/2014/main" id="{55DE0C4D-1C6C-E4AE-AD8D-6431FD2F7AD1}"/>
+              </a:ext>
+            </a:extLst>
+          </p:cNvPr>
+          <p:cNvSpPr txBox="1"/>
+          <p:nvPr/>
+        </p:nvSpPr>
+        <p:spPr>
+          <a:xfrm>
+            <a:off x="6927275" y="1682552"/>
+            <a:ext cx="557875" cy="338554"/>
+          </a:xfrm>
+          <a:prstGeom prst="rect">
+            <a:avLst/>
+          </a:prstGeom>
+          <a:noFill/>
+        </p:spPr>
+        <p:txBody>
+          <a:bodyPr wrap="square" rtlCol="0">
+            <a:spAutoFit/>
+          </a:bodyPr>
+          <a:lstStyle/>
+          <a:p>
+            <a:pPr algn="ctr"/>
+            <a:r>
+              <a:rPr kumimoji="1" lang="en-US" altLang="ko-KR" sz="1600" dirty="0">
+                <a:latin typeface="Cascadia Code" pitchFamily="49" charset="0"/>
+                <a:ea typeface="Cascadia Code" pitchFamily="49" charset="0"/>
+                <a:cs typeface="Cascadia Code" pitchFamily="49" charset="0"/>
+              </a:rPr>
+              <a:t>age</a:t>
+            </a:r>
+            <a:endParaRPr kumimoji="1" lang="ko-KR" altLang="en-US" sz="1600" dirty="0">
+              <a:latin typeface="Cascadia Code" pitchFamily="49" charset="0"/>
+              <a:ea typeface="Cascadia Code" pitchFamily="49" charset="0"/>
+              <a:cs typeface="Cascadia Code" pitchFamily="49" charset="0"/>
+            </a:endParaRPr>
+          </a:p>
+        </p:txBody>
+      </p:sp>
+      <p:sp>
+        <p:nvSpPr>
+          <p:cNvPr id="10" name="TextBox 9">
+            <a:extLst>
+              <a:ext uri="{FF2B5EF4-FFF2-40B4-BE49-F238E27FC236}">
+                <a16:creationId xmlns:a16="http://schemas.microsoft.com/office/drawing/2014/main" id="{6D042A22-E39C-0F8D-3385-9DF791F16320}"/>
+              </a:ext>
+            </a:extLst>
+          </p:cNvPr>
+          <p:cNvSpPr txBox="1"/>
+          <p:nvPr/>
+        </p:nvSpPr>
+        <p:spPr>
+          <a:xfrm>
+            <a:off x="7622541" y="541033"/>
+            <a:ext cx="906317" cy="369332"/>
+          </a:xfrm>
+          <a:prstGeom prst="rect">
+            <a:avLst/>
+          </a:prstGeom>
+          <a:noFill/>
+        </p:spPr>
+        <p:txBody>
+          <a:bodyPr wrap="square">
+            <a:spAutoFit/>
+          </a:bodyPr>
+          <a:lstStyle/>
+          <a:p>
+            <a:pPr algn="ctr"/>
+            <a:r>
+              <a:rPr lang="en-US" altLang="ko-KR" dirty="0">
+                <a:latin typeface="Cascadia Code" pitchFamily="49" charset="0"/>
+                <a:cs typeface="Cascadia Code" pitchFamily="49" charset="0"/>
+              </a:rPr>
+              <a:t>user</a:t>
+            </a:r>
+            <a:endParaRPr lang="ko-KR" altLang="en-US" dirty="0"/>
+          </a:p>
+        </p:txBody>
+      </p:sp>
+      <p:sp>
+        <p:nvSpPr>
+          <p:cNvPr id="11" name="직사각형 10">
+            <a:extLst>
+              <a:ext uri="{FF2B5EF4-FFF2-40B4-BE49-F238E27FC236}">
+                <a16:creationId xmlns:a16="http://schemas.microsoft.com/office/drawing/2014/main" id="{2BF08293-E6C8-D699-8F8E-FBFD89498CF0}"/>
+              </a:ext>
+            </a:extLst>
+          </p:cNvPr>
+          <p:cNvSpPr/>
+          <p:nvPr/>
+        </p:nvSpPr>
+        <p:spPr>
+          <a:xfrm>
+            <a:off x="9993745" y="1546599"/>
+            <a:ext cx="1528388" cy="474508"/>
+          </a:xfrm>
+          <a:prstGeom prst="rect">
+            <a:avLst/>
+          </a:prstGeom>
+          <a:solidFill>
+            <a:srgbClr val="FFFF00"/>
+          </a:solidFill>
+        </p:spPr>
+        <p:style>
+          <a:lnRef idx="2">
+            <a:schemeClr val="accent1">
+              <a:shade val="15000"/>
+            </a:schemeClr>
+          </a:lnRef>
+          <a:fillRef idx="1">
+            <a:schemeClr val="accent1"/>
+          </a:fillRef>
+          <a:effectRef idx="0">
+            <a:schemeClr val="accent1"/>
+          </a:effectRef>
+          <a:fontRef idx="minor">
+            <a:schemeClr val="lt1"/>
+          </a:fontRef>
+        </p:style>
+        <p:txBody>
+          <a:bodyPr rtlCol="0" anchor="ctr"/>
+          <a:lstStyle/>
+          <a:p>
+            <a:pPr algn="ctr"/>
+            <a:r>
+              <a:rPr kumimoji="1" lang="en-US" altLang="ko-KR" sz="1600" dirty="0">
+                <a:solidFill>
+                  <a:schemeClr val="tx1"/>
+                </a:solidFill>
+                <a:latin typeface="Cascadia Code" pitchFamily="49" charset="0"/>
+                <a:cs typeface="Cascadia Code" pitchFamily="49" charset="0"/>
+              </a:rPr>
+              <a:t>“Tom”</a:t>
+            </a:r>
+            <a:endParaRPr kumimoji="1" lang="ko-KR" altLang="en-US" sz="1600" dirty="0">
+              <a:solidFill>
+                <a:schemeClr val="tx1"/>
+              </a:solidFill>
+              <a:latin typeface="Cascadia Code" pitchFamily="49" charset="0"/>
+              <a:cs typeface="Cascadia Code" pitchFamily="49" charset="0"/>
+            </a:endParaRPr>
+          </a:p>
+        </p:txBody>
+      </p:sp>
+      <p:cxnSp>
+        <p:nvCxnSpPr>
+          <p:cNvPr id="13" name="구부러진 연결선[U] 12">
+            <a:extLst>
+              <a:ext uri="{FF2B5EF4-FFF2-40B4-BE49-F238E27FC236}">
+                <a16:creationId xmlns:a16="http://schemas.microsoft.com/office/drawing/2014/main" id="{2016A6E4-83DA-2C7A-6215-579B6CF803AE}"/>
+              </a:ext>
+            </a:extLst>
+          </p:cNvPr>
+          <p:cNvCxnSpPr>
+            <a:stCxn id="6" idx="3"/>
+            <a:endCxn id="11" idx="1"/>
+          </p:cNvCxnSpPr>
+          <p:nvPr/>
+        </p:nvCxnSpPr>
+        <p:spPr>
+          <a:xfrm>
+            <a:off x="8635770" y="1241367"/>
+            <a:ext cx="1357975" cy="542486"/>
+          </a:xfrm>
+          <a:prstGeom prst="curvedConnector3">
+            <a:avLst/>
+          </a:prstGeom>
+          <a:ln>
+            <a:tailEnd type="triangle"/>
+          </a:ln>
+        </p:spPr>
+        <p:style>
+          <a:lnRef idx="2">
+            <a:schemeClr val="dk1"/>
+          </a:lnRef>
+          <a:fillRef idx="0">
+            <a:schemeClr val="dk1"/>
+          </a:fillRef>
+          <a:effectRef idx="1">
+            <a:schemeClr val="dk1"/>
+          </a:effectRef>
+          <a:fontRef idx="minor">
+            <a:schemeClr val="tx1"/>
+          </a:fontRef>
+        </p:style>
+      </p:cxnSp>
+      <p:sp>
+        <p:nvSpPr>
+          <p:cNvPr id="14" name="직사각형 13">
+            <a:extLst>
+              <a:ext uri="{FF2B5EF4-FFF2-40B4-BE49-F238E27FC236}">
+                <a16:creationId xmlns:a16="http://schemas.microsoft.com/office/drawing/2014/main" id="{8121960E-0587-FA9C-9782-230DE330976D}"/>
+              </a:ext>
+            </a:extLst>
+          </p:cNvPr>
+          <p:cNvSpPr/>
+          <p:nvPr/>
+        </p:nvSpPr>
+        <p:spPr>
+          <a:xfrm>
+            <a:off x="7528330" y="2907701"/>
+            <a:ext cx="1120140" cy="610463"/>
+          </a:xfrm>
+          <a:prstGeom prst="rect">
+            <a:avLst/>
+          </a:prstGeom>
+          <a:solidFill>
+            <a:srgbClr val="FFFF00"/>
+          </a:solidFill>
+        </p:spPr>
+        <p:style>
+          <a:lnRef idx="2">
+            <a:schemeClr val="accent1">
+              <a:shade val="15000"/>
+            </a:schemeClr>
+          </a:lnRef>
+          <a:fillRef idx="1">
+            <a:schemeClr val="accent1"/>
+          </a:fillRef>
+          <a:effectRef idx="0">
+            <a:schemeClr val="accent1"/>
+          </a:effectRef>
+          <a:fontRef idx="minor">
+            <a:schemeClr val="lt1"/>
+          </a:fontRef>
+        </p:style>
+        <p:txBody>
+          <a:bodyPr rtlCol="0" anchor="ctr"/>
+          <a:lstStyle/>
+          <a:p>
+            <a:pPr algn="ctr"/>
+            <a:r>
+              <a:rPr kumimoji="1" lang="en-US" altLang="ko-KR" sz="1600" dirty="0">
+                <a:solidFill>
+                  <a:srgbClr val="FF0000"/>
+                </a:solidFill>
+                <a:latin typeface="Cascadia Code" pitchFamily="49" charset="0"/>
+                <a:cs typeface="Cascadia Code" pitchFamily="49" charset="0"/>
+              </a:rPr>
+              <a:t>0x100</a:t>
+            </a:r>
+            <a:endParaRPr kumimoji="1" lang="ko-KR" altLang="en-US" sz="1600" dirty="0">
+              <a:solidFill>
+                <a:srgbClr val="FF0000"/>
+              </a:solidFill>
+              <a:latin typeface="Cascadia Code" pitchFamily="49" charset="0"/>
+              <a:cs typeface="Cascadia Code" pitchFamily="49" charset="0"/>
+            </a:endParaRPr>
+          </a:p>
+        </p:txBody>
+      </p:sp>
+      <p:sp>
+        <p:nvSpPr>
+          <p:cNvPr id="15" name="TextBox 14">
+            <a:extLst>
+              <a:ext uri="{FF2B5EF4-FFF2-40B4-BE49-F238E27FC236}">
+                <a16:creationId xmlns:a16="http://schemas.microsoft.com/office/drawing/2014/main" id="{F45B89C1-404F-427A-847C-3C4B2B2E1F46}"/>
+              </a:ext>
+            </a:extLst>
+          </p:cNvPr>
+          <p:cNvSpPr txBox="1"/>
+          <p:nvPr/>
+        </p:nvSpPr>
+        <p:spPr>
+          <a:xfrm>
+            <a:off x="6819902" y="3043655"/>
+            <a:ext cx="677948" cy="338554"/>
+          </a:xfrm>
+          <a:prstGeom prst="rect">
+            <a:avLst/>
+          </a:prstGeom>
+          <a:noFill/>
+        </p:spPr>
+        <p:txBody>
+          <a:bodyPr wrap="square" rtlCol="0">
+            <a:spAutoFit/>
+          </a:bodyPr>
+          <a:lstStyle/>
+          <a:p>
+            <a:pPr algn="ctr"/>
+            <a:r>
+              <a:rPr kumimoji="1" lang="en-US" altLang="ko-KR" sz="1600" dirty="0">
+                <a:latin typeface="Cascadia Code" pitchFamily="49" charset="0"/>
+                <a:ea typeface="Cascadia Code" pitchFamily="49" charset="0"/>
+                <a:cs typeface="Cascadia Code" pitchFamily="49" charset="0"/>
+              </a:rPr>
+              <a:t>name</a:t>
+            </a:r>
+            <a:endParaRPr kumimoji="1" lang="ko-KR" altLang="en-US" sz="1600" dirty="0">
+              <a:latin typeface="Cascadia Code" pitchFamily="49" charset="0"/>
+              <a:ea typeface="Cascadia Code" pitchFamily="49" charset="0"/>
+              <a:cs typeface="Cascadia Code" pitchFamily="49" charset="0"/>
+            </a:endParaRPr>
+          </a:p>
+        </p:txBody>
+      </p:sp>
+      <p:sp>
+        <p:nvSpPr>
+          <p:cNvPr id="16" name="직사각형 15">
+            <a:extLst>
+              <a:ext uri="{FF2B5EF4-FFF2-40B4-BE49-F238E27FC236}">
+                <a16:creationId xmlns:a16="http://schemas.microsoft.com/office/drawing/2014/main" id="{B5A4A7BE-CC92-1F2C-41B5-53722B7BB5C6}"/>
+              </a:ext>
+            </a:extLst>
+          </p:cNvPr>
+          <p:cNvSpPr/>
+          <p:nvPr/>
+        </p:nvSpPr>
+        <p:spPr>
+          <a:xfrm>
+            <a:off x="7528330" y="3518164"/>
+            <a:ext cx="1120140" cy="610463"/>
+          </a:xfrm>
+          <a:prstGeom prst="rect">
+            <a:avLst/>
+          </a:prstGeom>
+          <a:solidFill>
+            <a:srgbClr val="FFFF00"/>
+          </a:solidFill>
+        </p:spPr>
+        <p:style>
+          <a:lnRef idx="2">
+            <a:schemeClr val="accent1">
+              <a:shade val="15000"/>
+            </a:schemeClr>
+          </a:lnRef>
+          <a:fillRef idx="1">
+            <a:schemeClr val="accent1"/>
+          </a:fillRef>
+          <a:effectRef idx="0">
+            <a:schemeClr val="accent1"/>
+          </a:effectRef>
+          <a:fontRef idx="minor">
+            <a:schemeClr val="lt1"/>
+          </a:fontRef>
+        </p:style>
+        <p:txBody>
+          <a:bodyPr rtlCol="0" anchor="ctr"/>
+          <a:lstStyle/>
+          <a:p>
+            <a:pPr algn="ctr"/>
+            <a:r>
+              <a:rPr kumimoji="1" lang="en-US" altLang="ko-KR" sz="1600" dirty="0">
+                <a:solidFill>
+                  <a:srgbClr val="FF0000"/>
+                </a:solidFill>
+                <a:latin typeface="Cascadia Code" pitchFamily="49" charset="0"/>
+                <a:cs typeface="Cascadia Code" pitchFamily="49" charset="0"/>
+              </a:rPr>
+              <a:t>42</a:t>
+            </a:r>
+            <a:endParaRPr kumimoji="1" lang="ko-KR" altLang="en-US" sz="1600" dirty="0">
+              <a:solidFill>
+                <a:srgbClr val="FF0000"/>
+              </a:solidFill>
+              <a:latin typeface="Cascadia Code" pitchFamily="49" charset="0"/>
+              <a:cs typeface="Cascadia Code" pitchFamily="49" charset="0"/>
+            </a:endParaRPr>
+          </a:p>
+        </p:txBody>
+      </p:sp>
+      <p:sp>
+        <p:nvSpPr>
+          <p:cNvPr id="17" name="TextBox 16">
+            <a:extLst>
+              <a:ext uri="{FF2B5EF4-FFF2-40B4-BE49-F238E27FC236}">
+                <a16:creationId xmlns:a16="http://schemas.microsoft.com/office/drawing/2014/main" id="{D5AB620C-140A-C256-FCFB-2B6962735EEB}"/>
+              </a:ext>
+            </a:extLst>
+          </p:cNvPr>
+          <p:cNvSpPr txBox="1"/>
+          <p:nvPr/>
+        </p:nvSpPr>
+        <p:spPr>
+          <a:xfrm>
+            <a:off x="6939975" y="3654118"/>
+            <a:ext cx="557875" cy="338554"/>
+          </a:xfrm>
+          <a:prstGeom prst="rect">
+            <a:avLst/>
+          </a:prstGeom>
+          <a:noFill/>
+        </p:spPr>
+        <p:txBody>
+          <a:bodyPr wrap="square" rtlCol="0">
+            <a:spAutoFit/>
+          </a:bodyPr>
+          <a:lstStyle/>
+          <a:p>
+            <a:pPr algn="ctr"/>
+            <a:r>
+              <a:rPr kumimoji="1" lang="en-US" altLang="ko-KR" sz="1600" dirty="0">
+                <a:latin typeface="Cascadia Code" pitchFamily="49" charset="0"/>
+                <a:ea typeface="Cascadia Code" pitchFamily="49" charset="0"/>
+                <a:cs typeface="Cascadia Code" pitchFamily="49" charset="0"/>
+              </a:rPr>
+              <a:t>age</a:t>
+            </a:r>
+            <a:endParaRPr kumimoji="1" lang="ko-KR" altLang="en-US" sz="1600" dirty="0">
+              <a:latin typeface="Cascadia Code" pitchFamily="49" charset="0"/>
+              <a:ea typeface="Cascadia Code" pitchFamily="49" charset="0"/>
+              <a:cs typeface="Cascadia Code" pitchFamily="49" charset="0"/>
+            </a:endParaRPr>
+          </a:p>
+        </p:txBody>
+      </p:sp>
+      <p:sp>
+        <p:nvSpPr>
+          <p:cNvPr id="18" name="TextBox 17">
+            <a:extLst>
+              <a:ext uri="{FF2B5EF4-FFF2-40B4-BE49-F238E27FC236}">
+                <a16:creationId xmlns:a16="http://schemas.microsoft.com/office/drawing/2014/main" id="{89E6F758-C939-C501-FA37-B7329B4E8500}"/>
+              </a:ext>
+            </a:extLst>
+          </p:cNvPr>
+          <p:cNvSpPr txBox="1"/>
+          <p:nvPr/>
+        </p:nvSpPr>
+        <p:spPr>
+          <a:xfrm>
+            <a:off x="7635241" y="2512599"/>
+            <a:ext cx="906317" cy="369332"/>
+          </a:xfrm>
+          <a:prstGeom prst="rect">
+            <a:avLst/>
+          </a:prstGeom>
+          <a:noFill/>
+        </p:spPr>
+        <p:txBody>
+          <a:bodyPr wrap="square">
+            <a:spAutoFit/>
+          </a:bodyPr>
+          <a:lstStyle/>
+          <a:p>
+            <a:pPr algn="ctr"/>
+            <a:r>
+              <a:rPr lang="en-US" altLang="ko-KR" dirty="0">
+                <a:latin typeface="Cascadia Code" pitchFamily="49" charset="0"/>
+                <a:cs typeface="Cascadia Code" pitchFamily="49" charset="0"/>
+              </a:rPr>
+              <a:t>other</a:t>
+            </a:r>
+            <a:endParaRPr lang="ko-KR" altLang="en-US" dirty="0"/>
+          </a:p>
+        </p:txBody>
+      </p:sp>
+      <p:cxnSp>
+        <p:nvCxnSpPr>
+          <p:cNvPr id="19" name="구부러진 연결선[U] 18">
+            <a:extLst>
+              <a:ext uri="{FF2B5EF4-FFF2-40B4-BE49-F238E27FC236}">
+                <a16:creationId xmlns:a16="http://schemas.microsoft.com/office/drawing/2014/main" id="{E0FA6B69-A629-757F-739E-36B3FDBB2B38}"/>
+              </a:ext>
+            </a:extLst>
+          </p:cNvPr>
+          <p:cNvCxnSpPr>
+            <a:cxnSpLocks/>
+            <a:stCxn id="14" idx="3"/>
+            <a:endCxn id="11" idx="1"/>
+          </p:cNvCxnSpPr>
+          <p:nvPr/>
+        </p:nvCxnSpPr>
+        <p:spPr>
+          <a:xfrm flipV="1">
+            <a:off x="8648470" y="1783853"/>
+            <a:ext cx="1345275" cy="1429080"/>
+          </a:xfrm>
+          <a:prstGeom prst="curvedConnector3">
+            <a:avLst/>
+          </a:prstGeom>
+          <a:ln>
+            <a:tailEnd type="triangle"/>
+          </a:ln>
+        </p:spPr>
+        <p:style>
+          <a:lnRef idx="2">
+            <a:schemeClr val="dk1"/>
+          </a:lnRef>
+          <a:fillRef idx="0">
+            <a:schemeClr val="dk1"/>
+          </a:fillRef>
+          <a:effectRef idx="1">
+            <a:schemeClr val="dk1"/>
+          </a:effectRef>
+          <a:fontRef idx="minor">
+            <a:schemeClr val="tx1"/>
+          </a:fontRef>
+        </p:style>
+      </p:cxnSp>
+    </p:spTree>
+    <p:extLst>
+      <p:ext uri="{BB962C8B-B14F-4D97-AF65-F5344CB8AC3E}">
+        <p14:creationId xmlns:p14="http://schemas.microsoft.com/office/powerpoint/2010/main" val="1589676975"/>
+      </p:ext>
+    </p:extLst>
+  </p:cSld>
+  <p:clrMapOvr>
+    <a:masterClrMapping/>
+  </p:clrMapOvr>
+</p:sld>
+</file>
+
+<file path=ppt/slides/slide29.xml><?xml version="1.0" encoding="utf-8"?>
+<p:sld xmlns:a="http://schemas.openxmlformats.org/drawingml/2006/main" xmlns:r="http://schemas.openxmlformats.org/officeDocument/2006/relationships" xmlns:p="http://schemas.openxmlformats.org/presentationml/2006/main">
+  <p:cSld>
+    <p:spTree>
+      <p:nvGrpSpPr>
+        <p:cNvPr id="1" name=""/>
+        <p:cNvGrpSpPr/>
+        <p:nvPr/>
+      </p:nvGrpSpPr>
+      <p:grpSpPr>
+        <a:xfrm>
+          <a:off x="0" y="0"/>
+          <a:ext cx="0" cy="0"/>
+          <a:chOff x="0" y="0"/>
+          <a:chExt cx="0" cy="0"/>
+        </a:xfrm>
+      </p:grpSpPr>
+      <p:sp>
+        <p:nvSpPr>
+          <p:cNvPr id="5" name="TextBox 4">
+            <a:extLst>
+              <a:ext uri="{FF2B5EF4-FFF2-40B4-BE49-F238E27FC236}">
+                <a16:creationId xmlns:a16="http://schemas.microsoft.com/office/drawing/2014/main" id="{18B6C708-21AD-7581-BFE3-DE7C1075C89B}"/>
+              </a:ext>
+            </a:extLst>
+          </p:cNvPr>
+          <p:cNvSpPr txBox="1"/>
+          <p:nvPr/>
+        </p:nvSpPr>
+        <p:spPr>
+          <a:xfrm>
+            <a:off x="406400" y="302076"/>
+            <a:ext cx="4922982" cy="4278094"/>
+          </a:xfrm>
+          <a:prstGeom prst="rect">
+            <a:avLst/>
+          </a:prstGeom>
+          <a:noFill/>
+        </p:spPr>
+        <p:txBody>
+          <a:bodyPr wrap="square">
+            <a:spAutoFit/>
+          </a:bodyPr>
+          <a:lstStyle/>
+          <a:p>
+            <a:r>
+              <a:rPr lang="en-US" altLang="ko-KR" sz="1600" dirty="0">
+                <a:latin typeface="Cascadia Code" pitchFamily="49" charset="0"/>
+                <a:cs typeface="Cascadia Code" pitchFamily="49" charset="0"/>
+              </a:rPr>
+              <a:t>User(const User&amp; </a:t>
+            </a:r>
+            <a:r>
+              <a:rPr lang="en-US" altLang="ko-KR" sz="1600" dirty="0" err="1">
+                <a:latin typeface="Cascadia Code" pitchFamily="49" charset="0"/>
+                <a:cs typeface="Cascadia Code" pitchFamily="49" charset="0"/>
+              </a:rPr>
+              <a:t>rhs</a:t>
+            </a:r>
+            <a:r>
+              <a:rPr lang="en-US" altLang="ko-KR" sz="1600" dirty="0">
+                <a:latin typeface="Cascadia Code" pitchFamily="49" charset="0"/>
+                <a:cs typeface="Cascadia Code" pitchFamily="49" charset="0"/>
+              </a:rPr>
+              <a:t>)</a:t>
+            </a:r>
+          </a:p>
+          <a:p>
+            <a:r>
+              <a:rPr lang="en-US" altLang="ko-KR" sz="1600" dirty="0">
+                <a:latin typeface="Cascadia Code" pitchFamily="49" charset="0"/>
+                <a:cs typeface="Cascadia Code" pitchFamily="49" charset="0"/>
+              </a:rPr>
+              <a:t>        : name { </a:t>
+            </a:r>
+            <a:r>
+              <a:rPr lang="en-US" altLang="ko-KR" sz="1600" dirty="0" err="1">
+                <a:latin typeface="Cascadia Code" pitchFamily="49" charset="0"/>
+                <a:cs typeface="Cascadia Code" pitchFamily="49" charset="0"/>
+              </a:rPr>
+              <a:t>rhs.name</a:t>
+            </a:r>
+            <a:r>
+              <a:rPr lang="en-US" altLang="ko-KR" sz="1600" dirty="0">
+                <a:latin typeface="Cascadia Code" pitchFamily="49" charset="0"/>
+                <a:cs typeface="Cascadia Code" pitchFamily="49" charset="0"/>
+              </a:rPr>
+              <a:t> }</a:t>
+            </a:r>
+          </a:p>
+          <a:p>
+            <a:r>
+              <a:rPr lang="en-US" altLang="ko-KR" sz="1600" dirty="0">
+                <a:latin typeface="Cascadia Code" pitchFamily="49" charset="0"/>
+                <a:cs typeface="Cascadia Code" pitchFamily="49" charset="0"/>
+              </a:rPr>
+              <a:t>        , age { </a:t>
+            </a:r>
+            <a:r>
+              <a:rPr lang="en-US" altLang="ko-KR" sz="1600" dirty="0" err="1">
+                <a:latin typeface="Cascadia Code" pitchFamily="49" charset="0"/>
+                <a:cs typeface="Cascadia Code" pitchFamily="49" charset="0"/>
+              </a:rPr>
+              <a:t>rhs.age</a:t>
+            </a:r>
+            <a:r>
+              <a:rPr lang="en-US" altLang="ko-KR" sz="1600" dirty="0">
+                <a:latin typeface="Cascadia Code" pitchFamily="49" charset="0"/>
+                <a:cs typeface="Cascadia Code" pitchFamily="49" charset="0"/>
+              </a:rPr>
+              <a:t> }</a:t>
+            </a:r>
+          </a:p>
+          <a:p>
+            <a:r>
+              <a:rPr lang="en-US" altLang="ko-KR" sz="1600" dirty="0">
+                <a:latin typeface="Cascadia Code" pitchFamily="49" charset="0"/>
+                <a:cs typeface="Cascadia Code" pitchFamily="49" charset="0"/>
+              </a:rPr>
+              <a:t>{</a:t>
+            </a:r>
+          </a:p>
+          <a:p>
+            <a:r>
+              <a:rPr lang="en-US" altLang="ko-KR" sz="1600" dirty="0">
+                <a:latin typeface="Cascadia Code" pitchFamily="49" charset="0"/>
+                <a:cs typeface="Cascadia Code" pitchFamily="49" charset="0"/>
+              </a:rPr>
+              <a:t>}</a:t>
+            </a:r>
+          </a:p>
+          <a:p>
+            <a:endParaRPr lang="en-US" altLang="ko-KR" sz="1600" dirty="0">
+              <a:latin typeface="Cascadia Code" pitchFamily="49" charset="0"/>
+              <a:cs typeface="Cascadia Code" pitchFamily="49" charset="0"/>
+            </a:endParaRPr>
+          </a:p>
+          <a:p>
+            <a:r>
+              <a:rPr lang="ko-KR" altLang="en-US" sz="1600" dirty="0">
+                <a:latin typeface="Cascadia Code" pitchFamily="49" charset="0"/>
+                <a:cs typeface="Cascadia Code" pitchFamily="49" charset="0"/>
+              </a:rPr>
+              <a:t>~</a:t>
+            </a:r>
+            <a:r>
+              <a:rPr lang="ko-KR" altLang="en-US" sz="1600" dirty="0" err="1">
+                <a:latin typeface="Cascadia Code" pitchFamily="49" charset="0"/>
+                <a:cs typeface="Cascadia Code" pitchFamily="49" charset="0"/>
+              </a:rPr>
+              <a:t>User</a:t>
+            </a:r>
+            <a:r>
+              <a:rPr lang="ko-KR" altLang="en-US" sz="1600" dirty="0">
+                <a:latin typeface="Cascadia Code" pitchFamily="49" charset="0"/>
+                <a:cs typeface="Cascadia Code" pitchFamily="49" charset="0"/>
+              </a:rPr>
+              <a:t>()</a:t>
+            </a:r>
+          </a:p>
+          <a:p>
+            <a:r>
+              <a:rPr lang="ko-KR" altLang="en-US" sz="1600" dirty="0">
+                <a:latin typeface="Cascadia Code" pitchFamily="49" charset="0"/>
+                <a:cs typeface="Cascadia Code" pitchFamily="49" charset="0"/>
+              </a:rPr>
+              <a:t>{</a:t>
+            </a:r>
+          </a:p>
+          <a:p>
+            <a:r>
+              <a:rPr lang="ko-KR" altLang="en-US" sz="1600" dirty="0">
+                <a:solidFill>
+                  <a:srgbClr val="FF0000"/>
+                </a:solidFill>
+                <a:latin typeface="Cascadia Code" pitchFamily="49" charset="0"/>
+                <a:cs typeface="Cascadia Code" pitchFamily="49" charset="0"/>
+              </a:rPr>
+              <a:t>       </a:t>
+            </a:r>
+            <a:r>
+              <a:rPr lang="ko-KR" altLang="en-US" sz="1600" dirty="0" err="1">
+                <a:solidFill>
+                  <a:srgbClr val="FF0000"/>
+                </a:solidFill>
+                <a:latin typeface="Cascadia Code" pitchFamily="49" charset="0"/>
+                <a:cs typeface="Cascadia Code" pitchFamily="49" charset="0"/>
+              </a:rPr>
+              <a:t>delete</a:t>
+            </a:r>
+            <a:r>
+              <a:rPr lang="ko-KR" altLang="en-US" sz="1600" dirty="0">
+                <a:solidFill>
+                  <a:srgbClr val="FF0000"/>
+                </a:solidFill>
+                <a:latin typeface="Cascadia Code" pitchFamily="49" charset="0"/>
+                <a:cs typeface="Cascadia Code" pitchFamily="49" charset="0"/>
+              </a:rPr>
+              <a:t>[] </a:t>
+            </a:r>
+            <a:r>
+              <a:rPr lang="ko-KR" altLang="en-US" sz="1600" dirty="0" err="1">
+                <a:solidFill>
+                  <a:srgbClr val="FF0000"/>
+                </a:solidFill>
+                <a:latin typeface="Cascadia Code" pitchFamily="49" charset="0"/>
+                <a:cs typeface="Cascadia Code" pitchFamily="49" charset="0"/>
+              </a:rPr>
+              <a:t>name</a:t>
+            </a:r>
+            <a:r>
+              <a:rPr lang="ko-KR" altLang="en-US" sz="1600" dirty="0">
+                <a:solidFill>
+                  <a:srgbClr val="FF0000"/>
+                </a:solidFill>
+                <a:latin typeface="Cascadia Code" pitchFamily="49" charset="0"/>
+                <a:cs typeface="Cascadia Code" pitchFamily="49" charset="0"/>
+              </a:rPr>
+              <a:t>;</a:t>
+            </a:r>
+          </a:p>
+          <a:p>
+            <a:r>
+              <a:rPr lang="ko-KR" altLang="en-US" sz="1600" dirty="0">
+                <a:latin typeface="Cascadia Code" pitchFamily="49" charset="0"/>
+                <a:cs typeface="Cascadia Code" pitchFamily="49" charset="0"/>
+              </a:rPr>
+              <a:t>}</a:t>
+            </a:r>
+            <a:endParaRPr lang="en-US" altLang="ko-KR" sz="1600" dirty="0">
+              <a:latin typeface="Cascadia Code" pitchFamily="49" charset="0"/>
+              <a:cs typeface="Cascadia Code" pitchFamily="49" charset="0"/>
+            </a:endParaRPr>
+          </a:p>
+          <a:p>
+            <a:endParaRPr lang="en-US" altLang="ko-KR" sz="1600" dirty="0">
+              <a:latin typeface="Cascadia Code" pitchFamily="49" charset="0"/>
+              <a:cs typeface="Cascadia Code" pitchFamily="49" charset="0"/>
+            </a:endParaRPr>
+          </a:p>
+          <a:p>
+            <a:endParaRPr lang="ko-KR" altLang="en-US" sz="1600" dirty="0">
+              <a:latin typeface="Cascadia Code" pitchFamily="49" charset="0"/>
+              <a:cs typeface="Cascadia Code" pitchFamily="49" charset="0"/>
+            </a:endParaRPr>
+          </a:p>
+          <a:p>
+            <a:r>
+              <a:rPr lang="ko-KR" altLang="en-US" sz="1600" dirty="0" err="1">
+                <a:latin typeface="Cascadia Code" pitchFamily="49" charset="0"/>
+                <a:cs typeface="Cascadia Code" pitchFamily="49" charset="0"/>
+              </a:rPr>
+              <a:t>int</a:t>
+            </a:r>
+            <a:r>
+              <a:rPr lang="ko-KR" altLang="en-US" sz="1600" dirty="0">
+                <a:latin typeface="Cascadia Code" pitchFamily="49" charset="0"/>
+                <a:cs typeface="Cascadia Code" pitchFamily="49" charset="0"/>
+              </a:rPr>
+              <a:t> </a:t>
+            </a:r>
+            <a:r>
+              <a:rPr lang="ko-KR" altLang="en-US" sz="1600" dirty="0" err="1">
+                <a:latin typeface="Cascadia Code" pitchFamily="49" charset="0"/>
+                <a:cs typeface="Cascadia Code" pitchFamily="49" charset="0"/>
+              </a:rPr>
+              <a:t>main</a:t>
+            </a:r>
+            <a:r>
+              <a:rPr lang="ko-KR" altLang="en-US" sz="1600" dirty="0">
+                <a:latin typeface="Cascadia Code" pitchFamily="49" charset="0"/>
+                <a:cs typeface="Cascadia Code" pitchFamily="49" charset="0"/>
+              </a:rPr>
+              <a:t>()</a:t>
+            </a:r>
+          </a:p>
+          <a:p>
+            <a:r>
+              <a:rPr lang="ko-KR" altLang="en-US" sz="1600" dirty="0">
+                <a:latin typeface="Cascadia Code" pitchFamily="49" charset="0"/>
+                <a:cs typeface="Cascadia Code" pitchFamily="49" charset="0"/>
+              </a:rPr>
+              <a:t>{</a:t>
+            </a:r>
+          </a:p>
+          <a:p>
+            <a:r>
+              <a:rPr lang="ko-KR" altLang="en-US" sz="1600" dirty="0">
+                <a:latin typeface="Cascadia Code" pitchFamily="49" charset="0"/>
+                <a:cs typeface="Cascadia Code" pitchFamily="49" charset="0"/>
+              </a:rPr>
+              <a:t>    </a:t>
+            </a:r>
+            <a:r>
+              <a:rPr lang="ko-KR" altLang="en-US" sz="1600" dirty="0" err="1">
+                <a:latin typeface="Cascadia Code" pitchFamily="49" charset="0"/>
+                <a:cs typeface="Cascadia Code" pitchFamily="49" charset="0"/>
+              </a:rPr>
+              <a:t>User</a:t>
+            </a:r>
+            <a:r>
+              <a:rPr lang="ko-KR" altLang="en-US" sz="1600" dirty="0">
+                <a:latin typeface="Cascadia Code" pitchFamily="49" charset="0"/>
+                <a:cs typeface="Cascadia Code" pitchFamily="49" charset="0"/>
+              </a:rPr>
+              <a:t> </a:t>
+            </a:r>
+            <a:r>
+              <a:rPr lang="ko-KR" altLang="en-US" sz="1600" dirty="0" err="1">
+                <a:latin typeface="Cascadia Code" pitchFamily="49" charset="0"/>
+                <a:cs typeface="Cascadia Code" pitchFamily="49" charset="0"/>
+              </a:rPr>
+              <a:t>user</a:t>
+            </a:r>
+            <a:r>
+              <a:rPr lang="ko-KR" altLang="en-US" sz="1600" dirty="0">
+                <a:latin typeface="Cascadia Code" pitchFamily="49" charset="0"/>
+                <a:cs typeface="Cascadia Code" pitchFamily="49" charset="0"/>
+              </a:rPr>
+              <a:t> { "</a:t>
+            </a:r>
+            <a:r>
+              <a:rPr lang="ko-KR" altLang="en-US" sz="1600" dirty="0" err="1">
+                <a:latin typeface="Cascadia Code" pitchFamily="49" charset="0"/>
+                <a:cs typeface="Cascadia Code" pitchFamily="49" charset="0"/>
+              </a:rPr>
+              <a:t>Tom</a:t>
+            </a:r>
+            <a:r>
+              <a:rPr lang="ko-KR" altLang="en-US" sz="1600" dirty="0">
+                <a:latin typeface="Cascadia Code" pitchFamily="49" charset="0"/>
+                <a:cs typeface="Cascadia Code" pitchFamily="49" charset="0"/>
+              </a:rPr>
+              <a:t>", 42 };</a:t>
+            </a:r>
+          </a:p>
+          <a:p>
+            <a:r>
+              <a:rPr lang="ko-KR" altLang="en-US" sz="1600" dirty="0">
+                <a:solidFill>
+                  <a:srgbClr val="FF0000"/>
+                </a:solidFill>
+                <a:latin typeface="Cascadia Code" pitchFamily="49" charset="0"/>
+                <a:cs typeface="Cascadia Code" pitchFamily="49" charset="0"/>
+              </a:rPr>
+              <a:t>    </a:t>
+            </a:r>
+            <a:r>
+              <a:rPr lang="ko-KR" altLang="en-US" sz="1600" dirty="0" err="1">
+                <a:solidFill>
+                  <a:srgbClr val="FF0000"/>
+                </a:solidFill>
+                <a:latin typeface="Cascadia Code" pitchFamily="49" charset="0"/>
+                <a:cs typeface="Cascadia Code" pitchFamily="49" charset="0"/>
+              </a:rPr>
+              <a:t>User</a:t>
+            </a:r>
+            <a:r>
+              <a:rPr lang="ko-KR" altLang="en-US" sz="1600" dirty="0">
+                <a:solidFill>
+                  <a:srgbClr val="FF0000"/>
+                </a:solidFill>
+                <a:latin typeface="Cascadia Code" pitchFamily="49" charset="0"/>
+                <a:cs typeface="Cascadia Code" pitchFamily="49" charset="0"/>
+              </a:rPr>
+              <a:t> </a:t>
+            </a:r>
+            <a:r>
+              <a:rPr lang="ko-KR" altLang="en-US" sz="1600" dirty="0" err="1">
+                <a:solidFill>
+                  <a:srgbClr val="FF0000"/>
+                </a:solidFill>
+                <a:latin typeface="Cascadia Code" pitchFamily="49" charset="0"/>
+                <a:cs typeface="Cascadia Code" pitchFamily="49" charset="0"/>
+              </a:rPr>
+              <a:t>other</a:t>
+            </a:r>
+            <a:r>
+              <a:rPr lang="ko-KR" altLang="en-US" sz="1600" dirty="0">
+                <a:solidFill>
+                  <a:srgbClr val="FF0000"/>
+                </a:solidFill>
+                <a:latin typeface="Cascadia Code" pitchFamily="49" charset="0"/>
+                <a:cs typeface="Cascadia Code" pitchFamily="49" charset="0"/>
+              </a:rPr>
+              <a:t> { </a:t>
+            </a:r>
+            <a:r>
+              <a:rPr lang="ko-KR" altLang="en-US" sz="1600" dirty="0" err="1">
+                <a:solidFill>
+                  <a:srgbClr val="FF0000"/>
+                </a:solidFill>
+                <a:latin typeface="Cascadia Code" pitchFamily="49" charset="0"/>
+                <a:cs typeface="Cascadia Code" pitchFamily="49" charset="0"/>
+              </a:rPr>
+              <a:t>user</a:t>
+            </a:r>
+            <a:r>
+              <a:rPr lang="ko-KR" altLang="en-US" sz="1600" dirty="0">
+                <a:solidFill>
+                  <a:srgbClr val="FF0000"/>
+                </a:solidFill>
+                <a:latin typeface="Cascadia Code" pitchFamily="49" charset="0"/>
+                <a:cs typeface="Cascadia Code" pitchFamily="49" charset="0"/>
+              </a:rPr>
+              <a:t> };</a:t>
+            </a:r>
+          </a:p>
+          <a:p>
+            <a:r>
+              <a:rPr lang="ko-KR" altLang="en-US" sz="1600" dirty="0">
+                <a:latin typeface="Cascadia Code" pitchFamily="49" charset="0"/>
+                <a:cs typeface="Cascadia Code" pitchFamily="49" charset="0"/>
+              </a:rPr>
+              <a:t>}</a:t>
+            </a:r>
+          </a:p>
+        </p:txBody>
+      </p:sp>
+      <p:sp>
+        <p:nvSpPr>
+          <p:cNvPr id="6" name="직사각형 5">
+            <a:extLst>
+              <a:ext uri="{FF2B5EF4-FFF2-40B4-BE49-F238E27FC236}">
+                <a16:creationId xmlns:a16="http://schemas.microsoft.com/office/drawing/2014/main" id="{86325650-4E19-E736-B1CB-78EA4E1BEF14}"/>
+              </a:ext>
+            </a:extLst>
+          </p:cNvPr>
+          <p:cNvSpPr/>
+          <p:nvPr/>
+        </p:nvSpPr>
+        <p:spPr>
+          <a:xfrm>
+            <a:off x="7515630" y="936135"/>
+            <a:ext cx="1120140" cy="610463"/>
+          </a:xfrm>
+          <a:prstGeom prst="rect">
+            <a:avLst/>
+          </a:prstGeom>
+          <a:solidFill>
+            <a:srgbClr val="FFFF00"/>
+          </a:solidFill>
+        </p:spPr>
+        <p:style>
+          <a:lnRef idx="2">
+            <a:schemeClr val="accent1">
+              <a:shade val="15000"/>
+            </a:schemeClr>
+          </a:lnRef>
+          <a:fillRef idx="1">
+            <a:schemeClr val="accent1"/>
+          </a:fillRef>
+          <a:effectRef idx="0">
+            <a:schemeClr val="accent1"/>
+          </a:effectRef>
+          <a:fontRef idx="minor">
+            <a:schemeClr val="lt1"/>
+          </a:fontRef>
+        </p:style>
+        <p:txBody>
+          <a:bodyPr rtlCol="0" anchor="ctr"/>
+          <a:lstStyle/>
+          <a:p>
+            <a:pPr algn="ctr"/>
+            <a:r>
+              <a:rPr kumimoji="1" lang="en-US" altLang="ko-KR" sz="1600" dirty="0">
+                <a:solidFill>
+                  <a:schemeClr val="tx1"/>
+                </a:solidFill>
+                <a:latin typeface="Cascadia Code" pitchFamily="49" charset="0"/>
+                <a:cs typeface="Cascadia Code" pitchFamily="49" charset="0"/>
+              </a:rPr>
+              <a:t>0x100</a:t>
+            </a:r>
+            <a:endParaRPr kumimoji="1" lang="ko-KR" altLang="en-US" sz="1600" dirty="0">
+              <a:solidFill>
+                <a:schemeClr val="tx1"/>
+              </a:solidFill>
+              <a:latin typeface="Cascadia Code" pitchFamily="49" charset="0"/>
+              <a:cs typeface="Cascadia Code" pitchFamily="49" charset="0"/>
+            </a:endParaRPr>
+          </a:p>
+        </p:txBody>
+      </p:sp>
+      <p:sp>
+        <p:nvSpPr>
+          <p:cNvPr id="7" name="TextBox 6">
+            <a:extLst>
+              <a:ext uri="{FF2B5EF4-FFF2-40B4-BE49-F238E27FC236}">
+                <a16:creationId xmlns:a16="http://schemas.microsoft.com/office/drawing/2014/main" id="{C65D11FB-A63A-F2E5-6956-F1ABAE008627}"/>
+              </a:ext>
+            </a:extLst>
+          </p:cNvPr>
+          <p:cNvSpPr txBox="1"/>
+          <p:nvPr/>
+        </p:nvSpPr>
+        <p:spPr>
+          <a:xfrm>
+            <a:off x="6807202" y="1072089"/>
+            <a:ext cx="677948" cy="338554"/>
+          </a:xfrm>
+          <a:prstGeom prst="rect">
+            <a:avLst/>
+          </a:prstGeom>
+          <a:noFill/>
+        </p:spPr>
+        <p:txBody>
+          <a:bodyPr wrap="square" rtlCol="0">
+            <a:spAutoFit/>
+          </a:bodyPr>
+          <a:lstStyle/>
+          <a:p>
+            <a:pPr algn="ctr"/>
+            <a:r>
+              <a:rPr kumimoji="1" lang="en-US" altLang="ko-KR" sz="1600" dirty="0">
+                <a:latin typeface="Cascadia Code" pitchFamily="49" charset="0"/>
+                <a:ea typeface="Cascadia Code" pitchFamily="49" charset="0"/>
+                <a:cs typeface="Cascadia Code" pitchFamily="49" charset="0"/>
+              </a:rPr>
+              <a:t>name</a:t>
+            </a:r>
+            <a:endParaRPr kumimoji="1" lang="ko-KR" altLang="en-US" sz="1600" dirty="0">
+              <a:latin typeface="Cascadia Code" pitchFamily="49" charset="0"/>
+              <a:ea typeface="Cascadia Code" pitchFamily="49" charset="0"/>
+              <a:cs typeface="Cascadia Code" pitchFamily="49" charset="0"/>
+            </a:endParaRPr>
+          </a:p>
+        </p:txBody>
+      </p:sp>
+      <p:sp>
+        <p:nvSpPr>
+          <p:cNvPr id="8" name="직사각형 7">
+            <a:extLst>
+              <a:ext uri="{FF2B5EF4-FFF2-40B4-BE49-F238E27FC236}">
+                <a16:creationId xmlns:a16="http://schemas.microsoft.com/office/drawing/2014/main" id="{B20E6156-15E8-B73E-EB16-ECEB9B07D0DA}"/>
+              </a:ext>
+            </a:extLst>
+          </p:cNvPr>
+          <p:cNvSpPr/>
+          <p:nvPr/>
+        </p:nvSpPr>
+        <p:spPr>
+          <a:xfrm>
+            <a:off x="7515630" y="1546598"/>
+            <a:ext cx="1120140" cy="610463"/>
+          </a:xfrm>
+          <a:prstGeom prst="rect">
+            <a:avLst/>
+          </a:prstGeom>
+          <a:solidFill>
+            <a:srgbClr val="FFFF00"/>
+          </a:solidFill>
+        </p:spPr>
+        <p:style>
+          <a:lnRef idx="2">
+            <a:schemeClr val="accent1">
+              <a:shade val="15000"/>
+            </a:schemeClr>
+          </a:lnRef>
+          <a:fillRef idx="1">
+            <a:schemeClr val="accent1"/>
+          </a:fillRef>
+          <a:effectRef idx="0">
+            <a:schemeClr val="accent1"/>
+          </a:effectRef>
+          <a:fontRef idx="minor">
+            <a:schemeClr val="lt1"/>
+          </a:fontRef>
+        </p:style>
+        <p:txBody>
+          <a:bodyPr rtlCol="0" anchor="ctr"/>
+          <a:lstStyle/>
+          <a:p>
+            <a:pPr algn="ctr"/>
+            <a:r>
+              <a:rPr kumimoji="1" lang="en-US" altLang="ko-KR" sz="1600" dirty="0">
+                <a:solidFill>
+                  <a:schemeClr val="tx1"/>
+                </a:solidFill>
+                <a:latin typeface="Cascadia Code" pitchFamily="49" charset="0"/>
+                <a:cs typeface="Cascadia Code" pitchFamily="49" charset="0"/>
+              </a:rPr>
+              <a:t>42</a:t>
+            </a:r>
+            <a:endParaRPr kumimoji="1" lang="ko-KR" altLang="en-US" sz="1600" dirty="0">
+              <a:solidFill>
+                <a:schemeClr val="tx1"/>
+              </a:solidFill>
+              <a:latin typeface="Cascadia Code" pitchFamily="49" charset="0"/>
+              <a:cs typeface="Cascadia Code" pitchFamily="49" charset="0"/>
+            </a:endParaRPr>
+          </a:p>
+        </p:txBody>
+      </p:sp>
+      <p:sp>
+        <p:nvSpPr>
+          <p:cNvPr id="9" name="TextBox 8">
+            <a:extLst>
+              <a:ext uri="{FF2B5EF4-FFF2-40B4-BE49-F238E27FC236}">
+                <a16:creationId xmlns:a16="http://schemas.microsoft.com/office/drawing/2014/main" id="{55DE0C4D-1C6C-E4AE-AD8D-6431FD2F7AD1}"/>
+              </a:ext>
+            </a:extLst>
+          </p:cNvPr>
+          <p:cNvSpPr txBox="1"/>
+          <p:nvPr/>
+        </p:nvSpPr>
+        <p:spPr>
+          <a:xfrm>
+            <a:off x="6927275" y="1682552"/>
+            <a:ext cx="557875" cy="338554"/>
+          </a:xfrm>
+          <a:prstGeom prst="rect">
+            <a:avLst/>
+          </a:prstGeom>
+          <a:noFill/>
+        </p:spPr>
+        <p:txBody>
+          <a:bodyPr wrap="square" rtlCol="0">
+            <a:spAutoFit/>
+          </a:bodyPr>
+          <a:lstStyle/>
+          <a:p>
+            <a:pPr algn="ctr"/>
+            <a:r>
+              <a:rPr kumimoji="1" lang="en-US" altLang="ko-KR" sz="1600" dirty="0">
+                <a:latin typeface="Cascadia Code" pitchFamily="49" charset="0"/>
+                <a:ea typeface="Cascadia Code" pitchFamily="49" charset="0"/>
+                <a:cs typeface="Cascadia Code" pitchFamily="49" charset="0"/>
+              </a:rPr>
+              <a:t>age</a:t>
+            </a:r>
+            <a:endParaRPr kumimoji="1" lang="ko-KR" altLang="en-US" sz="1600" dirty="0">
+              <a:latin typeface="Cascadia Code" pitchFamily="49" charset="0"/>
+              <a:ea typeface="Cascadia Code" pitchFamily="49" charset="0"/>
+              <a:cs typeface="Cascadia Code" pitchFamily="49" charset="0"/>
+            </a:endParaRPr>
+          </a:p>
+        </p:txBody>
+      </p:sp>
+      <p:sp>
+        <p:nvSpPr>
+          <p:cNvPr id="10" name="TextBox 9">
+            <a:extLst>
+              <a:ext uri="{FF2B5EF4-FFF2-40B4-BE49-F238E27FC236}">
+                <a16:creationId xmlns:a16="http://schemas.microsoft.com/office/drawing/2014/main" id="{6D042A22-E39C-0F8D-3385-9DF791F16320}"/>
+              </a:ext>
+            </a:extLst>
+          </p:cNvPr>
+          <p:cNvSpPr txBox="1"/>
+          <p:nvPr/>
+        </p:nvSpPr>
+        <p:spPr>
+          <a:xfrm>
+            <a:off x="7622541" y="541033"/>
+            <a:ext cx="906317" cy="369332"/>
+          </a:xfrm>
+          <a:prstGeom prst="rect">
+            <a:avLst/>
+          </a:prstGeom>
+          <a:noFill/>
+        </p:spPr>
+        <p:txBody>
+          <a:bodyPr wrap="square">
+            <a:spAutoFit/>
+          </a:bodyPr>
+          <a:lstStyle/>
+          <a:p>
+            <a:pPr algn="ctr"/>
+            <a:r>
+              <a:rPr lang="en-US" altLang="ko-KR" dirty="0">
+                <a:latin typeface="Cascadia Code" pitchFamily="49" charset="0"/>
+                <a:cs typeface="Cascadia Code" pitchFamily="49" charset="0"/>
+              </a:rPr>
+              <a:t>user</a:t>
+            </a:r>
+            <a:endParaRPr lang="ko-KR" altLang="en-US" dirty="0"/>
+          </a:p>
+        </p:txBody>
+      </p:sp>
+      <p:sp>
+        <p:nvSpPr>
+          <p:cNvPr id="11" name="직사각형 10">
+            <a:extLst>
+              <a:ext uri="{FF2B5EF4-FFF2-40B4-BE49-F238E27FC236}">
+                <a16:creationId xmlns:a16="http://schemas.microsoft.com/office/drawing/2014/main" id="{2BF08293-E6C8-D699-8F8E-FBFD89498CF0}"/>
+              </a:ext>
+            </a:extLst>
+          </p:cNvPr>
+          <p:cNvSpPr/>
+          <p:nvPr/>
+        </p:nvSpPr>
+        <p:spPr>
+          <a:xfrm>
+            <a:off x="9993745" y="1546599"/>
+            <a:ext cx="1528388" cy="474508"/>
+          </a:xfrm>
+          <a:prstGeom prst="rect">
+            <a:avLst/>
+          </a:prstGeom>
+          <a:solidFill>
+            <a:srgbClr val="FFFF00"/>
+          </a:solidFill>
+          <a:ln>
+            <a:solidFill>
+              <a:srgbClr val="FF0000"/>
+            </a:solidFill>
+          </a:ln>
+        </p:spPr>
+        <p:style>
+          <a:lnRef idx="2">
+            <a:schemeClr val="accent1">
+              <a:shade val="15000"/>
+            </a:schemeClr>
+          </a:lnRef>
+          <a:fillRef idx="1">
+            <a:schemeClr val="accent1"/>
+          </a:fillRef>
+          <a:effectRef idx="0">
+            <a:schemeClr val="accent1"/>
+          </a:effectRef>
+          <a:fontRef idx="minor">
+            <a:schemeClr val="lt1"/>
+          </a:fontRef>
+        </p:style>
+        <p:txBody>
+          <a:bodyPr rtlCol="0" anchor="ctr"/>
+          <a:lstStyle/>
+          <a:p>
+            <a:pPr algn="ctr"/>
+            <a:r>
+              <a:rPr kumimoji="1" lang="en-US" altLang="ko-KR" sz="1600" dirty="0">
+                <a:solidFill>
+                  <a:schemeClr val="tx1"/>
+                </a:solidFill>
+                <a:latin typeface="Cascadia Code" pitchFamily="49" charset="0"/>
+                <a:cs typeface="Cascadia Code" pitchFamily="49" charset="0"/>
+              </a:rPr>
+              <a:t>“Tom”</a:t>
+            </a:r>
+            <a:endParaRPr kumimoji="1" lang="ko-KR" altLang="en-US" sz="1600" dirty="0">
+              <a:solidFill>
+                <a:schemeClr val="tx1"/>
+              </a:solidFill>
+              <a:latin typeface="Cascadia Code" pitchFamily="49" charset="0"/>
+              <a:cs typeface="Cascadia Code" pitchFamily="49" charset="0"/>
+            </a:endParaRPr>
+          </a:p>
+        </p:txBody>
+      </p:sp>
+      <p:cxnSp>
+        <p:nvCxnSpPr>
+          <p:cNvPr id="13" name="구부러진 연결선[U] 12">
+            <a:extLst>
+              <a:ext uri="{FF2B5EF4-FFF2-40B4-BE49-F238E27FC236}">
+                <a16:creationId xmlns:a16="http://schemas.microsoft.com/office/drawing/2014/main" id="{2016A6E4-83DA-2C7A-6215-579B6CF803AE}"/>
+              </a:ext>
+            </a:extLst>
+          </p:cNvPr>
+          <p:cNvCxnSpPr>
+            <a:stCxn id="6" idx="3"/>
+            <a:endCxn id="11" idx="1"/>
+          </p:cNvCxnSpPr>
+          <p:nvPr/>
+        </p:nvCxnSpPr>
+        <p:spPr>
+          <a:xfrm>
+            <a:off x="8635770" y="1241367"/>
+            <a:ext cx="1357975" cy="542486"/>
+          </a:xfrm>
+          <a:prstGeom prst="curvedConnector3">
+            <a:avLst/>
+          </a:prstGeom>
+          <a:ln>
+            <a:tailEnd type="triangle"/>
+          </a:ln>
+        </p:spPr>
+        <p:style>
+          <a:lnRef idx="2">
+            <a:schemeClr val="dk1"/>
+          </a:lnRef>
+          <a:fillRef idx="0">
+            <a:schemeClr val="dk1"/>
+          </a:fillRef>
+          <a:effectRef idx="1">
+            <a:schemeClr val="dk1"/>
+          </a:effectRef>
+          <a:fontRef idx="minor">
+            <a:schemeClr val="tx1"/>
+          </a:fontRef>
+        </p:style>
+      </p:cxnSp>
+      <p:sp>
+        <p:nvSpPr>
+          <p:cNvPr id="14" name="직사각형 13">
+            <a:extLst>
+              <a:ext uri="{FF2B5EF4-FFF2-40B4-BE49-F238E27FC236}">
+                <a16:creationId xmlns:a16="http://schemas.microsoft.com/office/drawing/2014/main" id="{8121960E-0587-FA9C-9782-230DE330976D}"/>
+              </a:ext>
+            </a:extLst>
+          </p:cNvPr>
+          <p:cNvSpPr/>
+          <p:nvPr/>
+        </p:nvSpPr>
+        <p:spPr>
+          <a:xfrm>
+            <a:off x="7528330" y="2907701"/>
+            <a:ext cx="1120140" cy="610463"/>
+          </a:xfrm>
+          <a:prstGeom prst="rect">
+            <a:avLst/>
+          </a:prstGeom>
+          <a:solidFill>
+            <a:srgbClr val="FFFF00"/>
+          </a:solidFill>
+          <a:ln>
+            <a:solidFill>
+              <a:srgbClr val="FF0000"/>
+            </a:solidFill>
+          </a:ln>
+        </p:spPr>
+        <p:style>
+          <a:lnRef idx="2">
+            <a:schemeClr val="accent1">
+              <a:shade val="15000"/>
+            </a:schemeClr>
+          </a:lnRef>
+          <a:fillRef idx="1">
+            <a:schemeClr val="accent1"/>
+          </a:fillRef>
+          <a:effectRef idx="0">
+            <a:schemeClr val="accent1"/>
+          </a:effectRef>
+          <a:fontRef idx="minor">
+            <a:schemeClr val="lt1"/>
+          </a:fontRef>
+        </p:style>
+        <p:txBody>
+          <a:bodyPr rtlCol="0" anchor="ctr"/>
+          <a:lstStyle/>
+          <a:p>
+            <a:pPr algn="ctr"/>
+            <a:r>
+              <a:rPr kumimoji="1" lang="en-US" altLang="ko-KR" sz="1600" dirty="0">
+                <a:solidFill>
+                  <a:schemeClr val="tx1"/>
+                </a:solidFill>
+                <a:latin typeface="Cascadia Code" pitchFamily="49" charset="0"/>
+                <a:cs typeface="Cascadia Code" pitchFamily="49" charset="0"/>
+              </a:rPr>
+              <a:t>0x100</a:t>
+            </a:r>
+            <a:endParaRPr kumimoji="1" lang="ko-KR" altLang="en-US" sz="1600" dirty="0">
+              <a:solidFill>
+                <a:schemeClr val="tx1"/>
+              </a:solidFill>
+              <a:latin typeface="Cascadia Code" pitchFamily="49" charset="0"/>
+              <a:cs typeface="Cascadia Code" pitchFamily="49" charset="0"/>
+            </a:endParaRPr>
+          </a:p>
+        </p:txBody>
+      </p:sp>
+      <p:sp>
+        <p:nvSpPr>
+          <p:cNvPr id="15" name="TextBox 14">
+            <a:extLst>
+              <a:ext uri="{FF2B5EF4-FFF2-40B4-BE49-F238E27FC236}">
+                <a16:creationId xmlns:a16="http://schemas.microsoft.com/office/drawing/2014/main" id="{F45B89C1-404F-427A-847C-3C4B2B2E1F46}"/>
+              </a:ext>
+            </a:extLst>
+          </p:cNvPr>
+          <p:cNvSpPr txBox="1"/>
+          <p:nvPr/>
+        </p:nvSpPr>
+        <p:spPr>
+          <a:xfrm>
+            <a:off x="6819902" y="3043655"/>
+            <a:ext cx="677948" cy="338554"/>
+          </a:xfrm>
+          <a:prstGeom prst="rect">
+            <a:avLst/>
+          </a:prstGeom>
+          <a:noFill/>
+        </p:spPr>
+        <p:txBody>
+          <a:bodyPr wrap="square" rtlCol="0">
+            <a:spAutoFit/>
+          </a:bodyPr>
+          <a:lstStyle/>
+          <a:p>
+            <a:pPr algn="ctr"/>
+            <a:r>
+              <a:rPr kumimoji="1" lang="en-US" altLang="ko-KR" sz="1600" dirty="0">
+                <a:latin typeface="Cascadia Code" pitchFamily="49" charset="0"/>
+                <a:ea typeface="Cascadia Code" pitchFamily="49" charset="0"/>
+                <a:cs typeface="Cascadia Code" pitchFamily="49" charset="0"/>
+              </a:rPr>
+              <a:t>name</a:t>
+            </a:r>
+            <a:endParaRPr kumimoji="1" lang="ko-KR" altLang="en-US" sz="1600" dirty="0">
+              <a:latin typeface="Cascadia Code" pitchFamily="49" charset="0"/>
+              <a:ea typeface="Cascadia Code" pitchFamily="49" charset="0"/>
+              <a:cs typeface="Cascadia Code" pitchFamily="49" charset="0"/>
+            </a:endParaRPr>
+          </a:p>
+        </p:txBody>
+      </p:sp>
+      <p:sp>
+        <p:nvSpPr>
+          <p:cNvPr id="16" name="직사각형 15">
+            <a:extLst>
+              <a:ext uri="{FF2B5EF4-FFF2-40B4-BE49-F238E27FC236}">
+                <a16:creationId xmlns:a16="http://schemas.microsoft.com/office/drawing/2014/main" id="{B5A4A7BE-CC92-1F2C-41B5-53722B7BB5C6}"/>
+              </a:ext>
+            </a:extLst>
+          </p:cNvPr>
+          <p:cNvSpPr/>
+          <p:nvPr/>
+        </p:nvSpPr>
+        <p:spPr>
+          <a:xfrm>
+            <a:off x="7528330" y="3518164"/>
+            <a:ext cx="1120140" cy="610463"/>
+          </a:xfrm>
+          <a:prstGeom prst="rect">
+            <a:avLst/>
+          </a:prstGeom>
+          <a:solidFill>
+            <a:srgbClr val="FFFF00"/>
+          </a:solidFill>
+          <a:ln>
+            <a:solidFill>
+              <a:srgbClr val="FF0000"/>
+            </a:solidFill>
+          </a:ln>
+        </p:spPr>
+        <p:style>
+          <a:lnRef idx="2">
+            <a:schemeClr val="accent1">
+              <a:shade val="15000"/>
+            </a:schemeClr>
+          </a:lnRef>
+          <a:fillRef idx="1">
+            <a:schemeClr val="accent1"/>
+          </a:fillRef>
+          <a:effectRef idx="0">
+            <a:schemeClr val="accent1"/>
+          </a:effectRef>
+          <a:fontRef idx="minor">
+            <a:schemeClr val="lt1"/>
+          </a:fontRef>
+        </p:style>
+        <p:txBody>
+          <a:bodyPr rtlCol="0" anchor="ctr"/>
+          <a:lstStyle/>
+          <a:p>
+            <a:pPr algn="ctr"/>
+            <a:r>
+              <a:rPr kumimoji="1" lang="en-US" altLang="ko-KR" sz="1600" dirty="0">
+                <a:solidFill>
+                  <a:schemeClr val="tx1"/>
+                </a:solidFill>
+                <a:latin typeface="Cascadia Code" pitchFamily="49" charset="0"/>
+                <a:cs typeface="Cascadia Code" pitchFamily="49" charset="0"/>
+              </a:rPr>
+              <a:t>42</a:t>
+            </a:r>
+            <a:endParaRPr kumimoji="1" lang="ko-KR" altLang="en-US" sz="1600" dirty="0">
+              <a:solidFill>
+                <a:schemeClr val="tx1"/>
+              </a:solidFill>
+              <a:latin typeface="Cascadia Code" pitchFamily="49" charset="0"/>
+              <a:cs typeface="Cascadia Code" pitchFamily="49" charset="0"/>
+            </a:endParaRPr>
+          </a:p>
+        </p:txBody>
+      </p:sp>
+      <p:sp>
+        <p:nvSpPr>
+          <p:cNvPr id="17" name="TextBox 16">
+            <a:extLst>
+              <a:ext uri="{FF2B5EF4-FFF2-40B4-BE49-F238E27FC236}">
+                <a16:creationId xmlns:a16="http://schemas.microsoft.com/office/drawing/2014/main" id="{D5AB620C-140A-C256-FCFB-2B6962735EEB}"/>
+              </a:ext>
+            </a:extLst>
+          </p:cNvPr>
+          <p:cNvSpPr txBox="1"/>
+          <p:nvPr/>
+        </p:nvSpPr>
+        <p:spPr>
+          <a:xfrm>
+            <a:off x="6939975" y="3654118"/>
+            <a:ext cx="557875" cy="338554"/>
+          </a:xfrm>
+          <a:prstGeom prst="rect">
+            <a:avLst/>
+          </a:prstGeom>
+          <a:noFill/>
+        </p:spPr>
+        <p:txBody>
+          <a:bodyPr wrap="square" rtlCol="0">
+            <a:spAutoFit/>
+          </a:bodyPr>
+          <a:lstStyle/>
+          <a:p>
+            <a:pPr algn="ctr"/>
+            <a:r>
+              <a:rPr kumimoji="1" lang="en-US" altLang="ko-KR" sz="1600" dirty="0">
+                <a:latin typeface="Cascadia Code" pitchFamily="49" charset="0"/>
+                <a:ea typeface="Cascadia Code" pitchFamily="49" charset="0"/>
+                <a:cs typeface="Cascadia Code" pitchFamily="49" charset="0"/>
+              </a:rPr>
+              <a:t>age</a:t>
+            </a:r>
+            <a:endParaRPr kumimoji="1" lang="ko-KR" altLang="en-US" sz="1600" dirty="0">
+              <a:latin typeface="Cascadia Code" pitchFamily="49" charset="0"/>
+              <a:ea typeface="Cascadia Code" pitchFamily="49" charset="0"/>
+              <a:cs typeface="Cascadia Code" pitchFamily="49" charset="0"/>
+            </a:endParaRPr>
+          </a:p>
+        </p:txBody>
+      </p:sp>
+      <p:sp>
+        <p:nvSpPr>
+          <p:cNvPr id="18" name="TextBox 17">
+            <a:extLst>
+              <a:ext uri="{FF2B5EF4-FFF2-40B4-BE49-F238E27FC236}">
+                <a16:creationId xmlns:a16="http://schemas.microsoft.com/office/drawing/2014/main" id="{89E6F758-C939-C501-FA37-B7329B4E8500}"/>
+              </a:ext>
+            </a:extLst>
+          </p:cNvPr>
+          <p:cNvSpPr txBox="1"/>
+          <p:nvPr/>
+        </p:nvSpPr>
+        <p:spPr>
+          <a:xfrm>
+            <a:off x="7635241" y="2512599"/>
+            <a:ext cx="906317" cy="369332"/>
+          </a:xfrm>
+          <a:prstGeom prst="rect">
+            <a:avLst/>
+          </a:prstGeom>
+          <a:noFill/>
+        </p:spPr>
+        <p:txBody>
+          <a:bodyPr wrap="square">
+            <a:spAutoFit/>
+          </a:bodyPr>
+          <a:lstStyle/>
+          <a:p>
+            <a:pPr algn="ctr"/>
+            <a:r>
+              <a:rPr lang="en-US" altLang="ko-KR" dirty="0">
+                <a:latin typeface="Cascadia Code" pitchFamily="49" charset="0"/>
+                <a:cs typeface="Cascadia Code" pitchFamily="49" charset="0"/>
+              </a:rPr>
+              <a:t>other</a:t>
+            </a:r>
+            <a:endParaRPr lang="ko-KR" altLang="en-US" dirty="0"/>
+          </a:p>
+        </p:txBody>
+      </p:sp>
+      <p:cxnSp>
+        <p:nvCxnSpPr>
+          <p:cNvPr id="19" name="구부러진 연결선[U] 18">
+            <a:extLst>
+              <a:ext uri="{FF2B5EF4-FFF2-40B4-BE49-F238E27FC236}">
+                <a16:creationId xmlns:a16="http://schemas.microsoft.com/office/drawing/2014/main" id="{E0FA6B69-A629-757F-739E-36B3FDBB2B38}"/>
+              </a:ext>
+            </a:extLst>
+          </p:cNvPr>
+          <p:cNvCxnSpPr>
+            <a:cxnSpLocks/>
+            <a:stCxn id="14" idx="3"/>
+            <a:endCxn id="11" idx="1"/>
+          </p:cNvCxnSpPr>
+          <p:nvPr/>
+        </p:nvCxnSpPr>
+        <p:spPr>
+          <a:xfrm flipV="1">
+            <a:off x="8648470" y="1783853"/>
+            <a:ext cx="1345275" cy="1429080"/>
+          </a:xfrm>
+          <a:prstGeom prst="curvedConnector3">
+            <a:avLst/>
+          </a:prstGeom>
+          <a:ln>
+            <a:tailEnd type="triangle"/>
+          </a:ln>
+        </p:spPr>
+        <p:style>
+          <a:lnRef idx="2">
+            <a:schemeClr val="dk1"/>
+          </a:lnRef>
+          <a:fillRef idx="0">
+            <a:schemeClr val="dk1"/>
+          </a:fillRef>
+          <a:effectRef idx="1">
+            <a:schemeClr val="dk1"/>
+          </a:effectRef>
+          <a:fontRef idx="minor">
+            <a:schemeClr val="tx1"/>
+          </a:fontRef>
+        </p:style>
+      </p:cxnSp>
+    </p:spTree>
+    <p:extLst>
+      <p:ext uri="{BB962C8B-B14F-4D97-AF65-F5344CB8AC3E}">
+        <p14:creationId xmlns:p14="http://schemas.microsoft.com/office/powerpoint/2010/main" val="405861013"/>
+      </p:ext>
+    </p:extLst>
+  </p:cSld>
+  <p:clrMapOvr>
+    <a:masterClrMapping/>
+  </p:clrMapOvr>
+</p:sld>
+</file>
+
 <file path=ppt/slides/slide3.xml><?xml version="1.0" encoding="utf-8"?>
 <p:sld xmlns:a="http://schemas.openxmlformats.org/drawingml/2006/main" xmlns:r="http://schemas.openxmlformats.org/officeDocument/2006/relationships" xmlns:p="http://schemas.openxmlformats.org/presentationml/2006/main">
   <p:cSld>
@@ -20408,6 +23619,1849 @@
     <p:extLst>
       <p:ext uri="{BB962C8B-B14F-4D97-AF65-F5344CB8AC3E}">
         <p14:creationId xmlns:p14="http://schemas.microsoft.com/office/powerpoint/2010/main" val="135514536"/>
+      </p:ext>
+    </p:extLst>
+  </p:cSld>
+  <p:clrMapOvr>
+    <a:masterClrMapping/>
+  </p:clrMapOvr>
+</p:sld>
+</file>
+
+<file path=ppt/slides/slide30.xml><?xml version="1.0" encoding="utf-8"?>
+<p:sld xmlns:a="http://schemas.openxmlformats.org/drawingml/2006/main" xmlns:r="http://schemas.openxmlformats.org/officeDocument/2006/relationships" xmlns:p="http://schemas.openxmlformats.org/presentationml/2006/main">
+  <p:cSld>
+    <p:spTree>
+      <p:nvGrpSpPr>
+        <p:cNvPr id="1" name=""/>
+        <p:cNvGrpSpPr/>
+        <p:nvPr/>
+      </p:nvGrpSpPr>
+      <p:grpSpPr>
+        <a:xfrm>
+          <a:off x="0" y="0"/>
+          <a:ext cx="0" cy="0"/>
+          <a:chOff x="0" y="0"/>
+          <a:chExt cx="0" cy="0"/>
+        </a:xfrm>
+      </p:grpSpPr>
+      <p:sp>
+        <p:nvSpPr>
+          <p:cNvPr id="5" name="TextBox 4">
+            <a:extLst>
+              <a:ext uri="{FF2B5EF4-FFF2-40B4-BE49-F238E27FC236}">
+                <a16:creationId xmlns:a16="http://schemas.microsoft.com/office/drawing/2014/main" id="{18B6C708-21AD-7581-BFE3-DE7C1075C89B}"/>
+              </a:ext>
+            </a:extLst>
+          </p:cNvPr>
+          <p:cNvSpPr txBox="1"/>
+          <p:nvPr/>
+        </p:nvSpPr>
+        <p:spPr>
+          <a:xfrm>
+            <a:off x="406400" y="302076"/>
+            <a:ext cx="4922982" cy="4278094"/>
+          </a:xfrm>
+          <a:prstGeom prst="rect">
+            <a:avLst/>
+          </a:prstGeom>
+          <a:noFill/>
+        </p:spPr>
+        <p:txBody>
+          <a:bodyPr wrap="square">
+            <a:spAutoFit/>
+          </a:bodyPr>
+          <a:lstStyle/>
+          <a:p>
+            <a:r>
+              <a:rPr lang="en-US" altLang="ko-KR" sz="1600" dirty="0">
+                <a:latin typeface="Cascadia Code" pitchFamily="49" charset="0"/>
+                <a:cs typeface="Cascadia Code" pitchFamily="49" charset="0"/>
+              </a:rPr>
+              <a:t>User(const User&amp; </a:t>
+            </a:r>
+            <a:r>
+              <a:rPr lang="en-US" altLang="ko-KR" sz="1600" dirty="0" err="1">
+                <a:latin typeface="Cascadia Code" pitchFamily="49" charset="0"/>
+                <a:cs typeface="Cascadia Code" pitchFamily="49" charset="0"/>
+              </a:rPr>
+              <a:t>rhs</a:t>
+            </a:r>
+            <a:r>
+              <a:rPr lang="en-US" altLang="ko-KR" sz="1600" dirty="0">
+                <a:latin typeface="Cascadia Code" pitchFamily="49" charset="0"/>
+                <a:cs typeface="Cascadia Code" pitchFamily="49" charset="0"/>
+              </a:rPr>
+              <a:t>)</a:t>
+            </a:r>
+          </a:p>
+          <a:p>
+            <a:r>
+              <a:rPr lang="en-US" altLang="ko-KR" sz="1600" dirty="0">
+                <a:latin typeface="Cascadia Code" pitchFamily="49" charset="0"/>
+                <a:cs typeface="Cascadia Code" pitchFamily="49" charset="0"/>
+              </a:rPr>
+              <a:t>        : name { </a:t>
+            </a:r>
+            <a:r>
+              <a:rPr lang="en-US" altLang="ko-KR" sz="1600" dirty="0" err="1">
+                <a:latin typeface="Cascadia Code" pitchFamily="49" charset="0"/>
+                <a:cs typeface="Cascadia Code" pitchFamily="49" charset="0"/>
+              </a:rPr>
+              <a:t>rhs.name</a:t>
+            </a:r>
+            <a:r>
+              <a:rPr lang="en-US" altLang="ko-KR" sz="1600" dirty="0">
+                <a:latin typeface="Cascadia Code" pitchFamily="49" charset="0"/>
+                <a:cs typeface="Cascadia Code" pitchFamily="49" charset="0"/>
+              </a:rPr>
+              <a:t> }</a:t>
+            </a:r>
+          </a:p>
+          <a:p>
+            <a:r>
+              <a:rPr lang="en-US" altLang="ko-KR" sz="1600" dirty="0">
+                <a:latin typeface="Cascadia Code" pitchFamily="49" charset="0"/>
+                <a:cs typeface="Cascadia Code" pitchFamily="49" charset="0"/>
+              </a:rPr>
+              <a:t>        , age { </a:t>
+            </a:r>
+            <a:r>
+              <a:rPr lang="en-US" altLang="ko-KR" sz="1600" dirty="0" err="1">
+                <a:latin typeface="Cascadia Code" pitchFamily="49" charset="0"/>
+                <a:cs typeface="Cascadia Code" pitchFamily="49" charset="0"/>
+              </a:rPr>
+              <a:t>rhs.age</a:t>
+            </a:r>
+            <a:r>
+              <a:rPr lang="en-US" altLang="ko-KR" sz="1600" dirty="0">
+                <a:latin typeface="Cascadia Code" pitchFamily="49" charset="0"/>
+                <a:cs typeface="Cascadia Code" pitchFamily="49" charset="0"/>
+              </a:rPr>
+              <a:t> }</a:t>
+            </a:r>
+          </a:p>
+          <a:p>
+            <a:r>
+              <a:rPr lang="en-US" altLang="ko-KR" sz="1600" dirty="0">
+                <a:latin typeface="Cascadia Code" pitchFamily="49" charset="0"/>
+                <a:cs typeface="Cascadia Code" pitchFamily="49" charset="0"/>
+              </a:rPr>
+              <a:t>{</a:t>
+            </a:r>
+          </a:p>
+          <a:p>
+            <a:r>
+              <a:rPr lang="en-US" altLang="ko-KR" sz="1600" dirty="0">
+                <a:latin typeface="Cascadia Code" pitchFamily="49" charset="0"/>
+                <a:cs typeface="Cascadia Code" pitchFamily="49" charset="0"/>
+              </a:rPr>
+              <a:t>}</a:t>
+            </a:r>
+          </a:p>
+          <a:p>
+            <a:endParaRPr lang="en-US" altLang="ko-KR" sz="1600" dirty="0">
+              <a:latin typeface="Cascadia Code" pitchFamily="49" charset="0"/>
+              <a:cs typeface="Cascadia Code" pitchFamily="49" charset="0"/>
+            </a:endParaRPr>
+          </a:p>
+          <a:p>
+            <a:r>
+              <a:rPr lang="ko-KR" altLang="en-US" sz="1600" dirty="0">
+                <a:latin typeface="Cascadia Code" pitchFamily="49" charset="0"/>
+                <a:cs typeface="Cascadia Code" pitchFamily="49" charset="0"/>
+              </a:rPr>
+              <a:t>~</a:t>
+            </a:r>
+            <a:r>
+              <a:rPr lang="ko-KR" altLang="en-US" sz="1600" dirty="0" err="1">
+                <a:latin typeface="Cascadia Code" pitchFamily="49" charset="0"/>
+                <a:cs typeface="Cascadia Code" pitchFamily="49" charset="0"/>
+              </a:rPr>
+              <a:t>User</a:t>
+            </a:r>
+            <a:r>
+              <a:rPr lang="ko-KR" altLang="en-US" sz="1600" dirty="0">
+                <a:latin typeface="Cascadia Code" pitchFamily="49" charset="0"/>
+                <a:cs typeface="Cascadia Code" pitchFamily="49" charset="0"/>
+              </a:rPr>
+              <a:t>()</a:t>
+            </a:r>
+          </a:p>
+          <a:p>
+            <a:r>
+              <a:rPr lang="ko-KR" altLang="en-US" sz="1600" dirty="0">
+                <a:latin typeface="Cascadia Code" pitchFamily="49" charset="0"/>
+                <a:cs typeface="Cascadia Code" pitchFamily="49" charset="0"/>
+              </a:rPr>
+              <a:t>{</a:t>
+            </a:r>
+          </a:p>
+          <a:p>
+            <a:r>
+              <a:rPr lang="ko-KR" altLang="en-US" sz="1600" dirty="0">
+                <a:solidFill>
+                  <a:srgbClr val="FF0000"/>
+                </a:solidFill>
+                <a:latin typeface="Cascadia Code" pitchFamily="49" charset="0"/>
+                <a:cs typeface="Cascadia Code" pitchFamily="49" charset="0"/>
+              </a:rPr>
+              <a:t>       </a:t>
+            </a:r>
+            <a:r>
+              <a:rPr lang="ko-KR" altLang="en-US" sz="1600" dirty="0" err="1">
+                <a:solidFill>
+                  <a:srgbClr val="FF0000"/>
+                </a:solidFill>
+                <a:latin typeface="Cascadia Code" pitchFamily="49" charset="0"/>
+                <a:cs typeface="Cascadia Code" pitchFamily="49" charset="0"/>
+              </a:rPr>
+              <a:t>delete</a:t>
+            </a:r>
+            <a:r>
+              <a:rPr lang="ko-KR" altLang="en-US" sz="1600" dirty="0">
+                <a:solidFill>
+                  <a:srgbClr val="FF0000"/>
+                </a:solidFill>
+                <a:latin typeface="Cascadia Code" pitchFamily="49" charset="0"/>
+                <a:cs typeface="Cascadia Code" pitchFamily="49" charset="0"/>
+              </a:rPr>
+              <a:t>[] </a:t>
+            </a:r>
+            <a:r>
+              <a:rPr lang="ko-KR" altLang="en-US" sz="1600" dirty="0" err="1">
+                <a:solidFill>
+                  <a:srgbClr val="FF0000"/>
+                </a:solidFill>
+                <a:latin typeface="Cascadia Code" pitchFamily="49" charset="0"/>
+                <a:cs typeface="Cascadia Code" pitchFamily="49" charset="0"/>
+              </a:rPr>
+              <a:t>name</a:t>
+            </a:r>
+            <a:r>
+              <a:rPr lang="ko-KR" altLang="en-US" sz="1600" dirty="0">
+                <a:solidFill>
+                  <a:srgbClr val="FF0000"/>
+                </a:solidFill>
+                <a:latin typeface="Cascadia Code" pitchFamily="49" charset="0"/>
+                <a:cs typeface="Cascadia Code" pitchFamily="49" charset="0"/>
+              </a:rPr>
+              <a:t>;</a:t>
+            </a:r>
+          </a:p>
+          <a:p>
+            <a:r>
+              <a:rPr lang="ko-KR" altLang="en-US" sz="1600" dirty="0">
+                <a:latin typeface="Cascadia Code" pitchFamily="49" charset="0"/>
+                <a:cs typeface="Cascadia Code" pitchFamily="49" charset="0"/>
+              </a:rPr>
+              <a:t>}</a:t>
+            </a:r>
+            <a:endParaRPr lang="en-US" altLang="ko-KR" sz="1600" dirty="0">
+              <a:latin typeface="Cascadia Code" pitchFamily="49" charset="0"/>
+              <a:cs typeface="Cascadia Code" pitchFamily="49" charset="0"/>
+            </a:endParaRPr>
+          </a:p>
+          <a:p>
+            <a:endParaRPr lang="en-US" altLang="ko-KR" sz="1600" dirty="0">
+              <a:latin typeface="Cascadia Code" pitchFamily="49" charset="0"/>
+              <a:cs typeface="Cascadia Code" pitchFamily="49" charset="0"/>
+            </a:endParaRPr>
+          </a:p>
+          <a:p>
+            <a:endParaRPr lang="ko-KR" altLang="en-US" sz="1600" dirty="0">
+              <a:latin typeface="Cascadia Code" pitchFamily="49" charset="0"/>
+              <a:cs typeface="Cascadia Code" pitchFamily="49" charset="0"/>
+            </a:endParaRPr>
+          </a:p>
+          <a:p>
+            <a:r>
+              <a:rPr lang="ko-KR" altLang="en-US" sz="1600" dirty="0" err="1">
+                <a:latin typeface="Cascadia Code" pitchFamily="49" charset="0"/>
+                <a:cs typeface="Cascadia Code" pitchFamily="49" charset="0"/>
+              </a:rPr>
+              <a:t>int</a:t>
+            </a:r>
+            <a:r>
+              <a:rPr lang="ko-KR" altLang="en-US" sz="1600" dirty="0">
+                <a:latin typeface="Cascadia Code" pitchFamily="49" charset="0"/>
+                <a:cs typeface="Cascadia Code" pitchFamily="49" charset="0"/>
+              </a:rPr>
+              <a:t> </a:t>
+            </a:r>
+            <a:r>
+              <a:rPr lang="ko-KR" altLang="en-US" sz="1600" dirty="0" err="1">
+                <a:latin typeface="Cascadia Code" pitchFamily="49" charset="0"/>
+                <a:cs typeface="Cascadia Code" pitchFamily="49" charset="0"/>
+              </a:rPr>
+              <a:t>main</a:t>
+            </a:r>
+            <a:r>
+              <a:rPr lang="ko-KR" altLang="en-US" sz="1600" dirty="0">
+                <a:latin typeface="Cascadia Code" pitchFamily="49" charset="0"/>
+                <a:cs typeface="Cascadia Code" pitchFamily="49" charset="0"/>
+              </a:rPr>
+              <a:t>()</a:t>
+            </a:r>
+          </a:p>
+          <a:p>
+            <a:r>
+              <a:rPr lang="ko-KR" altLang="en-US" sz="1600" dirty="0">
+                <a:latin typeface="Cascadia Code" pitchFamily="49" charset="0"/>
+                <a:cs typeface="Cascadia Code" pitchFamily="49" charset="0"/>
+              </a:rPr>
+              <a:t>{</a:t>
+            </a:r>
+          </a:p>
+          <a:p>
+            <a:r>
+              <a:rPr lang="ko-KR" altLang="en-US" sz="1600" dirty="0">
+                <a:latin typeface="Cascadia Code" pitchFamily="49" charset="0"/>
+                <a:cs typeface="Cascadia Code" pitchFamily="49" charset="0"/>
+              </a:rPr>
+              <a:t>    </a:t>
+            </a:r>
+            <a:r>
+              <a:rPr lang="ko-KR" altLang="en-US" sz="1600" dirty="0" err="1">
+                <a:latin typeface="Cascadia Code" pitchFamily="49" charset="0"/>
+                <a:cs typeface="Cascadia Code" pitchFamily="49" charset="0"/>
+              </a:rPr>
+              <a:t>User</a:t>
+            </a:r>
+            <a:r>
+              <a:rPr lang="ko-KR" altLang="en-US" sz="1600" dirty="0">
+                <a:latin typeface="Cascadia Code" pitchFamily="49" charset="0"/>
+                <a:cs typeface="Cascadia Code" pitchFamily="49" charset="0"/>
+              </a:rPr>
+              <a:t> </a:t>
+            </a:r>
+            <a:r>
+              <a:rPr lang="ko-KR" altLang="en-US" sz="1600" dirty="0" err="1">
+                <a:latin typeface="Cascadia Code" pitchFamily="49" charset="0"/>
+                <a:cs typeface="Cascadia Code" pitchFamily="49" charset="0"/>
+              </a:rPr>
+              <a:t>user</a:t>
+            </a:r>
+            <a:r>
+              <a:rPr lang="ko-KR" altLang="en-US" sz="1600" dirty="0">
+                <a:latin typeface="Cascadia Code" pitchFamily="49" charset="0"/>
+                <a:cs typeface="Cascadia Code" pitchFamily="49" charset="0"/>
+              </a:rPr>
+              <a:t> { "</a:t>
+            </a:r>
+            <a:r>
+              <a:rPr lang="ko-KR" altLang="en-US" sz="1600" dirty="0" err="1">
+                <a:latin typeface="Cascadia Code" pitchFamily="49" charset="0"/>
+                <a:cs typeface="Cascadia Code" pitchFamily="49" charset="0"/>
+              </a:rPr>
+              <a:t>Tom</a:t>
+            </a:r>
+            <a:r>
+              <a:rPr lang="ko-KR" altLang="en-US" sz="1600" dirty="0">
+                <a:latin typeface="Cascadia Code" pitchFamily="49" charset="0"/>
+                <a:cs typeface="Cascadia Code" pitchFamily="49" charset="0"/>
+              </a:rPr>
+              <a:t>", 42 };</a:t>
+            </a:r>
+          </a:p>
+          <a:p>
+            <a:r>
+              <a:rPr lang="ko-KR" altLang="en-US" sz="1600" dirty="0">
+                <a:latin typeface="Cascadia Code" pitchFamily="49" charset="0"/>
+                <a:cs typeface="Cascadia Code" pitchFamily="49" charset="0"/>
+              </a:rPr>
+              <a:t>    </a:t>
+            </a:r>
+            <a:r>
+              <a:rPr lang="ko-KR" altLang="en-US" sz="1600" dirty="0" err="1">
+                <a:latin typeface="Cascadia Code" pitchFamily="49" charset="0"/>
+                <a:cs typeface="Cascadia Code" pitchFamily="49" charset="0"/>
+              </a:rPr>
+              <a:t>User</a:t>
+            </a:r>
+            <a:r>
+              <a:rPr lang="ko-KR" altLang="en-US" sz="1600" dirty="0">
+                <a:latin typeface="Cascadia Code" pitchFamily="49" charset="0"/>
+                <a:cs typeface="Cascadia Code" pitchFamily="49" charset="0"/>
+              </a:rPr>
+              <a:t> </a:t>
+            </a:r>
+            <a:r>
+              <a:rPr lang="ko-KR" altLang="en-US" sz="1600" dirty="0" err="1">
+                <a:latin typeface="Cascadia Code" pitchFamily="49" charset="0"/>
+                <a:cs typeface="Cascadia Code" pitchFamily="49" charset="0"/>
+              </a:rPr>
+              <a:t>other</a:t>
+            </a:r>
+            <a:r>
+              <a:rPr lang="ko-KR" altLang="en-US" sz="1600" dirty="0">
+                <a:latin typeface="Cascadia Code" pitchFamily="49" charset="0"/>
+                <a:cs typeface="Cascadia Code" pitchFamily="49" charset="0"/>
+              </a:rPr>
+              <a:t> { </a:t>
+            </a:r>
+            <a:r>
+              <a:rPr lang="ko-KR" altLang="en-US" sz="1600" dirty="0" err="1">
+                <a:latin typeface="Cascadia Code" pitchFamily="49" charset="0"/>
+                <a:cs typeface="Cascadia Code" pitchFamily="49" charset="0"/>
+              </a:rPr>
+              <a:t>user</a:t>
+            </a:r>
+            <a:r>
+              <a:rPr lang="ko-KR" altLang="en-US" sz="1600" dirty="0">
+                <a:latin typeface="Cascadia Code" pitchFamily="49" charset="0"/>
+                <a:cs typeface="Cascadia Code" pitchFamily="49" charset="0"/>
+              </a:rPr>
+              <a:t> };</a:t>
+            </a:r>
+          </a:p>
+          <a:p>
+            <a:r>
+              <a:rPr lang="ko-KR" altLang="en-US" sz="1600" dirty="0">
+                <a:latin typeface="Cascadia Code" pitchFamily="49" charset="0"/>
+                <a:cs typeface="Cascadia Code" pitchFamily="49" charset="0"/>
+              </a:rPr>
+              <a:t>}</a:t>
+            </a:r>
+          </a:p>
+        </p:txBody>
+      </p:sp>
+      <p:sp>
+        <p:nvSpPr>
+          <p:cNvPr id="6" name="직사각형 5">
+            <a:extLst>
+              <a:ext uri="{FF2B5EF4-FFF2-40B4-BE49-F238E27FC236}">
+                <a16:creationId xmlns:a16="http://schemas.microsoft.com/office/drawing/2014/main" id="{86325650-4E19-E736-B1CB-78EA4E1BEF14}"/>
+              </a:ext>
+            </a:extLst>
+          </p:cNvPr>
+          <p:cNvSpPr/>
+          <p:nvPr/>
+        </p:nvSpPr>
+        <p:spPr>
+          <a:xfrm>
+            <a:off x="7515630" y="936135"/>
+            <a:ext cx="1120140" cy="610463"/>
+          </a:xfrm>
+          <a:prstGeom prst="rect">
+            <a:avLst/>
+          </a:prstGeom>
+          <a:solidFill>
+            <a:srgbClr val="FFFF00"/>
+          </a:solidFill>
+        </p:spPr>
+        <p:style>
+          <a:lnRef idx="2">
+            <a:schemeClr val="accent1">
+              <a:shade val="15000"/>
+            </a:schemeClr>
+          </a:lnRef>
+          <a:fillRef idx="1">
+            <a:schemeClr val="accent1"/>
+          </a:fillRef>
+          <a:effectRef idx="0">
+            <a:schemeClr val="accent1"/>
+          </a:effectRef>
+          <a:fontRef idx="minor">
+            <a:schemeClr val="lt1"/>
+          </a:fontRef>
+        </p:style>
+        <p:txBody>
+          <a:bodyPr rtlCol="0" anchor="ctr"/>
+          <a:lstStyle/>
+          <a:p>
+            <a:pPr algn="ctr"/>
+            <a:r>
+              <a:rPr kumimoji="1" lang="en-US" altLang="ko-KR" sz="1600" dirty="0">
+                <a:solidFill>
+                  <a:schemeClr val="tx1"/>
+                </a:solidFill>
+                <a:latin typeface="Cascadia Code" pitchFamily="49" charset="0"/>
+                <a:cs typeface="Cascadia Code" pitchFamily="49" charset="0"/>
+              </a:rPr>
+              <a:t>0x100</a:t>
+            </a:r>
+            <a:endParaRPr kumimoji="1" lang="ko-KR" altLang="en-US" sz="1600" dirty="0">
+              <a:solidFill>
+                <a:schemeClr val="tx1"/>
+              </a:solidFill>
+              <a:latin typeface="Cascadia Code" pitchFamily="49" charset="0"/>
+              <a:cs typeface="Cascadia Code" pitchFamily="49" charset="0"/>
+            </a:endParaRPr>
+          </a:p>
+        </p:txBody>
+      </p:sp>
+      <p:sp>
+        <p:nvSpPr>
+          <p:cNvPr id="7" name="TextBox 6">
+            <a:extLst>
+              <a:ext uri="{FF2B5EF4-FFF2-40B4-BE49-F238E27FC236}">
+                <a16:creationId xmlns:a16="http://schemas.microsoft.com/office/drawing/2014/main" id="{C65D11FB-A63A-F2E5-6956-F1ABAE008627}"/>
+              </a:ext>
+            </a:extLst>
+          </p:cNvPr>
+          <p:cNvSpPr txBox="1"/>
+          <p:nvPr/>
+        </p:nvSpPr>
+        <p:spPr>
+          <a:xfrm>
+            <a:off x="6807202" y="1072089"/>
+            <a:ext cx="677948" cy="338554"/>
+          </a:xfrm>
+          <a:prstGeom prst="rect">
+            <a:avLst/>
+          </a:prstGeom>
+          <a:noFill/>
+        </p:spPr>
+        <p:txBody>
+          <a:bodyPr wrap="square" rtlCol="0">
+            <a:spAutoFit/>
+          </a:bodyPr>
+          <a:lstStyle/>
+          <a:p>
+            <a:pPr algn="ctr"/>
+            <a:r>
+              <a:rPr kumimoji="1" lang="en-US" altLang="ko-KR" sz="1600" dirty="0">
+                <a:latin typeface="Cascadia Code" pitchFamily="49" charset="0"/>
+                <a:ea typeface="Cascadia Code" pitchFamily="49" charset="0"/>
+                <a:cs typeface="Cascadia Code" pitchFamily="49" charset="0"/>
+              </a:rPr>
+              <a:t>name</a:t>
+            </a:r>
+            <a:endParaRPr kumimoji="1" lang="ko-KR" altLang="en-US" sz="1600" dirty="0">
+              <a:latin typeface="Cascadia Code" pitchFamily="49" charset="0"/>
+              <a:ea typeface="Cascadia Code" pitchFamily="49" charset="0"/>
+              <a:cs typeface="Cascadia Code" pitchFamily="49" charset="0"/>
+            </a:endParaRPr>
+          </a:p>
+        </p:txBody>
+      </p:sp>
+      <p:sp>
+        <p:nvSpPr>
+          <p:cNvPr id="8" name="직사각형 7">
+            <a:extLst>
+              <a:ext uri="{FF2B5EF4-FFF2-40B4-BE49-F238E27FC236}">
+                <a16:creationId xmlns:a16="http://schemas.microsoft.com/office/drawing/2014/main" id="{B20E6156-15E8-B73E-EB16-ECEB9B07D0DA}"/>
+              </a:ext>
+            </a:extLst>
+          </p:cNvPr>
+          <p:cNvSpPr/>
+          <p:nvPr/>
+        </p:nvSpPr>
+        <p:spPr>
+          <a:xfrm>
+            <a:off x="7515630" y="1546598"/>
+            <a:ext cx="1120140" cy="610463"/>
+          </a:xfrm>
+          <a:prstGeom prst="rect">
+            <a:avLst/>
+          </a:prstGeom>
+          <a:solidFill>
+            <a:srgbClr val="FFFF00"/>
+          </a:solidFill>
+        </p:spPr>
+        <p:style>
+          <a:lnRef idx="2">
+            <a:schemeClr val="accent1">
+              <a:shade val="15000"/>
+            </a:schemeClr>
+          </a:lnRef>
+          <a:fillRef idx="1">
+            <a:schemeClr val="accent1"/>
+          </a:fillRef>
+          <a:effectRef idx="0">
+            <a:schemeClr val="accent1"/>
+          </a:effectRef>
+          <a:fontRef idx="minor">
+            <a:schemeClr val="lt1"/>
+          </a:fontRef>
+        </p:style>
+        <p:txBody>
+          <a:bodyPr rtlCol="0" anchor="ctr"/>
+          <a:lstStyle/>
+          <a:p>
+            <a:pPr algn="ctr"/>
+            <a:r>
+              <a:rPr kumimoji="1" lang="en-US" altLang="ko-KR" sz="1600" dirty="0">
+                <a:solidFill>
+                  <a:schemeClr val="tx1"/>
+                </a:solidFill>
+                <a:latin typeface="Cascadia Code" pitchFamily="49" charset="0"/>
+                <a:cs typeface="Cascadia Code" pitchFamily="49" charset="0"/>
+              </a:rPr>
+              <a:t>42</a:t>
+            </a:r>
+            <a:endParaRPr kumimoji="1" lang="ko-KR" altLang="en-US" sz="1600" dirty="0">
+              <a:solidFill>
+                <a:schemeClr val="tx1"/>
+              </a:solidFill>
+              <a:latin typeface="Cascadia Code" pitchFamily="49" charset="0"/>
+              <a:cs typeface="Cascadia Code" pitchFamily="49" charset="0"/>
+            </a:endParaRPr>
+          </a:p>
+        </p:txBody>
+      </p:sp>
+      <p:sp>
+        <p:nvSpPr>
+          <p:cNvPr id="9" name="TextBox 8">
+            <a:extLst>
+              <a:ext uri="{FF2B5EF4-FFF2-40B4-BE49-F238E27FC236}">
+                <a16:creationId xmlns:a16="http://schemas.microsoft.com/office/drawing/2014/main" id="{55DE0C4D-1C6C-E4AE-AD8D-6431FD2F7AD1}"/>
+              </a:ext>
+            </a:extLst>
+          </p:cNvPr>
+          <p:cNvSpPr txBox="1"/>
+          <p:nvPr/>
+        </p:nvSpPr>
+        <p:spPr>
+          <a:xfrm>
+            <a:off x="6927275" y="1682552"/>
+            <a:ext cx="557875" cy="338554"/>
+          </a:xfrm>
+          <a:prstGeom prst="rect">
+            <a:avLst/>
+          </a:prstGeom>
+          <a:noFill/>
+        </p:spPr>
+        <p:txBody>
+          <a:bodyPr wrap="square" rtlCol="0">
+            <a:spAutoFit/>
+          </a:bodyPr>
+          <a:lstStyle/>
+          <a:p>
+            <a:pPr algn="ctr"/>
+            <a:r>
+              <a:rPr kumimoji="1" lang="en-US" altLang="ko-KR" sz="1600" dirty="0">
+                <a:latin typeface="Cascadia Code" pitchFamily="49" charset="0"/>
+                <a:ea typeface="Cascadia Code" pitchFamily="49" charset="0"/>
+                <a:cs typeface="Cascadia Code" pitchFamily="49" charset="0"/>
+              </a:rPr>
+              <a:t>age</a:t>
+            </a:r>
+            <a:endParaRPr kumimoji="1" lang="ko-KR" altLang="en-US" sz="1600" dirty="0">
+              <a:latin typeface="Cascadia Code" pitchFamily="49" charset="0"/>
+              <a:ea typeface="Cascadia Code" pitchFamily="49" charset="0"/>
+              <a:cs typeface="Cascadia Code" pitchFamily="49" charset="0"/>
+            </a:endParaRPr>
+          </a:p>
+        </p:txBody>
+      </p:sp>
+      <p:sp>
+        <p:nvSpPr>
+          <p:cNvPr id="10" name="TextBox 9">
+            <a:extLst>
+              <a:ext uri="{FF2B5EF4-FFF2-40B4-BE49-F238E27FC236}">
+                <a16:creationId xmlns:a16="http://schemas.microsoft.com/office/drawing/2014/main" id="{6D042A22-E39C-0F8D-3385-9DF791F16320}"/>
+              </a:ext>
+            </a:extLst>
+          </p:cNvPr>
+          <p:cNvSpPr txBox="1"/>
+          <p:nvPr/>
+        </p:nvSpPr>
+        <p:spPr>
+          <a:xfrm>
+            <a:off x="7622541" y="541033"/>
+            <a:ext cx="906317" cy="369332"/>
+          </a:xfrm>
+          <a:prstGeom prst="rect">
+            <a:avLst/>
+          </a:prstGeom>
+          <a:noFill/>
+        </p:spPr>
+        <p:txBody>
+          <a:bodyPr wrap="square">
+            <a:spAutoFit/>
+          </a:bodyPr>
+          <a:lstStyle/>
+          <a:p>
+            <a:pPr algn="ctr"/>
+            <a:r>
+              <a:rPr lang="en-US" altLang="ko-KR" dirty="0">
+                <a:latin typeface="Cascadia Code" pitchFamily="49" charset="0"/>
+                <a:cs typeface="Cascadia Code" pitchFamily="49" charset="0"/>
+              </a:rPr>
+              <a:t>user</a:t>
+            </a:r>
+            <a:endParaRPr lang="ko-KR" altLang="en-US" dirty="0"/>
+          </a:p>
+        </p:txBody>
+      </p:sp>
+      <p:sp>
+        <p:nvSpPr>
+          <p:cNvPr id="11" name="직사각형 10">
+            <a:extLst>
+              <a:ext uri="{FF2B5EF4-FFF2-40B4-BE49-F238E27FC236}">
+                <a16:creationId xmlns:a16="http://schemas.microsoft.com/office/drawing/2014/main" id="{2BF08293-E6C8-D699-8F8E-FBFD89498CF0}"/>
+              </a:ext>
+            </a:extLst>
+          </p:cNvPr>
+          <p:cNvSpPr/>
+          <p:nvPr/>
+        </p:nvSpPr>
+        <p:spPr>
+          <a:xfrm>
+            <a:off x="9993745" y="1546599"/>
+            <a:ext cx="1528388" cy="474508"/>
+          </a:xfrm>
+          <a:prstGeom prst="rect">
+            <a:avLst/>
+          </a:prstGeom>
+          <a:solidFill>
+            <a:srgbClr val="FFFF00"/>
+          </a:solidFill>
+          <a:ln>
+            <a:solidFill>
+              <a:srgbClr val="FF0000"/>
+            </a:solidFill>
+          </a:ln>
+        </p:spPr>
+        <p:style>
+          <a:lnRef idx="2">
+            <a:schemeClr val="accent1">
+              <a:shade val="15000"/>
+            </a:schemeClr>
+          </a:lnRef>
+          <a:fillRef idx="1">
+            <a:schemeClr val="accent1"/>
+          </a:fillRef>
+          <a:effectRef idx="0">
+            <a:schemeClr val="accent1"/>
+          </a:effectRef>
+          <a:fontRef idx="minor">
+            <a:schemeClr val="lt1"/>
+          </a:fontRef>
+        </p:style>
+        <p:txBody>
+          <a:bodyPr rtlCol="0" anchor="ctr"/>
+          <a:lstStyle/>
+          <a:p>
+            <a:pPr algn="ctr"/>
+            <a:r>
+              <a:rPr kumimoji="1" lang="en-US" altLang="ko-KR" sz="1600" dirty="0">
+                <a:solidFill>
+                  <a:schemeClr val="tx1"/>
+                </a:solidFill>
+                <a:latin typeface="Cascadia Code" pitchFamily="49" charset="0"/>
+                <a:cs typeface="Cascadia Code" pitchFamily="49" charset="0"/>
+              </a:rPr>
+              <a:t>“Tom”</a:t>
+            </a:r>
+            <a:endParaRPr kumimoji="1" lang="ko-KR" altLang="en-US" sz="1600" dirty="0">
+              <a:solidFill>
+                <a:schemeClr val="tx1"/>
+              </a:solidFill>
+              <a:latin typeface="Cascadia Code" pitchFamily="49" charset="0"/>
+              <a:cs typeface="Cascadia Code" pitchFamily="49" charset="0"/>
+            </a:endParaRPr>
+          </a:p>
+        </p:txBody>
+      </p:sp>
+      <p:cxnSp>
+        <p:nvCxnSpPr>
+          <p:cNvPr id="13" name="구부러진 연결선[U] 12">
+            <a:extLst>
+              <a:ext uri="{FF2B5EF4-FFF2-40B4-BE49-F238E27FC236}">
+                <a16:creationId xmlns:a16="http://schemas.microsoft.com/office/drawing/2014/main" id="{2016A6E4-83DA-2C7A-6215-579B6CF803AE}"/>
+              </a:ext>
+            </a:extLst>
+          </p:cNvPr>
+          <p:cNvCxnSpPr>
+            <a:stCxn id="6" idx="3"/>
+            <a:endCxn id="11" idx="1"/>
+          </p:cNvCxnSpPr>
+          <p:nvPr/>
+        </p:nvCxnSpPr>
+        <p:spPr>
+          <a:xfrm>
+            <a:off x="8635770" y="1241367"/>
+            <a:ext cx="1357975" cy="542486"/>
+          </a:xfrm>
+          <a:prstGeom prst="curvedConnector3">
+            <a:avLst/>
+          </a:prstGeom>
+          <a:ln>
+            <a:tailEnd type="triangle"/>
+          </a:ln>
+        </p:spPr>
+        <p:style>
+          <a:lnRef idx="2">
+            <a:schemeClr val="dk1"/>
+          </a:lnRef>
+          <a:fillRef idx="0">
+            <a:schemeClr val="dk1"/>
+          </a:fillRef>
+          <a:effectRef idx="1">
+            <a:schemeClr val="dk1"/>
+          </a:effectRef>
+          <a:fontRef idx="minor">
+            <a:schemeClr val="tx1"/>
+          </a:fontRef>
+        </p:style>
+      </p:cxnSp>
+      <p:sp>
+        <p:nvSpPr>
+          <p:cNvPr id="14" name="직사각형 13">
+            <a:extLst>
+              <a:ext uri="{FF2B5EF4-FFF2-40B4-BE49-F238E27FC236}">
+                <a16:creationId xmlns:a16="http://schemas.microsoft.com/office/drawing/2014/main" id="{8121960E-0587-FA9C-9782-230DE330976D}"/>
+              </a:ext>
+            </a:extLst>
+          </p:cNvPr>
+          <p:cNvSpPr/>
+          <p:nvPr/>
+        </p:nvSpPr>
+        <p:spPr>
+          <a:xfrm>
+            <a:off x="7528330" y="2907701"/>
+            <a:ext cx="1120140" cy="610463"/>
+          </a:xfrm>
+          <a:prstGeom prst="rect">
+            <a:avLst/>
+          </a:prstGeom>
+          <a:solidFill>
+            <a:srgbClr val="FFFF00"/>
+          </a:solidFill>
+          <a:ln>
+            <a:solidFill>
+              <a:srgbClr val="FF0000"/>
+            </a:solidFill>
+          </a:ln>
+        </p:spPr>
+        <p:style>
+          <a:lnRef idx="2">
+            <a:schemeClr val="accent1">
+              <a:shade val="15000"/>
+            </a:schemeClr>
+          </a:lnRef>
+          <a:fillRef idx="1">
+            <a:schemeClr val="accent1"/>
+          </a:fillRef>
+          <a:effectRef idx="0">
+            <a:schemeClr val="accent1"/>
+          </a:effectRef>
+          <a:fontRef idx="minor">
+            <a:schemeClr val="lt1"/>
+          </a:fontRef>
+        </p:style>
+        <p:txBody>
+          <a:bodyPr rtlCol="0" anchor="ctr"/>
+          <a:lstStyle/>
+          <a:p>
+            <a:pPr algn="ctr"/>
+            <a:r>
+              <a:rPr kumimoji="1" lang="en-US" altLang="ko-KR" sz="1600" dirty="0">
+                <a:solidFill>
+                  <a:schemeClr val="tx1"/>
+                </a:solidFill>
+                <a:latin typeface="Cascadia Code" pitchFamily="49" charset="0"/>
+                <a:cs typeface="Cascadia Code" pitchFamily="49" charset="0"/>
+              </a:rPr>
+              <a:t>0x100</a:t>
+            </a:r>
+            <a:endParaRPr kumimoji="1" lang="ko-KR" altLang="en-US" sz="1600" dirty="0">
+              <a:solidFill>
+                <a:schemeClr val="tx1"/>
+              </a:solidFill>
+              <a:latin typeface="Cascadia Code" pitchFamily="49" charset="0"/>
+              <a:cs typeface="Cascadia Code" pitchFamily="49" charset="0"/>
+            </a:endParaRPr>
+          </a:p>
+        </p:txBody>
+      </p:sp>
+      <p:sp>
+        <p:nvSpPr>
+          <p:cNvPr id="15" name="TextBox 14">
+            <a:extLst>
+              <a:ext uri="{FF2B5EF4-FFF2-40B4-BE49-F238E27FC236}">
+                <a16:creationId xmlns:a16="http://schemas.microsoft.com/office/drawing/2014/main" id="{F45B89C1-404F-427A-847C-3C4B2B2E1F46}"/>
+              </a:ext>
+            </a:extLst>
+          </p:cNvPr>
+          <p:cNvSpPr txBox="1"/>
+          <p:nvPr/>
+        </p:nvSpPr>
+        <p:spPr>
+          <a:xfrm>
+            <a:off x="6819902" y="3043655"/>
+            <a:ext cx="677948" cy="338554"/>
+          </a:xfrm>
+          <a:prstGeom prst="rect">
+            <a:avLst/>
+          </a:prstGeom>
+          <a:noFill/>
+        </p:spPr>
+        <p:txBody>
+          <a:bodyPr wrap="square" rtlCol="0">
+            <a:spAutoFit/>
+          </a:bodyPr>
+          <a:lstStyle/>
+          <a:p>
+            <a:pPr algn="ctr"/>
+            <a:r>
+              <a:rPr kumimoji="1" lang="en-US" altLang="ko-KR" sz="1600" dirty="0">
+                <a:latin typeface="Cascadia Code" pitchFamily="49" charset="0"/>
+                <a:ea typeface="Cascadia Code" pitchFamily="49" charset="0"/>
+                <a:cs typeface="Cascadia Code" pitchFamily="49" charset="0"/>
+              </a:rPr>
+              <a:t>name</a:t>
+            </a:r>
+            <a:endParaRPr kumimoji="1" lang="ko-KR" altLang="en-US" sz="1600" dirty="0">
+              <a:latin typeface="Cascadia Code" pitchFamily="49" charset="0"/>
+              <a:ea typeface="Cascadia Code" pitchFamily="49" charset="0"/>
+              <a:cs typeface="Cascadia Code" pitchFamily="49" charset="0"/>
+            </a:endParaRPr>
+          </a:p>
+        </p:txBody>
+      </p:sp>
+      <p:sp>
+        <p:nvSpPr>
+          <p:cNvPr id="16" name="직사각형 15">
+            <a:extLst>
+              <a:ext uri="{FF2B5EF4-FFF2-40B4-BE49-F238E27FC236}">
+                <a16:creationId xmlns:a16="http://schemas.microsoft.com/office/drawing/2014/main" id="{B5A4A7BE-CC92-1F2C-41B5-53722B7BB5C6}"/>
+              </a:ext>
+            </a:extLst>
+          </p:cNvPr>
+          <p:cNvSpPr/>
+          <p:nvPr/>
+        </p:nvSpPr>
+        <p:spPr>
+          <a:xfrm>
+            <a:off x="7528330" y="3518164"/>
+            <a:ext cx="1120140" cy="610463"/>
+          </a:xfrm>
+          <a:prstGeom prst="rect">
+            <a:avLst/>
+          </a:prstGeom>
+          <a:solidFill>
+            <a:srgbClr val="FFFF00"/>
+          </a:solidFill>
+          <a:ln>
+            <a:solidFill>
+              <a:srgbClr val="FF0000"/>
+            </a:solidFill>
+          </a:ln>
+        </p:spPr>
+        <p:style>
+          <a:lnRef idx="2">
+            <a:schemeClr val="accent1">
+              <a:shade val="15000"/>
+            </a:schemeClr>
+          </a:lnRef>
+          <a:fillRef idx="1">
+            <a:schemeClr val="accent1"/>
+          </a:fillRef>
+          <a:effectRef idx="0">
+            <a:schemeClr val="accent1"/>
+          </a:effectRef>
+          <a:fontRef idx="minor">
+            <a:schemeClr val="lt1"/>
+          </a:fontRef>
+        </p:style>
+        <p:txBody>
+          <a:bodyPr rtlCol="0" anchor="ctr"/>
+          <a:lstStyle/>
+          <a:p>
+            <a:pPr algn="ctr"/>
+            <a:r>
+              <a:rPr kumimoji="1" lang="en-US" altLang="ko-KR" sz="1600" dirty="0">
+                <a:solidFill>
+                  <a:schemeClr val="tx1"/>
+                </a:solidFill>
+                <a:latin typeface="Cascadia Code" pitchFamily="49" charset="0"/>
+                <a:cs typeface="Cascadia Code" pitchFamily="49" charset="0"/>
+              </a:rPr>
+              <a:t>42</a:t>
+            </a:r>
+            <a:endParaRPr kumimoji="1" lang="ko-KR" altLang="en-US" sz="1600" dirty="0">
+              <a:solidFill>
+                <a:schemeClr val="tx1"/>
+              </a:solidFill>
+              <a:latin typeface="Cascadia Code" pitchFamily="49" charset="0"/>
+              <a:cs typeface="Cascadia Code" pitchFamily="49" charset="0"/>
+            </a:endParaRPr>
+          </a:p>
+        </p:txBody>
+      </p:sp>
+      <p:sp>
+        <p:nvSpPr>
+          <p:cNvPr id="17" name="TextBox 16">
+            <a:extLst>
+              <a:ext uri="{FF2B5EF4-FFF2-40B4-BE49-F238E27FC236}">
+                <a16:creationId xmlns:a16="http://schemas.microsoft.com/office/drawing/2014/main" id="{D5AB620C-140A-C256-FCFB-2B6962735EEB}"/>
+              </a:ext>
+            </a:extLst>
+          </p:cNvPr>
+          <p:cNvSpPr txBox="1"/>
+          <p:nvPr/>
+        </p:nvSpPr>
+        <p:spPr>
+          <a:xfrm>
+            <a:off x="6939975" y="3654118"/>
+            <a:ext cx="557875" cy="338554"/>
+          </a:xfrm>
+          <a:prstGeom prst="rect">
+            <a:avLst/>
+          </a:prstGeom>
+          <a:noFill/>
+        </p:spPr>
+        <p:txBody>
+          <a:bodyPr wrap="square" rtlCol="0">
+            <a:spAutoFit/>
+          </a:bodyPr>
+          <a:lstStyle/>
+          <a:p>
+            <a:pPr algn="ctr"/>
+            <a:r>
+              <a:rPr kumimoji="1" lang="en-US" altLang="ko-KR" sz="1600" dirty="0">
+                <a:latin typeface="Cascadia Code" pitchFamily="49" charset="0"/>
+                <a:ea typeface="Cascadia Code" pitchFamily="49" charset="0"/>
+                <a:cs typeface="Cascadia Code" pitchFamily="49" charset="0"/>
+              </a:rPr>
+              <a:t>age</a:t>
+            </a:r>
+            <a:endParaRPr kumimoji="1" lang="ko-KR" altLang="en-US" sz="1600" dirty="0">
+              <a:latin typeface="Cascadia Code" pitchFamily="49" charset="0"/>
+              <a:ea typeface="Cascadia Code" pitchFamily="49" charset="0"/>
+              <a:cs typeface="Cascadia Code" pitchFamily="49" charset="0"/>
+            </a:endParaRPr>
+          </a:p>
+        </p:txBody>
+      </p:sp>
+      <p:sp>
+        <p:nvSpPr>
+          <p:cNvPr id="18" name="TextBox 17">
+            <a:extLst>
+              <a:ext uri="{FF2B5EF4-FFF2-40B4-BE49-F238E27FC236}">
+                <a16:creationId xmlns:a16="http://schemas.microsoft.com/office/drawing/2014/main" id="{89E6F758-C939-C501-FA37-B7329B4E8500}"/>
+              </a:ext>
+            </a:extLst>
+          </p:cNvPr>
+          <p:cNvSpPr txBox="1"/>
+          <p:nvPr/>
+        </p:nvSpPr>
+        <p:spPr>
+          <a:xfrm>
+            <a:off x="7635241" y="2512599"/>
+            <a:ext cx="906317" cy="369332"/>
+          </a:xfrm>
+          <a:prstGeom prst="rect">
+            <a:avLst/>
+          </a:prstGeom>
+          <a:noFill/>
+        </p:spPr>
+        <p:txBody>
+          <a:bodyPr wrap="square">
+            <a:spAutoFit/>
+          </a:bodyPr>
+          <a:lstStyle/>
+          <a:p>
+            <a:pPr algn="ctr"/>
+            <a:r>
+              <a:rPr lang="en-US" altLang="ko-KR" dirty="0">
+                <a:latin typeface="Cascadia Code" pitchFamily="49" charset="0"/>
+                <a:cs typeface="Cascadia Code" pitchFamily="49" charset="0"/>
+              </a:rPr>
+              <a:t>other</a:t>
+            </a:r>
+            <a:endParaRPr lang="ko-KR" altLang="en-US" dirty="0"/>
+          </a:p>
+        </p:txBody>
+      </p:sp>
+      <p:cxnSp>
+        <p:nvCxnSpPr>
+          <p:cNvPr id="19" name="구부러진 연결선[U] 18">
+            <a:extLst>
+              <a:ext uri="{FF2B5EF4-FFF2-40B4-BE49-F238E27FC236}">
+                <a16:creationId xmlns:a16="http://schemas.microsoft.com/office/drawing/2014/main" id="{E0FA6B69-A629-757F-739E-36B3FDBB2B38}"/>
+              </a:ext>
+            </a:extLst>
+          </p:cNvPr>
+          <p:cNvCxnSpPr>
+            <a:cxnSpLocks/>
+            <a:stCxn id="14" idx="3"/>
+            <a:endCxn id="11" idx="1"/>
+          </p:cNvCxnSpPr>
+          <p:nvPr/>
+        </p:nvCxnSpPr>
+        <p:spPr>
+          <a:xfrm flipV="1">
+            <a:off x="8648470" y="1783853"/>
+            <a:ext cx="1345275" cy="1429080"/>
+          </a:xfrm>
+          <a:prstGeom prst="curvedConnector3">
+            <a:avLst/>
+          </a:prstGeom>
+          <a:ln>
+            <a:tailEnd type="triangle"/>
+          </a:ln>
+        </p:spPr>
+        <p:style>
+          <a:lnRef idx="2">
+            <a:schemeClr val="dk1"/>
+          </a:lnRef>
+          <a:fillRef idx="0">
+            <a:schemeClr val="dk1"/>
+          </a:fillRef>
+          <a:effectRef idx="1">
+            <a:schemeClr val="dk1"/>
+          </a:effectRef>
+          <a:fontRef idx="minor">
+            <a:schemeClr val="tx1"/>
+          </a:fontRef>
+        </p:style>
+      </p:cxnSp>
+    </p:spTree>
+    <p:extLst>
+      <p:ext uri="{BB962C8B-B14F-4D97-AF65-F5344CB8AC3E}">
+        <p14:creationId xmlns:p14="http://schemas.microsoft.com/office/powerpoint/2010/main" val="544100416"/>
+      </p:ext>
+    </p:extLst>
+  </p:cSld>
+  <p:clrMapOvr>
+    <a:masterClrMapping/>
+  </p:clrMapOvr>
+</p:sld>
+</file>
+
+<file path=ppt/slides/slide31.xml><?xml version="1.0" encoding="utf-8"?>
+<p:sld xmlns:a="http://schemas.openxmlformats.org/drawingml/2006/main" xmlns:r="http://schemas.openxmlformats.org/officeDocument/2006/relationships" xmlns:p="http://schemas.openxmlformats.org/presentationml/2006/main">
+  <p:cSld>
+    <p:spTree>
+      <p:nvGrpSpPr>
+        <p:cNvPr id="1" name=""/>
+        <p:cNvGrpSpPr/>
+        <p:nvPr/>
+      </p:nvGrpSpPr>
+      <p:grpSpPr>
+        <a:xfrm>
+          <a:off x="0" y="0"/>
+          <a:ext cx="0" cy="0"/>
+          <a:chOff x="0" y="0"/>
+          <a:chExt cx="0" cy="0"/>
+        </a:xfrm>
+      </p:grpSpPr>
+      <p:sp>
+        <p:nvSpPr>
+          <p:cNvPr id="6" name="직사각형 5">
+            <a:extLst>
+              <a:ext uri="{FF2B5EF4-FFF2-40B4-BE49-F238E27FC236}">
+                <a16:creationId xmlns:a16="http://schemas.microsoft.com/office/drawing/2014/main" id="{86325650-4E19-E736-B1CB-78EA4E1BEF14}"/>
+              </a:ext>
+            </a:extLst>
+          </p:cNvPr>
+          <p:cNvSpPr/>
+          <p:nvPr/>
+        </p:nvSpPr>
+        <p:spPr>
+          <a:xfrm>
+            <a:off x="7515630" y="936135"/>
+            <a:ext cx="1120140" cy="610463"/>
+          </a:xfrm>
+          <a:prstGeom prst="rect">
+            <a:avLst/>
+          </a:prstGeom>
+          <a:solidFill>
+            <a:srgbClr val="FFFF00"/>
+          </a:solidFill>
+        </p:spPr>
+        <p:style>
+          <a:lnRef idx="2">
+            <a:schemeClr val="accent1">
+              <a:shade val="15000"/>
+            </a:schemeClr>
+          </a:lnRef>
+          <a:fillRef idx="1">
+            <a:schemeClr val="accent1"/>
+          </a:fillRef>
+          <a:effectRef idx="0">
+            <a:schemeClr val="accent1"/>
+          </a:effectRef>
+          <a:fontRef idx="minor">
+            <a:schemeClr val="lt1"/>
+          </a:fontRef>
+        </p:style>
+        <p:txBody>
+          <a:bodyPr rtlCol="0" anchor="ctr"/>
+          <a:lstStyle/>
+          <a:p>
+            <a:pPr algn="ctr"/>
+            <a:endParaRPr kumimoji="1" lang="ko-KR" altLang="en-US" sz="1600" dirty="0">
+              <a:solidFill>
+                <a:schemeClr val="tx1"/>
+              </a:solidFill>
+              <a:latin typeface="Cascadia Code" pitchFamily="49" charset="0"/>
+              <a:cs typeface="Cascadia Code" pitchFamily="49" charset="0"/>
+            </a:endParaRPr>
+          </a:p>
+        </p:txBody>
+      </p:sp>
+      <p:sp>
+        <p:nvSpPr>
+          <p:cNvPr id="7" name="TextBox 6">
+            <a:extLst>
+              <a:ext uri="{FF2B5EF4-FFF2-40B4-BE49-F238E27FC236}">
+                <a16:creationId xmlns:a16="http://schemas.microsoft.com/office/drawing/2014/main" id="{C65D11FB-A63A-F2E5-6956-F1ABAE008627}"/>
+              </a:ext>
+            </a:extLst>
+          </p:cNvPr>
+          <p:cNvSpPr txBox="1"/>
+          <p:nvPr/>
+        </p:nvSpPr>
+        <p:spPr>
+          <a:xfrm>
+            <a:off x="6807202" y="1072089"/>
+            <a:ext cx="677948" cy="338554"/>
+          </a:xfrm>
+          <a:prstGeom prst="rect">
+            <a:avLst/>
+          </a:prstGeom>
+          <a:noFill/>
+        </p:spPr>
+        <p:txBody>
+          <a:bodyPr wrap="square" rtlCol="0">
+            <a:spAutoFit/>
+          </a:bodyPr>
+          <a:lstStyle/>
+          <a:p>
+            <a:pPr algn="ctr"/>
+            <a:r>
+              <a:rPr kumimoji="1" lang="en-US" altLang="ko-KR" sz="1600" dirty="0">
+                <a:latin typeface="Cascadia Code" pitchFamily="49" charset="0"/>
+                <a:ea typeface="Cascadia Code" pitchFamily="49" charset="0"/>
+                <a:cs typeface="Cascadia Code" pitchFamily="49" charset="0"/>
+              </a:rPr>
+              <a:t>name</a:t>
+            </a:r>
+            <a:endParaRPr kumimoji="1" lang="ko-KR" altLang="en-US" sz="1600" dirty="0">
+              <a:latin typeface="Cascadia Code" pitchFamily="49" charset="0"/>
+              <a:ea typeface="Cascadia Code" pitchFamily="49" charset="0"/>
+              <a:cs typeface="Cascadia Code" pitchFamily="49" charset="0"/>
+            </a:endParaRPr>
+          </a:p>
+        </p:txBody>
+      </p:sp>
+      <p:sp>
+        <p:nvSpPr>
+          <p:cNvPr id="8" name="직사각형 7">
+            <a:extLst>
+              <a:ext uri="{FF2B5EF4-FFF2-40B4-BE49-F238E27FC236}">
+                <a16:creationId xmlns:a16="http://schemas.microsoft.com/office/drawing/2014/main" id="{B20E6156-15E8-B73E-EB16-ECEB9B07D0DA}"/>
+              </a:ext>
+            </a:extLst>
+          </p:cNvPr>
+          <p:cNvSpPr/>
+          <p:nvPr/>
+        </p:nvSpPr>
+        <p:spPr>
+          <a:xfrm>
+            <a:off x="7515630" y="1546598"/>
+            <a:ext cx="1120140" cy="610463"/>
+          </a:xfrm>
+          <a:prstGeom prst="rect">
+            <a:avLst/>
+          </a:prstGeom>
+          <a:solidFill>
+            <a:srgbClr val="FFFF00"/>
+          </a:solidFill>
+        </p:spPr>
+        <p:style>
+          <a:lnRef idx="2">
+            <a:schemeClr val="accent1">
+              <a:shade val="15000"/>
+            </a:schemeClr>
+          </a:lnRef>
+          <a:fillRef idx="1">
+            <a:schemeClr val="accent1"/>
+          </a:fillRef>
+          <a:effectRef idx="0">
+            <a:schemeClr val="accent1"/>
+          </a:effectRef>
+          <a:fontRef idx="minor">
+            <a:schemeClr val="lt1"/>
+          </a:fontRef>
+        </p:style>
+        <p:txBody>
+          <a:bodyPr rtlCol="0" anchor="ctr"/>
+          <a:lstStyle/>
+          <a:p>
+            <a:pPr algn="ctr"/>
+            <a:r>
+              <a:rPr kumimoji="1" lang="en-US" altLang="ko-KR" sz="1600" dirty="0">
+                <a:solidFill>
+                  <a:schemeClr val="tx1"/>
+                </a:solidFill>
+                <a:latin typeface="Cascadia Code" pitchFamily="49" charset="0"/>
+                <a:cs typeface="Cascadia Code" pitchFamily="49" charset="0"/>
+              </a:rPr>
+              <a:t>42</a:t>
+            </a:r>
+            <a:endParaRPr kumimoji="1" lang="ko-KR" altLang="en-US" sz="1600" dirty="0">
+              <a:solidFill>
+                <a:schemeClr val="tx1"/>
+              </a:solidFill>
+              <a:latin typeface="Cascadia Code" pitchFamily="49" charset="0"/>
+              <a:cs typeface="Cascadia Code" pitchFamily="49" charset="0"/>
+            </a:endParaRPr>
+          </a:p>
+        </p:txBody>
+      </p:sp>
+      <p:sp>
+        <p:nvSpPr>
+          <p:cNvPr id="9" name="TextBox 8">
+            <a:extLst>
+              <a:ext uri="{FF2B5EF4-FFF2-40B4-BE49-F238E27FC236}">
+                <a16:creationId xmlns:a16="http://schemas.microsoft.com/office/drawing/2014/main" id="{55DE0C4D-1C6C-E4AE-AD8D-6431FD2F7AD1}"/>
+              </a:ext>
+            </a:extLst>
+          </p:cNvPr>
+          <p:cNvSpPr txBox="1"/>
+          <p:nvPr/>
+        </p:nvSpPr>
+        <p:spPr>
+          <a:xfrm>
+            <a:off x="6927275" y="1682552"/>
+            <a:ext cx="557875" cy="338554"/>
+          </a:xfrm>
+          <a:prstGeom prst="rect">
+            <a:avLst/>
+          </a:prstGeom>
+          <a:noFill/>
+        </p:spPr>
+        <p:txBody>
+          <a:bodyPr wrap="square" rtlCol="0">
+            <a:spAutoFit/>
+          </a:bodyPr>
+          <a:lstStyle/>
+          <a:p>
+            <a:pPr algn="ctr"/>
+            <a:r>
+              <a:rPr kumimoji="1" lang="en-US" altLang="ko-KR" sz="1600" dirty="0">
+                <a:latin typeface="Cascadia Code" pitchFamily="49" charset="0"/>
+                <a:ea typeface="Cascadia Code" pitchFamily="49" charset="0"/>
+                <a:cs typeface="Cascadia Code" pitchFamily="49" charset="0"/>
+              </a:rPr>
+              <a:t>age</a:t>
+            </a:r>
+            <a:endParaRPr kumimoji="1" lang="ko-KR" altLang="en-US" sz="1600" dirty="0">
+              <a:latin typeface="Cascadia Code" pitchFamily="49" charset="0"/>
+              <a:ea typeface="Cascadia Code" pitchFamily="49" charset="0"/>
+              <a:cs typeface="Cascadia Code" pitchFamily="49" charset="0"/>
+            </a:endParaRPr>
+          </a:p>
+        </p:txBody>
+      </p:sp>
+      <p:sp>
+        <p:nvSpPr>
+          <p:cNvPr id="10" name="TextBox 9">
+            <a:extLst>
+              <a:ext uri="{FF2B5EF4-FFF2-40B4-BE49-F238E27FC236}">
+                <a16:creationId xmlns:a16="http://schemas.microsoft.com/office/drawing/2014/main" id="{6D042A22-E39C-0F8D-3385-9DF791F16320}"/>
+              </a:ext>
+            </a:extLst>
+          </p:cNvPr>
+          <p:cNvSpPr txBox="1"/>
+          <p:nvPr/>
+        </p:nvSpPr>
+        <p:spPr>
+          <a:xfrm>
+            <a:off x="7622541" y="541033"/>
+            <a:ext cx="906317" cy="369332"/>
+          </a:xfrm>
+          <a:prstGeom prst="rect">
+            <a:avLst/>
+          </a:prstGeom>
+          <a:noFill/>
+        </p:spPr>
+        <p:txBody>
+          <a:bodyPr wrap="square">
+            <a:spAutoFit/>
+          </a:bodyPr>
+          <a:lstStyle/>
+          <a:p>
+            <a:pPr algn="ctr"/>
+            <a:r>
+              <a:rPr lang="en-US" altLang="ko-KR" dirty="0">
+                <a:latin typeface="Cascadia Code" pitchFamily="49" charset="0"/>
+                <a:cs typeface="Cascadia Code" pitchFamily="49" charset="0"/>
+              </a:rPr>
+              <a:t>user</a:t>
+            </a:r>
+            <a:endParaRPr lang="ko-KR" altLang="en-US" dirty="0"/>
+          </a:p>
+        </p:txBody>
+      </p:sp>
+      <p:sp>
+        <p:nvSpPr>
+          <p:cNvPr id="11" name="직사각형 10">
+            <a:extLst>
+              <a:ext uri="{FF2B5EF4-FFF2-40B4-BE49-F238E27FC236}">
+                <a16:creationId xmlns:a16="http://schemas.microsoft.com/office/drawing/2014/main" id="{2BF08293-E6C8-D699-8F8E-FBFD89498CF0}"/>
+              </a:ext>
+            </a:extLst>
+          </p:cNvPr>
+          <p:cNvSpPr/>
+          <p:nvPr/>
+        </p:nvSpPr>
+        <p:spPr>
+          <a:xfrm>
+            <a:off x="9993745" y="1546599"/>
+            <a:ext cx="1528388" cy="474508"/>
+          </a:xfrm>
+          <a:prstGeom prst="rect">
+            <a:avLst/>
+          </a:prstGeom>
+          <a:solidFill>
+            <a:srgbClr val="FFFF00"/>
+          </a:solidFill>
+        </p:spPr>
+        <p:style>
+          <a:lnRef idx="2">
+            <a:schemeClr val="accent1">
+              <a:shade val="15000"/>
+            </a:schemeClr>
+          </a:lnRef>
+          <a:fillRef idx="1">
+            <a:schemeClr val="accent1"/>
+          </a:fillRef>
+          <a:effectRef idx="0">
+            <a:schemeClr val="accent1"/>
+          </a:effectRef>
+          <a:fontRef idx="minor">
+            <a:schemeClr val="lt1"/>
+          </a:fontRef>
+        </p:style>
+        <p:txBody>
+          <a:bodyPr rtlCol="0" anchor="ctr"/>
+          <a:lstStyle/>
+          <a:p>
+            <a:pPr algn="ctr"/>
+            <a:r>
+              <a:rPr kumimoji="1" lang="en-US" altLang="ko-KR" sz="1600" dirty="0">
+                <a:solidFill>
+                  <a:schemeClr val="tx1"/>
+                </a:solidFill>
+                <a:latin typeface="Cascadia Code" pitchFamily="49" charset="0"/>
+                <a:cs typeface="Cascadia Code" pitchFamily="49" charset="0"/>
+              </a:rPr>
+              <a:t>“Tom”</a:t>
+            </a:r>
+            <a:endParaRPr kumimoji="1" lang="ko-KR" altLang="en-US" sz="1600" dirty="0">
+              <a:solidFill>
+                <a:schemeClr val="tx1"/>
+              </a:solidFill>
+              <a:latin typeface="Cascadia Code" pitchFamily="49" charset="0"/>
+              <a:cs typeface="Cascadia Code" pitchFamily="49" charset="0"/>
+            </a:endParaRPr>
+          </a:p>
+        </p:txBody>
+      </p:sp>
+      <p:cxnSp>
+        <p:nvCxnSpPr>
+          <p:cNvPr id="13" name="구부러진 연결선[U] 12">
+            <a:extLst>
+              <a:ext uri="{FF2B5EF4-FFF2-40B4-BE49-F238E27FC236}">
+                <a16:creationId xmlns:a16="http://schemas.microsoft.com/office/drawing/2014/main" id="{2016A6E4-83DA-2C7A-6215-579B6CF803AE}"/>
+              </a:ext>
+            </a:extLst>
+          </p:cNvPr>
+          <p:cNvCxnSpPr>
+            <a:stCxn id="6" idx="3"/>
+            <a:endCxn id="11" idx="1"/>
+          </p:cNvCxnSpPr>
+          <p:nvPr/>
+        </p:nvCxnSpPr>
+        <p:spPr>
+          <a:xfrm>
+            <a:off x="8635770" y="1241367"/>
+            <a:ext cx="1357975" cy="542486"/>
+          </a:xfrm>
+          <a:prstGeom prst="curvedConnector3">
+            <a:avLst/>
+          </a:prstGeom>
+          <a:ln>
+            <a:tailEnd type="triangle"/>
+          </a:ln>
+        </p:spPr>
+        <p:style>
+          <a:lnRef idx="2">
+            <a:schemeClr val="dk1"/>
+          </a:lnRef>
+          <a:fillRef idx="0">
+            <a:schemeClr val="dk1"/>
+          </a:fillRef>
+          <a:effectRef idx="1">
+            <a:schemeClr val="dk1"/>
+          </a:effectRef>
+          <a:fontRef idx="minor">
+            <a:schemeClr val="tx1"/>
+          </a:fontRef>
+        </p:style>
+      </p:cxnSp>
+      <p:sp>
+        <p:nvSpPr>
+          <p:cNvPr id="2" name="직사각형 1">
+            <a:extLst>
+              <a:ext uri="{FF2B5EF4-FFF2-40B4-BE49-F238E27FC236}">
+                <a16:creationId xmlns:a16="http://schemas.microsoft.com/office/drawing/2014/main" id="{57D3036E-8CFE-A0FE-B29E-32B5F6BA8B43}"/>
+              </a:ext>
+            </a:extLst>
+          </p:cNvPr>
+          <p:cNvSpPr/>
+          <p:nvPr/>
+        </p:nvSpPr>
+        <p:spPr>
+          <a:xfrm>
+            <a:off x="7515630" y="3162626"/>
+            <a:ext cx="1120140" cy="610463"/>
+          </a:xfrm>
+          <a:prstGeom prst="rect">
+            <a:avLst/>
+          </a:prstGeom>
+          <a:solidFill>
+            <a:srgbClr val="FFFF00"/>
+          </a:solidFill>
+        </p:spPr>
+        <p:style>
+          <a:lnRef idx="2">
+            <a:schemeClr val="accent1">
+              <a:shade val="15000"/>
+            </a:schemeClr>
+          </a:lnRef>
+          <a:fillRef idx="1">
+            <a:schemeClr val="accent1"/>
+          </a:fillRef>
+          <a:effectRef idx="0">
+            <a:schemeClr val="accent1"/>
+          </a:effectRef>
+          <a:fontRef idx="minor">
+            <a:schemeClr val="lt1"/>
+          </a:fontRef>
+        </p:style>
+        <p:txBody>
+          <a:bodyPr rtlCol="0" anchor="ctr"/>
+          <a:lstStyle/>
+          <a:p>
+            <a:pPr algn="ctr"/>
+            <a:endParaRPr kumimoji="1" lang="ko-KR" altLang="en-US" sz="1600" dirty="0">
+              <a:solidFill>
+                <a:schemeClr val="tx1"/>
+              </a:solidFill>
+              <a:latin typeface="Cascadia Code" pitchFamily="49" charset="0"/>
+              <a:cs typeface="Cascadia Code" pitchFamily="49" charset="0"/>
+            </a:endParaRPr>
+          </a:p>
+        </p:txBody>
+      </p:sp>
+      <p:sp>
+        <p:nvSpPr>
+          <p:cNvPr id="3" name="TextBox 2">
+            <a:extLst>
+              <a:ext uri="{FF2B5EF4-FFF2-40B4-BE49-F238E27FC236}">
+                <a16:creationId xmlns:a16="http://schemas.microsoft.com/office/drawing/2014/main" id="{B906887D-0572-C825-A393-EC2486CA87BB}"/>
+              </a:ext>
+            </a:extLst>
+          </p:cNvPr>
+          <p:cNvSpPr txBox="1"/>
+          <p:nvPr/>
+        </p:nvSpPr>
+        <p:spPr>
+          <a:xfrm>
+            <a:off x="6807202" y="3298580"/>
+            <a:ext cx="677948" cy="338554"/>
+          </a:xfrm>
+          <a:prstGeom prst="rect">
+            <a:avLst/>
+          </a:prstGeom>
+          <a:noFill/>
+        </p:spPr>
+        <p:txBody>
+          <a:bodyPr wrap="square" rtlCol="0">
+            <a:spAutoFit/>
+          </a:bodyPr>
+          <a:lstStyle/>
+          <a:p>
+            <a:pPr algn="ctr"/>
+            <a:r>
+              <a:rPr kumimoji="1" lang="en-US" altLang="ko-KR" sz="1600" dirty="0">
+                <a:latin typeface="Cascadia Code" pitchFamily="49" charset="0"/>
+                <a:ea typeface="Cascadia Code" pitchFamily="49" charset="0"/>
+                <a:cs typeface="Cascadia Code" pitchFamily="49" charset="0"/>
+              </a:rPr>
+              <a:t>name</a:t>
+            </a:r>
+            <a:endParaRPr kumimoji="1" lang="ko-KR" altLang="en-US" sz="1600" dirty="0">
+              <a:latin typeface="Cascadia Code" pitchFamily="49" charset="0"/>
+              <a:ea typeface="Cascadia Code" pitchFamily="49" charset="0"/>
+              <a:cs typeface="Cascadia Code" pitchFamily="49" charset="0"/>
+            </a:endParaRPr>
+          </a:p>
+        </p:txBody>
+      </p:sp>
+      <p:sp>
+        <p:nvSpPr>
+          <p:cNvPr id="4" name="직사각형 3">
+            <a:extLst>
+              <a:ext uri="{FF2B5EF4-FFF2-40B4-BE49-F238E27FC236}">
+                <a16:creationId xmlns:a16="http://schemas.microsoft.com/office/drawing/2014/main" id="{57289BF6-38C3-F312-EB0D-2D61FE189E3E}"/>
+              </a:ext>
+            </a:extLst>
+          </p:cNvPr>
+          <p:cNvSpPr/>
+          <p:nvPr/>
+        </p:nvSpPr>
+        <p:spPr>
+          <a:xfrm>
+            <a:off x="7515630" y="3773089"/>
+            <a:ext cx="1120140" cy="610463"/>
+          </a:xfrm>
+          <a:prstGeom prst="rect">
+            <a:avLst/>
+          </a:prstGeom>
+          <a:solidFill>
+            <a:srgbClr val="FFFF00"/>
+          </a:solidFill>
+        </p:spPr>
+        <p:style>
+          <a:lnRef idx="2">
+            <a:schemeClr val="accent1">
+              <a:shade val="15000"/>
+            </a:schemeClr>
+          </a:lnRef>
+          <a:fillRef idx="1">
+            <a:schemeClr val="accent1"/>
+          </a:fillRef>
+          <a:effectRef idx="0">
+            <a:schemeClr val="accent1"/>
+          </a:effectRef>
+          <a:fontRef idx="minor">
+            <a:schemeClr val="lt1"/>
+          </a:fontRef>
+        </p:style>
+        <p:txBody>
+          <a:bodyPr rtlCol="0" anchor="ctr"/>
+          <a:lstStyle/>
+          <a:p>
+            <a:pPr algn="ctr"/>
+            <a:r>
+              <a:rPr kumimoji="1" lang="en-US" altLang="ko-KR" sz="1600" dirty="0">
+                <a:solidFill>
+                  <a:schemeClr val="tx1"/>
+                </a:solidFill>
+                <a:latin typeface="Cascadia Code" pitchFamily="49" charset="0"/>
+                <a:cs typeface="Cascadia Code" pitchFamily="49" charset="0"/>
+              </a:rPr>
+              <a:t>42</a:t>
+            </a:r>
+            <a:endParaRPr kumimoji="1" lang="ko-KR" altLang="en-US" sz="1600" dirty="0">
+              <a:solidFill>
+                <a:schemeClr val="tx1"/>
+              </a:solidFill>
+              <a:latin typeface="Cascadia Code" pitchFamily="49" charset="0"/>
+              <a:cs typeface="Cascadia Code" pitchFamily="49" charset="0"/>
+            </a:endParaRPr>
+          </a:p>
+        </p:txBody>
+      </p:sp>
+      <p:sp>
+        <p:nvSpPr>
+          <p:cNvPr id="12" name="TextBox 11">
+            <a:extLst>
+              <a:ext uri="{FF2B5EF4-FFF2-40B4-BE49-F238E27FC236}">
+                <a16:creationId xmlns:a16="http://schemas.microsoft.com/office/drawing/2014/main" id="{3A9A2A23-7A42-6CDB-D7B3-98D97B514BFB}"/>
+              </a:ext>
+            </a:extLst>
+          </p:cNvPr>
+          <p:cNvSpPr txBox="1"/>
+          <p:nvPr/>
+        </p:nvSpPr>
+        <p:spPr>
+          <a:xfrm>
+            <a:off x="6927275" y="3909043"/>
+            <a:ext cx="557875" cy="338554"/>
+          </a:xfrm>
+          <a:prstGeom prst="rect">
+            <a:avLst/>
+          </a:prstGeom>
+          <a:noFill/>
+        </p:spPr>
+        <p:txBody>
+          <a:bodyPr wrap="square" rtlCol="0">
+            <a:spAutoFit/>
+          </a:bodyPr>
+          <a:lstStyle/>
+          <a:p>
+            <a:pPr algn="ctr"/>
+            <a:r>
+              <a:rPr kumimoji="1" lang="en-US" altLang="ko-KR" sz="1600" dirty="0">
+                <a:latin typeface="Cascadia Code" pitchFamily="49" charset="0"/>
+                <a:ea typeface="Cascadia Code" pitchFamily="49" charset="0"/>
+                <a:cs typeface="Cascadia Code" pitchFamily="49" charset="0"/>
+              </a:rPr>
+              <a:t>age</a:t>
+            </a:r>
+            <a:endParaRPr kumimoji="1" lang="ko-KR" altLang="en-US" sz="1600" dirty="0">
+              <a:latin typeface="Cascadia Code" pitchFamily="49" charset="0"/>
+              <a:ea typeface="Cascadia Code" pitchFamily="49" charset="0"/>
+              <a:cs typeface="Cascadia Code" pitchFamily="49" charset="0"/>
+            </a:endParaRPr>
+          </a:p>
+        </p:txBody>
+      </p:sp>
+      <p:sp>
+        <p:nvSpPr>
+          <p:cNvPr id="14" name="TextBox 13">
+            <a:extLst>
+              <a:ext uri="{FF2B5EF4-FFF2-40B4-BE49-F238E27FC236}">
+                <a16:creationId xmlns:a16="http://schemas.microsoft.com/office/drawing/2014/main" id="{B3798C4A-FA65-A60C-8EA0-B23DB80EEE0D}"/>
+              </a:ext>
+            </a:extLst>
+          </p:cNvPr>
+          <p:cNvSpPr txBox="1"/>
+          <p:nvPr/>
+        </p:nvSpPr>
+        <p:spPr>
+          <a:xfrm>
+            <a:off x="7622541" y="2767524"/>
+            <a:ext cx="906317" cy="369332"/>
+          </a:xfrm>
+          <a:prstGeom prst="rect">
+            <a:avLst/>
+          </a:prstGeom>
+          <a:noFill/>
+        </p:spPr>
+        <p:txBody>
+          <a:bodyPr wrap="square">
+            <a:spAutoFit/>
+          </a:bodyPr>
+          <a:lstStyle/>
+          <a:p>
+            <a:pPr algn="ctr"/>
+            <a:r>
+              <a:rPr lang="en-US" altLang="ko-KR" dirty="0">
+                <a:latin typeface="Cascadia Code" pitchFamily="49" charset="0"/>
+                <a:cs typeface="Cascadia Code" pitchFamily="49" charset="0"/>
+              </a:rPr>
+              <a:t>other</a:t>
+            </a:r>
+            <a:endParaRPr lang="ko-KR" altLang="en-US" dirty="0"/>
+          </a:p>
+        </p:txBody>
+      </p:sp>
+      <p:sp>
+        <p:nvSpPr>
+          <p:cNvPr id="15" name="직사각형 14">
+            <a:extLst>
+              <a:ext uri="{FF2B5EF4-FFF2-40B4-BE49-F238E27FC236}">
+                <a16:creationId xmlns:a16="http://schemas.microsoft.com/office/drawing/2014/main" id="{1A58740B-856B-4672-E065-0D5B0766C136}"/>
+              </a:ext>
+            </a:extLst>
+          </p:cNvPr>
+          <p:cNvSpPr/>
+          <p:nvPr/>
+        </p:nvSpPr>
+        <p:spPr>
+          <a:xfrm>
+            <a:off x="9993745" y="3136856"/>
+            <a:ext cx="1528388" cy="474508"/>
+          </a:xfrm>
+          <a:prstGeom prst="rect">
+            <a:avLst/>
+          </a:prstGeom>
+          <a:solidFill>
+            <a:srgbClr val="FFFF00"/>
+          </a:solidFill>
+        </p:spPr>
+        <p:style>
+          <a:lnRef idx="2">
+            <a:schemeClr val="accent1">
+              <a:shade val="15000"/>
+            </a:schemeClr>
+          </a:lnRef>
+          <a:fillRef idx="1">
+            <a:schemeClr val="accent1"/>
+          </a:fillRef>
+          <a:effectRef idx="0">
+            <a:schemeClr val="accent1"/>
+          </a:effectRef>
+          <a:fontRef idx="minor">
+            <a:schemeClr val="lt1"/>
+          </a:fontRef>
+        </p:style>
+        <p:txBody>
+          <a:bodyPr rtlCol="0" anchor="ctr"/>
+          <a:lstStyle/>
+          <a:p>
+            <a:pPr algn="ctr"/>
+            <a:r>
+              <a:rPr kumimoji="1" lang="en-US" altLang="ko-KR" sz="1600" dirty="0">
+                <a:solidFill>
+                  <a:schemeClr val="tx1"/>
+                </a:solidFill>
+                <a:latin typeface="Cascadia Code" pitchFamily="49" charset="0"/>
+                <a:cs typeface="Cascadia Code" pitchFamily="49" charset="0"/>
+              </a:rPr>
+              <a:t>“Tom”</a:t>
+            </a:r>
+            <a:endParaRPr kumimoji="1" lang="ko-KR" altLang="en-US" sz="1600" dirty="0">
+              <a:solidFill>
+                <a:schemeClr val="tx1"/>
+              </a:solidFill>
+              <a:latin typeface="Cascadia Code" pitchFamily="49" charset="0"/>
+              <a:cs typeface="Cascadia Code" pitchFamily="49" charset="0"/>
+            </a:endParaRPr>
+          </a:p>
+        </p:txBody>
+      </p:sp>
+      <p:cxnSp>
+        <p:nvCxnSpPr>
+          <p:cNvPr id="16" name="구부러진 연결선[U] 15">
+            <a:extLst>
+              <a:ext uri="{FF2B5EF4-FFF2-40B4-BE49-F238E27FC236}">
+                <a16:creationId xmlns:a16="http://schemas.microsoft.com/office/drawing/2014/main" id="{AE6067B4-2AFB-15CE-9C81-6942518859B5}"/>
+              </a:ext>
+            </a:extLst>
+          </p:cNvPr>
+          <p:cNvCxnSpPr>
+            <a:cxnSpLocks/>
+            <a:stCxn id="2" idx="3"/>
+            <a:endCxn id="15" idx="1"/>
+          </p:cNvCxnSpPr>
+          <p:nvPr/>
+        </p:nvCxnSpPr>
+        <p:spPr>
+          <a:xfrm flipV="1">
+            <a:off x="8635770" y="3374110"/>
+            <a:ext cx="1357975" cy="93748"/>
+          </a:xfrm>
+          <a:prstGeom prst="curvedConnector3">
+            <a:avLst>
+              <a:gd name="adj1" fmla="val 50000"/>
+            </a:avLst>
+          </a:prstGeom>
+          <a:ln>
+            <a:tailEnd type="triangle"/>
+          </a:ln>
+        </p:spPr>
+        <p:style>
+          <a:lnRef idx="2">
+            <a:schemeClr val="dk1"/>
+          </a:lnRef>
+          <a:fillRef idx="0">
+            <a:schemeClr val="dk1"/>
+          </a:fillRef>
+          <a:effectRef idx="1">
+            <a:schemeClr val="dk1"/>
+          </a:effectRef>
+          <a:fontRef idx="minor">
+            <a:schemeClr val="tx1"/>
+          </a:fontRef>
+        </p:style>
+      </p:cxnSp>
+    </p:spTree>
+    <p:extLst>
+      <p:ext uri="{BB962C8B-B14F-4D97-AF65-F5344CB8AC3E}">
+        <p14:creationId xmlns:p14="http://schemas.microsoft.com/office/powerpoint/2010/main" val="3428555927"/>
       </p:ext>
     </p:extLst>
   </p:cSld>

--- a/cpp_240708.pptx
+++ b/cpp_240708.pptx
@@ -36,6 +36,12 @@
     <p:sldId id="284" r:id="rId30"/>
     <p:sldId id="285" r:id="rId31"/>
     <p:sldId id="286" r:id="rId32"/>
+    <p:sldId id="287" r:id="rId33"/>
+    <p:sldId id="288" r:id="rId34"/>
+    <p:sldId id="289" r:id="rId35"/>
+    <p:sldId id="290" r:id="rId36"/>
+    <p:sldId id="291" r:id="rId37"/>
+    <p:sldId id="292" r:id="rId38"/>
   </p:sldIdLst>
   <p:sldSz cx="12192000" cy="6858000"/>
   <p:notesSz cx="6858000" cy="9144000"/>
@@ -25246,7 +25252,7 @@
             <a:r>
               <a:rPr kumimoji="1" lang="en-US" altLang="ko-KR" sz="1600" dirty="0">
                 <a:solidFill>
-                  <a:schemeClr val="tx1"/>
+                  <a:srgbClr val="FF0000"/>
                 </a:solidFill>
                 <a:latin typeface="Cascadia Code" pitchFamily="49" charset="0"/>
                 <a:cs typeface="Cascadia Code" pitchFamily="49" charset="0"/>
@@ -25255,7 +25261,7 @@
             </a:r>
             <a:endParaRPr kumimoji="1" lang="ko-KR" altLang="en-US" sz="1600" dirty="0">
               <a:solidFill>
-                <a:schemeClr val="tx1"/>
+                <a:srgbClr val="FF0000"/>
               </a:solidFill>
               <a:latin typeface="Cascadia Code" pitchFamily="49" charset="0"/>
               <a:cs typeface="Cascadia Code" pitchFamily="49" charset="0"/>
@@ -25396,13 +25402,422 @@
             <a:r>
               <a:rPr kumimoji="1" lang="en-US" altLang="ko-KR" sz="1600" dirty="0">
                 <a:solidFill>
-                  <a:schemeClr val="tx1"/>
+                  <a:srgbClr val="FF0000"/>
                 </a:solidFill>
                 <a:latin typeface="Cascadia Code" pitchFamily="49" charset="0"/>
                 <a:cs typeface="Cascadia Code" pitchFamily="49" charset="0"/>
               </a:rPr>
               <a:t>“Tom”</a:t>
             </a:r>
+            <a:endParaRPr kumimoji="1" lang="ko-KR" altLang="en-US" sz="1600" dirty="0">
+              <a:solidFill>
+                <a:srgbClr val="FF0000"/>
+              </a:solidFill>
+              <a:latin typeface="Cascadia Code" pitchFamily="49" charset="0"/>
+              <a:cs typeface="Cascadia Code" pitchFamily="49" charset="0"/>
+            </a:endParaRPr>
+          </a:p>
+        </p:txBody>
+      </p:sp>
+      <p:cxnSp>
+        <p:nvCxnSpPr>
+          <p:cNvPr id="16" name="구부러진 연결선[U] 15">
+            <a:extLst>
+              <a:ext uri="{FF2B5EF4-FFF2-40B4-BE49-F238E27FC236}">
+                <a16:creationId xmlns:a16="http://schemas.microsoft.com/office/drawing/2014/main" id="{AE6067B4-2AFB-15CE-9C81-6942518859B5}"/>
+              </a:ext>
+            </a:extLst>
+          </p:cNvPr>
+          <p:cNvCxnSpPr>
+            <a:cxnSpLocks/>
+            <a:stCxn id="2" idx="3"/>
+            <a:endCxn id="15" idx="1"/>
+          </p:cNvCxnSpPr>
+          <p:nvPr/>
+        </p:nvCxnSpPr>
+        <p:spPr>
+          <a:xfrm flipV="1">
+            <a:off x="8635770" y="3374110"/>
+            <a:ext cx="1357975" cy="93748"/>
+          </a:xfrm>
+          <a:prstGeom prst="curvedConnector3">
+            <a:avLst>
+              <a:gd name="adj1" fmla="val 50000"/>
+            </a:avLst>
+          </a:prstGeom>
+          <a:ln>
+            <a:tailEnd type="triangle"/>
+          </a:ln>
+        </p:spPr>
+        <p:style>
+          <a:lnRef idx="2">
+            <a:schemeClr val="dk1"/>
+          </a:lnRef>
+          <a:fillRef idx="0">
+            <a:schemeClr val="dk1"/>
+          </a:fillRef>
+          <a:effectRef idx="1">
+            <a:schemeClr val="dk1"/>
+          </a:effectRef>
+          <a:fontRef idx="minor">
+            <a:schemeClr val="tx1"/>
+          </a:fontRef>
+        </p:style>
+      </p:cxnSp>
+      <p:sp>
+        <p:nvSpPr>
+          <p:cNvPr id="20" name="TextBox 19">
+            <a:extLst>
+              <a:ext uri="{FF2B5EF4-FFF2-40B4-BE49-F238E27FC236}">
+                <a16:creationId xmlns:a16="http://schemas.microsoft.com/office/drawing/2014/main" id="{A40EACC5-6D4B-B0B9-1A82-2263718E3FE5}"/>
+              </a:ext>
+            </a:extLst>
+          </p:cNvPr>
+          <p:cNvSpPr txBox="1"/>
+          <p:nvPr/>
+        </p:nvSpPr>
+        <p:spPr>
+          <a:xfrm>
+            <a:off x="397163" y="1013198"/>
+            <a:ext cx="6096000" cy="1754326"/>
+          </a:xfrm>
+          <a:prstGeom prst="rect">
+            <a:avLst/>
+          </a:prstGeom>
+          <a:noFill/>
+        </p:spPr>
+        <p:txBody>
+          <a:bodyPr wrap="square">
+            <a:spAutoFit/>
+          </a:bodyPr>
+          <a:lstStyle/>
+          <a:p>
+            <a:r>
+              <a:rPr lang="ko-KR" altLang="en-US" dirty="0">
+                <a:latin typeface="Cascadia Code" pitchFamily="49" charset="0"/>
+                <a:cs typeface="Cascadia Code" pitchFamily="49" charset="0"/>
+              </a:rPr>
+              <a:t> </a:t>
+            </a:r>
+            <a:r>
+              <a:rPr lang="ko-KR" altLang="en-US" dirty="0" err="1">
+                <a:latin typeface="Cascadia Code" pitchFamily="49" charset="0"/>
+                <a:cs typeface="Cascadia Code" pitchFamily="49" charset="0"/>
+              </a:rPr>
+              <a:t>User</a:t>
+            </a:r>
+            <a:r>
+              <a:rPr lang="ko-KR" altLang="en-US" dirty="0">
+                <a:latin typeface="Cascadia Code" pitchFamily="49" charset="0"/>
+                <a:cs typeface="Cascadia Code" pitchFamily="49" charset="0"/>
+              </a:rPr>
+              <a:t>(</a:t>
+            </a:r>
+            <a:r>
+              <a:rPr lang="ko-KR" altLang="en-US" dirty="0" err="1">
+                <a:latin typeface="Cascadia Code" pitchFamily="49" charset="0"/>
+                <a:cs typeface="Cascadia Code" pitchFamily="49" charset="0"/>
+              </a:rPr>
+              <a:t>const</a:t>
+            </a:r>
+            <a:r>
+              <a:rPr lang="ko-KR" altLang="en-US" dirty="0">
+                <a:latin typeface="Cascadia Code" pitchFamily="49" charset="0"/>
+                <a:cs typeface="Cascadia Code" pitchFamily="49" charset="0"/>
+              </a:rPr>
+              <a:t> </a:t>
+            </a:r>
+            <a:r>
+              <a:rPr lang="ko-KR" altLang="en-US" dirty="0" err="1">
+                <a:latin typeface="Cascadia Code" pitchFamily="49" charset="0"/>
+                <a:cs typeface="Cascadia Code" pitchFamily="49" charset="0"/>
+              </a:rPr>
+              <a:t>User</a:t>
+            </a:r>
+            <a:r>
+              <a:rPr lang="ko-KR" altLang="en-US" dirty="0">
+                <a:latin typeface="Cascadia Code" pitchFamily="49" charset="0"/>
+                <a:cs typeface="Cascadia Code" pitchFamily="49" charset="0"/>
+              </a:rPr>
+              <a:t>&amp; </a:t>
+            </a:r>
+            <a:r>
+              <a:rPr lang="ko-KR" altLang="en-US" dirty="0" err="1">
+                <a:latin typeface="Cascadia Code" pitchFamily="49" charset="0"/>
+                <a:cs typeface="Cascadia Code" pitchFamily="49" charset="0"/>
+              </a:rPr>
+              <a:t>rhs</a:t>
+            </a:r>
+            <a:r>
+              <a:rPr lang="ko-KR" altLang="en-US" dirty="0">
+                <a:latin typeface="Cascadia Code" pitchFamily="49" charset="0"/>
+                <a:cs typeface="Cascadia Code" pitchFamily="49" charset="0"/>
+              </a:rPr>
+              <a:t>)</a:t>
+            </a:r>
+          </a:p>
+          <a:p>
+            <a:r>
+              <a:rPr lang="ko-KR" altLang="en-US" dirty="0">
+                <a:latin typeface="Cascadia Code" pitchFamily="49" charset="0"/>
+                <a:cs typeface="Cascadia Code" pitchFamily="49" charset="0"/>
+              </a:rPr>
+              <a:t>        : </a:t>
+            </a:r>
+            <a:r>
+              <a:rPr lang="ko-KR" altLang="en-US" dirty="0" err="1">
+                <a:latin typeface="Cascadia Code" pitchFamily="49" charset="0"/>
+                <a:cs typeface="Cascadia Code" pitchFamily="49" charset="0"/>
+              </a:rPr>
+              <a:t>age</a:t>
+            </a:r>
+            <a:r>
+              <a:rPr lang="ko-KR" altLang="en-US" dirty="0">
+                <a:latin typeface="Cascadia Code" pitchFamily="49" charset="0"/>
+                <a:cs typeface="Cascadia Code" pitchFamily="49" charset="0"/>
+              </a:rPr>
+              <a:t> { </a:t>
+            </a:r>
+            <a:r>
+              <a:rPr lang="ko-KR" altLang="en-US" dirty="0" err="1">
+                <a:latin typeface="Cascadia Code" pitchFamily="49" charset="0"/>
+                <a:cs typeface="Cascadia Code" pitchFamily="49" charset="0"/>
+              </a:rPr>
+              <a:t>rhs.age</a:t>
+            </a:r>
+            <a:r>
+              <a:rPr lang="ko-KR" altLang="en-US" dirty="0">
+                <a:latin typeface="Cascadia Code" pitchFamily="49" charset="0"/>
+                <a:cs typeface="Cascadia Code" pitchFamily="49" charset="0"/>
+              </a:rPr>
+              <a:t> }</a:t>
+            </a:r>
+          </a:p>
+          <a:p>
+            <a:r>
+              <a:rPr lang="ko-KR" altLang="en-US" dirty="0">
+                <a:latin typeface="Cascadia Code" pitchFamily="49" charset="0"/>
+                <a:cs typeface="Cascadia Code" pitchFamily="49" charset="0"/>
+              </a:rPr>
+              <a:t>{</a:t>
+            </a:r>
+          </a:p>
+          <a:p>
+            <a:r>
+              <a:rPr lang="ko-KR" altLang="en-US" dirty="0">
+                <a:latin typeface="Cascadia Code" pitchFamily="49" charset="0"/>
+                <a:cs typeface="Cascadia Code" pitchFamily="49" charset="0"/>
+              </a:rPr>
+              <a:t>    </a:t>
+            </a:r>
+            <a:r>
+              <a:rPr lang="ko-KR" altLang="en-US" dirty="0" err="1">
+                <a:latin typeface="Cascadia Code" pitchFamily="49" charset="0"/>
+                <a:cs typeface="Cascadia Code" pitchFamily="49" charset="0"/>
+              </a:rPr>
+              <a:t>name</a:t>
+            </a:r>
+            <a:r>
+              <a:rPr lang="ko-KR" altLang="en-US" dirty="0">
+                <a:latin typeface="Cascadia Code" pitchFamily="49" charset="0"/>
+                <a:cs typeface="Cascadia Code" pitchFamily="49" charset="0"/>
+              </a:rPr>
+              <a:t> = </a:t>
+            </a:r>
+            <a:r>
+              <a:rPr lang="ko-KR" altLang="en-US" dirty="0" err="1">
+                <a:latin typeface="Cascadia Code" pitchFamily="49" charset="0"/>
+                <a:cs typeface="Cascadia Code" pitchFamily="49" charset="0"/>
+              </a:rPr>
+              <a:t>new</a:t>
+            </a:r>
+            <a:r>
+              <a:rPr lang="ko-KR" altLang="en-US" dirty="0">
+                <a:latin typeface="Cascadia Code" pitchFamily="49" charset="0"/>
+                <a:cs typeface="Cascadia Code" pitchFamily="49" charset="0"/>
+              </a:rPr>
+              <a:t> </a:t>
+            </a:r>
+            <a:r>
+              <a:rPr lang="ko-KR" altLang="en-US" dirty="0" err="1">
+                <a:latin typeface="Cascadia Code" pitchFamily="49" charset="0"/>
+                <a:cs typeface="Cascadia Code" pitchFamily="49" charset="0"/>
+              </a:rPr>
+              <a:t>char</a:t>
+            </a:r>
+            <a:r>
+              <a:rPr lang="ko-KR" altLang="en-US" dirty="0">
+                <a:latin typeface="Cascadia Code" pitchFamily="49" charset="0"/>
+                <a:cs typeface="Cascadia Code" pitchFamily="49" charset="0"/>
+              </a:rPr>
+              <a:t>[</a:t>
+            </a:r>
+            <a:r>
+              <a:rPr lang="ko-KR" altLang="en-US" dirty="0" err="1">
+                <a:latin typeface="Cascadia Code" pitchFamily="49" charset="0"/>
+                <a:cs typeface="Cascadia Code" pitchFamily="49" charset="0"/>
+              </a:rPr>
+              <a:t>strlen</a:t>
+            </a:r>
+            <a:r>
+              <a:rPr lang="ko-KR" altLang="en-US" dirty="0">
+                <a:latin typeface="Cascadia Code" pitchFamily="49" charset="0"/>
+                <a:cs typeface="Cascadia Code" pitchFamily="49" charset="0"/>
+              </a:rPr>
+              <a:t>(</a:t>
+            </a:r>
+            <a:r>
+              <a:rPr lang="ko-KR" altLang="en-US" dirty="0" err="1">
+                <a:latin typeface="Cascadia Code" pitchFamily="49" charset="0"/>
+                <a:cs typeface="Cascadia Code" pitchFamily="49" charset="0"/>
+              </a:rPr>
+              <a:t>rhs.name</a:t>
+            </a:r>
+            <a:r>
+              <a:rPr lang="ko-KR" altLang="en-US" dirty="0">
+                <a:latin typeface="Cascadia Code" pitchFamily="49" charset="0"/>
+                <a:cs typeface="Cascadia Code" pitchFamily="49" charset="0"/>
+              </a:rPr>
+              <a:t>) + 1];</a:t>
+            </a:r>
+          </a:p>
+          <a:p>
+            <a:r>
+              <a:rPr lang="ko-KR" altLang="en-US" dirty="0">
+                <a:latin typeface="Cascadia Code" pitchFamily="49" charset="0"/>
+                <a:cs typeface="Cascadia Code" pitchFamily="49" charset="0"/>
+              </a:rPr>
+              <a:t>    </a:t>
+            </a:r>
+            <a:r>
+              <a:rPr lang="ko-KR" altLang="en-US" dirty="0" err="1">
+                <a:latin typeface="Cascadia Code" pitchFamily="49" charset="0"/>
+                <a:cs typeface="Cascadia Code" pitchFamily="49" charset="0"/>
+              </a:rPr>
+              <a:t>strcpy</a:t>
+            </a:r>
+            <a:r>
+              <a:rPr lang="ko-KR" altLang="en-US" dirty="0">
+                <a:latin typeface="Cascadia Code" pitchFamily="49" charset="0"/>
+                <a:cs typeface="Cascadia Code" pitchFamily="49" charset="0"/>
+              </a:rPr>
+              <a:t>(</a:t>
+            </a:r>
+            <a:r>
+              <a:rPr lang="ko-KR" altLang="en-US" dirty="0" err="1">
+                <a:latin typeface="Cascadia Code" pitchFamily="49" charset="0"/>
+                <a:cs typeface="Cascadia Code" pitchFamily="49" charset="0"/>
+              </a:rPr>
+              <a:t>name</a:t>
+            </a:r>
+            <a:r>
+              <a:rPr lang="ko-KR" altLang="en-US" dirty="0">
+                <a:latin typeface="Cascadia Code" pitchFamily="49" charset="0"/>
+                <a:cs typeface="Cascadia Code" pitchFamily="49" charset="0"/>
+              </a:rPr>
+              <a:t>, </a:t>
+            </a:r>
+            <a:r>
+              <a:rPr lang="ko-KR" altLang="en-US" dirty="0" err="1">
+                <a:latin typeface="Cascadia Code" pitchFamily="49" charset="0"/>
+                <a:cs typeface="Cascadia Code" pitchFamily="49" charset="0"/>
+              </a:rPr>
+              <a:t>rhs.name</a:t>
+            </a:r>
+            <a:r>
+              <a:rPr lang="ko-KR" altLang="en-US" dirty="0">
+                <a:latin typeface="Cascadia Code" pitchFamily="49" charset="0"/>
+                <a:cs typeface="Cascadia Code" pitchFamily="49" charset="0"/>
+              </a:rPr>
+              <a:t>);</a:t>
+            </a:r>
+          </a:p>
+          <a:p>
+            <a:r>
+              <a:rPr lang="ko-KR" altLang="en-US" dirty="0">
+                <a:latin typeface="Cascadia Code" pitchFamily="49" charset="0"/>
+                <a:cs typeface="Cascadia Code" pitchFamily="49" charset="0"/>
+              </a:rPr>
+              <a:t>}</a:t>
+            </a:r>
+          </a:p>
+        </p:txBody>
+      </p:sp>
+    </p:spTree>
+    <p:extLst>
+      <p:ext uri="{BB962C8B-B14F-4D97-AF65-F5344CB8AC3E}">
+        <p14:creationId xmlns:p14="http://schemas.microsoft.com/office/powerpoint/2010/main" val="3428555927"/>
+      </p:ext>
+    </p:extLst>
+  </p:cSld>
+  <p:clrMapOvr>
+    <a:masterClrMapping/>
+  </p:clrMapOvr>
+</p:sld>
+</file>
+
+<file path=ppt/slides/slide32.xml><?xml version="1.0" encoding="utf-8"?>
+<p:sld xmlns:a="http://schemas.openxmlformats.org/drawingml/2006/main" xmlns:r="http://schemas.openxmlformats.org/officeDocument/2006/relationships" xmlns:p="http://schemas.openxmlformats.org/presentationml/2006/main">
+  <p:cSld>
+    <p:spTree>
+      <p:nvGrpSpPr>
+        <p:cNvPr id="1" name=""/>
+        <p:cNvGrpSpPr/>
+        <p:nvPr/>
+      </p:nvGrpSpPr>
+      <p:grpSpPr>
+        <a:xfrm>
+          <a:off x="0" y="0"/>
+          <a:ext cx="0" cy="0"/>
+          <a:chOff x="0" y="0"/>
+          <a:chExt cx="0" cy="0"/>
+        </a:xfrm>
+      </p:grpSpPr>
+      <p:sp>
+        <p:nvSpPr>
+          <p:cNvPr id="6" name="직사각형 5">
+            <a:extLst>
+              <a:ext uri="{FF2B5EF4-FFF2-40B4-BE49-F238E27FC236}">
+                <a16:creationId xmlns:a16="http://schemas.microsoft.com/office/drawing/2014/main" id="{86325650-4E19-E736-B1CB-78EA4E1BEF14}"/>
+              </a:ext>
+            </a:extLst>
+          </p:cNvPr>
+          <p:cNvSpPr/>
+          <p:nvPr/>
+        </p:nvSpPr>
+        <p:spPr>
+          <a:xfrm>
+            <a:off x="7515630" y="936135"/>
+            <a:ext cx="1120140" cy="610463"/>
+          </a:xfrm>
+          <a:prstGeom prst="rect">
+            <a:avLst/>
+          </a:prstGeom>
+          <a:solidFill>
+            <a:srgbClr val="FFFF00"/>
+          </a:solidFill>
+        </p:spPr>
+        <p:style>
+          <a:lnRef idx="2">
+            <a:schemeClr val="accent1">
+              <a:shade val="15000"/>
+            </a:schemeClr>
+          </a:lnRef>
+          <a:fillRef idx="1">
+            <a:schemeClr val="accent1"/>
+          </a:fillRef>
+          <a:effectRef idx="0">
+            <a:schemeClr val="accent1"/>
+          </a:effectRef>
+          <a:fontRef idx="minor">
+            <a:schemeClr val="lt1"/>
+          </a:fontRef>
+        </p:style>
+        <p:txBody>
+          <a:bodyPr rtlCol="0" anchor="ctr"/>
+          <a:lstStyle/>
+          <a:p>
+            <a:pPr algn="ctr"/>
             <a:endParaRPr kumimoji="1" lang="ko-KR" altLang="en-US" sz="1600" dirty="0">
               <a:solidFill>
                 <a:schemeClr val="tx1"/>
@@ -25413,6 +25828,624 @@
           </a:p>
         </p:txBody>
       </p:sp>
+      <p:sp>
+        <p:nvSpPr>
+          <p:cNvPr id="7" name="TextBox 6">
+            <a:extLst>
+              <a:ext uri="{FF2B5EF4-FFF2-40B4-BE49-F238E27FC236}">
+                <a16:creationId xmlns:a16="http://schemas.microsoft.com/office/drawing/2014/main" id="{C65D11FB-A63A-F2E5-6956-F1ABAE008627}"/>
+              </a:ext>
+            </a:extLst>
+          </p:cNvPr>
+          <p:cNvSpPr txBox="1"/>
+          <p:nvPr/>
+        </p:nvSpPr>
+        <p:spPr>
+          <a:xfrm>
+            <a:off x="6807202" y="1072089"/>
+            <a:ext cx="677948" cy="338554"/>
+          </a:xfrm>
+          <a:prstGeom prst="rect">
+            <a:avLst/>
+          </a:prstGeom>
+          <a:noFill/>
+        </p:spPr>
+        <p:txBody>
+          <a:bodyPr wrap="square" rtlCol="0">
+            <a:spAutoFit/>
+          </a:bodyPr>
+          <a:lstStyle/>
+          <a:p>
+            <a:pPr algn="ctr"/>
+            <a:r>
+              <a:rPr kumimoji="1" lang="en-US" altLang="ko-KR" sz="1600" dirty="0">
+                <a:latin typeface="Cascadia Code" pitchFamily="49" charset="0"/>
+                <a:ea typeface="Cascadia Code" pitchFamily="49" charset="0"/>
+                <a:cs typeface="Cascadia Code" pitchFamily="49" charset="0"/>
+              </a:rPr>
+              <a:t>name</a:t>
+            </a:r>
+            <a:endParaRPr kumimoji="1" lang="ko-KR" altLang="en-US" sz="1600" dirty="0">
+              <a:latin typeface="Cascadia Code" pitchFamily="49" charset="0"/>
+              <a:ea typeface="Cascadia Code" pitchFamily="49" charset="0"/>
+              <a:cs typeface="Cascadia Code" pitchFamily="49" charset="0"/>
+            </a:endParaRPr>
+          </a:p>
+        </p:txBody>
+      </p:sp>
+      <p:sp>
+        <p:nvSpPr>
+          <p:cNvPr id="8" name="직사각형 7">
+            <a:extLst>
+              <a:ext uri="{FF2B5EF4-FFF2-40B4-BE49-F238E27FC236}">
+                <a16:creationId xmlns:a16="http://schemas.microsoft.com/office/drawing/2014/main" id="{B20E6156-15E8-B73E-EB16-ECEB9B07D0DA}"/>
+              </a:ext>
+            </a:extLst>
+          </p:cNvPr>
+          <p:cNvSpPr/>
+          <p:nvPr/>
+        </p:nvSpPr>
+        <p:spPr>
+          <a:xfrm>
+            <a:off x="7515630" y="1546598"/>
+            <a:ext cx="1120140" cy="610463"/>
+          </a:xfrm>
+          <a:prstGeom prst="rect">
+            <a:avLst/>
+          </a:prstGeom>
+          <a:solidFill>
+            <a:srgbClr val="FFFF00"/>
+          </a:solidFill>
+        </p:spPr>
+        <p:style>
+          <a:lnRef idx="2">
+            <a:schemeClr val="accent1">
+              <a:shade val="15000"/>
+            </a:schemeClr>
+          </a:lnRef>
+          <a:fillRef idx="1">
+            <a:schemeClr val="accent1"/>
+          </a:fillRef>
+          <a:effectRef idx="0">
+            <a:schemeClr val="accent1"/>
+          </a:effectRef>
+          <a:fontRef idx="minor">
+            <a:schemeClr val="lt1"/>
+          </a:fontRef>
+        </p:style>
+        <p:txBody>
+          <a:bodyPr rtlCol="0" anchor="ctr"/>
+          <a:lstStyle/>
+          <a:p>
+            <a:pPr algn="ctr"/>
+            <a:r>
+              <a:rPr kumimoji="1" lang="en-US" altLang="ko-KR" sz="1600" dirty="0">
+                <a:solidFill>
+                  <a:schemeClr val="tx1"/>
+                </a:solidFill>
+                <a:latin typeface="Cascadia Code" pitchFamily="49" charset="0"/>
+                <a:cs typeface="Cascadia Code" pitchFamily="49" charset="0"/>
+              </a:rPr>
+              <a:t>42</a:t>
+            </a:r>
+            <a:endParaRPr kumimoji="1" lang="ko-KR" altLang="en-US" sz="1600" dirty="0">
+              <a:solidFill>
+                <a:schemeClr val="tx1"/>
+              </a:solidFill>
+              <a:latin typeface="Cascadia Code" pitchFamily="49" charset="0"/>
+              <a:cs typeface="Cascadia Code" pitchFamily="49" charset="0"/>
+            </a:endParaRPr>
+          </a:p>
+        </p:txBody>
+      </p:sp>
+      <p:sp>
+        <p:nvSpPr>
+          <p:cNvPr id="9" name="TextBox 8">
+            <a:extLst>
+              <a:ext uri="{FF2B5EF4-FFF2-40B4-BE49-F238E27FC236}">
+                <a16:creationId xmlns:a16="http://schemas.microsoft.com/office/drawing/2014/main" id="{55DE0C4D-1C6C-E4AE-AD8D-6431FD2F7AD1}"/>
+              </a:ext>
+            </a:extLst>
+          </p:cNvPr>
+          <p:cNvSpPr txBox="1"/>
+          <p:nvPr/>
+        </p:nvSpPr>
+        <p:spPr>
+          <a:xfrm>
+            <a:off x="6927275" y="1682552"/>
+            <a:ext cx="557875" cy="338554"/>
+          </a:xfrm>
+          <a:prstGeom prst="rect">
+            <a:avLst/>
+          </a:prstGeom>
+          <a:noFill/>
+        </p:spPr>
+        <p:txBody>
+          <a:bodyPr wrap="square" rtlCol="0">
+            <a:spAutoFit/>
+          </a:bodyPr>
+          <a:lstStyle/>
+          <a:p>
+            <a:pPr algn="ctr"/>
+            <a:r>
+              <a:rPr kumimoji="1" lang="en-US" altLang="ko-KR" sz="1600" dirty="0">
+                <a:latin typeface="Cascadia Code" pitchFamily="49" charset="0"/>
+                <a:ea typeface="Cascadia Code" pitchFamily="49" charset="0"/>
+                <a:cs typeface="Cascadia Code" pitchFamily="49" charset="0"/>
+              </a:rPr>
+              <a:t>age</a:t>
+            </a:r>
+            <a:endParaRPr kumimoji="1" lang="ko-KR" altLang="en-US" sz="1600" dirty="0">
+              <a:latin typeface="Cascadia Code" pitchFamily="49" charset="0"/>
+              <a:ea typeface="Cascadia Code" pitchFamily="49" charset="0"/>
+              <a:cs typeface="Cascadia Code" pitchFamily="49" charset="0"/>
+            </a:endParaRPr>
+          </a:p>
+        </p:txBody>
+      </p:sp>
+      <p:sp>
+        <p:nvSpPr>
+          <p:cNvPr id="10" name="TextBox 9">
+            <a:extLst>
+              <a:ext uri="{FF2B5EF4-FFF2-40B4-BE49-F238E27FC236}">
+                <a16:creationId xmlns:a16="http://schemas.microsoft.com/office/drawing/2014/main" id="{6D042A22-E39C-0F8D-3385-9DF791F16320}"/>
+              </a:ext>
+            </a:extLst>
+          </p:cNvPr>
+          <p:cNvSpPr txBox="1"/>
+          <p:nvPr/>
+        </p:nvSpPr>
+        <p:spPr>
+          <a:xfrm>
+            <a:off x="7622541" y="541033"/>
+            <a:ext cx="906317" cy="369332"/>
+          </a:xfrm>
+          <a:prstGeom prst="rect">
+            <a:avLst/>
+          </a:prstGeom>
+          <a:noFill/>
+        </p:spPr>
+        <p:txBody>
+          <a:bodyPr wrap="square">
+            <a:spAutoFit/>
+          </a:bodyPr>
+          <a:lstStyle/>
+          <a:p>
+            <a:pPr algn="ctr"/>
+            <a:r>
+              <a:rPr lang="en-US" altLang="ko-KR" dirty="0">
+                <a:latin typeface="Cascadia Code" pitchFamily="49" charset="0"/>
+                <a:cs typeface="Cascadia Code" pitchFamily="49" charset="0"/>
+              </a:rPr>
+              <a:t>user</a:t>
+            </a:r>
+            <a:endParaRPr lang="ko-KR" altLang="en-US" dirty="0"/>
+          </a:p>
+        </p:txBody>
+      </p:sp>
+      <p:sp>
+        <p:nvSpPr>
+          <p:cNvPr id="11" name="직사각형 10">
+            <a:extLst>
+              <a:ext uri="{FF2B5EF4-FFF2-40B4-BE49-F238E27FC236}">
+                <a16:creationId xmlns:a16="http://schemas.microsoft.com/office/drawing/2014/main" id="{2BF08293-E6C8-D699-8F8E-FBFD89498CF0}"/>
+              </a:ext>
+            </a:extLst>
+          </p:cNvPr>
+          <p:cNvSpPr/>
+          <p:nvPr/>
+        </p:nvSpPr>
+        <p:spPr>
+          <a:xfrm>
+            <a:off x="9993745" y="1546599"/>
+            <a:ext cx="1528388" cy="474508"/>
+          </a:xfrm>
+          <a:prstGeom prst="rect">
+            <a:avLst/>
+          </a:prstGeom>
+          <a:solidFill>
+            <a:srgbClr val="FFFF00"/>
+          </a:solidFill>
+        </p:spPr>
+        <p:style>
+          <a:lnRef idx="2">
+            <a:schemeClr val="accent1">
+              <a:shade val="15000"/>
+            </a:schemeClr>
+          </a:lnRef>
+          <a:fillRef idx="1">
+            <a:schemeClr val="accent1"/>
+          </a:fillRef>
+          <a:effectRef idx="0">
+            <a:schemeClr val="accent1"/>
+          </a:effectRef>
+          <a:fontRef idx="minor">
+            <a:schemeClr val="lt1"/>
+          </a:fontRef>
+        </p:style>
+        <p:txBody>
+          <a:bodyPr rtlCol="0" anchor="ctr"/>
+          <a:lstStyle/>
+          <a:p>
+            <a:pPr algn="ctr"/>
+            <a:r>
+              <a:rPr kumimoji="1" lang="en-US" altLang="ko-KR" sz="1600" dirty="0">
+                <a:solidFill>
+                  <a:schemeClr val="tx1"/>
+                </a:solidFill>
+                <a:latin typeface="Cascadia Code" pitchFamily="49" charset="0"/>
+                <a:cs typeface="Cascadia Code" pitchFamily="49" charset="0"/>
+              </a:rPr>
+              <a:t>“Tom”</a:t>
+            </a:r>
+            <a:endParaRPr kumimoji="1" lang="ko-KR" altLang="en-US" sz="1600" dirty="0">
+              <a:solidFill>
+                <a:schemeClr val="tx1"/>
+              </a:solidFill>
+              <a:latin typeface="Cascadia Code" pitchFamily="49" charset="0"/>
+              <a:cs typeface="Cascadia Code" pitchFamily="49" charset="0"/>
+            </a:endParaRPr>
+          </a:p>
+        </p:txBody>
+      </p:sp>
+      <p:cxnSp>
+        <p:nvCxnSpPr>
+          <p:cNvPr id="13" name="구부러진 연결선[U] 12">
+            <a:extLst>
+              <a:ext uri="{FF2B5EF4-FFF2-40B4-BE49-F238E27FC236}">
+                <a16:creationId xmlns:a16="http://schemas.microsoft.com/office/drawing/2014/main" id="{2016A6E4-83DA-2C7A-6215-579B6CF803AE}"/>
+              </a:ext>
+            </a:extLst>
+          </p:cNvPr>
+          <p:cNvCxnSpPr>
+            <a:cxnSpLocks/>
+            <a:stCxn id="6" idx="3"/>
+            <a:endCxn id="11" idx="1"/>
+          </p:cNvCxnSpPr>
+          <p:nvPr/>
+        </p:nvCxnSpPr>
+        <p:spPr>
+          <a:xfrm>
+            <a:off x="8635770" y="1241367"/>
+            <a:ext cx="1357975" cy="542486"/>
+          </a:xfrm>
+          <a:prstGeom prst="curvedConnector3">
+            <a:avLst/>
+          </a:prstGeom>
+          <a:ln>
+            <a:tailEnd type="triangle"/>
+          </a:ln>
+        </p:spPr>
+        <p:style>
+          <a:lnRef idx="2">
+            <a:schemeClr val="dk1"/>
+          </a:lnRef>
+          <a:fillRef idx="0">
+            <a:schemeClr val="dk1"/>
+          </a:fillRef>
+          <a:effectRef idx="1">
+            <a:schemeClr val="dk1"/>
+          </a:effectRef>
+          <a:fontRef idx="minor">
+            <a:schemeClr val="tx1"/>
+          </a:fontRef>
+        </p:style>
+      </p:cxnSp>
+      <p:sp>
+        <p:nvSpPr>
+          <p:cNvPr id="2" name="직사각형 1">
+            <a:extLst>
+              <a:ext uri="{FF2B5EF4-FFF2-40B4-BE49-F238E27FC236}">
+                <a16:creationId xmlns:a16="http://schemas.microsoft.com/office/drawing/2014/main" id="{57D3036E-8CFE-A0FE-B29E-32B5F6BA8B43}"/>
+              </a:ext>
+            </a:extLst>
+          </p:cNvPr>
+          <p:cNvSpPr/>
+          <p:nvPr/>
+        </p:nvSpPr>
+        <p:spPr>
+          <a:xfrm>
+            <a:off x="7515630" y="3162626"/>
+            <a:ext cx="1120140" cy="610463"/>
+          </a:xfrm>
+          <a:prstGeom prst="rect">
+            <a:avLst/>
+          </a:prstGeom>
+          <a:solidFill>
+            <a:srgbClr val="FFFF00"/>
+          </a:solidFill>
+        </p:spPr>
+        <p:style>
+          <a:lnRef idx="2">
+            <a:schemeClr val="accent1">
+              <a:shade val="15000"/>
+            </a:schemeClr>
+          </a:lnRef>
+          <a:fillRef idx="1">
+            <a:schemeClr val="accent1"/>
+          </a:fillRef>
+          <a:effectRef idx="0">
+            <a:schemeClr val="accent1"/>
+          </a:effectRef>
+          <a:fontRef idx="minor">
+            <a:schemeClr val="lt1"/>
+          </a:fontRef>
+        </p:style>
+        <p:txBody>
+          <a:bodyPr rtlCol="0" anchor="ctr"/>
+          <a:lstStyle/>
+          <a:p>
+            <a:pPr algn="ctr"/>
+            <a:endParaRPr kumimoji="1" lang="ko-KR" altLang="en-US" sz="1600" dirty="0">
+              <a:solidFill>
+                <a:schemeClr val="tx1"/>
+              </a:solidFill>
+              <a:latin typeface="Cascadia Code" pitchFamily="49" charset="0"/>
+              <a:cs typeface="Cascadia Code" pitchFamily="49" charset="0"/>
+            </a:endParaRPr>
+          </a:p>
+        </p:txBody>
+      </p:sp>
+      <p:sp>
+        <p:nvSpPr>
+          <p:cNvPr id="3" name="TextBox 2">
+            <a:extLst>
+              <a:ext uri="{FF2B5EF4-FFF2-40B4-BE49-F238E27FC236}">
+                <a16:creationId xmlns:a16="http://schemas.microsoft.com/office/drawing/2014/main" id="{B906887D-0572-C825-A393-EC2486CA87BB}"/>
+              </a:ext>
+            </a:extLst>
+          </p:cNvPr>
+          <p:cNvSpPr txBox="1"/>
+          <p:nvPr/>
+        </p:nvSpPr>
+        <p:spPr>
+          <a:xfrm>
+            <a:off x="6807202" y="3298580"/>
+            <a:ext cx="677948" cy="338554"/>
+          </a:xfrm>
+          <a:prstGeom prst="rect">
+            <a:avLst/>
+          </a:prstGeom>
+          <a:noFill/>
+        </p:spPr>
+        <p:txBody>
+          <a:bodyPr wrap="square" rtlCol="0">
+            <a:spAutoFit/>
+          </a:bodyPr>
+          <a:lstStyle/>
+          <a:p>
+            <a:pPr algn="ctr"/>
+            <a:r>
+              <a:rPr kumimoji="1" lang="en-US" altLang="ko-KR" sz="1600" dirty="0">
+                <a:latin typeface="Cascadia Code" pitchFamily="49" charset="0"/>
+                <a:ea typeface="Cascadia Code" pitchFamily="49" charset="0"/>
+                <a:cs typeface="Cascadia Code" pitchFamily="49" charset="0"/>
+              </a:rPr>
+              <a:t>name</a:t>
+            </a:r>
+            <a:endParaRPr kumimoji="1" lang="ko-KR" altLang="en-US" sz="1600" dirty="0">
+              <a:latin typeface="Cascadia Code" pitchFamily="49" charset="0"/>
+              <a:ea typeface="Cascadia Code" pitchFamily="49" charset="0"/>
+              <a:cs typeface="Cascadia Code" pitchFamily="49" charset="0"/>
+            </a:endParaRPr>
+          </a:p>
+        </p:txBody>
+      </p:sp>
+      <p:sp>
+        <p:nvSpPr>
+          <p:cNvPr id="4" name="직사각형 3">
+            <a:extLst>
+              <a:ext uri="{FF2B5EF4-FFF2-40B4-BE49-F238E27FC236}">
+                <a16:creationId xmlns:a16="http://schemas.microsoft.com/office/drawing/2014/main" id="{57289BF6-38C3-F312-EB0D-2D61FE189E3E}"/>
+              </a:ext>
+            </a:extLst>
+          </p:cNvPr>
+          <p:cNvSpPr/>
+          <p:nvPr/>
+        </p:nvSpPr>
+        <p:spPr>
+          <a:xfrm>
+            <a:off x="7515630" y="3773089"/>
+            <a:ext cx="1120140" cy="610463"/>
+          </a:xfrm>
+          <a:prstGeom prst="rect">
+            <a:avLst/>
+          </a:prstGeom>
+          <a:solidFill>
+            <a:srgbClr val="FFFF00"/>
+          </a:solidFill>
+        </p:spPr>
+        <p:style>
+          <a:lnRef idx="2">
+            <a:schemeClr val="accent1">
+              <a:shade val="15000"/>
+            </a:schemeClr>
+          </a:lnRef>
+          <a:fillRef idx="1">
+            <a:schemeClr val="accent1"/>
+          </a:fillRef>
+          <a:effectRef idx="0">
+            <a:schemeClr val="accent1"/>
+          </a:effectRef>
+          <a:fontRef idx="minor">
+            <a:schemeClr val="lt1"/>
+          </a:fontRef>
+        </p:style>
+        <p:txBody>
+          <a:bodyPr rtlCol="0" anchor="ctr"/>
+          <a:lstStyle/>
+          <a:p>
+            <a:pPr algn="ctr"/>
+            <a:r>
+              <a:rPr kumimoji="1" lang="en-US" altLang="ko-KR" sz="1600" dirty="0">
+                <a:solidFill>
+                  <a:srgbClr val="FF0000"/>
+                </a:solidFill>
+                <a:latin typeface="Cascadia Code" pitchFamily="49" charset="0"/>
+                <a:cs typeface="Cascadia Code" pitchFamily="49" charset="0"/>
+              </a:rPr>
+              <a:t>42</a:t>
+            </a:r>
+            <a:endParaRPr kumimoji="1" lang="ko-KR" altLang="en-US" sz="1600" dirty="0">
+              <a:solidFill>
+                <a:srgbClr val="FF0000"/>
+              </a:solidFill>
+              <a:latin typeface="Cascadia Code" pitchFamily="49" charset="0"/>
+              <a:cs typeface="Cascadia Code" pitchFamily="49" charset="0"/>
+            </a:endParaRPr>
+          </a:p>
+        </p:txBody>
+      </p:sp>
+      <p:sp>
+        <p:nvSpPr>
+          <p:cNvPr id="12" name="TextBox 11">
+            <a:extLst>
+              <a:ext uri="{FF2B5EF4-FFF2-40B4-BE49-F238E27FC236}">
+                <a16:creationId xmlns:a16="http://schemas.microsoft.com/office/drawing/2014/main" id="{3A9A2A23-7A42-6CDB-D7B3-98D97B514BFB}"/>
+              </a:ext>
+            </a:extLst>
+          </p:cNvPr>
+          <p:cNvSpPr txBox="1"/>
+          <p:nvPr/>
+        </p:nvSpPr>
+        <p:spPr>
+          <a:xfrm>
+            <a:off x="6927275" y="3909043"/>
+            <a:ext cx="557875" cy="338554"/>
+          </a:xfrm>
+          <a:prstGeom prst="rect">
+            <a:avLst/>
+          </a:prstGeom>
+          <a:noFill/>
+        </p:spPr>
+        <p:txBody>
+          <a:bodyPr wrap="square" rtlCol="0">
+            <a:spAutoFit/>
+          </a:bodyPr>
+          <a:lstStyle/>
+          <a:p>
+            <a:pPr algn="ctr"/>
+            <a:r>
+              <a:rPr kumimoji="1" lang="en-US" altLang="ko-KR" sz="1600" dirty="0">
+                <a:latin typeface="Cascadia Code" pitchFamily="49" charset="0"/>
+                <a:ea typeface="Cascadia Code" pitchFamily="49" charset="0"/>
+                <a:cs typeface="Cascadia Code" pitchFamily="49" charset="0"/>
+              </a:rPr>
+              <a:t>age</a:t>
+            </a:r>
+            <a:endParaRPr kumimoji="1" lang="ko-KR" altLang="en-US" sz="1600" dirty="0">
+              <a:latin typeface="Cascadia Code" pitchFamily="49" charset="0"/>
+              <a:ea typeface="Cascadia Code" pitchFamily="49" charset="0"/>
+              <a:cs typeface="Cascadia Code" pitchFamily="49" charset="0"/>
+            </a:endParaRPr>
+          </a:p>
+        </p:txBody>
+      </p:sp>
+      <p:sp>
+        <p:nvSpPr>
+          <p:cNvPr id="14" name="TextBox 13">
+            <a:extLst>
+              <a:ext uri="{FF2B5EF4-FFF2-40B4-BE49-F238E27FC236}">
+                <a16:creationId xmlns:a16="http://schemas.microsoft.com/office/drawing/2014/main" id="{B3798C4A-FA65-A60C-8EA0-B23DB80EEE0D}"/>
+              </a:ext>
+            </a:extLst>
+          </p:cNvPr>
+          <p:cNvSpPr txBox="1"/>
+          <p:nvPr/>
+        </p:nvSpPr>
+        <p:spPr>
+          <a:xfrm>
+            <a:off x="7622541" y="2767524"/>
+            <a:ext cx="906317" cy="369332"/>
+          </a:xfrm>
+          <a:prstGeom prst="rect">
+            <a:avLst/>
+          </a:prstGeom>
+          <a:noFill/>
+        </p:spPr>
+        <p:txBody>
+          <a:bodyPr wrap="square">
+            <a:spAutoFit/>
+          </a:bodyPr>
+          <a:lstStyle/>
+          <a:p>
+            <a:pPr algn="ctr"/>
+            <a:r>
+              <a:rPr lang="en-US" altLang="ko-KR" dirty="0">
+                <a:latin typeface="Cascadia Code" pitchFamily="49" charset="0"/>
+                <a:cs typeface="Cascadia Code" pitchFamily="49" charset="0"/>
+              </a:rPr>
+              <a:t>other</a:t>
+            </a:r>
+            <a:endParaRPr lang="ko-KR" altLang="en-US" dirty="0"/>
+          </a:p>
+        </p:txBody>
+      </p:sp>
+      <p:sp>
+        <p:nvSpPr>
+          <p:cNvPr id="15" name="직사각형 14">
+            <a:extLst>
+              <a:ext uri="{FF2B5EF4-FFF2-40B4-BE49-F238E27FC236}">
+                <a16:creationId xmlns:a16="http://schemas.microsoft.com/office/drawing/2014/main" id="{1A58740B-856B-4672-E065-0D5B0766C136}"/>
+              </a:ext>
+            </a:extLst>
+          </p:cNvPr>
+          <p:cNvSpPr/>
+          <p:nvPr/>
+        </p:nvSpPr>
+        <p:spPr>
+          <a:xfrm>
+            <a:off x="9993745" y="3136856"/>
+            <a:ext cx="1528388" cy="474508"/>
+          </a:xfrm>
+          <a:prstGeom prst="rect">
+            <a:avLst/>
+          </a:prstGeom>
+          <a:solidFill>
+            <a:srgbClr val="FFFF00"/>
+          </a:solidFill>
+        </p:spPr>
+        <p:style>
+          <a:lnRef idx="2">
+            <a:schemeClr val="accent1">
+              <a:shade val="15000"/>
+            </a:schemeClr>
+          </a:lnRef>
+          <a:fillRef idx="1">
+            <a:schemeClr val="accent1"/>
+          </a:fillRef>
+          <a:effectRef idx="0">
+            <a:schemeClr val="accent1"/>
+          </a:effectRef>
+          <a:fontRef idx="minor">
+            <a:schemeClr val="lt1"/>
+          </a:fontRef>
+        </p:style>
+        <p:txBody>
+          <a:bodyPr rtlCol="0" anchor="ctr"/>
+          <a:lstStyle/>
+          <a:p>
+            <a:pPr algn="ctr"/>
+            <a:r>
+              <a:rPr kumimoji="1" lang="en-US" altLang="ko-KR" sz="1600" dirty="0">
+                <a:solidFill>
+                  <a:srgbClr val="FF0000"/>
+                </a:solidFill>
+                <a:latin typeface="Cascadia Code" pitchFamily="49" charset="0"/>
+                <a:cs typeface="Cascadia Code" pitchFamily="49" charset="0"/>
+              </a:rPr>
+              <a:t>“Tom”</a:t>
+            </a:r>
+            <a:endParaRPr kumimoji="1" lang="ko-KR" altLang="en-US" sz="1600" dirty="0">
+              <a:solidFill>
+                <a:srgbClr val="FF0000"/>
+              </a:solidFill>
+              <a:latin typeface="Cascadia Code" pitchFamily="49" charset="0"/>
+              <a:cs typeface="Cascadia Code" pitchFamily="49" charset="0"/>
+            </a:endParaRPr>
+          </a:p>
+        </p:txBody>
+      </p:sp>
       <p:cxnSp>
         <p:nvCxnSpPr>
           <p:cNvPr id="16" name="구부러진 연결선[U] 15">
@@ -25433,6 +26466,1360 @@
           <a:xfrm flipV="1">
             <a:off x="8635770" y="3374110"/>
             <a:ext cx="1357975" cy="93748"/>
+          </a:xfrm>
+          <a:prstGeom prst="curvedConnector3">
+            <a:avLst>
+              <a:gd name="adj1" fmla="val 50000"/>
+            </a:avLst>
+          </a:prstGeom>
+          <a:ln>
+            <a:tailEnd type="triangle"/>
+          </a:ln>
+        </p:spPr>
+        <p:style>
+          <a:lnRef idx="2">
+            <a:schemeClr val="dk1"/>
+          </a:lnRef>
+          <a:fillRef idx="0">
+            <a:schemeClr val="dk1"/>
+          </a:fillRef>
+          <a:effectRef idx="1">
+            <a:schemeClr val="dk1"/>
+          </a:effectRef>
+          <a:fontRef idx="minor">
+            <a:schemeClr val="tx1"/>
+          </a:fontRef>
+        </p:style>
+      </p:cxnSp>
+      <p:sp>
+        <p:nvSpPr>
+          <p:cNvPr id="20" name="TextBox 19">
+            <a:extLst>
+              <a:ext uri="{FF2B5EF4-FFF2-40B4-BE49-F238E27FC236}">
+                <a16:creationId xmlns:a16="http://schemas.microsoft.com/office/drawing/2014/main" id="{A40EACC5-6D4B-B0B9-1A82-2263718E3FE5}"/>
+              </a:ext>
+            </a:extLst>
+          </p:cNvPr>
+          <p:cNvSpPr txBox="1"/>
+          <p:nvPr/>
+        </p:nvSpPr>
+        <p:spPr>
+          <a:xfrm>
+            <a:off x="397163" y="1013198"/>
+            <a:ext cx="6096000" cy="1754326"/>
+          </a:xfrm>
+          <a:prstGeom prst="rect">
+            <a:avLst/>
+          </a:prstGeom>
+          <a:noFill/>
+        </p:spPr>
+        <p:txBody>
+          <a:bodyPr wrap="square">
+            <a:spAutoFit/>
+          </a:bodyPr>
+          <a:lstStyle/>
+          <a:p>
+            <a:r>
+              <a:rPr lang="ko-KR" altLang="en-US" dirty="0">
+                <a:latin typeface="Cascadia Code" pitchFamily="49" charset="0"/>
+                <a:cs typeface="Cascadia Code" pitchFamily="49" charset="0"/>
+              </a:rPr>
+              <a:t> </a:t>
+            </a:r>
+            <a:r>
+              <a:rPr lang="ko-KR" altLang="en-US" dirty="0" err="1">
+                <a:latin typeface="Cascadia Code" pitchFamily="49" charset="0"/>
+                <a:cs typeface="Cascadia Code" pitchFamily="49" charset="0"/>
+              </a:rPr>
+              <a:t>User</a:t>
+            </a:r>
+            <a:r>
+              <a:rPr lang="ko-KR" altLang="en-US" dirty="0">
+                <a:latin typeface="Cascadia Code" pitchFamily="49" charset="0"/>
+                <a:cs typeface="Cascadia Code" pitchFamily="49" charset="0"/>
+              </a:rPr>
+              <a:t>(</a:t>
+            </a:r>
+            <a:r>
+              <a:rPr lang="ko-KR" altLang="en-US" dirty="0" err="1">
+                <a:latin typeface="Cascadia Code" pitchFamily="49" charset="0"/>
+                <a:cs typeface="Cascadia Code" pitchFamily="49" charset="0"/>
+              </a:rPr>
+              <a:t>const</a:t>
+            </a:r>
+            <a:r>
+              <a:rPr lang="ko-KR" altLang="en-US" dirty="0">
+                <a:latin typeface="Cascadia Code" pitchFamily="49" charset="0"/>
+                <a:cs typeface="Cascadia Code" pitchFamily="49" charset="0"/>
+              </a:rPr>
+              <a:t> </a:t>
+            </a:r>
+            <a:r>
+              <a:rPr lang="ko-KR" altLang="en-US" dirty="0" err="1">
+                <a:latin typeface="Cascadia Code" pitchFamily="49" charset="0"/>
+                <a:cs typeface="Cascadia Code" pitchFamily="49" charset="0"/>
+              </a:rPr>
+              <a:t>User</a:t>
+            </a:r>
+            <a:r>
+              <a:rPr lang="ko-KR" altLang="en-US" dirty="0">
+                <a:latin typeface="Cascadia Code" pitchFamily="49" charset="0"/>
+                <a:cs typeface="Cascadia Code" pitchFamily="49" charset="0"/>
+              </a:rPr>
+              <a:t>&amp; </a:t>
+            </a:r>
+            <a:r>
+              <a:rPr lang="ko-KR" altLang="en-US" dirty="0" err="1">
+                <a:latin typeface="Cascadia Code" pitchFamily="49" charset="0"/>
+                <a:cs typeface="Cascadia Code" pitchFamily="49" charset="0"/>
+              </a:rPr>
+              <a:t>rhs</a:t>
+            </a:r>
+            <a:r>
+              <a:rPr lang="ko-KR" altLang="en-US" dirty="0">
+                <a:latin typeface="Cascadia Code" pitchFamily="49" charset="0"/>
+                <a:cs typeface="Cascadia Code" pitchFamily="49" charset="0"/>
+              </a:rPr>
+              <a:t>)</a:t>
+            </a:r>
+          </a:p>
+          <a:p>
+            <a:r>
+              <a:rPr lang="ko-KR" altLang="en-US" dirty="0">
+                <a:latin typeface="Cascadia Code" pitchFamily="49" charset="0"/>
+                <a:cs typeface="Cascadia Code" pitchFamily="49" charset="0"/>
+              </a:rPr>
+              <a:t>        : </a:t>
+            </a:r>
+            <a:r>
+              <a:rPr lang="ko-KR" altLang="en-US" dirty="0" err="1">
+                <a:latin typeface="Cascadia Code" pitchFamily="49" charset="0"/>
+                <a:cs typeface="Cascadia Code" pitchFamily="49" charset="0"/>
+              </a:rPr>
+              <a:t>age</a:t>
+            </a:r>
+            <a:r>
+              <a:rPr lang="ko-KR" altLang="en-US" dirty="0">
+                <a:latin typeface="Cascadia Code" pitchFamily="49" charset="0"/>
+                <a:cs typeface="Cascadia Code" pitchFamily="49" charset="0"/>
+              </a:rPr>
+              <a:t> { </a:t>
+            </a:r>
+            <a:r>
+              <a:rPr lang="ko-KR" altLang="en-US" dirty="0" err="1">
+                <a:latin typeface="Cascadia Code" pitchFamily="49" charset="0"/>
+                <a:cs typeface="Cascadia Code" pitchFamily="49" charset="0"/>
+              </a:rPr>
+              <a:t>rhs.age</a:t>
+            </a:r>
+            <a:r>
+              <a:rPr lang="ko-KR" altLang="en-US" dirty="0">
+                <a:latin typeface="Cascadia Code" pitchFamily="49" charset="0"/>
+                <a:cs typeface="Cascadia Code" pitchFamily="49" charset="0"/>
+              </a:rPr>
+              <a:t> }</a:t>
+            </a:r>
+          </a:p>
+          <a:p>
+            <a:r>
+              <a:rPr lang="ko-KR" altLang="en-US" dirty="0">
+                <a:latin typeface="Cascadia Code" pitchFamily="49" charset="0"/>
+                <a:cs typeface="Cascadia Code" pitchFamily="49" charset="0"/>
+              </a:rPr>
+              <a:t>{</a:t>
+            </a:r>
+          </a:p>
+          <a:p>
+            <a:r>
+              <a:rPr lang="ko-KR" altLang="en-US" dirty="0">
+                <a:latin typeface="Cascadia Code" pitchFamily="49" charset="0"/>
+                <a:cs typeface="Cascadia Code" pitchFamily="49" charset="0"/>
+              </a:rPr>
+              <a:t>    </a:t>
+            </a:r>
+            <a:r>
+              <a:rPr lang="ko-KR" altLang="en-US" dirty="0" err="1">
+                <a:latin typeface="Cascadia Code" pitchFamily="49" charset="0"/>
+                <a:cs typeface="Cascadia Code" pitchFamily="49" charset="0"/>
+              </a:rPr>
+              <a:t>name</a:t>
+            </a:r>
+            <a:r>
+              <a:rPr lang="ko-KR" altLang="en-US" dirty="0">
+                <a:latin typeface="Cascadia Code" pitchFamily="49" charset="0"/>
+                <a:cs typeface="Cascadia Code" pitchFamily="49" charset="0"/>
+              </a:rPr>
+              <a:t> = </a:t>
+            </a:r>
+            <a:r>
+              <a:rPr lang="ko-KR" altLang="en-US" dirty="0" err="1">
+                <a:latin typeface="Cascadia Code" pitchFamily="49" charset="0"/>
+                <a:cs typeface="Cascadia Code" pitchFamily="49" charset="0"/>
+              </a:rPr>
+              <a:t>new</a:t>
+            </a:r>
+            <a:r>
+              <a:rPr lang="ko-KR" altLang="en-US" dirty="0">
+                <a:latin typeface="Cascadia Code" pitchFamily="49" charset="0"/>
+                <a:cs typeface="Cascadia Code" pitchFamily="49" charset="0"/>
+              </a:rPr>
+              <a:t> </a:t>
+            </a:r>
+            <a:r>
+              <a:rPr lang="ko-KR" altLang="en-US" dirty="0" err="1">
+                <a:latin typeface="Cascadia Code" pitchFamily="49" charset="0"/>
+                <a:cs typeface="Cascadia Code" pitchFamily="49" charset="0"/>
+              </a:rPr>
+              <a:t>char</a:t>
+            </a:r>
+            <a:r>
+              <a:rPr lang="ko-KR" altLang="en-US" dirty="0">
+                <a:latin typeface="Cascadia Code" pitchFamily="49" charset="0"/>
+                <a:cs typeface="Cascadia Code" pitchFamily="49" charset="0"/>
+              </a:rPr>
+              <a:t>[</a:t>
+            </a:r>
+            <a:r>
+              <a:rPr lang="ko-KR" altLang="en-US" dirty="0" err="1">
+                <a:latin typeface="Cascadia Code" pitchFamily="49" charset="0"/>
+                <a:cs typeface="Cascadia Code" pitchFamily="49" charset="0"/>
+              </a:rPr>
+              <a:t>strlen</a:t>
+            </a:r>
+            <a:r>
+              <a:rPr lang="ko-KR" altLang="en-US" dirty="0">
+                <a:latin typeface="Cascadia Code" pitchFamily="49" charset="0"/>
+                <a:cs typeface="Cascadia Code" pitchFamily="49" charset="0"/>
+              </a:rPr>
+              <a:t>(</a:t>
+            </a:r>
+            <a:r>
+              <a:rPr lang="ko-KR" altLang="en-US" dirty="0" err="1">
+                <a:latin typeface="Cascadia Code" pitchFamily="49" charset="0"/>
+                <a:cs typeface="Cascadia Code" pitchFamily="49" charset="0"/>
+              </a:rPr>
+              <a:t>rhs.name</a:t>
+            </a:r>
+            <a:r>
+              <a:rPr lang="ko-KR" altLang="en-US" dirty="0">
+                <a:latin typeface="Cascadia Code" pitchFamily="49" charset="0"/>
+                <a:cs typeface="Cascadia Code" pitchFamily="49" charset="0"/>
+              </a:rPr>
+              <a:t>) + 1];</a:t>
+            </a:r>
+          </a:p>
+          <a:p>
+            <a:r>
+              <a:rPr lang="ko-KR" altLang="en-US" dirty="0">
+                <a:latin typeface="Cascadia Code" pitchFamily="49" charset="0"/>
+                <a:cs typeface="Cascadia Code" pitchFamily="49" charset="0"/>
+              </a:rPr>
+              <a:t>    </a:t>
+            </a:r>
+            <a:r>
+              <a:rPr lang="ko-KR" altLang="en-US" dirty="0" err="1">
+                <a:latin typeface="Cascadia Code" pitchFamily="49" charset="0"/>
+                <a:cs typeface="Cascadia Code" pitchFamily="49" charset="0"/>
+              </a:rPr>
+              <a:t>strcpy</a:t>
+            </a:r>
+            <a:r>
+              <a:rPr lang="ko-KR" altLang="en-US" dirty="0">
+                <a:latin typeface="Cascadia Code" pitchFamily="49" charset="0"/>
+                <a:cs typeface="Cascadia Code" pitchFamily="49" charset="0"/>
+              </a:rPr>
+              <a:t>(</a:t>
+            </a:r>
+            <a:r>
+              <a:rPr lang="ko-KR" altLang="en-US" dirty="0" err="1">
+                <a:latin typeface="Cascadia Code" pitchFamily="49" charset="0"/>
+                <a:cs typeface="Cascadia Code" pitchFamily="49" charset="0"/>
+              </a:rPr>
+              <a:t>name</a:t>
+            </a:r>
+            <a:r>
+              <a:rPr lang="ko-KR" altLang="en-US" dirty="0">
+                <a:latin typeface="Cascadia Code" pitchFamily="49" charset="0"/>
+                <a:cs typeface="Cascadia Code" pitchFamily="49" charset="0"/>
+              </a:rPr>
+              <a:t>, </a:t>
+            </a:r>
+            <a:r>
+              <a:rPr lang="ko-KR" altLang="en-US" dirty="0" err="1">
+                <a:latin typeface="Cascadia Code" pitchFamily="49" charset="0"/>
+                <a:cs typeface="Cascadia Code" pitchFamily="49" charset="0"/>
+              </a:rPr>
+              <a:t>rhs.name</a:t>
+            </a:r>
+            <a:r>
+              <a:rPr lang="ko-KR" altLang="en-US" dirty="0">
+                <a:latin typeface="Cascadia Code" pitchFamily="49" charset="0"/>
+                <a:cs typeface="Cascadia Code" pitchFamily="49" charset="0"/>
+              </a:rPr>
+              <a:t>);</a:t>
+            </a:r>
+          </a:p>
+          <a:p>
+            <a:r>
+              <a:rPr lang="ko-KR" altLang="en-US" dirty="0">
+                <a:latin typeface="Cascadia Code" pitchFamily="49" charset="0"/>
+                <a:cs typeface="Cascadia Code" pitchFamily="49" charset="0"/>
+              </a:rPr>
+              <a:t>}</a:t>
+            </a:r>
+          </a:p>
+        </p:txBody>
+      </p:sp>
+    </p:spTree>
+    <p:extLst>
+      <p:ext uri="{BB962C8B-B14F-4D97-AF65-F5344CB8AC3E}">
+        <p14:creationId xmlns:p14="http://schemas.microsoft.com/office/powerpoint/2010/main" val="1248979917"/>
+      </p:ext>
+    </p:extLst>
+  </p:cSld>
+  <p:clrMapOvr>
+    <a:masterClrMapping/>
+  </p:clrMapOvr>
+</p:sld>
+</file>
+
+<file path=ppt/slides/slide33.xml><?xml version="1.0" encoding="utf-8"?>
+<p:sld xmlns:a="http://schemas.openxmlformats.org/drawingml/2006/main" xmlns:r="http://schemas.openxmlformats.org/officeDocument/2006/relationships" xmlns:p="http://schemas.openxmlformats.org/presentationml/2006/main">
+  <p:cSld>
+    <p:spTree>
+      <p:nvGrpSpPr>
+        <p:cNvPr id="1" name=""/>
+        <p:cNvGrpSpPr/>
+        <p:nvPr/>
+      </p:nvGrpSpPr>
+      <p:grpSpPr>
+        <a:xfrm>
+          <a:off x="0" y="0"/>
+          <a:ext cx="0" cy="0"/>
+          <a:chOff x="0" y="0"/>
+          <a:chExt cx="0" cy="0"/>
+        </a:xfrm>
+      </p:grpSpPr>
+      <p:sp>
+        <p:nvSpPr>
+          <p:cNvPr id="4" name="직사각형 3">
+            <a:extLst>
+              <a:ext uri="{FF2B5EF4-FFF2-40B4-BE49-F238E27FC236}">
+                <a16:creationId xmlns:a16="http://schemas.microsoft.com/office/drawing/2014/main" id="{09B83249-8D75-3115-D1B4-741EC70C1AAC}"/>
+              </a:ext>
+            </a:extLst>
+          </p:cNvPr>
+          <p:cNvSpPr/>
+          <p:nvPr/>
+        </p:nvSpPr>
+        <p:spPr>
+          <a:xfrm>
+            <a:off x="7497157" y="395102"/>
+            <a:ext cx="1120140" cy="610463"/>
+          </a:xfrm>
+          <a:prstGeom prst="rect">
+            <a:avLst/>
+          </a:prstGeom>
+          <a:solidFill>
+            <a:srgbClr val="FFFF00"/>
+          </a:solidFill>
+        </p:spPr>
+        <p:style>
+          <a:lnRef idx="2">
+            <a:schemeClr val="accent1">
+              <a:shade val="15000"/>
+            </a:schemeClr>
+          </a:lnRef>
+          <a:fillRef idx="1">
+            <a:schemeClr val="accent1"/>
+          </a:fillRef>
+          <a:effectRef idx="0">
+            <a:schemeClr val="accent1"/>
+          </a:effectRef>
+          <a:fontRef idx="minor">
+            <a:schemeClr val="lt1"/>
+          </a:fontRef>
+        </p:style>
+        <p:txBody>
+          <a:bodyPr rtlCol="0" anchor="ctr"/>
+          <a:lstStyle/>
+          <a:p>
+            <a:pPr algn="ctr"/>
+            <a:r>
+              <a:rPr kumimoji="1" lang="en-US" altLang="ko-KR" sz="1600" dirty="0">
+                <a:solidFill>
+                  <a:schemeClr val="tx1"/>
+                </a:solidFill>
+                <a:latin typeface="Cascadia Code" pitchFamily="49" charset="0"/>
+                <a:cs typeface="Cascadia Code" pitchFamily="49" charset="0"/>
+              </a:rPr>
+              <a:t>0x100</a:t>
+            </a:r>
+            <a:endParaRPr kumimoji="1" lang="ko-KR" altLang="en-US" sz="1600" dirty="0">
+              <a:solidFill>
+                <a:schemeClr val="tx1"/>
+              </a:solidFill>
+              <a:latin typeface="Cascadia Code" pitchFamily="49" charset="0"/>
+              <a:cs typeface="Cascadia Code" pitchFamily="49" charset="0"/>
+            </a:endParaRPr>
+          </a:p>
+        </p:txBody>
+      </p:sp>
+      <p:sp>
+        <p:nvSpPr>
+          <p:cNvPr id="5" name="TextBox 4">
+            <a:extLst>
+              <a:ext uri="{FF2B5EF4-FFF2-40B4-BE49-F238E27FC236}">
+                <a16:creationId xmlns:a16="http://schemas.microsoft.com/office/drawing/2014/main" id="{3562ACEB-1C44-671F-A12B-D7C483C4292F}"/>
+              </a:ext>
+            </a:extLst>
+          </p:cNvPr>
+          <p:cNvSpPr txBox="1"/>
+          <p:nvPr/>
+        </p:nvSpPr>
+        <p:spPr>
+          <a:xfrm>
+            <a:off x="6788729" y="531056"/>
+            <a:ext cx="677948" cy="338554"/>
+          </a:xfrm>
+          <a:prstGeom prst="rect">
+            <a:avLst/>
+          </a:prstGeom>
+          <a:noFill/>
+        </p:spPr>
+        <p:txBody>
+          <a:bodyPr wrap="square" rtlCol="0">
+            <a:spAutoFit/>
+          </a:bodyPr>
+          <a:lstStyle/>
+          <a:p>
+            <a:pPr algn="ctr"/>
+            <a:r>
+              <a:rPr kumimoji="1" lang="en-US" altLang="ko-KR" sz="1600" dirty="0">
+                <a:latin typeface="Cascadia Code" pitchFamily="49" charset="0"/>
+                <a:ea typeface="Cascadia Code" pitchFamily="49" charset="0"/>
+                <a:cs typeface="Cascadia Code" pitchFamily="49" charset="0"/>
+              </a:rPr>
+              <a:t>name</a:t>
+            </a:r>
+            <a:endParaRPr kumimoji="1" lang="ko-KR" altLang="en-US" sz="1600" dirty="0">
+              <a:latin typeface="Cascadia Code" pitchFamily="49" charset="0"/>
+              <a:ea typeface="Cascadia Code" pitchFamily="49" charset="0"/>
+              <a:cs typeface="Cascadia Code" pitchFamily="49" charset="0"/>
+            </a:endParaRPr>
+          </a:p>
+        </p:txBody>
+      </p:sp>
+      <p:sp>
+        <p:nvSpPr>
+          <p:cNvPr id="6" name="직사각형 5">
+            <a:extLst>
+              <a:ext uri="{FF2B5EF4-FFF2-40B4-BE49-F238E27FC236}">
+                <a16:creationId xmlns:a16="http://schemas.microsoft.com/office/drawing/2014/main" id="{F9B22FE2-F88E-3990-3190-950A669E9EEF}"/>
+              </a:ext>
+            </a:extLst>
+          </p:cNvPr>
+          <p:cNvSpPr/>
+          <p:nvPr/>
+        </p:nvSpPr>
+        <p:spPr>
+          <a:xfrm>
+            <a:off x="7497157" y="1005565"/>
+            <a:ext cx="1120140" cy="610463"/>
+          </a:xfrm>
+          <a:prstGeom prst="rect">
+            <a:avLst/>
+          </a:prstGeom>
+          <a:solidFill>
+            <a:srgbClr val="FFFF00"/>
+          </a:solidFill>
+        </p:spPr>
+        <p:style>
+          <a:lnRef idx="2">
+            <a:schemeClr val="accent1">
+              <a:shade val="15000"/>
+            </a:schemeClr>
+          </a:lnRef>
+          <a:fillRef idx="1">
+            <a:schemeClr val="accent1"/>
+          </a:fillRef>
+          <a:effectRef idx="0">
+            <a:schemeClr val="accent1"/>
+          </a:effectRef>
+          <a:fontRef idx="minor">
+            <a:schemeClr val="lt1"/>
+          </a:fontRef>
+        </p:style>
+        <p:txBody>
+          <a:bodyPr rtlCol="0" anchor="ctr"/>
+          <a:lstStyle/>
+          <a:p>
+            <a:pPr algn="ctr"/>
+            <a:r>
+              <a:rPr kumimoji="1" lang="en-US" altLang="ko-KR" sz="1600" dirty="0">
+                <a:solidFill>
+                  <a:schemeClr val="tx1"/>
+                </a:solidFill>
+                <a:latin typeface="Cascadia Code" pitchFamily="49" charset="0"/>
+                <a:cs typeface="Cascadia Code" pitchFamily="49" charset="0"/>
+              </a:rPr>
+              <a:t>42</a:t>
+            </a:r>
+            <a:endParaRPr kumimoji="1" lang="ko-KR" altLang="en-US" sz="1600" dirty="0">
+              <a:solidFill>
+                <a:schemeClr val="tx1"/>
+              </a:solidFill>
+              <a:latin typeface="Cascadia Code" pitchFamily="49" charset="0"/>
+              <a:cs typeface="Cascadia Code" pitchFamily="49" charset="0"/>
+            </a:endParaRPr>
+          </a:p>
+        </p:txBody>
+      </p:sp>
+      <p:sp>
+        <p:nvSpPr>
+          <p:cNvPr id="7" name="TextBox 6">
+            <a:extLst>
+              <a:ext uri="{FF2B5EF4-FFF2-40B4-BE49-F238E27FC236}">
+                <a16:creationId xmlns:a16="http://schemas.microsoft.com/office/drawing/2014/main" id="{D653E8C1-8417-3695-F747-E52201829E1C}"/>
+              </a:ext>
+            </a:extLst>
+          </p:cNvPr>
+          <p:cNvSpPr txBox="1"/>
+          <p:nvPr/>
+        </p:nvSpPr>
+        <p:spPr>
+          <a:xfrm>
+            <a:off x="6908802" y="1141519"/>
+            <a:ext cx="557875" cy="338554"/>
+          </a:xfrm>
+          <a:prstGeom prst="rect">
+            <a:avLst/>
+          </a:prstGeom>
+          <a:noFill/>
+        </p:spPr>
+        <p:txBody>
+          <a:bodyPr wrap="square" rtlCol="0">
+            <a:spAutoFit/>
+          </a:bodyPr>
+          <a:lstStyle/>
+          <a:p>
+            <a:pPr algn="ctr"/>
+            <a:r>
+              <a:rPr kumimoji="1" lang="en-US" altLang="ko-KR" sz="1600" dirty="0">
+                <a:latin typeface="Cascadia Code" pitchFamily="49" charset="0"/>
+                <a:ea typeface="Cascadia Code" pitchFamily="49" charset="0"/>
+                <a:cs typeface="Cascadia Code" pitchFamily="49" charset="0"/>
+              </a:rPr>
+              <a:t>age</a:t>
+            </a:r>
+            <a:endParaRPr kumimoji="1" lang="ko-KR" altLang="en-US" sz="1600" dirty="0">
+              <a:latin typeface="Cascadia Code" pitchFamily="49" charset="0"/>
+              <a:ea typeface="Cascadia Code" pitchFamily="49" charset="0"/>
+              <a:cs typeface="Cascadia Code" pitchFamily="49" charset="0"/>
+            </a:endParaRPr>
+          </a:p>
+        </p:txBody>
+      </p:sp>
+      <p:sp>
+        <p:nvSpPr>
+          <p:cNvPr id="8" name="TextBox 7">
+            <a:extLst>
+              <a:ext uri="{FF2B5EF4-FFF2-40B4-BE49-F238E27FC236}">
+                <a16:creationId xmlns:a16="http://schemas.microsoft.com/office/drawing/2014/main" id="{906F15F5-3EB5-2784-9D16-FFBBD1926492}"/>
+              </a:ext>
+            </a:extLst>
+          </p:cNvPr>
+          <p:cNvSpPr txBox="1"/>
+          <p:nvPr/>
+        </p:nvSpPr>
+        <p:spPr>
+          <a:xfrm>
+            <a:off x="7604068" y="0"/>
+            <a:ext cx="906317" cy="369332"/>
+          </a:xfrm>
+          <a:prstGeom prst="rect">
+            <a:avLst/>
+          </a:prstGeom>
+          <a:noFill/>
+        </p:spPr>
+        <p:txBody>
+          <a:bodyPr wrap="square">
+            <a:spAutoFit/>
+          </a:bodyPr>
+          <a:lstStyle/>
+          <a:p>
+            <a:pPr algn="ctr"/>
+            <a:r>
+              <a:rPr lang="en-US" altLang="ko-KR" dirty="0">
+                <a:latin typeface="Cascadia Code" pitchFamily="49" charset="0"/>
+                <a:cs typeface="Cascadia Code" pitchFamily="49" charset="0"/>
+              </a:rPr>
+              <a:t>user</a:t>
+            </a:r>
+            <a:endParaRPr lang="ko-KR" altLang="en-US" dirty="0"/>
+          </a:p>
+        </p:txBody>
+      </p:sp>
+      <p:sp>
+        <p:nvSpPr>
+          <p:cNvPr id="9" name="직사각형 8">
+            <a:extLst>
+              <a:ext uri="{FF2B5EF4-FFF2-40B4-BE49-F238E27FC236}">
+                <a16:creationId xmlns:a16="http://schemas.microsoft.com/office/drawing/2014/main" id="{14CB84D0-F1A3-8BE2-399C-542AFB034647}"/>
+              </a:ext>
+            </a:extLst>
+          </p:cNvPr>
+          <p:cNvSpPr/>
+          <p:nvPr/>
+        </p:nvSpPr>
+        <p:spPr>
+          <a:xfrm>
+            <a:off x="9975272" y="1005566"/>
+            <a:ext cx="1528388" cy="474508"/>
+          </a:xfrm>
+          <a:prstGeom prst="rect">
+            <a:avLst/>
+          </a:prstGeom>
+          <a:solidFill>
+            <a:srgbClr val="FFFF00"/>
+          </a:solidFill>
+        </p:spPr>
+        <p:style>
+          <a:lnRef idx="2">
+            <a:schemeClr val="accent1">
+              <a:shade val="15000"/>
+            </a:schemeClr>
+          </a:lnRef>
+          <a:fillRef idx="1">
+            <a:schemeClr val="accent1"/>
+          </a:fillRef>
+          <a:effectRef idx="0">
+            <a:schemeClr val="accent1"/>
+          </a:effectRef>
+          <a:fontRef idx="minor">
+            <a:schemeClr val="lt1"/>
+          </a:fontRef>
+        </p:style>
+        <p:txBody>
+          <a:bodyPr rtlCol="0" anchor="ctr"/>
+          <a:lstStyle/>
+          <a:p>
+            <a:pPr algn="ctr"/>
+            <a:r>
+              <a:rPr kumimoji="1" lang="en-US" altLang="ko-KR" sz="1600" dirty="0">
+                <a:solidFill>
+                  <a:schemeClr val="tx1"/>
+                </a:solidFill>
+                <a:latin typeface="Cascadia Code" pitchFamily="49" charset="0"/>
+                <a:cs typeface="Cascadia Code" pitchFamily="49" charset="0"/>
+              </a:rPr>
+              <a:t>“Tom”</a:t>
+            </a:r>
+            <a:endParaRPr kumimoji="1" lang="ko-KR" altLang="en-US" sz="1600" dirty="0">
+              <a:solidFill>
+                <a:schemeClr val="tx1"/>
+              </a:solidFill>
+              <a:latin typeface="Cascadia Code" pitchFamily="49" charset="0"/>
+              <a:cs typeface="Cascadia Code" pitchFamily="49" charset="0"/>
+            </a:endParaRPr>
+          </a:p>
+        </p:txBody>
+      </p:sp>
+      <p:cxnSp>
+        <p:nvCxnSpPr>
+          <p:cNvPr id="10" name="구부러진 연결선[U] 9">
+            <a:extLst>
+              <a:ext uri="{FF2B5EF4-FFF2-40B4-BE49-F238E27FC236}">
+                <a16:creationId xmlns:a16="http://schemas.microsoft.com/office/drawing/2014/main" id="{00A86509-FEB1-EAAD-F665-79AB260544C2}"/>
+              </a:ext>
+            </a:extLst>
+          </p:cNvPr>
+          <p:cNvCxnSpPr>
+            <a:stCxn id="4" idx="3"/>
+            <a:endCxn id="9" idx="1"/>
+          </p:cNvCxnSpPr>
+          <p:nvPr/>
+        </p:nvCxnSpPr>
+        <p:spPr>
+          <a:xfrm>
+            <a:off x="8617297" y="700334"/>
+            <a:ext cx="1357975" cy="542486"/>
+          </a:xfrm>
+          <a:prstGeom prst="curvedConnector3">
+            <a:avLst/>
+          </a:prstGeom>
+          <a:ln>
+            <a:tailEnd type="triangle"/>
+          </a:ln>
+        </p:spPr>
+        <p:style>
+          <a:lnRef idx="2">
+            <a:schemeClr val="dk1"/>
+          </a:lnRef>
+          <a:fillRef idx="0">
+            <a:schemeClr val="dk1"/>
+          </a:fillRef>
+          <a:effectRef idx="1">
+            <a:schemeClr val="dk1"/>
+          </a:effectRef>
+          <a:fontRef idx="minor">
+            <a:schemeClr val="tx1"/>
+          </a:fontRef>
+        </p:style>
+      </p:cxnSp>
+      <p:sp>
+        <p:nvSpPr>
+          <p:cNvPr id="11" name="직사각형 10">
+            <a:extLst>
+              <a:ext uri="{FF2B5EF4-FFF2-40B4-BE49-F238E27FC236}">
+                <a16:creationId xmlns:a16="http://schemas.microsoft.com/office/drawing/2014/main" id="{A415A8AD-44A0-9D88-ACB7-A25F76C0E016}"/>
+              </a:ext>
+            </a:extLst>
+          </p:cNvPr>
+          <p:cNvSpPr/>
+          <p:nvPr/>
+        </p:nvSpPr>
+        <p:spPr>
+          <a:xfrm>
+            <a:off x="7497157" y="1616028"/>
+            <a:ext cx="1120140" cy="610463"/>
+          </a:xfrm>
+          <a:prstGeom prst="rect">
+            <a:avLst/>
+          </a:prstGeom>
+          <a:solidFill>
+            <a:srgbClr val="FFFF00"/>
+          </a:solidFill>
+        </p:spPr>
+        <p:style>
+          <a:lnRef idx="2">
+            <a:schemeClr val="accent1">
+              <a:shade val="15000"/>
+            </a:schemeClr>
+          </a:lnRef>
+          <a:fillRef idx="1">
+            <a:schemeClr val="accent1"/>
+          </a:fillRef>
+          <a:effectRef idx="0">
+            <a:schemeClr val="accent1"/>
+          </a:effectRef>
+          <a:fontRef idx="minor">
+            <a:schemeClr val="lt1"/>
+          </a:fontRef>
+        </p:style>
+        <p:txBody>
+          <a:bodyPr rtlCol="0" anchor="ctr"/>
+          <a:lstStyle/>
+          <a:p>
+            <a:pPr algn="ctr"/>
+            <a:r>
+              <a:rPr kumimoji="1" lang="en-US" altLang="ko-KR" sz="1600" dirty="0">
+                <a:solidFill>
+                  <a:schemeClr val="tx1"/>
+                </a:solidFill>
+                <a:latin typeface="Cascadia Code" pitchFamily="49" charset="0"/>
+                <a:cs typeface="Cascadia Code" pitchFamily="49" charset="0"/>
+              </a:rPr>
+              <a:t>0x200</a:t>
+            </a:r>
+            <a:endParaRPr kumimoji="1" lang="ko-KR" altLang="en-US" sz="1600" dirty="0">
+              <a:solidFill>
+                <a:schemeClr val="tx1"/>
+              </a:solidFill>
+              <a:latin typeface="Cascadia Code" pitchFamily="49" charset="0"/>
+              <a:cs typeface="Cascadia Code" pitchFamily="49" charset="0"/>
+            </a:endParaRPr>
+          </a:p>
+        </p:txBody>
+      </p:sp>
+      <p:sp>
+        <p:nvSpPr>
+          <p:cNvPr id="12" name="TextBox 11">
+            <a:extLst>
+              <a:ext uri="{FF2B5EF4-FFF2-40B4-BE49-F238E27FC236}">
+                <a16:creationId xmlns:a16="http://schemas.microsoft.com/office/drawing/2014/main" id="{4BDA71F0-B973-8BB6-C4FE-8EFD13707402}"/>
+              </a:ext>
+            </a:extLst>
+          </p:cNvPr>
+          <p:cNvSpPr txBox="1"/>
+          <p:nvPr/>
+        </p:nvSpPr>
+        <p:spPr>
+          <a:xfrm>
+            <a:off x="6908802" y="1729261"/>
+            <a:ext cx="557875" cy="338554"/>
+          </a:xfrm>
+          <a:prstGeom prst="rect">
+            <a:avLst/>
+          </a:prstGeom>
+          <a:noFill/>
+        </p:spPr>
+        <p:txBody>
+          <a:bodyPr wrap="square" rtlCol="0">
+            <a:spAutoFit/>
+          </a:bodyPr>
+          <a:lstStyle/>
+          <a:p>
+            <a:pPr algn="ctr"/>
+            <a:r>
+              <a:rPr kumimoji="1" lang="en-US" altLang="ko-KR" sz="1600" dirty="0">
+                <a:latin typeface="Cascadia Code" pitchFamily="49" charset="0"/>
+                <a:ea typeface="Cascadia Code" pitchFamily="49" charset="0"/>
+                <a:cs typeface="Cascadia Code" pitchFamily="49" charset="0"/>
+              </a:rPr>
+              <a:t>ref</a:t>
+            </a:r>
+            <a:endParaRPr kumimoji="1" lang="ko-KR" altLang="en-US" sz="1600" dirty="0">
+              <a:latin typeface="Cascadia Code" pitchFamily="49" charset="0"/>
+              <a:ea typeface="Cascadia Code" pitchFamily="49" charset="0"/>
+              <a:cs typeface="Cascadia Code" pitchFamily="49" charset="0"/>
+            </a:endParaRPr>
+          </a:p>
+        </p:txBody>
+      </p:sp>
+      <p:cxnSp>
+        <p:nvCxnSpPr>
+          <p:cNvPr id="13" name="구부러진 연결선[U] 12">
+            <a:extLst>
+              <a:ext uri="{FF2B5EF4-FFF2-40B4-BE49-F238E27FC236}">
+                <a16:creationId xmlns:a16="http://schemas.microsoft.com/office/drawing/2014/main" id="{59D331FE-43E1-9043-F68F-5545DA36F3D6}"/>
+              </a:ext>
+            </a:extLst>
+          </p:cNvPr>
+          <p:cNvCxnSpPr>
+            <a:cxnSpLocks/>
+            <a:stCxn id="11" idx="3"/>
+            <a:endCxn id="16" idx="1"/>
+          </p:cNvCxnSpPr>
+          <p:nvPr/>
+        </p:nvCxnSpPr>
+        <p:spPr>
+          <a:xfrm>
+            <a:off x="8617297" y="1921260"/>
+            <a:ext cx="1838267" cy="405091"/>
+          </a:xfrm>
+          <a:prstGeom prst="curvedConnector3">
+            <a:avLst/>
+          </a:prstGeom>
+          <a:ln>
+            <a:tailEnd type="triangle"/>
+          </a:ln>
+        </p:spPr>
+        <p:style>
+          <a:lnRef idx="2">
+            <a:schemeClr val="dk1"/>
+          </a:lnRef>
+          <a:fillRef idx="0">
+            <a:schemeClr val="dk1"/>
+          </a:fillRef>
+          <a:effectRef idx="1">
+            <a:schemeClr val="dk1"/>
+          </a:effectRef>
+          <a:fontRef idx="minor">
+            <a:schemeClr val="tx1"/>
+          </a:fontRef>
+        </p:style>
+      </p:cxnSp>
+      <p:sp>
+        <p:nvSpPr>
+          <p:cNvPr id="16" name="직사각형 15">
+            <a:extLst>
+              <a:ext uri="{FF2B5EF4-FFF2-40B4-BE49-F238E27FC236}">
+                <a16:creationId xmlns:a16="http://schemas.microsoft.com/office/drawing/2014/main" id="{6DE6555A-07CC-AD5C-EB5B-357AFEEFA67B}"/>
+              </a:ext>
+            </a:extLst>
+          </p:cNvPr>
+          <p:cNvSpPr/>
+          <p:nvPr/>
+        </p:nvSpPr>
+        <p:spPr>
+          <a:xfrm>
+            <a:off x="10455564" y="2089097"/>
+            <a:ext cx="914400" cy="474508"/>
+          </a:xfrm>
+          <a:prstGeom prst="rect">
+            <a:avLst/>
+          </a:prstGeom>
+          <a:solidFill>
+            <a:srgbClr val="FFFF00"/>
+          </a:solidFill>
+        </p:spPr>
+        <p:style>
+          <a:lnRef idx="2">
+            <a:schemeClr val="accent1">
+              <a:shade val="15000"/>
+            </a:schemeClr>
+          </a:lnRef>
+          <a:fillRef idx="1">
+            <a:schemeClr val="accent1"/>
+          </a:fillRef>
+          <a:effectRef idx="0">
+            <a:schemeClr val="accent1"/>
+          </a:effectRef>
+          <a:fontRef idx="minor">
+            <a:schemeClr val="lt1"/>
+          </a:fontRef>
+        </p:style>
+        <p:txBody>
+          <a:bodyPr rtlCol="0" anchor="ctr"/>
+          <a:lstStyle/>
+          <a:p>
+            <a:pPr algn="ctr"/>
+            <a:r>
+              <a:rPr kumimoji="1" lang="en-US" altLang="ko-KR" sz="1600" dirty="0">
+                <a:solidFill>
+                  <a:schemeClr val="tx1"/>
+                </a:solidFill>
+                <a:latin typeface="Cascadia Code" pitchFamily="49" charset="0"/>
+                <a:cs typeface="Cascadia Code" pitchFamily="49" charset="0"/>
+              </a:rPr>
+              <a:t>2</a:t>
+            </a:r>
+            <a:endParaRPr kumimoji="1" lang="ko-KR" altLang="en-US" sz="1600" dirty="0">
+              <a:solidFill>
+                <a:schemeClr val="tx1"/>
+              </a:solidFill>
+              <a:latin typeface="Cascadia Code" pitchFamily="49" charset="0"/>
+              <a:cs typeface="Cascadia Code" pitchFamily="49" charset="0"/>
+            </a:endParaRPr>
+          </a:p>
+        </p:txBody>
+      </p:sp>
+      <p:sp>
+        <p:nvSpPr>
+          <p:cNvPr id="19" name="직사각형 18">
+            <a:extLst>
+              <a:ext uri="{FF2B5EF4-FFF2-40B4-BE49-F238E27FC236}">
+                <a16:creationId xmlns:a16="http://schemas.microsoft.com/office/drawing/2014/main" id="{D74DB03D-1942-00CB-7788-599AF7A7D8F3}"/>
+              </a:ext>
+            </a:extLst>
+          </p:cNvPr>
+          <p:cNvSpPr/>
+          <p:nvPr/>
+        </p:nvSpPr>
+        <p:spPr>
+          <a:xfrm>
+            <a:off x="7497157" y="2867396"/>
+            <a:ext cx="1120140" cy="610463"/>
+          </a:xfrm>
+          <a:prstGeom prst="rect">
+            <a:avLst/>
+          </a:prstGeom>
+          <a:solidFill>
+            <a:srgbClr val="FFFF00"/>
+          </a:solidFill>
+        </p:spPr>
+        <p:style>
+          <a:lnRef idx="2">
+            <a:schemeClr val="accent1">
+              <a:shade val="15000"/>
+            </a:schemeClr>
+          </a:lnRef>
+          <a:fillRef idx="1">
+            <a:schemeClr val="accent1"/>
+          </a:fillRef>
+          <a:effectRef idx="0">
+            <a:schemeClr val="accent1"/>
+          </a:effectRef>
+          <a:fontRef idx="minor">
+            <a:schemeClr val="lt1"/>
+          </a:fontRef>
+        </p:style>
+        <p:txBody>
+          <a:bodyPr rtlCol="0" anchor="ctr"/>
+          <a:lstStyle/>
+          <a:p>
+            <a:pPr algn="ctr"/>
+            <a:r>
+              <a:rPr kumimoji="1" lang="en-US" altLang="ko-KR" sz="1600" dirty="0">
+                <a:solidFill>
+                  <a:schemeClr val="tx1"/>
+                </a:solidFill>
+                <a:latin typeface="Cascadia Code" pitchFamily="49" charset="0"/>
+                <a:cs typeface="Cascadia Code" pitchFamily="49" charset="0"/>
+              </a:rPr>
+              <a:t>0x100</a:t>
+            </a:r>
+            <a:endParaRPr kumimoji="1" lang="ko-KR" altLang="en-US" sz="1600" dirty="0">
+              <a:solidFill>
+                <a:schemeClr val="tx1"/>
+              </a:solidFill>
+              <a:latin typeface="Cascadia Code" pitchFamily="49" charset="0"/>
+              <a:cs typeface="Cascadia Code" pitchFamily="49" charset="0"/>
+            </a:endParaRPr>
+          </a:p>
+        </p:txBody>
+      </p:sp>
+      <p:sp>
+        <p:nvSpPr>
+          <p:cNvPr id="20" name="TextBox 19">
+            <a:extLst>
+              <a:ext uri="{FF2B5EF4-FFF2-40B4-BE49-F238E27FC236}">
+                <a16:creationId xmlns:a16="http://schemas.microsoft.com/office/drawing/2014/main" id="{99EBA079-7CAC-E527-D493-836D28B65874}"/>
+              </a:ext>
+            </a:extLst>
+          </p:cNvPr>
+          <p:cNvSpPr txBox="1"/>
+          <p:nvPr/>
+        </p:nvSpPr>
+        <p:spPr>
+          <a:xfrm>
+            <a:off x="6788729" y="3003350"/>
+            <a:ext cx="677948" cy="338554"/>
+          </a:xfrm>
+          <a:prstGeom prst="rect">
+            <a:avLst/>
+          </a:prstGeom>
+          <a:noFill/>
+        </p:spPr>
+        <p:txBody>
+          <a:bodyPr wrap="square" rtlCol="0">
+            <a:spAutoFit/>
+          </a:bodyPr>
+          <a:lstStyle/>
+          <a:p>
+            <a:pPr algn="ctr"/>
+            <a:r>
+              <a:rPr kumimoji="1" lang="en-US" altLang="ko-KR" sz="1600" dirty="0">
+                <a:latin typeface="Cascadia Code" pitchFamily="49" charset="0"/>
+                <a:ea typeface="Cascadia Code" pitchFamily="49" charset="0"/>
+                <a:cs typeface="Cascadia Code" pitchFamily="49" charset="0"/>
+              </a:rPr>
+              <a:t>name</a:t>
+            </a:r>
+            <a:endParaRPr kumimoji="1" lang="ko-KR" altLang="en-US" sz="1600" dirty="0">
+              <a:latin typeface="Cascadia Code" pitchFamily="49" charset="0"/>
+              <a:ea typeface="Cascadia Code" pitchFamily="49" charset="0"/>
+              <a:cs typeface="Cascadia Code" pitchFamily="49" charset="0"/>
+            </a:endParaRPr>
+          </a:p>
+        </p:txBody>
+      </p:sp>
+      <p:sp>
+        <p:nvSpPr>
+          <p:cNvPr id="21" name="직사각형 20">
+            <a:extLst>
+              <a:ext uri="{FF2B5EF4-FFF2-40B4-BE49-F238E27FC236}">
+                <a16:creationId xmlns:a16="http://schemas.microsoft.com/office/drawing/2014/main" id="{650CC05E-ACBC-7F5E-AF4F-05E7DAB6F011}"/>
+              </a:ext>
+            </a:extLst>
+          </p:cNvPr>
+          <p:cNvSpPr/>
+          <p:nvPr/>
+        </p:nvSpPr>
+        <p:spPr>
+          <a:xfrm>
+            <a:off x="7497157" y="3477859"/>
+            <a:ext cx="1120140" cy="610463"/>
+          </a:xfrm>
+          <a:prstGeom prst="rect">
+            <a:avLst/>
+          </a:prstGeom>
+          <a:solidFill>
+            <a:srgbClr val="FFFF00"/>
+          </a:solidFill>
+        </p:spPr>
+        <p:style>
+          <a:lnRef idx="2">
+            <a:schemeClr val="accent1">
+              <a:shade val="15000"/>
+            </a:schemeClr>
+          </a:lnRef>
+          <a:fillRef idx="1">
+            <a:schemeClr val="accent1"/>
+          </a:fillRef>
+          <a:effectRef idx="0">
+            <a:schemeClr val="accent1"/>
+          </a:effectRef>
+          <a:fontRef idx="minor">
+            <a:schemeClr val="lt1"/>
+          </a:fontRef>
+        </p:style>
+        <p:txBody>
+          <a:bodyPr rtlCol="0" anchor="ctr"/>
+          <a:lstStyle/>
+          <a:p>
+            <a:pPr algn="ctr"/>
+            <a:r>
+              <a:rPr kumimoji="1" lang="en-US" altLang="ko-KR" sz="1600" dirty="0">
+                <a:solidFill>
+                  <a:schemeClr val="tx1"/>
+                </a:solidFill>
+                <a:latin typeface="Cascadia Code" pitchFamily="49" charset="0"/>
+                <a:cs typeface="Cascadia Code" pitchFamily="49" charset="0"/>
+              </a:rPr>
+              <a:t>42</a:t>
+            </a:r>
+            <a:endParaRPr kumimoji="1" lang="ko-KR" altLang="en-US" sz="1600" dirty="0">
+              <a:solidFill>
+                <a:schemeClr val="tx1"/>
+              </a:solidFill>
+              <a:latin typeface="Cascadia Code" pitchFamily="49" charset="0"/>
+              <a:cs typeface="Cascadia Code" pitchFamily="49" charset="0"/>
+            </a:endParaRPr>
+          </a:p>
+        </p:txBody>
+      </p:sp>
+      <p:sp>
+        <p:nvSpPr>
+          <p:cNvPr id="22" name="TextBox 21">
+            <a:extLst>
+              <a:ext uri="{FF2B5EF4-FFF2-40B4-BE49-F238E27FC236}">
+                <a16:creationId xmlns:a16="http://schemas.microsoft.com/office/drawing/2014/main" id="{4BCB6372-5EA1-C522-ECEA-CDE92F08B367}"/>
+              </a:ext>
+            </a:extLst>
+          </p:cNvPr>
+          <p:cNvSpPr txBox="1"/>
+          <p:nvPr/>
+        </p:nvSpPr>
+        <p:spPr>
+          <a:xfrm>
+            <a:off x="6908802" y="3613813"/>
+            <a:ext cx="557875" cy="338554"/>
+          </a:xfrm>
+          <a:prstGeom prst="rect">
+            <a:avLst/>
+          </a:prstGeom>
+          <a:noFill/>
+        </p:spPr>
+        <p:txBody>
+          <a:bodyPr wrap="square" rtlCol="0">
+            <a:spAutoFit/>
+          </a:bodyPr>
+          <a:lstStyle/>
+          <a:p>
+            <a:pPr algn="ctr"/>
+            <a:r>
+              <a:rPr kumimoji="1" lang="en-US" altLang="ko-KR" sz="1600" dirty="0">
+                <a:latin typeface="Cascadia Code" pitchFamily="49" charset="0"/>
+                <a:ea typeface="Cascadia Code" pitchFamily="49" charset="0"/>
+                <a:cs typeface="Cascadia Code" pitchFamily="49" charset="0"/>
+              </a:rPr>
+              <a:t>age</a:t>
+            </a:r>
+            <a:endParaRPr kumimoji="1" lang="ko-KR" altLang="en-US" sz="1600" dirty="0">
+              <a:latin typeface="Cascadia Code" pitchFamily="49" charset="0"/>
+              <a:ea typeface="Cascadia Code" pitchFamily="49" charset="0"/>
+              <a:cs typeface="Cascadia Code" pitchFamily="49" charset="0"/>
+            </a:endParaRPr>
+          </a:p>
+        </p:txBody>
+      </p:sp>
+      <p:sp>
+        <p:nvSpPr>
+          <p:cNvPr id="23" name="TextBox 22">
+            <a:extLst>
+              <a:ext uri="{FF2B5EF4-FFF2-40B4-BE49-F238E27FC236}">
+                <a16:creationId xmlns:a16="http://schemas.microsoft.com/office/drawing/2014/main" id="{EC6F1E9F-41C2-2086-ABCA-5166F003D05F}"/>
+              </a:ext>
+            </a:extLst>
+          </p:cNvPr>
+          <p:cNvSpPr txBox="1"/>
+          <p:nvPr/>
+        </p:nvSpPr>
+        <p:spPr>
+          <a:xfrm>
+            <a:off x="7604068" y="2472294"/>
+            <a:ext cx="906317" cy="369332"/>
+          </a:xfrm>
+          <a:prstGeom prst="rect">
+            <a:avLst/>
+          </a:prstGeom>
+          <a:noFill/>
+        </p:spPr>
+        <p:txBody>
+          <a:bodyPr wrap="square">
+            <a:spAutoFit/>
+          </a:bodyPr>
+          <a:lstStyle/>
+          <a:p>
+            <a:pPr algn="ctr"/>
+            <a:r>
+              <a:rPr lang="en-US" altLang="ko-KR" dirty="0">
+                <a:latin typeface="Cascadia Code" pitchFamily="49" charset="0"/>
+                <a:cs typeface="Cascadia Code" pitchFamily="49" charset="0"/>
+              </a:rPr>
+              <a:t>other</a:t>
+            </a:r>
+            <a:endParaRPr lang="ko-KR" altLang="en-US" dirty="0"/>
+          </a:p>
+        </p:txBody>
+      </p:sp>
+      <p:sp>
+        <p:nvSpPr>
+          <p:cNvPr id="24" name="직사각형 23">
+            <a:extLst>
+              <a:ext uri="{FF2B5EF4-FFF2-40B4-BE49-F238E27FC236}">
+                <a16:creationId xmlns:a16="http://schemas.microsoft.com/office/drawing/2014/main" id="{7029018C-544C-1394-ED08-7261B0393A33}"/>
+              </a:ext>
+            </a:extLst>
+          </p:cNvPr>
+          <p:cNvSpPr/>
+          <p:nvPr/>
+        </p:nvSpPr>
+        <p:spPr>
+          <a:xfrm>
+            <a:off x="7497157" y="4088322"/>
+            <a:ext cx="1120140" cy="610463"/>
+          </a:xfrm>
+          <a:prstGeom prst="rect">
+            <a:avLst/>
+          </a:prstGeom>
+          <a:solidFill>
+            <a:srgbClr val="FFFF00"/>
+          </a:solidFill>
+        </p:spPr>
+        <p:style>
+          <a:lnRef idx="2">
+            <a:schemeClr val="accent1">
+              <a:shade val="15000"/>
+            </a:schemeClr>
+          </a:lnRef>
+          <a:fillRef idx="1">
+            <a:schemeClr val="accent1"/>
+          </a:fillRef>
+          <a:effectRef idx="0">
+            <a:schemeClr val="accent1"/>
+          </a:effectRef>
+          <a:fontRef idx="minor">
+            <a:schemeClr val="lt1"/>
+          </a:fontRef>
+        </p:style>
+        <p:txBody>
+          <a:bodyPr rtlCol="0" anchor="ctr"/>
+          <a:lstStyle/>
+          <a:p>
+            <a:pPr algn="ctr"/>
+            <a:r>
+              <a:rPr kumimoji="1" lang="en-US" altLang="ko-KR" sz="1600" dirty="0">
+                <a:solidFill>
+                  <a:schemeClr val="tx1"/>
+                </a:solidFill>
+                <a:latin typeface="Cascadia Code" pitchFamily="49" charset="0"/>
+                <a:cs typeface="Cascadia Code" pitchFamily="49" charset="0"/>
+              </a:rPr>
+              <a:t>0x200</a:t>
+            </a:r>
+            <a:endParaRPr kumimoji="1" lang="ko-KR" altLang="en-US" sz="1600" dirty="0">
+              <a:solidFill>
+                <a:schemeClr val="tx1"/>
+              </a:solidFill>
+              <a:latin typeface="Cascadia Code" pitchFamily="49" charset="0"/>
+              <a:cs typeface="Cascadia Code" pitchFamily="49" charset="0"/>
+            </a:endParaRPr>
+          </a:p>
+        </p:txBody>
+      </p:sp>
+      <p:sp>
+        <p:nvSpPr>
+          <p:cNvPr id="25" name="TextBox 24">
+            <a:extLst>
+              <a:ext uri="{FF2B5EF4-FFF2-40B4-BE49-F238E27FC236}">
+                <a16:creationId xmlns:a16="http://schemas.microsoft.com/office/drawing/2014/main" id="{965E55F5-0E31-6CD6-AFC2-0B1810BD8131}"/>
+              </a:ext>
+            </a:extLst>
+          </p:cNvPr>
+          <p:cNvSpPr txBox="1"/>
+          <p:nvPr/>
+        </p:nvSpPr>
+        <p:spPr>
+          <a:xfrm>
+            <a:off x="6908802" y="4201555"/>
+            <a:ext cx="557875" cy="338554"/>
+          </a:xfrm>
+          <a:prstGeom prst="rect">
+            <a:avLst/>
+          </a:prstGeom>
+          <a:noFill/>
+        </p:spPr>
+        <p:txBody>
+          <a:bodyPr wrap="square" rtlCol="0">
+            <a:spAutoFit/>
+          </a:bodyPr>
+          <a:lstStyle/>
+          <a:p>
+            <a:pPr algn="ctr"/>
+            <a:r>
+              <a:rPr kumimoji="1" lang="en-US" altLang="ko-KR" sz="1600" dirty="0">
+                <a:latin typeface="Cascadia Code" pitchFamily="49" charset="0"/>
+                <a:ea typeface="Cascadia Code" pitchFamily="49" charset="0"/>
+                <a:cs typeface="Cascadia Code" pitchFamily="49" charset="0"/>
+              </a:rPr>
+              <a:t>ref</a:t>
+            </a:r>
+            <a:endParaRPr kumimoji="1" lang="ko-KR" altLang="en-US" sz="1600" dirty="0">
+              <a:latin typeface="Cascadia Code" pitchFamily="49" charset="0"/>
+              <a:ea typeface="Cascadia Code" pitchFamily="49" charset="0"/>
+              <a:cs typeface="Cascadia Code" pitchFamily="49" charset="0"/>
+            </a:endParaRPr>
+          </a:p>
+        </p:txBody>
+      </p:sp>
+      <p:cxnSp>
+        <p:nvCxnSpPr>
+          <p:cNvPr id="26" name="구부러진 연결선[U] 25">
+            <a:extLst>
+              <a:ext uri="{FF2B5EF4-FFF2-40B4-BE49-F238E27FC236}">
+                <a16:creationId xmlns:a16="http://schemas.microsoft.com/office/drawing/2014/main" id="{ABA15F2E-2946-02EE-18CD-5D1A4A26046A}"/>
+              </a:ext>
+            </a:extLst>
+          </p:cNvPr>
+          <p:cNvCxnSpPr>
+            <a:cxnSpLocks/>
+            <a:stCxn id="19" idx="3"/>
+            <a:endCxn id="9" idx="1"/>
+          </p:cNvCxnSpPr>
+          <p:nvPr/>
+        </p:nvCxnSpPr>
+        <p:spPr>
+          <a:xfrm flipV="1">
+            <a:off x="8617297" y="1242820"/>
+            <a:ext cx="1357975" cy="1929808"/>
+          </a:xfrm>
+          <a:prstGeom prst="curvedConnector3">
+            <a:avLst>
+              <a:gd name="adj1" fmla="val 50000"/>
+            </a:avLst>
+          </a:prstGeom>
+          <a:ln>
+            <a:tailEnd type="triangle"/>
+          </a:ln>
+        </p:spPr>
+        <p:style>
+          <a:lnRef idx="2">
+            <a:schemeClr val="dk1"/>
+          </a:lnRef>
+          <a:fillRef idx="0">
+            <a:schemeClr val="dk1"/>
+          </a:fillRef>
+          <a:effectRef idx="1">
+            <a:schemeClr val="dk1"/>
+          </a:effectRef>
+          <a:fontRef idx="minor">
+            <a:schemeClr val="tx1"/>
+          </a:fontRef>
+        </p:style>
+      </p:cxnSp>
+      <p:cxnSp>
+        <p:nvCxnSpPr>
+          <p:cNvPr id="29" name="구부러진 연결선[U] 28">
+            <a:extLst>
+              <a:ext uri="{FF2B5EF4-FFF2-40B4-BE49-F238E27FC236}">
+                <a16:creationId xmlns:a16="http://schemas.microsoft.com/office/drawing/2014/main" id="{776F9D30-CC25-4D85-ABB8-870395FAAA39}"/>
+              </a:ext>
+            </a:extLst>
+          </p:cNvPr>
+          <p:cNvCxnSpPr>
+            <a:cxnSpLocks/>
+            <a:stCxn id="24" idx="3"/>
+            <a:endCxn id="16" idx="1"/>
+          </p:cNvCxnSpPr>
+          <p:nvPr/>
+        </p:nvCxnSpPr>
+        <p:spPr>
+          <a:xfrm flipV="1">
+            <a:off x="8617297" y="2326351"/>
+            <a:ext cx="1838267" cy="2067203"/>
           </a:xfrm>
           <a:prstGeom prst="curvedConnector3">
             <a:avLst>
@@ -25461,7 +27848,4732 @@
     </p:spTree>
     <p:extLst>
       <p:ext uri="{BB962C8B-B14F-4D97-AF65-F5344CB8AC3E}">
-        <p14:creationId xmlns:p14="http://schemas.microsoft.com/office/powerpoint/2010/main" val="3428555927"/>
+        <p14:creationId xmlns:p14="http://schemas.microsoft.com/office/powerpoint/2010/main" val="3239907038"/>
+      </p:ext>
+    </p:extLst>
+  </p:cSld>
+  <p:clrMapOvr>
+    <a:masterClrMapping/>
+  </p:clrMapOvr>
+</p:sld>
+</file>
+
+<file path=ppt/slides/slide34.xml><?xml version="1.0" encoding="utf-8"?>
+<p:sld xmlns:a="http://schemas.openxmlformats.org/drawingml/2006/main" xmlns:r="http://schemas.openxmlformats.org/officeDocument/2006/relationships" xmlns:p="http://schemas.openxmlformats.org/presentationml/2006/main">
+  <p:cSld>
+    <p:spTree>
+      <p:nvGrpSpPr>
+        <p:cNvPr id="1" name=""/>
+        <p:cNvGrpSpPr/>
+        <p:nvPr/>
+      </p:nvGrpSpPr>
+      <p:grpSpPr>
+        <a:xfrm>
+          <a:off x="0" y="0"/>
+          <a:ext cx="0" cy="0"/>
+          <a:chOff x="0" y="0"/>
+          <a:chExt cx="0" cy="0"/>
+        </a:xfrm>
+      </p:grpSpPr>
+      <p:sp>
+        <p:nvSpPr>
+          <p:cNvPr id="4" name="직사각형 3">
+            <a:extLst>
+              <a:ext uri="{FF2B5EF4-FFF2-40B4-BE49-F238E27FC236}">
+                <a16:creationId xmlns:a16="http://schemas.microsoft.com/office/drawing/2014/main" id="{09B83249-8D75-3115-D1B4-741EC70C1AAC}"/>
+              </a:ext>
+            </a:extLst>
+          </p:cNvPr>
+          <p:cNvSpPr/>
+          <p:nvPr/>
+        </p:nvSpPr>
+        <p:spPr>
+          <a:xfrm>
+            <a:off x="7497157" y="395102"/>
+            <a:ext cx="1120140" cy="610463"/>
+          </a:xfrm>
+          <a:prstGeom prst="rect">
+            <a:avLst/>
+          </a:prstGeom>
+          <a:solidFill>
+            <a:srgbClr val="FFFF00"/>
+          </a:solidFill>
+        </p:spPr>
+        <p:style>
+          <a:lnRef idx="2">
+            <a:schemeClr val="accent1">
+              <a:shade val="15000"/>
+            </a:schemeClr>
+          </a:lnRef>
+          <a:fillRef idx="1">
+            <a:schemeClr val="accent1"/>
+          </a:fillRef>
+          <a:effectRef idx="0">
+            <a:schemeClr val="accent1"/>
+          </a:effectRef>
+          <a:fontRef idx="minor">
+            <a:schemeClr val="lt1"/>
+          </a:fontRef>
+        </p:style>
+        <p:txBody>
+          <a:bodyPr rtlCol="0" anchor="ctr"/>
+          <a:lstStyle/>
+          <a:p>
+            <a:pPr algn="ctr"/>
+            <a:r>
+              <a:rPr kumimoji="1" lang="en-US" altLang="ko-KR" sz="1600" dirty="0">
+                <a:solidFill>
+                  <a:schemeClr val="tx1"/>
+                </a:solidFill>
+                <a:latin typeface="Cascadia Code" pitchFamily="49" charset="0"/>
+                <a:cs typeface="Cascadia Code" pitchFamily="49" charset="0"/>
+              </a:rPr>
+              <a:t>0x100</a:t>
+            </a:r>
+            <a:endParaRPr kumimoji="1" lang="ko-KR" altLang="en-US" sz="1600" dirty="0">
+              <a:solidFill>
+                <a:schemeClr val="tx1"/>
+              </a:solidFill>
+              <a:latin typeface="Cascadia Code" pitchFamily="49" charset="0"/>
+              <a:cs typeface="Cascadia Code" pitchFamily="49" charset="0"/>
+            </a:endParaRPr>
+          </a:p>
+        </p:txBody>
+      </p:sp>
+      <p:sp>
+        <p:nvSpPr>
+          <p:cNvPr id="5" name="TextBox 4">
+            <a:extLst>
+              <a:ext uri="{FF2B5EF4-FFF2-40B4-BE49-F238E27FC236}">
+                <a16:creationId xmlns:a16="http://schemas.microsoft.com/office/drawing/2014/main" id="{3562ACEB-1C44-671F-A12B-D7C483C4292F}"/>
+              </a:ext>
+            </a:extLst>
+          </p:cNvPr>
+          <p:cNvSpPr txBox="1"/>
+          <p:nvPr/>
+        </p:nvSpPr>
+        <p:spPr>
+          <a:xfrm>
+            <a:off x="6788729" y="531056"/>
+            <a:ext cx="677948" cy="338554"/>
+          </a:xfrm>
+          <a:prstGeom prst="rect">
+            <a:avLst/>
+          </a:prstGeom>
+          <a:noFill/>
+        </p:spPr>
+        <p:txBody>
+          <a:bodyPr wrap="square" rtlCol="0">
+            <a:spAutoFit/>
+          </a:bodyPr>
+          <a:lstStyle/>
+          <a:p>
+            <a:pPr algn="ctr"/>
+            <a:r>
+              <a:rPr kumimoji="1" lang="en-US" altLang="ko-KR" sz="1600" dirty="0">
+                <a:latin typeface="Cascadia Code" pitchFamily="49" charset="0"/>
+                <a:ea typeface="Cascadia Code" pitchFamily="49" charset="0"/>
+                <a:cs typeface="Cascadia Code" pitchFamily="49" charset="0"/>
+              </a:rPr>
+              <a:t>name</a:t>
+            </a:r>
+            <a:endParaRPr kumimoji="1" lang="ko-KR" altLang="en-US" sz="1600" dirty="0">
+              <a:latin typeface="Cascadia Code" pitchFamily="49" charset="0"/>
+              <a:ea typeface="Cascadia Code" pitchFamily="49" charset="0"/>
+              <a:cs typeface="Cascadia Code" pitchFamily="49" charset="0"/>
+            </a:endParaRPr>
+          </a:p>
+        </p:txBody>
+      </p:sp>
+      <p:sp>
+        <p:nvSpPr>
+          <p:cNvPr id="6" name="직사각형 5">
+            <a:extLst>
+              <a:ext uri="{FF2B5EF4-FFF2-40B4-BE49-F238E27FC236}">
+                <a16:creationId xmlns:a16="http://schemas.microsoft.com/office/drawing/2014/main" id="{F9B22FE2-F88E-3990-3190-950A669E9EEF}"/>
+              </a:ext>
+            </a:extLst>
+          </p:cNvPr>
+          <p:cNvSpPr/>
+          <p:nvPr/>
+        </p:nvSpPr>
+        <p:spPr>
+          <a:xfrm>
+            <a:off x="7497157" y="1005565"/>
+            <a:ext cx="1120140" cy="610463"/>
+          </a:xfrm>
+          <a:prstGeom prst="rect">
+            <a:avLst/>
+          </a:prstGeom>
+          <a:solidFill>
+            <a:srgbClr val="FFFF00"/>
+          </a:solidFill>
+        </p:spPr>
+        <p:style>
+          <a:lnRef idx="2">
+            <a:schemeClr val="accent1">
+              <a:shade val="15000"/>
+            </a:schemeClr>
+          </a:lnRef>
+          <a:fillRef idx="1">
+            <a:schemeClr val="accent1"/>
+          </a:fillRef>
+          <a:effectRef idx="0">
+            <a:schemeClr val="accent1"/>
+          </a:effectRef>
+          <a:fontRef idx="minor">
+            <a:schemeClr val="lt1"/>
+          </a:fontRef>
+        </p:style>
+        <p:txBody>
+          <a:bodyPr rtlCol="0" anchor="ctr"/>
+          <a:lstStyle/>
+          <a:p>
+            <a:pPr algn="ctr"/>
+            <a:r>
+              <a:rPr kumimoji="1" lang="en-US" altLang="ko-KR" sz="1600" dirty="0">
+                <a:solidFill>
+                  <a:schemeClr val="tx1"/>
+                </a:solidFill>
+                <a:latin typeface="Cascadia Code" pitchFamily="49" charset="0"/>
+                <a:cs typeface="Cascadia Code" pitchFamily="49" charset="0"/>
+              </a:rPr>
+              <a:t>42</a:t>
+            </a:r>
+            <a:endParaRPr kumimoji="1" lang="ko-KR" altLang="en-US" sz="1600" dirty="0">
+              <a:solidFill>
+                <a:schemeClr val="tx1"/>
+              </a:solidFill>
+              <a:latin typeface="Cascadia Code" pitchFamily="49" charset="0"/>
+              <a:cs typeface="Cascadia Code" pitchFamily="49" charset="0"/>
+            </a:endParaRPr>
+          </a:p>
+        </p:txBody>
+      </p:sp>
+      <p:sp>
+        <p:nvSpPr>
+          <p:cNvPr id="7" name="TextBox 6">
+            <a:extLst>
+              <a:ext uri="{FF2B5EF4-FFF2-40B4-BE49-F238E27FC236}">
+                <a16:creationId xmlns:a16="http://schemas.microsoft.com/office/drawing/2014/main" id="{D653E8C1-8417-3695-F747-E52201829E1C}"/>
+              </a:ext>
+            </a:extLst>
+          </p:cNvPr>
+          <p:cNvSpPr txBox="1"/>
+          <p:nvPr/>
+        </p:nvSpPr>
+        <p:spPr>
+          <a:xfrm>
+            <a:off x="6908802" y="1141519"/>
+            <a:ext cx="557875" cy="338554"/>
+          </a:xfrm>
+          <a:prstGeom prst="rect">
+            <a:avLst/>
+          </a:prstGeom>
+          <a:noFill/>
+        </p:spPr>
+        <p:txBody>
+          <a:bodyPr wrap="square" rtlCol="0">
+            <a:spAutoFit/>
+          </a:bodyPr>
+          <a:lstStyle/>
+          <a:p>
+            <a:pPr algn="ctr"/>
+            <a:r>
+              <a:rPr kumimoji="1" lang="en-US" altLang="ko-KR" sz="1600" dirty="0">
+                <a:latin typeface="Cascadia Code" pitchFamily="49" charset="0"/>
+                <a:ea typeface="Cascadia Code" pitchFamily="49" charset="0"/>
+                <a:cs typeface="Cascadia Code" pitchFamily="49" charset="0"/>
+              </a:rPr>
+              <a:t>age</a:t>
+            </a:r>
+            <a:endParaRPr kumimoji="1" lang="ko-KR" altLang="en-US" sz="1600" dirty="0">
+              <a:latin typeface="Cascadia Code" pitchFamily="49" charset="0"/>
+              <a:ea typeface="Cascadia Code" pitchFamily="49" charset="0"/>
+              <a:cs typeface="Cascadia Code" pitchFamily="49" charset="0"/>
+            </a:endParaRPr>
+          </a:p>
+        </p:txBody>
+      </p:sp>
+      <p:sp>
+        <p:nvSpPr>
+          <p:cNvPr id="8" name="TextBox 7">
+            <a:extLst>
+              <a:ext uri="{FF2B5EF4-FFF2-40B4-BE49-F238E27FC236}">
+                <a16:creationId xmlns:a16="http://schemas.microsoft.com/office/drawing/2014/main" id="{906F15F5-3EB5-2784-9D16-FFBBD1926492}"/>
+              </a:ext>
+            </a:extLst>
+          </p:cNvPr>
+          <p:cNvSpPr txBox="1"/>
+          <p:nvPr/>
+        </p:nvSpPr>
+        <p:spPr>
+          <a:xfrm>
+            <a:off x="7604068" y="0"/>
+            <a:ext cx="906317" cy="369332"/>
+          </a:xfrm>
+          <a:prstGeom prst="rect">
+            <a:avLst/>
+          </a:prstGeom>
+          <a:noFill/>
+        </p:spPr>
+        <p:txBody>
+          <a:bodyPr wrap="square">
+            <a:spAutoFit/>
+          </a:bodyPr>
+          <a:lstStyle/>
+          <a:p>
+            <a:pPr algn="ctr"/>
+            <a:r>
+              <a:rPr lang="en-US" altLang="ko-KR" dirty="0">
+                <a:latin typeface="Cascadia Code" pitchFamily="49" charset="0"/>
+                <a:cs typeface="Cascadia Code" pitchFamily="49" charset="0"/>
+              </a:rPr>
+              <a:t>user</a:t>
+            </a:r>
+            <a:endParaRPr lang="ko-KR" altLang="en-US" dirty="0"/>
+          </a:p>
+        </p:txBody>
+      </p:sp>
+      <p:sp>
+        <p:nvSpPr>
+          <p:cNvPr id="9" name="직사각형 8">
+            <a:extLst>
+              <a:ext uri="{FF2B5EF4-FFF2-40B4-BE49-F238E27FC236}">
+                <a16:creationId xmlns:a16="http://schemas.microsoft.com/office/drawing/2014/main" id="{14CB84D0-F1A3-8BE2-399C-542AFB034647}"/>
+              </a:ext>
+            </a:extLst>
+          </p:cNvPr>
+          <p:cNvSpPr/>
+          <p:nvPr/>
+        </p:nvSpPr>
+        <p:spPr>
+          <a:xfrm>
+            <a:off x="9975272" y="1005566"/>
+            <a:ext cx="1528388" cy="474508"/>
+          </a:xfrm>
+          <a:prstGeom prst="rect">
+            <a:avLst/>
+          </a:prstGeom>
+          <a:solidFill>
+            <a:srgbClr val="FFFF00"/>
+          </a:solidFill>
+        </p:spPr>
+        <p:style>
+          <a:lnRef idx="2">
+            <a:schemeClr val="accent1">
+              <a:shade val="15000"/>
+            </a:schemeClr>
+          </a:lnRef>
+          <a:fillRef idx="1">
+            <a:schemeClr val="accent1"/>
+          </a:fillRef>
+          <a:effectRef idx="0">
+            <a:schemeClr val="accent1"/>
+          </a:effectRef>
+          <a:fontRef idx="minor">
+            <a:schemeClr val="lt1"/>
+          </a:fontRef>
+        </p:style>
+        <p:txBody>
+          <a:bodyPr rtlCol="0" anchor="ctr"/>
+          <a:lstStyle/>
+          <a:p>
+            <a:pPr algn="ctr"/>
+            <a:r>
+              <a:rPr kumimoji="1" lang="en-US" altLang="ko-KR" sz="1600" dirty="0">
+                <a:solidFill>
+                  <a:schemeClr val="tx1"/>
+                </a:solidFill>
+                <a:latin typeface="Cascadia Code" pitchFamily="49" charset="0"/>
+                <a:cs typeface="Cascadia Code" pitchFamily="49" charset="0"/>
+              </a:rPr>
+              <a:t>“Tom”</a:t>
+            </a:r>
+            <a:endParaRPr kumimoji="1" lang="ko-KR" altLang="en-US" sz="1600" dirty="0">
+              <a:solidFill>
+                <a:schemeClr val="tx1"/>
+              </a:solidFill>
+              <a:latin typeface="Cascadia Code" pitchFamily="49" charset="0"/>
+              <a:cs typeface="Cascadia Code" pitchFamily="49" charset="0"/>
+            </a:endParaRPr>
+          </a:p>
+        </p:txBody>
+      </p:sp>
+      <p:cxnSp>
+        <p:nvCxnSpPr>
+          <p:cNvPr id="10" name="구부러진 연결선[U] 9">
+            <a:extLst>
+              <a:ext uri="{FF2B5EF4-FFF2-40B4-BE49-F238E27FC236}">
+                <a16:creationId xmlns:a16="http://schemas.microsoft.com/office/drawing/2014/main" id="{00A86509-FEB1-EAAD-F665-79AB260544C2}"/>
+              </a:ext>
+            </a:extLst>
+          </p:cNvPr>
+          <p:cNvCxnSpPr>
+            <a:stCxn id="4" idx="3"/>
+            <a:endCxn id="9" idx="1"/>
+          </p:cNvCxnSpPr>
+          <p:nvPr/>
+        </p:nvCxnSpPr>
+        <p:spPr>
+          <a:xfrm>
+            <a:off x="8617297" y="700334"/>
+            <a:ext cx="1357975" cy="542486"/>
+          </a:xfrm>
+          <a:prstGeom prst="curvedConnector3">
+            <a:avLst/>
+          </a:prstGeom>
+          <a:ln>
+            <a:tailEnd type="triangle"/>
+          </a:ln>
+        </p:spPr>
+        <p:style>
+          <a:lnRef idx="2">
+            <a:schemeClr val="dk1"/>
+          </a:lnRef>
+          <a:fillRef idx="0">
+            <a:schemeClr val="dk1"/>
+          </a:fillRef>
+          <a:effectRef idx="1">
+            <a:schemeClr val="dk1"/>
+          </a:effectRef>
+          <a:fontRef idx="minor">
+            <a:schemeClr val="tx1"/>
+          </a:fontRef>
+        </p:style>
+      </p:cxnSp>
+      <p:sp>
+        <p:nvSpPr>
+          <p:cNvPr id="11" name="직사각형 10">
+            <a:extLst>
+              <a:ext uri="{FF2B5EF4-FFF2-40B4-BE49-F238E27FC236}">
+                <a16:creationId xmlns:a16="http://schemas.microsoft.com/office/drawing/2014/main" id="{A415A8AD-44A0-9D88-ACB7-A25F76C0E016}"/>
+              </a:ext>
+            </a:extLst>
+          </p:cNvPr>
+          <p:cNvSpPr/>
+          <p:nvPr/>
+        </p:nvSpPr>
+        <p:spPr>
+          <a:xfrm>
+            <a:off x="7497157" y="1616028"/>
+            <a:ext cx="1120140" cy="610463"/>
+          </a:xfrm>
+          <a:prstGeom prst="rect">
+            <a:avLst/>
+          </a:prstGeom>
+          <a:solidFill>
+            <a:srgbClr val="FFFF00"/>
+          </a:solidFill>
+        </p:spPr>
+        <p:style>
+          <a:lnRef idx="2">
+            <a:schemeClr val="accent1">
+              <a:shade val="15000"/>
+            </a:schemeClr>
+          </a:lnRef>
+          <a:fillRef idx="1">
+            <a:schemeClr val="accent1"/>
+          </a:fillRef>
+          <a:effectRef idx="0">
+            <a:schemeClr val="accent1"/>
+          </a:effectRef>
+          <a:fontRef idx="minor">
+            <a:schemeClr val="lt1"/>
+          </a:fontRef>
+        </p:style>
+        <p:txBody>
+          <a:bodyPr rtlCol="0" anchor="ctr"/>
+          <a:lstStyle/>
+          <a:p>
+            <a:pPr algn="ctr"/>
+            <a:r>
+              <a:rPr kumimoji="1" lang="en-US" altLang="ko-KR" sz="1600" dirty="0">
+                <a:solidFill>
+                  <a:schemeClr val="tx1"/>
+                </a:solidFill>
+                <a:latin typeface="Cascadia Code" pitchFamily="49" charset="0"/>
+                <a:cs typeface="Cascadia Code" pitchFamily="49" charset="0"/>
+              </a:rPr>
+              <a:t>0x200</a:t>
+            </a:r>
+            <a:endParaRPr kumimoji="1" lang="ko-KR" altLang="en-US" sz="1600" dirty="0">
+              <a:solidFill>
+                <a:schemeClr val="tx1"/>
+              </a:solidFill>
+              <a:latin typeface="Cascadia Code" pitchFamily="49" charset="0"/>
+              <a:cs typeface="Cascadia Code" pitchFamily="49" charset="0"/>
+            </a:endParaRPr>
+          </a:p>
+        </p:txBody>
+      </p:sp>
+      <p:sp>
+        <p:nvSpPr>
+          <p:cNvPr id="12" name="TextBox 11">
+            <a:extLst>
+              <a:ext uri="{FF2B5EF4-FFF2-40B4-BE49-F238E27FC236}">
+                <a16:creationId xmlns:a16="http://schemas.microsoft.com/office/drawing/2014/main" id="{4BDA71F0-B973-8BB6-C4FE-8EFD13707402}"/>
+              </a:ext>
+            </a:extLst>
+          </p:cNvPr>
+          <p:cNvSpPr txBox="1"/>
+          <p:nvPr/>
+        </p:nvSpPr>
+        <p:spPr>
+          <a:xfrm>
+            <a:off x="6908802" y="1729261"/>
+            <a:ext cx="557875" cy="338554"/>
+          </a:xfrm>
+          <a:prstGeom prst="rect">
+            <a:avLst/>
+          </a:prstGeom>
+          <a:noFill/>
+        </p:spPr>
+        <p:txBody>
+          <a:bodyPr wrap="square" rtlCol="0">
+            <a:spAutoFit/>
+          </a:bodyPr>
+          <a:lstStyle/>
+          <a:p>
+            <a:pPr algn="ctr"/>
+            <a:r>
+              <a:rPr kumimoji="1" lang="en-US" altLang="ko-KR" sz="1600" dirty="0">
+                <a:latin typeface="Cascadia Code" pitchFamily="49" charset="0"/>
+                <a:ea typeface="Cascadia Code" pitchFamily="49" charset="0"/>
+                <a:cs typeface="Cascadia Code" pitchFamily="49" charset="0"/>
+              </a:rPr>
+              <a:t>ref</a:t>
+            </a:r>
+            <a:endParaRPr kumimoji="1" lang="ko-KR" altLang="en-US" sz="1600" dirty="0">
+              <a:latin typeface="Cascadia Code" pitchFamily="49" charset="0"/>
+              <a:ea typeface="Cascadia Code" pitchFamily="49" charset="0"/>
+              <a:cs typeface="Cascadia Code" pitchFamily="49" charset="0"/>
+            </a:endParaRPr>
+          </a:p>
+        </p:txBody>
+      </p:sp>
+      <p:cxnSp>
+        <p:nvCxnSpPr>
+          <p:cNvPr id="13" name="구부러진 연결선[U] 12">
+            <a:extLst>
+              <a:ext uri="{FF2B5EF4-FFF2-40B4-BE49-F238E27FC236}">
+                <a16:creationId xmlns:a16="http://schemas.microsoft.com/office/drawing/2014/main" id="{59D331FE-43E1-9043-F68F-5545DA36F3D6}"/>
+              </a:ext>
+            </a:extLst>
+          </p:cNvPr>
+          <p:cNvCxnSpPr>
+            <a:cxnSpLocks/>
+            <a:stCxn id="11" idx="3"/>
+            <a:endCxn id="16" idx="1"/>
+          </p:cNvCxnSpPr>
+          <p:nvPr/>
+        </p:nvCxnSpPr>
+        <p:spPr>
+          <a:xfrm>
+            <a:off x="8617297" y="1921260"/>
+            <a:ext cx="1838267" cy="405091"/>
+          </a:xfrm>
+          <a:prstGeom prst="curvedConnector3">
+            <a:avLst/>
+          </a:prstGeom>
+          <a:ln>
+            <a:tailEnd type="triangle"/>
+          </a:ln>
+        </p:spPr>
+        <p:style>
+          <a:lnRef idx="2">
+            <a:schemeClr val="dk1"/>
+          </a:lnRef>
+          <a:fillRef idx="0">
+            <a:schemeClr val="dk1"/>
+          </a:fillRef>
+          <a:effectRef idx="1">
+            <a:schemeClr val="dk1"/>
+          </a:effectRef>
+          <a:fontRef idx="minor">
+            <a:schemeClr val="tx1"/>
+          </a:fontRef>
+        </p:style>
+      </p:cxnSp>
+      <p:sp>
+        <p:nvSpPr>
+          <p:cNvPr id="16" name="직사각형 15">
+            <a:extLst>
+              <a:ext uri="{FF2B5EF4-FFF2-40B4-BE49-F238E27FC236}">
+                <a16:creationId xmlns:a16="http://schemas.microsoft.com/office/drawing/2014/main" id="{6DE6555A-07CC-AD5C-EB5B-357AFEEFA67B}"/>
+              </a:ext>
+            </a:extLst>
+          </p:cNvPr>
+          <p:cNvSpPr/>
+          <p:nvPr/>
+        </p:nvSpPr>
+        <p:spPr>
+          <a:xfrm>
+            <a:off x="10455564" y="2089097"/>
+            <a:ext cx="914400" cy="474508"/>
+          </a:xfrm>
+          <a:prstGeom prst="rect">
+            <a:avLst/>
+          </a:prstGeom>
+          <a:solidFill>
+            <a:srgbClr val="FFFF00"/>
+          </a:solidFill>
+        </p:spPr>
+        <p:style>
+          <a:lnRef idx="2">
+            <a:schemeClr val="accent1">
+              <a:shade val="15000"/>
+            </a:schemeClr>
+          </a:lnRef>
+          <a:fillRef idx="1">
+            <a:schemeClr val="accent1"/>
+          </a:fillRef>
+          <a:effectRef idx="0">
+            <a:schemeClr val="accent1"/>
+          </a:effectRef>
+          <a:fontRef idx="minor">
+            <a:schemeClr val="lt1"/>
+          </a:fontRef>
+        </p:style>
+        <p:txBody>
+          <a:bodyPr rtlCol="0" anchor="ctr"/>
+          <a:lstStyle/>
+          <a:p>
+            <a:pPr algn="ctr"/>
+            <a:r>
+              <a:rPr kumimoji="1" lang="en-US" altLang="ko-KR" sz="1600" dirty="0">
+                <a:solidFill>
+                  <a:schemeClr val="tx1"/>
+                </a:solidFill>
+                <a:latin typeface="Cascadia Code" pitchFamily="49" charset="0"/>
+                <a:cs typeface="Cascadia Code" pitchFamily="49" charset="0"/>
+              </a:rPr>
+              <a:t>3</a:t>
+            </a:r>
+            <a:endParaRPr kumimoji="1" lang="ko-KR" altLang="en-US" sz="1600" dirty="0">
+              <a:solidFill>
+                <a:schemeClr val="tx1"/>
+              </a:solidFill>
+              <a:latin typeface="Cascadia Code" pitchFamily="49" charset="0"/>
+              <a:cs typeface="Cascadia Code" pitchFamily="49" charset="0"/>
+            </a:endParaRPr>
+          </a:p>
+        </p:txBody>
+      </p:sp>
+      <p:sp>
+        <p:nvSpPr>
+          <p:cNvPr id="19" name="직사각형 18">
+            <a:extLst>
+              <a:ext uri="{FF2B5EF4-FFF2-40B4-BE49-F238E27FC236}">
+                <a16:creationId xmlns:a16="http://schemas.microsoft.com/office/drawing/2014/main" id="{D74DB03D-1942-00CB-7788-599AF7A7D8F3}"/>
+              </a:ext>
+            </a:extLst>
+          </p:cNvPr>
+          <p:cNvSpPr/>
+          <p:nvPr/>
+        </p:nvSpPr>
+        <p:spPr>
+          <a:xfrm>
+            <a:off x="7497157" y="2867396"/>
+            <a:ext cx="1120140" cy="610463"/>
+          </a:xfrm>
+          <a:prstGeom prst="rect">
+            <a:avLst/>
+          </a:prstGeom>
+          <a:solidFill>
+            <a:srgbClr val="FFFF00"/>
+          </a:solidFill>
+        </p:spPr>
+        <p:style>
+          <a:lnRef idx="2">
+            <a:schemeClr val="accent1">
+              <a:shade val="15000"/>
+            </a:schemeClr>
+          </a:lnRef>
+          <a:fillRef idx="1">
+            <a:schemeClr val="accent1"/>
+          </a:fillRef>
+          <a:effectRef idx="0">
+            <a:schemeClr val="accent1"/>
+          </a:effectRef>
+          <a:fontRef idx="minor">
+            <a:schemeClr val="lt1"/>
+          </a:fontRef>
+        </p:style>
+        <p:txBody>
+          <a:bodyPr rtlCol="0" anchor="ctr"/>
+          <a:lstStyle/>
+          <a:p>
+            <a:pPr algn="ctr"/>
+            <a:r>
+              <a:rPr kumimoji="1" lang="en-US" altLang="ko-KR" sz="1600" dirty="0">
+                <a:solidFill>
+                  <a:schemeClr val="tx1"/>
+                </a:solidFill>
+                <a:latin typeface="Cascadia Code" pitchFamily="49" charset="0"/>
+                <a:cs typeface="Cascadia Code" pitchFamily="49" charset="0"/>
+              </a:rPr>
+              <a:t>0x100</a:t>
+            </a:r>
+            <a:endParaRPr kumimoji="1" lang="ko-KR" altLang="en-US" sz="1600" dirty="0">
+              <a:solidFill>
+                <a:schemeClr val="tx1"/>
+              </a:solidFill>
+              <a:latin typeface="Cascadia Code" pitchFamily="49" charset="0"/>
+              <a:cs typeface="Cascadia Code" pitchFamily="49" charset="0"/>
+            </a:endParaRPr>
+          </a:p>
+        </p:txBody>
+      </p:sp>
+      <p:sp>
+        <p:nvSpPr>
+          <p:cNvPr id="20" name="TextBox 19">
+            <a:extLst>
+              <a:ext uri="{FF2B5EF4-FFF2-40B4-BE49-F238E27FC236}">
+                <a16:creationId xmlns:a16="http://schemas.microsoft.com/office/drawing/2014/main" id="{99EBA079-7CAC-E527-D493-836D28B65874}"/>
+              </a:ext>
+            </a:extLst>
+          </p:cNvPr>
+          <p:cNvSpPr txBox="1"/>
+          <p:nvPr/>
+        </p:nvSpPr>
+        <p:spPr>
+          <a:xfrm>
+            <a:off x="6788729" y="3003350"/>
+            <a:ext cx="677948" cy="338554"/>
+          </a:xfrm>
+          <a:prstGeom prst="rect">
+            <a:avLst/>
+          </a:prstGeom>
+          <a:noFill/>
+        </p:spPr>
+        <p:txBody>
+          <a:bodyPr wrap="square" rtlCol="0">
+            <a:spAutoFit/>
+          </a:bodyPr>
+          <a:lstStyle/>
+          <a:p>
+            <a:pPr algn="ctr"/>
+            <a:r>
+              <a:rPr kumimoji="1" lang="en-US" altLang="ko-KR" sz="1600" dirty="0">
+                <a:latin typeface="Cascadia Code" pitchFamily="49" charset="0"/>
+                <a:ea typeface="Cascadia Code" pitchFamily="49" charset="0"/>
+                <a:cs typeface="Cascadia Code" pitchFamily="49" charset="0"/>
+              </a:rPr>
+              <a:t>name</a:t>
+            </a:r>
+            <a:endParaRPr kumimoji="1" lang="ko-KR" altLang="en-US" sz="1600" dirty="0">
+              <a:latin typeface="Cascadia Code" pitchFamily="49" charset="0"/>
+              <a:ea typeface="Cascadia Code" pitchFamily="49" charset="0"/>
+              <a:cs typeface="Cascadia Code" pitchFamily="49" charset="0"/>
+            </a:endParaRPr>
+          </a:p>
+        </p:txBody>
+      </p:sp>
+      <p:sp>
+        <p:nvSpPr>
+          <p:cNvPr id="21" name="직사각형 20">
+            <a:extLst>
+              <a:ext uri="{FF2B5EF4-FFF2-40B4-BE49-F238E27FC236}">
+                <a16:creationId xmlns:a16="http://schemas.microsoft.com/office/drawing/2014/main" id="{650CC05E-ACBC-7F5E-AF4F-05E7DAB6F011}"/>
+              </a:ext>
+            </a:extLst>
+          </p:cNvPr>
+          <p:cNvSpPr/>
+          <p:nvPr/>
+        </p:nvSpPr>
+        <p:spPr>
+          <a:xfrm>
+            <a:off x="7497157" y="3477859"/>
+            <a:ext cx="1120140" cy="610463"/>
+          </a:xfrm>
+          <a:prstGeom prst="rect">
+            <a:avLst/>
+          </a:prstGeom>
+          <a:solidFill>
+            <a:srgbClr val="FFFF00"/>
+          </a:solidFill>
+        </p:spPr>
+        <p:style>
+          <a:lnRef idx="2">
+            <a:schemeClr val="accent1">
+              <a:shade val="15000"/>
+            </a:schemeClr>
+          </a:lnRef>
+          <a:fillRef idx="1">
+            <a:schemeClr val="accent1"/>
+          </a:fillRef>
+          <a:effectRef idx="0">
+            <a:schemeClr val="accent1"/>
+          </a:effectRef>
+          <a:fontRef idx="minor">
+            <a:schemeClr val="lt1"/>
+          </a:fontRef>
+        </p:style>
+        <p:txBody>
+          <a:bodyPr rtlCol="0" anchor="ctr"/>
+          <a:lstStyle/>
+          <a:p>
+            <a:pPr algn="ctr"/>
+            <a:r>
+              <a:rPr kumimoji="1" lang="en-US" altLang="ko-KR" sz="1600" dirty="0">
+                <a:solidFill>
+                  <a:schemeClr val="tx1"/>
+                </a:solidFill>
+                <a:latin typeface="Cascadia Code" pitchFamily="49" charset="0"/>
+                <a:cs typeface="Cascadia Code" pitchFamily="49" charset="0"/>
+              </a:rPr>
+              <a:t>42</a:t>
+            </a:r>
+            <a:endParaRPr kumimoji="1" lang="ko-KR" altLang="en-US" sz="1600" dirty="0">
+              <a:solidFill>
+                <a:schemeClr val="tx1"/>
+              </a:solidFill>
+              <a:latin typeface="Cascadia Code" pitchFamily="49" charset="0"/>
+              <a:cs typeface="Cascadia Code" pitchFamily="49" charset="0"/>
+            </a:endParaRPr>
+          </a:p>
+        </p:txBody>
+      </p:sp>
+      <p:sp>
+        <p:nvSpPr>
+          <p:cNvPr id="22" name="TextBox 21">
+            <a:extLst>
+              <a:ext uri="{FF2B5EF4-FFF2-40B4-BE49-F238E27FC236}">
+                <a16:creationId xmlns:a16="http://schemas.microsoft.com/office/drawing/2014/main" id="{4BCB6372-5EA1-C522-ECEA-CDE92F08B367}"/>
+              </a:ext>
+            </a:extLst>
+          </p:cNvPr>
+          <p:cNvSpPr txBox="1"/>
+          <p:nvPr/>
+        </p:nvSpPr>
+        <p:spPr>
+          <a:xfrm>
+            <a:off x="6908802" y="3613813"/>
+            <a:ext cx="557875" cy="338554"/>
+          </a:xfrm>
+          <a:prstGeom prst="rect">
+            <a:avLst/>
+          </a:prstGeom>
+          <a:noFill/>
+        </p:spPr>
+        <p:txBody>
+          <a:bodyPr wrap="square" rtlCol="0">
+            <a:spAutoFit/>
+          </a:bodyPr>
+          <a:lstStyle/>
+          <a:p>
+            <a:pPr algn="ctr"/>
+            <a:r>
+              <a:rPr kumimoji="1" lang="en-US" altLang="ko-KR" sz="1600" dirty="0">
+                <a:latin typeface="Cascadia Code" pitchFamily="49" charset="0"/>
+                <a:ea typeface="Cascadia Code" pitchFamily="49" charset="0"/>
+                <a:cs typeface="Cascadia Code" pitchFamily="49" charset="0"/>
+              </a:rPr>
+              <a:t>age</a:t>
+            </a:r>
+            <a:endParaRPr kumimoji="1" lang="ko-KR" altLang="en-US" sz="1600" dirty="0">
+              <a:latin typeface="Cascadia Code" pitchFamily="49" charset="0"/>
+              <a:ea typeface="Cascadia Code" pitchFamily="49" charset="0"/>
+              <a:cs typeface="Cascadia Code" pitchFamily="49" charset="0"/>
+            </a:endParaRPr>
+          </a:p>
+        </p:txBody>
+      </p:sp>
+      <p:sp>
+        <p:nvSpPr>
+          <p:cNvPr id="23" name="TextBox 22">
+            <a:extLst>
+              <a:ext uri="{FF2B5EF4-FFF2-40B4-BE49-F238E27FC236}">
+                <a16:creationId xmlns:a16="http://schemas.microsoft.com/office/drawing/2014/main" id="{EC6F1E9F-41C2-2086-ABCA-5166F003D05F}"/>
+              </a:ext>
+            </a:extLst>
+          </p:cNvPr>
+          <p:cNvSpPr txBox="1"/>
+          <p:nvPr/>
+        </p:nvSpPr>
+        <p:spPr>
+          <a:xfrm>
+            <a:off x="7604068" y="2472294"/>
+            <a:ext cx="906317" cy="369332"/>
+          </a:xfrm>
+          <a:prstGeom prst="rect">
+            <a:avLst/>
+          </a:prstGeom>
+          <a:noFill/>
+        </p:spPr>
+        <p:txBody>
+          <a:bodyPr wrap="square">
+            <a:spAutoFit/>
+          </a:bodyPr>
+          <a:lstStyle/>
+          <a:p>
+            <a:pPr algn="ctr"/>
+            <a:r>
+              <a:rPr lang="en-US" altLang="ko-KR" dirty="0">
+                <a:latin typeface="Cascadia Code" pitchFamily="49" charset="0"/>
+                <a:cs typeface="Cascadia Code" pitchFamily="49" charset="0"/>
+              </a:rPr>
+              <a:t>other</a:t>
+            </a:r>
+            <a:endParaRPr lang="ko-KR" altLang="en-US" dirty="0"/>
+          </a:p>
+        </p:txBody>
+      </p:sp>
+      <p:sp>
+        <p:nvSpPr>
+          <p:cNvPr id="24" name="직사각형 23">
+            <a:extLst>
+              <a:ext uri="{FF2B5EF4-FFF2-40B4-BE49-F238E27FC236}">
+                <a16:creationId xmlns:a16="http://schemas.microsoft.com/office/drawing/2014/main" id="{7029018C-544C-1394-ED08-7261B0393A33}"/>
+              </a:ext>
+            </a:extLst>
+          </p:cNvPr>
+          <p:cNvSpPr/>
+          <p:nvPr/>
+        </p:nvSpPr>
+        <p:spPr>
+          <a:xfrm>
+            <a:off x="7497157" y="4088322"/>
+            <a:ext cx="1120140" cy="610463"/>
+          </a:xfrm>
+          <a:prstGeom prst="rect">
+            <a:avLst/>
+          </a:prstGeom>
+          <a:solidFill>
+            <a:srgbClr val="FFFF00"/>
+          </a:solidFill>
+        </p:spPr>
+        <p:style>
+          <a:lnRef idx="2">
+            <a:schemeClr val="accent1">
+              <a:shade val="15000"/>
+            </a:schemeClr>
+          </a:lnRef>
+          <a:fillRef idx="1">
+            <a:schemeClr val="accent1"/>
+          </a:fillRef>
+          <a:effectRef idx="0">
+            <a:schemeClr val="accent1"/>
+          </a:effectRef>
+          <a:fontRef idx="minor">
+            <a:schemeClr val="lt1"/>
+          </a:fontRef>
+        </p:style>
+        <p:txBody>
+          <a:bodyPr rtlCol="0" anchor="ctr"/>
+          <a:lstStyle/>
+          <a:p>
+            <a:pPr algn="ctr"/>
+            <a:r>
+              <a:rPr kumimoji="1" lang="en-US" altLang="ko-KR" sz="1600" dirty="0">
+                <a:solidFill>
+                  <a:schemeClr val="tx1"/>
+                </a:solidFill>
+                <a:latin typeface="Cascadia Code" pitchFamily="49" charset="0"/>
+                <a:cs typeface="Cascadia Code" pitchFamily="49" charset="0"/>
+              </a:rPr>
+              <a:t>0x200</a:t>
+            </a:r>
+            <a:endParaRPr kumimoji="1" lang="ko-KR" altLang="en-US" sz="1600" dirty="0">
+              <a:solidFill>
+                <a:schemeClr val="tx1"/>
+              </a:solidFill>
+              <a:latin typeface="Cascadia Code" pitchFamily="49" charset="0"/>
+              <a:cs typeface="Cascadia Code" pitchFamily="49" charset="0"/>
+            </a:endParaRPr>
+          </a:p>
+        </p:txBody>
+      </p:sp>
+      <p:sp>
+        <p:nvSpPr>
+          <p:cNvPr id="25" name="TextBox 24">
+            <a:extLst>
+              <a:ext uri="{FF2B5EF4-FFF2-40B4-BE49-F238E27FC236}">
+                <a16:creationId xmlns:a16="http://schemas.microsoft.com/office/drawing/2014/main" id="{965E55F5-0E31-6CD6-AFC2-0B1810BD8131}"/>
+              </a:ext>
+            </a:extLst>
+          </p:cNvPr>
+          <p:cNvSpPr txBox="1"/>
+          <p:nvPr/>
+        </p:nvSpPr>
+        <p:spPr>
+          <a:xfrm>
+            <a:off x="6908802" y="4201555"/>
+            <a:ext cx="557875" cy="338554"/>
+          </a:xfrm>
+          <a:prstGeom prst="rect">
+            <a:avLst/>
+          </a:prstGeom>
+          <a:noFill/>
+        </p:spPr>
+        <p:txBody>
+          <a:bodyPr wrap="square" rtlCol="0">
+            <a:spAutoFit/>
+          </a:bodyPr>
+          <a:lstStyle/>
+          <a:p>
+            <a:pPr algn="ctr"/>
+            <a:r>
+              <a:rPr kumimoji="1" lang="en-US" altLang="ko-KR" sz="1600" dirty="0">
+                <a:latin typeface="Cascadia Code" pitchFamily="49" charset="0"/>
+                <a:ea typeface="Cascadia Code" pitchFamily="49" charset="0"/>
+                <a:cs typeface="Cascadia Code" pitchFamily="49" charset="0"/>
+              </a:rPr>
+              <a:t>ref</a:t>
+            </a:r>
+            <a:endParaRPr kumimoji="1" lang="ko-KR" altLang="en-US" sz="1600" dirty="0">
+              <a:latin typeface="Cascadia Code" pitchFamily="49" charset="0"/>
+              <a:ea typeface="Cascadia Code" pitchFamily="49" charset="0"/>
+              <a:cs typeface="Cascadia Code" pitchFamily="49" charset="0"/>
+            </a:endParaRPr>
+          </a:p>
+        </p:txBody>
+      </p:sp>
+      <p:cxnSp>
+        <p:nvCxnSpPr>
+          <p:cNvPr id="26" name="구부러진 연결선[U] 25">
+            <a:extLst>
+              <a:ext uri="{FF2B5EF4-FFF2-40B4-BE49-F238E27FC236}">
+                <a16:creationId xmlns:a16="http://schemas.microsoft.com/office/drawing/2014/main" id="{ABA15F2E-2946-02EE-18CD-5D1A4A26046A}"/>
+              </a:ext>
+            </a:extLst>
+          </p:cNvPr>
+          <p:cNvCxnSpPr>
+            <a:cxnSpLocks/>
+            <a:stCxn id="19" idx="3"/>
+            <a:endCxn id="9" idx="1"/>
+          </p:cNvCxnSpPr>
+          <p:nvPr/>
+        </p:nvCxnSpPr>
+        <p:spPr>
+          <a:xfrm flipV="1">
+            <a:off x="8617297" y="1242820"/>
+            <a:ext cx="1357975" cy="1929808"/>
+          </a:xfrm>
+          <a:prstGeom prst="curvedConnector3">
+            <a:avLst>
+              <a:gd name="adj1" fmla="val 50000"/>
+            </a:avLst>
+          </a:prstGeom>
+          <a:ln>
+            <a:tailEnd type="triangle"/>
+          </a:ln>
+        </p:spPr>
+        <p:style>
+          <a:lnRef idx="2">
+            <a:schemeClr val="dk1"/>
+          </a:lnRef>
+          <a:fillRef idx="0">
+            <a:schemeClr val="dk1"/>
+          </a:fillRef>
+          <a:effectRef idx="1">
+            <a:schemeClr val="dk1"/>
+          </a:effectRef>
+          <a:fontRef idx="minor">
+            <a:schemeClr val="tx1"/>
+          </a:fontRef>
+        </p:style>
+      </p:cxnSp>
+      <p:cxnSp>
+        <p:nvCxnSpPr>
+          <p:cNvPr id="29" name="구부러진 연결선[U] 28">
+            <a:extLst>
+              <a:ext uri="{FF2B5EF4-FFF2-40B4-BE49-F238E27FC236}">
+                <a16:creationId xmlns:a16="http://schemas.microsoft.com/office/drawing/2014/main" id="{776F9D30-CC25-4D85-ABB8-870395FAAA39}"/>
+              </a:ext>
+            </a:extLst>
+          </p:cNvPr>
+          <p:cNvCxnSpPr>
+            <a:cxnSpLocks/>
+            <a:stCxn id="24" idx="3"/>
+            <a:endCxn id="16" idx="1"/>
+          </p:cNvCxnSpPr>
+          <p:nvPr/>
+        </p:nvCxnSpPr>
+        <p:spPr>
+          <a:xfrm flipV="1">
+            <a:off x="8617297" y="2326351"/>
+            <a:ext cx="1838267" cy="2067203"/>
+          </a:xfrm>
+          <a:prstGeom prst="curvedConnector3">
+            <a:avLst>
+              <a:gd name="adj1" fmla="val 50000"/>
+            </a:avLst>
+          </a:prstGeom>
+          <a:ln>
+            <a:tailEnd type="triangle"/>
+          </a:ln>
+        </p:spPr>
+        <p:style>
+          <a:lnRef idx="2">
+            <a:schemeClr val="dk1"/>
+          </a:lnRef>
+          <a:fillRef idx="0">
+            <a:schemeClr val="dk1"/>
+          </a:fillRef>
+          <a:effectRef idx="1">
+            <a:schemeClr val="dk1"/>
+          </a:effectRef>
+          <a:fontRef idx="minor">
+            <a:schemeClr val="tx1"/>
+          </a:fontRef>
+        </p:style>
+      </p:cxnSp>
+      <p:sp>
+        <p:nvSpPr>
+          <p:cNvPr id="2" name="직사각형 1">
+            <a:extLst>
+              <a:ext uri="{FF2B5EF4-FFF2-40B4-BE49-F238E27FC236}">
+                <a16:creationId xmlns:a16="http://schemas.microsoft.com/office/drawing/2014/main" id="{EA6A56CD-F194-F668-795B-6701FCA2CF59}"/>
+              </a:ext>
+            </a:extLst>
+          </p:cNvPr>
+          <p:cNvSpPr/>
+          <p:nvPr/>
+        </p:nvSpPr>
+        <p:spPr>
+          <a:xfrm>
+            <a:off x="7491615" y="5220013"/>
+            <a:ext cx="1120140" cy="610463"/>
+          </a:xfrm>
+          <a:prstGeom prst="rect">
+            <a:avLst/>
+          </a:prstGeom>
+          <a:solidFill>
+            <a:srgbClr val="FFFF00"/>
+          </a:solidFill>
+        </p:spPr>
+        <p:style>
+          <a:lnRef idx="2">
+            <a:schemeClr val="accent1">
+              <a:shade val="15000"/>
+            </a:schemeClr>
+          </a:lnRef>
+          <a:fillRef idx="1">
+            <a:schemeClr val="accent1"/>
+          </a:fillRef>
+          <a:effectRef idx="0">
+            <a:schemeClr val="accent1"/>
+          </a:effectRef>
+          <a:fontRef idx="minor">
+            <a:schemeClr val="lt1"/>
+          </a:fontRef>
+        </p:style>
+        <p:txBody>
+          <a:bodyPr rtlCol="0" anchor="ctr"/>
+          <a:lstStyle/>
+          <a:p>
+            <a:pPr algn="ctr"/>
+            <a:r>
+              <a:rPr kumimoji="1" lang="en-US" altLang="ko-KR" sz="1600" dirty="0">
+                <a:solidFill>
+                  <a:schemeClr val="tx1"/>
+                </a:solidFill>
+                <a:latin typeface="Cascadia Code" pitchFamily="49" charset="0"/>
+                <a:cs typeface="Cascadia Code" pitchFamily="49" charset="0"/>
+              </a:rPr>
+              <a:t>0x100</a:t>
+            </a:r>
+            <a:endParaRPr kumimoji="1" lang="ko-KR" altLang="en-US" sz="1600" dirty="0">
+              <a:solidFill>
+                <a:schemeClr val="tx1"/>
+              </a:solidFill>
+              <a:latin typeface="Cascadia Code" pitchFamily="49" charset="0"/>
+              <a:cs typeface="Cascadia Code" pitchFamily="49" charset="0"/>
+            </a:endParaRPr>
+          </a:p>
+        </p:txBody>
+      </p:sp>
+      <p:sp>
+        <p:nvSpPr>
+          <p:cNvPr id="3" name="TextBox 2">
+            <a:extLst>
+              <a:ext uri="{FF2B5EF4-FFF2-40B4-BE49-F238E27FC236}">
+                <a16:creationId xmlns:a16="http://schemas.microsoft.com/office/drawing/2014/main" id="{FBF6100F-907E-799D-D086-28EA30116073}"/>
+              </a:ext>
+            </a:extLst>
+          </p:cNvPr>
+          <p:cNvSpPr txBox="1"/>
+          <p:nvPr/>
+        </p:nvSpPr>
+        <p:spPr>
+          <a:xfrm>
+            <a:off x="6783187" y="5355967"/>
+            <a:ext cx="677948" cy="338554"/>
+          </a:xfrm>
+          <a:prstGeom prst="rect">
+            <a:avLst/>
+          </a:prstGeom>
+          <a:noFill/>
+        </p:spPr>
+        <p:txBody>
+          <a:bodyPr wrap="square" rtlCol="0">
+            <a:spAutoFit/>
+          </a:bodyPr>
+          <a:lstStyle/>
+          <a:p>
+            <a:pPr algn="ctr"/>
+            <a:r>
+              <a:rPr kumimoji="1" lang="en-US" altLang="ko-KR" sz="1600" dirty="0">
+                <a:latin typeface="Cascadia Code" pitchFamily="49" charset="0"/>
+                <a:ea typeface="Cascadia Code" pitchFamily="49" charset="0"/>
+                <a:cs typeface="Cascadia Code" pitchFamily="49" charset="0"/>
+              </a:rPr>
+              <a:t>name</a:t>
+            </a:r>
+            <a:endParaRPr kumimoji="1" lang="ko-KR" altLang="en-US" sz="1600" dirty="0">
+              <a:latin typeface="Cascadia Code" pitchFamily="49" charset="0"/>
+              <a:ea typeface="Cascadia Code" pitchFamily="49" charset="0"/>
+              <a:cs typeface="Cascadia Code" pitchFamily="49" charset="0"/>
+            </a:endParaRPr>
+          </a:p>
+        </p:txBody>
+      </p:sp>
+      <p:sp>
+        <p:nvSpPr>
+          <p:cNvPr id="14" name="직사각형 13">
+            <a:extLst>
+              <a:ext uri="{FF2B5EF4-FFF2-40B4-BE49-F238E27FC236}">
+                <a16:creationId xmlns:a16="http://schemas.microsoft.com/office/drawing/2014/main" id="{B7733978-F857-8141-67DC-25AAF4FC1987}"/>
+              </a:ext>
+            </a:extLst>
+          </p:cNvPr>
+          <p:cNvSpPr/>
+          <p:nvPr/>
+        </p:nvSpPr>
+        <p:spPr>
+          <a:xfrm>
+            <a:off x="7491615" y="5830476"/>
+            <a:ext cx="1120140" cy="610463"/>
+          </a:xfrm>
+          <a:prstGeom prst="rect">
+            <a:avLst/>
+          </a:prstGeom>
+          <a:solidFill>
+            <a:srgbClr val="FFFF00"/>
+          </a:solidFill>
+        </p:spPr>
+        <p:style>
+          <a:lnRef idx="2">
+            <a:schemeClr val="accent1">
+              <a:shade val="15000"/>
+            </a:schemeClr>
+          </a:lnRef>
+          <a:fillRef idx="1">
+            <a:schemeClr val="accent1"/>
+          </a:fillRef>
+          <a:effectRef idx="0">
+            <a:schemeClr val="accent1"/>
+          </a:effectRef>
+          <a:fontRef idx="minor">
+            <a:schemeClr val="lt1"/>
+          </a:fontRef>
+        </p:style>
+        <p:txBody>
+          <a:bodyPr rtlCol="0" anchor="ctr"/>
+          <a:lstStyle/>
+          <a:p>
+            <a:pPr algn="ctr"/>
+            <a:r>
+              <a:rPr kumimoji="1" lang="en-US" altLang="ko-KR" sz="1600" dirty="0">
+                <a:solidFill>
+                  <a:schemeClr val="tx1"/>
+                </a:solidFill>
+                <a:latin typeface="Cascadia Code" pitchFamily="49" charset="0"/>
+                <a:cs typeface="Cascadia Code" pitchFamily="49" charset="0"/>
+              </a:rPr>
+              <a:t>42</a:t>
+            </a:r>
+            <a:endParaRPr kumimoji="1" lang="ko-KR" altLang="en-US" sz="1600" dirty="0">
+              <a:solidFill>
+                <a:schemeClr val="tx1"/>
+              </a:solidFill>
+              <a:latin typeface="Cascadia Code" pitchFamily="49" charset="0"/>
+              <a:cs typeface="Cascadia Code" pitchFamily="49" charset="0"/>
+            </a:endParaRPr>
+          </a:p>
+        </p:txBody>
+      </p:sp>
+      <p:sp>
+        <p:nvSpPr>
+          <p:cNvPr id="15" name="TextBox 14">
+            <a:extLst>
+              <a:ext uri="{FF2B5EF4-FFF2-40B4-BE49-F238E27FC236}">
+                <a16:creationId xmlns:a16="http://schemas.microsoft.com/office/drawing/2014/main" id="{7621F2AC-9736-B9DC-F3BF-4F019F63BBBC}"/>
+              </a:ext>
+            </a:extLst>
+          </p:cNvPr>
+          <p:cNvSpPr txBox="1"/>
+          <p:nvPr/>
+        </p:nvSpPr>
+        <p:spPr>
+          <a:xfrm>
+            <a:off x="6903260" y="5966430"/>
+            <a:ext cx="557875" cy="338554"/>
+          </a:xfrm>
+          <a:prstGeom prst="rect">
+            <a:avLst/>
+          </a:prstGeom>
+          <a:noFill/>
+        </p:spPr>
+        <p:txBody>
+          <a:bodyPr wrap="square" rtlCol="0">
+            <a:spAutoFit/>
+          </a:bodyPr>
+          <a:lstStyle/>
+          <a:p>
+            <a:pPr algn="ctr"/>
+            <a:r>
+              <a:rPr kumimoji="1" lang="en-US" altLang="ko-KR" sz="1600" dirty="0">
+                <a:latin typeface="Cascadia Code" pitchFamily="49" charset="0"/>
+                <a:ea typeface="Cascadia Code" pitchFamily="49" charset="0"/>
+                <a:cs typeface="Cascadia Code" pitchFamily="49" charset="0"/>
+              </a:rPr>
+              <a:t>age</a:t>
+            </a:r>
+            <a:endParaRPr kumimoji="1" lang="ko-KR" altLang="en-US" sz="1600" dirty="0">
+              <a:latin typeface="Cascadia Code" pitchFamily="49" charset="0"/>
+              <a:ea typeface="Cascadia Code" pitchFamily="49" charset="0"/>
+              <a:cs typeface="Cascadia Code" pitchFamily="49" charset="0"/>
+            </a:endParaRPr>
+          </a:p>
+        </p:txBody>
+      </p:sp>
+      <p:sp>
+        <p:nvSpPr>
+          <p:cNvPr id="17" name="TextBox 16">
+            <a:extLst>
+              <a:ext uri="{FF2B5EF4-FFF2-40B4-BE49-F238E27FC236}">
+                <a16:creationId xmlns:a16="http://schemas.microsoft.com/office/drawing/2014/main" id="{54C00AEE-B074-8FB2-7ED8-DD4EEC077752}"/>
+              </a:ext>
+            </a:extLst>
+          </p:cNvPr>
+          <p:cNvSpPr txBox="1"/>
+          <p:nvPr/>
+        </p:nvSpPr>
+        <p:spPr>
+          <a:xfrm>
+            <a:off x="7491616" y="4824911"/>
+            <a:ext cx="1013228" cy="369332"/>
+          </a:xfrm>
+          <a:prstGeom prst="rect">
+            <a:avLst/>
+          </a:prstGeom>
+          <a:noFill/>
+        </p:spPr>
+        <p:txBody>
+          <a:bodyPr wrap="square">
+            <a:spAutoFit/>
+          </a:bodyPr>
+          <a:lstStyle/>
+          <a:p>
+            <a:pPr algn="ctr"/>
+            <a:r>
+              <a:rPr lang="en-US" altLang="ko-KR" dirty="0">
+                <a:latin typeface="Cascadia Code" pitchFamily="49" charset="0"/>
+                <a:cs typeface="Cascadia Code" pitchFamily="49" charset="0"/>
+              </a:rPr>
+              <a:t>other2</a:t>
+            </a:r>
+            <a:endParaRPr lang="ko-KR" altLang="en-US" dirty="0"/>
+          </a:p>
+        </p:txBody>
+      </p:sp>
+      <p:sp>
+        <p:nvSpPr>
+          <p:cNvPr id="18" name="직사각형 17">
+            <a:extLst>
+              <a:ext uri="{FF2B5EF4-FFF2-40B4-BE49-F238E27FC236}">
+                <a16:creationId xmlns:a16="http://schemas.microsoft.com/office/drawing/2014/main" id="{62BF5C27-A14B-9762-7238-4B63406728E4}"/>
+              </a:ext>
+            </a:extLst>
+          </p:cNvPr>
+          <p:cNvSpPr/>
+          <p:nvPr/>
+        </p:nvSpPr>
+        <p:spPr>
+          <a:xfrm>
+            <a:off x="7491615" y="6440939"/>
+            <a:ext cx="1120140" cy="610463"/>
+          </a:xfrm>
+          <a:prstGeom prst="rect">
+            <a:avLst/>
+          </a:prstGeom>
+          <a:solidFill>
+            <a:srgbClr val="FFFF00"/>
+          </a:solidFill>
+        </p:spPr>
+        <p:style>
+          <a:lnRef idx="2">
+            <a:schemeClr val="accent1">
+              <a:shade val="15000"/>
+            </a:schemeClr>
+          </a:lnRef>
+          <a:fillRef idx="1">
+            <a:schemeClr val="accent1"/>
+          </a:fillRef>
+          <a:effectRef idx="0">
+            <a:schemeClr val="accent1"/>
+          </a:effectRef>
+          <a:fontRef idx="minor">
+            <a:schemeClr val="lt1"/>
+          </a:fontRef>
+        </p:style>
+        <p:txBody>
+          <a:bodyPr rtlCol="0" anchor="ctr"/>
+          <a:lstStyle/>
+          <a:p>
+            <a:pPr algn="ctr"/>
+            <a:r>
+              <a:rPr kumimoji="1" lang="en-US" altLang="ko-KR" sz="1600" dirty="0">
+                <a:solidFill>
+                  <a:schemeClr val="tx1"/>
+                </a:solidFill>
+                <a:latin typeface="Cascadia Code" pitchFamily="49" charset="0"/>
+                <a:cs typeface="Cascadia Code" pitchFamily="49" charset="0"/>
+              </a:rPr>
+              <a:t>0x200</a:t>
+            </a:r>
+            <a:endParaRPr kumimoji="1" lang="ko-KR" altLang="en-US" sz="1600" dirty="0">
+              <a:solidFill>
+                <a:schemeClr val="tx1"/>
+              </a:solidFill>
+              <a:latin typeface="Cascadia Code" pitchFamily="49" charset="0"/>
+              <a:cs typeface="Cascadia Code" pitchFamily="49" charset="0"/>
+            </a:endParaRPr>
+          </a:p>
+        </p:txBody>
+      </p:sp>
+      <p:sp>
+        <p:nvSpPr>
+          <p:cNvPr id="27" name="TextBox 26">
+            <a:extLst>
+              <a:ext uri="{FF2B5EF4-FFF2-40B4-BE49-F238E27FC236}">
+                <a16:creationId xmlns:a16="http://schemas.microsoft.com/office/drawing/2014/main" id="{D14FB2A1-C72D-649F-C8C8-EC28D6989642}"/>
+              </a:ext>
+            </a:extLst>
+          </p:cNvPr>
+          <p:cNvSpPr txBox="1"/>
+          <p:nvPr/>
+        </p:nvSpPr>
+        <p:spPr>
+          <a:xfrm>
+            <a:off x="6903260" y="6554172"/>
+            <a:ext cx="557875" cy="338554"/>
+          </a:xfrm>
+          <a:prstGeom prst="rect">
+            <a:avLst/>
+          </a:prstGeom>
+          <a:noFill/>
+        </p:spPr>
+        <p:txBody>
+          <a:bodyPr wrap="square" rtlCol="0">
+            <a:spAutoFit/>
+          </a:bodyPr>
+          <a:lstStyle/>
+          <a:p>
+            <a:pPr algn="ctr"/>
+            <a:r>
+              <a:rPr kumimoji="1" lang="en-US" altLang="ko-KR" sz="1600" dirty="0">
+                <a:latin typeface="Cascadia Code" pitchFamily="49" charset="0"/>
+                <a:ea typeface="Cascadia Code" pitchFamily="49" charset="0"/>
+                <a:cs typeface="Cascadia Code" pitchFamily="49" charset="0"/>
+              </a:rPr>
+              <a:t>ref</a:t>
+            </a:r>
+            <a:endParaRPr kumimoji="1" lang="ko-KR" altLang="en-US" sz="1600" dirty="0">
+              <a:latin typeface="Cascadia Code" pitchFamily="49" charset="0"/>
+              <a:ea typeface="Cascadia Code" pitchFamily="49" charset="0"/>
+              <a:cs typeface="Cascadia Code" pitchFamily="49" charset="0"/>
+            </a:endParaRPr>
+          </a:p>
+        </p:txBody>
+      </p:sp>
+      <p:cxnSp>
+        <p:nvCxnSpPr>
+          <p:cNvPr id="28" name="구부러진 연결선[U] 27">
+            <a:extLst>
+              <a:ext uri="{FF2B5EF4-FFF2-40B4-BE49-F238E27FC236}">
+                <a16:creationId xmlns:a16="http://schemas.microsoft.com/office/drawing/2014/main" id="{F200B9FE-8EFB-F753-7642-F0F6CD103FCB}"/>
+              </a:ext>
+            </a:extLst>
+          </p:cNvPr>
+          <p:cNvCxnSpPr>
+            <a:cxnSpLocks/>
+            <a:stCxn id="2" idx="3"/>
+            <a:endCxn id="9" idx="1"/>
+          </p:cNvCxnSpPr>
+          <p:nvPr/>
+        </p:nvCxnSpPr>
+        <p:spPr>
+          <a:xfrm flipV="1">
+            <a:off x="8611755" y="1242820"/>
+            <a:ext cx="1363517" cy="4282425"/>
+          </a:xfrm>
+          <a:prstGeom prst="curvedConnector3">
+            <a:avLst>
+              <a:gd name="adj1" fmla="val 50000"/>
+            </a:avLst>
+          </a:prstGeom>
+          <a:ln>
+            <a:tailEnd type="triangle"/>
+          </a:ln>
+        </p:spPr>
+        <p:style>
+          <a:lnRef idx="2">
+            <a:schemeClr val="dk1"/>
+          </a:lnRef>
+          <a:fillRef idx="0">
+            <a:schemeClr val="dk1"/>
+          </a:fillRef>
+          <a:effectRef idx="1">
+            <a:schemeClr val="dk1"/>
+          </a:effectRef>
+          <a:fontRef idx="minor">
+            <a:schemeClr val="tx1"/>
+          </a:fontRef>
+        </p:style>
+      </p:cxnSp>
+      <p:cxnSp>
+        <p:nvCxnSpPr>
+          <p:cNvPr id="32" name="구부러진 연결선[U] 31">
+            <a:extLst>
+              <a:ext uri="{FF2B5EF4-FFF2-40B4-BE49-F238E27FC236}">
+                <a16:creationId xmlns:a16="http://schemas.microsoft.com/office/drawing/2014/main" id="{9C5D1B79-B539-5501-CD82-D7606BAB93FB}"/>
+              </a:ext>
+            </a:extLst>
+          </p:cNvPr>
+          <p:cNvCxnSpPr>
+            <a:cxnSpLocks/>
+            <a:stCxn id="18" idx="3"/>
+            <a:endCxn id="16" idx="1"/>
+          </p:cNvCxnSpPr>
+          <p:nvPr/>
+        </p:nvCxnSpPr>
+        <p:spPr>
+          <a:xfrm flipV="1">
+            <a:off x="8611755" y="2326351"/>
+            <a:ext cx="1843809" cy="4419820"/>
+          </a:xfrm>
+          <a:prstGeom prst="curvedConnector3">
+            <a:avLst>
+              <a:gd name="adj1" fmla="val 50000"/>
+            </a:avLst>
+          </a:prstGeom>
+          <a:ln>
+            <a:tailEnd type="triangle"/>
+          </a:ln>
+        </p:spPr>
+        <p:style>
+          <a:lnRef idx="2">
+            <a:schemeClr val="dk1"/>
+          </a:lnRef>
+          <a:fillRef idx="0">
+            <a:schemeClr val="dk1"/>
+          </a:fillRef>
+          <a:effectRef idx="1">
+            <a:schemeClr val="dk1"/>
+          </a:effectRef>
+          <a:fontRef idx="minor">
+            <a:schemeClr val="tx1"/>
+          </a:fontRef>
+        </p:style>
+      </p:cxnSp>
+    </p:spTree>
+    <p:extLst>
+      <p:ext uri="{BB962C8B-B14F-4D97-AF65-F5344CB8AC3E}">
+        <p14:creationId xmlns:p14="http://schemas.microsoft.com/office/powerpoint/2010/main" val="2691419990"/>
+      </p:ext>
+    </p:extLst>
+  </p:cSld>
+  <p:clrMapOvr>
+    <a:masterClrMapping/>
+  </p:clrMapOvr>
+</p:sld>
+</file>
+
+<file path=ppt/slides/slide35.xml><?xml version="1.0" encoding="utf-8"?>
+<p:sld xmlns:a="http://schemas.openxmlformats.org/drawingml/2006/main" xmlns:r="http://schemas.openxmlformats.org/officeDocument/2006/relationships" xmlns:p="http://schemas.openxmlformats.org/presentationml/2006/main">
+  <p:cSld>
+    <p:spTree>
+      <p:nvGrpSpPr>
+        <p:cNvPr id="1" name=""/>
+        <p:cNvGrpSpPr/>
+        <p:nvPr/>
+      </p:nvGrpSpPr>
+      <p:grpSpPr>
+        <a:xfrm>
+          <a:off x="0" y="0"/>
+          <a:ext cx="0" cy="0"/>
+          <a:chOff x="0" y="0"/>
+          <a:chExt cx="0" cy="0"/>
+        </a:xfrm>
+      </p:grpSpPr>
+      <p:sp>
+        <p:nvSpPr>
+          <p:cNvPr id="4" name="직사각형 3">
+            <a:extLst>
+              <a:ext uri="{FF2B5EF4-FFF2-40B4-BE49-F238E27FC236}">
+                <a16:creationId xmlns:a16="http://schemas.microsoft.com/office/drawing/2014/main" id="{09B83249-8D75-3115-D1B4-741EC70C1AAC}"/>
+              </a:ext>
+            </a:extLst>
+          </p:cNvPr>
+          <p:cNvSpPr/>
+          <p:nvPr/>
+        </p:nvSpPr>
+        <p:spPr>
+          <a:xfrm>
+            <a:off x="7497157" y="395102"/>
+            <a:ext cx="1120140" cy="610463"/>
+          </a:xfrm>
+          <a:prstGeom prst="rect">
+            <a:avLst/>
+          </a:prstGeom>
+          <a:solidFill>
+            <a:srgbClr val="FFFF00"/>
+          </a:solidFill>
+        </p:spPr>
+        <p:style>
+          <a:lnRef idx="2">
+            <a:schemeClr val="accent1">
+              <a:shade val="15000"/>
+            </a:schemeClr>
+          </a:lnRef>
+          <a:fillRef idx="1">
+            <a:schemeClr val="accent1"/>
+          </a:fillRef>
+          <a:effectRef idx="0">
+            <a:schemeClr val="accent1"/>
+          </a:effectRef>
+          <a:fontRef idx="minor">
+            <a:schemeClr val="lt1"/>
+          </a:fontRef>
+        </p:style>
+        <p:txBody>
+          <a:bodyPr rtlCol="0" anchor="ctr"/>
+          <a:lstStyle/>
+          <a:p>
+            <a:pPr algn="ctr"/>
+            <a:r>
+              <a:rPr kumimoji="1" lang="en-US" altLang="ko-KR" sz="1600" dirty="0">
+                <a:solidFill>
+                  <a:schemeClr val="tx1"/>
+                </a:solidFill>
+                <a:latin typeface="Cascadia Code" pitchFamily="49" charset="0"/>
+                <a:cs typeface="Cascadia Code" pitchFamily="49" charset="0"/>
+              </a:rPr>
+              <a:t>0x100</a:t>
+            </a:r>
+            <a:endParaRPr kumimoji="1" lang="ko-KR" altLang="en-US" sz="1600" dirty="0">
+              <a:solidFill>
+                <a:schemeClr val="tx1"/>
+              </a:solidFill>
+              <a:latin typeface="Cascadia Code" pitchFamily="49" charset="0"/>
+              <a:cs typeface="Cascadia Code" pitchFamily="49" charset="0"/>
+            </a:endParaRPr>
+          </a:p>
+        </p:txBody>
+      </p:sp>
+      <p:sp>
+        <p:nvSpPr>
+          <p:cNvPr id="5" name="TextBox 4">
+            <a:extLst>
+              <a:ext uri="{FF2B5EF4-FFF2-40B4-BE49-F238E27FC236}">
+                <a16:creationId xmlns:a16="http://schemas.microsoft.com/office/drawing/2014/main" id="{3562ACEB-1C44-671F-A12B-D7C483C4292F}"/>
+              </a:ext>
+            </a:extLst>
+          </p:cNvPr>
+          <p:cNvSpPr txBox="1"/>
+          <p:nvPr/>
+        </p:nvSpPr>
+        <p:spPr>
+          <a:xfrm>
+            <a:off x="6788729" y="531056"/>
+            <a:ext cx="677948" cy="338554"/>
+          </a:xfrm>
+          <a:prstGeom prst="rect">
+            <a:avLst/>
+          </a:prstGeom>
+          <a:noFill/>
+        </p:spPr>
+        <p:txBody>
+          <a:bodyPr wrap="square" rtlCol="0">
+            <a:spAutoFit/>
+          </a:bodyPr>
+          <a:lstStyle/>
+          <a:p>
+            <a:pPr algn="ctr"/>
+            <a:r>
+              <a:rPr kumimoji="1" lang="en-US" altLang="ko-KR" sz="1600" dirty="0">
+                <a:latin typeface="Cascadia Code" pitchFamily="49" charset="0"/>
+                <a:ea typeface="Cascadia Code" pitchFamily="49" charset="0"/>
+                <a:cs typeface="Cascadia Code" pitchFamily="49" charset="0"/>
+              </a:rPr>
+              <a:t>name</a:t>
+            </a:r>
+            <a:endParaRPr kumimoji="1" lang="ko-KR" altLang="en-US" sz="1600" dirty="0">
+              <a:latin typeface="Cascadia Code" pitchFamily="49" charset="0"/>
+              <a:ea typeface="Cascadia Code" pitchFamily="49" charset="0"/>
+              <a:cs typeface="Cascadia Code" pitchFamily="49" charset="0"/>
+            </a:endParaRPr>
+          </a:p>
+        </p:txBody>
+      </p:sp>
+      <p:sp>
+        <p:nvSpPr>
+          <p:cNvPr id="6" name="직사각형 5">
+            <a:extLst>
+              <a:ext uri="{FF2B5EF4-FFF2-40B4-BE49-F238E27FC236}">
+                <a16:creationId xmlns:a16="http://schemas.microsoft.com/office/drawing/2014/main" id="{F9B22FE2-F88E-3990-3190-950A669E9EEF}"/>
+              </a:ext>
+            </a:extLst>
+          </p:cNvPr>
+          <p:cNvSpPr/>
+          <p:nvPr/>
+        </p:nvSpPr>
+        <p:spPr>
+          <a:xfrm>
+            <a:off x="7497157" y="1005565"/>
+            <a:ext cx="1120140" cy="610463"/>
+          </a:xfrm>
+          <a:prstGeom prst="rect">
+            <a:avLst/>
+          </a:prstGeom>
+          <a:solidFill>
+            <a:srgbClr val="FFFF00"/>
+          </a:solidFill>
+        </p:spPr>
+        <p:style>
+          <a:lnRef idx="2">
+            <a:schemeClr val="accent1">
+              <a:shade val="15000"/>
+            </a:schemeClr>
+          </a:lnRef>
+          <a:fillRef idx="1">
+            <a:schemeClr val="accent1"/>
+          </a:fillRef>
+          <a:effectRef idx="0">
+            <a:schemeClr val="accent1"/>
+          </a:effectRef>
+          <a:fontRef idx="minor">
+            <a:schemeClr val="lt1"/>
+          </a:fontRef>
+        </p:style>
+        <p:txBody>
+          <a:bodyPr rtlCol="0" anchor="ctr"/>
+          <a:lstStyle/>
+          <a:p>
+            <a:pPr algn="ctr"/>
+            <a:r>
+              <a:rPr kumimoji="1" lang="en-US" altLang="ko-KR" sz="1600" dirty="0">
+                <a:solidFill>
+                  <a:schemeClr val="tx1"/>
+                </a:solidFill>
+                <a:latin typeface="Cascadia Code" pitchFamily="49" charset="0"/>
+                <a:cs typeface="Cascadia Code" pitchFamily="49" charset="0"/>
+              </a:rPr>
+              <a:t>42</a:t>
+            </a:r>
+            <a:endParaRPr kumimoji="1" lang="ko-KR" altLang="en-US" sz="1600" dirty="0">
+              <a:solidFill>
+                <a:schemeClr val="tx1"/>
+              </a:solidFill>
+              <a:latin typeface="Cascadia Code" pitchFamily="49" charset="0"/>
+              <a:cs typeface="Cascadia Code" pitchFamily="49" charset="0"/>
+            </a:endParaRPr>
+          </a:p>
+        </p:txBody>
+      </p:sp>
+      <p:sp>
+        <p:nvSpPr>
+          <p:cNvPr id="7" name="TextBox 6">
+            <a:extLst>
+              <a:ext uri="{FF2B5EF4-FFF2-40B4-BE49-F238E27FC236}">
+                <a16:creationId xmlns:a16="http://schemas.microsoft.com/office/drawing/2014/main" id="{D653E8C1-8417-3695-F747-E52201829E1C}"/>
+              </a:ext>
+            </a:extLst>
+          </p:cNvPr>
+          <p:cNvSpPr txBox="1"/>
+          <p:nvPr/>
+        </p:nvSpPr>
+        <p:spPr>
+          <a:xfrm>
+            <a:off x="6908802" y="1141519"/>
+            <a:ext cx="557875" cy="338554"/>
+          </a:xfrm>
+          <a:prstGeom prst="rect">
+            <a:avLst/>
+          </a:prstGeom>
+          <a:noFill/>
+        </p:spPr>
+        <p:txBody>
+          <a:bodyPr wrap="square" rtlCol="0">
+            <a:spAutoFit/>
+          </a:bodyPr>
+          <a:lstStyle/>
+          <a:p>
+            <a:pPr algn="ctr"/>
+            <a:r>
+              <a:rPr kumimoji="1" lang="en-US" altLang="ko-KR" sz="1600" dirty="0">
+                <a:latin typeface="Cascadia Code" pitchFamily="49" charset="0"/>
+                <a:ea typeface="Cascadia Code" pitchFamily="49" charset="0"/>
+                <a:cs typeface="Cascadia Code" pitchFamily="49" charset="0"/>
+              </a:rPr>
+              <a:t>age</a:t>
+            </a:r>
+            <a:endParaRPr kumimoji="1" lang="ko-KR" altLang="en-US" sz="1600" dirty="0">
+              <a:latin typeface="Cascadia Code" pitchFamily="49" charset="0"/>
+              <a:ea typeface="Cascadia Code" pitchFamily="49" charset="0"/>
+              <a:cs typeface="Cascadia Code" pitchFamily="49" charset="0"/>
+            </a:endParaRPr>
+          </a:p>
+        </p:txBody>
+      </p:sp>
+      <p:sp>
+        <p:nvSpPr>
+          <p:cNvPr id="8" name="TextBox 7">
+            <a:extLst>
+              <a:ext uri="{FF2B5EF4-FFF2-40B4-BE49-F238E27FC236}">
+                <a16:creationId xmlns:a16="http://schemas.microsoft.com/office/drawing/2014/main" id="{906F15F5-3EB5-2784-9D16-FFBBD1926492}"/>
+              </a:ext>
+            </a:extLst>
+          </p:cNvPr>
+          <p:cNvSpPr txBox="1"/>
+          <p:nvPr/>
+        </p:nvSpPr>
+        <p:spPr>
+          <a:xfrm>
+            <a:off x="7604068" y="0"/>
+            <a:ext cx="906317" cy="369332"/>
+          </a:xfrm>
+          <a:prstGeom prst="rect">
+            <a:avLst/>
+          </a:prstGeom>
+          <a:noFill/>
+        </p:spPr>
+        <p:txBody>
+          <a:bodyPr wrap="square">
+            <a:spAutoFit/>
+          </a:bodyPr>
+          <a:lstStyle/>
+          <a:p>
+            <a:pPr algn="ctr"/>
+            <a:r>
+              <a:rPr lang="en-US" altLang="ko-KR" dirty="0">
+                <a:latin typeface="Cascadia Code" pitchFamily="49" charset="0"/>
+                <a:cs typeface="Cascadia Code" pitchFamily="49" charset="0"/>
+              </a:rPr>
+              <a:t>user</a:t>
+            </a:r>
+            <a:endParaRPr lang="ko-KR" altLang="en-US" dirty="0"/>
+          </a:p>
+        </p:txBody>
+      </p:sp>
+      <p:sp>
+        <p:nvSpPr>
+          <p:cNvPr id="9" name="직사각형 8">
+            <a:extLst>
+              <a:ext uri="{FF2B5EF4-FFF2-40B4-BE49-F238E27FC236}">
+                <a16:creationId xmlns:a16="http://schemas.microsoft.com/office/drawing/2014/main" id="{14CB84D0-F1A3-8BE2-399C-542AFB034647}"/>
+              </a:ext>
+            </a:extLst>
+          </p:cNvPr>
+          <p:cNvSpPr/>
+          <p:nvPr/>
+        </p:nvSpPr>
+        <p:spPr>
+          <a:xfrm>
+            <a:off x="9975272" y="1005566"/>
+            <a:ext cx="1528388" cy="474508"/>
+          </a:xfrm>
+          <a:prstGeom prst="rect">
+            <a:avLst/>
+          </a:prstGeom>
+          <a:solidFill>
+            <a:srgbClr val="FFFF00"/>
+          </a:solidFill>
+        </p:spPr>
+        <p:style>
+          <a:lnRef idx="2">
+            <a:schemeClr val="accent1">
+              <a:shade val="15000"/>
+            </a:schemeClr>
+          </a:lnRef>
+          <a:fillRef idx="1">
+            <a:schemeClr val="accent1"/>
+          </a:fillRef>
+          <a:effectRef idx="0">
+            <a:schemeClr val="accent1"/>
+          </a:effectRef>
+          <a:fontRef idx="minor">
+            <a:schemeClr val="lt1"/>
+          </a:fontRef>
+        </p:style>
+        <p:txBody>
+          <a:bodyPr rtlCol="0" anchor="ctr"/>
+          <a:lstStyle/>
+          <a:p>
+            <a:pPr algn="ctr"/>
+            <a:r>
+              <a:rPr kumimoji="1" lang="en-US" altLang="ko-KR" sz="1600" dirty="0">
+                <a:solidFill>
+                  <a:schemeClr val="tx1"/>
+                </a:solidFill>
+                <a:latin typeface="Cascadia Code" pitchFamily="49" charset="0"/>
+                <a:cs typeface="Cascadia Code" pitchFamily="49" charset="0"/>
+              </a:rPr>
+              <a:t>“Tom”</a:t>
+            </a:r>
+            <a:endParaRPr kumimoji="1" lang="ko-KR" altLang="en-US" sz="1600" dirty="0">
+              <a:solidFill>
+                <a:schemeClr val="tx1"/>
+              </a:solidFill>
+              <a:latin typeface="Cascadia Code" pitchFamily="49" charset="0"/>
+              <a:cs typeface="Cascadia Code" pitchFamily="49" charset="0"/>
+            </a:endParaRPr>
+          </a:p>
+        </p:txBody>
+      </p:sp>
+      <p:cxnSp>
+        <p:nvCxnSpPr>
+          <p:cNvPr id="10" name="구부러진 연결선[U] 9">
+            <a:extLst>
+              <a:ext uri="{FF2B5EF4-FFF2-40B4-BE49-F238E27FC236}">
+                <a16:creationId xmlns:a16="http://schemas.microsoft.com/office/drawing/2014/main" id="{00A86509-FEB1-EAAD-F665-79AB260544C2}"/>
+              </a:ext>
+            </a:extLst>
+          </p:cNvPr>
+          <p:cNvCxnSpPr>
+            <a:stCxn id="4" idx="3"/>
+            <a:endCxn id="9" idx="1"/>
+          </p:cNvCxnSpPr>
+          <p:nvPr/>
+        </p:nvCxnSpPr>
+        <p:spPr>
+          <a:xfrm>
+            <a:off x="8617297" y="700334"/>
+            <a:ext cx="1357975" cy="542486"/>
+          </a:xfrm>
+          <a:prstGeom prst="curvedConnector3">
+            <a:avLst/>
+          </a:prstGeom>
+          <a:ln>
+            <a:tailEnd type="triangle"/>
+          </a:ln>
+        </p:spPr>
+        <p:style>
+          <a:lnRef idx="2">
+            <a:schemeClr val="dk1"/>
+          </a:lnRef>
+          <a:fillRef idx="0">
+            <a:schemeClr val="dk1"/>
+          </a:fillRef>
+          <a:effectRef idx="1">
+            <a:schemeClr val="dk1"/>
+          </a:effectRef>
+          <a:fontRef idx="minor">
+            <a:schemeClr val="tx1"/>
+          </a:fontRef>
+        </p:style>
+      </p:cxnSp>
+      <p:sp>
+        <p:nvSpPr>
+          <p:cNvPr id="11" name="직사각형 10">
+            <a:extLst>
+              <a:ext uri="{FF2B5EF4-FFF2-40B4-BE49-F238E27FC236}">
+                <a16:creationId xmlns:a16="http://schemas.microsoft.com/office/drawing/2014/main" id="{A415A8AD-44A0-9D88-ACB7-A25F76C0E016}"/>
+              </a:ext>
+            </a:extLst>
+          </p:cNvPr>
+          <p:cNvSpPr/>
+          <p:nvPr/>
+        </p:nvSpPr>
+        <p:spPr>
+          <a:xfrm>
+            <a:off x="7497157" y="1616028"/>
+            <a:ext cx="1120140" cy="610463"/>
+          </a:xfrm>
+          <a:prstGeom prst="rect">
+            <a:avLst/>
+          </a:prstGeom>
+          <a:solidFill>
+            <a:srgbClr val="FFFF00"/>
+          </a:solidFill>
+        </p:spPr>
+        <p:style>
+          <a:lnRef idx="2">
+            <a:schemeClr val="accent1">
+              <a:shade val="15000"/>
+            </a:schemeClr>
+          </a:lnRef>
+          <a:fillRef idx="1">
+            <a:schemeClr val="accent1"/>
+          </a:fillRef>
+          <a:effectRef idx="0">
+            <a:schemeClr val="accent1"/>
+          </a:effectRef>
+          <a:fontRef idx="minor">
+            <a:schemeClr val="lt1"/>
+          </a:fontRef>
+        </p:style>
+        <p:txBody>
+          <a:bodyPr rtlCol="0" anchor="ctr"/>
+          <a:lstStyle/>
+          <a:p>
+            <a:pPr algn="ctr"/>
+            <a:r>
+              <a:rPr kumimoji="1" lang="en-US" altLang="ko-KR" sz="1600" dirty="0">
+                <a:solidFill>
+                  <a:schemeClr val="tx1"/>
+                </a:solidFill>
+                <a:latin typeface="Cascadia Code" pitchFamily="49" charset="0"/>
+                <a:cs typeface="Cascadia Code" pitchFamily="49" charset="0"/>
+              </a:rPr>
+              <a:t>0x200</a:t>
+            </a:r>
+            <a:endParaRPr kumimoji="1" lang="ko-KR" altLang="en-US" sz="1600" dirty="0">
+              <a:solidFill>
+                <a:schemeClr val="tx1"/>
+              </a:solidFill>
+              <a:latin typeface="Cascadia Code" pitchFamily="49" charset="0"/>
+              <a:cs typeface="Cascadia Code" pitchFamily="49" charset="0"/>
+            </a:endParaRPr>
+          </a:p>
+        </p:txBody>
+      </p:sp>
+      <p:sp>
+        <p:nvSpPr>
+          <p:cNvPr id="12" name="TextBox 11">
+            <a:extLst>
+              <a:ext uri="{FF2B5EF4-FFF2-40B4-BE49-F238E27FC236}">
+                <a16:creationId xmlns:a16="http://schemas.microsoft.com/office/drawing/2014/main" id="{4BDA71F0-B973-8BB6-C4FE-8EFD13707402}"/>
+              </a:ext>
+            </a:extLst>
+          </p:cNvPr>
+          <p:cNvSpPr txBox="1"/>
+          <p:nvPr/>
+        </p:nvSpPr>
+        <p:spPr>
+          <a:xfrm>
+            <a:off x="6908802" y="1729261"/>
+            <a:ext cx="557875" cy="338554"/>
+          </a:xfrm>
+          <a:prstGeom prst="rect">
+            <a:avLst/>
+          </a:prstGeom>
+          <a:noFill/>
+        </p:spPr>
+        <p:txBody>
+          <a:bodyPr wrap="square" rtlCol="0">
+            <a:spAutoFit/>
+          </a:bodyPr>
+          <a:lstStyle/>
+          <a:p>
+            <a:pPr algn="ctr"/>
+            <a:r>
+              <a:rPr kumimoji="1" lang="en-US" altLang="ko-KR" sz="1600" dirty="0">
+                <a:latin typeface="Cascadia Code" pitchFamily="49" charset="0"/>
+                <a:ea typeface="Cascadia Code" pitchFamily="49" charset="0"/>
+                <a:cs typeface="Cascadia Code" pitchFamily="49" charset="0"/>
+              </a:rPr>
+              <a:t>ref</a:t>
+            </a:r>
+            <a:endParaRPr kumimoji="1" lang="ko-KR" altLang="en-US" sz="1600" dirty="0">
+              <a:latin typeface="Cascadia Code" pitchFamily="49" charset="0"/>
+              <a:ea typeface="Cascadia Code" pitchFamily="49" charset="0"/>
+              <a:cs typeface="Cascadia Code" pitchFamily="49" charset="0"/>
+            </a:endParaRPr>
+          </a:p>
+        </p:txBody>
+      </p:sp>
+      <p:cxnSp>
+        <p:nvCxnSpPr>
+          <p:cNvPr id="13" name="구부러진 연결선[U] 12">
+            <a:extLst>
+              <a:ext uri="{FF2B5EF4-FFF2-40B4-BE49-F238E27FC236}">
+                <a16:creationId xmlns:a16="http://schemas.microsoft.com/office/drawing/2014/main" id="{59D331FE-43E1-9043-F68F-5545DA36F3D6}"/>
+              </a:ext>
+            </a:extLst>
+          </p:cNvPr>
+          <p:cNvCxnSpPr>
+            <a:cxnSpLocks/>
+            <a:stCxn id="11" idx="3"/>
+            <a:endCxn id="16" idx="1"/>
+          </p:cNvCxnSpPr>
+          <p:nvPr/>
+        </p:nvCxnSpPr>
+        <p:spPr>
+          <a:xfrm>
+            <a:off x="8617297" y="1921260"/>
+            <a:ext cx="1838267" cy="405091"/>
+          </a:xfrm>
+          <a:prstGeom prst="curvedConnector3">
+            <a:avLst/>
+          </a:prstGeom>
+          <a:ln>
+            <a:tailEnd type="triangle"/>
+          </a:ln>
+        </p:spPr>
+        <p:style>
+          <a:lnRef idx="2">
+            <a:schemeClr val="dk1"/>
+          </a:lnRef>
+          <a:fillRef idx="0">
+            <a:schemeClr val="dk1"/>
+          </a:fillRef>
+          <a:effectRef idx="1">
+            <a:schemeClr val="dk1"/>
+          </a:effectRef>
+          <a:fontRef idx="minor">
+            <a:schemeClr val="tx1"/>
+          </a:fontRef>
+        </p:style>
+      </p:cxnSp>
+      <p:sp>
+        <p:nvSpPr>
+          <p:cNvPr id="16" name="직사각형 15">
+            <a:extLst>
+              <a:ext uri="{FF2B5EF4-FFF2-40B4-BE49-F238E27FC236}">
+                <a16:creationId xmlns:a16="http://schemas.microsoft.com/office/drawing/2014/main" id="{6DE6555A-07CC-AD5C-EB5B-357AFEEFA67B}"/>
+              </a:ext>
+            </a:extLst>
+          </p:cNvPr>
+          <p:cNvSpPr/>
+          <p:nvPr/>
+        </p:nvSpPr>
+        <p:spPr>
+          <a:xfrm>
+            <a:off x="10455564" y="2089097"/>
+            <a:ext cx="914400" cy="474508"/>
+          </a:xfrm>
+          <a:prstGeom prst="rect">
+            <a:avLst/>
+          </a:prstGeom>
+          <a:solidFill>
+            <a:srgbClr val="FFFF00"/>
+          </a:solidFill>
+        </p:spPr>
+        <p:style>
+          <a:lnRef idx="2">
+            <a:schemeClr val="accent1">
+              <a:shade val="15000"/>
+            </a:schemeClr>
+          </a:lnRef>
+          <a:fillRef idx="1">
+            <a:schemeClr val="accent1"/>
+          </a:fillRef>
+          <a:effectRef idx="0">
+            <a:schemeClr val="accent1"/>
+          </a:effectRef>
+          <a:fontRef idx="minor">
+            <a:schemeClr val="lt1"/>
+          </a:fontRef>
+        </p:style>
+        <p:txBody>
+          <a:bodyPr rtlCol="0" anchor="ctr"/>
+          <a:lstStyle/>
+          <a:p>
+            <a:pPr algn="ctr"/>
+            <a:r>
+              <a:rPr kumimoji="1" lang="en-US" altLang="ko-KR" sz="1600" dirty="0">
+                <a:solidFill>
+                  <a:schemeClr val="tx1"/>
+                </a:solidFill>
+                <a:latin typeface="Cascadia Code" pitchFamily="49" charset="0"/>
+                <a:cs typeface="Cascadia Code" pitchFamily="49" charset="0"/>
+              </a:rPr>
+              <a:t>2</a:t>
+            </a:r>
+            <a:endParaRPr kumimoji="1" lang="ko-KR" altLang="en-US" sz="1600" dirty="0">
+              <a:solidFill>
+                <a:schemeClr val="tx1"/>
+              </a:solidFill>
+              <a:latin typeface="Cascadia Code" pitchFamily="49" charset="0"/>
+              <a:cs typeface="Cascadia Code" pitchFamily="49" charset="0"/>
+            </a:endParaRPr>
+          </a:p>
+        </p:txBody>
+      </p:sp>
+      <p:sp>
+        <p:nvSpPr>
+          <p:cNvPr id="19" name="직사각형 18">
+            <a:extLst>
+              <a:ext uri="{FF2B5EF4-FFF2-40B4-BE49-F238E27FC236}">
+                <a16:creationId xmlns:a16="http://schemas.microsoft.com/office/drawing/2014/main" id="{D74DB03D-1942-00CB-7788-599AF7A7D8F3}"/>
+              </a:ext>
+            </a:extLst>
+          </p:cNvPr>
+          <p:cNvSpPr/>
+          <p:nvPr/>
+        </p:nvSpPr>
+        <p:spPr>
+          <a:xfrm>
+            <a:off x="7497157" y="2867396"/>
+            <a:ext cx="1120140" cy="610463"/>
+          </a:xfrm>
+          <a:prstGeom prst="rect">
+            <a:avLst/>
+          </a:prstGeom>
+          <a:solidFill>
+            <a:srgbClr val="FFFF00"/>
+          </a:solidFill>
+        </p:spPr>
+        <p:style>
+          <a:lnRef idx="2">
+            <a:schemeClr val="accent1">
+              <a:shade val="15000"/>
+            </a:schemeClr>
+          </a:lnRef>
+          <a:fillRef idx="1">
+            <a:schemeClr val="accent1"/>
+          </a:fillRef>
+          <a:effectRef idx="0">
+            <a:schemeClr val="accent1"/>
+          </a:effectRef>
+          <a:fontRef idx="minor">
+            <a:schemeClr val="lt1"/>
+          </a:fontRef>
+        </p:style>
+        <p:txBody>
+          <a:bodyPr rtlCol="0" anchor="ctr"/>
+          <a:lstStyle/>
+          <a:p>
+            <a:pPr algn="ctr"/>
+            <a:r>
+              <a:rPr kumimoji="1" lang="en-US" altLang="ko-KR" sz="1600" dirty="0">
+                <a:solidFill>
+                  <a:schemeClr val="tx1"/>
+                </a:solidFill>
+                <a:latin typeface="Cascadia Code" pitchFamily="49" charset="0"/>
+                <a:cs typeface="Cascadia Code" pitchFamily="49" charset="0"/>
+              </a:rPr>
+              <a:t>0x100</a:t>
+            </a:r>
+            <a:endParaRPr kumimoji="1" lang="ko-KR" altLang="en-US" sz="1600" dirty="0">
+              <a:solidFill>
+                <a:schemeClr val="tx1"/>
+              </a:solidFill>
+              <a:latin typeface="Cascadia Code" pitchFamily="49" charset="0"/>
+              <a:cs typeface="Cascadia Code" pitchFamily="49" charset="0"/>
+            </a:endParaRPr>
+          </a:p>
+        </p:txBody>
+      </p:sp>
+      <p:sp>
+        <p:nvSpPr>
+          <p:cNvPr id="20" name="TextBox 19">
+            <a:extLst>
+              <a:ext uri="{FF2B5EF4-FFF2-40B4-BE49-F238E27FC236}">
+                <a16:creationId xmlns:a16="http://schemas.microsoft.com/office/drawing/2014/main" id="{99EBA079-7CAC-E527-D493-836D28B65874}"/>
+              </a:ext>
+            </a:extLst>
+          </p:cNvPr>
+          <p:cNvSpPr txBox="1"/>
+          <p:nvPr/>
+        </p:nvSpPr>
+        <p:spPr>
+          <a:xfrm>
+            <a:off x="6788729" y="3003350"/>
+            <a:ext cx="677948" cy="338554"/>
+          </a:xfrm>
+          <a:prstGeom prst="rect">
+            <a:avLst/>
+          </a:prstGeom>
+          <a:noFill/>
+        </p:spPr>
+        <p:txBody>
+          <a:bodyPr wrap="square" rtlCol="0">
+            <a:spAutoFit/>
+          </a:bodyPr>
+          <a:lstStyle/>
+          <a:p>
+            <a:pPr algn="ctr"/>
+            <a:r>
+              <a:rPr kumimoji="1" lang="en-US" altLang="ko-KR" sz="1600" dirty="0">
+                <a:latin typeface="Cascadia Code" pitchFamily="49" charset="0"/>
+                <a:ea typeface="Cascadia Code" pitchFamily="49" charset="0"/>
+                <a:cs typeface="Cascadia Code" pitchFamily="49" charset="0"/>
+              </a:rPr>
+              <a:t>name</a:t>
+            </a:r>
+            <a:endParaRPr kumimoji="1" lang="ko-KR" altLang="en-US" sz="1600" dirty="0">
+              <a:latin typeface="Cascadia Code" pitchFamily="49" charset="0"/>
+              <a:ea typeface="Cascadia Code" pitchFamily="49" charset="0"/>
+              <a:cs typeface="Cascadia Code" pitchFamily="49" charset="0"/>
+            </a:endParaRPr>
+          </a:p>
+        </p:txBody>
+      </p:sp>
+      <p:sp>
+        <p:nvSpPr>
+          <p:cNvPr id="21" name="직사각형 20">
+            <a:extLst>
+              <a:ext uri="{FF2B5EF4-FFF2-40B4-BE49-F238E27FC236}">
+                <a16:creationId xmlns:a16="http://schemas.microsoft.com/office/drawing/2014/main" id="{650CC05E-ACBC-7F5E-AF4F-05E7DAB6F011}"/>
+              </a:ext>
+            </a:extLst>
+          </p:cNvPr>
+          <p:cNvSpPr/>
+          <p:nvPr/>
+        </p:nvSpPr>
+        <p:spPr>
+          <a:xfrm>
+            <a:off x="7497157" y="3477859"/>
+            <a:ext cx="1120140" cy="610463"/>
+          </a:xfrm>
+          <a:prstGeom prst="rect">
+            <a:avLst/>
+          </a:prstGeom>
+          <a:solidFill>
+            <a:srgbClr val="FFFF00"/>
+          </a:solidFill>
+        </p:spPr>
+        <p:style>
+          <a:lnRef idx="2">
+            <a:schemeClr val="accent1">
+              <a:shade val="15000"/>
+            </a:schemeClr>
+          </a:lnRef>
+          <a:fillRef idx="1">
+            <a:schemeClr val="accent1"/>
+          </a:fillRef>
+          <a:effectRef idx="0">
+            <a:schemeClr val="accent1"/>
+          </a:effectRef>
+          <a:fontRef idx="minor">
+            <a:schemeClr val="lt1"/>
+          </a:fontRef>
+        </p:style>
+        <p:txBody>
+          <a:bodyPr rtlCol="0" anchor="ctr"/>
+          <a:lstStyle/>
+          <a:p>
+            <a:pPr algn="ctr"/>
+            <a:r>
+              <a:rPr kumimoji="1" lang="en-US" altLang="ko-KR" sz="1600" dirty="0">
+                <a:solidFill>
+                  <a:schemeClr val="tx1"/>
+                </a:solidFill>
+                <a:latin typeface="Cascadia Code" pitchFamily="49" charset="0"/>
+                <a:cs typeface="Cascadia Code" pitchFamily="49" charset="0"/>
+              </a:rPr>
+              <a:t>42</a:t>
+            </a:r>
+            <a:endParaRPr kumimoji="1" lang="ko-KR" altLang="en-US" sz="1600" dirty="0">
+              <a:solidFill>
+                <a:schemeClr val="tx1"/>
+              </a:solidFill>
+              <a:latin typeface="Cascadia Code" pitchFamily="49" charset="0"/>
+              <a:cs typeface="Cascadia Code" pitchFamily="49" charset="0"/>
+            </a:endParaRPr>
+          </a:p>
+        </p:txBody>
+      </p:sp>
+      <p:sp>
+        <p:nvSpPr>
+          <p:cNvPr id="22" name="TextBox 21">
+            <a:extLst>
+              <a:ext uri="{FF2B5EF4-FFF2-40B4-BE49-F238E27FC236}">
+                <a16:creationId xmlns:a16="http://schemas.microsoft.com/office/drawing/2014/main" id="{4BCB6372-5EA1-C522-ECEA-CDE92F08B367}"/>
+              </a:ext>
+            </a:extLst>
+          </p:cNvPr>
+          <p:cNvSpPr txBox="1"/>
+          <p:nvPr/>
+        </p:nvSpPr>
+        <p:spPr>
+          <a:xfrm>
+            <a:off x="6908802" y="3613813"/>
+            <a:ext cx="557875" cy="338554"/>
+          </a:xfrm>
+          <a:prstGeom prst="rect">
+            <a:avLst/>
+          </a:prstGeom>
+          <a:noFill/>
+        </p:spPr>
+        <p:txBody>
+          <a:bodyPr wrap="square" rtlCol="0">
+            <a:spAutoFit/>
+          </a:bodyPr>
+          <a:lstStyle/>
+          <a:p>
+            <a:pPr algn="ctr"/>
+            <a:r>
+              <a:rPr kumimoji="1" lang="en-US" altLang="ko-KR" sz="1600" dirty="0">
+                <a:latin typeface="Cascadia Code" pitchFamily="49" charset="0"/>
+                <a:ea typeface="Cascadia Code" pitchFamily="49" charset="0"/>
+                <a:cs typeface="Cascadia Code" pitchFamily="49" charset="0"/>
+              </a:rPr>
+              <a:t>age</a:t>
+            </a:r>
+            <a:endParaRPr kumimoji="1" lang="ko-KR" altLang="en-US" sz="1600" dirty="0">
+              <a:latin typeface="Cascadia Code" pitchFamily="49" charset="0"/>
+              <a:ea typeface="Cascadia Code" pitchFamily="49" charset="0"/>
+              <a:cs typeface="Cascadia Code" pitchFamily="49" charset="0"/>
+            </a:endParaRPr>
+          </a:p>
+        </p:txBody>
+      </p:sp>
+      <p:sp>
+        <p:nvSpPr>
+          <p:cNvPr id="23" name="TextBox 22">
+            <a:extLst>
+              <a:ext uri="{FF2B5EF4-FFF2-40B4-BE49-F238E27FC236}">
+                <a16:creationId xmlns:a16="http://schemas.microsoft.com/office/drawing/2014/main" id="{EC6F1E9F-41C2-2086-ABCA-5166F003D05F}"/>
+              </a:ext>
+            </a:extLst>
+          </p:cNvPr>
+          <p:cNvSpPr txBox="1"/>
+          <p:nvPr/>
+        </p:nvSpPr>
+        <p:spPr>
+          <a:xfrm>
+            <a:off x="7604068" y="2472294"/>
+            <a:ext cx="906317" cy="369332"/>
+          </a:xfrm>
+          <a:prstGeom prst="rect">
+            <a:avLst/>
+          </a:prstGeom>
+          <a:noFill/>
+        </p:spPr>
+        <p:txBody>
+          <a:bodyPr wrap="square">
+            <a:spAutoFit/>
+          </a:bodyPr>
+          <a:lstStyle/>
+          <a:p>
+            <a:pPr algn="ctr"/>
+            <a:r>
+              <a:rPr lang="en-US" altLang="ko-KR" dirty="0">
+                <a:latin typeface="Cascadia Code" pitchFamily="49" charset="0"/>
+                <a:cs typeface="Cascadia Code" pitchFamily="49" charset="0"/>
+              </a:rPr>
+              <a:t>other</a:t>
+            </a:r>
+            <a:endParaRPr lang="ko-KR" altLang="en-US" dirty="0"/>
+          </a:p>
+        </p:txBody>
+      </p:sp>
+      <p:sp>
+        <p:nvSpPr>
+          <p:cNvPr id="24" name="직사각형 23">
+            <a:extLst>
+              <a:ext uri="{FF2B5EF4-FFF2-40B4-BE49-F238E27FC236}">
+                <a16:creationId xmlns:a16="http://schemas.microsoft.com/office/drawing/2014/main" id="{7029018C-544C-1394-ED08-7261B0393A33}"/>
+              </a:ext>
+            </a:extLst>
+          </p:cNvPr>
+          <p:cNvSpPr/>
+          <p:nvPr/>
+        </p:nvSpPr>
+        <p:spPr>
+          <a:xfrm>
+            <a:off x="7497157" y="4088322"/>
+            <a:ext cx="1120140" cy="610463"/>
+          </a:xfrm>
+          <a:prstGeom prst="rect">
+            <a:avLst/>
+          </a:prstGeom>
+          <a:solidFill>
+            <a:srgbClr val="FFFF00"/>
+          </a:solidFill>
+        </p:spPr>
+        <p:style>
+          <a:lnRef idx="2">
+            <a:schemeClr val="accent1">
+              <a:shade val="15000"/>
+            </a:schemeClr>
+          </a:lnRef>
+          <a:fillRef idx="1">
+            <a:schemeClr val="accent1"/>
+          </a:fillRef>
+          <a:effectRef idx="0">
+            <a:schemeClr val="accent1"/>
+          </a:effectRef>
+          <a:fontRef idx="minor">
+            <a:schemeClr val="lt1"/>
+          </a:fontRef>
+        </p:style>
+        <p:txBody>
+          <a:bodyPr rtlCol="0" anchor="ctr"/>
+          <a:lstStyle/>
+          <a:p>
+            <a:pPr algn="ctr"/>
+            <a:r>
+              <a:rPr kumimoji="1" lang="en-US" altLang="ko-KR" sz="1600" dirty="0">
+                <a:solidFill>
+                  <a:schemeClr val="tx1"/>
+                </a:solidFill>
+                <a:latin typeface="Cascadia Code" pitchFamily="49" charset="0"/>
+                <a:cs typeface="Cascadia Code" pitchFamily="49" charset="0"/>
+              </a:rPr>
+              <a:t>0x200</a:t>
+            </a:r>
+            <a:endParaRPr kumimoji="1" lang="ko-KR" altLang="en-US" sz="1600" dirty="0">
+              <a:solidFill>
+                <a:schemeClr val="tx1"/>
+              </a:solidFill>
+              <a:latin typeface="Cascadia Code" pitchFamily="49" charset="0"/>
+              <a:cs typeface="Cascadia Code" pitchFamily="49" charset="0"/>
+            </a:endParaRPr>
+          </a:p>
+        </p:txBody>
+      </p:sp>
+      <p:sp>
+        <p:nvSpPr>
+          <p:cNvPr id="25" name="TextBox 24">
+            <a:extLst>
+              <a:ext uri="{FF2B5EF4-FFF2-40B4-BE49-F238E27FC236}">
+                <a16:creationId xmlns:a16="http://schemas.microsoft.com/office/drawing/2014/main" id="{965E55F5-0E31-6CD6-AFC2-0B1810BD8131}"/>
+              </a:ext>
+            </a:extLst>
+          </p:cNvPr>
+          <p:cNvSpPr txBox="1"/>
+          <p:nvPr/>
+        </p:nvSpPr>
+        <p:spPr>
+          <a:xfrm>
+            <a:off x="6908802" y="4201555"/>
+            <a:ext cx="557875" cy="338554"/>
+          </a:xfrm>
+          <a:prstGeom prst="rect">
+            <a:avLst/>
+          </a:prstGeom>
+          <a:noFill/>
+        </p:spPr>
+        <p:txBody>
+          <a:bodyPr wrap="square" rtlCol="0">
+            <a:spAutoFit/>
+          </a:bodyPr>
+          <a:lstStyle/>
+          <a:p>
+            <a:pPr algn="ctr"/>
+            <a:r>
+              <a:rPr kumimoji="1" lang="en-US" altLang="ko-KR" sz="1600" dirty="0">
+                <a:latin typeface="Cascadia Code" pitchFamily="49" charset="0"/>
+                <a:ea typeface="Cascadia Code" pitchFamily="49" charset="0"/>
+                <a:cs typeface="Cascadia Code" pitchFamily="49" charset="0"/>
+              </a:rPr>
+              <a:t>ref</a:t>
+            </a:r>
+            <a:endParaRPr kumimoji="1" lang="ko-KR" altLang="en-US" sz="1600" dirty="0">
+              <a:latin typeface="Cascadia Code" pitchFamily="49" charset="0"/>
+              <a:ea typeface="Cascadia Code" pitchFamily="49" charset="0"/>
+              <a:cs typeface="Cascadia Code" pitchFamily="49" charset="0"/>
+            </a:endParaRPr>
+          </a:p>
+        </p:txBody>
+      </p:sp>
+      <p:cxnSp>
+        <p:nvCxnSpPr>
+          <p:cNvPr id="26" name="구부러진 연결선[U] 25">
+            <a:extLst>
+              <a:ext uri="{FF2B5EF4-FFF2-40B4-BE49-F238E27FC236}">
+                <a16:creationId xmlns:a16="http://schemas.microsoft.com/office/drawing/2014/main" id="{ABA15F2E-2946-02EE-18CD-5D1A4A26046A}"/>
+              </a:ext>
+            </a:extLst>
+          </p:cNvPr>
+          <p:cNvCxnSpPr>
+            <a:cxnSpLocks/>
+            <a:stCxn id="19" idx="3"/>
+            <a:endCxn id="9" idx="1"/>
+          </p:cNvCxnSpPr>
+          <p:nvPr/>
+        </p:nvCxnSpPr>
+        <p:spPr>
+          <a:xfrm flipV="1">
+            <a:off x="8617297" y="1242820"/>
+            <a:ext cx="1357975" cy="1929808"/>
+          </a:xfrm>
+          <a:prstGeom prst="curvedConnector3">
+            <a:avLst>
+              <a:gd name="adj1" fmla="val 50000"/>
+            </a:avLst>
+          </a:prstGeom>
+          <a:ln>
+            <a:tailEnd type="triangle"/>
+          </a:ln>
+        </p:spPr>
+        <p:style>
+          <a:lnRef idx="2">
+            <a:schemeClr val="dk1"/>
+          </a:lnRef>
+          <a:fillRef idx="0">
+            <a:schemeClr val="dk1"/>
+          </a:fillRef>
+          <a:effectRef idx="1">
+            <a:schemeClr val="dk1"/>
+          </a:effectRef>
+          <a:fontRef idx="minor">
+            <a:schemeClr val="tx1"/>
+          </a:fontRef>
+        </p:style>
+      </p:cxnSp>
+      <p:cxnSp>
+        <p:nvCxnSpPr>
+          <p:cNvPr id="29" name="구부러진 연결선[U] 28">
+            <a:extLst>
+              <a:ext uri="{FF2B5EF4-FFF2-40B4-BE49-F238E27FC236}">
+                <a16:creationId xmlns:a16="http://schemas.microsoft.com/office/drawing/2014/main" id="{776F9D30-CC25-4D85-ABB8-870395FAAA39}"/>
+              </a:ext>
+            </a:extLst>
+          </p:cNvPr>
+          <p:cNvCxnSpPr>
+            <a:cxnSpLocks/>
+            <a:stCxn id="24" idx="3"/>
+            <a:endCxn id="16" idx="1"/>
+          </p:cNvCxnSpPr>
+          <p:nvPr/>
+        </p:nvCxnSpPr>
+        <p:spPr>
+          <a:xfrm flipV="1">
+            <a:off x="8617297" y="2326351"/>
+            <a:ext cx="1838267" cy="2067203"/>
+          </a:xfrm>
+          <a:prstGeom prst="curvedConnector3">
+            <a:avLst>
+              <a:gd name="adj1" fmla="val 50000"/>
+            </a:avLst>
+          </a:prstGeom>
+          <a:ln>
+            <a:tailEnd type="triangle"/>
+          </a:ln>
+        </p:spPr>
+        <p:style>
+          <a:lnRef idx="2">
+            <a:schemeClr val="dk1"/>
+          </a:lnRef>
+          <a:fillRef idx="0">
+            <a:schemeClr val="dk1"/>
+          </a:fillRef>
+          <a:effectRef idx="1">
+            <a:schemeClr val="dk1"/>
+          </a:effectRef>
+          <a:fontRef idx="minor">
+            <a:schemeClr val="tx1"/>
+          </a:fontRef>
+        </p:style>
+      </p:cxnSp>
+      <p:sp>
+        <p:nvSpPr>
+          <p:cNvPr id="2" name="직사각형 1">
+            <a:extLst>
+              <a:ext uri="{FF2B5EF4-FFF2-40B4-BE49-F238E27FC236}">
+                <a16:creationId xmlns:a16="http://schemas.microsoft.com/office/drawing/2014/main" id="{EA6A56CD-F194-F668-795B-6701FCA2CF59}"/>
+              </a:ext>
+            </a:extLst>
+          </p:cNvPr>
+          <p:cNvSpPr/>
+          <p:nvPr/>
+        </p:nvSpPr>
+        <p:spPr>
+          <a:xfrm>
+            <a:off x="7491615" y="5220013"/>
+            <a:ext cx="1120140" cy="610463"/>
+          </a:xfrm>
+          <a:prstGeom prst="rect">
+            <a:avLst/>
+          </a:prstGeom>
+          <a:solidFill>
+            <a:srgbClr val="FFFF00"/>
+          </a:solidFill>
+          <a:ln>
+            <a:solidFill>
+              <a:srgbClr val="FF0000"/>
+            </a:solidFill>
+          </a:ln>
+        </p:spPr>
+        <p:style>
+          <a:lnRef idx="2">
+            <a:schemeClr val="accent1">
+              <a:shade val="15000"/>
+            </a:schemeClr>
+          </a:lnRef>
+          <a:fillRef idx="1">
+            <a:schemeClr val="accent1"/>
+          </a:fillRef>
+          <a:effectRef idx="0">
+            <a:schemeClr val="accent1"/>
+          </a:effectRef>
+          <a:fontRef idx="minor">
+            <a:schemeClr val="lt1"/>
+          </a:fontRef>
+        </p:style>
+        <p:txBody>
+          <a:bodyPr rtlCol="0" anchor="ctr"/>
+          <a:lstStyle/>
+          <a:p>
+            <a:pPr algn="ctr"/>
+            <a:r>
+              <a:rPr kumimoji="1" lang="en-US" altLang="ko-KR" sz="1600" dirty="0">
+                <a:solidFill>
+                  <a:schemeClr val="tx1"/>
+                </a:solidFill>
+                <a:latin typeface="Cascadia Code" pitchFamily="49" charset="0"/>
+                <a:cs typeface="Cascadia Code" pitchFamily="49" charset="0"/>
+              </a:rPr>
+              <a:t>0x100</a:t>
+            </a:r>
+            <a:endParaRPr kumimoji="1" lang="ko-KR" altLang="en-US" sz="1600" dirty="0">
+              <a:solidFill>
+                <a:schemeClr val="tx1"/>
+              </a:solidFill>
+              <a:latin typeface="Cascadia Code" pitchFamily="49" charset="0"/>
+              <a:cs typeface="Cascadia Code" pitchFamily="49" charset="0"/>
+            </a:endParaRPr>
+          </a:p>
+        </p:txBody>
+      </p:sp>
+      <p:sp>
+        <p:nvSpPr>
+          <p:cNvPr id="3" name="TextBox 2">
+            <a:extLst>
+              <a:ext uri="{FF2B5EF4-FFF2-40B4-BE49-F238E27FC236}">
+                <a16:creationId xmlns:a16="http://schemas.microsoft.com/office/drawing/2014/main" id="{FBF6100F-907E-799D-D086-28EA30116073}"/>
+              </a:ext>
+            </a:extLst>
+          </p:cNvPr>
+          <p:cNvSpPr txBox="1"/>
+          <p:nvPr/>
+        </p:nvSpPr>
+        <p:spPr>
+          <a:xfrm>
+            <a:off x="6783187" y="5355967"/>
+            <a:ext cx="677948" cy="338554"/>
+          </a:xfrm>
+          <a:prstGeom prst="rect">
+            <a:avLst/>
+          </a:prstGeom>
+          <a:noFill/>
+        </p:spPr>
+        <p:txBody>
+          <a:bodyPr wrap="square" rtlCol="0">
+            <a:spAutoFit/>
+          </a:bodyPr>
+          <a:lstStyle/>
+          <a:p>
+            <a:pPr algn="ctr"/>
+            <a:r>
+              <a:rPr kumimoji="1" lang="en-US" altLang="ko-KR" sz="1600" dirty="0">
+                <a:latin typeface="Cascadia Code" pitchFamily="49" charset="0"/>
+                <a:ea typeface="Cascadia Code" pitchFamily="49" charset="0"/>
+                <a:cs typeface="Cascadia Code" pitchFamily="49" charset="0"/>
+              </a:rPr>
+              <a:t>name</a:t>
+            </a:r>
+            <a:endParaRPr kumimoji="1" lang="ko-KR" altLang="en-US" sz="1600" dirty="0">
+              <a:latin typeface="Cascadia Code" pitchFamily="49" charset="0"/>
+              <a:ea typeface="Cascadia Code" pitchFamily="49" charset="0"/>
+              <a:cs typeface="Cascadia Code" pitchFamily="49" charset="0"/>
+            </a:endParaRPr>
+          </a:p>
+        </p:txBody>
+      </p:sp>
+      <p:sp>
+        <p:nvSpPr>
+          <p:cNvPr id="14" name="직사각형 13">
+            <a:extLst>
+              <a:ext uri="{FF2B5EF4-FFF2-40B4-BE49-F238E27FC236}">
+                <a16:creationId xmlns:a16="http://schemas.microsoft.com/office/drawing/2014/main" id="{B7733978-F857-8141-67DC-25AAF4FC1987}"/>
+              </a:ext>
+            </a:extLst>
+          </p:cNvPr>
+          <p:cNvSpPr/>
+          <p:nvPr/>
+        </p:nvSpPr>
+        <p:spPr>
+          <a:xfrm>
+            <a:off x="7491615" y="5830476"/>
+            <a:ext cx="1120140" cy="610463"/>
+          </a:xfrm>
+          <a:prstGeom prst="rect">
+            <a:avLst/>
+          </a:prstGeom>
+          <a:solidFill>
+            <a:srgbClr val="FFFF00"/>
+          </a:solidFill>
+          <a:ln>
+            <a:solidFill>
+              <a:srgbClr val="FF0000"/>
+            </a:solidFill>
+          </a:ln>
+        </p:spPr>
+        <p:style>
+          <a:lnRef idx="2">
+            <a:schemeClr val="accent1">
+              <a:shade val="15000"/>
+            </a:schemeClr>
+          </a:lnRef>
+          <a:fillRef idx="1">
+            <a:schemeClr val="accent1"/>
+          </a:fillRef>
+          <a:effectRef idx="0">
+            <a:schemeClr val="accent1"/>
+          </a:effectRef>
+          <a:fontRef idx="minor">
+            <a:schemeClr val="lt1"/>
+          </a:fontRef>
+        </p:style>
+        <p:txBody>
+          <a:bodyPr rtlCol="0" anchor="ctr"/>
+          <a:lstStyle/>
+          <a:p>
+            <a:pPr algn="ctr"/>
+            <a:r>
+              <a:rPr kumimoji="1" lang="en-US" altLang="ko-KR" sz="1600" dirty="0">
+                <a:solidFill>
+                  <a:schemeClr val="tx1"/>
+                </a:solidFill>
+                <a:latin typeface="Cascadia Code" pitchFamily="49" charset="0"/>
+                <a:cs typeface="Cascadia Code" pitchFamily="49" charset="0"/>
+              </a:rPr>
+              <a:t>42</a:t>
+            </a:r>
+            <a:endParaRPr kumimoji="1" lang="ko-KR" altLang="en-US" sz="1600" dirty="0">
+              <a:solidFill>
+                <a:schemeClr val="tx1"/>
+              </a:solidFill>
+              <a:latin typeface="Cascadia Code" pitchFamily="49" charset="0"/>
+              <a:cs typeface="Cascadia Code" pitchFamily="49" charset="0"/>
+            </a:endParaRPr>
+          </a:p>
+        </p:txBody>
+      </p:sp>
+      <p:sp>
+        <p:nvSpPr>
+          <p:cNvPr id="15" name="TextBox 14">
+            <a:extLst>
+              <a:ext uri="{FF2B5EF4-FFF2-40B4-BE49-F238E27FC236}">
+                <a16:creationId xmlns:a16="http://schemas.microsoft.com/office/drawing/2014/main" id="{7621F2AC-9736-B9DC-F3BF-4F019F63BBBC}"/>
+              </a:ext>
+            </a:extLst>
+          </p:cNvPr>
+          <p:cNvSpPr txBox="1"/>
+          <p:nvPr/>
+        </p:nvSpPr>
+        <p:spPr>
+          <a:xfrm>
+            <a:off x="6903260" y="5966430"/>
+            <a:ext cx="557875" cy="338554"/>
+          </a:xfrm>
+          <a:prstGeom prst="rect">
+            <a:avLst/>
+          </a:prstGeom>
+          <a:noFill/>
+        </p:spPr>
+        <p:txBody>
+          <a:bodyPr wrap="square" rtlCol="0">
+            <a:spAutoFit/>
+          </a:bodyPr>
+          <a:lstStyle/>
+          <a:p>
+            <a:pPr algn="ctr"/>
+            <a:r>
+              <a:rPr kumimoji="1" lang="en-US" altLang="ko-KR" sz="1600" dirty="0">
+                <a:latin typeface="Cascadia Code" pitchFamily="49" charset="0"/>
+                <a:ea typeface="Cascadia Code" pitchFamily="49" charset="0"/>
+                <a:cs typeface="Cascadia Code" pitchFamily="49" charset="0"/>
+              </a:rPr>
+              <a:t>age</a:t>
+            </a:r>
+            <a:endParaRPr kumimoji="1" lang="ko-KR" altLang="en-US" sz="1600" dirty="0">
+              <a:latin typeface="Cascadia Code" pitchFamily="49" charset="0"/>
+              <a:ea typeface="Cascadia Code" pitchFamily="49" charset="0"/>
+              <a:cs typeface="Cascadia Code" pitchFamily="49" charset="0"/>
+            </a:endParaRPr>
+          </a:p>
+        </p:txBody>
+      </p:sp>
+      <p:sp>
+        <p:nvSpPr>
+          <p:cNvPr id="17" name="TextBox 16">
+            <a:extLst>
+              <a:ext uri="{FF2B5EF4-FFF2-40B4-BE49-F238E27FC236}">
+                <a16:creationId xmlns:a16="http://schemas.microsoft.com/office/drawing/2014/main" id="{54C00AEE-B074-8FB2-7ED8-DD4EEC077752}"/>
+              </a:ext>
+            </a:extLst>
+          </p:cNvPr>
+          <p:cNvSpPr txBox="1"/>
+          <p:nvPr/>
+        </p:nvSpPr>
+        <p:spPr>
+          <a:xfrm>
+            <a:off x="7491616" y="4824911"/>
+            <a:ext cx="1013228" cy="369332"/>
+          </a:xfrm>
+          <a:prstGeom prst="rect">
+            <a:avLst/>
+          </a:prstGeom>
+          <a:noFill/>
+        </p:spPr>
+        <p:txBody>
+          <a:bodyPr wrap="square">
+            <a:spAutoFit/>
+          </a:bodyPr>
+          <a:lstStyle/>
+          <a:p>
+            <a:pPr algn="ctr"/>
+            <a:r>
+              <a:rPr lang="en-US" altLang="ko-KR" dirty="0">
+                <a:latin typeface="Cascadia Code" pitchFamily="49" charset="0"/>
+                <a:cs typeface="Cascadia Code" pitchFamily="49" charset="0"/>
+              </a:rPr>
+              <a:t>other2</a:t>
+            </a:r>
+            <a:endParaRPr lang="ko-KR" altLang="en-US" dirty="0"/>
+          </a:p>
+        </p:txBody>
+      </p:sp>
+      <p:sp>
+        <p:nvSpPr>
+          <p:cNvPr id="18" name="직사각형 17">
+            <a:extLst>
+              <a:ext uri="{FF2B5EF4-FFF2-40B4-BE49-F238E27FC236}">
+                <a16:creationId xmlns:a16="http://schemas.microsoft.com/office/drawing/2014/main" id="{62BF5C27-A14B-9762-7238-4B63406728E4}"/>
+              </a:ext>
+            </a:extLst>
+          </p:cNvPr>
+          <p:cNvSpPr/>
+          <p:nvPr/>
+        </p:nvSpPr>
+        <p:spPr>
+          <a:xfrm>
+            <a:off x="7491615" y="6440939"/>
+            <a:ext cx="1120140" cy="610463"/>
+          </a:xfrm>
+          <a:prstGeom prst="rect">
+            <a:avLst/>
+          </a:prstGeom>
+          <a:solidFill>
+            <a:srgbClr val="FFFF00"/>
+          </a:solidFill>
+          <a:ln>
+            <a:solidFill>
+              <a:srgbClr val="FF0000"/>
+            </a:solidFill>
+          </a:ln>
+        </p:spPr>
+        <p:style>
+          <a:lnRef idx="2">
+            <a:schemeClr val="accent1">
+              <a:shade val="15000"/>
+            </a:schemeClr>
+          </a:lnRef>
+          <a:fillRef idx="1">
+            <a:schemeClr val="accent1"/>
+          </a:fillRef>
+          <a:effectRef idx="0">
+            <a:schemeClr val="accent1"/>
+          </a:effectRef>
+          <a:fontRef idx="minor">
+            <a:schemeClr val="lt1"/>
+          </a:fontRef>
+        </p:style>
+        <p:txBody>
+          <a:bodyPr rtlCol="0" anchor="ctr"/>
+          <a:lstStyle/>
+          <a:p>
+            <a:pPr algn="ctr"/>
+            <a:r>
+              <a:rPr kumimoji="1" lang="en-US" altLang="ko-KR" sz="1600" dirty="0">
+                <a:solidFill>
+                  <a:schemeClr val="tx1"/>
+                </a:solidFill>
+                <a:latin typeface="Cascadia Code" pitchFamily="49" charset="0"/>
+                <a:cs typeface="Cascadia Code" pitchFamily="49" charset="0"/>
+              </a:rPr>
+              <a:t>0x200</a:t>
+            </a:r>
+            <a:endParaRPr kumimoji="1" lang="ko-KR" altLang="en-US" sz="1600" dirty="0">
+              <a:solidFill>
+                <a:schemeClr val="tx1"/>
+              </a:solidFill>
+              <a:latin typeface="Cascadia Code" pitchFamily="49" charset="0"/>
+              <a:cs typeface="Cascadia Code" pitchFamily="49" charset="0"/>
+            </a:endParaRPr>
+          </a:p>
+        </p:txBody>
+      </p:sp>
+      <p:sp>
+        <p:nvSpPr>
+          <p:cNvPr id="27" name="TextBox 26">
+            <a:extLst>
+              <a:ext uri="{FF2B5EF4-FFF2-40B4-BE49-F238E27FC236}">
+                <a16:creationId xmlns:a16="http://schemas.microsoft.com/office/drawing/2014/main" id="{D14FB2A1-C72D-649F-C8C8-EC28D6989642}"/>
+              </a:ext>
+            </a:extLst>
+          </p:cNvPr>
+          <p:cNvSpPr txBox="1"/>
+          <p:nvPr/>
+        </p:nvSpPr>
+        <p:spPr>
+          <a:xfrm>
+            <a:off x="6903260" y="6554172"/>
+            <a:ext cx="557875" cy="338554"/>
+          </a:xfrm>
+          <a:prstGeom prst="rect">
+            <a:avLst/>
+          </a:prstGeom>
+          <a:noFill/>
+        </p:spPr>
+        <p:txBody>
+          <a:bodyPr wrap="square" rtlCol="0">
+            <a:spAutoFit/>
+          </a:bodyPr>
+          <a:lstStyle/>
+          <a:p>
+            <a:pPr algn="ctr"/>
+            <a:r>
+              <a:rPr kumimoji="1" lang="en-US" altLang="ko-KR" sz="1600" dirty="0">
+                <a:latin typeface="Cascadia Code" pitchFamily="49" charset="0"/>
+                <a:ea typeface="Cascadia Code" pitchFamily="49" charset="0"/>
+                <a:cs typeface="Cascadia Code" pitchFamily="49" charset="0"/>
+              </a:rPr>
+              <a:t>ref</a:t>
+            </a:r>
+            <a:endParaRPr kumimoji="1" lang="ko-KR" altLang="en-US" sz="1600" dirty="0">
+              <a:latin typeface="Cascadia Code" pitchFamily="49" charset="0"/>
+              <a:ea typeface="Cascadia Code" pitchFamily="49" charset="0"/>
+              <a:cs typeface="Cascadia Code" pitchFamily="49" charset="0"/>
+            </a:endParaRPr>
+          </a:p>
+        </p:txBody>
+      </p:sp>
+    </p:spTree>
+    <p:extLst>
+      <p:ext uri="{BB962C8B-B14F-4D97-AF65-F5344CB8AC3E}">
+        <p14:creationId xmlns:p14="http://schemas.microsoft.com/office/powerpoint/2010/main" val="3493624452"/>
+      </p:ext>
+    </p:extLst>
+  </p:cSld>
+  <p:clrMapOvr>
+    <a:masterClrMapping/>
+  </p:clrMapOvr>
+</p:sld>
+</file>
+
+<file path=ppt/slides/slide36.xml><?xml version="1.0" encoding="utf-8"?>
+<p:sld xmlns:a="http://schemas.openxmlformats.org/drawingml/2006/main" xmlns:r="http://schemas.openxmlformats.org/officeDocument/2006/relationships" xmlns:p="http://schemas.openxmlformats.org/presentationml/2006/main">
+  <p:cSld>
+    <p:spTree>
+      <p:nvGrpSpPr>
+        <p:cNvPr id="1" name=""/>
+        <p:cNvGrpSpPr/>
+        <p:nvPr/>
+      </p:nvGrpSpPr>
+      <p:grpSpPr>
+        <a:xfrm>
+          <a:off x="0" y="0"/>
+          <a:ext cx="0" cy="0"/>
+          <a:chOff x="0" y="0"/>
+          <a:chExt cx="0" cy="0"/>
+        </a:xfrm>
+      </p:grpSpPr>
+      <p:sp>
+        <p:nvSpPr>
+          <p:cNvPr id="4" name="직사각형 3">
+            <a:extLst>
+              <a:ext uri="{FF2B5EF4-FFF2-40B4-BE49-F238E27FC236}">
+                <a16:creationId xmlns:a16="http://schemas.microsoft.com/office/drawing/2014/main" id="{09B83249-8D75-3115-D1B4-741EC70C1AAC}"/>
+              </a:ext>
+            </a:extLst>
+          </p:cNvPr>
+          <p:cNvSpPr/>
+          <p:nvPr/>
+        </p:nvSpPr>
+        <p:spPr>
+          <a:xfrm>
+            <a:off x="7497157" y="395102"/>
+            <a:ext cx="1120140" cy="610463"/>
+          </a:xfrm>
+          <a:prstGeom prst="rect">
+            <a:avLst/>
+          </a:prstGeom>
+          <a:solidFill>
+            <a:srgbClr val="FFFF00"/>
+          </a:solidFill>
+        </p:spPr>
+        <p:style>
+          <a:lnRef idx="2">
+            <a:schemeClr val="accent1">
+              <a:shade val="15000"/>
+            </a:schemeClr>
+          </a:lnRef>
+          <a:fillRef idx="1">
+            <a:schemeClr val="accent1"/>
+          </a:fillRef>
+          <a:effectRef idx="0">
+            <a:schemeClr val="accent1"/>
+          </a:effectRef>
+          <a:fontRef idx="minor">
+            <a:schemeClr val="lt1"/>
+          </a:fontRef>
+        </p:style>
+        <p:txBody>
+          <a:bodyPr rtlCol="0" anchor="ctr"/>
+          <a:lstStyle/>
+          <a:p>
+            <a:pPr algn="ctr"/>
+            <a:r>
+              <a:rPr kumimoji="1" lang="en-US" altLang="ko-KR" sz="1600" dirty="0">
+                <a:solidFill>
+                  <a:schemeClr val="tx1"/>
+                </a:solidFill>
+                <a:latin typeface="Cascadia Code" pitchFamily="49" charset="0"/>
+                <a:cs typeface="Cascadia Code" pitchFamily="49" charset="0"/>
+              </a:rPr>
+              <a:t>0x100</a:t>
+            </a:r>
+            <a:endParaRPr kumimoji="1" lang="ko-KR" altLang="en-US" sz="1600" dirty="0">
+              <a:solidFill>
+                <a:schemeClr val="tx1"/>
+              </a:solidFill>
+              <a:latin typeface="Cascadia Code" pitchFamily="49" charset="0"/>
+              <a:cs typeface="Cascadia Code" pitchFamily="49" charset="0"/>
+            </a:endParaRPr>
+          </a:p>
+        </p:txBody>
+      </p:sp>
+      <p:sp>
+        <p:nvSpPr>
+          <p:cNvPr id="5" name="TextBox 4">
+            <a:extLst>
+              <a:ext uri="{FF2B5EF4-FFF2-40B4-BE49-F238E27FC236}">
+                <a16:creationId xmlns:a16="http://schemas.microsoft.com/office/drawing/2014/main" id="{3562ACEB-1C44-671F-A12B-D7C483C4292F}"/>
+              </a:ext>
+            </a:extLst>
+          </p:cNvPr>
+          <p:cNvSpPr txBox="1"/>
+          <p:nvPr/>
+        </p:nvSpPr>
+        <p:spPr>
+          <a:xfrm>
+            <a:off x="6788729" y="531056"/>
+            <a:ext cx="677948" cy="338554"/>
+          </a:xfrm>
+          <a:prstGeom prst="rect">
+            <a:avLst/>
+          </a:prstGeom>
+          <a:noFill/>
+        </p:spPr>
+        <p:txBody>
+          <a:bodyPr wrap="square" rtlCol="0">
+            <a:spAutoFit/>
+          </a:bodyPr>
+          <a:lstStyle/>
+          <a:p>
+            <a:pPr algn="ctr"/>
+            <a:r>
+              <a:rPr kumimoji="1" lang="en-US" altLang="ko-KR" sz="1600" dirty="0">
+                <a:latin typeface="Cascadia Code" pitchFamily="49" charset="0"/>
+                <a:ea typeface="Cascadia Code" pitchFamily="49" charset="0"/>
+                <a:cs typeface="Cascadia Code" pitchFamily="49" charset="0"/>
+              </a:rPr>
+              <a:t>name</a:t>
+            </a:r>
+            <a:endParaRPr kumimoji="1" lang="ko-KR" altLang="en-US" sz="1600" dirty="0">
+              <a:latin typeface="Cascadia Code" pitchFamily="49" charset="0"/>
+              <a:ea typeface="Cascadia Code" pitchFamily="49" charset="0"/>
+              <a:cs typeface="Cascadia Code" pitchFamily="49" charset="0"/>
+            </a:endParaRPr>
+          </a:p>
+        </p:txBody>
+      </p:sp>
+      <p:sp>
+        <p:nvSpPr>
+          <p:cNvPr id="6" name="직사각형 5">
+            <a:extLst>
+              <a:ext uri="{FF2B5EF4-FFF2-40B4-BE49-F238E27FC236}">
+                <a16:creationId xmlns:a16="http://schemas.microsoft.com/office/drawing/2014/main" id="{F9B22FE2-F88E-3990-3190-950A669E9EEF}"/>
+              </a:ext>
+            </a:extLst>
+          </p:cNvPr>
+          <p:cNvSpPr/>
+          <p:nvPr/>
+        </p:nvSpPr>
+        <p:spPr>
+          <a:xfrm>
+            <a:off x="7497157" y="1005565"/>
+            <a:ext cx="1120140" cy="610463"/>
+          </a:xfrm>
+          <a:prstGeom prst="rect">
+            <a:avLst/>
+          </a:prstGeom>
+          <a:solidFill>
+            <a:srgbClr val="FFFF00"/>
+          </a:solidFill>
+        </p:spPr>
+        <p:style>
+          <a:lnRef idx="2">
+            <a:schemeClr val="accent1">
+              <a:shade val="15000"/>
+            </a:schemeClr>
+          </a:lnRef>
+          <a:fillRef idx="1">
+            <a:schemeClr val="accent1"/>
+          </a:fillRef>
+          <a:effectRef idx="0">
+            <a:schemeClr val="accent1"/>
+          </a:effectRef>
+          <a:fontRef idx="minor">
+            <a:schemeClr val="lt1"/>
+          </a:fontRef>
+        </p:style>
+        <p:txBody>
+          <a:bodyPr rtlCol="0" anchor="ctr"/>
+          <a:lstStyle/>
+          <a:p>
+            <a:pPr algn="ctr"/>
+            <a:r>
+              <a:rPr kumimoji="1" lang="en-US" altLang="ko-KR" sz="1600" dirty="0">
+                <a:solidFill>
+                  <a:schemeClr val="tx1"/>
+                </a:solidFill>
+                <a:latin typeface="Cascadia Code" pitchFamily="49" charset="0"/>
+                <a:cs typeface="Cascadia Code" pitchFamily="49" charset="0"/>
+              </a:rPr>
+              <a:t>42</a:t>
+            </a:r>
+            <a:endParaRPr kumimoji="1" lang="ko-KR" altLang="en-US" sz="1600" dirty="0">
+              <a:solidFill>
+                <a:schemeClr val="tx1"/>
+              </a:solidFill>
+              <a:latin typeface="Cascadia Code" pitchFamily="49" charset="0"/>
+              <a:cs typeface="Cascadia Code" pitchFamily="49" charset="0"/>
+            </a:endParaRPr>
+          </a:p>
+        </p:txBody>
+      </p:sp>
+      <p:sp>
+        <p:nvSpPr>
+          <p:cNvPr id="7" name="TextBox 6">
+            <a:extLst>
+              <a:ext uri="{FF2B5EF4-FFF2-40B4-BE49-F238E27FC236}">
+                <a16:creationId xmlns:a16="http://schemas.microsoft.com/office/drawing/2014/main" id="{D653E8C1-8417-3695-F747-E52201829E1C}"/>
+              </a:ext>
+            </a:extLst>
+          </p:cNvPr>
+          <p:cNvSpPr txBox="1"/>
+          <p:nvPr/>
+        </p:nvSpPr>
+        <p:spPr>
+          <a:xfrm>
+            <a:off x="6908802" y="1141519"/>
+            <a:ext cx="557875" cy="338554"/>
+          </a:xfrm>
+          <a:prstGeom prst="rect">
+            <a:avLst/>
+          </a:prstGeom>
+          <a:noFill/>
+        </p:spPr>
+        <p:txBody>
+          <a:bodyPr wrap="square" rtlCol="0">
+            <a:spAutoFit/>
+          </a:bodyPr>
+          <a:lstStyle/>
+          <a:p>
+            <a:pPr algn="ctr"/>
+            <a:r>
+              <a:rPr kumimoji="1" lang="en-US" altLang="ko-KR" sz="1600" dirty="0">
+                <a:latin typeface="Cascadia Code" pitchFamily="49" charset="0"/>
+                <a:ea typeface="Cascadia Code" pitchFamily="49" charset="0"/>
+                <a:cs typeface="Cascadia Code" pitchFamily="49" charset="0"/>
+              </a:rPr>
+              <a:t>age</a:t>
+            </a:r>
+            <a:endParaRPr kumimoji="1" lang="ko-KR" altLang="en-US" sz="1600" dirty="0">
+              <a:latin typeface="Cascadia Code" pitchFamily="49" charset="0"/>
+              <a:ea typeface="Cascadia Code" pitchFamily="49" charset="0"/>
+              <a:cs typeface="Cascadia Code" pitchFamily="49" charset="0"/>
+            </a:endParaRPr>
+          </a:p>
+        </p:txBody>
+      </p:sp>
+      <p:sp>
+        <p:nvSpPr>
+          <p:cNvPr id="8" name="TextBox 7">
+            <a:extLst>
+              <a:ext uri="{FF2B5EF4-FFF2-40B4-BE49-F238E27FC236}">
+                <a16:creationId xmlns:a16="http://schemas.microsoft.com/office/drawing/2014/main" id="{906F15F5-3EB5-2784-9D16-FFBBD1926492}"/>
+              </a:ext>
+            </a:extLst>
+          </p:cNvPr>
+          <p:cNvSpPr txBox="1"/>
+          <p:nvPr/>
+        </p:nvSpPr>
+        <p:spPr>
+          <a:xfrm>
+            <a:off x="7604068" y="0"/>
+            <a:ext cx="906317" cy="369332"/>
+          </a:xfrm>
+          <a:prstGeom prst="rect">
+            <a:avLst/>
+          </a:prstGeom>
+          <a:noFill/>
+        </p:spPr>
+        <p:txBody>
+          <a:bodyPr wrap="square">
+            <a:spAutoFit/>
+          </a:bodyPr>
+          <a:lstStyle/>
+          <a:p>
+            <a:pPr algn="ctr"/>
+            <a:r>
+              <a:rPr lang="en-US" altLang="ko-KR" dirty="0">
+                <a:latin typeface="Cascadia Code" pitchFamily="49" charset="0"/>
+                <a:cs typeface="Cascadia Code" pitchFamily="49" charset="0"/>
+              </a:rPr>
+              <a:t>user</a:t>
+            </a:r>
+            <a:endParaRPr lang="ko-KR" altLang="en-US" dirty="0"/>
+          </a:p>
+        </p:txBody>
+      </p:sp>
+      <p:sp>
+        <p:nvSpPr>
+          <p:cNvPr id="9" name="직사각형 8">
+            <a:extLst>
+              <a:ext uri="{FF2B5EF4-FFF2-40B4-BE49-F238E27FC236}">
+                <a16:creationId xmlns:a16="http://schemas.microsoft.com/office/drawing/2014/main" id="{14CB84D0-F1A3-8BE2-399C-542AFB034647}"/>
+              </a:ext>
+            </a:extLst>
+          </p:cNvPr>
+          <p:cNvSpPr/>
+          <p:nvPr/>
+        </p:nvSpPr>
+        <p:spPr>
+          <a:xfrm>
+            <a:off x="9975272" y="1005566"/>
+            <a:ext cx="1528388" cy="474508"/>
+          </a:xfrm>
+          <a:prstGeom prst="rect">
+            <a:avLst/>
+          </a:prstGeom>
+          <a:solidFill>
+            <a:srgbClr val="FFFF00"/>
+          </a:solidFill>
+        </p:spPr>
+        <p:style>
+          <a:lnRef idx="2">
+            <a:schemeClr val="accent1">
+              <a:shade val="15000"/>
+            </a:schemeClr>
+          </a:lnRef>
+          <a:fillRef idx="1">
+            <a:schemeClr val="accent1"/>
+          </a:fillRef>
+          <a:effectRef idx="0">
+            <a:schemeClr val="accent1"/>
+          </a:effectRef>
+          <a:fontRef idx="minor">
+            <a:schemeClr val="lt1"/>
+          </a:fontRef>
+        </p:style>
+        <p:txBody>
+          <a:bodyPr rtlCol="0" anchor="ctr"/>
+          <a:lstStyle/>
+          <a:p>
+            <a:pPr algn="ctr"/>
+            <a:r>
+              <a:rPr kumimoji="1" lang="en-US" altLang="ko-KR" sz="1600" dirty="0">
+                <a:solidFill>
+                  <a:schemeClr val="tx1"/>
+                </a:solidFill>
+                <a:latin typeface="Cascadia Code" pitchFamily="49" charset="0"/>
+                <a:cs typeface="Cascadia Code" pitchFamily="49" charset="0"/>
+              </a:rPr>
+              <a:t>“Tom”</a:t>
+            </a:r>
+            <a:endParaRPr kumimoji="1" lang="ko-KR" altLang="en-US" sz="1600" dirty="0">
+              <a:solidFill>
+                <a:schemeClr val="tx1"/>
+              </a:solidFill>
+              <a:latin typeface="Cascadia Code" pitchFamily="49" charset="0"/>
+              <a:cs typeface="Cascadia Code" pitchFamily="49" charset="0"/>
+            </a:endParaRPr>
+          </a:p>
+        </p:txBody>
+      </p:sp>
+      <p:cxnSp>
+        <p:nvCxnSpPr>
+          <p:cNvPr id="10" name="구부러진 연결선[U] 9">
+            <a:extLst>
+              <a:ext uri="{FF2B5EF4-FFF2-40B4-BE49-F238E27FC236}">
+                <a16:creationId xmlns:a16="http://schemas.microsoft.com/office/drawing/2014/main" id="{00A86509-FEB1-EAAD-F665-79AB260544C2}"/>
+              </a:ext>
+            </a:extLst>
+          </p:cNvPr>
+          <p:cNvCxnSpPr>
+            <a:stCxn id="4" idx="3"/>
+            <a:endCxn id="9" idx="1"/>
+          </p:cNvCxnSpPr>
+          <p:nvPr/>
+        </p:nvCxnSpPr>
+        <p:spPr>
+          <a:xfrm>
+            <a:off x="8617297" y="700334"/>
+            <a:ext cx="1357975" cy="542486"/>
+          </a:xfrm>
+          <a:prstGeom prst="curvedConnector3">
+            <a:avLst/>
+          </a:prstGeom>
+          <a:ln>
+            <a:tailEnd type="triangle"/>
+          </a:ln>
+        </p:spPr>
+        <p:style>
+          <a:lnRef idx="2">
+            <a:schemeClr val="dk1"/>
+          </a:lnRef>
+          <a:fillRef idx="0">
+            <a:schemeClr val="dk1"/>
+          </a:fillRef>
+          <a:effectRef idx="1">
+            <a:schemeClr val="dk1"/>
+          </a:effectRef>
+          <a:fontRef idx="minor">
+            <a:schemeClr val="tx1"/>
+          </a:fontRef>
+        </p:style>
+      </p:cxnSp>
+      <p:sp>
+        <p:nvSpPr>
+          <p:cNvPr id="11" name="직사각형 10">
+            <a:extLst>
+              <a:ext uri="{FF2B5EF4-FFF2-40B4-BE49-F238E27FC236}">
+                <a16:creationId xmlns:a16="http://schemas.microsoft.com/office/drawing/2014/main" id="{A415A8AD-44A0-9D88-ACB7-A25F76C0E016}"/>
+              </a:ext>
+            </a:extLst>
+          </p:cNvPr>
+          <p:cNvSpPr/>
+          <p:nvPr/>
+        </p:nvSpPr>
+        <p:spPr>
+          <a:xfrm>
+            <a:off x="7497157" y="1616028"/>
+            <a:ext cx="1120140" cy="610463"/>
+          </a:xfrm>
+          <a:prstGeom prst="rect">
+            <a:avLst/>
+          </a:prstGeom>
+          <a:solidFill>
+            <a:srgbClr val="FFFF00"/>
+          </a:solidFill>
+        </p:spPr>
+        <p:style>
+          <a:lnRef idx="2">
+            <a:schemeClr val="accent1">
+              <a:shade val="15000"/>
+            </a:schemeClr>
+          </a:lnRef>
+          <a:fillRef idx="1">
+            <a:schemeClr val="accent1"/>
+          </a:fillRef>
+          <a:effectRef idx="0">
+            <a:schemeClr val="accent1"/>
+          </a:effectRef>
+          <a:fontRef idx="minor">
+            <a:schemeClr val="lt1"/>
+          </a:fontRef>
+        </p:style>
+        <p:txBody>
+          <a:bodyPr rtlCol="0" anchor="ctr"/>
+          <a:lstStyle/>
+          <a:p>
+            <a:pPr algn="ctr"/>
+            <a:r>
+              <a:rPr kumimoji="1" lang="en-US" altLang="ko-KR" sz="1600" dirty="0">
+                <a:solidFill>
+                  <a:schemeClr val="tx1"/>
+                </a:solidFill>
+                <a:latin typeface="Cascadia Code" pitchFamily="49" charset="0"/>
+                <a:cs typeface="Cascadia Code" pitchFamily="49" charset="0"/>
+              </a:rPr>
+              <a:t>0x200</a:t>
+            </a:r>
+            <a:endParaRPr kumimoji="1" lang="ko-KR" altLang="en-US" sz="1600" dirty="0">
+              <a:solidFill>
+                <a:schemeClr val="tx1"/>
+              </a:solidFill>
+              <a:latin typeface="Cascadia Code" pitchFamily="49" charset="0"/>
+              <a:cs typeface="Cascadia Code" pitchFamily="49" charset="0"/>
+            </a:endParaRPr>
+          </a:p>
+        </p:txBody>
+      </p:sp>
+      <p:sp>
+        <p:nvSpPr>
+          <p:cNvPr id="12" name="TextBox 11">
+            <a:extLst>
+              <a:ext uri="{FF2B5EF4-FFF2-40B4-BE49-F238E27FC236}">
+                <a16:creationId xmlns:a16="http://schemas.microsoft.com/office/drawing/2014/main" id="{4BDA71F0-B973-8BB6-C4FE-8EFD13707402}"/>
+              </a:ext>
+            </a:extLst>
+          </p:cNvPr>
+          <p:cNvSpPr txBox="1"/>
+          <p:nvPr/>
+        </p:nvSpPr>
+        <p:spPr>
+          <a:xfrm>
+            <a:off x="6908802" y="1729261"/>
+            <a:ext cx="557875" cy="338554"/>
+          </a:xfrm>
+          <a:prstGeom prst="rect">
+            <a:avLst/>
+          </a:prstGeom>
+          <a:noFill/>
+        </p:spPr>
+        <p:txBody>
+          <a:bodyPr wrap="square" rtlCol="0">
+            <a:spAutoFit/>
+          </a:bodyPr>
+          <a:lstStyle/>
+          <a:p>
+            <a:pPr algn="ctr"/>
+            <a:r>
+              <a:rPr kumimoji="1" lang="en-US" altLang="ko-KR" sz="1600" dirty="0">
+                <a:latin typeface="Cascadia Code" pitchFamily="49" charset="0"/>
+                <a:ea typeface="Cascadia Code" pitchFamily="49" charset="0"/>
+                <a:cs typeface="Cascadia Code" pitchFamily="49" charset="0"/>
+              </a:rPr>
+              <a:t>ref</a:t>
+            </a:r>
+            <a:endParaRPr kumimoji="1" lang="ko-KR" altLang="en-US" sz="1600" dirty="0">
+              <a:latin typeface="Cascadia Code" pitchFamily="49" charset="0"/>
+              <a:ea typeface="Cascadia Code" pitchFamily="49" charset="0"/>
+              <a:cs typeface="Cascadia Code" pitchFamily="49" charset="0"/>
+            </a:endParaRPr>
+          </a:p>
+        </p:txBody>
+      </p:sp>
+      <p:cxnSp>
+        <p:nvCxnSpPr>
+          <p:cNvPr id="13" name="구부러진 연결선[U] 12">
+            <a:extLst>
+              <a:ext uri="{FF2B5EF4-FFF2-40B4-BE49-F238E27FC236}">
+                <a16:creationId xmlns:a16="http://schemas.microsoft.com/office/drawing/2014/main" id="{59D331FE-43E1-9043-F68F-5545DA36F3D6}"/>
+              </a:ext>
+            </a:extLst>
+          </p:cNvPr>
+          <p:cNvCxnSpPr>
+            <a:cxnSpLocks/>
+            <a:stCxn id="11" idx="3"/>
+            <a:endCxn id="16" idx="1"/>
+          </p:cNvCxnSpPr>
+          <p:nvPr/>
+        </p:nvCxnSpPr>
+        <p:spPr>
+          <a:xfrm>
+            <a:off x="8617297" y="1921260"/>
+            <a:ext cx="1838267" cy="405091"/>
+          </a:xfrm>
+          <a:prstGeom prst="curvedConnector3">
+            <a:avLst/>
+          </a:prstGeom>
+          <a:ln>
+            <a:tailEnd type="triangle"/>
+          </a:ln>
+        </p:spPr>
+        <p:style>
+          <a:lnRef idx="2">
+            <a:schemeClr val="dk1"/>
+          </a:lnRef>
+          <a:fillRef idx="0">
+            <a:schemeClr val="dk1"/>
+          </a:fillRef>
+          <a:effectRef idx="1">
+            <a:schemeClr val="dk1"/>
+          </a:effectRef>
+          <a:fontRef idx="minor">
+            <a:schemeClr val="tx1"/>
+          </a:fontRef>
+        </p:style>
+      </p:cxnSp>
+      <p:sp>
+        <p:nvSpPr>
+          <p:cNvPr id="16" name="직사각형 15">
+            <a:extLst>
+              <a:ext uri="{FF2B5EF4-FFF2-40B4-BE49-F238E27FC236}">
+                <a16:creationId xmlns:a16="http://schemas.microsoft.com/office/drawing/2014/main" id="{6DE6555A-07CC-AD5C-EB5B-357AFEEFA67B}"/>
+              </a:ext>
+            </a:extLst>
+          </p:cNvPr>
+          <p:cNvSpPr/>
+          <p:nvPr/>
+        </p:nvSpPr>
+        <p:spPr>
+          <a:xfrm>
+            <a:off x="10455564" y="2089097"/>
+            <a:ext cx="914400" cy="474508"/>
+          </a:xfrm>
+          <a:prstGeom prst="rect">
+            <a:avLst/>
+          </a:prstGeom>
+          <a:solidFill>
+            <a:srgbClr val="FFFF00"/>
+          </a:solidFill>
+        </p:spPr>
+        <p:style>
+          <a:lnRef idx="2">
+            <a:schemeClr val="accent1">
+              <a:shade val="15000"/>
+            </a:schemeClr>
+          </a:lnRef>
+          <a:fillRef idx="1">
+            <a:schemeClr val="accent1"/>
+          </a:fillRef>
+          <a:effectRef idx="0">
+            <a:schemeClr val="accent1"/>
+          </a:effectRef>
+          <a:fontRef idx="minor">
+            <a:schemeClr val="lt1"/>
+          </a:fontRef>
+        </p:style>
+        <p:txBody>
+          <a:bodyPr rtlCol="0" anchor="ctr"/>
+          <a:lstStyle/>
+          <a:p>
+            <a:pPr algn="ctr"/>
+            <a:r>
+              <a:rPr kumimoji="1" lang="en-US" altLang="ko-KR" sz="1600" dirty="0">
+                <a:solidFill>
+                  <a:schemeClr val="tx1"/>
+                </a:solidFill>
+                <a:latin typeface="Cascadia Code" pitchFamily="49" charset="0"/>
+                <a:cs typeface="Cascadia Code" pitchFamily="49" charset="0"/>
+              </a:rPr>
+              <a:t>1</a:t>
+            </a:r>
+            <a:endParaRPr kumimoji="1" lang="ko-KR" altLang="en-US" sz="1600" dirty="0">
+              <a:solidFill>
+                <a:schemeClr val="tx1"/>
+              </a:solidFill>
+              <a:latin typeface="Cascadia Code" pitchFamily="49" charset="0"/>
+              <a:cs typeface="Cascadia Code" pitchFamily="49" charset="0"/>
+            </a:endParaRPr>
+          </a:p>
+        </p:txBody>
+      </p:sp>
+      <p:sp>
+        <p:nvSpPr>
+          <p:cNvPr id="19" name="직사각형 18">
+            <a:extLst>
+              <a:ext uri="{FF2B5EF4-FFF2-40B4-BE49-F238E27FC236}">
+                <a16:creationId xmlns:a16="http://schemas.microsoft.com/office/drawing/2014/main" id="{D74DB03D-1942-00CB-7788-599AF7A7D8F3}"/>
+              </a:ext>
+            </a:extLst>
+          </p:cNvPr>
+          <p:cNvSpPr/>
+          <p:nvPr/>
+        </p:nvSpPr>
+        <p:spPr>
+          <a:xfrm>
+            <a:off x="7497157" y="2867396"/>
+            <a:ext cx="1120140" cy="610463"/>
+          </a:xfrm>
+          <a:prstGeom prst="rect">
+            <a:avLst/>
+          </a:prstGeom>
+          <a:solidFill>
+            <a:srgbClr val="FFFF00"/>
+          </a:solidFill>
+          <a:ln>
+            <a:solidFill>
+              <a:srgbClr val="FF0000"/>
+            </a:solidFill>
+          </a:ln>
+        </p:spPr>
+        <p:style>
+          <a:lnRef idx="2">
+            <a:schemeClr val="accent1">
+              <a:shade val="15000"/>
+            </a:schemeClr>
+          </a:lnRef>
+          <a:fillRef idx="1">
+            <a:schemeClr val="accent1"/>
+          </a:fillRef>
+          <a:effectRef idx="0">
+            <a:schemeClr val="accent1"/>
+          </a:effectRef>
+          <a:fontRef idx="minor">
+            <a:schemeClr val="lt1"/>
+          </a:fontRef>
+        </p:style>
+        <p:txBody>
+          <a:bodyPr rtlCol="0" anchor="ctr"/>
+          <a:lstStyle/>
+          <a:p>
+            <a:pPr algn="ctr"/>
+            <a:r>
+              <a:rPr kumimoji="1" lang="en-US" altLang="ko-KR" sz="1600" dirty="0">
+                <a:solidFill>
+                  <a:schemeClr val="tx1"/>
+                </a:solidFill>
+                <a:latin typeface="Cascadia Code" pitchFamily="49" charset="0"/>
+                <a:cs typeface="Cascadia Code" pitchFamily="49" charset="0"/>
+              </a:rPr>
+              <a:t>0x100</a:t>
+            </a:r>
+            <a:endParaRPr kumimoji="1" lang="ko-KR" altLang="en-US" sz="1600" dirty="0">
+              <a:solidFill>
+                <a:schemeClr val="tx1"/>
+              </a:solidFill>
+              <a:latin typeface="Cascadia Code" pitchFamily="49" charset="0"/>
+              <a:cs typeface="Cascadia Code" pitchFamily="49" charset="0"/>
+            </a:endParaRPr>
+          </a:p>
+        </p:txBody>
+      </p:sp>
+      <p:sp>
+        <p:nvSpPr>
+          <p:cNvPr id="20" name="TextBox 19">
+            <a:extLst>
+              <a:ext uri="{FF2B5EF4-FFF2-40B4-BE49-F238E27FC236}">
+                <a16:creationId xmlns:a16="http://schemas.microsoft.com/office/drawing/2014/main" id="{99EBA079-7CAC-E527-D493-836D28B65874}"/>
+              </a:ext>
+            </a:extLst>
+          </p:cNvPr>
+          <p:cNvSpPr txBox="1"/>
+          <p:nvPr/>
+        </p:nvSpPr>
+        <p:spPr>
+          <a:xfrm>
+            <a:off x="6788729" y="3003350"/>
+            <a:ext cx="677948" cy="338554"/>
+          </a:xfrm>
+          <a:prstGeom prst="rect">
+            <a:avLst/>
+          </a:prstGeom>
+          <a:noFill/>
+        </p:spPr>
+        <p:txBody>
+          <a:bodyPr wrap="square" rtlCol="0">
+            <a:spAutoFit/>
+          </a:bodyPr>
+          <a:lstStyle/>
+          <a:p>
+            <a:pPr algn="ctr"/>
+            <a:r>
+              <a:rPr kumimoji="1" lang="en-US" altLang="ko-KR" sz="1600" dirty="0">
+                <a:latin typeface="Cascadia Code" pitchFamily="49" charset="0"/>
+                <a:ea typeface="Cascadia Code" pitchFamily="49" charset="0"/>
+                <a:cs typeface="Cascadia Code" pitchFamily="49" charset="0"/>
+              </a:rPr>
+              <a:t>name</a:t>
+            </a:r>
+            <a:endParaRPr kumimoji="1" lang="ko-KR" altLang="en-US" sz="1600" dirty="0">
+              <a:latin typeface="Cascadia Code" pitchFamily="49" charset="0"/>
+              <a:ea typeface="Cascadia Code" pitchFamily="49" charset="0"/>
+              <a:cs typeface="Cascadia Code" pitchFamily="49" charset="0"/>
+            </a:endParaRPr>
+          </a:p>
+        </p:txBody>
+      </p:sp>
+      <p:sp>
+        <p:nvSpPr>
+          <p:cNvPr id="21" name="직사각형 20">
+            <a:extLst>
+              <a:ext uri="{FF2B5EF4-FFF2-40B4-BE49-F238E27FC236}">
+                <a16:creationId xmlns:a16="http://schemas.microsoft.com/office/drawing/2014/main" id="{650CC05E-ACBC-7F5E-AF4F-05E7DAB6F011}"/>
+              </a:ext>
+            </a:extLst>
+          </p:cNvPr>
+          <p:cNvSpPr/>
+          <p:nvPr/>
+        </p:nvSpPr>
+        <p:spPr>
+          <a:xfrm>
+            <a:off x="7497157" y="3477859"/>
+            <a:ext cx="1120140" cy="610463"/>
+          </a:xfrm>
+          <a:prstGeom prst="rect">
+            <a:avLst/>
+          </a:prstGeom>
+          <a:solidFill>
+            <a:srgbClr val="FFFF00"/>
+          </a:solidFill>
+          <a:ln>
+            <a:solidFill>
+              <a:srgbClr val="FF0000"/>
+            </a:solidFill>
+          </a:ln>
+        </p:spPr>
+        <p:style>
+          <a:lnRef idx="2">
+            <a:schemeClr val="accent1">
+              <a:shade val="15000"/>
+            </a:schemeClr>
+          </a:lnRef>
+          <a:fillRef idx="1">
+            <a:schemeClr val="accent1"/>
+          </a:fillRef>
+          <a:effectRef idx="0">
+            <a:schemeClr val="accent1"/>
+          </a:effectRef>
+          <a:fontRef idx="minor">
+            <a:schemeClr val="lt1"/>
+          </a:fontRef>
+        </p:style>
+        <p:txBody>
+          <a:bodyPr rtlCol="0" anchor="ctr"/>
+          <a:lstStyle/>
+          <a:p>
+            <a:pPr algn="ctr"/>
+            <a:r>
+              <a:rPr kumimoji="1" lang="en-US" altLang="ko-KR" sz="1600" dirty="0">
+                <a:solidFill>
+                  <a:schemeClr val="tx1"/>
+                </a:solidFill>
+                <a:latin typeface="Cascadia Code" pitchFamily="49" charset="0"/>
+                <a:cs typeface="Cascadia Code" pitchFamily="49" charset="0"/>
+              </a:rPr>
+              <a:t>42</a:t>
+            </a:r>
+            <a:endParaRPr kumimoji="1" lang="ko-KR" altLang="en-US" sz="1600" dirty="0">
+              <a:solidFill>
+                <a:schemeClr val="tx1"/>
+              </a:solidFill>
+              <a:latin typeface="Cascadia Code" pitchFamily="49" charset="0"/>
+              <a:cs typeface="Cascadia Code" pitchFamily="49" charset="0"/>
+            </a:endParaRPr>
+          </a:p>
+        </p:txBody>
+      </p:sp>
+      <p:sp>
+        <p:nvSpPr>
+          <p:cNvPr id="22" name="TextBox 21">
+            <a:extLst>
+              <a:ext uri="{FF2B5EF4-FFF2-40B4-BE49-F238E27FC236}">
+                <a16:creationId xmlns:a16="http://schemas.microsoft.com/office/drawing/2014/main" id="{4BCB6372-5EA1-C522-ECEA-CDE92F08B367}"/>
+              </a:ext>
+            </a:extLst>
+          </p:cNvPr>
+          <p:cNvSpPr txBox="1"/>
+          <p:nvPr/>
+        </p:nvSpPr>
+        <p:spPr>
+          <a:xfrm>
+            <a:off x="6908802" y="3613813"/>
+            <a:ext cx="557875" cy="338554"/>
+          </a:xfrm>
+          <a:prstGeom prst="rect">
+            <a:avLst/>
+          </a:prstGeom>
+          <a:noFill/>
+        </p:spPr>
+        <p:txBody>
+          <a:bodyPr wrap="square" rtlCol="0">
+            <a:spAutoFit/>
+          </a:bodyPr>
+          <a:lstStyle/>
+          <a:p>
+            <a:pPr algn="ctr"/>
+            <a:r>
+              <a:rPr kumimoji="1" lang="en-US" altLang="ko-KR" sz="1600" dirty="0">
+                <a:latin typeface="Cascadia Code" pitchFamily="49" charset="0"/>
+                <a:ea typeface="Cascadia Code" pitchFamily="49" charset="0"/>
+                <a:cs typeface="Cascadia Code" pitchFamily="49" charset="0"/>
+              </a:rPr>
+              <a:t>age</a:t>
+            </a:r>
+            <a:endParaRPr kumimoji="1" lang="ko-KR" altLang="en-US" sz="1600" dirty="0">
+              <a:latin typeface="Cascadia Code" pitchFamily="49" charset="0"/>
+              <a:ea typeface="Cascadia Code" pitchFamily="49" charset="0"/>
+              <a:cs typeface="Cascadia Code" pitchFamily="49" charset="0"/>
+            </a:endParaRPr>
+          </a:p>
+        </p:txBody>
+      </p:sp>
+      <p:sp>
+        <p:nvSpPr>
+          <p:cNvPr id="23" name="TextBox 22">
+            <a:extLst>
+              <a:ext uri="{FF2B5EF4-FFF2-40B4-BE49-F238E27FC236}">
+                <a16:creationId xmlns:a16="http://schemas.microsoft.com/office/drawing/2014/main" id="{EC6F1E9F-41C2-2086-ABCA-5166F003D05F}"/>
+              </a:ext>
+            </a:extLst>
+          </p:cNvPr>
+          <p:cNvSpPr txBox="1"/>
+          <p:nvPr/>
+        </p:nvSpPr>
+        <p:spPr>
+          <a:xfrm>
+            <a:off x="7604068" y="2472294"/>
+            <a:ext cx="906317" cy="369332"/>
+          </a:xfrm>
+          <a:prstGeom prst="rect">
+            <a:avLst/>
+          </a:prstGeom>
+          <a:noFill/>
+        </p:spPr>
+        <p:txBody>
+          <a:bodyPr wrap="square">
+            <a:spAutoFit/>
+          </a:bodyPr>
+          <a:lstStyle/>
+          <a:p>
+            <a:pPr algn="ctr"/>
+            <a:r>
+              <a:rPr lang="en-US" altLang="ko-KR" dirty="0">
+                <a:latin typeface="Cascadia Code" pitchFamily="49" charset="0"/>
+                <a:cs typeface="Cascadia Code" pitchFamily="49" charset="0"/>
+              </a:rPr>
+              <a:t>other</a:t>
+            </a:r>
+            <a:endParaRPr lang="ko-KR" altLang="en-US" dirty="0"/>
+          </a:p>
+        </p:txBody>
+      </p:sp>
+      <p:sp>
+        <p:nvSpPr>
+          <p:cNvPr id="24" name="직사각형 23">
+            <a:extLst>
+              <a:ext uri="{FF2B5EF4-FFF2-40B4-BE49-F238E27FC236}">
+                <a16:creationId xmlns:a16="http://schemas.microsoft.com/office/drawing/2014/main" id="{7029018C-544C-1394-ED08-7261B0393A33}"/>
+              </a:ext>
+            </a:extLst>
+          </p:cNvPr>
+          <p:cNvSpPr/>
+          <p:nvPr/>
+        </p:nvSpPr>
+        <p:spPr>
+          <a:xfrm>
+            <a:off x="7497157" y="4088322"/>
+            <a:ext cx="1120140" cy="610463"/>
+          </a:xfrm>
+          <a:prstGeom prst="rect">
+            <a:avLst/>
+          </a:prstGeom>
+          <a:solidFill>
+            <a:srgbClr val="FFFF00"/>
+          </a:solidFill>
+          <a:ln>
+            <a:solidFill>
+              <a:srgbClr val="FF0000"/>
+            </a:solidFill>
+          </a:ln>
+        </p:spPr>
+        <p:style>
+          <a:lnRef idx="2">
+            <a:schemeClr val="accent1">
+              <a:shade val="15000"/>
+            </a:schemeClr>
+          </a:lnRef>
+          <a:fillRef idx="1">
+            <a:schemeClr val="accent1"/>
+          </a:fillRef>
+          <a:effectRef idx="0">
+            <a:schemeClr val="accent1"/>
+          </a:effectRef>
+          <a:fontRef idx="minor">
+            <a:schemeClr val="lt1"/>
+          </a:fontRef>
+        </p:style>
+        <p:txBody>
+          <a:bodyPr rtlCol="0" anchor="ctr"/>
+          <a:lstStyle/>
+          <a:p>
+            <a:pPr algn="ctr"/>
+            <a:r>
+              <a:rPr kumimoji="1" lang="en-US" altLang="ko-KR" sz="1600" dirty="0">
+                <a:solidFill>
+                  <a:schemeClr val="tx1"/>
+                </a:solidFill>
+                <a:latin typeface="Cascadia Code" pitchFamily="49" charset="0"/>
+                <a:cs typeface="Cascadia Code" pitchFamily="49" charset="0"/>
+              </a:rPr>
+              <a:t>0x200</a:t>
+            </a:r>
+            <a:endParaRPr kumimoji="1" lang="ko-KR" altLang="en-US" sz="1600" dirty="0">
+              <a:solidFill>
+                <a:schemeClr val="tx1"/>
+              </a:solidFill>
+              <a:latin typeface="Cascadia Code" pitchFamily="49" charset="0"/>
+              <a:cs typeface="Cascadia Code" pitchFamily="49" charset="0"/>
+            </a:endParaRPr>
+          </a:p>
+        </p:txBody>
+      </p:sp>
+      <p:sp>
+        <p:nvSpPr>
+          <p:cNvPr id="25" name="TextBox 24">
+            <a:extLst>
+              <a:ext uri="{FF2B5EF4-FFF2-40B4-BE49-F238E27FC236}">
+                <a16:creationId xmlns:a16="http://schemas.microsoft.com/office/drawing/2014/main" id="{965E55F5-0E31-6CD6-AFC2-0B1810BD8131}"/>
+              </a:ext>
+            </a:extLst>
+          </p:cNvPr>
+          <p:cNvSpPr txBox="1"/>
+          <p:nvPr/>
+        </p:nvSpPr>
+        <p:spPr>
+          <a:xfrm>
+            <a:off x="6908802" y="4201555"/>
+            <a:ext cx="557875" cy="338554"/>
+          </a:xfrm>
+          <a:prstGeom prst="rect">
+            <a:avLst/>
+          </a:prstGeom>
+          <a:noFill/>
+        </p:spPr>
+        <p:txBody>
+          <a:bodyPr wrap="square" rtlCol="0">
+            <a:spAutoFit/>
+          </a:bodyPr>
+          <a:lstStyle/>
+          <a:p>
+            <a:pPr algn="ctr"/>
+            <a:r>
+              <a:rPr kumimoji="1" lang="en-US" altLang="ko-KR" sz="1600" dirty="0">
+                <a:latin typeface="Cascadia Code" pitchFamily="49" charset="0"/>
+                <a:ea typeface="Cascadia Code" pitchFamily="49" charset="0"/>
+                <a:cs typeface="Cascadia Code" pitchFamily="49" charset="0"/>
+              </a:rPr>
+              <a:t>ref</a:t>
+            </a:r>
+            <a:endParaRPr kumimoji="1" lang="ko-KR" altLang="en-US" sz="1600" dirty="0">
+              <a:latin typeface="Cascadia Code" pitchFamily="49" charset="0"/>
+              <a:ea typeface="Cascadia Code" pitchFamily="49" charset="0"/>
+              <a:cs typeface="Cascadia Code" pitchFamily="49" charset="0"/>
+            </a:endParaRPr>
+          </a:p>
+        </p:txBody>
+      </p:sp>
+      <p:cxnSp>
+        <p:nvCxnSpPr>
+          <p:cNvPr id="26" name="구부러진 연결선[U] 25">
+            <a:extLst>
+              <a:ext uri="{FF2B5EF4-FFF2-40B4-BE49-F238E27FC236}">
+                <a16:creationId xmlns:a16="http://schemas.microsoft.com/office/drawing/2014/main" id="{ABA15F2E-2946-02EE-18CD-5D1A4A26046A}"/>
+              </a:ext>
+            </a:extLst>
+          </p:cNvPr>
+          <p:cNvCxnSpPr>
+            <a:cxnSpLocks/>
+            <a:stCxn id="19" idx="3"/>
+            <a:endCxn id="9" idx="1"/>
+          </p:cNvCxnSpPr>
+          <p:nvPr/>
+        </p:nvCxnSpPr>
+        <p:spPr>
+          <a:xfrm flipV="1">
+            <a:off x="8617297" y="1242820"/>
+            <a:ext cx="1357975" cy="1929808"/>
+          </a:xfrm>
+          <a:prstGeom prst="curvedConnector3">
+            <a:avLst>
+              <a:gd name="adj1" fmla="val 50000"/>
+            </a:avLst>
+          </a:prstGeom>
+          <a:ln>
+            <a:tailEnd type="triangle"/>
+          </a:ln>
+        </p:spPr>
+        <p:style>
+          <a:lnRef idx="2">
+            <a:schemeClr val="dk1"/>
+          </a:lnRef>
+          <a:fillRef idx="0">
+            <a:schemeClr val="dk1"/>
+          </a:fillRef>
+          <a:effectRef idx="1">
+            <a:schemeClr val="dk1"/>
+          </a:effectRef>
+          <a:fontRef idx="minor">
+            <a:schemeClr val="tx1"/>
+          </a:fontRef>
+        </p:style>
+      </p:cxnSp>
+      <p:cxnSp>
+        <p:nvCxnSpPr>
+          <p:cNvPr id="29" name="구부러진 연결선[U] 28">
+            <a:extLst>
+              <a:ext uri="{FF2B5EF4-FFF2-40B4-BE49-F238E27FC236}">
+                <a16:creationId xmlns:a16="http://schemas.microsoft.com/office/drawing/2014/main" id="{776F9D30-CC25-4D85-ABB8-870395FAAA39}"/>
+              </a:ext>
+            </a:extLst>
+          </p:cNvPr>
+          <p:cNvCxnSpPr>
+            <a:cxnSpLocks/>
+            <a:stCxn id="24" idx="3"/>
+            <a:endCxn id="16" idx="1"/>
+          </p:cNvCxnSpPr>
+          <p:nvPr/>
+        </p:nvCxnSpPr>
+        <p:spPr>
+          <a:xfrm flipV="1">
+            <a:off x="8617297" y="2326351"/>
+            <a:ext cx="1838267" cy="2067203"/>
+          </a:xfrm>
+          <a:prstGeom prst="curvedConnector3">
+            <a:avLst>
+              <a:gd name="adj1" fmla="val 50000"/>
+            </a:avLst>
+          </a:prstGeom>
+          <a:ln>
+            <a:tailEnd type="triangle"/>
+          </a:ln>
+        </p:spPr>
+        <p:style>
+          <a:lnRef idx="2">
+            <a:schemeClr val="dk1"/>
+          </a:lnRef>
+          <a:fillRef idx="0">
+            <a:schemeClr val="dk1"/>
+          </a:fillRef>
+          <a:effectRef idx="1">
+            <a:schemeClr val="dk1"/>
+          </a:effectRef>
+          <a:fontRef idx="minor">
+            <a:schemeClr val="tx1"/>
+          </a:fontRef>
+        </p:style>
+      </p:cxnSp>
+    </p:spTree>
+    <p:extLst>
+      <p:ext uri="{BB962C8B-B14F-4D97-AF65-F5344CB8AC3E}">
+        <p14:creationId xmlns:p14="http://schemas.microsoft.com/office/powerpoint/2010/main" val="1768216938"/>
+      </p:ext>
+    </p:extLst>
+  </p:cSld>
+  <p:clrMapOvr>
+    <a:masterClrMapping/>
+  </p:clrMapOvr>
+</p:sld>
+</file>
+
+<file path=ppt/slides/slide37.xml><?xml version="1.0" encoding="utf-8"?>
+<p:sld xmlns:a="http://schemas.openxmlformats.org/drawingml/2006/main" xmlns:r="http://schemas.openxmlformats.org/officeDocument/2006/relationships" xmlns:p="http://schemas.openxmlformats.org/presentationml/2006/main">
+  <p:cSld>
+    <p:spTree>
+      <p:nvGrpSpPr>
+        <p:cNvPr id="1" name=""/>
+        <p:cNvGrpSpPr/>
+        <p:nvPr/>
+      </p:nvGrpSpPr>
+      <p:grpSpPr>
+        <a:xfrm>
+          <a:off x="0" y="0"/>
+          <a:ext cx="0" cy="0"/>
+          <a:chOff x="0" y="0"/>
+          <a:chExt cx="0" cy="0"/>
+        </a:xfrm>
+      </p:grpSpPr>
+      <p:sp>
+        <p:nvSpPr>
+          <p:cNvPr id="4" name="직사각형 3">
+            <a:extLst>
+              <a:ext uri="{FF2B5EF4-FFF2-40B4-BE49-F238E27FC236}">
+                <a16:creationId xmlns:a16="http://schemas.microsoft.com/office/drawing/2014/main" id="{09B83249-8D75-3115-D1B4-741EC70C1AAC}"/>
+              </a:ext>
+            </a:extLst>
+          </p:cNvPr>
+          <p:cNvSpPr/>
+          <p:nvPr/>
+        </p:nvSpPr>
+        <p:spPr>
+          <a:xfrm>
+            <a:off x="7497157" y="395102"/>
+            <a:ext cx="1120140" cy="610463"/>
+          </a:xfrm>
+          <a:prstGeom prst="rect">
+            <a:avLst/>
+          </a:prstGeom>
+          <a:solidFill>
+            <a:srgbClr val="FFFF00"/>
+          </a:solidFill>
+          <a:ln>
+            <a:solidFill>
+              <a:srgbClr val="FF0000"/>
+            </a:solidFill>
+          </a:ln>
+        </p:spPr>
+        <p:style>
+          <a:lnRef idx="2">
+            <a:schemeClr val="accent1">
+              <a:shade val="15000"/>
+            </a:schemeClr>
+          </a:lnRef>
+          <a:fillRef idx="1">
+            <a:schemeClr val="accent1"/>
+          </a:fillRef>
+          <a:effectRef idx="0">
+            <a:schemeClr val="accent1"/>
+          </a:effectRef>
+          <a:fontRef idx="minor">
+            <a:schemeClr val="lt1"/>
+          </a:fontRef>
+        </p:style>
+        <p:txBody>
+          <a:bodyPr rtlCol="0" anchor="ctr"/>
+          <a:lstStyle/>
+          <a:p>
+            <a:pPr algn="ctr"/>
+            <a:r>
+              <a:rPr kumimoji="1" lang="en-US" altLang="ko-KR" sz="1600" dirty="0">
+                <a:solidFill>
+                  <a:schemeClr val="tx1"/>
+                </a:solidFill>
+                <a:latin typeface="Cascadia Code" pitchFamily="49" charset="0"/>
+                <a:cs typeface="Cascadia Code" pitchFamily="49" charset="0"/>
+              </a:rPr>
+              <a:t>0x100</a:t>
+            </a:r>
+            <a:endParaRPr kumimoji="1" lang="ko-KR" altLang="en-US" sz="1600" dirty="0">
+              <a:solidFill>
+                <a:schemeClr val="tx1"/>
+              </a:solidFill>
+              <a:latin typeface="Cascadia Code" pitchFamily="49" charset="0"/>
+              <a:cs typeface="Cascadia Code" pitchFamily="49" charset="0"/>
+            </a:endParaRPr>
+          </a:p>
+        </p:txBody>
+      </p:sp>
+      <p:sp>
+        <p:nvSpPr>
+          <p:cNvPr id="5" name="TextBox 4">
+            <a:extLst>
+              <a:ext uri="{FF2B5EF4-FFF2-40B4-BE49-F238E27FC236}">
+                <a16:creationId xmlns:a16="http://schemas.microsoft.com/office/drawing/2014/main" id="{3562ACEB-1C44-671F-A12B-D7C483C4292F}"/>
+              </a:ext>
+            </a:extLst>
+          </p:cNvPr>
+          <p:cNvSpPr txBox="1"/>
+          <p:nvPr/>
+        </p:nvSpPr>
+        <p:spPr>
+          <a:xfrm>
+            <a:off x="6788729" y="531056"/>
+            <a:ext cx="677948" cy="338554"/>
+          </a:xfrm>
+          <a:prstGeom prst="rect">
+            <a:avLst/>
+          </a:prstGeom>
+          <a:noFill/>
+        </p:spPr>
+        <p:txBody>
+          <a:bodyPr wrap="square" rtlCol="0">
+            <a:spAutoFit/>
+          </a:bodyPr>
+          <a:lstStyle/>
+          <a:p>
+            <a:pPr algn="ctr"/>
+            <a:r>
+              <a:rPr kumimoji="1" lang="en-US" altLang="ko-KR" sz="1600" dirty="0">
+                <a:latin typeface="Cascadia Code" pitchFamily="49" charset="0"/>
+                <a:ea typeface="Cascadia Code" pitchFamily="49" charset="0"/>
+                <a:cs typeface="Cascadia Code" pitchFamily="49" charset="0"/>
+              </a:rPr>
+              <a:t>name</a:t>
+            </a:r>
+            <a:endParaRPr kumimoji="1" lang="ko-KR" altLang="en-US" sz="1600" dirty="0">
+              <a:latin typeface="Cascadia Code" pitchFamily="49" charset="0"/>
+              <a:ea typeface="Cascadia Code" pitchFamily="49" charset="0"/>
+              <a:cs typeface="Cascadia Code" pitchFamily="49" charset="0"/>
+            </a:endParaRPr>
+          </a:p>
+        </p:txBody>
+      </p:sp>
+      <p:sp>
+        <p:nvSpPr>
+          <p:cNvPr id="6" name="직사각형 5">
+            <a:extLst>
+              <a:ext uri="{FF2B5EF4-FFF2-40B4-BE49-F238E27FC236}">
+                <a16:creationId xmlns:a16="http://schemas.microsoft.com/office/drawing/2014/main" id="{F9B22FE2-F88E-3990-3190-950A669E9EEF}"/>
+              </a:ext>
+            </a:extLst>
+          </p:cNvPr>
+          <p:cNvSpPr/>
+          <p:nvPr/>
+        </p:nvSpPr>
+        <p:spPr>
+          <a:xfrm>
+            <a:off x="7497157" y="1005565"/>
+            <a:ext cx="1120140" cy="610463"/>
+          </a:xfrm>
+          <a:prstGeom prst="rect">
+            <a:avLst/>
+          </a:prstGeom>
+          <a:solidFill>
+            <a:srgbClr val="FFFF00"/>
+          </a:solidFill>
+          <a:ln>
+            <a:solidFill>
+              <a:srgbClr val="FF0000"/>
+            </a:solidFill>
+          </a:ln>
+        </p:spPr>
+        <p:style>
+          <a:lnRef idx="2">
+            <a:schemeClr val="accent1">
+              <a:shade val="15000"/>
+            </a:schemeClr>
+          </a:lnRef>
+          <a:fillRef idx="1">
+            <a:schemeClr val="accent1"/>
+          </a:fillRef>
+          <a:effectRef idx="0">
+            <a:schemeClr val="accent1"/>
+          </a:effectRef>
+          <a:fontRef idx="minor">
+            <a:schemeClr val="lt1"/>
+          </a:fontRef>
+        </p:style>
+        <p:txBody>
+          <a:bodyPr rtlCol="0" anchor="ctr"/>
+          <a:lstStyle/>
+          <a:p>
+            <a:pPr algn="ctr"/>
+            <a:r>
+              <a:rPr kumimoji="1" lang="en-US" altLang="ko-KR" sz="1600" dirty="0">
+                <a:solidFill>
+                  <a:schemeClr val="tx1"/>
+                </a:solidFill>
+                <a:latin typeface="Cascadia Code" pitchFamily="49" charset="0"/>
+                <a:cs typeface="Cascadia Code" pitchFamily="49" charset="0"/>
+              </a:rPr>
+              <a:t>42</a:t>
+            </a:r>
+            <a:endParaRPr kumimoji="1" lang="ko-KR" altLang="en-US" sz="1600" dirty="0">
+              <a:solidFill>
+                <a:schemeClr val="tx1"/>
+              </a:solidFill>
+              <a:latin typeface="Cascadia Code" pitchFamily="49" charset="0"/>
+              <a:cs typeface="Cascadia Code" pitchFamily="49" charset="0"/>
+            </a:endParaRPr>
+          </a:p>
+        </p:txBody>
+      </p:sp>
+      <p:sp>
+        <p:nvSpPr>
+          <p:cNvPr id="7" name="TextBox 6">
+            <a:extLst>
+              <a:ext uri="{FF2B5EF4-FFF2-40B4-BE49-F238E27FC236}">
+                <a16:creationId xmlns:a16="http://schemas.microsoft.com/office/drawing/2014/main" id="{D653E8C1-8417-3695-F747-E52201829E1C}"/>
+              </a:ext>
+            </a:extLst>
+          </p:cNvPr>
+          <p:cNvSpPr txBox="1"/>
+          <p:nvPr/>
+        </p:nvSpPr>
+        <p:spPr>
+          <a:xfrm>
+            <a:off x="6908802" y="1141519"/>
+            <a:ext cx="557875" cy="338554"/>
+          </a:xfrm>
+          <a:prstGeom prst="rect">
+            <a:avLst/>
+          </a:prstGeom>
+          <a:noFill/>
+        </p:spPr>
+        <p:txBody>
+          <a:bodyPr wrap="square" rtlCol="0">
+            <a:spAutoFit/>
+          </a:bodyPr>
+          <a:lstStyle/>
+          <a:p>
+            <a:pPr algn="ctr"/>
+            <a:r>
+              <a:rPr kumimoji="1" lang="en-US" altLang="ko-KR" sz="1600" dirty="0">
+                <a:latin typeface="Cascadia Code" pitchFamily="49" charset="0"/>
+                <a:ea typeface="Cascadia Code" pitchFamily="49" charset="0"/>
+                <a:cs typeface="Cascadia Code" pitchFamily="49" charset="0"/>
+              </a:rPr>
+              <a:t>age</a:t>
+            </a:r>
+            <a:endParaRPr kumimoji="1" lang="ko-KR" altLang="en-US" sz="1600" dirty="0">
+              <a:latin typeface="Cascadia Code" pitchFamily="49" charset="0"/>
+              <a:ea typeface="Cascadia Code" pitchFamily="49" charset="0"/>
+              <a:cs typeface="Cascadia Code" pitchFamily="49" charset="0"/>
+            </a:endParaRPr>
+          </a:p>
+        </p:txBody>
+      </p:sp>
+      <p:sp>
+        <p:nvSpPr>
+          <p:cNvPr id="8" name="TextBox 7">
+            <a:extLst>
+              <a:ext uri="{FF2B5EF4-FFF2-40B4-BE49-F238E27FC236}">
+                <a16:creationId xmlns:a16="http://schemas.microsoft.com/office/drawing/2014/main" id="{906F15F5-3EB5-2784-9D16-FFBBD1926492}"/>
+              </a:ext>
+            </a:extLst>
+          </p:cNvPr>
+          <p:cNvSpPr txBox="1"/>
+          <p:nvPr/>
+        </p:nvSpPr>
+        <p:spPr>
+          <a:xfrm>
+            <a:off x="7604068" y="0"/>
+            <a:ext cx="906317" cy="369332"/>
+          </a:xfrm>
+          <a:prstGeom prst="rect">
+            <a:avLst/>
+          </a:prstGeom>
+          <a:noFill/>
+        </p:spPr>
+        <p:txBody>
+          <a:bodyPr wrap="square">
+            <a:spAutoFit/>
+          </a:bodyPr>
+          <a:lstStyle/>
+          <a:p>
+            <a:pPr algn="ctr"/>
+            <a:r>
+              <a:rPr lang="en-US" altLang="ko-KR" dirty="0">
+                <a:latin typeface="Cascadia Code" pitchFamily="49" charset="0"/>
+                <a:cs typeface="Cascadia Code" pitchFamily="49" charset="0"/>
+              </a:rPr>
+              <a:t>user</a:t>
+            </a:r>
+            <a:endParaRPr lang="ko-KR" altLang="en-US" dirty="0"/>
+          </a:p>
+        </p:txBody>
+      </p:sp>
+      <p:sp>
+        <p:nvSpPr>
+          <p:cNvPr id="9" name="직사각형 8">
+            <a:extLst>
+              <a:ext uri="{FF2B5EF4-FFF2-40B4-BE49-F238E27FC236}">
+                <a16:creationId xmlns:a16="http://schemas.microsoft.com/office/drawing/2014/main" id="{14CB84D0-F1A3-8BE2-399C-542AFB034647}"/>
+              </a:ext>
+            </a:extLst>
+          </p:cNvPr>
+          <p:cNvSpPr/>
+          <p:nvPr/>
+        </p:nvSpPr>
+        <p:spPr>
+          <a:xfrm>
+            <a:off x="9975272" y="1005566"/>
+            <a:ext cx="1528388" cy="474508"/>
+          </a:xfrm>
+          <a:prstGeom prst="rect">
+            <a:avLst/>
+          </a:prstGeom>
+          <a:solidFill>
+            <a:srgbClr val="FFFF00"/>
+          </a:solidFill>
+          <a:ln>
+            <a:solidFill>
+              <a:srgbClr val="FF0000"/>
+            </a:solidFill>
+          </a:ln>
+        </p:spPr>
+        <p:style>
+          <a:lnRef idx="2">
+            <a:schemeClr val="accent1">
+              <a:shade val="15000"/>
+            </a:schemeClr>
+          </a:lnRef>
+          <a:fillRef idx="1">
+            <a:schemeClr val="accent1"/>
+          </a:fillRef>
+          <a:effectRef idx="0">
+            <a:schemeClr val="accent1"/>
+          </a:effectRef>
+          <a:fontRef idx="minor">
+            <a:schemeClr val="lt1"/>
+          </a:fontRef>
+        </p:style>
+        <p:txBody>
+          <a:bodyPr rtlCol="0" anchor="ctr"/>
+          <a:lstStyle/>
+          <a:p>
+            <a:pPr algn="ctr"/>
+            <a:r>
+              <a:rPr kumimoji="1" lang="en-US" altLang="ko-KR" sz="1600" dirty="0">
+                <a:solidFill>
+                  <a:schemeClr val="tx1"/>
+                </a:solidFill>
+                <a:latin typeface="Cascadia Code" pitchFamily="49" charset="0"/>
+                <a:cs typeface="Cascadia Code" pitchFamily="49" charset="0"/>
+              </a:rPr>
+              <a:t>“Tom”</a:t>
+            </a:r>
+            <a:endParaRPr kumimoji="1" lang="ko-KR" altLang="en-US" sz="1600" dirty="0">
+              <a:solidFill>
+                <a:schemeClr val="tx1"/>
+              </a:solidFill>
+              <a:latin typeface="Cascadia Code" pitchFamily="49" charset="0"/>
+              <a:cs typeface="Cascadia Code" pitchFamily="49" charset="0"/>
+            </a:endParaRPr>
+          </a:p>
+        </p:txBody>
+      </p:sp>
+      <p:cxnSp>
+        <p:nvCxnSpPr>
+          <p:cNvPr id="10" name="구부러진 연결선[U] 9">
+            <a:extLst>
+              <a:ext uri="{FF2B5EF4-FFF2-40B4-BE49-F238E27FC236}">
+                <a16:creationId xmlns:a16="http://schemas.microsoft.com/office/drawing/2014/main" id="{00A86509-FEB1-EAAD-F665-79AB260544C2}"/>
+              </a:ext>
+            </a:extLst>
+          </p:cNvPr>
+          <p:cNvCxnSpPr>
+            <a:stCxn id="4" idx="3"/>
+            <a:endCxn id="9" idx="1"/>
+          </p:cNvCxnSpPr>
+          <p:nvPr/>
+        </p:nvCxnSpPr>
+        <p:spPr>
+          <a:xfrm>
+            <a:off x="8617297" y="700334"/>
+            <a:ext cx="1357975" cy="542486"/>
+          </a:xfrm>
+          <a:prstGeom prst="curvedConnector3">
+            <a:avLst/>
+          </a:prstGeom>
+          <a:ln>
+            <a:tailEnd type="triangle"/>
+          </a:ln>
+        </p:spPr>
+        <p:style>
+          <a:lnRef idx="2">
+            <a:schemeClr val="dk1"/>
+          </a:lnRef>
+          <a:fillRef idx="0">
+            <a:schemeClr val="dk1"/>
+          </a:fillRef>
+          <a:effectRef idx="1">
+            <a:schemeClr val="dk1"/>
+          </a:effectRef>
+          <a:fontRef idx="minor">
+            <a:schemeClr val="tx1"/>
+          </a:fontRef>
+        </p:style>
+      </p:cxnSp>
+      <p:sp>
+        <p:nvSpPr>
+          <p:cNvPr id="11" name="직사각형 10">
+            <a:extLst>
+              <a:ext uri="{FF2B5EF4-FFF2-40B4-BE49-F238E27FC236}">
+                <a16:creationId xmlns:a16="http://schemas.microsoft.com/office/drawing/2014/main" id="{A415A8AD-44A0-9D88-ACB7-A25F76C0E016}"/>
+              </a:ext>
+            </a:extLst>
+          </p:cNvPr>
+          <p:cNvSpPr/>
+          <p:nvPr/>
+        </p:nvSpPr>
+        <p:spPr>
+          <a:xfrm>
+            <a:off x="7497157" y="1616028"/>
+            <a:ext cx="1120140" cy="610463"/>
+          </a:xfrm>
+          <a:prstGeom prst="rect">
+            <a:avLst/>
+          </a:prstGeom>
+          <a:solidFill>
+            <a:srgbClr val="FFFF00"/>
+          </a:solidFill>
+          <a:ln>
+            <a:solidFill>
+              <a:srgbClr val="FF0000"/>
+            </a:solidFill>
+          </a:ln>
+        </p:spPr>
+        <p:style>
+          <a:lnRef idx="2">
+            <a:schemeClr val="accent1">
+              <a:shade val="15000"/>
+            </a:schemeClr>
+          </a:lnRef>
+          <a:fillRef idx="1">
+            <a:schemeClr val="accent1"/>
+          </a:fillRef>
+          <a:effectRef idx="0">
+            <a:schemeClr val="accent1"/>
+          </a:effectRef>
+          <a:fontRef idx="minor">
+            <a:schemeClr val="lt1"/>
+          </a:fontRef>
+        </p:style>
+        <p:txBody>
+          <a:bodyPr rtlCol="0" anchor="ctr"/>
+          <a:lstStyle/>
+          <a:p>
+            <a:pPr algn="ctr"/>
+            <a:r>
+              <a:rPr kumimoji="1" lang="en-US" altLang="ko-KR" sz="1600" dirty="0">
+                <a:solidFill>
+                  <a:schemeClr val="tx1"/>
+                </a:solidFill>
+                <a:latin typeface="Cascadia Code" pitchFamily="49" charset="0"/>
+                <a:cs typeface="Cascadia Code" pitchFamily="49" charset="0"/>
+              </a:rPr>
+              <a:t>0x200</a:t>
+            </a:r>
+            <a:endParaRPr kumimoji="1" lang="ko-KR" altLang="en-US" sz="1600" dirty="0">
+              <a:solidFill>
+                <a:schemeClr val="tx1"/>
+              </a:solidFill>
+              <a:latin typeface="Cascadia Code" pitchFamily="49" charset="0"/>
+              <a:cs typeface="Cascadia Code" pitchFamily="49" charset="0"/>
+            </a:endParaRPr>
+          </a:p>
+        </p:txBody>
+      </p:sp>
+      <p:sp>
+        <p:nvSpPr>
+          <p:cNvPr id="12" name="TextBox 11">
+            <a:extLst>
+              <a:ext uri="{FF2B5EF4-FFF2-40B4-BE49-F238E27FC236}">
+                <a16:creationId xmlns:a16="http://schemas.microsoft.com/office/drawing/2014/main" id="{4BDA71F0-B973-8BB6-C4FE-8EFD13707402}"/>
+              </a:ext>
+            </a:extLst>
+          </p:cNvPr>
+          <p:cNvSpPr txBox="1"/>
+          <p:nvPr/>
+        </p:nvSpPr>
+        <p:spPr>
+          <a:xfrm>
+            <a:off x="6908802" y="1729261"/>
+            <a:ext cx="557875" cy="338554"/>
+          </a:xfrm>
+          <a:prstGeom prst="rect">
+            <a:avLst/>
+          </a:prstGeom>
+          <a:noFill/>
+        </p:spPr>
+        <p:txBody>
+          <a:bodyPr wrap="square" rtlCol="0">
+            <a:spAutoFit/>
+          </a:bodyPr>
+          <a:lstStyle/>
+          <a:p>
+            <a:pPr algn="ctr"/>
+            <a:r>
+              <a:rPr kumimoji="1" lang="en-US" altLang="ko-KR" sz="1600" dirty="0">
+                <a:latin typeface="Cascadia Code" pitchFamily="49" charset="0"/>
+                <a:ea typeface="Cascadia Code" pitchFamily="49" charset="0"/>
+                <a:cs typeface="Cascadia Code" pitchFamily="49" charset="0"/>
+              </a:rPr>
+              <a:t>ref</a:t>
+            </a:r>
+            <a:endParaRPr kumimoji="1" lang="ko-KR" altLang="en-US" sz="1600" dirty="0">
+              <a:latin typeface="Cascadia Code" pitchFamily="49" charset="0"/>
+              <a:ea typeface="Cascadia Code" pitchFamily="49" charset="0"/>
+              <a:cs typeface="Cascadia Code" pitchFamily="49" charset="0"/>
+            </a:endParaRPr>
+          </a:p>
+        </p:txBody>
+      </p:sp>
+      <p:cxnSp>
+        <p:nvCxnSpPr>
+          <p:cNvPr id="13" name="구부러진 연결선[U] 12">
+            <a:extLst>
+              <a:ext uri="{FF2B5EF4-FFF2-40B4-BE49-F238E27FC236}">
+                <a16:creationId xmlns:a16="http://schemas.microsoft.com/office/drawing/2014/main" id="{59D331FE-43E1-9043-F68F-5545DA36F3D6}"/>
+              </a:ext>
+            </a:extLst>
+          </p:cNvPr>
+          <p:cNvCxnSpPr>
+            <a:cxnSpLocks/>
+            <a:stCxn id="11" idx="3"/>
+            <a:endCxn id="16" idx="1"/>
+          </p:cNvCxnSpPr>
+          <p:nvPr/>
+        </p:nvCxnSpPr>
+        <p:spPr>
+          <a:xfrm>
+            <a:off x="8617297" y="1921260"/>
+            <a:ext cx="1838267" cy="405091"/>
+          </a:xfrm>
+          <a:prstGeom prst="curvedConnector3">
+            <a:avLst/>
+          </a:prstGeom>
+          <a:ln>
+            <a:tailEnd type="triangle"/>
+          </a:ln>
+        </p:spPr>
+        <p:style>
+          <a:lnRef idx="2">
+            <a:schemeClr val="dk1"/>
+          </a:lnRef>
+          <a:fillRef idx="0">
+            <a:schemeClr val="dk1"/>
+          </a:fillRef>
+          <a:effectRef idx="1">
+            <a:schemeClr val="dk1"/>
+          </a:effectRef>
+          <a:fontRef idx="minor">
+            <a:schemeClr val="tx1"/>
+          </a:fontRef>
+        </p:style>
+      </p:cxnSp>
+      <p:sp>
+        <p:nvSpPr>
+          <p:cNvPr id="16" name="직사각형 15">
+            <a:extLst>
+              <a:ext uri="{FF2B5EF4-FFF2-40B4-BE49-F238E27FC236}">
+                <a16:creationId xmlns:a16="http://schemas.microsoft.com/office/drawing/2014/main" id="{6DE6555A-07CC-AD5C-EB5B-357AFEEFA67B}"/>
+              </a:ext>
+            </a:extLst>
+          </p:cNvPr>
+          <p:cNvSpPr/>
+          <p:nvPr/>
+        </p:nvSpPr>
+        <p:spPr>
+          <a:xfrm>
+            <a:off x="10455564" y="2089097"/>
+            <a:ext cx="914400" cy="474508"/>
+          </a:xfrm>
+          <a:prstGeom prst="rect">
+            <a:avLst/>
+          </a:prstGeom>
+          <a:solidFill>
+            <a:srgbClr val="FFFF00"/>
+          </a:solidFill>
+          <a:ln>
+            <a:solidFill>
+              <a:srgbClr val="FF0000"/>
+            </a:solidFill>
+          </a:ln>
+        </p:spPr>
+        <p:style>
+          <a:lnRef idx="2">
+            <a:schemeClr val="accent1">
+              <a:shade val="15000"/>
+            </a:schemeClr>
+          </a:lnRef>
+          <a:fillRef idx="1">
+            <a:schemeClr val="accent1"/>
+          </a:fillRef>
+          <a:effectRef idx="0">
+            <a:schemeClr val="accent1"/>
+          </a:effectRef>
+          <a:fontRef idx="minor">
+            <a:schemeClr val="lt1"/>
+          </a:fontRef>
+        </p:style>
+        <p:txBody>
+          <a:bodyPr rtlCol="0" anchor="ctr"/>
+          <a:lstStyle/>
+          <a:p>
+            <a:pPr algn="ctr"/>
+            <a:r>
+              <a:rPr kumimoji="1" lang="en-US" altLang="ko-KR" sz="1600" dirty="0">
+                <a:solidFill>
+                  <a:srgbClr val="FF0000"/>
+                </a:solidFill>
+                <a:latin typeface="Cascadia Code" pitchFamily="49" charset="0"/>
+                <a:cs typeface="Cascadia Code" pitchFamily="49" charset="0"/>
+              </a:rPr>
+              <a:t>0</a:t>
+            </a:r>
+            <a:endParaRPr kumimoji="1" lang="ko-KR" altLang="en-US" sz="1600" dirty="0">
+              <a:solidFill>
+                <a:srgbClr val="FF0000"/>
+              </a:solidFill>
+              <a:latin typeface="Cascadia Code" pitchFamily="49" charset="0"/>
+              <a:cs typeface="Cascadia Code" pitchFamily="49" charset="0"/>
+            </a:endParaRPr>
+          </a:p>
+        </p:txBody>
+      </p:sp>
+    </p:spTree>
+    <p:extLst>
+      <p:ext uri="{BB962C8B-B14F-4D97-AF65-F5344CB8AC3E}">
+        <p14:creationId xmlns:p14="http://schemas.microsoft.com/office/powerpoint/2010/main" val="1117873057"/>
       </p:ext>
     </p:extLst>
   </p:cSld>

--- a/cpp_240708.pptx
+++ b/cpp_240708.pptx
@@ -37,11 +37,12 @@
     <p:sldId id="285" r:id="rId31"/>
     <p:sldId id="286" r:id="rId32"/>
     <p:sldId id="287" r:id="rId33"/>
-    <p:sldId id="288" r:id="rId34"/>
-    <p:sldId id="289" r:id="rId35"/>
-    <p:sldId id="290" r:id="rId36"/>
-    <p:sldId id="291" r:id="rId37"/>
-    <p:sldId id="292" r:id="rId38"/>
+    <p:sldId id="293" r:id="rId34"/>
+    <p:sldId id="288" r:id="rId35"/>
+    <p:sldId id="289" r:id="rId36"/>
+    <p:sldId id="290" r:id="rId37"/>
+    <p:sldId id="291" r:id="rId38"/>
+    <p:sldId id="292" r:id="rId39"/>
   </p:sldIdLst>
   <p:sldSz cx="12192000" cy="6858000"/>
   <p:notesSz cx="6858000" cy="9144000"/>
@@ -27368,16 +27369,16 @@
             <a:r>
               <a:rPr kumimoji="1" lang="en-US" altLang="ko-KR" sz="1600" dirty="0">
                 <a:solidFill>
-                  <a:schemeClr val="tx1"/>
+                  <a:srgbClr val="FF0000"/>
                 </a:solidFill>
                 <a:latin typeface="Cascadia Code" pitchFamily="49" charset="0"/>
                 <a:cs typeface="Cascadia Code" pitchFamily="49" charset="0"/>
               </a:rPr>
-              <a:t>2</a:t>
+              <a:t>1</a:t>
             </a:r>
             <a:endParaRPr kumimoji="1" lang="ko-KR" altLang="en-US" sz="1600" dirty="0">
               <a:solidFill>
-                <a:schemeClr val="tx1"/>
+                <a:srgbClr val="FF0000"/>
               </a:solidFill>
               <a:latin typeface="Cascadia Code" pitchFamily="49" charset="0"/>
               <a:cs typeface="Cascadia Code" pitchFamily="49" charset="0"/>
@@ -27387,75 +27388,10 @@
       </p:sp>
       <p:sp>
         <p:nvSpPr>
-          <p:cNvPr id="19" name="직사각형 18">
-            <a:extLst>
-              <a:ext uri="{FF2B5EF4-FFF2-40B4-BE49-F238E27FC236}">
-                <a16:creationId xmlns:a16="http://schemas.microsoft.com/office/drawing/2014/main" id="{D74DB03D-1942-00CB-7788-599AF7A7D8F3}"/>
-              </a:ext>
-            </a:extLst>
-          </p:cNvPr>
-          <p:cNvSpPr/>
-          <p:nvPr/>
-        </p:nvSpPr>
-        <p:spPr>
-          <a:xfrm>
-            <a:off x="7497157" y="2867396"/>
-            <a:ext cx="1120140" cy="610463"/>
-          </a:xfrm>
-          <a:prstGeom prst="rect">
-            <a:avLst/>
-          </a:prstGeom>
-          <a:solidFill>
-            <a:srgbClr val="FFFF00"/>
-          </a:solidFill>
-        </p:spPr>
-        <p:style>
-          <a:lnRef idx="2">
-            <a:schemeClr val="accent1">
-              <a:shade val="15000"/>
-            </a:schemeClr>
-          </a:lnRef>
-          <a:fillRef idx="1">
-            <a:schemeClr val="accent1"/>
-          </a:fillRef>
-          <a:effectRef idx="0">
-            <a:schemeClr val="accent1"/>
-          </a:effectRef>
-          <a:fontRef idx="minor">
-            <a:schemeClr val="lt1"/>
-          </a:fontRef>
-        </p:style>
-        <p:txBody>
-          <a:bodyPr rtlCol="0" anchor="ctr"/>
-          <a:lstStyle/>
-          <a:p>
-            <a:pPr algn="ctr"/>
-            <a:r>
-              <a:rPr kumimoji="1" lang="en-US" altLang="ko-KR" sz="1600" dirty="0">
-                <a:solidFill>
-                  <a:schemeClr val="tx1"/>
-                </a:solidFill>
-                <a:latin typeface="Cascadia Code" pitchFamily="49" charset="0"/>
-                <a:cs typeface="Cascadia Code" pitchFamily="49" charset="0"/>
-              </a:rPr>
-              <a:t>0x100</a:t>
-            </a:r>
-            <a:endParaRPr kumimoji="1" lang="ko-KR" altLang="en-US" sz="1600" dirty="0">
-              <a:solidFill>
-                <a:schemeClr val="tx1"/>
-              </a:solidFill>
-              <a:latin typeface="Cascadia Code" pitchFamily="49" charset="0"/>
-              <a:cs typeface="Cascadia Code" pitchFamily="49" charset="0"/>
-            </a:endParaRPr>
-          </a:p>
-        </p:txBody>
-      </p:sp>
-      <p:sp>
-        <p:nvSpPr>
-          <p:cNvPr id="20" name="TextBox 19">
-            <a:extLst>
-              <a:ext uri="{FF2B5EF4-FFF2-40B4-BE49-F238E27FC236}">
-                <a16:creationId xmlns:a16="http://schemas.microsoft.com/office/drawing/2014/main" id="{99EBA079-7CAC-E527-D493-836D28B65874}"/>
+          <p:cNvPr id="3" name="TextBox 2">
+            <a:extLst>
+              <a:ext uri="{FF2B5EF4-FFF2-40B4-BE49-F238E27FC236}">
+                <a16:creationId xmlns:a16="http://schemas.microsoft.com/office/drawing/2014/main" id="{CB0E73F8-4445-5CB6-DDA5-4CDFE6EED56E}"/>
               </a:ext>
             </a:extLst>
           </p:cNvPr>
@@ -27464,163 +27400,8 @@
         </p:nvSpPr>
         <p:spPr>
           <a:xfrm>
-            <a:off x="6788729" y="3003350"/>
-            <a:ext cx="677948" cy="338554"/>
-          </a:xfrm>
-          <a:prstGeom prst="rect">
-            <a:avLst/>
-          </a:prstGeom>
-          <a:noFill/>
-        </p:spPr>
-        <p:txBody>
-          <a:bodyPr wrap="square" rtlCol="0">
-            <a:spAutoFit/>
-          </a:bodyPr>
-          <a:lstStyle/>
-          <a:p>
-            <a:pPr algn="ctr"/>
-            <a:r>
-              <a:rPr kumimoji="1" lang="en-US" altLang="ko-KR" sz="1600" dirty="0">
-                <a:latin typeface="Cascadia Code" pitchFamily="49" charset="0"/>
-                <a:ea typeface="Cascadia Code" pitchFamily="49" charset="0"/>
-                <a:cs typeface="Cascadia Code" pitchFamily="49" charset="0"/>
-              </a:rPr>
-              <a:t>name</a:t>
-            </a:r>
-            <a:endParaRPr kumimoji="1" lang="ko-KR" altLang="en-US" sz="1600" dirty="0">
-              <a:latin typeface="Cascadia Code" pitchFamily="49" charset="0"/>
-              <a:ea typeface="Cascadia Code" pitchFamily="49" charset="0"/>
-              <a:cs typeface="Cascadia Code" pitchFamily="49" charset="0"/>
-            </a:endParaRPr>
-          </a:p>
-        </p:txBody>
-      </p:sp>
-      <p:sp>
-        <p:nvSpPr>
-          <p:cNvPr id="21" name="직사각형 20">
-            <a:extLst>
-              <a:ext uri="{FF2B5EF4-FFF2-40B4-BE49-F238E27FC236}">
-                <a16:creationId xmlns:a16="http://schemas.microsoft.com/office/drawing/2014/main" id="{650CC05E-ACBC-7F5E-AF4F-05E7DAB6F011}"/>
-              </a:ext>
-            </a:extLst>
-          </p:cNvPr>
-          <p:cNvSpPr/>
-          <p:nvPr/>
-        </p:nvSpPr>
-        <p:spPr>
-          <a:xfrm>
-            <a:off x="7497157" y="3477859"/>
-            <a:ext cx="1120140" cy="610463"/>
-          </a:xfrm>
-          <a:prstGeom prst="rect">
-            <a:avLst/>
-          </a:prstGeom>
-          <a:solidFill>
-            <a:srgbClr val="FFFF00"/>
-          </a:solidFill>
-        </p:spPr>
-        <p:style>
-          <a:lnRef idx="2">
-            <a:schemeClr val="accent1">
-              <a:shade val="15000"/>
-            </a:schemeClr>
-          </a:lnRef>
-          <a:fillRef idx="1">
-            <a:schemeClr val="accent1"/>
-          </a:fillRef>
-          <a:effectRef idx="0">
-            <a:schemeClr val="accent1"/>
-          </a:effectRef>
-          <a:fontRef idx="minor">
-            <a:schemeClr val="lt1"/>
-          </a:fontRef>
-        </p:style>
-        <p:txBody>
-          <a:bodyPr rtlCol="0" anchor="ctr"/>
-          <a:lstStyle/>
-          <a:p>
-            <a:pPr algn="ctr"/>
-            <a:r>
-              <a:rPr kumimoji="1" lang="en-US" altLang="ko-KR" sz="1600" dirty="0">
-                <a:solidFill>
-                  <a:schemeClr val="tx1"/>
-                </a:solidFill>
-                <a:latin typeface="Cascadia Code" pitchFamily="49" charset="0"/>
-                <a:cs typeface="Cascadia Code" pitchFamily="49" charset="0"/>
-              </a:rPr>
-              <a:t>42</a:t>
-            </a:r>
-            <a:endParaRPr kumimoji="1" lang="ko-KR" altLang="en-US" sz="1600" dirty="0">
-              <a:solidFill>
-                <a:schemeClr val="tx1"/>
-              </a:solidFill>
-              <a:latin typeface="Cascadia Code" pitchFamily="49" charset="0"/>
-              <a:cs typeface="Cascadia Code" pitchFamily="49" charset="0"/>
-            </a:endParaRPr>
-          </a:p>
-        </p:txBody>
-      </p:sp>
-      <p:sp>
-        <p:nvSpPr>
-          <p:cNvPr id="22" name="TextBox 21">
-            <a:extLst>
-              <a:ext uri="{FF2B5EF4-FFF2-40B4-BE49-F238E27FC236}">
-                <a16:creationId xmlns:a16="http://schemas.microsoft.com/office/drawing/2014/main" id="{4BCB6372-5EA1-C522-ECEA-CDE92F08B367}"/>
-              </a:ext>
-            </a:extLst>
-          </p:cNvPr>
-          <p:cNvSpPr txBox="1"/>
-          <p:nvPr/>
-        </p:nvSpPr>
-        <p:spPr>
-          <a:xfrm>
-            <a:off x="6908802" y="3613813"/>
-            <a:ext cx="557875" cy="338554"/>
-          </a:xfrm>
-          <a:prstGeom prst="rect">
-            <a:avLst/>
-          </a:prstGeom>
-          <a:noFill/>
-        </p:spPr>
-        <p:txBody>
-          <a:bodyPr wrap="square" rtlCol="0">
-            <a:spAutoFit/>
-          </a:bodyPr>
-          <a:lstStyle/>
-          <a:p>
-            <a:pPr algn="ctr"/>
-            <a:r>
-              <a:rPr kumimoji="1" lang="en-US" altLang="ko-KR" sz="1600" dirty="0">
-                <a:latin typeface="Cascadia Code" pitchFamily="49" charset="0"/>
-                <a:ea typeface="Cascadia Code" pitchFamily="49" charset="0"/>
-                <a:cs typeface="Cascadia Code" pitchFamily="49" charset="0"/>
-              </a:rPr>
-              <a:t>age</a:t>
-            </a:r>
-            <a:endParaRPr kumimoji="1" lang="ko-KR" altLang="en-US" sz="1600" dirty="0">
-              <a:latin typeface="Cascadia Code" pitchFamily="49" charset="0"/>
-              <a:ea typeface="Cascadia Code" pitchFamily="49" charset="0"/>
-              <a:cs typeface="Cascadia Code" pitchFamily="49" charset="0"/>
-            </a:endParaRPr>
-          </a:p>
-        </p:txBody>
-      </p:sp>
-      <p:sp>
-        <p:nvSpPr>
-          <p:cNvPr id="23" name="TextBox 22">
-            <a:extLst>
-              <a:ext uri="{FF2B5EF4-FFF2-40B4-BE49-F238E27FC236}">
-                <a16:creationId xmlns:a16="http://schemas.microsoft.com/office/drawing/2014/main" id="{EC6F1E9F-41C2-2086-ABCA-5166F003D05F}"/>
-              </a:ext>
-            </a:extLst>
-          </p:cNvPr>
-          <p:cNvSpPr txBox="1"/>
-          <p:nvPr/>
-        </p:nvSpPr>
-        <p:spPr>
-          <a:xfrm>
-            <a:off x="7604068" y="2472294"/>
-            <a:ext cx="906317" cy="369332"/>
+            <a:off x="392431" y="767097"/>
+            <a:ext cx="6096000" cy="2031325"/>
           </a:xfrm>
           <a:prstGeom prst="rect">
             <a:avLst/>
@@ -27633,222 +27414,382 @@
           </a:bodyPr>
           <a:lstStyle/>
           <a:p>
-            <a:pPr algn="ctr"/>
+            <a:r>
+              <a:rPr lang="ko-KR" altLang="en-US" dirty="0">
+                <a:latin typeface="Cascadia Code" pitchFamily="49" charset="0"/>
+                <a:cs typeface="Cascadia Code" pitchFamily="49" charset="0"/>
+              </a:rPr>
+              <a:t> </a:t>
+            </a:r>
+            <a:r>
+              <a:rPr lang="ko-KR" altLang="en-US" dirty="0" err="1">
+                <a:latin typeface="Cascadia Code" pitchFamily="49" charset="0"/>
+                <a:cs typeface="Cascadia Code" pitchFamily="49" charset="0"/>
+              </a:rPr>
+              <a:t>User</a:t>
+            </a:r>
+            <a:r>
+              <a:rPr lang="ko-KR" altLang="en-US" dirty="0">
+                <a:latin typeface="Cascadia Code" pitchFamily="49" charset="0"/>
+                <a:cs typeface="Cascadia Code" pitchFamily="49" charset="0"/>
+              </a:rPr>
+              <a:t>(</a:t>
+            </a:r>
+            <a:r>
+              <a:rPr lang="ko-KR" altLang="en-US" dirty="0" err="1">
+                <a:latin typeface="Cascadia Code" pitchFamily="49" charset="0"/>
+                <a:cs typeface="Cascadia Code" pitchFamily="49" charset="0"/>
+              </a:rPr>
+              <a:t>const</a:t>
+            </a:r>
+            <a:r>
+              <a:rPr lang="ko-KR" altLang="en-US" dirty="0">
+                <a:latin typeface="Cascadia Code" pitchFamily="49" charset="0"/>
+                <a:cs typeface="Cascadia Code" pitchFamily="49" charset="0"/>
+              </a:rPr>
+              <a:t> </a:t>
+            </a:r>
+            <a:r>
+              <a:rPr lang="ko-KR" altLang="en-US" dirty="0" err="1">
+                <a:latin typeface="Cascadia Code" pitchFamily="49" charset="0"/>
+                <a:cs typeface="Cascadia Code" pitchFamily="49" charset="0"/>
+              </a:rPr>
+              <a:t>char</a:t>
+            </a:r>
+            <a:r>
+              <a:rPr lang="ko-KR" altLang="en-US" dirty="0">
+                <a:latin typeface="Cascadia Code" pitchFamily="49" charset="0"/>
+                <a:cs typeface="Cascadia Code" pitchFamily="49" charset="0"/>
+              </a:rPr>
+              <a:t>* </a:t>
+            </a:r>
+            <a:r>
+              <a:rPr lang="ko-KR" altLang="en-US" dirty="0" err="1">
+                <a:latin typeface="Cascadia Code" pitchFamily="49" charset="0"/>
+                <a:cs typeface="Cascadia Code" pitchFamily="49" charset="0"/>
+              </a:rPr>
+              <a:t>s</a:t>
+            </a:r>
+            <a:r>
+              <a:rPr lang="ko-KR" altLang="en-US" dirty="0">
+                <a:latin typeface="Cascadia Code" pitchFamily="49" charset="0"/>
+                <a:cs typeface="Cascadia Code" pitchFamily="49" charset="0"/>
+              </a:rPr>
+              <a:t>, </a:t>
+            </a:r>
+            <a:r>
+              <a:rPr lang="ko-KR" altLang="en-US" dirty="0" err="1">
+                <a:latin typeface="Cascadia Code" pitchFamily="49" charset="0"/>
+                <a:cs typeface="Cascadia Code" pitchFamily="49" charset="0"/>
+              </a:rPr>
+              <a:t>int</a:t>
+            </a:r>
+            <a:r>
+              <a:rPr lang="ko-KR" altLang="en-US" dirty="0">
+                <a:latin typeface="Cascadia Code" pitchFamily="49" charset="0"/>
+                <a:cs typeface="Cascadia Code" pitchFamily="49" charset="0"/>
+              </a:rPr>
+              <a:t> </a:t>
+            </a:r>
+            <a:r>
+              <a:rPr lang="ko-KR" altLang="en-US" dirty="0" err="1">
+                <a:latin typeface="Cascadia Code" pitchFamily="49" charset="0"/>
+                <a:cs typeface="Cascadia Code" pitchFamily="49" charset="0"/>
+              </a:rPr>
+              <a:t>n</a:t>
+            </a:r>
+            <a:r>
+              <a:rPr lang="ko-KR" altLang="en-US" dirty="0">
+                <a:latin typeface="Cascadia Code" pitchFamily="49" charset="0"/>
+                <a:cs typeface="Cascadia Code" pitchFamily="49" charset="0"/>
+              </a:rPr>
+              <a:t>)</a:t>
+            </a:r>
+          </a:p>
+          <a:p>
+            <a:r>
+              <a:rPr lang="ko-KR" altLang="en-US" dirty="0">
+                <a:latin typeface="Cascadia Code" pitchFamily="49" charset="0"/>
+                <a:cs typeface="Cascadia Code" pitchFamily="49" charset="0"/>
+              </a:rPr>
+              <a:t>        : </a:t>
+            </a:r>
+            <a:r>
+              <a:rPr lang="ko-KR" altLang="en-US" dirty="0" err="1">
+                <a:latin typeface="Cascadia Code" pitchFamily="49" charset="0"/>
+                <a:cs typeface="Cascadia Code" pitchFamily="49" charset="0"/>
+              </a:rPr>
+              <a:t>age</a:t>
+            </a:r>
+            <a:r>
+              <a:rPr lang="ko-KR" altLang="en-US" dirty="0">
+                <a:latin typeface="Cascadia Code" pitchFamily="49" charset="0"/>
+                <a:cs typeface="Cascadia Code" pitchFamily="49" charset="0"/>
+              </a:rPr>
+              <a:t> { </a:t>
+            </a:r>
+            <a:r>
+              <a:rPr lang="ko-KR" altLang="en-US" dirty="0" err="1">
+                <a:latin typeface="Cascadia Code" pitchFamily="49" charset="0"/>
+                <a:cs typeface="Cascadia Code" pitchFamily="49" charset="0"/>
+              </a:rPr>
+              <a:t>n</a:t>
+            </a:r>
+            <a:r>
+              <a:rPr lang="ko-KR" altLang="en-US" dirty="0">
+                <a:latin typeface="Cascadia Code" pitchFamily="49" charset="0"/>
+                <a:cs typeface="Cascadia Code" pitchFamily="49" charset="0"/>
+              </a:rPr>
+              <a:t> }</a:t>
+            </a:r>
+          </a:p>
+          <a:p>
             <a:r>
               <a:rPr lang="en-US" altLang="ko-KR" dirty="0">
                 <a:latin typeface="Cascadia Code" pitchFamily="49" charset="0"/>
                 <a:cs typeface="Cascadia Code" pitchFamily="49" charset="0"/>
               </a:rPr>
-              <a:t>other</a:t>
-            </a:r>
-            <a:endParaRPr lang="ko-KR" altLang="en-US" dirty="0"/>
-          </a:p>
-        </p:txBody>
-      </p:sp>
-      <p:sp>
-        <p:nvSpPr>
-          <p:cNvPr id="24" name="직사각형 23">
-            <a:extLst>
-              <a:ext uri="{FF2B5EF4-FFF2-40B4-BE49-F238E27FC236}">
-                <a16:creationId xmlns:a16="http://schemas.microsoft.com/office/drawing/2014/main" id="{7029018C-544C-1394-ED08-7261B0393A33}"/>
-              </a:ext>
-            </a:extLst>
-          </p:cNvPr>
-          <p:cNvSpPr/>
-          <p:nvPr/>
-        </p:nvSpPr>
-        <p:spPr>
-          <a:xfrm>
-            <a:off x="7497157" y="4088322"/>
-            <a:ext cx="1120140" cy="610463"/>
-          </a:xfrm>
-          <a:prstGeom prst="rect">
-            <a:avLst/>
-          </a:prstGeom>
-          <a:solidFill>
-            <a:srgbClr val="FFFF00"/>
-          </a:solidFill>
-        </p:spPr>
-        <p:style>
-          <a:lnRef idx="2">
-            <a:schemeClr val="accent1">
-              <a:shade val="15000"/>
-            </a:schemeClr>
-          </a:lnRef>
-          <a:fillRef idx="1">
-            <a:schemeClr val="accent1"/>
-          </a:fillRef>
-          <a:effectRef idx="0">
-            <a:schemeClr val="accent1"/>
-          </a:effectRef>
-          <a:fontRef idx="minor">
-            <a:schemeClr val="lt1"/>
-          </a:fontRef>
-        </p:style>
-        <p:txBody>
-          <a:bodyPr rtlCol="0" anchor="ctr"/>
-          <a:lstStyle/>
-          <a:p>
-            <a:pPr algn="ctr"/>
-            <a:r>
-              <a:rPr kumimoji="1" lang="en-US" altLang="ko-KR" sz="1600" dirty="0">
+              <a:t> </a:t>
+            </a:r>
+            <a:r>
+              <a:rPr lang="ko-KR" altLang="en-US" dirty="0">
+                <a:latin typeface="Cascadia Code" pitchFamily="49" charset="0"/>
+                <a:cs typeface="Cascadia Code" pitchFamily="49" charset="0"/>
+              </a:rPr>
+              <a:t>{</a:t>
+            </a:r>
+          </a:p>
+          <a:p>
+            <a:r>
+              <a:rPr lang="ko-KR" altLang="en-US" dirty="0">
+                <a:latin typeface="Cascadia Code" pitchFamily="49" charset="0"/>
+                <a:cs typeface="Cascadia Code" pitchFamily="49" charset="0"/>
+              </a:rPr>
+              <a:t>     </a:t>
+            </a:r>
+            <a:r>
+              <a:rPr lang="ko-KR" altLang="en-US" dirty="0" err="1">
+                <a:latin typeface="Cascadia Code" pitchFamily="49" charset="0"/>
+                <a:cs typeface="Cascadia Code" pitchFamily="49" charset="0"/>
+              </a:rPr>
+              <a:t>name</a:t>
+            </a:r>
+            <a:r>
+              <a:rPr lang="ko-KR" altLang="en-US" dirty="0">
+                <a:latin typeface="Cascadia Code" pitchFamily="49" charset="0"/>
+                <a:cs typeface="Cascadia Code" pitchFamily="49" charset="0"/>
+              </a:rPr>
+              <a:t> = </a:t>
+            </a:r>
+            <a:r>
+              <a:rPr lang="ko-KR" altLang="en-US" dirty="0" err="1">
+                <a:latin typeface="Cascadia Code" pitchFamily="49" charset="0"/>
+                <a:cs typeface="Cascadia Code" pitchFamily="49" charset="0"/>
+              </a:rPr>
+              <a:t>new</a:t>
+            </a:r>
+            <a:r>
+              <a:rPr lang="ko-KR" altLang="en-US" dirty="0">
+                <a:latin typeface="Cascadia Code" pitchFamily="49" charset="0"/>
+                <a:cs typeface="Cascadia Code" pitchFamily="49" charset="0"/>
+              </a:rPr>
+              <a:t> </a:t>
+            </a:r>
+            <a:r>
+              <a:rPr lang="ko-KR" altLang="en-US" dirty="0" err="1">
+                <a:latin typeface="Cascadia Code" pitchFamily="49" charset="0"/>
+                <a:cs typeface="Cascadia Code" pitchFamily="49" charset="0"/>
+              </a:rPr>
+              <a:t>char</a:t>
+            </a:r>
+            <a:r>
+              <a:rPr lang="ko-KR" altLang="en-US" dirty="0">
+                <a:latin typeface="Cascadia Code" pitchFamily="49" charset="0"/>
+                <a:cs typeface="Cascadia Code" pitchFamily="49" charset="0"/>
+              </a:rPr>
+              <a:t>[</a:t>
+            </a:r>
+            <a:r>
+              <a:rPr lang="ko-KR" altLang="en-US" dirty="0" err="1">
+                <a:latin typeface="Cascadia Code" pitchFamily="49" charset="0"/>
+                <a:cs typeface="Cascadia Code" pitchFamily="49" charset="0"/>
+              </a:rPr>
+              <a:t>strlen</a:t>
+            </a:r>
+            <a:r>
+              <a:rPr lang="ko-KR" altLang="en-US" dirty="0">
+                <a:latin typeface="Cascadia Code" pitchFamily="49" charset="0"/>
+                <a:cs typeface="Cascadia Code" pitchFamily="49" charset="0"/>
+              </a:rPr>
+              <a:t>(</a:t>
+            </a:r>
+            <a:r>
+              <a:rPr lang="ko-KR" altLang="en-US" dirty="0" err="1">
+                <a:latin typeface="Cascadia Code" pitchFamily="49" charset="0"/>
+                <a:cs typeface="Cascadia Code" pitchFamily="49" charset="0"/>
+              </a:rPr>
+              <a:t>s</a:t>
+            </a:r>
+            <a:r>
+              <a:rPr lang="ko-KR" altLang="en-US" dirty="0">
+                <a:latin typeface="Cascadia Code" pitchFamily="49" charset="0"/>
+                <a:cs typeface="Cascadia Code" pitchFamily="49" charset="0"/>
+              </a:rPr>
+              <a:t>) + 1];</a:t>
+            </a:r>
+          </a:p>
+          <a:p>
+            <a:r>
+              <a:rPr lang="ko-KR" altLang="en-US" dirty="0">
+                <a:latin typeface="Cascadia Code" pitchFamily="49" charset="0"/>
+                <a:cs typeface="Cascadia Code" pitchFamily="49" charset="0"/>
+              </a:rPr>
+              <a:t>     </a:t>
+            </a:r>
+            <a:r>
+              <a:rPr lang="ko-KR" altLang="en-US" dirty="0" err="1">
+                <a:latin typeface="Cascadia Code" pitchFamily="49" charset="0"/>
+                <a:cs typeface="Cascadia Code" pitchFamily="49" charset="0"/>
+              </a:rPr>
+              <a:t>strcpy</a:t>
+            </a:r>
+            <a:r>
+              <a:rPr lang="ko-KR" altLang="en-US" dirty="0">
+                <a:latin typeface="Cascadia Code" pitchFamily="49" charset="0"/>
+                <a:cs typeface="Cascadia Code" pitchFamily="49" charset="0"/>
+              </a:rPr>
+              <a:t>(</a:t>
+            </a:r>
+            <a:r>
+              <a:rPr lang="ko-KR" altLang="en-US" dirty="0" err="1">
+                <a:latin typeface="Cascadia Code" pitchFamily="49" charset="0"/>
+                <a:cs typeface="Cascadia Code" pitchFamily="49" charset="0"/>
+              </a:rPr>
+              <a:t>name</a:t>
+            </a:r>
+            <a:r>
+              <a:rPr lang="ko-KR" altLang="en-US" dirty="0">
+                <a:latin typeface="Cascadia Code" pitchFamily="49" charset="0"/>
+                <a:cs typeface="Cascadia Code" pitchFamily="49" charset="0"/>
+              </a:rPr>
+              <a:t>, </a:t>
+            </a:r>
+            <a:r>
+              <a:rPr lang="ko-KR" altLang="en-US" dirty="0" err="1">
+                <a:latin typeface="Cascadia Code" pitchFamily="49" charset="0"/>
+                <a:cs typeface="Cascadia Code" pitchFamily="49" charset="0"/>
+              </a:rPr>
+              <a:t>s</a:t>
+            </a:r>
+            <a:r>
+              <a:rPr lang="ko-KR" altLang="en-US" dirty="0">
+                <a:latin typeface="Cascadia Code" pitchFamily="49" charset="0"/>
+                <a:cs typeface="Cascadia Code" pitchFamily="49" charset="0"/>
+              </a:rPr>
+              <a:t>);</a:t>
+            </a:r>
+          </a:p>
+          <a:p>
+            <a:r>
+              <a:rPr lang="ko-KR" altLang="en-US" dirty="0">
+                <a:latin typeface="Cascadia Code" pitchFamily="49" charset="0"/>
+                <a:cs typeface="Cascadia Code" pitchFamily="49" charset="0"/>
+              </a:rPr>
+              <a:t> </a:t>
+            </a:r>
+            <a:r>
+              <a:rPr lang="ko-KR" altLang="en-US" dirty="0">
                 <a:solidFill>
-                  <a:schemeClr val="tx1"/>
+                  <a:srgbClr val="FF0000"/>
                 </a:solidFill>
                 <a:latin typeface="Cascadia Code" pitchFamily="49" charset="0"/>
                 <a:cs typeface="Cascadia Code" pitchFamily="49" charset="0"/>
               </a:rPr>
-              <a:t>0x200</a:t>
-            </a:r>
-            <a:endParaRPr kumimoji="1" lang="ko-KR" altLang="en-US" sz="1600" dirty="0">
-              <a:solidFill>
-                <a:schemeClr val="tx1"/>
-              </a:solidFill>
-              <a:latin typeface="Cascadia Code" pitchFamily="49" charset="0"/>
-              <a:cs typeface="Cascadia Code" pitchFamily="49" charset="0"/>
-            </a:endParaRPr>
-          </a:p>
-        </p:txBody>
-      </p:sp>
-      <p:sp>
-        <p:nvSpPr>
-          <p:cNvPr id="25" name="TextBox 24">
-            <a:extLst>
-              <a:ext uri="{FF2B5EF4-FFF2-40B4-BE49-F238E27FC236}">
-                <a16:creationId xmlns:a16="http://schemas.microsoft.com/office/drawing/2014/main" id="{965E55F5-0E31-6CD6-AFC2-0B1810BD8131}"/>
-              </a:ext>
-            </a:extLst>
-          </p:cNvPr>
-          <p:cNvSpPr txBox="1"/>
-          <p:nvPr/>
-        </p:nvSpPr>
-        <p:spPr>
-          <a:xfrm>
-            <a:off x="6908802" y="4201555"/>
-            <a:ext cx="557875" cy="338554"/>
-          </a:xfrm>
-          <a:prstGeom prst="rect">
-            <a:avLst/>
-          </a:prstGeom>
-          <a:noFill/>
-        </p:spPr>
-        <p:txBody>
-          <a:bodyPr wrap="square" rtlCol="0">
-            <a:spAutoFit/>
-          </a:bodyPr>
-          <a:lstStyle/>
-          <a:p>
-            <a:pPr algn="ctr"/>
-            <a:r>
-              <a:rPr kumimoji="1" lang="en-US" altLang="ko-KR" sz="1600" dirty="0">
-                <a:latin typeface="Cascadia Code" pitchFamily="49" charset="0"/>
-                <a:ea typeface="Cascadia Code" pitchFamily="49" charset="0"/>
+              <a:t>    </a:t>
+            </a:r>
+            <a:r>
+              <a:rPr lang="ko-KR" altLang="en-US" dirty="0" err="1">
+                <a:solidFill>
+                  <a:srgbClr val="FF0000"/>
+                </a:solidFill>
+                <a:latin typeface="Cascadia Code" pitchFamily="49" charset="0"/>
                 <a:cs typeface="Cascadia Code" pitchFamily="49" charset="0"/>
               </a:rPr>
               <a:t>ref</a:t>
             </a:r>
-            <a:endParaRPr kumimoji="1" lang="ko-KR" altLang="en-US" sz="1600" dirty="0">
-              <a:latin typeface="Cascadia Code" pitchFamily="49" charset="0"/>
-              <a:ea typeface="Cascadia Code" pitchFamily="49" charset="0"/>
-              <a:cs typeface="Cascadia Code" pitchFamily="49" charset="0"/>
-            </a:endParaRPr>
-          </a:p>
-        </p:txBody>
-      </p:sp>
-      <p:cxnSp>
-        <p:nvCxnSpPr>
-          <p:cNvPr id="26" name="구부러진 연결선[U] 25">
-            <a:extLst>
-              <a:ext uri="{FF2B5EF4-FFF2-40B4-BE49-F238E27FC236}">
-                <a16:creationId xmlns:a16="http://schemas.microsoft.com/office/drawing/2014/main" id="{ABA15F2E-2946-02EE-18CD-5D1A4A26046A}"/>
-              </a:ext>
-            </a:extLst>
-          </p:cNvPr>
-          <p:cNvCxnSpPr>
-            <a:cxnSpLocks/>
-            <a:stCxn id="19" idx="3"/>
-            <a:endCxn id="9" idx="1"/>
-          </p:cNvCxnSpPr>
-          <p:nvPr/>
-        </p:nvCxnSpPr>
-        <p:spPr>
-          <a:xfrm flipV="1">
-            <a:off x="8617297" y="1242820"/>
-            <a:ext cx="1357975" cy="1929808"/>
-          </a:xfrm>
-          <a:prstGeom prst="curvedConnector3">
-            <a:avLst>
-              <a:gd name="adj1" fmla="val 50000"/>
-            </a:avLst>
-          </a:prstGeom>
-          <a:ln>
-            <a:tailEnd type="triangle"/>
-          </a:ln>
-        </p:spPr>
-        <p:style>
-          <a:lnRef idx="2">
-            <a:schemeClr val="dk1"/>
-          </a:lnRef>
-          <a:fillRef idx="0">
-            <a:schemeClr val="dk1"/>
-          </a:fillRef>
-          <a:effectRef idx="1">
-            <a:schemeClr val="dk1"/>
-          </a:effectRef>
-          <a:fontRef idx="minor">
-            <a:schemeClr val="tx1"/>
-          </a:fontRef>
-        </p:style>
-      </p:cxnSp>
-      <p:cxnSp>
-        <p:nvCxnSpPr>
-          <p:cNvPr id="29" name="구부러진 연결선[U] 28">
-            <a:extLst>
-              <a:ext uri="{FF2B5EF4-FFF2-40B4-BE49-F238E27FC236}">
-                <a16:creationId xmlns:a16="http://schemas.microsoft.com/office/drawing/2014/main" id="{776F9D30-CC25-4D85-ABB8-870395FAAA39}"/>
-              </a:ext>
-            </a:extLst>
-          </p:cNvPr>
-          <p:cNvCxnSpPr>
-            <a:cxnSpLocks/>
-            <a:stCxn id="24" idx="3"/>
-            <a:endCxn id="16" idx="1"/>
-          </p:cNvCxnSpPr>
-          <p:nvPr/>
-        </p:nvCxnSpPr>
-        <p:spPr>
-          <a:xfrm flipV="1">
-            <a:off x="8617297" y="2326351"/>
-            <a:ext cx="1838267" cy="2067203"/>
-          </a:xfrm>
-          <a:prstGeom prst="curvedConnector3">
-            <a:avLst>
-              <a:gd name="adj1" fmla="val 50000"/>
-            </a:avLst>
-          </a:prstGeom>
-          <a:ln>
-            <a:tailEnd type="triangle"/>
-          </a:ln>
-        </p:spPr>
-        <p:style>
-          <a:lnRef idx="2">
-            <a:schemeClr val="dk1"/>
-          </a:lnRef>
-          <a:fillRef idx="0">
-            <a:schemeClr val="dk1"/>
-          </a:fillRef>
-          <a:effectRef idx="1">
-            <a:schemeClr val="dk1"/>
-          </a:effectRef>
-          <a:fontRef idx="minor">
-            <a:schemeClr val="tx1"/>
-          </a:fontRef>
-        </p:style>
-      </p:cxnSp>
+            <a:r>
+              <a:rPr lang="ko-KR" altLang="en-US" dirty="0">
+                <a:solidFill>
+                  <a:srgbClr val="FF0000"/>
+                </a:solidFill>
+                <a:latin typeface="Cascadia Code" pitchFamily="49" charset="0"/>
+                <a:cs typeface="Cascadia Code" pitchFamily="49" charset="0"/>
+              </a:rPr>
+              <a:t> = </a:t>
+            </a:r>
+            <a:r>
+              <a:rPr lang="ko-KR" altLang="en-US" dirty="0" err="1">
+                <a:solidFill>
+                  <a:srgbClr val="FF0000"/>
+                </a:solidFill>
+                <a:latin typeface="Cascadia Code" pitchFamily="49" charset="0"/>
+                <a:cs typeface="Cascadia Code" pitchFamily="49" charset="0"/>
+              </a:rPr>
+              <a:t>new</a:t>
+            </a:r>
+            <a:r>
+              <a:rPr lang="ko-KR" altLang="en-US" dirty="0">
+                <a:solidFill>
+                  <a:srgbClr val="FF0000"/>
+                </a:solidFill>
+                <a:latin typeface="Cascadia Code" pitchFamily="49" charset="0"/>
+                <a:cs typeface="Cascadia Code" pitchFamily="49" charset="0"/>
+              </a:rPr>
+              <a:t> </a:t>
+            </a:r>
+            <a:r>
+              <a:rPr lang="ko-KR" altLang="en-US" dirty="0" err="1">
+                <a:solidFill>
+                  <a:srgbClr val="FF0000"/>
+                </a:solidFill>
+                <a:latin typeface="Cascadia Code" pitchFamily="49" charset="0"/>
+                <a:cs typeface="Cascadia Code" pitchFamily="49" charset="0"/>
+              </a:rPr>
+              <a:t>int</a:t>
+            </a:r>
+            <a:r>
+              <a:rPr lang="ko-KR" altLang="en-US" dirty="0">
+                <a:solidFill>
+                  <a:srgbClr val="FF0000"/>
+                </a:solidFill>
+                <a:latin typeface="Cascadia Code" pitchFamily="49" charset="0"/>
+                <a:cs typeface="Cascadia Code" pitchFamily="49" charset="0"/>
+              </a:rPr>
+              <a:t> { 1 };</a:t>
+            </a:r>
+          </a:p>
+          <a:p>
+            <a:r>
+              <a:rPr lang="en-US" altLang="ko-KR" dirty="0">
+                <a:latin typeface="Cascadia Code" pitchFamily="49" charset="0"/>
+                <a:cs typeface="Cascadia Code" pitchFamily="49" charset="0"/>
+              </a:rPr>
+              <a:t> </a:t>
+            </a:r>
+            <a:r>
+              <a:rPr lang="ko-KR" altLang="en-US" dirty="0">
+                <a:latin typeface="Cascadia Code" pitchFamily="49" charset="0"/>
+                <a:cs typeface="Cascadia Code" pitchFamily="49" charset="0"/>
+              </a:rPr>
+              <a:t>}</a:t>
+            </a:r>
+          </a:p>
+        </p:txBody>
+      </p:sp>
     </p:spTree>
     <p:extLst>
       <p:ext uri="{BB962C8B-B14F-4D97-AF65-F5344CB8AC3E}">
-        <p14:creationId xmlns:p14="http://schemas.microsoft.com/office/powerpoint/2010/main" val="3239907038"/>
+        <p14:creationId xmlns:p14="http://schemas.microsoft.com/office/powerpoint/2010/main" val="2709506372"/>
       </p:ext>
     </p:extLst>
   </p:cSld>
@@ -28443,16 +28384,16 @@
             <a:r>
               <a:rPr kumimoji="1" lang="en-US" altLang="ko-KR" sz="1600" dirty="0">
                 <a:solidFill>
-                  <a:schemeClr val="tx1"/>
+                  <a:srgbClr val="FF0000"/>
                 </a:solidFill>
                 <a:latin typeface="Cascadia Code" pitchFamily="49" charset="0"/>
                 <a:cs typeface="Cascadia Code" pitchFamily="49" charset="0"/>
               </a:rPr>
-              <a:t>3</a:t>
+              <a:t>2</a:t>
             </a:r>
             <a:endParaRPr kumimoji="1" lang="ko-KR" altLang="en-US" sz="1600" dirty="0">
               <a:solidFill>
-                <a:schemeClr val="tx1"/>
+                <a:srgbClr val="FF0000"/>
               </a:solidFill>
               <a:latin typeface="Cascadia Code" pitchFamily="49" charset="0"/>
               <a:cs typeface="Cascadia Code" pitchFamily="49" charset="0"/>
@@ -28508,7 +28449,7 @@
             <a:r>
               <a:rPr kumimoji="1" lang="en-US" altLang="ko-KR" sz="1600" dirty="0">
                 <a:solidFill>
-                  <a:schemeClr val="tx1"/>
+                  <a:srgbClr val="FF0000"/>
                 </a:solidFill>
                 <a:latin typeface="Cascadia Code" pitchFamily="49" charset="0"/>
                 <a:cs typeface="Cascadia Code" pitchFamily="49" charset="0"/>
@@ -28517,7 +28458,7 @@
             </a:r>
             <a:endParaRPr kumimoji="1" lang="ko-KR" altLang="en-US" sz="1600" dirty="0">
               <a:solidFill>
-                <a:schemeClr val="tx1"/>
+                <a:srgbClr val="FF0000"/>
               </a:solidFill>
               <a:latin typeface="Cascadia Code" pitchFamily="49" charset="0"/>
               <a:cs typeface="Cascadia Code" pitchFamily="49" charset="0"/>
@@ -28618,7 +28559,7 @@
             <a:r>
               <a:rPr kumimoji="1" lang="en-US" altLang="ko-KR" sz="1600" dirty="0">
                 <a:solidFill>
-                  <a:schemeClr val="tx1"/>
+                  <a:srgbClr val="FF0000"/>
                 </a:solidFill>
                 <a:latin typeface="Cascadia Code" pitchFamily="49" charset="0"/>
                 <a:cs typeface="Cascadia Code" pitchFamily="49" charset="0"/>
@@ -28627,7 +28568,7 @@
             </a:r>
             <a:endParaRPr kumimoji="1" lang="ko-KR" altLang="en-US" sz="1600" dirty="0">
               <a:solidFill>
-                <a:schemeClr val="tx1"/>
+                <a:srgbClr val="FF0000"/>
               </a:solidFill>
               <a:latin typeface="Cascadia Code" pitchFamily="49" charset="0"/>
               <a:cs typeface="Cascadia Code" pitchFamily="49" charset="0"/>
@@ -28768,7 +28709,7 @@
             <a:r>
               <a:rPr kumimoji="1" lang="en-US" altLang="ko-KR" sz="1600" dirty="0">
                 <a:solidFill>
-                  <a:schemeClr val="tx1"/>
+                  <a:srgbClr val="FF0000"/>
                 </a:solidFill>
                 <a:latin typeface="Cascadia Code" pitchFamily="49" charset="0"/>
                 <a:cs typeface="Cascadia Code" pitchFamily="49" charset="0"/>
@@ -28777,7 +28718,7 @@
             </a:r>
             <a:endParaRPr kumimoji="1" lang="ko-KR" altLang="en-US" sz="1600" dirty="0">
               <a:solidFill>
-                <a:schemeClr val="tx1"/>
+                <a:srgbClr val="FF0000"/>
               </a:solidFill>
               <a:latin typeface="Cascadia Code" pitchFamily="49" charset="0"/>
               <a:cs typeface="Cascadia Code" pitchFamily="49" charset="0"/>
@@ -28922,468 +28863,186 @@
       </p:cxnSp>
       <p:sp>
         <p:nvSpPr>
-          <p:cNvPr id="2" name="직사각형 1">
-            <a:extLst>
-              <a:ext uri="{FF2B5EF4-FFF2-40B4-BE49-F238E27FC236}">
-                <a16:creationId xmlns:a16="http://schemas.microsoft.com/office/drawing/2014/main" id="{EA6A56CD-F194-F668-795B-6701FCA2CF59}"/>
-              </a:ext>
-            </a:extLst>
-          </p:cNvPr>
-          <p:cNvSpPr/>
-          <p:nvPr/>
-        </p:nvSpPr>
-        <p:spPr>
-          <a:xfrm>
-            <a:off x="7491615" y="5220013"/>
-            <a:ext cx="1120140" cy="610463"/>
-          </a:xfrm>
-          <a:prstGeom prst="rect">
-            <a:avLst/>
-          </a:prstGeom>
-          <a:solidFill>
-            <a:srgbClr val="FFFF00"/>
-          </a:solidFill>
-        </p:spPr>
-        <p:style>
-          <a:lnRef idx="2">
-            <a:schemeClr val="accent1">
-              <a:shade val="15000"/>
-            </a:schemeClr>
-          </a:lnRef>
-          <a:fillRef idx="1">
-            <a:schemeClr val="accent1"/>
-          </a:fillRef>
-          <a:effectRef idx="0">
-            <a:schemeClr val="accent1"/>
-          </a:effectRef>
-          <a:fontRef idx="minor">
-            <a:schemeClr val="lt1"/>
-          </a:fontRef>
-        </p:style>
-        <p:txBody>
-          <a:bodyPr rtlCol="0" anchor="ctr"/>
-          <a:lstStyle/>
-          <a:p>
-            <a:pPr algn="ctr"/>
-            <a:r>
-              <a:rPr kumimoji="1" lang="en-US" altLang="ko-KR" sz="1600" dirty="0">
+          <p:cNvPr id="34" name="TextBox 33">
+            <a:extLst>
+              <a:ext uri="{FF2B5EF4-FFF2-40B4-BE49-F238E27FC236}">
+                <a16:creationId xmlns:a16="http://schemas.microsoft.com/office/drawing/2014/main" id="{0FFCCCDC-870E-27AA-A456-87EF960F0914}"/>
+              </a:ext>
+            </a:extLst>
+          </p:cNvPr>
+          <p:cNvSpPr txBox="1"/>
+          <p:nvPr/>
+        </p:nvSpPr>
+        <p:spPr>
+          <a:xfrm>
+            <a:off x="392431" y="767097"/>
+            <a:ext cx="6096000" cy="2308324"/>
+          </a:xfrm>
+          <a:prstGeom prst="rect">
+            <a:avLst/>
+          </a:prstGeom>
+          <a:noFill/>
+        </p:spPr>
+        <p:txBody>
+          <a:bodyPr wrap="square">
+            <a:spAutoFit/>
+          </a:bodyPr>
+          <a:lstStyle/>
+          <a:p>
+            <a:r>
+              <a:rPr lang="en-US" altLang="ko-KR" dirty="0">
+                <a:latin typeface="Cascadia Code" pitchFamily="49" charset="0"/>
+                <a:cs typeface="Cascadia Code" pitchFamily="49" charset="0"/>
+              </a:rPr>
+              <a:t> User(const User&amp; </a:t>
+            </a:r>
+            <a:r>
+              <a:rPr lang="en-US" altLang="ko-KR" dirty="0" err="1">
+                <a:latin typeface="Cascadia Code" pitchFamily="49" charset="0"/>
+                <a:cs typeface="Cascadia Code" pitchFamily="49" charset="0"/>
+              </a:rPr>
+              <a:t>rhs</a:t>
+            </a:r>
+            <a:r>
+              <a:rPr lang="en-US" altLang="ko-KR" dirty="0">
+                <a:latin typeface="Cascadia Code" pitchFamily="49" charset="0"/>
+                <a:cs typeface="Cascadia Code" pitchFamily="49" charset="0"/>
+              </a:rPr>
+              <a:t>)</a:t>
+            </a:r>
+          </a:p>
+          <a:p>
+            <a:r>
+              <a:rPr lang="en-US" altLang="ko-KR" dirty="0">
+                <a:latin typeface="Cascadia Code" pitchFamily="49" charset="0"/>
+                <a:cs typeface="Cascadia Code" pitchFamily="49" charset="0"/>
+              </a:rPr>
+              <a:t>        : name { </a:t>
+            </a:r>
+            <a:r>
+              <a:rPr lang="en-US" altLang="ko-KR" dirty="0" err="1">
+                <a:latin typeface="Cascadia Code" pitchFamily="49" charset="0"/>
+                <a:cs typeface="Cascadia Code" pitchFamily="49" charset="0"/>
+              </a:rPr>
+              <a:t>rhs.name</a:t>
+            </a:r>
+            <a:r>
+              <a:rPr lang="en-US" altLang="ko-KR" dirty="0">
+                <a:latin typeface="Cascadia Code" pitchFamily="49" charset="0"/>
+                <a:cs typeface="Cascadia Code" pitchFamily="49" charset="0"/>
+              </a:rPr>
+              <a:t> }</a:t>
+            </a:r>
+          </a:p>
+          <a:p>
+            <a:r>
+              <a:rPr lang="en-US" altLang="ko-KR" dirty="0">
+                <a:latin typeface="Cascadia Code" pitchFamily="49" charset="0"/>
+                <a:cs typeface="Cascadia Code" pitchFamily="49" charset="0"/>
+              </a:rPr>
+              <a:t>        , age { </a:t>
+            </a:r>
+            <a:r>
+              <a:rPr lang="en-US" altLang="ko-KR" dirty="0" err="1">
+                <a:latin typeface="Cascadia Code" pitchFamily="49" charset="0"/>
+                <a:cs typeface="Cascadia Code" pitchFamily="49" charset="0"/>
+              </a:rPr>
+              <a:t>rhs.age</a:t>
+            </a:r>
+            <a:r>
+              <a:rPr lang="en-US" altLang="ko-KR" dirty="0">
+                <a:latin typeface="Cascadia Code" pitchFamily="49" charset="0"/>
+                <a:cs typeface="Cascadia Code" pitchFamily="49" charset="0"/>
+              </a:rPr>
+              <a:t> }</a:t>
+            </a:r>
+          </a:p>
+          <a:p>
+            <a:r>
+              <a:rPr lang="en-US" altLang="ko-KR" dirty="0">
+                <a:latin typeface="Cascadia Code" pitchFamily="49" charset="0"/>
+                <a:cs typeface="Cascadia Code" pitchFamily="49" charset="0"/>
+              </a:rPr>
+              <a:t>        , ref { </a:t>
+            </a:r>
+            <a:r>
+              <a:rPr lang="en-US" altLang="ko-KR" dirty="0" err="1">
+                <a:latin typeface="Cascadia Code" pitchFamily="49" charset="0"/>
+                <a:cs typeface="Cascadia Code" pitchFamily="49" charset="0"/>
+              </a:rPr>
+              <a:t>rhs.ref</a:t>
+            </a:r>
+            <a:r>
+              <a:rPr lang="en-US" altLang="ko-KR" dirty="0">
+                <a:latin typeface="Cascadia Code" pitchFamily="49" charset="0"/>
+                <a:cs typeface="Cascadia Code" pitchFamily="49" charset="0"/>
+              </a:rPr>
+              <a:t> }</a:t>
+            </a:r>
+          </a:p>
+          <a:p>
+            <a:r>
+              <a:rPr lang="en-US" altLang="ko-KR" dirty="0">
+                <a:latin typeface="Cascadia Code" pitchFamily="49" charset="0"/>
+                <a:cs typeface="Cascadia Code" pitchFamily="49" charset="0"/>
+              </a:rPr>
+              <a:t>    {</a:t>
+            </a:r>
+          </a:p>
+          <a:p>
+            <a:r>
+              <a:rPr lang="en-US" altLang="ko-KR" dirty="0">
+                <a:latin typeface="Cascadia Code" pitchFamily="49" charset="0"/>
+                <a:cs typeface="Cascadia Code" pitchFamily="49" charset="0"/>
+              </a:rPr>
+              <a:t>        // </a:t>
+            </a:r>
+            <a:r>
+              <a:rPr lang="ko-KR" altLang="en-US" dirty="0">
+                <a:latin typeface="Cascadia Code" pitchFamily="49" charset="0"/>
+                <a:cs typeface="Cascadia Code" pitchFamily="49" charset="0"/>
+              </a:rPr>
+              <a:t>참조 계수 증가</a:t>
+            </a:r>
+            <a:r>
+              <a:rPr lang="en-US" altLang="ko-KR" dirty="0">
+                <a:latin typeface="Cascadia Code" pitchFamily="49" charset="0"/>
+                <a:cs typeface="Cascadia Code" pitchFamily="49" charset="0"/>
+              </a:rPr>
+              <a:t>!</a:t>
+            </a:r>
+          </a:p>
+          <a:p>
+            <a:r>
+              <a:rPr lang="en-US" altLang="ko-KR" dirty="0">
                 <a:solidFill>
-                  <a:schemeClr val="tx1"/>
+                  <a:srgbClr val="FF0000"/>
                 </a:solidFill>
                 <a:latin typeface="Cascadia Code" pitchFamily="49" charset="0"/>
                 <a:cs typeface="Cascadia Code" pitchFamily="49" charset="0"/>
               </a:rPr>
-              <a:t>0x100</a:t>
-            </a:r>
-            <a:endParaRPr kumimoji="1" lang="ko-KR" altLang="en-US" sz="1600" dirty="0">
-              <a:solidFill>
-                <a:schemeClr val="tx1"/>
-              </a:solidFill>
+              <a:t>        ++(*ref);</a:t>
+            </a:r>
+          </a:p>
+          <a:p>
+            <a:r>
+              <a:rPr lang="en-US" altLang="ko-KR" dirty="0">
+                <a:latin typeface="Cascadia Code" pitchFamily="49" charset="0"/>
+                <a:cs typeface="Cascadia Code" pitchFamily="49" charset="0"/>
+              </a:rPr>
+              <a:t>    }</a:t>
+            </a:r>
+            <a:endParaRPr lang="ko-KR" altLang="en-US" dirty="0">
               <a:latin typeface="Cascadia Code" pitchFamily="49" charset="0"/>
               <a:cs typeface="Cascadia Code" pitchFamily="49" charset="0"/>
             </a:endParaRPr>
           </a:p>
         </p:txBody>
       </p:sp>
-      <p:sp>
-        <p:nvSpPr>
-          <p:cNvPr id="3" name="TextBox 2">
-            <a:extLst>
-              <a:ext uri="{FF2B5EF4-FFF2-40B4-BE49-F238E27FC236}">
-                <a16:creationId xmlns:a16="http://schemas.microsoft.com/office/drawing/2014/main" id="{FBF6100F-907E-799D-D086-28EA30116073}"/>
-              </a:ext>
-            </a:extLst>
-          </p:cNvPr>
-          <p:cNvSpPr txBox="1"/>
-          <p:nvPr/>
-        </p:nvSpPr>
-        <p:spPr>
-          <a:xfrm>
-            <a:off x="6783187" y="5355967"/>
-            <a:ext cx="677948" cy="338554"/>
-          </a:xfrm>
-          <a:prstGeom prst="rect">
-            <a:avLst/>
-          </a:prstGeom>
-          <a:noFill/>
-        </p:spPr>
-        <p:txBody>
-          <a:bodyPr wrap="square" rtlCol="0">
-            <a:spAutoFit/>
-          </a:bodyPr>
-          <a:lstStyle/>
-          <a:p>
-            <a:pPr algn="ctr"/>
-            <a:r>
-              <a:rPr kumimoji="1" lang="en-US" altLang="ko-KR" sz="1600" dirty="0">
-                <a:latin typeface="Cascadia Code" pitchFamily="49" charset="0"/>
-                <a:ea typeface="Cascadia Code" pitchFamily="49" charset="0"/>
-                <a:cs typeface="Cascadia Code" pitchFamily="49" charset="0"/>
-              </a:rPr>
-              <a:t>name</a:t>
-            </a:r>
-            <a:endParaRPr kumimoji="1" lang="ko-KR" altLang="en-US" sz="1600" dirty="0">
-              <a:latin typeface="Cascadia Code" pitchFamily="49" charset="0"/>
-              <a:ea typeface="Cascadia Code" pitchFamily="49" charset="0"/>
-              <a:cs typeface="Cascadia Code" pitchFamily="49" charset="0"/>
-            </a:endParaRPr>
-          </a:p>
-        </p:txBody>
-      </p:sp>
-      <p:sp>
-        <p:nvSpPr>
-          <p:cNvPr id="14" name="직사각형 13">
-            <a:extLst>
-              <a:ext uri="{FF2B5EF4-FFF2-40B4-BE49-F238E27FC236}">
-                <a16:creationId xmlns:a16="http://schemas.microsoft.com/office/drawing/2014/main" id="{B7733978-F857-8141-67DC-25AAF4FC1987}"/>
-              </a:ext>
-            </a:extLst>
-          </p:cNvPr>
-          <p:cNvSpPr/>
-          <p:nvPr/>
-        </p:nvSpPr>
-        <p:spPr>
-          <a:xfrm>
-            <a:off x="7491615" y="5830476"/>
-            <a:ext cx="1120140" cy="610463"/>
-          </a:xfrm>
-          <a:prstGeom prst="rect">
-            <a:avLst/>
-          </a:prstGeom>
-          <a:solidFill>
-            <a:srgbClr val="FFFF00"/>
-          </a:solidFill>
-        </p:spPr>
-        <p:style>
-          <a:lnRef idx="2">
-            <a:schemeClr val="accent1">
-              <a:shade val="15000"/>
-            </a:schemeClr>
-          </a:lnRef>
-          <a:fillRef idx="1">
-            <a:schemeClr val="accent1"/>
-          </a:fillRef>
-          <a:effectRef idx="0">
-            <a:schemeClr val="accent1"/>
-          </a:effectRef>
-          <a:fontRef idx="minor">
-            <a:schemeClr val="lt1"/>
-          </a:fontRef>
-        </p:style>
-        <p:txBody>
-          <a:bodyPr rtlCol="0" anchor="ctr"/>
-          <a:lstStyle/>
-          <a:p>
-            <a:pPr algn="ctr"/>
-            <a:r>
-              <a:rPr kumimoji="1" lang="en-US" altLang="ko-KR" sz="1600" dirty="0">
-                <a:solidFill>
-                  <a:schemeClr val="tx1"/>
-                </a:solidFill>
-                <a:latin typeface="Cascadia Code" pitchFamily="49" charset="0"/>
-                <a:cs typeface="Cascadia Code" pitchFamily="49" charset="0"/>
-              </a:rPr>
-              <a:t>42</a:t>
-            </a:r>
-            <a:endParaRPr kumimoji="1" lang="ko-KR" altLang="en-US" sz="1600" dirty="0">
-              <a:solidFill>
-                <a:schemeClr val="tx1"/>
-              </a:solidFill>
-              <a:latin typeface="Cascadia Code" pitchFamily="49" charset="0"/>
-              <a:cs typeface="Cascadia Code" pitchFamily="49" charset="0"/>
-            </a:endParaRPr>
-          </a:p>
-        </p:txBody>
-      </p:sp>
-      <p:sp>
-        <p:nvSpPr>
-          <p:cNvPr id="15" name="TextBox 14">
-            <a:extLst>
-              <a:ext uri="{FF2B5EF4-FFF2-40B4-BE49-F238E27FC236}">
-                <a16:creationId xmlns:a16="http://schemas.microsoft.com/office/drawing/2014/main" id="{7621F2AC-9736-B9DC-F3BF-4F019F63BBBC}"/>
-              </a:ext>
-            </a:extLst>
-          </p:cNvPr>
-          <p:cNvSpPr txBox="1"/>
-          <p:nvPr/>
-        </p:nvSpPr>
-        <p:spPr>
-          <a:xfrm>
-            <a:off x="6903260" y="5966430"/>
-            <a:ext cx="557875" cy="338554"/>
-          </a:xfrm>
-          <a:prstGeom prst="rect">
-            <a:avLst/>
-          </a:prstGeom>
-          <a:noFill/>
-        </p:spPr>
-        <p:txBody>
-          <a:bodyPr wrap="square" rtlCol="0">
-            <a:spAutoFit/>
-          </a:bodyPr>
-          <a:lstStyle/>
-          <a:p>
-            <a:pPr algn="ctr"/>
-            <a:r>
-              <a:rPr kumimoji="1" lang="en-US" altLang="ko-KR" sz="1600" dirty="0">
-                <a:latin typeface="Cascadia Code" pitchFamily="49" charset="0"/>
-                <a:ea typeface="Cascadia Code" pitchFamily="49" charset="0"/>
-                <a:cs typeface="Cascadia Code" pitchFamily="49" charset="0"/>
-              </a:rPr>
-              <a:t>age</a:t>
-            </a:r>
-            <a:endParaRPr kumimoji="1" lang="ko-KR" altLang="en-US" sz="1600" dirty="0">
-              <a:latin typeface="Cascadia Code" pitchFamily="49" charset="0"/>
-              <a:ea typeface="Cascadia Code" pitchFamily="49" charset="0"/>
-              <a:cs typeface="Cascadia Code" pitchFamily="49" charset="0"/>
-            </a:endParaRPr>
-          </a:p>
-        </p:txBody>
-      </p:sp>
-      <p:sp>
-        <p:nvSpPr>
-          <p:cNvPr id="17" name="TextBox 16">
-            <a:extLst>
-              <a:ext uri="{FF2B5EF4-FFF2-40B4-BE49-F238E27FC236}">
-                <a16:creationId xmlns:a16="http://schemas.microsoft.com/office/drawing/2014/main" id="{54C00AEE-B074-8FB2-7ED8-DD4EEC077752}"/>
-              </a:ext>
-            </a:extLst>
-          </p:cNvPr>
-          <p:cNvSpPr txBox="1"/>
-          <p:nvPr/>
-        </p:nvSpPr>
-        <p:spPr>
-          <a:xfrm>
-            <a:off x="7491616" y="4824911"/>
-            <a:ext cx="1013228" cy="369332"/>
-          </a:xfrm>
-          <a:prstGeom prst="rect">
-            <a:avLst/>
-          </a:prstGeom>
-          <a:noFill/>
-        </p:spPr>
-        <p:txBody>
-          <a:bodyPr wrap="square">
-            <a:spAutoFit/>
-          </a:bodyPr>
-          <a:lstStyle/>
-          <a:p>
-            <a:pPr algn="ctr"/>
-            <a:r>
-              <a:rPr lang="en-US" altLang="ko-KR" dirty="0">
-                <a:latin typeface="Cascadia Code" pitchFamily="49" charset="0"/>
-                <a:cs typeface="Cascadia Code" pitchFamily="49" charset="0"/>
-              </a:rPr>
-              <a:t>other2</a:t>
-            </a:r>
-            <a:endParaRPr lang="ko-KR" altLang="en-US" dirty="0"/>
-          </a:p>
-        </p:txBody>
-      </p:sp>
-      <p:sp>
-        <p:nvSpPr>
-          <p:cNvPr id="18" name="직사각형 17">
-            <a:extLst>
-              <a:ext uri="{FF2B5EF4-FFF2-40B4-BE49-F238E27FC236}">
-                <a16:creationId xmlns:a16="http://schemas.microsoft.com/office/drawing/2014/main" id="{62BF5C27-A14B-9762-7238-4B63406728E4}"/>
-              </a:ext>
-            </a:extLst>
-          </p:cNvPr>
-          <p:cNvSpPr/>
-          <p:nvPr/>
-        </p:nvSpPr>
-        <p:spPr>
-          <a:xfrm>
-            <a:off x="7491615" y="6440939"/>
-            <a:ext cx="1120140" cy="610463"/>
-          </a:xfrm>
-          <a:prstGeom prst="rect">
-            <a:avLst/>
-          </a:prstGeom>
-          <a:solidFill>
-            <a:srgbClr val="FFFF00"/>
-          </a:solidFill>
-        </p:spPr>
-        <p:style>
-          <a:lnRef idx="2">
-            <a:schemeClr val="accent1">
-              <a:shade val="15000"/>
-            </a:schemeClr>
-          </a:lnRef>
-          <a:fillRef idx="1">
-            <a:schemeClr val="accent1"/>
-          </a:fillRef>
-          <a:effectRef idx="0">
-            <a:schemeClr val="accent1"/>
-          </a:effectRef>
-          <a:fontRef idx="minor">
-            <a:schemeClr val="lt1"/>
-          </a:fontRef>
-        </p:style>
-        <p:txBody>
-          <a:bodyPr rtlCol="0" anchor="ctr"/>
-          <a:lstStyle/>
-          <a:p>
-            <a:pPr algn="ctr"/>
-            <a:r>
-              <a:rPr kumimoji="1" lang="en-US" altLang="ko-KR" sz="1600" dirty="0">
-                <a:solidFill>
-                  <a:schemeClr val="tx1"/>
-                </a:solidFill>
-                <a:latin typeface="Cascadia Code" pitchFamily="49" charset="0"/>
-                <a:cs typeface="Cascadia Code" pitchFamily="49" charset="0"/>
-              </a:rPr>
-              <a:t>0x200</a:t>
-            </a:r>
-            <a:endParaRPr kumimoji="1" lang="ko-KR" altLang="en-US" sz="1600" dirty="0">
-              <a:solidFill>
-                <a:schemeClr val="tx1"/>
-              </a:solidFill>
-              <a:latin typeface="Cascadia Code" pitchFamily="49" charset="0"/>
-              <a:cs typeface="Cascadia Code" pitchFamily="49" charset="0"/>
-            </a:endParaRPr>
-          </a:p>
-        </p:txBody>
-      </p:sp>
-      <p:sp>
-        <p:nvSpPr>
-          <p:cNvPr id="27" name="TextBox 26">
-            <a:extLst>
-              <a:ext uri="{FF2B5EF4-FFF2-40B4-BE49-F238E27FC236}">
-                <a16:creationId xmlns:a16="http://schemas.microsoft.com/office/drawing/2014/main" id="{D14FB2A1-C72D-649F-C8C8-EC28D6989642}"/>
-              </a:ext>
-            </a:extLst>
-          </p:cNvPr>
-          <p:cNvSpPr txBox="1"/>
-          <p:nvPr/>
-        </p:nvSpPr>
-        <p:spPr>
-          <a:xfrm>
-            <a:off x="6903260" y="6554172"/>
-            <a:ext cx="557875" cy="338554"/>
-          </a:xfrm>
-          <a:prstGeom prst="rect">
-            <a:avLst/>
-          </a:prstGeom>
-          <a:noFill/>
-        </p:spPr>
-        <p:txBody>
-          <a:bodyPr wrap="square" rtlCol="0">
-            <a:spAutoFit/>
-          </a:bodyPr>
-          <a:lstStyle/>
-          <a:p>
-            <a:pPr algn="ctr"/>
-            <a:r>
-              <a:rPr kumimoji="1" lang="en-US" altLang="ko-KR" sz="1600" dirty="0">
-                <a:latin typeface="Cascadia Code" pitchFamily="49" charset="0"/>
-                <a:ea typeface="Cascadia Code" pitchFamily="49" charset="0"/>
-                <a:cs typeface="Cascadia Code" pitchFamily="49" charset="0"/>
-              </a:rPr>
-              <a:t>ref</a:t>
-            </a:r>
-            <a:endParaRPr kumimoji="1" lang="ko-KR" altLang="en-US" sz="1600" dirty="0">
-              <a:latin typeface="Cascadia Code" pitchFamily="49" charset="0"/>
-              <a:ea typeface="Cascadia Code" pitchFamily="49" charset="0"/>
-              <a:cs typeface="Cascadia Code" pitchFamily="49" charset="0"/>
-            </a:endParaRPr>
-          </a:p>
-        </p:txBody>
-      </p:sp>
-      <p:cxnSp>
-        <p:nvCxnSpPr>
-          <p:cNvPr id="28" name="구부러진 연결선[U] 27">
-            <a:extLst>
-              <a:ext uri="{FF2B5EF4-FFF2-40B4-BE49-F238E27FC236}">
-                <a16:creationId xmlns:a16="http://schemas.microsoft.com/office/drawing/2014/main" id="{F200B9FE-8EFB-F753-7642-F0F6CD103FCB}"/>
-              </a:ext>
-            </a:extLst>
-          </p:cNvPr>
-          <p:cNvCxnSpPr>
-            <a:cxnSpLocks/>
-            <a:stCxn id="2" idx="3"/>
-            <a:endCxn id="9" idx="1"/>
-          </p:cNvCxnSpPr>
-          <p:nvPr/>
-        </p:nvCxnSpPr>
-        <p:spPr>
-          <a:xfrm flipV="1">
-            <a:off x="8611755" y="1242820"/>
-            <a:ext cx="1363517" cy="4282425"/>
-          </a:xfrm>
-          <a:prstGeom prst="curvedConnector3">
-            <a:avLst>
-              <a:gd name="adj1" fmla="val 50000"/>
-            </a:avLst>
-          </a:prstGeom>
-          <a:ln>
-            <a:tailEnd type="triangle"/>
-          </a:ln>
-        </p:spPr>
-        <p:style>
-          <a:lnRef idx="2">
-            <a:schemeClr val="dk1"/>
-          </a:lnRef>
-          <a:fillRef idx="0">
-            <a:schemeClr val="dk1"/>
-          </a:fillRef>
-          <a:effectRef idx="1">
-            <a:schemeClr val="dk1"/>
-          </a:effectRef>
-          <a:fontRef idx="minor">
-            <a:schemeClr val="tx1"/>
-          </a:fontRef>
-        </p:style>
-      </p:cxnSp>
-      <p:cxnSp>
-        <p:nvCxnSpPr>
-          <p:cNvPr id="32" name="구부러진 연결선[U] 31">
-            <a:extLst>
-              <a:ext uri="{FF2B5EF4-FFF2-40B4-BE49-F238E27FC236}">
-                <a16:creationId xmlns:a16="http://schemas.microsoft.com/office/drawing/2014/main" id="{9C5D1B79-B539-5501-CD82-D7606BAB93FB}"/>
-              </a:ext>
-            </a:extLst>
-          </p:cNvPr>
-          <p:cNvCxnSpPr>
-            <a:cxnSpLocks/>
-            <a:stCxn id="18" idx="3"/>
-            <a:endCxn id="16" idx="1"/>
-          </p:cNvCxnSpPr>
-          <p:nvPr/>
-        </p:nvCxnSpPr>
-        <p:spPr>
-          <a:xfrm flipV="1">
-            <a:off x="8611755" y="2326351"/>
-            <a:ext cx="1843809" cy="4419820"/>
-          </a:xfrm>
-          <a:prstGeom prst="curvedConnector3">
-            <a:avLst>
-              <a:gd name="adj1" fmla="val 50000"/>
-            </a:avLst>
-          </a:prstGeom>
-          <a:ln>
-            <a:tailEnd type="triangle"/>
-          </a:ln>
-        </p:spPr>
-        <p:style>
-          <a:lnRef idx="2">
-            <a:schemeClr val="dk1"/>
-          </a:lnRef>
-          <a:fillRef idx="0">
-            <a:schemeClr val="dk1"/>
-          </a:fillRef>
-          <a:effectRef idx="1">
-            <a:schemeClr val="dk1"/>
-          </a:effectRef>
-          <a:fontRef idx="minor">
-            <a:schemeClr val="tx1"/>
-          </a:fontRef>
-        </p:style>
-      </p:cxnSp>
     </p:spTree>
     <p:extLst>
       <p:ext uri="{BB962C8B-B14F-4D97-AF65-F5344CB8AC3E}">
-        <p14:creationId xmlns:p14="http://schemas.microsoft.com/office/powerpoint/2010/main" val="2691419990"/>
+        <p14:creationId xmlns:p14="http://schemas.microsoft.com/office/powerpoint/2010/main" val="3239907038"/>
       </p:ext>
     </p:extLst>
   </p:cSld>
@@ -29983,7 +29642,7 @@
                 <a:latin typeface="Cascadia Code" pitchFamily="49" charset="0"/>
                 <a:cs typeface="Cascadia Code" pitchFamily="49" charset="0"/>
               </a:rPr>
-              <a:t>2</a:t>
+              <a:t>3</a:t>
             </a:r>
             <a:endParaRPr kumimoji="1" lang="ko-KR" altLang="en-US" sz="1600" dirty="0">
               <a:solidFill>
@@ -30478,11 +30137,6 @@
           <a:solidFill>
             <a:srgbClr val="FFFF00"/>
           </a:solidFill>
-          <a:ln>
-            <a:solidFill>
-              <a:srgbClr val="FF0000"/>
-            </a:solidFill>
-          </a:ln>
         </p:spPr>
         <p:style>
           <a:lnRef idx="2">
@@ -30593,11 +30247,6 @@
           <a:solidFill>
             <a:srgbClr val="FFFF00"/>
           </a:solidFill>
-          <a:ln>
-            <a:solidFill>
-              <a:srgbClr val="FF0000"/>
-            </a:solidFill>
-          </a:ln>
         </p:spPr>
         <p:style>
           <a:lnRef idx="2">
@@ -30748,11 +30397,6 @@
           <a:solidFill>
             <a:srgbClr val="FFFF00"/>
           </a:solidFill>
-          <a:ln>
-            <a:solidFill>
-              <a:srgbClr val="FF0000"/>
-            </a:solidFill>
-          </a:ln>
         </p:spPr>
         <p:style>
           <a:lnRef idx="2">
@@ -30840,10 +30484,278 @@
           </a:p>
         </p:txBody>
       </p:sp>
+      <p:cxnSp>
+        <p:nvCxnSpPr>
+          <p:cNvPr id="28" name="구부러진 연결선[U] 27">
+            <a:extLst>
+              <a:ext uri="{FF2B5EF4-FFF2-40B4-BE49-F238E27FC236}">
+                <a16:creationId xmlns:a16="http://schemas.microsoft.com/office/drawing/2014/main" id="{F200B9FE-8EFB-F753-7642-F0F6CD103FCB}"/>
+              </a:ext>
+            </a:extLst>
+          </p:cNvPr>
+          <p:cNvCxnSpPr>
+            <a:cxnSpLocks/>
+            <a:stCxn id="2" idx="3"/>
+            <a:endCxn id="9" idx="1"/>
+          </p:cNvCxnSpPr>
+          <p:nvPr/>
+        </p:nvCxnSpPr>
+        <p:spPr>
+          <a:xfrm flipV="1">
+            <a:off x="8611755" y="1242820"/>
+            <a:ext cx="1363517" cy="4282425"/>
+          </a:xfrm>
+          <a:prstGeom prst="curvedConnector3">
+            <a:avLst>
+              <a:gd name="adj1" fmla="val 50000"/>
+            </a:avLst>
+          </a:prstGeom>
+          <a:ln>
+            <a:tailEnd type="triangle"/>
+          </a:ln>
+        </p:spPr>
+        <p:style>
+          <a:lnRef idx="2">
+            <a:schemeClr val="dk1"/>
+          </a:lnRef>
+          <a:fillRef idx="0">
+            <a:schemeClr val="dk1"/>
+          </a:fillRef>
+          <a:effectRef idx="1">
+            <a:schemeClr val="dk1"/>
+          </a:effectRef>
+          <a:fontRef idx="minor">
+            <a:schemeClr val="tx1"/>
+          </a:fontRef>
+        </p:style>
+      </p:cxnSp>
+      <p:cxnSp>
+        <p:nvCxnSpPr>
+          <p:cNvPr id="32" name="구부러진 연결선[U] 31">
+            <a:extLst>
+              <a:ext uri="{FF2B5EF4-FFF2-40B4-BE49-F238E27FC236}">
+                <a16:creationId xmlns:a16="http://schemas.microsoft.com/office/drawing/2014/main" id="{9C5D1B79-B539-5501-CD82-D7606BAB93FB}"/>
+              </a:ext>
+            </a:extLst>
+          </p:cNvPr>
+          <p:cNvCxnSpPr>
+            <a:cxnSpLocks/>
+            <a:stCxn id="18" idx="3"/>
+            <a:endCxn id="16" idx="1"/>
+          </p:cNvCxnSpPr>
+          <p:nvPr/>
+        </p:nvCxnSpPr>
+        <p:spPr>
+          <a:xfrm flipV="1">
+            <a:off x="8611755" y="2326351"/>
+            <a:ext cx="1843809" cy="4419820"/>
+          </a:xfrm>
+          <a:prstGeom prst="curvedConnector3">
+            <a:avLst>
+              <a:gd name="adj1" fmla="val 50000"/>
+            </a:avLst>
+          </a:prstGeom>
+          <a:ln>
+            <a:tailEnd type="triangle"/>
+          </a:ln>
+        </p:spPr>
+        <p:style>
+          <a:lnRef idx="2">
+            <a:schemeClr val="dk1"/>
+          </a:lnRef>
+          <a:fillRef idx="0">
+            <a:schemeClr val="dk1"/>
+          </a:fillRef>
+          <a:effectRef idx="1">
+            <a:schemeClr val="dk1"/>
+          </a:effectRef>
+          <a:fontRef idx="minor">
+            <a:schemeClr val="tx1"/>
+          </a:fontRef>
+        </p:style>
+      </p:cxnSp>
+      <p:sp>
+        <p:nvSpPr>
+          <p:cNvPr id="35" name="TextBox 34">
+            <a:extLst>
+              <a:ext uri="{FF2B5EF4-FFF2-40B4-BE49-F238E27FC236}">
+                <a16:creationId xmlns:a16="http://schemas.microsoft.com/office/drawing/2014/main" id="{4FB73133-0F99-6262-3B2D-0A67D667F2CF}"/>
+              </a:ext>
+            </a:extLst>
+          </p:cNvPr>
+          <p:cNvSpPr txBox="1"/>
+          <p:nvPr/>
+        </p:nvSpPr>
+        <p:spPr>
+          <a:xfrm>
+            <a:off x="392431" y="767097"/>
+            <a:ext cx="6096000" cy="2308324"/>
+          </a:xfrm>
+          <a:prstGeom prst="rect">
+            <a:avLst/>
+          </a:prstGeom>
+          <a:noFill/>
+        </p:spPr>
+        <p:txBody>
+          <a:bodyPr wrap="square">
+            <a:spAutoFit/>
+          </a:bodyPr>
+          <a:lstStyle/>
+          <a:p>
+            <a:r>
+              <a:rPr lang="en-US" altLang="ko-KR" dirty="0">
+                <a:latin typeface="Cascadia Code" pitchFamily="49" charset="0"/>
+                <a:cs typeface="Cascadia Code" pitchFamily="49" charset="0"/>
+              </a:rPr>
+              <a:t> User(const User&amp; </a:t>
+            </a:r>
+            <a:r>
+              <a:rPr lang="en-US" altLang="ko-KR" dirty="0" err="1">
+                <a:latin typeface="Cascadia Code" pitchFamily="49" charset="0"/>
+                <a:cs typeface="Cascadia Code" pitchFamily="49" charset="0"/>
+              </a:rPr>
+              <a:t>rhs</a:t>
+            </a:r>
+            <a:r>
+              <a:rPr lang="en-US" altLang="ko-KR" dirty="0">
+                <a:latin typeface="Cascadia Code" pitchFamily="49" charset="0"/>
+                <a:cs typeface="Cascadia Code" pitchFamily="49" charset="0"/>
+              </a:rPr>
+              <a:t>)</a:t>
+            </a:r>
+          </a:p>
+          <a:p>
+            <a:r>
+              <a:rPr lang="en-US" altLang="ko-KR" dirty="0">
+                <a:latin typeface="Cascadia Code" pitchFamily="49" charset="0"/>
+                <a:cs typeface="Cascadia Code" pitchFamily="49" charset="0"/>
+              </a:rPr>
+              <a:t>        : name { </a:t>
+            </a:r>
+            <a:r>
+              <a:rPr lang="en-US" altLang="ko-KR" dirty="0" err="1">
+                <a:latin typeface="Cascadia Code" pitchFamily="49" charset="0"/>
+                <a:cs typeface="Cascadia Code" pitchFamily="49" charset="0"/>
+              </a:rPr>
+              <a:t>rhs.name</a:t>
+            </a:r>
+            <a:r>
+              <a:rPr lang="en-US" altLang="ko-KR" dirty="0">
+                <a:latin typeface="Cascadia Code" pitchFamily="49" charset="0"/>
+                <a:cs typeface="Cascadia Code" pitchFamily="49" charset="0"/>
+              </a:rPr>
+              <a:t> }</a:t>
+            </a:r>
+          </a:p>
+          <a:p>
+            <a:r>
+              <a:rPr lang="en-US" altLang="ko-KR" dirty="0">
+                <a:latin typeface="Cascadia Code" pitchFamily="49" charset="0"/>
+                <a:cs typeface="Cascadia Code" pitchFamily="49" charset="0"/>
+              </a:rPr>
+              <a:t>        , age { </a:t>
+            </a:r>
+            <a:r>
+              <a:rPr lang="en-US" altLang="ko-KR" dirty="0" err="1">
+                <a:latin typeface="Cascadia Code" pitchFamily="49" charset="0"/>
+                <a:cs typeface="Cascadia Code" pitchFamily="49" charset="0"/>
+              </a:rPr>
+              <a:t>rhs.age</a:t>
+            </a:r>
+            <a:r>
+              <a:rPr lang="en-US" altLang="ko-KR" dirty="0">
+                <a:latin typeface="Cascadia Code" pitchFamily="49" charset="0"/>
+                <a:cs typeface="Cascadia Code" pitchFamily="49" charset="0"/>
+              </a:rPr>
+              <a:t> }</a:t>
+            </a:r>
+          </a:p>
+          <a:p>
+            <a:r>
+              <a:rPr lang="en-US" altLang="ko-KR" dirty="0">
+                <a:latin typeface="Cascadia Code" pitchFamily="49" charset="0"/>
+                <a:cs typeface="Cascadia Code" pitchFamily="49" charset="0"/>
+              </a:rPr>
+              <a:t>        , ref { </a:t>
+            </a:r>
+            <a:r>
+              <a:rPr lang="en-US" altLang="ko-KR" dirty="0" err="1">
+                <a:latin typeface="Cascadia Code" pitchFamily="49" charset="0"/>
+                <a:cs typeface="Cascadia Code" pitchFamily="49" charset="0"/>
+              </a:rPr>
+              <a:t>rhs.ref</a:t>
+            </a:r>
+            <a:r>
+              <a:rPr lang="en-US" altLang="ko-KR" dirty="0">
+                <a:latin typeface="Cascadia Code" pitchFamily="49" charset="0"/>
+                <a:cs typeface="Cascadia Code" pitchFamily="49" charset="0"/>
+              </a:rPr>
+              <a:t> }</a:t>
+            </a:r>
+          </a:p>
+          <a:p>
+            <a:r>
+              <a:rPr lang="en-US" altLang="ko-KR" dirty="0">
+                <a:latin typeface="Cascadia Code" pitchFamily="49" charset="0"/>
+                <a:cs typeface="Cascadia Code" pitchFamily="49" charset="0"/>
+              </a:rPr>
+              <a:t>    {</a:t>
+            </a:r>
+          </a:p>
+          <a:p>
+            <a:r>
+              <a:rPr lang="en-US" altLang="ko-KR" dirty="0">
+                <a:latin typeface="Cascadia Code" pitchFamily="49" charset="0"/>
+                <a:cs typeface="Cascadia Code" pitchFamily="49" charset="0"/>
+              </a:rPr>
+              <a:t>        // </a:t>
+            </a:r>
+            <a:r>
+              <a:rPr lang="ko-KR" altLang="en-US" dirty="0">
+                <a:latin typeface="Cascadia Code" pitchFamily="49" charset="0"/>
+                <a:cs typeface="Cascadia Code" pitchFamily="49" charset="0"/>
+              </a:rPr>
+              <a:t>참조 계수 증가</a:t>
+            </a:r>
+            <a:r>
+              <a:rPr lang="en-US" altLang="ko-KR" dirty="0">
+                <a:latin typeface="Cascadia Code" pitchFamily="49" charset="0"/>
+                <a:cs typeface="Cascadia Code" pitchFamily="49" charset="0"/>
+              </a:rPr>
+              <a:t>!</a:t>
+            </a:r>
+          </a:p>
+          <a:p>
+            <a:r>
+              <a:rPr lang="en-US" altLang="ko-KR" dirty="0">
+                <a:solidFill>
+                  <a:srgbClr val="FF0000"/>
+                </a:solidFill>
+                <a:latin typeface="Cascadia Code" pitchFamily="49" charset="0"/>
+                <a:cs typeface="Cascadia Code" pitchFamily="49" charset="0"/>
+              </a:rPr>
+              <a:t>        ++(*ref);</a:t>
+            </a:r>
+          </a:p>
+          <a:p>
+            <a:r>
+              <a:rPr lang="en-US" altLang="ko-KR" dirty="0">
+                <a:latin typeface="Cascadia Code" pitchFamily="49" charset="0"/>
+                <a:cs typeface="Cascadia Code" pitchFamily="49" charset="0"/>
+              </a:rPr>
+              <a:t>    }</a:t>
+            </a:r>
+            <a:endParaRPr lang="ko-KR" altLang="en-US" dirty="0">
+              <a:latin typeface="Cascadia Code" pitchFamily="49" charset="0"/>
+              <a:cs typeface="Cascadia Code" pitchFamily="49" charset="0"/>
+            </a:endParaRPr>
+          </a:p>
+        </p:txBody>
+      </p:sp>
     </p:spTree>
     <p:extLst>
       <p:ext uri="{BB962C8B-B14F-4D97-AF65-F5344CB8AC3E}">
-        <p14:creationId xmlns:p14="http://schemas.microsoft.com/office/powerpoint/2010/main" val="3493624452"/>
+        <p14:creationId xmlns:p14="http://schemas.microsoft.com/office/powerpoint/2010/main" val="2691419990"/>
       </p:ext>
     </p:extLst>
   </p:cSld>
@@ -31438,16 +31350,16 @@
             <a:r>
               <a:rPr kumimoji="1" lang="en-US" altLang="ko-KR" sz="1600" dirty="0">
                 <a:solidFill>
-                  <a:schemeClr val="tx1"/>
+                  <a:srgbClr val="FF0000"/>
                 </a:solidFill>
                 <a:latin typeface="Cascadia Code" pitchFamily="49" charset="0"/>
                 <a:cs typeface="Cascadia Code" pitchFamily="49" charset="0"/>
               </a:rPr>
-              <a:t>1</a:t>
+              <a:t>2</a:t>
             </a:r>
             <a:endParaRPr kumimoji="1" lang="ko-KR" altLang="en-US" sz="1600" dirty="0">
               <a:solidFill>
-                <a:schemeClr val="tx1"/>
+                <a:srgbClr val="FF0000"/>
               </a:solidFill>
               <a:latin typeface="Cascadia Code" pitchFamily="49" charset="0"/>
               <a:cs typeface="Cascadia Code" pitchFamily="49" charset="0"/>
@@ -31478,11 +31390,6 @@
           <a:solidFill>
             <a:srgbClr val="FFFF00"/>
           </a:solidFill>
-          <a:ln>
-            <a:solidFill>
-              <a:srgbClr val="FF0000"/>
-            </a:solidFill>
-          </a:ln>
         </p:spPr>
         <p:style>
           <a:lnRef idx="2">
@@ -31593,11 +31500,6 @@
           <a:solidFill>
             <a:srgbClr val="FFFF00"/>
           </a:solidFill>
-          <a:ln>
-            <a:solidFill>
-              <a:srgbClr val="FF0000"/>
-            </a:solidFill>
-          </a:ln>
         </p:spPr>
         <p:style>
           <a:lnRef idx="2">
@@ -31748,11 +31650,6 @@
           <a:solidFill>
             <a:srgbClr val="FFFF00"/>
           </a:solidFill>
-          <a:ln>
-            <a:solidFill>
-              <a:srgbClr val="FF0000"/>
-            </a:solidFill>
-          </a:ln>
         </p:spPr>
         <p:style>
           <a:lnRef idx="2">
@@ -31930,10 +31827,603 @@
           </a:fontRef>
         </p:style>
       </p:cxnSp>
+      <p:sp>
+        <p:nvSpPr>
+          <p:cNvPr id="2" name="직사각형 1">
+            <a:extLst>
+              <a:ext uri="{FF2B5EF4-FFF2-40B4-BE49-F238E27FC236}">
+                <a16:creationId xmlns:a16="http://schemas.microsoft.com/office/drawing/2014/main" id="{EA6A56CD-F194-F668-795B-6701FCA2CF59}"/>
+              </a:ext>
+            </a:extLst>
+          </p:cNvPr>
+          <p:cNvSpPr/>
+          <p:nvPr/>
+        </p:nvSpPr>
+        <p:spPr>
+          <a:xfrm>
+            <a:off x="7491615" y="5220013"/>
+            <a:ext cx="1120140" cy="610463"/>
+          </a:xfrm>
+          <a:prstGeom prst="rect">
+            <a:avLst/>
+          </a:prstGeom>
+          <a:solidFill>
+            <a:srgbClr val="FFFF00"/>
+          </a:solidFill>
+          <a:ln>
+            <a:solidFill>
+              <a:srgbClr val="FF0000"/>
+            </a:solidFill>
+          </a:ln>
+        </p:spPr>
+        <p:style>
+          <a:lnRef idx="2">
+            <a:schemeClr val="accent1">
+              <a:shade val="15000"/>
+            </a:schemeClr>
+          </a:lnRef>
+          <a:fillRef idx="1">
+            <a:schemeClr val="accent1"/>
+          </a:fillRef>
+          <a:effectRef idx="0">
+            <a:schemeClr val="accent1"/>
+          </a:effectRef>
+          <a:fontRef idx="minor">
+            <a:schemeClr val="lt1"/>
+          </a:fontRef>
+        </p:style>
+        <p:txBody>
+          <a:bodyPr rtlCol="0" anchor="ctr"/>
+          <a:lstStyle/>
+          <a:p>
+            <a:pPr algn="ctr"/>
+            <a:r>
+              <a:rPr kumimoji="1" lang="en-US" altLang="ko-KR" sz="1600" dirty="0">
+                <a:solidFill>
+                  <a:schemeClr val="tx1"/>
+                </a:solidFill>
+                <a:latin typeface="Cascadia Code" pitchFamily="49" charset="0"/>
+                <a:cs typeface="Cascadia Code" pitchFamily="49" charset="0"/>
+              </a:rPr>
+              <a:t>0x100</a:t>
+            </a:r>
+            <a:endParaRPr kumimoji="1" lang="ko-KR" altLang="en-US" sz="1600" dirty="0">
+              <a:solidFill>
+                <a:schemeClr val="tx1"/>
+              </a:solidFill>
+              <a:latin typeface="Cascadia Code" pitchFamily="49" charset="0"/>
+              <a:cs typeface="Cascadia Code" pitchFamily="49" charset="0"/>
+            </a:endParaRPr>
+          </a:p>
+        </p:txBody>
+      </p:sp>
+      <p:sp>
+        <p:nvSpPr>
+          <p:cNvPr id="3" name="TextBox 2">
+            <a:extLst>
+              <a:ext uri="{FF2B5EF4-FFF2-40B4-BE49-F238E27FC236}">
+                <a16:creationId xmlns:a16="http://schemas.microsoft.com/office/drawing/2014/main" id="{FBF6100F-907E-799D-D086-28EA30116073}"/>
+              </a:ext>
+            </a:extLst>
+          </p:cNvPr>
+          <p:cNvSpPr txBox="1"/>
+          <p:nvPr/>
+        </p:nvSpPr>
+        <p:spPr>
+          <a:xfrm>
+            <a:off x="6783187" y="5355967"/>
+            <a:ext cx="677948" cy="338554"/>
+          </a:xfrm>
+          <a:prstGeom prst="rect">
+            <a:avLst/>
+          </a:prstGeom>
+          <a:noFill/>
+        </p:spPr>
+        <p:txBody>
+          <a:bodyPr wrap="square" rtlCol="0">
+            <a:spAutoFit/>
+          </a:bodyPr>
+          <a:lstStyle/>
+          <a:p>
+            <a:pPr algn="ctr"/>
+            <a:r>
+              <a:rPr kumimoji="1" lang="en-US" altLang="ko-KR" sz="1600" dirty="0">
+                <a:latin typeface="Cascadia Code" pitchFamily="49" charset="0"/>
+                <a:ea typeface="Cascadia Code" pitchFamily="49" charset="0"/>
+                <a:cs typeface="Cascadia Code" pitchFamily="49" charset="0"/>
+              </a:rPr>
+              <a:t>name</a:t>
+            </a:r>
+            <a:endParaRPr kumimoji="1" lang="ko-KR" altLang="en-US" sz="1600" dirty="0">
+              <a:latin typeface="Cascadia Code" pitchFamily="49" charset="0"/>
+              <a:ea typeface="Cascadia Code" pitchFamily="49" charset="0"/>
+              <a:cs typeface="Cascadia Code" pitchFamily="49" charset="0"/>
+            </a:endParaRPr>
+          </a:p>
+        </p:txBody>
+      </p:sp>
+      <p:sp>
+        <p:nvSpPr>
+          <p:cNvPr id="14" name="직사각형 13">
+            <a:extLst>
+              <a:ext uri="{FF2B5EF4-FFF2-40B4-BE49-F238E27FC236}">
+                <a16:creationId xmlns:a16="http://schemas.microsoft.com/office/drawing/2014/main" id="{B7733978-F857-8141-67DC-25AAF4FC1987}"/>
+              </a:ext>
+            </a:extLst>
+          </p:cNvPr>
+          <p:cNvSpPr/>
+          <p:nvPr/>
+        </p:nvSpPr>
+        <p:spPr>
+          <a:xfrm>
+            <a:off x="7491615" y="5830476"/>
+            <a:ext cx="1120140" cy="610463"/>
+          </a:xfrm>
+          <a:prstGeom prst="rect">
+            <a:avLst/>
+          </a:prstGeom>
+          <a:solidFill>
+            <a:srgbClr val="FFFF00"/>
+          </a:solidFill>
+          <a:ln>
+            <a:solidFill>
+              <a:srgbClr val="FF0000"/>
+            </a:solidFill>
+          </a:ln>
+        </p:spPr>
+        <p:style>
+          <a:lnRef idx="2">
+            <a:schemeClr val="accent1">
+              <a:shade val="15000"/>
+            </a:schemeClr>
+          </a:lnRef>
+          <a:fillRef idx="1">
+            <a:schemeClr val="accent1"/>
+          </a:fillRef>
+          <a:effectRef idx="0">
+            <a:schemeClr val="accent1"/>
+          </a:effectRef>
+          <a:fontRef idx="minor">
+            <a:schemeClr val="lt1"/>
+          </a:fontRef>
+        </p:style>
+        <p:txBody>
+          <a:bodyPr rtlCol="0" anchor="ctr"/>
+          <a:lstStyle/>
+          <a:p>
+            <a:pPr algn="ctr"/>
+            <a:r>
+              <a:rPr kumimoji="1" lang="en-US" altLang="ko-KR" sz="1600" dirty="0">
+                <a:solidFill>
+                  <a:schemeClr val="tx1"/>
+                </a:solidFill>
+                <a:latin typeface="Cascadia Code" pitchFamily="49" charset="0"/>
+                <a:cs typeface="Cascadia Code" pitchFamily="49" charset="0"/>
+              </a:rPr>
+              <a:t>42</a:t>
+            </a:r>
+            <a:endParaRPr kumimoji="1" lang="ko-KR" altLang="en-US" sz="1600" dirty="0">
+              <a:solidFill>
+                <a:schemeClr val="tx1"/>
+              </a:solidFill>
+              <a:latin typeface="Cascadia Code" pitchFamily="49" charset="0"/>
+              <a:cs typeface="Cascadia Code" pitchFamily="49" charset="0"/>
+            </a:endParaRPr>
+          </a:p>
+        </p:txBody>
+      </p:sp>
+      <p:sp>
+        <p:nvSpPr>
+          <p:cNvPr id="15" name="TextBox 14">
+            <a:extLst>
+              <a:ext uri="{FF2B5EF4-FFF2-40B4-BE49-F238E27FC236}">
+                <a16:creationId xmlns:a16="http://schemas.microsoft.com/office/drawing/2014/main" id="{7621F2AC-9736-B9DC-F3BF-4F019F63BBBC}"/>
+              </a:ext>
+            </a:extLst>
+          </p:cNvPr>
+          <p:cNvSpPr txBox="1"/>
+          <p:nvPr/>
+        </p:nvSpPr>
+        <p:spPr>
+          <a:xfrm>
+            <a:off x="6903260" y="5966430"/>
+            <a:ext cx="557875" cy="338554"/>
+          </a:xfrm>
+          <a:prstGeom prst="rect">
+            <a:avLst/>
+          </a:prstGeom>
+          <a:noFill/>
+        </p:spPr>
+        <p:txBody>
+          <a:bodyPr wrap="square" rtlCol="0">
+            <a:spAutoFit/>
+          </a:bodyPr>
+          <a:lstStyle/>
+          <a:p>
+            <a:pPr algn="ctr"/>
+            <a:r>
+              <a:rPr kumimoji="1" lang="en-US" altLang="ko-KR" sz="1600" dirty="0">
+                <a:latin typeface="Cascadia Code" pitchFamily="49" charset="0"/>
+                <a:ea typeface="Cascadia Code" pitchFamily="49" charset="0"/>
+                <a:cs typeface="Cascadia Code" pitchFamily="49" charset="0"/>
+              </a:rPr>
+              <a:t>age</a:t>
+            </a:r>
+            <a:endParaRPr kumimoji="1" lang="ko-KR" altLang="en-US" sz="1600" dirty="0">
+              <a:latin typeface="Cascadia Code" pitchFamily="49" charset="0"/>
+              <a:ea typeface="Cascadia Code" pitchFamily="49" charset="0"/>
+              <a:cs typeface="Cascadia Code" pitchFamily="49" charset="0"/>
+            </a:endParaRPr>
+          </a:p>
+        </p:txBody>
+      </p:sp>
+      <p:sp>
+        <p:nvSpPr>
+          <p:cNvPr id="17" name="TextBox 16">
+            <a:extLst>
+              <a:ext uri="{FF2B5EF4-FFF2-40B4-BE49-F238E27FC236}">
+                <a16:creationId xmlns:a16="http://schemas.microsoft.com/office/drawing/2014/main" id="{54C00AEE-B074-8FB2-7ED8-DD4EEC077752}"/>
+              </a:ext>
+            </a:extLst>
+          </p:cNvPr>
+          <p:cNvSpPr txBox="1"/>
+          <p:nvPr/>
+        </p:nvSpPr>
+        <p:spPr>
+          <a:xfrm>
+            <a:off x="7491616" y="4824911"/>
+            <a:ext cx="1013228" cy="369332"/>
+          </a:xfrm>
+          <a:prstGeom prst="rect">
+            <a:avLst/>
+          </a:prstGeom>
+          <a:noFill/>
+        </p:spPr>
+        <p:txBody>
+          <a:bodyPr wrap="square">
+            <a:spAutoFit/>
+          </a:bodyPr>
+          <a:lstStyle/>
+          <a:p>
+            <a:pPr algn="ctr"/>
+            <a:r>
+              <a:rPr lang="en-US" altLang="ko-KR" dirty="0">
+                <a:latin typeface="Cascadia Code" pitchFamily="49" charset="0"/>
+                <a:cs typeface="Cascadia Code" pitchFamily="49" charset="0"/>
+              </a:rPr>
+              <a:t>other2</a:t>
+            </a:r>
+            <a:endParaRPr lang="ko-KR" altLang="en-US" dirty="0"/>
+          </a:p>
+        </p:txBody>
+      </p:sp>
+      <p:sp>
+        <p:nvSpPr>
+          <p:cNvPr id="18" name="직사각형 17">
+            <a:extLst>
+              <a:ext uri="{FF2B5EF4-FFF2-40B4-BE49-F238E27FC236}">
+                <a16:creationId xmlns:a16="http://schemas.microsoft.com/office/drawing/2014/main" id="{62BF5C27-A14B-9762-7238-4B63406728E4}"/>
+              </a:ext>
+            </a:extLst>
+          </p:cNvPr>
+          <p:cNvSpPr/>
+          <p:nvPr/>
+        </p:nvSpPr>
+        <p:spPr>
+          <a:xfrm>
+            <a:off x="7491615" y="6440939"/>
+            <a:ext cx="1120140" cy="610463"/>
+          </a:xfrm>
+          <a:prstGeom prst="rect">
+            <a:avLst/>
+          </a:prstGeom>
+          <a:solidFill>
+            <a:srgbClr val="FFFF00"/>
+          </a:solidFill>
+          <a:ln>
+            <a:solidFill>
+              <a:srgbClr val="FF0000"/>
+            </a:solidFill>
+          </a:ln>
+        </p:spPr>
+        <p:style>
+          <a:lnRef idx="2">
+            <a:schemeClr val="accent1">
+              <a:shade val="15000"/>
+            </a:schemeClr>
+          </a:lnRef>
+          <a:fillRef idx="1">
+            <a:schemeClr val="accent1"/>
+          </a:fillRef>
+          <a:effectRef idx="0">
+            <a:schemeClr val="accent1"/>
+          </a:effectRef>
+          <a:fontRef idx="minor">
+            <a:schemeClr val="lt1"/>
+          </a:fontRef>
+        </p:style>
+        <p:txBody>
+          <a:bodyPr rtlCol="0" anchor="ctr"/>
+          <a:lstStyle/>
+          <a:p>
+            <a:pPr algn="ctr"/>
+            <a:r>
+              <a:rPr kumimoji="1" lang="en-US" altLang="ko-KR" sz="1600" dirty="0">
+                <a:solidFill>
+                  <a:schemeClr val="tx1"/>
+                </a:solidFill>
+                <a:latin typeface="Cascadia Code" pitchFamily="49" charset="0"/>
+                <a:cs typeface="Cascadia Code" pitchFamily="49" charset="0"/>
+              </a:rPr>
+              <a:t>0x200</a:t>
+            </a:r>
+            <a:endParaRPr kumimoji="1" lang="ko-KR" altLang="en-US" sz="1600" dirty="0">
+              <a:solidFill>
+                <a:schemeClr val="tx1"/>
+              </a:solidFill>
+              <a:latin typeface="Cascadia Code" pitchFamily="49" charset="0"/>
+              <a:cs typeface="Cascadia Code" pitchFamily="49" charset="0"/>
+            </a:endParaRPr>
+          </a:p>
+        </p:txBody>
+      </p:sp>
+      <p:sp>
+        <p:nvSpPr>
+          <p:cNvPr id="27" name="TextBox 26">
+            <a:extLst>
+              <a:ext uri="{FF2B5EF4-FFF2-40B4-BE49-F238E27FC236}">
+                <a16:creationId xmlns:a16="http://schemas.microsoft.com/office/drawing/2014/main" id="{D14FB2A1-C72D-649F-C8C8-EC28D6989642}"/>
+              </a:ext>
+            </a:extLst>
+          </p:cNvPr>
+          <p:cNvSpPr txBox="1"/>
+          <p:nvPr/>
+        </p:nvSpPr>
+        <p:spPr>
+          <a:xfrm>
+            <a:off x="6903260" y="6554172"/>
+            <a:ext cx="557875" cy="338554"/>
+          </a:xfrm>
+          <a:prstGeom prst="rect">
+            <a:avLst/>
+          </a:prstGeom>
+          <a:noFill/>
+        </p:spPr>
+        <p:txBody>
+          <a:bodyPr wrap="square" rtlCol="0">
+            <a:spAutoFit/>
+          </a:bodyPr>
+          <a:lstStyle/>
+          <a:p>
+            <a:pPr algn="ctr"/>
+            <a:r>
+              <a:rPr kumimoji="1" lang="en-US" altLang="ko-KR" sz="1600" dirty="0">
+                <a:latin typeface="Cascadia Code" pitchFamily="49" charset="0"/>
+                <a:ea typeface="Cascadia Code" pitchFamily="49" charset="0"/>
+                <a:cs typeface="Cascadia Code" pitchFamily="49" charset="0"/>
+              </a:rPr>
+              <a:t>ref</a:t>
+            </a:r>
+            <a:endParaRPr kumimoji="1" lang="ko-KR" altLang="en-US" sz="1600" dirty="0">
+              <a:latin typeface="Cascadia Code" pitchFamily="49" charset="0"/>
+              <a:ea typeface="Cascadia Code" pitchFamily="49" charset="0"/>
+              <a:cs typeface="Cascadia Code" pitchFamily="49" charset="0"/>
+            </a:endParaRPr>
+          </a:p>
+        </p:txBody>
+      </p:sp>
+      <p:sp>
+        <p:nvSpPr>
+          <p:cNvPr id="30" name="TextBox 29">
+            <a:extLst>
+              <a:ext uri="{FF2B5EF4-FFF2-40B4-BE49-F238E27FC236}">
+                <a16:creationId xmlns:a16="http://schemas.microsoft.com/office/drawing/2014/main" id="{71C6E9FD-C89F-7F4B-320B-CD42769DAA8B}"/>
+              </a:ext>
+            </a:extLst>
+          </p:cNvPr>
+          <p:cNvSpPr txBox="1"/>
+          <p:nvPr/>
+        </p:nvSpPr>
+        <p:spPr>
+          <a:xfrm>
+            <a:off x="392431" y="767097"/>
+            <a:ext cx="6096000" cy="3139321"/>
+          </a:xfrm>
+          <a:prstGeom prst="rect">
+            <a:avLst/>
+          </a:prstGeom>
+          <a:noFill/>
+        </p:spPr>
+        <p:txBody>
+          <a:bodyPr wrap="square">
+            <a:spAutoFit/>
+          </a:bodyPr>
+          <a:lstStyle/>
+          <a:p>
+            <a:r>
+              <a:rPr lang="en-US" altLang="ko-KR" dirty="0">
+                <a:latin typeface="Cascadia Code" pitchFamily="49" charset="0"/>
+                <a:cs typeface="Cascadia Code" pitchFamily="49" charset="0"/>
+              </a:rPr>
+              <a:t> ~User()</a:t>
+            </a:r>
+          </a:p>
+          <a:p>
+            <a:r>
+              <a:rPr lang="en-US" altLang="ko-KR" dirty="0">
+                <a:latin typeface="Cascadia Code" pitchFamily="49" charset="0"/>
+                <a:cs typeface="Cascadia Code" pitchFamily="49" charset="0"/>
+              </a:rPr>
+              <a:t> {</a:t>
+            </a:r>
+          </a:p>
+          <a:p>
+            <a:r>
+              <a:rPr lang="en-US" altLang="ko-KR" dirty="0">
+                <a:latin typeface="Cascadia Code" pitchFamily="49" charset="0"/>
+                <a:cs typeface="Cascadia Code" pitchFamily="49" charset="0"/>
+              </a:rPr>
+              <a:t>    // </a:t>
+            </a:r>
+            <a:r>
+              <a:rPr lang="ko-KR" altLang="en-US" dirty="0">
+                <a:latin typeface="Cascadia Code" pitchFamily="49" charset="0"/>
+                <a:cs typeface="Cascadia Code" pitchFamily="49" charset="0"/>
+              </a:rPr>
+              <a:t>참조 계수 감소</a:t>
+            </a:r>
+          </a:p>
+          <a:p>
+            <a:r>
+              <a:rPr lang="ko-KR" altLang="en-US" dirty="0">
+                <a:solidFill>
+                  <a:srgbClr val="FF0000"/>
+                </a:solidFill>
+                <a:latin typeface="Cascadia Code" pitchFamily="49" charset="0"/>
+                <a:cs typeface="Cascadia Code" pitchFamily="49" charset="0"/>
+              </a:rPr>
+              <a:t>    </a:t>
+            </a:r>
+            <a:r>
+              <a:rPr lang="en-US" altLang="ko-KR" dirty="0">
+                <a:solidFill>
+                  <a:srgbClr val="FF0000"/>
+                </a:solidFill>
+                <a:latin typeface="Cascadia Code" pitchFamily="49" charset="0"/>
+                <a:cs typeface="Cascadia Code" pitchFamily="49" charset="0"/>
+              </a:rPr>
+              <a:t>--(*ref);</a:t>
+            </a:r>
+          </a:p>
+          <a:p>
+            <a:endParaRPr lang="en-US" altLang="ko-KR" dirty="0">
+              <a:latin typeface="Cascadia Code" pitchFamily="49" charset="0"/>
+              <a:cs typeface="Cascadia Code" pitchFamily="49" charset="0"/>
+            </a:endParaRPr>
+          </a:p>
+          <a:p>
+            <a:r>
+              <a:rPr lang="en-US" altLang="ko-KR" dirty="0">
+                <a:latin typeface="Cascadia Code" pitchFamily="49" charset="0"/>
+                <a:cs typeface="Cascadia Code" pitchFamily="49" charset="0"/>
+              </a:rPr>
+              <a:t>    // </a:t>
+            </a:r>
+            <a:r>
+              <a:rPr lang="ko-KR" altLang="en-US" dirty="0">
+                <a:latin typeface="Cascadia Code" pitchFamily="49" charset="0"/>
+                <a:cs typeface="Cascadia Code" pitchFamily="49" charset="0"/>
+              </a:rPr>
+              <a:t>참조 계수 </a:t>
+            </a:r>
+            <a:r>
+              <a:rPr lang="en-US" altLang="ko-KR" dirty="0">
+                <a:latin typeface="Cascadia Code" pitchFamily="49" charset="0"/>
+                <a:cs typeface="Cascadia Code" pitchFamily="49" charset="0"/>
+              </a:rPr>
+              <a:t>0</a:t>
+            </a:r>
+            <a:r>
+              <a:rPr lang="ko-KR" altLang="en-US" dirty="0">
+                <a:latin typeface="Cascadia Code" pitchFamily="49" charset="0"/>
+                <a:cs typeface="Cascadia Code" pitchFamily="49" charset="0"/>
+              </a:rPr>
+              <a:t>인 경우</a:t>
+            </a:r>
+            <a:r>
+              <a:rPr lang="en-US" altLang="ko-KR" dirty="0">
+                <a:latin typeface="Cascadia Code" pitchFamily="49" charset="0"/>
+                <a:cs typeface="Cascadia Code" pitchFamily="49" charset="0"/>
+              </a:rPr>
+              <a:t>, </a:t>
+            </a:r>
+            <a:r>
+              <a:rPr lang="ko-KR" altLang="en-US" dirty="0">
+                <a:latin typeface="Cascadia Code" pitchFamily="49" charset="0"/>
+                <a:cs typeface="Cascadia Code" pitchFamily="49" charset="0"/>
+              </a:rPr>
+              <a:t>자원을 해지합니다</a:t>
+            </a:r>
+            <a:r>
+              <a:rPr lang="en-US" altLang="ko-KR" dirty="0">
+                <a:latin typeface="Cascadia Code" pitchFamily="49" charset="0"/>
+                <a:cs typeface="Cascadia Code" pitchFamily="49" charset="0"/>
+              </a:rPr>
+              <a:t>.</a:t>
+            </a:r>
+          </a:p>
+          <a:p>
+            <a:r>
+              <a:rPr lang="en-US" altLang="ko-KR" dirty="0">
+                <a:latin typeface="Cascadia Code" pitchFamily="49" charset="0"/>
+                <a:cs typeface="Cascadia Code" pitchFamily="49" charset="0"/>
+              </a:rPr>
+              <a:t>    if </a:t>
+            </a:r>
+            <a:r>
+              <a:rPr lang="en-US" altLang="ko-KR" dirty="0">
+                <a:solidFill>
+                  <a:srgbClr val="FF0000"/>
+                </a:solidFill>
+                <a:latin typeface="Cascadia Code" pitchFamily="49" charset="0"/>
+                <a:cs typeface="Cascadia Code" pitchFamily="49" charset="0"/>
+              </a:rPr>
+              <a:t>(*ref == 0)</a:t>
+            </a:r>
+            <a:r>
+              <a:rPr lang="en-US" altLang="ko-KR" dirty="0">
+                <a:latin typeface="Cascadia Code" pitchFamily="49" charset="0"/>
+                <a:cs typeface="Cascadia Code" pitchFamily="49" charset="0"/>
+              </a:rPr>
+              <a:t> {</a:t>
+            </a:r>
+          </a:p>
+          <a:p>
+            <a:r>
+              <a:rPr lang="en-US" altLang="ko-KR" dirty="0">
+                <a:latin typeface="Cascadia Code" pitchFamily="49" charset="0"/>
+                <a:cs typeface="Cascadia Code" pitchFamily="49" charset="0"/>
+              </a:rPr>
+              <a:t>        delete[] name;</a:t>
+            </a:r>
+          </a:p>
+          <a:p>
+            <a:r>
+              <a:rPr lang="en-US" altLang="ko-KR" dirty="0">
+                <a:latin typeface="Cascadia Code" pitchFamily="49" charset="0"/>
+                <a:cs typeface="Cascadia Code" pitchFamily="49" charset="0"/>
+              </a:rPr>
+              <a:t>        delete ref;</a:t>
+            </a:r>
+          </a:p>
+          <a:p>
+            <a:r>
+              <a:rPr lang="en-US" altLang="ko-KR" dirty="0">
+                <a:latin typeface="Cascadia Code" pitchFamily="49" charset="0"/>
+                <a:cs typeface="Cascadia Code" pitchFamily="49" charset="0"/>
+              </a:rPr>
+              <a:t>    }</a:t>
+            </a:r>
+          </a:p>
+          <a:p>
+            <a:r>
+              <a:rPr lang="en-US" altLang="ko-KR" dirty="0">
+                <a:latin typeface="Cascadia Code" pitchFamily="49" charset="0"/>
+                <a:cs typeface="Cascadia Code" pitchFamily="49" charset="0"/>
+              </a:rPr>
+              <a:t> }</a:t>
+            </a:r>
+            <a:endParaRPr lang="ko-KR" altLang="en-US" dirty="0">
+              <a:latin typeface="Cascadia Code" pitchFamily="49" charset="0"/>
+              <a:cs typeface="Cascadia Code" pitchFamily="49" charset="0"/>
+            </a:endParaRPr>
+          </a:p>
+        </p:txBody>
+      </p:sp>
     </p:spTree>
     <p:extLst>
       <p:ext uri="{BB962C8B-B14F-4D97-AF65-F5344CB8AC3E}">
-        <p14:creationId xmlns:p14="http://schemas.microsoft.com/office/powerpoint/2010/main" val="1768216938"/>
+        <p14:creationId xmlns:p14="http://schemas.microsoft.com/office/powerpoint/2010/main" val="3493624452"/>
       </p:ext>
     </p:extLst>
   </p:cSld>
@@ -31983,11 +32473,6 @@
           <a:solidFill>
             <a:srgbClr val="FFFF00"/>
           </a:solidFill>
-          <a:ln>
-            <a:solidFill>
-              <a:srgbClr val="FF0000"/>
-            </a:solidFill>
-          </a:ln>
         </p:spPr>
         <p:style>
           <a:lnRef idx="2">
@@ -32098,11 +32583,6 @@
           <a:solidFill>
             <a:srgbClr val="FFFF00"/>
           </a:solidFill>
-          <a:ln>
-            <a:solidFill>
-              <a:srgbClr val="FF0000"/>
-            </a:solidFill>
-          </a:ln>
         </p:spPr>
         <p:style>
           <a:lnRef idx="2">
@@ -32253,11 +32733,6 @@
           <a:solidFill>
             <a:srgbClr val="FFFF00"/>
           </a:solidFill>
-          <a:ln>
-            <a:solidFill>
-              <a:srgbClr val="FF0000"/>
-            </a:solidFill>
-          </a:ln>
         </p:spPr>
         <p:style>
           <a:lnRef idx="2">
@@ -32365,11 +32840,6 @@
           <a:solidFill>
             <a:srgbClr val="FFFF00"/>
           </a:solidFill>
-          <a:ln>
-            <a:solidFill>
-              <a:srgbClr val="FF0000"/>
-            </a:solidFill>
-          </a:ln>
         </p:spPr>
         <p:style>
           <a:lnRef idx="2">
@@ -32523,11 +32993,6 @@
           <a:solidFill>
             <a:srgbClr val="FFFF00"/>
           </a:solidFill>
-          <a:ln>
-            <a:solidFill>
-              <a:srgbClr val="FF0000"/>
-            </a:solidFill>
-          </a:ln>
         </p:spPr>
         <p:style>
           <a:lnRef idx="2">
@@ -32558,12 +33023,1472 @@
                 <a:latin typeface="Cascadia Code" pitchFamily="49" charset="0"/>
                 <a:cs typeface="Cascadia Code" pitchFamily="49" charset="0"/>
               </a:rPr>
-              <a:t>0</a:t>
+              <a:t>1</a:t>
             </a:r>
             <a:endParaRPr kumimoji="1" lang="ko-KR" altLang="en-US" sz="1600" dirty="0">
               <a:solidFill>
                 <a:srgbClr val="FF0000"/>
               </a:solidFill>
+              <a:latin typeface="Cascadia Code" pitchFamily="49" charset="0"/>
+              <a:cs typeface="Cascadia Code" pitchFamily="49" charset="0"/>
+            </a:endParaRPr>
+          </a:p>
+        </p:txBody>
+      </p:sp>
+      <p:sp>
+        <p:nvSpPr>
+          <p:cNvPr id="19" name="직사각형 18">
+            <a:extLst>
+              <a:ext uri="{FF2B5EF4-FFF2-40B4-BE49-F238E27FC236}">
+                <a16:creationId xmlns:a16="http://schemas.microsoft.com/office/drawing/2014/main" id="{D74DB03D-1942-00CB-7788-599AF7A7D8F3}"/>
+              </a:ext>
+            </a:extLst>
+          </p:cNvPr>
+          <p:cNvSpPr/>
+          <p:nvPr/>
+        </p:nvSpPr>
+        <p:spPr>
+          <a:xfrm>
+            <a:off x="7497157" y="2867396"/>
+            <a:ext cx="1120140" cy="610463"/>
+          </a:xfrm>
+          <a:prstGeom prst="rect">
+            <a:avLst/>
+          </a:prstGeom>
+          <a:solidFill>
+            <a:srgbClr val="FFFF00"/>
+          </a:solidFill>
+          <a:ln>
+            <a:solidFill>
+              <a:srgbClr val="FF0000"/>
+            </a:solidFill>
+          </a:ln>
+        </p:spPr>
+        <p:style>
+          <a:lnRef idx="2">
+            <a:schemeClr val="accent1">
+              <a:shade val="15000"/>
+            </a:schemeClr>
+          </a:lnRef>
+          <a:fillRef idx="1">
+            <a:schemeClr val="accent1"/>
+          </a:fillRef>
+          <a:effectRef idx="0">
+            <a:schemeClr val="accent1"/>
+          </a:effectRef>
+          <a:fontRef idx="minor">
+            <a:schemeClr val="lt1"/>
+          </a:fontRef>
+        </p:style>
+        <p:txBody>
+          <a:bodyPr rtlCol="0" anchor="ctr"/>
+          <a:lstStyle/>
+          <a:p>
+            <a:pPr algn="ctr"/>
+            <a:r>
+              <a:rPr kumimoji="1" lang="en-US" altLang="ko-KR" sz="1600" dirty="0">
+                <a:solidFill>
+                  <a:schemeClr val="tx1"/>
+                </a:solidFill>
+                <a:latin typeface="Cascadia Code" pitchFamily="49" charset="0"/>
+                <a:cs typeface="Cascadia Code" pitchFamily="49" charset="0"/>
+              </a:rPr>
+              <a:t>0x100</a:t>
+            </a:r>
+            <a:endParaRPr kumimoji="1" lang="ko-KR" altLang="en-US" sz="1600" dirty="0">
+              <a:solidFill>
+                <a:schemeClr val="tx1"/>
+              </a:solidFill>
+              <a:latin typeface="Cascadia Code" pitchFamily="49" charset="0"/>
+              <a:cs typeface="Cascadia Code" pitchFamily="49" charset="0"/>
+            </a:endParaRPr>
+          </a:p>
+        </p:txBody>
+      </p:sp>
+      <p:sp>
+        <p:nvSpPr>
+          <p:cNvPr id="20" name="TextBox 19">
+            <a:extLst>
+              <a:ext uri="{FF2B5EF4-FFF2-40B4-BE49-F238E27FC236}">
+                <a16:creationId xmlns:a16="http://schemas.microsoft.com/office/drawing/2014/main" id="{99EBA079-7CAC-E527-D493-836D28B65874}"/>
+              </a:ext>
+            </a:extLst>
+          </p:cNvPr>
+          <p:cNvSpPr txBox="1"/>
+          <p:nvPr/>
+        </p:nvSpPr>
+        <p:spPr>
+          <a:xfrm>
+            <a:off x="6788729" y="3003350"/>
+            <a:ext cx="677948" cy="338554"/>
+          </a:xfrm>
+          <a:prstGeom prst="rect">
+            <a:avLst/>
+          </a:prstGeom>
+          <a:noFill/>
+        </p:spPr>
+        <p:txBody>
+          <a:bodyPr wrap="square" rtlCol="0">
+            <a:spAutoFit/>
+          </a:bodyPr>
+          <a:lstStyle/>
+          <a:p>
+            <a:pPr algn="ctr"/>
+            <a:r>
+              <a:rPr kumimoji="1" lang="en-US" altLang="ko-KR" sz="1600" dirty="0">
+                <a:latin typeface="Cascadia Code" pitchFamily="49" charset="0"/>
+                <a:ea typeface="Cascadia Code" pitchFamily="49" charset="0"/>
+                <a:cs typeface="Cascadia Code" pitchFamily="49" charset="0"/>
+              </a:rPr>
+              <a:t>name</a:t>
+            </a:r>
+            <a:endParaRPr kumimoji="1" lang="ko-KR" altLang="en-US" sz="1600" dirty="0">
+              <a:latin typeface="Cascadia Code" pitchFamily="49" charset="0"/>
+              <a:ea typeface="Cascadia Code" pitchFamily="49" charset="0"/>
+              <a:cs typeface="Cascadia Code" pitchFamily="49" charset="0"/>
+            </a:endParaRPr>
+          </a:p>
+        </p:txBody>
+      </p:sp>
+      <p:sp>
+        <p:nvSpPr>
+          <p:cNvPr id="21" name="직사각형 20">
+            <a:extLst>
+              <a:ext uri="{FF2B5EF4-FFF2-40B4-BE49-F238E27FC236}">
+                <a16:creationId xmlns:a16="http://schemas.microsoft.com/office/drawing/2014/main" id="{650CC05E-ACBC-7F5E-AF4F-05E7DAB6F011}"/>
+              </a:ext>
+            </a:extLst>
+          </p:cNvPr>
+          <p:cNvSpPr/>
+          <p:nvPr/>
+        </p:nvSpPr>
+        <p:spPr>
+          <a:xfrm>
+            <a:off x="7497157" y="3477859"/>
+            <a:ext cx="1120140" cy="610463"/>
+          </a:xfrm>
+          <a:prstGeom prst="rect">
+            <a:avLst/>
+          </a:prstGeom>
+          <a:solidFill>
+            <a:srgbClr val="FFFF00"/>
+          </a:solidFill>
+          <a:ln>
+            <a:solidFill>
+              <a:srgbClr val="FF0000"/>
+            </a:solidFill>
+          </a:ln>
+        </p:spPr>
+        <p:style>
+          <a:lnRef idx="2">
+            <a:schemeClr val="accent1">
+              <a:shade val="15000"/>
+            </a:schemeClr>
+          </a:lnRef>
+          <a:fillRef idx="1">
+            <a:schemeClr val="accent1"/>
+          </a:fillRef>
+          <a:effectRef idx="0">
+            <a:schemeClr val="accent1"/>
+          </a:effectRef>
+          <a:fontRef idx="minor">
+            <a:schemeClr val="lt1"/>
+          </a:fontRef>
+        </p:style>
+        <p:txBody>
+          <a:bodyPr rtlCol="0" anchor="ctr"/>
+          <a:lstStyle/>
+          <a:p>
+            <a:pPr algn="ctr"/>
+            <a:r>
+              <a:rPr kumimoji="1" lang="en-US" altLang="ko-KR" sz="1600" dirty="0">
+                <a:solidFill>
+                  <a:schemeClr val="tx1"/>
+                </a:solidFill>
+                <a:latin typeface="Cascadia Code" pitchFamily="49" charset="0"/>
+                <a:cs typeface="Cascadia Code" pitchFamily="49" charset="0"/>
+              </a:rPr>
+              <a:t>42</a:t>
+            </a:r>
+            <a:endParaRPr kumimoji="1" lang="ko-KR" altLang="en-US" sz="1600" dirty="0">
+              <a:solidFill>
+                <a:schemeClr val="tx1"/>
+              </a:solidFill>
+              <a:latin typeface="Cascadia Code" pitchFamily="49" charset="0"/>
+              <a:cs typeface="Cascadia Code" pitchFamily="49" charset="0"/>
+            </a:endParaRPr>
+          </a:p>
+        </p:txBody>
+      </p:sp>
+      <p:sp>
+        <p:nvSpPr>
+          <p:cNvPr id="22" name="TextBox 21">
+            <a:extLst>
+              <a:ext uri="{FF2B5EF4-FFF2-40B4-BE49-F238E27FC236}">
+                <a16:creationId xmlns:a16="http://schemas.microsoft.com/office/drawing/2014/main" id="{4BCB6372-5EA1-C522-ECEA-CDE92F08B367}"/>
+              </a:ext>
+            </a:extLst>
+          </p:cNvPr>
+          <p:cNvSpPr txBox="1"/>
+          <p:nvPr/>
+        </p:nvSpPr>
+        <p:spPr>
+          <a:xfrm>
+            <a:off x="6908802" y="3613813"/>
+            <a:ext cx="557875" cy="338554"/>
+          </a:xfrm>
+          <a:prstGeom prst="rect">
+            <a:avLst/>
+          </a:prstGeom>
+          <a:noFill/>
+        </p:spPr>
+        <p:txBody>
+          <a:bodyPr wrap="square" rtlCol="0">
+            <a:spAutoFit/>
+          </a:bodyPr>
+          <a:lstStyle/>
+          <a:p>
+            <a:pPr algn="ctr"/>
+            <a:r>
+              <a:rPr kumimoji="1" lang="en-US" altLang="ko-KR" sz="1600" dirty="0">
+                <a:latin typeface="Cascadia Code" pitchFamily="49" charset="0"/>
+                <a:ea typeface="Cascadia Code" pitchFamily="49" charset="0"/>
+                <a:cs typeface="Cascadia Code" pitchFamily="49" charset="0"/>
+              </a:rPr>
+              <a:t>age</a:t>
+            </a:r>
+            <a:endParaRPr kumimoji="1" lang="ko-KR" altLang="en-US" sz="1600" dirty="0">
+              <a:latin typeface="Cascadia Code" pitchFamily="49" charset="0"/>
+              <a:ea typeface="Cascadia Code" pitchFamily="49" charset="0"/>
+              <a:cs typeface="Cascadia Code" pitchFamily="49" charset="0"/>
+            </a:endParaRPr>
+          </a:p>
+        </p:txBody>
+      </p:sp>
+      <p:sp>
+        <p:nvSpPr>
+          <p:cNvPr id="23" name="TextBox 22">
+            <a:extLst>
+              <a:ext uri="{FF2B5EF4-FFF2-40B4-BE49-F238E27FC236}">
+                <a16:creationId xmlns:a16="http://schemas.microsoft.com/office/drawing/2014/main" id="{EC6F1E9F-41C2-2086-ABCA-5166F003D05F}"/>
+              </a:ext>
+            </a:extLst>
+          </p:cNvPr>
+          <p:cNvSpPr txBox="1"/>
+          <p:nvPr/>
+        </p:nvSpPr>
+        <p:spPr>
+          <a:xfrm>
+            <a:off x="7604068" y="2472294"/>
+            <a:ext cx="906317" cy="369332"/>
+          </a:xfrm>
+          <a:prstGeom prst="rect">
+            <a:avLst/>
+          </a:prstGeom>
+          <a:noFill/>
+        </p:spPr>
+        <p:txBody>
+          <a:bodyPr wrap="square">
+            <a:spAutoFit/>
+          </a:bodyPr>
+          <a:lstStyle/>
+          <a:p>
+            <a:pPr algn="ctr"/>
+            <a:r>
+              <a:rPr lang="en-US" altLang="ko-KR" dirty="0">
+                <a:latin typeface="Cascadia Code" pitchFamily="49" charset="0"/>
+                <a:cs typeface="Cascadia Code" pitchFamily="49" charset="0"/>
+              </a:rPr>
+              <a:t>other</a:t>
+            </a:r>
+            <a:endParaRPr lang="ko-KR" altLang="en-US" dirty="0"/>
+          </a:p>
+        </p:txBody>
+      </p:sp>
+      <p:sp>
+        <p:nvSpPr>
+          <p:cNvPr id="24" name="직사각형 23">
+            <a:extLst>
+              <a:ext uri="{FF2B5EF4-FFF2-40B4-BE49-F238E27FC236}">
+                <a16:creationId xmlns:a16="http://schemas.microsoft.com/office/drawing/2014/main" id="{7029018C-544C-1394-ED08-7261B0393A33}"/>
+              </a:ext>
+            </a:extLst>
+          </p:cNvPr>
+          <p:cNvSpPr/>
+          <p:nvPr/>
+        </p:nvSpPr>
+        <p:spPr>
+          <a:xfrm>
+            <a:off x="7497157" y="4088322"/>
+            <a:ext cx="1120140" cy="610463"/>
+          </a:xfrm>
+          <a:prstGeom prst="rect">
+            <a:avLst/>
+          </a:prstGeom>
+          <a:solidFill>
+            <a:srgbClr val="FFFF00"/>
+          </a:solidFill>
+          <a:ln>
+            <a:solidFill>
+              <a:srgbClr val="FF0000"/>
+            </a:solidFill>
+          </a:ln>
+        </p:spPr>
+        <p:style>
+          <a:lnRef idx="2">
+            <a:schemeClr val="accent1">
+              <a:shade val="15000"/>
+            </a:schemeClr>
+          </a:lnRef>
+          <a:fillRef idx="1">
+            <a:schemeClr val="accent1"/>
+          </a:fillRef>
+          <a:effectRef idx="0">
+            <a:schemeClr val="accent1"/>
+          </a:effectRef>
+          <a:fontRef idx="minor">
+            <a:schemeClr val="lt1"/>
+          </a:fontRef>
+        </p:style>
+        <p:txBody>
+          <a:bodyPr rtlCol="0" anchor="ctr"/>
+          <a:lstStyle/>
+          <a:p>
+            <a:pPr algn="ctr"/>
+            <a:r>
+              <a:rPr kumimoji="1" lang="en-US" altLang="ko-KR" sz="1600" dirty="0">
+                <a:solidFill>
+                  <a:schemeClr val="tx1"/>
+                </a:solidFill>
+                <a:latin typeface="Cascadia Code" pitchFamily="49" charset="0"/>
+                <a:cs typeface="Cascadia Code" pitchFamily="49" charset="0"/>
+              </a:rPr>
+              <a:t>0x200</a:t>
+            </a:r>
+            <a:endParaRPr kumimoji="1" lang="ko-KR" altLang="en-US" sz="1600" dirty="0">
+              <a:solidFill>
+                <a:schemeClr val="tx1"/>
+              </a:solidFill>
+              <a:latin typeface="Cascadia Code" pitchFamily="49" charset="0"/>
+              <a:cs typeface="Cascadia Code" pitchFamily="49" charset="0"/>
+            </a:endParaRPr>
+          </a:p>
+        </p:txBody>
+      </p:sp>
+      <p:sp>
+        <p:nvSpPr>
+          <p:cNvPr id="25" name="TextBox 24">
+            <a:extLst>
+              <a:ext uri="{FF2B5EF4-FFF2-40B4-BE49-F238E27FC236}">
+                <a16:creationId xmlns:a16="http://schemas.microsoft.com/office/drawing/2014/main" id="{965E55F5-0E31-6CD6-AFC2-0B1810BD8131}"/>
+              </a:ext>
+            </a:extLst>
+          </p:cNvPr>
+          <p:cNvSpPr txBox="1"/>
+          <p:nvPr/>
+        </p:nvSpPr>
+        <p:spPr>
+          <a:xfrm>
+            <a:off x="6908802" y="4201555"/>
+            <a:ext cx="557875" cy="338554"/>
+          </a:xfrm>
+          <a:prstGeom prst="rect">
+            <a:avLst/>
+          </a:prstGeom>
+          <a:noFill/>
+        </p:spPr>
+        <p:txBody>
+          <a:bodyPr wrap="square" rtlCol="0">
+            <a:spAutoFit/>
+          </a:bodyPr>
+          <a:lstStyle/>
+          <a:p>
+            <a:pPr algn="ctr"/>
+            <a:r>
+              <a:rPr kumimoji="1" lang="en-US" altLang="ko-KR" sz="1600" dirty="0">
+                <a:latin typeface="Cascadia Code" pitchFamily="49" charset="0"/>
+                <a:ea typeface="Cascadia Code" pitchFamily="49" charset="0"/>
+                <a:cs typeface="Cascadia Code" pitchFamily="49" charset="0"/>
+              </a:rPr>
+              <a:t>ref</a:t>
+            </a:r>
+            <a:endParaRPr kumimoji="1" lang="ko-KR" altLang="en-US" sz="1600" dirty="0">
+              <a:latin typeface="Cascadia Code" pitchFamily="49" charset="0"/>
+              <a:ea typeface="Cascadia Code" pitchFamily="49" charset="0"/>
+              <a:cs typeface="Cascadia Code" pitchFamily="49" charset="0"/>
+            </a:endParaRPr>
+          </a:p>
+        </p:txBody>
+      </p:sp>
+      <p:sp>
+        <p:nvSpPr>
+          <p:cNvPr id="28" name="TextBox 27">
+            <a:extLst>
+              <a:ext uri="{FF2B5EF4-FFF2-40B4-BE49-F238E27FC236}">
+                <a16:creationId xmlns:a16="http://schemas.microsoft.com/office/drawing/2014/main" id="{4C44DF8E-D614-36C3-D91A-1D0E6DFEDEFC}"/>
+              </a:ext>
+            </a:extLst>
+          </p:cNvPr>
+          <p:cNvSpPr txBox="1"/>
+          <p:nvPr/>
+        </p:nvSpPr>
+        <p:spPr>
+          <a:xfrm>
+            <a:off x="392431" y="767097"/>
+            <a:ext cx="6096000" cy="3139321"/>
+          </a:xfrm>
+          <a:prstGeom prst="rect">
+            <a:avLst/>
+          </a:prstGeom>
+          <a:noFill/>
+        </p:spPr>
+        <p:txBody>
+          <a:bodyPr wrap="square">
+            <a:spAutoFit/>
+          </a:bodyPr>
+          <a:lstStyle/>
+          <a:p>
+            <a:r>
+              <a:rPr lang="en-US" altLang="ko-KR" dirty="0">
+                <a:latin typeface="Cascadia Code" pitchFamily="49" charset="0"/>
+                <a:cs typeface="Cascadia Code" pitchFamily="49" charset="0"/>
+              </a:rPr>
+              <a:t> ~User()</a:t>
+            </a:r>
+          </a:p>
+          <a:p>
+            <a:r>
+              <a:rPr lang="en-US" altLang="ko-KR" dirty="0">
+                <a:latin typeface="Cascadia Code" pitchFamily="49" charset="0"/>
+                <a:cs typeface="Cascadia Code" pitchFamily="49" charset="0"/>
+              </a:rPr>
+              <a:t> {</a:t>
+            </a:r>
+          </a:p>
+          <a:p>
+            <a:r>
+              <a:rPr lang="en-US" altLang="ko-KR" dirty="0">
+                <a:latin typeface="Cascadia Code" pitchFamily="49" charset="0"/>
+                <a:cs typeface="Cascadia Code" pitchFamily="49" charset="0"/>
+              </a:rPr>
+              <a:t>    // </a:t>
+            </a:r>
+            <a:r>
+              <a:rPr lang="ko-KR" altLang="en-US" dirty="0">
+                <a:latin typeface="Cascadia Code" pitchFamily="49" charset="0"/>
+                <a:cs typeface="Cascadia Code" pitchFamily="49" charset="0"/>
+              </a:rPr>
+              <a:t>참조 계수 감소</a:t>
+            </a:r>
+          </a:p>
+          <a:p>
+            <a:r>
+              <a:rPr lang="ko-KR" altLang="en-US" dirty="0">
+                <a:solidFill>
+                  <a:srgbClr val="FF0000"/>
+                </a:solidFill>
+                <a:latin typeface="Cascadia Code" pitchFamily="49" charset="0"/>
+                <a:cs typeface="Cascadia Code" pitchFamily="49" charset="0"/>
+              </a:rPr>
+              <a:t>    </a:t>
+            </a:r>
+            <a:r>
+              <a:rPr lang="en-US" altLang="ko-KR" dirty="0">
+                <a:solidFill>
+                  <a:srgbClr val="FF0000"/>
+                </a:solidFill>
+                <a:latin typeface="Cascadia Code" pitchFamily="49" charset="0"/>
+                <a:cs typeface="Cascadia Code" pitchFamily="49" charset="0"/>
+              </a:rPr>
+              <a:t>--(*ref);</a:t>
+            </a:r>
+          </a:p>
+          <a:p>
+            <a:endParaRPr lang="en-US" altLang="ko-KR" dirty="0">
+              <a:latin typeface="Cascadia Code" pitchFamily="49" charset="0"/>
+              <a:cs typeface="Cascadia Code" pitchFamily="49" charset="0"/>
+            </a:endParaRPr>
+          </a:p>
+          <a:p>
+            <a:r>
+              <a:rPr lang="en-US" altLang="ko-KR" dirty="0">
+                <a:latin typeface="Cascadia Code" pitchFamily="49" charset="0"/>
+                <a:cs typeface="Cascadia Code" pitchFamily="49" charset="0"/>
+              </a:rPr>
+              <a:t>    // </a:t>
+            </a:r>
+            <a:r>
+              <a:rPr lang="ko-KR" altLang="en-US" dirty="0">
+                <a:latin typeface="Cascadia Code" pitchFamily="49" charset="0"/>
+                <a:cs typeface="Cascadia Code" pitchFamily="49" charset="0"/>
+              </a:rPr>
+              <a:t>참조 계수 </a:t>
+            </a:r>
+            <a:r>
+              <a:rPr lang="en-US" altLang="ko-KR" dirty="0">
+                <a:latin typeface="Cascadia Code" pitchFamily="49" charset="0"/>
+                <a:cs typeface="Cascadia Code" pitchFamily="49" charset="0"/>
+              </a:rPr>
+              <a:t>0</a:t>
+            </a:r>
+            <a:r>
+              <a:rPr lang="ko-KR" altLang="en-US" dirty="0">
+                <a:latin typeface="Cascadia Code" pitchFamily="49" charset="0"/>
+                <a:cs typeface="Cascadia Code" pitchFamily="49" charset="0"/>
+              </a:rPr>
+              <a:t>인 경우</a:t>
+            </a:r>
+            <a:r>
+              <a:rPr lang="en-US" altLang="ko-KR" dirty="0">
+                <a:latin typeface="Cascadia Code" pitchFamily="49" charset="0"/>
+                <a:cs typeface="Cascadia Code" pitchFamily="49" charset="0"/>
+              </a:rPr>
+              <a:t>, </a:t>
+            </a:r>
+            <a:r>
+              <a:rPr lang="ko-KR" altLang="en-US" dirty="0">
+                <a:latin typeface="Cascadia Code" pitchFamily="49" charset="0"/>
+                <a:cs typeface="Cascadia Code" pitchFamily="49" charset="0"/>
+              </a:rPr>
+              <a:t>자원을 해지합니다</a:t>
+            </a:r>
+            <a:r>
+              <a:rPr lang="en-US" altLang="ko-KR" dirty="0">
+                <a:latin typeface="Cascadia Code" pitchFamily="49" charset="0"/>
+                <a:cs typeface="Cascadia Code" pitchFamily="49" charset="0"/>
+              </a:rPr>
+              <a:t>.</a:t>
+            </a:r>
+          </a:p>
+          <a:p>
+            <a:r>
+              <a:rPr lang="en-US" altLang="ko-KR" dirty="0">
+                <a:latin typeface="Cascadia Code" pitchFamily="49" charset="0"/>
+                <a:cs typeface="Cascadia Code" pitchFamily="49" charset="0"/>
+              </a:rPr>
+              <a:t>    if </a:t>
+            </a:r>
+            <a:r>
+              <a:rPr lang="en-US" altLang="ko-KR" dirty="0">
+                <a:solidFill>
+                  <a:srgbClr val="FF0000"/>
+                </a:solidFill>
+                <a:latin typeface="Cascadia Code" pitchFamily="49" charset="0"/>
+                <a:cs typeface="Cascadia Code" pitchFamily="49" charset="0"/>
+              </a:rPr>
+              <a:t>(*ref == 0)</a:t>
+            </a:r>
+            <a:r>
+              <a:rPr lang="en-US" altLang="ko-KR" dirty="0">
+                <a:latin typeface="Cascadia Code" pitchFamily="49" charset="0"/>
+                <a:cs typeface="Cascadia Code" pitchFamily="49" charset="0"/>
+              </a:rPr>
+              <a:t> {</a:t>
+            </a:r>
+          </a:p>
+          <a:p>
+            <a:r>
+              <a:rPr lang="en-US" altLang="ko-KR" dirty="0">
+                <a:latin typeface="Cascadia Code" pitchFamily="49" charset="0"/>
+                <a:cs typeface="Cascadia Code" pitchFamily="49" charset="0"/>
+              </a:rPr>
+              <a:t>        delete[] name;</a:t>
+            </a:r>
+          </a:p>
+          <a:p>
+            <a:r>
+              <a:rPr lang="en-US" altLang="ko-KR" dirty="0">
+                <a:latin typeface="Cascadia Code" pitchFamily="49" charset="0"/>
+                <a:cs typeface="Cascadia Code" pitchFamily="49" charset="0"/>
+              </a:rPr>
+              <a:t>        delete ref;</a:t>
+            </a:r>
+          </a:p>
+          <a:p>
+            <a:r>
+              <a:rPr lang="en-US" altLang="ko-KR" dirty="0">
+                <a:latin typeface="Cascadia Code" pitchFamily="49" charset="0"/>
+                <a:cs typeface="Cascadia Code" pitchFamily="49" charset="0"/>
+              </a:rPr>
+              <a:t>    }</a:t>
+            </a:r>
+          </a:p>
+          <a:p>
+            <a:r>
+              <a:rPr lang="en-US" altLang="ko-KR" dirty="0">
+                <a:latin typeface="Cascadia Code" pitchFamily="49" charset="0"/>
+                <a:cs typeface="Cascadia Code" pitchFamily="49" charset="0"/>
+              </a:rPr>
+              <a:t> }</a:t>
+            </a:r>
+            <a:endParaRPr lang="ko-KR" altLang="en-US" dirty="0">
+              <a:latin typeface="Cascadia Code" pitchFamily="49" charset="0"/>
+              <a:cs typeface="Cascadia Code" pitchFamily="49" charset="0"/>
+            </a:endParaRPr>
+          </a:p>
+        </p:txBody>
+      </p:sp>
+    </p:spTree>
+    <p:extLst>
+      <p:ext uri="{BB962C8B-B14F-4D97-AF65-F5344CB8AC3E}">
+        <p14:creationId xmlns:p14="http://schemas.microsoft.com/office/powerpoint/2010/main" val="1768216938"/>
+      </p:ext>
+    </p:extLst>
+  </p:cSld>
+  <p:clrMapOvr>
+    <a:masterClrMapping/>
+  </p:clrMapOvr>
+</p:sld>
+</file>
+
+<file path=ppt/slides/slide38.xml><?xml version="1.0" encoding="utf-8"?>
+<p:sld xmlns:a="http://schemas.openxmlformats.org/drawingml/2006/main" xmlns:r="http://schemas.openxmlformats.org/officeDocument/2006/relationships" xmlns:p="http://schemas.openxmlformats.org/presentationml/2006/main">
+  <p:cSld>
+    <p:spTree>
+      <p:nvGrpSpPr>
+        <p:cNvPr id="1" name=""/>
+        <p:cNvGrpSpPr/>
+        <p:nvPr/>
+      </p:nvGrpSpPr>
+      <p:grpSpPr>
+        <a:xfrm>
+          <a:off x="0" y="0"/>
+          <a:ext cx="0" cy="0"/>
+          <a:chOff x="0" y="0"/>
+          <a:chExt cx="0" cy="0"/>
+        </a:xfrm>
+      </p:grpSpPr>
+      <p:sp>
+        <p:nvSpPr>
+          <p:cNvPr id="4" name="직사각형 3">
+            <a:extLst>
+              <a:ext uri="{FF2B5EF4-FFF2-40B4-BE49-F238E27FC236}">
+                <a16:creationId xmlns:a16="http://schemas.microsoft.com/office/drawing/2014/main" id="{09B83249-8D75-3115-D1B4-741EC70C1AAC}"/>
+              </a:ext>
+            </a:extLst>
+          </p:cNvPr>
+          <p:cNvSpPr/>
+          <p:nvPr/>
+        </p:nvSpPr>
+        <p:spPr>
+          <a:xfrm>
+            <a:off x="7497157" y="395102"/>
+            <a:ext cx="1120140" cy="610463"/>
+          </a:xfrm>
+          <a:prstGeom prst="rect">
+            <a:avLst/>
+          </a:prstGeom>
+          <a:solidFill>
+            <a:srgbClr val="FFFF00"/>
+          </a:solidFill>
+          <a:ln>
+            <a:solidFill>
+              <a:srgbClr val="FF0000"/>
+            </a:solidFill>
+          </a:ln>
+        </p:spPr>
+        <p:style>
+          <a:lnRef idx="2">
+            <a:schemeClr val="accent1">
+              <a:shade val="15000"/>
+            </a:schemeClr>
+          </a:lnRef>
+          <a:fillRef idx="1">
+            <a:schemeClr val="accent1"/>
+          </a:fillRef>
+          <a:effectRef idx="0">
+            <a:schemeClr val="accent1"/>
+          </a:effectRef>
+          <a:fontRef idx="minor">
+            <a:schemeClr val="lt1"/>
+          </a:fontRef>
+        </p:style>
+        <p:txBody>
+          <a:bodyPr rtlCol="0" anchor="ctr"/>
+          <a:lstStyle/>
+          <a:p>
+            <a:pPr algn="ctr"/>
+            <a:r>
+              <a:rPr kumimoji="1" lang="en-US" altLang="ko-KR" sz="1600" dirty="0">
+                <a:solidFill>
+                  <a:schemeClr val="tx1"/>
+                </a:solidFill>
+                <a:latin typeface="Cascadia Code" pitchFamily="49" charset="0"/>
+                <a:cs typeface="Cascadia Code" pitchFamily="49" charset="0"/>
+              </a:rPr>
+              <a:t>0x100</a:t>
+            </a:r>
+            <a:endParaRPr kumimoji="1" lang="ko-KR" altLang="en-US" sz="1600" dirty="0">
+              <a:solidFill>
+                <a:schemeClr val="tx1"/>
+              </a:solidFill>
+              <a:latin typeface="Cascadia Code" pitchFamily="49" charset="0"/>
+              <a:cs typeface="Cascadia Code" pitchFamily="49" charset="0"/>
+            </a:endParaRPr>
+          </a:p>
+        </p:txBody>
+      </p:sp>
+      <p:sp>
+        <p:nvSpPr>
+          <p:cNvPr id="5" name="TextBox 4">
+            <a:extLst>
+              <a:ext uri="{FF2B5EF4-FFF2-40B4-BE49-F238E27FC236}">
+                <a16:creationId xmlns:a16="http://schemas.microsoft.com/office/drawing/2014/main" id="{3562ACEB-1C44-671F-A12B-D7C483C4292F}"/>
+              </a:ext>
+            </a:extLst>
+          </p:cNvPr>
+          <p:cNvSpPr txBox="1"/>
+          <p:nvPr/>
+        </p:nvSpPr>
+        <p:spPr>
+          <a:xfrm>
+            <a:off x="6788729" y="531056"/>
+            <a:ext cx="677948" cy="338554"/>
+          </a:xfrm>
+          <a:prstGeom prst="rect">
+            <a:avLst/>
+          </a:prstGeom>
+          <a:noFill/>
+        </p:spPr>
+        <p:txBody>
+          <a:bodyPr wrap="square" rtlCol="0">
+            <a:spAutoFit/>
+          </a:bodyPr>
+          <a:lstStyle/>
+          <a:p>
+            <a:pPr algn="ctr"/>
+            <a:r>
+              <a:rPr kumimoji="1" lang="en-US" altLang="ko-KR" sz="1600" dirty="0">
+                <a:latin typeface="Cascadia Code" pitchFamily="49" charset="0"/>
+                <a:ea typeface="Cascadia Code" pitchFamily="49" charset="0"/>
+                <a:cs typeface="Cascadia Code" pitchFamily="49" charset="0"/>
+              </a:rPr>
+              <a:t>name</a:t>
+            </a:r>
+            <a:endParaRPr kumimoji="1" lang="ko-KR" altLang="en-US" sz="1600" dirty="0">
+              <a:latin typeface="Cascadia Code" pitchFamily="49" charset="0"/>
+              <a:ea typeface="Cascadia Code" pitchFamily="49" charset="0"/>
+              <a:cs typeface="Cascadia Code" pitchFamily="49" charset="0"/>
+            </a:endParaRPr>
+          </a:p>
+        </p:txBody>
+      </p:sp>
+      <p:sp>
+        <p:nvSpPr>
+          <p:cNvPr id="6" name="직사각형 5">
+            <a:extLst>
+              <a:ext uri="{FF2B5EF4-FFF2-40B4-BE49-F238E27FC236}">
+                <a16:creationId xmlns:a16="http://schemas.microsoft.com/office/drawing/2014/main" id="{F9B22FE2-F88E-3990-3190-950A669E9EEF}"/>
+              </a:ext>
+            </a:extLst>
+          </p:cNvPr>
+          <p:cNvSpPr/>
+          <p:nvPr/>
+        </p:nvSpPr>
+        <p:spPr>
+          <a:xfrm>
+            <a:off x="7497157" y="1005565"/>
+            <a:ext cx="1120140" cy="610463"/>
+          </a:xfrm>
+          <a:prstGeom prst="rect">
+            <a:avLst/>
+          </a:prstGeom>
+          <a:solidFill>
+            <a:srgbClr val="FFFF00"/>
+          </a:solidFill>
+          <a:ln>
+            <a:solidFill>
+              <a:srgbClr val="FF0000"/>
+            </a:solidFill>
+          </a:ln>
+        </p:spPr>
+        <p:style>
+          <a:lnRef idx="2">
+            <a:schemeClr val="accent1">
+              <a:shade val="15000"/>
+            </a:schemeClr>
+          </a:lnRef>
+          <a:fillRef idx="1">
+            <a:schemeClr val="accent1"/>
+          </a:fillRef>
+          <a:effectRef idx="0">
+            <a:schemeClr val="accent1"/>
+          </a:effectRef>
+          <a:fontRef idx="minor">
+            <a:schemeClr val="lt1"/>
+          </a:fontRef>
+        </p:style>
+        <p:txBody>
+          <a:bodyPr rtlCol="0" anchor="ctr"/>
+          <a:lstStyle/>
+          <a:p>
+            <a:pPr algn="ctr"/>
+            <a:r>
+              <a:rPr kumimoji="1" lang="en-US" altLang="ko-KR" sz="1600" dirty="0">
+                <a:solidFill>
+                  <a:schemeClr val="tx1"/>
+                </a:solidFill>
+                <a:latin typeface="Cascadia Code" pitchFamily="49" charset="0"/>
+                <a:cs typeface="Cascadia Code" pitchFamily="49" charset="0"/>
+              </a:rPr>
+              <a:t>42</a:t>
+            </a:r>
+            <a:endParaRPr kumimoji="1" lang="ko-KR" altLang="en-US" sz="1600" dirty="0">
+              <a:solidFill>
+                <a:schemeClr val="tx1"/>
+              </a:solidFill>
+              <a:latin typeface="Cascadia Code" pitchFamily="49" charset="0"/>
+              <a:cs typeface="Cascadia Code" pitchFamily="49" charset="0"/>
+            </a:endParaRPr>
+          </a:p>
+        </p:txBody>
+      </p:sp>
+      <p:sp>
+        <p:nvSpPr>
+          <p:cNvPr id="7" name="TextBox 6">
+            <a:extLst>
+              <a:ext uri="{FF2B5EF4-FFF2-40B4-BE49-F238E27FC236}">
+                <a16:creationId xmlns:a16="http://schemas.microsoft.com/office/drawing/2014/main" id="{D653E8C1-8417-3695-F747-E52201829E1C}"/>
+              </a:ext>
+            </a:extLst>
+          </p:cNvPr>
+          <p:cNvSpPr txBox="1"/>
+          <p:nvPr/>
+        </p:nvSpPr>
+        <p:spPr>
+          <a:xfrm>
+            <a:off x="6908802" y="1141519"/>
+            <a:ext cx="557875" cy="338554"/>
+          </a:xfrm>
+          <a:prstGeom prst="rect">
+            <a:avLst/>
+          </a:prstGeom>
+          <a:noFill/>
+        </p:spPr>
+        <p:txBody>
+          <a:bodyPr wrap="square" rtlCol="0">
+            <a:spAutoFit/>
+          </a:bodyPr>
+          <a:lstStyle/>
+          <a:p>
+            <a:pPr algn="ctr"/>
+            <a:r>
+              <a:rPr kumimoji="1" lang="en-US" altLang="ko-KR" sz="1600" dirty="0">
+                <a:latin typeface="Cascadia Code" pitchFamily="49" charset="0"/>
+                <a:ea typeface="Cascadia Code" pitchFamily="49" charset="0"/>
+                <a:cs typeface="Cascadia Code" pitchFamily="49" charset="0"/>
+              </a:rPr>
+              <a:t>age</a:t>
+            </a:r>
+            <a:endParaRPr kumimoji="1" lang="ko-KR" altLang="en-US" sz="1600" dirty="0">
+              <a:latin typeface="Cascadia Code" pitchFamily="49" charset="0"/>
+              <a:ea typeface="Cascadia Code" pitchFamily="49" charset="0"/>
+              <a:cs typeface="Cascadia Code" pitchFamily="49" charset="0"/>
+            </a:endParaRPr>
+          </a:p>
+        </p:txBody>
+      </p:sp>
+      <p:sp>
+        <p:nvSpPr>
+          <p:cNvPr id="8" name="TextBox 7">
+            <a:extLst>
+              <a:ext uri="{FF2B5EF4-FFF2-40B4-BE49-F238E27FC236}">
+                <a16:creationId xmlns:a16="http://schemas.microsoft.com/office/drawing/2014/main" id="{906F15F5-3EB5-2784-9D16-FFBBD1926492}"/>
+              </a:ext>
+            </a:extLst>
+          </p:cNvPr>
+          <p:cNvSpPr txBox="1"/>
+          <p:nvPr/>
+        </p:nvSpPr>
+        <p:spPr>
+          <a:xfrm>
+            <a:off x="7604068" y="0"/>
+            <a:ext cx="906317" cy="369332"/>
+          </a:xfrm>
+          <a:prstGeom prst="rect">
+            <a:avLst/>
+          </a:prstGeom>
+          <a:noFill/>
+        </p:spPr>
+        <p:txBody>
+          <a:bodyPr wrap="square">
+            <a:spAutoFit/>
+          </a:bodyPr>
+          <a:lstStyle/>
+          <a:p>
+            <a:pPr algn="ctr"/>
+            <a:r>
+              <a:rPr lang="en-US" altLang="ko-KR" dirty="0">
+                <a:latin typeface="Cascadia Code" pitchFamily="49" charset="0"/>
+                <a:cs typeface="Cascadia Code" pitchFamily="49" charset="0"/>
+              </a:rPr>
+              <a:t>user</a:t>
+            </a:r>
+            <a:endParaRPr lang="ko-KR" altLang="en-US" dirty="0"/>
+          </a:p>
+        </p:txBody>
+      </p:sp>
+      <p:sp>
+        <p:nvSpPr>
+          <p:cNvPr id="9" name="직사각형 8">
+            <a:extLst>
+              <a:ext uri="{FF2B5EF4-FFF2-40B4-BE49-F238E27FC236}">
+                <a16:creationId xmlns:a16="http://schemas.microsoft.com/office/drawing/2014/main" id="{14CB84D0-F1A3-8BE2-399C-542AFB034647}"/>
+              </a:ext>
+            </a:extLst>
+          </p:cNvPr>
+          <p:cNvSpPr/>
+          <p:nvPr/>
+        </p:nvSpPr>
+        <p:spPr>
+          <a:xfrm>
+            <a:off x="9975272" y="1005566"/>
+            <a:ext cx="1528388" cy="474508"/>
+          </a:xfrm>
+          <a:prstGeom prst="rect">
+            <a:avLst/>
+          </a:prstGeom>
+          <a:solidFill>
+            <a:srgbClr val="FFFF00"/>
+          </a:solidFill>
+          <a:ln>
+            <a:solidFill>
+              <a:srgbClr val="FF0000"/>
+            </a:solidFill>
+          </a:ln>
+        </p:spPr>
+        <p:style>
+          <a:lnRef idx="2">
+            <a:schemeClr val="accent1">
+              <a:shade val="15000"/>
+            </a:schemeClr>
+          </a:lnRef>
+          <a:fillRef idx="1">
+            <a:schemeClr val="accent1"/>
+          </a:fillRef>
+          <a:effectRef idx="0">
+            <a:schemeClr val="accent1"/>
+          </a:effectRef>
+          <a:fontRef idx="minor">
+            <a:schemeClr val="lt1"/>
+          </a:fontRef>
+        </p:style>
+        <p:txBody>
+          <a:bodyPr rtlCol="0" anchor="ctr"/>
+          <a:lstStyle/>
+          <a:p>
+            <a:pPr algn="ctr"/>
+            <a:r>
+              <a:rPr kumimoji="1" lang="en-US" altLang="ko-KR" sz="1600" dirty="0">
+                <a:solidFill>
+                  <a:schemeClr val="tx1"/>
+                </a:solidFill>
+                <a:latin typeface="Cascadia Code" pitchFamily="49" charset="0"/>
+                <a:cs typeface="Cascadia Code" pitchFamily="49" charset="0"/>
+              </a:rPr>
+              <a:t>“Tom”</a:t>
+            </a:r>
+            <a:endParaRPr kumimoji="1" lang="ko-KR" altLang="en-US" sz="1600" dirty="0">
+              <a:solidFill>
+                <a:schemeClr val="tx1"/>
+              </a:solidFill>
+              <a:latin typeface="Cascadia Code" pitchFamily="49" charset="0"/>
+              <a:cs typeface="Cascadia Code" pitchFamily="49" charset="0"/>
+            </a:endParaRPr>
+          </a:p>
+        </p:txBody>
+      </p:sp>
+      <p:cxnSp>
+        <p:nvCxnSpPr>
+          <p:cNvPr id="10" name="구부러진 연결선[U] 9">
+            <a:extLst>
+              <a:ext uri="{FF2B5EF4-FFF2-40B4-BE49-F238E27FC236}">
+                <a16:creationId xmlns:a16="http://schemas.microsoft.com/office/drawing/2014/main" id="{00A86509-FEB1-EAAD-F665-79AB260544C2}"/>
+              </a:ext>
+            </a:extLst>
+          </p:cNvPr>
+          <p:cNvCxnSpPr>
+            <a:stCxn id="4" idx="3"/>
+            <a:endCxn id="9" idx="1"/>
+          </p:cNvCxnSpPr>
+          <p:nvPr/>
+        </p:nvCxnSpPr>
+        <p:spPr>
+          <a:xfrm>
+            <a:off x="8617297" y="700334"/>
+            <a:ext cx="1357975" cy="542486"/>
+          </a:xfrm>
+          <a:prstGeom prst="curvedConnector3">
+            <a:avLst/>
+          </a:prstGeom>
+          <a:ln>
+            <a:tailEnd type="triangle"/>
+          </a:ln>
+        </p:spPr>
+        <p:style>
+          <a:lnRef idx="2">
+            <a:schemeClr val="dk1"/>
+          </a:lnRef>
+          <a:fillRef idx="0">
+            <a:schemeClr val="dk1"/>
+          </a:fillRef>
+          <a:effectRef idx="1">
+            <a:schemeClr val="dk1"/>
+          </a:effectRef>
+          <a:fontRef idx="minor">
+            <a:schemeClr val="tx1"/>
+          </a:fontRef>
+        </p:style>
+      </p:cxnSp>
+      <p:sp>
+        <p:nvSpPr>
+          <p:cNvPr id="11" name="직사각형 10">
+            <a:extLst>
+              <a:ext uri="{FF2B5EF4-FFF2-40B4-BE49-F238E27FC236}">
+                <a16:creationId xmlns:a16="http://schemas.microsoft.com/office/drawing/2014/main" id="{A415A8AD-44A0-9D88-ACB7-A25F76C0E016}"/>
+              </a:ext>
+            </a:extLst>
+          </p:cNvPr>
+          <p:cNvSpPr/>
+          <p:nvPr/>
+        </p:nvSpPr>
+        <p:spPr>
+          <a:xfrm>
+            <a:off x="7497157" y="1616028"/>
+            <a:ext cx="1120140" cy="610463"/>
+          </a:xfrm>
+          <a:prstGeom prst="rect">
+            <a:avLst/>
+          </a:prstGeom>
+          <a:solidFill>
+            <a:srgbClr val="FFFF00"/>
+          </a:solidFill>
+          <a:ln>
+            <a:solidFill>
+              <a:srgbClr val="FF0000"/>
+            </a:solidFill>
+          </a:ln>
+        </p:spPr>
+        <p:style>
+          <a:lnRef idx="2">
+            <a:schemeClr val="accent1">
+              <a:shade val="15000"/>
+            </a:schemeClr>
+          </a:lnRef>
+          <a:fillRef idx="1">
+            <a:schemeClr val="accent1"/>
+          </a:fillRef>
+          <a:effectRef idx="0">
+            <a:schemeClr val="accent1"/>
+          </a:effectRef>
+          <a:fontRef idx="minor">
+            <a:schemeClr val="lt1"/>
+          </a:fontRef>
+        </p:style>
+        <p:txBody>
+          <a:bodyPr rtlCol="0" anchor="ctr"/>
+          <a:lstStyle/>
+          <a:p>
+            <a:pPr algn="ctr"/>
+            <a:r>
+              <a:rPr kumimoji="1" lang="en-US" altLang="ko-KR" sz="1600" dirty="0">
+                <a:solidFill>
+                  <a:schemeClr val="tx1"/>
+                </a:solidFill>
+                <a:latin typeface="Cascadia Code" pitchFamily="49" charset="0"/>
+                <a:cs typeface="Cascadia Code" pitchFamily="49" charset="0"/>
+              </a:rPr>
+              <a:t>0x200</a:t>
+            </a:r>
+            <a:endParaRPr kumimoji="1" lang="ko-KR" altLang="en-US" sz="1600" dirty="0">
+              <a:solidFill>
+                <a:schemeClr val="tx1"/>
+              </a:solidFill>
+              <a:latin typeface="Cascadia Code" pitchFamily="49" charset="0"/>
+              <a:cs typeface="Cascadia Code" pitchFamily="49" charset="0"/>
+            </a:endParaRPr>
+          </a:p>
+        </p:txBody>
+      </p:sp>
+      <p:sp>
+        <p:nvSpPr>
+          <p:cNvPr id="12" name="TextBox 11">
+            <a:extLst>
+              <a:ext uri="{FF2B5EF4-FFF2-40B4-BE49-F238E27FC236}">
+                <a16:creationId xmlns:a16="http://schemas.microsoft.com/office/drawing/2014/main" id="{4BDA71F0-B973-8BB6-C4FE-8EFD13707402}"/>
+              </a:ext>
+            </a:extLst>
+          </p:cNvPr>
+          <p:cNvSpPr txBox="1"/>
+          <p:nvPr/>
+        </p:nvSpPr>
+        <p:spPr>
+          <a:xfrm>
+            <a:off x="6908802" y="1729261"/>
+            <a:ext cx="557875" cy="338554"/>
+          </a:xfrm>
+          <a:prstGeom prst="rect">
+            <a:avLst/>
+          </a:prstGeom>
+          <a:noFill/>
+        </p:spPr>
+        <p:txBody>
+          <a:bodyPr wrap="square" rtlCol="0">
+            <a:spAutoFit/>
+          </a:bodyPr>
+          <a:lstStyle/>
+          <a:p>
+            <a:pPr algn="ctr"/>
+            <a:r>
+              <a:rPr kumimoji="1" lang="en-US" altLang="ko-KR" sz="1600" dirty="0">
+                <a:latin typeface="Cascadia Code" pitchFamily="49" charset="0"/>
+                <a:ea typeface="Cascadia Code" pitchFamily="49" charset="0"/>
+                <a:cs typeface="Cascadia Code" pitchFamily="49" charset="0"/>
+              </a:rPr>
+              <a:t>ref</a:t>
+            </a:r>
+            <a:endParaRPr kumimoji="1" lang="ko-KR" altLang="en-US" sz="1600" dirty="0">
+              <a:latin typeface="Cascadia Code" pitchFamily="49" charset="0"/>
+              <a:ea typeface="Cascadia Code" pitchFamily="49" charset="0"/>
+              <a:cs typeface="Cascadia Code" pitchFamily="49" charset="0"/>
+            </a:endParaRPr>
+          </a:p>
+        </p:txBody>
+      </p:sp>
+      <p:cxnSp>
+        <p:nvCxnSpPr>
+          <p:cNvPr id="13" name="구부러진 연결선[U] 12">
+            <a:extLst>
+              <a:ext uri="{FF2B5EF4-FFF2-40B4-BE49-F238E27FC236}">
+                <a16:creationId xmlns:a16="http://schemas.microsoft.com/office/drawing/2014/main" id="{59D331FE-43E1-9043-F68F-5545DA36F3D6}"/>
+              </a:ext>
+            </a:extLst>
+          </p:cNvPr>
+          <p:cNvCxnSpPr>
+            <a:cxnSpLocks/>
+            <a:stCxn id="11" idx="3"/>
+            <a:endCxn id="16" idx="1"/>
+          </p:cNvCxnSpPr>
+          <p:nvPr/>
+        </p:nvCxnSpPr>
+        <p:spPr>
+          <a:xfrm>
+            <a:off x="8617297" y="1921260"/>
+            <a:ext cx="1838267" cy="405091"/>
+          </a:xfrm>
+          <a:prstGeom prst="curvedConnector3">
+            <a:avLst/>
+          </a:prstGeom>
+          <a:ln>
+            <a:tailEnd type="triangle"/>
+          </a:ln>
+        </p:spPr>
+        <p:style>
+          <a:lnRef idx="2">
+            <a:schemeClr val="dk1"/>
+          </a:lnRef>
+          <a:fillRef idx="0">
+            <a:schemeClr val="dk1"/>
+          </a:fillRef>
+          <a:effectRef idx="1">
+            <a:schemeClr val="dk1"/>
+          </a:effectRef>
+          <a:fontRef idx="minor">
+            <a:schemeClr val="tx1"/>
+          </a:fontRef>
+        </p:style>
+      </p:cxnSp>
+      <p:sp>
+        <p:nvSpPr>
+          <p:cNvPr id="16" name="직사각형 15">
+            <a:extLst>
+              <a:ext uri="{FF2B5EF4-FFF2-40B4-BE49-F238E27FC236}">
+                <a16:creationId xmlns:a16="http://schemas.microsoft.com/office/drawing/2014/main" id="{6DE6555A-07CC-AD5C-EB5B-357AFEEFA67B}"/>
+              </a:ext>
+            </a:extLst>
+          </p:cNvPr>
+          <p:cNvSpPr/>
+          <p:nvPr/>
+        </p:nvSpPr>
+        <p:spPr>
+          <a:xfrm>
+            <a:off x="10455564" y="2089097"/>
+            <a:ext cx="914400" cy="474508"/>
+          </a:xfrm>
+          <a:prstGeom prst="rect">
+            <a:avLst/>
+          </a:prstGeom>
+          <a:solidFill>
+            <a:srgbClr val="FFFF00"/>
+          </a:solidFill>
+          <a:ln>
+            <a:solidFill>
+              <a:srgbClr val="FF0000"/>
+            </a:solidFill>
+          </a:ln>
+        </p:spPr>
+        <p:style>
+          <a:lnRef idx="2">
+            <a:schemeClr val="accent1">
+              <a:shade val="15000"/>
+            </a:schemeClr>
+          </a:lnRef>
+          <a:fillRef idx="1">
+            <a:schemeClr val="accent1"/>
+          </a:fillRef>
+          <a:effectRef idx="0">
+            <a:schemeClr val="accent1"/>
+          </a:effectRef>
+          <a:fontRef idx="minor">
+            <a:schemeClr val="lt1"/>
+          </a:fontRef>
+        </p:style>
+        <p:txBody>
+          <a:bodyPr rtlCol="0" anchor="ctr"/>
+          <a:lstStyle/>
+          <a:p>
+            <a:pPr algn="ctr"/>
+            <a:r>
+              <a:rPr kumimoji="1" lang="en-US" altLang="ko-KR" sz="1600" dirty="0">
+                <a:solidFill>
+                  <a:srgbClr val="FF0000"/>
+                </a:solidFill>
+                <a:latin typeface="Cascadia Code" pitchFamily="49" charset="0"/>
+                <a:cs typeface="Cascadia Code" pitchFamily="49" charset="0"/>
+              </a:rPr>
+              <a:t>0</a:t>
+            </a:r>
+            <a:endParaRPr kumimoji="1" lang="ko-KR" altLang="en-US" sz="1600" dirty="0">
+              <a:solidFill>
+                <a:srgbClr val="FF0000"/>
+              </a:solidFill>
+              <a:latin typeface="Cascadia Code" pitchFamily="49" charset="0"/>
+              <a:cs typeface="Cascadia Code" pitchFamily="49" charset="0"/>
+            </a:endParaRPr>
+          </a:p>
+        </p:txBody>
+      </p:sp>
+      <p:sp>
+        <p:nvSpPr>
+          <p:cNvPr id="2" name="TextBox 1">
+            <a:extLst>
+              <a:ext uri="{FF2B5EF4-FFF2-40B4-BE49-F238E27FC236}">
+                <a16:creationId xmlns:a16="http://schemas.microsoft.com/office/drawing/2014/main" id="{E1E5B51C-8827-13C2-80FD-2FA7ECE28192}"/>
+              </a:ext>
+            </a:extLst>
+          </p:cNvPr>
+          <p:cNvSpPr txBox="1"/>
+          <p:nvPr/>
+        </p:nvSpPr>
+        <p:spPr>
+          <a:xfrm>
+            <a:off x="392431" y="767097"/>
+            <a:ext cx="6096000" cy="3139321"/>
+          </a:xfrm>
+          <a:prstGeom prst="rect">
+            <a:avLst/>
+          </a:prstGeom>
+          <a:noFill/>
+        </p:spPr>
+        <p:txBody>
+          <a:bodyPr wrap="square">
+            <a:spAutoFit/>
+          </a:bodyPr>
+          <a:lstStyle/>
+          <a:p>
+            <a:r>
+              <a:rPr lang="en-US" altLang="ko-KR" dirty="0">
+                <a:latin typeface="Cascadia Code" pitchFamily="49" charset="0"/>
+                <a:cs typeface="Cascadia Code" pitchFamily="49" charset="0"/>
+              </a:rPr>
+              <a:t> ~User()</a:t>
+            </a:r>
+          </a:p>
+          <a:p>
+            <a:r>
+              <a:rPr lang="en-US" altLang="ko-KR" dirty="0">
+                <a:latin typeface="Cascadia Code" pitchFamily="49" charset="0"/>
+                <a:cs typeface="Cascadia Code" pitchFamily="49" charset="0"/>
+              </a:rPr>
+              <a:t> {</a:t>
+            </a:r>
+          </a:p>
+          <a:p>
+            <a:r>
+              <a:rPr lang="en-US" altLang="ko-KR" dirty="0">
+                <a:latin typeface="Cascadia Code" pitchFamily="49" charset="0"/>
+                <a:cs typeface="Cascadia Code" pitchFamily="49" charset="0"/>
+              </a:rPr>
+              <a:t>    // </a:t>
+            </a:r>
+            <a:r>
+              <a:rPr lang="ko-KR" altLang="en-US" dirty="0">
+                <a:latin typeface="Cascadia Code" pitchFamily="49" charset="0"/>
+                <a:cs typeface="Cascadia Code" pitchFamily="49" charset="0"/>
+              </a:rPr>
+              <a:t>참조 계수 감소</a:t>
+            </a:r>
+          </a:p>
+          <a:p>
+            <a:r>
+              <a:rPr lang="ko-KR" altLang="en-US" dirty="0">
+                <a:solidFill>
+                  <a:srgbClr val="FF0000"/>
+                </a:solidFill>
+                <a:latin typeface="Cascadia Code" pitchFamily="49" charset="0"/>
+                <a:cs typeface="Cascadia Code" pitchFamily="49" charset="0"/>
+              </a:rPr>
+              <a:t>    </a:t>
+            </a:r>
+            <a:r>
+              <a:rPr lang="en-US" altLang="ko-KR" dirty="0">
+                <a:solidFill>
+                  <a:srgbClr val="FF0000"/>
+                </a:solidFill>
+                <a:latin typeface="Cascadia Code" pitchFamily="49" charset="0"/>
+                <a:cs typeface="Cascadia Code" pitchFamily="49" charset="0"/>
+              </a:rPr>
+              <a:t>--(*ref);</a:t>
+            </a:r>
+          </a:p>
+          <a:p>
+            <a:endParaRPr lang="en-US" altLang="ko-KR" dirty="0">
+              <a:latin typeface="Cascadia Code" pitchFamily="49" charset="0"/>
+              <a:cs typeface="Cascadia Code" pitchFamily="49" charset="0"/>
+            </a:endParaRPr>
+          </a:p>
+          <a:p>
+            <a:r>
+              <a:rPr lang="en-US" altLang="ko-KR" dirty="0">
+                <a:latin typeface="Cascadia Code" pitchFamily="49" charset="0"/>
+                <a:cs typeface="Cascadia Code" pitchFamily="49" charset="0"/>
+              </a:rPr>
+              <a:t>    // </a:t>
+            </a:r>
+            <a:r>
+              <a:rPr lang="ko-KR" altLang="en-US" dirty="0">
+                <a:latin typeface="Cascadia Code" pitchFamily="49" charset="0"/>
+                <a:cs typeface="Cascadia Code" pitchFamily="49" charset="0"/>
+              </a:rPr>
+              <a:t>참조 계수 </a:t>
+            </a:r>
+            <a:r>
+              <a:rPr lang="en-US" altLang="ko-KR" dirty="0">
+                <a:latin typeface="Cascadia Code" pitchFamily="49" charset="0"/>
+                <a:cs typeface="Cascadia Code" pitchFamily="49" charset="0"/>
+              </a:rPr>
+              <a:t>0</a:t>
+            </a:r>
+            <a:r>
+              <a:rPr lang="ko-KR" altLang="en-US" dirty="0">
+                <a:latin typeface="Cascadia Code" pitchFamily="49" charset="0"/>
+                <a:cs typeface="Cascadia Code" pitchFamily="49" charset="0"/>
+              </a:rPr>
+              <a:t>인 경우</a:t>
+            </a:r>
+            <a:r>
+              <a:rPr lang="en-US" altLang="ko-KR" dirty="0">
+                <a:latin typeface="Cascadia Code" pitchFamily="49" charset="0"/>
+                <a:cs typeface="Cascadia Code" pitchFamily="49" charset="0"/>
+              </a:rPr>
+              <a:t>, </a:t>
+            </a:r>
+            <a:r>
+              <a:rPr lang="ko-KR" altLang="en-US" dirty="0">
+                <a:latin typeface="Cascadia Code" pitchFamily="49" charset="0"/>
+                <a:cs typeface="Cascadia Code" pitchFamily="49" charset="0"/>
+              </a:rPr>
+              <a:t>자원을 해지합니다</a:t>
+            </a:r>
+            <a:r>
+              <a:rPr lang="en-US" altLang="ko-KR" dirty="0">
+                <a:latin typeface="Cascadia Code" pitchFamily="49" charset="0"/>
+                <a:cs typeface="Cascadia Code" pitchFamily="49" charset="0"/>
+              </a:rPr>
+              <a:t>.</a:t>
+            </a:r>
+          </a:p>
+          <a:p>
+            <a:r>
+              <a:rPr lang="en-US" altLang="ko-KR" dirty="0">
+                <a:latin typeface="Cascadia Code" pitchFamily="49" charset="0"/>
+                <a:cs typeface="Cascadia Code" pitchFamily="49" charset="0"/>
+              </a:rPr>
+              <a:t>    if </a:t>
+            </a:r>
+            <a:r>
+              <a:rPr lang="en-US" altLang="ko-KR" dirty="0">
+                <a:solidFill>
+                  <a:srgbClr val="FF0000"/>
+                </a:solidFill>
+                <a:latin typeface="Cascadia Code" pitchFamily="49" charset="0"/>
+                <a:cs typeface="Cascadia Code" pitchFamily="49" charset="0"/>
+              </a:rPr>
+              <a:t>(*ref == 0)</a:t>
+            </a:r>
+            <a:r>
+              <a:rPr lang="en-US" altLang="ko-KR" dirty="0">
+                <a:latin typeface="Cascadia Code" pitchFamily="49" charset="0"/>
+                <a:cs typeface="Cascadia Code" pitchFamily="49" charset="0"/>
+              </a:rPr>
+              <a:t> </a:t>
+            </a:r>
+            <a:r>
+              <a:rPr lang="en-US" altLang="ko-KR" dirty="0">
+                <a:solidFill>
+                  <a:srgbClr val="FF0000"/>
+                </a:solidFill>
+                <a:latin typeface="Cascadia Code" pitchFamily="49" charset="0"/>
+                <a:cs typeface="Cascadia Code" pitchFamily="49" charset="0"/>
+              </a:rPr>
+              <a:t>{</a:t>
+            </a:r>
+          </a:p>
+          <a:p>
+            <a:r>
+              <a:rPr lang="en-US" altLang="ko-KR" dirty="0">
+                <a:solidFill>
+                  <a:srgbClr val="FF0000"/>
+                </a:solidFill>
+                <a:latin typeface="Cascadia Code" pitchFamily="49" charset="0"/>
+                <a:cs typeface="Cascadia Code" pitchFamily="49" charset="0"/>
+              </a:rPr>
+              <a:t>        delete[] name;</a:t>
+            </a:r>
+          </a:p>
+          <a:p>
+            <a:r>
+              <a:rPr lang="en-US" altLang="ko-KR" dirty="0">
+                <a:solidFill>
+                  <a:srgbClr val="FF0000"/>
+                </a:solidFill>
+                <a:latin typeface="Cascadia Code" pitchFamily="49" charset="0"/>
+                <a:cs typeface="Cascadia Code" pitchFamily="49" charset="0"/>
+              </a:rPr>
+              <a:t>        delete ref;</a:t>
+            </a:r>
+          </a:p>
+          <a:p>
+            <a:r>
+              <a:rPr lang="en-US" altLang="ko-KR" dirty="0">
+                <a:solidFill>
+                  <a:srgbClr val="FF0000"/>
+                </a:solidFill>
+                <a:latin typeface="Cascadia Code" pitchFamily="49" charset="0"/>
+                <a:cs typeface="Cascadia Code" pitchFamily="49" charset="0"/>
+              </a:rPr>
+              <a:t>    }</a:t>
+            </a:r>
+          </a:p>
+          <a:p>
+            <a:r>
+              <a:rPr lang="en-US" altLang="ko-KR" dirty="0">
+                <a:latin typeface="Cascadia Code" pitchFamily="49" charset="0"/>
+                <a:cs typeface="Cascadia Code" pitchFamily="49" charset="0"/>
+              </a:rPr>
+              <a:t> }</a:t>
+            </a:r>
+            <a:endParaRPr lang="ko-KR" altLang="en-US" dirty="0">
               <a:latin typeface="Cascadia Code" pitchFamily="49" charset="0"/>
               <a:cs typeface="Cascadia Code" pitchFamily="49" charset="0"/>
             </a:endParaRPr>

--- a/cpp_240708.pptx
+++ b/cpp_240708.pptx
@@ -43,6 +43,9 @@
     <p:sldId id="290" r:id="rId37"/>
     <p:sldId id="291" r:id="rId38"/>
     <p:sldId id="292" r:id="rId39"/>
+    <p:sldId id="294" r:id="rId40"/>
+    <p:sldId id="295" r:id="rId41"/>
+    <p:sldId id="296" r:id="rId42"/>
   </p:sldIdLst>
   <p:sldSz cx="12192000" cy="6858000"/>
   <p:notesSz cx="6858000" cy="9144000"/>
@@ -34508,6 +34511,843 @@
 </p:sld>
 </file>
 
+<file path=ppt/slides/slide39.xml><?xml version="1.0" encoding="utf-8"?>
+<p:sld xmlns:a="http://schemas.openxmlformats.org/drawingml/2006/main" xmlns:r="http://schemas.openxmlformats.org/officeDocument/2006/relationships" xmlns:p="http://schemas.openxmlformats.org/presentationml/2006/main">
+  <p:cSld>
+    <p:spTree>
+      <p:nvGrpSpPr>
+        <p:cNvPr id="1" name=""/>
+        <p:cNvGrpSpPr/>
+        <p:nvPr/>
+      </p:nvGrpSpPr>
+      <p:grpSpPr>
+        <a:xfrm>
+          <a:off x="0" y="0"/>
+          <a:ext cx="0" cy="0"/>
+          <a:chOff x="0" y="0"/>
+          <a:chExt cx="0" cy="0"/>
+        </a:xfrm>
+      </p:grpSpPr>
+      <p:sp>
+        <p:nvSpPr>
+          <p:cNvPr id="5" name="TextBox 4">
+            <a:extLst>
+              <a:ext uri="{FF2B5EF4-FFF2-40B4-BE49-F238E27FC236}">
+                <a16:creationId xmlns:a16="http://schemas.microsoft.com/office/drawing/2014/main" id="{43A7BE38-B211-3DA0-8873-B5FAF5A384D9}"/>
+              </a:ext>
+            </a:extLst>
+          </p:cNvPr>
+          <p:cNvSpPr txBox="1"/>
+          <p:nvPr/>
+        </p:nvSpPr>
+        <p:spPr>
+          <a:xfrm>
+            <a:off x="240146" y="197346"/>
+            <a:ext cx="5006109" cy="6463308"/>
+          </a:xfrm>
+          <a:prstGeom prst="rect">
+            <a:avLst/>
+          </a:prstGeom>
+          <a:noFill/>
+        </p:spPr>
+        <p:txBody>
+          <a:bodyPr wrap="square">
+            <a:spAutoFit/>
+          </a:bodyPr>
+          <a:lstStyle/>
+          <a:p>
+            <a:r>
+              <a:rPr lang="ko-KR" altLang="en-US" dirty="0" err="1">
+                <a:latin typeface="Cascadia Code" pitchFamily="49" charset="0"/>
+                <a:cs typeface="Cascadia Code" pitchFamily="49" charset="0"/>
+              </a:rPr>
+              <a:t>class</a:t>
+            </a:r>
+            <a:r>
+              <a:rPr lang="ko-KR" altLang="en-US" dirty="0">
+                <a:latin typeface="Cascadia Code" pitchFamily="49" charset="0"/>
+                <a:cs typeface="Cascadia Code" pitchFamily="49" charset="0"/>
+              </a:rPr>
+              <a:t> </a:t>
+            </a:r>
+            <a:r>
+              <a:rPr lang="ko-KR" altLang="en-US" dirty="0" err="1">
+                <a:latin typeface="Cascadia Code" pitchFamily="49" charset="0"/>
+                <a:cs typeface="Cascadia Code" pitchFamily="49" charset="0"/>
+              </a:rPr>
+              <a:t>Car</a:t>
+            </a:r>
+            <a:r>
+              <a:rPr lang="ko-KR" altLang="en-US" dirty="0">
+                <a:latin typeface="Cascadia Code" pitchFamily="49" charset="0"/>
+                <a:cs typeface="Cascadia Code" pitchFamily="49" charset="0"/>
+              </a:rPr>
+              <a:t> {</a:t>
+            </a:r>
+          </a:p>
+          <a:p>
+            <a:r>
+              <a:rPr lang="ko-KR" altLang="en-US" dirty="0">
+                <a:latin typeface="Cascadia Code" pitchFamily="49" charset="0"/>
+                <a:cs typeface="Cascadia Code" pitchFamily="49" charset="0"/>
+              </a:rPr>
+              <a:t>    </a:t>
+            </a:r>
+            <a:r>
+              <a:rPr lang="ko-KR" altLang="en-US" dirty="0" err="1">
+                <a:solidFill>
+                  <a:srgbClr val="FF0000"/>
+                </a:solidFill>
+                <a:latin typeface="Cascadia Code" pitchFamily="49" charset="0"/>
+                <a:cs typeface="Cascadia Code" pitchFamily="49" charset="0"/>
+              </a:rPr>
+              <a:t>static</a:t>
+            </a:r>
+            <a:r>
+              <a:rPr lang="ko-KR" altLang="en-US" dirty="0">
+                <a:solidFill>
+                  <a:srgbClr val="FF0000"/>
+                </a:solidFill>
+                <a:latin typeface="Cascadia Code" pitchFamily="49" charset="0"/>
+                <a:cs typeface="Cascadia Code" pitchFamily="49" charset="0"/>
+              </a:rPr>
+              <a:t> </a:t>
+            </a:r>
+            <a:r>
+              <a:rPr lang="ko-KR" altLang="en-US" dirty="0" err="1">
+                <a:solidFill>
+                  <a:srgbClr val="FF0000"/>
+                </a:solidFill>
+                <a:latin typeface="Cascadia Code" pitchFamily="49" charset="0"/>
+                <a:cs typeface="Cascadia Code" pitchFamily="49" charset="0"/>
+              </a:rPr>
+              <a:t>int</a:t>
+            </a:r>
+            <a:r>
+              <a:rPr lang="ko-KR" altLang="en-US" dirty="0">
+                <a:solidFill>
+                  <a:srgbClr val="FF0000"/>
+                </a:solidFill>
+                <a:latin typeface="Cascadia Code" pitchFamily="49" charset="0"/>
+                <a:cs typeface="Cascadia Code" pitchFamily="49" charset="0"/>
+              </a:rPr>
+              <a:t> </a:t>
+            </a:r>
+            <a:r>
+              <a:rPr lang="ko-KR" altLang="en-US" dirty="0" err="1">
+                <a:solidFill>
+                  <a:srgbClr val="FF0000"/>
+                </a:solidFill>
+                <a:latin typeface="Cascadia Code" pitchFamily="49" charset="0"/>
+                <a:cs typeface="Cascadia Code" pitchFamily="49" charset="0"/>
+              </a:rPr>
+              <a:t>cnt</a:t>
+            </a:r>
+            <a:r>
+              <a:rPr lang="ko-KR" altLang="en-US" dirty="0">
+                <a:solidFill>
+                  <a:srgbClr val="FF0000"/>
+                </a:solidFill>
+                <a:latin typeface="Cascadia Code" pitchFamily="49" charset="0"/>
+                <a:cs typeface="Cascadia Code" pitchFamily="49" charset="0"/>
+              </a:rPr>
+              <a:t>;</a:t>
+            </a:r>
+          </a:p>
+          <a:p>
+            <a:endParaRPr lang="ko-KR" altLang="en-US" dirty="0">
+              <a:latin typeface="Cascadia Code" pitchFamily="49" charset="0"/>
+              <a:cs typeface="Cascadia Code" pitchFamily="49" charset="0"/>
+            </a:endParaRPr>
+          </a:p>
+          <a:p>
+            <a:r>
+              <a:rPr lang="ko-KR" altLang="en-US" dirty="0">
+                <a:latin typeface="Cascadia Code" pitchFamily="49" charset="0"/>
+                <a:cs typeface="Cascadia Code" pitchFamily="49" charset="0"/>
+              </a:rPr>
+              <a:t>    </a:t>
+            </a:r>
+            <a:r>
+              <a:rPr lang="ko-KR" altLang="en-US" dirty="0" err="1">
+                <a:latin typeface="Cascadia Code" pitchFamily="49" charset="0"/>
+                <a:cs typeface="Cascadia Code" pitchFamily="49" charset="0"/>
+              </a:rPr>
+              <a:t>std</a:t>
+            </a:r>
+            <a:r>
+              <a:rPr lang="ko-KR" altLang="en-US" dirty="0">
+                <a:latin typeface="Cascadia Code" pitchFamily="49" charset="0"/>
+                <a:cs typeface="Cascadia Code" pitchFamily="49" charset="0"/>
+              </a:rPr>
+              <a:t>::</a:t>
+            </a:r>
+            <a:r>
+              <a:rPr lang="ko-KR" altLang="en-US" dirty="0" err="1">
+                <a:latin typeface="Cascadia Code" pitchFamily="49" charset="0"/>
+                <a:cs typeface="Cascadia Code" pitchFamily="49" charset="0"/>
+              </a:rPr>
+              <a:t>string</a:t>
+            </a:r>
+            <a:r>
+              <a:rPr lang="ko-KR" altLang="en-US" dirty="0">
+                <a:latin typeface="Cascadia Code" pitchFamily="49" charset="0"/>
+                <a:cs typeface="Cascadia Code" pitchFamily="49" charset="0"/>
+              </a:rPr>
+              <a:t> </a:t>
+            </a:r>
+            <a:r>
+              <a:rPr lang="ko-KR" altLang="en-US" dirty="0" err="1">
+                <a:latin typeface="Cascadia Code" pitchFamily="49" charset="0"/>
+                <a:cs typeface="Cascadia Code" pitchFamily="49" charset="0"/>
+              </a:rPr>
+              <a:t>name</a:t>
+            </a:r>
+            <a:r>
+              <a:rPr lang="ko-KR" altLang="en-US" dirty="0">
+                <a:latin typeface="Cascadia Code" pitchFamily="49" charset="0"/>
+                <a:cs typeface="Cascadia Code" pitchFamily="49" charset="0"/>
+              </a:rPr>
+              <a:t>;</a:t>
+            </a:r>
+          </a:p>
+          <a:p>
+            <a:endParaRPr lang="ko-KR" altLang="en-US" dirty="0">
+              <a:latin typeface="Cascadia Code" pitchFamily="49" charset="0"/>
+              <a:cs typeface="Cascadia Code" pitchFamily="49" charset="0"/>
+            </a:endParaRPr>
+          </a:p>
+          <a:p>
+            <a:r>
+              <a:rPr lang="ko-KR" altLang="en-US" dirty="0" err="1">
+                <a:latin typeface="Cascadia Code" pitchFamily="49" charset="0"/>
+                <a:cs typeface="Cascadia Code" pitchFamily="49" charset="0"/>
+              </a:rPr>
+              <a:t>public</a:t>
+            </a:r>
+            <a:r>
+              <a:rPr lang="ko-KR" altLang="en-US" dirty="0">
+                <a:latin typeface="Cascadia Code" pitchFamily="49" charset="0"/>
+                <a:cs typeface="Cascadia Code" pitchFamily="49" charset="0"/>
+              </a:rPr>
+              <a:t>:</a:t>
+            </a:r>
+          </a:p>
+          <a:p>
+            <a:r>
+              <a:rPr lang="ko-KR" altLang="en-US" dirty="0">
+                <a:latin typeface="Cascadia Code" pitchFamily="49" charset="0"/>
+                <a:cs typeface="Cascadia Code" pitchFamily="49" charset="0"/>
+              </a:rPr>
+              <a:t>    </a:t>
+            </a:r>
+            <a:r>
+              <a:rPr lang="ko-KR" altLang="en-US" dirty="0" err="1">
+                <a:latin typeface="Cascadia Code" pitchFamily="49" charset="0"/>
+                <a:cs typeface="Cascadia Code" pitchFamily="49" charset="0"/>
+              </a:rPr>
+              <a:t>Car</a:t>
+            </a:r>
+            <a:r>
+              <a:rPr lang="ko-KR" altLang="en-US" dirty="0">
+                <a:latin typeface="Cascadia Code" pitchFamily="49" charset="0"/>
+                <a:cs typeface="Cascadia Code" pitchFamily="49" charset="0"/>
+              </a:rPr>
+              <a:t>(</a:t>
+            </a:r>
+            <a:r>
+              <a:rPr lang="ko-KR" altLang="en-US" dirty="0" err="1">
+                <a:latin typeface="Cascadia Code" pitchFamily="49" charset="0"/>
+                <a:cs typeface="Cascadia Code" pitchFamily="49" charset="0"/>
+              </a:rPr>
+              <a:t>const</a:t>
+            </a:r>
+            <a:r>
+              <a:rPr lang="ko-KR" altLang="en-US" dirty="0">
+                <a:latin typeface="Cascadia Code" pitchFamily="49" charset="0"/>
+                <a:cs typeface="Cascadia Code" pitchFamily="49" charset="0"/>
+              </a:rPr>
+              <a:t> </a:t>
+            </a:r>
+            <a:r>
+              <a:rPr lang="ko-KR" altLang="en-US" dirty="0" err="1">
+                <a:latin typeface="Cascadia Code" pitchFamily="49" charset="0"/>
+                <a:cs typeface="Cascadia Code" pitchFamily="49" charset="0"/>
+              </a:rPr>
+              <a:t>std</a:t>
+            </a:r>
+            <a:r>
+              <a:rPr lang="ko-KR" altLang="en-US" dirty="0">
+                <a:latin typeface="Cascadia Code" pitchFamily="49" charset="0"/>
+                <a:cs typeface="Cascadia Code" pitchFamily="49" charset="0"/>
+              </a:rPr>
+              <a:t>::</a:t>
+            </a:r>
+            <a:r>
+              <a:rPr lang="ko-KR" altLang="en-US" dirty="0" err="1">
+                <a:latin typeface="Cascadia Code" pitchFamily="49" charset="0"/>
+                <a:cs typeface="Cascadia Code" pitchFamily="49" charset="0"/>
+              </a:rPr>
+              <a:t>string</a:t>
+            </a:r>
+            <a:r>
+              <a:rPr lang="ko-KR" altLang="en-US" dirty="0">
+                <a:latin typeface="Cascadia Code" pitchFamily="49" charset="0"/>
+                <a:cs typeface="Cascadia Code" pitchFamily="49" charset="0"/>
+              </a:rPr>
+              <a:t>&amp; </a:t>
+            </a:r>
+            <a:r>
+              <a:rPr lang="ko-KR" altLang="en-US" dirty="0" err="1">
+                <a:latin typeface="Cascadia Code" pitchFamily="49" charset="0"/>
+                <a:cs typeface="Cascadia Code" pitchFamily="49" charset="0"/>
+              </a:rPr>
+              <a:t>s</a:t>
+            </a:r>
+            <a:r>
+              <a:rPr lang="ko-KR" altLang="en-US" dirty="0">
+                <a:latin typeface="Cascadia Code" pitchFamily="49" charset="0"/>
+                <a:cs typeface="Cascadia Code" pitchFamily="49" charset="0"/>
+              </a:rPr>
+              <a:t>)</a:t>
+            </a:r>
+          </a:p>
+          <a:p>
+            <a:r>
+              <a:rPr lang="ko-KR" altLang="en-US" dirty="0">
+                <a:latin typeface="Cascadia Code" pitchFamily="49" charset="0"/>
+                <a:cs typeface="Cascadia Code" pitchFamily="49" charset="0"/>
+              </a:rPr>
+              <a:t>        : </a:t>
+            </a:r>
+            <a:r>
+              <a:rPr lang="ko-KR" altLang="en-US" dirty="0" err="1">
+                <a:latin typeface="Cascadia Code" pitchFamily="49" charset="0"/>
+                <a:cs typeface="Cascadia Code" pitchFamily="49" charset="0"/>
+              </a:rPr>
+              <a:t>name</a:t>
+            </a:r>
+            <a:r>
+              <a:rPr lang="ko-KR" altLang="en-US" dirty="0">
+                <a:latin typeface="Cascadia Code" pitchFamily="49" charset="0"/>
+                <a:cs typeface="Cascadia Code" pitchFamily="49" charset="0"/>
+              </a:rPr>
+              <a:t> { </a:t>
+            </a:r>
+            <a:r>
+              <a:rPr lang="ko-KR" altLang="en-US" dirty="0" err="1">
+                <a:latin typeface="Cascadia Code" pitchFamily="49" charset="0"/>
+                <a:cs typeface="Cascadia Code" pitchFamily="49" charset="0"/>
+              </a:rPr>
+              <a:t>s</a:t>
+            </a:r>
+            <a:r>
+              <a:rPr lang="ko-KR" altLang="en-US" dirty="0">
+                <a:latin typeface="Cascadia Code" pitchFamily="49" charset="0"/>
+                <a:cs typeface="Cascadia Code" pitchFamily="49" charset="0"/>
+              </a:rPr>
+              <a:t> }</a:t>
+            </a:r>
+          </a:p>
+          <a:p>
+            <a:r>
+              <a:rPr lang="ko-KR" altLang="en-US" dirty="0">
+                <a:latin typeface="Cascadia Code" pitchFamily="49" charset="0"/>
+                <a:cs typeface="Cascadia Code" pitchFamily="49" charset="0"/>
+              </a:rPr>
+              <a:t>    {</a:t>
+            </a:r>
+          </a:p>
+          <a:p>
+            <a:r>
+              <a:rPr lang="ko-KR" altLang="en-US" dirty="0">
+                <a:latin typeface="Cascadia Code" pitchFamily="49" charset="0"/>
+                <a:cs typeface="Cascadia Code" pitchFamily="49" charset="0"/>
+              </a:rPr>
+              <a:t>        ++</a:t>
+            </a:r>
+            <a:r>
+              <a:rPr lang="ko-KR" altLang="en-US" dirty="0" err="1">
+                <a:latin typeface="Cascadia Code" pitchFamily="49" charset="0"/>
+                <a:cs typeface="Cascadia Code" pitchFamily="49" charset="0"/>
+              </a:rPr>
+              <a:t>cnt</a:t>
+            </a:r>
+            <a:r>
+              <a:rPr lang="ko-KR" altLang="en-US" dirty="0">
+                <a:latin typeface="Cascadia Code" pitchFamily="49" charset="0"/>
+                <a:cs typeface="Cascadia Code" pitchFamily="49" charset="0"/>
+              </a:rPr>
+              <a:t>;</a:t>
+            </a:r>
+          </a:p>
+          <a:p>
+            <a:r>
+              <a:rPr lang="ko-KR" altLang="en-US" dirty="0">
+                <a:latin typeface="Cascadia Code" pitchFamily="49" charset="0"/>
+                <a:cs typeface="Cascadia Code" pitchFamily="49" charset="0"/>
+              </a:rPr>
+              <a:t>    }</a:t>
+            </a:r>
+          </a:p>
+          <a:p>
+            <a:r>
+              <a:rPr lang="ko-KR" altLang="en-US" dirty="0">
+                <a:latin typeface="Cascadia Code" pitchFamily="49" charset="0"/>
+                <a:cs typeface="Cascadia Code" pitchFamily="49" charset="0"/>
+              </a:rPr>
+              <a:t>    ~</a:t>
+            </a:r>
+            <a:r>
+              <a:rPr lang="ko-KR" altLang="en-US" dirty="0" err="1">
+                <a:latin typeface="Cascadia Code" pitchFamily="49" charset="0"/>
+                <a:cs typeface="Cascadia Code" pitchFamily="49" charset="0"/>
+              </a:rPr>
+              <a:t>Car</a:t>
+            </a:r>
+            <a:r>
+              <a:rPr lang="ko-KR" altLang="en-US" dirty="0">
+                <a:latin typeface="Cascadia Code" pitchFamily="49" charset="0"/>
+                <a:cs typeface="Cascadia Code" pitchFamily="49" charset="0"/>
+              </a:rPr>
+              <a:t>() { --</a:t>
+            </a:r>
+            <a:r>
+              <a:rPr lang="ko-KR" altLang="en-US" dirty="0" err="1">
+                <a:latin typeface="Cascadia Code" pitchFamily="49" charset="0"/>
+                <a:cs typeface="Cascadia Code" pitchFamily="49" charset="0"/>
+              </a:rPr>
+              <a:t>cnt</a:t>
+            </a:r>
+            <a:r>
+              <a:rPr lang="ko-KR" altLang="en-US" dirty="0">
+                <a:latin typeface="Cascadia Code" pitchFamily="49" charset="0"/>
+                <a:cs typeface="Cascadia Code" pitchFamily="49" charset="0"/>
+              </a:rPr>
+              <a:t>; }</a:t>
+            </a:r>
+          </a:p>
+          <a:p>
+            <a:endParaRPr lang="ko-KR" altLang="en-US" dirty="0">
+              <a:latin typeface="Cascadia Code" pitchFamily="49" charset="0"/>
+              <a:cs typeface="Cascadia Code" pitchFamily="49" charset="0"/>
+            </a:endParaRPr>
+          </a:p>
+          <a:p>
+            <a:r>
+              <a:rPr lang="ko-KR" altLang="en-US" dirty="0">
+                <a:latin typeface="Cascadia Code" pitchFamily="49" charset="0"/>
+                <a:cs typeface="Cascadia Code" pitchFamily="49" charset="0"/>
+              </a:rPr>
+              <a:t>    </a:t>
+            </a:r>
+            <a:r>
+              <a:rPr lang="ko-KR" altLang="en-US" dirty="0" err="1">
+                <a:latin typeface="Cascadia Code" pitchFamily="49" charset="0"/>
+                <a:cs typeface="Cascadia Code" pitchFamily="49" charset="0"/>
+              </a:rPr>
+              <a:t>int</a:t>
+            </a:r>
+            <a:r>
+              <a:rPr lang="ko-KR" altLang="en-US" dirty="0">
+                <a:latin typeface="Cascadia Code" pitchFamily="49" charset="0"/>
+                <a:cs typeface="Cascadia Code" pitchFamily="49" charset="0"/>
+              </a:rPr>
+              <a:t> </a:t>
+            </a:r>
+            <a:r>
+              <a:rPr lang="ko-KR" altLang="en-US" dirty="0" err="1">
+                <a:latin typeface="Cascadia Code" pitchFamily="49" charset="0"/>
+                <a:cs typeface="Cascadia Code" pitchFamily="49" charset="0"/>
+              </a:rPr>
+              <a:t>GetCount</a:t>
+            </a:r>
+            <a:r>
+              <a:rPr lang="ko-KR" altLang="en-US" dirty="0">
+                <a:latin typeface="Cascadia Code" pitchFamily="49" charset="0"/>
+                <a:cs typeface="Cascadia Code" pitchFamily="49" charset="0"/>
+              </a:rPr>
+              <a:t>() { </a:t>
+            </a:r>
+            <a:r>
+              <a:rPr lang="ko-KR" altLang="en-US" dirty="0" err="1">
+                <a:latin typeface="Cascadia Code" pitchFamily="49" charset="0"/>
+                <a:cs typeface="Cascadia Code" pitchFamily="49" charset="0"/>
+              </a:rPr>
+              <a:t>return</a:t>
+            </a:r>
+            <a:r>
+              <a:rPr lang="ko-KR" altLang="en-US" dirty="0">
+                <a:latin typeface="Cascadia Code" pitchFamily="49" charset="0"/>
+                <a:cs typeface="Cascadia Code" pitchFamily="49" charset="0"/>
+              </a:rPr>
+              <a:t> </a:t>
+            </a:r>
+            <a:r>
+              <a:rPr lang="ko-KR" altLang="en-US" dirty="0" err="1">
+                <a:latin typeface="Cascadia Code" pitchFamily="49" charset="0"/>
+                <a:cs typeface="Cascadia Code" pitchFamily="49" charset="0"/>
+              </a:rPr>
+              <a:t>cnt</a:t>
+            </a:r>
+            <a:r>
+              <a:rPr lang="ko-KR" altLang="en-US" dirty="0">
+                <a:latin typeface="Cascadia Code" pitchFamily="49" charset="0"/>
+                <a:cs typeface="Cascadia Code" pitchFamily="49" charset="0"/>
+              </a:rPr>
+              <a:t>; }</a:t>
+            </a:r>
+          </a:p>
+          <a:p>
+            <a:r>
+              <a:rPr lang="ko-KR" altLang="en-US" dirty="0">
+                <a:latin typeface="Cascadia Code" pitchFamily="49" charset="0"/>
+                <a:cs typeface="Cascadia Code" pitchFamily="49" charset="0"/>
+              </a:rPr>
+              <a:t>};</a:t>
+            </a:r>
+          </a:p>
+          <a:p>
+            <a:endParaRPr lang="ko-KR" altLang="en-US" dirty="0">
+              <a:latin typeface="Cascadia Code" pitchFamily="49" charset="0"/>
+              <a:cs typeface="Cascadia Code" pitchFamily="49" charset="0"/>
+            </a:endParaRPr>
+          </a:p>
+          <a:p>
+            <a:r>
+              <a:rPr lang="ko-KR" altLang="en-US" dirty="0" err="1">
+                <a:solidFill>
+                  <a:srgbClr val="FF0000"/>
+                </a:solidFill>
+                <a:latin typeface="Cascadia Code" pitchFamily="49" charset="0"/>
+                <a:cs typeface="Cascadia Code" pitchFamily="49" charset="0"/>
+              </a:rPr>
+              <a:t>int</a:t>
+            </a:r>
+            <a:r>
+              <a:rPr lang="ko-KR" altLang="en-US" dirty="0">
+                <a:solidFill>
+                  <a:srgbClr val="FF0000"/>
+                </a:solidFill>
+                <a:latin typeface="Cascadia Code" pitchFamily="49" charset="0"/>
+                <a:cs typeface="Cascadia Code" pitchFamily="49" charset="0"/>
+              </a:rPr>
+              <a:t> </a:t>
+            </a:r>
+            <a:r>
+              <a:rPr lang="ko-KR" altLang="en-US" dirty="0" err="1">
+                <a:solidFill>
+                  <a:srgbClr val="FF0000"/>
+                </a:solidFill>
+                <a:latin typeface="Cascadia Code" pitchFamily="49" charset="0"/>
+                <a:cs typeface="Cascadia Code" pitchFamily="49" charset="0"/>
+              </a:rPr>
+              <a:t>Car</a:t>
+            </a:r>
+            <a:r>
+              <a:rPr lang="ko-KR" altLang="en-US" dirty="0">
+                <a:solidFill>
+                  <a:srgbClr val="FF0000"/>
+                </a:solidFill>
+                <a:latin typeface="Cascadia Code" pitchFamily="49" charset="0"/>
+                <a:cs typeface="Cascadia Code" pitchFamily="49" charset="0"/>
+              </a:rPr>
+              <a:t>::</a:t>
+            </a:r>
+            <a:r>
+              <a:rPr lang="ko-KR" altLang="en-US" dirty="0" err="1">
+                <a:solidFill>
+                  <a:srgbClr val="FF0000"/>
+                </a:solidFill>
+                <a:latin typeface="Cascadia Code" pitchFamily="49" charset="0"/>
+                <a:cs typeface="Cascadia Code" pitchFamily="49" charset="0"/>
+              </a:rPr>
+              <a:t>cnt</a:t>
+            </a:r>
+            <a:r>
+              <a:rPr lang="ko-KR" altLang="en-US" dirty="0">
+                <a:solidFill>
+                  <a:srgbClr val="FF0000"/>
+                </a:solidFill>
+                <a:latin typeface="Cascadia Code" pitchFamily="49" charset="0"/>
+                <a:cs typeface="Cascadia Code" pitchFamily="49" charset="0"/>
+              </a:rPr>
+              <a:t> = 0;</a:t>
+            </a:r>
+          </a:p>
+          <a:p>
+            <a:endParaRPr lang="ko-KR" altLang="en-US" dirty="0">
+              <a:latin typeface="Cascadia Code" pitchFamily="49" charset="0"/>
+              <a:cs typeface="Cascadia Code" pitchFamily="49" charset="0"/>
+            </a:endParaRPr>
+          </a:p>
+          <a:p>
+            <a:r>
+              <a:rPr lang="ko-KR" altLang="en-US" dirty="0" err="1">
+                <a:latin typeface="Cascadia Code" pitchFamily="49" charset="0"/>
+                <a:cs typeface="Cascadia Code" pitchFamily="49" charset="0"/>
+              </a:rPr>
+              <a:t>int</a:t>
+            </a:r>
+            <a:r>
+              <a:rPr lang="ko-KR" altLang="en-US" dirty="0">
+                <a:latin typeface="Cascadia Code" pitchFamily="49" charset="0"/>
+                <a:cs typeface="Cascadia Code" pitchFamily="49" charset="0"/>
+              </a:rPr>
+              <a:t> </a:t>
+            </a:r>
+            <a:r>
+              <a:rPr lang="ko-KR" altLang="en-US" dirty="0" err="1">
+                <a:latin typeface="Cascadia Code" pitchFamily="49" charset="0"/>
+                <a:cs typeface="Cascadia Code" pitchFamily="49" charset="0"/>
+              </a:rPr>
+              <a:t>main</a:t>
+            </a:r>
+            <a:r>
+              <a:rPr lang="ko-KR" altLang="en-US" dirty="0">
+                <a:latin typeface="Cascadia Code" pitchFamily="49" charset="0"/>
+                <a:cs typeface="Cascadia Code" pitchFamily="49" charset="0"/>
+              </a:rPr>
+              <a:t>()</a:t>
+            </a:r>
+          </a:p>
+          <a:p>
+            <a:r>
+              <a:rPr lang="ko-KR" altLang="en-US" dirty="0">
+                <a:latin typeface="Cascadia Code" pitchFamily="49" charset="0"/>
+                <a:cs typeface="Cascadia Code" pitchFamily="49" charset="0"/>
+              </a:rPr>
+              <a:t>{</a:t>
+            </a:r>
+          </a:p>
+          <a:p>
+            <a:r>
+              <a:rPr lang="ko-KR" altLang="en-US" dirty="0">
+                <a:latin typeface="Cascadia Code" pitchFamily="49" charset="0"/>
+                <a:cs typeface="Cascadia Code" pitchFamily="49" charset="0"/>
+              </a:rPr>
+              <a:t>    </a:t>
+            </a:r>
+            <a:r>
+              <a:rPr lang="ko-KR" altLang="en-US" dirty="0" err="1">
+                <a:latin typeface="Cascadia Code" pitchFamily="49" charset="0"/>
+                <a:cs typeface="Cascadia Code" pitchFamily="49" charset="0"/>
+              </a:rPr>
+              <a:t>Car</a:t>
+            </a:r>
+            <a:r>
+              <a:rPr lang="ko-KR" altLang="en-US" dirty="0">
+                <a:latin typeface="Cascadia Code" pitchFamily="49" charset="0"/>
+                <a:cs typeface="Cascadia Code" pitchFamily="49" charset="0"/>
+              </a:rPr>
+              <a:t> c1 { "</a:t>
+            </a:r>
+            <a:r>
+              <a:rPr lang="ko-KR" altLang="en-US" dirty="0" err="1">
+                <a:latin typeface="Cascadia Code" pitchFamily="49" charset="0"/>
+                <a:cs typeface="Cascadia Code" pitchFamily="49" charset="0"/>
+              </a:rPr>
+              <a:t>Avante</a:t>
+            </a:r>
+            <a:r>
+              <a:rPr lang="ko-KR" altLang="en-US" dirty="0">
+                <a:latin typeface="Cascadia Code" pitchFamily="49" charset="0"/>
+                <a:cs typeface="Cascadia Code" pitchFamily="49" charset="0"/>
+              </a:rPr>
+              <a:t>" };</a:t>
+            </a:r>
+          </a:p>
+          <a:p>
+            <a:r>
+              <a:rPr lang="ko-KR" altLang="en-US" dirty="0">
+                <a:latin typeface="Cascadia Code" pitchFamily="49" charset="0"/>
+                <a:cs typeface="Cascadia Code" pitchFamily="49" charset="0"/>
+              </a:rPr>
+              <a:t>    </a:t>
+            </a:r>
+            <a:r>
+              <a:rPr lang="ko-KR" altLang="en-US" dirty="0" err="1">
+                <a:latin typeface="Cascadia Code" pitchFamily="49" charset="0"/>
+                <a:cs typeface="Cascadia Code" pitchFamily="49" charset="0"/>
+              </a:rPr>
+              <a:t>Car</a:t>
+            </a:r>
+            <a:r>
+              <a:rPr lang="ko-KR" altLang="en-US" dirty="0">
+                <a:latin typeface="Cascadia Code" pitchFamily="49" charset="0"/>
+                <a:cs typeface="Cascadia Code" pitchFamily="49" charset="0"/>
+              </a:rPr>
+              <a:t> c2 { "</a:t>
+            </a:r>
+            <a:r>
+              <a:rPr lang="ko-KR" altLang="en-US" dirty="0" err="1">
+                <a:latin typeface="Cascadia Code" pitchFamily="49" charset="0"/>
+                <a:cs typeface="Cascadia Code" pitchFamily="49" charset="0"/>
+              </a:rPr>
+              <a:t>Sonata</a:t>
+            </a:r>
+            <a:r>
+              <a:rPr lang="ko-KR" altLang="en-US" dirty="0">
+                <a:latin typeface="Cascadia Code" pitchFamily="49" charset="0"/>
+                <a:cs typeface="Cascadia Code" pitchFamily="49" charset="0"/>
+              </a:rPr>
+              <a:t>" };</a:t>
+            </a:r>
+          </a:p>
+          <a:p>
+            <a:r>
+              <a:rPr lang="ko-KR" altLang="en-US" dirty="0">
+                <a:latin typeface="Cascadia Code" pitchFamily="49" charset="0"/>
+                <a:cs typeface="Cascadia Code" pitchFamily="49" charset="0"/>
+              </a:rPr>
+              <a:t>}</a:t>
+            </a:r>
+          </a:p>
+        </p:txBody>
+      </p:sp>
+      <p:sp>
+        <p:nvSpPr>
+          <p:cNvPr id="6" name="직사각형 5">
+            <a:extLst>
+              <a:ext uri="{FF2B5EF4-FFF2-40B4-BE49-F238E27FC236}">
+                <a16:creationId xmlns:a16="http://schemas.microsoft.com/office/drawing/2014/main" id="{38E77CA9-38FA-C59E-8B51-196B0D5B3810}"/>
+              </a:ext>
+            </a:extLst>
+          </p:cNvPr>
+          <p:cNvSpPr/>
+          <p:nvPr/>
+        </p:nvSpPr>
+        <p:spPr>
+          <a:xfrm>
+            <a:off x="9975272" y="1005566"/>
+            <a:ext cx="1528388" cy="474508"/>
+          </a:xfrm>
+          <a:prstGeom prst="rect">
+            <a:avLst/>
+          </a:prstGeom>
+          <a:solidFill>
+            <a:srgbClr val="FFFF00"/>
+          </a:solidFill>
+          <a:ln>
+            <a:solidFill>
+              <a:schemeClr val="tx1"/>
+            </a:solidFill>
+          </a:ln>
+        </p:spPr>
+        <p:style>
+          <a:lnRef idx="2">
+            <a:schemeClr val="accent1">
+              <a:shade val="15000"/>
+            </a:schemeClr>
+          </a:lnRef>
+          <a:fillRef idx="1">
+            <a:schemeClr val="accent1"/>
+          </a:fillRef>
+          <a:effectRef idx="0">
+            <a:schemeClr val="accent1"/>
+          </a:effectRef>
+          <a:fontRef idx="minor">
+            <a:schemeClr val="lt1"/>
+          </a:fontRef>
+        </p:style>
+        <p:txBody>
+          <a:bodyPr rtlCol="0" anchor="ctr"/>
+          <a:lstStyle/>
+          <a:p>
+            <a:pPr algn="ctr"/>
+            <a:r>
+              <a:rPr kumimoji="1" lang="en-US" altLang="ko-KR" sz="1600" dirty="0">
+                <a:solidFill>
+                  <a:schemeClr val="tx1"/>
+                </a:solidFill>
+                <a:latin typeface="Cascadia Code" pitchFamily="49" charset="0"/>
+                <a:cs typeface="Cascadia Code" pitchFamily="49" charset="0"/>
+              </a:rPr>
+              <a:t>0</a:t>
+            </a:r>
+            <a:endParaRPr kumimoji="1" lang="ko-KR" altLang="en-US" sz="1600" dirty="0">
+              <a:solidFill>
+                <a:schemeClr val="tx1"/>
+              </a:solidFill>
+              <a:latin typeface="Cascadia Code" pitchFamily="49" charset="0"/>
+              <a:cs typeface="Cascadia Code" pitchFamily="49" charset="0"/>
+            </a:endParaRPr>
+          </a:p>
+        </p:txBody>
+      </p:sp>
+      <p:sp>
+        <p:nvSpPr>
+          <p:cNvPr id="8" name="TextBox 7">
+            <a:extLst>
+              <a:ext uri="{FF2B5EF4-FFF2-40B4-BE49-F238E27FC236}">
+                <a16:creationId xmlns:a16="http://schemas.microsoft.com/office/drawing/2014/main" id="{25A8750C-2747-40E8-3759-673351E3F3CA}"/>
+              </a:ext>
+            </a:extLst>
+          </p:cNvPr>
+          <p:cNvSpPr txBox="1"/>
+          <p:nvPr/>
+        </p:nvSpPr>
+        <p:spPr>
+          <a:xfrm>
+            <a:off x="10055975" y="636234"/>
+            <a:ext cx="1366981" cy="369332"/>
+          </a:xfrm>
+          <a:prstGeom prst="rect">
+            <a:avLst/>
+          </a:prstGeom>
+          <a:noFill/>
+        </p:spPr>
+        <p:txBody>
+          <a:bodyPr wrap="square">
+            <a:spAutoFit/>
+          </a:bodyPr>
+          <a:lstStyle/>
+          <a:p>
+            <a:r>
+              <a:rPr lang="ko-KR" altLang="en-US" dirty="0" err="1">
+                <a:latin typeface="Cascadia Code" pitchFamily="49" charset="0"/>
+                <a:cs typeface="Cascadia Code" pitchFamily="49" charset="0"/>
+              </a:rPr>
+              <a:t>Car</a:t>
+            </a:r>
+            <a:r>
+              <a:rPr lang="ko-KR" altLang="en-US" dirty="0">
+                <a:latin typeface="Cascadia Code" pitchFamily="49" charset="0"/>
+                <a:cs typeface="Cascadia Code" pitchFamily="49" charset="0"/>
+              </a:rPr>
+              <a:t>::</a:t>
+            </a:r>
+            <a:r>
+              <a:rPr lang="ko-KR" altLang="en-US" dirty="0" err="1">
+                <a:latin typeface="Cascadia Code" pitchFamily="49" charset="0"/>
+                <a:cs typeface="Cascadia Code" pitchFamily="49" charset="0"/>
+              </a:rPr>
+              <a:t>cnt</a:t>
+            </a:r>
+            <a:r>
+              <a:rPr lang="ko-KR" altLang="en-US" dirty="0">
+                <a:latin typeface="Cascadia Code" pitchFamily="49" charset="0"/>
+                <a:cs typeface="Cascadia Code" pitchFamily="49" charset="0"/>
+              </a:rPr>
+              <a:t> </a:t>
+            </a:r>
+            <a:endParaRPr lang="ko-KR" altLang="en-US" dirty="0"/>
+          </a:p>
+        </p:txBody>
+      </p:sp>
+    </p:spTree>
+    <p:extLst>
+      <p:ext uri="{BB962C8B-B14F-4D97-AF65-F5344CB8AC3E}">
+        <p14:creationId xmlns:p14="http://schemas.microsoft.com/office/powerpoint/2010/main" val="3843408913"/>
+      </p:ext>
+    </p:extLst>
+  </p:cSld>
+  <p:clrMapOvr>
+    <a:masterClrMapping/>
+  </p:clrMapOvr>
+</p:sld>
+</file>
+
 <file path=ppt/slides/slide4.xml><?xml version="1.0" encoding="utf-8"?>
 <p:sld xmlns:a="http://schemas.openxmlformats.org/drawingml/2006/main" xmlns:r="http://schemas.openxmlformats.org/officeDocument/2006/relationships" xmlns:p="http://schemas.openxmlformats.org/presentationml/2006/main">
   <p:cSld>
@@ -35075,6 +35915,2118 @@
     <p:extLst>
       <p:ext uri="{BB962C8B-B14F-4D97-AF65-F5344CB8AC3E}">
         <p14:creationId xmlns:p14="http://schemas.microsoft.com/office/powerpoint/2010/main" val="3565041779"/>
+      </p:ext>
+    </p:extLst>
+  </p:cSld>
+  <p:clrMapOvr>
+    <a:masterClrMapping/>
+  </p:clrMapOvr>
+</p:sld>
+</file>
+
+<file path=ppt/slides/slide40.xml><?xml version="1.0" encoding="utf-8"?>
+<p:sld xmlns:a="http://schemas.openxmlformats.org/drawingml/2006/main" xmlns:r="http://schemas.openxmlformats.org/officeDocument/2006/relationships" xmlns:p="http://schemas.openxmlformats.org/presentationml/2006/main">
+  <p:cSld>
+    <p:spTree>
+      <p:nvGrpSpPr>
+        <p:cNvPr id="1" name=""/>
+        <p:cNvGrpSpPr/>
+        <p:nvPr/>
+      </p:nvGrpSpPr>
+      <p:grpSpPr>
+        <a:xfrm>
+          <a:off x="0" y="0"/>
+          <a:ext cx="0" cy="0"/>
+          <a:chOff x="0" y="0"/>
+          <a:chExt cx="0" cy="0"/>
+        </a:xfrm>
+      </p:grpSpPr>
+      <p:sp>
+        <p:nvSpPr>
+          <p:cNvPr id="5" name="TextBox 4">
+            <a:extLst>
+              <a:ext uri="{FF2B5EF4-FFF2-40B4-BE49-F238E27FC236}">
+                <a16:creationId xmlns:a16="http://schemas.microsoft.com/office/drawing/2014/main" id="{43A7BE38-B211-3DA0-8873-B5FAF5A384D9}"/>
+              </a:ext>
+            </a:extLst>
+          </p:cNvPr>
+          <p:cNvSpPr txBox="1"/>
+          <p:nvPr/>
+        </p:nvSpPr>
+        <p:spPr>
+          <a:xfrm>
+            <a:off x="240146" y="197346"/>
+            <a:ext cx="5006109" cy="6463308"/>
+          </a:xfrm>
+          <a:prstGeom prst="rect">
+            <a:avLst/>
+          </a:prstGeom>
+          <a:noFill/>
+        </p:spPr>
+        <p:txBody>
+          <a:bodyPr wrap="square">
+            <a:spAutoFit/>
+          </a:bodyPr>
+          <a:lstStyle/>
+          <a:p>
+            <a:r>
+              <a:rPr lang="ko-KR" altLang="en-US" dirty="0" err="1">
+                <a:latin typeface="Cascadia Code" pitchFamily="49" charset="0"/>
+                <a:cs typeface="Cascadia Code" pitchFamily="49" charset="0"/>
+              </a:rPr>
+              <a:t>class</a:t>
+            </a:r>
+            <a:r>
+              <a:rPr lang="ko-KR" altLang="en-US" dirty="0">
+                <a:latin typeface="Cascadia Code" pitchFamily="49" charset="0"/>
+                <a:cs typeface="Cascadia Code" pitchFamily="49" charset="0"/>
+              </a:rPr>
+              <a:t> </a:t>
+            </a:r>
+            <a:r>
+              <a:rPr lang="ko-KR" altLang="en-US" dirty="0" err="1">
+                <a:latin typeface="Cascadia Code" pitchFamily="49" charset="0"/>
+                <a:cs typeface="Cascadia Code" pitchFamily="49" charset="0"/>
+              </a:rPr>
+              <a:t>Car</a:t>
+            </a:r>
+            <a:r>
+              <a:rPr lang="ko-KR" altLang="en-US" dirty="0">
+                <a:latin typeface="Cascadia Code" pitchFamily="49" charset="0"/>
+                <a:cs typeface="Cascadia Code" pitchFamily="49" charset="0"/>
+              </a:rPr>
+              <a:t> {</a:t>
+            </a:r>
+          </a:p>
+          <a:p>
+            <a:r>
+              <a:rPr lang="ko-KR" altLang="en-US" dirty="0">
+                <a:latin typeface="Cascadia Code" pitchFamily="49" charset="0"/>
+                <a:cs typeface="Cascadia Code" pitchFamily="49" charset="0"/>
+              </a:rPr>
+              <a:t>    </a:t>
+            </a:r>
+            <a:r>
+              <a:rPr lang="ko-KR" altLang="en-US" dirty="0" err="1">
+                <a:latin typeface="Cascadia Code" pitchFamily="49" charset="0"/>
+                <a:cs typeface="Cascadia Code" pitchFamily="49" charset="0"/>
+              </a:rPr>
+              <a:t>static</a:t>
+            </a:r>
+            <a:r>
+              <a:rPr lang="ko-KR" altLang="en-US" dirty="0">
+                <a:latin typeface="Cascadia Code" pitchFamily="49" charset="0"/>
+                <a:cs typeface="Cascadia Code" pitchFamily="49" charset="0"/>
+              </a:rPr>
+              <a:t> </a:t>
+            </a:r>
+            <a:r>
+              <a:rPr lang="ko-KR" altLang="en-US" dirty="0" err="1">
+                <a:latin typeface="Cascadia Code" pitchFamily="49" charset="0"/>
+                <a:cs typeface="Cascadia Code" pitchFamily="49" charset="0"/>
+              </a:rPr>
+              <a:t>int</a:t>
+            </a:r>
+            <a:r>
+              <a:rPr lang="ko-KR" altLang="en-US" dirty="0">
+                <a:latin typeface="Cascadia Code" pitchFamily="49" charset="0"/>
+                <a:cs typeface="Cascadia Code" pitchFamily="49" charset="0"/>
+              </a:rPr>
+              <a:t> </a:t>
+            </a:r>
+            <a:r>
+              <a:rPr lang="ko-KR" altLang="en-US" dirty="0" err="1">
+                <a:latin typeface="Cascadia Code" pitchFamily="49" charset="0"/>
+                <a:cs typeface="Cascadia Code" pitchFamily="49" charset="0"/>
+              </a:rPr>
+              <a:t>cnt</a:t>
+            </a:r>
+            <a:r>
+              <a:rPr lang="ko-KR" altLang="en-US" dirty="0">
+                <a:latin typeface="Cascadia Code" pitchFamily="49" charset="0"/>
+                <a:cs typeface="Cascadia Code" pitchFamily="49" charset="0"/>
+              </a:rPr>
+              <a:t>;</a:t>
+            </a:r>
+          </a:p>
+          <a:p>
+            <a:endParaRPr lang="ko-KR" altLang="en-US" dirty="0">
+              <a:latin typeface="Cascadia Code" pitchFamily="49" charset="0"/>
+              <a:cs typeface="Cascadia Code" pitchFamily="49" charset="0"/>
+            </a:endParaRPr>
+          </a:p>
+          <a:p>
+            <a:r>
+              <a:rPr lang="ko-KR" altLang="en-US" dirty="0">
+                <a:latin typeface="Cascadia Code" pitchFamily="49" charset="0"/>
+                <a:cs typeface="Cascadia Code" pitchFamily="49" charset="0"/>
+              </a:rPr>
+              <a:t>    </a:t>
+            </a:r>
+            <a:r>
+              <a:rPr lang="ko-KR" altLang="en-US" dirty="0" err="1">
+                <a:latin typeface="Cascadia Code" pitchFamily="49" charset="0"/>
+                <a:cs typeface="Cascadia Code" pitchFamily="49" charset="0"/>
+              </a:rPr>
+              <a:t>std</a:t>
+            </a:r>
+            <a:r>
+              <a:rPr lang="ko-KR" altLang="en-US" dirty="0">
+                <a:latin typeface="Cascadia Code" pitchFamily="49" charset="0"/>
+                <a:cs typeface="Cascadia Code" pitchFamily="49" charset="0"/>
+              </a:rPr>
+              <a:t>::</a:t>
+            </a:r>
+            <a:r>
+              <a:rPr lang="ko-KR" altLang="en-US" dirty="0" err="1">
+                <a:latin typeface="Cascadia Code" pitchFamily="49" charset="0"/>
+                <a:cs typeface="Cascadia Code" pitchFamily="49" charset="0"/>
+              </a:rPr>
+              <a:t>string</a:t>
+            </a:r>
+            <a:r>
+              <a:rPr lang="ko-KR" altLang="en-US" dirty="0">
+                <a:latin typeface="Cascadia Code" pitchFamily="49" charset="0"/>
+                <a:cs typeface="Cascadia Code" pitchFamily="49" charset="0"/>
+              </a:rPr>
+              <a:t> </a:t>
+            </a:r>
+            <a:r>
+              <a:rPr lang="ko-KR" altLang="en-US" dirty="0" err="1">
+                <a:latin typeface="Cascadia Code" pitchFamily="49" charset="0"/>
+                <a:cs typeface="Cascadia Code" pitchFamily="49" charset="0"/>
+              </a:rPr>
+              <a:t>name</a:t>
+            </a:r>
+            <a:r>
+              <a:rPr lang="ko-KR" altLang="en-US" dirty="0">
+                <a:latin typeface="Cascadia Code" pitchFamily="49" charset="0"/>
+                <a:cs typeface="Cascadia Code" pitchFamily="49" charset="0"/>
+              </a:rPr>
+              <a:t>;</a:t>
+            </a:r>
+          </a:p>
+          <a:p>
+            <a:endParaRPr lang="ko-KR" altLang="en-US" dirty="0">
+              <a:latin typeface="Cascadia Code" pitchFamily="49" charset="0"/>
+              <a:cs typeface="Cascadia Code" pitchFamily="49" charset="0"/>
+            </a:endParaRPr>
+          </a:p>
+          <a:p>
+            <a:r>
+              <a:rPr lang="ko-KR" altLang="en-US" dirty="0" err="1">
+                <a:latin typeface="Cascadia Code" pitchFamily="49" charset="0"/>
+                <a:cs typeface="Cascadia Code" pitchFamily="49" charset="0"/>
+              </a:rPr>
+              <a:t>public</a:t>
+            </a:r>
+            <a:r>
+              <a:rPr lang="ko-KR" altLang="en-US" dirty="0">
+                <a:latin typeface="Cascadia Code" pitchFamily="49" charset="0"/>
+                <a:cs typeface="Cascadia Code" pitchFamily="49" charset="0"/>
+              </a:rPr>
+              <a:t>:</a:t>
+            </a:r>
+          </a:p>
+          <a:p>
+            <a:r>
+              <a:rPr lang="ko-KR" altLang="en-US" dirty="0">
+                <a:latin typeface="Cascadia Code" pitchFamily="49" charset="0"/>
+                <a:cs typeface="Cascadia Code" pitchFamily="49" charset="0"/>
+              </a:rPr>
+              <a:t>    </a:t>
+            </a:r>
+            <a:r>
+              <a:rPr lang="ko-KR" altLang="en-US" dirty="0" err="1">
+                <a:latin typeface="Cascadia Code" pitchFamily="49" charset="0"/>
+                <a:cs typeface="Cascadia Code" pitchFamily="49" charset="0"/>
+              </a:rPr>
+              <a:t>Car</a:t>
+            </a:r>
+            <a:r>
+              <a:rPr lang="ko-KR" altLang="en-US" dirty="0">
+                <a:latin typeface="Cascadia Code" pitchFamily="49" charset="0"/>
+                <a:cs typeface="Cascadia Code" pitchFamily="49" charset="0"/>
+              </a:rPr>
+              <a:t>(</a:t>
+            </a:r>
+            <a:r>
+              <a:rPr lang="ko-KR" altLang="en-US" dirty="0" err="1">
+                <a:latin typeface="Cascadia Code" pitchFamily="49" charset="0"/>
+                <a:cs typeface="Cascadia Code" pitchFamily="49" charset="0"/>
+              </a:rPr>
+              <a:t>const</a:t>
+            </a:r>
+            <a:r>
+              <a:rPr lang="ko-KR" altLang="en-US" dirty="0">
+                <a:latin typeface="Cascadia Code" pitchFamily="49" charset="0"/>
+                <a:cs typeface="Cascadia Code" pitchFamily="49" charset="0"/>
+              </a:rPr>
+              <a:t> </a:t>
+            </a:r>
+            <a:r>
+              <a:rPr lang="ko-KR" altLang="en-US" dirty="0" err="1">
+                <a:latin typeface="Cascadia Code" pitchFamily="49" charset="0"/>
+                <a:cs typeface="Cascadia Code" pitchFamily="49" charset="0"/>
+              </a:rPr>
+              <a:t>std</a:t>
+            </a:r>
+            <a:r>
+              <a:rPr lang="ko-KR" altLang="en-US" dirty="0">
+                <a:latin typeface="Cascadia Code" pitchFamily="49" charset="0"/>
+                <a:cs typeface="Cascadia Code" pitchFamily="49" charset="0"/>
+              </a:rPr>
+              <a:t>::</a:t>
+            </a:r>
+            <a:r>
+              <a:rPr lang="ko-KR" altLang="en-US" dirty="0" err="1">
+                <a:latin typeface="Cascadia Code" pitchFamily="49" charset="0"/>
+                <a:cs typeface="Cascadia Code" pitchFamily="49" charset="0"/>
+              </a:rPr>
+              <a:t>string</a:t>
+            </a:r>
+            <a:r>
+              <a:rPr lang="ko-KR" altLang="en-US" dirty="0">
+                <a:latin typeface="Cascadia Code" pitchFamily="49" charset="0"/>
+                <a:cs typeface="Cascadia Code" pitchFamily="49" charset="0"/>
+              </a:rPr>
+              <a:t>&amp; </a:t>
+            </a:r>
+            <a:r>
+              <a:rPr lang="ko-KR" altLang="en-US" dirty="0" err="1">
+                <a:latin typeface="Cascadia Code" pitchFamily="49" charset="0"/>
+                <a:cs typeface="Cascadia Code" pitchFamily="49" charset="0"/>
+              </a:rPr>
+              <a:t>s</a:t>
+            </a:r>
+            <a:r>
+              <a:rPr lang="ko-KR" altLang="en-US" dirty="0">
+                <a:latin typeface="Cascadia Code" pitchFamily="49" charset="0"/>
+                <a:cs typeface="Cascadia Code" pitchFamily="49" charset="0"/>
+              </a:rPr>
+              <a:t>)</a:t>
+            </a:r>
+          </a:p>
+          <a:p>
+            <a:r>
+              <a:rPr lang="ko-KR" altLang="en-US" dirty="0">
+                <a:latin typeface="Cascadia Code" pitchFamily="49" charset="0"/>
+                <a:cs typeface="Cascadia Code" pitchFamily="49" charset="0"/>
+              </a:rPr>
+              <a:t>        : </a:t>
+            </a:r>
+            <a:r>
+              <a:rPr lang="ko-KR" altLang="en-US" dirty="0" err="1">
+                <a:latin typeface="Cascadia Code" pitchFamily="49" charset="0"/>
+                <a:cs typeface="Cascadia Code" pitchFamily="49" charset="0"/>
+              </a:rPr>
+              <a:t>name</a:t>
+            </a:r>
+            <a:r>
+              <a:rPr lang="ko-KR" altLang="en-US" dirty="0">
+                <a:latin typeface="Cascadia Code" pitchFamily="49" charset="0"/>
+                <a:cs typeface="Cascadia Code" pitchFamily="49" charset="0"/>
+              </a:rPr>
+              <a:t> { </a:t>
+            </a:r>
+            <a:r>
+              <a:rPr lang="ko-KR" altLang="en-US" dirty="0" err="1">
+                <a:latin typeface="Cascadia Code" pitchFamily="49" charset="0"/>
+                <a:cs typeface="Cascadia Code" pitchFamily="49" charset="0"/>
+              </a:rPr>
+              <a:t>s</a:t>
+            </a:r>
+            <a:r>
+              <a:rPr lang="ko-KR" altLang="en-US" dirty="0">
+                <a:latin typeface="Cascadia Code" pitchFamily="49" charset="0"/>
+                <a:cs typeface="Cascadia Code" pitchFamily="49" charset="0"/>
+              </a:rPr>
+              <a:t> }</a:t>
+            </a:r>
+          </a:p>
+          <a:p>
+            <a:r>
+              <a:rPr lang="ko-KR" altLang="en-US" dirty="0">
+                <a:latin typeface="Cascadia Code" pitchFamily="49" charset="0"/>
+                <a:cs typeface="Cascadia Code" pitchFamily="49" charset="0"/>
+              </a:rPr>
+              <a:t>    {</a:t>
+            </a:r>
+          </a:p>
+          <a:p>
+            <a:r>
+              <a:rPr lang="ko-KR" altLang="en-US" dirty="0">
+                <a:latin typeface="Cascadia Code" pitchFamily="49" charset="0"/>
+                <a:cs typeface="Cascadia Code" pitchFamily="49" charset="0"/>
+              </a:rPr>
+              <a:t>        ++</a:t>
+            </a:r>
+            <a:r>
+              <a:rPr lang="ko-KR" altLang="en-US" dirty="0" err="1">
+                <a:latin typeface="Cascadia Code" pitchFamily="49" charset="0"/>
+                <a:cs typeface="Cascadia Code" pitchFamily="49" charset="0"/>
+              </a:rPr>
+              <a:t>cnt</a:t>
+            </a:r>
+            <a:r>
+              <a:rPr lang="ko-KR" altLang="en-US" dirty="0">
+                <a:latin typeface="Cascadia Code" pitchFamily="49" charset="0"/>
+                <a:cs typeface="Cascadia Code" pitchFamily="49" charset="0"/>
+              </a:rPr>
+              <a:t>;</a:t>
+            </a:r>
+          </a:p>
+          <a:p>
+            <a:r>
+              <a:rPr lang="ko-KR" altLang="en-US" dirty="0">
+                <a:latin typeface="Cascadia Code" pitchFamily="49" charset="0"/>
+                <a:cs typeface="Cascadia Code" pitchFamily="49" charset="0"/>
+              </a:rPr>
+              <a:t>    }</a:t>
+            </a:r>
+          </a:p>
+          <a:p>
+            <a:r>
+              <a:rPr lang="ko-KR" altLang="en-US" dirty="0">
+                <a:latin typeface="Cascadia Code" pitchFamily="49" charset="0"/>
+                <a:cs typeface="Cascadia Code" pitchFamily="49" charset="0"/>
+              </a:rPr>
+              <a:t>    ~</a:t>
+            </a:r>
+            <a:r>
+              <a:rPr lang="ko-KR" altLang="en-US" dirty="0" err="1">
+                <a:latin typeface="Cascadia Code" pitchFamily="49" charset="0"/>
+                <a:cs typeface="Cascadia Code" pitchFamily="49" charset="0"/>
+              </a:rPr>
+              <a:t>Car</a:t>
+            </a:r>
+            <a:r>
+              <a:rPr lang="ko-KR" altLang="en-US" dirty="0">
+                <a:latin typeface="Cascadia Code" pitchFamily="49" charset="0"/>
+                <a:cs typeface="Cascadia Code" pitchFamily="49" charset="0"/>
+              </a:rPr>
+              <a:t>() { --</a:t>
+            </a:r>
+            <a:r>
+              <a:rPr lang="ko-KR" altLang="en-US" dirty="0" err="1">
+                <a:latin typeface="Cascadia Code" pitchFamily="49" charset="0"/>
+                <a:cs typeface="Cascadia Code" pitchFamily="49" charset="0"/>
+              </a:rPr>
+              <a:t>cnt</a:t>
+            </a:r>
+            <a:r>
+              <a:rPr lang="ko-KR" altLang="en-US" dirty="0">
+                <a:latin typeface="Cascadia Code" pitchFamily="49" charset="0"/>
+                <a:cs typeface="Cascadia Code" pitchFamily="49" charset="0"/>
+              </a:rPr>
+              <a:t>; }</a:t>
+            </a:r>
+          </a:p>
+          <a:p>
+            <a:endParaRPr lang="ko-KR" altLang="en-US" dirty="0">
+              <a:latin typeface="Cascadia Code" pitchFamily="49" charset="0"/>
+              <a:cs typeface="Cascadia Code" pitchFamily="49" charset="0"/>
+            </a:endParaRPr>
+          </a:p>
+          <a:p>
+            <a:r>
+              <a:rPr lang="ko-KR" altLang="en-US" dirty="0">
+                <a:latin typeface="Cascadia Code" pitchFamily="49" charset="0"/>
+                <a:cs typeface="Cascadia Code" pitchFamily="49" charset="0"/>
+              </a:rPr>
+              <a:t>    </a:t>
+            </a:r>
+            <a:r>
+              <a:rPr lang="ko-KR" altLang="en-US" dirty="0" err="1">
+                <a:latin typeface="Cascadia Code" pitchFamily="49" charset="0"/>
+                <a:cs typeface="Cascadia Code" pitchFamily="49" charset="0"/>
+              </a:rPr>
+              <a:t>int</a:t>
+            </a:r>
+            <a:r>
+              <a:rPr lang="ko-KR" altLang="en-US" dirty="0">
+                <a:latin typeface="Cascadia Code" pitchFamily="49" charset="0"/>
+                <a:cs typeface="Cascadia Code" pitchFamily="49" charset="0"/>
+              </a:rPr>
+              <a:t> </a:t>
+            </a:r>
+            <a:r>
+              <a:rPr lang="ko-KR" altLang="en-US" dirty="0" err="1">
+                <a:latin typeface="Cascadia Code" pitchFamily="49" charset="0"/>
+                <a:cs typeface="Cascadia Code" pitchFamily="49" charset="0"/>
+              </a:rPr>
+              <a:t>GetCount</a:t>
+            </a:r>
+            <a:r>
+              <a:rPr lang="ko-KR" altLang="en-US" dirty="0">
+                <a:latin typeface="Cascadia Code" pitchFamily="49" charset="0"/>
+                <a:cs typeface="Cascadia Code" pitchFamily="49" charset="0"/>
+              </a:rPr>
+              <a:t>() { </a:t>
+            </a:r>
+            <a:r>
+              <a:rPr lang="ko-KR" altLang="en-US" dirty="0" err="1">
+                <a:latin typeface="Cascadia Code" pitchFamily="49" charset="0"/>
+                <a:cs typeface="Cascadia Code" pitchFamily="49" charset="0"/>
+              </a:rPr>
+              <a:t>return</a:t>
+            </a:r>
+            <a:r>
+              <a:rPr lang="ko-KR" altLang="en-US" dirty="0">
+                <a:latin typeface="Cascadia Code" pitchFamily="49" charset="0"/>
+                <a:cs typeface="Cascadia Code" pitchFamily="49" charset="0"/>
+              </a:rPr>
+              <a:t> </a:t>
+            </a:r>
+            <a:r>
+              <a:rPr lang="ko-KR" altLang="en-US" dirty="0" err="1">
+                <a:latin typeface="Cascadia Code" pitchFamily="49" charset="0"/>
+                <a:cs typeface="Cascadia Code" pitchFamily="49" charset="0"/>
+              </a:rPr>
+              <a:t>cnt</a:t>
+            </a:r>
+            <a:r>
+              <a:rPr lang="ko-KR" altLang="en-US" dirty="0">
+                <a:latin typeface="Cascadia Code" pitchFamily="49" charset="0"/>
+                <a:cs typeface="Cascadia Code" pitchFamily="49" charset="0"/>
+              </a:rPr>
+              <a:t>; }</a:t>
+            </a:r>
+          </a:p>
+          <a:p>
+            <a:r>
+              <a:rPr lang="ko-KR" altLang="en-US" dirty="0">
+                <a:latin typeface="Cascadia Code" pitchFamily="49" charset="0"/>
+                <a:cs typeface="Cascadia Code" pitchFamily="49" charset="0"/>
+              </a:rPr>
+              <a:t>};</a:t>
+            </a:r>
+          </a:p>
+          <a:p>
+            <a:endParaRPr lang="ko-KR" altLang="en-US" dirty="0">
+              <a:latin typeface="Cascadia Code" pitchFamily="49" charset="0"/>
+              <a:cs typeface="Cascadia Code" pitchFamily="49" charset="0"/>
+            </a:endParaRPr>
+          </a:p>
+          <a:p>
+            <a:r>
+              <a:rPr lang="ko-KR" altLang="en-US" dirty="0" err="1">
+                <a:latin typeface="Cascadia Code" pitchFamily="49" charset="0"/>
+                <a:cs typeface="Cascadia Code" pitchFamily="49" charset="0"/>
+              </a:rPr>
+              <a:t>int</a:t>
+            </a:r>
+            <a:r>
+              <a:rPr lang="ko-KR" altLang="en-US" dirty="0">
+                <a:latin typeface="Cascadia Code" pitchFamily="49" charset="0"/>
+                <a:cs typeface="Cascadia Code" pitchFamily="49" charset="0"/>
+              </a:rPr>
+              <a:t> </a:t>
+            </a:r>
+            <a:r>
+              <a:rPr lang="ko-KR" altLang="en-US" dirty="0" err="1">
+                <a:latin typeface="Cascadia Code" pitchFamily="49" charset="0"/>
+                <a:cs typeface="Cascadia Code" pitchFamily="49" charset="0"/>
+              </a:rPr>
+              <a:t>Car</a:t>
+            </a:r>
+            <a:r>
+              <a:rPr lang="ko-KR" altLang="en-US" dirty="0">
+                <a:latin typeface="Cascadia Code" pitchFamily="49" charset="0"/>
+                <a:cs typeface="Cascadia Code" pitchFamily="49" charset="0"/>
+              </a:rPr>
+              <a:t>::</a:t>
+            </a:r>
+            <a:r>
+              <a:rPr lang="ko-KR" altLang="en-US" dirty="0" err="1">
+                <a:latin typeface="Cascadia Code" pitchFamily="49" charset="0"/>
+                <a:cs typeface="Cascadia Code" pitchFamily="49" charset="0"/>
+              </a:rPr>
+              <a:t>cnt</a:t>
+            </a:r>
+            <a:r>
+              <a:rPr lang="ko-KR" altLang="en-US" dirty="0">
+                <a:latin typeface="Cascadia Code" pitchFamily="49" charset="0"/>
+                <a:cs typeface="Cascadia Code" pitchFamily="49" charset="0"/>
+              </a:rPr>
+              <a:t> = 0;</a:t>
+            </a:r>
+          </a:p>
+          <a:p>
+            <a:endParaRPr lang="ko-KR" altLang="en-US" dirty="0">
+              <a:latin typeface="Cascadia Code" pitchFamily="49" charset="0"/>
+              <a:cs typeface="Cascadia Code" pitchFamily="49" charset="0"/>
+            </a:endParaRPr>
+          </a:p>
+          <a:p>
+            <a:r>
+              <a:rPr lang="ko-KR" altLang="en-US" dirty="0" err="1">
+                <a:latin typeface="Cascadia Code" pitchFamily="49" charset="0"/>
+                <a:cs typeface="Cascadia Code" pitchFamily="49" charset="0"/>
+              </a:rPr>
+              <a:t>int</a:t>
+            </a:r>
+            <a:r>
+              <a:rPr lang="ko-KR" altLang="en-US" dirty="0">
+                <a:latin typeface="Cascadia Code" pitchFamily="49" charset="0"/>
+                <a:cs typeface="Cascadia Code" pitchFamily="49" charset="0"/>
+              </a:rPr>
+              <a:t> </a:t>
+            </a:r>
+            <a:r>
+              <a:rPr lang="ko-KR" altLang="en-US" dirty="0" err="1">
+                <a:latin typeface="Cascadia Code" pitchFamily="49" charset="0"/>
+                <a:cs typeface="Cascadia Code" pitchFamily="49" charset="0"/>
+              </a:rPr>
+              <a:t>main</a:t>
+            </a:r>
+            <a:r>
+              <a:rPr lang="ko-KR" altLang="en-US" dirty="0">
+                <a:latin typeface="Cascadia Code" pitchFamily="49" charset="0"/>
+                <a:cs typeface="Cascadia Code" pitchFamily="49" charset="0"/>
+              </a:rPr>
+              <a:t>()</a:t>
+            </a:r>
+          </a:p>
+          <a:p>
+            <a:r>
+              <a:rPr lang="ko-KR" altLang="en-US" dirty="0">
+                <a:latin typeface="Cascadia Code" pitchFamily="49" charset="0"/>
+                <a:cs typeface="Cascadia Code" pitchFamily="49" charset="0"/>
+              </a:rPr>
+              <a:t>{</a:t>
+            </a:r>
+          </a:p>
+          <a:p>
+            <a:r>
+              <a:rPr lang="ko-KR" altLang="en-US" dirty="0">
+                <a:solidFill>
+                  <a:srgbClr val="FF0000"/>
+                </a:solidFill>
+                <a:latin typeface="Cascadia Code" pitchFamily="49" charset="0"/>
+                <a:cs typeface="Cascadia Code" pitchFamily="49" charset="0"/>
+              </a:rPr>
+              <a:t>    </a:t>
+            </a:r>
+            <a:r>
+              <a:rPr lang="ko-KR" altLang="en-US" dirty="0" err="1">
+                <a:solidFill>
+                  <a:srgbClr val="FF0000"/>
+                </a:solidFill>
+                <a:latin typeface="Cascadia Code" pitchFamily="49" charset="0"/>
+                <a:cs typeface="Cascadia Code" pitchFamily="49" charset="0"/>
+              </a:rPr>
+              <a:t>Car</a:t>
+            </a:r>
+            <a:r>
+              <a:rPr lang="ko-KR" altLang="en-US" dirty="0">
+                <a:solidFill>
+                  <a:srgbClr val="FF0000"/>
+                </a:solidFill>
+                <a:latin typeface="Cascadia Code" pitchFamily="49" charset="0"/>
+                <a:cs typeface="Cascadia Code" pitchFamily="49" charset="0"/>
+              </a:rPr>
+              <a:t> c1 { "</a:t>
+            </a:r>
+            <a:r>
+              <a:rPr lang="ko-KR" altLang="en-US" dirty="0" err="1">
+                <a:solidFill>
+                  <a:srgbClr val="FF0000"/>
+                </a:solidFill>
+                <a:latin typeface="Cascadia Code" pitchFamily="49" charset="0"/>
+                <a:cs typeface="Cascadia Code" pitchFamily="49" charset="0"/>
+              </a:rPr>
+              <a:t>Avante</a:t>
+            </a:r>
+            <a:r>
+              <a:rPr lang="ko-KR" altLang="en-US" dirty="0">
+                <a:solidFill>
+                  <a:srgbClr val="FF0000"/>
+                </a:solidFill>
+                <a:latin typeface="Cascadia Code" pitchFamily="49" charset="0"/>
+                <a:cs typeface="Cascadia Code" pitchFamily="49" charset="0"/>
+              </a:rPr>
+              <a:t>" };</a:t>
+            </a:r>
+          </a:p>
+          <a:p>
+            <a:r>
+              <a:rPr lang="ko-KR" altLang="en-US" dirty="0">
+                <a:latin typeface="Cascadia Code" pitchFamily="49" charset="0"/>
+                <a:cs typeface="Cascadia Code" pitchFamily="49" charset="0"/>
+              </a:rPr>
+              <a:t>    </a:t>
+            </a:r>
+            <a:r>
+              <a:rPr lang="ko-KR" altLang="en-US" dirty="0" err="1">
+                <a:latin typeface="Cascadia Code" pitchFamily="49" charset="0"/>
+                <a:cs typeface="Cascadia Code" pitchFamily="49" charset="0"/>
+              </a:rPr>
+              <a:t>Car</a:t>
+            </a:r>
+            <a:r>
+              <a:rPr lang="ko-KR" altLang="en-US" dirty="0">
+                <a:latin typeface="Cascadia Code" pitchFamily="49" charset="0"/>
+                <a:cs typeface="Cascadia Code" pitchFamily="49" charset="0"/>
+              </a:rPr>
+              <a:t> c2 { "</a:t>
+            </a:r>
+            <a:r>
+              <a:rPr lang="ko-KR" altLang="en-US" dirty="0" err="1">
+                <a:latin typeface="Cascadia Code" pitchFamily="49" charset="0"/>
+                <a:cs typeface="Cascadia Code" pitchFamily="49" charset="0"/>
+              </a:rPr>
+              <a:t>Sonata</a:t>
+            </a:r>
+            <a:r>
+              <a:rPr lang="ko-KR" altLang="en-US" dirty="0">
+                <a:latin typeface="Cascadia Code" pitchFamily="49" charset="0"/>
+                <a:cs typeface="Cascadia Code" pitchFamily="49" charset="0"/>
+              </a:rPr>
+              <a:t>" };</a:t>
+            </a:r>
+          </a:p>
+          <a:p>
+            <a:r>
+              <a:rPr lang="ko-KR" altLang="en-US" dirty="0">
+                <a:latin typeface="Cascadia Code" pitchFamily="49" charset="0"/>
+                <a:cs typeface="Cascadia Code" pitchFamily="49" charset="0"/>
+              </a:rPr>
+              <a:t>}</a:t>
+            </a:r>
+          </a:p>
+        </p:txBody>
+      </p:sp>
+      <p:sp>
+        <p:nvSpPr>
+          <p:cNvPr id="6" name="직사각형 5">
+            <a:extLst>
+              <a:ext uri="{FF2B5EF4-FFF2-40B4-BE49-F238E27FC236}">
+                <a16:creationId xmlns:a16="http://schemas.microsoft.com/office/drawing/2014/main" id="{38E77CA9-38FA-C59E-8B51-196B0D5B3810}"/>
+              </a:ext>
+            </a:extLst>
+          </p:cNvPr>
+          <p:cNvSpPr/>
+          <p:nvPr/>
+        </p:nvSpPr>
+        <p:spPr>
+          <a:xfrm>
+            <a:off x="9975272" y="1005566"/>
+            <a:ext cx="1528388" cy="474508"/>
+          </a:xfrm>
+          <a:prstGeom prst="rect">
+            <a:avLst/>
+          </a:prstGeom>
+          <a:solidFill>
+            <a:srgbClr val="FFFF00"/>
+          </a:solidFill>
+          <a:ln>
+            <a:solidFill>
+              <a:schemeClr val="tx1"/>
+            </a:solidFill>
+          </a:ln>
+        </p:spPr>
+        <p:style>
+          <a:lnRef idx="2">
+            <a:schemeClr val="accent1">
+              <a:shade val="15000"/>
+            </a:schemeClr>
+          </a:lnRef>
+          <a:fillRef idx="1">
+            <a:schemeClr val="accent1"/>
+          </a:fillRef>
+          <a:effectRef idx="0">
+            <a:schemeClr val="accent1"/>
+          </a:effectRef>
+          <a:fontRef idx="minor">
+            <a:schemeClr val="lt1"/>
+          </a:fontRef>
+        </p:style>
+        <p:txBody>
+          <a:bodyPr rtlCol="0" anchor="ctr"/>
+          <a:lstStyle/>
+          <a:p>
+            <a:pPr algn="ctr"/>
+            <a:r>
+              <a:rPr kumimoji="1" lang="en-US" altLang="ko-KR" sz="1600" dirty="0">
+                <a:solidFill>
+                  <a:schemeClr val="tx1"/>
+                </a:solidFill>
+                <a:latin typeface="Cascadia Code" pitchFamily="49" charset="0"/>
+                <a:cs typeface="Cascadia Code" pitchFamily="49" charset="0"/>
+              </a:rPr>
+              <a:t>0</a:t>
+            </a:r>
+            <a:endParaRPr kumimoji="1" lang="ko-KR" altLang="en-US" sz="1600" dirty="0">
+              <a:solidFill>
+                <a:schemeClr val="tx1"/>
+              </a:solidFill>
+              <a:latin typeface="Cascadia Code" pitchFamily="49" charset="0"/>
+              <a:cs typeface="Cascadia Code" pitchFamily="49" charset="0"/>
+            </a:endParaRPr>
+          </a:p>
+        </p:txBody>
+      </p:sp>
+      <p:sp>
+        <p:nvSpPr>
+          <p:cNvPr id="8" name="TextBox 7">
+            <a:extLst>
+              <a:ext uri="{FF2B5EF4-FFF2-40B4-BE49-F238E27FC236}">
+                <a16:creationId xmlns:a16="http://schemas.microsoft.com/office/drawing/2014/main" id="{25A8750C-2747-40E8-3759-673351E3F3CA}"/>
+              </a:ext>
+            </a:extLst>
+          </p:cNvPr>
+          <p:cNvSpPr txBox="1"/>
+          <p:nvPr/>
+        </p:nvSpPr>
+        <p:spPr>
+          <a:xfrm>
+            <a:off x="10055975" y="636234"/>
+            <a:ext cx="1366981" cy="369332"/>
+          </a:xfrm>
+          <a:prstGeom prst="rect">
+            <a:avLst/>
+          </a:prstGeom>
+          <a:noFill/>
+        </p:spPr>
+        <p:txBody>
+          <a:bodyPr wrap="square">
+            <a:spAutoFit/>
+          </a:bodyPr>
+          <a:lstStyle/>
+          <a:p>
+            <a:r>
+              <a:rPr lang="ko-KR" altLang="en-US" dirty="0" err="1">
+                <a:latin typeface="Cascadia Code" pitchFamily="49" charset="0"/>
+                <a:cs typeface="Cascadia Code" pitchFamily="49" charset="0"/>
+              </a:rPr>
+              <a:t>Car</a:t>
+            </a:r>
+            <a:r>
+              <a:rPr lang="ko-KR" altLang="en-US" dirty="0">
+                <a:latin typeface="Cascadia Code" pitchFamily="49" charset="0"/>
+                <a:cs typeface="Cascadia Code" pitchFamily="49" charset="0"/>
+              </a:rPr>
+              <a:t>::</a:t>
+            </a:r>
+            <a:r>
+              <a:rPr lang="ko-KR" altLang="en-US" dirty="0" err="1">
+                <a:latin typeface="Cascadia Code" pitchFamily="49" charset="0"/>
+                <a:cs typeface="Cascadia Code" pitchFamily="49" charset="0"/>
+              </a:rPr>
+              <a:t>cnt</a:t>
+            </a:r>
+            <a:r>
+              <a:rPr lang="ko-KR" altLang="en-US" dirty="0">
+                <a:latin typeface="Cascadia Code" pitchFamily="49" charset="0"/>
+                <a:cs typeface="Cascadia Code" pitchFamily="49" charset="0"/>
+              </a:rPr>
+              <a:t> </a:t>
+            </a:r>
+            <a:endParaRPr lang="ko-KR" altLang="en-US" dirty="0"/>
+          </a:p>
+        </p:txBody>
+      </p:sp>
+      <p:sp>
+        <p:nvSpPr>
+          <p:cNvPr id="2" name="직사각형 1">
+            <a:extLst>
+              <a:ext uri="{FF2B5EF4-FFF2-40B4-BE49-F238E27FC236}">
+                <a16:creationId xmlns:a16="http://schemas.microsoft.com/office/drawing/2014/main" id="{8CAF504A-A502-8896-B9B7-948426B7AB26}"/>
+              </a:ext>
+            </a:extLst>
+          </p:cNvPr>
+          <p:cNvSpPr/>
+          <p:nvPr/>
+        </p:nvSpPr>
+        <p:spPr>
+          <a:xfrm>
+            <a:off x="6804428" y="2981284"/>
+            <a:ext cx="1120140" cy="610463"/>
+          </a:xfrm>
+          <a:prstGeom prst="rect">
+            <a:avLst/>
+          </a:prstGeom>
+          <a:solidFill>
+            <a:srgbClr val="FFFF00"/>
+          </a:solidFill>
+          <a:ln>
+            <a:solidFill>
+              <a:srgbClr val="FF0000"/>
+            </a:solidFill>
+          </a:ln>
+        </p:spPr>
+        <p:style>
+          <a:lnRef idx="2">
+            <a:schemeClr val="accent1">
+              <a:shade val="15000"/>
+            </a:schemeClr>
+          </a:lnRef>
+          <a:fillRef idx="1">
+            <a:schemeClr val="accent1"/>
+          </a:fillRef>
+          <a:effectRef idx="0">
+            <a:schemeClr val="accent1"/>
+          </a:effectRef>
+          <a:fontRef idx="minor">
+            <a:schemeClr val="lt1"/>
+          </a:fontRef>
+        </p:style>
+        <p:txBody>
+          <a:bodyPr rtlCol="0" anchor="ctr"/>
+          <a:lstStyle/>
+          <a:p>
+            <a:pPr algn="ctr"/>
+            <a:r>
+              <a:rPr kumimoji="1" lang="en-US" altLang="ko-KR" sz="1600" dirty="0" err="1">
+                <a:solidFill>
+                  <a:schemeClr val="tx1"/>
+                </a:solidFill>
+                <a:latin typeface="Cascadia Code" pitchFamily="49" charset="0"/>
+                <a:cs typeface="Cascadia Code" pitchFamily="49" charset="0"/>
+              </a:rPr>
+              <a:t>Avante</a:t>
+            </a:r>
+            <a:endParaRPr kumimoji="1" lang="ko-KR" altLang="en-US" sz="1600" dirty="0">
+              <a:solidFill>
+                <a:schemeClr val="tx1"/>
+              </a:solidFill>
+              <a:latin typeface="Cascadia Code" pitchFamily="49" charset="0"/>
+              <a:cs typeface="Cascadia Code" pitchFamily="49" charset="0"/>
+            </a:endParaRPr>
+          </a:p>
+        </p:txBody>
+      </p:sp>
+      <p:sp>
+        <p:nvSpPr>
+          <p:cNvPr id="3" name="TextBox 2">
+            <a:extLst>
+              <a:ext uri="{FF2B5EF4-FFF2-40B4-BE49-F238E27FC236}">
+                <a16:creationId xmlns:a16="http://schemas.microsoft.com/office/drawing/2014/main" id="{E34CD0FA-BBA9-783C-AAB4-0034E71B962C}"/>
+              </a:ext>
+            </a:extLst>
+          </p:cNvPr>
+          <p:cNvSpPr txBox="1"/>
+          <p:nvPr/>
+        </p:nvSpPr>
+        <p:spPr>
+          <a:xfrm>
+            <a:off x="6096000" y="3117238"/>
+            <a:ext cx="677948" cy="338554"/>
+          </a:xfrm>
+          <a:prstGeom prst="rect">
+            <a:avLst/>
+          </a:prstGeom>
+          <a:noFill/>
+        </p:spPr>
+        <p:txBody>
+          <a:bodyPr wrap="square" rtlCol="0">
+            <a:spAutoFit/>
+          </a:bodyPr>
+          <a:lstStyle/>
+          <a:p>
+            <a:pPr algn="ctr"/>
+            <a:r>
+              <a:rPr kumimoji="1" lang="en-US" altLang="ko-KR" sz="1600" dirty="0">
+                <a:latin typeface="Cascadia Code" pitchFamily="49" charset="0"/>
+                <a:ea typeface="Cascadia Code" pitchFamily="49" charset="0"/>
+                <a:cs typeface="Cascadia Code" pitchFamily="49" charset="0"/>
+              </a:rPr>
+              <a:t>name</a:t>
+            </a:r>
+            <a:endParaRPr kumimoji="1" lang="ko-KR" altLang="en-US" sz="1600" dirty="0">
+              <a:latin typeface="Cascadia Code" pitchFamily="49" charset="0"/>
+              <a:ea typeface="Cascadia Code" pitchFamily="49" charset="0"/>
+              <a:cs typeface="Cascadia Code" pitchFamily="49" charset="0"/>
+            </a:endParaRPr>
+          </a:p>
+        </p:txBody>
+      </p:sp>
+      <p:sp>
+        <p:nvSpPr>
+          <p:cNvPr id="4" name="TextBox 3">
+            <a:extLst>
+              <a:ext uri="{FF2B5EF4-FFF2-40B4-BE49-F238E27FC236}">
+                <a16:creationId xmlns:a16="http://schemas.microsoft.com/office/drawing/2014/main" id="{7F942CFB-C6A5-2D06-F138-E0DE387C4302}"/>
+              </a:ext>
+            </a:extLst>
+          </p:cNvPr>
+          <p:cNvSpPr txBox="1"/>
+          <p:nvPr/>
+        </p:nvSpPr>
+        <p:spPr>
+          <a:xfrm>
+            <a:off x="6911339" y="2586182"/>
+            <a:ext cx="906317" cy="369332"/>
+          </a:xfrm>
+          <a:prstGeom prst="rect">
+            <a:avLst/>
+          </a:prstGeom>
+          <a:noFill/>
+        </p:spPr>
+        <p:txBody>
+          <a:bodyPr wrap="square">
+            <a:spAutoFit/>
+          </a:bodyPr>
+          <a:lstStyle/>
+          <a:p>
+            <a:pPr algn="ctr"/>
+            <a:r>
+              <a:rPr lang="en-US" altLang="ko-KR" dirty="0">
+                <a:latin typeface="Cascadia Code" pitchFamily="49" charset="0"/>
+                <a:cs typeface="Cascadia Code" pitchFamily="49" charset="0"/>
+              </a:rPr>
+              <a:t>c1</a:t>
+            </a:r>
+            <a:endParaRPr lang="ko-KR" altLang="en-US" dirty="0"/>
+          </a:p>
+        </p:txBody>
+      </p:sp>
+    </p:spTree>
+    <p:extLst>
+      <p:ext uri="{BB962C8B-B14F-4D97-AF65-F5344CB8AC3E}">
+        <p14:creationId xmlns:p14="http://schemas.microsoft.com/office/powerpoint/2010/main" val="1130719844"/>
+      </p:ext>
+    </p:extLst>
+  </p:cSld>
+  <p:clrMapOvr>
+    <a:masterClrMapping/>
+  </p:clrMapOvr>
+</p:sld>
+</file>
+
+<file path=ppt/slides/slide41.xml><?xml version="1.0" encoding="utf-8"?>
+<p:sld xmlns:a="http://schemas.openxmlformats.org/drawingml/2006/main" xmlns:r="http://schemas.openxmlformats.org/officeDocument/2006/relationships" xmlns:p="http://schemas.openxmlformats.org/presentationml/2006/main">
+  <p:cSld>
+    <p:spTree>
+      <p:nvGrpSpPr>
+        <p:cNvPr id="1" name=""/>
+        <p:cNvGrpSpPr/>
+        <p:nvPr/>
+      </p:nvGrpSpPr>
+      <p:grpSpPr>
+        <a:xfrm>
+          <a:off x="0" y="0"/>
+          <a:ext cx="0" cy="0"/>
+          <a:chOff x="0" y="0"/>
+          <a:chExt cx="0" cy="0"/>
+        </a:xfrm>
+      </p:grpSpPr>
+      <p:sp>
+        <p:nvSpPr>
+          <p:cNvPr id="5" name="TextBox 4">
+            <a:extLst>
+              <a:ext uri="{FF2B5EF4-FFF2-40B4-BE49-F238E27FC236}">
+                <a16:creationId xmlns:a16="http://schemas.microsoft.com/office/drawing/2014/main" id="{43A7BE38-B211-3DA0-8873-B5FAF5A384D9}"/>
+              </a:ext>
+            </a:extLst>
+          </p:cNvPr>
+          <p:cNvSpPr txBox="1"/>
+          <p:nvPr/>
+        </p:nvSpPr>
+        <p:spPr>
+          <a:xfrm>
+            <a:off x="240146" y="197346"/>
+            <a:ext cx="5006109" cy="6463308"/>
+          </a:xfrm>
+          <a:prstGeom prst="rect">
+            <a:avLst/>
+          </a:prstGeom>
+          <a:noFill/>
+        </p:spPr>
+        <p:txBody>
+          <a:bodyPr wrap="square">
+            <a:spAutoFit/>
+          </a:bodyPr>
+          <a:lstStyle/>
+          <a:p>
+            <a:r>
+              <a:rPr lang="ko-KR" altLang="en-US" dirty="0" err="1">
+                <a:latin typeface="Cascadia Code" pitchFamily="49" charset="0"/>
+                <a:cs typeface="Cascadia Code" pitchFamily="49" charset="0"/>
+              </a:rPr>
+              <a:t>class</a:t>
+            </a:r>
+            <a:r>
+              <a:rPr lang="ko-KR" altLang="en-US" dirty="0">
+                <a:latin typeface="Cascadia Code" pitchFamily="49" charset="0"/>
+                <a:cs typeface="Cascadia Code" pitchFamily="49" charset="0"/>
+              </a:rPr>
+              <a:t> </a:t>
+            </a:r>
+            <a:r>
+              <a:rPr lang="ko-KR" altLang="en-US" dirty="0" err="1">
+                <a:latin typeface="Cascadia Code" pitchFamily="49" charset="0"/>
+                <a:cs typeface="Cascadia Code" pitchFamily="49" charset="0"/>
+              </a:rPr>
+              <a:t>Car</a:t>
+            </a:r>
+            <a:r>
+              <a:rPr lang="ko-KR" altLang="en-US" dirty="0">
+                <a:latin typeface="Cascadia Code" pitchFamily="49" charset="0"/>
+                <a:cs typeface="Cascadia Code" pitchFamily="49" charset="0"/>
+              </a:rPr>
+              <a:t> {</a:t>
+            </a:r>
+          </a:p>
+          <a:p>
+            <a:r>
+              <a:rPr lang="ko-KR" altLang="en-US" dirty="0">
+                <a:latin typeface="Cascadia Code" pitchFamily="49" charset="0"/>
+                <a:cs typeface="Cascadia Code" pitchFamily="49" charset="0"/>
+              </a:rPr>
+              <a:t>    </a:t>
+            </a:r>
+            <a:r>
+              <a:rPr lang="ko-KR" altLang="en-US" dirty="0" err="1">
+                <a:latin typeface="Cascadia Code" pitchFamily="49" charset="0"/>
+                <a:cs typeface="Cascadia Code" pitchFamily="49" charset="0"/>
+              </a:rPr>
+              <a:t>static</a:t>
+            </a:r>
+            <a:r>
+              <a:rPr lang="ko-KR" altLang="en-US" dirty="0">
+                <a:latin typeface="Cascadia Code" pitchFamily="49" charset="0"/>
+                <a:cs typeface="Cascadia Code" pitchFamily="49" charset="0"/>
+              </a:rPr>
+              <a:t> </a:t>
+            </a:r>
+            <a:r>
+              <a:rPr lang="ko-KR" altLang="en-US" dirty="0" err="1">
+                <a:latin typeface="Cascadia Code" pitchFamily="49" charset="0"/>
+                <a:cs typeface="Cascadia Code" pitchFamily="49" charset="0"/>
+              </a:rPr>
+              <a:t>int</a:t>
+            </a:r>
+            <a:r>
+              <a:rPr lang="ko-KR" altLang="en-US" dirty="0">
+                <a:latin typeface="Cascadia Code" pitchFamily="49" charset="0"/>
+                <a:cs typeface="Cascadia Code" pitchFamily="49" charset="0"/>
+              </a:rPr>
+              <a:t> </a:t>
+            </a:r>
+            <a:r>
+              <a:rPr lang="ko-KR" altLang="en-US" dirty="0" err="1">
+                <a:latin typeface="Cascadia Code" pitchFamily="49" charset="0"/>
+                <a:cs typeface="Cascadia Code" pitchFamily="49" charset="0"/>
+              </a:rPr>
+              <a:t>cnt</a:t>
+            </a:r>
+            <a:r>
+              <a:rPr lang="ko-KR" altLang="en-US" dirty="0">
+                <a:latin typeface="Cascadia Code" pitchFamily="49" charset="0"/>
+                <a:cs typeface="Cascadia Code" pitchFamily="49" charset="0"/>
+              </a:rPr>
+              <a:t>;</a:t>
+            </a:r>
+          </a:p>
+          <a:p>
+            <a:endParaRPr lang="ko-KR" altLang="en-US" dirty="0">
+              <a:latin typeface="Cascadia Code" pitchFamily="49" charset="0"/>
+              <a:cs typeface="Cascadia Code" pitchFamily="49" charset="0"/>
+            </a:endParaRPr>
+          </a:p>
+          <a:p>
+            <a:r>
+              <a:rPr lang="ko-KR" altLang="en-US" dirty="0">
+                <a:latin typeface="Cascadia Code" pitchFamily="49" charset="0"/>
+                <a:cs typeface="Cascadia Code" pitchFamily="49" charset="0"/>
+              </a:rPr>
+              <a:t>    </a:t>
+            </a:r>
+            <a:r>
+              <a:rPr lang="ko-KR" altLang="en-US" dirty="0" err="1">
+                <a:latin typeface="Cascadia Code" pitchFamily="49" charset="0"/>
+                <a:cs typeface="Cascadia Code" pitchFamily="49" charset="0"/>
+              </a:rPr>
+              <a:t>std</a:t>
+            </a:r>
+            <a:r>
+              <a:rPr lang="ko-KR" altLang="en-US" dirty="0">
+                <a:latin typeface="Cascadia Code" pitchFamily="49" charset="0"/>
+                <a:cs typeface="Cascadia Code" pitchFamily="49" charset="0"/>
+              </a:rPr>
+              <a:t>::</a:t>
+            </a:r>
+            <a:r>
+              <a:rPr lang="ko-KR" altLang="en-US" dirty="0" err="1">
+                <a:latin typeface="Cascadia Code" pitchFamily="49" charset="0"/>
+                <a:cs typeface="Cascadia Code" pitchFamily="49" charset="0"/>
+              </a:rPr>
+              <a:t>string</a:t>
+            </a:r>
+            <a:r>
+              <a:rPr lang="ko-KR" altLang="en-US" dirty="0">
+                <a:latin typeface="Cascadia Code" pitchFamily="49" charset="0"/>
+                <a:cs typeface="Cascadia Code" pitchFamily="49" charset="0"/>
+              </a:rPr>
+              <a:t> </a:t>
+            </a:r>
+            <a:r>
+              <a:rPr lang="ko-KR" altLang="en-US" dirty="0" err="1">
+                <a:latin typeface="Cascadia Code" pitchFamily="49" charset="0"/>
+                <a:cs typeface="Cascadia Code" pitchFamily="49" charset="0"/>
+              </a:rPr>
+              <a:t>name</a:t>
+            </a:r>
+            <a:r>
+              <a:rPr lang="ko-KR" altLang="en-US" dirty="0">
+                <a:latin typeface="Cascadia Code" pitchFamily="49" charset="0"/>
+                <a:cs typeface="Cascadia Code" pitchFamily="49" charset="0"/>
+              </a:rPr>
+              <a:t>;</a:t>
+            </a:r>
+          </a:p>
+          <a:p>
+            <a:endParaRPr lang="ko-KR" altLang="en-US" dirty="0">
+              <a:latin typeface="Cascadia Code" pitchFamily="49" charset="0"/>
+              <a:cs typeface="Cascadia Code" pitchFamily="49" charset="0"/>
+            </a:endParaRPr>
+          </a:p>
+          <a:p>
+            <a:r>
+              <a:rPr lang="ko-KR" altLang="en-US" dirty="0" err="1">
+                <a:latin typeface="Cascadia Code" pitchFamily="49" charset="0"/>
+                <a:cs typeface="Cascadia Code" pitchFamily="49" charset="0"/>
+              </a:rPr>
+              <a:t>public</a:t>
+            </a:r>
+            <a:r>
+              <a:rPr lang="ko-KR" altLang="en-US" dirty="0">
+                <a:latin typeface="Cascadia Code" pitchFamily="49" charset="0"/>
+                <a:cs typeface="Cascadia Code" pitchFamily="49" charset="0"/>
+              </a:rPr>
+              <a:t>:</a:t>
+            </a:r>
+          </a:p>
+          <a:p>
+            <a:r>
+              <a:rPr lang="ko-KR" altLang="en-US" dirty="0">
+                <a:latin typeface="Cascadia Code" pitchFamily="49" charset="0"/>
+                <a:cs typeface="Cascadia Code" pitchFamily="49" charset="0"/>
+              </a:rPr>
+              <a:t>    </a:t>
+            </a:r>
+            <a:r>
+              <a:rPr lang="ko-KR" altLang="en-US" dirty="0" err="1">
+                <a:latin typeface="Cascadia Code" pitchFamily="49" charset="0"/>
+                <a:cs typeface="Cascadia Code" pitchFamily="49" charset="0"/>
+              </a:rPr>
+              <a:t>Car</a:t>
+            </a:r>
+            <a:r>
+              <a:rPr lang="ko-KR" altLang="en-US" dirty="0">
+                <a:latin typeface="Cascadia Code" pitchFamily="49" charset="0"/>
+                <a:cs typeface="Cascadia Code" pitchFamily="49" charset="0"/>
+              </a:rPr>
+              <a:t>(</a:t>
+            </a:r>
+            <a:r>
+              <a:rPr lang="ko-KR" altLang="en-US" dirty="0" err="1">
+                <a:latin typeface="Cascadia Code" pitchFamily="49" charset="0"/>
+                <a:cs typeface="Cascadia Code" pitchFamily="49" charset="0"/>
+              </a:rPr>
+              <a:t>const</a:t>
+            </a:r>
+            <a:r>
+              <a:rPr lang="ko-KR" altLang="en-US" dirty="0">
+                <a:latin typeface="Cascadia Code" pitchFamily="49" charset="0"/>
+                <a:cs typeface="Cascadia Code" pitchFamily="49" charset="0"/>
+              </a:rPr>
+              <a:t> </a:t>
+            </a:r>
+            <a:r>
+              <a:rPr lang="ko-KR" altLang="en-US" dirty="0" err="1">
+                <a:latin typeface="Cascadia Code" pitchFamily="49" charset="0"/>
+                <a:cs typeface="Cascadia Code" pitchFamily="49" charset="0"/>
+              </a:rPr>
+              <a:t>std</a:t>
+            </a:r>
+            <a:r>
+              <a:rPr lang="ko-KR" altLang="en-US" dirty="0">
+                <a:latin typeface="Cascadia Code" pitchFamily="49" charset="0"/>
+                <a:cs typeface="Cascadia Code" pitchFamily="49" charset="0"/>
+              </a:rPr>
+              <a:t>::</a:t>
+            </a:r>
+            <a:r>
+              <a:rPr lang="ko-KR" altLang="en-US" dirty="0" err="1">
+                <a:latin typeface="Cascadia Code" pitchFamily="49" charset="0"/>
+                <a:cs typeface="Cascadia Code" pitchFamily="49" charset="0"/>
+              </a:rPr>
+              <a:t>string</a:t>
+            </a:r>
+            <a:r>
+              <a:rPr lang="ko-KR" altLang="en-US" dirty="0">
+                <a:latin typeface="Cascadia Code" pitchFamily="49" charset="0"/>
+                <a:cs typeface="Cascadia Code" pitchFamily="49" charset="0"/>
+              </a:rPr>
+              <a:t>&amp; </a:t>
+            </a:r>
+            <a:r>
+              <a:rPr lang="ko-KR" altLang="en-US" dirty="0" err="1">
+                <a:latin typeface="Cascadia Code" pitchFamily="49" charset="0"/>
+                <a:cs typeface="Cascadia Code" pitchFamily="49" charset="0"/>
+              </a:rPr>
+              <a:t>s</a:t>
+            </a:r>
+            <a:r>
+              <a:rPr lang="ko-KR" altLang="en-US" dirty="0">
+                <a:latin typeface="Cascadia Code" pitchFamily="49" charset="0"/>
+                <a:cs typeface="Cascadia Code" pitchFamily="49" charset="0"/>
+              </a:rPr>
+              <a:t>)</a:t>
+            </a:r>
+          </a:p>
+          <a:p>
+            <a:r>
+              <a:rPr lang="ko-KR" altLang="en-US" dirty="0">
+                <a:latin typeface="Cascadia Code" pitchFamily="49" charset="0"/>
+                <a:cs typeface="Cascadia Code" pitchFamily="49" charset="0"/>
+              </a:rPr>
+              <a:t>        : </a:t>
+            </a:r>
+            <a:r>
+              <a:rPr lang="ko-KR" altLang="en-US" dirty="0" err="1">
+                <a:latin typeface="Cascadia Code" pitchFamily="49" charset="0"/>
+                <a:cs typeface="Cascadia Code" pitchFamily="49" charset="0"/>
+              </a:rPr>
+              <a:t>name</a:t>
+            </a:r>
+            <a:r>
+              <a:rPr lang="ko-KR" altLang="en-US" dirty="0">
+                <a:latin typeface="Cascadia Code" pitchFamily="49" charset="0"/>
+                <a:cs typeface="Cascadia Code" pitchFamily="49" charset="0"/>
+              </a:rPr>
+              <a:t> { </a:t>
+            </a:r>
+            <a:r>
+              <a:rPr lang="ko-KR" altLang="en-US" dirty="0" err="1">
+                <a:latin typeface="Cascadia Code" pitchFamily="49" charset="0"/>
+                <a:cs typeface="Cascadia Code" pitchFamily="49" charset="0"/>
+              </a:rPr>
+              <a:t>s</a:t>
+            </a:r>
+            <a:r>
+              <a:rPr lang="ko-KR" altLang="en-US" dirty="0">
+                <a:latin typeface="Cascadia Code" pitchFamily="49" charset="0"/>
+                <a:cs typeface="Cascadia Code" pitchFamily="49" charset="0"/>
+              </a:rPr>
+              <a:t> }</a:t>
+            </a:r>
+          </a:p>
+          <a:p>
+            <a:r>
+              <a:rPr lang="ko-KR" altLang="en-US" dirty="0">
+                <a:latin typeface="Cascadia Code" pitchFamily="49" charset="0"/>
+                <a:cs typeface="Cascadia Code" pitchFamily="49" charset="0"/>
+              </a:rPr>
+              <a:t>    {</a:t>
+            </a:r>
+          </a:p>
+          <a:p>
+            <a:r>
+              <a:rPr lang="ko-KR" altLang="en-US" dirty="0">
+                <a:latin typeface="Cascadia Code" pitchFamily="49" charset="0"/>
+                <a:cs typeface="Cascadia Code" pitchFamily="49" charset="0"/>
+              </a:rPr>
+              <a:t>        ++</a:t>
+            </a:r>
+            <a:r>
+              <a:rPr lang="ko-KR" altLang="en-US" dirty="0" err="1">
+                <a:latin typeface="Cascadia Code" pitchFamily="49" charset="0"/>
+                <a:cs typeface="Cascadia Code" pitchFamily="49" charset="0"/>
+              </a:rPr>
+              <a:t>cnt</a:t>
+            </a:r>
+            <a:r>
+              <a:rPr lang="ko-KR" altLang="en-US" dirty="0">
+                <a:latin typeface="Cascadia Code" pitchFamily="49" charset="0"/>
+                <a:cs typeface="Cascadia Code" pitchFamily="49" charset="0"/>
+              </a:rPr>
+              <a:t>;</a:t>
+            </a:r>
+          </a:p>
+          <a:p>
+            <a:r>
+              <a:rPr lang="ko-KR" altLang="en-US" dirty="0">
+                <a:latin typeface="Cascadia Code" pitchFamily="49" charset="0"/>
+                <a:cs typeface="Cascadia Code" pitchFamily="49" charset="0"/>
+              </a:rPr>
+              <a:t>    }</a:t>
+            </a:r>
+          </a:p>
+          <a:p>
+            <a:r>
+              <a:rPr lang="ko-KR" altLang="en-US" dirty="0">
+                <a:latin typeface="Cascadia Code" pitchFamily="49" charset="0"/>
+                <a:cs typeface="Cascadia Code" pitchFamily="49" charset="0"/>
+              </a:rPr>
+              <a:t>    ~</a:t>
+            </a:r>
+            <a:r>
+              <a:rPr lang="ko-KR" altLang="en-US" dirty="0" err="1">
+                <a:latin typeface="Cascadia Code" pitchFamily="49" charset="0"/>
+                <a:cs typeface="Cascadia Code" pitchFamily="49" charset="0"/>
+              </a:rPr>
+              <a:t>Car</a:t>
+            </a:r>
+            <a:r>
+              <a:rPr lang="ko-KR" altLang="en-US" dirty="0">
+                <a:latin typeface="Cascadia Code" pitchFamily="49" charset="0"/>
+                <a:cs typeface="Cascadia Code" pitchFamily="49" charset="0"/>
+              </a:rPr>
+              <a:t>() { --</a:t>
+            </a:r>
+            <a:r>
+              <a:rPr lang="ko-KR" altLang="en-US" dirty="0" err="1">
+                <a:latin typeface="Cascadia Code" pitchFamily="49" charset="0"/>
+                <a:cs typeface="Cascadia Code" pitchFamily="49" charset="0"/>
+              </a:rPr>
+              <a:t>cnt</a:t>
+            </a:r>
+            <a:r>
+              <a:rPr lang="ko-KR" altLang="en-US" dirty="0">
+                <a:latin typeface="Cascadia Code" pitchFamily="49" charset="0"/>
+                <a:cs typeface="Cascadia Code" pitchFamily="49" charset="0"/>
+              </a:rPr>
+              <a:t>; }</a:t>
+            </a:r>
+          </a:p>
+          <a:p>
+            <a:endParaRPr lang="ko-KR" altLang="en-US" dirty="0">
+              <a:latin typeface="Cascadia Code" pitchFamily="49" charset="0"/>
+              <a:cs typeface="Cascadia Code" pitchFamily="49" charset="0"/>
+            </a:endParaRPr>
+          </a:p>
+          <a:p>
+            <a:r>
+              <a:rPr lang="ko-KR" altLang="en-US" dirty="0">
+                <a:latin typeface="Cascadia Code" pitchFamily="49" charset="0"/>
+                <a:cs typeface="Cascadia Code" pitchFamily="49" charset="0"/>
+              </a:rPr>
+              <a:t>    </a:t>
+            </a:r>
+            <a:r>
+              <a:rPr lang="ko-KR" altLang="en-US" dirty="0" err="1">
+                <a:latin typeface="Cascadia Code" pitchFamily="49" charset="0"/>
+                <a:cs typeface="Cascadia Code" pitchFamily="49" charset="0"/>
+              </a:rPr>
+              <a:t>int</a:t>
+            </a:r>
+            <a:r>
+              <a:rPr lang="ko-KR" altLang="en-US" dirty="0">
+                <a:latin typeface="Cascadia Code" pitchFamily="49" charset="0"/>
+                <a:cs typeface="Cascadia Code" pitchFamily="49" charset="0"/>
+              </a:rPr>
+              <a:t> </a:t>
+            </a:r>
+            <a:r>
+              <a:rPr lang="ko-KR" altLang="en-US" dirty="0" err="1">
+                <a:latin typeface="Cascadia Code" pitchFamily="49" charset="0"/>
+                <a:cs typeface="Cascadia Code" pitchFamily="49" charset="0"/>
+              </a:rPr>
+              <a:t>GetCount</a:t>
+            </a:r>
+            <a:r>
+              <a:rPr lang="ko-KR" altLang="en-US" dirty="0">
+                <a:latin typeface="Cascadia Code" pitchFamily="49" charset="0"/>
+                <a:cs typeface="Cascadia Code" pitchFamily="49" charset="0"/>
+              </a:rPr>
+              <a:t>() { </a:t>
+            </a:r>
+            <a:r>
+              <a:rPr lang="ko-KR" altLang="en-US" dirty="0" err="1">
+                <a:latin typeface="Cascadia Code" pitchFamily="49" charset="0"/>
+                <a:cs typeface="Cascadia Code" pitchFamily="49" charset="0"/>
+              </a:rPr>
+              <a:t>return</a:t>
+            </a:r>
+            <a:r>
+              <a:rPr lang="ko-KR" altLang="en-US" dirty="0">
+                <a:latin typeface="Cascadia Code" pitchFamily="49" charset="0"/>
+                <a:cs typeface="Cascadia Code" pitchFamily="49" charset="0"/>
+              </a:rPr>
+              <a:t> </a:t>
+            </a:r>
+            <a:r>
+              <a:rPr lang="ko-KR" altLang="en-US" dirty="0" err="1">
+                <a:latin typeface="Cascadia Code" pitchFamily="49" charset="0"/>
+                <a:cs typeface="Cascadia Code" pitchFamily="49" charset="0"/>
+              </a:rPr>
+              <a:t>cnt</a:t>
+            </a:r>
+            <a:r>
+              <a:rPr lang="ko-KR" altLang="en-US" dirty="0">
+                <a:latin typeface="Cascadia Code" pitchFamily="49" charset="0"/>
+                <a:cs typeface="Cascadia Code" pitchFamily="49" charset="0"/>
+              </a:rPr>
+              <a:t>; }</a:t>
+            </a:r>
+          </a:p>
+          <a:p>
+            <a:r>
+              <a:rPr lang="ko-KR" altLang="en-US" dirty="0">
+                <a:latin typeface="Cascadia Code" pitchFamily="49" charset="0"/>
+                <a:cs typeface="Cascadia Code" pitchFamily="49" charset="0"/>
+              </a:rPr>
+              <a:t>};</a:t>
+            </a:r>
+          </a:p>
+          <a:p>
+            <a:endParaRPr lang="ko-KR" altLang="en-US" dirty="0">
+              <a:latin typeface="Cascadia Code" pitchFamily="49" charset="0"/>
+              <a:cs typeface="Cascadia Code" pitchFamily="49" charset="0"/>
+            </a:endParaRPr>
+          </a:p>
+          <a:p>
+            <a:r>
+              <a:rPr lang="ko-KR" altLang="en-US" dirty="0" err="1">
+                <a:latin typeface="Cascadia Code" pitchFamily="49" charset="0"/>
+                <a:cs typeface="Cascadia Code" pitchFamily="49" charset="0"/>
+              </a:rPr>
+              <a:t>int</a:t>
+            </a:r>
+            <a:r>
+              <a:rPr lang="ko-KR" altLang="en-US" dirty="0">
+                <a:latin typeface="Cascadia Code" pitchFamily="49" charset="0"/>
+                <a:cs typeface="Cascadia Code" pitchFamily="49" charset="0"/>
+              </a:rPr>
+              <a:t> </a:t>
+            </a:r>
+            <a:r>
+              <a:rPr lang="ko-KR" altLang="en-US" dirty="0" err="1">
+                <a:latin typeface="Cascadia Code" pitchFamily="49" charset="0"/>
+                <a:cs typeface="Cascadia Code" pitchFamily="49" charset="0"/>
+              </a:rPr>
+              <a:t>Car</a:t>
+            </a:r>
+            <a:r>
+              <a:rPr lang="ko-KR" altLang="en-US" dirty="0">
+                <a:latin typeface="Cascadia Code" pitchFamily="49" charset="0"/>
+                <a:cs typeface="Cascadia Code" pitchFamily="49" charset="0"/>
+              </a:rPr>
+              <a:t>::</a:t>
+            </a:r>
+            <a:r>
+              <a:rPr lang="ko-KR" altLang="en-US" dirty="0" err="1">
+                <a:latin typeface="Cascadia Code" pitchFamily="49" charset="0"/>
+                <a:cs typeface="Cascadia Code" pitchFamily="49" charset="0"/>
+              </a:rPr>
+              <a:t>cnt</a:t>
+            </a:r>
+            <a:r>
+              <a:rPr lang="ko-KR" altLang="en-US" dirty="0">
+                <a:latin typeface="Cascadia Code" pitchFamily="49" charset="0"/>
+                <a:cs typeface="Cascadia Code" pitchFamily="49" charset="0"/>
+              </a:rPr>
+              <a:t> = 0;</a:t>
+            </a:r>
+          </a:p>
+          <a:p>
+            <a:endParaRPr lang="ko-KR" altLang="en-US" dirty="0">
+              <a:latin typeface="Cascadia Code" pitchFamily="49" charset="0"/>
+              <a:cs typeface="Cascadia Code" pitchFamily="49" charset="0"/>
+            </a:endParaRPr>
+          </a:p>
+          <a:p>
+            <a:r>
+              <a:rPr lang="ko-KR" altLang="en-US" dirty="0" err="1">
+                <a:latin typeface="Cascadia Code" pitchFamily="49" charset="0"/>
+                <a:cs typeface="Cascadia Code" pitchFamily="49" charset="0"/>
+              </a:rPr>
+              <a:t>int</a:t>
+            </a:r>
+            <a:r>
+              <a:rPr lang="ko-KR" altLang="en-US" dirty="0">
+                <a:latin typeface="Cascadia Code" pitchFamily="49" charset="0"/>
+                <a:cs typeface="Cascadia Code" pitchFamily="49" charset="0"/>
+              </a:rPr>
+              <a:t> </a:t>
+            </a:r>
+            <a:r>
+              <a:rPr lang="ko-KR" altLang="en-US" dirty="0" err="1">
+                <a:latin typeface="Cascadia Code" pitchFamily="49" charset="0"/>
+                <a:cs typeface="Cascadia Code" pitchFamily="49" charset="0"/>
+              </a:rPr>
+              <a:t>main</a:t>
+            </a:r>
+            <a:r>
+              <a:rPr lang="ko-KR" altLang="en-US" dirty="0">
+                <a:latin typeface="Cascadia Code" pitchFamily="49" charset="0"/>
+                <a:cs typeface="Cascadia Code" pitchFamily="49" charset="0"/>
+              </a:rPr>
+              <a:t>()</a:t>
+            </a:r>
+          </a:p>
+          <a:p>
+            <a:r>
+              <a:rPr lang="ko-KR" altLang="en-US" dirty="0">
+                <a:latin typeface="Cascadia Code" pitchFamily="49" charset="0"/>
+                <a:cs typeface="Cascadia Code" pitchFamily="49" charset="0"/>
+              </a:rPr>
+              <a:t>{</a:t>
+            </a:r>
+          </a:p>
+          <a:p>
+            <a:r>
+              <a:rPr lang="ko-KR" altLang="en-US" dirty="0">
+                <a:solidFill>
+                  <a:srgbClr val="FF0000"/>
+                </a:solidFill>
+                <a:latin typeface="Cascadia Code" pitchFamily="49" charset="0"/>
+                <a:cs typeface="Cascadia Code" pitchFamily="49" charset="0"/>
+              </a:rPr>
+              <a:t>    </a:t>
+            </a:r>
+            <a:r>
+              <a:rPr lang="ko-KR" altLang="en-US" dirty="0" err="1">
+                <a:solidFill>
+                  <a:srgbClr val="FF0000"/>
+                </a:solidFill>
+                <a:latin typeface="Cascadia Code" pitchFamily="49" charset="0"/>
+                <a:cs typeface="Cascadia Code" pitchFamily="49" charset="0"/>
+              </a:rPr>
+              <a:t>Car</a:t>
+            </a:r>
+            <a:r>
+              <a:rPr lang="ko-KR" altLang="en-US" dirty="0">
+                <a:solidFill>
+                  <a:srgbClr val="FF0000"/>
+                </a:solidFill>
+                <a:latin typeface="Cascadia Code" pitchFamily="49" charset="0"/>
+                <a:cs typeface="Cascadia Code" pitchFamily="49" charset="0"/>
+              </a:rPr>
+              <a:t> c1 { "</a:t>
+            </a:r>
+            <a:r>
+              <a:rPr lang="ko-KR" altLang="en-US" dirty="0" err="1">
+                <a:solidFill>
+                  <a:srgbClr val="FF0000"/>
+                </a:solidFill>
+                <a:latin typeface="Cascadia Code" pitchFamily="49" charset="0"/>
+                <a:cs typeface="Cascadia Code" pitchFamily="49" charset="0"/>
+              </a:rPr>
+              <a:t>Avante</a:t>
+            </a:r>
+            <a:r>
+              <a:rPr lang="ko-KR" altLang="en-US" dirty="0">
+                <a:solidFill>
+                  <a:srgbClr val="FF0000"/>
+                </a:solidFill>
+                <a:latin typeface="Cascadia Code" pitchFamily="49" charset="0"/>
+                <a:cs typeface="Cascadia Code" pitchFamily="49" charset="0"/>
+              </a:rPr>
+              <a:t>" };</a:t>
+            </a:r>
+          </a:p>
+          <a:p>
+            <a:r>
+              <a:rPr lang="ko-KR" altLang="en-US" dirty="0">
+                <a:solidFill>
+                  <a:srgbClr val="FF0000"/>
+                </a:solidFill>
+                <a:latin typeface="Cascadia Code" pitchFamily="49" charset="0"/>
+                <a:cs typeface="Cascadia Code" pitchFamily="49" charset="0"/>
+              </a:rPr>
+              <a:t>    </a:t>
+            </a:r>
+            <a:r>
+              <a:rPr lang="ko-KR" altLang="en-US" dirty="0" err="1">
+                <a:solidFill>
+                  <a:srgbClr val="FF0000"/>
+                </a:solidFill>
+                <a:latin typeface="Cascadia Code" pitchFamily="49" charset="0"/>
+                <a:cs typeface="Cascadia Code" pitchFamily="49" charset="0"/>
+              </a:rPr>
+              <a:t>Car</a:t>
+            </a:r>
+            <a:r>
+              <a:rPr lang="ko-KR" altLang="en-US" dirty="0">
+                <a:solidFill>
+                  <a:srgbClr val="FF0000"/>
+                </a:solidFill>
+                <a:latin typeface="Cascadia Code" pitchFamily="49" charset="0"/>
+                <a:cs typeface="Cascadia Code" pitchFamily="49" charset="0"/>
+              </a:rPr>
+              <a:t> c2 { "</a:t>
+            </a:r>
+            <a:r>
+              <a:rPr lang="ko-KR" altLang="en-US" dirty="0" err="1">
+                <a:solidFill>
+                  <a:srgbClr val="FF0000"/>
+                </a:solidFill>
+                <a:latin typeface="Cascadia Code" pitchFamily="49" charset="0"/>
+                <a:cs typeface="Cascadia Code" pitchFamily="49" charset="0"/>
+              </a:rPr>
+              <a:t>Sonata</a:t>
+            </a:r>
+            <a:r>
+              <a:rPr lang="ko-KR" altLang="en-US" dirty="0">
+                <a:solidFill>
+                  <a:srgbClr val="FF0000"/>
+                </a:solidFill>
+                <a:latin typeface="Cascadia Code" pitchFamily="49" charset="0"/>
+                <a:cs typeface="Cascadia Code" pitchFamily="49" charset="0"/>
+              </a:rPr>
+              <a:t>" };</a:t>
+            </a:r>
+          </a:p>
+          <a:p>
+            <a:r>
+              <a:rPr lang="ko-KR" altLang="en-US" dirty="0">
+                <a:latin typeface="Cascadia Code" pitchFamily="49" charset="0"/>
+                <a:cs typeface="Cascadia Code" pitchFamily="49" charset="0"/>
+              </a:rPr>
+              <a:t>}</a:t>
+            </a:r>
+          </a:p>
+        </p:txBody>
+      </p:sp>
+      <p:sp>
+        <p:nvSpPr>
+          <p:cNvPr id="6" name="직사각형 5">
+            <a:extLst>
+              <a:ext uri="{FF2B5EF4-FFF2-40B4-BE49-F238E27FC236}">
+                <a16:creationId xmlns:a16="http://schemas.microsoft.com/office/drawing/2014/main" id="{38E77CA9-38FA-C59E-8B51-196B0D5B3810}"/>
+              </a:ext>
+            </a:extLst>
+          </p:cNvPr>
+          <p:cNvSpPr/>
+          <p:nvPr/>
+        </p:nvSpPr>
+        <p:spPr>
+          <a:xfrm>
+            <a:off x="9975272" y="1005566"/>
+            <a:ext cx="1528388" cy="474508"/>
+          </a:xfrm>
+          <a:prstGeom prst="rect">
+            <a:avLst/>
+          </a:prstGeom>
+          <a:solidFill>
+            <a:srgbClr val="FFFF00"/>
+          </a:solidFill>
+          <a:ln>
+            <a:solidFill>
+              <a:schemeClr val="tx1"/>
+            </a:solidFill>
+          </a:ln>
+        </p:spPr>
+        <p:style>
+          <a:lnRef idx="2">
+            <a:schemeClr val="accent1">
+              <a:shade val="15000"/>
+            </a:schemeClr>
+          </a:lnRef>
+          <a:fillRef idx="1">
+            <a:schemeClr val="accent1"/>
+          </a:fillRef>
+          <a:effectRef idx="0">
+            <a:schemeClr val="accent1"/>
+          </a:effectRef>
+          <a:fontRef idx="minor">
+            <a:schemeClr val="lt1"/>
+          </a:fontRef>
+        </p:style>
+        <p:txBody>
+          <a:bodyPr rtlCol="0" anchor="ctr"/>
+          <a:lstStyle/>
+          <a:p>
+            <a:pPr algn="ctr"/>
+            <a:r>
+              <a:rPr kumimoji="1" lang="en-US" altLang="ko-KR" sz="1600" dirty="0">
+                <a:solidFill>
+                  <a:schemeClr val="tx1"/>
+                </a:solidFill>
+                <a:latin typeface="Cascadia Code" pitchFamily="49" charset="0"/>
+                <a:cs typeface="Cascadia Code" pitchFamily="49" charset="0"/>
+              </a:rPr>
+              <a:t>0</a:t>
+            </a:r>
+            <a:endParaRPr kumimoji="1" lang="ko-KR" altLang="en-US" sz="1600" dirty="0">
+              <a:solidFill>
+                <a:schemeClr val="tx1"/>
+              </a:solidFill>
+              <a:latin typeface="Cascadia Code" pitchFamily="49" charset="0"/>
+              <a:cs typeface="Cascadia Code" pitchFamily="49" charset="0"/>
+            </a:endParaRPr>
+          </a:p>
+        </p:txBody>
+      </p:sp>
+      <p:sp>
+        <p:nvSpPr>
+          <p:cNvPr id="8" name="TextBox 7">
+            <a:extLst>
+              <a:ext uri="{FF2B5EF4-FFF2-40B4-BE49-F238E27FC236}">
+                <a16:creationId xmlns:a16="http://schemas.microsoft.com/office/drawing/2014/main" id="{25A8750C-2747-40E8-3759-673351E3F3CA}"/>
+              </a:ext>
+            </a:extLst>
+          </p:cNvPr>
+          <p:cNvSpPr txBox="1"/>
+          <p:nvPr/>
+        </p:nvSpPr>
+        <p:spPr>
+          <a:xfrm>
+            <a:off x="10055975" y="636234"/>
+            <a:ext cx="1366981" cy="369332"/>
+          </a:xfrm>
+          <a:prstGeom prst="rect">
+            <a:avLst/>
+          </a:prstGeom>
+          <a:noFill/>
+        </p:spPr>
+        <p:txBody>
+          <a:bodyPr wrap="square">
+            <a:spAutoFit/>
+          </a:bodyPr>
+          <a:lstStyle/>
+          <a:p>
+            <a:r>
+              <a:rPr lang="ko-KR" altLang="en-US" dirty="0" err="1">
+                <a:latin typeface="Cascadia Code" pitchFamily="49" charset="0"/>
+                <a:cs typeface="Cascadia Code" pitchFamily="49" charset="0"/>
+              </a:rPr>
+              <a:t>Car</a:t>
+            </a:r>
+            <a:r>
+              <a:rPr lang="ko-KR" altLang="en-US" dirty="0">
+                <a:latin typeface="Cascadia Code" pitchFamily="49" charset="0"/>
+                <a:cs typeface="Cascadia Code" pitchFamily="49" charset="0"/>
+              </a:rPr>
+              <a:t>::</a:t>
+            </a:r>
+            <a:r>
+              <a:rPr lang="ko-KR" altLang="en-US" dirty="0" err="1">
+                <a:latin typeface="Cascadia Code" pitchFamily="49" charset="0"/>
+                <a:cs typeface="Cascadia Code" pitchFamily="49" charset="0"/>
+              </a:rPr>
+              <a:t>cnt</a:t>
+            </a:r>
+            <a:r>
+              <a:rPr lang="ko-KR" altLang="en-US" dirty="0">
+                <a:latin typeface="Cascadia Code" pitchFamily="49" charset="0"/>
+                <a:cs typeface="Cascadia Code" pitchFamily="49" charset="0"/>
+              </a:rPr>
+              <a:t> </a:t>
+            </a:r>
+            <a:endParaRPr lang="ko-KR" altLang="en-US" dirty="0"/>
+          </a:p>
+        </p:txBody>
+      </p:sp>
+      <p:sp>
+        <p:nvSpPr>
+          <p:cNvPr id="2" name="직사각형 1">
+            <a:extLst>
+              <a:ext uri="{FF2B5EF4-FFF2-40B4-BE49-F238E27FC236}">
+                <a16:creationId xmlns:a16="http://schemas.microsoft.com/office/drawing/2014/main" id="{8CAF504A-A502-8896-B9B7-948426B7AB26}"/>
+              </a:ext>
+            </a:extLst>
+          </p:cNvPr>
+          <p:cNvSpPr/>
+          <p:nvPr/>
+        </p:nvSpPr>
+        <p:spPr>
+          <a:xfrm>
+            <a:off x="6804428" y="2981284"/>
+            <a:ext cx="1120140" cy="610463"/>
+          </a:xfrm>
+          <a:prstGeom prst="rect">
+            <a:avLst/>
+          </a:prstGeom>
+          <a:solidFill>
+            <a:srgbClr val="FFFF00"/>
+          </a:solidFill>
+          <a:ln>
+            <a:solidFill>
+              <a:srgbClr val="FF0000"/>
+            </a:solidFill>
+          </a:ln>
+        </p:spPr>
+        <p:style>
+          <a:lnRef idx="2">
+            <a:schemeClr val="accent1">
+              <a:shade val="15000"/>
+            </a:schemeClr>
+          </a:lnRef>
+          <a:fillRef idx="1">
+            <a:schemeClr val="accent1"/>
+          </a:fillRef>
+          <a:effectRef idx="0">
+            <a:schemeClr val="accent1"/>
+          </a:effectRef>
+          <a:fontRef idx="minor">
+            <a:schemeClr val="lt1"/>
+          </a:fontRef>
+        </p:style>
+        <p:txBody>
+          <a:bodyPr rtlCol="0" anchor="ctr"/>
+          <a:lstStyle/>
+          <a:p>
+            <a:pPr algn="ctr"/>
+            <a:r>
+              <a:rPr kumimoji="1" lang="en-US" altLang="ko-KR" sz="1600" dirty="0" err="1">
+                <a:solidFill>
+                  <a:schemeClr val="tx1"/>
+                </a:solidFill>
+                <a:latin typeface="Cascadia Code" pitchFamily="49" charset="0"/>
+                <a:cs typeface="Cascadia Code" pitchFamily="49" charset="0"/>
+              </a:rPr>
+              <a:t>Avante</a:t>
+            </a:r>
+            <a:endParaRPr kumimoji="1" lang="ko-KR" altLang="en-US" sz="1600" dirty="0">
+              <a:solidFill>
+                <a:schemeClr val="tx1"/>
+              </a:solidFill>
+              <a:latin typeface="Cascadia Code" pitchFamily="49" charset="0"/>
+              <a:cs typeface="Cascadia Code" pitchFamily="49" charset="0"/>
+            </a:endParaRPr>
+          </a:p>
+        </p:txBody>
+      </p:sp>
+      <p:sp>
+        <p:nvSpPr>
+          <p:cNvPr id="3" name="TextBox 2">
+            <a:extLst>
+              <a:ext uri="{FF2B5EF4-FFF2-40B4-BE49-F238E27FC236}">
+                <a16:creationId xmlns:a16="http://schemas.microsoft.com/office/drawing/2014/main" id="{E34CD0FA-BBA9-783C-AAB4-0034E71B962C}"/>
+              </a:ext>
+            </a:extLst>
+          </p:cNvPr>
+          <p:cNvSpPr txBox="1"/>
+          <p:nvPr/>
+        </p:nvSpPr>
+        <p:spPr>
+          <a:xfrm>
+            <a:off x="6096000" y="3117238"/>
+            <a:ext cx="677948" cy="338554"/>
+          </a:xfrm>
+          <a:prstGeom prst="rect">
+            <a:avLst/>
+          </a:prstGeom>
+          <a:noFill/>
+        </p:spPr>
+        <p:txBody>
+          <a:bodyPr wrap="square" rtlCol="0">
+            <a:spAutoFit/>
+          </a:bodyPr>
+          <a:lstStyle/>
+          <a:p>
+            <a:pPr algn="ctr"/>
+            <a:r>
+              <a:rPr kumimoji="1" lang="en-US" altLang="ko-KR" sz="1600" dirty="0">
+                <a:latin typeface="Cascadia Code" pitchFamily="49" charset="0"/>
+                <a:ea typeface="Cascadia Code" pitchFamily="49" charset="0"/>
+                <a:cs typeface="Cascadia Code" pitchFamily="49" charset="0"/>
+              </a:rPr>
+              <a:t>name</a:t>
+            </a:r>
+            <a:endParaRPr kumimoji="1" lang="ko-KR" altLang="en-US" sz="1600" dirty="0">
+              <a:latin typeface="Cascadia Code" pitchFamily="49" charset="0"/>
+              <a:ea typeface="Cascadia Code" pitchFamily="49" charset="0"/>
+              <a:cs typeface="Cascadia Code" pitchFamily="49" charset="0"/>
+            </a:endParaRPr>
+          </a:p>
+        </p:txBody>
+      </p:sp>
+      <p:sp>
+        <p:nvSpPr>
+          <p:cNvPr id="4" name="TextBox 3">
+            <a:extLst>
+              <a:ext uri="{FF2B5EF4-FFF2-40B4-BE49-F238E27FC236}">
+                <a16:creationId xmlns:a16="http://schemas.microsoft.com/office/drawing/2014/main" id="{7F942CFB-C6A5-2D06-F138-E0DE387C4302}"/>
+              </a:ext>
+            </a:extLst>
+          </p:cNvPr>
+          <p:cNvSpPr txBox="1"/>
+          <p:nvPr/>
+        </p:nvSpPr>
+        <p:spPr>
+          <a:xfrm>
+            <a:off x="6911339" y="2586182"/>
+            <a:ext cx="906317" cy="369332"/>
+          </a:xfrm>
+          <a:prstGeom prst="rect">
+            <a:avLst/>
+          </a:prstGeom>
+          <a:noFill/>
+        </p:spPr>
+        <p:txBody>
+          <a:bodyPr wrap="square">
+            <a:spAutoFit/>
+          </a:bodyPr>
+          <a:lstStyle/>
+          <a:p>
+            <a:pPr algn="ctr"/>
+            <a:r>
+              <a:rPr lang="en-US" altLang="ko-KR" dirty="0">
+                <a:latin typeface="Cascadia Code" pitchFamily="49" charset="0"/>
+                <a:cs typeface="Cascadia Code" pitchFamily="49" charset="0"/>
+              </a:rPr>
+              <a:t>c1</a:t>
+            </a:r>
+            <a:endParaRPr lang="ko-KR" altLang="en-US" dirty="0"/>
+          </a:p>
+        </p:txBody>
+      </p:sp>
+      <p:sp>
+        <p:nvSpPr>
+          <p:cNvPr id="7" name="직사각형 6">
+            <a:extLst>
+              <a:ext uri="{FF2B5EF4-FFF2-40B4-BE49-F238E27FC236}">
+                <a16:creationId xmlns:a16="http://schemas.microsoft.com/office/drawing/2014/main" id="{89EAC1BD-AB38-E571-EAEF-A216462B62E9}"/>
+              </a:ext>
+            </a:extLst>
+          </p:cNvPr>
+          <p:cNvSpPr/>
+          <p:nvPr/>
+        </p:nvSpPr>
+        <p:spPr>
+          <a:xfrm>
+            <a:off x="8855132" y="2981284"/>
+            <a:ext cx="1120140" cy="610463"/>
+          </a:xfrm>
+          <a:prstGeom prst="rect">
+            <a:avLst/>
+          </a:prstGeom>
+          <a:solidFill>
+            <a:srgbClr val="FFFF00"/>
+          </a:solidFill>
+          <a:ln>
+            <a:solidFill>
+              <a:srgbClr val="FF0000"/>
+            </a:solidFill>
+          </a:ln>
+        </p:spPr>
+        <p:style>
+          <a:lnRef idx="2">
+            <a:schemeClr val="accent1">
+              <a:shade val="15000"/>
+            </a:schemeClr>
+          </a:lnRef>
+          <a:fillRef idx="1">
+            <a:schemeClr val="accent1"/>
+          </a:fillRef>
+          <a:effectRef idx="0">
+            <a:schemeClr val="accent1"/>
+          </a:effectRef>
+          <a:fontRef idx="minor">
+            <a:schemeClr val="lt1"/>
+          </a:fontRef>
+        </p:style>
+        <p:txBody>
+          <a:bodyPr rtlCol="0" anchor="ctr"/>
+          <a:lstStyle/>
+          <a:p>
+            <a:pPr algn="ctr"/>
+            <a:r>
+              <a:rPr kumimoji="1" lang="en-US" altLang="ko-KR" sz="1600" dirty="0">
+                <a:solidFill>
+                  <a:schemeClr val="tx1"/>
+                </a:solidFill>
+                <a:latin typeface="Cascadia Code" pitchFamily="49" charset="0"/>
+                <a:cs typeface="Cascadia Code" pitchFamily="49" charset="0"/>
+              </a:rPr>
+              <a:t>Sonata</a:t>
+            </a:r>
+            <a:endParaRPr kumimoji="1" lang="ko-KR" altLang="en-US" sz="1600" dirty="0">
+              <a:solidFill>
+                <a:schemeClr val="tx1"/>
+              </a:solidFill>
+              <a:latin typeface="Cascadia Code" pitchFamily="49" charset="0"/>
+              <a:cs typeface="Cascadia Code" pitchFamily="49" charset="0"/>
+            </a:endParaRPr>
+          </a:p>
+        </p:txBody>
+      </p:sp>
+      <p:sp>
+        <p:nvSpPr>
+          <p:cNvPr id="9" name="TextBox 8">
+            <a:extLst>
+              <a:ext uri="{FF2B5EF4-FFF2-40B4-BE49-F238E27FC236}">
+                <a16:creationId xmlns:a16="http://schemas.microsoft.com/office/drawing/2014/main" id="{8BB0067B-F7E6-AF47-4825-2AA6CCD39771}"/>
+              </a:ext>
+            </a:extLst>
+          </p:cNvPr>
+          <p:cNvSpPr txBox="1"/>
+          <p:nvPr/>
+        </p:nvSpPr>
+        <p:spPr>
+          <a:xfrm>
+            <a:off x="8146704" y="3117238"/>
+            <a:ext cx="677948" cy="338554"/>
+          </a:xfrm>
+          <a:prstGeom prst="rect">
+            <a:avLst/>
+          </a:prstGeom>
+          <a:noFill/>
+        </p:spPr>
+        <p:txBody>
+          <a:bodyPr wrap="square" rtlCol="0">
+            <a:spAutoFit/>
+          </a:bodyPr>
+          <a:lstStyle/>
+          <a:p>
+            <a:pPr algn="ctr"/>
+            <a:r>
+              <a:rPr kumimoji="1" lang="en-US" altLang="ko-KR" sz="1600" dirty="0">
+                <a:latin typeface="Cascadia Code" pitchFamily="49" charset="0"/>
+                <a:ea typeface="Cascadia Code" pitchFamily="49" charset="0"/>
+                <a:cs typeface="Cascadia Code" pitchFamily="49" charset="0"/>
+              </a:rPr>
+              <a:t>name</a:t>
+            </a:r>
+            <a:endParaRPr kumimoji="1" lang="ko-KR" altLang="en-US" sz="1600" dirty="0">
+              <a:latin typeface="Cascadia Code" pitchFamily="49" charset="0"/>
+              <a:ea typeface="Cascadia Code" pitchFamily="49" charset="0"/>
+              <a:cs typeface="Cascadia Code" pitchFamily="49" charset="0"/>
+            </a:endParaRPr>
+          </a:p>
+        </p:txBody>
+      </p:sp>
+      <p:sp>
+        <p:nvSpPr>
+          <p:cNvPr id="10" name="TextBox 9">
+            <a:extLst>
+              <a:ext uri="{FF2B5EF4-FFF2-40B4-BE49-F238E27FC236}">
+                <a16:creationId xmlns:a16="http://schemas.microsoft.com/office/drawing/2014/main" id="{2D2E95C3-47DD-D58A-5D65-6CB2037B0E31}"/>
+              </a:ext>
+            </a:extLst>
+          </p:cNvPr>
+          <p:cNvSpPr txBox="1"/>
+          <p:nvPr/>
+        </p:nvSpPr>
+        <p:spPr>
+          <a:xfrm>
+            <a:off x="8962043" y="2586182"/>
+            <a:ext cx="906317" cy="369332"/>
+          </a:xfrm>
+          <a:prstGeom prst="rect">
+            <a:avLst/>
+          </a:prstGeom>
+          <a:noFill/>
+        </p:spPr>
+        <p:txBody>
+          <a:bodyPr wrap="square">
+            <a:spAutoFit/>
+          </a:bodyPr>
+          <a:lstStyle/>
+          <a:p>
+            <a:pPr algn="ctr"/>
+            <a:r>
+              <a:rPr lang="en-US" altLang="ko-KR" dirty="0">
+                <a:latin typeface="Cascadia Code" pitchFamily="49" charset="0"/>
+                <a:cs typeface="Cascadia Code" pitchFamily="49" charset="0"/>
+              </a:rPr>
+              <a:t>c2</a:t>
+            </a:r>
+            <a:endParaRPr lang="ko-KR" altLang="en-US" dirty="0"/>
+          </a:p>
+        </p:txBody>
+      </p:sp>
+    </p:spTree>
+    <p:extLst>
+      <p:ext uri="{BB962C8B-B14F-4D97-AF65-F5344CB8AC3E}">
+        <p14:creationId xmlns:p14="http://schemas.microsoft.com/office/powerpoint/2010/main" val="3079521447"/>
       </p:ext>
     </p:extLst>
   </p:cSld>

--- a/cpp_240708.pptx
+++ b/cpp_240708.pptx
@@ -46,6 +46,9 @@
     <p:sldId id="294" r:id="rId40"/>
     <p:sldId id="295" r:id="rId41"/>
     <p:sldId id="296" r:id="rId42"/>
+    <p:sldId id="297" r:id="rId43"/>
+    <p:sldId id="298" r:id="rId44"/>
+    <p:sldId id="299" r:id="rId45"/>
   </p:sldIdLst>
   <p:sldSz cx="12192000" cy="6858000"/>
   <p:notesSz cx="6858000" cy="9144000"/>
@@ -38027,6 +38030,1391 @@
     <p:extLst>
       <p:ext uri="{BB962C8B-B14F-4D97-AF65-F5344CB8AC3E}">
         <p14:creationId xmlns:p14="http://schemas.microsoft.com/office/powerpoint/2010/main" val="3079521447"/>
+      </p:ext>
+    </p:extLst>
+  </p:cSld>
+  <p:clrMapOvr>
+    <a:masterClrMapping/>
+  </p:clrMapOvr>
+</p:sld>
+</file>
+
+<file path=ppt/slides/slide42.xml><?xml version="1.0" encoding="utf-8"?>
+<p:sld xmlns:a="http://schemas.openxmlformats.org/drawingml/2006/main" xmlns:r="http://schemas.openxmlformats.org/officeDocument/2006/relationships" xmlns:p="http://schemas.openxmlformats.org/presentationml/2006/main">
+  <p:cSld>
+    <p:spTree>
+      <p:nvGrpSpPr>
+        <p:cNvPr id="1" name=""/>
+        <p:cNvGrpSpPr/>
+        <p:nvPr/>
+      </p:nvGrpSpPr>
+      <p:grpSpPr>
+        <a:xfrm>
+          <a:off x="0" y="0"/>
+          <a:ext cx="0" cy="0"/>
+          <a:chOff x="0" y="0"/>
+          <a:chExt cx="0" cy="0"/>
+        </a:xfrm>
+      </p:grpSpPr>
+      <p:sp>
+        <p:nvSpPr>
+          <p:cNvPr id="4" name="직사각형 3">
+            <a:extLst>
+              <a:ext uri="{FF2B5EF4-FFF2-40B4-BE49-F238E27FC236}">
+                <a16:creationId xmlns:a16="http://schemas.microsoft.com/office/drawing/2014/main" id="{C0D232C8-4ED8-93F7-E5F6-0ED6F9B98812}"/>
+              </a:ext>
+            </a:extLst>
+          </p:cNvPr>
+          <p:cNvSpPr/>
+          <p:nvPr/>
+        </p:nvSpPr>
+        <p:spPr>
+          <a:xfrm>
+            <a:off x="7580285" y="1826738"/>
+            <a:ext cx="1120140" cy="610463"/>
+          </a:xfrm>
+          <a:prstGeom prst="rect">
+            <a:avLst/>
+          </a:prstGeom>
+          <a:solidFill>
+            <a:srgbClr val="FFFF00"/>
+          </a:solidFill>
+          <a:ln>
+            <a:solidFill>
+              <a:schemeClr val="tx1"/>
+            </a:solidFill>
+          </a:ln>
+        </p:spPr>
+        <p:style>
+          <a:lnRef idx="2">
+            <a:schemeClr val="accent1">
+              <a:shade val="15000"/>
+            </a:schemeClr>
+          </a:lnRef>
+          <a:fillRef idx="1">
+            <a:schemeClr val="accent1"/>
+          </a:fillRef>
+          <a:effectRef idx="0">
+            <a:schemeClr val="accent1"/>
+          </a:effectRef>
+          <a:fontRef idx="minor">
+            <a:schemeClr val="lt1"/>
+          </a:fontRef>
+        </p:style>
+        <p:txBody>
+          <a:bodyPr rtlCol="0" anchor="ctr"/>
+          <a:lstStyle/>
+          <a:p>
+            <a:pPr algn="ctr"/>
+            <a:r>
+              <a:rPr kumimoji="1" lang="en-US" altLang="ko-KR" sz="1600" dirty="0">
+                <a:solidFill>
+                  <a:schemeClr val="tx1"/>
+                </a:solidFill>
+                <a:latin typeface="Cascadia Code" pitchFamily="49" charset="0"/>
+                <a:cs typeface="Cascadia Code" pitchFamily="49" charset="0"/>
+              </a:rPr>
+              <a:t>10</a:t>
+            </a:r>
+            <a:endParaRPr kumimoji="1" lang="ko-KR" altLang="en-US" sz="1600" dirty="0">
+              <a:solidFill>
+                <a:schemeClr val="tx1"/>
+              </a:solidFill>
+              <a:latin typeface="Cascadia Code" pitchFamily="49" charset="0"/>
+              <a:cs typeface="Cascadia Code" pitchFamily="49" charset="0"/>
+            </a:endParaRPr>
+          </a:p>
+        </p:txBody>
+      </p:sp>
+      <p:sp>
+        <p:nvSpPr>
+          <p:cNvPr id="5" name="직사각형 4">
+            <a:extLst>
+              <a:ext uri="{FF2B5EF4-FFF2-40B4-BE49-F238E27FC236}">
+                <a16:creationId xmlns:a16="http://schemas.microsoft.com/office/drawing/2014/main" id="{C64EB926-9FDC-26D6-A4A0-5C7A68DBC741}"/>
+              </a:ext>
+            </a:extLst>
+          </p:cNvPr>
+          <p:cNvSpPr/>
+          <p:nvPr/>
+        </p:nvSpPr>
+        <p:spPr>
+          <a:xfrm>
+            <a:off x="7580285" y="2437201"/>
+            <a:ext cx="1120140" cy="610463"/>
+          </a:xfrm>
+          <a:prstGeom prst="rect">
+            <a:avLst/>
+          </a:prstGeom>
+          <a:solidFill>
+            <a:srgbClr val="FFC000"/>
+          </a:solidFill>
+          <a:ln>
+            <a:solidFill>
+              <a:schemeClr val="tx1"/>
+            </a:solidFill>
+          </a:ln>
+        </p:spPr>
+        <p:style>
+          <a:lnRef idx="2">
+            <a:schemeClr val="accent1">
+              <a:shade val="15000"/>
+            </a:schemeClr>
+          </a:lnRef>
+          <a:fillRef idx="1">
+            <a:schemeClr val="accent1"/>
+          </a:fillRef>
+          <a:effectRef idx="0">
+            <a:schemeClr val="accent1"/>
+          </a:effectRef>
+          <a:fontRef idx="minor">
+            <a:schemeClr val="lt1"/>
+          </a:fontRef>
+        </p:style>
+        <p:txBody>
+          <a:bodyPr rtlCol="0" anchor="ctr"/>
+          <a:lstStyle/>
+          <a:p>
+            <a:pPr algn="ctr"/>
+            <a:endParaRPr kumimoji="1" lang="ko-KR" altLang="en-US" sz="1600" dirty="0">
+              <a:solidFill>
+                <a:schemeClr val="tx1"/>
+              </a:solidFill>
+              <a:latin typeface="Cascadia Code" pitchFamily="49" charset="0"/>
+              <a:cs typeface="Cascadia Code" pitchFamily="49" charset="0"/>
+            </a:endParaRPr>
+          </a:p>
+        </p:txBody>
+      </p:sp>
+      <p:sp>
+        <p:nvSpPr>
+          <p:cNvPr id="6" name="직사각형 5">
+            <a:extLst>
+              <a:ext uri="{FF2B5EF4-FFF2-40B4-BE49-F238E27FC236}">
+                <a16:creationId xmlns:a16="http://schemas.microsoft.com/office/drawing/2014/main" id="{F848E144-E8DF-0E32-8500-BDAF5E0653A3}"/>
+              </a:ext>
+            </a:extLst>
+          </p:cNvPr>
+          <p:cNvSpPr/>
+          <p:nvPr/>
+        </p:nvSpPr>
+        <p:spPr>
+          <a:xfrm>
+            <a:off x="7580285" y="3047664"/>
+            <a:ext cx="1120140" cy="610463"/>
+          </a:xfrm>
+          <a:prstGeom prst="rect">
+            <a:avLst/>
+          </a:prstGeom>
+          <a:solidFill>
+            <a:srgbClr val="FFC000"/>
+          </a:solidFill>
+          <a:ln>
+            <a:solidFill>
+              <a:schemeClr val="tx1"/>
+            </a:solidFill>
+          </a:ln>
+        </p:spPr>
+        <p:style>
+          <a:lnRef idx="2">
+            <a:schemeClr val="accent1">
+              <a:shade val="15000"/>
+            </a:schemeClr>
+          </a:lnRef>
+          <a:fillRef idx="1">
+            <a:schemeClr val="accent1"/>
+          </a:fillRef>
+          <a:effectRef idx="0">
+            <a:schemeClr val="accent1"/>
+          </a:effectRef>
+          <a:fontRef idx="minor">
+            <a:schemeClr val="lt1"/>
+          </a:fontRef>
+        </p:style>
+        <p:txBody>
+          <a:bodyPr rtlCol="0" anchor="ctr"/>
+          <a:lstStyle/>
+          <a:p>
+            <a:pPr algn="ctr"/>
+            <a:endParaRPr kumimoji="1" lang="ko-KR" altLang="en-US" sz="1600" dirty="0">
+              <a:solidFill>
+                <a:schemeClr val="tx1"/>
+              </a:solidFill>
+              <a:latin typeface="Cascadia Code" pitchFamily="49" charset="0"/>
+              <a:cs typeface="Cascadia Code" pitchFamily="49" charset="0"/>
+            </a:endParaRPr>
+          </a:p>
+        </p:txBody>
+      </p:sp>
+      <p:sp>
+        <p:nvSpPr>
+          <p:cNvPr id="7" name="직사각형 6">
+            <a:extLst>
+              <a:ext uri="{FF2B5EF4-FFF2-40B4-BE49-F238E27FC236}">
+                <a16:creationId xmlns:a16="http://schemas.microsoft.com/office/drawing/2014/main" id="{968A98E6-8E24-D0C7-04CC-F825FE3FF9B2}"/>
+              </a:ext>
+            </a:extLst>
+          </p:cNvPr>
+          <p:cNvSpPr/>
+          <p:nvPr/>
+        </p:nvSpPr>
+        <p:spPr>
+          <a:xfrm>
+            <a:off x="7580285" y="3658127"/>
+            <a:ext cx="1120140" cy="610463"/>
+          </a:xfrm>
+          <a:prstGeom prst="rect">
+            <a:avLst/>
+          </a:prstGeom>
+          <a:solidFill>
+            <a:srgbClr val="FFC000"/>
+          </a:solidFill>
+          <a:ln>
+            <a:solidFill>
+              <a:schemeClr val="tx1"/>
+            </a:solidFill>
+          </a:ln>
+        </p:spPr>
+        <p:style>
+          <a:lnRef idx="2">
+            <a:schemeClr val="accent1">
+              <a:shade val="15000"/>
+            </a:schemeClr>
+          </a:lnRef>
+          <a:fillRef idx="1">
+            <a:schemeClr val="accent1"/>
+          </a:fillRef>
+          <a:effectRef idx="0">
+            <a:schemeClr val="accent1"/>
+          </a:effectRef>
+          <a:fontRef idx="minor">
+            <a:schemeClr val="lt1"/>
+          </a:fontRef>
+        </p:style>
+        <p:txBody>
+          <a:bodyPr rtlCol="0" anchor="ctr"/>
+          <a:lstStyle/>
+          <a:p>
+            <a:pPr algn="ctr"/>
+            <a:endParaRPr kumimoji="1" lang="ko-KR" altLang="en-US" sz="1600" dirty="0">
+              <a:solidFill>
+                <a:schemeClr val="tx1"/>
+              </a:solidFill>
+              <a:latin typeface="Cascadia Code" pitchFamily="49" charset="0"/>
+              <a:cs typeface="Cascadia Code" pitchFamily="49" charset="0"/>
+            </a:endParaRPr>
+          </a:p>
+        </p:txBody>
+      </p:sp>
+      <p:sp>
+        <p:nvSpPr>
+          <p:cNvPr id="8" name="직사각형 7">
+            <a:extLst>
+              <a:ext uri="{FF2B5EF4-FFF2-40B4-BE49-F238E27FC236}">
+                <a16:creationId xmlns:a16="http://schemas.microsoft.com/office/drawing/2014/main" id="{8AEEA183-2E2C-5699-14EC-CAA152499F77}"/>
+              </a:ext>
+            </a:extLst>
+          </p:cNvPr>
+          <p:cNvSpPr/>
+          <p:nvPr/>
+        </p:nvSpPr>
+        <p:spPr>
+          <a:xfrm>
+            <a:off x="7580285" y="4268590"/>
+            <a:ext cx="1120140" cy="610463"/>
+          </a:xfrm>
+          <a:prstGeom prst="rect">
+            <a:avLst/>
+          </a:prstGeom>
+          <a:solidFill>
+            <a:srgbClr val="FFC000"/>
+          </a:solidFill>
+          <a:ln>
+            <a:solidFill>
+              <a:schemeClr val="tx1"/>
+            </a:solidFill>
+          </a:ln>
+        </p:spPr>
+        <p:style>
+          <a:lnRef idx="2">
+            <a:schemeClr val="accent1">
+              <a:shade val="15000"/>
+            </a:schemeClr>
+          </a:lnRef>
+          <a:fillRef idx="1">
+            <a:schemeClr val="accent1"/>
+          </a:fillRef>
+          <a:effectRef idx="0">
+            <a:schemeClr val="accent1"/>
+          </a:effectRef>
+          <a:fontRef idx="minor">
+            <a:schemeClr val="lt1"/>
+          </a:fontRef>
+        </p:style>
+        <p:txBody>
+          <a:bodyPr rtlCol="0" anchor="ctr"/>
+          <a:lstStyle/>
+          <a:p>
+            <a:pPr algn="ctr"/>
+            <a:endParaRPr kumimoji="1" lang="ko-KR" altLang="en-US" sz="1600" dirty="0">
+              <a:solidFill>
+                <a:schemeClr val="tx1"/>
+              </a:solidFill>
+              <a:latin typeface="Cascadia Code" pitchFamily="49" charset="0"/>
+              <a:cs typeface="Cascadia Code" pitchFamily="49" charset="0"/>
+            </a:endParaRPr>
+          </a:p>
+        </p:txBody>
+      </p:sp>
+      <p:sp>
+        <p:nvSpPr>
+          <p:cNvPr id="9" name="직사각형 8">
+            <a:extLst>
+              <a:ext uri="{FF2B5EF4-FFF2-40B4-BE49-F238E27FC236}">
+                <a16:creationId xmlns:a16="http://schemas.microsoft.com/office/drawing/2014/main" id="{F4D41F55-C0A2-28FB-09CC-B39634817BBF}"/>
+              </a:ext>
+            </a:extLst>
+          </p:cNvPr>
+          <p:cNvSpPr/>
+          <p:nvPr/>
+        </p:nvSpPr>
+        <p:spPr>
+          <a:xfrm>
+            <a:off x="5132648" y="622959"/>
+            <a:ext cx="1120140" cy="610463"/>
+          </a:xfrm>
+          <a:prstGeom prst="rect">
+            <a:avLst/>
+          </a:prstGeom>
+          <a:solidFill>
+            <a:srgbClr val="FFFF00"/>
+          </a:solidFill>
+          <a:ln>
+            <a:solidFill>
+              <a:srgbClr val="FF0000"/>
+            </a:solidFill>
+          </a:ln>
+        </p:spPr>
+        <p:style>
+          <a:lnRef idx="2">
+            <a:schemeClr val="accent1">
+              <a:shade val="15000"/>
+            </a:schemeClr>
+          </a:lnRef>
+          <a:fillRef idx="1">
+            <a:schemeClr val="accent1"/>
+          </a:fillRef>
+          <a:effectRef idx="0">
+            <a:schemeClr val="accent1"/>
+          </a:effectRef>
+          <a:fontRef idx="minor">
+            <a:schemeClr val="lt1"/>
+          </a:fontRef>
+        </p:style>
+        <p:txBody>
+          <a:bodyPr rtlCol="0" anchor="ctr"/>
+          <a:lstStyle/>
+          <a:p>
+            <a:pPr algn="ctr"/>
+            <a:r>
+              <a:rPr kumimoji="1" lang="en-US" altLang="ko-KR" sz="1600" dirty="0">
+                <a:solidFill>
+                  <a:schemeClr val="tx1"/>
+                </a:solidFill>
+                <a:latin typeface="Cascadia Code" pitchFamily="49" charset="0"/>
+                <a:cs typeface="Cascadia Code" pitchFamily="49" charset="0"/>
+              </a:rPr>
+              <a:t>1</a:t>
+            </a:r>
+            <a:endParaRPr kumimoji="1" lang="ko-KR" altLang="en-US" sz="1600" dirty="0">
+              <a:solidFill>
+                <a:schemeClr val="tx1"/>
+              </a:solidFill>
+              <a:latin typeface="Cascadia Code" pitchFamily="49" charset="0"/>
+              <a:cs typeface="Cascadia Code" pitchFamily="49" charset="0"/>
+            </a:endParaRPr>
+          </a:p>
+        </p:txBody>
+      </p:sp>
+      <p:sp>
+        <p:nvSpPr>
+          <p:cNvPr id="10" name="TextBox 9">
+            <a:extLst>
+              <a:ext uri="{FF2B5EF4-FFF2-40B4-BE49-F238E27FC236}">
+                <a16:creationId xmlns:a16="http://schemas.microsoft.com/office/drawing/2014/main" id="{900A2717-7D62-5D61-8CA6-F43AEF894FC9}"/>
+              </a:ext>
+            </a:extLst>
+          </p:cNvPr>
+          <p:cNvSpPr txBox="1"/>
+          <p:nvPr/>
+        </p:nvSpPr>
+        <p:spPr>
+          <a:xfrm>
+            <a:off x="4424220" y="758913"/>
+            <a:ext cx="677948" cy="338554"/>
+          </a:xfrm>
+          <a:prstGeom prst="rect">
+            <a:avLst/>
+          </a:prstGeom>
+          <a:noFill/>
+        </p:spPr>
+        <p:txBody>
+          <a:bodyPr wrap="square" rtlCol="0">
+            <a:spAutoFit/>
+          </a:bodyPr>
+          <a:lstStyle/>
+          <a:p>
+            <a:pPr algn="ctr"/>
+            <a:r>
+              <a:rPr kumimoji="1" lang="en-US" altLang="ko-KR" sz="1600" dirty="0">
+                <a:latin typeface="Cascadia Code" pitchFamily="49" charset="0"/>
+                <a:ea typeface="Cascadia Code" pitchFamily="49" charset="0"/>
+                <a:cs typeface="Cascadia Code" pitchFamily="49" charset="0"/>
+              </a:rPr>
+              <a:t>top</a:t>
+            </a:r>
+            <a:endParaRPr kumimoji="1" lang="ko-KR" altLang="en-US" sz="1600" dirty="0">
+              <a:latin typeface="Cascadia Code" pitchFamily="49" charset="0"/>
+              <a:ea typeface="Cascadia Code" pitchFamily="49" charset="0"/>
+              <a:cs typeface="Cascadia Code" pitchFamily="49" charset="0"/>
+            </a:endParaRPr>
+          </a:p>
+        </p:txBody>
+      </p:sp>
+    </p:spTree>
+    <p:extLst>
+      <p:ext uri="{BB962C8B-B14F-4D97-AF65-F5344CB8AC3E}">
+        <p14:creationId xmlns:p14="http://schemas.microsoft.com/office/powerpoint/2010/main" val="3059807142"/>
+      </p:ext>
+    </p:extLst>
+  </p:cSld>
+  <p:clrMapOvr>
+    <a:masterClrMapping/>
+  </p:clrMapOvr>
+</p:sld>
+</file>
+
+<file path=ppt/slides/slide43.xml><?xml version="1.0" encoding="utf-8"?>
+<p:sld xmlns:a="http://schemas.openxmlformats.org/drawingml/2006/main" xmlns:r="http://schemas.openxmlformats.org/officeDocument/2006/relationships" xmlns:p="http://schemas.openxmlformats.org/presentationml/2006/main">
+  <p:cSld>
+    <p:spTree>
+      <p:nvGrpSpPr>
+        <p:cNvPr id="1" name=""/>
+        <p:cNvGrpSpPr/>
+        <p:nvPr/>
+      </p:nvGrpSpPr>
+      <p:grpSpPr>
+        <a:xfrm>
+          <a:off x="0" y="0"/>
+          <a:ext cx="0" cy="0"/>
+          <a:chOff x="0" y="0"/>
+          <a:chExt cx="0" cy="0"/>
+        </a:xfrm>
+      </p:grpSpPr>
+      <p:sp>
+        <p:nvSpPr>
+          <p:cNvPr id="4" name="직사각형 3">
+            <a:extLst>
+              <a:ext uri="{FF2B5EF4-FFF2-40B4-BE49-F238E27FC236}">
+                <a16:creationId xmlns:a16="http://schemas.microsoft.com/office/drawing/2014/main" id="{C0D232C8-4ED8-93F7-E5F6-0ED6F9B98812}"/>
+              </a:ext>
+            </a:extLst>
+          </p:cNvPr>
+          <p:cNvSpPr/>
+          <p:nvPr/>
+        </p:nvSpPr>
+        <p:spPr>
+          <a:xfrm>
+            <a:off x="7580285" y="1826738"/>
+            <a:ext cx="1120140" cy="610463"/>
+          </a:xfrm>
+          <a:prstGeom prst="rect">
+            <a:avLst/>
+          </a:prstGeom>
+          <a:solidFill>
+            <a:srgbClr val="FFFF00"/>
+          </a:solidFill>
+          <a:ln>
+            <a:solidFill>
+              <a:schemeClr val="tx1"/>
+            </a:solidFill>
+          </a:ln>
+        </p:spPr>
+        <p:style>
+          <a:lnRef idx="2">
+            <a:schemeClr val="accent1">
+              <a:shade val="15000"/>
+            </a:schemeClr>
+          </a:lnRef>
+          <a:fillRef idx="1">
+            <a:schemeClr val="accent1"/>
+          </a:fillRef>
+          <a:effectRef idx="0">
+            <a:schemeClr val="accent1"/>
+          </a:effectRef>
+          <a:fontRef idx="minor">
+            <a:schemeClr val="lt1"/>
+          </a:fontRef>
+        </p:style>
+        <p:txBody>
+          <a:bodyPr rtlCol="0" anchor="ctr"/>
+          <a:lstStyle/>
+          <a:p>
+            <a:pPr algn="ctr"/>
+            <a:r>
+              <a:rPr kumimoji="1" lang="en-US" altLang="ko-KR" sz="1600" dirty="0">
+                <a:solidFill>
+                  <a:schemeClr val="tx1"/>
+                </a:solidFill>
+                <a:latin typeface="Cascadia Code" pitchFamily="49" charset="0"/>
+                <a:cs typeface="Cascadia Code" pitchFamily="49" charset="0"/>
+              </a:rPr>
+              <a:t>10</a:t>
+            </a:r>
+            <a:endParaRPr kumimoji="1" lang="ko-KR" altLang="en-US" sz="1600" dirty="0">
+              <a:solidFill>
+                <a:schemeClr val="tx1"/>
+              </a:solidFill>
+              <a:latin typeface="Cascadia Code" pitchFamily="49" charset="0"/>
+              <a:cs typeface="Cascadia Code" pitchFamily="49" charset="0"/>
+            </a:endParaRPr>
+          </a:p>
+        </p:txBody>
+      </p:sp>
+      <p:sp>
+        <p:nvSpPr>
+          <p:cNvPr id="5" name="직사각형 4">
+            <a:extLst>
+              <a:ext uri="{FF2B5EF4-FFF2-40B4-BE49-F238E27FC236}">
+                <a16:creationId xmlns:a16="http://schemas.microsoft.com/office/drawing/2014/main" id="{C64EB926-9FDC-26D6-A4A0-5C7A68DBC741}"/>
+              </a:ext>
+            </a:extLst>
+          </p:cNvPr>
+          <p:cNvSpPr/>
+          <p:nvPr/>
+        </p:nvSpPr>
+        <p:spPr>
+          <a:xfrm>
+            <a:off x="7580285" y="2437201"/>
+            <a:ext cx="1120140" cy="610463"/>
+          </a:xfrm>
+          <a:prstGeom prst="rect">
+            <a:avLst/>
+          </a:prstGeom>
+          <a:solidFill>
+            <a:srgbClr val="FFFF00"/>
+          </a:solidFill>
+          <a:ln>
+            <a:solidFill>
+              <a:schemeClr val="tx1"/>
+            </a:solidFill>
+          </a:ln>
+        </p:spPr>
+        <p:style>
+          <a:lnRef idx="2">
+            <a:schemeClr val="accent1">
+              <a:shade val="15000"/>
+            </a:schemeClr>
+          </a:lnRef>
+          <a:fillRef idx="1">
+            <a:schemeClr val="accent1"/>
+          </a:fillRef>
+          <a:effectRef idx="0">
+            <a:schemeClr val="accent1"/>
+          </a:effectRef>
+          <a:fontRef idx="minor">
+            <a:schemeClr val="lt1"/>
+          </a:fontRef>
+        </p:style>
+        <p:txBody>
+          <a:bodyPr rtlCol="0" anchor="ctr"/>
+          <a:lstStyle/>
+          <a:p>
+            <a:pPr algn="ctr"/>
+            <a:r>
+              <a:rPr kumimoji="1" lang="en-US" altLang="ko-KR" sz="1600" dirty="0">
+                <a:solidFill>
+                  <a:schemeClr val="tx1"/>
+                </a:solidFill>
+                <a:latin typeface="Cascadia Code" pitchFamily="49" charset="0"/>
+                <a:cs typeface="Cascadia Code" pitchFamily="49" charset="0"/>
+              </a:rPr>
+              <a:t>20</a:t>
+            </a:r>
+            <a:endParaRPr kumimoji="1" lang="ko-KR" altLang="en-US" sz="1600" dirty="0">
+              <a:solidFill>
+                <a:schemeClr val="tx1"/>
+              </a:solidFill>
+              <a:latin typeface="Cascadia Code" pitchFamily="49" charset="0"/>
+              <a:cs typeface="Cascadia Code" pitchFamily="49" charset="0"/>
+            </a:endParaRPr>
+          </a:p>
+        </p:txBody>
+      </p:sp>
+      <p:sp>
+        <p:nvSpPr>
+          <p:cNvPr id="6" name="직사각형 5">
+            <a:extLst>
+              <a:ext uri="{FF2B5EF4-FFF2-40B4-BE49-F238E27FC236}">
+                <a16:creationId xmlns:a16="http://schemas.microsoft.com/office/drawing/2014/main" id="{F848E144-E8DF-0E32-8500-BDAF5E0653A3}"/>
+              </a:ext>
+            </a:extLst>
+          </p:cNvPr>
+          <p:cNvSpPr/>
+          <p:nvPr/>
+        </p:nvSpPr>
+        <p:spPr>
+          <a:xfrm>
+            <a:off x="7580285" y="3047664"/>
+            <a:ext cx="1120140" cy="610463"/>
+          </a:xfrm>
+          <a:prstGeom prst="rect">
+            <a:avLst/>
+          </a:prstGeom>
+          <a:solidFill>
+            <a:srgbClr val="FFC000"/>
+          </a:solidFill>
+          <a:ln>
+            <a:solidFill>
+              <a:schemeClr val="tx1"/>
+            </a:solidFill>
+          </a:ln>
+        </p:spPr>
+        <p:style>
+          <a:lnRef idx="2">
+            <a:schemeClr val="accent1">
+              <a:shade val="15000"/>
+            </a:schemeClr>
+          </a:lnRef>
+          <a:fillRef idx="1">
+            <a:schemeClr val="accent1"/>
+          </a:fillRef>
+          <a:effectRef idx="0">
+            <a:schemeClr val="accent1"/>
+          </a:effectRef>
+          <a:fontRef idx="minor">
+            <a:schemeClr val="lt1"/>
+          </a:fontRef>
+        </p:style>
+        <p:txBody>
+          <a:bodyPr rtlCol="0" anchor="ctr"/>
+          <a:lstStyle/>
+          <a:p>
+            <a:pPr algn="ctr"/>
+            <a:endParaRPr kumimoji="1" lang="ko-KR" altLang="en-US" sz="1600" dirty="0">
+              <a:solidFill>
+                <a:schemeClr val="tx1"/>
+              </a:solidFill>
+              <a:latin typeface="Cascadia Code" pitchFamily="49" charset="0"/>
+              <a:cs typeface="Cascadia Code" pitchFamily="49" charset="0"/>
+            </a:endParaRPr>
+          </a:p>
+        </p:txBody>
+      </p:sp>
+      <p:sp>
+        <p:nvSpPr>
+          <p:cNvPr id="7" name="직사각형 6">
+            <a:extLst>
+              <a:ext uri="{FF2B5EF4-FFF2-40B4-BE49-F238E27FC236}">
+                <a16:creationId xmlns:a16="http://schemas.microsoft.com/office/drawing/2014/main" id="{968A98E6-8E24-D0C7-04CC-F825FE3FF9B2}"/>
+              </a:ext>
+            </a:extLst>
+          </p:cNvPr>
+          <p:cNvSpPr/>
+          <p:nvPr/>
+        </p:nvSpPr>
+        <p:spPr>
+          <a:xfrm>
+            <a:off x="7580285" y="3658127"/>
+            <a:ext cx="1120140" cy="610463"/>
+          </a:xfrm>
+          <a:prstGeom prst="rect">
+            <a:avLst/>
+          </a:prstGeom>
+          <a:solidFill>
+            <a:srgbClr val="FFC000"/>
+          </a:solidFill>
+          <a:ln>
+            <a:solidFill>
+              <a:schemeClr val="tx1"/>
+            </a:solidFill>
+          </a:ln>
+        </p:spPr>
+        <p:style>
+          <a:lnRef idx="2">
+            <a:schemeClr val="accent1">
+              <a:shade val="15000"/>
+            </a:schemeClr>
+          </a:lnRef>
+          <a:fillRef idx="1">
+            <a:schemeClr val="accent1"/>
+          </a:fillRef>
+          <a:effectRef idx="0">
+            <a:schemeClr val="accent1"/>
+          </a:effectRef>
+          <a:fontRef idx="minor">
+            <a:schemeClr val="lt1"/>
+          </a:fontRef>
+        </p:style>
+        <p:txBody>
+          <a:bodyPr rtlCol="0" anchor="ctr"/>
+          <a:lstStyle/>
+          <a:p>
+            <a:pPr algn="ctr"/>
+            <a:endParaRPr kumimoji="1" lang="ko-KR" altLang="en-US" sz="1600" dirty="0">
+              <a:solidFill>
+                <a:schemeClr val="tx1"/>
+              </a:solidFill>
+              <a:latin typeface="Cascadia Code" pitchFamily="49" charset="0"/>
+              <a:cs typeface="Cascadia Code" pitchFamily="49" charset="0"/>
+            </a:endParaRPr>
+          </a:p>
+        </p:txBody>
+      </p:sp>
+      <p:sp>
+        <p:nvSpPr>
+          <p:cNvPr id="8" name="직사각형 7">
+            <a:extLst>
+              <a:ext uri="{FF2B5EF4-FFF2-40B4-BE49-F238E27FC236}">
+                <a16:creationId xmlns:a16="http://schemas.microsoft.com/office/drawing/2014/main" id="{8AEEA183-2E2C-5699-14EC-CAA152499F77}"/>
+              </a:ext>
+            </a:extLst>
+          </p:cNvPr>
+          <p:cNvSpPr/>
+          <p:nvPr/>
+        </p:nvSpPr>
+        <p:spPr>
+          <a:xfrm>
+            <a:off x="7580285" y="4268590"/>
+            <a:ext cx="1120140" cy="610463"/>
+          </a:xfrm>
+          <a:prstGeom prst="rect">
+            <a:avLst/>
+          </a:prstGeom>
+          <a:solidFill>
+            <a:srgbClr val="FFC000"/>
+          </a:solidFill>
+          <a:ln>
+            <a:solidFill>
+              <a:schemeClr val="tx1"/>
+            </a:solidFill>
+          </a:ln>
+        </p:spPr>
+        <p:style>
+          <a:lnRef idx="2">
+            <a:schemeClr val="accent1">
+              <a:shade val="15000"/>
+            </a:schemeClr>
+          </a:lnRef>
+          <a:fillRef idx="1">
+            <a:schemeClr val="accent1"/>
+          </a:fillRef>
+          <a:effectRef idx="0">
+            <a:schemeClr val="accent1"/>
+          </a:effectRef>
+          <a:fontRef idx="minor">
+            <a:schemeClr val="lt1"/>
+          </a:fontRef>
+        </p:style>
+        <p:txBody>
+          <a:bodyPr rtlCol="0" anchor="ctr"/>
+          <a:lstStyle/>
+          <a:p>
+            <a:pPr algn="ctr"/>
+            <a:endParaRPr kumimoji="1" lang="ko-KR" altLang="en-US" sz="1600" dirty="0">
+              <a:solidFill>
+                <a:schemeClr val="tx1"/>
+              </a:solidFill>
+              <a:latin typeface="Cascadia Code" pitchFamily="49" charset="0"/>
+              <a:cs typeface="Cascadia Code" pitchFamily="49" charset="0"/>
+            </a:endParaRPr>
+          </a:p>
+        </p:txBody>
+      </p:sp>
+      <p:sp>
+        <p:nvSpPr>
+          <p:cNvPr id="9" name="직사각형 8">
+            <a:extLst>
+              <a:ext uri="{FF2B5EF4-FFF2-40B4-BE49-F238E27FC236}">
+                <a16:creationId xmlns:a16="http://schemas.microsoft.com/office/drawing/2014/main" id="{F4D41F55-C0A2-28FB-09CC-B39634817BBF}"/>
+              </a:ext>
+            </a:extLst>
+          </p:cNvPr>
+          <p:cNvSpPr/>
+          <p:nvPr/>
+        </p:nvSpPr>
+        <p:spPr>
+          <a:xfrm>
+            <a:off x="5132648" y="622959"/>
+            <a:ext cx="1120140" cy="610463"/>
+          </a:xfrm>
+          <a:prstGeom prst="rect">
+            <a:avLst/>
+          </a:prstGeom>
+          <a:solidFill>
+            <a:srgbClr val="FFFF00"/>
+          </a:solidFill>
+          <a:ln>
+            <a:solidFill>
+              <a:srgbClr val="FF0000"/>
+            </a:solidFill>
+          </a:ln>
+        </p:spPr>
+        <p:style>
+          <a:lnRef idx="2">
+            <a:schemeClr val="accent1">
+              <a:shade val="15000"/>
+            </a:schemeClr>
+          </a:lnRef>
+          <a:fillRef idx="1">
+            <a:schemeClr val="accent1"/>
+          </a:fillRef>
+          <a:effectRef idx="0">
+            <a:schemeClr val="accent1"/>
+          </a:effectRef>
+          <a:fontRef idx="minor">
+            <a:schemeClr val="lt1"/>
+          </a:fontRef>
+        </p:style>
+        <p:txBody>
+          <a:bodyPr rtlCol="0" anchor="ctr"/>
+          <a:lstStyle/>
+          <a:p>
+            <a:pPr algn="ctr"/>
+            <a:r>
+              <a:rPr kumimoji="1" lang="en-US" altLang="ko-KR" sz="1600" dirty="0">
+                <a:solidFill>
+                  <a:schemeClr val="tx1"/>
+                </a:solidFill>
+                <a:latin typeface="Cascadia Code" pitchFamily="49" charset="0"/>
+                <a:cs typeface="Cascadia Code" pitchFamily="49" charset="0"/>
+              </a:rPr>
+              <a:t>2</a:t>
+            </a:r>
+            <a:endParaRPr kumimoji="1" lang="ko-KR" altLang="en-US" sz="1600" dirty="0">
+              <a:solidFill>
+                <a:schemeClr val="tx1"/>
+              </a:solidFill>
+              <a:latin typeface="Cascadia Code" pitchFamily="49" charset="0"/>
+              <a:cs typeface="Cascadia Code" pitchFamily="49" charset="0"/>
+            </a:endParaRPr>
+          </a:p>
+        </p:txBody>
+      </p:sp>
+      <p:sp>
+        <p:nvSpPr>
+          <p:cNvPr id="10" name="TextBox 9">
+            <a:extLst>
+              <a:ext uri="{FF2B5EF4-FFF2-40B4-BE49-F238E27FC236}">
+                <a16:creationId xmlns:a16="http://schemas.microsoft.com/office/drawing/2014/main" id="{900A2717-7D62-5D61-8CA6-F43AEF894FC9}"/>
+              </a:ext>
+            </a:extLst>
+          </p:cNvPr>
+          <p:cNvSpPr txBox="1"/>
+          <p:nvPr/>
+        </p:nvSpPr>
+        <p:spPr>
+          <a:xfrm>
+            <a:off x="4424220" y="758913"/>
+            <a:ext cx="677948" cy="338554"/>
+          </a:xfrm>
+          <a:prstGeom prst="rect">
+            <a:avLst/>
+          </a:prstGeom>
+          <a:noFill/>
+        </p:spPr>
+        <p:txBody>
+          <a:bodyPr wrap="square" rtlCol="0">
+            <a:spAutoFit/>
+          </a:bodyPr>
+          <a:lstStyle/>
+          <a:p>
+            <a:pPr algn="ctr"/>
+            <a:r>
+              <a:rPr kumimoji="1" lang="en-US" altLang="ko-KR" sz="1600" dirty="0">
+                <a:latin typeface="Cascadia Code" pitchFamily="49" charset="0"/>
+                <a:ea typeface="Cascadia Code" pitchFamily="49" charset="0"/>
+                <a:cs typeface="Cascadia Code" pitchFamily="49" charset="0"/>
+              </a:rPr>
+              <a:t>top</a:t>
+            </a:r>
+            <a:endParaRPr kumimoji="1" lang="ko-KR" altLang="en-US" sz="1600" dirty="0">
+              <a:latin typeface="Cascadia Code" pitchFamily="49" charset="0"/>
+              <a:ea typeface="Cascadia Code" pitchFamily="49" charset="0"/>
+              <a:cs typeface="Cascadia Code" pitchFamily="49" charset="0"/>
+            </a:endParaRPr>
+          </a:p>
+        </p:txBody>
+      </p:sp>
+    </p:spTree>
+    <p:extLst>
+      <p:ext uri="{BB962C8B-B14F-4D97-AF65-F5344CB8AC3E}">
+        <p14:creationId xmlns:p14="http://schemas.microsoft.com/office/powerpoint/2010/main" val="425498156"/>
+      </p:ext>
+    </p:extLst>
+  </p:cSld>
+  <p:clrMapOvr>
+    <a:masterClrMapping/>
+  </p:clrMapOvr>
+</p:sld>
+</file>
+
+<file path=ppt/slides/slide44.xml><?xml version="1.0" encoding="utf-8"?>
+<p:sld xmlns:a="http://schemas.openxmlformats.org/drawingml/2006/main" xmlns:r="http://schemas.openxmlformats.org/officeDocument/2006/relationships" xmlns:p="http://schemas.openxmlformats.org/presentationml/2006/main">
+  <p:cSld>
+    <p:spTree>
+      <p:nvGrpSpPr>
+        <p:cNvPr id="1" name=""/>
+        <p:cNvGrpSpPr/>
+        <p:nvPr/>
+      </p:nvGrpSpPr>
+      <p:grpSpPr>
+        <a:xfrm>
+          <a:off x="0" y="0"/>
+          <a:ext cx="0" cy="0"/>
+          <a:chOff x="0" y="0"/>
+          <a:chExt cx="0" cy="0"/>
+        </a:xfrm>
+      </p:grpSpPr>
+      <p:sp>
+        <p:nvSpPr>
+          <p:cNvPr id="4" name="직사각형 3">
+            <a:extLst>
+              <a:ext uri="{FF2B5EF4-FFF2-40B4-BE49-F238E27FC236}">
+                <a16:creationId xmlns:a16="http://schemas.microsoft.com/office/drawing/2014/main" id="{C0D232C8-4ED8-93F7-E5F6-0ED6F9B98812}"/>
+              </a:ext>
+            </a:extLst>
+          </p:cNvPr>
+          <p:cNvSpPr/>
+          <p:nvPr/>
+        </p:nvSpPr>
+        <p:spPr>
+          <a:xfrm>
+            <a:off x="7580285" y="1826738"/>
+            <a:ext cx="1120140" cy="610463"/>
+          </a:xfrm>
+          <a:prstGeom prst="rect">
+            <a:avLst/>
+          </a:prstGeom>
+          <a:solidFill>
+            <a:srgbClr val="FFFF00"/>
+          </a:solidFill>
+          <a:ln>
+            <a:solidFill>
+              <a:schemeClr val="tx1"/>
+            </a:solidFill>
+          </a:ln>
+        </p:spPr>
+        <p:style>
+          <a:lnRef idx="2">
+            <a:schemeClr val="accent1">
+              <a:shade val="15000"/>
+            </a:schemeClr>
+          </a:lnRef>
+          <a:fillRef idx="1">
+            <a:schemeClr val="accent1"/>
+          </a:fillRef>
+          <a:effectRef idx="0">
+            <a:schemeClr val="accent1"/>
+          </a:effectRef>
+          <a:fontRef idx="minor">
+            <a:schemeClr val="lt1"/>
+          </a:fontRef>
+        </p:style>
+        <p:txBody>
+          <a:bodyPr rtlCol="0" anchor="ctr"/>
+          <a:lstStyle/>
+          <a:p>
+            <a:pPr algn="ctr"/>
+            <a:r>
+              <a:rPr kumimoji="1" lang="en-US" altLang="ko-KR" sz="1600" dirty="0">
+                <a:solidFill>
+                  <a:schemeClr val="tx1"/>
+                </a:solidFill>
+                <a:latin typeface="Cascadia Code" pitchFamily="49" charset="0"/>
+                <a:cs typeface="Cascadia Code" pitchFamily="49" charset="0"/>
+              </a:rPr>
+              <a:t>10</a:t>
+            </a:r>
+            <a:endParaRPr kumimoji="1" lang="ko-KR" altLang="en-US" sz="1600" dirty="0">
+              <a:solidFill>
+                <a:schemeClr val="tx1"/>
+              </a:solidFill>
+              <a:latin typeface="Cascadia Code" pitchFamily="49" charset="0"/>
+              <a:cs typeface="Cascadia Code" pitchFamily="49" charset="0"/>
+            </a:endParaRPr>
+          </a:p>
+        </p:txBody>
+      </p:sp>
+      <p:sp>
+        <p:nvSpPr>
+          <p:cNvPr id="5" name="직사각형 4">
+            <a:extLst>
+              <a:ext uri="{FF2B5EF4-FFF2-40B4-BE49-F238E27FC236}">
+                <a16:creationId xmlns:a16="http://schemas.microsoft.com/office/drawing/2014/main" id="{C64EB926-9FDC-26D6-A4A0-5C7A68DBC741}"/>
+              </a:ext>
+            </a:extLst>
+          </p:cNvPr>
+          <p:cNvSpPr/>
+          <p:nvPr/>
+        </p:nvSpPr>
+        <p:spPr>
+          <a:xfrm>
+            <a:off x="7580285" y="2437201"/>
+            <a:ext cx="1120140" cy="610463"/>
+          </a:xfrm>
+          <a:prstGeom prst="rect">
+            <a:avLst/>
+          </a:prstGeom>
+          <a:solidFill>
+            <a:srgbClr val="FFC000"/>
+          </a:solidFill>
+          <a:ln>
+            <a:solidFill>
+              <a:schemeClr val="tx1"/>
+            </a:solidFill>
+          </a:ln>
+        </p:spPr>
+        <p:style>
+          <a:lnRef idx="2">
+            <a:schemeClr val="accent1">
+              <a:shade val="15000"/>
+            </a:schemeClr>
+          </a:lnRef>
+          <a:fillRef idx="1">
+            <a:schemeClr val="accent1"/>
+          </a:fillRef>
+          <a:effectRef idx="0">
+            <a:schemeClr val="accent1"/>
+          </a:effectRef>
+          <a:fontRef idx="minor">
+            <a:schemeClr val="lt1"/>
+          </a:fontRef>
+        </p:style>
+        <p:txBody>
+          <a:bodyPr rtlCol="0" anchor="ctr"/>
+          <a:lstStyle/>
+          <a:p>
+            <a:pPr algn="ctr"/>
+            <a:r>
+              <a:rPr kumimoji="1" lang="en-US" altLang="ko-KR" sz="1600" dirty="0">
+                <a:solidFill>
+                  <a:schemeClr val="tx1"/>
+                </a:solidFill>
+                <a:latin typeface="Cascadia Code" pitchFamily="49" charset="0"/>
+                <a:cs typeface="Cascadia Code" pitchFamily="49" charset="0"/>
+              </a:rPr>
+              <a:t>20</a:t>
+            </a:r>
+            <a:endParaRPr kumimoji="1" lang="ko-KR" altLang="en-US" sz="1600" dirty="0">
+              <a:solidFill>
+                <a:schemeClr val="tx1"/>
+              </a:solidFill>
+              <a:latin typeface="Cascadia Code" pitchFamily="49" charset="0"/>
+              <a:cs typeface="Cascadia Code" pitchFamily="49" charset="0"/>
+            </a:endParaRPr>
+          </a:p>
+        </p:txBody>
+      </p:sp>
+      <p:sp>
+        <p:nvSpPr>
+          <p:cNvPr id="6" name="직사각형 5">
+            <a:extLst>
+              <a:ext uri="{FF2B5EF4-FFF2-40B4-BE49-F238E27FC236}">
+                <a16:creationId xmlns:a16="http://schemas.microsoft.com/office/drawing/2014/main" id="{F848E144-E8DF-0E32-8500-BDAF5E0653A3}"/>
+              </a:ext>
+            </a:extLst>
+          </p:cNvPr>
+          <p:cNvSpPr/>
+          <p:nvPr/>
+        </p:nvSpPr>
+        <p:spPr>
+          <a:xfrm>
+            <a:off x="7580285" y="3047664"/>
+            <a:ext cx="1120140" cy="610463"/>
+          </a:xfrm>
+          <a:prstGeom prst="rect">
+            <a:avLst/>
+          </a:prstGeom>
+          <a:solidFill>
+            <a:srgbClr val="FFC000"/>
+          </a:solidFill>
+          <a:ln>
+            <a:solidFill>
+              <a:schemeClr val="tx1"/>
+            </a:solidFill>
+          </a:ln>
+        </p:spPr>
+        <p:style>
+          <a:lnRef idx="2">
+            <a:schemeClr val="accent1">
+              <a:shade val="15000"/>
+            </a:schemeClr>
+          </a:lnRef>
+          <a:fillRef idx="1">
+            <a:schemeClr val="accent1"/>
+          </a:fillRef>
+          <a:effectRef idx="0">
+            <a:schemeClr val="accent1"/>
+          </a:effectRef>
+          <a:fontRef idx="minor">
+            <a:schemeClr val="lt1"/>
+          </a:fontRef>
+        </p:style>
+        <p:txBody>
+          <a:bodyPr rtlCol="0" anchor="ctr"/>
+          <a:lstStyle/>
+          <a:p>
+            <a:pPr algn="ctr"/>
+            <a:endParaRPr kumimoji="1" lang="ko-KR" altLang="en-US" sz="1600" dirty="0">
+              <a:solidFill>
+                <a:schemeClr val="tx1"/>
+              </a:solidFill>
+              <a:latin typeface="Cascadia Code" pitchFamily="49" charset="0"/>
+              <a:cs typeface="Cascadia Code" pitchFamily="49" charset="0"/>
+            </a:endParaRPr>
+          </a:p>
+        </p:txBody>
+      </p:sp>
+      <p:sp>
+        <p:nvSpPr>
+          <p:cNvPr id="7" name="직사각형 6">
+            <a:extLst>
+              <a:ext uri="{FF2B5EF4-FFF2-40B4-BE49-F238E27FC236}">
+                <a16:creationId xmlns:a16="http://schemas.microsoft.com/office/drawing/2014/main" id="{968A98E6-8E24-D0C7-04CC-F825FE3FF9B2}"/>
+              </a:ext>
+            </a:extLst>
+          </p:cNvPr>
+          <p:cNvSpPr/>
+          <p:nvPr/>
+        </p:nvSpPr>
+        <p:spPr>
+          <a:xfrm>
+            <a:off x="7580285" y="3658127"/>
+            <a:ext cx="1120140" cy="610463"/>
+          </a:xfrm>
+          <a:prstGeom prst="rect">
+            <a:avLst/>
+          </a:prstGeom>
+          <a:solidFill>
+            <a:srgbClr val="FFC000"/>
+          </a:solidFill>
+          <a:ln>
+            <a:solidFill>
+              <a:schemeClr val="tx1"/>
+            </a:solidFill>
+          </a:ln>
+        </p:spPr>
+        <p:style>
+          <a:lnRef idx="2">
+            <a:schemeClr val="accent1">
+              <a:shade val="15000"/>
+            </a:schemeClr>
+          </a:lnRef>
+          <a:fillRef idx="1">
+            <a:schemeClr val="accent1"/>
+          </a:fillRef>
+          <a:effectRef idx="0">
+            <a:schemeClr val="accent1"/>
+          </a:effectRef>
+          <a:fontRef idx="minor">
+            <a:schemeClr val="lt1"/>
+          </a:fontRef>
+        </p:style>
+        <p:txBody>
+          <a:bodyPr rtlCol="0" anchor="ctr"/>
+          <a:lstStyle/>
+          <a:p>
+            <a:pPr algn="ctr"/>
+            <a:endParaRPr kumimoji="1" lang="ko-KR" altLang="en-US" sz="1600" dirty="0">
+              <a:solidFill>
+                <a:schemeClr val="tx1"/>
+              </a:solidFill>
+              <a:latin typeface="Cascadia Code" pitchFamily="49" charset="0"/>
+              <a:cs typeface="Cascadia Code" pitchFamily="49" charset="0"/>
+            </a:endParaRPr>
+          </a:p>
+        </p:txBody>
+      </p:sp>
+      <p:sp>
+        <p:nvSpPr>
+          <p:cNvPr id="8" name="직사각형 7">
+            <a:extLst>
+              <a:ext uri="{FF2B5EF4-FFF2-40B4-BE49-F238E27FC236}">
+                <a16:creationId xmlns:a16="http://schemas.microsoft.com/office/drawing/2014/main" id="{8AEEA183-2E2C-5699-14EC-CAA152499F77}"/>
+              </a:ext>
+            </a:extLst>
+          </p:cNvPr>
+          <p:cNvSpPr/>
+          <p:nvPr/>
+        </p:nvSpPr>
+        <p:spPr>
+          <a:xfrm>
+            <a:off x="7580285" y="4268590"/>
+            <a:ext cx="1120140" cy="610463"/>
+          </a:xfrm>
+          <a:prstGeom prst="rect">
+            <a:avLst/>
+          </a:prstGeom>
+          <a:solidFill>
+            <a:srgbClr val="FFC000"/>
+          </a:solidFill>
+          <a:ln>
+            <a:solidFill>
+              <a:schemeClr val="tx1"/>
+            </a:solidFill>
+          </a:ln>
+        </p:spPr>
+        <p:style>
+          <a:lnRef idx="2">
+            <a:schemeClr val="accent1">
+              <a:shade val="15000"/>
+            </a:schemeClr>
+          </a:lnRef>
+          <a:fillRef idx="1">
+            <a:schemeClr val="accent1"/>
+          </a:fillRef>
+          <a:effectRef idx="0">
+            <a:schemeClr val="accent1"/>
+          </a:effectRef>
+          <a:fontRef idx="minor">
+            <a:schemeClr val="lt1"/>
+          </a:fontRef>
+        </p:style>
+        <p:txBody>
+          <a:bodyPr rtlCol="0" anchor="ctr"/>
+          <a:lstStyle/>
+          <a:p>
+            <a:pPr algn="ctr"/>
+            <a:endParaRPr kumimoji="1" lang="ko-KR" altLang="en-US" sz="1600" dirty="0">
+              <a:solidFill>
+                <a:schemeClr val="tx1"/>
+              </a:solidFill>
+              <a:latin typeface="Cascadia Code" pitchFamily="49" charset="0"/>
+              <a:cs typeface="Cascadia Code" pitchFamily="49" charset="0"/>
+            </a:endParaRPr>
+          </a:p>
+        </p:txBody>
+      </p:sp>
+      <p:sp>
+        <p:nvSpPr>
+          <p:cNvPr id="9" name="직사각형 8">
+            <a:extLst>
+              <a:ext uri="{FF2B5EF4-FFF2-40B4-BE49-F238E27FC236}">
+                <a16:creationId xmlns:a16="http://schemas.microsoft.com/office/drawing/2014/main" id="{F4D41F55-C0A2-28FB-09CC-B39634817BBF}"/>
+              </a:ext>
+            </a:extLst>
+          </p:cNvPr>
+          <p:cNvSpPr/>
+          <p:nvPr/>
+        </p:nvSpPr>
+        <p:spPr>
+          <a:xfrm>
+            <a:off x="5132648" y="622959"/>
+            <a:ext cx="1120140" cy="610463"/>
+          </a:xfrm>
+          <a:prstGeom prst="rect">
+            <a:avLst/>
+          </a:prstGeom>
+          <a:solidFill>
+            <a:srgbClr val="FFFF00"/>
+          </a:solidFill>
+          <a:ln>
+            <a:solidFill>
+              <a:srgbClr val="FF0000"/>
+            </a:solidFill>
+          </a:ln>
+        </p:spPr>
+        <p:style>
+          <a:lnRef idx="2">
+            <a:schemeClr val="accent1">
+              <a:shade val="15000"/>
+            </a:schemeClr>
+          </a:lnRef>
+          <a:fillRef idx="1">
+            <a:schemeClr val="accent1"/>
+          </a:fillRef>
+          <a:effectRef idx="0">
+            <a:schemeClr val="accent1"/>
+          </a:effectRef>
+          <a:fontRef idx="minor">
+            <a:schemeClr val="lt1"/>
+          </a:fontRef>
+        </p:style>
+        <p:txBody>
+          <a:bodyPr rtlCol="0" anchor="ctr"/>
+          <a:lstStyle/>
+          <a:p>
+            <a:pPr algn="ctr"/>
+            <a:r>
+              <a:rPr kumimoji="1" lang="en-US" altLang="ko-KR" sz="1600" dirty="0">
+                <a:solidFill>
+                  <a:schemeClr val="tx1"/>
+                </a:solidFill>
+                <a:latin typeface="Cascadia Code" pitchFamily="49" charset="0"/>
+                <a:cs typeface="Cascadia Code" pitchFamily="49" charset="0"/>
+              </a:rPr>
+              <a:t>1</a:t>
+            </a:r>
+            <a:endParaRPr kumimoji="1" lang="ko-KR" altLang="en-US" sz="1600" dirty="0">
+              <a:solidFill>
+                <a:schemeClr val="tx1"/>
+              </a:solidFill>
+              <a:latin typeface="Cascadia Code" pitchFamily="49" charset="0"/>
+              <a:cs typeface="Cascadia Code" pitchFamily="49" charset="0"/>
+            </a:endParaRPr>
+          </a:p>
+        </p:txBody>
+      </p:sp>
+      <p:sp>
+        <p:nvSpPr>
+          <p:cNvPr id="10" name="TextBox 9">
+            <a:extLst>
+              <a:ext uri="{FF2B5EF4-FFF2-40B4-BE49-F238E27FC236}">
+                <a16:creationId xmlns:a16="http://schemas.microsoft.com/office/drawing/2014/main" id="{900A2717-7D62-5D61-8CA6-F43AEF894FC9}"/>
+              </a:ext>
+            </a:extLst>
+          </p:cNvPr>
+          <p:cNvSpPr txBox="1"/>
+          <p:nvPr/>
+        </p:nvSpPr>
+        <p:spPr>
+          <a:xfrm>
+            <a:off x="4424220" y="758913"/>
+            <a:ext cx="677948" cy="338554"/>
+          </a:xfrm>
+          <a:prstGeom prst="rect">
+            <a:avLst/>
+          </a:prstGeom>
+          <a:noFill/>
+        </p:spPr>
+        <p:txBody>
+          <a:bodyPr wrap="square" rtlCol="0">
+            <a:spAutoFit/>
+          </a:bodyPr>
+          <a:lstStyle/>
+          <a:p>
+            <a:pPr algn="ctr"/>
+            <a:r>
+              <a:rPr kumimoji="1" lang="en-US" altLang="ko-KR" sz="1600" dirty="0">
+                <a:latin typeface="Cascadia Code" pitchFamily="49" charset="0"/>
+                <a:ea typeface="Cascadia Code" pitchFamily="49" charset="0"/>
+                <a:cs typeface="Cascadia Code" pitchFamily="49" charset="0"/>
+              </a:rPr>
+              <a:t>top</a:t>
+            </a:r>
+            <a:endParaRPr kumimoji="1" lang="ko-KR" altLang="en-US" sz="1600" dirty="0">
+              <a:latin typeface="Cascadia Code" pitchFamily="49" charset="0"/>
+              <a:ea typeface="Cascadia Code" pitchFamily="49" charset="0"/>
+              <a:cs typeface="Cascadia Code" pitchFamily="49" charset="0"/>
+            </a:endParaRPr>
+          </a:p>
+        </p:txBody>
+      </p:sp>
+    </p:spTree>
+    <p:extLst>
+      <p:ext uri="{BB962C8B-B14F-4D97-AF65-F5344CB8AC3E}">
+        <p14:creationId xmlns:p14="http://schemas.microsoft.com/office/powerpoint/2010/main" val="2278688477"/>
       </p:ext>
     </p:extLst>
   </p:cSld>

--- a/cpp_240708.pptx
+++ b/cpp_240708.pptx
@@ -56,6 +56,8 @@
     <p:sldId id="306" r:id="rId50"/>
     <p:sldId id="307" r:id="rId51"/>
     <p:sldId id="308" r:id="rId52"/>
+    <p:sldId id="309" r:id="rId53"/>
+    <p:sldId id="310" r:id="rId54"/>
   </p:sldIdLst>
   <p:sldSz cx="12192000" cy="6858000"/>
   <p:notesSz cx="6858000" cy="9144000"/>
@@ -47129,6 +47131,2148 @@
     <p:extLst>
       <p:ext uri="{BB962C8B-B14F-4D97-AF65-F5344CB8AC3E}">
         <p14:creationId xmlns:p14="http://schemas.microsoft.com/office/powerpoint/2010/main" val="3903813795"/>
+      </p:ext>
+    </p:extLst>
+  </p:cSld>
+  <p:clrMapOvr>
+    <a:masterClrMapping/>
+  </p:clrMapOvr>
+</p:sld>
+</file>
+
+<file path=ppt/slides/slide52.xml><?xml version="1.0" encoding="utf-8"?>
+<p:sld xmlns:a="http://schemas.openxmlformats.org/drawingml/2006/main" xmlns:r="http://schemas.openxmlformats.org/officeDocument/2006/relationships" xmlns:p="http://schemas.openxmlformats.org/presentationml/2006/main">
+  <p:cSld>
+    <p:spTree>
+      <p:nvGrpSpPr>
+        <p:cNvPr id="1" name=""/>
+        <p:cNvGrpSpPr/>
+        <p:nvPr/>
+      </p:nvGrpSpPr>
+      <p:grpSpPr>
+        <a:xfrm>
+          <a:off x="0" y="0"/>
+          <a:ext cx="0" cy="0"/>
+          <a:chOff x="0" y="0"/>
+          <a:chExt cx="0" cy="0"/>
+        </a:xfrm>
+      </p:grpSpPr>
+      <p:sp>
+        <p:nvSpPr>
+          <p:cNvPr id="5" name="TextBox 4">
+            <a:extLst>
+              <a:ext uri="{FF2B5EF4-FFF2-40B4-BE49-F238E27FC236}">
+                <a16:creationId xmlns:a16="http://schemas.microsoft.com/office/drawing/2014/main" id="{DC422464-9851-8943-8AF1-FB2D7A92B483}"/>
+              </a:ext>
+            </a:extLst>
+          </p:cNvPr>
+          <p:cNvSpPr txBox="1"/>
+          <p:nvPr/>
+        </p:nvSpPr>
+        <p:spPr>
+          <a:xfrm>
+            <a:off x="434109" y="366623"/>
+            <a:ext cx="6096000" cy="6340197"/>
+          </a:xfrm>
+          <a:prstGeom prst="rect">
+            <a:avLst/>
+          </a:prstGeom>
+          <a:noFill/>
+        </p:spPr>
+        <p:txBody>
+          <a:bodyPr wrap="square">
+            <a:spAutoFit/>
+          </a:bodyPr>
+          <a:lstStyle/>
+          <a:p>
+            <a:r>
+              <a:rPr lang="ko-KR" altLang="en-US" sz="1400" dirty="0" err="1">
+                <a:latin typeface="Cascadia Code" pitchFamily="49" charset="0"/>
+                <a:cs typeface="Cascadia Code" pitchFamily="49" charset="0"/>
+              </a:rPr>
+              <a:t>class</a:t>
+            </a:r>
+            <a:r>
+              <a:rPr lang="ko-KR" altLang="en-US" sz="1400" dirty="0">
+                <a:latin typeface="Cascadia Code" pitchFamily="49" charset="0"/>
+                <a:cs typeface="Cascadia Code" pitchFamily="49" charset="0"/>
+              </a:rPr>
+              <a:t> </a:t>
+            </a:r>
+            <a:r>
+              <a:rPr lang="ko-KR" altLang="en-US" sz="1400" dirty="0" err="1">
+                <a:latin typeface="Cascadia Code" pitchFamily="49" charset="0"/>
+                <a:cs typeface="Cascadia Code" pitchFamily="49" charset="0"/>
+              </a:rPr>
+              <a:t>Dog</a:t>
+            </a:r>
+            <a:r>
+              <a:rPr lang="ko-KR" altLang="en-US" sz="1400" dirty="0">
+                <a:latin typeface="Cascadia Code" pitchFamily="49" charset="0"/>
+                <a:cs typeface="Cascadia Code" pitchFamily="49" charset="0"/>
+              </a:rPr>
+              <a:t> {</a:t>
+            </a:r>
+          </a:p>
+          <a:p>
+            <a:r>
+              <a:rPr lang="ko-KR" altLang="en-US" sz="1400" dirty="0">
+                <a:latin typeface="Cascadia Code" pitchFamily="49" charset="0"/>
+                <a:cs typeface="Cascadia Code" pitchFamily="49" charset="0"/>
+              </a:rPr>
+              <a:t>    </a:t>
+            </a:r>
+            <a:r>
+              <a:rPr lang="ko-KR" altLang="en-US" sz="1400" dirty="0" err="1">
+                <a:latin typeface="Cascadia Code" pitchFamily="49" charset="0"/>
+                <a:cs typeface="Cascadia Code" pitchFamily="49" charset="0"/>
+              </a:rPr>
+              <a:t>string</a:t>
+            </a:r>
+            <a:r>
+              <a:rPr lang="ko-KR" altLang="en-US" sz="1400" dirty="0">
+                <a:latin typeface="Cascadia Code" pitchFamily="49" charset="0"/>
+                <a:cs typeface="Cascadia Code" pitchFamily="49" charset="0"/>
+              </a:rPr>
+              <a:t> </a:t>
+            </a:r>
+            <a:r>
+              <a:rPr lang="ko-KR" altLang="en-US" sz="1400" dirty="0" err="1">
+                <a:latin typeface="Cascadia Code" pitchFamily="49" charset="0"/>
+                <a:cs typeface="Cascadia Code" pitchFamily="49" charset="0"/>
+              </a:rPr>
+              <a:t>name</a:t>
+            </a:r>
+            <a:r>
+              <a:rPr lang="ko-KR" altLang="en-US" sz="1400" dirty="0">
+                <a:latin typeface="Cascadia Code" pitchFamily="49" charset="0"/>
+                <a:cs typeface="Cascadia Code" pitchFamily="49" charset="0"/>
+              </a:rPr>
+              <a:t>;</a:t>
+            </a:r>
+          </a:p>
+          <a:p>
+            <a:r>
+              <a:rPr lang="ko-KR" altLang="en-US" sz="1400" dirty="0">
+                <a:latin typeface="Cascadia Code" pitchFamily="49" charset="0"/>
+                <a:cs typeface="Cascadia Code" pitchFamily="49" charset="0"/>
+              </a:rPr>
+              <a:t>    </a:t>
+            </a:r>
+            <a:r>
+              <a:rPr lang="ko-KR" altLang="en-US" sz="1400" dirty="0" err="1">
+                <a:latin typeface="Cascadia Code" pitchFamily="49" charset="0"/>
+                <a:cs typeface="Cascadia Code" pitchFamily="49" charset="0"/>
+              </a:rPr>
+              <a:t>int</a:t>
+            </a:r>
+            <a:r>
+              <a:rPr lang="ko-KR" altLang="en-US" sz="1400" dirty="0">
+                <a:latin typeface="Cascadia Code" pitchFamily="49" charset="0"/>
+                <a:cs typeface="Cascadia Code" pitchFamily="49" charset="0"/>
+              </a:rPr>
+              <a:t> </a:t>
+            </a:r>
+            <a:r>
+              <a:rPr lang="ko-KR" altLang="en-US" sz="1400" dirty="0" err="1">
+                <a:latin typeface="Cascadia Code" pitchFamily="49" charset="0"/>
+                <a:cs typeface="Cascadia Code" pitchFamily="49" charset="0"/>
+              </a:rPr>
+              <a:t>age</a:t>
+            </a:r>
+            <a:r>
+              <a:rPr lang="ko-KR" altLang="en-US" sz="1400" dirty="0">
+                <a:latin typeface="Cascadia Code" pitchFamily="49" charset="0"/>
+                <a:cs typeface="Cascadia Code" pitchFamily="49" charset="0"/>
+              </a:rPr>
+              <a:t>;</a:t>
+            </a:r>
+          </a:p>
+          <a:p>
+            <a:endParaRPr lang="ko-KR" altLang="en-US" sz="1400" dirty="0">
+              <a:latin typeface="Cascadia Code" pitchFamily="49" charset="0"/>
+              <a:cs typeface="Cascadia Code" pitchFamily="49" charset="0"/>
+            </a:endParaRPr>
+          </a:p>
+          <a:p>
+            <a:r>
+              <a:rPr lang="ko-KR" altLang="en-US" sz="1400" dirty="0" err="1">
+                <a:latin typeface="Cascadia Code" pitchFamily="49" charset="0"/>
+                <a:cs typeface="Cascadia Code" pitchFamily="49" charset="0"/>
+              </a:rPr>
+              <a:t>public</a:t>
+            </a:r>
+            <a:r>
+              <a:rPr lang="ko-KR" altLang="en-US" sz="1400" dirty="0">
+                <a:latin typeface="Cascadia Code" pitchFamily="49" charset="0"/>
+                <a:cs typeface="Cascadia Code" pitchFamily="49" charset="0"/>
+              </a:rPr>
+              <a:t>:</a:t>
+            </a:r>
+          </a:p>
+          <a:p>
+            <a:r>
+              <a:rPr lang="ko-KR" altLang="en-US" sz="1400" dirty="0">
+                <a:latin typeface="Cascadia Code" pitchFamily="49" charset="0"/>
+                <a:cs typeface="Cascadia Code" pitchFamily="49" charset="0"/>
+              </a:rPr>
+              <a:t>    </a:t>
+            </a:r>
+            <a:r>
+              <a:rPr lang="ko-KR" altLang="en-US" sz="1400" dirty="0" err="1">
+                <a:latin typeface="Cascadia Code" pitchFamily="49" charset="0"/>
+                <a:cs typeface="Cascadia Code" pitchFamily="49" charset="0"/>
+              </a:rPr>
+              <a:t>int</a:t>
+            </a:r>
+            <a:r>
+              <a:rPr lang="ko-KR" altLang="en-US" sz="1400" dirty="0">
+                <a:latin typeface="Cascadia Code" pitchFamily="49" charset="0"/>
+                <a:cs typeface="Cascadia Code" pitchFamily="49" charset="0"/>
+              </a:rPr>
+              <a:t> </a:t>
+            </a:r>
+            <a:r>
+              <a:rPr lang="ko-KR" altLang="en-US" sz="1400" dirty="0" err="1">
+                <a:latin typeface="Cascadia Code" pitchFamily="49" charset="0"/>
+                <a:cs typeface="Cascadia Code" pitchFamily="49" charset="0"/>
+              </a:rPr>
+              <a:t>GetAge</a:t>
+            </a:r>
+            <a:r>
+              <a:rPr lang="ko-KR" altLang="en-US" sz="1400" dirty="0">
+                <a:latin typeface="Cascadia Code" pitchFamily="49" charset="0"/>
+                <a:cs typeface="Cascadia Code" pitchFamily="49" charset="0"/>
+              </a:rPr>
+              <a:t>() </a:t>
+            </a:r>
+            <a:r>
+              <a:rPr lang="ko-KR" altLang="en-US" sz="1400" dirty="0" err="1">
+                <a:latin typeface="Cascadia Code" pitchFamily="49" charset="0"/>
+                <a:cs typeface="Cascadia Code" pitchFamily="49" charset="0"/>
+              </a:rPr>
+              <a:t>const</a:t>
+            </a:r>
+            <a:r>
+              <a:rPr lang="ko-KR" altLang="en-US" sz="1400" dirty="0">
+                <a:latin typeface="Cascadia Code" pitchFamily="49" charset="0"/>
+                <a:cs typeface="Cascadia Code" pitchFamily="49" charset="0"/>
+              </a:rPr>
+              <a:t> { </a:t>
+            </a:r>
+            <a:r>
+              <a:rPr lang="ko-KR" altLang="en-US" sz="1400" dirty="0" err="1">
+                <a:latin typeface="Cascadia Code" pitchFamily="49" charset="0"/>
+                <a:cs typeface="Cascadia Code" pitchFamily="49" charset="0"/>
+              </a:rPr>
+              <a:t>return</a:t>
+            </a:r>
+            <a:r>
+              <a:rPr lang="ko-KR" altLang="en-US" sz="1400" dirty="0">
+                <a:latin typeface="Cascadia Code" pitchFamily="49" charset="0"/>
+                <a:cs typeface="Cascadia Code" pitchFamily="49" charset="0"/>
+              </a:rPr>
+              <a:t> </a:t>
+            </a:r>
+            <a:r>
+              <a:rPr lang="ko-KR" altLang="en-US" sz="1400" dirty="0" err="1">
+                <a:latin typeface="Cascadia Code" pitchFamily="49" charset="0"/>
+                <a:cs typeface="Cascadia Code" pitchFamily="49" charset="0"/>
+              </a:rPr>
+              <a:t>age</a:t>
+            </a:r>
+            <a:r>
+              <a:rPr lang="ko-KR" altLang="en-US" sz="1400" dirty="0">
+                <a:latin typeface="Cascadia Code" pitchFamily="49" charset="0"/>
+                <a:cs typeface="Cascadia Code" pitchFamily="49" charset="0"/>
+              </a:rPr>
+              <a:t>; }</a:t>
+            </a:r>
+          </a:p>
+          <a:p>
+            <a:r>
+              <a:rPr lang="ko-KR" altLang="en-US" sz="1400" dirty="0">
+                <a:latin typeface="Cascadia Code" pitchFamily="49" charset="0"/>
+                <a:cs typeface="Cascadia Code" pitchFamily="49" charset="0"/>
+              </a:rPr>
+              <a:t>    </a:t>
+            </a:r>
+            <a:r>
+              <a:rPr lang="ko-KR" altLang="en-US" sz="1400" dirty="0" err="1">
+                <a:latin typeface="Cascadia Code" pitchFamily="49" charset="0"/>
+                <a:cs typeface="Cascadia Code" pitchFamily="49" charset="0"/>
+              </a:rPr>
+              <a:t>std</a:t>
+            </a:r>
+            <a:r>
+              <a:rPr lang="ko-KR" altLang="en-US" sz="1400" dirty="0">
+                <a:latin typeface="Cascadia Code" pitchFamily="49" charset="0"/>
+                <a:cs typeface="Cascadia Code" pitchFamily="49" charset="0"/>
+              </a:rPr>
+              <a:t>::</a:t>
+            </a:r>
+            <a:r>
+              <a:rPr lang="ko-KR" altLang="en-US" sz="1400" dirty="0" err="1">
+                <a:latin typeface="Cascadia Code" pitchFamily="49" charset="0"/>
+                <a:cs typeface="Cascadia Code" pitchFamily="49" charset="0"/>
+              </a:rPr>
+              <a:t>string</a:t>
+            </a:r>
+            <a:r>
+              <a:rPr lang="ko-KR" altLang="en-US" sz="1400" dirty="0">
+                <a:latin typeface="Cascadia Code" pitchFamily="49" charset="0"/>
+                <a:cs typeface="Cascadia Code" pitchFamily="49" charset="0"/>
+              </a:rPr>
+              <a:t> </a:t>
+            </a:r>
+            <a:r>
+              <a:rPr lang="ko-KR" altLang="en-US" sz="1400" dirty="0" err="1">
+                <a:latin typeface="Cascadia Code" pitchFamily="49" charset="0"/>
+                <a:cs typeface="Cascadia Code" pitchFamily="49" charset="0"/>
+              </a:rPr>
+              <a:t>GetName</a:t>
+            </a:r>
+            <a:r>
+              <a:rPr lang="ko-KR" altLang="en-US" sz="1400" dirty="0">
+                <a:latin typeface="Cascadia Code" pitchFamily="49" charset="0"/>
+                <a:cs typeface="Cascadia Code" pitchFamily="49" charset="0"/>
+              </a:rPr>
+              <a:t>() </a:t>
+            </a:r>
+            <a:r>
+              <a:rPr lang="ko-KR" altLang="en-US" sz="1400" dirty="0" err="1">
+                <a:latin typeface="Cascadia Code" pitchFamily="49" charset="0"/>
+                <a:cs typeface="Cascadia Code" pitchFamily="49" charset="0"/>
+              </a:rPr>
+              <a:t>const</a:t>
+            </a:r>
+            <a:r>
+              <a:rPr lang="ko-KR" altLang="en-US" sz="1400" dirty="0">
+                <a:latin typeface="Cascadia Code" pitchFamily="49" charset="0"/>
+                <a:cs typeface="Cascadia Code" pitchFamily="49" charset="0"/>
+              </a:rPr>
+              <a:t> { </a:t>
+            </a:r>
+            <a:r>
+              <a:rPr lang="ko-KR" altLang="en-US" sz="1400" dirty="0" err="1">
+                <a:latin typeface="Cascadia Code" pitchFamily="49" charset="0"/>
+                <a:cs typeface="Cascadia Code" pitchFamily="49" charset="0"/>
+              </a:rPr>
+              <a:t>return</a:t>
+            </a:r>
+            <a:r>
+              <a:rPr lang="ko-KR" altLang="en-US" sz="1400" dirty="0">
+                <a:latin typeface="Cascadia Code" pitchFamily="49" charset="0"/>
+                <a:cs typeface="Cascadia Code" pitchFamily="49" charset="0"/>
+              </a:rPr>
+              <a:t> </a:t>
+            </a:r>
+            <a:r>
+              <a:rPr lang="ko-KR" altLang="en-US" sz="1400" dirty="0" err="1">
+                <a:latin typeface="Cascadia Code" pitchFamily="49" charset="0"/>
+                <a:cs typeface="Cascadia Code" pitchFamily="49" charset="0"/>
+              </a:rPr>
+              <a:t>name</a:t>
+            </a:r>
+            <a:r>
+              <a:rPr lang="ko-KR" altLang="en-US" sz="1400" dirty="0">
+                <a:latin typeface="Cascadia Code" pitchFamily="49" charset="0"/>
+                <a:cs typeface="Cascadia Code" pitchFamily="49" charset="0"/>
+              </a:rPr>
+              <a:t>; }</a:t>
+            </a:r>
+          </a:p>
+          <a:p>
+            <a:r>
+              <a:rPr lang="ko-KR" altLang="en-US" sz="1400" dirty="0">
+                <a:latin typeface="Cascadia Code" pitchFamily="49" charset="0"/>
+                <a:cs typeface="Cascadia Code" pitchFamily="49" charset="0"/>
+              </a:rPr>
+              <a:t>};</a:t>
+            </a:r>
+          </a:p>
+          <a:p>
+            <a:endParaRPr lang="ko-KR" altLang="en-US" sz="1400" dirty="0">
+              <a:latin typeface="Cascadia Code" pitchFamily="49" charset="0"/>
+              <a:cs typeface="Cascadia Code" pitchFamily="49" charset="0"/>
+            </a:endParaRPr>
+          </a:p>
+          <a:p>
+            <a:r>
+              <a:rPr lang="ko-KR" altLang="en-US" sz="1400" dirty="0" err="1">
+                <a:latin typeface="Cascadia Code" pitchFamily="49" charset="0"/>
+                <a:cs typeface="Cascadia Code" pitchFamily="49" charset="0"/>
+              </a:rPr>
+              <a:t>class</a:t>
+            </a:r>
+            <a:r>
+              <a:rPr lang="ko-KR" altLang="en-US" sz="1400" dirty="0">
+                <a:latin typeface="Cascadia Code" pitchFamily="49" charset="0"/>
+                <a:cs typeface="Cascadia Code" pitchFamily="49" charset="0"/>
+              </a:rPr>
+              <a:t> </a:t>
+            </a:r>
+            <a:r>
+              <a:rPr lang="ko-KR" altLang="en-US" sz="1400" dirty="0" err="1">
+                <a:latin typeface="Cascadia Code" pitchFamily="49" charset="0"/>
+                <a:cs typeface="Cascadia Code" pitchFamily="49" charset="0"/>
+              </a:rPr>
+              <a:t>Cat</a:t>
+            </a:r>
+            <a:r>
+              <a:rPr lang="ko-KR" altLang="en-US" sz="1400" dirty="0">
+                <a:latin typeface="Cascadia Code" pitchFamily="49" charset="0"/>
+                <a:cs typeface="Cascadia Code" pitchFamily="49" charset="0"/>
+              </a:rPr>
+              <a:t> {</a:t>
+            </a:r>
+          </a:p>
+          <a:p>
+            <a:r>
+              <a:rPr lang="ko-KR" altLang="en-US" sz="1400" dirty="0">
+                <a:latin typeface="Cascadia Code" pitchFamily="49" charset="0"/>
+                <a:cs typeface="Cascadia Code" pitchFamily="49" charset="0"/>
+              </a:rPr>
+              <a:t>    </a:t>
+            </a:r>
+            <a:r>
+              <a:rPr lang="ko-KR" altLang="en-US" sz="1400" dirty="0" err="1">
+                <a:latin typeface="Cascadia Code" pitchFamily="49" charset="0"/>
+                <a:cs typeface="Cascadia Code" pitchFamily="49" charset="0"/>
+              </a:rPr>
+              <a:t>int</a:t>
+            </a:r>
+            <a:r>
+              <a:rPr lang="ko-KR" altLang="en-US" sz="1400" dirty="0">
+                <a:latin typeface="Cascadia Code" pitchFamily="49" charset="0"/>
+                <a:cs typeface="Cascadia Code" pitchFamily="49" charset="0"/>
+              </a:rPr>
+              <a:t> </a:t>
+            </a:r>
+            <a:r>
+              <a:rPr lang="ko-KR" altLang="en-US" sz="1400" dirty="0" err="1">
+                <a:latin typeface="Cascadia Code" pitchFamily="49" charset="0"/>
+                <a:cs typeface="Cascadia Code" pitchFamily="49" charset="0"/>
+              </a:rPr>
+              <a:t>age</a:t>
+            </a:r>
+            <a:r>
+              <a:rPr lang="ko-KR" altLang="en-US" sz="1400" dirty="0">
+                <a:latin typeface="Cascadia Code" pitchFamily="49" charset="0"/>
+                <a:cs typeface="Cascadia Code" pitchFamily="49" charset="0"/>
+              </a:rPr>
+              <a:t>;</a:t>
+            </a:r>
+          </a:p>
+          <a:p>
+            <a:r>
+              <a:rPr lang="ko-KR" altLang="en-US" sz="1400" dirty="0">
+                <a:latin typeface="Cascadia Code" pitchFamily="49" charset="0"/>
+                <a:cs typeface="Cascadia Code" pitchFamily="49" charset="0"/>
+              </a:rPr>
+              <a:t>    </a:t>
+            </a:r>
+            <a:r>
+              <a:rPr lang="ko-KR" altLang="en-US" sz="1400" dirty="0" err="1">
+                <a:latin typeface="Cascadia Code" pitchFamily="49" charset="0"/>
+                <a:cs typeface="Cascadia Code" pitchFamily="49" charset="0"/>
+              </a:rPr>
+              <a:t>int</a:t>
+            </a:r>
+            <a:r>
+              <a:rPr lang="ko-KR" altLang="en-US" sz="1400" dirty="0">
+                <a:latin typeface="Cascadia Code" pitchFamily="49" charset="0"/>
+                <a:cs typeface="Cascadia Code" pitchFamily="49" charset="0"/>
+              </a:rPr>
+              <a:t> </a:t>
+            </a:r>
+            <a:r>
+              <a:rPr lang="ko-KR" altLang="en-US" sz="1400" dirty="0" err="1">
+                <a:latin typeface="Cascadia Code" pitchFamily="49" charset="0"/>
+                <a:cs typeface="Cascadia Code" pitchFamily="49" charset="0"/>
+              </a:rPr>
+              <a:t>speed</a:t>
+            </a:r>
+            <a:r>
+              <a:rPr lang="ko-KR" altLang="en-US" sz="1400" dirty="0">
+                <a:latin typeface="Cascadia Code" pitchFamily="49" charset="0"/>
+                <a:cs typeface="Cascadia Code" pitchFamily="49" charset="0"/>
+              </a:rPr>
+              <a:t>;</a:t>
+            </a:r>
+          </a:p>
+          <a:p>
+            <a:endParaRPr lang="ko-KR" altLang="en-US" sz="1400" dirty="0">
+              <a:latin typeface="Cascadia Code" pitchFamily="49" charset="0"/>
+              <a:cs typeface="Cascadia Code" pitchFamily="49" charset="0"/>
+            </a:endParaRPr>
+          </a:p>
+          <a:p>
+            <a:r>
+              <a:rPr lang="ko-KR" altLang="en-US" sz="1400" dirty="0" err="1">
+                <a:latin typeface="Cascadia Code" pitchFamily="49" charset="0"/>
+                <a:cs typeface="Cascadia Code" pitchFamily="49" charset="0"/>
+              </a:rPr>
+              <a:t>public</a:t>
+            </a:r>
+            <a:r>
+              <a:rPr lang="ko-KR" altLang="en-US" sz="1400" dirty="0">
+                <a:latin typeface="Cascadia Code" pitchFamily="49" charset="0"/>
+                <a:cs typeface="Cascadia Code" pitchFamily="49" charset="0"/>
+              </a:rPr>
+              <a:t>:</a:t>
+            </a:r>
+          </a:p>
+          <a:p>
+            <a:r>
+              <a:rPr lang="ko-KR" altLang="en-US" sz="1400" dirty="0">
+                <a:latin typeface="Cascadia Code" pitchFamily="49" charset="0"/>
+                <a:cs typeface="Cascadia Code" pitchFamily="49" charset="0"/>
+              </a:rPr>
+              <a:t>    </a:t>
+            </a:r>
+            <a:r>
+              <a:rPr lang="ko-KR" altLang="en-US" sz="1400" dirty="0" err="1">
+                <a:latin typeface="Cascadia Code" pitchFamily="49" charset="0"/>
+                <a:cs typeface="Cascadia Code" pitchFamily="49" charset="0"/>
+              </a:rPr>
+              <a:t>int</a:t>
+            </a:r>
+            <a:r>
+              <a:rPr lang="ko-KR" altLang="en-US" sz="1400" dirty="0">
+                <a:latin typeface="Cascadia Code" pitchFamily="49" charset="0"/>
+                <a:cs typeface="Cascadia Code" pitchFamily="49" charset="0"/>
+              </a:rPr>
+              <a:t> </a:t>
+            </a:r>
+            <a:r>
+              <a:rPr lang="ko-KR" altLang="en-US" sz="1400" dirty="0" err="1">
+                <a:latin typeface="Cascadia Code" pitchFamily="49" charset="0"/>
+                <a:cs typeface="Cascadia Code" pitchFamily="49" charset="0"/>
+              </a:rPr>
+              <a:t>GetAge</a:t>
+            </a:r>
+            <a:r>
+              <a:rPr lang="ko-KR" altLang="en-US" sz="1400" dirty="0">
+                <a:latin typeface="Cascadia Code" pitchFamily="49" charset="0"/>
+                <a:cs typeface="Cascadia Code" pitchFamily="49" charset="0"/>
+              </a:rPr>
+              <a:t>() </a:t>
+            </a:r>
+            <a:r>
+              <a:rPr lang="ko-KR" altLang="en-US" sz="1400" dirty="0" err="1">
+                <a:latin typeface="Cascadia Code" pitchFamily="49" charset="0"/>
+                <a:cs typeface="Cascadia Code" pitchFamily="49" charset="0"/>
+              </a:rPr>
+              <a:t>const</a:t>
+            </a:r>
+            <a:r>
+              <a:rPr lang="ko-KR" altLang="en-US" sz="1400" dirty="0">
+                <a:latin typeface="Cascadia Code" pitchFamily="49" charset="0"/>
+                <a:cs typeface="Cascadia Code" pitchFamily="49" charset="0"/>
+              </a:rPr>
+              <a:t> { </a:t>
+            </a:r>
+            <a:r>
+              <a:rPr lang="ko-KR" altLang="en-US" sz="1400" dirty="0" err="1">
+                <a:latin typeface="Cascadia Code" pitchFamily="49" charset="0"/>
+                <a:cs typeface="Cascadia Code" pitchFamily="49" charset="0"/>
+              </a:rPr>
+              <a:t>return</a:t>
+            </a:r>
+            <a:r>
+              <a:rPr lang="ko-KR" altLang="en-US" sz="1400" dirty="0">
+                <a:latin typeface="Cascadia Code" pitchFamily="49" charset="0"/>
+                <a:cs typeface="Cascadia Code" pitchFamily="49" charset="0"/>
+              </a:rPr>
+              <a:t> </a:t>
+            </a:r>
+            <a:r>
+              <a:rPr lang="ko-KR" altLang="en-US" sz="1400" dirty="0" err="1">
+                <a:latin typeface="Cascadia Code" pitchFamily="49" charset="0"/>
+                <a:cs typeface="Cascadia Code" pitchFamily="49" charset="0"/>
+              </a:rPr>
+              <a:t>age</a:t>
+            </a:r>
+            <a:r>
+              <a:rPr lang="ko-KR" altLang="en-US" sz="1400" dirty="0">
+                <a:latin typeface="Cascadia Code" pitchFamily="49" charset="0"/>
+                <a:cs typeface="Cascadia Code" pitchFamily="49" charset="0"/>
+              </a:rPr>
+              <a:t>; }</a:t>
+            </a:r>
+          </a:p>
+          <a:p>
+            <a:r>
+              <a:rPr lang="ko-KR" altLang="en-US" sz="1400" dirty="0">
+                <a:latin typeface="Cascadia Code" pitchFamily="49" charset="0"/>
+                <a:cs typeface="Cascadia Code" pitchFamily="49" charset="0"/>
+              </a:rPr>
+              <a:t>    </a:t>
+            </a:r>
+            <a:r>
+              <a:rPr lang="ko-KR" altLang="en-US" sz="1400" dirty="0" err="1">
+                <a:latin typeface="Cascadia Code" pitchFamily="49" charset="0"/>
+                <a:cs typeface="Cascadia Code" pitchFamily="49" charset="0"/>
+              </a:rPr>
+              <a:t>int</a:t>
+            </a:r>
+            <a:r>
+              <a:rPr lang="ko-KR" altLang="en-US" sz="1400" dirty="0">
+                <a:latin typeface="Cascadia Code" pitchFamily="49" charset="0"/>
+                <a:cs typeface="Cascadia Code" pitchFamily="49" charset="0"/>
+              </a:rPr>
+              <a:t> </a:t>
+            </a:r>
+            <a:r>
+              <a:rPr lang="ko-KR" altLang="en-US" sz="1400" dirty="0" err="1">
+                <a:latin typeface="Cascadia Code" pitchFamily="49" charset="0"/>
+                <a:cs typeface="Cascadia Code" pitchFamily="49" charset="0"/>
+              </a:rPr>
+              <a:t>GetSpeed</a:t>
+            </a:r>
+            <a:r>
+              <a:rPr lang="ko-KR" altLang="en-US" sz="1400" dirty="0">
+                <a:latin typeface="Cascadia Code" pitchFamily="49" charset="0"/>
+                <a:cs typeface="Cascadia Code" pitchFamily="49" charset="0"/>
+              </a:rPr>
+              <a:t>() </a:t>
+            </a:r>
+            <a:r>
+              <a:rPr lang="ko-KR" altLang="en-US" sz="1400" dirty="0" err="1">
+                <a:latin typeface="Cascadia Code" pitchFamily="49" charset="0"/>
+                <a:cs typeface="Cascadia Code" pitchFamily="49" charset="0"/>
+              </a:rPr>
+              <a:t>const</a:t>
+            </a:r>
+            <a:r>
+              <a:rPr lang="ko-KR" altLang="en-US" sz="1400" dirty="0">
+                <a:latin typeface="Cascadia Code" pitchFamily="49" charset="0"/>
+                <a:cs typeface="Cascadia Code" pitchFamily="49" charset="0"/>
+              </a:rPr>
+              <a:t> { </a:t>
+            </a:r>
+            <a:r>
+              <a:rPr lang="ko-KR" altLang="en-US" sz="1400" dirty="0" err="1">
+                <a:latin typeface="Cascadia Code" pitchFamily="49" charset="0"/>
+                <a:cs typeface="Cascadia Code" pitchFamily="49" charset="0"/>
+              </a:rPr>
+              <a:t>return</a:t>
+            </a:r>
+            <a:r>
+              <a:rPr lang="ko-KR" altLang="en-US" sz="1400" dirty="0">
+                <a:latin typeface="Cascadia Code" pitchFamily="49" charset="0"/>
+                <a:cs typeface="Cascadia Code" pitchFamily="49" charset="0"/>
+              </a:rPr>
+              <a:t> </a:t>
+            </a:r>
+            <a:r>
+              <a:rPr lang="ko-KR" altLang="en-US" sz="1400" dirty="0" err="1">
+                <a:latin typeface="Cascadia Code" pitchFamily="49" charset="0"/>
+                <a:cs typeface="Cascadia Code" pitchFamily="49" charset="0"/>
+              </a:rPr>
+              <a:t>speed</a:t>
+            </a:r>
+            <a:r>
+              <a:rPr lang="ko-KR" altLang="en-US" sz="1400" dirty="0">
+                <a:latin typeface="Cascadia Code" pitchFamily="49" charset="0"/>
+                <a:cs typeface="Cascadia Code" pitchFamily="49" charset="0"/>
+              </a:rPr>
+              <a:t>; }</a:t>
+            </a:r>
+          </a:p>
+          <a:p>
+            <a:r>
+              <a:rPr lang="ko-KR" altLang="en-US" sz="1400" dirty="0">
+                <a:latin typeface="Cascadia Code" pitchFamily="49" charset="0"/>
+                <a:cs typeface="Cascadia Code" pitchFamily="49" charset="0"/>
+              </a:rPr>
+              <a:t>};</a:t>
+            </a:r>
+          </a:p>
+          <a:p>
+            <a:endParaRPr lang="ko-KR" altLang="en-US" sz="1400" dirty="0">
+              <a:latin typeface="Cascadia Code" pitchFamily="49" charset="0"/>
+              <a:cs typeface="Cascadia Code" pitchFamily="49" charset="0"/>
+            </a:endParaRPr>
+          </a:p>
+          <a:p>
+            <a:r>
+              <a:rPr lang="ko-KR" altLang="en-US" sz="1400" dirty="0" err="1">
+                <a:latin typeface="Cascadia Code" pitchFamily="49" charset="0"/>
+                <a:cs typeface="Cascadia Code" pitchFamily="49" charset="0"/>
+              </a:rPr>
+              <a:t>int</a:t>
+            </a:r>
+            <a:r>
+              <a:rPr lang="ko-KR" altLang="en-US" sz="1400" dirty="0">
+                <a:latin typeface="Cascadia Code" pitchFamily="49" charset="0"/>
+                <a:cs typeface="Cascadia Code" pitchFamily="49" charset="0"/>
+              </a:rPr>
+              <a:t> </a:t>
+            </a:r>
+            <a:r>
+              <a:rPr lang="ko-KR" altLang="en-US" sz="1400" dirty="0" err="1">
+                <a:latin typeface="Cascadia Code" pitchFamily="49" charset="0"/>
+                <a:cs typeface="Cascadia Code" pitchFamily="49" charset="0"/>
+              </a:rPr>
+              <a:t>main</a:t>
+            </a:r>
+            <a:r>
+              <a:rPr lang="ko-KR" altLang="en-US" sz="1400" dirty="0">
+                <a:latin typeface="Cascadia Code" pitchFamily="49" charset="0"/>
+                <a:cs typeface="Cascadia Code" pitchFamily="49" charset="0"/>
+              </a:rPr>
+              <a:t>()</a:t>
+            </a:r>
+          </a:p>
+          <a:p>
+            <a:r>
+              <a:rPr lang="ko-KR" altLang="en-US" sz="1400" dirty="0">
+                <a:latin typeface="Cascadia Code" pitchFamily="49" charset="0"/>
+                <a:cs typeface="Cascadia Code" pitchFamily="49" charset="0"/>
+              </a:rPr>
+              <a:t>{</a:t>
+            </a:r>
+          </a:p>
+          <a:p>
+            <a:r>
+              <a:rPr lang="ko-KR" altLang="en-US" sz="1400" dirty="0">
+                <a:solidFill>
+                  <a:srgbClr val="FF0000"/>
+                </a:solidFill>
+                <a:latin typeface="Cascadia Code" pitchFamily="49" charset="0"/>
+                <a:cs typeface="Cascadia Code" pitchFamily="49" charset="0"/>
+              </a:rPr>
+              <a:t>    </a:t>
+            </a:r>
+            <a:r>
+              <a:rPr lang="ko-KR" altLang="en-US" sz="1400" dirty="0" err="1">
+                <a:solidFill>
+                  <a:srgbClr val="FF0000"/>
+                </a:solidFill>
+                <a:latin typeface="Cascadia Code" pitchFamily="49" charset="0"/>
+                <a:cs typeface="Cascadia Code" pitchFamily="49" charset="0"/>
+              </a:rPr>
+              <a:t>Dog</a:t>
+            </a:r>
+            <a:r>
+              <a:rPr lang="ko-KR" altLang="en-US" sz="1400" dirty="0">
+                <a:solidFill>
+                  <a:srgbClr val="FF0000"/>
+                </a:solidFill>
+                <a:latin typeface="Cascadia Code" pitchFamily="49" charset="0"/>
+                <a:cs typeface="Cascadia Code" pitchFamily="49" charset="0"/>
+              </a:rPr>
+              <a:t> </a:t>
+            </a:r>
+            <a:r>
+              <a:rPr lang="ko-KR" altLang="en-US" sz="1400" dirty="0" err="1">
+                <a:solidFill>
+                  <a:srgbClr val="FF0000"/>
+                </a:solidFill>
+                <a:latin typeface="Cascadia Code" pitchFamily="49" charset="0"/>
+                <a:cs typeface="Cascadia Code" pitchFamily="49" charset="0"/>
+              </a:rPr>
+              <a:t>d</a:t>
+            </a:r>
+            <a:r>
+              <a:rPr lang="ko-KR" altLang="en-US" sz="1400" dirty="0">
+                <a:solidFill>
+                  <a:srgbClr val="FF0000"/>
+                </a:solidFill>
+                <a:latin typeface="Cascadia Code" pitchFamily="49" charset="0"/>
+                <a:cs typeface="Cascadia Code" pitchFamily="49" charset="0"/>
+              </a:rPr>
+              <a:t>;</a:t>
+            </a:r>
+            <a:endParaRPr lang="en-US" altLang="ko-KR" sz="1400" dirty="0">
+              <a:solidFill>
+                <a:srgbClr val="FF0000"/>
+              </a:solidFill>
+              <a:latin typeface="Cascadia Code" pitchFamily="49" charset="0"/>
+              <a:cs typeface="Cascadia Code" pitchFamily="49" charset="0"/>
+            </a:endParaRPr>
+          </a:p>
+          <a:p>
+            <a:r>
+              <a:rPr lang="en-US" altLang="ko-KR" sz="1400" dirty="0">
+                <a:latin typeface="Cascadia Code" pitchFamily="49" charset="0"/>
+                <a:cs typeface="Cascadia Code" pitchFamily="49" charset="0"/>
+              </a:rPr>
+              <a:t>    </a:t>
+            </a:r>
+            <a:r>
+              <a:rPr lang="ko-KR" altLang="en-US" sz="1400" dirty="0" err="1">
+                <a:latin typeface="Cascadia Code" pitchFamily="49" charset="0"/>
+                <a:cs typeface="Cascadia Code" pitchFamily="49" charset="0"/>
+              </a:rPr>
+              <a:t>Cat</a:t>
+            </a:r>
+            <a:r>
+              <a:rPr lang="ko-KR" altLang="en-US" sz="1400" dirty="0">
+                <a:latin typeface="Cascadia Code" pitchFamily="49" charset="0"/>
+                <a:cs typeface="Cascadia Code" pitchFamily="49" charset="0"/>
+              </a:rPr>
+              <a:t> c;</a:t>
+            </a:r>
+          </a:p>
+          <a:p>
+            <a:r>
+              <a:rPr lang="ko-KR" altLang="en-US" sz="1400" dirty="0">
+                <a:latin typeface="Cascadia Code" pitchFamily="49" charset="0"/>
+                <a:cs typeface="Cascadia Code" pitchFamily="49" charset="0"/>
+              </a:rPr>
+              <a:t>    </a:t>
+            </a:r>
+            <a:endParaRPr lang="en-US" altLang="ko-KR" sz="1400" dirty="0">
+              <a:latin typeface="Cascadia Code" pitchFamily="49" charset="0"/>
+              <a:cs typeface="Cascadia Code" pitchFamily="49" charset="0"/>
+            </a:endParaRPr>
+          </a:p>
+          <a:p>
+            <a:r>
+              <a:rPr lang="en-US" altLang="ko-KR" sz="1400" dirty="0">
+                <a:latin typeface="Cascadia Code" pitchFamily="49" charset="0"/>
+                <a:cs typeface="Cascadia Code" pitchFamily="49" charset="0"/>
+              </a:rPr>
+              <a:t>    </a:t>
+            </a:r>
+            <a:r>
+              <a:rPr lang="ko-KR" altLang="en-US" sz="1400" dirty="0" err="1">
+                <a:latin typeface="Cascadia Code" pitchFamily="49" charset="0"/>
+                <a:cs typeface="Cascadia Code" pitchFamily="49" charset="0"/>
+              </a:rPr>
+              <a:t>d.GetAge</a:t>
+            </a:r>
+            <a:r>
+              <a:rPr lang="ko-KR" altLang="en-US" sz="1400" dirty="0">
+                <a:latin typeface="Cascadia Code" pitchFamily="49" charset="0"/>
+                <a:cs typeface="Cascadia Code" pitchFamily="49" charset="0"/>
+              </a:rPr>
+              <a:t>();</a:t>
+            </a:r>
+          </a:p>
+          <a:p>
+            <a:r>
+              <a:rPr lang="ko-KR" altLang="en-US" sz="1400" dirty="0">
+                <a:latin typeface="Cascadia Code" pitchFamily="49" charset="0"/>
+                <a:cs typeface="Cascadia Code" pitchFamily="49" charset="0"/>
+              </a:rPr>
+              <a:t>    </a:t>
+            </a:r>
+            <a:r>
+              <a:rPr lang="ko-KR" altLang="en-US" sz="1400" dirty="0" err="1">
+                <a:latin typeface="Cascadia Code" pitchFamily="49" charset="0"/>
+                <a:cs typeface="Cascadia Code" pitchFamily="49" charset="0"/>
+              </a:rPr>
+              <a:t>d.GetName</a:t>
+            </a:r>
+            <a:r>
+              <a:rPr lang="ko-KR" altLang="en-US" sz="1400" dirty="0">
+                <a:latin typeface="Cascadia Code" pitchFamily="49" charset="0"/>
+                <a:cs typeface="Cascadia Code" pitchFamily="49" charset="0"/>
+              </a:rPr>
+              <a:t>();</a:t>
+            </a:r>
+          </a:p>
+          <a:p>
+            <a:endParaRPr lang="ko-KR" altLang="en-US" sz="1400" dirty="0">
+              <a:latin typeface="Cascadia Code" pitchFamily="49" charset="0"/>
+              <a:cs typeface="Cascadia Code" pitchFamily="49" charset="0"/>
+            </a:endParaRPr>
+          </a:p>
+          <a:p>
+            <a:r>
+              <a:rPr lang="en-US" altLang="ko-KR" sz="1400" dirty="0">
+                <a:latin typeface="Cascadia Code" pitchFamily="49" charset="0"/>
+                <a:cs typeface="Cascadia Code" pitchFamily="49" charset="0"/>
+              </a:rPr>
+              <a:t>    </a:t>
+            </a:r>
+            <a:r>
+              <a:rPr lang="ko-KR" altLang="en-US" sz="1400" dirty="0" err="1">
+                <a:latin typeface="Cascadia Code" pitchFamily="49" charset="0"/>
+                <a:cs typeface="Cascadia Code" pitchFamily="49" charset="0"/>
+              </a:rPr>
+              <a:t>c.GetAge</a:t>
+            </a:r>
+            <a:r>
+              <a:rPr lang="ko-KR" altLang="en-US" sz="1400" dirty="0">
+                <a:latin typeface="Cascadia Code" pitchFamily="49" charset="0"/>
+                <a:cs typeface="Cascadia Code" pitchFamily="49" charset="0"/>
+              </a:rPr>
+              <a:t>();</a:t>
+            </a:r>
+          </a:p>
+          <a:p>
+            <a:r>
+              <a:rPr lang="ko-KR" altLang="en-US" sz="1400" dirty="0">
+                <a:latin typeface="Cascadia Code" pitchFamily="49" charset="0"/>
+                <a:cs typeface="Cascadia Code" pitchFamily="49" charset="0"/>
+              </a:rPr>
+              <a:t>    </a:t>
+            </a:r>
+            <a:r>
+              <a:rPr lang="ko-KR" altLang="en-US" sz="1400" dirty="0" err="1">
+                <a:latin typeface="Cascadia Code" pitchFamily="49" charset="0"/>
+                <a:cs typeface="Cascadia Code" pitchFamily="49" charset="0"/>
+              </a:rPr>
+              <a:t>c.GetSpeed</a:t>
+            </a:r>
+            <a:r>
+              <a:rPr lang="ko-KR" altLang="en-US" sz="1400" dirty="0">
+                <a:latin typeface="Cascadia Code" pitchFamily="49" charset="0"/>
+                <a:cs typeface="Cascadia Code" pitchFamily="49" charset="0"/>
+              </a:rPr>
+              <a:t>();</a:t>
+            </a:r>
+          </a:p>
+          <a:p>
+            <a:r>
+              <a:rPr lang="ko-KR" altLang="en-US" sz="1400" dirty="0">
+                <a:latin typeface="Cascadia Code" pitchFamily="49" charset="0"/>
+                <a:cs typeface="Cascadia Code" pitchFamily="49" charset="0"/>
+              </a:rPr>
+              <a:t>}</a:t>
+            </a:r>
+          </a:p>
+        </p:txBody>
+      </p:sp>
+      <p:sp>
+        <p:nvSpPr>
+          <p:cNvPr id="6" name="직사각형 5">
+            <a:extLst>
+              <a:ext uri="{FF2B5EF4-FFF2-40B4-BE49-F238E27FC236}">
+                <a16:creationId xmlns:a16="http://schemas.microsoft.com/office/drawing/2014/main" id="{92B82B8C-E2D2-AA81-99EE-82A975C1A042}"/>
+              </a:ext>
+            </a:extLst>
+          </p:cNvPr>
+          <p:cNvSpPr/>
+          <p:nvPr/>
+        </p:nvSpPr>
+        <p:spPr>
+          <a:xfrm>
+            <a:off x="7515630" y="3162626"/>
+            <a:ext cx="1120140" cy="610463"/>
+          </a:xfrm>
+          <a:prstGeom prst="rect">
+            <a:avLst/>
+          </a:prstGeom>
+          <a:solidFill>
+            <a:srgbClr val="FFFF00"/>
+          </a:solidFill>
+        </p:spPr>
+        <p:style>
+          <a:lnRef idx="2">
+            <a:schemeClr val="accent1">
+              <a:shade val="15000"/>
+            </a:schemeClr>
+          </a:lnRef>
+          <a:fillRef idx="1">
+            <a:schemeClr val="accent1"/>
+          </a:fillRef>
+          <a:effectRef idx="0">
+            <a:schemeClr val="accent1"/>
+          </a:effectRef>
+          <a:fontRef idx="minor">
+            <a:schemeClr val="lt1"/>
+          </a:fontRef>
+        </p:style>
+        <p:txBody>
+          <a:bodyPr rtlCol="0" anchor="ctr"/>
+          <a:lstStyle/>
+          <a:p>
+            <a:pPr algn="ctr"/>
+            <a:endParaRPr kumimoji="1" lang="ko-KR" altLang="en-US" sz="1600" dirty="0">
+              <a:solidFill>
+                <a:schemeClr val="tx1"/>
+              </a:solidFill>
+              <a:latin typeface="Cascadia Code" pitchFamily="49" charset="0"/>
+              <a:cs typeface="Cascadia Code" pitchFamily="49" charset="0"/>
+            </a:endParaRPr>
+          </a:p>
+        </p:txBody>
+      </p:sp>
+      <p:sp>
+        <p:nvSpPr>
+          <p:cNvPr id="7" name="TextBox 6">
+            <a:extLst>
+              <a:ext uri="{FF2B5EF4-FFF2-40B4-BE49-F238E27FC236}">
+                <a16:creationId xmlns:a16="http://schemas.microsoft.com/office/drawing/2014/main" id="{69A02349-4094-7DAE-E839-9B1375CC61EB}"/>
+              </a:ext>
+            </a:extLst>
+          </p:cNvPr>
+          <p:cNvSpPr txBox="1"/>
+          <p:nvPr/>
+        </p:nvSpPr>
+        <p:spPr>
+          <a:xfrm>
+            <a:off x="6807202" y="3298580"/>
+            <a:ext cx="677948" cy="338554"/>
+          </a:xfrm>
+          <a:prstGeom prst="rect">
+            <a:avLst/>
+          </a:prstGeom>
+          <a:noFill/>
+        </p:spPr>
+        <p:txBody>
+          <a:bodyPr wrap="square" rtlCol="0">
+            <a:spAutoFit/>
+          </a:bodyPr>
+          <a:lstStyle/>
+          <a:p>
+            <a:pPr algn="ctr"/>
+            <a:r>
+              <a:rPr kumimoji="1" lang="en-US" altLang="ko-KR" sz="1600" dirty="0">
+                <a:latin typeface="Cascadia Code" pitchFamily="49" charset="0"/>
+                <a:ea typeface="Cascadia Code" pitchFamily="49" charset="0"/>
+                <a:cs typeface="Cascadia Code" pitchFamily="49" charset="0"/>
+              </a:rPr>
+              <a:t>name</a:t>
+            </a:r>
+            <a:endParaRPr kumimoji="1" lang="ko-KR" altLang="en-US" sz="1600" dirty="0">
+              <a:latin typeface="Cascadia Code" pitchFamily="49" charset="0"/>
+              <a:ea typeface="Cascadia Code" pitchFamily="49" charset="0"/>
+              <a:cs typeface="Cascadia Code" pitchFamily="49" charset="0"/>
+            </a:endParaRPr>
+          </a:p>
+        </p:txBody>
+      </p:sp>
+      <p:sp>
+        <p:nvSpPr>
+          <p:cNvPr id="8" name="직사각형 7">
+            <a:extLst>
+              <a:ext uri="{FF2B5EF4-FFF2-40B4-BE49-F238E27FC236}">
+                <a16:creationId xmlns:a16="http://schemas.microsoft.com/office/drawing/2014/main" id="{70273857-1ADF-BF5F-1C3E-CB91A4385411}"/>
+              </a:ext>
+            </a:extLst>
+          </p:cNvPr>
+          <p:cNvSpPr/>
+          <p:nvPr/>
+        </p:nvSpPr>
+        <p:spPr>
+          <a:xfrm>
+            <a:off x="7515630" y="3773089"/>
+            <a:ext cx="1120140" cy="610463"/>
+          </a:xfrm>
+          <a:prstGeom prst="rect">
+            <a:avLst/>
+          </a:prstGeom>
+          <a:solidFill>
+            <a:srgbClr val="FFFF00"/>
+          </a:solidFill>
+        </p:spPr>
+        <p:style>
+          <a:lnRef idx="2">
+            <a:schemeClr val="accent1">
+              <a:shade val="15000"/>
+            </a:schemeClr>
+          </a:lnRef>
+          <a:fillRef idx="1">
+            <a:schemeClr val="accent1"/>
+          </a:fillRef>
+          <a:effectRef idx="0">
+            <a:schemeClr val="accent1"/>
+          </a:effectRef>
+          <a:fontRef idx="minor">
+            <a:schemeClr val="lt1"/>
+          </a:fontRef>
+        </p:style>
+        <p:txBody>
+          <a:bodyPr rtlCol="0" anchor="ctr"/>
+          <a:lstStyle/>
+          <a:p>
+            <a:pPr algn="ctr"/>
+            <a:endParaRPr kumimoji="1" lang="ko-KR" altLang="en-US" sz="1600" dirty="0">
+              <a:solidFill>
+                <a:srgbClr val="FF0000"/>
+              </a:solidFill>
+              <a:latin typeface="Cascadia Code" pitchFamily="49" charset="0"/>
+              <a:cs typeface="Cascadia Code" pitchFamily="49" charset="0"/>
+            </a:endParaRPr>
+          </a:p>
+        </p:txBody>
+      </p:sp>
+      <p:sp>
+        <p:nvSpPr>
+          <p:cNvPr id="9" name="TextBox 8">
+            <a:extLst>
+              <a:ext uri="{FF2B5EF4-FFF2-40B4-BE49-F238E27FC236}">
+                <a16:creationId xmlns:a16="http://schemas.microsoft.com/office/drawing/2014/main" id="{9837D42A-BD84-79B7-3061-6DFEB45E8851}"/>
+              </a:ext>
+            </a:extLst>
+          </p:cNvPr>
+          <p:cNvSpPr txBox="1"/>
+          <p:nvPr/>
+        </p:nvSpPr>
+        <p:spPr>
+          <a:xfrm>
+            <a:off x="6927275" y="3909043"/>
+            <a:ext cx="557875" cy="338554"/>
+          </a:xfrm>
+          <a:prstGeom prst="rect">
+            <a:avLst/>
+          </a:prstGeom>
+          <a:noFill/>
+        </p:spPr>
+        <p:txBody>
+          <a:bodyPr wrap="square" rtlCol="0">
+            <a:spAutoFit/>
+          </a:bodyPr>
+          <a:lstStyle/>
+          <a:p>
+            <a:pPr algn="ctr"/>
+            <a:r>
+              <a:rPr kumimoji="1" lang="en-US" altLang="ko-KR" sz="1600" dirty="0">
+                <a:latin typeface="Cascadia Code" pitchFamily="49" charset="0"/>
+                <a:ea typeface="Cascadia Code" pitchFamily="49" charset="0"/>
+                <a:cs typeface="Cascadia Code" pitchFamily="49" charset="0"/>
+              </a:rPr>
+              <a:t>age</a:t>
+            </a:r>
+            <a:endParaRPr kumimoji="1" lang="ko-KR" altLang="en-US" sz="1600" dirty="0">
+              <a:latin typeface="Cascadia Code" pitchFamily="49" charset="0"/>
+              <a:ea typeface="Cascadia Code" pitchFamily="49" charset="0"/>
+              <a:cs typeface="Cascadia Code" pitchFamily="49" charset="0"/>
+            </a:endParaRPr>
+          </a:p>
+        </p:txBody>
+      </p:sp>
+      <p:sp>
+        <p:nvSpPr>
+          <p:cNvPr id="10" name="TextBox 9">
+            <a:extLst>
+              <a:ext uri="{FF2B5EF4-FFF2-40B4-BE49-F238E27FC236}">
+                <a16:creationId xmlns:a16="http://schemas.microsoft.com/office/drawing/2014/main" id="{6AC19A4F-2668-48F4-5FD1-BA4E6E2E4CC6}"/>
+              </a:ext>
+            </a:extLst>
+          </p:cNvPr>
+          <p:cNvSpPr txBox="1"/>
+          <p:nvPr/>
+        </p:nvSpPr>
+        <p:spPr>
+          <a:xfrm>
+            <a:off x="7515630" y="2767524"/>
+            <a:ext cx="1120139" cy="369332"/>
+          </a:xfrm>
+          <a:prstGeom prst="rect">
+            <a:avLst/>
+          </a:prstGeom>
+          <a:noFill/>
+        </p:spPr>
+        <p:txBody>
+          <a:bodyPr wrap="square">
+            <a:spAutoFit/>
+          </a:bodyPr>
+          <a:lstStyle/>
+          <a:p>
+            <a:pPr algn="ctr"/>
+            <a:r>
+              <a:rPr lang="en-US" altLang="ko-KR" dirty="0">
+                <a:latin typeface="Cascadia Code" pitchFamily="49" charset="0"/>
+                <a:cs typeface="Cascadia Code" pitchFamily="49" charset="0"/>
+              </a:rPr>
+              <a:t>Dog d</a:t>
+            </a:r>
+            <a:endParaRPr lang="ko-KR" altLang="en-US" dirty="0"/>
+          </a:p>
+        </p:txBody>
+      </p:sp>
+      <p:sp>
+        <p:nvSpPr>
+          <p:cNvPr id="11" name="직사각형 10">
+            <a:extLst>
+              <a:ext uri="{FF2B5EF4-FFF2-40B4-BE49-F238E27FC236}">
+                <a16:creationId xmlns:a16="http://schemas.microsoft.com/office/drawing/2014/main" id="{9264889C-3BE8-B616-CA65-BF074688485F}"/>
+              </a:ext>
+            </a:extLst>
+          </p:cNvPr>
+          <p:cNvSpPr/>
+          <p:nvPr/>
+        </p:nvSpPr>
+        <p:spPr>
+          <a:xfrm>
+            <a:off x="9857048" y="3123768"/>
+            <a:ext cx="1120140" cy="610463"/>
+          </a:xfrm>
+          <a:prstGeom prst="rect">
+            <a:avLst/>
+          </a:prstGeom>
+          <a:solidFill>
+            <a:srgbClr val="FFFF00"/>
+          </a:solidFill>
+        </p:spPr>
+        <p:style>
+          <a:lnRef idx="2">
+            <a:schemeClr val="accent1">
+              <a:shade val="15000"/>
+            </a:schemeClr>
+          </a:lnRef>
+          <a:fillRef idx="1">
+            <a:schemeClr val="accent1"/>
+          </a:fillRef>
+          <a:effectRef idx="0">
+            <a:schemeClr val="accent1"/>
+          </a:effectRef>
+          <a:fontRef idx="minor">
+            <a:schemeClr val="lt1"/>
+          </a:fontRef>
+        </p:style>
+        <p:txBody>
+          <a:bodyPr rtlCol="0" anchor="ctr"/>
+          <a:lstStyle/>
+          <a:p>
+            <a:pPr algn="ctr"/>
+            <a:endParaRPr kumimoji="1" lang="ko-KR" altLang="en-US" sz="1600" dirty="0">
+              <a:solidFill>
+                <a:schemeClr val="tx1"/>
+              </a:solidFill>
+              <a:latin typeface="Cascadia Code" pitchFamily="49" charset="0"/>
+              <a:cs typeface="Cascadia Code" pitchFamily="49" charset="0"/>
+            </a:endParaRPr>
+          </a:p>
+        </p:txBody>
+      </p:sp>
+      <p:sp>
+        <p:nvSpPr>
+          <p:cNvPr id="12" name="TextBox 11">
+            <a:extLst>
+              <a:ext uri="{FF2B5EF4-FFF2-40B4-BE49-F238E27FC236}">
+                <a16:creationId xmlns:a16="http://schemas.microsoft.com/office/drawing/2014/main" id="{015C4E71-F5AE-FE61-A5FA-081305CF14D2}"/>
+              </a:ext>
+            </a:extLst>
+          </p:cNvPr>
+          <p:cNvSpPr txBox="1"/>
+          <p:nvPr/>
+        </p:nvSpPr>
+        <p:spPr>
+          <a:xfrm>
+            <a:off x="9148620" y="3259722"/>
+            <a:ext cx="677948" cy="338554"/>
+          </a:xfrm>
+          <a:prstGeom prst="rect">
+            <a:avLst/>
+          </a:prstGeom>
+          <a:noFill/>
+        </p:spPr>
+        <p:txBody>
+          <a:bodyPr wrap="square" rtlCol="0">
+            <a:spAutoFit/>
+          </a:bodyPr>
+          <a:lstStyle/>
+          <a:p>
+            <a:pPr algn="ctr"/>
+            <a:r>
+              <a:rPr kumimoji="1" lang="en-US" altLang="ko-KR" sz="1600" dirty="0">
+                <a:latin typeface="Cascadia Code" pitchFamily="49" charset="0"/>
+                <a:ea typeface="Cascadia Code" pitchFamily="49" charset="0"/>
+                <a:cs typeface="Cascadia Code" pitchFamily="49" charset="0"/>
+              </a:rPr>
+              <a:t>age</a:t>
+            </a:r>
+            <a:endParaRPr kumimoji="1" lang="ko-KR" altLang="en-US" sz="1600" dirty="0">
+              <a:latin typeface="Cascadia Code" pitchFamily="49" charset="0"/>
+              <a:ea typeface="Cascadia Code" pitchFamily="49" charset="0"/>
+              <a:cs typeface="Cascadia Code" pitchFamily="49" charset="0"/>
+            </a:endParaRPr>
+          </a:p>
+        </p:txBody>
+      </p:sp>
+      <p:sp>
+        <p:nvSpPr>
+          <p:cNvPr id="13" name="직사각형 12">
+            <a:extLst>
+              <a:ext uri="{FF2B5EF4-FFF2-40B4-BE49-F238E27FC236}">
+                <a16:creationId xmlns:a16="http://schemas.microsoft.com/office/drawing/2014/main" id="{BBBE7527-45E7-E0E1-8CCE-58187EF754D3}"/>
+              </a:ext>
+            </a:extLst>
+          </p:cNvPr>
+          <p:cNvSpPr/>
+          <p:nvPr/>
+        </p:nvSpPr>
+        <p:spPr>
+          <a:xfrm>
+            <a:off x="9857048" y="3734231"/>
+            <a:ext cx="1120140" cy="610463"/>
+          </a:xfrm>
+          <a:prstGeom prst="rect">
+            <a:avLst/>
+          </a:prstGeom>
+          <a:solidFill>
+            <a:srgbClr val="FFFF00"/>
+          </a:solidFill>
+        </p:spPr>
+        <p:style>
+          <a:lnRef idx="2">
+            <a:schemeClr val="accent1">
+              <a:shade val="15000"/>
+            </a:schemeClr>
+          </a:lnRef>
+          <a:fillRef idx="1">
+            <a:schemeClr val="accent1"/>
+          </a:fillRef>
+          <a:effectRef idx="0">
+            <a:schemeClr val="accent1"/>
+          </a:effectRef>
+          <a:fontRef idx="minor">
+            <a:schemeClr val="lt1"/>
+          </a:fontRef>
+        </p:style>
+        <p:txBody>
+          <a:bodyPr rtlCol="0" anchor="ctr"/>
+          <a:lstStyle/>
+          <a:p>
+            <a:pPr algn="ctr"/>
+            <a:endParaRPr kumimoji="1" lang="ko-KR" altLang="en-US" sz="1600" dirty="0">
+              <a:solidFill>
+                <a:srgbClr val="FF0000"/>
+              </a:solidFill>
+              <a:latin typeface="Cascadia Code" pitchFamily="49" charset="0"/>
+              <a:cs typeface="Cascadia Code" pitchFamily="49" charset="0"/>
+            </a:endParaRPr>
+          </a:p>
+        </p:txBody>
+      </p:sp>
+      <p:sp>
+        <p:nvSpPr>
+          <p:cNvPr id="14" name="TextBox 13">
+            <a:extLst>
+              <a:ext uri="{FF2B5EF4-FFF2-40B4-BE49-F238E27FC236}">
+                <a16:creationId xmlns:a16="http://schemas.microsoft.com/office/drawing/2014/main" id="{E2FF5E99-6DD2-4099-2F95-7A8ECCB700C7}"/>
+              </a:ext>
+            </a:extLst>
+          </p:cNvPr>
+          <p:cNvSpPr txBox="1"/>
+          <p:nvPr/>
+        </p:nvSpPr>
+        <p:spPr>
+          <a:xfrm>
+            <a:off x="8913091" y="3870185"/>
+            <a:ext cx="913478" cy="338554"/>
+          </a:xfrm>
+          <a:prstGeom prst="rect">
+            <a:avLst/>
+          </a:prstGeom>
+          <a:noFill/>
+        </p:spPr>
+        <p:txBody>
+          <a:bodyPr wrap="square" rtlCol="0">
+            <a:spAutoFit/>
+          </a:bodyPr>
+          <a:lstStyle/>
+          <a:p>
+            <a:pPr algn="ctr"/>
+            <a:r>
+              <a:rPr kumimoji="1" lang="en-US" altLang="ko-KR" sz="1600" dirty="0">
+                <a:latin typeface="Cascadia Code" pitchFamily="49" charset="0"/>
+                <a:ea typeface="Cascadia Code" pitchFamily="49" charset="0"/>
+                <a:cs typeface="Cascadia Code" pitchFamily="49" charset="0"/>
+              </a:rPr>
+              <a:t>speed</a:t>
+            </a:r>
+            <a:endParaRPr kumimoji="1" lang="ko-KR" altLang="en-US" sz="1600" dirty="0">
+              <a:latin typeface="Cascadia Code" pitchFamily="49" charset="0"/>
+              <a:ea typeface="Cascadia Code" pitchFamily="49" charset="0"/>
+              <a:cs typeface="Cascadia Code" pitchFamily="49" charset="0"/>
+            </a:endParaRPr>
+          </a:p>
+        </p:txBody>
+      </p:sp>
+      <p:sp>
+        <p:nvSpPr>
+          <p:cNvPr id="15" name="TextBox 14">
+            <a:extLst>
+              <a:ext uri="{FF2B5EF4-FFF2-40B4-BE49-F238E27FC236}">
+                <a16:creationId xmlns:a16="http://schemas.microsoft.com/office/drawing/2014/main" id="{8B707301-FBE2-B12E-E41D-394B264C3433}"/>
+              </a:ext>
+            </a:extLst>
+          </p:cNvPr>
+          <p:cNvSpPr txBox="1"/>
+          <p:nvPr/>
+        </p:nvSpPr>
+        <p:spPr>
+          <a:xfrm>
+            <a:off x="9857048" y="2728666"/>
+            <a:ext cx="1120139" cy="369332"/>
+          </a:xfrm>
+          <a:prstGeom prst="rect">
+            <a:avLst/>
+          </a:prstGeom>
+          <a:noFill/>
+        </p:spPr>
+        <p:txBody>
+          <a:bodyPr wrap="square">
+            <a:spAutoFit/>
+          </a:bodyPr>
+          <a:lstStyle/>
+          <a:p>
+            <a:pPr algn="ctr"/>
+            <a:r>
+              <a:rPr lang="en-US" altLang="ko-KR" dirty="0">
+                <a:latin typeface="Cascadia Code" pitchFamily="49" charset="0"/>
+                <a:cs typeface="Cascadia Code" pitchFamily="49" charset="0"/>
+              </a:rPr>
+              <a:t>Dog d</a:t>
+            </a:r>
+            <a:endParaRPr lang="ko-KR" altLang="en-US" dirty="0"/>
+          </a:p>
+        </p:txBody>
+      </p:sp>
+    </p:spTree>
+    <p:extLst>
+      <p:ext uri="{BB962C8B-B14F-4D97-AF65-F5344CB8AC3E}">
+        <p14:creationId xmlns:p14="http://schemas.microsoft.com/office/powerpoint/2010/main" val="3804996854"/>
+      </p:ext>
+    </p:extLst>
+  </p:cSld>
+  <p:clrMapOvr>
+    <a:masterClrMapping/>
+  </p:clrMapOvr>
+</p:sld>
+</file>
+
+<file path=ppt/slides/slide53.xml><?xml version="1.0" encoding="utf-8"?>
+<p:sld xmlns:a="http://schemas.openxmlformats.org/drawingml/2006/main" xmlns:r="http://schemas.openxmlformats.org/officeDocument/2006/relationships" xmlns:p="http://schemas.openxmlformats.org/presentationml/2006/main">
+  <p:cSld>
+    <p:spTree>
+      <p:nvGrpSpPr>
+        <p:cNvPr id="1" name=""/>
+        <p:cNvGrpSpPr/>
+        <p:nvPr/>
+      </p:nvGrpSpPr>
+      <p:grpSpPr>
+        <a:xfrm>
+          <a:off x="0" y="0"/>
+          <a:ext cx="0" cy="0"/>
+          <a:chOff x="0" y="0"/>
+          <a:chExt cx="0" cy="0"/>
+        </a:xfrm>
+      </p:grpSpPr>
+      <p:sp>
+        <p:nvSpPr>
+          <p:cNvPr id="5" name="TextBox 4">
+            <a:extLst>
+              <a:ext uri="{FF2B5EF4-FFF2-40B4-BE49-F238E27FC236}">
+                <a16:creationId xmlns:a16="http://schemas.microsoft.com/office/drawing/2014/main" id="{DC422464-9851-8943-8AF1-FB2D7A92B483}"/>
+              </a:ext>
+            </a:extLst>
+          </p:cNvPr>
+          <p:cNvSpPr txBox="1"/>
+          <p:nvPr/>
+        </p:nvSpPr>
+        <p:spPr>
+          <a:xfrm>
+            <a:off x="434109" y="366623"/>
+            <a:ext cx="6096000" cy="4401205"/>
+          </a:xfrm>
+          <a:prstGeom prst="rect">
+            <a:avLst/>
+          </a:prstGeom>
+          <a:noFill/>
+        </p:spPr>
+        <p:txBody>
+          <a:bodyPr wrap="square">
+            <a:spAutoFit/>
+          </a:bodyPr>
+          <a:lstStyle/>
+          <a:p>
+            <a:r>
+              <a:rPr lang="en-US" altLang="ko-KR" sz="1400" dirty="0">
+                <a:latin typeface="Cascadia Code" pitchFamily="49" charset="0"/>
+                <a:cs typeface="Cascadia Code" pitchFamily="49" charset="0"/>
+              </a:rPr>
+              <a:t>class Animal {</a:t>
+            </a:r>
+          </a:p>
+          <a:p>
+            <a:r>
+              <a:rPr lang="en-US" altLang="ko-KR" sz="1400" dirty="0">
+                <a:latin typeface="Cascadia Code" pitchFamily="49" charset="0"/>
+                <a:cs typeface="Cascadia Code" pitchFamily="49" charset="0"/>
+              </a:rPr>
+              <a:t>    int age;</a:t>
+            </a:r>
+          </a:p>
+          <a:p>
+            <a:endParaRPr lang="en-US" altLang="ko-KR" sz="1400" dirty="0">
+              <a:latin typeface="Cascadia Code" pitchFamily="49" charset="0"/>
+              <a:cs typeface="Cascadia Code" pitchFamily="49" charset="0"/>
+            </a:endParaRPr>
+          </a:p>
+          <a:p>
+            <a:r>
+              <a:rPr lang="en-US" altLang="ko-KR" sz="1400" dirty="0">
+                <a:latin typeface="Cascadia Code" pitchFamily="49" charset="0"/>
+                <a:cs typeface="Cascadia Code" pitchFamily="49" charset="0"/>
+              </a:rPr>
+              <a:t>public:</a:t>
+            </a:r>
+          </a:p>
+          <a:p>
+            <a:r>
+              <a:rPr lang="en-US" altLang="ko-KR" sz="1400" dirty="0">
+                <a:latin typeface="Cascadia Code" pitchFamily="49" charset="0"/>
+                <a:cs typeface="Cascadia Code" pitchFamily="49" charset="0"/>
+              </a:rPr>
+              <a:t>    int </a:t>
+            </a:r>
+            <a:r>
+              <a:rPr lang="en-US" altLang="ko-KR" sz="1400" dirty="0" err="1">
+                <a:latin typeface="Cascadia Code" pitchFamily="49" charset="0"/>
+                <a:cs typeface="Cascadia Code" pitchFamily="49" charset="0"/>
+              </a:rPr>
+              <a:t>GetAge</a:t>
+            </a:r>
+            <a:r>
+              <a:rPr lang="en-US" altLang="ko-KR" sz="1400" dirty="0">
+                <a:latin typeface="Cascadia Code" pitchFamily="49" charset="0"/>
+                <a:cs typeface="Cascadia Code" pitchFamily="49" charset="0"/>
+              </a:rPr>
+              <a:t>() const { return age; }</a:t>
+            </a:r>
+          </a:p>
+          <a:p>
+            <a:r>
+              <a:rPr lang="en-US" altLang="ko-KR" sz="1400" dirty="0">
+                <a:latin typeface="Cascadia Code" pitchFamily="49" charset="0"/>
+                <a:cs typeface="Cascadia Code" pitchFamily="49" charset="0"/>
+              </a:rPr>
+              <a:t>};</a:t>
+            </a:r>
+          </a:p>
+          <a:p>
+            <a:endParaRPr lang="en-US" altLang="ko-KR" sz="1400" dirty="0">
+              <a:latin typeface="Cascadia Code" pitchFamily="49" charset="0"/>
+              <a:cs typeface="Cascadia Code" pitchFamily="49" charset="0"/>
+            </a:endParaRPr>
+          </a:p>
+          <a:p>
+            <a:r>
+              <a:rPr lang="en-US" altLang="ko-KR" sz="1400" dirty="0">
+                <a:latin typeface="Cascadia Code" pitchFamily="49" charset="0"/>
+                <a:cs typeface="Cascadia Code" pitchFamily="49" charset="0"/>
+              </a:rPr>
+              <a:t>class Dog : public Animal {</a:t>
+            </a:r>
+          </a:p>
+          <a:p>
+            <a:r>
+              <a:rPr lang="en-US" altLang="ko-KR" sz="1400" dirty="0">
+                <a:latin typeface="Cascadia Code" pitchFamily="49" charset="0"/>
+                <a:cs typeface="Cascadia Code" pitchFamily="49" charset="0"/>
+              </a:rPr>
+              <a:t>    string name;</a:t>
+            </a:r>
+          </a:p>
+          <a:p>
+            <a:endParaRPr lang="en-US" altLang="ko-KR" sz="1400" dirty="0">
+              <a:latin typeface="Cascadia Code" pitchFamily="49" charset="0"/>
+              <a:cs typeface="Cascadia Code" pitchFamily="49" charset="0"/>
+            </a:endParaRPr>
+          </a:p>
+          <a:p>
+            <a:r>
+              <a:rPr lang="en-US" altLang="ko-KR" sz="1400" dirty="0">
+                <a:latin typeface="Cascadia Code" pitchFamily="49" charset="0"/>
+                <a:cs typeface="Cascadia Code" pitchFamily="49" charset="0"/>
+              </a:rPr>
+              <a:t>public:</a:t>
+            </a:r>
+          </a:p>
+          <a:p>
+            <a:r>
+              <a:rPr lang="en-US" altLang="ko-KR" sz="1400" dirty="0">
+                <a:latin typeface="Cascadia Code" pitchFamily="49" charset="0"/>
+                <a:cs typeface="Cascadia Code" pitchFamily="49" charset="0"/>
+              </a:rPr>
+              <a:t>    std::string </a:t>
+            </a:r>
+            <a:r>
+              <a:rPr lang="en-US" altLang="ko-KR" sz="1400" dirty="0" err="1">
+                <a:latin typeface="Cascadia Code" pitchFamily="49" charset="0"/>
+                <a:cs typeface="Cascadia Code" pitchFamily="49" charset="0"/>
+              </a:rPr>
+              <a:t>GetName</a:t>
+            </a:r>
+            <a:r>
+              <a:rPr lang="en-US" altLang="ko-KR" sz="1400" dirty="0">
+                <a:latin typeface="Cascadia Code" pitchFamily="49" charset="0"/>
+                <a:cs typeface="Cascadia Code" pitchFamily="49" charset="0"/>
+              </a:rPr>
+              <a:t>() const { return name; }</a:t>
+            </a:r>
+          </a:p>
+          <a:p>
+            <a:r>
+              <a:rPr lang="en-US" altLang="ko-KR" sz="1400" dirty="0">
+                <a:latin typeface="Cascadia Code" pitchFamily="49" charset="0"/>
+                <a:cs typeface="Cascadia Code" pitchFamily="49" charset="0"/>
+              </a:rPr>
+              <a:t>};</a:t>
+            </a:r>
+          </a:p>
+          <a:p>
+            <a:endParaRPr lang="en-US" altLang="ko-KR" sz="1400" dirty="0">
+              <a:latin typeface="Cascadia Code" pitchFamily="49" charset="0"/>
+              <a:cs typeface="Cascadia Code" pitchFamily="49" charset="0"/>
+            </a:endParaRPr>
+          </a:p>
+          <a:p>
+            <a:r>
+              <a:rPr lang="en-US" altLang="ko-KR" sz="1400" dirty="0">
+                <a:latin typeface="Cascadia Code" pitchFamily="49" charset="0"/>
+                <a:cs typeface="Cascadia Code" pitchFamily="49" charset="0"/>
+              </a:rPr>
+              <a:t>class Cat : public Animal {</a:t>
+            </a:r>
+          </a:p>
+          <a:p>
+            <a:r>
+              <a:rPr lang="en-US" altLang="ko-KR" sz="1400" dirty="0">
+                <a:latin typeface="Cascadia Code" pitchFamily="49" charset="0"/>
+                <a:cs typeface="Cascadia Code" pitchFamily="49" charset="0"/>
+              </a:rPr>
+              <a:t>    int speed;</a:t>
+            </a:r>
+          </a:p>
+          <a:p>
+            <a:endParaRPr lang="en-US" altLang="ko-KR" sz="1400" dirty="0">
+              <a:latin typeface="Cascadia Code" pitchFamily="49" charset="0"/>
+              <a:cs typeface="Cascadia Code" pitchFamily="49" charset="0"/>
+            </a:endParaRPr>
+          </a:p>
+          <a:p>
+            <a:r>
+              <a:rPr lang="en-US" altLang="ko-KR" sz="1400" dirty="0">
+                <a:latin typeface="Cascadia Code" pitchFamily="49" charset="0"/>
+                <a:cs typeface="Cascadia Code" pitchFamily="49" charset="0"/>
+              </a:rPr>
+              <a:t>public:</a:t>
+            </a:r>
+          </a:p>
+          <a:p>
+            <a:r>
+              <a:rPr lang="en-US" altLang="ko-KR" sz="1400" dirty="0">
+                <a:latin typeface="Cascadia Code" pitchFamily="49" charset="0"/>
+                <a:cs typeface="Cascadia Code" pitchFamily="49" charset="0"/>
+              </a:rPr>
+              <a:t>    int </a:t>
+            </a:r>
+            <a:r>
+              <a:rPr lang="en-US" altLang="ko-KR" sz="1400" dirty="0" err="1">
+                <a:latin typeface="Cascadia Code" pitchFamily="49" charset="0"/>
+                <a:cs typeface="Cascadia Code" pitchFamily="49" charset="0"/>
+              </a:rPr>
+              <a:t>GetSpeed</a:t>
+            </a:r>
+            <a:r>
+              <a:rPr lang="en-US" altLang="ko-KR" sz="1400" dirty="0">
+                <a:latin typeface="Cascadia Code" pitchFamily="49" charset="0"/>
+                <a:cs typeface="Cascadia Code" pitchFamily="49" charset="0"/>
+              </a:rPr>
+              <a:t>() const { return speed; }</a:t>
+            </a:r>
+          </a:p>
+          <a:p>
+            <a:r>
+              <a:rPr lang="en-US" altLang="ko-KR" sz="1400" dirty="0">
+                <a:latin typeface="Cascadia Code" pitchFamily="49" charset="0"/>
+                <a:cs typeface="Cascadia Code" pitchFamily="49" charset="0"/>
+              </a:rPr>
+              <a:t>};</a:t>
+            </a:r>
+            <a:endParaRPr lang="ko-KR" altLang="en-US" sz="1400" dirty="0">
+              <a:latin typeface="Cascadia Code" pitchFamily="49" charset="0"/>
+              <a:cs typeface="Cascadia Code" pitchFamily="49" charset="0"/>
+            </a:endParaRPr>
+          </a:p>
+        </p:txBody>
+      </p:sp>
+      <p:sp>
+        <p:nvSpPr>
+          <p:cNvPr id="6" name="직사각형 5">
+            <a:extLst>
+              <a:ext uri="{FF2B5EF4-FFF2-40B4-BE49-F238E27FC236}">
+                <a16:creationId xmlns:a16="http://schemas.microsoft.com/office/drawing/2014/main" id="{92B82B8C-E2D2-AA81-99EE-82A975C1A042}"/>
+              </a:ext>
+            </a:extLst>
+          </p:cNvPr>
+          <p:cNvSpPr/>
+          <p:nvPr/>
+        </p:nvSpPr>
+        <p:spPr>
+          <a:xfrm>
+            <a:off x="7515630" y="3162626"/>
+            <a:ext cx="1120140" cy="610463"/>
+          </a:xfrm>
+          <a:prstGeom prst="rect">
+            <a:avLst/>
+          </a:prstGeom>
+          <a:solidFill>
+            <a:srgbClr val="FFC000"/>
+          </a:solidFill>
+        </p:spPr>
+        <p:style>
+          <a:lnRef idx="2">
+            <a:schemeClr val="accent1">
+              <a:shade val="15000"/>
+            </a:schemeClr>
+          </a:lnRef>
+          <a:fillRef idx="1">
+            <a:schemeClr val="accent1"/>
+          </a:fillRef>
+          <a:effectRef idx="0">
+            <a:schemeClr val="accent1"/>
+          </a:effectRef>
+          <a:fontRef idx="minor">
+            <a:schemeClr val="lt1"/>
+          </a:fontRef>
+        </p:style>
+        <p:txBody>
+          <a:bodyPr rtlCol="0" anchor="ctr"/>
+          <a:lstStyle/>
+          <a:p>
+            <a:pPr algn="ctr"/>
+            <a:endParaRPr kumimoji="1" lang="ko-KR" altLang="en-US" sz="1600" dirty="0">
+              <a:solidFill>
+                <a:schemeClr val="tx1"/>
+              </a:solidFill>
+              <a:latin typeface="Cascadia Code" pitchFamily="49" charset="0"/>
+              <a:cs typeface="Cascadia Code" pitchFamily="49" charset="0"/>
+            </a:endParaRPr>
+          </a:p>
+        </p:txBody>
+      </p:sp>
+      <p:sp>
+        <p:nvSpPr>
+          <p:cNvPr id="7" name="TextBox 6">
+            <a:extLst>
+              <a:ext uri="{FF2B5EF4-FFF2-40B4-BE49-F238E27FC236}">
+                <a16:creationId xmlns:a16="http://schemas.microsoft.com/office/drawing/2014/main" id="{69A02349-4094-7DAE-E839-9B1375CC61EB}"/>
+              </a:ext>
+            </a:extLst>
+          </p:cNvPr>
+          <p:cNvSpPr txBox="1"/>
+          <p:nvPr/>
+        </p:nvSpPr>
+        <p:spPr>
+          <a:xfrm>
+            <a:off x="6807202" y="3298580"/>
+            <a:ext cx="677948" cy="338554"/>
+          </a:xfrm>
+          <a:prstGeom prst="rect">
+            <a:avLst/>
+          </a:prstGeom>
+          <a:noFill/>
+        </p:spPr>
+        <p:txBody>
+          <a:bodyPr wrap="square" rtlCol="0">
+            <a:spAutoFit/>
+          </a:bodyPr>
+          <a:lstStyle/>
+          <a:p>
+            <a:pPr algn="ctr"/>
+            <a:r>
+              <a:rPr kumimoji="1" lang="en-US" altLang="ko-KR" sz="1600" dirty="0">
+                <a:latin typeface="Cascadia Code" pitchFamily="49" charset="0"/>
+                <a:ea typeface="Cascadia Code" pitchFamily="49" charset="0"/>
+                <a:cs typeface="Cascadia Code" pitchFamily="49" charset="0"/>
+              </a:rPr>
+              <a:t>age</a:t>
+            </a:r>
+            <a:endParaRPr kumimoji="1" lang="ko-KR" altLang="en-US" sz="1600" dirty="0">
+              <a:latin typeface="Cascadia Code" pitchFamily="49" charset="0"/>
+              <a:ea typeface="Cascadia Code" pitchFamily="49" charset="0"/>
+              <a:cs typeface="Cascadia Code" pitchFamily="49" charset="0"/>
+            </a:endParaRPr>
+          </a:p>
+        </p:txBody>
+      </p:sp>
+      <p:sp>
+        <p:nvSpPr>
+          <p:cNvPr id="8" name="직사각형 7">
+            <a:extLst>
+              <a:ext uri="{FF2B5EF4-FFF2-40B4-BE49-F238E27FC236}">
+                <a16:creationId xmlns:a16="http://schemas.microsoft.com/office/drawing/2014/main" id="{70273857-1ADF-BF5F-1C3E-CB91A4385411}"/>
+              </a:ext>
+            </a:extLst>
+          </p:cNvPr>
+          <p:cNvSpPr/>
+          <p:nvPr/>
+        </p:nvSpPr>
+        <p:spPr>
+          <a:xfrm>
+            <a:off x="7515630" y="3773089"/>
+            <a:ext cx="1120140" cy="610463"/>
+          </a:xfrm>
+          <a:prstGeom prst="rect">
+            <a:avLst/>
+          </a:prstGeom>
+          <a:solidFill>
+            <a:srgbClr val="FFFF00"/>
+          </a:solidFill>
+        </p:spPr>
+        <p:style>
+          <a:lnRef idx="2">
+            <a:schemeClr val="accent1">
+              <a:shade val="15000"/>
+            </a:schemeClr>
+          </a:lnRef>
+          <a:fillRef idx="1">
+            <a:schemeClr val="accent1"/>
+          </a:fillRef>
+          <a:effectRef idx="0">
+            <a:schemeClr val="accent1"/>
+          </a:effectRef>
+          <a:fontRef idx="minor">
+            <a:schemeClr val="lt1"/>
+          </a:fontRef>
+        </p:style>
+        <p:txBody>
+          <a:bodyPr rtlCol="0" anchor="ctr"/>
+          <a:lstStyle/>
+          <a:p>
+            <a:pPr algn="ctr"/>
+            <a:endParaRPr kumimoji="1" lang="ko-KR" altLang="en-US" sz="1600" dirty="0">
+              <a:solidFill>
+                <a:srgbClr val="FF0000"/>
+              </a:solidFill>
+              <a:latin typeface="Cascadia Code" pitchFamily="49" charset="0"/>
+              <a:cs typeface="Cascadia Code" pitchFamily="49" charset="0"/>
+            </a:endParaRPr>
+          </a:p>
+        </p:txBody>
+      </p:sp>
+      <p:sp>
+        <p:nvSpPr>
+          <p:cNvPr id="9" name="TextBox 8">
+            <a:extLst>
+              <a:ext uri="{FF2B5EF4-FFF2-40B4-BE49-F238E27FC236}">
+                <a16:creationId xmlns:a16="http://schemas.microsoft.com/office/drawing/2014/main" id="{9837D42A-BD84-79B7-3061-6DFEB45E8851}"/>
+              </a:ext>
+            </a:extLst>
+          </p:cNvPr>
+          <p:cNvSpPr txBox="1"/>
+          <p:nvPr/>
+        </p:nvSpPr>
+        <p:spPr>
+          <a:xfrm>
+            <a:off x="6714837" y="3909043"/>
+            <a:ext cx="770314" cy="338554"/>
+          </a:xfrm>
+          <a:prstGeom prst="rect">
+            <a:avLst/>
+          </a:prstGeom>
+          <a:noFill/>
+        </p:spPr>
+        <p:txBody>
+          <a:bodyPr wrap="square" rtlCol="0">
+            <a:spAutoFit/>
+          </a:bodyPr>
+          <a:lstStyle/>
+          <a:p>
+            <a:pPr algn="ctr"/>
+            <a:r>
+              <a:rPr kumimoji="1" lang="en-US" altLang="ko-KR" sz="1600" dirty="0">
+                <a:latin typeface="Cascadia Code" pitchFamily="49" charset="0"/>
+                <a:ea typeface="Cascadia Code" pitchFamily="49" charset="0"/>
+                <a:cs typeface="Cascadia Code" pitchFamily="49" charset="0"/>
+              </a:rPr>
+              <a:t>name</a:t>
+            </a:r>
+            <a:endParaRPr kumimoji="1" lang="ko-KR" altLang="en-US" sz="1600" dirty="0">
+              <a:latin typeface="Cascadia Code" pitchFamily="49" charset="0"/>
+              <a:ea typeface="Cascadia Code" pitchFamily="49" charset="0"/>
+              <a:cs typeface="Cascadia Code" pitchFamily="49" charset="0"/>
+            </a:endParaRPr>
+          </a:p>
+        </p:txBody>
+      </p:sp>
+      <p:sp>
+        <p:nvSpPr>
+          <p:cNvPr id="10" name="TextBox 9">
+            <a:extLst>
+              <a:ext uri="{FF2B5EF4-FFF2-40B4-BE49-F238E27FC236}">
+                <a16:creationId xmlns:a16="http://schemas.microsoft.com/office/drawing/2014/main" id="{6AC19A4F-2668-48F4-5FD1-BA4E6E2E4CC6}"/>
+              </a:ext>
+            </a:extLst>
+          </p:cNvPr>
+          <p:cNvSpPr txBox="1"/>
+          <p:nvPr/>
+        </p:nvSpPr>
+        <p:spPr>
+          <a:xfrm>
+            <a:off x="7515630" y="2767524"/>
+            <a:ext cx="1120139" cy="369332"/>
+          </a:xfrm>
+          <a:prstGeom prst="rect">
+            <a:avLst/>
+          </a:prstGeom>
+          <a:noFill/>
+        </p:spPr>
+        <p:txBody>
+          <a:bodyPr wrap="square">
+            <a:spAutoFit/>
+          </a:bodyPr>
+          <a:lstStyle/>
+          <a:p>
+            <a:pPr algn="ctr"/>
+            <a:r>
+              <a:rPr lang="en-US" altLang="ko-KR" dirty="0">
+                <a:latin typeface="Cascadia Code" pitchFamily="49" charset="0"/>
+                <a:cs typeface="Cascadia Code" pitchFamily="49" charset="0"/>
+              </a:rPr>
+              <a:t>Dog d</a:t>
+            </a:r>
+            <a:endParaRPr lang="ko-KR" altLang="en-US" dirty="0"/>
+          </a:p>
+        </p:txBody>
+      </p:sp>
+      <p:sp>
+        <p:nvSpPr>
+          <p:cNvPr id="11" name="직사각형 10">
+            <a:extLst>
+              <a:ext uri="{FF2B5EF4-FFF2-40B4-BE49-F238E27FC236}">
+                <a16:creationId xmlns:a16="http://schemas.microsoft.com/office/drawing/2014/main" id="{9264889C-3BE8-B616-CA65-BF074688485F}"/>
+              </a:ext>
+            </a:extLst>
+          </p:cNvPr>
+          <p:cNvSpPr/>
+          <p:nvPr/>
+        </p:nvSpPr>
+        <p:spPr>
+          <a:xfrm>
+            <a:off x="9857048" y="3123768"/>
+            <a:ext cx="1120140" cy="610463"/>
+          </a:xfrm>
+          <a:prstGeom prst="rect">
+            <a:avLst/>
+          </a:prstGeom>
+          <a:solidFill>
+            <a:srgbClr val="FFC000"/>
+          </a:solidFill>
+        </p:spPr>
+        <p:style>
+          <a:lnRef idx="2">
+            <a:schemeClr val="accent1">
+              <a:shade val="15000"/>
+            </a:schemeClr>
+          </a:lnRef>
+          <a:fillRef idx="1">
+            <a:schemeClr val="accent1"/>
+          </a:fillRef>
+          <a:effectRef idx="0">
+            <a:schemeClr val="accent1"/>
+          </a:effectRef>
+          <a:fontRef idx="minor">
+            <a:schemeClr val="lt1"/>
+          </a:fontRef>
+        </p:style>
+        <p:txBody>
+          <a:bodyPr rtlCol="0" anchor="ctr"/>
+          <a:lstStyle/>
+          <a:p>
+            <a:pPr algn="ctr"/>
+            <a:endParaRPr kumimoji="1" lang="ko-KR" altLang="en-US" sz="1600" dirty="0">
+              <a:solidFill>
+                <a:schemeClr val="tx1"/>
+              </a:solidFill>
+              <a:latin typeface="Cascadia Code" pitchFamily="49" charset="0"/>
+              <a:cs typeface="Cascadia Code" pitchFamily="49" charset="0"/>
+            </a:endParaRPr>
+          </a:p>
+        </p:txBody>
+      </p:sp>
+      <p:sp>
+        <p:nvSpPr>
+          <p:cNvPr id="12" name="TextBox 11">
+            <a:extLst>
+              <a:ext uri="{FF2B5EF4-FFF2-40B4-BE49-F238E27FC236}">
+                <a16:creationId xmlns:a16="http://schemas.microsoft.com/office/drawing/2014/main" id="{015C4E71-F5AE-FE61-A5FA-081305CF14D2}"/>
+              </a:ext>
+            </a:extLst>
+          </p:cNvPr>
+          <p:cNvSpPr txBox="1"/>
+          <p:nvPr/>
+        </p:nvSpPr>
+        <p:spPr>
+          <a:xfrm>
+            <a:off x="9148620" y="3259722"/>
+            <a:ext cx="677948" cy="338554"/>
+          </a:xfrm>
+          <a:prstGeom prst="rect">
+            <a:avLst/>
+          </a:prstGeom>
+          <a:noFill/>
+        </p:spPr>
+        <p:txBody>
+          <a:bodyPr wrap="square" rtlCol="0">
+            <a:spAutoFit/>
+          </a:bodyPr>
+          <a:lstStyle/>
+          <a:p>
+            <a:pPr algn="ctr"/>
+            <a:r>
+              <a:rPr kumimoji="1" lang="en-US" altLang="ko-KR" sz="1600" dirty="0">
+                <a:latin typeface="Cascadia Code" pitchFamily="49" charset="0"/>
+                <a:ea typeface="Cascadia Code" pitchFamily="49" charset="0"/>
+                <a:cs typeface="Cascadia Code" pitchFamily="49" charset="0"/>
+              </a:rPr>
+              <a:t>age</a:t>
+            </a:r>
+            <a:endParaRPr kumimoji="1" lang="ko-KR" altLang="en-US" sz="1600" dirty="0">
+              <a:latin typeface="Cascadia Code" pitchFamily="49" charset="0"/>
+              <a:ea typeface="Cascadia Code" pitchFamily="49" charset="0"/>
+              <a:cs typeface="Cascadia Code" pitchFamily="49" charset="0"/>
+            </a:endParaRPr>
+          </a:p>
+        </p:txBody>
+      </p:sp>
+      <p:sp>
+        <p:nvSpPr>
+          <p:cNvPr id="13" name="직사각형 12">
+            <a:extLst>
+              <a:ext uri="{FF2B5EF4-FFF2-40B4-BE49-F238E27FC236}">
+                <a16:creationId xmlns:a16="http://schemas.microsoft.com/office/drawing/2014/main" id="{BBBE7527-45E7-E0E1-8CCE-58187EF754D3}"/>
+              </a:ext>
+            </a:extLst>
+          </p:cNvPr>
+          <p:cNvSpPr/>
+          <p:nvPr/>
+        </p:nvSpPr>
+        <p:spPr>
+          <a:xfrm>
+            <a:off x="9857048" y="3734231"/>
+            <a:ext cx="1120140" cy="610463"/>
+          </a:xfrm>
+          <a:prstGeom prst="rect">
+            <a:avLst/>
+          </a:prstGeom>
+          <a:solidFill>
+            <a:srgbClr val="FFFF00"/>
+          </a:solidFill>
+        </p:spPr>
+        <p:style>
+          <a:lnRef idx="2">
+            <a:schemeClr val="accent1">
+              <a:shade val="15000"/>
+            </a:schemeClr>
+          </a:lnRef>
+          <a:fillRef idx="1">
+            <a:schemeClr val="accent1"/>
+          </a:fillRef>
+          <a:effectRef idx="0">
+            <a:schemeClr val="accent1"/>
+          </a:effectRef>
+          <a:fontRef idx="minor">
+            <a:schemeClr val="lt1"/>
+          </a:fontRef>
+        </p:style>
+        <p:txBody>
+          <a:bodyPr rtlCol="0" anchor="ctr"/>
+          <a:lstStyle/>
+          <a:p>
+            <a:pPr algn="ctr"/>
+            <a:endParaRPr kumimoji="1" lang="ko-KR" altLang="en-US" sz="1600" dirty="0">
+              <a:solidFill>
+                <a:srgbClr val="FF0000"/>
+              </a:solidFill>
+              <a:latin typeface="Cascadia Code" pitchFamily="49" charset="0"/>
+              <a:cs typeface="Cascadia Code" pitchFamily="49" charset="0"/>
+            </a:endParaRPr>
+          </a:p>
+        </p:txBody>
+      </p:sp>
+      <p:sp>
+        <p:nvSpPr>
+          <p:cNvPr id="14" name="TextBox 13">
+            <a:extLst>
+              <a:ext uri="{FF2B5EF4-FFF2-40B4-BE49-F238E27FC236}">
+                <a16:creationId xmlns:a16="http://schemas.microsoft.com/office/drawing/2014/main" id="{E2FF5E99-6DD2-4099-2F95-7A8ECCB700C7}"/>
+              </a:ext>
+            </a:extLst>
+          </p:cNvPr>
+          <p:cNvSpPr txBox="1"/>
+          <p:nvPr/>
+        </p:nvSpPr>
+        <p:spPr>
+          <a:xfrm>
+            <a:off x="8913091" y="3870185"/>
+            <a:ext cx="913478" cy="338554"/>
+          </a:xfrm>
+          <a:prstGeom prst="rect">
+            <a:avLst/>
+          </a:prstGeom>
+          <a:noFill/>
+        </p:spPr>
+        <p:txBody>
+          <a:bodyPr wrap="square" rtlCol="0">
+            <a:spAutoFit/>
+          </a:bodyPr>
+          <a:lstStyle/>
+          <a:p>
+            <a:pPr algn="ctr"/>
+            <a:r>
+              <a:rPr kumimoji="1" lang="en-US" altLang="ko-KR" sz="1600" dirty="0">
+                <a:latin typeface="Cascadia Code" pitchFamily="49" charset="0"/>
+                <a:ea typeface="Cascadia Code" pitchFamily="49" charset="0"/>
+                <a:cs typeface="Cascadia Code" pitchFamily="49" charset="0"/>
+              </a:rPr>
+              <a:t>speed</a:t>
+            </a:r>
+            <a:endParaRPr kumimoji="1" lang="ko-KR" altLang="en-US" sz="1600" dirty="0">
+              <a:latin typeface="Cascadia Code" pitchFamily="49" charset="0"/>
+              <a:ea typeface="Cascadia Code" pitchFamily="49" charset="0"/>
+              <a:cs typeface="Cascadia Code" pitchFamily="49" charset="0"/>
+            </a:endParaRPr>
+          </a:p>
+        </p:txBody>
+      </p:sp>
+      <p:sp>
+        <p:nvSpPr>
+          <p:cNvPr id="15" name="TextBox 14">
+            <a:extLst>
+              <a:ext uri="{FF2B5EF4-FFF2-40B4-BE49-F238E27FC236}">
+                <a16:creationId xmlns:a16="http://schemas.microsoft.com/office/drawing/2014/main" id="{8B707301-FBE2-B12E-E41D-394B264C3433}"/>
+              </a:ext>
+            </a:extLst>
+          </p:cNvPr>
+          <p:cNvSpPr txBox="1"/>
+          <p:nvPr/>
+        </p:nvSpPr>
+        <p:spPr>
+          <a:xfrm>
+            <a:off x="9857048" y="2728666"/>
+            <a:ext cx="1120139" cy="369332"/>
+          </a:xfrm>
+          <a:prstGeom prst="rect">
+            <a:avLst/>
+          </a:prstGeom>
+          <a:noFill/>
+        </p:spPr>
+        <p:txBody>
+          <a:bodyPr wrap="square">
+            <a:spAutoFit/>
+          </a:bodyPr>
+          <a:lstStyle/>
+          <a:p>
+            <a:pPr algn="ctr"/>
+            <a:r>
+              <a:rPr lang="en-US" altLang="ko-KR" dirty="0">
+                <a:latin typeface="Cascadia Code" pitchFamily="49" charset="0"/>
+                <a:cs typeface="Cascadia Code" pitchFamily="49" charset="0"/>
+              </a:rPr>
+              <a:t>Dog d</a:t>
+            </a:r>
+            <a:endParaRPr lang="ko-KR" altLang="en-US" dirty="0"/>
+          </a:p>
+        </p:txBody>
+      </p:sp>
+    </p:spTree>
+    <p:extLst>
+      <p:ext uri="{BB962C8B-B14F-4D97-AF65-F5344CB8AC3E}">
+        <p14:creationId xmlns:p14="http://schemas.microsoft.com/office/powerpoint/2010/main" val="3991598236"/>
       </p:ext>
     </p:extLst>
   </p:cSld>

--- a/cpp_240708.pptx
+++ b/cpp_240708.pptx
@@ -58,6 +58,7 @@
     <p:sldId id="308" r:id="rId52"/>
     <p:sldId id="309" r:id="rId53"/>
     <p:sldId id="310" r:id="rId54"/>
+    <p:sldId id="311" r:id="rId55"/>
   </p:sldIdLst>
   <p:sldSz cx="12192000" cy="6858000"/>
   <p:notesSz cx="6858000" cy="9144000"/>
@@ -49273,6 +49274,256 @@
     <p:extLst>
       <p:ext uri="{BB962C8B-B14F-4D97-AF65-F5344CB8AC3E}">
         <p14:creationId xmlns:p14="http://schemas.microsoft.com/office/powerpoint/2010/main" val="3991598236"/>
+      </p:ext>
+    </p:extLst>
+  </p:cSld>
+  <p:clrMapOvr>
+    <a:masterClrMapping/>
+  </p:clrMapOvr>
+</p:sld>
+</file>
+
+<file path=ppt/slides/slide54.xml><?xml version="1.0" encoding="utf-8"?>
+<p:sld xmlns:a="http://schemas.openxmlformats.org/drawingml/2006/main" xmlns:r="http://schemas.openxmlformats.org/officeDocument/2006/relationships" xmlns:p="http://schemas.openxmlformats.org/presentationml/2006/main">
+  <p:cSld>
+    <p:spTree>
+      <p:nvGrpSpPr>
+        <p:cNvPr id="1" name=""/>
+        <p:cNvGrpSpPr/>
+        <p:nvPr/>
+      </p:nvGrpSpPr>
+      <p:grpSpPr>
+        <a:xfrm>
+          <a:off x="0" y="0"/>
+          <a:ext cx="0" cy="0"/>
+          <a:chOff x="0" y="0"/>
+          <a:chExt cx="0" cy="0"/>
+        </a:xfrm>
+      </p:grpSpPr>
+      <p:sp>
+        <p:nvSpPr>
+          <p:cNvPr id="4" name="직사각형 3">
+            <a:extLst>
+              <a:ext uri="{FF2B5EF4-FFF2-40B4-BE49-F238E27FC236}">
+                <a16:creationId xmlns:a16="http://schemas.microsoft.com/office/drawing/2014/main" id="{EC76AC7F-AD00-5495-DE6C-6387FBAB928A}"/>
+              </a:ext>
+            </a:extLst>
+          </p:cNvPr>
+          <p:cNvSpPr/>
+          <p:nvPr/>
+        </p:nvSpPr>
+        <p:spPr>
+          <a:xfrm>
+            <a:off x="1699491" y="1089891"/>
+            <a:ext cx="1366982" cy="1283854"/>
+          </a:xfrm>
+          <a:prstGeom prst="rect">
+            <a:avLst/>
+          </a:prstGeom>
+          <a:solidFill>
+            <a:srgbClr val="FFFF00"/>
+          </a:solidFill>
+        </p:spPr>
+        <p:style>
+          <a:lnRef idx="2">
+            <a:schemeClr val="accent1">
+              <a:shade val="15000"/>
+            </a:schemeClr>
+          </a:lnRef>
+          <a:fillRef idx="1">
+            <a:schemeClr val="accent1"/>
+          </a:fillRef>
+          <a:effectRef idx="0">
+            <a:schemeClr val="accent1"/>
+          </a:effectRef>
+          <a:fontRef idx="minor">
+            <a:schemeClr val="lt1"/>
+          </a:fontRef>
+        </p:style>
+        <p:txBody>
+          <a:bodyPr rtlCol="0" anchor="ctr"/>
+          <a:lstStyle/>
+          <a:p>
+            <a:pPr algn="ctr"/>
+            <a:endParaRPr kumimoji="1" lang="ko-KR" altLang="en-US" sz="1600" dirty="0">
+              <a:solidFill>
+                <a:schemeClr val="tx1"/>
+              </a:solidFill>
+              <a:latin typeface="Cascadia Code" pitchFamily="49" charset="0"/>
+              <a:cs typeface="Cascadia Code" pitchFamily="49" charset="0"/>
+            </a:endParaRPr>
+          </a:p>
+        </p:txBody>
+      </p:sp>
+      <p:sp>
+        <p:nvSpPr>
+          <p:cNvPr id="5" name="타원 4">
+            <a:extLst>
+              <a:ext uri="{FF2B5EF4-FFF2-40B4-BE49-F238E27FC236}">
+                <a16:creationId xmlns:a16="http://schemas.microsoft.com/office/drawing/2014/main" id="{A00DEB16-C035-01E5-762A-1A74FDEE62AC}"/>
+              </a:ext>
+            </a:extLst>
+          </p:cNvPr>
+          <p:cNvSpPr/>
+          <p:nvPr/>
+        </p:nvSpPr>
+        <p:spPr>
+          <a:xfrm>
+            <a:off x="5089236" y="1237673"/>
+            <a:ext cx="1551709" cy="1560945"/>
+          </a:xfrm>
+          <a:prstGeom prst="ellipse">
+            <a:avLst/>
+          </a:prstGeom>
+          <a:solidFill>
+            <a:srgbClr val="FFFF00"/>
+          </a:solidFill>
+        </p:spPr>
+        <p:style>
+          <a:lnRef idx="2">
+            <a:schemeClr val="accent1">
+              <a:shade val="15000"/>
+            </a:schemeClr>
+          </a:lnRef>
+          <a:fillRef idx="1">
+            <a:schemeClr val="accent1"/>
+          </a:fillRef>
+          <a:effectRef idx="0">
+            <a:schemeClr val="accent1"/>
+          </a:effectRef>
+          <a:fontRef idx="minor">
+            <a:schemeClr val="lt1"/>
+          </a:fontRef>
+        </p:style>
+        <p:txBody>
+          <a:bodyPr rtlCol="0" anchor="ctr"/>
+          <a:lstStyle/>
+          <a:p>
+            <a:pPr algn="ctr"/>
+            <a:endParaRPr kumimoji="1" lang="ko-KR" altLang="en-US" sz="1600" dirty="0">
+              <a:solidFill>
+                <a:schemeClr val="tx1"/>
+              </a:solidFill>
+              <a:latin typeface="Cascadia Code" pitchFamily="49" charset="0"/>
+              <a:cs typeface="Cascadia Code" pitchFamily="49" charset="0"/>
+            </a:endParaRPr>
+          </a:p>
+        </p:txBody>
+      </p:sp>
+      <p:sp>
+        <p:nvSpPr>
+          <p:cNvPr id="6" name="직사각형 5">
+            <a:extLst>
+              <a:ext uri="{FF2B5EF4-FFF2-40B4-BE49-F238E27FC236}">
+                <a16:creationId xmlns:a16="http://schemas.microsoft.com/office/drawing/2014/main" id="{8988BB56-2294-9356-C0B2-3ABF763D8AD4}"/>
+              </a:ext>
+            </a:extLst>
+          </p:cNvPr>
+          <p:cNvSpPr/>
+          <p:nvPr/>
+        </p:nvSpPr>
+        <p:spPr>
+          <a:xfrm>
+            <a:off x="2045855" y="3523672"/>
+            <a:ext cx="1366982" cy="1283854"/>
+          </a:xfrm>
+          <a:prstGeom prst="rect">
+            <a:avLst/>
+          </a:prstGeom>
+          <a:solidFill>
+            <a:srgbClr val="FFFF00"/>
+          </a:solidFill>
+        </p:spPr>
+        <p:style>
+          <a:lnRef idx="2">
+            <a:schemeClr val="accent1">
+              <a:shade val="15000"/>
+            </a:schemeClr>
+          </a:lnRef>
+          <a:fillRef idx="1">
+            <a:schemeClr val="accent1"/>
+          </a:fillRef>
+          <a:effectRef idx="0">
+            <a:schemeClr val="accent1"/>
+          </a:effectRef>
+          <a:fontRef idx="minor">
+            <a:schemeClr val="lt1"/>
+          </a:fontRef>
+        </p:style>
+        <p:txBody>
+          <a:bodyPr rtlCol="0" anchor="ctr"/>
+          <a:lstStyle/>
+          <a:p>
+            <a:pPr algn="ctr"/>
+            <a:endParaRPr kumimoji="1" lang="ko-KR" altLang="en-US" sz="1600" dirty="0">
+              <a:solidFill>
+                <a:schemeClr val="tx1"/>
+              </a:solidFill>
+              <a:latin typeface="Cascadia Code" pitchFamily="49" charset="0"/>
+              <a:cs typeface="Cascadia Code" pitchFamily="49" charset="0"/>
+            </a:endParaRPr>
+          </a:p>
+        </p:txBody>
+      </p:sp>
+      <p:sp>
+        <p:nvSpPr>
+          <p:cNvPr id="7" name="타원 6">
+            <a:extLst>
+              <a:ext uri="{FF2B5EF4-FFF2-40B4-BE49-F238E27FC236}">
+                <a16:creationId xmlns:a16="http://schemas.microsoft.com/office/drawing/2014/main" id="{BBA09445-C5BD-0A63-B045-BD9D2E229620}"/>
+              </a:ext>
+            </a:extLst>
+          </p:cNvPr>
+          <p:cNvSpPr/>
+          <p:nvPr/>
+        </p:nvSpPr>
+        <p:spPr>
+          <a:xfrm>
+            <a:off x="7957127" y="1593272"/>
+            <a:ext cx="1551709" cy="1560945"/>
+          </a:xfrm>
+          <a:prstGeom prst="ellipse">
+            <a:avLst/>
+          </a:prstGeom>
+          <a:solidFill>
+            <a:srgbClr val="FFFF00"/>
+          </a:solidFill>
+        </p:spPr>
+        <p:style>
+          <a:lnRef idx="2">
+            <a:schemeClr val="accent1">
+              <a:shade val="15000"/>
+            </a:schemeClr>
+          </a:lnRef>
+          <a:fillRef idx="1">
+            <a:schemeClr val="accent1"/>
+          </a:fillRef>
+          <a:effectRef idx="0">
+            <a:schemeClr val="accent1"/>
+          </a:effectRef>
+          <a:fontRef idx="minor">
+            <a:schemeClr val="lt1"/>
+          </a:fontRef>
+        </p:style>
+        <p:txBody>
+          <a:bodyPr rtlCol="0" anchor="ctr"/>
+          <a:lstStyle/>
+          <a:p>
+            <a:pPr algn="ctr"/>
+            <a:endParaRPr kumimoji="1" lang="ko-KR" altLang="en-US" sz="1600" dirty="0">
+              <a:solidFill>
+                <a:schemeClr val="tx1"/>
+              </a:solidFill>
+              <a:latin typeface="Cascadia Code" pitchFamily="49" charset="0"/>
+              <a:cs typeface="Cascadia Code" pitchFamily="49" charset="0"/>
+            </a:endParaRPr>
+          </a:p>
+        </p:txBody>
+      </p:sp>
+    </p:spTree>
+    <p:extLst>
+      <p:ext uri="{BB962C8B-B14F-4D97-AF65-F5344CB8AC3E}">
+        <p14:creationId xmlns:p14="http://schemas.microsoft.com/office/powerpoint/2010/main" val="2772121907"/>
       </p:ext>
     </p:extLst>
   </p:cSld>
